--- a/Presentation_updated.pptx
+++ b/Presentation_updated.pptx
@@ -5,18 +5,22 @@
     <p:sldMasterId id="2147483840" r:id="rId1"/>
   </p:sldMasterIdLst>
   <p:notesMasterIdLst>
-    <p:notesMasterId r:id="rId11"/>
+    <p:notesMasterId r:id="rId15"/>
   </p:notesMasterIdLst>
   <p:sldIdLst>
     <p:sldId id="256" r:id="rId2"/>
     <p:sldId id="262" r:id="rId3"/>
     <p:sldId id="273" r:id="rId4"/>
-    <p:sldId id="280" r:id="rId5"/>
-    <p:sldId id="282" r:id="rId6"/>
-    <p:sldId id="281" r:id="rId7"/>
-    <p:sldId id="283" r:id="rId8"/>
-    <p:sldId id="284" r:id="rId9"/>
-    <p:sldId id="266" r:id="rId10"/>
+    <p:sldId id="286" r:id="rId5"/>
+    <p:sldId id="287" r:id="rId6"/>
+    <p:sldId id="285" r:id="rId7"/>
+    <p:sldId id="282" r:id="rId8"/>
+    <p:sldId id="281" r:id="rId9"/>
+    <p:sldId id="283" r:id="rId10"/>
+    <p:sldId id="280" r:id="rId11"/>
+    <p:sldId id="284" r:id="rId12"/>
+    <p:sldId id="288" r:id="rId13"/>
+    <p:sldId id="266" r:id="rId14"/>
   </p:sldIdLst>
   <p:sldSz cx="12192000" cy="6858000"/>
   <p:notesSz cx="6858000" cy="9144000"/>
@@ -4065,7 +4069,7 @@
           <a:p>
             <a:fld id="{AE73BE77-CF9D-41C1-9A46-0C9C6AF6D9EA}" type="datetimeFigureOut">
               <a:rPr lang="ro-RO" smtClean="0"/>
-              <a:t>07.11.2021</a:t>
+              <a:t>09.11.2021</a:t>
             </a:fld>
             <a:endParaRPr lang="ro-RO"/>
           </a:p>
@@ -4521,7 +4525,7 @@
           <a:p>
             <a:fld id="{98B0508E-28D7-4C07-A327-C6BAFBCA7AAB}" type="datetime1">
               <a:rPr lang="en-US" smtClean="0"/>
-              <a:t>11/7/2021</a:t>
+              <a:t>11/9/2021</a:t>
             </a:fld>
             <a:endParaRPr lang="en-US"/>
           </a:p>
@@ -4859,7 +4863,7 @@
           <a:p>
             <a:fld id="{85D7E6E6-63DB-4CB9-A4B7-0B5C8502880C}" type="datetime1">
               <a:rPr lang="en-US" smtClean="0"/>
-              <a:t>11/7/2021</a:t>
+              <a:t>11/9/2021</a:t>
             </a:fld>
             <a:endParaRPr lang="en-US"/>
           </a:p>
@@ -5260,7 +5264,7 @@
           <a:p>
             <a:fld id="{4DC9A3E7-B710-4DBB-9CDB-5B1B222BDE9B}" type="datetime1">
               <a:rPr lang="en-US" smtClean="0"/>
-              <a:t>11/7/2021</a:t>
+              <a:t>11/9/2021</a:t>
             </a:fld>
             <a:endParaRPr lang="en-US"/>
           </a:p>
@@ -5596,7 +5600,7 @@
           <a:p>
             <a:fld id="{052A376C-AC4E-4AE2-8D03-113E09A9F1B5}" type="datetime1">
               <a:rPr lang="en-US" smtClean="0"/>
-              <a:t>11/7/2021</a:t>
+              <a:t>11/9/2021</a:t>
             </a:fld>
             <a:endParaRPr lang="en-US"/>
           </a:p>
@@ -5916,7 +5920,7 @@
           <a:p>
             <a:fld id="{65CF54AA-C341-49DB-A9C0-1A801481D328}" type="datetime1">
               <a:rPr lang="en-US" smtClean="0"/>
-              <a:t>11/7/2021</a:t>
+              <a:t>11/9/2021</a:t>
             </a:fld>
             <a:endParaRPr lang="en-US"/>
           </a:p>
@@ -6312,7 +6316,7 @@
           <a:p>
             <a:fld id="{5746C5F4-9C02-4AD4-B46C-6F47799D1944}" type="datetime1">
               <a:rPr lang="en-US" smtClean="0"/>
-              <a:t>11/7/2021</a:t>
+              <a:t>11/9/2021</a:t>
             </a:fld>
             <a:endParaRPr lang="en-US"/>
           </a:p>
@@ -6569,7 +6573,7 @@
           <a:p>
             <a:fld id="{B31F226D-3415-48F1-9784-7B12C8D4E016}" type="datetime1">
               <a:rPr lang="en-US" smtClean="0"/>
-              <a:t>11/7/2021</a:t>
+              <a:t>11/9/2021</a:t>
             </a:fld>
             <a:endParaRPr lang="en-US"/>
           </a:p>
@@ -6831,7 +6835,7 @@
           <a:p>
             <a:fld id="{60456BFA-A8EE-4463-9964-640E3A989CC4}" type="datetime1">
               <a:rPr lang="en-US" smtClean="0"/>
-              <a:t>11/7/2021</a:t>
+              <a:t>11/9/2021</a:t>
             </a:fld>
             <a:endParaRPr lang="en-US"/>
           </a:p>
@@ -7093,7 +7097,7 @@
           <a:p>
             <a:fld id="{C5BFA40C-8B44-45C3-8C1E-2901B00428CB}" type="datetime1">
               <a:rPr lang="en-US" smtClean="0"/>
-              <a:t>11/7/2021</a:t>
+              <a:t>11/9/2021</a:t>
             </a:fld>
             <a:endParaRPr lang="en-US"/>
           </a:p>
@@ -7422,7 +7426,7 @@
           <a:p>
             <a:fld id="{E4C53A8D-9C21-45A1-8CAD-5F002E68E167}" type="datetime1">
               <a:rPr lang="en-US" smtClean="0"/>
-              <a:t>11/7/2021</a:t>
+              <a:t>11/9/2021</a:t>
             </a:fld>
             <a:endParaRPr lang="en-US"/>
           </a:p>
@@ -7745,7 +7749,7 @@
           <a:p>
             <a:fld id="{A441790C-7EDE-47EE-864F-D5327F59B305}" type="datetime1">
               <a:rPr lang="en-US" smtClean="0"/>
-              <a:t>11/7/2021</a:t>
+              <a:t>11/9/2021</a:t>
             </a:fld>
             <a:endParaRPr lang="en-US"/>
           </a:p>
@@ -8202,7 +8206,7 @@
           <a:p>
             <a:fld id="{AD684147-4086-4288-96C7-1FA46E51ACAA}" type="datetime1">
               <a:rPr lang="en-US" smtClean="0"/>
-              <a:t>11/7/2021</a:t>
+              <a:t>11/9/2021</a:t>
             </a:fld>
             <a:endParaRPr lang="en-US"/>
           </a:p>
@@ -8407,7 +8411,7 @@
           <a:p>
             <a:fld id="{AB352D7A-EBBE-41E8-9171-0ED3184DCA2A}" type="datetime1">
               <a:rPr lang="en-US" smtClean="0"/>
-              <a:t>11/7/2021</a:t>
+              <a:t>11/9/2021</a:t>
             </a:fld>
             <a:endParaRPr lang="en-US"/>
           </a:p>
@@ -8584,7 +8588,7 @@
           <a:p>
             <a:fld id="{CE271034-AA41-49D0-9F0C-DC0756C4B358}" type="datetime1">
               <a:rPr lang="en-US" smtClean="0"/>
-              <a:t>11/7/2021</a:t>
+              <a:t>11/9/2021</a:t>
             </a:fld>
             <a:endParaRPr lang="en-US"/>
           </a:p>
@@ -8917,7 +8921,7 @@
           <a:p>
             <a:fld id="{CF83C243-D147-42C5-8427-3744C5A07490}" type="datetime1">
               <a:rPr lang="en-US" smtClean="0"/>
-              <a:t>11/7/2021</a:t>
+              <a:t>11/9/2021</a:t>
             </a:fld>
             <a:endParaRPr lang="en-US"/>
           </a:p>
@@ -9262,7 +9266,7 @@
           <a:p>
             <a:fld id="{498AEDB7-8E0A-4FBF-AB15-E332CD4821F1}" type="datetime1">
               <a:rPr lang="en-US" smtClean="0"/>
-              <a:t>11/7/2021</a:t>
+              <a:t>11/9/2021</a:t>
             </a:fld>
             <a:endParaRPr lang="en-US"/>
           </a:p>
@@ -11379,7 +11383,7 @@
           <a:p>
             <a:fld id="{CF8D28FF-3BD9-45DA-B7F0-CC83C12E3FF2}" type="datetime1">
               <a:rPr lang="en-US" smtClean="0"/>
-              <a:t>11/7/2021</a:t>
+              <a:t>11/9/2021</a:t>
             </a:fld>
             <a:endParaRPr lang="en-US"/>
           </a:p>
@@ -12504,6 +12508,1045 @@
 </p:sld>
 </file>
 
+<file path=ppt/slides/slide10.xml><?xml version="1.0" encoding="utf-8"?>
+<p:sld xmlns:a="http://schemas.openxmlformats.org/drawingml/2006/main" xmlns:r="http://schemas.openxmlformats.org/officeDocument/2006/relationships" xmlns:p="http://schemas.openxmlformats.org/presentationml/2006/main">
+  <p:cSld>
+    <p:spTree>
+      <p:nvGrpSpPr>
+        <p:cNvPr id="1" name=""/>
+        <p:cNvGrpSpPr/>
+        <p:nvPr/>
+      </p:nvGrpSpPr>
+      <p:grpSpPr>
+        <a:xfrm>
+          <a:off x="0" y="0"/>
+          <a:ext cx="0" cy="0"/>
+          <a:chOff x="0" y="0"/>
+          <a:chExt cx="0" cy="0"/>
+        </a:xfrm>
+      </p:grpSpPr>
+      <p:sp>
+        <p:nvSpPr>
+          <p:cNvPr id="12" name="Title 1">
+            <a:extLst>
+              <a:ext uri="{FF2B5EF4-FFF2-40B4-BE49-F238E27FC236}">
+                <a16:creationId xmlns:a16="http://schemas.microsoft.com/office/drawing/2014/main" id="{05ACE682-1B73-40BF-BA3B-B531FBAF2E9A}"/>
+              </a:ext>
+            </a:extLst>
+          </p:cNvPr>
+          <p:cNvSpPr>
+            <a:spLocks noGrp="1"/>
+          </p:cNvSpPr>
+          <p:nvPr>
+            <p:ph type="title"/>
+          </p:nvPr>
+        </p:nvSpPr>
+        <p:spPr>
+          <a:xfrm>
+            <a:off x="2623396" y="801731"/>
+            <a:ext cx="7190913" cy="1080938"/>
+          </a:xfrm>
+        </p:spPr>
+        <p:txBody>
+          <a:bodyPr>
+            <a:normAutofit fontScale="90000"/>
+          </a:bodyPr>
+          <a:lstStyle/>
+          <a:p>
+            <a:pPr algn="ctr"/>
+            <a:r>
+              <a:rPr lang="en-US" sz="4800" dirty="0"/>
+              <a:t>Classification</a:t>
+            </a:r>
+            <a:br>
+              <a:rPr lang="en-US" sz="4800" dirty="0"/>
+            </a:br>
+            <a:r>
+              <a:rPr lang="en-US" sz="4800" dirty="0"/>
+              <a:t>-multiclass-</a:t>
+            </a:r>
+          </a:p>
+        </p:txBody>
+      </p:sp>
+      <p:sp>
+        <p:nvSpPr>
+          <p:cNvPr id="8" name="Slide Number Placeholder 5">
+            <a:extLst>
+              <a:ext uri="{FF2B5EF4-FFF2-40B4-BE49-F238E27FC236}">
+                <a16:creationId xmlns:a16="http://schemas.microsoft.com/office/drawing/2014/main" id="{974E51E9-613F-49E1-8A93-AF9AF175FA01}"/>
+              </a:ext>
+            </a:extLst>
+          </p:cNvPr>
+          <p:cNvSpPr txBox="1">
+            <a:spLocks/>
+          </p:cNvSpPr>
+          <p:nvPr/>
+        </p:nvSpPr>
+        <p:spPr bwMode="gray">
+          <a:xfrm>
+            <a:off x="11010090" y="6231913"/>
+            <a:ext cx="779767" cy="365125"/>
+          </a:xfrm>
+          <a:prstGeom prst="rect">
+            <a:avLst/>
+          </a:prstGeom>
+        </p:spPr>
+        <p:txBody>
+          <a:bodyPr vert="horz" lIns="91440" tIns="45720" rIns="91440" bIns="45720" rtlCol="0" anchor="ctr"/>
+          <a:lstStyle>
+            <a:defPPr>
+              <a:defRPr lang="en-US"/>
+            </a:defPPr>
+            <a:lvl1pPr marL="0" algn="r" defTabSz="457200" rtl="0" eaLnBrk="1" latinLnBrk="0" hangingPunct="1">
+              <a:defRPr sz="2000" kern="1200">
+                <a:solidFill>
+                  <a:srgbClr val="FEFFFF"/>
+                </a:solidFill>
+                <a:latin typeface="+mn-lt"/>
+                <a:ea typeface="+mn-ea"/>
+                <a:cs typeface="+mn-cs"/>
+              </a:defRPr>
+            </a:lvl1pPr>
+            <a:lvl2pPr marL="457200" algn="l" defTabSz="457200" rtl="0" eaLnBrk="1" latinLnBrk="0" hangingPunct="1">
+              <a:defRPr sz="1800" kern="1200">
+                <a:solidFill>
+                  <a:schemeClr val="tx1"/>
+                </a:solidFill>
+                <a:latin typeface="+mn-lt"/>
+                <a:ea typeface="+mn-ea"/>
+                <a:cs typeface="+mn-cs"/>
+              </a:defRPr>
+            </a:lvl2pPr>
+            <a:lvl3pPr marL="914400" algn="l" defTabSz="457200" rtl="0" eaLnBrk="1" latinLnBrk="0" hangingPunct="1">
+              <a:defRPr sz="1800" kern="1200">
+                <a:solidFill>
+                  <a:schemeClr val="tx1"/>
+                </a:solidFill>
+                <a:latin typeface="+mn-lt"/>
+                <a:ea typeface="+mn-ea"/>
+                <a:cs typeface="+mn-cs"/>
+              </a:defRPr>
+            </a:lvl3pPr>
+            <a:lvl4pPr marL="1371600" algn="l" defTabSz="457200" rtl="0" eaLnBrk="1" latinLnBrk="0" hangingPunct="1">
+              <a:defRPr sz="1800" kern="1200">
+                <a:solidFill>
+                  <a:schemeClr val="tx1"/>
+                </a:solidFill>
+                <a:latin typeface="+mn-lt"/>
+                <a:ea typeface="+mn-ea"/>
+                <a:cs typeface="+mn-cs"/>
+              </a:defRPr>
+            </a:lvl4pPr>
+            <a:lvl5pPr marL="1828800" algn="l" defTabSz="457200" rtl="0" eaLnBrk="1" latinLnBrk="0" hangingPunct="1">
+              <a:defRPr sz="1800" kern="1200">
+                <a:solidFill>
+                  <a:schemeClr val="tx1"/>
+                </a:solidFill>
+                <a:latin typeface="+mn-lt"/>
+                <a:ea typeface="+mn-ea"/>
+                <a:cs typeface="+mn-cs"/>
+              </a:defRPr>
+            </a:lvl5pPr>
+            <a:lvl6pPr marL="2286000" algn="l" defTabSz="457200" rtl="0" eaLnBrk="1" latinLnBrk="0" hangingPunct="1">
+              <a:defRPr sz="1800" kern="1200">
+                <a:solidFill>
+                  <a:schemeClr val="tx1"/>
+                </a:solidFill>
+                <a:latin typeface="+mn-lt"/>
+                <a:ea typeface="+mn-ea"/>
+                <a:cs typeface="+mn-cs"/>
+              </a:defRPr>
+            </a:lvl6pPr>
+            <a:lvl7pPr marL="2743200" algn="l" defTabSz="457200" rtl="0" eaLnBrk="1" latinLnBrk="0" hangingPunct="1">
+              <a:defRPr sz="1800" kern="1200">
+                <a:solidFill>
+                  <a:schemeClr val="tx1"/>
+                </a:solidFill>
+                <a:latin typeface="+mn-lt"/>
+                <a:ea typeface="+mn-ea"/>
+                <a:cs typeface="+mn-cs"/>
+              </a:defRPr>
+            </a:lvl7pPr>
+            <a:lvl8pPr marL="3200400" algn="l" defTabSz="457200" rtl="0" eaLnBrk="1" latinLnBrk="0" hangingPunct="1">
+              <a:defRPr sz="1800" kern="1200">
+                <a:solidFill>
+                  <a:schemeClr val="tx1"/>
+                </a:solidFill>
+                <a:latin typeface="+mn-lt"/>
+                <a:ea typeface="+mn-ea"/>
+                <a:cs typeface="+mn-cs"/>
+              </a:defRPr>
+            </a:lvl8pPr>
+            <a:lvl9pPr marL="3657600" algn="l" defTabSz="457200" rtl="0" eaLnBrk="1" latinLnBrk="0" hangingPunct="1">
+              <a:defRPr sz="1800" kern="1200">
+                <a:solidFill>
+                  <a:schemeClr val="tx1"/>
+                </a:solidFill>
+                <a:latin typeface="+mn-lt"/>
+                <a:ea typeface="+mn-ea"/>
+                <a:cs typeface="+mn-cs"/>
+              </a:defRPr>
+            </a:lvl9pPr>
+          </a:lstStyle>
+          <a:p>
+            <a:fld id="{19584825-D934-4E20-B0C8-29FEC7CA1AF9}" type="slidenum">
+              <a:rPr lang="en-US" smtClean="0">
+                <a:solidFill>
+                  <a:schemeClr val="tx1"/>
+                </a:solidFill>
+              </a:rPr>
+              <a:pPr/>
+              <a:t>10</a:t>
+            </a:fld>
+            <a:endParaRPr lang="en-US" dirty="0">
+              <a:solidFill>
+                <a:schemeClr val="tx1"/>
+              </a:solidFill>
+            </a:endParaRPr>
+          </a:p>
+        </p:txBody>
+      </p:sp>
+      <p:pic>
+        <p:nvPicPr>
+          <p:cNvPr id="9" name="Picture 8" descr="A picture containing text, clipart&#10;&#10;Description automatically generated">
+            <a:extLst>
+              <a:ext uri="{FF2B5EF4-FFF2-40B4-BE49-F238E27FC236}">
+                <a16:creationId xmlns:a16="http://schemas.microsoft.com/office/drawing/2014/main" id="{942D71B3-CD34-43E5-9D3F-BA2819AE22EA}"/>
+              </a:ext>
+            </a:extLst>
+          </p:cNvPr>
+          <p:cNvPicPr>
+            <a:picLocks noChangeAspect="1"/>
+          </p:cNvPicPr>
+          <p:nvPr/>
+        </p:nvPicPr>
+        <p:blipFill rotWithShape="1">
+          <a:blip r:embed="rId2">
+            <a:extLst>
+              <a:ext uri="{28A0092B-C50C-407E-A947-70E740481C1C}">
+                <a14:useLocalDpi xmlns:a14="http://schemas.microsoft.com/office/drawing/2010/main" val="0"/>
+              </a:ext>
+            </a:extLst>
+          </a:blip>
+          <a:srcRect r="57677"/>
+          <a:stretch/>
+        </p:blipFill>
+        <p:spPr>
+          <a:xfrm>
+            <a:off x="10608300" y="437028"/>
+            <a:ext cx="1428567" cy="1066632"/>
+          </a:xfrm>
+          <a:prstGeom prst="rect">
+            <a:avLst/>
+          </a:prstGeom>
+        </p:spPr>
+      </p:pic>
+      <p:pic>
+        <p:nvPicPr>
+          <p:cNvPr id="13" name="Picture 12" descr="Logo&#10;&#10;Description automatically generated">
+            <a:extLst>
+              <a:ext uri="{FF2B5EF4-FFF2-40B4-BE49-F238E27FC236}">
+                <a16:creationId xmlns:a16="http://schemas.microsoft.com/office/drawing/2014/main" id="{0B34AC09-580D-4C50-930A-7592EF4E9F8E}"/>
+              </a:ext>
+            </a:extLst>
+          </p:cNvPr>
+          <p:cNvPicPr>
+            <a:picLocks noChangeAspect="1"/>
+          </p:cNvPicPr>
+          <p:nvPr/>
+        </p:nvPicPr>
+        <p:blipFill>
+          <a:blip r:embed="rId3">
+            <a:extLst>
+              <a:ext uri="{28A0092B-C50C-407E-A947-70E740481C1C}">
+                <a14:useLocalDpi xmlns:a14="http://schemas.microsoft.com/office/drawing/2010/main" val="0"/>
+              </a:ext>
+            </a:extLst>
+          </a:blip>
+          <a:stretch>
+            <a:fillRect/>
+          </a:stretch>
+        </p:blipFill>
+        <p:spPr>
+          <a:xfrm>
+            <a:off x="1829405" y="499758"/>
+            <a:ext cx="1376588" cy="941171"/>
+          </a:xfrm>
+          <a:prstGeom prst="rect">
+            <a:avLst/>
+          </a:prstGeom>
+        </p:spPr>
+      </p:pic>
+    </p:spTree>
+    <p:extLst>
+      <p:ext uri="{BB962C8B-B14F-4D97-AF65-F5344CB8AC3E}">
+        <p14:creationId xmlns:p14="http://schemas.microsoft.com/office/powerpoint/2010/main" val="212263992"/>
+      </p:ext>
+    </p:extLst>
+  </p:cSld>
+  <p:clrMapOvr>
+    <a:masterClrMapping/>
+  </p:clrMapOvr>
+</p:sld>
+</file>
+
+<file path=ppt/slides/slide11.xml><?xml version="1.0" encoding="utf-8"?>
+<p:sld xmlns:a="http://schemas.openxmlformats.org/drawingml/2006/main" xmlns:r="http://schemas.openxmlformats.org/officeDocument/2006/relationships" xmlns:p="http://schemas.openxmlformats.org/presentationml/2006/main">
+  <p:cSld>
+    <p:spTree>
+      <p:nvGrpSpPr>
+        <p:cNvPr id="1" name=""/>
+        <p:cNvGrpSpPr/>
+        <p:nvPr/>
+      </p:nvGrpSpPr>
+      <p:grpSpPr>
+        <a:xfrm>
+          <a:off x="0" y="0"/>
+          <a:ext cx="0" cy="0"/>
+          <a:chOff x="0" y="0"/>
+          <a:chExt cx="0" cy="0"/>
+        </a:xfrm>
+      </p:grpSpPr>
+      <p:sp>
+        <p:nvSpPr>
+          <p:cNvPr id="12" name="Title 1">
+            <a:extLst>
+              <a:ext uri="{FF2B5EF4-FFF2-40B4-BE49-F238E27FC236}">
+                <a16:creationId xmlns:a16="http://schemas.microsoft.com/office/drawing/2014/main" id="{05ACE682-1B73-40BF-BA3B-B531FBAF2E9A}"/>
+              </a:ext>
+            </a:extLst>
+          </p:cNvPr>
+          <p:cNvSpPr>
+            <a:spLocks noGrp="1"/>
+          </p:cNvSpPr>
+          <p:nvPr>
+            <p:ph type="title"/>
+          </p:nvPr>
+        </p:nvSpPr>
+        <p:spPr>
+          <a:xfrm>
+            <a:off x="2623396" y="801731"/>
+            <a:ext cx="7190913" cy="1080938"/>
+          </a:xfrm>
+        </p:spPr>
+        <p:txBody>
+          <a:bodyPr>
+            <a:normAutofit/>
+          </a:bodyPr>
+          <a:lstStyle/>
+          <a:p>
+            <a:pPr algn="ctr"/>
+            <a:r>
+              <a:rPr lang="en-US" sz="4800" dirty="0"/>
+              <a:t>Results</a:t>
+            </a:r>
+          </a:p>
+        </p:txBody>
+      </p:sp>
+      <p:sp>
+        <p:nvSpPr>
+          <p:cNvPr id="8" name="Slide Number Placeholder 5">
+            <a:extLst>
+              <a:ext uri="{FF2B5EF4-FFF2-40B4-BE49-F238E27FC236}">
+                <a16:creationId xmlns:a16="http://schemas.microsoft.com/office/drawing/2014/main" id="{974E51E9-613F-49E1-8A93-AF9AF175FA01}"/>
+              </a:ext>
+            </a:extLst>
+          </p:cNvPr>
+          <p:cNvSpPr txBox="1">
+            <a:spLocks/>
+          </p:cNvSpPr>
+          <p:nvPr/>
+        </p:nvSpPr>
+        <p:spPr bwMode="gray">
+          <a:xfrm>
+            <a:off x="11010090" y="6231913"/>
+            <a:ext cx="779767" cy="365125"/>
+          </a:xfrm>
+          <a:prstGeom prst="rect">
+            <a:avLst/>
+          </a:prstGeom>
+        </p:spPr>
+        <p:txBody>
+          <a:bodyPr vert="horz" lIns="91440" tIns="45720" rIns="91440" bIns="45720" rtlCol="0" anchor="ctr"/>
+          <a:lstStyle>
+            <a:defPPr>
+              <a:defRPr lang="en-US"/>
+            </a:defPPr>
+            <a:lvl1pPr marL="0" algn="r" defTabSz="457200" rtl="0" eaLnBrk="1" latinLnBrk="0" hangingPunct="1">
+              <a:defRPr sz="2000" kern="1200">
+                <a:solidFill>
+                  <a:srgbClr val="FEFFFF"/>
+                </a:solidFill>
+                <a:latin typeface="+mn-lt"/>
+                <a:ea typeface="+mn-ea"/>
+                <a:cs typeface="+mn-cs"/>
+              </a:defRPr>
+            </a:lvl1pPr>
+            <a:lvl2pPr marL="457200" algn="l" defTabSz="457200" rtl="0" eaLnBrk="1" latinLnBrk="0" hangingPunct="1">
+              <a:defRPr sz="1800" kern="1200">
+                <a:solidFill>
+                  <a:schemeClr val="tx1"/>
+                </a:solidFill>
+                <a:latin typeface="+mn-lt"/>
+                <a:ea typeface="+mn-ea"/>
+                <a:cs typeface="+mn-cs"/>
+              </a:defRPr>
+            </a:lvl2pPr>
+            <a:lvl3pPr marL="914400" algn="l" defTabSz="457200" rtl="0" eaLnBrk="1" latinLnBrk="0" hangingPunct="1">
+              <a:defRPr sz="1800" kern="1200">
+                <a:solidFill>
+                  <a:schemeClr val="tx1"/>
+                </a:solidFill>
+                <a:latin typeface="+mn-lt"/>
+                <a:ea typeface="+mn-ea"/>
+                <a:cs typeface="+mn-cs"/>
+              </a:defRPr>
+            </a:lvl3pPr>
+            <a:lvl4pPr marL="1371600" algn="l" defTabSz="457200" rtl="0" eaLnBrk="1" latinLnBrk="0" hangingPunct="1">
+              <a:defRPr sz="1800" kern="1200">
+                <a:solidFill>
+                  <a:schemeClr val="tx1"/>
+                </a:solidFill>
+                <a:latin typeface="+mn-lt"/>
+                <a:ea typeface="+mn-ea"/>
+                <a:cs typeface="+mn-cs"/>
+              </a:defRPr>
+            </a:lvl4pPr>
+            <a:lvl5pPr marL="1828800" algn="l" defTabSz="457200" rtl="0" eaLnBrk="1" latinLnBrk="0" hangingPunct="1">
+              <a:defRPr sz="1800" kern="1200">
+                <a:solidFill>
+                  <a:schemeClr val="tx1"/>
+                </a:solidFill>
+                <a:latin typeface="+mn-lt"/>
+                <a:ea typeface="+mn-ea"/>
+                <a:cs typeface="+mn-cs"/>
+              </a:defRPr>
+            </a:lvl5pPr>
+            <a:lvl6pPr marL="2286000" algn="l" defTabSz="457200" rtl="0" eaLnBrk="1" latinLnBrk="0" hangingPunct="1">
+              <a:defRPr sz="1800" kern="1200">
+                <a:solidFill>
+                  <a:schemeClr val="tx1"/>
+                </a:solidFill>
+                <a:latin typeface="+mn-lt"/>
+                <a:ea typeface="+mn-ea"/>
+                <a:cs typeface="+mn-cs"/>
+              </a:defRPr>
+            </a:lvl6pPr>
+            <a:lvl7pPr marL="2743200" algn="l" defTabSz="457200" rtl="0" eaLnBrk="1" latinLnBrk="0" hangingPunct="1">
+              <a:defRPr sz="1800" kern="1200">
+                <a:solidFill>
+                  <a:schemeClr val="tx1"/>
+                </a:solidFill>
+                <a:latin typeface="+mn-lt"/>
+                <a:ea typeface="+mn-ea"/>
+                <a:cs typeface="+mn-cs"/>
+              </a:defRPr>
+            </a:lvl7pPr>
+            <a:lvl8pPr marL="3200400" algn="l" defTabSz="457200" rtl="0" eaLnBrk="1" latinLnBrk="0" hangingPunct="1">
+              <a:defRPr sz="1800" kern="1200">
+                <a:solidFill>
+                  <a:schemeClr val="tx1"/>
+                </a:solidFill>
+                <a:latin typeface="+mn-lt"/>
+                <a:ea typeface="+mn-ea"/>
+                <a:cs typeface="+mn-cs"/>
+              </a:defRPr>
+            </a:lvl8pPr>
+            <a:lvl9pPr marL="3657600" algn="l" defTabSz="457200" rtl="0" eaLnBrk="1" latinLnBrk="0" hangingPunct="1">
+              <a:defRPr sz="1800" kern="1200">
+                <a:solidFill>
+                  <a:schemeClr val="tx1"/>
+                </a:solidFill>
+                <a:latin typeface="+mn-lt"/>
+                <a:ea typeface="+mn-ea"/>
+                <a:cs typeface="+mn-cs"/>
+              </a:defRPr>
+            </a:lvl9pPr>
+          </a:lstStyle>
+          <a:p>
+            <a:fld id="{19584825-D934-4E20-B0C8-29FEC7CA1AF9}" type="slidenum">
+              <a:rPr lang="en-US" smtClean="0">
+                <a:solidFill>
+                  <a:schemeClr val="tx1"/>
+                </a:solidFill>
+              </a:rPr>
+              <a:pPr/>
+              <a:t>11</a:t>
+            </a:fld>
+            <a:endParaRPr lang="en-US" dirty="0">
+              <a:solidFill>
+                <a:schemeClr val="tx1"/>
+              </a:solidFill>
+            </a:endParaRPr>
+          </a:p>
+        </p:txBody>
+      </p:sp>
+      <p:pic>
+        <p:nvPicPr>
+          <p:cNvPr id="9" name="Picture 8" descr="A picture containing text, clipart&#10;&#10;Description automatically generated">
+            <a:extLst>
+              <a:ext uri="{FF2B5EF4-FFF2-40B4-BE49-F238E27FC236}">
+                <a16:creationId xmlns:a16="http://schemas.microsoft.com/office/drawing/2014/main" id="{942D71B3-CD34-43E5-9D3F-BA2819AE22EA}"/>
+              </a:ext>
+            </a:extLst>
+          </p:cNvPr>
+          <p:cNvPicPr>
+            <a:picLocks noChangeAspect="1"/>
+          </p:cNvPicPr>
+          <p:nvPr/>
+        </p:nvPicPr>
+        <p:blipFill rotWithShape="1">
+          <a:blip r:embed="rId2">
+            <a:extLst>
+              <a:ext uri="{28A0092B-C50C-407E-A947-70E740481C1C}">
+                <a14:useLocalDpi xmlns:a14="http://schemas.microsoft.com/office/drawing/2010/main" val="0"/>
+              </a:ext>
+            </a:extLst>
+          </a:blip>
+          <a:srcRect r="57677"/>
+          <a:stretch/>
+        </p:blipFill>
+        <p:spPr>
+          <a:xfrm>
+            <a:off x="10608300" y="437028"/>
+            <a:ext cx="1428567" cy="1066632"/>
+          </a:xfrm>
+          <a:prstGeom prst="rect">
+            <a:avLst/>
+          </a:prstGeom>
+        </p:spPr>
+      </p:pic>
+      <p:pic>
+        <p:nvPicPr>
+          <p:cNvPr id="13" name="Picture 12" descr="Logo&#10;&#10;Description automatically generated">
+            <a:extLst>
+              <a:ext uri="{FF2B5EF4-FFF2-40B4-BE49-F238E27FC236}">
+                <a16:creationId xmlns:a16="http://schemas.microsoft.com/office/drawing/2014/main" id="{0B34AC09-580D-4C50-930A-7592EF4E9F8E}"/>
+              </a:ext>
+            </a:extLst>
+          </p:cNvPr>
+          <p:cNvPicPr>
+            <a:picLocks noChangeAspect="1"/>
+          </p:cNvPicPr>
+          <p:nvPr/>
+        </p:nvPicPr>
+        <p:blipFill>
+          <a:blip r:embed="rId3">
+            <a:extLst>
+              <a:ext uri="{28A0092B-C50C-407E-A947-70E740481C1C}">
+                <a14:useLocalDpi xmlns:a14="http://schemas.microsoft.com/office/drawing/2010/main" val="0"/>
+              </a:ext>
+            </a:extLst>
+          </a:blip>
+          <a:stretch>
+            <a:fillRect/>
+          </a:stretch>
+        </p:blipFill>
+        <p:spPr>
+          <a:xfrm>
+            <a:off x="1829405" y="499758"/>
+            <a:ext cx="1376588" cy="941171"/>
+          </a:xfrm>
+          <a:prstGeom prst="rect">
+            <a:avLst/>
+          </a:prstGeom>
+        </p:spPr>
+      </p:pic>
+      <p:pic>
+        <p:nvPicPr>
+          <p:cNvPr id="14" name="Picture 13" descr="Icon&#10;&#10;Description automatically generated">
+            <a:extLst>
+              <a:ext uri="{FF2B5EF4-FFF2-40B4-BE49-F238E27FC236}">
+                <a16:creationId xmlns:a16="http://schemas.microsoft.com/office/drawing/2014/main" id="{914F1D4F-30BC-45BB-8EC2-00CC19A18DCC}"/>
+              </a:ext>
+            </a:extLst>
+          </p:cNvPr>
+          <p:cNvPicPr>
+            <a:picLocks noChangeAspect="1"/>
+          </p:cNvPicPr>
+          <p:nvPr/>
+        </p:nvPicPr>
+        <p:blipFill>
+          <a:blip r:embed="rId4">
+            <a:extLst>
+              <a:ext uri="{28A0092B-C50C-407E-A947-70E740481C1C}">
+                <a14:useLocalDpi xmlns:a14="http://schemas.microsoft.com/office/drawing/2010/main" val="0"/>
+              </a:ext>
+            </a:extLst>
+          </a:blip>
+          <a:stretch>
+            <a:fillRect/>
+          </a:stretch>
+        </p:blipFill>
+        <p:spPr>
+          <a:xfrm>
+            <a:off x="5673625" y="2338547"/>
+            <a:ext cx="1090453" cy="1090453"/>
+          </a:xfrm>
+          <a:prstGeom prst="rect">
+            <a:avLst/>
+          </a:prstGeom>
+        </p:spPr>
+      </p:pic>
+    </p:spTree>
+    <p:extLst>
+      <p:ext uri="{BB962C8B-B14F-4D97-AF65-F5344CB8AC3E}">
+        <p14:creationId xmlns:p14="http://schemas.microsoft.com/office/powerpoint/2010/main" val="1654516134"/>
+      </p:ext>
+    </p:extLst>
+  </p:cSld>
+  <p:clrMapOvr>
+    <a:masterClrMapping/>
+  </p:clrMapOvr>
+</p:sld>
+</file>
+
+<file path=ppt/slides/slide12.xml><?xml version="1.0" encoding="utf-8"?>
+<p:sld xmlns:a="http://schemas.openxmlformats.org/drawingml/2006/main" xmlns:r="http://schemas.openxmlformats.org/officeDocument/2006/relationships" xmlns:p="http://schemas.openxmlformats.org/presentationml/2006/main">
+  <p:cSld>
+    <p:spTree>
+      <p:nvGrpSpPr>
+        <p:cNvPr id="1" name=""/>
+        <p:cNvGrpSpPr/>
+        <p:nvPr/>
+      </p:nvGrpSpPr>
+      <p:grpSpPr>
+        <a:xfrm>
+          <a:off x="0" y="0"/>
+          <a:ext cx="0" cy="0"/>
+          <a:chOff x="0" y="0"/>
+          <a:chExt cx="0" cy="0"/>
+        </a:xfrm>
+      </p:grpSpPr>
+      <p:sp>
+        <p:nvSpPr>
+          <p:cNvPr id="12" name="Title 1">
+            <a:extLst>
+              <a:ext uri="{FF2B5EF4-FFF2-40B4-BE49-F238E27FC236}">
+                <a16:creationId xmlns:a16="http://schemas.microsoft.com/office/drawing/2014/main" id="{05ACE682-1B73-40BF-BA3B-B531FBAF2E9A}"/>
+              </a:ext>
+            </a:extLst>
+          </p:cNvPr>
+          <p:cNvSpPr>
+            <a:spLocks noGrp="1"/>
+          </p:cNvSpPr>
+          <p:nvPr>
+            <p:ph type="title"/>
+          </p:nvPr>
+        </p:nvSpPr>
+        <p:spPr>
+          <a:xfrm>
+            <a:off x="2623396" y="801731"/>
+            <a:ext cx="7190913" cy="1080938"/>
+          </a:xfrm>
+        </p:spPr>
+        <p:txBody>
+          <a:bodyPr>
+            <a:normAutofit/>
+          </a:bodyPr>
+          <a:lstStyle/>
+          <a:p>
+            <a:pPr algn="ctr"/>
+            <a:r>
+              <a:rPr lang="en-US" sz="4800" dirty="0"/>
+              <a:t>Conclusion</a:t>
+            </a:r>
+          </a:p>
+        </p:txBody>
+      </p:sp>
+      <p:sp>
+        <p:nvSpPr>
+          <p:cNvPr id="8" name="Slide Number Placeholder 5">
+            <a:extLst>
+              <a:ext uri="{FF2B5EF4-FFF2-40B4-BE49-F238E27FC236}">
+                <a16:creationId xmlns:a16="http://schemas.microsoft.com/office/drawing/2014/main" id="{974E51E9-613F-49E1-8A93-AF9AF175FA01}"/>
+              </a:ext>
+            </a:extLst>
+          </p:cNvPr>
+          <p:cNvSpPr txBox="1">
+            <a:spLocks/>
+          </p:cNvSpPr>
+          <p:nvPr/>
+        </p:nvSpPr>
+        <p:spPr bwMode="gray">
+          <a:xfrm>
+            <a:off x="11010090" y="6231913"/>
+            <a:ext cx="779767" cy="365125"/>
+          </a:xfrm>
+          <a:prstGeom prst="rect">
+            <a:avLst/>
+          </a:prstGeom>
+        </p:spPr>
+        <p:txBody>
+          <a:bodyPr vert="horz" lIns="91440" tIns="45720" rIns="91440" bIns="45720" rtlCol="0" anchor="ctr"/>
+          <a:lstStyle>
+            <a:defPPr>
+              <a:defRPr lang="en-US"/>
+            </a:defPPr>
+            <a:lvl1pPr marL="0" algn="r" defTabSz="457200" rtl="0" eaLnBrk="1" latinLnBrk="0" hangingPunct="1">
+              <a:defRPr sz="2000" kern="1200">
+                <a:solidFill>
+                  <a:srgbClr val="FEFFFF"/>
+                </a:solidFill>
+                <a:latin typeface="+mn-lt"/>
+                <a:ea typeface="+mn-ea"/>
+                <a:cs typeface="+mn-cs"/>
+              </a:defRPr>
+            </a:lvl1pPr>
+            <a:lvl2pPr marL="457200" algn="l" defTabSz="457200" rtl="0" eaLnBrk="1" latinLnBrk="0" hangingPunct="1">
+              <a:defRPr sz="1800" kern="1200">
+                <a:solidFill>
+                  <a:schemeClr val="tx1"/>
+                </a:solidFill>
+                <a:latin typeface="+mn-lt"/>
+                <a:ea typeface="+mn-ea"/>
+                <a:cs typeface="+mn-cs"/>
+              </a:defRPr>
+            </a:lvl2pPr>
+            <a:lvl3pPr marL="914400" algn="l" defTabSz="457200" rtl="0" eaLnBrk="1" latinLnBrk="0" hangingPunct="1">
+              <a:defRPr sz="1800" kern="1200">
+                <a:solidFill>
+                  <a:schemeClr val="tx1"/>
+                </a:solidFill>
+                <a:latin typeface="+mn-lt"/>
+                <a:ea typeface="+mn-ea"/>
+                <a:cs typeface="+mn-cs"/>
+              </a:defRPr>
+            </a:lvl3pPr>
+            <a:lvl4pPr marL="1371600" algn="l" defTabSz="457200" rtl="0" eaLnBrk="1" latinLnBrk="0" hangingPunct="1">
+              <a:defRPr sz="1800" kern="1200">
+                <a:solidFill>
+                  <a:schemeClr val="tx1"/>
+                </a:solidFill>
+                <a:latin typeface="+mn-lt"/>
+                <a:ea typeface="+mn-ea"/>
+                <a:cs typeface="+mn-cs"/>
+              </a:defRPr>
+            </a:lvl4pPr>
+            <a:lvl5pPr marL="1828800" algn="l" defTabSz="457200" rtl="0" eaLnBrk="1" latinLnBrk="0" hangingPunct="1">
+              <a:defRPr sz="1800" kern="1200">
+                <a:solidFill>
+                  <a:schemeClr val="tx1"/>
+                </a:solidFill>
+                <a:latin typeface="+mn-lt"/>
+                <a:ea typeface="+mn-ea"/>
+                <a:cs typeface="+mn-cs"/>
+              </a:defRPr>
+            </a:lvl5pPr>
+            <a:lvl6pPr marL="2286000" algn="l" defTabSz="457200" rtl="0" eaLnBrk="1" latinLnBrk="0" hangingPunct="1">
+              <a:defRPr sz="1800" kern="1200">
+                <a:solidFill>
+                  <a:schemeClr val="tx1"/>
+                </a:solidFill>
+                <a:latin typeface="+mn-lt"/>
+                <a:ea typeface="+mn-ea"/>
+                <a:cs typeface="+mn-cs"/>
+              </a:defRPr>
+            </a:lvl6pPr>
+            <a:lvl7pPr marL="2743200" algn="l" defTabSz="457200" rtl="0" eaLnBrk="1" latinLnBrk="0" hangingPunct="1">
+              <a:defRPr sz="1800" kern="1200">
+                <a:solidFill>
+                  <a:schemeClr val="tx1"/>
+                </a:solidFill>
+                <a:latin typeface="+mn-lt"/>
+                <a:ea typeface="+mn-ea"/>
+                <a:cs typeface="+mn-cs"/>
+              </a:defRPr>
+            </a:lvl7pPr>
+            <a:lvl8pPr marL="3200400" algn="l" defTabSz="457200" rtl="0" eaLnBrk="1" latinLnBrk="0" hangingPunct="1">
+              <a:defRPr sz="1800" kern="1200">
+                <a:solidFill>
+                  <a:schemeClr val="tx1"/>
+                </a:solidFill>
+                <a:latin typeface="+mn-lt"/>
+                <a:ea typeface="+mn-ea"/>
+                <a:cs typeface="+mn-cs"/>
+              </a:defRPr>
+            </a:lvl8pPr>
+            <a:lvl9pPr marL="3657600" algn="l" defTabSz="457200" rtl="0" eaLnBrk="1" latinLnBrk="0" hangingPunct="1">
+              <a:defRPr sz="1800" kern="1200">
+                <a:solidFill>
+                  <a:schemeClr val="tx1"/>
+                </a:solidFill>
+                <a:latin typeface="+mn-lt"/>
+                <a:ea typeface="+mn-ea"/>
+                <a:cs typeface="+mn-cs"/>
+              </a:defRPr>
+            </a:lvl9pPr>
+          </a:lstStyle>
+          <a:p>
+            <a:fld id="{19584825-D934-4E20-B0C8-29FEC7CA1AF9}" type="slidenum">
+              <a:rPr lang="en-US" smtClean="0">
+                <a:solidFill>
+                  <a:schemeClr val="tx1"/>
+                </a:solidFill>
+              </a:rPr>
+              <a:pPr/>
+              <a:t>12</a:t>
+            </a:fld>
+            <a:endParaRPr lang="en-US" dirty="0">
+              <a:solidFill>
+                <a:schemeClr val="tx1"/>
+              </a:solidFill>
+            </a:endParaRPr>
+          </a:p>
+        </p:txBody>
+      </p:sp>
+      <p:pic>
+        <p:nvPicPr>
+          <p:cNvPr id="9" name="Picture 8" descr="A picture containing text, clipart&#10;&#10;Description automatically generated">
+            <a:extLst>
+              <a:ext uri="{FF2B5EF4-FFF2-40B4-BE49-F238E27FC236}">
+                <a16:creationId xmlns:a16="http://schemas.microsoft.com/office/drawing/2014/main" id="{942D71B3-CD34-43E5-9D3F-BA2819AE22EA}"/>
+              </a:ext>
+            </a:extLst>
+          </p:cNvPr>
+          <p:cNvPicPr>
+            <a:picLocks noChangeAspect="1"/>
+          </p:cNvPicPr>
+          <p:nvPr/>
+        </p:nvPicPr>
+        <p:blipFill rotWithShape="1">
+          <a:blip r:embed="rId2">
+            <a:extLst>
+              <a:ext uri="{28A0092B-C50C-407E-A947-70E740481C1C}">
+                <a14:useLocalDpi xmlns:a14="http://schemas.microsoft.com/office/drawing/2010/main" val="0"/>
+              </a:ext>
+            </a:extLst>
+          </a:blip>
+          <a:srcRect r="57677"/>
+          <a:stretch/>
+        </p:blipFill>
+        <p:spPr>
+          <a:xfrm>
+            <a:off x="10608300" y="437028"/>
+            <a:ext cx="1428567" cy="1066632"/>
+          </a:xfrm>
+          <a:prstGeom prst="rect">
+            <a:avLst/>
+          </a:prstGeom>
+        </p:spPr>
+      </p:pic>
+      <p:pic>
+        <p:nvPicPr>
+          <p:cNvPr id="13" name="Picture 12" descr="Logo&#10;&#10;Description automatically generated">
+            <a:extLst>
+              <a:ext uri="{FF2B5EF4-FFF2-40B4-BE49-F238E27FC236}">
+                <a16:creationId xmlns:a16="http://schemas.microsoft.com/office/drawing/2014/main" id="{0B34AC09-580D-4C50-930A-7592EF4E9F8E}"/>
+              </a:ext>
+            </a:extLst>
+          </p:cNvPr>
+          <p:cNvPicPr>
+            <a:picLocks noChangeAspect="1"/>
+          </p:cNvPicPr>
+          <p:nvPr/>
+        </p:nvPicPr>
+        <p:blipFill>
+          <a:blip r:embed="rId3">
+            <a:extLst>
+              <a:ext uri="{28A0092B-C50C-407E-A947-70E740481C1C}">
+                <a14:useLocalDpi xmlns:a14="http://schemas.microsoft.com/office/drawing/2010/main" val="0"/>
+              </a:ext>
+            </a:extLst>
+          </a:blip>
+          <a:stretch>
+            <a:fillRect/>
+          </a:stretch>
+        </p:blipFill>
+        <p:spPr>
+          <a:xfrm>
+            <a:off x="1829405" y="499758"/>
+            <a:ext cx="1376588" cy="941171"/>
+          </a:xfrm>
+          <a:prstGeom prst="rect">
+            <a:avLst/>
+          </a:prstGeom>
+        </p:spPr>
+      </p:pic>
+      <p:pic>
+        <p:nvPicPr>
+          <p:cNvPr id="14" name="Picture 13" descr="Icon&#10;&#10;Description automatically generated">
+            <a:extLst>
+              <a:ext uri="{FF2B5EF4-FFF2-40B4-BE49-F238E27FC236}">
+                <a16:creationId xmlns:a16="http://schemas.microsoft.com/office/drawing/2014/main" id="{914F1D4F-30BC-45BB-8EC2-00CC19A18DCC}"/>
+              </a:ext>
+            </a:extLst>
+          </p:cNvPr>
+          <p:cNvPicPr>
+            <a:picLocks noChangeAspect="1"/>
+          </p:cNvPicPr>
+          <p:nvPr/>
+        </p:nvPicPr>
+        <p:blipFill>
+          <a:blip r:embed="rId4">
+            <a:extLst>
+              <a:ext uri="{28A0092B-C50C-407E-A947-70E740481C1C}">
+                <a14:useLocalDpi xmlns:a14="http://schemas.microsoft.com/office/drawing/2010/main" val="0"/>
+              </a:ext>
+            </a:extLst>
+          </a:blip>
+          <a:stretch>
+            <a:fillRect/>
+          </a:stretch>
+        </p:blipFill>
+        <p:spPr>
+          <a:xfrm>
+            <a:off x="5673625" y="2338547"/>
+            <a:ext cx="1090453" cy="1090453"/>
+          </a:xfrm>
+          <a:prstGeom prst="rect">
+            <a:avLst/>
+          </a:prstGeom>
+        </p:spPr>
+      </p:pic>
+    </p:spTree>
+    <p:extLst>
+      <p:ext uri="{BB962C8B-B14F-4D97-AF65-F5344CB8AC3E}">
+        <p14:creationId xmlns:p14="http://schemas.microsoft.com/office/powerpoint/2010/main" val="544486133"/>
+      </p:ext>
+    </p:extLst>
+  </p:cSld>
+  <p:clrMapOvr>
+    <a:masterClrMapping/>
+  </p:clrMapOvr>
+</p:sld>
+</file>
+
+<file path=ppt/slides/slide13.xml><?xml version="1.0" encoding="utf-8"?>
+<p:sld xmlns:a="http://schemas.openxmlformats.org/drawingml/2006/main" xmlns:r="http://schemas.openxmlformats.org/officeDocument/2006/relationships" xmlns:p="http://schemas.openxmlformats.org/presentationml/2006/main">
+  <p:cSld>
+    <p:spTree>
+      <p:nvGrpSpPr>
+        <p:cNvPr id="1" name=""/>
+        <p:cNvGrpSpPr/>
+        <p:nvPr/>
+      </p:nvGrpSpPr>
+      <p:grpSpPr>
+        <a:xfrm>
+          <a:off x="0" y="0"/>
+          <a:ext cx="0" cy="0"/>
+          <a:chOff x="0" y="0"/>
+          <a:chExt cx="0" cy="0"/>
+        </a:xfrm>
+      </p:grpSpPr>
+      <p:sp>
+        <p:nvSpPr>
+          <p:cNvPr id="2" name="Title 1">
+            <a:extLst>
+              <a:ext uri="{FF2B5EF4-FFF2-40B4-BE49-F238E27FC236}">
+                <a16:creationId xmlns:a16="http://schemas.microsoft.com/office/drawing/2014/main" id="{26DD3F61-E450-4FF2-8774-BE97CF695B68}"/>
+              </a:ext>
+            </a:extLst>
+          </p:cNvPr>
+          <p:cNvSpPr>
+            <a:spLocks noGrp="1"/>
+          </p:cNvSpPr>
+          <p:nvPr>
+            <p:ph type="ctrTitle"/>
+          </p:nvPr>
+        </p:nvSpPr>
+        <p:spPr>
+          <a:xfrm>
+            <a:off x="1977433" y="2297609"/>
+            <a:ext cx="8915399" cy="2262781"/>
+          </a:xfrm>
+        </p:spPr>
+        <p:txBody>
+          <a:bodyPr/>
+          <a:lstStyle/>
+          <a:p>
+            <a:pPr algn="ctr"/>
+            <a:r>
+              <a:rPr lang="en-US" sz="8800" dirty="0"/>
+              <a:t>THANK YOU!</a:t>
+            </a:r>
+          </a:p>
+        </p:txBody>
+      </p:sp>
+      <p:pic>
+        <p:nvPicPr>
+          <p:cNvPr id="7" name="Picture 6" descr="A picture containing text, clipart&#10;&#10;Description automatically generated">
+            <a:extLst>
+              <a:ext uri="{FF2B5EF4-FFF2-40B4-BE49-F238E27FC236}">
+                <a16:creationId xmlns:a16="http://schemas.microsoft.com/office/drawing/2014/main" id="{E7A51F21-F5D0-4233-A9C2-99C28620546F}"/>
+              </a:ext>
+            </a:extLst>
+          </p:cNvPr>
+          <p:cNvPicPr>
+            <a:picLocks noChangeAspect="1"/>
+          </p:cNvPicPr>
+          <p:nvPr/>
+        </p:nvPicPr>
+        <p:blipFill rotWithShape="1">
+          <a:blip r:embed="rId2">
+            <a:extLst>
+              <a:ext uri="{28A0092B-C50C-407E-A947-70E740481C1C}">
+                <a14:useLocalDpi xmlns:a14="http://schemas.microsoft.com/office/drawing/2010/main" val="0"/>
+              </a:ext>
+            </a:extLst>
+          </a:blip>
+          <a:srcRect r="57677"/>
+          <a:stretch/>
+        </p:blipFill>
+        <p:spPr>
+          <a:xfrm>
+            <a:off x="397946" y="170585"/>
+            <a:ext cx="1428567" cy="1066632"/>
+          </a:xfrm>
+          <a:prstGeom prst="rect">
+            <a:avLst/>
+          </a:prstGeom>
+        </p:spPr>
+      </p:pic>
+      <p:pic>
+        <p:nvPicPr>
+          <p:cNvPr id="6" name="Picture 5" descr="Logo&#10;&#10;Description automatically generated">
+            <a:extLst>
+              <a:ext uri="{FF2B5EF4-FFF2-40B4-BE49-F238E27FC236}">
+                <a16:creationId xmlns:a16="http://schemas.microsoft.com/office/drawing/2014/main" id="{675EF008-C68D-4D5B-8BC7-AEE6584ABFB0}"/>
+              </a:ext>
+            </a:extLst>
+          </p:cNvPr>
+          <p:cNvPicPr>
+            <a:picLocks noChangeAspect="1"/>
+          </p:cNvPicPr>
+          <p:nvPr/>
+        </p:nvPicPr>
+        <p:blipFill>
+          <a:blip r:embed="rId3">
+            <a:extLst>
+              <a:ext uri="{28A0092B-C50C-407E-A947-70E740481C1C}">
+                <a14:useLocalDpi xmlns:a14="http://schemas.microsoft.com/office/drawing/2010/main" val="0"/>
+              </a:ext>
+            </a:extLst>
+          </a:blip>
+          <a:stretch>
+            <a:fillRect/>
+          </a:stretch>
+        </p:blipFill>
+        <p:spPr>
+          <a:xfrm>
+            <a:off x="10573910" y="233315"/>
+            <a:ext cx="1376588" cy="941171"/>
+          </a:xfrm>
+          <a:prstGeom prst="rect">
+            <a:avLst/>
+          </a:prstGeom>
+        </p:spPr>
+      </p:pic>
+    </p:spTree>
+    <p:extLst>
+      <p:ext uri="{BB962C8B-B14F-4D97-AF65-F5344CB8AC3E}">
+        <p14:creationId xmlns:p14="http://schemas.microsoft.com/office/powerpoint/2010/main" val="1465299841"/>
+      </p:ext>
+    </p:extLst>
+  </p:cSld>
+  <p:clrMapOvr>
+    <a:masterClrMapping/>
+  </p:clrMapOvr>
+</p:sld>
+</file>
+
 <file path=ppt/slides/slide2.xml><?xml version="1.0" encoding="utf-8"?>
 <p:sld xmlns:a="http://schemas.openxmlformats.org/drawingml/2006/main" xmlns:r="http://schemas.openxmlformats.org/officeDocument/2006/relationships" xmlns:p="http://schemas.openxmlformats.org/presentationml/2006/main">
   <p:cSld>
@@ -12710,7 +13753,7 @@
         </p:spPr>
         <p:txBody>
           <a:bodyPr>
-            <a:normAutofit/>
+            <a:normAutofit fontScale="90000"/>
           </a:bodyPr>
           <a:lstStyle/>
           <a:p>
@@ -12719,105 +13762,13 @@
               <a:rPr lang="en-US" sz="4800" dirty="0"/>
               <a:t>Preprocessing</a:t>
             </a:r>
-          </a:p>
-        </p:txBody>
-      </p:sp>
-      <p:sp>
-        <p:nvSpPr>
-          <p:cNvPr id="4" name="Content Placeholder 3">
-            <a:extLst>
-              <a:ext uri="{FF2B5EF4-FFF2-40B4-BE49-F238E27FC236}">
-                <a16:creationId xmlns:a16="http://schemas.microsoft.com/office/drawing/2014/main" id="{45738531-E291-435D-9D70-7D35A661810F}"/>
-              </a:ext>
-            </a:extLst>
-          </p:cNvPr>
-          <p:cNvSpPr>
-            <a:spLocks noGrp="1"/>
-          </p:cNvSpPr>
-          <p:nvPr>
-            <p:ph idx="1"/>
-          </p:nvPr>
-        </p:nvSpPr>
-        <p:spPr>
-          <a:xfrm>
-            <a:off x="2589212" y="2133600"/>
-            <a:ext cx="8915400" cy="3931298"/>
-          </a:xfrm>
-        </p:spPr>
-        <p:txBody>
-          <a:bodyPr>
-            <a:normAutofit/>
-          </a:bodyPr>
-          <a:lstStyle/>
-          <a:p>
-            <a:pPr algn="just">
-              <a:lnSpc>
-                <a:spcPct val="107000"/>
-              </a:lnSpc>
-              <a:spcAft>
-                <a:spcPts val="800"/>
-              </a:spcAft>
-            </a:pPr>
+            <a:br>
+              <a:rPr lang="en-US" sz="4800" dirty="0"/>
+            </a:br>
             <a:r>
-              <a:rPr lang="en-GB" dirty="0"/>
-              <a:t>The </a:t>
+              <a:rPr lang="en-US" sz="4800" dirty="0"/>
+              <a:t>-color space-</a:t>
             </a:r>
-            <a:r>
-              <a:rPr lang="en-GB" b="1" dirty="0"/>
-              <a:t>Rorschach test</a:t>
-            </a:r>
-            <a:r>
-              <a:rPr lang="en-GB" dirty="0"/>
-              <a:t> is a psychological test in which subjects' perceptions of inkblots are recorded and then analysed using psychological interpretation, complex algorithms, or both</a:t>
-            </a:r>
-          </a:p>
-          <a:p>
-            <a:pPr algn="just">
-              <a:lnSpc>
-                <a:spcPct val="107000"/>
-              </a:lnSpc>
-              <a:spcAft>
-                <a:spcPts val="800"/>
-              </a:spcAft>
-            </a:pPr>
-            <a:r>
-              <a:rPr lang="en-GB" dirty="0"/>
-              <a:t>Some psychologists use this test to examine a person's personality characteristics and emotional functioning</a:t>
-            </a:r>
-          </a:p>
-          <a:p>
-            <a:pPr algn="just">
-              <a:lnSpc>
-                <a:spcPct val="107000"/>
-              </a:lnSpc>
-              <a:spcAft>
-                <a:spcPts val="800"/>
-              </a:spcAft>
-            </a:pPr>
-            <a:r>
-              <a:rPr lang="en-GB" dirty="0"/>
-              <a:t>It has been employed to detect underlying thought disorder, especially in cases where patients are reluctant to describe their thinking processes openly</a:t>
-            </a:r>
-          </a:p>
-          <a:p>
-            <a:pPr algn="just">
-              <a:lnSpc>
-                <a:spcPct val="107000"/>
-              </a:lnSpc>
-              <a:spcAft>
-                <a:spcPts val="800"/>
-              </a:spcAft>
-            </a:pPr>
-            <a:r>
-              <a:rPr lang="en-GB" dirty="0"/>
-              <a:t>The test is named after its creator, Swiss psychologist Hermann Rorschach</a:t>
-            </a:r>
-            <a:endParaRPr lang="ro-RO" sz="1800" dirty="0">
-              <a:effectLst/>
-              <a:latin typeface="Century Gothic (Body)"/>
-              <a:ea typeface="Calibri" panose="020F0502020204030204" pitchFamily="34" charset="0"/>
-              <a:cs typeface="Times New Roman" panose="02020603050405020304" pitchFamily="18" charset="0"/>
-            </a:endParaRPr>
           </a:p>
         </p:txBody>
       </p:sp>
@@ -12950,281 +13901,6 @@
               </a:rPr>
               <a:pPr/>
               <a:t>3</a:t>
-            </a:fld>
-            <a:endParaRPr lang="en-US" dirty="0">
-              <a:solidFill>
-                <a:schemeClr val="tx1"/>
-              </a:solidFill>
-            </a:endParaRPr>
-          </a:p>
-        </p:txBody>
-      </p:sp>
-      <p:pic>
-        <p:nvPicPr>
-          <p:cNvPr id="9" name="Picture 8" descr="A picture containing text, clipart&#10;&#10;Description automatically generated">
-            <a:extLst>
-              <a:ext uri="{FF2B5EF4-FFF2-40B4-BE49-F238E27FC236}">
-                <a16:creationId xmlns:a16="http://schemas.microsoft.com/office/drawing/2014/main" id="{942D71B3-CD34-43E5-9D3F-BA2819AE22EA}"/>
-              </a:ext>
-            </a:extLst>
-          </p:cNvPr>
-          <p:cNvPicPr>
-            <a:picLocks noChangeAspect="1"/>
-          </p:cNvPicPr>
-          <p:nvPr/>
-        </p:nvPicPr>
-        <p:blipFill rotWithShape="1">
-          <a:blip r:embed="rId2">
-            <a:extLst>
-              <a:ext uri="{28A0092B-C50C-407E-A947-70E740481C1C}">
-                <a14:useLocalDpi xmlns:a14="http://schemas.microsoft.com/office/drawing/2010/main" val="0"/>
-              </a:ext>
-            </a:extLst>
-          </a:blip>
-          <a:srcRect r="57677"/>
-          <a:stretch/>
-        </p:blipFill>
-        <p:spPr>
-          <a:xfrm>
-            <a:off x="10608300" y="437028"/>
-            <a:ext cx="1428567" cy="1066632"/>
-          </a:xfrm>
-          <a:prstGeom prst="rect">
-            <a:avLst/>
-          </a:prstGeom>
-        </p:spPr>
-      </p:pic>
-      <p:pic>
-        <p:nvPicPr>
-          <p:cNvPr id="13" name="Picture 12" descr="Logo&#10;&#10;Description automatically generated">
-            <a:extLst>
-              <a:ext uri="{FF2B5EF4-FFF2-40B4-BE49-F238E27FC236}">
-                <a16:creationId xmlns:a16="http://schemas.microsoft.com/office/drawing/2014/main" id="{0B34AC09-580D-4C50-930A-7592EF4E9F8E}"/>
-              </a:ext>
-            </a:extLst>
-          </p:cNvPr>
-          <p:cNvPicPr>
-            <a:picLocks noChangeAspect="1"/>
-          </p:cNvPicPr>
-          <p:nvPr/>
-        </p:nvPicPr>
-        <p:blipFill>
-          <a:blip r:embed="rId3">
-            <a:extLst>
-              <a:ext uri="{28A0092B-C50C-407E-A947-70E740481C1C}">
-                <a14:useLocalDpi xmlns:a14="http://schemas.microsoft.com/office/drawing/2010/main" val="0"/>
-              </a:ext>
-            </a:extLst>
-          </a:blip>
-          <a:stretch>
-            <a:fillRect/>
-          </a:stretch>
-        </p:blipFill>
-        <p:spPr>
-          <a:xfrm>
-            <a:off x="1829405" y="499758"/>
-            <a:ext cx="1376588" cy="941171"/>
-          </a:xfrm>
-          <a:prstGeom prst="rect">
-            <a:avLst/>
-          </a:prstGeom>
-        </p:spPr>
-      </p:pic>
-    </p:spTree>
-    <p:extLst>
-      <p:ext uri="{BB962C8B-B14F-4D97-AF65-F5344CB8AC3E}">
-        <p14:creationId xmlns:p14="http://schemas.microsoft.com/office/powerpoint/2010/main" val="1413193354"/>
-      </p:ext>
-    </p:extLst>
-  </p:cSld>
-  <p:clrMapOvr>
-    <a:masterClrMapping/>
-  </p:clrMapOvr>
-</p:sld>
-</file>
-
-<file path=ppt/slides/slide4.xml><?xml version="1.0" encoding="utf-8"?>
-<p:sld xmlns:a="http://schemas.openxmlformats.org/drawingml/2006/main" xmlns:r="http://schemas.openxmlformats.org/officeDocument/2006/relationships" xmlns:p="http://schemas.openxmlformats.org/presentationml/2006/main">
-  <p:cSld>
-    <p:spTree>
-      <p:nvGrpSpPr>
-        <p:cNvPr id="1" name=""/>
-        <p:cNvGrpSpPr/>
-        <p:nvPr/>
-      </p:nvGrpSpPr>
-      <p:grpSpPr>
-        <a:xfrm>
-          <a:off x="0" y="0"/>
-          <a:ext cx="0" cy="0"/>
-          <a:chOff x="0" y="0"/>
-          <a:chExt cx="0" cy="0"/>
-        </a:xfrm>
-      </p:grpSpPr>
-      <p:sp>
-        <p:nvSpPr>
-          <p:cNvPr id="12" name="Title 1">
-            <a:extLst>
-              <a:ext uri="{FF2B5EF4-FFF2-40B4-BE49-F238E27FC236}">
-                <a16:creationId xmlns:a16="http://schemas.microsoft.com/office/drawing/2014/main" id="{05ACE682-1B73-40BF-BA3B-B531FBAF2E9A}"/>
-              </a:ext>
-            </a:extLst>
-          </p:cNvPr>
-          <p:cNvSpPr>
-            <a:spLocks noGrp="1"/>
-          </p:cNvSpPr>
-          <p:nvPr>
-            <p:ph type="title"/>
-          </p:nvPr>
-        </p:nvSpPr>
-        <p:spPr>
-          <a:xfrm>
-            <a:off x="2623396" y="801731"/>
-            <a:ext cx="7190913" cy="1080938"/>
-          </a:xfrm>
-        </p:spPr>
-        <p:txBody>
-          <a:bodyPr>
-            <a:normAutofit/>
-          </a:bodyPr>
-          <a:lstStyle/>
-          <a:p>
-            <a:pPr algn="ctr"/>
-            <a:r>
-              <a:rPr lang="en-US" sz="4800" dirty="0"/>
-              <a:t>Rorschach Test</a:t>
-            </a:r>
-          </a:p>
-        </p:txBody>
-      </p:sp>
-      <p:sp>
-        <p:nvSpPr>
-          <p:cNvPr id="8" name="Slide Number Placeholder 5">
-            <a:extLst>
-              <a:ext uri="{FF2B5EF4-FFF2-40B4-BE49-F238E27FC236}">
-                <a16:creationId xmlns:a16="http://schemas.microsoft.com/office/drawing/2014/main" id="{974E51E9-613F-49E1-8A93-AF9AF175FA01}"/>
-              </a:ext>
-            </a:extLst>
-          </p:cNvPr>
-          <p:cNvSpPr txBox="1">
-            <a:spLocks/>
-          </p:cNvSpPr>
-          <p:nvPr/>
-        </p:nvSpPr>
-        <p:spPr bwMode="gray">
-          <a:xfrm>
-            <a:off x="11010090" y="6231913"/>
-            <a:ext cx="779767" cy="365125"/>
-          </a:xfrm>
-          <a:prstGeom prst="rect">
-            <a:avLst/>
-          </a:prstGeom>
-        </p:spPr>
-        <p:txBody>
-          <a:bodyPr vert="horz" lIns="91440" tIns="45720" rIns="91440" bIns="45720" rtlCol="0" anchor="ctr"/>
-          <a:lstStyle>
-            <a:defPPr>
-              <a:defRPr lang="en-US"/>
-            </a:defPPr>
-            <a:lvl1pPr marL="0" algn="r" defTabSz="457200" rtl="0" eaLnBrk="1" latinLnBrk="0" hangingPunct="1">
-              <a:defRPr sz="2000" kern="1200">
-                <a:solidFill>
-                  <a:srgbClr val="FEFFFF"/>
-                </a:solidFill>
-                <a:latin typeface="+mn-lt"/>
-                <a:ea typeface="+mn-ea"/>
-                <a:cs typeface="+mn-cs"/>
-              </a:defRPr>
-            </a:lvl1pPr>
-            <a:lvl2pPr marL="457200" algn="l" defTabSz="457200" rtl="0" eaLnBrk="1" latinLnBrk="0" hangingPunct="1">
-              <a:defRPr sz="1800" kern="1200">
-                <a:solidFill>
-                  <a:schemeClr val="tx1"/>
-                </a:solidFill>
-                <a:latin typeface="+mn-lt"/>
-                <a:ea typeface="+mn-ea"/>
-                <a:cs typeface="+mn-cs"/>
-              </a:defRPr>
-            </a:lvl2pPr>
-            <a:lvl3pPr marL="914400" algn="l" defTabSz="457200" rtl="0" eaLnBrk="1" latinLnBrk="0" hangingPunct="1">
-              <a:defRPr sz="1800" kern="1200">
-                <a:solidFill>
-                  <a:schemeClr val="tx1"/>
-                </a:solidFill>
-                <a:latin typeface="+mn-lt"/>
-                <a:ea typeface="+mn-ea"/>
-                <a:cs typeface="+mn-cs"/>
-              </a:defRPr>
-            </a:lvl3pPr>
-            <a:lvl4pPr marL="1371600" algn="l" defTabSz="457200" rtl="0" eaLnBrk="1" latinLnBrk="0" hangingPunct="1">
-              <a:defRPr sz="1800" kern="1200">
-                <a:solidFill>
-                  <a:schemeClr val="tx1"/>
-                </a:solidFill>
-                <a:latin typeface="+mn-lt"/>
-                <a:ea typeface="+mn-ea"/>
-                <a:cs typeface="+mn-cs"/>
-              </a:defRPr>
-            </a:lvl4pPr>
-            <a:lvl5pPr marL="1828800" algn="l" defTabSz="457200" rtl="0" eaLnBrk="1" latinLnBrk="0" hangingPunct="1">
-              <a:defRPr sz="1800" kern="1200">
-                <a:solidFill>
-                  <a:schemeClr val="tx1"/>
-                </a:solidFill>
-                <a:latin typeface="+mn-lt"/>
-                <a:ea typeface="+mn-ea"/>
-                <a:cs typeface="+mn-cs"/>
-              </a:defRPr>
-            </a:lvl5pPr>
-            <a:lvl6pPr marL="2286000" algn="l" defTabSz="457200" rtl="0" eaLnBrk="1" latinLnBrk="0" hangingPunct="1">
-              <a:defRPr sz="1800" kern="1200">
-                <a:solidFill>
-                  <a:schemeClr val="tx1"/>
-                </a:solidFill>
-                <a:latin typeface="+mn-lt"/>
-                <a:ea typeface="+mn-ea"/>
-                <a:cs typeface="+mn-cs"/>
-              </a:defRPr>
-            </a:lvl6pPr>
-            <a:lvl7pPr marL="2743200" algn="l" defTabSz="457200" rtl="0" eaLnBrk="1" latinLnBrk="0" hangingPunct="1">
-              <a:defRPr sz="1800" kern="1200">
-                <a:solidFill>
-                  <a:schemeClr val="tx1"/>
-                </a:solidFill>
-                <a:latin typeface="+mn-lt"/>
-                <a:ea typeface="+mn-ea"/>
-                <a:cs typeface="+mn-cs"/>
-              </a:defRPr>
-            </a:lvl7pPr>
-            <a:lvl8pPr marL="3200400" algn="l" defTabSz="457200" rtl="0" eaLnBrk="1" latinLnBrk="0" hangingPunct="1">
-              <a:defRPr sz="1800" kern="1200">
-                <a:solidFill>
-                  <a:schemeClr val="tx1"/>
-                </a:solidFill>
-                <a:latin typeface="+mn-lt"/>
-                <a:ea typeface="+mn-ea"/>
-                <a:cs typeface="+mn-cs"/>
-              </a:defRPr>
-            </a:lvl8pPr>
-            <a:lvl9pPr marL="3657600" algn="l" defTabSz="457200" rtl="0" eaLnBrk="1" latinLnBrk="0" hangingPunct="1">
-              <a:defRPr sz="1800" kern="1200">
-                <a:solidFill>
-                  <a:schemeClr val="tx1"/>
-                </a:solidFill>
-                <a:latin typeface="+mn-lt"/>
-                <a:ea typeface="+mn-ea"/>
-                <a:cs typeface="+mn-cs"/>
-              </a:defRPr>
-            </a:lvl9pPr>
-          </a:lstStyle>
-          <a:p>
-            <a:fld id="{19584825-D934-4E20-B0C8-29FEC7CA1AF9}" type="slidenum">
-              <a:rPr lang="en-US" smtClean="0">
-                <a:solidFill>
-                  <a:schemeClr val="tx1"/>
-                </a:solidFill>
-              </a:rPr>
-              <a:pPr/>
-              <a:t>4</a:t>
             </a:fld>
             <a:endParaRPr lang="en-US" dirty="0">
               <a:solidFill>
@@ -13307,10 +13983,10 @@
       </p:pic>
       <p:pic>
         <p:nvPicPr>
-          <p:cNvPr id="11" name="Picture 10" descr="A picture containing dark, dessert&#10;&#10;Description automatically generated">
+          <p:cNvPr id="10" name="Picture 9" descr="A picture containing tattoo&#10;&#10;Description automatically generated">
             <a:extLst>
               <a:ext uri="{FF2B5EF4-FFF2-40B4-BE49-F238E27FC236}">
-                <a16:creationId xmlns:a16="http://schemas.microsoft.com/office/drawing/2014/main" id="{12BCF353-BD55-4CDD-BBBE-3398DAD7E785}"/>
+                <a16:creationId xmlns:a16="http://schemas.microsoft.com/office/drawing/2014/main" id="{B24BFB44-0D55-47B0-BFEB-BF7B1D90EE52}"/>
               </a:ext>
             </a:extLst>
           </p:cNvPr>
@@ -13333,8 +14009,8 @@
         </p:blipFill>
         <p:spPr>
           <a:xfrm>
-            <a:off x="6666086" y="1633749"/>
-            <a:ext cx="5303973" cy="3903393"/>
+            <a:off x="314270" y="2901919"/>
+            <a:ext cx="3030270" cy="2272703"/>
           </a:xfrm>
           <a:prstGeom prst="rect">
             <a:avLst/>
@@ -13343,10 +14019,10 @@
       </p:pic>
       <p:pic>
         <p:nvPicPr>
-          <p:cNvPr id="15" name="Picture 14">
+          <p:cNvPr id="14" name="Picture 13">
             <a:extLst>
               <a:ext uri="{FF2B5EF4-FFF2-40B4-BE49-F238E27FC236}">
-                <a16:creationId xmlns:a16="http://schemas.microsoft.com/office/drawing/2014/main" id="{479BA660-5E11-49D6-9E6E-B8D83DED3E81}"/>
+                <a16:creationId xmlns:a16="http://schemas.microsoft.com/office/drawing/2014/main" id="{5678903B-C1F0-49F9-B937-98375E7E7ABC}"/>
               </a:ext>
             </a:extLst>
           </p:cNvPr>
@@ -13356,7 +14032,516 @@
           <p:nvPr/>
         </p:nvPicPr>
         <p:blipFill>
-          <a:blip r:embed="rId5">
+          <a:blip r:embed="rId5"/>
+          <a:stretch>
+            <a:fillRect/>
+          </a:stretch>
+        </p:blipFill>
+        <p:spPr>
+          <a:xfrm>
+            <a:off x="4680716" y="2911951"/>
+            <a:ext cx="3025221" cy="2272703"/>
+          </a:xfrm>
+          <a:prstGeom prst="rect">
+            <a:avLst/>
+          </a:prstGeom>
+        </p:spPr>
+      </p:pic>
+      <p:pic>
+        <p:nvPicPr>
+          <p:cNvPr id="16" name="Picture 15">
+            <a:extLst>
+              <a:ext uri="{FF2B5EF4-FFF2-40B4-BE49-F238E27FC236}">
+                <a16:creationId xmlns:a16="http://schemas.microsoft.com/office/drawing/2014/main" id="{782DBD11-738C-4119-8017-63848962A23D}"/>
+              </a:ext>
+            </a:extLst>
+          </p:cNvPr>
+          <p:cNvPicPr>
+            <a:picLocks noChangeAspect="1"/>
+          </p:cNvPicPr>
+          <p:nvPr/>
+        </p:nvPicPr>
+        <p:blipFill>
+          <a:blip r:embed="rId6"/>
+          <a:stretch>
+            <a:fillRect/>
+          </a:stretch>
+        </p:blipFill>
+        <p:spPr>
+          <a:xfrm>
+            <a:off x="8999482" y="2911951"/>
+            <a:ext cx="3050746" cy="2272703"/>
+          </a:xfrm>
+          <a:prstGeom prst="rect">
+            <a:avLst/>
+          </a:prstGeom>
+        </p:spPr>
+      </p:pic>
+      <p:sp>
+        <p:nvSpPr>
+          <p:cNvPr id="31" name="Arrow: Right 30">
+            <a:extLst>
+              <a:ext uri="{FF2B5EF4-FFF2-40B4-BE49-F238E27FC236}">
+                <a16:creationId xmlns:a16="http://schemas.microsoft.com/office/drawing/2014/main" id="{5BC3A34A-34C6-4F35-9E8D-918D184CC61C}"/>
+              </a:ext>
+            </a:extLst>
+          </p:cNvPr>
+          <p:cNvSpPr/>
+          <p:nvPr/>
+        </p:nvSpPr>
+        <p:spPr>
+          <a:xfrm>
+            <a:off x="3453112" y="3497802"/>
+            <a:ext cx="1159447" cy="1080938"/>
+          </a:xfrm>
+          <a:prstGeom prst="rightArrow">
+            <a:avLst/>
+          </a:prstGeom>
+        </p:spPr>
+        <p:style>
+          <a:lnRef idx="2">
+            <a:schemeClr val="accent1">
+              <a:shade val="50000"/>
+            </a:schemeClr>
+          </a:lnRef>
+          <a:fillRef idx="1">
+            <a:schemeClr val="accent1"/>
+          </a:fillRef>
+          <a:effectRef idx="0">
+            <a:schemeClr val="accent1"/>
+          </a:effectRef>
+          <a:fontRef idx="minor">
+            <a:schemeClr val="lt1"/>
+          </a:fontRef>
+        </p:style>
+        <p:txBody>
+          <a:bodyPr rtlCol="0" anchor="ctr"/>
+          <a:lstStyle/>
+          <a:p>
+            <a:pPr algn="ctr"/>
+            <a:endParaRPr lang="en-GB"/>
+          </a:p>
+        </p:txBody>
+      </p:sp>
+      <p:sp>
+        <p:nvSpPr>
+          <p:cNvPr id="32" name="Arrow: Right 31">
+            <a:extLst>
+              <a:ext uri="{FF2B5EF4-FFF2-40B4-BE49-F238E27FC236}">
+                <a16:creationId xmlns:a16="http://schemas.microsoft.com/office/drawing/2014/main" id="{FE8C8839-33EC-4139-AEB6-72965D7B1CFB}"/>
+              </a:ext>
+            </a:extLst>
+          </p:cNvPr>
+          <p:cNvSpPr/>
+          <p:nvPr/>
+        </p:nvSpPr>
+        <p:spPr>
+          <a:xfrm>
+            <a:off x="7774094" y="3429000"/>
+            <a:ext cx="1139087" cy="1080938"/>
+          </a:xfrm>
+          <a:prstGeom prst="rightArrow">
+            <a:avLst/>
+          </a:prstGeom>
+        </p:spPr>
+        <p:style>
+          <a:lnRef idx="2">
+            <a:schemeClr val="accent1">
+              <a:shade val="50000"/>
+            </a:schemeClr>
+          </a:lnRef>
+          <a:fillRef idx="1">
+            <a:schemeClr val="accent1"/>
+          </a:fillRef>
+          <a:effectRef idx="0">
+            <a:schemeClr val="accent1"/>
+          </a:effectRef>
+          <a:fontRef idx="minor">
+            <a:schemeClr val="lt1"/>
+          </a:fontRef>
+        </p:style>
+        <p:txBody>
+          <a:bodyPr rtlCol="0" anchor="ctr"/>
+          <a:lstStyle/>
+          <a:p>
+            <a:pPr algn="ctr"/>
+            <a:endParaRPr lang="en-GB"/>
+          </a:p>
+        </p:txBody>
+      </p:sp>
+      <p:sp>
+        <p:nvSpPr>
+          <p:cNvPr id="34" name="TextBox 33">
+            <a:extLst>
+              <a:ext uri="{FF2B5EF4-FFF2-40B4-BE49-F238E27FC236}">
+                <a16:creationId xmlns:a16="http://schemas.microsoft.com/office/drawing/2014/main" id="{0CE2866F-4A45-4893-B7A1-44675DC09663}"/>
+              </a:ext>
+            </a:extLst>
+          </p:cNvPr>
+          <p:cNvSpPr txBox="1"/>
+          <p:nvPr/>
+        </p:nvSpPr>
+        <p:spPr>
+          <a:xfrm>
+            <a:off x="948274" y="2421839"/>
+            <a:ext cx="1762262" cy="369332"/>
+          </a:xfrm>
+          <a:prstGeom prst="rect">
+            <a:avLst/>
+          </a:prstGeom>
+          <a:noFill/>
+        </p:spPr>
+        <p:txBody>
+          <a:bodyPr wrap="square" rtlCol="0">
+            <a:spAutoFit/>
+          </a:bodyPr>
+          <a:lstStyle/>
+          <a:p>
+            <a:pPr algn="ctr"/>
+            <a:r>
+              <a:rPr lang="en-US" dirty="0"/>
+              <a:t>RGB</a:t>
+            </a:r>
+            <a:endParaRPr lang="en-GB" dirty="0"/>
+          </a:p>
+        </p:txBody>
+      </p:sp>
+      <p:sp>
+        <p:nvSpPr>
+          <p:cNvPr id="35" name="TextBox 34">
+            <a:extLst>
+              <a:ext uri="{FF2B5EF4-FFF2-40B4-BE49-F238E27FC236}">
+                <a16:creationId xmlns:a16="http://schemas.microsoft.com/office/drawing/2014/main" id="{6D578F28-D708-4869-BBF8-CD4A952B402F}"/>
+              </a:ext>
+            </a:extLst>
+          </p:cNvPr>
+          <p:cNvSpPr txBox="1"/>
+          <p:nvPr/>
+        </p:nvSpPr>
+        <p:spPr>
+          <a:xfrm>
+            <a:off x="5337721" y="2425015"/>
+            <a:ext cx="1762262" cy="369332"/>
+          </a:xfrm>
+          <a:prstGeom prst="rect">
+            <a:avLst/>
+          </a:prstGeom>
+          <a:noFill/>
+        </p:spPr>
+        <p:txBody>
+          <a:bodyPr wrap="square" rtlCol="0">
+            <a:spAutoFit/>
+          </a:bodyPr>
+          <a:lstStyle/>
+          <a:p>
+            <a:pPr algn="ctr"/>
+            <a:r>
+              <a:rPr lang="en-US" dirty="0"/>
+              <a:t>HSV</a:t>
+            </a:r>
+            <a:endParaRPr lang="en-GB" dirty="0"/>
+          </a:p>
+        </p:txBody>
+      </p:sp>
+      <p:sp>
+        <p:nvSpPr>
+          <p:cNvPr id="36" name="TextBox 35">
+            <a:extLst>
+              <a:ext uri="{FF2B5EF4-FFF2-40B4-BE49-F238E27FC236}">
+                <a16:creationId xmlns:a16="http://schemas.microsoft.com/office/drawing/2014/main" id="{D765ED9D-C231-4C1D-8FCD-7656FFB01EA4}"/>
+              </a:ext>
+            </a:extLst>
+          </p:cNvPr>
+          <p:cNvSpPr txBox="1"/>
+          <p:nvPr/>
+        </p:nvSpPr>
+        <p:spPr>
+          <a:xfrm>
+            <a:off x="9727168" y="2421839"/>
+            <a:ext cx="1762262" cy="369332"/>
+          </a:xfrm>
+          <a:prstGeom prst="rect">
+            <a:avLst/>
+          </a:prstGeom>
+          <a:noFill/>
+        </p:spPr>
+        <p:txBody>
+          <a:bodyPr wrap="square" rtlCol="0">
+            <a:spAutoFit/>
+          </a:bodyPr>
+          <a:lstStyle/>
+          <a:p>
+            <a:pPr algn="ctr"/>
+            <a:r>
+              <a:rPr lang="en-US" dirty="0"/>
+              <a:t>Value</a:t>
+            </a:r>
+            <a:endParaRPr lang="en-GB" dirty="0"/>
+          </a:p>
+        </p:txBody>
+      </p:sp>
+    </p:spTree>
+    <p:extLst>
+      <p:ext uri="{BB962C8B-B14F-4D97-AF65-F5344CB8AC3E}">
+        <p14:creationId xmlns:p14="http://schemas.microsoft.com/office/powerpoint/2010/main" val="1413193354"/>
+      </p:ext>
+    </p:extLst>
+  </p:cSld>
+  <p:clrMapOvr>
+    <a:masterClrMapping/>
+  </p:clrMapOvr>
+</p:sld>
+</file>
+
+<file path=ppt/slides/slide4.xml><?xml version="1.0" encoding="utf-8"?>
+<p:sld xmlns:a="http://schemas.openxmlformats.org/drawingml/2006/main" xmlns:r="http://schemas.openxmlformats.org/officeDocument/2006/relationships" xmlns:p="http://schemas.openxmlformats.org/presentationml/2006/main">
+  <p:cSld>
+    <p:spTree>
+      <p:nvGrpSpPr>
+        <p:cNvPr id="1" name=""/>
+        <p:cNvGrpSpPr/>
+        <p:nvPr/>
+      </p:nvGrpSpPr>
+      <p:grpSpPr>
+        <a:xfrm>
+          <a:off x="0" y="0"/>
+          <a:ext cx="0" cy="0"/>
+          <a:chOff x="0" y="0"/>
+          <a:chExt cx="0" cy="0"/>
+        </a:xfrm>
+      </p:grpSpPr>
+      <p:sp>
+        <p:nvSpPr>
+          <p:cNvPr id="12" name="Title 1">
+            <a:extLst>
+              <a:ext uri="{FF2B5EF4-FFF2-40B4-BE49-F238E27FC236}">
+                <a16:creationId xmlns:a16="http://schemas.microsoft.com/office/drawing/2014/main" id="{05ACE682-1B73-40BF-BA3B-B531FBAF2E9A}"/>
+              </a:ext>
+            </a:extLst>
+          </p:cNvPr>
+          <p:cNvSpPr>
+            <a:spLocks noGrp="1"/>
+          </p:cNvSpPr>
+          <p:nvPr>
+            <p:ph type="title"/>
+          </p:nvPr>
+        </p:nvSpPr>
+        <p:spPr>
+          <a:xfrm>
+            <a:off x="2623396" y="801731"/>
+            <a:ext cx="7190913" cy="1080938"/>
+          </a:xfrm>
+        </p:spPr>
+        <p:txBody>
+          <a:bodyPr>
+            <a:normAutofit fontScale="90000"/>
+          </a:bodyPr>
+          <a:lstStyle/>
+          <a:p>
+            <a:pPr algn="ctr"/>
+            <a:r>
+              <a:rPr lang="en-US" sz="4800" dirty="0"/>
+              <a:t>Preprocessing</a:t>
+            </a:r>
+            <a:br>
+              <a:rPr lang="en-US" sz="4800" dirty="0"/>
+            </a:br>
+            <a:r>
+              <a:rPr lang="en-US" sz="4800" dirty="0"/>
+              <a:t>-filtering-</a:t>
+            </a:r>
+          </a:p>
+        </p:txBody>
+      </p:sp>
+      <p:sp>
+        <p:nvSpPr>
+          <p:cNvPr id="8" name="Slide Number Placeholder 5">
+            <a:extLst>
+              <a:ext uri="{FF2B5EF4-FFF2-40B4-BE49-F238E27FC236}">
+                <a16:creationId xmlns:a16="http://schemas.microsoft.com/office/drawing/2014/main" id="{974E51E9-613F-49E1-8A93-AF9AF175FA01}"/>
+              </a:ext>
+            </a:extLst>
+          </p:cNvPr>
+          <p:cNvSpPr txBox="1">
+            <a:spLocks/>
+          </p:cNvSpPr>
+          <p:nvPr/>
+        </p:nvSpPr>
+        <p:spPr bwMode="gray">
+          <a:xfrm>
+            <a:off x="11010090" y="6231913"/>
+            <a:ext cx="779767" cy="365125"/>
+          </a:xfrm>
+          <a:prstGeom prst="rect">
+            <a:avLst/>
+          </a:prstGeom>
+        </p:spPr>
+        <p:txBody>
+          <a:bodyPr vert="horz" lIns="91440" tIns="45720" rIns="91440" bIns="45720" rtlCol="0" anchor="ctr"/>
+          <a:lstStyle>
+            <a:defPPr>
+              <a:defRPr lang="en-US"/>
+            </a:defPPr>
+            <a:lvl1pPr marL="0" algn="r" defTabSz="457200" rtl="0" eaLnBrk="1" latinLnBrk="0" hangingPunct="1">
+              <a:defRPr sz="2000" kern="1200">
+                <a:solidFill>
+                  <a:srgbClr val="FEFFFF"/>
+                </a:solidFill>
+                <a:latin typeface="+mn-lt"/>
+                <a:ea typeface="+mn-ea"/>
+                <a:cs typeface="+mn-cs"/>
+              </a:defRPr>
+            </a:lvl1pPr>
+            <a:lvl2pPr marL="457200" algn="l" defTabSz="457200" rtl="0" eaLnBrk="1" latinLnBrk="0" hangingPunct="1">
+              <a:defRPr sz="1800" kern="1200">
+                <a:solidFill>
+                  <a:schemeClr val="tx1"/>
+                </a:solidFill>
+                <a:latin typeface="+mn-lt"/>
+                <a:ea typeface="+mn-ea"/>
+                <a:cs typeface="+mn-cs"/>
+              </a:defRPr>
+            </a:lvl2pPr>
+            <a:lvl3pPr marL="914400" algn="l" defTabSz="457200" rtl="0" eaLnBrk="1" latinLnBrk="0" hangingPunct="1">
+              <a:defRPr sz="1800" kern="1200">
+                <a:solidFill>
+                  <a:schemeClr val="tx1"/>
+                </a:solidFill>
+                <a:latin typeface="+mn-lt"/>
+                <a:ea typeface="+mn-ea"/>
+                <a:cs typeface="+mn-cs"/>
+              </a:defRPr>
+            </a:lvl3pPr>
+            <a:lvl4pPr marL="1371600" algn="l" defTabSz="457200" rtl="0" eaLnBrk="1" latinLnBrk="0" hangingPunct="1">
+              <a:defRPr sz="1800" kern="1200">
+                <a:solidFill>
+                  <a:schemeClr val="tx1"/>
+                </a:solidFill>
+                <a:latin typeface="+mn-lt"/>
+                <a:ea typeface="+mn-ea"/>
+                <a:cs typeface="+mn-cs"/>
+              </a:defRPr>
+            </a:lvl4pPr>
+            <a:lvl5pPr marL="1828800" algn="l" defTabSz="457200" rtl="0" eaLnBrk="1" latinLnBrk="0" hangingPunct="1">
+              <a:defRPr sz="1800" kern="1200">
+                <a:solidFill>
+                  <a:schemeClr val="tx1"/>
+                </a:solidFill>
+                <a:latin typeface="+mn-lt"/>
+                <a:ea typeface="+mn-ea"/>
+                <a:cs typeface="+mn-cs"/>
+              </a:defRPr>
+            </a:lvl5pPr>
+            <a:lvl6pPr marL="2286000" algn="l" defTabSz="457200" rtl="0" eaLnBrk="1" latinLnBrk="0" hangingPunct="1">
+              <a:defRPr sz="1800" kern="1200">
+                <a:solidFill>
+                  <a:schemeClr val="tx1"/>
+                </a:solidFill>
+                <a:latin typeface="+mn-lt"/>
+                <a:ea typeface="+mn-ea"/>
+                <a:cs typeface="+mn-cs"/>
+              </a:defRPr>
+            </a:lvl6pPr>
+            <a:lvl7pPr marL="2743200" algn="l" defTabSz="457200" rtl="0" eaLnBrk="1" latinLnBrk="0" hangingPunct="1">
+              <a:defRPr sz="1800" kern="1200">
+                <a:solidFill>
+                  <a:schemeClr val="tx1"/>
+                </a:solidFill>
+                <a:latin typeface="+mn-lt"/>
+                <a:ea typeface="+mn-ea"/>
+                <a:cs typeface="+mn-cs"/>
+              </a:defRPr>
+            </a:lvl7pPr>
+            <a:lvl8pPr marL="3200400" algn="l" defTabSz="457200" rtl="0" eaLnBrk="1" latinLnBrk="0" hangingPunct="1">
+              <a:defRPr sz="1800" kern="1200">
+                <a:solidFill>
+                  <a:schemeClr val="tx1"/>
+                </a:solidFill>
+                <a:latin typeface="+mn-lt"/>
+                <a:ea typeface="+mn-ea"/>
+                <a:cs typeface="+mn-cs"/>
+              </a:defRPr>
+            </a:lvl8pPr>
+            <a:lvl9pPr marL="3657600" algn="l" defTabSz="457200" rtl="0" eaLnBrk="1" latinLnBrk="0" hangingPunct="1">
+              <a:defRPr sz="1800" kern="1200">
+                <a:solidFill>
+                  <a:schemeClr val="tx1"/>
+                </a:solidFill>
+                <a:latin typeface="+mn-lt"/>
+                <a:ea typeface="+mn-ea"/>
+                <a:cs typeface="+mn-cs"/>
+              </a:defRPr>
+            </a:lvl9pPr>
+          </a:lstStyle>
+          <a:p>
+            <a:fld id="{19584825-D934-4E20-B0C8-29FEC7CA1AF9}" type="slidenum">
+              <a:rPr lang="en-US" smtClean="0">
+                <a:solidFill>
+                  <a:schemeClr val="tx1"/>
+                </a:solidFill>
+              </a:rPr>
+              <a:pPr/>
+              <a:t>4</a:t>
+            </a:fld>
+            <a:endParaRPr lang="en-US" dirty="0">
+              <a:solidFill>
+                <a:schemeClr val="tx1"/>
+              </a:solidFill>
+            </a:endParaRPr>
+          </a:p>
+        </p:txBody>
+      </p:sp>
+      <p:pic>
+        <p:nvPicPr>
+          <p:cNvPr id="9" name="Picture 8" descr="A picture containing text, clipart&#10;&#10;Description automatically generated">
+            <a:extLst>
+              <a:ext uri="{FF2B5EF4-FFF2-40B4-BE49-F238E27FC236}">
+                <a16:creationId xmlns:a16="http://schemas.microsoft.com/office/drawing/2014/main" id="{942D71B3-CD34-43E5-9D3F-BA2819AE22EA}"/>
+              </a:ext>
+            </a:extLst>
+          </p:cNvPr>
+          <p:cNvPicPr>
+            <a:picLocks noChangeAspect="1"/>
+          </p:cNvPicPr>
+          <p:nvPr/>
+        </p:nvPicPr>
+        <p:blipFill rotWithShape="1">
+          <a:blip r:embed="rId2">
+            <a:extLst>
+              <a:ext uri="{28A0092B-C50C-407E-A947-70E740481C1C}">
+                <a14:useLocalDpi xmlns:a14="http://schemas.microsoft.com/office/drawing/2010/main" val="0"/>
+              </a:ext>
+            </a:extLst>
+          </a:blip>
+          <a:srcRect r="57677"/>
+          <a:stretch/>
+        </p:blipFill>
+        <p:spPr>
+          <a:xfrm>
+            <a:off x="10608300" y="437028"/>
+            <a:ext cx="1428567" cy="1066632"/>
+          </a:xfrm>
+          <a:prstGeom prst="rect">
+            <a:avLst/>
+          </a:prstGeom>
+        </p:spPr>
+      </p:pic>
+      <p:pic>
+        <p:nvPicPr>
+          <p:cNvPr id="13" name="Picture 12" descr="Logo&#10;&#10;Description automatically generated">
+            <a:extLst>
+              <a:ext uri="{FF2B5EF4-FFF2-40B4-BE49-F238E27FC236}">
+                <a16:creationId xmlns:a16="http://schemas.microsoft.com/office/drawing/2014/main" id="{0B34AC09-580D-4C50-930A-7592EF4E9F8E}"/>
+              </a:ext>
+            </a:extLst>
+          </p:cNvPr>
+          <p:cNvPicPr>
+            <a:picLocks noChangeAspect="1"/>
+          </p:cNvPicPr>
+          <p:nvPr/>
+        </p:nvPicPr>
+        <p:blipFill>
+          <a:blip r:embed="rId3">
             <a:extLst>
               <a:ext uri="{28A0092B-C50C-407E-A947-70E740481C1C}">
                 <a14:useLocalDpi xmlns:a14="http://schemas.microsoft.com/office/drawing/2010/main" val="0"/>
@@ -13369,18 +14554,355 @@
         </p:blipFill>
         <p:spPr>
           <a:xfrm>
-            <a:off x="754106" y="1742902"/>
-            <a:ext cx="6081809" cy="6081809"/>
+            <a:off x="1829405" y="499758"/>
+            <a:ext cx="1376588" cy="941171"/>
           </a:xfrm>
           <a:prstGeom prst="rect">
             <a:avLst/>
           </a:prstGeom>
         </p:spPr>
       </p:pic>
+      <p:pic>
+        <p:nvPicPr>
+          <p:cNvPr id="16" name="Picture 15">
+            <a:extLst>
+              <a:ext uri="{FF2B5EF4-FFF2-40B4-BE49-F238E27FC236}">
+                <a16:creationId xmlns:a16="http://schemas.microsoft.com/office/drawing/2014/main" id="{782DBD11-738C-4119-8017-63848962A23D}"/>
+              </a:ext>
+            </a:extLst>
+          </p:cNvPr>
+          <p:cNvPicPr>
+            <a:picLocks noChangeAspect="1"/>
+          </p:cNvPicPr>
+          <p:nvPr/>
+        </p:nvPicPr>
+        <p:blipFill>
+          <a:blip r:embed="rId4"/>
+          <a:stretch>
+            <a:fillRect/>
+          </a:stretch>
+        </p:blipFill>
+        <p:spPr>
+          <a:xfrm>
+            <a:off x="301245" y="2785961"/>
+            <a:ext cx="3056320" cy="2276856"/>
+          </a:xfrm>
+          <a:prstGeom prst="rect">
+            <a:avLst/>
+          </a:prstGeom>
+        </p:spPr>
+      </p:pic>
+      <p:pic>
+        <p:nvPicPr>
+          <p:cNvPr id="18" name="Picture 17">
+            <a:extLst>
+              <a:ext uri="{FF2B5EF4-FFF2-40B4-BE49-F238E27FC236}">
+                <a16:creationId xmlns:a16="http://schemas.microsoft.com/office/drawing/2014/main" id="{22F33B2A-50B4-4CC0-BB68-4C5A30E7F766}"/>
+              </a:ext>
+            </a:extLst>
+          </p:cNvPr>
+          <p:cNvPicPr>
+            <a:picLocks noChangeAspect="1"/>
+          </p:cNvPicPr>
+          <p:nvPr/>
+        </p:nvPicPr>
+        <p:blipFill>
+          <a:blip r:embed="rId5"/>
+          <a:stretch>
+            <a:fillRect/>
+          </a:stretch>
+        </p:blipFill>
+        <p:spPr>
+          <a:xfrm>
+            <a:off x="4637384" y="2785961"/>
+            <a:ext cx="3022286" cy="2276856"/>
+          </a:xfrm>
+          <a:prstGeom prst="rect">
+            <a:avLst/>
+          </a:prstGeom>
+        </p:spPr>
+      </p:pic>
+      <p:pic>
+        <p:nvPicPr>
+          <p:cNvPr id="20" name="Picture 19">
+            <a:extLst>
+              <a:ext uri="{FF2B5EF4-FFF2-40B4-BE49-F238E27FC236}">
+                <a16:creationId xmlns:a16="http://schemas.microsoft.com/office/drawing/2014/main" id="{7AEDF7B8-94EE-4503-AD62-7966339AA02E}"/>
+              </a:ext>
+            </a:extLst>
+          </p:cNvPr>
+          <p:cNvPicPr>
+            <a:picLocks noChangeAspect="1"/>
+          </p:cNvPicPr>
+          <p:nvPr/>
+        </p:nvPicPr>
+        <p:blipFill>
+          <a:blip r:embed="rId6"/>
+          <a:stretch>
+            <a:fillRect/>
+          </a:stretch>
+        </p:blipFill>
+        <p:spPr>
+          <a:xfrm>
+            <a:off x="8939490" y="2785961"/>
+            <a:ext cx="3022286" cy="2265452"/>
+          </a:xfrm>
+          <a:prstGeom prst="rect">
+            <a:avLst/>
+          </a:prstGeom>
+        </p:spPr>
+      </p:pic>
+      <p:sp>
+        <p:nvSpPr>
+          <p:cNvPr id="17" name="Arrow: Right 16">
+            <a:extLst>
+              <a:ext uri="{FF2B5EF4-FFF2-40B4-BE49-F238E27FC236}">
+                <a16:creationId xmlns:a16="http://schemas.microsoft.com/office/drawing/2014/main" id="{6F3673EA-6B6F-444F-AD88-8C406A75F723}"/>
+              </a:ext>
+            </a:extLst>
+          </p:cNvPr>
+          <p:cNvSpPr/>
+          <p:nvPr/>
+        </p:nvSpPr>
+        <p:spPr>
+          <a:xfrm>
+            <a:off x="3453112" y="3497802"/>
+            <a:ext cx="1159447" cy="1080938"/>
+          </a:xfrm>
+          <a:prstGeom prst="rightArrow">
+            <a:avLst/>
+          </a:prstGeom>
+        </p:spPr>
+        <p:style>
+          <a:lnRef idx="2">
+            <a:schemeClr val="accent1">
+              <a:shade val="50000"/>
+            </a:schemeClr>
+          </a:lnRef>
+          <a:fillRef idx="1">
+            <a:schemeClr val="accent1"/>
+          </a:fillRef>
+          <a:effectRef idx="0">
+            <a:schemeClr val="accent1"/>
+          </a:effectRef>
+          <a:fontRef idx="minor">
+            <a:schemeClr val="lt1"/>
+          </a:fontRef>
+        </p:style>
+        <p:txBody>
+          <a:bodyPr rtlCol="0" anchor="ctr"/>
+          <a:lstStyle/>
+          <a:p>
+            <a:pPr algn="ctr"/>
+            <a:endParaRPr lang="en-GB"/>
+          </a:p>
+        </p:txBody>
+      </p:sp>
+      <p:sp>
+        <p:nvSpPr>
+          <p:cNvPr id="19" name="Arrow: Right 18">
+            <a:extLst>
+              <a:ext uri="{FF2B5EF4-FFF2-40B4-BE49-F238E27FC236}">
+                <a16:creationId xmlns:a16="http://schemas.microsoft.com/office/drawing/2014/main" id="{C1DF1362-D5AC-4D70-8BB7-C2F2ED1504E2}"/>
+              </a:ext>
+            </a:extLst>
+          </p:cNvPr>
+          <p:cNvSpPr/>
+          <p:nvPr/>
+        </p:nvSpPr>
+        <p:spPr>
+          <a:xfrm>
+            <a:off x="7719856" y="3378218"/>
+            <a:ext cx="1159447" cy="1080938"/>
+          </a:xfrm>
+          <a:prstGeom prst="rightArrow">
+            <a:avLst/>
+          </a:prstGeom>
+        </p:spPr>
+        <p:style>
+          <a:lnRef idx="2">
+            <a:schemeClr val="accent1">
+              <a:shade val="50000"/>
+            </a:schemeClr>
+          </a:lnRef>
+          <a:fillRef idx="1">
+            <a:schemeClr val="accent1"/>
+          </a:fillRef>
+          <a:effectRef idx="0">
+            <a:schemeClr val="accent1"/>
+          </a:effectRef>
+          <a:fontRef idx="minor">
+            <a:schemeClr val="lt1"/>
+          </a:fontRef>
+        </p:style>
+        <p:txBody>
+          <a:bodyPr rtlCol="0" anchor="ctr"/>
+          <a:lstStyle/>
+          <a:p>
+            <a:pPr algn="ctr"/>
+            <a:endParaRPr lang="en-GB"/>
+          </a:p>
+        </p:txBody>
+      </p:sp>
+      <p:sp>
+        <p:nvSpPr>
+          <p:cNvPr id="21" name="TextBox 20">
+            <a:extLst>
+              <a:ext uri="{FF2B5EF4-FFF2-40B4-BE49-F238E27FC236}">
+                <a16:creationId xmlns:a16="http://schemas.microsoft.com/office/drawing/2014/main" id="{39A68361-6907-40F4-889D-64358937FB54}"/>
+              </a:ext>
+            </a:extLst>
+          </p:cNvPr>
+          <p:cNvSpPr txBox="1"/>
+          <p:nvPr/>
+        </p:nvSpPr>
+        <p:spPr>
+          <a:xfrm>
+            <a:off x="948274" y="2320903"/>
+            <a:ext cx="1762262" cy="369332"/>
+          </a:xfrm>
+          <a:prstGeom prst="rect">
+            <a:avLst/>
+          </a:prstGeom>
+          <a:noFill/>
+        </p:spPr>
+        <p:txBody>
+          <a:bodyPr wrap="square" rtlCol="0">
+            <a:spAutoFit/>
+          </a:bodyPr>
+          <a:lstStyle/>
+          <a:p>
+            <a:pPr algn="ctr"/>
+            <a:r>
+              <a:rPr lang="en-US" dirty="0"/>
+              <a:t>Value</a:t>
+            </a:r>
+            <a:endParaRPr lang="en-GB" dirty="0"/>
+          </a:p>
+        </p:txBody>
+      </p:sp>
+      <p:sp>
+        <p:nvSpPr>
+          <p:cNvPr id="23" name="TextBox 22">
+            <a:extLst>
+              <a:ext uri="{FF2B5EF4-FFF2-40B4-BE49-F238E27FC236}">
+                <a16:creationId xmlns:a16="http://schemas.microsoft.com/office/drawing/2014/main" id="{AFD1FE7D-618B-4C54-96B8-D1C83BC61F56}"/>
+              </a:ext>
+            </a:extLst>
+          </p:cNvPr>
+          <p:cNvSpPr txBox="1"/>
+          <p:nvPr/>
+        </p:nvSpPr>
+        <p:spPr>
+          <a:xfrm>
+            <a:off x="5258888" y="2320903"/>
+            <a:ext cx="1762262" cy="369332"/>
+          </a:xfrm>
+          <a:prstGeom prst="rect">
+            <a:avLst/>
+          </a:prstGeom>
+          <a:noFill/>
+        </p:spPr>
+        <p:txBody>
+          <a:bodyPr wrap="square" rtlCol="0">
+            <a:spAutoFit/>
+          </a:bodyPr>
+          <a:lstStyle/>
+          <a:p>
+            <a:pPr algn="ctr"/>
+            <a:r>
+              <a:rPr lang="en-US" dirty="0"/>
+              <a:t>Hairless</a:t>
+            </a:r>
+            <a:endParaRPr lang="en-GB" dirty="0"/>
+          </a:p>
+        </p:txBody>
+      </p:sp>
+      <p:sp>
+        <p:nvSpPr>
+          <p:cNvPr id="25" name="TextBox 24">
+            <a:extLst>
+              <a:ext uri="{FF2B5EF4-FFF2-40B4-BE49-F238E27FC236}">
+                <a16:creationId xmlns:a16="http://schemas.microsoft.com/office/drawing/2014/main" id="{4BDCB5E3-6006-47C8-AE53-C25D7FD1B0E9}"/>
+              </a:ext>
+            </a:extLst>
+          </p:cNvPr>
+          <p:cNvSpPr txBox="1"/>
+          <p:nvPr/>
+        </p:nvSpPr>
+        <p:spPr>
+          <a:xfrm>
+            <a:off x="9569502" y="2325830"/>
+            <a:ext cx="1762262" cy="369332"/>
+          </a:xfrm>
+          <a:prstGeom prst="rect">
+            <a:avLst/>
+          </a:prstGeom>
+          <a:noFill/>
+        </p:spPr>
+        <p:txBody>
+          <a:bodyPr wrap="square" rtlCol="0">
+            <a:spAutoFit/>
+          </a:bodyPr>
+          <a:lstStyle/>
+          <a:p>
+            <a:pPr algn="ctr"/>
+            <a:r>
+              <a:rPr lang="en-US" dirty="0"/>
+              <a:t>AD Filtered</a:t>
+            </a:r>
+            <a:endParaRPr lang="en-GB" dirty="0"/>
+          </a:p>
+        </p:txBody>
+      </p:sp>
+      <p:sp>
+        <p:nvSpPr>
+          <p:cNvPr id="27" name="TextBox 26">
+            <a:extLst>
+              <a:ext uri="{FF2B5EF4-FFF2-40B4-BE49-F238E27FC236}">
+                <a16:creationId xmlns:a16="http://schemas.microsoft.com/office/drawing/2014/main" id="{DC089B64-C7EC-466C-820D-2FF00B297B50}"/>
+              </a:ext>
+            </a:extLst>
+          </p:cNvPr>
+          <p:cNvSpPr txBox="1"/>
+          <p:nvPr/>
+        </p:nvSpPr>
+        <p:spPr>
+          <a:xfrm>
+            <a:off x="3116343" y="2861490"/>
+            <a:ext cx="1762262" cy="646331"/>
+          </a:xfrm>
+          <a:prstGeom prst="rect">
+            <a:avLst/>
+          </a:prstGeom>
+          <a:noFill/>
+        </p:spPr>
+        <p:txBody>
+          <a:bodyPr wrap="square" rtlCol="0">
+            <a:spAutoFit/>
+          </a:bodyPr>
+          <a:lstStyle/>
+          <a:p>
+            <a:pPr algn="ctr"/>
+            <a:r>
+              <a:rPr lang="en-US" dirty="0"/>
+              <a:t>Grayscale</a:t>
+            </a:r>
+          </a:p>
+          <a:p>
+            <a:pPr algn="ctr"/>
+            <a:r>
+              <a:rPr lang="en-US" dirty="0"/>
+              <a:t>Morph.</a:t>
+            </a:r>
+            <a:endParaRPr lang="en-GB" dirty="0"/>
+          </a:p>
+        </p:txBody>
+      </p:sp>
     </p:spTree>
     <p:extLst>
       <p:ext uri="{BB962C8B-B14F-4D97-AF65-F5344CB8AC3E}">
-        <p14:creationId xmlns:p14="http://schemas.microsoft.com/office/powerpoint/2010/main" val="212263992"/>
+        <p14:creationId xmlns:p14="http://schemas.microsoft.com/office/powerpoint/2010/main" val="1300069052"/>
       </p:ext>
     </p:extLst>
   </p:cSld>
@@ -13431,14 +14953,21 @@
         </p:spPr>
         <p:txBody>
           <a:bodyPr>
-            <a:normAutofit/>
+            <a:normAutofit fontScale="90000"/>
           </a:bodyPr>
           <a:lstStyle/>
           <a:p>
             <a:pPr algn="ctr"/>
             <a:r>
               <a:rPr lang="en-US" sz="4800" dirty="0"/>
-              <a:t>Feature Extraction</a:t>
+              <a:t>Preprocessing</a:t>
+            </a:r>
+            <a:br>
+              <a:rPr lang="en-US" sz="4800" dirty="0"/>
+            </a:br>
+            <a:r>
+              <a:rPr lang="en-US" sz="4800" dirty="0"/>
+              <a:t>-contrast-</a:t>
             </a:r>
           </a:p>
         </p:txBody>
@@ -13572,6 +15101,1197 @@
               </a:rPr>
               <a:pPr/>
               <a:t>5</a:t>
+            </a:fld>
+            <a:endParaRPr lang="en-US" dirty="0">
+              <a:solidFill>
+                <a:schemeClr val="tx1"/>
+              </a:solidFill>
+            </a:endParaRPr>
+          </a:p>
+        </p:txBody>
+      </p:sp>
+      <p:pic>
+        <p:nvPicPr>
+          <p:cNvPr id="9" name="Picture 8" descr="A picture containing text, clipart&#10;&#10;Description automatically generated">
+            <a:extLst>
+              <a:ext uri="{FF2B5EF4-FFF2-40B4-BE49-F238E27FC236}">
+                <a16:creationId xmlns:a16="http://schemas.microsoft.com/office/drawing/2014/main" id="{942D71B3-CD34-43E5-9D3F-BA2819AE22EA}"/>
+              </a:ext>
+            </a:extLst>
+          </p:cNvPr>
+          <p:cNvPicPr>
+            <a:picLocks noChangeAspect="1"/>
+          </p:cNvPicPr>
+          <p:nvPr/>
+        </p:nvPicPr>
+        <p:blipFill rotWithShape="1">
+          <a:blip r:embed="rId2">
+            <a:extLst>
+              <a:ext uri="{28A0092B-C50C-407E-A947-70E740481C1C}">
+                <a14:useLocalDpi xmlns:a14="http://schemas.microsoft.com/office/drawing/2010/main" val="0"/>
+              </a:ext>
+            </a:extLst>
+          </a:blip>
+          <a:srcRect r="57677"/>
+          <a:stretch/>
+        </p:blipFill>
+        <p:spPr>
+          <a:xfrm>
+            <a:off x="10608300" y="437028"/>
+            <a:ext cx="1428567" cy="1066632"/>
+          </a:xfrm>
+          <a:prstGeom prst="rect">
+            <a:avLst/>
+          </a:prstGeom>
+        </p:spPr>
+      </p:pic>
+      <p:pic>
+        <p:nvPicPr>
+          <p:cNvPr id="13" name="Picture 12" descr="Logo&#10;&#10;Description automatically generated">
+            <a:extLst>
+              <a:ext uri="{FF2B5EF4-FFF2-40B4-BE49-F238E27FC236}">
+                <a16:creationId xmlns:a16="http://schemas.microsoft.com/office/drawing/2014/main" id="{0B34AC09-580D-4C50-930A-7592EF4E9F8E}"/>
+              </a:ext>
+            </a:extLst>
+          </p:cNvPr>
+          <p:cNvPicPr>
+            <a:picLocks noChangeAspect="1"/>
+          </p:cNvPicPr>
+          <p:nvPr/>
+        </p:nvPicPr>
+        <p:blipFill>
+          <a:blip r:embed="rId3">
+            <a:extLst>
+              <a:ext uri="{28A0092B-C50C-407E-A947-70E740481C1C}">
+                <a14:useLocalDpi xmlns:a14="http://schemas.microsoft.com/office/drawing/2010/main" val="0"/>
+              </a:ext>
+            </a:extLst>
+          </a:blip>
+          <a:stretch>
+            <a:fillRect/>
+          </a:stretch>
+        </p:blipFill>
+        <p:spPr>
+          <a:xfrm>
+            <a:off x="1829405" y="499758"/>
+            <a:ext cx="1376588" cy="941171"/>
+          </a:xfrm>
+          <a:prstGeom prst="rect">
+            <a:avLst/>
+          </a:prstGeom>
+        </p:spPr>
+      </p:pic>
+      <p:pic>
+        <p:nvPicPr>
+          <p:cNvPr id="22" name="Picture 21">
+            <a:extLst>
+              <a:ext uri="{FF2B5EF4-FFF2-40B4-BE49-F238E27FC236}">
+                <a16:creationId xmlns:a16="http://schemas.microsoft.com/office/drawing/2014/main" id="{95713D2C-B540-4321-9215-79E9CD86BB1F}"/>
+              </a:ext>
+            </a:extLst>
+          </p:cNvPr>
+          <p:cNvPicPr>
+            <a:picLocks noChangeAspect="1"/>
+          </p:cNvPicPr>
+          <p:nvPr/>
+        </p:nvPicPr>
+        <p:blipFill>
+          <a:blip r:embed="rId4"/>
+          <a:stretch>
+            <a:fillRect/>
+          </a:stretch>
+        </p:blipFill>
+        <p:spPr>
+          <a:xfrm>
+            <a:off x="4703864" y="2848390"/>
+            <a:ext cx="3035806" cy="2265451"/>
+          </a:xfrm>
+          <a:prstGeom prst="rect">
+            <a:avLst/>
+          </a:prstGeom>
+        </p:spPr>
+      </p:pic>
+      <p:pic>
+        <p:nvPicPr>
+          <p:cNvPr id="24" name="Picture 23">
+            <a:extLst>
+              <a:ext uri="{FF2B5EF4-FFF2-40B4-BE49-F238E27FC236}">
+                <a16:creationId xmlns:a16="http://schemas.microsoft.com/office/drawing/2014/main" id="{559D349E-2AC8-4067-8C4F-046EEBD5948F}"/>
+              </a:ext>
+            </a:extLst>
+          </p:cNvPr>
+          <p:cNvPicPr>
+            <a:picLocks noChangeAspect="1"/>
+          </p:cNvPicPr>
+          <p:nvPr/>
+        </p:nvPicPr>
+        <p:blipFill>
+          <a:blip r:embed="rId5"/>
+          <a:stretch>
+            <a:fillRect/>
+          </a:stretch>
+        </p:blipFill>
+        <p:spPr>
+          <a:xfrm>
+            <a:off x="8990422" y="2848389"/>
+            <a:ext cx="3022286" cy="2267980"/>
+          </a:xfrm>
+          <a:prstGeom prst="rect">
+            <a:avLst/>
+          </a:prstGeom>
+        </p:spPr>
+      </p:pic>
+      <p:pic>
+        <p:nvPicPr>
+          <p:cNvPr id="11" name="Picture 10">
+            <a:extLst>
+              <a:ext uri="{FF2B5EF4-FFF2-40B4-BE49-F238E27FC236}">
+                <a16:creationId xmlns:a16="http://schemas.microsoft.com/office/drawing/2014/main" id="{BF2CA8EA-FB8D-48B7-BC99-EC24283F0EB9}"/>
+              </a:ext>
+            </a:extLst>
+          </p:cNvPr>
+          <p:cNvPicPr>
+            <a:picLocks noChangeAspect="1"/>
+          </p:cNvPicPr>
+          <p:nvPr/>
+        </p:nvPicPr>
+        <p:blipFill>
+          <a:blip r:embed="rId6"/>
+          <a:stretch>
+            <a:fillRect/>
+          </a:stretch>
+        </p:blipFill>
+        <p:spPr>
+          <a:xfrm>
+            <a:off x="389283" y="2848389"/>
+            <a:ext cx="3022286" cy="2265452"/>
+          </a:xfrm>
+          <a:prstGeom prst="rect">
+            <a:avLst/>
+          </a:prstGeom>
+        </p:spPr>
+      </p:pic>
+      <p:sp>
+        <p:nvSpPr>
+          <p:cNvPr id="14" name="Arrow: Right 13">
+            <a:extLst>
+              <a:ext uri="{FF2B5EF4-FFF2-40B4-BE49-F238E27FC236}">
+                <a16:creationId xmlns:a16="http://schemas.microsoft.com/office/drawing/2014/main" id="{302B7760-2D84-47FF-9F26-D5B3A78A3341}"/>
+              </a:ext>
+            </a:extLst>
+          </p:cNvPr>
+          <p:cNvSpPr/>
+          <p:nvPr/>
+        </p:nvSpPr>
+        <p:spPr>
+          <a:xfrm>
+            <a:off x="3453112" y="3497802"/>
+            <a:ext cx="1159447" cy="1080938"/>
+          </a:xfrm>
+          <a:prstGeom prst="rightArrow">
+            <a:avLst/>
+          </a:prstGeom>
+        </p:spPr>
+        <p:style>
+          <a:lnRef idx="2">
+            <a:schemeClr val="accent1">
+              <a:shade val="50000"/>
+            </a:schemeClr>
+          </a:lnRef>
+          <a:fillRef idx="1">
+            <a:schemeClr val="accent1"/>
+          </a:fillRef>
+          <a:effectRef idx="0">
+            <a:schemeClr val="accent1"/>
+          </a:effectRef>
+          <a:fontRef idx="minor">
+            <a:schemeClr val="lt1"/>
+          </a:fontRef>
+        </p:style>
+        <p:txBody>
+          <a:bodyPr rtlCol="0" anchor="ctr"/>
+          <a:lstStyle/>
+          <a:p>
+            <a:pPr algn="ctr"/>
+            <a:endParaRPr lang="en-GB"/>
+          </a:p>
+        </p:txBody>
+      </p:sp>
+      <p:sp>
+        <p:nvSpPr>
+          <p:cNvPr id="15" name="Arrow: Right 14">
+            <a:extLst>
+              <a:ext uri="{FF2B5EF4-FFF2-40B4-BE49-F238E27FC236}">
+                <a16:creationId xmlns:a16="http://schemas.microsoft.com/office/drawing/2014/main" id="{009C725D-700C-4FBB-ACAB-3FEFF4C5916F}"/>
+              </a:ext>
+            </a:extLst>
+          </p:cNvPr>
+          <p:cNvSpPr/>
+          <p:nvPr/>
+        </p:nvSpPr>
+        <p:spPr>
+          <a:xfrm>
+            <a:off x="7830975" y="3429000"/>
+            <a:ext cx="1159447" cy="1080938"/>
+          </a:xfrm>
+          <a:prstGeom prst="rightArrow">
+            <a:avLst/>
+          </a:prstGeom>
+        </p:spPr>
+        <p:style>
+          <a:lnRef idx="2">
+            <a:schemeClr val="accent1">
+              <a:shade val="50000"/>
+            </a:schemeClr>
+          </a:lnRef>
+          <a:fillRef idx="1">
+            <a:schemeClr val="accent1"/>
+          </a:fillRef>
+          <a:effectRef idx="0">
+            <a:schemeClr val="accent1"/>
+          </a:effectRef>
+          <a:fontRef idx="minor">
+            <a:schemeClr val="lt1"/>
+          </a:fontRef>
+        </p:style>
+        <p:txBody>
+          <a:bodyPr rtlCol="0" anchor="ctr"/>
+          <a:lstStyle/>
+          <a:p>
+            <a:pPr algn="ctr"/>
+            <a:endParaRPr lang="en-GB"/>
+          </a:p>
+        </p:txBody>
+      </p:sp>
+      <p:sp>
+        <p:nvSpPr>
+          <p:cNvPr id="16" name="TextBox 15">
+            <a:extLst>
+              <a:ext uri="{FF2B5EF4-FFF2-40B4-BE49-F238E27FC236}">
+                <a16:creationId xmlns:a16="http://schemas.microsoft.com/office/drawing/2014/main" id="{ECF29077-8E24-444D-9821-582E86D6ED4A}"/>
+              </a:ext>
+            </a:extLst>
+          </p:cNvPr>
+          <p:cNvSpPr txBox="1"/>
+          <p:nvPr/>
+        </p:nvSpPr>
+        <p:spPr>
+          <a:xfrm>
+            <a:off x="948274" y="2320903"/>
+            <a:ext cx="1762262" cy="369332"/>
+          </a:xfrm>
+          <a:prstGeom prst="rect">
+            <a:avLst/>
+          </a:prstGeom>
+          <a:noFill/>
+        </p:spPr>
+        <p:txBody>
+          <a:bodyPr wrap="square" rtlCol="0">
+            <a:spAutoFit/>
+          </a:bodyPr>
+          <a:lstStyle/>
+          <a:p>
+            <a:pPr algn="ctr"/>
+            <a:r>
+              <a:rPr lang="en-US" dirty="0"/>
+              <a:t>AD Filtered</a:t>
+            </a:r>
+            <a:endParaRPr lang="en-GB" dirty="0"/>
+          </a:p>
+        </p:txBody>
+      </p:sp>
+      <p:sp>
+        <p:nvSpPr>
+          <p:cNvPr id="17" name="TextBox 16">
+            <a:extLst>
+              <a:ext uri="{FF2B5EF4-FFF2-40B4-BE49-F238E27FC236}">
+                <a16:creationId xmlns:a16="http://schemas.microsoft.com/office/drawing/2014/main" id="{AF47118F-4A72-4D66-A92C-FD3634B02383}"/>
+              </a:ext>
+            </a:extLst>
+          </p:cNvPr>
+          <p:cNvSpPr txBox="1"/>
+          <p:nvPr/>
+        </p:nvSpPr>
+        <p:spPr>
+          <a:xfrm>
+            <a:off x="4956451" y="2320903"/>
+            <a:ext cx="2524801" cy="369332"/>
+          </a:xfrm>
+          <a:prstGeom prst="rect">
+            <a:avLst/>
+          </a:prstGeom>
+          <a:noFill/>
+        </p:spPr>
+        <p:txBody>
+          <a:bodyPr wrap="square" rtlCol="0">
+            <a:spAutoFit/>
+          </a:bodyPr>
+          <a:lstStyle/>
+          <a:p>
+            <a:pPr algn="ctr"/>
+            <a:r>
+              <a:rPr lang="en-US" dirty="0"/>
+              <a:t>Contrast Enhanced</a:t>
+            </a:r>
+            <a:endParaRPr lang="en-GB" dirty="0"/>
+          </a:p>
+        </p:txBody>
+      </p:sp>
+      <p:sp>
+        <p:nvSpPr>
+          <p:cNvPr id="18" name="TextBox 17">
+            <a:extLst>
+              <a:ext uri="{FF2B5EF4-FFF2-40B4-BE49-F238E27FC236}">
+                <a16:creationId xmlns:a16="http://schemas.microsoft.com/office/drawing/2014/main" id="{1D67CED9-1E3C-4F1E-A838-0C0592F609BE}"/>
+              </a:ext>
+            </a:extLst>
+          </p:cNvPr>
+          <p:cNvSpPr txBox="1"/>
+          <p:nvPr/>
+        </p:nvSpPr>
+        <p:spPr>
+          <a:xfrm>
+            <a:off x="9377778" y="2351367"/>
+            <a:ext cx="2247574" cy="369332"/>
+          </a:xfrm>
+          <a:prstGeom prst="rect">
+            <a:avLst/>
+          </a:prstGeom>
+          <a:noFill/>
+        </p:spPr>
+        <p:txBody>
+          <a:bodyPr wrap="square" rtlCol="0">
+            <a:spAutoFit/>
+          </a:bodyPr>
+          <a:lstStyle/>
+          <a:p>
+            <a:pPr algn="ctr"/>
+            <a:r>
+              <a:rPr lang="en-US" dirty="0"/>
+              <a:t>Vignetted Image</a:t>
+            </a:r>
+            <a:endParaRPr lang="en-GB" dirty="0"/>
+          </a:p>
+        </p:txBody>
+      </p:sp>
+      <p:sp>
+        <p:nvSpPr>
+          <p:cNvPr id="19" name="TextBox 18">
+            <a:extLst>
+              <a:ext uri="{FF2B5EF4-FFF2-40B4-BE49-F238E27FC236}">
+                <a16:creationId xmlns:a16="http://schemas.microsoft.com/office/drawing/2014/main" id="{EF0C7463-F346-4087-88EF-32ADA68239FC}"/>
+              </a:ext>
+            </a:extLst>
+          </p:cNvPr>
+          <p:cNvSpPr txBox="1"/>
+          <p:nvPr/>
+        </p:nvSpPr>
+        <p:spPr>
+          <a:xfrm>
+            <a:off x="3463437" y="3038277"/>
+            <a:ext cx="1159447" cy="369332"/>
+          </a:xfrm>
+          <a:prstGeom prst="rect">
+            <a:avLst/>
+          </a:prstGeom>
+          <a:noFill/>
+        </p:spPr>
+        <p:txBody>
+          <a:bodyPr wrap="square" rtlCol="0">
+            <a:spAutoFit/>
+          </a:bodyPr>
+          <a:lstStyle/>
+          <a:p>
+            <a:pPr algn="ctr"/>
+            <a:r>
+              <a:rPr lang="en-US" dirty="0"/>
+              <a:t>CLAHE</a:t>
+            </a:r>
+            <a:endParaRPr lang="en-GB" dirty="0"/>
+          </a:p>
+        </p:txBody>
+      </p:sp>
+    </p:spTree>
+    <p:extLst>
+      <p:ext uri="{BB962C8B-B14F-4D97-AF65-F5344CB8AC3E}">
+        <p14:creationId xmlns:p14="http://schemas.microsoft.com/office/powerpoint/2010/main" val="824508287"/>
+      </p:ext>
+    </p:extLst>
+  </p:cSld>
+  <p:clrMapOvr>
+    <a:masterClrMapping/>
+  </p:clrMapOvr>
+</p:sld>
+</file>
+
+<file path=ppt/slides/slide6.xml><?xml version="1.0" encoding="utf-8"?>
+<p:sld xmlns:a="http://schemas.openxmlformats.org/drawingml/2006/main" xmlns:r="http://schemas.openxmlformats.org/officeDocument/2006/relationships" xmlns:p="http://schemas.openxmlformats.org/presentationml/2006/main">
+  <p:cSld>
+    <p:spTree>
+      <p:nvGrpSpPr>
+        <p:cNvPr id="1" name=""/>
+        <p:cNvGrpSpPr/>
+        <p:nvPr/>
+      </p:nvGrpSpPr>
+      <p:grpSpPr>
+        <a:xfrm>
+          <a:off x="0" y="0"/>
+          <a:ext cx="0" cy="0"/>
+          <a:chOff x="0" y="0"/>
+          <a:chExt cx="0" cy="0"/>
+        </a:xfrm>
+      </p:grpSpPr>
+      <p:sp>
+        <p:nvSpPr>
+          <p:cNvPr id="12" name="Title 1">
+            <a:extLst>
+              <a:ext uri="{FF2B5EF4-FFF2-40B4-BE49-F238E27FC236}">
+                <a16:creationId xmlns:a16="http://schemas.microsoft.com/office/drawing/2014/main" id="{05ACE682-1B73-40BF-BA3B-B531FBAF2E9A}"/>
+              </a:ext>
+            </a:extLst>
+          </p:cNvPr>
+          <p:cNvSpPr>
+            <a:spLocks noGrp="1"/>
+          </p:cNvSpPr>
+          <p:nvPr>
+            <p:ph type="title"/>
+          </p:nvPr>
+        </p:nvSpPr>
+        <p:spPr>
+          <a:xfrm>
+            <a:off x="2623396" y="801731"/>
+            <a:ext cx="7190913" cy="1080938"/>
+          </a:xfrm>
+        </p:spPr>
+        <p:txBody>
+          <a:bodyPr>
+            <a:normAutofit fontScale="90000"/>
+          </a:bodyPr>
+          <a:lstStyle/>
+          <a:p>
+            <a:pPr algn="ctr"/>
+            <a:r>
+              <a:rPr lang="en-US" sz="4800" dirty="0"/>
+              <a:t>Preprocessing</a:t>
+            </a:r>
+            <a:br>
+              <a:rPr lang="en-US" sz="4800" dirty="0"/>
+            </a:br>
+            <a:r>
+              <a:rPr lang="en-US" sz="4800" dirty="0"/>
+              <a:t>-binary-</a:t>
+            </a:r>
+          </a:p>
+        </p:txBody>
+      </p:sp>
+      <p:sp>
+        <p:nvSpPr>
+          <p:cNvPr id="8" name="Slide Number Placeholder 5">
+            <a:extLst>
+              <a:ext uri="{FF2B5EF4-FFF2-40B4-BE49-F238E27FC236}">
+                <a16:creationId xmlns:a16="http://schemas.microsoft.com/office/drawing/2014/main" id="{974E51E9-613F-49E1-8A93-AF9AF175FA01}"/>
+              </a:ext>
+            </a:extLst>
+          </p:cNvPr>
+          <p:cNvSpPr txBox="1">
+            <a:spLocks/>
+          </p:cNvSpPr>
+          <p:nvPr/>
+        </p:nvSpPr>
+        <p:spPr bwMode="gray">
+          <a:xfrm>
+            <a:off x="11010090" y="6231913"/>
+            <a:ext cx="779767" cy="365125"/>
+          </a:xfrm>
+          <a:prstGeom prst="rect">
+            <a:avLst/>
+          </a:prstGeom>
+        </p:spPr>
+        <p:txBody>
+          <a:bodyPr vert="horz" lIns="91440" tIns="45720" rIns="91440" bIns="45720" rtlCol="0" anchor="ctr"/>
+          <a:lstStyle>
+            <a:defPPr>
+              <a:defRPr lang="en-US"/>
+            </a:defPPr>
+            <a:lvl1pPr marL="0" algn="r" defTabSz="457200" rtl="0" eaLnBrk="1" latinLnBrk="0" hangingPunct="1">
+              <a:defRPr sz="2000" kern="1200">
+                <a:solidFill>
+                  <a:srgbClr val="FEFFFF"/>
+                </a:solidFill>
+                <a:latin typeface="+mn-lt"/>
+                <a:ea typeface="+mn-ea"/>
+                <a:cs typeface="+mn-cs"/>
+              </a:defRPr>
+            </a:lvl1pPr>
+            <a:lvl2pPr marL="457200" algn="l" defTabSz="457200" rtl="0" eaLnBrk="1" latinLnBrk="0" hangingPunct="1">
+              <a:defRPr sz="1800" kern="1200">
+                <a:solidFill>
+                  <a:schemeClr val="tx1"/>
+                </a:solidFill>
+                <a:latin typeface="+mn-lt"/>
+                <a:ea typeface="+mn-ea"/>
+                <a:cs typeface="+mn-cs"/>
+              </a:defRPr>
+            </a:lvl2pPr>
+            <a:lvl3pPr marL="914400" algn="l" defTabSz="457200" rtl="0" eaLnBrk="1" latinLnBrk="0" hangingPunct="1">
+              <a:defRPr sz="1800" kern="1200">
+                <a:solidFill>
+                  <a:schemeClr val="tx1"/>
+                </a:solidFill>
+                <a:latin typeface="+mn-lt"/>
+                <a:ea typeface="+mn-ea"/>
+                <a:cs typeface="+mn-cs"/>
+              </a:defRPr>
+            </a:lvl3pPr>
+            <a:lvl4pPr marL="1371600" algn="l" defTabSz="457200" rtl="0" eaLnBrk="1" latinLnBrk="0" hangingPunct="1">
+              <a:defRPr sz="1800" kern="1200">
+                <a:solidFill>
+                  <a:schemeClr val="tx1"/>
+                </a:solidFill>
+                <a:latin typeface="+mn-lt"/>
+                <a:ea typeface="+mn-ea"/>
+                <a:cs typeface="+mn-cs"/>
+              </a:defRPr>
+            </a:lvl4pPr>
+            <a:lvl5pPr marL="1828800" algn="l" defTabSz="457200" rtl="0" eaLnBrk="1" latinLnBrk="0" hangingPunct="1">
+              <a:defRPr sz="1800" kern="1200">
+                <a:solidFill>
+                  <a:schemeClr val="tx1"/>
+                </a:solidFill>
+                <a:latin typeface="+mn-lt"/>
+                <a:ea typeface="+mn-ea"/>
+                <a:cs typeface="+mn-cs"/>
+              </a:defRPr>
+            </a:lvl5pPr>
+            <a:lvl6pPr marL="2286000" algn="l" defTabSz="457200" rtl="0" eaLnBrk="1" latinLnBrk="0" hangingPunct="1">
+              <a:defRPr sz="1800" kern="1200">
+                <a:solidFill>
+                  <a:schemeClr val="tx1"/>
+                </a:solidFill>
+                <a:latin typeface="+mn-lt"/>
+                <a:ea typeface="+mn-ea"/>
+                <a:cs typeface="+mn-cs"/>
+              </a:defRPr>
+            </a:lvl6pPr>
+            <a:lvl7pPr marL="2743200" algn="l" defTabSz="457200" rtl="0" eaLnBrk="1" latinLnBrk="0" hangingPunct="1">
+              <a:defRPr sz="1800" kern="1200">
+                <a:solidFill>
+                  <a:schemeClr val="tx1"/>
+                </a:solidFill>
+                <a:latin typeface="+mn-lt"/>
+                <a:ea typeface="+mn-ea"/>
+                <a:cs typeface="+mn-cs"/>
+              </a:defRPr>
+            </a:lvl7pPr>
+            <a:lvl8pPr marL="3200400" algn="l" defTabSz="457200" rtl="0" eaLnBrk="1" latinLnBrk="0" hangingPunct="1">
+              <a:defRPr sz="1800" kern="1200">
+                <a:solidFill>
+                  <a:schemeClr val="tx1"/>
+                </a:solidFill>
+                <a:latin typeface="+mn-lt"/>
+                <a:ea typeface="+mn-ea"/>
+                <a:cs typeface="+mn-cs"/>
+              </a:defRPr>
+            </a:lvl8pPr>
+            <a:lvl9pPr marL="3657600" algn="l" defTabSz="457200" rtl="0" eaLnBrk="1" latinLnBrk="0" hangingPunct="1">
+              <a:defRPr sz="1800" kern="1200">
+                <a:solidFill>
+                  <a:schemeClr val="tx1"/>
+                </a:solidFill>
+                <a:latin typeface="+mn-lt"/>
+                <a:ea typeface="+mn-ea"/>
+                <a:cs typeface="+mn-cs"/>
+              </a:defRPr>
+            </a:lvl9pPr>
+          </a:lstStyle>
+          <a:p>
+            <a:fld id="{19584825-D934-4E20-B0C8-29FEC7CA1AF9}" type="slidenum">
+              <a:rPr lang="en-US" smtClean="0">
+                <a:solidFill>
+                  <a:schemeClr val="tx1"/>
+                </a:solidFill>
+              </a:rPr>
+              <a:pPr/>
+              <a:t>6</a:t>
+            </a:fld>
+            <a:endParaRPr lang="en-US" dirty="0">
+              <a:solidFill>
+                <a:schemeClr val="tx1"/>
+              </a:solidFill>
+            </a:endParaRPr>
+          </a:p>
+        </p:txBody>
+      </p:sp>
+      <p:pic>
+        <p:nvPicPr>
+          <p:cNvPr id="9" name="Picture 8" descr="A picture containing text, clipart&#10;&#10;Description automatically generated">
+            <a:extLst>
+              <a:ext uri="{FF2B5EF4-FFF2-40B4-BE49-F238E27FC236}">
+                <a16:creationId xmlns:a16="http://schemas.microsoft.com/office/drawing/2014/main" id="{942D71B3-CD34-43E5-9D3F-BA2819AE22EA}"/>
+              </a:ext>
+            </a:extLst>
+          </p:cNvPr>
+          <p:cNvPicPr>
+            <a:picLocks noChangeAspect="1"/>
+          </p:cNvPicPr>
+          <p:nvPr/>
+        </p:nvPicPr>
+        <p:blipFill rotWithShape="1">
+          <a:blip r:embed="rId2">
+            <a:extLst>
+              <a:ext uri="{28A0092B-C50C-407E-A947-70E740481C1C}">
+                <a14:useLocalDpi xmlns:a14="http://schemas.microsoft.com/office/drawing/2010/main" val="0"/>
+              </a:ext>
+            </a:extLst>
+          </a:blip>
+          <a:srcRect r="57677"/>
+          <a:stretch/>
+        </p:blipFill>
+        <p:spPr>
+          <a:xfrm>
+            <a:off x="10608300" y="437028"/>
+            <a:ext cx="1428567" cy="1066632"/>
+          </a:xfrm>
+          <a:prstGeom prst="rect">
+            <a:avLst/>
+          </a:prstGeom>
+        </p:spPr>
+      </p:pic>
+      <p:pic>
+        <p:nvPicPr>
+          <p:cNvPr id="13" name="Picture 12" descr="Logo&#10;&#10;Description automatically generated">
+            <a:extLst>
+              <a:ext uri="{FF2B5EF4-FFF2-40B4-BE49-F238E27FC236}">
+                <a16:creationId xmlns:a16="http://schemas.microsoft.com/office/drawing/2014/main" id="{0B34AC09-580D-4C50-930A-7592EF4E9F8E}"/>
+              </a:ext>
+            </a:extLst>
+          </p:cNvPr>
+          <p:cNvPicPr>
+            <a:picLocks noChangeAspect="1"/>
+          </p:cNvPicPr>
+          <p:nvPr/>
+        </p:nvPicPr>
+        <p:blipFill>
+          <a:blip r:embed="rId3">
+            <a:extLst>
+              <a:ext uri="{28A0092B-C50C-407E-A947-70E740481C1C}">
+                <a14:useLocalDpi xmlns:a14="http://schemas.microsoft.com/office/drawing/2010/main" val="0"/>
+              </a:ext>
+            </a:extLst>
+          </a:blip>
+          <a:stretch>
+            <a:fillRect/>
+          </a:stretch>
+        </p:blipFill>
+        <p:spPr>
+          <a:xfrm>
+            <a:off x="1829405" y="499758"/>
+            <a:ext cx="1376588" cy="941171"/>
+          </a:xfrm>
+          <a:prstGeom prst="rect">
+            <a:avLst/>
+          </a:prstGeom>
+        </p:spPr>
+      </p:pic>
+      <p:pic>
+        <p:nvPicPr>
+          <p:cNvPr id="26" name="Picture 25">
+            <a:extLst>
+              <a:ext uri="{FF2B5EF4-FFF2-40B4-BE49-F238E27FC236}">
+                <a16:creationId xmlns:a16="http://schemas.microsoft.com/office/drawing/2014/main" id="{F58552E3-6B5B-4D99-8961-D33361779F41}"/>
+              </a:ext>
+            </a:extLst>
+          </p:cNvPr>
+          <p:cNvPicPr>
+            <a:picLocks noChangeAspect="1"/>
+          </p:cNvPicPr>
+          <p:nvPr/>
+        </p:nvPicPr>
+        <p:blipFill>
+          <a:blip r:embed="rId4"/>
+          <a:stretch>
+            <a:fillRect/>
+          </a:stretch>
+        </p:blipFill>
+        <p:spPr>
+          <a:xfrm>
+            <a:off x="318262" y="2789450"/>
+            <a:ext cx="3022286" cy="2267980"/>
+          </a:xfrm>
+          <a:prstGeom prst="rect">
+            <a:avLst/>
+          </a:prstGeom>
+        </p:spPr>
+      </p:pic>
+      <p:pic>
+        <p:nvPicPr>
+          <p:cNvPr id="28" name="Picture 27">
+            <a:extLst>
+              <a:ext uri="{FF2B5EF4-FFF2-40B4-BE49-F238E27FC236}">
+                <a16:creationId xmlns:a16="http://schemas.microsoft.com/office/drawing/2014/main" id="{9C0AE9B9-0763-444C-BB91-38D66F15A296}"/>
+              </a:ext>
+            </a:extLst>
+          </p:cNvPr>
+          <p:cNvPicPr>
+            <a:picLocks noChangeAspect="1"/>
+          </p:cNvPicPr>
+          <p:nvPr/>
+        </p:nvPicPr>
+        <p:blipFill>
+          <a:blip r:embed="rId5"/>
+          <a:stretch>
+            <a:fillRect/>
+          </a:stretch>
+        </p:blipFill>
+        <p:spPr>
+          <a:xfrm>
+            <a:off x="4695531" y="2775750"/>
+            <a:ext cx="3046641" cy="2265451"/>
+          </a:xfrm>
+          <a:prstGeom prst="rect">
+            <a:avLst/>
+          </a:prstGeom>
+        </p:spPr>
+      </p:pic>
+      <p:sp>
+        <p:nvSpPr>
+          <p:cNvPr id="19" name="Arrow: Right 18">
+            <a:extLst>
+              <a:ext uri="{FF2B5EF4-FFF2-40B4-BE49-F238E27FC236}">
+                <a16:creationId xmlns:a16="http://schemas.microsoft.com/office/drawing/2014/main" id="{25BCDD50-0403-459E-97B4-0E7575D551FE}"/>
+              </a:ext>
+            </a:extLst>
+          </p:cNvPr>
+          <p:cNvSpPr/>
+          <p:nvPr/>
+        </p:nvSpPr>
+        <p:spPr>
+          <a:xfrm>
+            <a:off x="3444671" y="3382971"/>
+            <a:ext cx="1159447" cy="1080938"/>
+          </a:xfrm>
+          <a:prstGeom prst="rightArrow">
+            <a:avLst/>
+          </a:prstGeom>
+        </p:spPr>
+        <p:style>
+          <a:lnRef idx="2">
+            <a:schemeClr val="accent1">
+              <a:shade val="50000"/>
+            </a:schemeClr>
+          </a:lnRef>
+          <a:fillRef idx="1">
+            <a:schemeClr val="accent1"/>
+          </a:fillRef>
+          <a:effectRef idx="0">
+            <a:schemeClr val="accent1"/>
+          </a:effectRef>
+          <a:fontRef idx="minor">
+            <a:schemeClr val="lt1"/>
+          </a:fontRef>
+        </p:style>
+        <p:txBody>
+          <a:bodyPr rtlCol="0" anchor="ctr"/>
+          <a:lstStyle/>
+          <a:p>
+            <a:pPr algn="ctr"/>
+            <a:endParaRPr lang="en-GB"/>
+          </a:p>
+        </p:txBody>
+      </p:sp>
+      <p:sp>
+        <p:nvSpPr>
+          <p:cNvPr id="21" name="Arrow: Right 20">
+            <a:extLst>
+              <a:ext uri="{FF2B5EF4-FFF2-40B4-BE49-F238E27FC236}">
+                <a16:creationId xmlns:a16="http://schemas.microsoft.com/office/drawing/2014/main" id="{1D337A67-9883-400E-80C9-47A624747F80}"/>
+              </a:ext>
+            </a:extLst>
+          </p:cNvPr>
+          <p:cNvSpPr/>
+          <p:nvPr/>
+        </p:nvSpPr>
+        <p:spPr>
+          <a:xfrm>
+            <a:off x="7833585" y="3368006"/>
+            <a:ext cx="1159447" cy="1080938"/>
+          </a:xfrm>
+          <a:prstGeom prst="rightArrow">
+            <a:avLst/>
+          </a:prstGeom>
+        </p:spPr>
+        <p:style>
+          <a:lnRef idx="2">
+            <a:schemeClr val="accent1">
+              <a:shade val="50000"/>
+            </a:schemeClr>
+          </a:lnRef>
+          <a:fillRef idx="1">
+            <a:schemeClr val="accent1"/>
+          </a:fillRef>
+          <a:effectRef idx="0">
+            <a:schemeClr val="accent1"/>
+          </a:effectRef>
+          <a:fontRef idx="minor">
+            <a:schemeClr val="lt1"/>
+          </a:fontRef>
+        </p:style>
+        <p:txBody>
+          <a:bodyPr rtlCol="0" anchor="ctr"/>
+          <a:lstStyle/>
+          <a:p>
+            <a:pPr algn="ctr"/>
+            <a:endParaRPr lang="en-GB"/>
+          </a:p>
+        </p:txBody>
+      </p:sp>
+      <p:sp>
+        <p:nvSpPr>
+          <p:cNvPr id="23" name="TextBox 22">
+            <a:extLst>
+              <a:ext uri="{FF2B5EF4-FFF2-40B4-BE49-F238E27FC236}">
+                <a16:creationId xmlns:a16="http://schemas.microsoft.com/office/drawing/2014/main" id="{24422132-FC45-4CB9-B09D-86B57450F970}"/>
+              </a:ext>
+            </a:extLst>
+          </p:cNvPr>
+          <p:cNvSpPr txBox="1"/>
+          <p:nvPr/>
+        </p:nvSpPr>
+        <p:spPr>
+          <a:xfrm>
+            <a:off x="587561" y="2103389"/>
+            <a:ext cx="2483687" cy="646331"/>
+          </a:xfrm>
+          <a:prstGeom prst="rect">
+            <a:avLst/>
+          </a:prstGeom>
+          <a:noFill/>
+        </p:spPr>
+        <p:txBody>
+          <a:bodyPr wrap="square" rtlCol="0">
+            <a:spAutoFit/>
+          </a:bodyPr>
+          <a:lstStyle/>
+          <a:p>
+            <a:pPr algn="ctr"/>
+            <a:r>
+              <a:rPr lang="en-US" dirty="0" err="1"/>
+              <a:t>Thresholded</a:t>
+            </a:r>
+            <a:r>
+              <a:rPr lang="en-US" dirty="0"/>
+              <a:t> Image (triangle method)</a:t>
+            </a:r>
+            <a:endParaRPr lang="en-GB" dirty="0"/>
+          </a:p>
+        </p:txBody>
+      </p:sp>
+      <p:sp>
+        <p:nvSpPr>
+          <p:cNvPr id="25" name="TextBox 24">
+            <a:extLst>
+              <a:ext uri="{FF2B5EF4-FFF2-40B4-BE49-F238E27FC236}">
+                <a16:creationId xmlns:a16="http://schemas.microsoft.com/office/drawing/2014/main" id="{6F0775CE-CDED-4F61-A944-06CB82016313}"/>
+              </a:ext>
+            </a:extLst>
+          </p:cNvPr>
+          <p:cNvSpPr txBox="1"/>
+          <p:nvPr/>
+        </p:nvSpPr>
+        <p:spPr>
+          <a:xfrm>
+            <a:off x="4977007" y="2241888"/>
+            <a:ext cx="2483687" cy="369332"/>
+          </a:xfrm>
+          <a:prstGeom prst="rect">
+            <a:avLst/>
+          </a:prstGeom>
+          <a:noFill/>
+        </p:spPr>
+        <p:txBody>
+          <a:bodyPr wrap="square" rtlCol="0">
+            <a:spAutoFit/>
+          </a:bodyPr>
+          <a:lstStyle/>
+          <a:p>
+            <a:pPr algn="ctr"/>
+            <a:r>
+              <a:rPr lang="en-US" dirty="0"/>
+              <a:t>Opening + Eroding</a:t>
+            </a:r>
+            <a:endParaRPr lang="en-GB" dirty="0"/>
+          </a:p>
+        </p:txBody>
+      </p:sp>
+      <p:sp>
+        <p:nvSpPr>
+          <p:cNvPr id="27" name="TextBox 26">
+            <a:extLst>
+              <a:ext uri="{FF2B5EF4-FFF2-40B4-BE49-F238E27FC236}">
+                <a16:creationId xmlns:a16="http://schemas.microsoft.com/office/drawing/2014/main" id="{5AB77756-5C75-4A95-89B9-B3B0CD8889C4}"/>
+              </a:ext>
+            </a:extLst>
+          </p:cNvPr>
+          <p:cNvSpPr txBox="1"/>
+          <p:nvPr/>
+        </p:nvSpPr>
+        <p:spPr>
+          <a:xfrm>
+            <a:off x="9366455" y="2077491"/>
+            <a:ext cx="2483687" cy="646331"/>
+          </a:xfrm>
+          <a:prstGeom prst="rect">
+            <a:avLst/>
+          </a:prstGeom>
+          <a:noFill/>
+        </p:spPr>
+        <p:txBody>
+          <a:bodyPr wrap="square" rtlCol="0">
+            <a:spAutoFit/>
+          </a:bodyPr>
+          <a:lstStyle/>
+          <a:p>
+            <a:pPr algn="ctr"/>
+            <a:r>
+              <a:rPr lang="en-US" dirty="0"/>
+              <a:t>Final Result</a:t>
+            </a:r>
+          </a:p>
+          <a:p>
+            <a:pPr algn="ctr"/>
+            <a:r>
+              <a:rPr lang="en-US" dirty="0"/>
+              <a:t>(HSV Image)</a:t>
+            </a:r>
+            <a:endParaRPr lang="en-GB" dirty="0"/>
+          </a:p>
+        </p:txBody>
+      </p:sp>
+      <p:pic>
+        <p:nvPicPr>
+          <p:cNvPr id="3" name="Picture 2">
+            <a:extLst>
+              <a:ext uri="{FF2B5EF4-FFF2-40B4-BE49-F238E27FC236}">
+                <a16:creationId xmlns:a16="http://schemas.microsoft.com/office/drawing/2014/main" id="{2695748B-63A5-4227-AC6B-BC7A04656860}"/>
+              </a:ext>
+            </a:extLst>
+          </p:cNvPr>
+          <p:cNvPicPr>
+            <a:picLocks noChangeAspect="1"/>
+          </p:cNvPicPr>
+          <p:nvPr/>
+        </p:nvPicPr>
+        <p:blipFill>
+          <a:blip r:embed="rId6"/>
+          <a:stretch>
+            <a:fillRect/>
+          </a:stretch>
+        </p:blipFill>
+        <p:spPr>
+          <a:xfrm>
+            <a:off x="9069826" y="2789450"/>
+            <a:ext cx="3076946" cy="2307710"/>
+          </a:xfrm>
+          <a:prstGeom prst="rect">
+            <a:avLst/>
+          </a:prstGeom>
+        </p:spPr>
+      </p:pic>
+    </p:spTree>
+    <p:extLst>
+      <p:ext uri="{BB962C8B-B14F-4D97-AF65-F5344CB8AC3E}">
+        <p14:creationId xmlns:p14="http://schemas.microsoft.com/office/powerpoint/2010/main" val="75232395"/>
+      </p:ext>
+    </p:extLst>
+  </p:cSld>
+  <p:clrMapOvr>
+    <a:masterClrMapping/>
+  </p:clrMapOvr>
+</p:sld>
+</file>
+
+<file path=ppt/slides/slide7.xml><?xml version="1.0" encoding="utf-8"?>
+<p:sld xmlns:a="http://schemas.openxmlformats.org/drawingml/2006/main" xmlns:r="http://schemas.openxmlformats.org/officeDocument/2006/relationships" xmlns:p="http://schemas.openxmlformats.org/presentationml/2006/main">
+  <p:cSld>
+    <p:spTree>
+      <p:nvGrpSpPr>
+        <p:cNvPr id="1" name=""/>
+        <p:cNvGrpSpPr/>
+        <p:nvPr/>
+      </p:nvGrpSpPr>
+      <p:grpSpPr>
+        <a:xfrm>
+          <a:off x="0" y="0"/>
+          <a:ext cx="0" cy="0"/>
+          <a:chOff x="0" y="0"/>
+          <a:chExt cx="0" cy="0"/>
+        </a:xfrm>
+      </p:grpSpPr>
+      <p:sp>
+        <p:nvSpPr>
+          <p:cNvPr id="12" name="Title 1">
+            <a:extLst>
+              <a:ext uri="{FF2B5EF4-FFF2-40B4-BE49-F238E27FC236}">
+                <a16:creationId xmlns:a16="http://schemas.microsoft.com/office/drawing/2014/main" id="{05ACE682-1B73-40BF-BA3B-B531FBAF2E9A}"/>
+              </a:ext>
+            </a:extLst>
+          </p:cNvPr>
+          <p:cNvSpPr>
+            <a:spLocks noGrp="1"/>
+          </p:cNvSpPr>
+          <p:nvPr>
+            <p:ph type="title"/>
+          </p:nvPr>
+        </p:nvSpPr>
+        <p:spPr>
+          <a:xfrm>
+            <a:off x="2623396" y="801731"/>
+            <a:ext cx="7190913" cy="1080938"/>
+          </a:xfrm>
+        </p:spPr>
+        <p:txBody>
+          <a:bodyPr>
+            <a:normAutofit/>
+          </a:bodyPr>
+          <a:lstStyle/>
+          <a:p>
+            <a:pPr algn="ctr"/>
+            <a:r>
+              <a:rPr lang="en-US" sz="4800" dirty="0"/>
+              <a:t>Feature Extraction</a:t>
+            </a:r>
+          </a:p>
+        </p:txBody>
+      </p:sp>
+      <p:sp>
+        <p:nvSpPr>
+          <p:cNvPr id="8" name="Slide Number Placeholder 5">
+            <a:extLst>
+              <a:ext uri="{FF2B5EF4-FFF2-40B4-BE49-F238E27FC236}">
+                <a16:creationId xmlns:a16="http://schemas.microsoft.com/office/drawing/2014/main" id="{974E51E9-613F-49E1-8A93-AF9AF175FA01}"/>
+              </a:ext>
+            </a:extLst>
+          </p:cNvPr>
+          <p:cNvSpPr txBox="1">
+            <a:spLocks/>
+          </p:cNvSpPr>
+          <p:nvPr/>
+        </p:nvSpPr>
+        <p:spPr bwMode="gray">
+          <a:xfrm>
+            <a:off x="11010090" y="6231913"/>
+            <a:ext cx="779767" cy="365125"/>
+          </a:xfrm>
+          <a:prstGeom prst="rect">
+            <a:avLst/>
+          </a:prstGeom>
+        </p:spPr>
+        <p:txBody>
+          <a:bodyPr vert="horz" lIns="91440" tIns="45720" rIns="91440" bIns="45720" rtlCol="0" anchor="ctr"/>
+          <a:lstStyle>
+            <a:defPPr>
+              <a:defRPr lang="en-US"/>
+            </a:defPPr>
+            <a:lvl1pPr marL="0" algn="r" defTabSz="457200" rtl="0" eaLnBrk="1" latinLnBrk="0" hangingPunct="1">
+              <a:defRPr sz="2000" kern="1200">
+                <a:solidFill>
+                  <a:srgbClr val="FEFFFF"/>
+                </a:solidFill>
+                <a:latin typeface="+mn-lt"/>
+                <a:ea typeface="+mn-ea"/>
+                <a:cs typeface="+mn-cs"/>
+              </a:defRPr>
+            </a:lvl1pPr>
+            <a:lvl2pPr marL="457200" algn="l" defTabSz="457200" rtl="0" eaLnBrk="1" latinLnBrk="0" hangingPunct="1">
+              <a:defRPr sz="1800" kern="1200">
+                <a:solidFill>
+                  <a:schemeClr val="tx1"/>
+                </a:solidFill>
+                <a:latin typeface="+mn-lt"/>
+                <a:ea typeface="+mn-ea"/>
+                <a:cs typeface="+mn-cs"/>
+              </a:defRPr>
+            </a:lvl2pPr>
+            <a:lvl3pPr marL="914400" algn="l" defTabSz="457200" rtl="0" eaLnBrk="1" latinLnBrk="0" hangingPunct="1">
+              <a:defRPr sz="1800" kern="1200">
+                <a:solidFill>
+                  <a:schemeClr val="tx1"/>
+                </a:solidFill>
+                <a:latin typeface="+mn-lt"/>
+                <a:ea typeface="+mn-ea"/>
+                <a:cs typeface="+mn-cs"/>
+              </a:defRPr>
+            </a:lvl3pPr>
+            <a:lvl4pPr marL="1371600" algn="l" defTabSz="457200" rtl="0" eaLnBrk="1" latinLnBrk="0" hangingPunct="1">
+              <a:defRPr sz="1800" kern="1200">
+                <a:solidFill>
+                  <a:schemeClr val="tx1"/>
+                </a:solidFill>
+                <a:latin typeface="+mn-lt"/>
+                <a:ea typeface="+mn-ea"/>
+                <a:cs typeface="+mn-cs"/>
+              </a:defRPr>
+            </a:lvl4pPr>
+            <a:lvl5pPr marL="1828800" algn="l" defTabSz="457200" rtl="0" eaLnBrk="1" latinLnBrk="0" hangingPunct="1">
+              <a:defRPr sz="1800" kern="1200">
+                <a:solidFill>
+                  <a:schemeClr val="tx1"/>
+                </a:solidFill>
+                <a:latin typeface="+mn-lt"/>
+                <a:ea typeface="+mn-ea"/>
+                <a:cs typeface="+mn-cs"/>
+              </a:defRPr>
+            </a:lvl5pPr>
+            <a:lvl6pPr marL="2286000" algn="l" defTabSz="457200" rtl="0" eaLnBrk="1" latinLnBrk="0" hangingPunct="1">
+              <a:defRPr sz="1800" kern="1200">
+                <a:solidFill>
+                  <a:schemeClr val="tx1"/>
+                </a:solidFill>
+                <a:latin typeface="+mn-lt"/>
+                <a:ea typeface="+mn-ea"/>
+                <a:cs typeface="+mn-cs"/>
+              </a:defRPr>
+            </a:lvl6pPr>
+            <a:lvl7pPr marL="2743200" algn="l" defTabSz="457200" rtl="0" eaLnBrk="1" latinLnBrk="0" hangingPunct="1">
+              <a:defRPr sz="1800" kern="1200">
+                <a:solidFill>
+                  <a:schemeClr val="tx1"/>
+                </a:solidFill>
+                <a:latin typeface="+mn-lt"/>
+                <a:ea typeface="+mn-ea"/>
+                <a:cs typeface="+mn-cs"/>
+              </a:defRPr>
+            </a:lvl7pPr>
+            <a:lvl8pPr marL="3200400" algn="l" defTabSz="457200" rtl="0" eaLnBrk="1" latinLnBrk="0" hangingPunct="1">
+              <a:defRPr sz="1800" kern="1200">
+                <a:solidFill>
+                  <a:schemeClr val="tx1"/>
+                </a:solidFill>
+                <a:latin typeface="+mn-lt"/>
+                <a:ea typeface="+mn-ea"/>
+                <a:cs typeface="+mn-cs"/>
+              </a:defRPr>
+            </a:lvl8pPr>
+            <a:lvl9pPr marL="3657600" algn="l" defTabSz="457200" rtl="0" eaLnBrk="1" latinLnBrk="0" hangingPunct="1">
+              <a:defRPr sz="1800" kern="1200">
+                <a:solidFill>
+                  <a:schemeClr val="tx1"/>
+                </a:solidFill>
+                <a:latin typeface="+mn-lt"/>
+                <a:ea typeface="+mn-ea"/>
+                <a:cs typeface="+mn-cs"/>
+              </a:defRPr>
+            </a:lvl9pPr>
+          </a:lstStyle>
+          <a:p>
+            <a:fld id="{19584825-D934-4E20-B0C8-29FEC7CA1AF9}" type="slidenum">
+              <a:rPr lang="en-US" smtClean="0">
+                <a:solidFill>
+                  <a:schemeClr val="tx1"/>
+                </a:solidFill>
+              </a:rPr>
+              <a:pPr/>
+              <a:t>7</a:t>
             </a:fld>
             <a:endParaRPr lang="en-US" dirty="0">
               <a:solidFill>
@@ -14374,7 +17094,7 @@
 </p:sld>
 </file>
 
-<file path=ppt/slides/slide6.xml><?xml version="1.0" encoding="utf-8"?>
+<file path=ppt/slides/slide8.xml><?xml version="1.0" encoding="utf-8"?>
 <p:sld xmlns:a="http://schemas.openxmlformats.org/drawingml/2006/main" xmlns:r="http://schemas.openxmlformats.org/officeDocument/2006/relationships" xmlns:p="http://schemas.openxmlformats.org/presentationml/2006/main">
   <p:cSld>
     <p:spTree>
@@ -14555,7 +17275,7 @@
                 </a:solidFill>
               </a:rPr>
               <a:pPr/>
-              <a:t>6</a:t>
+              <a:t>8</a:t>
             </a:fld>
             <a:endParaRPr lang="en-US" dirty="0">
               <a:solidFill>
@@ -14636,114 +17356,6 @@
           </a:prstGeom>
         </p:spPr>
       </p:pic>
-      <p:pic>
-        <p:nvPicPr>
-          <p:cNvPr id="3" name="Picture 2" descr="A picture containing person, sitting, sofa, seat&#10;&#10;Description automatically generated">
-            <a:extLst>
-              <a:ext uri="{FF2B5EF4-FFF2-40B4-BE49-F238E27FC236}">
-                <a16:creationId xmlns:a16="http://schemas.microsoft.com/office/drawing/2014/main" id="{2CA42924-B4B8-4F4E-9C6C-ABFDF20A7563}"/>
-              </a:ext>
-            </a:extLst>
-          </p:cNvPr>
-          <p:cNvPicPr>
-            <a:picLocks noChangeAspect="1"/>
-          </p:cNvPicPr>
-          <p:nvPr/>
-        </p:nvPicPr>
-        <p:blipFill>
-          <a:blip r:embed="rId4">
-            <a:extLst>
-              <a:ext uri="{28A0092B-C50C-407E-A947-70E740481C1C}">
-                <a14:useLocalDpi xmlns:a14="http://schemas.microsoft.com/office/drawing/2010/main" val="0"/>
-              </a:ext>
-            </a:extLst>
-          </a:blip>
-          <a:stretch>
-            <a:fillRect/>
-          </a:stretch>
-        </p:blipFill>
-        <p:spPr>
-          <a:xfrm>
-            <a:off x="2926051" y="1887007"/>
-            <a:ext cx="6786119" cy="4526411"/>
-          </a:xfrm>
-          <a:prstGeom prst="rect">
-            <a:avLst/>
-          </a:prstGeom>
-        </p:spPr>
-      </p:pic>
-      <p:pic>
-        <p:nvPicPr>
-          <p:cNvPr id="10" name="Picture 9" descr="Logo&#10;&#10;Description automatically generated">
-            <a:extLst>
-              <a:ext uri="{FF2B5EF4-FFF2-40B4-BE49-F238E27FC236}">
-                <a16:creationId xmlns:a16="http://schemas.microsoft.com/office/drawing/2014/main" id="{4CB400F0-112E-446C-B7CE-788058962A02}"/>
-              </a:ext>
-            </a:extLst>
-          </p:cNvPr>
-          <p:cNvPicPr>
-            <a:picLocks noChangeAspect="1"/>
-          </p:cNvPicPr>
-          <p:nvPr/>
-        </p:nvPicPr>
-        <p:blipFill>
-          <a:blip r:embed="rId5">
-            <a:extLst>
-              <a:ext uri="{28A0092B-C50C-407E-A947-70E740481C1C}">
-                <a14:useLocalDpi xmlns:a14="http://schemas.microsoft.com/office/drawing/2010/main" val="0"/>
-              </a:ext>
-            </a:extLst>
-          </a:blip>
-          <a:stretch>
-            <a:fillRect/>
-          </a:stretch>
-        </p:blipFill>
-        <p:spPr>
-          <a:xfrm>
-            <a:off x="2926051" y="1882669"/>
-            <a:ext cx="2359750" cy="2011151"/>
-          </a:xfrm>
-          <a:prstGeom prst="rect">
-            <a:avLst/>
-          </a:prstGeom>
-        </p:spPr>
-      </p:pic>
-      <p:pic>
-        <p:nvPicPr>
-          <p:cNvPr id="14" name="Picture 13" descr="Icon&#10;&#10;Description automatically generated">
-            <a:extLst>
-              <a:ext uri="{FF2B5EF4-FFF2-40B4-BE49-F238E27FC236}">
-                <a16:creationId xmlns:a16="http://schemas.microsoft.com/office/drawing/2014/main" id="{914F1D4F-30BC-45BB-8EC2-00CC19A18DCC}"/>
-              </a:ext>
-            </a:extLst>
-          </p:cNvPr>
-          <p:cNvPicPr>
-            <a:picLocks noChangeAspect="1"/>
-          </p:cNvPicPr>
-          <p:nvPr/>
-        </p:nvPicPr>
-        <p:blipFill>
-          <a:blip r:embed="rId6">
-            <a:extLst>
-              <a:ext uri="{28A0092B-C50C-407E-A947-70E740481C1C}">
-                <a14:useLocalDpi xmlns:a14="http://schemas.microsoft.com/office/drawing/2010/main" val="0"/>
-              </a:ext>
-            </a:extLst>
-          </a:blip>
-          <a:stretch>
-            <a:fillRect/>
-          </a:stretch>
-        </p:blipFill>
-        <p:spPr>
-          <a:xfrm>
-            <a:off x="5673625" y="4421078"/>
-            <a:ext cx="1090453" cy="1090453"/>
-          </a:xfrm>
-          <a:prstGeom prst="rect">
-            <a:avLst/>
-          </a:prstGeom>
-        </p:spPr>
-      </p:pic>
     </p:spTree>
     <p:extLst>
       <p:ext uri="{BB962C8B-B14F-4D97-AF65-F5344CB8AC3E}">
@@ -14757,7 +17369,7 @@
 </p:sld>
 </file>
 
-<file path=ppt/slides/slide7.xml><?xml version="1.0" encoding="utf-8"?>
+<file path=ppt/slides/slide9.xml><?xml version="1.0" encoding="utf-8"?>
 <p:sld xmlns:a="http://schemas.openxmlformats.org/drawingml/2006/main" xmlns:r="http://schemas.openxmlformats.org/officeDocument/2006/relationships" xmlns:p="http://schemas.openxmlformats.org/presentationml/2006/main">
   <p:cSld>
     <p:spTree>
@@ -14798,7 +17410,7 @@
         </p:spPr>
         <p:txBody>
           <a:bodyPr>
-            <a:normAutofit/>
+            <a:normAutofit fontScale="90000"/>
           </a:bodyPr>
           <a:lstStyle/>
           <a:p>
@@ -14806,6 +17418,13 @@
             <a:r>
               <a:rPr lang="en-US" sz="4800" dirty="0"/>
               <a:t>Classification</a:t>
+            </a:r>
+            <a:br>
+              <a:rPr lang="en-US" sz="4800" dirty="0"/>
+            </a:br>
+            <a:r>
+              <a:rPr lang="en-US" sz="4800" dirty="0"/>
+              <a:t>-binary-</a:t>
             </a:r>
           </a:p>
         </p:txBody>
@@ -14938,7 +17557,7 @@
                 </a:solidFill>
               </a:rPr>
               <a:pPr/>
-              <a:t>7</a:t>
+              <a:t>9</a:t>
             </a:fld>
             <a:endParaRPr lang="en-US" dirty="0">
               <a:solidFill>
@@ -15019,636 +17638,10 @@
           </a:prstGeom>
         </p:spPr>
       </p:pic>
-      <p:pic>
-        <p:nvPicPr>
-          <p:cNvPr id="3" name="Picture 2" descr="A picture containing person, sitting, sofa, seat&#10;&#10;Description automatically generated">
-            <a:extLst>
-              <a:ext uri="{FF2B5EF4-FFF2-40B4-BE49-F238E27FC236}">
-                <a16:creationId xmlns:a16="http://schemas.microsoft.com/office/drawing/2014/main" id="{2CA42924-B4B8-4F4E-9C6C-ABFDF20A7563}"/>
-              </a:ext>
-            </a:extLst>
-          </p:cNvPr>
-          <p:cNvPicPr>
-            <a:picLocks noChangeAspect="1"/>
-          </p:cNvPicPr>
-          <p:nvPr/>
-        </p:nvPicPr>
-        <p:blipFill>
-          <a:blip r:embed="rId4">
-            <a:extLst>
-              <a:ext uri="{28A0092B-C50C-407E-A947-70E740481C1C}">
-                <a14:useLocalDpi xmlns:a14="http://schemas.microsoft.com/office/drawing/2010/main" val="0"/>
-              </a:ext>
-            </a:extLst>
-          </a:blip>
-          <a:stretch>
-            <a:fillRect/>
-          </a:stretch>
-        </p:blipFill>
-        <p:spPr>
-          <a:xfrm>
-            <a:off x="2926051" y="1887007"/>
-            <a:ext cx="6786119" cy="4526411"/>
-          </a:xfrm>
-          <a:prstGeom prst="rect">
-            <a:avLst/>
-          </a:prstGeom>
-        </p:spPr>
-      </p:pic>
-      <p:pic>
-        <p:nvPicPr>
-          <p:cNvPr id="10" name="Picture 9" descr="Logo&#10;&#10;Description automatically generated">
-            <a:extLst>
-              <a:ext uri="{FF2B5EF4-FFF2-40B4-BE49-F238E27FC236}">
-                <a16:creationId xmlns:a16="http://schemas.microsoft.com/office/drawing/2014/main" id="{4CB400F0-112E-446C-B7CE-788058962A02}"/>
-              </a:ext>
-            </a:extLst>
-          </p:cNvPr>
-          <p:cNvPicPr>
-            <a:picLocks noChangeAspect="1"/>
-          </p:cNvPicPr>
-          <p:nvPr/>
-        </p:nvPicPr>
-        <p:blipFill>
-          <a:blip r:embed="rId5">
-            <a:extLst>
-              <a:ext uri="{28A0092B-C50C-407E-A947-70E740481C1C}">
-                <a14:useLocalDpi xmlns:a14="http://schemas.microsoft.com/office/drawing/2010/main" val="0"/>
-              </a:ext>
-            </a:extLst>
-          </a:blip>
-          <a:stretch>
-            <a:fillRect/>
-          </a:stretch>
-        </p:blipFill>
-        <p:spPr>
-          <a:xfrm>
-            <a:off x="2926051" y="1882669"/>
-            <a:ext cx="2359750" cy="2011151"/>
-          </a:xfrm>
-          <a:prstGeom prst="rect">
-            <a:avLst/>
-          </a:prstGeom>
-        </p:spPr>
-      </p:pic>
-      <p:pic>
-        <p:nvPicPr>
-          <p:cNvPr id="14" name="Picture 13" descr="Icon&#10;&#10;Description automatically generated">
-            <a:extLst>
-              <a:ext uri="{FF2B5EF4-FFF2-40B4-BE49-F238E27FC236}">
-                <a16:creationId xmlns:a16="http://schemas.microsoft.com/office/drawing/2014/main" id="{914F1D4F-30BC-45BB-8EC2-00CC19A18DCC}"/>
-              </a:ext>
-            </a:extLst>
-          </p:cNvPr>
-          <p:cNvPicPr>
-            <a:picLocks noChangeAspect="1"/>
-          </p:cNvPicPr>
-          <p:nvPr/>
-        </p:nvPicPr>
-        <p:blipFill>
-          <a:blip r:embed="rId6">
-            <a:extLst>
-              <a:ext uri="{28A0092B-C50C-407E-A947-70E740481C1C}">
-                <a14:useLocalDpi xmlns:a14="http://schemas.microsoft.com/office/drawing/2010/main" val="0"/>
-              </a:ext>
-            </a:extLst>
-          </a:blip>
-          <a:stretch>
-            <a:fillRect/>
-          </a:stretch>
-        </p:blipFill>
-        <p:spPr>
-          <a:xfrm>
-            <a:off x="5673625" y="4421078"/>
-            <a:ext cx="1090453" cy="1090453"/>
-          </a:xfrm>
-          <a:prstGeom prst="rect">
-            <a:avLst/>
-          </a:prstGeom>
-        </p:spPr>
-      </p:pic>
     </p:spTree>
     <p:extLst>
       <p:ext uri="{BB962C8B-B14F-4D97-AF65-F5344CB8AC3E}">
         <p14:creationId xmlns:p14="http://schemas.microsoft.com/office/powerpoint/2010/main" val="1374603998"/>
-      </p:ext>
-    </p:extLst>
-  </p:cSld>
-  <p:clrMapOvr>
-    <a:masterClrMapping/>
-  </p:clrMapOvr>
-</p:sld>
-</file>
-
-<file path=ppt/slides/slide8.xml><?xml version="1.0" encoding="utf-8"?>
-<p:sld xmlns:a="http://schemas.openxmlformats.org/drawingml/2006/main" xmlns:r="http://schemas.openxmlformats.org/officeDocument/2006/relationships" xmlns:p="http://schemas.openxmlformats.org/presentationml/2006/main">
-  <p:cSld>
-    <p:spTree>
-      <p:nvGrpSpPr>
-        <p:cNvPr id="1" name=""/>
-        <p:cNvGrpSpPr/>
-        <p:nvPr/>
-      </p:nvGrpSpPr>
-      <p:grpSpPr>
-        <a:xfrm>
-          <a:off x="0" y="0"/>
-          <a:ext cx="0" cy="0"/>
-          <a:chOff x="0" y="0"/>
-          <a:chExt cx="0" cy="0"/>
-        </a:xfrm>
-      </p:grpSpPr>
-      <p:sp>
-        <p:nvSpPr>
-          <p:cNvPr id="12" name="Title 1">
-            <a:extLst>
-              <a:ext uri="{FF2B5EF4-FFF2-40B4-BE49-F238E27FC236}">
-                <a16:creationId xmlns:a16="http://schemas.microsoft.com/office/drawing/2014/main" id="{05ACE682-1B73-40BF-BA3B-B531FBAF2E9A}"/>
-              </a:ext>
-            </a:extLst>
-          </p:cNvPr>
-          <p:cNvSpPr>
-            <a:spLocks noGrp="1"/>
-          </p:cNvSpPr>
-          <p:nvPr>
-            <p:ph type="title"/>
-          </p:nvPr>
-        </p:nvSpPr>
-        <p:spPr>
-          <a:xfrm>
-            <a:off x="2623396" y="801731"/>
-            <a:ext cx="7190913" cy="1080938"/>
-          </a:xfrm>
-        </p:spPr>
-        <p:txBody>
-          <a:bodyPr>
-            <a:normAutofit/>
-          </a:bodyPr>
-          <a:lstStyle/>
-          <a:p>
-            <a:pPr algn="ctr"/>
-            <a:r>
-              <a:rPr lang="en-US" sz="4800" dirty="0"/>
-              <a:t>Technologies</a:t>
-            </a:r>
-          </a:p>
-        </p:txBody>
-      </p:sp>
-      <p:sp>
-        <p:nvSpPr>
-          <p:cNvPr id="8" name="Slide Number Placeholder 5">
-            <a:extLst>
-              <a:ext uri="{FF2B5EF4-FFF2-40B4-BE49-F238E27FC236}">
-                <a16:creationId xmlns:a16="http://schemas.microsoft.com/office/drawing/2014/main" id="{974E51E9-613F-49E1-8A93-AF9AF175FA01}"/>
-              </a:ext>
-            </a:extLst>
-          </p:cNvPr>
-          <p:cNvSpPr txBox="1">
-            <a:spLocks/>
-          </p:cNvSpPr>
-          <p:nvPr/>
-        </p:nvSpPr>
-        <p:spPr bwMode="gray">
-          <a:xfrm>
-            <a:off x="11010090" y="6231913"/>
-            <a:ext cx="779767" cy="365125"/>
-          </a:xfrm>
-          <a:prstGeom prst="rect">
-            <a:avLst/>
-          </a:prstGeom>
-        </p:spPr>
-        <p:txBody>
-          <a:bodyPr vert="horz" lIns="91440" tIns="45720" rIns="91440" bIns="45720" rtlCol="0" anchor="ctr"/>
-          <a:lstStyle>
-            <a:defPPr>
-              <a:defRPr lang="en-US"/>
-            </a:defPPr>
-            <a:lvl1pPr marL="0" algn="r" defTabSz="457200" rtl="0" eaLnBrk="1" latinLnBrk="0" hangingPunct="1">
-              <a:defRPr sz="2000" kern="1200">
-                <a:solidFill>
-                  <a:srgbClr val="FEFFFF"/>
-                </a:solidFill>
-                <a:latin typeface="+mn-lt"/>
-                <a:ea typeface="+mn-ea"/>
-                <a:cs typeface="+mn-cs"/>
-              </a:defRPr>
-            </a:lvl1pPr>
-            <a:lvl2pPr marL="457200" algn="l" defTabSz="457200" rtl="0" eaLnBrk="1" latinLnBrk="0" hangingPunct="1">
-              <a:defRPr sz="1800" kern="1200">
-                <a:solidFill>
-                  <a:schemeClr val="tx1"/>
-                </a:solidFill>
-                <a:latin typeface="+mn-lt"/>
-                <a:ea typeface="+mn-ea"/>
-                <a:cs typeface="+mn-cs"/>
-              </a:defRPr>
-            </a:lvl2pPr>
-            <a:lvl3pPr marL="914400" algn="l" defTabSz="457200" rtl="0" eaLnBrk="1" latinLnBrk="0" hangingPunct="1">
-              <a:defRPr sz="1800" kern="1200">
-                <a:solidFill>
-                  <a:schemeClr val="tx1"/>
-                </a:solidFill>
-                <a:latin typeface="+mn-lt"/>
-                <a:ea typeface="+mn-ea"/>
-                <a:cs typeface="+mn-cs"/>
-              </a:defRPr>
-            </a:lvl3pPr>
-            <a:lvl4pPr marL="1371600" algn="l" defTabSz="457200" rtl="0" eaLnBrk="1" latinLnBrk="0" hangingPunct="1">
-              <a:defRPr sz="1800" kern="1200">
-                <a:solidFill>
-                  <a:schemeClr val="tx1"/>
-                </a:solidFill>
-                <a:latin typeface="+mn-lt"/>
-                <a:ea typeface="+mn-ea"/>
-                <a:cs typeface="+mn-cs"/>
-              </a:defRPr>
-            </a:lvl4pPr>
-            <a:lvl5pPr marL="1828800" algn="l" defTabSz="457200" rtl="0" eaLnBrk="1" latinLnBrk="0" hangingPunct="1">
-              <a:defRPr sz="1800" kern="1200">
-                <a:solidFill>
-                  <a:schemeClr val="tx1"/>
-                </a:solidFill>
-                <a:latin typeface="+mn-lt"/>
-                <a:ea typeface="+mn-ea"/>
-                <a:cs typeface="+mn-cs"/>
-              </a:defRPr>
-            </a:lvl5pPr>
-            <a:lvl6pPr marL="2286000" algn="l" defTabSz="457200" rtl="0" eaLnBrk="1" latinLnBrk="0" hangingPunct="1">
-              <a:defRPr sz="1800" kern="1200">
-                <a:solidFill>
-                  <a:schemeClr val="tx1"/>
-                </a:solidFill>
-                <a:latin typeface="+mn-lt"/>
-                <a:ea typeface="+mn-ea"/>
-                <a:cs typeface="+mn-cs"/>
-              </a:defRPr>
-            </a:lvl6pPr>
-            <a:lvl7pPr marL="2743200" algn="l" defTabSz="457200" rtl="0" eaLnBrk="1" latinLnBrk="0" hangingPunct="1">
-              <a:defRPr sz="1800" kern="1200">
-                <a:solidFill>
-                  <a:schemeClr val="tx1"/>
-                </a:solidFill>
-                <a:latin typeface="+mn-lt"/>
-                <a:ea typeface="+mn-ea"/>
-                <a:cs typeface="+mn-cs"/>
-              </a:defRPr>
-            </a:lvl7pPr>
-            <a:lvl8pPr marL="3200400" algn="l" defTabSz="457200" rtl="0" eaLnBrk="1" latinLnBrk="0" hangingPunct="1">
-              <a:defRPr sz="1800" kern="1200">
-                <a:solidFill>
-                  <a:schemeClr val="tx1"/>
-                </a:solidFill>
-                <a:latin typeface="+mn-lt"/>
-                <a:ea typeface="+mn-ea"/>
-                <a:cs typeface="+mn-cs"/>
-              </a:defRPr>
-            </a:lvl8pPr>
-            <a:lvl9pPr marL="3657600" algn="l" defTabSz="457200" rtl="0" eaLnBrk="1" latinLnBrk="0" hangingPunct="1">
-              <a:defRPr sz="1800" kern="1200">
-                <a:solidFill>
-                  <a:schemeClr val="tx1"/>
-                </a:solidFill>
-                <a:latin typeface="+mn-lt"/>
-                <a:ea typeface="+mn-ea"/>
-                <a:cs typeface="+mn-cs"/>
-              </a:defRPr>
-            </a:lvl9pPr>
-          </a:lstStyle>
-          <a:p>
-            <a:fld id="{19584825-D934-4E20-B0C8-29FEC7CA1AF9}" type="slidenum">
-              <a:rPr lang="en-US" smtClean="0">
-                <a:solidFill>
-                  <a:schemeClr val="tx1"/>
-                </a:solidFill>
-              </a:rPr>
-              <a:pPr/>
-              <a:t>8</a:t>
-            </a:fld>
-            <a:endParaRPr lang="en-US" dirty="0">
-              <a:solidFill>
-                <a:schemeClr val="tx1"/>
-              </a:solidFill>
-            </a:endParaRPr>
-          </a:p>
-        </p:txBody>
-      </p:sp>
-      <p:pic>
-        <p:nvPicPr>
-          <p:cNvPr id="9" name="Picture 8" descr="A picture containing text, clipart&#10;&#10;Description automatically generated">
-            <a:extLst>
-              <a:ext uri="{FF2B5EF4-FFF2-40B4-BE49-F238E27FC236}">
-                <a16:creationId xmlns:a16="http://schemas.microsoft.com/office/drawing/2014/main" id="{942D71B3-CD34-43E5-9D3F-BA2819AE22EA}"/>
-              </a:ext>
-            </a:extLst>
-          </p:cNvPr>
-          <p:cNvPicPr>
-            <a:picLocks noChangeAspect="1"/>
-          </p:cNvPicPr>
-          <p:nvPr/>
-        </p:nvPicPr>
-        <p:blipFill rotWithShape="1">
-          <a:blip r:embed="rId2">
-            <a:extLst>
-              <a:ext uri="{28A0092B-C50C-407E-A947-70E740481C1C}">
-                <a14:useLocalDpi xmlns:a14="http://schemas.microsoft.com/office/drawing/2010/main" val="0"/>
-              </a:ext>
-            </a:extLst>
-          </a:blip>
-          <a:srcRect r="57677"/>
-          <a:stretch/>
-        </p:blipFill>
-        <p:spPr>
-          <a:xfrm>
-            <a:off x="10608300" y="437028"/>
-            <a:ext cx="1428567" cy="1066632"/>
-          </a:xfrm>
-          <a:prstGeom prst="rect">
-            <a:avLst/>
-          </a:prstGeom>
-        </p:spPr>
-      </p:pic>
-      <p:pic>
-        <p:nvPicPr>
-          <p:cNvPr id="13" name="Picture 12" descr="Logo&#10;&#10;Description automatically generated">
-            <a:extLst>
-              <a:ext uri="{FF2B5EF4-FFF2-40B4-BE49-F238E27FC236}">
-                <a16:creationId xmlns:a16="http://schemas.microsoft.com/office/drawing/2014/main" id="{0B34AC09-580D-4C50-930A-7592EF4E9F8E}"/>
-              </a:ext>
-            </a:extLst>
-          </p:cNvPr>
-          <p:cNvPicPr>
-            <a:picLocks noChangeAspect="1"/>
-          </p:cNvPicPr>
-          <p:nvPr/>
-        </p:nvPicPr>
-        <p:blipFill>
-          <a:blip r:embed="rId3">
-            <a:extLst>
-              <a:ext uri="{28A0092B-C50C-407E-A947-70E740481C1C}">
-                <a14:useLocalDpi xmlns:a14="http://schemas.microsoft.com/office/drawing/2010/main" val="0"/>
-              </a:ext>
-            </a:extLst>
-          </a:blip>
-          <a:stretch>
-            <a:fillRect/>
-          </a:stretch>
-        </p:blipFill>
-        <p:spPr>
-          <a:xfrm>
-            <a:off x="1829405" y="499758"/>
-            <a:ext cx="1376588" cy="941171"/>
-          </a:xfrm>
-          <a:prstGeom prst="rect">
-            <a:avLst/>
-          </a:prstGeom>
-        </p:spPr>
-      </p:pic>
-      <p:pic>
-        <p:nvPicPr>
-          <p:cNvPr id="3" name="Picture 2" descr="A picture containing person, sitting, sofa, seat&#10;&#10;Description automatically generated">
-            <a:extLst>
-              <a:ext uri="{FF2B5EF4-FFF2-40B4-BE49-F238E27FC236}">
-                <a16:creationId xmlns:a16="http://schemas.microsoft.com/office/drawing/2014/main" id="{2CA42924-B4B8-4F4E-9C6C-ABFDF20A7563}"/>
-              </a:ext>
-            </a:extLst>
-          </p:cNvPr>
-          <p:cNvPicPr>
-            <a:picLocks noChangeAspect="1"/>
-          </p:cNvPicPr>
-          <p:nvPr/>
-        </p:nvPicPr>
-        <p:blipFill>
-          <a:blip r:embed="rId4">
-            <a:extLst>
-              <a:ext uri="{28A0092B-C50C-407E-A947-70E740481C1C}">
-                <a14:useLocalDpi xmlns:a14="http://schemas.microsoft.com/office/drawing/2010/main" val="0"/>
-              </a:ext>
-            </a:extLst>
-          </a:blip>
-          <a:stretch>
-            <a:fillRect/>
-          </a:stretch>
-        </p:blipFill>
-        <p:spPr>
-          <a:xfrm>
-            <a:off x="2926051" y="1887007"/>
-            <a:ext cx="6786119" cy="4526411"/>
-          </a:xfrm>
-          <a:prstGeom prst="rect">
-            <a:avLst/>
-          </a:prstGeom>
-        </p:spPr>
-      </p:pic>
-      <p:pic>
-        <p:nvPicPr>
-          <p:cNvPr id="10" name="Picture 9" descr="Logo&#10;&#10;Description automatically generated">
-            <a:extLst>
-              <a:ext uri="{FF2B5EF4-FFF2-40B4-BE49-F238E27FC236}">
-                <a16:creationId xmlns:a16="http://schemas.microsoft.com/office/drawing/2014/main" id="{4CB400F0-112E-446C-B7CE-788058962A02}"/>
-              </a:ext>
-            </a:extLst>
-          </p:cNvPr>
-          <p:cNvPicPr>
-            <a:picLocks noChangeAspect="1"/>
-          </p:cNvPicPr>
-          <p:nvPr/>
-        </p:nvPicPr>
-        <p:blipFill>
-          <a:blip r:embed="rId5">
-            <a:extLst>
-              <a:ext uri="{28A0092B-C50C-407E-A947-70E740481C1C}">
-                <a14:useLocalDpi xmlns:a14="http://schemas.microsoft.com/office/drawing/2010/main" val="0"/>
-              </a:ext>
-            </a:extLst>
-          </a:blip>
-          <a:stretch>
-            <a:fillRect/>
-          </a:stretch>
-        </p:blipFill>
-        <p:spPr>
-          <a:xfrm>
-            <a:off x="2926051" y="1882669"/>
-            <a:ext cx="2359750" cy="2011151"/>
-          </a:xfrm>
-          <a:prstGeom prst="rect">
-            <a:avLst/>
-          </a:prstGeom>
-        </p:spPr>
-      </p:pic>
-      <p:pic>
-        <p:nvPicPr>
-          <p:cNvPr id="14" name="Picture 13" descr="Icon&#10;&#10;Description automatically generated">
-            <a:extLst>
-              <a:ext uri="{FF2B5EF4-FFF2-40B4-BE49-F238E27FC236}">
-                <a16:creationId xmlns:a16="http://schemas.microsoft.com/office/drawing/2014/main" id="{914F1D4F-30BC-45BB-8EC2-00CC19A18DCC}"/>
-              </a:ext>
-            </a:extLst>
-          </p:cNvPr>
-          <p:cNvPicPr>
-            <a:picLocks noChangeAspect="1"/>
-          </p:cNvPicPr>
-          <p:nvPr/>
-        </p:nvPicPr>
-        <p:blipFill>
-          <a:blip r:embed="rId6">
-            <a:extLst>
-              <a:ext uri="{28A0092B-C50C-407E-A947-70E740481C1C}">
-                <a14:useLocalDpi xmlns:a14="http://schemas.microsoft.com/office/drawing/2010/main" val="0"/>
-              </a:ext>
-            </a:extLst>
-          </a:blip>
-          <a:stretch>
-            <a:fillRect/>
-          </a:stretch>
-        </p:blipFill>
-        <p:spPr>
-          <a:xfrm>
-            <a:off x="5673625" y="4421078"/>
-            <a:ext cx="1090453" cy="1090453"/>
-          </a:xfrm>
-          <a:prstGeom prst="rect">
-            <a:avLst/>
-          </a:prstGeom>
-        </p:spPr>
-      </p:pic>
-    </p:spTree>
-    <p:extLst>
-      <p:ext uri="{BB962C8B-B14F-4D97-AF65-F5344CB8AC3E}">
-        <p14:creationId xmlns:p14="http://schemas.microsoft.com/office/powerpoint/2010/main" val="1654516134"/>
-      </p:ext>
-    </p:extLst>
-  </p:cSld>
-  <p:clrMapOvr>
-    <a:masterClrMapping/>
-  </p:clrMapOvr>
-</p:sld>
-</file>
-
-<file path=ppt/slides/slide9.xml><?xml version="1.0" encoding="utf-8"?>
-<p:sld xmlns:a="http://schemas.openxmlformats.org/drawingml/2006/main" xmlns:r="http://schemas.openxmlformats.org/officeDocument/2006/relationships" xmlns:p="http://schemas.openxmlformats.org/presentationml/2006/main">
-  <p:cSld>
-    <p:spTree>
-      <p:nvGrpSpPr>
-        <p:cNvPr id="1" name=""/>
-        <p:cNvGrpSpPr/>
-        <p:nvPr/>
-      </p:nvGrpSpPr>
-      <p:grpSpPr>
-        <a:xfrm>
-          <a:off x="0" y="0"/>
-          <a:ext cx="0" cy="0"/>
-          <a:chOff x="0" y="0"/>
-          <a:chExt cx="0" cy="0"/>
-        </a:xfrm>
-      </p:grpSpPr>
-      <p:sp>
-        <p:nvSpPr>
-          <p:cNvPr id="2" name="Title 1">
-            <a:extLst>
-              <a:ext uri="{FF2B5EF4-FFF2-40B4-BE49-F238E27FC236}">
-                <a16:creationId xmlns:a16="http://schemas.microsoft.com/office/drawing/2014/main" id="{26DD3F61-E450-4FF2-8774-BE97CF695B68}"/>
-              </a:ext>
-            </a:extLst>
-          </p:cNvPr>
-          <p:cNvSpPr>
-            <a:spLocks noGrp="1"/>
-          </p:cNvSpPr>
-          <p:nvPr>
-            <p:ph type="ctrTitle"/>
-          </p:nvPr>
-        </p:nvSpPr>
-        <p:spPr>
-          <a:xfrm>
-            <a:off x="1977433" y="2297609"/>
-            <a:ext cx="8915399" cy="2262781"/>
-          </a:xfrm>
-        </p:spPr>
-        <p:txBody>
-          <a:bodyPr/>
-          <a:lstStyle/>
-          <a:p>
-            <a:pPr algn="ctr"/>
-            <a:r>
-              <a:rPr lang="en-US" sz="8800" dirty="0"/>
-              <a:t>THANK YOU!</a:t>
-            </a:r>
-          </a:p>
-        </p:txBody>
-      </p:sp>
-      <p:pic>
-        <p:nvPicPr>
-          <p:cNvPr id="7" name="Picture 6" descr="A picture containing text, clipart&#10;&#10;Description automatically generated">
-            <a:extLst>
-              <a:ext uri="{FF2B5EF4-FFF2-40B4-BE49-F238E27FC236}">
-                <a16:creationId xmlns:a16="http://schemas.microsoft.com/office/drawing/2014/main" id="{E7A51F21-F5D0-4233-A9C2-99C28620546F}"/>
-              </a:ext>
-            </a:extLst>
-          </p:cNvPr>
-          <p:cNvPicPr>
-            <a:picLocks noChangeAspect="1"/>
-          </p:cNvPicPr>
-          <p:nvPr/>
-        </p:nvPicPr>
-        <p:blipFill rotWithShape="1">
-          <a:blip r:embed="rId2">
-            <a:extLst>
-              <a:ext uri="{28A0092B-C50C-407E-A947-70E740481C1C}">
-                <a14:useLocalDpi xmlns:a14="http://schemas.microsoft.com/office/drawing/2010/main" val="0"/>
-              </a:ext>
-            </a:extLst>
-          </a:blip>
-          <a:srcRect r="57677"/>
-          <a:stretch/>
-        </p:blipFill>
-        <p:spPr>
-          <a:xfrm>
-            <a:off x="397946" y="170585"/>
-            <a:ext cx="1428567" cy="1066632"/>
-          </a:xfrm>
-          <a:prstGeom prst="rect">
-            <a:avLst/>
-          </a:prstGeom>
-        </p:spPr>
-      </p:pic>
-      <p:pic>
-        <p:nvPicPr>
-          <p:cNvPr id="6" name="Picture 5" descr="Logo&#10;&#10;Description automatically generated">
-            <a:extLst>
-              <a:ext uri="{FF2B5EF4-FFF2-40B4-BE49-F238E27FC236}">
-                <a16:creationId xmlns:a16="http://schemas.microsoft.com/office/drawing/2014/main" id="{675EF008-C68D-4D5B-8BC7-AEE6584ABFB0}"/>
-              </a:ext>
-            </a:extLst>
-          </p:cNvPr>
-          <p:cNvPicPr>
-            <a:picLocks noChangeAspect="1"/>
-          </p:cNvPicPr>
-          <p:nvPr/>
-        </p:nvPicPr>
-        <p:blipFill>
-          <a:blip r:embed="rId3">
-            <a:extLst>
-              <a:ext uri="{28A0092B-C50C-407E-A947-70E740481C1C}">
-                <a14:useLocalDpi xmlns:a14="http://schemas.microsoft.com/office/drawing/2010/main" val="0"/>
-              </a:ext>
-            </a:extLst>
-          </a:blip>
-          <a:stretch>
-            <a:fillRect/>
-          </a:stretch>
-        </p:blipFill>
-        <p:spPr>
-          <a:xfrm>
-            <a:off x="10573910" y="233315"/>
-            <a:ext cx="1376588" cy="941171"/>
-          </a:xfrm>
-          <a:prstGeom prst="rect">
-            <a:avLst/>
-          </a:prstGeom>
-        </p:spPr>
-      </p:pic>
-    </p:spTree>
-    <p:extLst>
-      <p:ext uri="{BB962C8B-B14F-4D97-AF65-F5344CB8AC3E}">
-        <p14:creationId xmlns:p14="http://schemas.microsoft.com/office/powerpoint/2010/main" val="1465299841"/>
       </p:ext>
     </p:extLst>
   </p:cSld>

--- a/Presentation_updated.pptx
+++ b/Presentation_updated.pptx
@@ -1221,6 +1221,13 @@
         </dgm:presLayoutVars>
       </dgm:prSet>
       <dgm:spPr/>
+      <dgm:t>
+        <a:bodyPr/>
+        <a:lstStyle/>
+        <a:p>
+          <a:endParaRPr lang="es-ES"/>
+        </a:p>
+      </dgm:t>
     </dgm:pt>
     <dgm:pt modelId="{1356FD8E-C173-4B8C-B410-107D3BF7BBC2}" type="pres">
       <dgm:prSet presAssocID="{0C072433-4AEB-40F1-AB95-059EE9C9ADEC}" presName="container" presStyleCnt="0">
@@ -1243,13 +1250,13 @@
       <dgm:prSet presAssocID="{C8AB0C16-655B-4ABC-BE7E-6675A4A3AC91}" presName="iconRect" presStyleLbl="node1" presStyleIdx="0" presStyleCnt="7"/>
       <dgm:spPr>
         <a:blipFill>
-          <a:blip xmlns:r="http://schemas.openxmlformats.org/officeDocument/2006/relationships" r:embed="rId1">
+          <a:blip xmlns:r="http://schemas.openxmlformats.org/officeDocument/2006/relationships" r:embed="rId1" cstate="hqprint">
             <a:extLst>
               <a:ext uri="{28A0092B-C50C-407E-A947-70E740481C1C}">
                 <a14:useLocalDpi xmlns:a14="http://schemas.microsoft.com/office/drawing/2010/main" val="0"/>
               </a:ext>
               <a:ext uri="{96DAC541-7B7A-43D3-8B79-37D633B846F1}">
-                <asvg:svgBlip xmlns:asvg="http://schemas.microsoft.com/office/drawing/2016/SVG/main" r:embed="rId2"/>
+                <asvg:svgBlip xmlns:asvg="http://schemas.microsoft.com/office/drawing/2016/SVG/main" xmlns="" r:embed="rId2"/>
               </a:ext>
             </a:extLst>
           </a:blip>
@@ -1261,6 +1268,13 @@
           <a:noFill/>
         </a:ln>
       </dgm:spPr>
+      <dgm:t>
+        <a:bodyPr/>
+        <a:lstStyle/>
+        <a:p>
+          <a:endParaRPr lang="es-ES"/>
+        </a:p>
+      </dgm:t>
       <dgm:extLst>
         <a:ext uri="{E40237B7-FDA0-4F09-8148-C483321AD2D9}">
           <dgm14:cNvPr xmlns:dgm14="http://schemas.microsoft.com/office/drawing/2010/diagram" id="0" name="" descr="Head with Gears"/>
@@ -1279,10 +1293,24 @@
         </dgm:presLayoutVars>
       </dgm:prSet>
       <dgm:spPr/>
+      <dgm:t>
+        <a:bodyPr/>
+        <a:lstStyle/>
+        <a:p>
+          <a:endParaRPr lang="es-ES"/>
+        </a:p>
+      </dgm:t>
     </dgm:pt>
     <dgm:pt modelId="{185A7F85-109D-492F-B282-9A07F8801F5D}" type="pres">
       <dgm:prSet presAssocID="{43F839C8-B670-447B-ACE2-9489F5AFC00E}" presName="sibTrans" presStyleLbl="sibTrans2D1" presStyleIdx="0" presStyleCnt="0"/>
       <dgm:spPr/>
+      <dgm:t>
+        <a:bodyPr/>
+        <a:lstStyle/>
+        <a:p>
+          <a:endParaRPr lang="es-ES"/>
+        </a:p>
+      </dgm:t>
     </dgm:pt>
     <dgm:pt modelId="{203E14BA-98AB-41BF-B653-7156F8761519}" type="pres">
       <dgm:prSet presAssocID="{494381FD-C47A-4C3B-A2BD-FC28936D7874}" presName="compNode" presStyleCnt="0"/>
@@ -1296,13 +1324,13 @@
       <dgm:prSet presAssocID="{494381FD-C47A-4C3B-A2BD-FC28936D7874}" presName="iconRect" presStyleLbl="node1" presStyleIdx="1" presStyleCnt="7"/>
       <dgm:spPr>
         <a:blipFill>
-          <a:blip xmlns:r="http://schemas.openxmlformats.org/officeDocument/2006/relationships" r:embed="rId3">
+          <a:blip xmlns:r="http://schemas.openxmlformats.org/officeDocument/2006/relationships" r:embed="rId3" cstate="hqprint">
             <a:extLst>
               <a:ext uri="{28A0092B-C50C-407E-A947-70E740481C1C}">
                 <a14:useLocalDpi xmlns:a14="http://schemas.microsoft.com/office/drawing/2010/main" val="0"/>
               </a:ext>
               <a:ext uri="{96DAC541-7B7A-43D3-8B79-37D633B846F1}">
-                <asvg:svgBlip xmlns:asvg="http://schemas.microsoft.com/office/drawing/2016/SVG/main" r:embed="rId4"/>
+                <asvg:svgBlip xmlns:asvg="http://schemas.microsoft.com/office/drawing/2016/SVG/main" xmlns="" r:embed="rId4"/>
               </a:ext>
             </a:extLst>
           </a:blip>
@@ -1315,6 +1343,13 @@
           <a:noFill/>
         </a:ln>
       </dgm:spPr>
+      <dgm:t>
+        <a:bodyPr/>
+        <a:lstStyle/>
+        <a:p>
+          <a:endParaRPr lang="es-ES"/>
+        </a:p>
+      </dgm:t>
       <dgm:extLst>
         <a:ext uri="{E40237B7-FDA0-4F09-8148-C483321AD2D9}">
           <dgm14:cNvPr xmlns:dgm14="http://schemas.microsoft.com/office/drawing/2010/diagram" id="0" name="" descr="Cmd Terminal with solid fill"/>
@@ -1333,10 +1368,24 @@
         </dgm:presLayoutVars>
       </dgm:prSet>
       <dgm:spPr/>
+      <dgm:t>
+        <a:bodyPr/>
+        <a:lstStyle/>
+        <a:p>
+          <a:endParaRPr lang="es-ES"/>
+        </a:p>
+      </dgm:t>
     </dgm:pt>
     <dgm:pt modelId="{8188E392-02DC-43CC-A3BD-53A5D4B2FF8F}" type="pres">
       <dgm:prSet presAssocID="{D33CD2A7-9527-4848-823B-EECBC697E2DB}" presName="sibTrans" presStyleLbl="sibTrans2D1" presStyleIdx="0" presStyleCnt="0"/>
       <dgm:spPr/>
+      <dgm:t>
+        <a:bodyPr/>
+        <a:lstStyle/>
+        <a:p>
+          <a:endParaRPr lang="es-ES"/>
+        </a:p>
+      </dgm:t>
     </dgm:pt>
     <dgm:pt modelId="{85AFA170-3B34-49DD-8A52-293484C5C800}" type="pres">
       <dgm:prSet presAssocID="{DC95D1DE-A781-4C30-8D2F-118BADFEFD7C}" presName="compNode" presStyleCnt="0"/>
@@ -1350,13 +1399,13 @@
       <dgm:prSet presAssocID="{DC95D1DE-A781-4C30-8D2F-118BADFEFD7C}" presName="iconRect" presStyleLbl="node1" presStyleIdx="2" presStyleCnt="7"/>
       <dgm:spPr>
         <a:blipFill>
-          <a:blip xmlns:r="http://schemas.openxmlformats.org/officeDocument/2006/relationships" r:embed="rId5">
+          <a:blip xmlns:r="http://schemas.openxmlformats.org/officeDocument/2006/relationships" r:embed="rId5" cstate="hqprint">
             <a:extLst>
               <a:ext uri="{28A0092B-C50C-407E-A947-70E740481C1C}">
                 <a14:useLocalDpi xmlns:a14="http://schemas.microsoft.com/office/drawing/2010/main" val="0"/>
               </a:ext>
               <a:ext uri="{96DAC541-7B7A-43D3-8B79-37D633B846F1}">
-                <asvg:svgBlip xmlns:asvg="http://schemas.microsoft.com/office/drawing/2016/SVG/main" r:embed="rId6"/>
+                <asvg:svgBlip xmlns:asvg="http://schemas.microsoft.com/office/drawing/2016/SVG/main" xmlns="" r:embed="rId6"/>
               </a:ext>
             </a:extLst>
           </a:blip>
@@ -1369,6 +1418,13 @@
           <a:noFill/>
         </a:ln>
       </dgm:spPr>
+      <dgm:t>
+        <a:bodyPr/>
+        <a:lstStyle/>
+        <a:p>
+          <a:endParaRPr lang="es-ES"/>
+        </a:p>
+      </dgm:t>
       <dgm:extLst>
         <a:ext uri="{E40237B7-FDA0-4F09-8148-C483321AD2D9}">
           <dgm14:cNvPr xmlns:dgm14="http://schemas.microsoft.com/office/drawing/2010/diagram" id="0" name="" descr="Eye dropper with solid fill"/>
@@ -1387,10 +1443,24 @@
         </dgm:presLayoutVars>
       </dgm:prSet>
       <dgm:spPr/>
+      <dgm:t>
+        <a:bodyPr/>
+        <a:lstStyle/>
+        <a:p>
+          <a:endParaRPr lang="es-ES"/>
+        </a:p>
+      </dgm:t>
     </dgm:pt>
     <dgm:pt modelId="{221B68B5-05DB-4093-AA83-EFD8AB4B444B}" type="pres">
       <dgm:prSet presAssocID="{96BF6858-10A0-4411-AFEE-8AC502676C10}" presName="sibTrans" presStyleLbl="sibTrans2D1" presStyleIdx="0" presStyleCnt="0"/>
       <dgm:spPr/>
+      <dgm:t>
+        <a:bodyPr/>
+        <a:lstStyle/>
+        <a:p>
+          <a:endParaRPr lang="es-ES"/>
+        </a:p>
+      </dgm:t>
     </dgm:pt>
     <dgm:pt modelId="{AA36C846-7765-473C-9ED5-5F0790D103D0}" type="pres">
       <dgm:prSet presAssocID="{FE6C4EA1-C6FE-4383-A8B0-ACD13A53C7EB}" presName="compNode" presStyleCnt="0"/>
@@ -1404,13 +1474,13 @@
       <dgm:prSet presAssocID="{FE6C4EA1-C6FE-4383-A8B0-ACD13A53C7EB}" presName="iconRect" presStyleLbl="node1" presStyleIdx="3" presStyleCnt="7"/>
       <dgm:spPr>
         <a:blipFill>
-          <a:blip xmlns:r="http://schemas.openxmlformats.org/officeDocument/2006/relationships" r:embed="rId7">
+          <a:blip xmlns:r="http://schemas.openxmlformats.org/officeDocument/2006/relationships" r:embed="rId7" cstate="hqprint">
             <a:extLst>
               <a:ext uri="{28A0092B-C50C-407E-A947-70E740481C1C}">
                 <a14:useLocalDpi xmlns:a14="http://schemas.microsoft.com/office/drawing/2010/main" val="0"/>
               </a:ext>
               <a:ext uri="{96DAC541-7B7A-43D3-8B79-37D633B846F1}">
-                <asvg:svgBlip xmlns:asvg="http://schemas.microsoft.com/office/drawing/2016/SVG/main" r:embed="rId8"/>
+                <asvg:svgBlip xmlns:asvg="http://schemas.microsoft.com/office/drawing/2016/SVG/main" xmlns="" r:embed="rId8"/>
               </a:ext>
             </a:extLst>
           </a:blip>
@@ -1423,6 +1493,13 @@
           <a:noFill/>
         </a:ln>
       </dgm:spPr>
+      <dgm:t>
+        <a:bodyPr/>
+        <a:lstStyle/>
+        <a:p>
+          <a:endParaRPr lang="es-ES"/>
+        </a:p>
+      </dgm:t>
       <dgm:extLst>
         <a:ext uri="{E40237B7-FDA0-4F09-8148-C483321AD2D9}">
           <dgm14:cNvPr xmlns:dgm14="http://schemas.microsoft.com/office/drawing/2010/diagram" id="0" name="" descr="Bar chart with solid fill"/>
@@ -1441,10 +1518,24 @@
         </dgm:presLayoutVars>
       </dgm:prSet>
       <dgm:spPr/>
+      <dgm:t>
+        <a:bodyPr/>
+        <a:lstStyle/>
+        <a:p>
+          <a:endParaRPr lang="es-ES"/>
+        </a:p>
+      </dgm:t>
     </dgm:pt>
     <dgm:pt modelId="{E74E06AB-5E9D-49EC-94F4-3F7C5C72A556}" type="pres">
       <dgm:prSet presAssocID="{078FE704-CE52-4686-84F7-A8476077BE98}" presName="sibTrans" presStyleLbl="sibTrans2D1" presStyleIdx="0" presStyleCnt="0"/>
       <dgm:spPr/>
+      <dgm:t>
+        <a:bodyPr/>
+        <a:lstStyle/>
+        <a:p>
+          <a:endParaRPr lang="es-ES"/>
+        </a:p>
+      </dgm:t>
     </dgm:pt>
     <dgm:pt modelId="{DBA2A017-DA29-4C8D-8232-D870156180C9}" type="pres">
       <dgm:prSet presAssocID="{12A5F1A0-402A-40C2-A4C5-98BBDB3A1A22}" presName="compNode" presStyleCnt="0"/>
@@ -1458,13 +1549,13 @@
       <dgm:prSet presAssocID="{12A5F1A0-402A-40C2-A4C5-98BBDB3A1A22}" presName="iconRect" presStyleLbl="node1" presStyleIdx="4" presStyleCnt="7"/>
       <dgm:spPr>
         <a:blipFill>
-          <a:blip xmlns:r="http://schemas.openxmlformats.org/officeDocument/2006/relationships" r:embed="rId9">
+          <a:blip xmlns:r="http://schemas.openxmlformats.org/officeDocument/2006/relationships" r:embed="rId9" cstate="hqprint">
             <a:extLst>
               <a:ext uri="{28A0092B-C50C-407E-A947-70E740481C1C}">
                 <a14:useLocalDpi xmlns:a14="http://schemas.microsoft.com/office/drawing/2010/main" val="0"/>
               </a:ext>
               <a:ext uri="{96DAC541-7B7A-43D3-8B79-37D633B846F1}">
-                <asvg:svgBlip xmlns:asvg="http://schemas.microsoft.com/office/drawing/2016/SVG/main" r:embed="rId10"/>
+                <asvg:svgBlip xmlns:asvg="http://schemas.microsoft.com/office/drawing/2016/SVG/main" xmlns="" r:embed="rId10"/>
               </a:ext>
             </a:extLst>
           </a:blip>
@@ -1477,6 +1568,13 @@
           <a:noFill/>
         </a:ln>
       </dgm:spPr>
+      <dgm:t>
+        <a:bodyPr/>
+        <a:lstStyle/>
+        <a:p>
+          <a:endParaRPr lang="es-ES"/>
+        </a:p>
+      </dgm:t>
       <dgm:extLst>
         <a:ext uri="{E40237B7-FDA0-4F09-8148-C483321AD2D9}">
           <dgm14:cNvPr xmlns:dgm14="http://schemas.microsoft.com/office/drawing/2010/diagram" id="0" name="" descr="Hierarchy with solid fill"/>
@@ -1495,10 +1593,24 @@
         </dgm:presLayoutVars>
       </dgm:prSet>
       <dgm:spPr/>
+      <dgm:t>
+        <a:bodyPr/>
+        <a:lstStyle/>
+        <a:p>
+          <a:endParaRPr lang="es-ES"/>
+        </a:p>
+      </dgm:t>
     </dgm:pt>
     <dgm:pt modelId="{05616B31-AEAF-4771-AAB6-D37A9A5573D5}" type="pres">
       <dgm:prSet presAssocID="{6EE09FDD-BF9C-42E6-A363-5E1A916D5D84}" presName="sibTrans" presStyleLbl="sibTrans2D1" presStyleIdx="0" presStyleCnt="0"/>
       <dgm:spPr/>
+      <dgm:t>
+        <a:bodyPr/>
+        <a:lstStyle/>
+        <a:p>
+          <a:endParaRPr lang="es-ES"/>
+        </a:p>
+      </dgm:t>
     </dgm:pt>
     <dgm:pt modelId="{81A16070-40B5-4B93-BAB1-538606D481A9}" type="pres">
       <dgm:prSet presAssocID="{2BDD66BD-71DC-4EB4-BE57-2D7200EDFA25}" presName="compNode" presStyleCnt="0"/>
@@ -1512,13 +1624,13 @@
       <dgm:prSet presAssocID="{2BDD66BD-71DC-4EB4-BE57-2D7200EDFA25}" presName="iconRect" presStyleLbl="node1" presStyleIdx="5" presStyleCnt="7"/>
       <dgm:spPr>
         <a:blipFill>
-          <a:blip xmlns:r="http://schemas.openxmlformats.org/officeDocument/2006/relationships" r:embed="rId11">
+          <a:blip xmlns:r="http://schemas.openxmlformats.org/officeDocument/2006/relationships" r:embed="rId11" cstate="hqprint">
             <a:extLst>
               <a:ext uri="{28A0092B-C50C-407E-A947-70E740481C1C}">
                 <a14:useLocalDpi xmlns:a14="http://schemas.microsoft.com/office/drawing/2010/main" val="0"/>
               </a:ext>
               <a:ext uri="{96DAC541-7B7A-43D3-8B79-37D633B846F1}">
-                <asvg:svgBlip xmlns:asvg="http://schemas.microsoft.com/office/drawing/2016/SVG/main" r:embed="rId12"/>
+                <asvg:svgBlip xmlns:asvg="http://schemas.microsoft.com/office/drawing/2016/SVG/main" xmlns="" r:embed="rId12"/>
               </a:ext>
             </a:extLst>
           </a:blip>
@@ -1531,6 +1643,13 @@
           <a:noFill/>
         </a:ln>
       </dgm:spPr>
+      <dgm:t>
+        <a:bodyPr/>
+        <a:lstStyle/>
+        <a:p>
+          <a:endParaRPr lang="es-ES"/>
+        </a:p>
+      </dgm:t>
       <dgm:extLst>
         <a:ext uri="{E40237B7-FDA0-4F09-8148-C483321AD2D9}">
           <dgm14:cNvPr xmlns:dgm14="http://schemas.microsoft.com/office/drawing/2010/diagram" id="0" name="" descr="Presentation with pie chart with solid fill"/>
@@ -1549,10 +1668,24 @@
         </dgm:presLayoutVars>
       </dgm:prSet>
       <dgm:spPr/>
+      <dgm:t>
+        <a:bodyPr/>
+        <a:lstStyle/>
+        <a:p>
+          <a:endParaRPr lang="es-ES"/>
+        </a:p>
+      </dgm:t>
     </dgm:pt>
     <dgm:pt modelId="{92CBEECE-F805-4A18-A6BA-0E380CFB9656}" type="pres">
       <dgm:prSet presAssocID="{E6F28B52-455D-493E-B13F-AD20E3A2BE72}" presName="sibTrans" presStyleLbl="sibTrans2D1" presStyleIdx="0" presStyleCnt="0"/>
       <dgm:spPr/>
+      <dgm:t>
+        <a:bodyPr/>
+        <a:lstStyle/>
+        <a:p>
+          <a:endParaRPr lang="es-ES"/>
+        </a:p>
+      </dgm:t>
     </dgm:pt>
     <dgm:pt modelId="{54CEE832-67AA-4DD6-B169-85CEE6693F43}" type="pres">
       <dgm:prSet presAssocID="{F592ED08-0442-4E3C-AD8C-65A705FBDC14}" presName="compNode" presStyleCnt="0"/>
@@ -1566,13 +1699,13 @@
       <dgm:prSet presAssocID="{F592ED08-0442-4E3C-AD8C-65A705FBDC14}" presName="iconRect" presStyleLbl="node1" presStyleIdx="6" presStyleCnt="7" custLinFactX="302027" custLinFactNeighborX="400000" custLinFactNeighborY="-25967"/>
       <dgm:spPr>
         <a:blipFill>
-          <a:blip xmlns:r="http://schemas.openxmlformats.org/officeDocument/2006/relationships" r:embed="rId13">
+          <a:blip xmlns:r="http://schemas.openxmlformats.org/officeDocument/2006/relationships" r:embed="rId13" cstate="hqprint">
             <a:extLst>
               <a:ext uri="{28A0092B-C50C-407E-A947-70E740481C1C}">
                 <a14:useLocalDpi xmlns:a14="http://schemas.microsoft.com/office/drawing/2010/main" val="0"/>
               </a:ext>
               <a:ext uri="{96DAC541-7B7A-43D3-8B79-37D633B846F1}">
-                <asvg:svgBlip xmlns:asvg="http://schemas.microsoft.com/office/drawing/2016/SVG/main" r:embed="rId14"/>
+                <asvg:svgBlip xmlns:asvg="http://schemas.microsoft.com/office/drawing/2016/SVG/main" xmlns="" r:embed="rId14"/>
               </a:ext>
             </a:extLst>
           </a:blip>
@@ -1585,6 +1718,13 @@
           <a:noFill/>
         </a:ln>
       </dgm:spPr>
+      <dgm:t>
+        <a:bodyPr/>
+        <a:lstStyle/>
+        <a:p>
+          <a:endParaRPr lang="es-ES"/>
+        </a:p>
+      </dgm:t>
       <dgm:extLst>
         <a:ext uri="{E40237B7-FDA0-4F09-8148-C483321AD2D9}">
           <dgm14:cNvPr xmlns:dgm14="http://schemas.microsoft.com/office/drawing/2010/diagram" id="0" name="" descr="Thought bubble with solid fill"/>
@@ -1603,30 +1743,37 @@
         </dgm:presLayoutVars>
       </dgm:prSet>
       <dgm:spPr/>
+      <dgm:t>
+        <a:bodyPr/>
+        <a:lstStyle/>
+        <a:p>
+          <a:endParaRPr lang="es-ES"/>
+        </a:p>
+      </dgm:t>
     </dgm:pt>
   </dgm:ptLst>
   <dgm:cxnLst>
-    <dgm:cxn modelId="{6B72C303-2DF6-4564-B269-17B5567A1EB8}" srcId="{0C072433-4AEB-40F1-AB95-059EE9C9ADEC}" destId="{12A5F1A0-402A-40C2-A4C5-98BBDB3A1A22}" srcOrd="4" destOrd="0" parTransId="{9FE7CC0D-56B4-47C9-A09F-8ABC0EBC3925}" sibTransId="{6EE09FDD-BF9C-42E6-A363-5E1A916D5D84}"/>
-    <dgm:cxn modelId="{6687F005-935E-4486-8F11-CDECEB81B531}" type="presOf" srcId="{F592ED08-0442-4E3C-AD8C-65A705FBDC14}" destId="{5E30FD66-9CF6-4CEB-BDAE-873F578BD272}" srcOrd="0" destOrd="0" presId="urn:microsoft.com/office/officeart/2018/2/layout/IconCircleList"/>
-    <dgm:cxn modelId="{1118605C-1BED-4D4E-861D-E0F10BBCB671}" type="presOf" srcId="{6EE09FDD-BF9C-42E6-A363-5E1A916D5D84}" destId="{05616B31-AEAF-4771-AAB6-D37A9A5573D5}" srcOrd="0" destOrd="0" presId="urn:microsoft.com/office/officeart/2018/2/layout/IconCircleList"/>
     <dgm:cxn modelId="{C1E42663-E010-427C-9214-85D70D3F7B7A}" type="presOf" srcId="{12A5F1A0-402A-40C2-A4C5-98BBDB3A1A22}" destId="{0D4C47B2-29D1-4A87-8F7D-A5C4F76E3A27}" srcOrd="0" destOrd="0" presId="urn:microsoft.com/office/officeart/2018/2/layout/IconCircleList"/>
     <dgm:cxn modelId="{A417284C-B990-42FE-8E16-10D66E4485CB}" srcId="{0C072433-4AEB-40F1-AB95-059EE9C9ADEC}" destId="{2BDD66BD-71DC-4EB4-BE57-2D7200EDFA25}" srcOrd="5" destOrd="0" parTransId="{DA455E34-5F9D-43AF-B1E2-6F0C7326621E}" sibTransId="{E6F28B52-455D-493E-B13F-AD20E3A2BE72}"/>
+    <dgm:cxn modelId="{69BC83ED-34E2-4DAB-A463-312A2DE64B15}" type="presOf" srcId="{E6F28B52-455D-493E-B13F-AD20E3A2BE72}" destId="{92CBEECE-F805-4A18-A6BA-0E380CFB9656}" srcOrd="0" destOrd="0" presId="urn:microsoft.com/office/officeart/2018/2/layout/IconCircleList"/>
+    <dgm:cxn modelId="{1118605C-1BED-4D4E-861D-E0F10BBCB671}" type="presOf" srcId="{6EE09FDD-BF9C-42E6-A363-5E1A916D5D84}" destId="{05616B31-AEAF-4771-AAB6-D37A9A5573D5}" srcOrd="0" destOrd="0" presId="urn:microsoft.com/office/officeart/2018/2/layout/IconCircleList"/>
+    <dgm:cxn modelId="{D5945381-D961-4E4D-8DA9-384DD61678C5}" type="presOf" srcId="{FE6C4EA1-C6FE-4383-A8B0-ACD13A53C7EB}" destId="{91AF6CF1-B99C-4D98-944F-99A2E6E7E472}" srcOrd="0" destOrd="0" presId="urn:microsoft.com/office/officeart/2018/2/layout/IconCircleList"/>
+    <dgm:cxn modelId="{886FA39C-C37A-45D4-8A7E-7895E3D61B44}" srcId="{0C072433-4AEB-40F1-AB95-059EE9C9ADEC}" destId="{F592ED08-0442-4E3C-AD8C-65A705FBDC14}" srcOrd="6" destOrd="0" parTransId="{2D41B6F1-0224-4CF2-8820-E37E8FB350F5}" sibTransId="{074A989E-C728-4647-9A0C-BD4AD8666B22}"/>
     <dgm:cxn modelId="{A95A2F4E-6046-4667-856A-69AE8DC145B4}" type="presOf" srcId="{0C072433-4AEB-40F1-AB95-059EE9C9ADEC}" destId="{C0FF8307-80BF-49B7-8ADA-6D6110548FA4}" srcOrd="0" destOrd="0" presId="urn:microsoft.com/office/officeart/2018/2/layout/IconCircleList"/>
-    <dgm:cxn modelId="{9FE4C671-D3E8-490C-9F0E-99FC8B411050}" type="presOf" srcId="{078FE704-CE52-4686-84F7-A8476077BE98}" destId="{E74E06AB-5E9D-49EC-94F4-3F7C5C72A556}" srcOrd="0" destOrd="0" presId="urn:microsoft.com/office/officeart/2018/2/layout/IconCircleList"/>
-    <dgm:cxn modelId="{D5945381-D961-4E4D-8DA9-384DD61678C5}" type="presOf" srcId="{FE6C4EA1-C6FE-4383-A8B0-ACD13A53C7EB}" destId="{91AF6CF1-B99C-4D98-944F-99A2E6E7E472}" srcOrd="0" destOrd="0" presId="urn:microsoft.com/office/officeart/2018/2/layout/IconCircleList"/>
     <dgm:cxn modelId="{C13C4986-5D8F-4511-867D-6BD782D86045}" type="presOf" srcId="{D33CD2A7-9527-4848-823B-EECBC697E2DB}" destId="{8188E392-02DC-43CC-A3BD-53A5D4B2FF8F}" srcOrd="0" destOrd="0" presId="urn:microsoft.com/office/officeart/2018/2/layout/IconCircleList"/>
-    <dgm:cxn modelId="{8288F295-6831-4088-99A2-6D5B866D7F6D}" srcId="{0C072433-4AEB-40F1-AB95-059EE9C9ADEC}" destId="{C8AB0C16-655B-4ABC-BE7E-6675A4A3AC91}" srcOrd="0" destOrd="0" parTransId="{F4F35D6F-F45C-49C0-BA94-7A303C16FB03}" sibTransId="{43F839C8-B670-447B-ACE2-9489F5AFC00E}"/>
-    <dgm:cxn modelId="{886FA39C-C37A-45D4-8A7E-7895E3D61B44}" srcId="{0C072433-4AEB-40F1-AB95-059EE9C9ADEC}" destId="{F592ED08-0442-4E3C-AD8C-65A705FBDC14}" srcOrd="6" destOrd="0" parTransId="{2D41B6F1-0224-4CF2-8820-E37E8FB350F5}" sibTransId="{074A989E-C728-4647-9A0C-BD4AD8666B22}"/>
-    <dgm:cxn modelId="{3F516EA1-46A8-4522-AE8D-D3FC705E2604}" srcId="{0C072433-4AEB-40F1-AB95-059EE9C9ADEC}" destId="{FE6C4EA1-C6FE-4383-A8B0-ACD13A53C7EB}" srcOrd="3" destOrd="0" parTransId="{41822BD9-FEDC-48AB-8A35-9CACF43A94E5}" sibTransId="{078FE704-CE52-4686-84F7-A8476077BE98}"/>
+    <dgm:cxn modelId="{031FC9FA-6DA3-46FF-BC9D-BE9588A4415E}" srcId="{0C072433-4AEB-40F1-AB95-059EE9C9ADEC}" destId="{DC95D1DE-A781-4C30-8D2F-118BADFEFD7C}" srcOrd="2" destOrd="0" parTransId="{0F0B6B78-4E5D-485A-89CA-33928E5ECD4F}" sibTransId="{96BF6858-10A0-4411-AFEE-8AC502676C10}"/>
+    <dgm:cxn modelId="{83867CCE-0427-4A08-B847-8980929D79A2}" type="presOf" srcId="{C8AB0C16-655B-4ABC-BE7E-6675A4A3AC91}" destId="{9B6D84E9-56C4-480D-8F10-B6E9D22F3615}" srcOrd="0" destOrd="0" presId="urn:microsoft.com/office/officeart/2018/2/layout/IconCircleList"/>
     <dgm:cxn modelId="{3811A0A1-6A0F-4A6A-BE2B-6A380078CC2B}" srcId="{0C072433-4AEB-40F1-AB95-059EE9C9ADEC}" destId="{494381FD-C47A-4C3B-A2BD-FC28936D7874}" srcOrd="1" destOrd="0" parTransId="{317C3880-52AA-4CCE-8BDD-8D5E5BA2467D}" sibTransId="{D33CD2A7-9527-4848-823B-EECBC697E2DB}"/>
     <dgm:cxn modelId="{8CDB1ECD-F20B-4E87-9D38-605B7AF5FDA0}" type="presOf" srcId="{494381FD-C47A-4C3B-A2BD-FC28936D7874}" destId="{95AE7778-5B6B-42FA-A6B8-89A439947BAE}" srcOrd="0" destOrd="0" presId="urn:microsoft.com/office/officeart/2018/2/layout/IconCircleList"/>
-    <dgm:cxn modelId="{83867CCE-0427-4A08-B847-8980929D79A2}" type="presOf" srcId="{C8AB0C16-655B-4ABC-BE7E-6675A4A3AC91}" destId="{9B6D84E9-56C4-480D-8F10-B6E9D22F3615}" srcOrd="0" destOrd="0" presId="urn:microsoft.com/office/officeart/2018/2/layout/IconCircleList"/>
+    <dgm:cxn modelId="{4661A7F6-10C5-470E-AE75-8878C3A3E28D}" type="presOf" srcId="{2BDD66BD-71DC-4EB4-BE57-2D7200EDFA25}" destId="{FD62459E-87CC-4BDF-A998-87FEF7B773B0}" srcOrd="0" destOrd="0" presId="urn:microsoft.com/office/officeart/2018/2/layout/IconCircleList"/>
     <dgm:cxn modelId="{EC4D6CCF-A703-4979-970C-C12BEB453D60}" type="presOf" srcId="{96BF6858-10A0-4411-AFEE-8AC502676C10}" destId="{221B68B5-05DB-4093-AA83-EFD8AB4B444B}" srcOrd="0" destOrd="0" presId="urn:microsoft.com/office/officeart/2018/2/layout/IconCircleList"/>
-    <dgm:cxn modelId="{69BC83ED-34E2-4DAB-A463-312A2DE64B15}" type="presOf" srcId="{E6F28B52-455D-493E-B13F-AD20E3A2BE72}" destId="{92CBEECE-F805-4A18-A6BA-0E380CFB9656}" srcOrd="0" destOrd="0" presId="urn:microsoft.com/office/officeart/2018/2/layout/IconCircleList"/>
-    <dgm:cxn modelId="{4661A7F6-10C5-470E-AE75-8878C3A3E28D}" type="presOf" srcId="{2BDD66BD-71DC-4EB4-BE57-2D7200EDFA25}" destId="{FD62459E-87CC-4BDF-A998-87FEF7B773B0}" srcOrd="0" destOrd="0" presId="urn:microsoft.com/office/officeart/2018/2/layout/IconCircleList"/>
+    <dgm:cxn modelId="{6687F005-935E-4486-8F11-CDECEB81B531}" type="presOf" srcId="{F592ED08-0442-4E3C-AD8C-65A705FBDC14}" destId="{5E30FD66-9CF6-4CEB-BDAE-873F578BD272}" srcOrd="0" destOrd="0" presId="urn:microsoft.com/office/officeart/2018/2/layout/IconCircleList"/>
+    <dgm:cxn modelId="{FC6CDCFD-0A46-4677-86E6-00845E336A42}" type="presOf" srcId="{43F839C8-B670-447B-ACE2-9489F5AFC00E}" destId="{185A7F85-109D-492F-B282-9A07F8801F5D}" srcOrd="0" destOrd="0" presId="urn:microsoft.com/office/officeart/2018/2/layout/IconCircleList"/>
+    <dgm:cxn modelId="{8288F295-6831-4088-99A2-6D5B866D7F6D}" srcId="{0C072433-4AEB-40F1-AB95-059EE9C9ADEC}" destId="{C8AB0C16-655B-4ABC-BE7E-6675A4A3AC91}" srcOrd="0" destOrd="0" parTransId="{F4F35D6F-F45C-49C0-BA94-7A303C16FB03}" sibTransId="{43F839C8-B670-447B-ACE2-9489F5AFC00E}"/>
+    <dgm:cxn modelId="{3F516EA1-46A8-4522-AE8D-D3FC705E2604}" srcId="{0C072433-4AEB-40F1-AB95-059EE9C9ADEC}" destId="{FE6C4EA1-C6FE-4383-A8B0-ACD13A53C7EB}" srcOrd="3" destOrd="0" parTransId="{41822BD9-FEDC-48AB-8A35-9CACF43A94E5}" sibTransId="{078FE704-CE52-4686-84F7-A8476077BE98}"/>
+    <dgm:cxn modelId="{9FE4C671-D3E8-490C-9F0E-99FC8B411050}" type="presOf" srcId="{078FE704-CE52-4686-84F7-A8476077BE98}" destId="{E74E06AB-5E9D-49EC-94F4-3F7C5C72A556}" srcOrd="0" destOrd="0" presId="urn:microsoft.com/office/officeart/2018/2/layout/IconCircleList"/>
+    <dgm:cxn modelId="{6B72C303-2DF6-4564-B269-17B5567A1EB8}" srcId="{0C072433-4AEB-40F1-AB95-059EE9C9ADEC}" destId="{12A5F1A0-402A-40C2-A4C5-98BBDB3A1A22}" srcOrd="4" destOrd="0" parTransId="{9FE7CC0D-56B4-47C9-A09F-8ABC0EBC3925}" sibTransId="{6EE09FDD-BF9C-42E6-A363-5E1A916D5D84}"/>
     <dgm:cxn modelId="{9208DDF8-5400-498B-8BBF-E600D215DAE7}" type="presOf" srcId="{DC95D1DE-A781-4C30-8D2F-118BADFEFD7C}" destId="{69CAB846-D3DE-4BB4-87C2-B20BC06EBA41}" srcOrd="0" destOrd="0" presId="urn:microsoft.com/office/officeart/2018/2/layout/IconCircleList"/>
-    <dgm:cxn modelId="{031FC9FA-6DA3-46FF-BC9D-BE9588A4415E}" srcId="{0C072433-4AEB-40F1-AB95-059EE9C9ADEC}" destId="{DC95D1DE-A781-4C30-8D2F-118BADFEFD7C}" srcOrd="2" destOrd="0" parTransId="{0F0B6B78-4E5D-485A-89CA-33928E5ECD4F}" sibTransId="{96BF6858-10A0-4411-AFEE-8AC502676C10}"/>
-    <dgm:cxn modelId="{FC6CDCFD-0A46-4677-86E6-00845E336A42}" type="presOf" srcId="{43F839C8-B670-447B-ACE2-9489F5AFC00E}" destId="{185A7F85-109D-492F-B282-9A07F8801F5D}" srcOrd="0" destOrd="0" presId="urn:microsoft.com/office/officeart/2018/2/layout/IconCircleList"/>
     <dgm:cxn modelId="{CDC143F2-9620-4058-89FD-5C7876893B56}" type="presParOf" srcId="{C0FF8307-80BF-49B7-8ADA-6D6110548FA4}" destId="{1356FD8E-C173-4B8C-B410-107D3BF7BBC2}" srcOrd="0" destOrd="0" presId="urn:microsoft.com/office/officeart/2018/2/layout/IconCircleList"/>
     <dgm:cxn modelId="{60ACD822-5D50-490E-90FA-663FA3432A8D}" type="presParOf" srcId="{1356FD8E-C173-4B8C-B410-107D3BF7BBC2}" destId="{6BECB24C-51AC-415F-A366-D6397628CFB1}" srcOrd="0" destOrd="0" presId="urn:microsoft.com/office/officeart/2018/2/layout/IconCircleList"/>
     <dgm:cxn modelId="{00BABFD0-732C-42C4-B980-FED3D6275016}" type="presParOf" srcId="{6BECB24C-51AC-415F-A366-D6397628CFB1}" destId="{54C14164-7512-478A-B2E9-228B46201643}" srcOrd="0" destOrd="0" presId="urn:microsoft.com/office/officeart/2018/2/layout/IconCircleList"/>
@@ -1742,13 +1889,13 @@
           <a:avLst/>
         </a:prstGeom>
         <a:blipFill>
-          <a:blip xmlns:r="http://schemas.openxmlformats.org/officeDocument/2006/relationships" r:embed="rId1">
+          <a:blip xmlns:r="http://schemas.openxmlformats.org/officeDocument/2006/relationships" r:embed="rId1" cstate="hqprint">
             <a:extLst>
               <a:ext uri="{28A0092B-C50C-407E-A947-70E740481C1C}">
                 <a14:useLocalDpi xmlns:a14="http://schemas.microsoft.com/office/drawing/2010/main" val="0"/>
               </a:ext>
               <a:ext uri="{96DAC541-7B7A-43D3-8B79-37D633B846F1}">
-                <asvg:svgBlip xmlns:asvg="http://schemas.microsoft.com/office/drawing/2016/SVG/main" r:embed="rId2"/>
+                <asvg:svgBlip xmlns:asvg="http://schemas.microsoft.com/office/drawing/2016/SVG/main" xmlns="" r:embed="rId2"/>
               </a:ext>
             </a:extLst>
           </a:blip>
@@ -1814,7 +1961,7 @@
         </a:bodyPr>
         <a:lstStyle/>
         <a:p>
-          <a:pPr marL="0" lvl="0" indent="0" algn="just" defTabSz="711200">
+          <a:pPr lvl="0" algn="just" defTabSz="711200">
             <a:lnSpc>
               <a:spcPct val="100000"/>
             </a:lnSpc>
@@ -1824,7 +1971,6 @@
             <a:spcAft>
               <a:spcPct val="35000"/>
             </a:spcAft>
-            <a:buNone/>
           </a:pPr>
           <a:r>
             <a:rPr lang="en-US" sz="1600" kern="1200" dirty="0"/>
@@ -1891,13 +2037,13 @@
           <a:avLst/>
         </a:prstGeom>
         <a:blipFill>
-          <a:blip xmlns:r="http://schemas.openxmlformats.org/officeDocument/2006/relationships" r:embed="rId3">
+          <a:blip xmlns:r="http://schemas.openxmlformats.org/officeDocument/2006/relationships" r:embed="rId3" cstate="hqprint">
             <a:extLst>
               <a:ext uri="{28A0092B-C50C-407E-A947-70E740481C1C}">
                 <a14:useLocalDpi xmlns:a14="http://schemas.microsoft.com/office/drawing/2010/main" val="0"/>
               </a:ext>
               <a:ext uri="{96DAC541-7B7A-43D3-8B79-37D633B846F1}">
-                <asvg:svgBlip xmlns:asvg="http://schemas.microsoft.com/office/drawing/2016/SVG/main" r:embed="rId4"/>
+                <asvg:svgBlip xmlns:asvg="http://schemas.microsoft.com/office/drawing/2016/SVG/main" xmlns="" r:embed="rId4"/>
               </a:ext>
             </a:extLst>
           </a:blip>
@@ -1964,7 +2110,7 @@
         </a:bodyPr>
         <a:lstStyle/>
         <a:p>
-          <a:pPr marL="0" lvl="0" indent="0" algn="just" defTabSz="711200">
+          <a:pPr lvl="0" algn="just" defTabSz="711200">
             <a:lnSpc>
               <a:spcPct val="100000"/>
             </a:lnSpc>
@@ -1974,7 +2120,6 @@
             <a:spcAft>
               <a:spcPct val="35000"/>
             </a:spcAft>
-            <a:buNone/>
           </a:pPr>
           <a:r>
             <a:rPr lang="en-US" sz="1600" kern="1200" dirty="0"/>
@@ -2041,13 +2186,13 @@
           <a:avLst/>
         </a:prstGeom>
         <a:blipFill>
-          <a:blip xmlns:r="http://schemas.openxmlformats.org/officeDocument/2006/relationships" r:embed="rId5">
+          <a:blip xmlns:r="http://schemas.openxmlformats.org/officeDocument/2006/relationships" r:embed="rId5" cstate="hqprint">
             <a:extLst>
               <a:ext uri="{28A0092B-C50C-407E-A947-70E740481C1C}">
                 <a14:useLocalDpi xmlns:a14="http://schemas.microsoft.com/office/drawing/2010/main" val="0"/>
               </a:ext>
               <a:ext uri="{96DAC541-7B7A-43D3-8B79-37D633B846F1}">
-                <asvg:svgBlip xmlns:asvg="http://schemas.microsoft.com/office/drawing/2016/SVG/main" r:embed="rId6"/>
+                <asvg:svgBlip xmlns:asvg="http://schemas.microsoft.com/office/drawing/2016/SVG/main" xmlns="" r:embed="rId6"/>
               </a:ext>
             </a:extLst>
           </a:blip>
@@ -2114,7 +2259,7 @@
         </a:bodyPr>
         <a:lstStyle/>
         <a:p>
-          <a:pPr marL="0" lvl="0" indent="0" algn="just" defTabSz="711200">
+          <a:pPr lvl="0" algn="just" defTabSz="711200">
             <a:lnSpc>
               <a:spcPct val="100000"/>
             </a:lnSpc>
@@ -2124,7 +2269,6 @@
             <a:spcAft>
               <a:spcPct val="35000"/>
             </a:spcAft>
-            <a:buNone/>
           </a:pPr>
           <a:r>
             <a:rPr lang="en-US" sz="1600" kern="1200" dirty="0"/>
@@ -2191,13 +2335,13 @@
           <a:avLst/>
         </a:prstGeom>
         <a:blipFill>
-          <a:blip xmlns:r="http://schemas.openxmlformats.org/officeDocument/2006/relationships" r:embed="rId7">
+          <a:blip xmlns:r="http://schemas.openxmlformats.org/officeDocument/2006/relationships" r:embed="rId7" cstate="hqprint">
             <a:extLst>
               <a:ext uri="{28A0092B-C50C-407E-A947-70E740481C1C}">
                 <a14:useLocalDpi xmlns:a14="http://schemas.microsoft.com/office/drawing/2010/main" val="0"/>
               </a:ext>
               <a:ext uri="{96DAC541-7B7A-43D3-8B79-37D633B846F1}">
-                <asvg:svgBlip xmlns:asvg="http://schemas.microsoft.com/office/drawing/2016/SVG/main" r:embed="rId8"/>
+                <asvg:svgBlip xmlns:asvg="http://schemas.microsoft.com/office/drawing/2016/SVG/main" xmlns="" r:embed="rId8"/>
               </a:ext>
             </a:extLst>
           </a:blip>
@@ -2264,7 +2408,7 @@
         </a:bodyPr>
         <a:lstStyle/>
         <a:p>
-          <a:pPr marL="0" lvl="0" indent="0" algn="just" defTabSz="711200">
+          <a:pPr lvl="0" algn="just" defTabSz="711200">
             <a:lnSpc>
               <a:spcPct val="100000"/>
             </a:lnSpc>
@@ -2274,7 +2418,6 @@
             <a:spcAft>
               <a:spcPct val="35000"/>
             </a:spcAft>
-            <a:buNone/>
           </a:pPr>
           <a:r>
             <a:rPr lang="en-US" sz="1600" kern="1200" dirty="0"/>
@@ -2341,13 +2484,13 @@
           <a:avLst/>
         </a:prstGeom>
         <a:blipFill>
-          <a:blip xmlns:r="http://schemas.openxmlformats.org/officeDocument/2006/relationships" r:embed="rId9">
+          <a:blip xmlns:r="http://schemas.openxmlformats.org/officeDocument/2006/relationships" r:embed="rId9" cstate="hqprint">
             <a:extLst>
               <a:ext uri="{28A0092B-C50C-407E-A947-70E740481C1C}">
                 <a14:useLocalDpi xmlns:a14="http://schemas.microsoft.com/office/drawing/2010/main" val="0"/>
               </a:ext>
               <a:ext uri="{96DAC541-7B7A-43D3-8B79-37D633B846F1}">
-                <asvg:svgBlip xmlns:asvg="http://schemas.microsoft.com/office/drawing/2016/SVG/main" r:embed="rId10"/>
+                <asvg:svgBlip xmlns:asvg="http://schemas.microsoft.com/office/drawing/2016/SVG/main" xmlns="" r:embed="rId10"/>
               </a:ext>
             </a:extLst>
           </a:blip>
@@ -2414,7 +2557,7 @@
         </a:bodyPr>
         <a:lstStyle/>
         <a:p>
-          <a:pPr marL="0" lvl="0" indent="0" algn="just" defTabSz="711200">
+          <a:pPr lvl="0" algn="just" defTabSz="711200">
             <a:lnSpc>
               <a:spcPct val="100000"/>
             </a:lnSpc>
@@ -2424,7 +2567,6 @@
             <a:spcAft>
               <a:spcPct val="35000"/>
             </a:spcAft>
-            <a:buNone/>
           </a:pPr>
           <a:r>
             <a:rPr lang="en-US" sz="1600" kern="1200" dirty="0"/>
@@ -2491,13 +2633,13 @@
           <a:avLst/>
         </a:prstGeom>
         <a:blipFill>
-          <a:blip xmlns:r="http://schemas.openxmlformats.org/officeDocument/2006/relationships" r:embed="rId11">
+          <a:blip xmlns:r="http://schemas.openxmlformats.org/officeDocument/2006/relationships" r:embed="rId11" cstate="hqprint">
             <a:extLst>
               <a:ext uri="{28A0092B-C50C-407E-A947-70E740481C1C}">
                 <a14:useLocalDpi xmlns:a14="http://schemas.microsoft.com/office/drawing/2010/main" val="0"/>
               </a:ext>
               <a:ext uri="{96DAC541-7B7A-43D3-8B79-37D633B846F1}">
-                <asvg:svgBlip xmlns:asvg="http://schemas.microsoft.com/office/drawing/2016/SVG/main" r:embed="rId12"/>
+                <asvg:svgBlip xmlns:asvg="http://schemas.microsoft.com/office/drawing/2016/SVG/main" xmlns="" r:embed="rId12"/>
               </a:ext>
             </a:extLst>
           </a:blip>
@@ -2564,7 +2706,7 @@
         </a:bodyPr>
         <a:lstStyle/>
         <a:p>
-          <a:pPr marL="0" lvl="0" indent="0" algn="just" defTabSz="711200">
+          <a:pPr lvl="0" algn="just" defTabSz="711200">
             <a:lnSpc>
               <a:spcPct val="100000"/>
             </a:lnSpc>
@@ -2574,7 +2716,6 @@
             <a:spcAft>
               <a:spcPct val="35000"/>
             </a:spcAft>
-            <a:buNone/>
           </a:pPr>
           <a:r>
             <a:rPr lang="en-US" sz="1600" kern="1200" dirty="0"/>
@@ -2641,13 +2782,13 @@
           <a:avLst/>
         </a:prstGeom>
         <a:blipFill>
-          <a:blip xmlns:r="http://schemas.openxmlformats.org/officeDocument/2006/relationships" r:embed="rId13">
+          <a:blip xmlns:r="http://schemas.openxmlformats.org/officeDocument/2006/relationships" r:embed="rId13" cstate="hqprint">
             <a:extLst>
               <a:ext uri="{28A0092B-C50C-407E-A947-70E740481C1C}">
                 <a14:useLocalDpi xmlns:a14="http://schemas.microsoft.com/office/drawing/2010/main" val="0"/>
               </a:ext>
               <a:ext uri="{96DAC541-7B7A-43D3-8B79-37D633B846F1}">
-                <asvg:svgBlip xmlns:asvg="http://schemas.microsoft.com/office/drawing/2016/SVG/main" r:embed="rId14"/>
+                <asvg:svgBlip xmlns:asvg="http://schemas.microsoft.com/office/drawing/2016/SVG/main" xmlns="" r:embed="rId14"/>
               </a:ext>
             </a:extLst>
           </a:blip>
@@ -2714,7 +2855,7 @@
         </a:bodyPr>
         <a:lstStyle/>
         <a:p>
-          <a:pPr marL="0" lvl="0" indent="0" algn="just" defTabSz="711200">
+          <a:pPr lvl="0" algn="just" defTabSz="711200">
             <a:lnSpc>
               <a:spcPct val="100000"/>
             </a:lnSpc>
@@ -2724,7 +2865,6 @@
             <a:spcAft>
               <a:spcPct val="35000"/>
             </a:spcAft>
-            <a:buNone/>
           </a:pPr>
           <a:r>
             <a:rPr lang="en-US" sz="1600" kern="1200" dirty="0"/>
@@ -2941,7 +3081,7 @@
   </dgm:layoutNode>
   <dgm:extLst>
     <a:ext uri="{68A01E43-0DF5-4B5B-8FA6-DAF915123BFB}">
-      <dgm1612:lstStyle xmlns:dgm1612="http://schemas.microsoft.com/office/drawing/2016/12/diagram">
+      <dgm1612:lstStyle xmlns:dgm1612="http://schemas.microsoft.com/office/drawing/2016/12/diagram" xmlns="">
         <a:lvl1pPr>
           <a:lnSpc>
             <a:spcPct val="100000"/>
@@ -4069,7 +4209,7 @@
           <a:p>
             <a:fld id="{AE73BE77-CF9D-41C1-9A46-0C9C6AF6D9EA}" type="datetimeFigureOut">
               <a:rPr lang="ro-RO" smtClean="0"/>
-              <a:t>09.11.2021</a:t>
+              <a:t>10.11.2021</a:t>
             </a:fld>
             <a:endParaRPr lang="ro-RO"/>
           </a:p>
@@ -4228,7 +4368,7 @@
           <a:p>
             <a:fld id="{4DE75C4C-B821-490B-A6BC-7023298A118D}" type="slidenum">
               <a:rPr lang="ro-RO" smtClean="0"/>
-              <a:t>‹#›</a:t>
+              <a:t>‹Nº›</a:t>
             </a:fld>
             <a:endParaRPr lang="ro-RO"/>
           </a:p>
@@ -4525,7 +4665,7 @@
           <a:p>
             <a:fld id="{98B0508E-28D7-4C07-A327-C6BAFBCA7AAB}" type="datetime1">
               <a:rPr lang="en-US" smtClean="0"/>
-              <a:t>11/9/2021</a:t>
+              <a:t>11/10/2021</a:t>
             </a:fld>
             <a:endParaRPr lang="en-US"/>
           </a:p>
@@ -4654,7 +4794,7 @@
           <a:p>
             <a:fld id="{19584825-D934-4E20-B0C8-29FEC7CA1AF9}" type="slidenum">
               <a:rPr lang="en-US" smtClean="0"/>
-              <a:t>‹#›</a:t>
+              <a:t>‹Nº›</a:t>
             </a:fld>
             <a:endParaRPr lang="en-US"/>
           </a:p>
@@ -4863,7 +5003,7 @@
           <a:p>
             <a:fld id="{85D7E6E6-63DB-4CB9-A4B7-0B5C8502880C}" type="datetime1">
               <a:rPr lang="en-US" smtClean="0"/>
-              <a:t>11/9/2021</a:t>
+              <a:t>11/10/2021</a:t>
             </a:fld>
             <a:endParaRPr lang="en-US"/>
           </a:p>
@@ -4992,7 +5132,7 @@
           <a:p>
             <a:fld id="{19584825-D934-4E20-B0C8-29FEC7CA1AF9}" type="slidenum">
               <a:rPr lang="en-US" smtClean="0"/>
-              <a:t>‹#›</a:t>
+              <a:t>‹Nº›</a:t>
             </a:fld>
             <a:endParaRPr lang="en-US"/>
           </a:p>
@@ -5264,7 +5404,7 @@
           <a:p>
             <a:fld id="{4DC9A3E7-B710-4DBB-9CDB-5B1B222BDE9B}" type="datetime1">
               <a:rPr lang="en-US" smtClean="0"/>
-              <a:t>11/9/2021</a:t>
+              <a:t>11/10/2021</a:t>
             </a:fld>
             <a:endParaRPr lang="en-US"/>
           </a:p>
@@ -5393,7 +5533,7 @@
           <a:p>
             <a:fld id="{19584825-D934-4E20-B0C8-29FEC7CA1AF9}" type="slidenum">
               <a:rPr lang="en-US" smtClean="0"/>
-              <a:t>‹#›</a:t>
+              <a:t>‹Nº›</a:t>
             </a:fld>
             <a:endParaRPr lang="en-US"/>
           </a:p>
@@ -5600,7 +5740,7 @@
           <a:p>
             <a:fld id="{052A376C-AC4E-4AE2-8D03-113E09A9F1B5}" type="datetime1">
               <a:rPr lang="en-US" smtClean="0"/>
-              <a:t>11/9/2021</a:t>
+              <a:t>11/10/2021</a:t>
             </a:fld>
             <a:endParaRPr lang="en-US"/>
           </a:p>
@@ -5729,7 +5869,7 @@
           <a:p>
             <a:fld id="{19584825-D934-4E20-B0C8-29FEC7CA1AF9}" type="slidenum">
               <a:rPr lang="en-US" smtClean="0"/>
-              <a:t>‹#›</a:t>
+              <a:t>‹Nº›</a:t>
             </a:fld>
             <a:endParaRPr lang="en-US"/>
           </a:p>
@@ -5920,7 +6060,7 @@
           <a:p>
             <a:fld id="{65CF54AA-C341-49DB-A9C0-1A801481D328}" type="datetime1">
               <a:rPr lang="en-US" smtClean="0"/>
-              <a:t>11/9/2021</a:t>
+              <a:t>11/10/2021</a:t>
             </a:fld>
             <a:endParaRPr lang="en-US"/>
           </a:p>
@@ -6049,7 +6189,7 @@
           <a:p>
             <a:fld id="{19584825-D934-4E20-B0C8-29FEC7CA1AF9}" type="slidenum">
               <a:rPr lang="en-US" smtClean="0"/>
-              <a:t>‹#›</a:t>
+              <a:t>‹Nº›</a:t>
             </a:fld>
             <a:endParaRPr lang="en-US"/>
           </a:p>
@@ -6316,7 +6456,7 @@
           <a:p>
             <a:fld id="{5746C5F4-9C02-4AD4-B46C-6F47799D1944}" type="datetime1">
               <a:rPr lang="en-US" smtClean="0"/>
-              <a:t>11/9/2021</a:t>
+              <a:t>11/10/2021</a:t>
             </a:fld>
             <a:endParaRPr lang="en-US"/>
           </a:p>
@@ -6445,7 +6585,7 @@
           <a:p>
             <a:fld id="{19584825-D934-4E20-B0C8-29FEC7CA1AF9}" type="slidenum">
               <a:rPr lang="en-US" smtClean="0"/>
-              <a:t>‹#›</a:t>
+              <a:t>‹Nº›</a:t>
             </a:fld>
             <a:endParaRPr lang="en-US"/>
           </a:p>
@@ -6573,7 +6713,7 @@
           <a:p>
             <a:fld id="{B31F226D-3415-48F1-9784-7B12C8D4E016}" type="datetime1">
               <a:rPr lang="en-US" smtClean="0"/>
-              <a:t>11/9/2021</a:t>
+              <a:t>11/10/2021</a:t>
             </a:fld>
             <a:endParaRPr lang="en-US"/>
           </a:p>
@@ -6697,7 +6837,7 @@
           <a:p>
             <a:fld id="{19584825-D934-4E20-B0C8-29FEC7CA1AF9}" type="slidenum">
               <a:rPr lang="en-US" smtClean="0"/>
-              <a:t>‹#›</a:t>
+              <a:t>‹Nº›</a:t>
             </a:fld>
             <a:endParaRPr lang="en-US"/>
           </a:p>
@@ -6835,7 +6975,7 @@
           <a:p>
             <a:fld id="{60456BFA-A8EE-4463-9964-640E3A989CC4}" type="datetime1">
               <a:rPr lang="en-US" smtClean="0"/>
-              <a:t>11/9/2021</a:t>
+              <a:t>11/10/2021</a:t>
             </a:fld>
             <a:endParaRPr lang="en-US"/>
           </a:p>
@@ -6959,7 +7099,7 @@
           <a:p>
             <a:fld id="{19584825-D934-4E20-B0C8-29FEC7CA1AF9}" type="slidenum">
               <a:rPr lang="en-US" smtClean="0"/>
-              <a:t>‹#›</a:t>
+              <a:t>‹Nº›</a:t>
             </a:fld>
             <a:endParaRPr lang="en-US"/>
           </a:p>
@@ -7097,7 +7237,7 @@
           <a:p>
             <a:fld id="{C5BFA40C-8B44-45C3-8C1E-2901B00428CB}" type="datetime1">
               <a:rPr lang="en-US" smtClean="0"/>
-              <a:t>11/9/2021</a:t>
+              <a:t>11/10/2021</a:t>
             </a:fld>
             <a:endParaRPr lang="en-US"/>
           </a:p>
@@ -7221,7 +7361,7 @@
           <a:p>
             <a:fld id="{19584825-D934-4E20-B0C8-29FEC7CA1AF9}" type="slidenum">
               <a:rPr lang="en-US" smtClean="0"/>
-              <a:t>‹#›</a:t>
+              <a:t>‹Nº›</a:t>
             </a:fld>
             <a:endParaRPr lang="en-US"/>
           </a:p>
@@ -7426,7 +7566,7 @@
           <a:p>
             <a:fld id="{E4C53A8D-9C21-45A1-8CAD-5F002E68E167}" type="datetime1">
               <a:rPr lang="en-US" smtClean="0"/>
-              <a:t>11/9/2021</a:t>
+              <a:t>11/10/2021</a:t>
             </a:fld>
             <a:endParaRPr lang="en-US"/>
           </a:p>
@@ -7555,7 +7695,7 @@
           <a:p>
             <a:fld id="{19584825-D934-4E20-B0C8-29FEC7CA1AF9}" type="slidenum">
               <a:rPr lang="en-US" smtClean="0"/>
-              <a:t>‹#›</a:t>
+              <a:t>‹Nº›</a:t>
             </a:fld>
             <a:endParaRPr lang="en-US"/>
           </a:p>
@@ -7749,7 +7889,7 @@
           <a:p>
             <a:fld id="{A441790C-7EDE-47EE-864F-D5327F59B305}" type="datetime1">
               <a:rPr lang="en-US" smtClean="0"/>
-              <a:t>11/9/2021</a:t>
+              <a:t>11/10/2021</a:t>
             </a:fld>
             <a:endParaRPr lang="en-US"/>
           </a:p>
@@ -7878,7 +8018,7 @@
           <a:p>
             <a:fld id="{19584825-D934-4E20-B0C8-29FEC7CA1AF9}" type="slidenum">
               <a:rPr lang="en-US" smtClean="0"/>
-              <a:t>‹#›</a:t>
+              <a:t>‹Nº›</a:t>
             </a:fld>
             <a:endParaRPr lang="en-US"/>
           </a:p>
@@ -8206,7 +8346,7 @@
           <a:p>
             <a:fld id="{AD684147-4086-4288-96C7-1FA46E51ACAA}" type="datetime1">
               <a:rPr lang="en-US" smtClean="0"/>
-              <a:t>11/9/2021</a:t>
+              <a:t>11/10/2021</a:t>
             </a:fld>
             <a:endParaRPr lang="en-US"/>
           </a:p>
@@ -8335,7 +8475,7 @@
           <a:p>
             <a:fld id="{19584825-D934-4E20-B0C8-29FEC7CA1AF9}" type="slidenum">
               <a:rPr lang="en-US" smtClean="0"/>
-              <a:t>‹#›</a:t>
+              <a:t>‹Nº›</a:t>
             </a:fld>
             <a:endParaRPr lang="en-US"/>
           </a:p>
@@ -8411,7 +8551,7 @@
           <a:p>
             <a:fld id="{AB352D7A-EBBE-41E8-9171-0ED3184DCA2A}" type="datetime1">
               <a:rPr lang="en-US" smtClean="0"/>
-              <a:t>11/9/2021</a:t>
+              <a:t>11/10/2021</a:t>
             </a:fld>
             <a:endParaRPr lang="en-US"/>
           </a:p>
@@ -8535,7 +8675,7 @@
           <a:p>
             <a:fld id="{19584825-D934-4E20-B0C8-29FEC7CA1AF9}" type="slidenum">
               <a:rPr lang="en-US" smtClean="0"/>
-              <a:t>‹#›</a:t>
+              <a:t>‹Nº›</a:t>
             </a:fld>
             <a:endParaRPr lang="en-US"/>
           </a:p>
@@ -8588,7 +8728,7 @@
           <a:p>
             <a:fld id="{CE271034-AA41-49D0-9F0C-DC0756C4B358}" type="datetime1">
               <a:rPr lang="en-US" smtClean="0"/>
-              <a:t>11/9/2021</a:t>
+              <a:t>11/10/2021</a:t>
             </a:fld>
             <a:endParaRPr lang="en-US"/>
           </a:p>
@@ -8712,7 +8852,7 @@
           <a:p>
             <a:fld id="{19584825-D934-4E20-B0C8-29FEC7CA1AF9}" type="slidenum">
               <a:rPr lang="en-US" smtClean="0"/>
-              <a:t>‹#›</a:t>
+              <a:t>‹Nº›</a:t>
             </a:fld>
             <a:endParaRPr lang="en-US"/>
           </a:p>
@@ -8921,7 +9061,7 @@
           <a:p>
             <a:fld id="{CF83C243-D147-42C5-8427-3744C5A07490}" type="datetime1">
               <a:rPr lang="en-US" smtClean="0"/>
-              <a:t>11/9/2021</a:t>
+              <a:t>11/10/2021</a:t>
             </a:fld>
             <a:endParaRPr lang="en-US"/>
           </a:p>
@@ -9045,7 +9185,7 @@
           <a:p>
             <a:fld id="{19584825-D934-4E20-B0C8-29FEC7CA1AF9}" type="slidenum">
               <a:rPr lang="en-US" smtClean="0"/>
-              <a:t>‹#›</a:t>
+              <a:t>‹Nº›</a:t>
             </a:fld>
             <a:endParaRPr lang="en-US"/>
           </a:p>
@@ -9266,7 +9406,7 @@
           <a:p>
             <a:fld id="{498AEDB7-8E0A-4FBF-AB15-E332CD4821F1}" type="datetime1">
               <a:rPr lang="en-US" smtClean="0"/>
-              <a:t>11/9/2021</a:t>
+              <a:t>11/10/2021</a:t>
             </a:fld>
             <a:endParaRPr lang="en-US"/>
           </a:p>
@@ -9395,7 +9535,7 @@
           <a:p>
             <a:fld id="{19584825-D934-4E20-B0C8-29FEC7CA1AF9}" type="slidenum">
               <a:rPr lang="en-US" smtClean="0"/>
-              <a:t>‹#›</a:t>
+              <a:t>‹Nº›</a:t>
             </a:fld>
             <a:endParaRPr lang="en-US"/>
           </a:p>
@@ -11383,7 +11523,7 @@
           <a:p>
             <a:fld id="{CF8D28FF-3BD9-45DA-B7F0-CC83C12E3FF2}" type="datetime1">
               <a:rPr lang="en-US" smtClean="0"/>
-              <a:t>11/9/2021</a:t>
+              <a:t>11/10/2021</a:t>
             </a:fld>
             <a:endParaRPr lang="en-US"/>
           </a:p>
@@ -11459,7 +11599,7 @@
           <a:p>
             <a:fld id="{19584825-D934-4E20-B0C8-29FEC7CA1AF9}" type="slidenum">
               <a:rPr lang="en-US" smtClean="0"/>
-              <a:t>‹#›</a:t>
+              <a:t>‹Nº›</a:t>
             </a:fld>
             <a:endParaRPr lang="en-US"/>
           </a:p>
@@ -13067,7 +13207,7 @@
           <p:nvPr/>
         </p:nvPicPr>
         <p:blipFill>
-          <a:blip r:embed="rId4">
+          <a:blip r:embed="rId4" cstate="hqprint">
             <a:extLst>
               <a:ext uri="{28A0092B-C50C-407E-A947-70E740481C1C}">
                 <a14:useLocalDpi xmlns:a14="http://schemas.microsoft.com/office/drawing/2010/main" val="0"/>
@@ -13378,7 +13518,7 @@
           <p:nvPr/>
         </p:nvPicPr>
         <p:blipFill>
-          <a:blip r:embed="rId4">
+          <a:blip r:embed="rId4" cstate="hqprint">
             <a:extLst>
               <a:ext uri="{28A0092B-C50C-407E-A947-70E740481C1C}">
                 <a14:useLocalDpi xmlns:a14="http://schemas.microsoft.com/office/drawing/2010/main" val="0"/>
@@ -16095,6 +16235,47 @@
           <a:prstGeom prst="rect">
             <a:avLst/>
           </a:prstGeom>
+        </p:spPr>
+      </p:pic>
+      <p:pic>
+        <p:nvPicPr>
+          <p:cNvPr id="1026" name="Picture 2" descr="1: The triangle algorithm selects the threshold intensity as the value... |  Download Scientific Diagram"/>
+          <p:cNvPicPr>
+            <a:picLocks noChangeAspect="1" noChangeArrowheads="1"/>
+          </p:cNvPicPr>
+          <p:nvPr/>
+        </p:nvPicPr>
+        <p:blipFill>
+          <a:blip r:embed="rId7" cstate="hqprint">
+            <a:extLst>
+              <a:ext uri="{28A0092B-C50C-407E-A947-70E740481C1C}">
+                <a14:useLocalDpi xmlns:a14="http://schemas.microsoft.com/office/drawing/2010/main" val="0"/>
+              </a:ext>
+            </a:extLst>
+          </a:blip>
+          <a:srcRect/>
+          <a:stretch>
+            <a:fillRect/>
+          </a:stretch>
+        </p:blipFill>
+        <p:spPr bwMode="auto">
+          <a:xfrm>
+            <a:off x="810084" y="5199121"/>
+            <a:ext cx="2038641" cy="1530180"/>
+          </a:xfrm>
+          <a:prstGeom prst="rect">
+            <a:avLst/>
+          </a:prstGeom>
+          <a:noFill/>
+          <a:extLst>
+            <a:ext uri="{909E8E84-426E-40DD-AFC4-6F175D3DCCD1}">
+              <a14:hiddenFill xmlns:a14="http://schemas.microsoft.com/office/drawing/2010/main">
+                <a:solidFill>
+                  <a:srgbClr val="FFFFFF"/>
+                </a:solidFill>
+              </a14:hiddenFill>
+            </a:ext>
+          </a:extLst>
         </p:spPr>
       </p:pic>
     </p:spTree>

--- a/Presentation_updated.pptx
+++ b/Presentation_updated.pptx
@@ -16,9 +16,9 @@
     <p:sldId id="285" r:id="rId7"/>
     <p:sldId id="282" r:id="rId8"/>
     <p:sldId id="281" r:id="rId9"/>
-    <p:sldId id="283" r:id="rId10"/>
-    <p:sldId id="280" r:id="rId11"/>
-    <p:sldId id="284" r:id="rId12"/>
+    <p:sldId id="289" r:id="rId10"/>
+    <p:sldId id="283" r:id="rId11"/>
+    <p:sldId id="280" r:id="rId12"/>
     <p:sldId id="288" r:id="rId13"/>
     <p:sldId id="266" r:id="rId14"/>
   </p:sldIdLst>
@@ -1221,6 +1221,13 @@
         </dgm:presLayoutVars>
       </dgm:prSet>
       <dgm:spPr/>
+      <dgm:t>
+        <a:bodyPr/>
+        <a:lstStyle/>
+        <a:p>
+          <a:endParaRPr lang="es-ES"/>
+        </a:p>
+      </dgm:t>
     </dgm:pt>
     <dgm:pt modelId="{1356FD8E-C173-4B8C-B410-107D3BF7BBC2}" type="pres">
       <dgm:prSet presAssocID="{0C072433-4AEB-40F1-AB95-059EE9C9ADEC}" presName="container" presStyleCnt="0">
@@ -1243,13 +1250,13 @@
       <dgm:prSet presAssocID="{C8AB0C16-655B-4ABC-BE7E-6675A4A3AC91}" presName="iconRect" presStyleLbl="node1" presStyleIdx="0" presStyleCnt="7"/>
       <dgm:spPr>
         <a:blipFill>
-          <a:blip xmlns:r="http://schemas.openxmlformats.org/officeDocument/2006/relationships" r:embed="rId1">
+          <a:blip xmlns:r="http://schemas.openxmlformats.org/officeDocument/2006/relationships" r:embed="rId1" cstate="hqprint">
             <a:extLst>
               <a:ext uri="{28A0092B-C50C-407E-A947-70E740481C1C}">
                 <a14:useLocalDpi xmlns:a14="http://schemas.microsoft.com/office/drawing/2010/main" val="0"/>
               </a:ext>
               <a:ext uri="{96DAC541-7B7A-43D3-8B79-37D633B846F1}">
-                <asvg:svgBlip xmlns:asvg="http://schemas.microsoft.com/office/drawing/2016/SVG/main" r:embed="rId2"/>
+                <asvg:svgBlip xmlns:asvg="http://schemas.microsoft.com/office/drawing/2016/SVG/main" xmlns="" r:embed="rId2"/>
               </a:ext>
             </a:extLst>
           </a:blip>
@@ -1261,6 +1268,13 @@
           <a:noFill/>
         </a:ln>
       </dgm:spPr>
+      <dgm:t>
+        <a:bodyPr/>
+        <a:lstStyle/>
+        <a:p>
+          <a:endParaRPr lang="es-ES"/>
+        </a:p>
+      </dgm:t>
       <dgm:extLst>
         <a:ext uri="{E40237B7-FDA0-4F09-8148-C483321AD2D9}">
           <dgm14:cNvPr xmlns:dgm14="http://schemas.microsoft.com/office/drawing/2010/diagram" id="0" name="" descr="Head with Gears"/>
@@ -1279,10 +1293,24 @@
         </dgm:presLayoutVars>
       </dgm:prSet>
       <dgm:spPr/>
+      <dgm:t>
+        <a:bodyPr/>
+        <a:lstStyle/>
+        <a:p>
+          <a:endParaRPr lang="es-ES"/>
+        </a:p>
+      </dgm:t>
     </dgm:pt>
     <dgm:pt modelId="{185A7F85-109D-492F-B282-9A07F8801F5D}" type="pres">
       <dgm:prSet presAssocID="{43F839C8-B670-447B-ACE2-9489F5AFC00E}" presName="sibTrans" presStyleLbl="sibTrans2D1" presStyleIdx="0" presStyleCnt="0"/>
       <dgm:spPr/>
+      <dgm:t>
+        <a:bodyPr/>
+        <a:lstStyle/>
+        <a:p>
+          <a:endParaRPr lang="es-ES"/>
+        </a:p>
+      </dgm:t>
     </dgm:pt>
     <dgm:pt modelId="{203E14BA-98AB-41BF-B653-7156F8761519}" type="pres">
       <dgm:prSet presAssocID="{494381FD-C47A-4C3B-A2BD-FC28936D7874}" presName="compNode" presStyleCnt="0"/>
@@ -1296,13 +1324,13 @@
       <dgm:prSet presAssocID="{494381FD-C47A-4C3B-A2BD-FC28936D7874}" presName="iconRect" presStyleLbl="node1" presStyleIdx="1" presStyleCnt="7"/>
       <dgm:spPr>
         <a:blipFill>
-          <a:blip xmlns:r="http://schemas.openxmlformats.org/officeDocument/2006/relationships" r:embed="rId3">
+          <a:blip xmlns:r="http://schemas.openxmlformats.org/officeDocument/2006/relationships" r:embed="rId3" cstate="hqprint">
             <a:extLst>
               <a:ext uri="{28A0092B-C50C-407E-A947-70E740481C1C}">
                 <a14:useLocalDpi xmlns:a14="http://schemas.microsoft.com/office/drawing/2010/main" val="0"/>
               </a:ext>
               <a:ext uri="{96DAC541-7B7A-43D3-8B79-37D633B846F1}">
-                <asvg:svgBlip xmlns:asvg="http://schemas.microsoft.com/office/drawing/2016/SVG/main" r:embed="rId4"/>
+                <asvg:svgBlip xmlns:asvg="http://schemas.microsoft.com/office/drawing/2016/SVG/main" xmlns="" r:embed="rId4"/>
               </a:ext>
             </a:extLst>
           </a:blip>
@@ -1315,6 +1343,13 @@
           <a:noFill/>
         </a:ln>
       </dgm:spPr>
+      <dgm:t>
+        <a:bodyPr/>
+        <a:lstStyle/>
+        <a:p>
+          <a:endParaRPr lang="es-ES"/>
+        </a:p>
+      </dgm:t>
       <dgm:extLst>
         <a:ext uri="{E40237B7-FDA0-4F09-8148-C483321AD2D9}">
           <dgm14:cNvPr xmlns:dgm14="http://schemas.microsoft.com/office/drawing/2010/diagram" id="0" name="" descr="Cmd Terminal with solid fill"/>
@@ -1333,10 +1368,24 @@
         </dgm:presLayoutVars>
       </dgm:prSet>
       <dgm:spPr/>
+      <dgm:t>
+        <a:bodyPr/>
+        <a:lstStyle/>
+        <a:p>
+          <a:endParaRPr lang="es-ES"/>
+        </a:p>
+      </dgm:t>
     </dgm:pt>
     <dgm:pt modelId="{8188E392-02DC-43CC-A3BD-53A5D4B2FF8F}" type="pres">
       <dgm:prSet presAssocID="{D33CD2A7-9527-4848-823B-EECBC697E2DB}" presName="sibTrans" presStyleLbl="sibTrans2D1" presStyleIdx="0" presStyleCnt="0"/>
       <dgm:spPr/>
+      <dgm:t>
+        <a:bodyPr/>
+        <a:lstStyle/>
+        <a:p>
+          <a:endParaRPr lang="es-ES"/>
+        </a:p>
+      </dgm:t>
     </dgm:pt>
     <dgm:pt modelId="{85AFA170-3B34-49DD-8A52-293484C5C800}" type="pres">
       <dgm:prSet presAssocID="{DC95D1DE-A781-4C30-8D2F-118BADFEFD7C}" presName="compNode" presStyleCnt="0"/>
@@ -1350,13 +1399,13 @@
       <dgm:prSet presAssocID="{DC95D1DE-A781-4C30-8D2F-118BADFEFD7C}" presName="iconRect" presStyleLbl="node1" presStyleIdx="2" presStyleCnt="7"/>
       <dgm:spPr>
         <a:blipFill>
-          <a:blip xmlns:r="http://schemas.openxmlformats.org/officeDocument/2006/relationships" r:embed="rId5">
+          <a:blip xmlns:r="http://schemas.openxmlformats.org/officeDocument/2006/relationships" r:embed="rId5" cstate="hqprint">
             <a:extLst>
               <a:ext uri="{28A0092B-C50C-407E-A947-70E740481C1C}">
                 <a14:useLocalDpi xmlns:a14="http://schemas.microsoft.com/office/drawing/2010/main" val="0"/>
               </a:ext>
               <a:ext uri="{96DAC541-7B7A-43D3-8B79-37D633B846F1}">
-                <asvg:svgBlip xmlns:asvg="http://schemas.microsoft.com/office/drawing/2016/SVG/main" r:embed="rId6"/>
+                <asvg:svgBlip xmlns:asvg="http://schemas.microsoft.com/office/drawing/2016/SVG/main" xmlns="" r:embed="rId6"/>
               </a:ext>
             </a:extLst>
           </a:blip>
@@ -1369,6 +1418,13 @@
           <a:noFill/>
         </a:ln>
       </dgm:spPr>
+      <dgm:t>
+        <a:bodyPr/>
+        <a:lstStyle/>
+        <a:p>
+          <a:endParaRPr lang="es-ES"/>
+        </a:p>
+      </dgm:t>
       <dgm:extLst>
         <a:ext uri="{E40237B7-FDA0-4F09-8148-C483321AD2D9}">
           <dgm14:cNvPr xmlns:dgm14="http://schemas.microsoft.com/office/drawing/2010/diagram" id="0" name="" descr="Eye dropper with solid fill"/>
@@ -1387,10 +1443,24 @@
         </dgm:presLayoutVars>
       </dgm:prSet>
       <dgm:spPr/>
+      <dgm:t>
+        <a:bodyPr/>
+        <a:lstStyle/>
+        <a:p>
+          <a:endParaRPr lang="es-ES"/>
+        </a:p>
+      </dgm:t>
     </dgm:pt>
     <dgm:pt modelId="{221B68B5-05DB-4093-AA83-EFD8AB4B444B}" type="pres">
       <dgm:prSet presAssocID="{96BF6858-10A0-4411-AFEE-8AC502676C10}" presName="sibTrans" presStyleLbl="sibTrans2D1" presStyleIdx="0" presStyleCnt="0"/>
       <dgm:spPr/>
+      <dgm:t>
+        <a:bodyPr/>
+        <a:lstStyle/>
+        <a:p>
+          <a:endParaRPr lang="es-ES"/>
+        </a:p>
+      </dgm:t>
     </dgm:pt>
     <dgm:pt modelId="{AA36C846-7765-473C-9ED5-5F0790D103D0}" type="pres">
       <dgm:prSet presAssocID="{FE6C4EA1-C6FE-4383-A8B0-ACD13A53C7EB}" presName="compNode" presStyleCnt="0"/>
@@ -1404,13 +1474,13 @@
       <dgm:prSet presAssocID="{FE6C4EA1-C6FE-4383-A8B0-ACD13A53C7EB}" presName="iconRect" presStyleLbl="node1" presStyleIdx="3" presStyleCnt="7"/>
       <dgm:spPr>
         <a:blipFill>
-          <a:blip xmlns:r="http://schemas.openxmlformats.org/officeDocument/2006/relationships" r:embed="rId7">
+          <a:blip xmlns:r="http://schemas.openxmlformats.org/officeDocument/2006/relationships" r:embed="rId7" cstate="hqprint">
             <a:extLst>
               <a:ext uri="{28A0092B-C50C-407E-A947-70E740481C1C}">
                 <a14:useLocalDpi xmlns:a14="http://schemas.microsoft.com/office/drawing/2010/main" val="0"/>
               </a:ext>
               <a:ext uri="{96DAC541-7B7A-43D3-8B79-37D633B846F1}">
-                <asvg:svgBlip xmlns:asvg="http://schemas.microsoft.com/office/drawing/2016/SVG/main" r:embed="rId8"/>
+                <asvg:svgBlip xmlns:asvg="http://schemas.microsoft.com/office/drawing/2016/SVG/main" xmlns="" r:embed="rId8"/>
               </a:ext>
             </a:extLst>
           </a:blip>
@@ -1423,6 +1493,13 @@
           <a:noFill/>
         </a:ln>
       </dgm:spPr>
+      <dgm:t>
+        <a:bodyPr/>
+        <a:lstStyle/>
+        <a:p>
+          <a:endParaRPr lang="es-ES"/>
+        </a:p>
+      </dgm:t>
       <dgm:extLst>
         <a:ext uri="{E40237B7-FDA0-4F09-8148-C483321AD2D9}">
           <dgm14:cNvPr xmlns:dgm14="http://schemas.microsoft.com/office/drawing/2010/diagram" id="0" name="" descr="Bar chart with solid fill"/>
@@ -1441,10 +1518,24 @@
         </dgm:presLayoutVars>
       </dgm:prSet>
       <dgm:spPr/>
+      <dgm:t>
+        <a:bodyPr/>
+        <a:lstStyle/>
+        <a:p>
+          <a:endParaRPr lang="es-ES"/>
+        </a:p>
+      </dgm:t>
     </dgm:pt>
     <dgm:pt modelId="{E74E06AB-5E9D-49EC-94F4-3F7C5C72A556}" type="pres">
       <dgm:prSet presAssocID="{078FE704-CE52-4686-84F7-A8476077BE98}" presName="sibTrans" presStyleLbl="sibTrans2D1" presStyleIdx="0" presStyleCnt="0"/>
       <dgm:spPr/>
+      <dgm:t>
+        <a:bodyPr/>
+        <a:lstStyle/>
+        <a:p>
+          <a:endParaRPr lang="es-ES"/>
+        </a:p>
+      </dgm:t>
     </dgm:pt>
     <dgm:pt modelId="{DBA2A017-DA29-4C8D-8232-D870156180C9}" type="pres">
       <dgm:prSet presAssocID="{12A5F1A0-402A-40C2-A4C5-98BBDB3A1A22}" presName="compNode" presStyleCnt="0"/>
@@ -1458,13 +1549,13 @@
       <dgm:prSet presAssocID="{12A5F1A0-402A-40C2-A4C5-98BBDB3A1A22}" presName="iconRect" presStyleLbl="node1" presStyleIdx="4" presStyleCnt="7"/>
       <dgm:spPr>
         <a:blipFill>
-          <a:blip xmlns:r="http://schemas.openxmlformats.org/officeDocument/2006/relationships" r:embed="rId9">
+          <a:blip xmlns:r="http://schemas.openxmlformats.org/officeDocument/2006/relationships" r:embed="rId9" cstate="hqprint">
             <a:extLst>
               <a:ext uri="{28A0092B-C50C-407E-A947-70E740481C1C}">
                 <a14:useLocalDpi xmlns:a14="http://schemas.microsoft.com/office/drawing/2010/main" val="0"/>
               </a:ext>
               <a:ext uri="{96DAC541-7B7A-43D3-8B79-37D633B846F1}">
-                <asvg:svgBlip xmlns:asvg="http://schemas.microsoft.com/office/drawing/2016/SVG/main" r:embed="rId10"/>
+                <asvg:svgBlip xmlns:asvg="http://schemas.microsoft.com/office/drawing/2016/SVG/main" xmlns="" r:embed="rId10"/>
               </a:ext>
             </a:extLst>
           </a:blip>
@@ -1477,6 +1568,13 @@
           <a:noFill/>
         </a:ln>
       </dgm:spPr>
+      <dgm:t>
+        <a:bodyPr/>
+        <a:lstStyle/>
+        <a:p>
+          <a:endParaRPr lang="es-ES"/>
+        </a:p>
+      </dgm:t>
       <dgm:extLst>
         <a:ext uri="{E40237B7-FDA0-4F09-8148-C483321AD2D9}">
           <dgm14:cNvPr xmlns:dgm14="http://schemas.microsoft.com/office/drawing/2010/diagram" id="0" name="" descr="Hierarchy with solid fill"/>
@@ -1495,10 +1593,24 @@
         </dgm:presLayoutVars>
       </dgm:prSet>
       <dgm:spPr/>
+      <dgm:t>
+        <a:bodyPr/>
+        <a:lstStyle/>
+        <a:p>
+          <a:endParaRPr lang="es-ES"/>
+        </a:p>
+      </dgm:t>
     </dgm:pt>
     <dgm:pt modelId="{05616B31-AEAF-4771-AAB6-D37A9A5573D5}" type="pres">
       <dgm:prSet presAssocID="{6EE09FDD-BF9C-42E6-A363-5E1A916D5D84}" presName="sibTrans" presStyleLbl="sibTrans2D1" presStyleIdx="0" presStyleCnt="0"/>
       <dgm:spPr/>
+      <dgm:t>
+        <a:bodyPr/>
+        <a:lstStyle/>
+        <a:p>
+          <a:endParaRPr lang="es-ES"/>
+        </a:p>
+      </dgm:t>
     </dgm:pt>
     <dgm:pt modelId="{81A16070-40B5-4B93-BAB1-538606D481A9}" type="pres">
       <dgm:prSet presAssocID="{2BDD66BD-71DC-4EB4-BE57-2D7200EDFA25}" presName="compNode" presStyleCnt="0"/>
@@ -1512,13 +1624,13 @@
       <dgm:prSet presAssocID="{2BDD66BD-71DC-4EB4-BE57-2D7200EDFA25}" presName="iconRect" presStyleLbl="node1" presStyleIdx="5" presStyleCnt="7"/>
       <dgm:spPr>
         <a:blipFill>
-          <a:blip xmlns:r="http://schemas.openxmlformats.org/officeDocument/2006/relationships" r:embed="rId11">
+          <a:blip xmlns:r="http://schemas.openxmlformats.org/officeDocument/2006/relationships" r:embed="rId11" cstate="hqprint">
             <a:extLst>
               <a:ext uri="{28A0092B-C50C-407E-A947-70E740481C1C}">
                 <a14:useLocalDpi xmlns:a14="http://schemas.microsoft.com/office/drawing/2010/main" val="0"/>
               </a:ext>
               <a:ext uri="{96DAC541-7B7A-43D3-8B79-37D633B846F1}">
-                <asvg:svgBlip xmlns:asvg="http://schemas.microsoft.com/office/drawing/2016/SVG/main" r:embed="rId12"/>
+                <asvg:svgBlip xmlns:asvg="http://schemas.microsoft.com/office/drawing/2016/SVG/main" xmlns="" r:embed="rId12"/>
               </a:ext>
             </a:extLst>
           </a:blip>
@@ -1531,6 +1643,13 @@
           <a:noFill/>
         </a:ln>
       </dgm:spPr>
+      <dgm:t>
+        <a:bodyPr/>
+        <a:lstStyle/>
+        <a:p>
+          <a:endParaRPr lang="es-ES"/>
+        </a:p>
+      </dgm:t>
       <dgm:extLst>
         <a:ext uri="{E40237B7-FDA0-4F09-8148-C483321AD2D9}">
           <dgm14:cNvPr xmlns:dgm14="http://schemas.microsoft.com/office/drawing/2010/diagram" id="0" name="" descr="Presentation with pie chart with solid fill"/>
@@ -1549,10 +1668,24 @@
         </dgm:presLayoutVars>
       </dgm:prSet>
       <dgm:spPr/>
+      <dgm:t>
+        <a:bodyPr/>
+        <a:lstStyle/>
+        <a:p>
+          <a:endParaRPr lang="es-ES"/>
+        </a:p>
+      </dgm:t>
     </dgm:pt>
     <dgm:pt modelId="{92CBEECE-F805-4A18-A6BA-0E380CFB9656}" type="pres">
       <dgm:prSet presAssocID="{E6F28B52-455D-493E-B13F-AD20E3A2BE72}" presName="sibTrans" presStyleLbl="sibTrans2D1" presStyleIdx="0" presStyleCnt="0"/>
       <dgm:spPr/>
+      <dgm:t>
+        <a:bodyPr/>
+        <a:lstStyle/>
+        <a:p>
+          <a:endParaRPr lang="es-ES"/>
+        </a:p>
+      </dgm:t>
     </dgm:pt>
     <dgm:pt modelId="{54CEE832-67AA-4DD6-B169-85CEE6693F43}" type="pres">
       <dgm:prSet presAssocID="{F592ED08-0442-4E3C-AD8C-65A705FBDC14}" presName="compNode" presStyleCnt="0"/>
@@ -1566,13 +1699,13 @@
       <dgm:prSet presAssocID="{F592ED08-0442-4E3C-AD8C-65A705FBDC14}" presName="iconRect" presStyleLbl="node1" presStyleIdx="6" presStyleCnt="7" custLinFactX="302027" custLinFactNeighborX="400000" custLinFactNeighborY="-25967"/>
       <dgm:spPr>
         <a:blipFill>
-          <a:blip xmlns:r="http://schemas.openxmlformats.org/officeDocument/2006/relationships" r:embed="rId13">
+          <a:blip xmlns:r="http://schemas.openxmlformats.org/officeDocument/2006/relationships" r:embed="rId13" cstate="hqprint">
             <a:extLst>
               <a:ext uri="{28A0092B-C50C-407E-A947-70E740481C1C}">
                 <a14:useLocalDpi xmlns:a14="http://schemas.microsoft.com/office/drawing/2010/main" val="0"/>
               </a:ext>
               <a:ext uri="{96DAC541-7B7A-43D3-8B79-37D633B846F1}">
-                <asvg:svgBlip xmlns:asvg="http://schemas.microsoft.com/office/drawing/2016/SVG/main" r:embed="rId14"/>
+                <asvg:svgBlip xmlns:asvg="http://schemas.microsoft.com/office/drawing/2016/SVG/main" xmlns="" r:embed="rId14"/>
               </a:ext>
             </a:extLst>
           </a:blip>
@@ -1585,6 +1718,13 @@
           <a:noFill/>
         </a:ln>
       </dgm:spPr>
+      <dgm:t>
+        <a:bodyPr/>
+        <a:lstStyle/>
+        <a:p>
+          <a:endParaRPr lang="es-ES"/>
+        </a:p>
+      </dgm:t>
       <dgm:extLst>
         <a:ext uri="{E40237B7-FDA0-4F09-8148-C483321AD2D9}">
           <dgm14:cNvPr xmlns:dgm14="http://schemas.microsoft.com/office/drawing/2010/diagram" id="0" name="" descr="Thought bubble with solid fill"/>
@@ -1603,30 +1743,37 @@
         </dgm:presLayoutVars>
       </dgm:prSet>
       <dgm:spPr/>
+      <dgm:t>
+        <a:bodyPr/>
+        <a:lstStyle/>
+        <a:p>
+          <a:endParaRPr lang="es-ES"/>
+        </a:p>
+      </dgm:t>
     </dgm:pt>
   </dgm:ptLst>
   <dgm:cxnLst>
-    <dgm:cxn modelId="{6B72C303-2DF6-4564-B269-17B5567A1EB8}" srcId="{0C072433-4AEB-40F1-AB95-059EE9C9ADEC}" destId="{12A5F1A0-402A-40C2-A4C5-98BBDB3A1A22}" srcOrd="4" destOrd="0" parTransId="{9FE7CC0D-56B4-47C9-A09F-8ABC0EBC3925}" sibTransId="{6EE09FDD-BF9C-42E6-A363-5E1A916D5D84}"/>
-    <dgm:cxn modelId="{6687F005-935E-4486-8F11-CDECEB81B531}" type="presOf" srcId="{F592ED08-0442-4E3C-AD8C-65A705FBDC14}" destId="{5E30FD66-9CF6-4CEB-BDAE-873F578BD272}" srcOrd="0" destOrd="0" presId="urn:microsoft.com/office/officeart/2018/2/layout/IconCircleList"/>
-    <dgm:cxn modelId="{1118605C-1BED-4D4E-861D-E0F10BBCB671}" type="presOf" srcId="{6EE09FDD-BF9C-42E6-A363-5E1A916D5D84}" destId="{05616B31-AEAF-4771-AAB6-D37A9A5573D5}" srcOrd="0" destOrd="0" presId="urn:microsoft.com/office/officeart/2018/2/layout/IconCircleList"/>
     <dgm:cxn modelId="{C1E42663-E010-427C-9214-85D70D3F7B7A}" type="presOf" srcId="{12A5F1A0-402A-40C2-A4C5-98BBDB3A1A22}" destId="{0D4C47B2-29D1-4A87-8F7D-A5C4F76E3A27}" srcOrd="0" destOrd="0" presId="urn:microsoft.com/office/officeart/2018/2/layout/IconCircleList"/>
     <dgm:cxn modelId="{A417284C-B990-42FE-8E16-10D66E4485CB}" srcId="{0C072433-4AEB-40F1-AB95-059EE9C9ADEC}" destId="{2BDD66BD-71DC-4EB4-BE57-2D7200EDFA25}" srcOrd="5" destOrd="0" parTransId="{DA455E34-5F9D-43AF-B1E2-6F0C7326621E}" sibTransId="{E6F28B52-455D-493E-B13F-AD20E3A2BE72}"/>
+    <dgm:cxn modelId="{69BC83ED-34E2-4DAB-A463-312A2DE64B15}" type="presOf" srcId="{E6F28B52-455D-493E-B13F-AD20E3A2BE72}" destId="{92CBEECE-F805-4A18-A6BA-0E380CFB9656}" srcOrd="0" destOrd="0" presId="urn:microsoft.com/office/officeart/2018/2/layout/IconCircleList"/>
+    <dgm:cxn modelId="{1118605C-1BED-4D4E-861D-E0F10BBCB671}" type="presOf" srcId="{6EE09FDD-BF9C-42E6-A363-5E1A916D5D84}" destId="{05616B31-AEAF-4771-AAB6-D37A9A5573D5}" srcOrd="0" destOrd="0" presId="urn:microsoft.com/office/officeart/2018/2/layout/IconCircleList"/>
+    <dgm:cxn modelId="{D5945381-D961-4E4D-8DA9-384DD61678C5}" type="presOf" srcId="{FE6C4EA1-C6FE-4383-A8B0-ACD13A53C7EB}" destId="{91AF6CF1-B99C-4D98-944F-99A2E6E7E472}" srcOrd="0" destOrd="0" presId="urn:microsoft.com/office/officeart/2018/2/layout/IconCircleList"/>
+    <dgm:cxn modelId="{886FA39C-C37A-45D4-8A7E-7895E3D61B44}" srcId="{0C072433-4AEB-40F1-AB95-059EE9C9ADEC}" destId="{F592ED08-0442-4E3C-AD8C-65A705FBDC14}" srcOrd="6" destOrd="0" parTransId="{2D41B6F1-0224-4CF2-8820-E37E8FB350F5}" sibTransId="{074A989E-C728-4647-9A0C-BD4AD8666B22}"/>
     <dgm:cxn modelId="{A95A2F4E-6046-4667-856A-69AE8DC145B4}" type="presOf" srcId="{0C072433-4AEB-40F1-AB95-059EE9C9ADEC}" destId="{C0FF8307-80BF-49B7-8ADA-6D6110548FA4}" srcOrd="0" destOrd="0" presId="urn:microsoft.com/office/officeart/2018/2/layout/IconCircleList"/>
-    <dgm:cxn modelId="{9FE4C671-D3E8-490C-9F0E-99FC8B411050}" type="presOf" srcId="{078FE704-CE52-4686-84F7-A8476077BE98}" destId="{E74E06AB-5E9D-49EC-94F4-3F7C5C72A556}" srcOrd="0" destOrd="0" presId="urn:microsoft.com/office/officeart/2018/2/layout/IconCircleList"/>
-    <dgm:cxn modelId="{D5945381-D961-4E4D-8DA9-384DD61678C5}" type="presOf" srcId="{FE6C4EA1-C6FE-4383-A8B0-ACD13A53C7EB}" destId="{91AF6CF1-B99C-4D98-944F-99A2E6E7E472}" srcOrd="0" destOrd="0" presId="urn:microsoft.com/office/officeart/2018/2/layout/IconCircleList"/>
     <dgm:cxn modelId="{C13C4986-5D8F-4511-867D-6BD782D86045}" type="presOf" srcId="{D33CD2A7-9527-4848-823B-EECBC697E2DB}" destId="{8188E392-02DC-43CC-A3BD-53A5D4B2FF8F}" srcOrd="0" destOrd="0" presId="urn:microsoft.com/office/officeart/2018/2/layout/IconCircleList"/>
-    <dgm:cxn modelId="{8288F295-6831-4088-99A2-6D5B866D7F6D}" srcId="{0C072433-4AEB-40F1-AB95-059EE9C9ADEC}" destId="{C8AB0C16-655B-4ABC-BE7E-6675A4A3AC91}" srcOrd="0" destOrd="0" parTransId="{F4F35D6F-F45C-49C0-BA94-7A303C16FB03}" sibTransId="{43F839C8-B670-447B-ACE2-9489F5AFC00E}"/>
-    <dgm:cxn modelId="{886FA39C-C37A-45D4-8A7E-7895E3D61B44}" srcId="{0C072433-4AEB-40F1-AB95-059EE9C9ADEC}" destId="{F592ED08-0442-4E3C-AD8C-65A705FBDC14}" srcOrd="6" destOrd="0" parTransId="{2D41B6F1-0224-4CF2-8820-E37E8FB350F5}" sibTransId="{074A989E-C728-4647-9A0C-BD4AD8666B22}"/>
-    <dgm:cxn modelId="{3F516EA1-46A8-4522-AE8D-D3FC705E2604}" srcId="{0C072433-4AEB-40F1-AB95-059EE9C9ADEC}" destId="{FE6C4EA1-C6FE-4383-A8B0-ACD13A53C7EB}" srcOrd="3" destOrd="0" parTransId="{41822BD9-FEDC-48AB-8A35-9CACF43A94E5}" sibTransId="{078FE704-CE52-4686-84F7-A8476077BE98}"/>
+    <dgm:cxn modelId="{031FC9FA-6DA3-46FF-BC9D-BE9588A4415E}" srcId="{0C072433-4AEB-40F1-AB95-059EE9C9ADEC}" destId="{DC95D1DE-A781-4C30-8D2F-118BADFEFD7C}" srcOrd="2" destOrd="0" parTransId="{0F0B6B78-4E5D-485A-89CA-33928E5ECD4F}" sibTransId="{96BF6858-10A0-4411-AFEE-8AC502676C10}"/>
+    <dgm:cxn modelId="{83867CCE-0427-4A08-B847-8980929D79A2}" type="presOf" srcId="{C8AB0C16-655B-4ABC-BE7E-6675A4A3AC91}" destId="{9B6D84E9-56C4-480D-8F10-B6E9D22F3615}" srcOrd="0" destOrd="0" presId="urn:microsoft.com/office/officeart/2018/2/layout/IconCircleList"/>
     <dgm:cxn modelId="{3811A0A1-6A0F-4A6A-BE2B-6A380078CC2B}" srcId="{0C072433-4AEB-40F1-AB95-059EE9C9ADEC}" destId="{494381FD-C47A-4C3B-A2BD-FC28936D7874}" srcOrd="1" destOrd="0" parTransId="{317C3880-52AA-4CCE-8BDD-8D5E5BA2467D}" sibTransId="{D33CD2A7-9527-4848-823B-EECBC697E2DB}"/>
     <dgm:cxn modelId="{8CDB1ECD-F20B-4E87-9D38-605B7AF5FDA0}" type="presOf" srcId="{494381FD-C47A-4C3B-A2BD-FC28936D7874}" destId="{95AE7778-5B6B-42FA-A6B8-89A439947BAE}" srcOrd="0" destOrd="0" presId="urn:microsoft.com/office/officeart/2018/2/layout/IconCircleList"/>
-    <dgm:cxn modelId="{83867CCE-0427-4A08-B847-8980929D79A2}" type="presOf" srcId="{C8AB0C16-655B-4ABC-BE7E-6675A4A3AC91}" destId="{9B6D84E9-56C4-480D-8F10-B6E9D22F3615}" srcOrd="0" destOrd="0" presId="urn:microsoft.com/office/officeart/2018/2/layout/IconCircleList"/>
+    <dgm:cxn modelId="{4661A7F6-10C5-470E-AE75-8878C3A3E28D}" type="presOf" srcId="{2BDD66BD-71DC-4EB4-BE57-2D7200EDFA25}" destId="{FD62459E-87CC-4BDF-A998-87FEF7B773B0}" srcOrd="0" destOrd="0" presId="urn:microsoft.com/office/officeart/2018/2/layout/IconCircleList"/>
     <dgm:cxn modelId="{EC4D6CCF-A703-4979-970C-C12BEB453D60}" type="presOf" srcId="{96BF6858-10A0-4411-AFEE-8AC502676C10}" destId="{221B68B5-05DB-4093-AA83-EFD8AB4B444B}" srcOrd="0" destOrd="0" presId="urn:microsoft.com/office/officeart/2018/2/layout/IconCircleList"/>
-    <dgm:cxn modelId="{69BC83ED-34E2-4DAB-A463-312A2DE64B15}" type="presOf" srcId="{E6F28B52-455D-493E-B13F-AD20E3A2BE72}" destId="{92CBEECE-F805-4A18-A6BA-0E380CFB9656}" srcOrd="0" destOrd="0" presId="urn:microsoft.com/office/officeart/2018/2/layout/IconCircleList"/>
-    <dgm:cxn modelId="{4661A7F6-10C5-470E-AE75-8878C3A3E28D}" type="presOf" srcId="{2BDD66BD-71DC-4EB4-BE57-2D7200EDFA25}" destId="{FD62459E-87CC-4BDF-A998-87FEF7B773B0}" srcOrd="0" destOrd="0" presId="urn:microsoft.com/office/officeart/2018/2/layout/IconCircleList"/>
+    <dgm:cxn modelId="{6687F005-935E-4486-8F11-CDECEB81B531}" type="presOf" srcId="{F592ED08-0442-4E3C-AD8C-65A705FBDC14}" destId="{5E30FD66-9CF6-4CEB-BDAE-873F578BD272}" srcOrd="0" destOrd="0" presId="urn:microsoft.com/office/officeart/2018/2/layout/IconCircleList"/>
+    <dgm:cxn modelId="{FC6CDCFD-0A46-4677-86E6-00845E336A42}" type="presOf" srcId="{43F839C8-B670-447B-ACE2-9489F5AFC00E}" destId="{185A7F85-109D-492F-B282-9A07F8801F5D}" srcOrd="0" destOrd="0" presId="urn:microsoft.com/office/officeart/2018/2/layout/IconCircleList"/>
+    <dgm:cxn modelId="{8288F295-6831-4088-99A2-6D5B866D7F6D}" srcId="{0C072433-4AEB-40F1-AB95-059EE9C9ADEC}" destId="{C8AB0C16-655B-4ABC-BE7E-6675A4A3AC91}" srcOrd="0" destOrd="0" parTransId="{F4F35D6F-F45C-49C0-BA94-7A303C16FB03}" sibTransId="{43F839C8-B670-447B-ACE2-9489F5AFC00E}"/>
+    <dgm:cxn modelId="{3F516EA1-46A8-4522-AE8D-D3FC705E2604}" srcId="{0C072433-4AEB-40F1-AB95-059EE9C9ADEC}" destId="{FE6C4EA1-C6FE-4383-A8B0-ACD13A53C7EB}" srcOrd="3" destOrd="0" parTransId="{41822BD9-FEDC-48AB-8A35-9CACF43A94E5}" sibTransId="{078FE704-CE52-4686-84F7-A8476077BE98}"/>
+    <dgm:cxn modelId="{9FE4C671-D3E8-490C-9F0E-99FC8B411050}" type="presOf" srcId="{078FE704-CE52-4686-84F7-A8476077BE98}" destId="{E74E06AB-5E9D-49EC-94F4-3F7C5C72A556}" srcOrd="0" destOrd="0" presId="urn:microsoft.com/office/officeart/2018/2/layout/IconCircleList"/>
+    <dgm:cxn modelId="{6B72C303-2DF6-4564-B269-17B5567A1EB8}" srcId="{0C072433-4AEB-40F1-AB95-059EE9C9ADEC}" destId="{12A5F1A0-402A-40C2-A4C5-98BBDB3A1A22}" srcOrd="4" destOrd="0" parTransId="{9FE7CC0D-56B4-47C9-A09F-8ABC0EBC3925}" sibTransId="{6EE09FDD-BF9C-42E6-A363-5E1A916D5D84}"/>
     <dgm:cxn modelId="{9208DDF8-5400-498B-8BBF-E600D215DAE7}" type="presOf" srcId="{DC95D1DE-A781-4C30-8D2F-118BADFEFD7C}" destId="{69CAB846-D3DE-4BB4-87C2-B20BC06EBA41}" srcOrd="0" destOrd="0" presId="urn:microsoft.com/office/officeart/2018/2/layout/IconCircleList"/>
-    <dgm:cxn modelId="{031FC9FA-6DA3-46FF-BC9D-BE9588A4415E}" srcId="{0C072433-4AEB-40F1-AB95-059EE9C9ADEC}" destId="{DC95D1DE-A781-4C30-8D2F-118BADFEFD7C}" srcOrd="2" destOrd="0" parTransId="{0F0B6B78-4E5D-485A-89CA-33928E5ECD4F}" sibTransId="{96BF6858-10A0-4411-AFEE-8AC502676C10}"/>
-    <dgm:cxn modelId="{FC6CDCFD-0A46-4677-86E6-00845E336A42}" type="presOf" srcId="{43F839C8-B670-447B-ACE2-9489F5AFC00E}" destId="{185A7F85-109D-492F-B282-9A07F8801F5D}" srcOrd="0" destOrd="0" presId="urn:microsoft.com/office/officeart/2018/2/layout/IconCircleList"/>
     <dgm:cxn modelId="{CDC143F2-9620-4058-89FD-5C7876893B56}" type="presParOf" srcId="{C0FF8307-80BF-49B7-8ADA-6D6110548FA4}" destId="{1356FD8E-C173-4B8C-B410-107D3BF7BBC2}" srcOrd="0" destOrd="0" presId="urn:microsoft.com/office/officeart/2018/2/layout/IconCircleList"/>
     <dgm:cxn modelId="{60ACD822-5D50-490E-90FA-663FA3432A8D}" type="presParOf" srcId="{1356FD8E-C173-4B8C-B410-107D3BF7BBC2}" destId="{6BECB24C-51AC-415F-A366-D6397628CFB1}" srcOrd="0" destOrd="0" presId="urn:microsoft.com/office/officeart/2018/2/layout/IconCircleList"/>
     <dgm:cxn modelId="{00BABFD0-732C-42C4-B980-FED3D6275016}" type="presParOf" srcId="{6BECB24C-51AC-415F-A366-D6397628CFB1}" destId="{54C14164-7512-478A-B2E9-228B46201643}" srcOrd="0" destOrd="0" presId="urn:microsoft.com/office/officeart/2018/2/layout/IconCircleList"/>
@@ -1742,13 +1889,13 @@
           <a:avLst/>
         </a:prstGeom>
         <a:blipFill>
-          <a:blip xmlns:r="http://schemas.openxmlformats.org/officeDocument/2006/relationships" r:embed="rId1">
+          <a:blip xmlns:r="http://schemas.openxmlformats.org/officeDocument/2006/relationships" r:embed="rId1" cstate="hqprint">
             <a:extLst>
               <a:ext uri="{28A0092B-C50C-407E-A947-70E740481C1C}">
                 <a14:useLocalDpi xmlns:a14="http://schemas.microsoft.com/office/drawing/2010/main" val="0"/>
               </a:ext>
               <a:ext uri="{96DAC541-7B7A-43D3-8B79-37D633B846F1}">
-                <asvg:svgBlip xmlns:asvg="http://schemas.microsoft.com/office/drawing/2016/SVG/main" r:embed="rId2"/>
+                <asvg:svgBlip xmlns:asvg="http://schemas.microsoft.com/office/drawing/2016/SVG/main" xmlns="" r:embed="rId2"/>
               </a:ext>
             </a:extLst>
           </a:blip>
@@ -1814,7 +1961,7 @@
         </a:bodyPr>
         <a:lstStyle/>
         <a:p>
-          <a:pPr marL="0" lvl="0" indent="0" algn="just" defTabSz="711200">
+          <a:pPr lvl="0" algn="just" defTabSz="711200">
             <a:lnSpc>
               <a:spcPct val="100000"/>
             </a:lnSpc>
@@ -1824,7 +1971,6 @@
             <a:spcAft>
               <a:spcPct val="35000"/>
             </a:spcAft>
-            <a:buNone/>
           </a:pPr>
           <a:r>
             <a:rPr lang="en-US" sz="1600" kern="1200" dirty="0"/>
@@ -1891,13 +2037,13 @@
           <a:avLst/>
         </a:prstGeom>
         <a:blipFill>
-          <a:blip xmlns:r="http://schemas.openxmlformats.org/officeDocument/2006/relationships" r:embed="rId3">
+          <a:blip xmlns:r="http://schemas.openxmlformats.org/officeDocument/2006/relationships" r:embed="rId3" cstate="hqprint">
             <a:extLst>
               <a:ext uri="{28A0092B-C50C-407E-A947-70E740481C1C}">
                 <a14:useLocalDpi xmlns:a14="http://schemas.microsoft.com/office/drawing/2010/main" val="0"/>
               </a:ext>
               <a:ext uri="{96DAC541-7B7A-43D3-8B79-37D633B846F1}">
-                <asvg:svgBlip xmlns:asvg="http://schemas.microsoft.com/office/drawing/2016/SVG/main" r:embed="rId4"/>
+                <asvg:svgBlip xmlns:asvg="http://schemas.microsoft.com/office/drawing/2016/SVG/main" xmlns="" r:embed="rId4"/>
               </a:ext>
             </a:extLst>
           </a:blip>
@@ -1964,7 +2110,7 @@
         </a:bodyPr>
         <a:lstStyle/>
         <a:p>
-          <a:pPr marL="0" lvl="0" indent="0" algn="just" defTabSz="711200">
+          <a:pPr lvl="0" algn="just" defTabSz="711200">
             <a:lnSpc>
               <a:spcPct val="100000"/>
             </a:lnSpc>
@@ -1974,7 +2120,6 @@
             <a:spcAft>
               <a:spcPct val="35000"/>
             </a:spcAft>
-            <a:buNone/>
           </a:pPr>
           <a:r>
             <a:rPr lang="en-US" sz="1600" kern="1200" dirty="0"/>
@@ -2041,13 +2186,13 @@
           <a:avLst/>
         </a:prstGeom>
         <a:blipFill>
-          <a:blip xmlns:r="http://schemas.openxmlformats.org/officeDocument/2006/relationships" r:embed="rId5">
+          <a:blip xmlns:r="http://schemas.openxmlformats.org/officeDocument/2006/relationships" r:embed="rId5" cstate="hqprint">
             <a:extLst>
               <a:ext uri="{28A0092B-C50C-407E-A947-70E740481C1C}">
                 <a14:useLocalDpi xmlns:a14="http://schemas.microsoft.com/office/drawing/2010/main" val="0"/>
               </a:ext>
               <a:ext uri="{96DAC541-7B7A-43D3-8B79-37D633B846F1}">
-                <asvg:svgBlip xmlns:asvg="http://schemas.microsoft.com/office/drawing/2016/SVG/main" r:embed="rId6"/>
+                <asvg:svgBlip xmlns:asvg="http://schemas.microsoft.com/office/drawing/2016/SVG/main" xmlns="" r:embed="rId6"/>
               </a:ext>
             </a:extLst>
           </a:blip>
@@ -2114,7 +2259,7 @@
         </a:bodyPr>
         <a:lstStyle/>
         <a:p>
-          <a:pPr marL="0" lvl="0" indent="0" algn="just" defTabSz="711200">
+          <a:pPr lvl="0" algn="just" defTabSz="711200">
             <a:lnSpc>
               <a:spcPct val="100000"/>
             </a:lnSpc>
@@ -2124,7 +2269,6 @@
             <a:spcAft>
               <a:spcPct val="35000"/>
             </a:spcAft>
-            <a:buNone/>
           </a:pPr>
           <a:r>
             <a:rPr lang="en-US" sz="1600" kern="1200" dirty="0"/>
@@ -2191,13 +2335,13 @@
           <a:avLst/>
         </a:prstGeom>
         <a:blipFill>
-          <a:blip xmlns:r="http://schemas.openxmlformats.org/officeDocument/2006/relationships" r:embed="rId7">
+          <a:blip xmlns:r="http://schemas.openxmlformats.org/officeDocument/2006/relationships" r:embed="rId7" cstate="hqprint">
             <a:extLst>
               <a:ext uri="{28A0092B-C50C-407E-A947-70E740481C1C}">
                 <a14:useLocalDpi xmlns:a14="http://schemas.microsoft.com/office/drawing/2010/main" val="0"/>
               </a:ext>
               <a:ext uri="{96DAC541-7B7A-43D3-8B79-37D633B846F1}">
-                <asvg:svgBlip xmlns:asvg="http://schemas.microsoft.com/office/drawing/2016/SVG/main" r:embed="rId8"/>
+                <asvg:svgBlip xmlns:asvg="http://schemas.microsoft.com/office/drawing/2016/SVG/main" xmlns="" r:embed="rId8"/>
               </a:ext>
             </a:extLst>
           </a:blip>
@@ -2264,7 +2408,7 @@
         </a:bodyPr>
         <a:lstStyle/>
         <a:p>
-          <a:pPr marL="0" lvl="0" indent="0" algn="just" defTabSz="711200">
+          <a:pPr lvl="0" algn="just" defTabSz="711200">
             <a:lnSpc>
               <a:spcPct val="100000"/>
             </a:lnSpc>
@@ -2274,7 +2418,6 @@
             <a:spcAft>
               <a:spcPct val="35000"/>
             </a:spcAft>
-            <a:buNone/>
           </a:pPr>
           <a:r>
             <a:rPr lang="en-US" sz="1600" kern="1200" dirty="0"/>
@@ -2341,13 +2484,13 @@
           <a:avLst/>
         </a:prstGeom>
         <a:blipFill>
-          <a:blip xmlns:r="http://schemas.openxmlformats.org/officeDocument/2006/relationships" r:embed="rId9">
+          <a:blip xmlns:r="http://schemas.openxmlformats.org/officeDocument/2006/relationships" r:embed="rId9" cstate="hqprint">
             <a:extLst>
               <a:ext uri="{28A0092B-C50C-407E-A947-70E740481C1C}">
                 <a14:useLocalDpi xmlns:a14="http://schemas.microsoft.com/office/drawing/2010/main" val="0"/>
               </a:ext>
               <a:ext uri="{96DAC541-7B7A-43D3-8B79-37D633B846F1}">
-                <asvg:svgBlip xmlns:asvg="http://schemas.microsoft.com/office/drawing/2016/SVG/main" r:embed="rId10"/>
+                <asvg:svgBlip xmlns:asvg="http://schemas.microsoft.com/office/drawing/2016/SVG/main" xmlns="" r:embed="rId10"/>
               </a:ext>
             </a:extLst>
           </a:blip>
@@ -2414,7 +2557,7 @@
         </a:bodyPr>
         <a:lstStyle/>
         <a:p>
-          <a:pPr marL="0" lvl="0" indent="0" algn="just" defTabSz="711200">
+          <a:pPr lvl="0" algn="just" defTabSz="711200">
             <a:lnSpc>
               <a:spcPct val="100000"/>
             </a:lnSpc>
@@ -2424,7 +2567,6 @@
             <a:spcAft>
               <a:spcPct val="35000"/>
             </a:spcAft>
-            <a:buNone/>
           </a:pPr>
           <a:r>
             <a:rPr lang="en-US" sz="1600" kern="1200" dirty="0"/>
@@ -2491,13 +2633,13 @@
           <a:avLst/>
         </a:prstGeom>
         <a:blipFill>
-          <a:blip xmlns:r="http://schemas.openxmlformats.org/officeDocument/2006/relationships" r:embed="rId11">
+          <a:blip xmlns:r="http://schemas.openxmlformats.org/officeDocument/2006/relationships" r:embed="rId11" cstate="hqprint">
             <a:extLst>
               <a:ext uri="{28A0092B-C50C-407E-A947-70E740481C1C}">
                 <a14:useLocalDpi xmlns:a14="http://schemas.microsoft.com/office/drawing/2010/main" val="0"/>
               </a:ext>
               <a:ext uri="{96DAC541-7B7A-43D3-8B79-37D633B846F1}">
-                <asvg:svgBlip xmlns:asvg="http://schemas.microsoft.com/office/drawing/2016/SVG/main" r:embed="rId12"/>
+                <asvg:svgBlip xmlns:asvg="http://schemas.microsoft.com/office/drawing/2016/SVG/main" xmlns="" r:embed="rId12"/>
               </a:ext>
             </a:extLst>
           </a:blip>
@@ -2564,7 +2706,7 @@
         </a:bodyPr>
         <a:lstStyle/>
         <a:p>
-          <a:pPr marL="0" lvl="0" indent="0" algn="just" defTabSz="711200">
+          <a:pPr lvl="0" algn="just" defTabSz="711200">
             <a:lnSpc>
               <a:spcPct val="100000"/>
             </a:lnSpc>
@@ -2574,7 +2716,6 @@
             <a:spcAft>
               <a:spcPct val="35000"/>
             </a:spcAft>
-            <a:buNone/>
           </a:pPr>
           <a:r>
             <a:rPr lang="en-US" sz="1600" kern="1200" dirty="0"/>
@@ -2641,13 +2782,13 @@
           <a:avLst/>
         </a:prstGeom>
         <a:blipFill>
-          <a:blip xmlns:r="http://schemas.openxmlformats.org/officeDocument/2006/relationships" r:embed="rId13">
+          <a:blip xmlns:r="http://schemas.openxmlformats.org/officeDocument/2006/relationships" r:embed="rId13" cstate="hqprint">
             <a:extLst>
               <a:ext uri="{28A0092B-C50C-407E-A947-70E740481C1C}">
                 <a14:useLocalDpi xmlns:a14="http://schemas.microsoft.com/office/drawing/2010/main" val="0"/>
               </a:ext>
               <a:ext uri="{96DAC541-7B7A-43D3-8B79-37D633B846F1}">
-                <asvg:svgBlip xmlns:asvg="http://schemas.microsoft.com/office/drawing/2016/SVG/main" r:embed="rId14"/>
+                <asvg:svgBlip xmlns:asvg="http://schemas.microsoft.com/office/drawing/2016/SVG/main" xmlns="" r:embed="rId14"/>
               </a:ext>
             </a:extLst>
           </a:blip>
@@ -2714,7 +2855,7 @@
         </a:bodyPr>
         <a:lstStyle/>
         <a:p>
-          <a:pPr marL="0" lvl="0" indent="0" algn="just" defTabSz="711200">
+          <a:pPr lvl="0" algn="just" defTabSz="711200">
             <a:lnSpc>
               <a:spcPct val="100000"/>
             </a:lnSpc>
@@ -2724,7 +2865,6 @@
             <a:spcAft>
               <a:spcPct val="35000"/>
             </a:spcAft>
-            <a:buNone/>
           </a:pPr>
           <a:r>
             <a:rPr lang="en-US" sz="1600" kern="1200" dirty="0"/>
@@ -2941,7 +3081,7 @@
   </dgm:layoutNode>
   <dgm:extLst>
     <a:ext uri="{68A01E43-0DF5-4B5B-8FA6-DAF915123BFB}">
-      <dgm1612:lstStyle xmlns:dgm1612="http://schemas.microsoft.com/office/drawing/2016/12/diagram">
+      <dgm1612:lstStyle xmlns:dgm1612="http://schemas.microsoft.com/office/drawing/2016/12/diagram" xmlns="">
         <a:lvl1pPr>
           <a:lnSpc>
             <a:spcPct val="100000"/>
@@ -4069,7 +4209,7 @@
           <a:p>
             <a:fld id="{AE73BE77-CF9D-41C1-9A46-0C9C6AF6D9EA}" type="datetimeFigureOut">
               <a:rPr lang="ro-RO" smtClean="0"/>
-              <a:t>09.11.2021</a:t>
+              <a:t>10.11.2021</a:t>
             </a:fld>
             <a:endParaRPr lang="ro-RO"/>
           </a:p>
@@ -4228,7 +4368,7 @@
           <a:p>
             <a:fld id="{4DE75C4C-B821-490B-A6BC-7023298A118D}" type="slidenum">
               <a:rPr lang="ro-RO" smtClean="0"/>
-              <a:t>‹#›</a:t>
+              <a:t>‹Nº›</a:t>
             </a:fld>
             <a:endParaRPr lang="ro-RO"/>
           </a:p>
@@ -4525,7 +4665,7 @@
           <a:p>
             <a:fld id="{98B0508E-28D7-4C07-A327-C6BAFBCA7AAB}" type="datetime1">
               <a:rPr lang="en-US" smtClean="0"/>
-              <a:t>11/9/2021</a:t>
+              <a:t>11/10/2021</a:t>
             </a:fld>
             <a:endParaRPr lang="en-US"/>
           </a:p>
@@ -4654,7 +4794,7 @@
           <a:p>
             <a:fld id="{19584825-D934-4E20-B0C8-29FEC7CA1AF9}" type="slidenum">
               <a:rPr lang="en-US" smtClean="0"/>
-              <a:t>‹#›</a:t>
+              <a:t>‹Nº›</a:t>
             </a:fld>
             <a:endParaRPr lang="en-US"/>
           </a:p>
@@ -4863,7 +5003,7 @@
           <a:p>
             <a:fld id="{85D7E6E6-63DB-4CB9-A4B7-0B5C8502880C}" type="datetime1">
               <a:rPr lang="en-US" smtClean="0"/>
-              <a:t>11/9/2021</a:t>
+              <a:t>11/10/2021</a:t>
             </a:fld>
             <a:endParaRPr lang="en-US"/>
           </a:p>
@@ -4992,7 +5132,7 @@
           <a:p>
             <a:fld id="{19584825-D934-4E20-B0C8-29FEC7CA1AF9}" type="slidenum">
               <a:rPr lang="en-US" smtClean="0"/>
-              <a:t>‹#›</a:t>
+              <a:t>‹Nº›</a:t>
             </a:fld>
             <a:endParaRPr lang="en-US"/>
           </a:p>
@@ -5264,7 +5404,7 @@
           <a:p>
             <a:fld id="{4DC9A3E7-B710-4DBB-9CDB-5B1B222BDE9B}" type="datetime1">
               <a:rPr lang="en-US" smtClean="0"/>
-              <a:t>11/9/2021</a:t>
+              <a:t>11/10/2021</a:t>
             </a:fld>
             <a:endParaRPr lang="en-US"/>
           </a:p>
@@ -5393,7 +5533,7 @@
           <a:p>
             <a:fld id="{19584825-D934-4E20-B0C8-29FEC7CA1AF9}" type="slidenum">
               <a:rPr lang="en-US" smtClean="0"/>
-              <a:t>‹#›</a:t>
+              <a:t>‹Nº›</a:t>
             </a:fld>
             <a:endParaRPr lang="en-US"/>
           </a:p>
@@ -5600,7 +5740,7 @@
           <a:p>
             <a:fld id="{052A376C-AC4E-4AE2-8D03-113E09A9F1B5}" type="datetime1">
               <a:rPr lang="en-US" smtClean="0"/>
-              <a:t>11/9/2021</a:t>
+              <a:t>11/10/2021</a:t>
             </a:fld>
             <a:endParaRPr lang="en-US"/>
           </a:p>
@@ -5729,7 +5869,7 @@
           <a:p>
             <a:fld id="{19584825-D934-4E20-B0C8-29FEC7CA1AF9}" type="slidenum">
               <a:rPr lang="en-US" smtClean="0"/>
-              <a:t>‹#›</a:t>
+              <a:t>‹Nº›</a:t>
             </a:fld>
             <a:endParaRPr lang="en-US"/>
           </a:p>
@@ -5920,7 +6060,7 @@
           <a:p>
             <a:fld id="{65CF54AA-C341-49DB-A9C0-1A801481D328}" type="datetime1">
               <a:rPr lang="en-US" smtClean="0"/>
-              <a:t>11/9/2021</a:t>
+              <a:t>11/10/2021</a:t>
             </a:fld>
             <a:endParaRPr lang="en-US"/>
           </a:p>
@@ -6049,7 +6189,7 @@
           <a:p>
             <a:fld id="{19584825-D934-4E20-B0C8-29FEC7CA1AF9}" type="slidenum">
               <a:rPr lang="en-US" smtClean="0"/>
-              <a:t>‹#›</a:t>
+              <a:t>‹Nº›</a:t>
             </a:fld>
             <a:endParaRPr lang="en-US"/>
           </a:p>
@@ -6316,7 +6456,7 @@
           <a:p>
             <a:fld id="{5746C5F4-9C02-4AD4-B46C-6F47799D1944}" type="datetime1">
               <a:rPr lang="en-US" smtClean="0"/>
-              <a:t>11/9/2021</a:t>
+              <a:t>11/10/2021</a:t>
             </a:fld>
             <a:endParaRPr lang="en-US"/>
           </a:p>
@@ -6445,7 +6585,7 @@
           <a:p>
             <a:fld id="{19584825-D934-4E20-B0C8-29FEC7CA1AF9}" type="slidenum">
               <a:rPr lang="en-US" smtClean="0"/>
-              <a:t>‹#›</a:t>
+              <a:t>‹Nº›</a:t>
             </a:fld>
             <a:endParaRPr lang="en-US"/>
           </a:p>
@@ -6573,7 +6713,7 @@
           <a:p>
             <a:fld id="{B31F226D-3415-48F1-9784-7B12C8D4E016}" type="datetime1">
               <a:rPr lang="en-US" smtClean="0"/>
-              <a:t>11/9/2021</a:t>
+              <a:t>11/10/2021</a:t>
             </a:fld>
             <a:endParaRPr lang="en-US"/>
           </a:p>
@@ -6697,7 +6837,7 @@
           <a:p>
             <a:fld id="{19584825-D934-4E20-B0C8-29FEC7CA1AF9}" type="slidenum">
               <a:rPr lang="en-US" smtClean="0"/>
-              <a:t>‹#›</a:t>
+              <a:t>‹Nº›</a:t>
             </a:fld>
             <a:endParaRPr lang="en-US"/>
           </a:p>
@@ -6835,7 +6975,7 @@
           <a:p>
             <a:fld id="{60456BFA-A8EE-4463-9964-640E3A989CC4}" type="datetime1">
               <a:rPr lang="en-US" smtClean="0"/>
-              <a:t>11/9/2021</a:t>
+              <a:t>11/10/2021</a:t>
             </a:fld>
             <a:endParaRPr lang="en-US"/>
           </a:p>
@@ -6959,7 +7099,7 @@
           <a:p>
             <a:fld id="{19584825-D934-4E20-B0C8-29FEC7CA1AF9}" type="slidenum">
               <a:rPr lang="en-US" smtClean="0"/>
-              <a:t>‹#›</a:t>
+              <a:t>‹Nº›</a:t>
             </a:fld>
             <a:endParaRPr lang="en-US"/>
           </a:p>
@@ -7097,7 +7237,7 @@
           <a:p>
             <a:fld id="{C5BFA40C-8B44-45C3-8C1E-2901B00428CB}" type="datetime1">
               <a:rPr lang="en-US" smtClean="0"/>
-              <a:t>11/9/2021</a:t>
+              <a:t>11/10/2021</a:t>
             </a:fld>
             <a:endParaRPr lang="en-US"/>
           </a:p>
@@ -7221,7 +7361,7 @@
           <a:p>
             <a:fld id="{19584825-D934-4E20-B0C8-29FEC7CA1AF9}" type="slidenum">
               <a:rPr lang="en-US" smtClean="0"/>
-              <a:t>‹#›</a:t>
+              <a:t>‹Nº›</a:t>
             </a:fld>
             <a:endParaRPr lang="en-US"/>
           </a:p>
@@ -7426,7 +7566,7 @@
           <a:p>
             <a:fld id="{E4C53A8D-9C21-45A1-8CAD-5F002E68E167}" type="datetime1">
               <a:rPr lang="en-US" smtClean="0"/>
-              <a:t>11/9/2021</a:t>
+              <a:t>11/10/2021</a:t>
             </a:fld>
             <a:endParaRPr lang="en-US"/>
           </a:p>
@@ -7555,7 +7695,7 @@
           <a:p>
             <a:fld id="{19584825-D934-4E20-B0C8-29FEC7CA1AF9}" type="slidenum">
               <a:rPr lang="en-US" smtClean="0"/>
-              <a:t>‹#›</a:t>
+              <a:t>‹Nº›</a:t>
             </a:fld>
             <a:endParaRPr lang="en-US"/>
           </a:p>
@@ -7749,7 +7889,7 @@
           <a:p>
             <a:fld id="{A441790C-7EDE-47EE-864F-D5327F59B305}" type="datetime1">
               <a:rPr lang="en-US" smtClean="0"/>
-              <a:t>11/9/2021</a:t>
+              <a:t>11/10/2021</a:t>
             </a:fld>
             <a:endParaRPr lang="en-US"/>
           </a:p>
@@ -7878,7 +8018,7 @@
           <a:p>
             <a:fld id="{19584825-D934-4E20-B0C8-29FEC7CA1AF9}" type="slidenum">
               <a:rPr lang="en-US" smtClean="0"/>
-              <a:t>‹#›</a:t>
+              <a:t>‹Nº›</a:t>
             </a:fld>
             <a:endParaRPr lang="en-US"/>
           </a:p>
@@ -8206,7 +8346,7 @@
           <a:p>
             <a:fld id="{AD684147-4086-4288-96C7-1FA46E51ACAA}" type="datetime1">
               <a:rPr lang="en-US" smtClean="0"/>
-              <a:t>11/9/2021</a:t>
+              <a:t>11/10/2021</a:t>
             </a:fld>
             <a:endParaRPr lang="en-US"/>
           </a:p>
@@ -8335,7 +8475,7 @@
           <a:p>
             <a:fld id="{19584825-D934-4E20-B0C8-29FEC7CA1AF9}" type="slidenum">
               <a:rPr lang="en-US" smtClean="0"/>
-              <a:t>‹#›</a:t>
+              <a:t>‹Nº›</a:t>
             </a:fld>
             <a:endParaRPr lang="en-US"/>
           </a:p>
@@ -8411,7 +8551,7 @@
           <a:p>
             <a:fld id="{AB352D7A-EBBE-41E8-9171-0ED3184DCA2A}" type="datetime1">
               <a:rPr lang="en-US" smtClean="0"/>
-              <a:t>11/9/2021</a:t>
+              <a:t>11/10/2021</a:t>
             </a:fld>
             <a:endParaRPr lang="en-US"/>
           </a:p>
@@ -8535,7 +8675,7 @@
           <a:p>
             <a:fld id="{19584825-D934-4E20-B0C8-29FEC7CA1AF9}" type="slidenum">
               <a:rPr lang="en-US" smtClean="0"/>
-              <a:t>‹#›</a:t>
+              <a:t>‹Nº›</a:t>
             </a:fld>
             <a:endParaRPr lang="en-US"/>
           </a:p>
@@ -8588,7 +8728,7 @@
           <a:p>
             <a:fld id="{CE271034-AA41-49D0-9F0C-DC0756C4B358}" type="datetime1">
               <a:rPr lang="en-US" smtClean="0"/>
-              <a:t>11/9/2021</a:t>
+              <a:t>11/10/2021</a:t>
             </a:fld>
             <a:endParaRPr lang="en-US"/>
           </a:p>
@@ -8712,7 +8852,7 @@
           <a:p>
             <a:fld id="{19584825-D934-4E20-B0C8-29FEC7CA1AF9}" type="slidenum">
               <a:rPr lang="en-US" smtClean="0"/>
-              <a:t>‹#›</a:t>
+              <a:t>‹Nº›</a:t>
             </a:fld>
             <a:endParaRPr lang="en-US"/>
           </a:p>
@@ -8921,7 +9061,7 @@
           <a:p>
             <a:fld id="{CF83C243-D147-42C5-8427-3744C5A07490}" type="datetime1">
               <a:rPr lang="en-US" smtClean="0"/>
-              <a:t>11/9/2021</a:t>
+              <a:t>11/10/2021</a:t>
             </a:fld>
             <a:endParaRPr lang="en-US"/>
           </a:p>
@@ -9045,7 +9185,7 @@
           <a:p>
             <a:fld id="{19584825-D934-4E20-B0C8-29FEC7CA1AF9}" type="slidenum">
               <a:rPr lang="en-US" smtClean="0"/>
-              <a:t>‹#›</a:t>
+              <a:t>‹Nº›</a:t>
             </a:fld>
             <a:endParaRPr lang="en-US"/>
           </a:p>
@@ -9266,7 +9406,7 @@
           <a:p>
             <a:fld id="{498AEDB7-8E0A-4FBF-AB15-E332CD4821F1}" type="datetime1">
               <a:rPr lang="en-US" smtClean="0"/>
-              <a:t>11/9/2021</a:t>
+              <a:t>11/10/2021</a:t>
             </a:fld>
             <a:endParaRPr lang="en-US"/>
           </a:p>
@@ -9395,7 +9535,7 @@
           <a:p>
             <a:fld id="{19584825-D934-4E20-B0C8-29FEC7CA1AF9}" type="slidenum">
               <a:rPr lang="en-US" smtClean="0"/>
-              <a:t>‹#›</a:t>
+              <a:t>‹Nº›</a:t>
             </a:fld>
             <a:endParaRPr lang="en-US"/>
           </a:p>
@@ -11383,7 +11523,7 @@
           <a:p>
             <a:fld id="{CF8D28FF-3BD9-45DA-B7F0-CC83C12E3FF2}" type="datetime1">
               <a:rPr lang="en-US" smtClean="0"/>
-              <a:t>11/9/2021</a:t>
+              <a:t>11/10/2021</a:t>
             </a:fld>
             <a:endParaRPr lang="en-US"/>
           </a:p>
@@ -11459,7 +11599,7 @@
           <a:p>
             <a:fld id="{19584825-D934-4E20-B0C8-29FEC7CA1AF9}" type="slidenum">
               <a:rPr lang="en-US" smtClean="0"/>
-              <a:t>‹#›</a:t>
+              <a:t>‹Nº›</a:t>
             </a:fld>
             <a:endParaRPr lang="en-US"/>
           </a:p>
@@ -12563,7 +12703,7 @@
             </a:br>
             <a:r>
               <a:rPr lang="en-US" sz="4800" dirty="0"/>
-              <a:t>-multiclass-</a:t>
+              <a:t>-binary-</a:t>
             </a:r>
           </a:p>
         </p:txBody>
@@ -12697,6 +12837,883 @@
               </a:rPr>
               <a:pPr/>
               <a:t>10</a:t>
+            </a:fld>
+            <a:endParaRPr lang="en-US" dirty="0">
+              <a:solidFill>
+                <a:schemeClr val="tx1"/>
+              </a:solidFill>
+            </a:endParaRPr>
+          </a:p>
+        </p:txBody>
+      </p:sp>
+      <p:pic>
+        <p:nvPicPr>
+          <p:cNvPr id="9" name="Picture 8" descr="A picture containing text, clipart&#10;&#10;Description automatically generated">
+            <a:extLst>
+              <a:ext uri="{FF2B5EF4-FFF2-40B4-BE49-F238E27FC236}">
+                <a16:creationId xmlns:a16="http://schemas.microsoft.com/office/drawing/2014/main" id="{942D71B3-CD34-43E5-9D3F-BA2819AE22EA}"/>
+              </a:ext>
+            </a:extLst>
+          </p:cNvPr>
+          <p:cNvPicPr>
+            <a:picLocks noChangeAspect="1"/>
+          </p:cNvPicPr>
+          <p:nvPr/>
+        </p:nvPicPr>
+        <p:blipFill rotWithShape="1">
+          <a:blip r:embed="rId2">
+            <a:extLst>
+              <a:ext uri="{28A0092B-C50C-407E-A947-70E740481C1C}">
+                <a14:useLocalDpi xmlns:a14="http://schemas.microsoft.com/office/drawing/2010/main" val="0"/>
+              </a:ext>
+            </a:extLst>
+          </a:blip>
+          <a:srcRect r="57677"/>
+          <a:stretch/>
+        </p:blipFill>
+        <p:spPr>
+          <a:xfrm>
+            <a:off x="10608300" y="437028"/>
+            <a:ext cx="1428567" cy="1066632"/>
+          </a:xfrm>
+          <a:prstGeom prst="rect">
+            <a:avLst/>
+          </a:prstGeom>
+        </p:spPr>
+      </p:pic>
+      <p:pic>
+        <p:nvPicPr>
+          <p:cNvPr id="13" name="Picture 12" descr="Logo&#10;&#10;Description automatically generated">
+            <a:extLst>
+              <a:ext uri="{FF2B5EF4-FFF2-40B4-BE49-F238E27FC236}">
+                <a16:creationId xmlns:a16="http://schemas.microsoft.com/office/drawing/2014/main" id="{0B34AC09-580D-4C50-930A-7592EF4E9F8E}"/>
+              </a:ext>
+            </a:extLst>
+          </p:cNvPr>
+          <p:cNvPicPr>
+            <a:picLocks noChangeAspect="1"/>
+          </p:cNvPicPr>
+          <p:nvPr/>
+        </p:nvPicPr>
+        <p:blipFill>
+          <a:blip r:embed="rId3">
+            <a:extLst>
+              <a:ext uri="{28A0092B-C50C-407E-A947-70E740481C1C}">
+                <a14:useLocalDpi xmlns:a14="http://schemas.microsoft.com/office/drawing/2010/main" val="0"/>
+              </a:ext>
+            </a:extLst>
+          </a:blip>
+          <a:stretch>
+            <a:fillRect/>
+          </a:stretch>
+        </p:blipFill>
+        <p:spPr>
+          <a:xfrm>
+            <a:off x="1829405" y="499758"/>
+            <a:ext cx="1376588" cy="941171"/>
+          </a:xfrm>
+          <a:prstGeom prst="rect">
+            <a:avLst/>
+          </a:prstGeom>
+        </p:spPr>
+      </p:pic>
+      <p:sp>
+        <p:nvSpPr>
+          <p:cNvPr id="2" name="Rectángulo 1"/>
+          <p:cNvSpPr/>
+          <p:nvPr/>
+        </p:nvSpPr>
+        <p:spPr>
+          <a:xfrm>
+            <a:off x="2517699" y="2442054"/>
+            <a:ext cx="9105907" cy="4154984"/>
+          </a:xfrm>
+          <a:prstGeom prst="rect">
+            <a:avLst/>
+          </a:prstGeom>
+        </p:spPr>
+        <p:txBody>
+          <a:bodyPr wrap="square">
+            <a:spAutoFit/>
+          </a:bodyPr>
+          <a:lstStyle/>
+          <a:p>
+            <a:r>
+              <a:rPr lang="es-ES" sz="1200" dirty="0" err="1"/>
+              <a:t>Best</a:t>
+            </a:r>
+            <a:r>
+              <a:rPr lang="es-ES" sz="1200" dirty="0"/>
+              <a:t> </a:t>
+            </a:r>
+            <a:r>
+              <a:rPr lang="es-ES" sz="1200" dirty="0" err="1"/>
+              <a:t>parameters</a:t>
+            </a:r>
+            <a:r>
+              <a:rPr lang="es-ES" sz="1200" dirty="0"/>
+              <a:t> </a:t>
+            </a:r>
+            <a:r>
+              <a:rPr lang="es-ES" sz="1200" dirty="0" err="1"/>
+              <a:t>for</a:t>
+            </a:r>
+            <a:r>
+              <a:rPr lang="es-ES" sz="1200" dirty="0"/>
+              <a:t> SVC </a:t>
+            </a:r>
+            <a:r>
+              <a:rPr lang="es-ES" sz="1200" dirty="0" err="1"/>
+              <a:t>with</a:t>
+            </a:r>
+            <a:r>
+              <a:rPr lang="es-ES" sz="1200" dirty="0"/>
+              <a:t> DD </a:t>
+            </a:r>
+            <a:r>
+              <a:rPr lang="es-ES" sz="1200" dirty="0" err="1"/>
+              <a:t>for</a:t>
+            </a:r>
+            <a:r>
+              <a:rPr lang="es-ES" sz="1200" dirty="0"/>
+              <a:t> are =  {'C': 100, 'gamma': 0.001, '</a:t>
+            </a:r>
+            <a:r>
+              <a:rPr lang="es-ES" sz="1200" dirty="0" err="1"/>
+              <a:t>kernel</a:t>
+            </a:r>
+            <a:r>
+              <a:rPr lang="es-ES" sz="1200" dirty="0"/>
+              <a:t>': '</a:t>
+            </a:r>
+            <a:r>
+              <a:rPr lang="es-ES" sz="1200" dirty="0" err="1"/>
+              <a:t>rbf</a:t>
+            </a:r>
+            <a:r>
+              <a:rPr lang="es-ES" sz="1200" dirty="0"/>
+              <a:t>'}</a:t>
+            </a:r>
+          </a:p>
+          <a:p>
+            <a:r>
+              <a:rPr lang="es-ES" sz="1200" dirty="0" err="1"/>
+              <a:t>Accuracy</a:t>
+            </a:r>
+            <a:r>
+              <a:rPr lang="es-ES" sz="1200" dirty="0"/>
+              <a:t> SVC </a:t>
+            </a:r>
+            <a:r>
+              <a:rPr lang="es-ES" sz="1200" dirty="0" err="1"/>
+              <a:t>with</a:t>
+            </a:r>
+            <a:r>
+              <a:rPr lang="es-ES" sz="1200" dirty="0"/>
+              <a:t> DD </a:t>
+            </a:r>
+            <a:r>
+              <a:rPr lang="es-ES" sz="1200" dirty="0" err="1"/>
+              <a:t>is</a:t>
+            </a:r>
+            <a:r>
+              <a:rPr lang="es-ES" sz="1200" dirty="0"/>
+              <a:t> =  0.67</a:t>
+            </a:r>
+          </a:p>
+          <a:p>
+            <a:r>
+              <a:rPr lang="es-ES" sz="1200" dirty="0"/>
+              <a:t>0.67</a:t>
+            </a:r>
+          </a:p>
+          <a:p>
+            <a:endParaRPr lang="es-ES" sz="1200" dirty="0"/>
+          </a:p>
+          <a:p>
+            <a:r>
+              <a:rPr lang="es-ES" sz="1200" dirty="0" err="1"/>
+              <a:t>Best</a:t>
+            </a:r>
+            <a:r>
+              <a:rPr lang="es-ES" sz="1200" dirty="0"/>
+              <a:t> </a:t>
+            </a:r>
+            <a:r>
+              <a:rPr lang="es-ES" sz="1200" dirty="0" err="1"/>
+              <a:t>parameters</a:t>
+            </a:r>
+            <a:r>
+              <a:rPr lang="es-ES" sz="1200" dirty="0"/>
+              <a:t> </a:t>
+            </a:r>
+            <a:r>
+              <a:rPr lang="es-ES" sz="1200" dirty="0" err="1"/>
+              <a:t>for</a:t>
+            </a:r>
+            <a:r>
+              <a:rPr lang="es-ES" sz="1200" dirty="0"/>
+              <a:t> </a:t>
+            </a:r>
+            <a:r>
+              <a:rPr lang="es-ES" sz="1200" dirty="0" err="1"/>
+              <a:t>kNN</a:t>
+            </a:r>
+            <a:r>
+              <a:rPr lang="es-ES" sz="1200" dirty="0"/>
+              <a:t> are =  {'</a:t>
+            </a:r>
+            <a:r>
+              <a:rPr lang="es-ES" sz="1200" dirty="0" err="1"/>
+              <a:t>n_neighbors</a:t>
+            </a:r>
+            <a:r>
+              <a:rPr lang="es-ES" sz="1200" dirty="0"/>
+              <a:t>': 30}</a:t>
+            </a:r>
+          </a:p>
+          <a:p>
+            <a:r>
+              <a:rPr lang="es-ES" sz="1200" dirty="0" err="1"/>
+              <a:t>Accuracy</a:t>
+            </a:r>
+            <a:r>
+              <a:rPr lang="es-ES" sz="1200" dirty="0"/>
+              <a:t> </a:t>
+            </a:r>
+            <a:r>
+              <a:rPr lang="es-ES" sz="1200" dirty="0" err="1"/>
+              <a:t>kNN</a:t>
+            </a:r>
+            <a:r>
+              <a:rPr lang="es-ES" sz="1200" dirty="0"/>
+              <a:t> </a:t>
+            </a:r>
+            <a:r>
+              <a:rPr lang="es-ES" sz="1200" dirty="0" err="1"/>
+              <a:t>is</a:t>
+            </a:r>
+            <a:r>
+              <a:rPr lang="es-ES" sz="1200" dirty="0"/>
+              <a:t> =  0.7266666666666667</a:t>
+            </a:r>
+          </a:p>
+          <a:p>
+            <a:endParaRPr lang="es-ES" sz="1200" dirty="0"/>
+          </a:p>
+          <a:p>
+            <a:r>
+              <a:rPr lang="es-ES" sz="1200" dirty="0" err="1"/>
+              <a:t>Naive</a:t>
+            </a:r>
+            <a:r>
+              <a:rPr lang="es-ES" sz="1200" dirty="0"/>
+              <a:t> </a:t>
+            </a:r>
+            <a:r>
+              <a:rPr lang="es-ES" sz="1200" dirty="0" err="1"/>
+              <a:t>Bayes</a:t>
+            </a:r>
+            <a:r>
+              <a:rPr lang="es-ES" sz="1200" dirty="0"/>
+              <a:t> </a:t>
+            </a:r>
+            <a:r>
+              <a:rPr lang="es-ES" sz="1200" dirty="0" err="1"/>
+              <a:t>classifier</a:t>
+            </a:r>
+            <a:r>
+              <a:rPr lang="es-ES" sz="1200" dirty="0"/>
+              <a:t>:  0.5841666666666666</a:t>
+            </a:r>
+          </a:p>
+          <a:p>
+            <a:endParaRPr lang="es-ES" sz="1200" dirty="0"/>
+          </a:p>
+          <a:p>
+            <a:r>
+              <a:rPr lang="es-ES" sz="1200" dirty="0" err="1"/>
+              <a:t>Best</a:t>
+            </a:r>
+            <a:r>
+              <a:rPr lang="es-ES" sz="1200" dirty="0"/>
+              <a:t> </a:t>
+            </a:r>
+            <a:r>
+              <a:rPr lang="es-ES" sz="1200" dirty="0" err="1"/>
+              <a:t>parameters</a:t>
+            </a:r>
+            <a:r>
+              <a:rPr lang="es-ES" sz="1200" dirty="0"/>
+              <a:t> </a:t>
+            </a:r>
+            <a:r>
+              <a:rPr lang="es-ES" sz="1200" dirty="0" err="1"/>
+              <a:t>for</a:t>
+            </a:r>
+            <a:r>
+              <a:rPr lang="es-ES" sz="1200" dirty="0"/>
+              <a:t> </a:t>
+            </a:r>
+            <a:r>
+              <a:rPr lang="es-ES" sz="1200" dirty="0" err="1"/>
+              <a:t>DecisionTreeClassifier</a:t>
+            </a:r>
+            <a:r>
+              <a:rPr lang="es-ES" sz="1200" dirty="0"/>
+              <a:t> are =  {'</a:t>
+            </a:r>
+            <a:r>
+              <a:rPr lang="es-ES" sz="1200" dirty="0" err="1"/>
+              <a:t>criterion</a:t>
+            </a:r>
+            <a:r>
+              <a:rPr lang="es-ES" sz="1200" dirty="0"/>
+              <a:t>': '</a:t>
+            </a:r>
+            <a:r>
+              <a:rPr lang="es-ES" sz="1200" dirty="0" err="1"/>
+              <a:t>gini</a:t>
+            </a:r>
+            <a:r>
+              <a:rPr lang="es-ES" sz="1200" dirty="0"/>
+              <a:t>', '</a:t>
+            </a:r>
+            <a:r>
+              <a:rPr lang="es-ES" sz="1200" dirty="0" err="1"/>
+              <a:t>max_depth</a:t>
+            </a:r>
+            <a:r>
+              <a:rPr lang="es-ES" sz="1200" dirty="0"/>
+              <a:t>': 15, '</a:t>
+            </a:r>
+            <a:r>
+              <a:rPr lang="es-ES" sz="1200" dirty="0" err="1"/>
+              <a:t>max_features</a:t>
+            </a:r>
+            <a:r>
+              <a:rPr lang="es-ES" sz="1200" dirty="0"/>
+              <a:t>': 'auto'}</a:t>
+            </a:r>
+          </a:p>
+          <a:p>
+            <a:r>
+              <a:rPr lang="es-ES" sz="1200" dirty="0" err="1"/>
+              <a:t>Accuracy</a:t>
+            </a:r>
+            <a:r>
+              <a:rPr lang="es-ES" sz="1200" dirty="0"/>
+              <a:t> </a:t>
+            </a:r>
+            <a:r>
+              <a:rPr lang="es-ES" sz="1200" dirty="0" err="1"/>
+              <a:t>Random</a:t>
+            </a:r>
+            <a:r>
+              <a:rPr lang="es-ES" sz="1200" dirty="0"/>
+              <a:t> </a:t>
+            </a:r>
+            <a:r>
+              <a:rPr lang="es-ES" sz="1200" dirty="0" err="1"/>
+              <a:t>forest</a:t>
+            </a:r>
+            <a:r>
+              <a:rPr lang="es-ES" sz="1200" dirty="0"/>
+              <a:t> </a:t>
+            </a:r>
+            <a:r>
+              <a:rPr lang="es-ES" sz="1200" dirty="0" err="1"/>
+              <a:t>is</a:t>
+            </a:r>
+            <a:r>
+              <a:rPr lang="es-ES" sz="1200" dirty="0"/>
+              <a:t> =  0.6908333333333333</a:t>
+            </a:r>
+          </a:p>
+          <a:p>
+            <a:r>
+              <a:rPr lang="es-ES" sz="1200" dirty="0"/>
+              <a:t>0.6908333333333333</a:t>
+            </a:r>
+          </a:p>
+          <a:p>
+            <a:endParaRPr lang="es-ES" sz="1200" dirty="0"/>
+          </a:p>
+          <a:p>
+            <a:r>
+              <a:rPr lang="es-ES" sz="1200" dirty="0" err="1"/>
+              <a:t>Best</a:t>
+            </a:r>
+            <a:r>
+              <a:rPr lang="es-ES" sz="1200" dirty="0"/>
+              <a:t> </a:t>
+            </a:r>
+            <a:r>
+              <a:rPr lang="es-ES" sz="1200" dirty="0" err="1"/>
+              <a:t>parameters</a:t>
+            </a:r>
+            <a:r>
+              <a:rPr lang="es-ES" sz="1200" dirty="0"/>
+              <a:t> </a:t>
+            </a:r>
+            <a:r>
+              <a:rPr lang="es-ES" sz="1200" dirty="0" err="1"/>
+              <a:t>for</a:t>
+            </a:r>
+            <a:r>
+              <a:rPr lang="es-ES" sz="1200" dirty="0"/>
+              <a:t> </a:t>
+            </a:r>
+            <a:r>
+              <a:rPr lang="es-ES" sz="1200" dirty="0" err="1"/>
+              <a:t>Gradient</a:t>
+            </a:r>
+            <a:r>
+              <a:rPr lang="es-ES" sz="1200" dirty="0"/>
+              <a:t> </a:t>
+            </a:r>
+            <a:r>
+              <a:rPr lang="es-ES" sz="1200" dirty="0" err="1"/>
+              <a:t>boosting</a:t>
+            </a:r>
+            <a:r>
+              <a:rPr lang="es-ES" sz="1200" dirty="0"/>
+              <a:t> are =  {'</a:t>
+            </a:r>
+            <a:r>
+              <a:rPr lang="es-ES" sz="1200" dirty="0" err="1"/>
+              <a:t>criterion</a:t>
+            </a:r>
+            <a:r>
+              <a:rPr lang="es-ES" sz="1200" dirty="0"/>
+              <a:t>': '</a:t>
+            </a:r>
+            <a:r>
+              <a:rPr lang="es-ES" sz="1200" dirty="0" err="1"/>
+              <a:t>friedman_mse</a:t>
+            </a:r>
+            <a:r>
+              <a:rPr lang="es-ES" sz="1200" dirty="0"/>
+              <a:t>', '</a:t>
+            </a:r>
+            <a:r>
+              <a:rPr lang="es-ES" sz="1200" dirty="0" err="1"/>
+              <a:t>learning_rate</a:t>
+            </a:r>
+            <a:r>
+              <a:rPr lang="es-ES" sz="1200" dirty="0"/>
+              <a:t>': 0.1, '</a:t>
+            </a:r>
+            <a:r>
+              <a:rPr lang="es-ES" sz="1200" dirty="0" err="1"/>
+              <a:t>loss</a:t>
+            </a:r>
+            <a:r>
+              <a:rPr lang="es-ES" sz="1200" dirty="0"/>
+              <a:t>': '</a:t>
+            </a:r>
+            <a:r>
+              <a:rPr lang="es-ES" sz="1200" dirty="0" err="1"/>
+              <a:t>exponential</a:t>
+            </a:r>
+            <a:r>
+              <a:rPr lang="es-ES" sz="1200" dirty="0"/>
+              <a:t>', '</a:t>
+            </a:r>
+            <a:r>
+              <a:rPr lang="es-ES" sz="1200" dirty="0" err="1"/>
+              <a:t>max_depth</a:t>
+            </a:r>
+            <a:r>
+              <a:rPr lang="es-ES" sz="1200" dirty="0"/>
+              <a:t>': 3, '</a:t>
+            </a:r>
+            <a:r>
+              <a:rPr lang="es-ES" sz="1200" dirty="0" err="1"/>
+              <a:t>max_features</a:t>
+            </a:r>
+            <a:r>
+              <a:rPr lang="es-ES" sz="1200" dirty="0"/>
+              <a:t>': 'auto', '</a:t>
+            </a:r>
+            <a:r>
+              <a:rPr lang="es-ES" sz="1200" dirty="0" err="1"/>
+              <a:t>n_estimators</a:t>
+            </a:r>
+            <a:r>
+              <a:rPr lang="es-ES" sz="1200" dirty="0"/>
+              <a:t>': 100}</a:t>
+            </a:r>
+          </a:p>
+          <a:p>
+            <a:r>
+              <a:rPr lang="es-ES" sz="1200" dirty="0" err="1"/>
+              <a:t>Accuracy</a:t>
+            </a:r>
+            <a:r>
+              <a:rPr lang="es-ES" sz="1200" dirty="0"/>
+              <a:t> </a:t>
+            </a:r>
+            <a:r>
+              <a:rPr lang="es-ES" sz="1200" dirty="0" err="1"/>
+              <a:t>Gradient</a:t>
+            </a:r>
+            <a:r>
+              <a:rPr lang="es-ES" sz="1200" dirty="0"/>
+              <a:t> </a:t>
+            </a:r>
+            <a:r>
+              <a:rPr lang="es-ES" sz="1200" dirty="0" err="1"/>
+              <a:t>boosting</a:t>
+            </a:r>
+            <a:r>
+              <a:rPr lang="es-ES" sz="1200" dirty="0"/>
+              <a:t> </a:t>
+            </a:r>
+            <a:r>
+              <a:rPr lang="es-ES" sz="1200" dirty="0" err="1"/>
+              <a:t>is</a:t>
+            </a:r>
+            <a:r>
+              <a:rPr lang="es-ES" sz="1200" dirty="0"/>
+              <a:t> =  0.6216666666666667</a:t>
+            </a:r>
+          </a:p>
+          <a:p>
+            <a:r>
+              <a:rPr lang="es-ES" sz="1200" dirty="0"/>
+              <a:t>0.6216666666666667</a:t>
+            </a:r>
+          </a:p>
+          <a:p>
+            <a:endParaRPr lang="es-ES" sz="1200" dirty="0"/>
+          </a:p>
+          <a:p>
+            <a:r>
+              <a:rPr lang="es-ES" sz="1200" dirty="0" err="1"/>
+              <a:t>Best</a:t>
+            </a:r>
+            <a:r>
+              <a:rPr lang="es-ES" sz="1200" dirty="0"/>
+              <a:t> </a:t>
+            </a:r>
+            <a:r>
+              <a:rPr lang="es-ES" sz="1200" dirty="0" err="1"/>
+              <a:t>parameters</a:t>
+            </a:r>
+            <a:r>
+              <a:rPr lang="es-ES" sz="1200" dirty="0"/>
+              <a:t> </a:t>
+            </a:r>
+            <a:r>
+              <a:rPr lang="es-ES" sz="1200" dirty="0" err="1"/>
+              <a:t>for</a:t>
+            </a:r>
+            <a:r>
+              <a:rPr lang="es-ES" sz="1200" dirty="0"/>
+              <a:t> </a:t>
+            </a:r>
+            <a:r>
+              <a:rPr lang="es-ES" sz="1200" dirty="0" err="1"/>
+              <a:t>Random</a:t>
+            </a:r>
+            <a:r>
+              <a:rPr lang="es-ES" sz="1200" dirty="0"/>
+              <a:t> </a:t>
+            </a:r>
+            <a:r>
+              <a:rPr lang="es-ES" sz="1200" dirty="0" err="1"/>
+              <a:t>forest</a:t>
+            </a:r>
+            <a:r>
+              <a:rPr lang="es-ES" sz="1200" dirty="0"/>
+              <a:t> are =  {'</a:t>
+            </a:r>
+            <a:r>
+              <a:rPr lang="es-ES" sz="1200" dirty="0" err="1"/>
+              <a:t>criterion</a:t>
+            </a:r>
+            <a:r>
+              <a:rPr lang="es-ES" sz="1200" dirty="0"/>
+              <a:t>': '</a:t>
+            </a:r>
+            <a:r>
+              <a:rPr lang="es-ES" sz="1200" dirty="0" err="1"/>
+              <a:t>entropy</a:t>
+            </a:r>
+            <a:r>
+              <a:rPr lang="es-ES" sz="1200" dirty="0"/>
+              <a:t>', '</a:t>
+            </a:r>
+            <a:r>
+              <a:rPr lang="es-ES" sz="1200" dirty="0" err="1"/>
+              <a:t>max_depth</a:t>
+            </a:r>
+            <a:r>
+              <a:rPr lang="es-ES" sz="1200" dirty="0"/>
+              <a:t>': 50, '</a:t>
+            </a:r>
+            <a:r>
+              <a:rPr lang="es-ES" sz="1200" dirty="0" err="1"/>
+              <a:t>max_features</a:t>
+            </a:r>
+            <a:r>
+              <a:rPr lang="es-ES" sz="1200" dirty="0"/>
+              <a:t>': 'auto', '</a:t>
+            </a:r>
+            <a:r>
+              <a:rPr lang="es-ES" sz="1200" dirty="0" err="1"/>
+              <a:t>n_estimators</a:t>
+            </a:r>
+            <a:r>
+              <a:rPr lang="es-ES" sz="1200" dirty="0"/>
+              <a:t>': 1000}</a:t>
+            </a:r>
+          </a:p>
+          <a:p>
+            <a:r>
+              <a:rPr lang="es-ES" sz="1200" dirty="0" err="1"/>
+              <a:t>Accuracy</a:t>
+            </a:r>
+            <a:r>
+              <a:rPr lang="es-ES" sz="1200" dirty="0"/>
+              <a:t> </a:t>
+            </a:r>
+            <a:r>
+              <a:rPr lang="es-ES" sz="1200" dirty="0" err="1"/>
+              <a:t>Random</a:t>
+            </a:r>
+            <a:r>
+              <a:rPr lang="es-ES" sz="1200" dirty="0"/>
+              <a:t> </a:t>
+            </a:r>
+            <a:r>
+              <a:rPr lang="es-ES" sz="1200" dirty="0" err="1"/>
+              <a:t>forest</a:t>
+            </a:r>
+            <a:r>
+              <a:rPr lang="es-ES" sz="1200" dirty="0"/>
+              <a:t> </a:t>
+            </a:r>
+            <a:r>
+              <a:rPr lang="es-ES" sz="1200" dirty="0" err="1"/>
+              <a:t>is</a:t>
+            </a:r>
+            <a:r>
+              <a:rPr lang="es-ES" sz="1200" dirty="0"/>
+              <a:t> =  0.7591666666666667</a:t>
+            </a:r>
+          </a:p>
+          <a:p>
+            <a:r>
+              <a:rPr lang="es-ES" sz="1200" dirty="0"/>
+              <a:t>0.7591666666666667</a:t>
+            </a:r>
+          </a:p>
+        </p:txBody>
+      </p:sp>
+    </p:spTree>
+    <p:extLst>
+      <p:ext uri="{BB962C8B-B14F-4D97-AF65-F5344CB8AC3E}">
+        <p14:creationId xmlns:p14="http://schemas.microsoft.com/office/powerpoint/2010/main" val="1374603998"/>
+      </p:ext>
+    </p:extLst>
+  </p:cSld>
+  <p:clrMapOvr>
+    <a:masterClrMapping/>
+  </p:clrMapOvr>
+</p:sld>
+</file>
+
+<file path=ppt/slides/slide11.xml><?xml version="1.0" encoding="utf-8"?>
+<p:sld xmlns:a="http://schemas.openxmlformats.org/drawingml/2006/main" xmlns:r="http://schemas.openxmlformats.org/officeDocument/2006/relationships" xmlns:p="http://schemas.openxmlformats.org/presentationml/2006/main">
+  <p:cSld>
+    <p:spTree>
+      <p:nvGrpSpPr>
+        <p:cNvPr id="1" name=""/>
+        <p:cNvGrpSpPr/>
+        <p:nvPr/>
+      </p:nvGrpSpPr>
+      <p:grpSpPr>
+        <a:xfrm>
+          <a:off x="0" y="0"/>
+          <a:ext cx="0" cy="0"/>
+          <a:chOff x="0" y="0"/>
+          <a:chExt cx="0" cy="0"/>
+        </a:xfrm>
+      </p:grpSpPr>
+      <p:sp>
+        <p:nvSpPr>
+          <p:cNvPr id="12" name="Title 1">
+            <a:extLst>
+              <a:ext uri="{FF2B5EF4-FFF2-40B4-BE49-F238E27FC236}">
+                <a16:creationId xmlns:a16="http://schemas.microsoft.com/office/drawing/2014/main" id="{05ACE682-1B73-40BF-BA3B-B531FBAF2E9A}"/>
+              </a:ext>
+            </a:extLst>
+          </p:cNvPr>
+          <p:cNvSpPr>
+            <a:spLocks noGrp="1"/>
+          </p:cNvSpPr>
+          <p:nvPr>
+            <p:ph type="title"/>
+          </p:nvPr>
+        </p:nvSpPr>
+        <p:spPr>
+          <a:xfrm>
+            <a:off x="2623396" y="801731"/>
+            <a:ext cx="7190913" cy="1080938"/>
+          </a:xfrm>
+        </p:spPr>
+        <p:txBody>
+          <a:bodyPr>
+            <a:normAutofit fontScale="90000"/>
+          </a:bodyPr>
+          <a:lstStyle/>
+          <a:p>
+            <a:pPr algn="ctr"/>
+            <a:r>
+              <a:rPr lang="en-US" sz="4800" dirty="0"/>
+              <a:t>Classification</a:t>
+            </a:r>
+            <a:br>
+              <a:rPr lang="en-US" sz="4800" dirty="0"/>
+            </a:br>
+            <a:r>
+              <a:rPr lang="en-US" sz="4800" dirty="0"/>
+              <a:t>-multiclass-</a:t>
+            </a:r>
+          </a:p>
+        </p:txBody>
+      </p:sp>
+      <p:sp>
+        <p:nvSpPr>
+          <p:cNvPr id="8" name="Slide Number Placeholder 5">
+            <a:extLst>
+              <a:ext uri="{FF2B5EF4-FFF2-40B4-BE49-F238E27FC236}">
+                <a16:creationId xmlns:a16="http://schemas.microsoft.com/office/drawing/2014/main" id="{974E51E9-613F-49E1-8A93-AF9AF175FA01}"/>
+              </a:ext>
+            </a:extLst>
+          </p:cNvPr>
+          <p:cNvSpPr txBox="1">
+            <a:spLocks/>
+          </p:cNvSpPr>
+          <p:nvPr/>
+        </p:nvSpPr>
+        <p:spPr bwMode="gray">
+          <a:xfrm>
+            <a:off x="11010090" y="6231913"/>
+            <a:ext cx="779767" cy="365125"/>
+          </a:xfrm>
+          <a:prstGeom prst="rect">
+            <a:avLst/>
+          </a:prstGeom>
+        </p:spPr>
+        <p:txBody>
+          <a:bodyPr vert="horz" lIns="91440" tIns="45720" rIns="91440" bIns="45720" rtlCol="0" anchor="ctr"/>
+          <a:lstStyle>
+            <a:defPPr>
+              <a:defRPr lang="en-US"/>
+            </a:defPPr>
+            <a:lvl1pPr marL="0" algn="r" defTabSz="457200" rtl="0" eaLnBrk="1" latinLnBrk="0" hangingPunct="1">
+              <a:defRPr sz="2000" kern="1200">
+                <a:solidFill>
+                  <a:srgbClr val="FEFFFF"/>
+                </a:solidFill>
+                <a:latin typeface="+mn-lt"/>
+                <a:ea typeface="+mn-ea"/>
+                <a:cs typeface="+mn-cs"/>
+              </a:defRPr>
+            </a:lvl1pPr>
+            <a:lvl2pPr marL="457200" algn="l" defTabSz="457200" rtl="0" eaLnBrk="1" latinLnBrk="0" hangingPunct="1">
+              <a:defRPr sz="1800" kern="1200">
+                <a:solidFill>
+                  <a:schemeClr val="tx1"/>
+                </a:solidFill>
+                <a:latin typeface="+mn-lt"/>
+                <a:ea typeface="+mn-ea"/>
+                <a:cs typeface="+mn-cs"/>
+              </a:defRPr>
+            </a:lvl2pPr>
+            <a:lvl3pPr marL="914400" algn="l" defTabSz="457200" rtl="0" eaLnBrk="1" latinLnBrk="0" hangingPunct="1">
+              <a:defRPr sz="1800" kern="1200">
+                <a:solidFill>
+                  <a:schemeClr val="tx1"/>
+                </a:solidFill>
+                <a:latin typeface="+mn-lt"/>
+                <a:ea typeface="+mn-ea"/>
+                <a:cs typeface="+mn-cs"/>
+              </a:defRPr>
+            </a:lvl3pPr>
+            <a:lvl4pPr marL="1371600" algn="l" defTabSz="457200" rtl="0" eaLnBrk="1" latinLnBrk="0" hangingPunct="1">
+              <a:defRPr sz="1800" kern="1200">
+                <a:solidFill>
+                  <a:schemeClr val="tx1"/>
+                </a:solidFill>
+                <a:latin typeface="+mn-lt"/>
+                <a:ea typeface="+mn-ea"/>
+                <a:cs typeface="+mn-cs"/>
+              </a:defRPr>
+            </a:lvl4pPr>
+            <a:lvl5pPr marL="1828800" algn="l" defTabSz="457200" rtl="0" eaLnBrk="1" latinLnBrk="0" hangingPunct="1">
+              <a:defRPr sz="1800" kern="1200">
+                <a:solidFill>
+                  <a:schemeClr val="tx1"/>
+                </a:solidFill>
+                <a:latin typeface="+mn-lt"/>
+                <a:ea typeface="+mn-ea"/>
+                <a:cs typeface="+mn-cs"/>
+              </a:defRPr>
+            </a:lvl5pPr>
+            <a:lvl6pPr marL="2286000" algn="l" defTabSz="457200" rtl="0" eaLnBrk="1" latinLnBrk="0" hangingPunct="1">
+              <a:defRPr sz="1800" kern="1200">
+                <a:solidFill>
+                  <a:schemeClr val="tx1"/>
+                </a:solidFill>
+                <a:latin typeface="+mn-lt"/>
+                <a:ea typeface="+mn-ea"/>
+                <a:cs typeface="+mn-cs"/>
+              </a:defRPr>
+            </a:lvl6pPr>
+            <a:lvl7pPr marL="2743200" algn="l" defTabSz="457200" rtl="0" eaLnBrk="1" latinLnBrk="0" hangingPunct="1">
+              <a:defRPr sz="1800" kern="1200">
+                <a:solidFill>
+                  <a:schemeClr val="tx1"/>
+                </a:solidFill>
+                <a:latin typeface="+mn-lt"/>
+                <a:ea typeface="+mn-ea"/>
+                <a:cs typeface="+mn-cs"/>
+              </a:defRPr>
+            </a:lvl7pPr>
+            <a:lvl8pPr marL="3200400" algn="l" defTabSz="457200" rtl="0" eaLnBrk="1" latinLnBrk="0" hangingPunct="1">
+              <a:defRPr sz="1800" kern="1200">
+                <a:solidFill>
+                  <a:schemeClr val="tx1"/>
+                </a:solidFill>
+                <a:latin typeface="+mn-lt"/>
+                <a:ea typeface="+mn-ea"/>
+                <a:cs typeface="+mn-cs"/>
+              </a:defRPr>
+            </a:lvl8pPr>
+            <a:lvl9pPr marL="3657600" algn="l" defTabSz="457200" rtl="0" eaLnBrk="1" latinLnBrk="0" hangingPunct="1">
+              <a:defRPr sz="1800" kern="1200">
+                <a:solidFill>
+                  <a:schemeClr val="tx1"/>
+                </a:solidFill>
+                <a:latin typeface="+mn-lt"/>
+                <a:ea typeface="+mn-ea"/>
+                <a:cs typeface="+mn-cs"/>
+              </a:defRPr>
+            </a:lvl9pPr>
+          </a:lstStyle>
+          <a:p>
+            <a:fld id="{19584825-D934-4E20-B0C8-29FEC7CA1AF9}" type="slidenum">
+              <a:rPr lang="en-US" smtClean="0">
+                <a:solidFill>
+                  <a:schemeClr val="tx1"/>
+                </a:solidFill>
+              </a:rPr>
+              <a:pPr/>
+              <a:t>11</a:t>
             </a:fld>
             <a:endParaRPr lang="en-US" dirty="0">
               <a:solidFill>
@@ -12790,7 +13807,7 @@
 </p:sld>
 </file>
 
-<file path=ppt/slides/slide11.xml><?xml version="1.0" encoding="utf-8"?>
+<file path=ppt/slides/slide12.xml><?xml version="1.0" encoding="utf-8"?>
 <p:sld xmlns:a="http://schemas.openxmlformats.org/drawingml/2006/main" xmlns:r="http://schemas.openxmlformats.org/officeDocument/2006/relationships" xmlns:p="http://schemas.openxmlformats.org/presentationml/2006/main">
   <p:cSld>
     <p:spTree>
@@ -12837,9 +13854,10 @@
           <a:p>
             <a:pPr algn="ctr"/>
             <a:r>
-              <a:rPr lang="en-US" sz="4800" dirty="0"/>
-              <a:t>Results</a:t>
-            </a:r>
+              <a:rPr lang="en-US" sz="4800" dirty="0" smtClean="0"/>
+              <a:t>Conclusions</a:t>
+            </a:r>
+            <a:endParaRPr lang="en-US" sz="4800" dirty="0"/>
           </a:p>
         </p:txBody>
       </p:sp>
@@ -12971,7 +13989,7 @@
                 </a:solidFill>
               </a:rPr>
               <a:pPr/>
-              <a:t>11</a:t>
+              <a:t>12</a:t>
             </a:fld>
             <a:endParaRPr lang="en-US" dirty="0">
               <a:solidFill>
@@ -13052,353 +14070,581 @@
           </a:prstGeom>
         </p:spPr>
       </p:pic>
-      <p:pic>
-        <p:nvPicPr>
-          <p:cNvPr id="14" name="Picture 13" descr="Icon&#10;&#10;Description automatically generated">
-            <a:extLst>
-              <a:ext uri="{FF2B5EF4-FFF2-40B4-BE49-F238E27FC236}">
-                <a16:creationId xmlns:a16="http://schemas.microsoft.com/office/drawing/2014/main" id="{914F1D4F-30BC-45BB-8EC2-00CC19A18DCC}"/>
-              </a:ext>
-            </a:extLst>
-          </p:cNvPr>
-          <p:cNvPicPr>
-            <a:picLocks noChangeAspect="1"/>
-          </p:cNvPicPr>
+      <p:sp>
+        <p:nvSpPr>
+          <p:cNvPr id="2" name="CuadroTexto 1"/>
+          <p:cNvSpPr txBox="1"/>
           <p:nvPr/>
-        </p:nvPicPr>
-        <p:blipFill>
-          <a:blip r:embed="rId4">
-            <a:extLst>
-              <a:ext uri="{28A0092B-C50C-407E-A947-70E740481C1C}">
-                <a14:useLocalDpi xmlns:a14="http://schemas.microsoft.com/office/drawing/2010/main" val="0"/>
-              </a:ext>
-            </a:extLst>
-          </a:blip>
-          <a:stretch>
-            <a:fillRect/>
-          </a:stretch>
-        </p:blipFill>
+        </p:nvSpPr>
         <p:spPr>
           <a:xfrm>
-            <a:off x="5673625" y="2338547"/>
-            <a:ext cx="1090453" cy="1090453"/>
+            <a:off x="2623395" y="1882669"/>
+            <a:ext cx="9325351" cy="4801314"/>
           </a:xfrm>
           <a:prstGeom prst="rect">
             <a:avLst/>
           </a:prstGeom>
-        </p:spPr>
-      </p:pic>
-    </p:spTree>
-    <p:extLst>
-      <p:ext uri="{BB962C8B-B14F-4D97-AF65-F5344CB8AC3E}">
-        <p14:creationId xmlns:p14="http://schemas.microsoft.com/office/powerpoint/2010/main" val="1654516134"/>
-      </p:ext>
-    </p:extLst>
-  </p:cSld>
-  <p:clrMapOvr>
-    <a:masterClrMapping/>
-  </p:clrMapOvr>
-</p:sld>
-</file>
-
-<file path=ppt/slides/slide12.xml><?xml version="1.0" encoding="utf-8"?>
-<p:sld xmlns:a="http://schemas.openxmlformats.org/drawingml/2006/main" xmlns:r="http://schemas.openxmlformats.org/officeDocument/2006/relationships" xmlns:p="http://schemas.openxmlformats.org/presentationml/2006/main">
-  <p:cSld>
-    <p:spTree>
-      <p:nvGrpSpPr>
-        <p:cNvPr id="1" name=""/>
-        <p:cNvGrpSpPr/>
-        <p:nvPr/>
-      </p:nvGrpSpPr>
-      <p:grpSpPr>
-        <a:xfrm>
-          <a:off x="0" y="0"/>
-          <a:ext cx="0" cy="0"/>
-          <a:chOff x="0" y="0"/>
-          <a:chExt cx="0" cy="0"/>
-        </a:xfrm>
-      </p:grpSpPr>
-      <p:sp>
-        <p:nvSpPr>
-          <p:cNvPr id="12" name="Title 1">
-            <a:extLst>
-              <a:ext uri="{FF2B5EF4-FFF2-40B4-BE49-F238E27FC236}">
-                <a16:creationId xmlns:a16="http://schemas.microsoft.com/office/drawing/2014/main" id="{05ACE682-1B73-40BF-BA3B-B531FBAF2E9A}"/>
-              </a:ext>
-            </a:extLst>
-          </p:cNvPr>
-          <p:cNvSpPr>
-            <a:spLocks noGrp="1"/>
-          </p:cNvSpPr>
-          <p:nvPr>
-            <p:ph type="title"/>
-          </p:nvPr>
-        </p:nvSpPr>
-        <p:spPr>
-          <a:xfrm>
-            <a:off x="2623396" y="801731"/>
-            <a:ext cx="7190913" cy="1080938"/>
-          </a:xfrm>
+          <a:noFill/>
         </p:spPr>
         <p:txBody>
-          <a:bodyPr>
-            <a:normAutofit/>
+          <a:bodyPr wrap="square" rtlCol="0">
+            <a:spAutoFit/>
           </a:bodyPr>
           <a:lstStyle/>
           <a:p>
-            <a:pPr algn="ctr"/>
-            <a:r>
-              <a:rPr lang="en-US" sz="4800" dirty="0"/>
-              <a:t>Conclusion</a:t>
-            </a:r>
+            <a:pPr marL="285750" indent="-285750">
+              <a:buFont typeface="Arial" panose="020B0604020202020204" pitchFamily="34" charset="0"/>
+              <a:buChar char="•"/>
+            </a:pPr>
+            <a:r>
+              <a:rPr lang="es-ES" dirty="0" smtClean="0"/>
+              <a:t>Performance </a:t>
+            </a:r>
+            <a:r>
+              <a:rPr lang="es-ES" dirty="0" err="1" smtClean="0"/>
+              <a:t>is</a:t>
+            </a:r>
+            <a:r>
+              <a:rPr lang="es-ES" dirty="0" smtClean="0"/>
+              <a:t> </a:t>
+            </a:r>
+            <a:r>
+              <a:rPr lang="es-ES" dirty="0" err="1" smtClean="0"/>
+              <a:t>matched</a:t>
+            </a:r>
+            <a:r>
+              <a:rPr lang="es-ES" dirty="0" smtClean="0"/>
+              <a:t> </a:t>
+            </a:r>
+            <a:r>
+              <a:rPr lang="es-ES" dirty="0" err="1" smtClean="0"/>
+              <a:t>or</a:t>
+            </a:r>
+            <a:r>
+              <a:rPr lang="es-ES" dirty="0" smtClean="0"/>
+              <a:t> </a:t>
+            </a:r>
+            <a:r>
+              <a:rPr lang="es-ES" dirty="0" err="1" smtClean="0"/>
+              <a:t>improved</a:t>
+            </a:r>
+            <a:r>
+              <a:rPr lang="es-ES" dirty="0" smtClean="0"/>
+              <a:t> </a:t>
+            </a:r>
+            <a:r>
+              <a:rPr lang="es-ES" dirty="0" err="1" smtClean="0"/>
+              <a:t>with</a:t>
+            </a:r>
+            <a:r>
+              <a:rPr lang="es-ES" dirty="0" smtClean="0"/>
+              <a:t> </a:t>
+            </a:r>
+            <a:r>
+              <a:rPr lang="es-ES" dirty="0" err="1" smtClean="0"/>
+              <a:t>using</a:t>
+            </a:r>
+            <a:r>
+              <a:rPr lang="es-ES" dirty="0" smtClean="0"/>
+              <a:t> </a:t>
+            </a:r>
+            <a:r>
+              <a:rPr lang="es-ES" dirty="0" err="1" smtClean="0"/>
+              <a:t>feature</a:t>
+            </a:r>
+            <a:r>
+              <a:rPr lang="es-ES" dirty="0" smtClean="0"/>
+              <a:t> </a:t>
+            </a:r>
+            <a:r>
+              <a:rPr lang="es-ES" dirty="0" err="1" smtClean="0"/>
+              <a:t>selection</a:t>
+            </a:r>
+            <a:endParaRPr lang="es-ES" dirty="0" smtClean="0"/>
+          </a:p>
+          <a:p>
+            <a:pPr marL="285750" indent="-285750">
+              <a:buFont typeface="Arial" panose="020B0604020202020204" pitchFamily="34" charset="0"/>
+              <a:buChar char="•"/>
+            </a:pPr>
+            <a:endParaRPr lang="es-ES" dirty="0" smtClean="0"/>
+          </a:p>
+          <a:p>
+            <a:pPr marL="285750" indent="-285750">
+              <a:buFont typeface="Arial" panose="020B0604020202020204" pitchFamily="34" charset="0"/>
+              <a:buChar char="•"/>
+            </a:pPr>
+            <a:r>
+              <a:rPr lang="es-ES" dirty="0" err="1" smtClean="0"/>
+              <a:t>Extracting</a:t>
+            </a:r>
+            <a:r>
+              <a:rPr lang="es-ES" dirty="0" smtClean="0"/>
+              <a:t> </a:t>
+            </a:r>
+            <a:r>
+              <a:rPr lang="es-ES" dirty="0" err="1" smtClean="0"/>
+              <a:t>the</a:t>
+            </a:r>
+            <a:r>
+              <a:rPr lang="es-ES" dirty="0" smtClean="0"/>
+              <a:t> </a:t>
+            </a:r>
+            <a:r>
+              <a:rPr lang="es-ES" dirty="0" err="1" smtClean="0"/>
+              <a:t>features</a:t>
+            </a:r>
+            <a:r>
+              <a:rPr lang="es-ES" dirty="0" smtClean="0"/>
+              <a:t> </a:t>
+            </a:r>
+            <a:r>
+              <a:rPr lang="es-ES" dirty="0" err="1" smtClean="0"/>
+              <a:t>from</a:t>
+            </a:r>
+            <a:r>
+              <a:rPr lang="es-ES" dirty="0"/>
+              <a:t> </a:t>
+            </a:r>
+            <a:r>
+              <a:rPr lang="es-ES" dirty="0" smtClean="0"/>
+              <a:t>a </a:t>
+            </a:r>
+            <a:r>
+              <a:rPr lang="es-ES" dirty="0" err="1" smtClean="0"/>
+              <a:t>segmented</a:t>
+            </a:r>
+            <a:r>
+              <a:rPr lang="es-ES" dirty="0" smtClean="0"/>
+              <a:t> </a:t>
+            </a:r>
+            <a:r>
+              <a:rPr lang="es-ES" dirty="0" err="1" smtClean="0"/>
+              <a:t>image</a:t>
+            </a:r>
+            <a:r>
+              <a:rPr lang="es-ES" dirty="0" smtClean="0"/>
+              <a:t> </a:t>
+            </a:r>
+            <a:r>
+              <a:rPr lang="es-ES" dirty="0" err="1" smtClean="0"/>
+              <a:t>yielded</a:t>
+            </a:r>
+            <a:r>
+              <a:rPr lang="es-ES" dirty="0" smtClean="0"/>
+              <a:t> </a:t>
+            </a:r>
+            <a:r>
+              <a:rPr lang="es-ES" dirty="0" err="1" smtClean="0"/>
+              <a:t>better</a:t>
+            </a:r>
+            <a:r>
+              <a:rPr lang="es-ES" dirty="0" smtClean="0"/>
+              <a:t> </a:t>
+            </a:r>
+            <a:r>
+              <a:rPr lang="es-ES" dirty="0" err="1" smtClean="0"/>
+              <a:t>results</a:t>
+            </a:r>
+            <a:r>
+              <a:rPr lang="es-ES" dirty="0" smtClean="0"/>
+              <a:t> </a:t>
+            </a:r>
+            <a:r>
+              <a:rPr lang="es-ES" dirty="0" err="1" smtClean="0"/>
+              <a:t>than</a:t>
+            </a:r>
+            <a:r>
+              <a:rPr lang="es-ES" dirty="0" smtClean="0"/>
+              <a:t> </a:t>
+            </a:r>
+            <a:r>
+              <a:rPr lang="es-ES" dirty="0" err="1" smtClean="0"/>
+              <a:t>form</a:t>
+            </a:r>
+            <a:r>
+              <a:rPr lang="es-ES" dirty="0" smtClean="0"/>
+              <a:t> </a:t>
+            </a:r>
+            <a:r>
+              <a:rPr lang="es-ES" dirty="0" err="1" smtClean="0"/>
+              <a:t>the</a:t>
+            </a:r>
+            <a:r>
+              <a:rPr lang="es-ES" dirty="0" smtClean="0"/>
+              <a:t> </a:t>
+            </a:r>
+            <a:r>
+              <a:rPr lang="es-ES" dirty="0" err="1" smtClean="0"/>
+              <a:t>whole</a:t>
+            </a:r>
+            <a:r>
+              <a:rPr lang="es-ES" dirty="0" smtClean="0"/>
+              <a:t> </a:t>
+            </a:r>
+            <a:r>
+              <a:rPr lang="es-ES" dirty="0" err="1" smtClean="0"/>
+              <a:t>image</a:t>
+            </a:r>
+            <a:endParaRPr lang="es-ES" dirty="0" smtClean="0"/>
+          </a:p>
+          <a:p>
+            <a:pPr marL="285750" indent="-285750">
+              <a:buFont typeface="Arial" panose="020B0604020202020204" pitchFamily="34" charset="0"/>
+              <a:buChar char="•"/>
+            </a:pPr>
+            <a:endParaRPr lang="es-ES" dirty="0"/>
+          </a:p>
+          <a:p>
+            <a:pPr marL="285750" indent="-285750">
+              <a:buFont typeface="Arial" panose="020B0604020202020204" pitchFamily="34" charset="0"/>
+              <a:buChar char="•"/>
+            </a:pPr>
+            <a:r>
+              <a:rPr lang="es-ES" dirty="0" err="1" smtClean="0"/>
+              <a:t>Using</a:t>
+            </a:r>
+            <a:r>
+              <a:rPr lang="es-ES" dirty="0" smtClean="0"/>
+              <a:t> </a:t>
+            </a:r>
+            <a:r>
+              <a:rPr lang="es-ES" dirty="0" err="1" smtClean="0"/>
+              <a:t>class</a:t>
+            </a:r>
+            <a:r>
+              <a:rPr lang="es-ES" dirty="0" smtClean="0"/>
+              <a:t> </a:t>
+            </a:r>
+            <a:r>
+              <a:rPr lang="es-ES" dirty="0" err="1" smtClean="0"/>
+              <a:t>imbalance</a:t>
+            </a:r>
+            <a:r>
+              <a:rPr lang="es-ES" dirty="0" smtClean="0"/>
+              <a:t> </a:t>
+            </a:r>
+            <a:r>
+              <a:rPr lang="es-ES" dirty="0" err="1" smtClean="0"/>
+              <a:t>mitigation</a:t>
+            </a:r>
+            <a:r>
+              <a:rPr lang="es-ES" dirty="0" smtClean="0"/>
+              <a:t> </a:t>
+            </a:r>
+            <a:r>
+              <a:rPr lang="es-ES" dirty="0" err="1" smtClean="0"/>
+              <a:t>methods</a:t>
+            </a:r>
+            <a:r>
+              <a:rPr lang="es-ES" dirty="0" smtClean="0"/>
+              <a:t> </a:t>
+            </a:r>
+            <a:r>
+              <a:rPr lang="es-ES" dirty="0" err="1" smtClean="0"/>
+              <a:t>drove</a:t>
+            </a:r>
+            <a:r>
+              <a:rPr lang="es-ES" dirty="0" smtClean="0"/>
+              <a:t> </a:t>
+            </a:r>
+            <a:r>
+              <a:rPr lang="es-ES" dirty="0" err="1" smtClean="0"/>
+              <a:t>the</a:t>
+            </a:r>
+            <a:r>
+              <a:rPr lang="es-ES" dirty="0" smtClean="0"/>
+              <a:t> performance </a:t>
+            </a:r>
+            <a:r>
+              <a:rPr lang="es-ES" dirty="0" err="1" smtClean="0"/>
+              <a:t>down</a:t>
+            </a:r>
+            <a:endParaRPr lang="es-ES" dirty="0" smtClean="0"/>
+          </a:p>
+          <a:p>
+            <a:pPr marL="285750" indent="-285750">
+              <a:buFont typeface="Arial" panose="020B0604020202020204" pitchFamily="34" charset="0"/>
+              <a:buChar char="•"/>
+            </a:pPr>
+            <a:endParaRPr lang="es-ES" dirty="0"/>
+          </a:p>
+          <a:p>
+            <a:pPr marL="285750" indent="-285750">
+              <a:buFont typeface="Arial" panose="020B0604020202020204" pitchFamily="34" charset="0"/>
+              <a:buChar char="•"/>
+            </a:pPr>
+            <a:r>
+              <a:rPr lang="es-ES" dirty="0" err="1" smtClean="0"/>
+              <a:t>Working</a:t>
+            </a:r>
+            <a:r>
+              <a:rPr lang="es-ES" dirty="0" smtClean="0"/>
+              <a:t> </a:t>
+            </a:r>
+            <a:r>
+              <a:rPr lang="es-ES" dirty="0" err="1" smtClean="0"/>
+              <a:t>on</a:t>
+            </a:r>
+            <a:r>
+              <a:rPr lang="es-ES" dirty="0" smtClean="0"/>
+              <a:t> </a:t>
+            </a:r>
+            <a:r>
+              <a:rPr lang="es-ES" dirty="0" err="1" smtClean="0"/>
+              <a:t>the</a:t>
+            </a:r>
+            <a:r>
+              <a:rPr lang="es-ES" dirty="0" smtClean="0"/>
+              <a:t> V cannel of HSV </a:t>
+            </a:r>
+            <a:r>
+              <a:rPr lang="es-ES" dirty="0" err="1" smtClean="0"/>
+              <a:t>is</a:t>
+            </a:r>
+            <a:r>
+              <a:rPr lang="es-ES" dirty="0" smtClean="0"/>
+              <a:t> </a:t>
+            </a:r>
+            <a:r>
+              <a:rPr lang="es-ES" dirty="0" err="1" smtClean="0"/>
+              <a:t>recommended</a:t>
+            </a:r>
+            <a:endParaRPr lang="es-ES" dirty="0"/>
+          </a:p>
+          <a:p>
+            <a:pPr marL="285750" indent="-285750">
+              <a:buFont typeface="Arial" panose="020B0604020202020204" pitchFamily="34" charset="0"/>
+              <a:buChar char="•"/>
+            </a:pPr>
+            <a:endParaRPr lang="es-ES" dirty="0" smtClean="0"/>
+          </a:p>
+          <a:p>
+            <a:pPr marL="285750" indent="-285750">
+              <a:buFont typeface="Arial" panose="020B0604020202020204" pitchFamily="34" charset="0"/>
+              <a:buChar char="•"/>
+            </a:pPr>
+            <a:r>
+              <a:rPr lang="es-ES" dirty="0" err="1" smtClean="0"/>
+              <a:t>When</a:t>
+            </a:r>
+            <a:r>
+              <a:rPr lang="es-ES" dirty="0" smtClean="0"/>
+              <a:t> </a:t>
+            </a:r>
+            <a:r>
+              <a:rPr lang="es-ES" dirty="0" err="1" smtClean="0"/>
+              <a:t>working</a:t>
+            </a:r>
+            <a:r>
+              <a:rPr lang="es-ES" dirty="0" smtClean="0"/>
+              <a:t> </a:t>
+            </a:r>
+            <a:r>
+              <a:rPr lang="es-ES" dirty="0" err="1" smtClean="0"/>
+              <a:t>with</a:t>
+            </a:r>
+            <a:r>
+              <a:rPr lang="es-ES" dirty="0" smtClean="0"/>
+              <a:t> </a:t>
+            </a:r>
+            <a:r>
+              <a:rPr lang="es-ES" dirty="0" err="1" smtClean="0"/>
+              <a:t>big</a:t>
+            </a:r>
+            <a:r>
+              <a:rPr lang="es-ES" dirty="0" smtClean="0"/>
+              <a:t> </a:t>
+            </a:r>
+            <a:r>
+              <a:rPr lang="es-ES" dirty="0" err="1" smtClean="0"/>
+              <a:t>datasets</a:t>
+            </a:r>
+            <a:r>
+              <a:rPr lang="es-ES" dirty="0" smtClean="0"/>
+              <a:t>, </a:t>
+            </a:r>
+            <a:r>
+              <a:rPr lang="es-ES" dirty="0" err="1" smtClean="0"/>
+              <a:t>you</a:t>
+            </a:r>
+            <a:r>
+              <a:rPr lang="es-ES" dirty="0" smtClean="0"/>
+              <a:t> </a:t>
+            </a:r>
+            <a:r>
+              <a:rPr lang="es-ES" dirty="0" err="1" smtClean="0"/>
+              <a:t>have</a:t>
+            </a:r>
+            <a:r>
+              <a:rPr lang="es-ES" dirty="0" smtClean="0"/>
+              <a:t> to be </a:t>
+            </a:r>
+            <a:r>
+              <a:rPr lang="es-ES" dirty="0" err="1" smtClean="0"/>
+              <a:t>creative</a:t>
+            </a:r>
+            <a:endParaRPr lang="es-ES" dirty="0" smtClean="0"/>
+          </a:p>
+          <a:p>
+            <a:pPr marL="285750" indent="-285750">
+              <a:buFont typeface="Arial" panose="020B0604020202020204" pitchFamily="34" charset="0"/>
+              <a:buChar char="•"/>
+            </a:pPr>
+            <a:endParaRPr lang="es-ES" dirty="0"/>
+          </a:p>
+          <a:p>
+            <a:pPr marL="285750" indent="-285750">
+              <a:buFont typeface="Arial" panose="020B0604020202020204" pitchFamily="34" charset="0"/>
+              <a:buChar char="•"/>
+            </a:pPr>
+            <a:r>
+              <a:rPr lang="es-ES" dirty="0" err="1" smtClean="0"/>
+              <a:t>Using</a:t>
+            </a:r>
+            <a:r>
+              <a:rPr lang="es-ES" dirty="0" smtClean="0"/>
+              <a:t> a </a:t>
+            </a:r>
+            <a:r>
+              <a:rPr lang="es-ES" dirty="0" err="1" smtClean="0"/>
+              <a:t>combination</a:t>
+            </a:r>
+            <a:r>
+              <a:rPr lang="es-ES" dirty="0" smtClean="0"/>
+              <a:t> of Color and </a:t>
+            </a:r>
+            <a:r>
+              <a:rPr lang="es-ES" dirty="0" err="1" smtClean="0"/>
+              <a:t>Texture</a:t>
+            </a:r>
+            <a:r>
+              <a:rPr lang="es-ES" dirty="0" smtClean="0"/>
+              <a:t> </a:t>
+            </a:r>
+            <a:r>
+              <a:rPr lang="es-ES" dirty="0" err="1" smtClean="0"/>
+              <a:t>descriptors</a:t>
+            </a:r>
+            <a:endParaRPr lang="es-ES" dirty="0" smtClean="0"/>
+          </a:p>
+          <a:p>
+            <a:pPr marL="285750" indent="-285750">
+              <a:buFont typeface="Arial" panose="020B0604020202020204" pitchFamily="34" charset="0"/>
+              <a:buChar char="•"/>
+            </a:pPr>
+            <a:endParaRPr lang="es-ES" dirty="0"/>
+          </a:p>
+          <a:p>
+            <a:pPr marL="285750" indent="-285750">
+              <a:buFont typeface="Arial" panose="020B0604020202020204" pitchFamily="34" charset="0"/>
+              <a:buChar char="•"/>
+            </a:pPr>
+            <a:r>
+              <a:rPr lang="es-ES" dirty="0" err="1" smtClean="0"/>
+              <a:t>Ensemble</a:t>
+            </a:r>
+            <a:r>
+              <a:rPr lang="es-ES" dirty="0" smtClean="0"/>
+              <a:t> </a:t>
+            </a:r>
+            <a:r>
+              <a:rPr lang="es-ES" dirty="0" err="1" smtClean="0"/>
+              <a:t>learning</a:t>
+            </a:r>
+            <a:r>
+              <a:rPr lang="es-ES" dirty="0" smtClean="0"/>
+              <a:t> </a:t>
+            </a:r>
+            <a:r>
+              <a:rPr lang="es-ES" dirty="0" err="1" smtClean="0"/>
+              <a:t>works</a:t>
+            </a:r>
+            <a:r>
+              <a:rPr lang="es-ES" dirty="0" smtClean="0"/>
+              <a:t> </a:t>
+            </a:r>
+            <a:r>
+              <a:rPr lang="es-ES" dirty="0" err="1" smtClean="0"/>
+              <a:t>better</a:t>
+            </a:r>
+            <a:r>
+              <a:rPr lang="es-ES" dirty="0" smtClean="0"/>
+              <a:t> </a:t>
+            </a:r>
+            <a:r>
+              <a:rPr lang="es-ES" dirty="0" err="1" smtClean="0"/>
+              <a:t>than</a:t>
+            </a:r>
+            <a:r>
+              <a:rPr lang="es-ES" dirty="0" smtClean="0"/>
+              <a:t> individual </a:t>
+            </a:r>
+            <a:r>
+              <a:rPr lang="es-ES" dirty="0" err="1" smtClean="0"/>
+              <a:t>classifiers</a:t>
+            </a:r>
+            <a:endParaRPr lang="es-ES" dirty="0"/>
+          </a:p>
+          <a:p>
+            <a:pPr marL="285750" indent="-285750">
+              <a:buFont typeface="Arial" panose="020B0604020202020204" pitchFamily="34" charset="0"/>
+              <a:buChar char="•"/>
+            </a:pPr>
+            <a:endParaRPr lang="es-ES" dirty="0" smtClean="0"/>
+          </a:p>
+          <a:p>
+            <a:pPr marL="285750" indent="-285750">
+              <a:buFont typeface="Arial" panose="020B0604020202020204" pitchFamily="34" charset="0"/>
+              <a:buChar char="•"/>
+            </a:pPr>
+            <a:r>
+              <a:rPr lang="es-ES" dirty="0" err="1" smtClean="0"/>
+              <a:t>Automating</a:t>
+            </a:r>
+            <a:r>
+              <a:rPr lang="es-ES" dirty="0" smtClean="0"/>
+              <a:t> </a:t>
+            </a:r>
+            <a:r>
+              <a:rPr lang="es-ES" dirty="0" err="1" smtClean="0"/>
+              <a:t>classification</a:t>
+            </a:r>
+            <a:r>
+              <a:rPr lang="es-ES" dirty="0" smtClean="0"/>
+              <a:t> pipeline </a:t>
+            </a:r>
+            <a:r>
+              <a:rPr lang="es-ES" dirty="0" err="1" smtClean="0"/>
+              <a:t>with</a:t>
+            </a:r>
+            <a:r>
+              <a:rPr lang="es-ES" dirty="0" smtClean="0"/>
+              <a:t> </a:t>
+            </a:r>
+            <a:r>
+              <a:rPr lang="es-ES" dirty="0" err="1" smtClean="0"/>
+              <a:t>Grid</a:t>
+            </a:r>
+            <a:r>
+              <a:rPr lang="es-ES" dirty="0" smtClean="0"/>
+              <a:t> </a:t>
+            </a:r>
+            <a:r>
+              <a:rPr lang="es-ES" dirty="0" err="1" smtClean="0"/>
+              <a:t>Search</a:t>
+            </a:r>
+            <a:endParaRPr lang="es-ES" dirty="0"/>
+          </a:p>
+          <a:p>
+            <a:pPr marL="285750" indent="-285750">
+              <a:buFont typeface="Arial" panose="020B0604020202020204" pitchFamily="34" charset="0"/>
+              <a:buChar char="•"/>
+            </a:pPr>
+            <a:endParaRPr lang="es-ES" dirty="0"/>
           </a:p>
         </p:txBody>
       </p:sp>
-      <p:sp>
-        <p:nvSpPr>
-          <p:cNvPr id="8" name="Slide Number Placeholder 5">
-            <a:extLst>
-              <a:ext uri="{FF2B5EF4-FFF2-40B4-BE49-F238E27FC236}">
-                <a16:creationId xmlns:a16="http://schemas.microsoft.com/office/drawing/2014/main" id="{974E51E9-613F-49E1-8A93-AF9AF175FA01}"/>
-              </a:ext>
-            </a:extLst>
-          </p:cNvPr>
-          <p:cNvSpPr txBox="1">
-            <a:spLocks/>
-          </p:cNvSpPr>
-          <p:nvPr/>
-        </p:nvSpPr>
-        <p:spPr bwMode="gray">
-          <a:xfrm>
-            <a:off x="11010090" y="6231913"/>
-            <a:ext cx="779767" cy="365125"/>
-          </a:xfrm>
-          <a:prstGeom prst="rect">
-            <a:avLst/>
-          </a:prstGeom>
-        </p:spPr>
-        <p:txBody>
-          <a:bodyPr vert="horz" lIns="91440" tIns="45720" rIns="91440" bIns="45720" rtlCol="0" anchor="ctr"/>
-          <a:lstStyle>
-            <a:defPPr>
-              <a:defRPr lang="en-US"/>
-            </a:defPPr>
-            <a:lvl1pPr marL="0" algn="r" defTabSz="457200" rtl="0" eaLnBrk="1" latinLnBrk="0" hangingPunct="1">
-              <a:defRPr sz="2000" kern="1200">
-                <a:solidFill>
-                  <a:srgbClr val="FEFFFF"/>
-                </a:solidFill>
-                <a:latin typeface="+mn-lt"/>
-                <a:ea typeface="+mn-ea"/>
-                <a:cs typeface="+mn-cs"/>
-              </a:defRPr>
-            </a:lvl1pPr>
-            <a:lvl2pPr marL="457200" algn="l" defTabSz="457200" rtl="0" eaLnBrk="1" latinLnBrk="0" hangingPunct="1">
-              <a:defRPr sz="1800" kern="1200">
-                <a:solidFill>
-                  <a:schemeClr val="tx1"/>
-                </a:solidFill>
-                <a:latin typeface="+mn-lt"/>
-                <a:ea typeface="+mn-ea"/>
-                <a:cs typeface="+mn-cs"/>
-              </a:defRPr>
-            </a:lvl2pPr>
-            <a:lvl3pPr marL="914400" algn="l" defTabSz="457200" rtl="0" eaLnBrk="1" latinLnBrk="0" hangingPunct="1">
-              <a:defRPr sz="1800" kern="1200">
-                <a:solidFill>
-                  <a:schemeClr val="tx1"/>
-                </a:solidFill>
-                <a:latin typeface="+mn-lt"/>
-                <a:ea typeface="+mn-ea"/>
-                <a:cs typeface="+mn-cs"/>
-              </a:defRPr>
-            </a:lvl3pPr>
-            <a:lvl4pPr marL="1371600" algn="l" defTabSz="457200" rtl="0" eaLnBrk="1" latinLnBrk="0" hangingPunct="1">
-              <a:defRPr sz="1800" kern="1200">
-                <a:solidFill>
-                  <a:schemeClr val="tx1"/>
-                </a:solidFill>
-                <a:latin typeface="+mn-lt"/>
-                <a:ea typeface="+mn-ea"/>
-                <a:cs typeface="+mn-cs"/>
-              </a:defRPr>
-            </a:lvl4pPr>
-            <a:lvl5pPr marL="1828800" algn="l" defTabSz="457200" rtl="0" eaLnBrk="1" latinLnBrk="0" hangingPunct="1">
-              <a:defRPr sz="1800" kern="1200">
-                <a:solidFill>
-                  <a:schemeClr val="tx1"/>
-                </a:solidFill>
-                <a:latin typeface="+mn-lt"/>
-                <a:ea typeface="+mn-ea"/>
-                <a:cs typeface="+mn-cs"/>
-              </a:defRPr>
-            </a:lvl5pPr>
-            <a:lvl6pPr marL="2286000" algn="l" defTabSz="457200" rtl="0" eaLnBrk="1" latinLnBrk="0" hangingPunct="1">
-              <a:defRPr sz="1800" kern="1200">
-                <a:solidFill>
-                  <a:schemeClr val="tx1"/>
-                </a:solidFill>
-                <a:latin typeface="+mn-lt"/>
-                <a:ea typeface="+mn-ea"/>
-                <a:cs typeface="+mn-cs"/>
-              </a:defRPr>
-            </a:lvl6pPr>
-            <a:lvl7pPr marL="2743200" algn="l" defTabSz="457200" rtl="0" eaLnBrk="1" latinLnBrk="0" hangingPunct="1">
-              <a:defRPr sz="1800" kern="1200">
-                <a:solidFill>
-                  <a:schemeClr val="tx1"/>
-                </a:solidFill>
-                <a:latin typeface="+mn-lt"/>
-                <a:ea typeface="+mn-ea"/>
-                <a:cs typeface="+mn-cs"/>
-              </a:defRPr>
-            </a:lvl7pPr>
-            <a:lvl8pPr marL="3200400" algn="l" defTabSz="457200" rtl="0" eaLnBrk="1" latinLnBrk="0" hangingPunct="1">
-              <a:defRPr sz="1800" kern="1200">
-                <a:solidFill>
-                  <a:schemeClr val="tx1"/>
-                </a:solidFill>
-                <a:latin typeface="+mn-lt"/>
-                <a:ea typeface="+mn-ea"/>
-                <a:cs typeface="+mn-cs"/>
-              </a:defRPr>
-            </a:lvl8pPr>
-            <a:lvl9pPr marL="3657600" algn="l" defTabSz="457200" rtl="0" eaLnBrk="1" latinLnBrk="0" hangingPunct="1">
-              <a:defRPr sz="1800" kern="1200">
-                <a:solidFill>
-                  <a:schemeClr val="tx1"/>
-                </a:solidFill>
-                <a:latin typeface="+mn-lt"/>
-                <a:ea typeface="+mn-ea"/>
-                <a:cs typeface="+mn-cs"/>
-              </a:defRPr>
-            </a:lvl9pPr>
-          </a:lstStyle>
-          <a:p>
-            <a:fld id="{19584825-D934-4E20-B0C8-29FEC7CA1AF9}" type="slidenum">
-              <a:rPr lang="en-US" smtClean="0">
-                <a:solidFill>
-                  <a:schemeClr val="tx1"/>
-                </a:solidFill>
-              </a:rPr>
-              <a:pPr/>
-              <a:t>12</a:t>
-            </a:fld>
-            <a:endParaRPr lang="en-US" dirty="0">
-              <a:solidFill>
-                <a:schemeClr val="tx1"/>
-              </a:solidFill>
-            </a:endParaRPr>
-          </a:p>
-        </p:txBody>
-      </p:sp>
-      <p:pic>
-        <p:nvPicPr>
-          <p:cNvPr id="9" name="Picture 8" descr="A picture containing text, clipart&#10;&#10;Description automatically generated">
-            <a:extLst>
-              <a:ext uri="{FF2B5EF4-FFF2-40B4-BE49-F238E27FC236}">
-                <a16:creationId xmlns:a16="http://schemas.microsoft.com/office/drawing/2014/main" id="{942D71B3-CD34-43E5-9D3F-BA2819AE22EA}"/>
-              </a:ext>
-            </a:extLst>
-          </p:cNvPr>
-          <p:cNvPicPr>
-            <a:picLocks noChangeAspect="1"/>
-          </p:cNvPicPr>
-          <p:nvPr/>
-        </p:nvPicPr>
-        <p:blipFill rotWithShape="1">
-          <a:blip r:embed="rId2">
-            <a:extLst>
-              <a:ext uri="{28A0092B-C50C-407E-A947-70E740481C1C}">
-                <a14:useLocalDpi xmlns:a14="http://schemas.microsoft.com/office/drawing/2010/main" val="0"/>
-              </a:ext>
-            </a:extLst>
-          </a:blip>
-          <a:srcRect r="57677"/>
-          <a:stretch/>
-        </p:blipFill>
-        <p:spPr>
-          <a:xfrm>
-            <a:off x="10608300" y="437028"/>
-            <a:ext cx="1428567" cy="1066632"/>
-          </a:xfrm>
-          <a:prstGeom prst="rect">
-            <a:avLst/>
-          </a:prstGeom>
-        </p:spPr>
-      </p:pic>
-      <p:pic>
-        <p:nvPicPr>
-          <p:cNvPr id="13" name="Picture 12" descr="Logo&#10;&#10;Description automatically generated">
-            <a:extLst>
-              <a:ext uri="{FF2B5EF4-FFF2-40B4-BE49-F238E27FC236}">
-                <a16:creationId xmlns:a16="http://schemas.microsoft.com/office/drawing/2014/main" id="{0B34AC09-580D-4C50-930A-7592EF4E9F8E}"/>
-              </a:ext>
-            </a:extLst>
-          </p:cNvPr>
-          <p:cNvPicPr>
-            <a:picLocks noChangeAspect="1"/>
-          </p:cNvPicPr>
-          <p:nvPr/>
-        </p:nvPicPr>
-        <p:blipFill>
-          <a:blip r:embed="rId3">
-            <a:extLst>
-              <a:ext uri="{28A0092B-C50C-407E-A947-70E740481C1C}">
-                <a14:useLocalDpi xmlns:a14="http://schemas.microsoft.com/office/drawing/2010/main" val="0"/>
-              </a:ext>
-            </a:extLst>
-          </a:blip>
-          <a:stretch>
-            <a:fillRect/>
-          </a:stretch>
-        </p:blipFill>
-        <p:spPr>
-          <a:xfrm>
-            <a:off x="1829405" y="499758"/>
-            <a:ext cx="1376588" cy="941171"/>
-          </a:xfrm>
-          <a:prstGeom prst="rect">
-            <a:avLst/>
-          </a:prstGeom>
-        </p:spPr>
-      </p:pic>
-      <p:pic>
-        <p:nvPicPr>
-          <p:cNvPr id="14" name="Picture 13" descr="Icon&#10;&#10;Description automatically generated">
-            <a:extLst>
-              <a:ext uri="{FF2B5EF4-FFF2-40B4-BE49-F238E27FC236}">
-                <a16:creationId xmlns:a16="http://schemas.microsoft.com/office/drawing/2014/main" id="{914F1D4F-30BC-45BB-8EC2-00CC19A18DCC}"/>
-              </a:ext>
-            </a:extLst>
-          </p:cNvPr>
-          <p:cNvPicPr>
-            <a:picLocks noChangeAspect="1"/>
-          </p:cNvPicPr>
-          <p:nvPr/>
-        </p:nvPicPr>
-        <p:blipFill>
-          <a:blip r:embed="rId4">
-            <a:extLst>
-              <a:ext uri="{28A0092B-C50C-407E-A947-70E740481C1C}">
-                <a14:useLocalDpi xmlns:a14="http://schemas.microsoft.com/office/drawing/2010/main" val="0"/>
-              </a:ext>
-            </a:extLst>
-          </a:blip>
-          <a:stretch>
-            <a:fillRect/>
-          </a:stretch>
-        </p:blipFill>
-        <p:spPr>
-          <a:xfrm>
-            <a:off x="5673625" y="2338547"/>
-            <a:ext cx="1090453" cy="1090453"/>
-          </a:xfrm>
-          <a:prstGeom prst="rect">
-            <a:avLst/>
-          </a:prstGeom>
-        </p:spPr>
-      </p:pic>
     </p:spTree>
     <p:extLst>
       <p:ext uri="{BB962C8B-B14F-4D97-AF65-F5344CB8AC3E}">
@@ -13528,6 +14774,42 @@
           <a:xfrm>
             <a:off x="10573910" y="233315"/>
             <a:ext cx="1376588" cy="941171"/>
+          </a:xfrm>
+          <a:prstGeom prst="rect">
+            <a:avLst/>
+          </a:prstGeom>
+        </p:spPr>
+      </p:pic>
+      <p:pic>
+        <p:nvPicPr>
+          <p:cNvPr id="5" name="Picture 13" descr="Icon&#10;&#10;Description automatically generated">
+            <a:extLst>
+              <a:ext uri="{FF2B5EF4-FFF2-40B4-BE49-F238E27FC236}">
+                <a16:creationId xmlns:a16="http://schemas.microsoft.com/office/drawing/2014/main" id="{914F1D4F-30BC-45BB-8EC2-00CC19A18DCC}"/>
+              </a:ext>
+            </a:extLst>
+          </p:cNvPr>
+          <p:cNvPicPr>
+            <a:picLocks noChangeAspect="1"/>
+          </p:cNvPicPr>
+          <p:nvPr/>
+        </p:nvPicPr>
+        <p:blipFill>
+          <a:blip r:embed="rId4" cstate="hqprint">
+            <a:extLst>
+              <a:ext uri="{28A0092B-C50C-407E-A947-70E740481C1C}">
+                <a14:useLocalDpi xmlns:a14="http://schemas.microsoft.com/office/drawing/2010/main" val="0"/>
+              </a:ext>
+            </a:extLst>
+          </a:blip>
+          <a:stretch>
+            <a:fillRect/>
+          </a:stretch>
+        </p:blipFill>
+        <p:spPr>
+          <a:xfrm>
+            <a:off x="5889905" y="5609286"/>
+            <a:ext cx="1090453" cy="1090453"/>
           </a:xfrm>
           <a:prstGeom prst="rect">
             <a:avLst/>
@@ -16097,6 +17379,47 @@
           </a:prstGeom>
         </p:spPr>
       </p:pic>
+      <p:pic>
+        <p:nvPicPr>
+          <p:cNvPr id="2050" name="Picture 2" descr="1: The triangle algorithm selects the threshold intensity as the value... |  Download Scientific Diagram"/>
+          <p:cNvPicPr>
+            <a:picLocks noChangeAspect="1" noChangeArrowheads="1"/>
+          </p:cNvPicPr>
+          <p:nvPr/>
+        </p:nvPicPr>
+        <p:blipFill>
+          <a:blip r:embed="rId7" cstate="hqprint">
+            <a:extLst>
+              <a:ext uri="{28A0092B-C50C-407E-A947-70E740481C1C}">
+                <a14:useLocalDpi xmlns:a14="http://schemas.microsoft.com/office/drawing/2010/main" val="0"/>
+              </a:ext>
+            </a:extLst>
+          </a:blip>
+          <a:srcRect/>
+          <a:stretch>
+            <a:fillRect/>
+          </a:stretch>
+        </p:blipFill>
+        <p:spPr bwMode="auto">
+          <a:xfrm>
+            <a:off x="727543" y="5137167"/>
+            <a:ext cx="2203722" cy="1654088"/>
+          </a:xfrm>
+          <a:prstGeom prst="rect">
+            <a:avLst/>
+          </a:prstGeom>
+          <a:noFill/>
+          <a:extLst>
+            <a:ext uri="{909E8E84-426E-40DD-AFC4-6F175D3DCCD1}">
+              <a14:hiddenFill xmlns:a14="http://schemas.microsoft.com/office/drawing/2010/main">
+                <a:solidFill>
+                  <a:srgbClr val="FFFFFF"/>
+                </a:solidFill>
+              </a14:hiddenFill>
+            </a:ext>
+          </a:extLst>
+        </p:spPr>
+      </p:pic>
     </p:spTree>
     <p:extLst>
       <p:ext uri="{BB962C8B-B14F-4D97-AF65-F5344CB8AC3E}">
@@ -17135,15 +18458,27 @@
         </p:spPr>
         <p:txBody>
           <a:bodyPr>
-            <a:normAutofit/>
+            <a:normAutofit fontScale="90000"/>
           </a:bodyPr>
           <a:lstStyle/>
           <a:p>
             <a:pPr algn="ctr"/>
             <a:r>
               <a:rPr lang="en-US" sz="4800" dirty="0"/>
-              <a:t>Feature Engineering</a:t>
-            </a:r>
+              <a:t>Feature </a:t>
+            </a:r>
+            <a:r>
+              <a:rPr lang="en-US" sz="4800" dirty="0" smtClean="0"/>
+              <a:t>Engineering</a:t>
+            </a:r>
+            <a:br>
+              <a:rPr lang="en-US" sz="4800" dirty="0" smtClean="0"/>
+            </a:br>
+            <a:r>
+              <a:rPr lang="en-US" sz="4800" dirty="0" smtClean="0"/>
+              <a:t>-feature extraction-</a:t>
+            </a:r>
+            <a:endParaRPr lang="en-US" sz="4800" dirty="0"/>
           </a:p>
         </p:txBody>
       </p:sp>
@@ -17356,6 +18691,296 @@
           </a:prstGeom>
         </p:spPr>
       </p:pic>
+      <p:pic>
+        <p:nvPicPr>
+          <p:cNvPr id="6" name="Picture 2" descr="Schematic representation of the Gabor filter banks in 5 scales and 8 orientations "/>
+          <p:cNvPicPr>
+            <a:picLocks noChangeAspect="1" noChangeArrowheads="1"/>
+          </p:cNvPicPr>
+          <p:nvPr/>
+        </p:nvPicPr>
+        <p:blipFill>
+          <a:blip r:embed="rId4">
+            <a:extLst>
+              <a:ext uri="{28A0092B-C50C-407E-A947-70E740481C1C}">
+                <a14:useLocalDpi xmlns:a14="http://schemas.microsoft.com/office/drawing/2010/main" val="0"/>
+              </a:ext>
+            </a:extLst>
+          </a:blip>
+          <a:srcRect/>
+          <a:stretch>
+            <a:fillRect/>
+          </a:stretch>
+        </p:blipFill>
+        <p:spPr bwMode="auto">
+          <a:xfrm>
+            <a:off x="4689487" y="4272541"/>
+            <a:ext cx="3058727" cy="2356847"/>
+          </a:xfrm>
+          <a:prstGeom prst="rect">
+            <a:avLst/>
+          </a:prstGeom>
+          <a:noFill/>
+          <a:extLst>
+            <a:ext uri="{909E8E84-426E-40DD-AFC4-6F175D3DCCD1}">
+              <a14:hiddenFill xmlns:a14="http://schemas.microsoft.com/office/drawing/2010/main">
+                <a:solidFill>
+                  <a:srgbClr val="FFFFFF"/>
+                </a:solidFill>
+              </a14:hiddenFill>
+            </a:ext>
+          </a:extLst>
+        </p:spPr>
+      </p:pic>
+      <p:pic>
+        <p:nvPicPr>
+          <p:cNvPr id="4098" name="Picture 2" descr="Local binary patterns - Wikipedia"/>
+          <p:cNvPicPr>
+            <a:picLocks noChangeAspect="1" noChangeArrowheads="1"/>
+          </p:cNvPicPr>
+          <p:nvPr/>
+        </p:nvPicPr>
+        <p:blipFill>
+          <a:blip r:embed="rId5">
+            <a:extLst>
+              <a:ext uri="{28A0092B-C50C-407E-A947-70E740481C1C}">
+                <a14:useLocalDpi xmlns:a14="http://schemas.microsoft.com/office/drawing/2010/main" val="0"/>
+              </a:ext>
+            </a:extLst>
+          </a:blip>
+          <a:srcRect/>
+          <a:stretch>
+            <a:fillRect/>
+          </a:stretch>
+        </p:blipFill>
+        <p:spPr bwMode="auto">
+          <a:xfrm>
+            <a:off x="8660193" y="4931850"/>
+            <a:ext cx="3143250" cy="1038225"/>
+          </a:xfrm>
+          <a:prstGeom prst="rect">
+            <a:avLst/>
+          </a:prstGeom>
+          <a:noFill/>
+          <a:extLst>
+            <a:ext uri="{909E8E84-426E-40DD-AFC4-6F175D3DCCD1}">
+              <a14:hiddenFill xmlns:a14="http://schemas.microsoft.com/office/drawing/2010/main">
+                <a:solidFill>
+                  <a:srgbClr val="FFFFFF"/>
+                </a:solidFill>
+              </a14:hiddenFill>
+            </a:ext>
+          </a:extLst>
+        </p:spPr>
+      </p:pic>
+      <p:pic>
+        <p:nvPicPr>
+          <p:cNvPr id="4100" name="Picture 4" descr="Image of HSV color wheel for openCV? - Stack Overflow"/>
+          <p:cNvPicPr>
+            <a:picLocks noChangeAspect="1" noChangeArrowheads="1"/>
+          </p:cNvPicPr>
+          <p:nvPr/>
+        </p:nvPicPr>
+        <p:blipFill>
+          <a:blip r:embed="rId6">
+            <a:extLst>
+              <a:ext uri="{28A0092B-C50C-407E-A947-70E740481C1C}">
+                <a14:useLocalDpi xmlns:a14="http://schemas.microsoft.com/office/drawing/2010/main" val="0"/>
+              </a:ext>
+            </a:extLst>
+          </a:blip>
+          <a:srcRect/>
+          <a:stretch>
+            <a:fillRect/>
+          </a:stretch>
+        </p:blipFill>
+        <p:spPr bwMode="auto">
+          <a:xfrm>
+            <a:off x="1335839" y="4273054"/>
+            <a:ext cx="2363720" cy="2356334"/>
+          </a:xfrm>
+          <a:prstGeom prst="rect">
+            <a:avLst/>
+          </a:prstGeom>
+          <a:noFill/>
+          <a:extLst>
+            <a:ext uri="{909E8E84-426E-40DD-AFC4-6F175D3DCCD1}">
+              <a14:hiddenFill xmlns:a14="http://schemas.microsoft.com/office/drawing/2010/main">
+                <a:solidFill>
+                  <a:srgbClr val="FFFFFF"/>
+                </a:solidFill>
+              </a14:hiddenFill>
+            </a:ext>
+          </a:extLst>
+        </p:spPr>
+      </p:pic>
+      <p:pic>
+        <p:nvPicPr>
+          <p:cNvPr id="10" name="Picture 2">
+            <a:extLst>
+              <a:ext uri="{FF2B5EF4-FFF2-40B4-BE49-F238E27FC236}">
+                <a16:creationId xmlns:a16="http://schemas.microsoft.com/office/drawing/2014/main" id="{2695748B-63A5-4227-AC6B-BC7A04656860}"/>
+              </a:ext>
+            </a:extLst>
+          </p:cNvPr>
+          <p:cNvPicPr>
+            <a:picLocks noChangeAspect="1"/>
+          </p:cNvPicPr>
+          <p:nvPr/>
+        </p:nvPicPr>
+        <p:blipFill rotWithShape="1">
+          <a:blip r:embed="rId7"/>
+          <a:srcRect l="23718" t="22234" r="29921" b="23202"/>
+          <a:stretch/>
+        </p:blipFill>
+        <p:spPr>
+          <a:xfrm>
+            <a:off x="5416062" y="2277209"/>
+            <a:ext cx="1424354" cy="1257300"/>
+          </a:xfrm>
+          <a:prstGeom prst="rect">
+            <a:avLst/>
+          </a:prstGeom>
+        </p:spPr>
+      </p:pic>
+      <p:sp>
+        <p:nvSpPr>
+          <p:cNvPr id="11" name="Arrow: Right 18">
+            <a:extLst>
+              <a:ext uri="{FF2B5EF4-FFF2-40B4-BE49-F238E27FC236}">
+                <a16:creationId xmlns:a16="http://schemas.microsoft.com/office/drawing/2014/main" id="{25BCDD50-0403-459E-97B4-0E7575D551FE}"/>
+              </a:ext>
+            </a:extLst>
+          </p:cNvPr>
+          <p:cNvSpPr/>
+          <p:nvPr/>
+        </p:nvSpPr>
+        <p:spPr>
+          <a:xfrm rot="9280579">
+            <a:off x="3192921" y="3451471"/>
+            <a:ext cx="1442597" cy="262970"/>
+          </a:xfrm>
+          <a:prstGeom prst="rightArrow">
+            <a:avLst/>
+          </a:prstGeom>
+        </p:spPr>
+        <p:style>
+          <a:lnRef idx="2">
+            <a:schemeClr val="accent1">
+              <a:shade val="50000"/>
+            </a:schemeClr>
+          </a:lnRef>
+          <a:fillRef idx="1">
+            <a:schemeClr val="accent1"/>
+          </a:fillRef>
+          <a:effectRef idx="0">
+            <a:schemeClr val="accent1"/>
+          </a:effectRef>
+          <a:fontRef idx="minor">
+            <a:schemeClr val="lt1"/>
+          </a:fontRef>
+        </p:style>
+        <p:txBody>
+          <a:bodyPr rtlCol="0" anchor="ctr"/>
+          <a:lstStyle/>
+          <a:p>
+            <a:pPr algn="ctr"/>
+            <a:endParaRPr lang="en-GB"/>
+          </a:p>
+        </p:txBody>
+      </p:sp>
+      <p:sp>
+        <p:nvSpPr>
+          <p:cNvPr id="14" name="Arrow: Right 18">
+            <a:extLst>
+              <a:ext uri="{FF2B5EF4-FFF2-40B4-BE49-F238E27FC236}">
+                <a16:creationId xmlns:a16="http://schemas.microsoft.com/office/drawing/2014/main" id="{25BCDD50-0403-459E-97B4-0E7575D551FE}"/>
+              </a:ext>
+            </a:extLst>
+          </p:cNvPr>
+          <p:cNvSpPr/>
+          <p:nvPr/>
+        </p:nvSpPr>
+        <p:spPr>
+          <a:xfrm rot="5400000">
+            <a:off x="6016333" y="3902303"/>
+            <a:ext cx="405037" cy="173156"/>
+          </a:xfrm>
+          <a:prstGeom prst="rightArrow">
+            <a:avLst/>
+          </a:prstGeom>
+        </p:spPr>
+        <p:style>
+          <a:lnRef idx="2">
+            <a:schemeClr val="accent1">
+              <a:shade val="50000"/>
+            </a:schemeClr>
+          </a:lnRef>
+          <a:fillRef idx="1">
+            <a:schemeClr val="accent1"/>
+          </a:fillRef>
+          <a:effectRef idx="0">
+            <a:schemeClr val="accent1"/>
+          </a:effectRef>
+          <a:fontRef idx="minor">
+            <a:schemeClr val="lt1"/>
+          </a:fontRef>
+        </p:style>
+        <p:txBody>
+          <a:bodyPr rtlCol="0" anchor="ctr"/>
+          <a:lstStyle/>
+          <a:p>
+            <a:pPr algn="ctr"/>
+            <a:endParaRPr lang="en-GB"/>
+          </a:p>
+        </p:txBody>
+      </p:sp>
+      <p:sp>
+        <p:nvSpPr>
+          <p:cNvPr id="15" name="Arrow: Right 18">
+            <a:extLst>
+              <a:ext uri="{FF2B5EF4-FFF2-40B4-BE49-F238E27FC236}">
+                <a16:creationId xmlns:a16="http://schemas.microsoft.com/office/drawing/2014/main" id="{25BCDD50-0403-459E-97B4-0E7575D551FE}"/>
+              </a:ext>
+            </a:extLst>
+          </p:cNvPr>
+          <p:cNvSpPr/>
+          <p:nvPr/>
+        </p:nvSpPr>
+        <p:spPr>
+          <a:xfrm rot="2646577">
+            <a:off x="7572596" y="3616403"/>
+            <a:ext cx="1442597" cy="262970"/>
+          </a:xfrm>
+          <a:prstGeom prst="rightArrow">
+            <a:avLst/>
+          </a:prstGeom>
+        </p:spPr>
+        <p:style>
+          <a:lnRef idx="2">
+            <a:schemeClr val="accent1">
+              <a:shade val="50000"/>
+            </a:schemeClr>
+          </a:lnRef>
+          <a:fillRef idx="1">
+            <a:schemeClr val="accent1"/>
+          </a:fillRef>
+          <a:effectRef idx="0">
+            <a:schemeClr val="accent1"/>
+          </a:effectRef>
+          <a:fontRef idx="minor">
+            <a:schemeClr val="lt1"/>
+          </a:fontRef>
+        </p:style>
+        <p:txBody>
+          <a:bodyPr rtlCol="0" anchor="ctr"/>
+          <a:lstStyle/>
+          <a:p>
+            <a:pPr algn="ctr"/>
+            <a:endParaRPr lang="en-GB"/>
+          </a:p>
+        </p:txBody>
+      </p:sp>
     </p:spTree>
     <p:extLst>
       <p:ext uri="{BB962C8B-B14F-4D97-AF65-F5344CB8AC3E}">
@@ -17417,15 +19042,16 @@
             <a:pPr algn="ctr"/>
             <a:r>
               <a:rPr lang="en-US" sz="4800" dirty="0"/>
-              <a:t>Classification</a:t>
+              <a:t>Feature </a:t>
+            </a:r>
+            <a:r>
+              <a:rPr lang="en-US" sz="4800" dirty="0" smtClean="0"/>
+              <a:t>Engineering</a:t>
             </a:r>
             <a:br>
-              <a:rPr lang="en-US" sz="4800" dirty="0"/>
+              <a:rPr lang="en-US" sz="4800" dirty="0" smtClean="0"/>
             </a:br>
-            <a:r>
-              <a:rPr lang="en-US" sz="4800" dirty="0"/>
-              <a:t>-binary-</a:t>
-            </a:r>
+            <a:endParaRPr lang="en-US" sz="4800" dirty="0"/>
           </a:p>
         </p:txBody>
       </p:sp>
@@ -17638,10 +19264,92 @@
           </a:prstGeom>
         </p:spPr>
       </p:pic>
+      <p:pic>
+        <p:nvPicPr>
+          <p:cNvPr id="3076" name="Picture 4" descr="The 5 Most Useful Techniques to Handle Imbalanced Datasets - KDnuggets"/>
+          <p:cNvPicPr>
+            <a:picLocks noChangeAspect="1" noChangeArrowheads="1"/>
+          </p:cNvPicPr>
+          <p:nvPr/>
+        </p:nvPicPr>
+        <p:blipFill>
+          <a:blip r:embed="rId4">
+            <a:extLst>
+              <a:ext uri="{28A0092B-C50C-407E-A947-70E740481C1C}">
+                <a14:useLocalDpi xmlns:a14="http://schemas.microsoft.com/office/drawing/2010/main" val="0"/>
+              </a:ext>
+            </a:extLst>
+          </a:blip>
+          <a:srcRect/>
+          <a:stretch>
+            <a:fillRect/>
+          </a:stretch>
+        </p:blipFill>
+        <p:spPr bwMode="auto">
+          <a:xfrm>
+            <a:off x="445721" y="2991112"/>
+            <a:ext cx="5967969" cy="1753349"/>
+          </a:xfrm>
+          <a:prstGeom prst="rect">
+            <a:avLst/>
+          </a:prstGeom>
+          <a:noFill/>
+          <a:extLst>
+            <a:ext uri="{909E8E84-426E-40DD-AFC4-6F175D3DCCD1}">
+              <a14:hiddenFill xmlns:a14="http://schemas.microsoft.com/office/drawing/2010/main">
+                <a:solidFill>
+                  <a:srgbClr val="FFFFFF"/>
+                </a:solidFill>
+              </a14:hiddenFill>
+            </a:ext>
+          </a:extLst>
+        </p:spPr>
+      </p:pic>
+      <p:pic>
+        <p:nvPicPr>
+          <p:cNvPr id="3078" name="Picture 6" descr="SMOTE. A technique to overcome class imbalance… | by Emilia Orellana |  Medium"/>
+          <p:cNvPicPr>
+            <a:picLocks noChangeAspect="1" noChangeArrowheads="1"/>
+          </p:cNvPicPr>
+          <p:nvPr/>
+        </p:nvPicPr>
+        <p:blipFill>
+          <a:blip r:embed="rId5">
+            <a:extLst>
+              <a:ext uri="{28A0092B-C50C-407E-A947-70E740481C1C}">
+                <a14:useLocalDpi xmlns:a14="http://schemas.microsoft.com/office/drawing/2010/main" val="0"/>
+              </a:ext>
+            </a:extLst>
+          </a:blip>
+          <a:srcRect/>
+          <a:stretch>
+            <a:fillRect/>
+          </a:stretch>
+        </p:blipFill>
+        <p:spPr bwMode="auto">
+          <a:xfrm>
+            <a:off x="7073592" y="2991112"/>
+            <a:ext cx="3936498" cy="1748605"/>
+          </a:xfrm>
+          <a:prstGeom prst="rect">
+            <a:avLst/>
+          </a:prstGeom>
+          <a:noFill/>
+          <a:extLst>
+            <a:ext uri="{909E8E84-426E-40DD-AFC4-6F175D3DCCD1}">
+              <a14:hiddenFill xmlns:a14="http://schemas.microsoft.com/office/drawing/2010/main">
+                <a:solidFill>
+                  <a:srgbClr val="FFFFFF"/>
+                </a:solidFill>
+              </a14:hiddenFill>
+            </a:ext>
+          </a:extLst>
+        </p:spPr>
+      </p:pic>
     </p:spTree>
     <p:extLst>
       <p:ext uri="{BB962C8B-B14F-4D97-AF65-F5344CB8AC3E}">
-        <p14:creationId xmlns:p14="http://schemas.microsoft.com/office/powerpoint/2010/main" val="1374603998"/>
+        <p14:creationId xmlns:p14="http://schemas.microsoft.com/office/powerpoint/2010/main" val="3196809179"/>
       </p:ext>
     </p:extLst>
   </p:cSld>

--- a/Presentation_updated.pptx
+++ b/Presentation_updated.pptx
@@ -128,6 +128,753 @@
 </file>
 
 <file path=ppt/diagrams/colors1.xml><?xml version="1.0" encoding="utf-8"?>
+<dgm:colorsDef xmlns:dgm="http://schemas.openxmlformats.org/drawingml/2006/diagram" xmlns:a="http://schemas.openxmlformats.org/drawingml/2006/main" uniqueId="urn:microsoft.com/office/officeart/2005/8/colors/accent1_2">
+  <dgm:title val=""/>
+  <dgm:desc val=""/>
+  <dgm:catLst>
+    <dgm:cat type="accent1" pri="11200"/>
+  </dgm:catLst>
+  <dgm:styleLbl name="node0">
+    <dgm:fillClrLst meth="repeat">
+      <a:schemeClr val="accent1"/>
+    </dgm:fillClrLst>
+    <dgm:linClrLst meth="repeat">
+      <a:schemeClr val="lt1"/>
+    </dgm:linClrLst>
+    <dgm:effectClrLst/>
+    <dgm:txLinClrLst/>
+    <dgm:txFillClrLst/>
+    <dgm:txEffectClrLst/>
+  </dgm:styleLbl>
+  <dgm:styleLbl name="alignNode1">
+    <dgm:fillClrLst meth="repeat">
+      <a:schemeClr val="accent1"/>
+    </dgm:fillClrLst>
+    <dgm:linClrLst meth="repeat">
+      <a:schemeClr val="accent1"/>
+    </dgm:linClrLst>
+    <dgm:effectClrLst/>
+    <dgm:txLinClrLst/>
+    <dgm:txFillClrLst/>
+    <dgm:txEffectClrLst/>
+  </dgm:styleLbl>
+  <dgm:styleLbl name="node1">
+    <dgm:fillClrLst meth="repeat">
+      <a:schemeClr val="accent1"/>
+    </dgm:fillClrLst>
+    <dgm:linClrLst meth="repeat">
+      <a:schemeClr val="lt1"/>
+    </dgm:linClrLst>
+    <dgm:effectClrLst/>
+    <dgm:txLinClrLst/>
+    <dgm:txFillClrLst/>
+    <dgm:txEffectClrLst/>
+  </dgm:styleLbl>
+  <dgm:styleLbl name="lnNode1">
+    <dgm:fillClrLst meth="repeat">
+      <a:schemeClr val="accent1"/>
+    </dgm:fillClrLst>
+    <dgm:linClrLst meth="repeat">
+      <a:schemeClr val="lt1"/>
+    </dgm:linClrLst>
+    <dgm:effectClrLst/>
+    <dgm:txLinClrLst/>
+    <dgm:txFillClrLst/>
+    <dgm:txEffectClrLst/>
+  </dgm:styleLbl>
+  <dgm:styleLbl name="vennNode1">
+    <dgm:fillClrLst meth="repeat">
+      <a:schemeClr val="accent1">
+        <a:alpha val="50000"/>
+      </a:schemeClr>
+    </dgm:fillClrLst>
+    <dgm:linClrLst meth="repeat">
+      <a:schemeClr val="lt1"/>
+    </dgm:linClrLst>
+    <dgm:effectClrLst/>
+    <dgm:txLinClrLst/>
+    <dgm:txFillClrLst/>
+    <dgm:txEffectClrLst/>
+  </dgm:styleLbl>
+  <dgm:styleLbl name="node2">
+    <dgm:fillClrLst meth="repeat">
+      <a:schemeClr val="accent1"/>
+    </dgm:fillClrLst>
+    <dgm:linClrLst meth="repeat">
+      <a:schemeClr val="lt1"/>
+    </dgm:linClrLst>
+    <dgm:effectClrLst/>
+    <dgm:txLinClrLst/>
+    <dgm:txFillClrLst/>
+    <dgm:txEffectClrLst/>
+  </dgm:styleLbl>
+  <dgm:styleLbl name="node3">
+    <dgm:fillClrLst meth="repeat">
+      <a:schemeClr val="accent1"/>
+    </dgm:fillClrLst>
+    <dgm:linClrLst meth="repeat">
+      <a:schemeClr val="lt1"/>
+    </dgm:linClrLst>
+    <dgm:effectClrLst/>
+    <dgm:txLinClrLst/>
+    <dgm:txFillClrLst/>
+    <dgm:txEffectClrLst/>
+  </dgm:styleLbl>
+  <dgm:styleLbl name="node4">
+    <dgm:fillClrLst meth="repeat">
+      <a:schemeClr val="accent1"/>
+    </dgm:fillClrLst>
+    <dgm:linClrLst meth="repeat">
+      <a:schemeClr val="lt1"/>
+    </dgm:linClrLst>
+    <dgm:effectClrLst/>
+    <dgm:txLinClrLst/>
+    <dgm:txFillClrLst/>
+    <dgm:txEffectClrLst/>
+  </dgm:styleLbl>
+  <dgm:styleLbl name="fgImgPlace1">
+    <dgm:fillClrLst meth="repeat">
+      <a:schemeClr val="accent1">
+        <a:tint val="50000"/>
+      </a:schemeClr>
+    </dgm:fillClrLst>
+    <dgm:linClrLst meth="repeat">
+      <a:schemeClr val="lt1"/>
+    </dgm:linClrLst>
+    <dgm:effectClrLst/>
+    <dgm:txLinClrLst/>
+    <dgm:txFillClrLst meth="repeat">
+      <a:schemeClr val="lt1"/>
+    </dgm:txFillClrLst>
+    <dgm:txEffectClrLst/>
+  </dgm:styleLbl>
+  <dgm:styleLbl name="alignImgPlace1">
+    <dgm:fillClrLst meth="repeat">
+      <a:schemeClr val="accent1">
+        <a:tint val="50000"/>
+      </a:schemeClr>
+    </dgm:fillClrLst>
+    <dgm:linClrLst meth="repeat">
+      <a:schemeClr val="lt1"/>
+    </dgm:linClrLst>
+    <dgm:effectClrLst/>
+    <dgm:txLinClrLst/>
+    <dgm:txFillClrLst meth="repeat">
+      <a:schemeClr val="lt1"/>
+    </dgm:txFillClrLst>
+    <dgm:txEffectClrLst/>
+  </dgm:styleLbl>
+  <dgm:styleLbl name="bgImgPlace1">
+    <dgm:fillClrLst meth="repeat">
+      <a:schemeClr val="accent1">
+        <a:tint val="50000"/>
+      </a:schemeClr>
+    </dgm:fillClrLst>
+    <dgm:linClrLst meth="repeat">
+      <a:schemeClr val="lt1"/>
+    </dgm:linClrLst>
+    <dgm:effectClrLst/>
+    <dgm:txLinClrLst/>
+    <dgm:txFillClrLst meth="repeat">
+      <a:schemeClr val="lt1"/>
+    </dgm:txFillClrLst>
+    <dgm:txEffectClrLst/>
+  </dgm:styleLbl>
+  <dgm:styleLbl name="sibTrans2D1">
+    <dgm:fillClrLst meth="repeat">
+      <a:schemeClr val="accent1">
+        <a:tint val="60000"/>
+      </a:schemeClr>
+    </dgm:fillClrLst>
+    <dgm:linClrLst meth="repeat">
+      <a:schemeClr val="accent1">
+        <a:tint val="60000"/>
+      </a:schemeClr>
+    </dgm:linClrLst>
+    <dgm:effectClrLst/>
+    <dgm:txLinClrLst/>
+    <dgm:txFillClrLst/>
+    <dgm:txEffectClrLst/>
+  </dgm:styleLbl>
+  <dgm:styleLbl name="fgSibTrans2D1">
+    <dgm:fillClrLst meth="repeat">
+      <a:schemeClr val="accent1">
+        <a:tint val="60000"/>
+      </a:schemeClr>
+    </dgm:fillClrLst>
+    <dgm:linClrLst meth="repeat">
+      <a:schemeClr val="accent1">
+        <a:tint val="60000"/>
+      </a:schemeClr>
+    </dgm:linClrLst>
+    <dgm:effectClrLst/>
+    <dgm:txLinClrLst/>
+    <dgm:txFillClrLst/>
+    <dgm:txEffectClrLst/>
+  </dgm:styleLbl>
+  <dgm:styleLbl name="bgSibTrans2D1">
+    <dgm:fillClrLst meth="repeat">
+      <a:schemeClr val="accent1">
+        <a:tint val="60000"/>
+      </a:schemeClr>
+    </dgm:fillClrLst>
+    <dgm:linClrLst meth="repeat">
+      <a:schemeClr val="accent1">
+        <a:tint val="60000"/>
+      </a:schemeClr>
+    </dgm:linClrLst>
+    <dgm:effectClrLst/>
+    <dgm:txLinClrLst/>
+    <dgm:txFillClrLst/>
+    <dgm:txEffectClrLst/>
+  </dgm:styleLbl>
+  <dgm:styleLbl name="sibTrans1D1">
+    <dgm:fillClrLst meth="repeat">
+      <a:schemeClr val="accent1"/>
+    </dgm:fillClrLst>
+    <dgm:linClrLst meth="repeat">
+      <a:schemeClr val="accent1"/>
+    </dgm:linClrLst>
+    <dgm:effectClrLst/>
+    <dgm:txLinClrLst/>
+    <dgm:txFillClrLst meth="repeat">
+      <a:schemeClr val="tx1"/>
+    </dgm:txFillClrLst>
+    <dgm:txEffectClrLst/>
+  </dgm:styleLbl>
+  <dgm:styleLbl name="callout">
+    <dgm:fillClrLst meth="repeat">
+      <a:schemeClr val="accent1"/>
+    </dgm:fillClrLst>
+    <dgm:linClrLst meth="repeat">
+      <a:schemeClr val="accent1">
+        <a:tint val="50000"/>
+      </a:schemeClr>
+    </dgm:linClrLst>
+    <dgm:effectClrLst/>
+    <dgm:txLinClrLst/>
+    <dgm:txFillClrLst meth="repeat">
+      <a:schemeClr val="tx1"/>
+    </dgm:txFillClrLst>
+    <dgm:txEffectClrLst/>
+  </dgm:styleLbl>
+  <dgm:styleLbl name="asst0">
+    <dgm:fillClrLst meth="repeat">
+      <a:schemeClr val="accent1"/>
+    </dgm:fillClrLst>
+    <dgm:linClrLst meth="repeat">
+      <a:schemeClr val="lt1"/>
+    </dgm:linClrLst>
+    <dgm:effectClrLst/>
+    <dgm:txLinClrLst/>
+    <dgm:txFillClrLst/>
+    <dgm:txEffectClrLst/>
+  </dgm:styleLbl>
+  <dgm:styleLbl name="asst1">
+    <dgm:fillClrLst meth="repeat">
+      <a:schemeClr val="accent1"/>
+    </dgm:fillClrLst>
+    <dgm:linClrLst meth="repeat">
+      <a:schemeClr val="lt1"/>
+    </dgm:linClrLst>
+    <dgm:effectClrLst/>
+    <dgm:txLinClrLst/>
+    <dgm:txFillClrLst/>
+    <dgm:txEffectClrLst/>
+  </dgm:styleLbl>
+  <dgm:styleLbl name="asst2">
+    <dgm:fillClrLst meth="repeat">
+      <a:schemeClr val="accent1"/>
+    </dgm:fillClrLst>
+    <dgm:linClrLst meth="repeat">
+      <a:schemeClr val="lt1"/>
+    </dgm:linClrLst>
+    <dgm:effectClrLst/>
+    <dgm:txLinClrLst/>
+    <dgm:txFillClrLst/>
+    <dgm:txEffectClrLst/>
+  </dgm:styleLbl>
+  <dgm:styleLbl name="asst3">
+    <dgm:fillClrLst meth="repeat">
+      <a:schemeClr val="accent1"/>
+    </dgm:fillClrLst>
+    <dgm:linClrLst meth="repeat">
+      <a:schemeClr val="lt1"/>
+    </dgm:linClrLst>
+    <dgm:effectClrLst/>
+    <dgm:txLinClrLst/>
+    <dgm:txFillClrLst/>
+    <dgm:txEffectClrLst/>
+  </dgm:styleLbl>
+  <dgm:styleLbl name="asst4">
+    <dgm:fillClrLst meth="repeat">
+      <a:schemeClr val="accent1"/>
+    </dgm:fillClrLst>
+    <dgm:linClrLst meth="repeat">
+      <a:schemeClr val="lt1"/>
+    </dgm:linClrLst>
+    <dgm:effectClrLst/>
+    <dgm:txLinClrLst/>
+    <dgm:txFillClrLst/>
+    <dgm:txEffectClrLst/>
+  </dgm:styleLbl>
+  <dgm:styleLbl name="parChTrans2D1">
+    <dgm:fillClrLst meth="repeat">
+      <a:schemeClr val="accent1">
+        <a:tint val="60000"/>
+      </a:schemeClr>
+    </dgm:fillClrLst>
+    <dgm:linClrLst meth="repeat">
+      <a:schemeClr val="accent1">
+        <a:tint val="60000"/>
+      </a:schemeClr>
+    </dgm:linClrLst>
+    <dgm:effectClrLst/>
+    <dgm:txLinClrLst/>
+    <dgm:txFillClrLst meth="repeat">
+      <a:schemeClr val="lt1"/>
+    </dgm:txFillClrLst>
+    <dgm:txEffectClrLst/>
+  </dgm:styleLbl>
+  <dgm:styleLbl name="parChTrans2D2">
+    <dgm:fillClrLst meth="repeat">
+      <a:schemeClr val="accent1"/>
+    </dgm:fillClrLst>
+    <dgm:linClrLst meth="repeat">
+      <a:schemeClr val="accent1"/>
+    </dgm:linClrLst>
+    <dgm:effectClrLst/>
+    <dgm:txLinClrLst/>
+    <dgm:txFillClrLst meth="repeat">
+      <a:schemeClr val="lt1"/>
+    </dgm:txFillClrLst>
+    <dgm:txEffectClrLst/>
+  </dgm:styleLbl>
+  <dgm:styleLbl name="parChTrans2D3">
+    <dgm:fillClrLst meth="repeat">
+      <a:schemeClr val="accent1"/>
+    </dgm:fillClrLst>
+    <dgm:linClrLst meth="repeat">
+      <a:schemeClr val="accent1"/>
+    </dgm:linClrLst>
+    <dgm:effectClrLst/>
+    <dgm:txLinClrLst/>
+    <dgm:txFillClrLst meth="repeat">
+      <a:schemeClr val="lt1"/>
+    </dgm:txFillClrLst>
+    <dgm:txEffectClrLst/>
+  </dgm:styleLbl>
+  <dgm:styleLbl name="parChTrans2D4">
+    <dgm:fillClrLst meth="repeat">
+      <a:schemeClr val="accent1"/>
+    </dgm:fillClrLst>
+    <dgm:linClrLst meth="repeat">
+      <a:schemeClr val="accent1"/>
+    </dgm:linClrLst>
+    <dgm:effectClrLst/>
+    <dgm:txLinClrLst/>
+    <dgm:txFillClrLst meth="repeat">
+      <a:schemeClr val="lt1"/>
+    </dgm:txFillClrLst>
+    <dgm:txEffectClrLst/>
+  </dgm:styleLbl>
+  <dgm:styleLbl name="parChTrans1D1">
+    <dgm:fillClrLst meth="repeat">
+      <a:schemeClr val="accent1"/>
+    </dgm:fillClrLst>
+    <dgm:linClrLst meth="repeat">
+      <a:schemeClr val="accent1">
+        <a:shade val="60000"/>
+      </a:schemeClr>
+    </dgm:linClrLst>
+    <dgm:effectClrLst/>
+    <dgm:txLinClrLst/>
+    <dgm:txFillClrLst meth="repeat">
+      <a:schemeClr val="tx1"/>
+    </dgm:txFillClrLst>
+    <dgm:txEffectClrLst/>
+  </dgm:styleLbl>
+  <dgm:styleLbl name="parChTrans1D2">
+    <dgm:fillClrLst meth="repeat">
+      <a:schemeClr val="accent1"/>
+    </dgm:fillClrLst>
+    <dgm:linClrLst meth="repeat">
+      <a:schemeClr val="accent1">
+        <a:shade val="60000"/>
+      </a:schemeClr>
+    </dgm:linClrLst>
+    <dgm:effectClrLst/>
+    <dgm:txLinClrLst/>
+    <dgm:txFillClrLst meth="repeat">
+      <a:schemeClr val="tx1"/>
+    </dgm:txFillClrLst>
+    <dgm:txEffectClrLst/>
+  </dgm:styleLbl>
+  <dgm:styleLbl name="parChTrans1D3">
+    <dgm:fillClrLst meth="repeat">
+      <a:schemeClr val="accent1"/>
+    </dgm:fillClrLst>
+    <dgm:linClrLst meth="repeat">
+      <a:schemeClr val="accent1">
+        <a:shade val="80000"/>
+      </a:schemeClr>
+    </dgm:linClrLst>
+    <dgm:effectClrLst/>
+    <dgm:txLinClrLst/>
+    <dgm:txFillClrLst meth="repeat">
+      <a:schemeClr val="tx1"/>
+    </dgm:txFillClrLst>
+    <dgm:txEffectClrLst/>
+  </dgm:styleLbl>
+  <dgm:styleLbl name="parChTrans1D4">
+    <dgm:fillClrLst meth="repeat">
+      <a:schemeClr val="accent1"/>
+    </dgm:fillClrLst>
+    <dgm:linClrLst meth="repeat">
+      <a:schemeClr val="accent1">
+        <a:shade val="80000"/>
+      </a:schemeClr>
+    </dgm:linClrLst>
+    <dgm:effectClrLst/>
+    <dgm:txLinClrLst/>
+    <dgm:txFillClrLst meth="repeat">
+      <a:schemeClr val="tx1"/>
+    </dgm:txFillClrLst>
+    <dgm:txEffectClrLst/>
+  </dgm:styleLbl>
+  <dgm:styleLbl name="fgAcc1">
+    <dgm:fillClrLst meth="repeat">
+      <a:schemeClr val="lt1">
+        <a:alpha val="90000"/>
+      </a:schemeClr>
+    </dgm:fillClrLst>
+    <dgm:linClrLst meth="repeat">
+      <a:schemeClr val="accent1"/>
+    </dgm:linClrLst>
+    <dgm:effectClrLst/>
+    <dgm:txLinClrLst/>
+    <dgm:txFillClrLst meth="repeat">
+      <a:schemeClr val="dk1"/>
+    </dgm:txFillClrLst>
+    <dgm:txEffectClrLst/>
+  </dgm:styleLbl>
+  <dgm:styleLbl name="conFgAcc1">
+    <dgm:fillClrLst meth="repeat">
+      <a:schemeClr val="lt1">
+        <a:alpha val="90000"/>
+      </a:schemeClr>
+    </dgm:fillClrLst>
+    <dgm:linClrLst meth="repeat">
+      <a:schemeClr val="accent1"/>
+    </dgm:linClrLst>
+    <dgm:effectClrLst/>
+    <dgm:txLinClrLst/>
+    <dgm:txFillClrLst meth="repeat">
+      <a:schemeClr val="dk1"/>
+    </dgm:txFillClrLst>
+    <dgm:txEffectClrLst/>
+  </dgm:styleLbl>
+  <dgm:styleLbl name="alignAcc1">
+    <dgm:fillClrLst meth="repeat">
+      <a:schemeClr val="lt1">
+        <a:alpha val="90000"/>
+      </a:schemeClr>
+    </dgm:fillClrLst>
+    <dgm:linClrLst meth="repeat">
+      <a:schemeClr val="accent1"/>
+    </dgm:linClrLst>
+    <dgm:effectClrLst/>
+    <dgm:txLinClrLst/>
+    <dgm:txFillClrLst meth="repeat">
+      <a:schemeClr val="dk1"/>
+    </dgm:txFillClrLst>
+    <dgm:txEffectClrLst/>
+  </dgm:styleLbl>
+  <dgm:styleLbl name="trAlignAcc1">
+    <dgm:fillClrLst meth="repeat">
+      <a:schemeClr val="lt1">
+        <a:alpha val="40000"/>
+      </a:schemeClr>
+    </dgm:fillClrLst>
+    <dgm:linClrLst meth="repeat">
+      <a:schemeClr val="accent1"/>
+    </dgm:linClrLst>
+    <dgm:effectClrLst/>
+    <dgm:txLinClrLst/>
+    <dgm:txFillClrLst meth="repeat">
+      <a:schemeClr val="dk1"/>
+    </dgm:txFillClrLst>
+    <dgm:txEffectClrLst/>
+  </dgm:styleLbl>
+  <dgm:styleLbl name="bgAcc1">
+    <dgm:fillClrLst meth="repeat">
+      <a:schemeClr val="lt1">
+        <a:alpha val="90000"/>
+      </a:schemeClr>
+    </dgm:fillClrLst>
+    <dgm:linClrLst meth="repeat">
+      <a:schemeClr val="accent1"/>
+    </dgm:linClrLst>
+    <dgm:effectClrLst/>
+    <dgm:txLinClrLst/>
+    <dgm:txFillClrLst meth="repeat">
+      <a:schemeClr val="dk1"/>
+    </dgm:txFillClrLst>
+    <dgm:txEffectClrLst/>
+  </dgm:styleLbl>
+  <dgm:styleLbl name="solidFgAcc1">
+    <dgm:fillClrLst meth="repeat">
+      <a:schemeClr val="lt1"/>
+    </dgm:fillClrLst>
+    <dgm:linClrLst meth="repeat">
+      <a:schemeClr val="accent1"/>
+    </dgm:linClrLst>
+    <dgm:effectClrLst/>
+    <dgm:txLinClrLst/>
+    <dgm:txFillClrLst meth="repeat">
+      <a:schemeClr val="dk1"/>
+    </dgm:txFillClrLst>
+    <dgm:txEffectClrLst/>
+  </dgm:styleLbl>
+  <dgm:styleLbl name="solidAlignAcc1">
+    <dgm:fillClrLst meth="repeat">
+      <a:schemeClr val="lt1"/>
+    </dgm:fillClrLst>
+    <dgm:linClrLst meth="repeat">
+      <a:schemeClr val="accent1"/>
+    </dgm:linClrLst>
+    <dgm:effectClrLst/>
+    <dgm:txLinClrLst/>
+    <dgm:txFillClrLst meth="repeat">
+      <a:schemeClr val="dk1"/>
+    </dgm:txFillClrLst>
+    <dgm:txEffectClrLst/>
+  </dgm:styleLbl>
+  <dgm:styleLbl name="solidBgAcc1">
+    <dgm:fillClrLst meth="repeat">
+      <a:schemeClr val="lt1"/>
+    </dgm:fillClrLst>
+    <dgm:linClrLst meth="repeat">
+      <a:schemeClr val="accent1"/>
+    </dgm:linClrLst>
+    <dgm:effectClrLst/>
+    <dgm:txLinClrLst/>
+    <dgm:txFillClrLst meth="repeat">
+      <a:schemeClr val="dk1"/>
+    </dgm:txFillClrLst>
+    <dgm:txEffectClrLst/>
+  </dgm:styleLbl>
+  <dgm:styleLbl name="fgAccFollowNode1">
+    <dgm:fillClrLst meth="repeat">
+      <a:schemeClr val="accent1">
+        <a:alpha val="90000"/>
+        <a:tint val="40000"/>
+      </a:schemeClr>
+    </dgm:fillClrLst>
+    <dgm:linClrLst meth="repeat">
+      <a:schemeClr val="accent1">
+        <a:alpha val="90000"/>
+        <a:tint val="40000"/>
+      </a:schemeClr>
+    </dgm:linClrLst>
+    <dgm:effectClrLst/>
+    <dgm:txLinClrLst/>
+    <dgm:txFillClrLst meth="repeat">
+      <a:schemeClr val="dk1"/>
+    </dgm:txFillClrLst>
+    <dgm:txEffectClrLst/>
+  </dgm:styleLbl>
+  <dgm:styleLbl name="alignAccFollowNode1">
+    <dgm:fillClrLst meth="repeat">
+      <a:schemeClr val="accent1">
+        <a:alpha val="90000"/>
+        <a:tint val="40000"/>
+      </a:schemeClr>
+    </dgm:fillClrLst>
+    <dgm:linClrLst meth="repeat">
+      <a:schemeClr val="accent1">
+        <a:alpha val="90000"/>
+        <a:tint val="40000"/>
+      </a:schemeClr>
+    </dgm:linClrLst>
+    <dgm:effectClrLst/>
+    <dgm:txLinClrLst/>
+    <dgm:txFillClrLst meth="repeat">
+      <a:schemeClr val="dk1"/>
+    </dgm:txFillClrLst>
+    <dgm:txEffectClrLst/>
+  </dgm:styleLbl>
+  <dgm:styleLbl name="bgAccFollowNode1">
+    <dgm:fillClrLst meth="repeat">
+      <a:schemeClr val="accent1">
+        <a:alpha val="90000"/>
+        <a:tint val="40000"/>
+      </a:schemeClr>
+    </dgm:fillClrLst>
+    <dgm:linClrLst meth="repeat">
+      <a:schemeClr val="accent1">
+        <a:alpha val="90000"/>
+        <a:tint val="40000"/>
+      </a:schemeClr>
+    </dgm:linClrLst>
+    <dgm:effectClrLst/>
+    <dgm:txLinClrLst/>
+    <dgm:txFillClrLst meth="repeat">
+      <a:schemeClr val="dk1"/>
+    </dgm:txFillClrLst>
+    <dgm:txEffectClrLst/>
+  </dgm:styleLbl>
+  <dgm:styleLbl name="fgAcc0">
+    <dgm:fillClrLst meth="repeat">
+      <a:schemeClr val="lt1">
+        <a:alpha val="90000"/>
+      </a:schemeClr>
+    </dgm:fillClrLst>
+    <dgm:linClrLst meth="repeat">
+      <a:schemeClr val="accent1"/>
+    </dgm:linClrLst>
+    <dgm:effectClrLst/>
+    <dgm:txLinClrLst/>
+    <dgm:txFillClrLst meth="repeat">
+      <a:schemeClr val="dk1"/>
+    </dgm:txFillClrLst>
+    <dgm:txEffectClrLst/>
+  </dgm:styleLbl>
+  <dgm:styleLbl name="fgAcc2">
+    <dgm:fillClrLst meth="repeat">
+      <a:schemeClr val="lt1">
+        <a:alpha val="90000"/>
+      </a:schemeClr>
+    </dgm:fillClrLst>
+    <dgm:linClrLst meth="repeat">
+      <a:schemeClr val="accent1"/>
+    </dgm:linClrLst>
+    <dgm:effectClrLst/>
+    <dgm:txLinClrLst/>
+    <dgm:txFillClrLst meth="repeat">
+      <a:schemeClr val="dk1"/>
+    </dgm:txFillClrLst>
+    <dgm:txEffectClrLst/>
+  </dgm:styleLbl>
+  <dgm:styleLbl name="fgAcc3">
+    <dgm:fillClrLst meth="repeat">
+      <a:schemeClr val="lt1">
+        <a:alpha val="90000"/>
+      </a:schemeClr>
+    </dgm:fillClrLst>
+    <dgm:linClrLst meth="repeat">
+      <a:schemeClr val="accent1"/>
+    </dgm:linClrLst>
+    <dgm:effectClrLst/>
+    <dgm:txLinClrLst/>
+    <dgm:txFillClrLst meth="repeat">
+      <a:schemeClr val="dk1"/>
+    </dgm:txFillClrLst>
+    <dgm:txEffectClrLst/>
+  </dgm:styleLbl>
+  <dgm:styleLbl name="fgAcc4">
+    <dgm:fillClrLst meth="repeat">
+      <a:schemeClr val="lt1">
+        <a:alpha val="90000"/>
+      </a:schemeClr>
+    </dgm:fillClrLst>
+    <dgm:linClrLst meth="repeat">
+      <a:schemeClr val="accent1"/>
+    </dgm:linClrLst>
+    <dgm:effectClrLst/>
+    <dgm:txLinClrLst/>
+    <dgm:txFillClrLst meth="repeat">
+      <a:schemeClr val="dk1"/>
+    </dgm:txFillClrLst>
+    <dgm:txEffectClrLst/>
+  </dgm:styleLbl>
+  <dgm:styleLbl name="bgShp">
+    <dgm:fillClrLst meth="repeat">
+      <a:schemeClr val="accent1">
+        <a:tint val="40000"/>
+      </a:schemeClr>
+    </dgm:fillClrLst>
+    <dgm:linClrLst meth="repeat">
+      <a:schemeClr val="accent1"/>
+    </dgm:linClrLst>
+    <dgm:effectClrLst/>
+    <dgm:txLinClrLst/>
+    <dgm:txFillClrLst meth="repeat">
+      <a:schemeClr val="dk1"/>
+    </dgm:txFillClrLst>
+    <dgm:txEffectClrLst/>
+  </dgm:styleLbl>
+  <dgm:styleLbl name="dkBgShp">
+    <dgm:fillClrLst meth="repeat">
+      <a:schemeClr val="accent1">
+        <a:shade val="80000"/>
+      </a:schemeClr>
+    </dgm:fillClrLst>
+    <dgm:linClrLst meth="repeat">
+      <a:schemeClr val="accent1"/>
+    </dgm:linClrLst>
+    <dgm:effectClrLst/>
+    <dgm:txLinClrLst/>
+    <dgm:txFillClrLst meth="repeat">
+      <a:schemeClr val="lt1"/>
+    </dgm:txFillClrLst>
+    <dgm:txEffectClrLst/>
+  </dgm:styleLbl>
+  <dgm:styleLbl name="trBgShp">
+    <dgm:fillClrLst meth="repeat">
+      <a:schemeClr val="accent1">
+        <a:tint val="50000"/>
+        <a:alpha val="40000"/>
+      </a:schemeClr>
+    </dgm:fillClrLst>
+    <dgm:linClrLst meth="repeat">
+      <a:schemeClr val="accent1"/>
+    </dgm:linClrLst>
+    <dgm:effectClrLst/>
+    <dgm:txLinClrLst/>
+    <dgm:txFillClrLst meth="repeat">
+      <a:schemeClr val="lt1"/>
+    </dgm:txFillClrLst>
+    <dgm:txEffectClrLst/>
+  </dgm:styleLbl>
+  <dgm:styleLbl name="fgShp">
+    <dgm:fillClrLst meth="repeat">
+      <a:schemeClr val="accent1">
+        <a:tint val="60000"/>
+      </a:schemeClr>
+    </dgm:fillClrLst>
+    <dgm:linClrLst meth="repeat">
+      <a:schemeClr val="lt1"/>
+    </dgm:linClrLst>
+    <dgm:effectClrLst/>
+    <dgm:txLinClrLst/>
+    <dgm:txFillClrLst meth="repeat">
+      <a:schemeClr val="dk1"/>
+    </dgm:txFillClrLst>
+    <dgm:txEffectClrLst/>
+  </dgm:styleLbl>
+  <dgm:styleLbl name="revTx">
+    <dgm:fillClrLst meth="repeat">
+      <a:schemeClr val="lt1">
+        <a:alpha val="0"/>
+      </a:schemeClr>
+    </dgm:fillClrLst>
+    <dgm:linClrLst meth="repeat">
+      <a:schemeClr val="dk1">
+        <a:alpha val="0"/>
+      </a:schemeClr>
+    </dgm:linClrLst>
+    <dgm:effectClrLst/>
+    <dgm:txLinClrLst/>
+    <dgm:txFillClrLst meth="repeat">
+      <a:schemeClr val="tx1"/>
+    </dgm:txFillClrLst>
+    <dgm:txEffectClrLst/>
+  </dgm:styleLbl>
+</dgm:colorsDef>
+</file>
+
+<file path=ppt/diagrams/colors2.xml><?xml version="1.0" encoding="utf-8"?>
 <dgm:colorsDef xmlns:dgm="http://schemas.openxmlformats.org/drawingml/2006/diagram" xmlns:a="http://schemas.openxmlformats.org/drawingml/2006/main" uniqueId="urn:microsoft.com/office/officeart/2005/8/colors/accent1_2">
   <dgm:title val=""/>
   <dgm:desc val=""/>
@@ -1256,7 +2003,7 @@
                 <a14:useLocalDpi xmlns:a14="http://schemas.microsoft.com/office/drawing/2010/main" val="0"/>
               </a:ext>
               <a:ext uri="{96DAC541-7B7A-43D3-8B79-37D633B846F1}">
-                <asvg:svgBlip xmlns:asvg="http://schemas.microsoft.com/office/drawing/2016/SVG/main" xmlns="" r:embed="rId2"/>
+                <asvg:svgBlip xmlns="" xmlns:asvg="http://schemas.microsoft.com/office/drawing/2016/SVG/main" r:embed="rId2"/>
               </a:ext>
             </a:extLst>
           </a:blip>
@@ -1330,7 +2077,7 @@
                 <a14:useLocalDpi xmlns:a14="http://schemas.microsoft.com/office/drawing/2010/main" val="0"/>
               </a:ext>
               <a:ext uri="{96DAC541-7B7A-43D3-8B79-37D633B846F1}">
-                <asvg:svgBlip xmlns:asvg="http://schemas.microsoft.com/office/drawing/2016/SVG/main" xmlns="" r:embed="rId4"/>
+                <asvg:svgBlip xmlns="" xmlns:asvg="http://schemas.microsoft.com/office/drawing/2016/SVG/main" r:embed="rId4"/>
               </a:ext>
             </a:extLst>
           </a:blip>
@@ -1405,7 +2152,7 @@
                 <a14:useLocalDpi xmlns:a14="http://schemas.microsoft.com/office/drawing/2010/main" val="0"/>
               </a:ext>
               <a:ext uri="{96DAC541-7B7A-43D3-8B79-37D633B846F1}">
-                <asvg:svgBlip xmlns:asvg="http://schemas.microsoft.com/office/drawing/2016/SVG/main" xmlns="" r:embed="rId6"/>
+                <asvg:svgBlip xmlns="" xmlns:asvg="http://schemas.microsoft.com/office/drawing/2016/SVG/main" r:embed="rId6"/>
               </a:ext>
             </a:extLst>
           </a:blip>
@@ -1480,7 +2227,7 @@
                 <a14:useLocalDpi xmlns:a14="http://schemas.microsoft.com/office/drawing/2010/main" val="0"/>
               </a:ext>
               <a:ext uri="{96DAC541-7B7A-43D3-8B79-37D633B846F1}">
-                <asvg:svgBlip xmlns:asvg="http://schemas.microsoft.com/office/drawing/2016/SVG/main" xmlns="" r:embed="rId8"/>
+                <asvg:svgBlip xmlns="" xmlns:asvg="http://schemas.microsoft.com/office/drawing/2016/SVG/main" r:embed="rId8"/>
               </a:ext>
             </a:extLst>
           </a:blip>
@@ -1555,7 +2302,7 @@
                 <a14:useLocalDpi xmlns:a14="http://schemas.microsoft.com/office/drawing/2010/main" val="0"/>
               </a:ext>
               <a:ext uri="{96DAC541-7B7A-43D3-8B79-37D633B846F1}">
-                <asvg:svgBlip xmlns:asvg="http://schemas.microsoft.com/office/drawing/2016/SVG/main" xmlns="" r:embed="rId10"/>
+                <asvg:svgBlip xmlns="" xmlns:asvg="http://schemas.microsoft.com/office/drawing/2016/SVG/main" r:embed="rId10"/>
               </a:ext>
             </a:extLst>
           </a:blip>
@@ -1630,7 +2377,7 @@
                 <a14:useLocalDpi xmlns:a14="http://schemas.microsoft.com/office/drawing/2010/main" val="0"/>
               </a:ext>
               <a:ext uri="{96DAC541-7B7A-43D3-8B79-37D633B846F1}">
-                <asvg:svgBlip xmlns:asvg="http://schemas.microsoft.com/office/drawing/2016/SVG/main" xmlns="" r:embed="rId12"/>
+                <asvg:svgBlip xmlns="" xmlns:asvg="http://schemas.microsoft.com/office/drawing/2016/SVG/main" r:embed="rId12"/>
               </a:ext>
             </a:extLst>
           </a:blip>
@@ -1705,7 +2452,7 @@
                 <a14:useLocalDpi xmlns:a14="http://schemas.microsoft.com/office/drawing/2010/main" val="0"/>
               </a:ext>
               <a:ext uri="{96DAC541-7B7A-43D3-8B79-37D633B846F1}">
-                <asvg:svgBlip xmlns:asvg="http://schemas.microsoft.com/office/drawing/2016/SVG/main" xmlns="" r:embed="rId14"/>
+                <asvg:svgBlip xmlns="" xmlns:asvg="http://schemas.microsoft.com/office/drawing/2016/SVG/main" r:embed="rId14"/>
               </a:ext>
             </a:extLst>
           </a:blip>
@@ -1827,6 +2574,673 @@
 </dgm:dataModel>
 </file>
 
+<file path=ppt/diagrams/data2.xml><?xml version="1.0" encoding="utf-8"?>
+<dgm:dataModel xmlns:dgm="http://schemas.openxmlformats.org/drawingml/2006/diagram" xmlns:a="http://schemas.openxmlformats.org/drawingml/2006/main">
+  <dgm:ptLst>
+    <dgm:pt modelId="{5ACD8C15-1CA9-4F18-961A-D49625AEE1D8}" type="doc">
+      <dgm:prSet loTypeId="urn:microsoft.com/office/officeart/2005/8/layout/hList1" loCatId="list" qsTypeId="urn:microsoft.com/office/officeart/2005/8/quickstyle/simple1" qsCatId="simple" csTypeId="urn:microsoft.com/office/officeart/2005/8/colors/accent1_2" csCatId="accent1" phldr="1"/>
+      <dgm:spPr/>
+      <dgm:t>
+        <a:bodyPr/>
+        <a:lstStyle/>
+        <a:p>
+          <a:endParaRPr lang="es-ES"/>
+        </a:p>
+      </dgm:t>
+    </dgm:pt>
+    <dgm:pt modelId="{F70F1479-46E7-46A2-8EA8-B32715B35199}">
+      <dgm:prSet phldrT="[Texto]" custT="1"/>
+      <dgm:spPr/>
+      <dgm:t>
+        <a:bodyPr/>
+        <a:lstStyle/>
+        <a:p>
+          <a:r>
+            <a:rPr lang="es-ES" sz="4000" dirty="0" err="1" smtClean="0"/>
+            <a:t>kNN</a:t>
+          </a:r>
+          <a:endParaRPr lang="es-ES" sz="4000" dirty="0"/>
+        </a:p>
+      </dgm:t>
+    </dgm:pt>
+    <dgm:pt modelId="{27EADE89-2393-4625-A943-997F86CCCA34}" type="parTrans" cxnId="{4622926B-CAAB-4698-A3E6-88667501AB41}">
+      <dgm:prSet/>
+      <dgm:spPr/>
+      <dgm:t>
+        <a:bodyPr/>
+        <a:lstStyle/>
+        <a:p>
+          <a:endParaRPr lang="es-ES"/>
+        </a:p>
+      </dgm:t>
+    </dgm:pt>
+    <dgm:pt modelId="{C74D4E5F-E137-4E74-8921-FF9ECE7F6DAE}" type="sibTrans" cxnId="{4622926B-CAAB-4698-A3E6-88667501AB41}">
+      <dgm:prSet/>
+      <dgm:spPr/>
+      <dgm:t>
+        <a:bodyPr/>
+        <a:lstStyle/>
+        <a:p>
+          <a:endParaRPr lang="es-ES"/>
+        </a:p>
+      </dgm:t>
+    </dgm:pt>
+    <dgm:pt modelId="{E9D20F9E-D222-4795-A190-D2F00A0FAC53}">
+      <dgm:prSet phldrT="[Texto]" phldr="1"/>
+      <dgm:spPr/>
+      <dgm:t>
+        <a:bodyPr/>
+        <a:lstStyle/>
+        <a:p>
+          <a:endParaRPr lang="es-ES"/>
+        </a:p>
+      </dgm:t>
+    </dgm:pt>
+    <dgm:pt modelId="{9E33768E-1866-499F-A67D-8F303E46CCB2}" type="parTrans" cxnId="{FF12A173-FBDF-4678-B703-9C37620C8091}">
+      <dgm:prSet/>
+      <dgm:spPr/>
+      <dgm:t>
+        <a:bodyPr/>
+        <a:lstStyle/>
+        <a:p>
+          <a:endParaRPr lang="es-ES"/>
+        </a:p>
+      </dgm:t>
+    </dgm:pt>
+    <dgm:pt modelId="{3A5206F0-C1C3-464A-9CC5-76EC85326E6A}" type="sibTrans" cxnId="{FF12A173-FBDF-4678-B703-9C37620C8091}">
+      <dgm:prSet/>
+      <dgm:spPr/>
+      <dgm:t>
+        <a:bodyPr/>
+        <a:lstStyle/>
+        <a:p>
+          <a:endParaRPr lang="es-ES"/>
+        </a:p>
+      </dgm:t>
+    </dgm:pt>
+    <dgm:pt modelId="{AFE928B2-3997-480E-9113-A41595E9D428}">
+      <dgm:prSet phldrT="[Texto]" phldr="1"/>
+      <dgm:spPr/>
+      <dgm:t>
+        <a:bodyPr/>
+        <a:lstStyle/>
+        <a:p>
+          <a:endParaRPr lang="es-ES"/>
+        </a:p>
+      </dgm:t>
+    </dgm:pt>
+    <dgm:pt modelId="{D448F505-B71D-4F1B-AEDA-D33D1996285D}" type="parTrans" cxnId="{6912EFDA-089E-4C00-9E60-17CA9B3B9562}">
+      <dgm:prSet/>
+      <dgm:spPr/>
+      <dgm:t>
+        <a:bodyPr/>
+        <a:lstStyle/>
+        <a:p>
+          <a:endParaRPr lang="es-ES"/>
+        </a:p>
+      </dgm:t>
+    </dgm:pt>
+    <dgm:pt modelId="{95C32B50-66DD-4A26-BDFE-0A7A2A83E21B}" type="sibTrans" cxnId="{6912EFDA-089E-4C00-9E60-17CA9B3B9562}">
+      <dgm:prSet/>
+      <dgm:spPr/>
+      <dgm:t>
+        <a:bodyPr/>
+        <a:lstStyle/>
+        <a:p>
+          <a:endParaRPr lang="es-ES"/>
+        </a:p>
+      </dgm:t>
+    </dgm:pt>
+    <dgm:pt modelId="{4320553C-15EE-402E-B8F9-B0424A1B9132}">
+      <dgm:prSet phldrT="[Texto]" custT="1"/>
+      <dgm:spPr/>
+      <dgm:t>
+        <a:bodyPr/>
+        <a:lstStyle/>
+        <a:p>
+          <a:r>
+            <a:rPr lang="es-ES" sz="4000" dirty="0" smtClean="0"/>
+            <a:t>SVC</a:t>
+          </a:r>
+          <a:endParaRPr lang="es-ES" sz="4000" dirty="0"/>
+        </a:p>
+      </dgm:t>
+    </dgm:pt>
+    <dgm:pt modelId="{35EC1B68-3146-48FB-83DC-23790CAEE0E2}" type="parTrans" cxnId="{0AC08AB3-0674-4D07-897B-0C37B52DD38A}">
+      <dgm:prSet/>
+      <dgm:spPr/>
+      <dgm:t>
+        <a:bodyPr/>
+        <a:lstStyle/>
+        <a:p>
+          <a:endParaRPr lang="es-ES"/>
+        </a:p>
+      </dgm:t>
+    </dgm:pt>
+    <dgm:pt modelId="{FE0D4C28-B866-4282-81E0-76C1FE5FA3E1}" type="sibTrans" cxnId="{0AC08AB3-0674-4D07-897B-0C37B52DD38A}">
+      <dgm:prSet/>
+      <dgm:spPr/>
+      <dgm:t>
+        <a:bodyPr/>
+        <a:lstStyle/>
+        <a:p>
+          <a:endParaRPr lang="es-ES"/>
+        </a:p>
+      </dgm:t>
+    </dgm:pt>
+    <dgm:pt modelId="{212400FF-FCBB-43AB-A9BD-2F03A7D14468}">
+      <dgm:prSet phldrT="[Texto]" phldr="1"/>
+      <dgm:spPr/>
+      <dgm:t>
+        <a:bodyPr/>
+        <a:lstStyle/>
+        <a:p>
+          <a:endParaRPr lang="es-ES"/>
+        </a:p>
+      </dgm:t>
+    </dgm:pt>
+    <dgm:pt modelId="{9FE5EB59-1EB2-402A-88E1-40F1B16C3A9A}" type="parTrans" cxnId="{0BE55252-4B14-4805-8B71-88744A1ED6E7}">
+      <dgm:prSet/>
+      <dgm:spPr/>
+      <dgm:t>
+        <a:bodyPr/>
+        <a:lstStyle/>
+        <a:p>
+          <a:endParaRPr lang="es-ES"/>
+        </a:p>
+      </dgm:t>
+    </dgm:pt>
+    <dgm:pt modelId="{964461FD-6176-4CDE-B773-ECEA10D1D9DE}" type="sibTrans" cxnId="{0BE55252-4B14-4805-8B71-88744A1ED6E7}">
+      <dgm:prSet/>
+      <dgm:spPr/>
+      <dgm:t>
+        <a:bodyPr/>
+        <a:lstStyle/>
+        <a:p>
+          <a:endParaRPr lang="es-ES"/>
+        </a:p>
+      </dgm:t>
+    </dgm:pt>
+    <dgm:pt modelId="{8D8E10ED-27E1-443D-9CBC-F4A9136FE05F}">
+      <dgm:prSet phldrT="[Texto]" phldr="1"/>
+      <dgm:spPr/>
+      <dgm:t>
+        <a:bodyPr/>
+        <a:lstStyle/>
+        <a:p>
+          <a:endParaRPr lang="es-ES"/>
+        </a:p>
+      </dgm:t>
+    </dgm:pt>
+    <dgm:pt modelId="{66A9C6AF-3B57-4283-AA6A-2E07C876C7DE}" type="parTrans" cxnId="{28A52B7D-F329-43E8-8D4C-42C930A27F16}">
+      <dgm:prSet/>
+      <dgm:spPr/>
+      <dgm:t>
+        <a:bodyPr/>
+        <a:lstStyle/>
+        <a:p>
+          <a:endParaRPr lang="es-ES"/>
+        </a:p>
+      </dgm:t>
+    </dgm:pt>
+    <dgm:pt modelId="{926839CE-B7BE-403A-A24C-071A2A988F74}" type="sibTrans" cxnId="{28A52B7D-F329-43E8-8D4C-42C930A27F16}">
+      <dgm:prSet/>
+      <dgm:spPr/>
+      <dgm:t>
+        <a:bodyPr/>
+        <a:lstStyle/>
+        <a:p>
+          <a:endParaRPr lang="es-ES"/>
+        </a:p>
+      </dgm:t>
+    </dgm:pt>
+    <dgm:pt modelId="{69FA6990-FA1F-4446-9505-DBFA6EB663BB}">
+      <dgm:prSet phldrT="[Texto]" custT="1"/>
+      <dgm:spPr/>
+      <dgm:t>
+        <a:bodyPr/>
+        <a:lstStyle/>
+        <a:p>
+          <a:r>
+            <a:rPr lang="en-US" sz="2800" noProof="0" dirty="0" smtClean="0"/>
+            <a:t>Decision tree</a:t>
+          </a:r>
+          <a:endParaRPr lang="en-US" sz="2800" noProof="0" dirty="0"/>
+        </a:p>
+      </dgm:t>
+    </dgm:pt>
+    <dgm:pt modelId="{DF599A7C-303A-4360-BD3F-149F3E9BA725}" type="parTrans" cxnId="{B041E743-1F9D-498C-A9C2-46099B86E008}">
+      <dgm:prSet/>
+      <dgm:spPr/>
+      <dgm:t>
+        <a:bodyPr/>
+        <a:lstStyle/>
+        <a:p>
+          <a:endParaRPr lang="es-ES"/>
+        </a:p>
+      </dgm:t>
+    </dgm:pt>
+    <dgm:pt modelId="{34C738E0-D8C3-4847-9307-65D09DC73641}" type="sibTrans" cxnId="{B041E743-1F9D-498C-A9C2-46099B86E008}">
+      <dgm:prSet/>
+      <dgm:spPr/>
+      <dgm:t>
+        <a:bodyPr/>
+        <a:lstStyle/>
+        <a:p>
+          <a:endParaRPr lang="es-ES"/>
+        </a:p>
+      </dgm:t>
+    </dgm:pt>
+    <dgm:pt modelId="{48867968-15C8-4959-B078-7FE0D1FE2672}">
+      <dgm:prSet phldrT="[Texto]"/>
+      <dgm:spPr/>
+      <dgm:t>
+        <a:bodyPr/>
+        <a:lstStyle/>
+        <a:p>
+          <a:r>
+            <a:rPr lang="es-ES" dirty="0" smtClean="0"/>
+            <a:t>Max </a:t>
+          </a:r>
+          <a:r>
+            <a:rPr lang="es-ES" dirty="0" err="1" smtClean="0"/>
+            <a:t>depth</a:t>
+          </a:r>
+          <a:r>
+            <a:rPr lang="es-ES" dirty="0" smtClean="0"/>
+            <a:t>: 8</a:t>
+          </a:r>
+          <a:endParaRPr lang="es-ES" dirty="0"/>
+        </a:p>
+      </dgm:t>
+    </dgm:pt>
+    <dgm:pt modelId="{9DF532FF-115F-4603-8874-D54F258E3309}" type="parTrans" cxnId="{8BBEA552-5044-4ACC-AB48-A6A140BF3E5F}">
+      <dgm:prSet/>
+      <dgm:spPr/>
+      <dgm:t>
+        <a:bodyPr/>
+        <a:lstStyle/>
+        <a:p>
+          <a:endParaRPr lang="es-ES"/>
+        </a:p>
+      </dgm:t>
+    </dgm:pt>
+    <dgm:pt modelId="{BB5616D7-6930-4053-8CDE-94BE81AA2556}" type="sibTrans" cxnId="{8BBEA552-5044-4ACC-AB48-A6A140BF3E5F}">
+      <dgm:prSet/>
+      <dgm:spPr/>
+      <dgm:t>
+        <a:bodyPr/>
+        <a:lstStyle/>
+        <a:p>
+          <a:endParaRPr lang="es-ES"/>
+        </a:p>
+      </dgm:t>
+    </dgm:pt>
+    <dgm:pt modelId="{C7668878-9709-4ADE-847D-5C8EE4A23F1E}">
+      <dgm:prSet phldrT="[Texto]" phldr="1"/>
+      <dgm:spPr/>
+      <dgm:t>
+        <a:bodyPr/>
+        <a:lstStyle/>
+        <a:p>
+          <a:endParaRPr lang="es-ES" dirty="0"/>
+        </a:p>
+      </dgm:t>
+    </dgm:pt>
+    <dgm:pt modelId="{8ABBD1AE-E75A-49E8-B864-BCD13D99E095}" type="parTrans" cxnId="{85B82CF4-BC29-4AA6-8EBF-064913695DFF}">
+      <dgm:prSet/>
+      <dgm:spPr/>
+      <dgm:t>
+        <a:bodyPr/>
+        <a:lstStyle/>
+        <a:p>
+          <a:endParaRPr lang="es-ES"/>
+        </a:p>
+      </dgm:t>
+    </dgm:pt>
+    <dgm:pt modelId="{1B415609-757E-48FB-A0B0-FDE13A5CAE19}" type="sibTrans" cxnId="{85B82CF4-BC29-4AA6-8EBF-064913695DFF}">
+      <dgm:prSet/>
+      <dgm:spPr/>
+      <dgm:t>
+        <a:bodyPr/>
+        <a:lstStyle/>
+        <a:p>
+          <a:endParaRPr lang="es-ES"/>
+        </a:p>
+      </dgm:t>
+    </dgm:pt>
+    <dgm:pt modelId="{7D1BA4E6-C536-4034-8FCC-3EC6F75EB188}">
+      <dgm:prSet phldrT="[Texto]"/>
+      <dgm:spPr/>
+      <dgm:t>
+        <a:bodyPr/>
+        <a:lstStyle/>
+        <a:p>
+          <a:r>
+            <a:rPr lang="es-ES" dirty="0" err="1" smtClean="0"/>
+            <a:t>Dsf</a:t>
+          </a:r>
+          <a:endParaRPr lang="es-ES" dirty="0"/>
+        </a:p>
+      </dgm:t>
+    </dgm:pt>
+    <dgm:pt modelId="{855ED1A7-BB69-428A-B8BF-A56F28BE8EA3}" type="parTrans" cxnId="{5E38EF00-A2C1-4514-A10B-E304AA67123B}">
+      <dgm:prSet/>
+      <dgm:spPr/>
+      <dgm:t>
+        <a:bodyPr/>
+        <a:lstStyle/>
+        <a:p>
+          <a:endParaRPr lang="es-ES"/>
+        </a:p>
+      </dgm:t>
+    </dgm:pt>
+    <dgm:pt modelId="{70A3033F-9F1E-48EE-984C-C206849BF25D}" type="sibTrans" cxnId="{5E38EF00-A2C1-4514-A10B-E304AA67123B}">
+      <dgm:prSet/>
+      <dgm:spPr/>
+      <dgm:t>
+        <a:bodyPr/>
+        <a:lstStyle/>
+        <a:p>
+          <a:endParaRPr lang="es-ES"/>
+        </a:p>
+      </dgm:t>
+    </dgm:pt>
+    <dgm:pt modelId="{337980C1-4B87-4C08-8461-1A84F77BBE49}">
+      <dgm:prSet phldrT="[Texto]"/>
+      <dgm:spPr/>
+      <dgm:t>
+        <a:bodyPr/>
+        <a:lstStyle/>
+        <a:p>
+          <a:r>
+            <a:rPr lang="es-ES" dirty="0" err="1" smtClean="0"/>
+            <a:t>sdf</a:t>
+          </a:r>
+          <a:endParaRPr lang="es-ES" dirty="0"/>
+        </a:p>
+      </dgm:t>
+    </dgm:pt>
+    <dgm:pt modelId="{F4BFEFCF-F77E-42AC-AA69-10F088D6EFD5}" type="parTrans" cxnId="{22313957-E91C-495B-9CE8-8086319C536F}">
+      <dgm:prSet/>
+      <dgm:spPr/>
+      <dgm:t>
+        <a:bodyPr/>
+        <a:lstStyle/>
+        <a:p>
+          <a:endParaRPr lang="es-ES"/>
+        </a:p>
+      </dgm:t>
+    </dgm:pt>
+    <dgm:pt modelId="{014835D6-B4A3-4C48-B44E-042F2F2202EB}" type="sibTrans" cxnId="{22313957-E91C-495B-9CE8-8086319C536F}">
+      <dgm:prSet/>
+      <dgm:spPr/>
+      <dgm:t>
+        <a:bodyPr/>
+        <a:lstStyle/>
+        <a:p>
+          <a:endParaRPr lang="es-ES"/>
+        </a:p>
+      </dgm:t>
+    </dgm:pt>
+    <dgm:pt modelId="{E38F8BB8-A4A0-4637-8999-967ECEDD0A94}">
+      <dgm:prSet phldrT="[Texto]"/>
+      <dgm:spPr/>
+      <dgm:t>
+        <a:bodyPr/>
+        <a:lstStyle/>
+        <a:p>
+          <a:r>
+            <a:rPr lang="es-ES" dirty="0" err="1" smtClean="0"/>
+            <a:t>sdf</a:t>
+          </a:r>
+          <a:endParaRPr lang="es-ES" dirty="0"/>
+        </a:p>
+      </dgm:t>
+    </dgm:pt>
+    <dgm:pt modelId="{C8921111-054F-4EE8-A21F-6B5A27BF1F26}" type="parTrans" cxnId="{162E8B37-A646-4664-AA76-929E2A403455}">
+      <dgm:prSet/>
+      <dgm:spPr/>
+      <dgm:t>
+        <a:bodyPr/>
+        <a:lstStyle/>
+        <a:p>
+          <a:endParaRPr lang="es-ES"/>
+        </a:p>
+      </dgm:t>
+    </dgm:pt>
+    <dgm:pt modelId="{CD5CB240-0CA3-40FD-A5B0-9683A1E7094E}" type="sibTrans" cxnId="{162E8B37-A646-4664-AA76-929E2A403455}">
+      <dgm:prSet/>
+      <dgm:spPr/>
+      <dgm:t>
+        <a:bodyPr/>
+        <a:lstStyle/>
+        <a:p>
+          <a:endParaRPr lang="es-ES"/>
+        </a:p>
+      </dgm:t>
+    </dgm:pt>
+    <dgm:pt modelId="{05C7FF7F-94CC-432E-91F4-89EAB067ACB7}" type="pres">
+      <dgm:prSet presAssocID="{5ACD8C15-1CA9-4F18-961A-D49625AEE1D8}" presName="Name0" presStyleCnt="0">
+        <dgm:presLayoutVars>
+          <dgm:dir/>
+          <dgm:animLvl val="lvl"/>
+          <dgm:resizeHandles val="exact"/>
+        </dgm:presLayoutVars>
+      </dgm:prSet>
+      <dgm:spPr/>
+    </dgm:pt>
+    <dgm:pt modelId="{060E20E2-4756-4010-AC65-1D4B7949CDCD}" type="pres">
+      <dgm:prSet presAssocID="{F70F1479-46E7-46A2-8EA8-B32715B35199}" presName="composite" presStyleCnt="0"/>
+      <dgm:spPr/>
+    </dgm:pt>
+    <dgm:pt modelId="{187EB1E8-CEE4-4E44-A25B-3825E467DCC5}" type="pres">
+      <dgm:prSet presAssocID="{F70F1479-46E7-46A2-8EA8-B32715B35199}" presName="parTx" presStyleLbl="alignNode1" presStyleIdx="0" presStyleCnt="5">
+        <dgm:presLayoutVars>
+          <dgm:chMax val="0"/>
+          <dgm:chPref val="0"/>
+          <dgm:bulletEnabled val="1"/>
+        </dgm:presLayoutVars>
+      </dgm:prSet>
+      <dgm:spPr/>
+      <dgm:t>
+        <a:bodyPr/>
+        <a:lstStyle/>
+        <a:p>
+          <a:endParaRPr lang="es-ES"/>
+        </a:p>
+      </dgm:t>
+    </dgm:pt>
+    <dgm:pt modelId="{EC8EB771-D13F-4A5B-A1B9-E028F676D24E}" type="pres">
+      <dgm:prSet presAssocID="{F70F1479-46E7-46A2-8EA8-B32715B35199}" presName="desTx" presStyleLbl="alignAccFollowNode1" presStyleIdx="0" presStyleCnt="5">
+        <dgm:presLayoutVars>
+          <dgm:bulletEnabled val="1"/>
+        </dgm:presLayoutVars>
+      </dgm:prSet>
+      <dgm:spPr/>
+    </dgm:pt>
+    <dgm:pt modelId="{54A2E489-AA09-4C39-A11D-0CB44EAA23F2}" type="pres">
+      <dgm:prSet presAssocID="{C74D4E5F-E137-4E74-8921-FF9ECE7F6DAE}" presName="space" presStyleCnt="0"/>
+      <dgm:spPr/>
+    </dgm:pt>
+    <dgm:pt modelId="{E9EE6DDA-3AA1-4447-8093-8A4DEDEDD355}" type="pres">
+      <dgm:prSet presAssocID="{4320553C-15EE-402E-B8F9-B0424A1B9132}" presName="composite" presStyleCnt="0"/>
+      <dgm:spPr/>
+    </dgm:pt>
+    <dgm:pt modelId="{48A24487-CCA9-42AE-8B37-11F3F18C73F4}" type="pres">
+      <dgm:prSet presAssocID="{4320553C-15EE-402E-B8F9-B0424A1B9132}" presName="parTx" presStyleLbl="alignNode1" presStyleIdx="1" presStyleCnt="5">
+        <dgm:presLayoutVars>
+          <dgm:chMax val="0"/>
+          <dgm:chPref val="0"/>
+          <dgm:bulletEnabled val="1"/>
+        </dgm:presLayoutVars>
+      </dgm:prSet>
+      <dgm:spPr/>
+      <dgm:t>
+        <a:bodyPr/>
+        <a:lstStyle/>
+        <a:p>
+          <a:endParaRPr lang="es-ES"/>
+        </a:p>
+      </dgm:t>
+    </dgm:pt>
+    <dgm:pt modelId="{FD244389-E5CA-48E5-82F4-8EA6078B6EE1}" type="pres">
+      <dgm:prSet presAssocID="{4320553C-15EE-402E-B8F9-B0424A1B9132}" presName="desTx" presStyleLbl="alignAccFollowNode1" presStyleIdx="1" presStyleCnt="5">
+        <dgm:presLayoutVars>
+          <dgm:bulletEnabled val="1"/>
+        </dgm:presLayoutVars>
+      </dgm:prSet>
+      <dgm:spPr/>
+    </dgm:pt>
+    <dgm:pt modelId="{0681C2CA-EC93-4AD4-8966-BB3912C519ED}" type="pres">
+      <dgm:prSet presAssocID="{FE0D4C28-B866-4282-81E0-76C1FE5FA3E1}" presName="space" presStyleCnt="0"/>
+      <dgm:spPr/>
+    </dgm:pt>
+    <dgm:pt modelId="{816E7C47-53DD-42EE-8D60-B538AD5F9CD5}" type="pres">
+      <dgm:prSet presAssocID="{69FA6990-FA1F-4446-9505-DBFA6EB663BB}" presName="composite" presStyleCnt="0"/>
+      <dgm:spPr/>
+    </dgm:pt>
+    <dgm:pt modelId="{37500AF0-62B4-402A-B52A-4AA409CE67EB}" type="pres">
+      <dgm:prSet presAssocID="{69FA6990-FA1F-4446-9505-DBFA6EB663BB}" presName="parTx" presStyleLbl="alignNode1" presStyleIdx="2" presStyleCnt="5">
+        <dgm:presLayoutVars>
+          <dgm:chMax val="0"/>
+          <dgm:chPref val="0"/>
+          <dgm:bulletEnabled val="1"/>
+        </dgm:presLayoutVars>
+      </dgm:prSet>
+      <dgm:spPr/>
+      <dgm:t>
+        <a:bodyPr/>
+        <a:lstStyle/>
+        <a:p>
+          <a:endParaRPr lang="es-ES"/>
+        </a:p>
+      </dgm:t>
+    </dgm:pt>
+    <dgm:pt modelId="{9E722BEE-2767-47DE-A4AC-5AA7A9828E58}" type="pres">
+      <dgm:prSet presAssocID="{69FA6990-FA1F-4446-9505-DBFA6EB663BB}" presName="desTx" presStyleLbl="alignAccFollowNode1" presStyleIdx="2" presStyleCnt="5">
+        <dgm:presLayoutVars>
+          <dgm:bulletEnabled val="1"/>
+        </dgm:presLayoutVars>
+      </dgm:prSet>
+      <dgm:spPr/>
+      <dgm:t>
+        <a:bodyPr/>
+        <a:lstStyle/>
+        <a:p>
+          <a:endParaRPr lang="es-ES"/>
+        </a:p>
+      </dgm:t>
+    </dgm:pt>
+    <dgm:pt modelId="{A227C5DA-65BC-4074-93AE-B12EECD0C527}" type="pres">
+      <dgm:prSet presAssocID="{34C738E0-D8C3-4847-9307-65D09DC73641}" presName="space" presStyleCnt="0"/>
+      <dgm:spPr/>
+    </dgm:pt>
+    <dgm:pt modelId="{99097884-CFF3-4B2B-821C-7839AA577412}" type="pres">
+      <dgm:prSet presAssocID="{7D1BA4E6-C536-4034-8FCC-3EC6F75EB188}" presName="composite" presStyleCnt="0"/>
+      <dgm:spPr/>
+    </dgm:pt>
+    <dgm:pt modelId="{3862C4B5-AACD-4347-8085-3F72601877B4}" type="pres">
+      <dgm:prSet presAssocID="{7D1BA4E6-C536-4034-8FCC-3EC6F75EB188}" presName="parTx" presStyleLbl="alignNode1" presStyleIdx="3" presStyleCnt="5">
+        <dgm:presLayoutVars>
+          <dgm:chMax val="0"/>
+          <dgm:chPref val="0"/>
+          <dgm:bulletEnabled val="1"/>
+        </dgm:presLayoutVars>
+      </dgm:prSet>
+      <dgm:spPr/>
+    </dgm:pt>
+    <dgm:pt modelId="{35A85B34-BE00-423B-BDEF-87219E928C35}" type="pres">
+      <dgm:prSet presAssocID="{7D1BA4E6-C536-4034-8FCC-3EC6F75EB188}" presName="desTx" presStyleLbl="alignAccFollowNode1" presStyleIdx="3" presStyleCnt="5">
+        <dgm:presLayoutVars>
+          <dgm:bulletEnabled val="1"/>
+        </dgm:presLayoutVars>
+      </dgm:prSet>
+      <dgm:spPr/>
+    </dgm:pt>
+    <dgm:pt modelId="{A176F6BC-B5DA-498A-B121-2C9B6E663821}" type="pres">
+      <dgm:prSet presAssocID="{70A3033F-9F1E-48EE-984C-C206849BF25D}" presName="space" presStyleCnt="0"/>
+      <dgm:spPr/>
+    </dgm:pt>
+    <dgm:pt modelId="{D85AD417-029C-4E57-8740-7B2CD7157474}" type="pres">
+      <dgm:prSet presAssocID="{337980C1-4B87-4C08-8461-1A84F77BBE49}" presName="composite" presStyleCnt="0"/>
+      <dgm:spPr/>
+    </dgm:pt>
+    <dgm:pt modelId="{839BA42A-3B80-4489-BE6A-A9D5C1FBAE01}" type="pres">
+      <dgm:prSet presAssocID="{337980C1-4B87-4C08-8461-1A84F77BBE49}" presName="parTx" presStyleLbl="alignNode1" presStyleIdx="4" presStyleCnt="5">
+        <dgm:presLayoutVars>
+          <dgm:chMax val="0"/>
+          <dgm:chPref val="0"/>
+          <dgm:bulletEnabled val="1"/>
+        </dgm:presLayoutVars>
+      </dgm:prSet>
+      <dgm:spPr/>
+    </dgm:pt>
+    <dgm:pt modelId="{809477FF-A692-466C-8800-3CCD3C20CD13}" type="pres">
+      <dgm:prSet presAssocID="{337980C1-4B87-4C08-8461-1A84F77BBE49}" presName="desTx" presStyleLbl="alignAccFollowNode1" presStyleIdx="4" presStyleCnt="5">
+        <dgm:presLayoutVars>
+          <dgm:bulletEnabled val="1"/>
+        </dgm:presLayoutVars>
+      </dgm:prSet>
+      <dgm:spPr/>
+    </dgm:pt>
+  </dgm:ptLst>
+  <dgm:cxnLst>
+    <dgm:cxn modelId="{CCA9D81C-6E1C-4A61-A477-3FAC5B86B077}" type="presOf" srcId="{C7668878-9709-4ADE-847D-5C8EE4A23F1E}" destId="{9E722BEE-2767-47DE-A4AC-5AA7A9828E58}" srcOrd="0" destOrd="1" presId="urn:microsoft.com/office/officeart/2005/8/layout/hList1"/>
+    <dgm:cxn modelId="{3E984860-8637-4C2B-8292-D22846304217}" type="presOf" srcId="{8D8E10ED-27E1-443D-9CBC-F4A9136FE05F}" destId="{FD244389-E5CA-48E5-82F4-8EA6078B6EE1}" srcOrd="0" destOrd="1" presId="urn:microsoft.com/office/officeart/2005/8/layout/hList1"/>
+    <dgm:cxn modelId="{65762EBF-3062-4400-92E1-07371D78B76D}" type="presOf" srcId="{E38F8BB8-A4A0-4637-8999-967ECEDD0A94}" destId="{35A85B34-BE00-423B-BDEF-87219E928C35}" srcOrd="0" destOrd="0" presId="urn:microsoft.com/office/officeart/2005/8/layout/hList1"/>
+    <dgm:cxn modelId="{C226D3E9-A20E-4580-B934-B10BDA097E1D}" type="presOf" srcId="{69FA6990-FA1F-4446-9505-DBFA6EB663BB}" destId="{37500AF0-62B4-402A-B52A-4AA409CE67EB}" srcOrd="0" destOrd="0" presId="urn:microsoft.com/office/officeart/2005/8/layout/hList1"/>
+    <dgm:cxn modelId="{C6E23728-D285-4A3F-B614-533591E3EABF}" type="presOf" srcId="{E9D20F9E-D222-4795-A190-D2F00A0FAC53}" destId="{EC8EB771-D13F-4A5B-A1B9-E028F676D24E}" srcOrd="0" destOrd="0" presId="urn:microsoft.com/office/officeart/2005/8/layout/hList1"/>
+    <dgm:cxn modelId="{B3301939-75FE-48F5-B289-D9B5BFF231EC}" type="presOf" srcId="{337980C1-4B87-4C08-8461-1A84F77BBE49}" destId="{839BA42A-3B80-4489-BE6A-A9D5C1FBAE01}" srcOrd="0" destOrd="0" presId="urn:microsoft.com/office/officeart/2005/8/layout/hList1"/>
+    <dgm:cxn modelId="{FF12A173-FBDF-4678-B703-9C37620C8091}" srcId="{F70F1479-46E7-46A2-8EA8-B32715B35199}" destId="{E9D20F9E-D222-4795-A190-D2F00A0FAC53}" srcOrd="0" destOrd="0" parTransId="{9E33768E-1866-499F-A67D-8F303E46CCB2}" sibTransId="{3A5206F0-C1C3-464A-9CC5-76EC85326E6A}"/>
+    <dgm:cxn modelId="{700C45AC-4B48-4A99-BD5D-4B77F2D541A1}" type="presOf" srcId="{7D1BA4E6-C536-4034-8FCC-3EC6F75EB188}" destId="{3862C4B5-AACD-4347-8085-3F72601877B4}" srcOrd="0" destOrd="0" presId="urn:microsoft.com/office/officeart/2005/8/layout/hList1"/>
+    <dgm:cxn modelId="{6912EFDA-089E-4C00-9E60-17CA9B3B9562}" srcId="{F70F1479-46E7-46A2-8EA8-B32715B35199}" destId="{AFE928B2-3997-480E-9113-A41595E9D428}" srcOrd="1" destOrd="0" parTransId="{D448F505-B71D-4F1B-AEDA-D33D1996285D}" sibTransId="{95C32B50-66DD-4A26-BDFE-0A7A2A83E21B}"/>
+    <dgm:cxn modelId="{B041E743-1F9D-498C-A9C2-46099B86E008}" srcId="{5ACD8C15-1CA9-4F18-961A-D49625AEE1D8}" destId="{69FA6990-FA1F-4446-9505-DBFA6EB663BB}" srcOrd="2" destOrd="0" parTransId="{DF599A7C-303A-4360-BD3F-149F3E9BA725}" sibTransId="{34C738E0-D8C3-4847-9307-65D09DC73641}"/>
+    <dgm:cxn modelId="{0AC08AB3-0674-4D07-897B-0C37B52DD38A}" srcId="{5ACD8C15-1CA9-4F18-961A-D49625AEE1D8}" destId="{4320553C-15EE-402E-B8F9-B0424A1B9132}" srcOrd="1" destOrd="0" parTransId="{35EC1B68-3146-48FB-83DC-23790CAEE0E2}" sibTransId="{FE0D4C28-B866-4282-81E0-76C1FE5FA3E1}"/>
+    <dgm:cxn modelId="{28A52B7D-F329-43E8-8D4C-42C930A27F16}" srcId="{4320553C-15EE-402E-B8F9-B0424A1B9132}" destId="{8D8E10ED-27E1-443D-9CBC-F4A9136FE05F}" srcOrd="1" destOrd="0" parTransId="{66A9C6AF-3B57-4283-AA6A-2E07C876C7DE}" sibTransId="{926839CE-B7BE-403A-A24C-071A2A988F74}"/>
+    <dgm:cxn modelId="{0BE55252-4B14-4805-8B71-88744A1ED6E7}" srcId="{4320553C-15EE-402E-B8F9-B0424A1B9132}" destId="{212400FF-FCBB-43AB-A9BD-2F03A7D14468}" srcOrd="0" destOrd="0" parTransId="{9FE5EB59-1EB2-402A-88E1-40F1B16C3A9A}" sibTransId="{964461FD-6176-4CDE-B773-ECEA10D1D9DE}"/>
+    <dgm:cxn modelId="{A0C126BA-1808-47B1-9625-3930A7474121}" type="presOf" srcId="{212400FF-FCBB-43AB-A9BD-2F03A7D14468}" destId="{FD244389-E5CA-48E5-82F4-8EA6078B6EE1}" srcOrd="0" destOrd="0" presId="urn:microsoft.com/office/officeart/2005/8/layout/hList1"/>
+    <dgm:cxn modelId="{85B82CF4-BC29-4AA6-8EBF-064913695DFF}" srcId="{69FA6990-FA1F-4446-9505-DBFA6EB663BB}" destId="{C7668878-9709-4ADE-847D-5C8EE4A23F1E}" srcOrd="1" destOrd="0" parTransId="{8ABBD1AE-E75A-49E8-B864-BCD13D99E095}" sibTransId="{1B415609-757E-48FB-A0B0-FDE13A5CAE19}"/>
+    <dgm:cxn modelId="{4622926B-CAAB-4698-A3E6-88667501AB41}" srcId="{5ACD8C15-1CA9-4F18-961A-D49625AEE1D8}" destId="{F70F1479-46E7-46A2-8EA8-B32715B35199}" srcOrd="0" destOrd="0" parTransId="{27EADE89-2393-4625-A943-997F86CCCA34}" sibTransId="{C74D4E5F-E137-4E74-8921-FF9ECE7F6DAE}"/>
+    <dgm:cxn modelId="{22313957-E91C-495B-9CE8-8086319C536F}" srcId="{5ACD8C15-1CA9-4F18-961A-D49625AEE1D8}" destId="{337980C1-4B87-4C08-8461-1A84F77BBE49}" srcOrd="4" destOrd="0" parTransId="{F4BFEFCF-F77E-42AC-AA69-10F088D6EFD5}" sibTransId="{014835D6-B4A3-4C48-B44E-042F2F2202EB}"/>
+    <dgm:cxn modelId="{8BBEA552-5044-4ACC-AB48-A6A140BF3E5F}" srcId="{69FA6990-FA1F-4446-9505-DBFA6EB663BB}" destId="{48867968-15C8-4959-B078-7FE0D1FE2672}" srcOrd="0" destOrd="0" parTransId="{9DF532FF-115F-4603-8874-D54F258E3309}" sibTransId="{BB5616D7-6930-4053-8CDE-94BE81AA2556}"/>
+    <dgm:cxn modelId="{208EEA3B-F896-453F-9AEC-643B83634D9D}" type="presOf" srcId="{F70F1479-46E7-46A2-8EA8-B32715B35199}" destId="{187EB1E8-CEE4-4E44-A25B-3825E467DCC5}" srcOrd="0" destOrd="0" presId="urn:microsoft.com/office/officeart/2005/8/layout/hList1"/>
+    <dgm:cxn modelId="{08488B47-014F-4F8B-AAA8-9F19AB24BE7C}" type="presOf" srcId="{5ACD8C15-1CA9-4F18-961A-D49625AEE1D8}" destId="{05C7FF7F-94CC-432E-91F4-89EAB067ACB7}" srcOrd="0" destOrd="0" presId="urn:microsoft.com/office/officeart/2005/8/layout/hList1"/>
+    <dgm:cxn modelId="{162E8B37-A646-4664-AA76-929E2A403455}" srcId="{7D1BA4E6-C536-4034-8FCC-3EC6F75EB188}" destId="{E38F8BB8-A4A0-4637-8999-967ECEDD0A94}" srcOrd="0" destOrd="0" parTransId="{C8921111-054F-4EE8-A21F-6B5A27BF1F26}" sibTransId="{CD5CB240-0CA3-40FD-A5B0-9683A1E7094E}"/>
+    <dgm:cxn modelId="{5E38EF00-A2C1-4514-A10B-E304AA67123B}" srcId="{5ACD8C15-1CA9-4F18-961A-D49625AEE1D8}" destId="{7D1BA4E6-C536-4034-8FCC-3EC6F75EB188}" srcOrd="3" destOrd="0" parTransId="{855ED1A7-BB69-428A-B8BF-A56F28BE8EA3}" sibTransId="{70A3033F-9F1E-48EE-984C-C206849BF25D}"/>
+    <dgm:cxn modelId="{38D22B9F-989A-414F-94A6-43FFED07F515}" type="presOf" srcId="{48867968-15C8-4959-B078-7FE0D1FE2672}" destId="{9E722BEE-2767-47DE-A4AC-5AA7A9828E58}" srcOrd="0" destOrd="0" presId="urn:microsoft.com/office/officeart/2005/8/layout/hList1"/>
+    <dgm:cxn modelId="{09010451-01A2-4088-A57A-A63F70EB35E6}" type="presOf" srcId="{4320553C-15EE-402E-B8F9-B0424A1B9132}" destId="{48A24487-CCA9-42AE-8B37-11F3F18C73F4}" srcOrd="0" destOrd="0" presId="urn:microsoft.com/office/officeart/2005/8/layout/hList1"/>
+    <dgm:cxn modelId="{E62D5E5A-26DB-4A13-89CD-61E250DB2F5A}" type="presOf" srcId="{AFE928B2-3997-480E-9113-A41595E9D428}" destId="{EC8EB771-D13F-4A5B-A1B9-E028F676D24E}" srcOrd="0" destOrd="1" presId="urn:microsoft.com/office/officeart/2005/8/layout/hList1"/>
+    <dgm:cxn modelId="{F5CC77F6-085C-4C19-A5ED-886DB1A0BD83}" type="presParOf" srcId="{05C7FF7F-94CC-432E-91F4-89EAB067ACB7}" destId="{060E20E2-4756-4010-AC65-1D4B7949CDCD}" srcOrd="0" destOrd="0" presId="urn:microsoft.com/office/officeart/2005/8/layout/hList1"/>
+    <dgm:cxn modelId="{F6685798-3545-45FB-9F6F-1D16AC9E1CAC}" type="presParOf" srcId="{060E20E2-4756-4010-AC65-1D4B7949CDCD}" destId="{187EB1E8-CEE4-4E44-A25B-3825E467DCC5}" srcOrd="0" destOrd="0" presId="urn:microsoft.com/office/officeart/2005/8/layout/hList1"/>
+    <dgm:cxn modelId="{748B108D-61FC-4526-8A37-CF134D28AAC2}" type="presParOf" srcId="{060E20E2-4756-4010-AC65-1D4B7949CDCD}" destId="{EC8EB771-D13F-4A5B-A1B9-E028F676D24E}" srcOrd="1" destOrd="0" presId="urn:microsoft.com/office/officeart/2005/8/layout/hList1"/>
+    <dgm:cxn modelId="{A91AF285-5601-458D-9094-157C0572771A}" type="presParOf" srcId="{05C7FF7F-94CC-432E-91F4-89EAB067ACB7}" destId="{54A2E489-AA09-4C39-A11D-0CB44EAA23F2}" srcOrd="1" destOrd="0" presId="urn:microsoft.com/office/officeart/2005/8/layout/hList1"/>
+    <dgm:cxn modelId="{6273D911-88BF-492A-86BB-05CBF42AFEC4}" type="presParOf" srcId="{05C7FF7F-94CC-432E-91F4-89EAB067ACB7}" destId="{E9EE6DDA-3AA1-4447-8093-8A4DEDEDD355}" srcOrd="2" destOrd="0" presId="urn:microsoft.com/office/officeart/2005/8/layout/hList1"/>
+    <dgm:cxn modelId="{A22BA883-881D-43AF-ABD2-7704F39354EA}" type="presParOf" srcId="{E9EE6DDA-3AA1-4447-8093-8A4DEDEDD355}" destId="{48A24487-CCA9-42AE-8B37-11F3F18C73F4}" srcOrd="0" destOrd="0" presId="urn:microsoft.com/office/officeart/2005/8/layout/hList1"/>
+    <dgm:cxn modelId="{67FB1E11-9985-4F7A-95E9-B8B0A0018ED4}" type="presParOf" srcId="{E9EE6DDA-3AA1-4447-8093-8A4DEDEDD355}" destId="{FD244389-E5CA-48E5-82F4-8EA6078B6EE1}" srcOrd="1" destOrd="0" presId="urn:microsoft.com/office/officeart/2005/8/layout/hList1"/>
+    <dgm:cxn modelId="{F74CAB62-B2D2-4B88-BF76-674A1845D464}" type="presParOf" srcId="{05C7FF7F-94CC-432E-91F4-89EAB067ACB7}" destId="{0681C2CA-EC93-4AD4-8966-BB3912C519ED}" srcOrd="3" destOrd="0" presId="urn:microsoft.com/office/officeart/2005/8/layout/hList1"/>
+    <dgm:cxn modelId="{03399E45-8407-4B9B-917F-F15AC4B65ECB}" type="presParOf" srcId="{05C7FF7F-94CC-432E-91F4-89EAB067ACB7}" destId="{816E7C47-53DD-42EE-8D60-B538AD5F9CD5}" srcOrd="4" destOrd="0" presId="urn:microsoft.com/office/officeart/2005/8/layout/hList1"/>
+    <dgm:cxn modelId="{D41219B7-5A58-439F-AC84-7FDFD5BE3C7A}" type="presParOf" srcId="{816E7C47-53DD-42EE-8D60-B538AD5F9CD5}" destId="{37500AF0-62B4-402A-B52A-4AA409CE67EB}" srcOrd="0" destOrd="0" presId="urn:microsoft.com/office/officeart/2005/8/layout/hList1"/>
+    <dgm:cxn modelId="{C273ECA3-4415-4681-8CB6-2230072E7AA6}" type="presParOf" srcId="{816E7C47-53DD-42EE-8D60-B538AD5F9CD5}" destId="{9E722BEE-2767-47DE-A4AC-5AA7A9828E58}" srcOrd="1" destOrd="0" presId="urn:microsoft.com/office/officeart/2005/8/layout/hList1"/>
+    <dgm:cxn modelId="{6FF348C6-FBCC-477F-9C54-D46542B077A2}" type="presParOf" srcId="{05C7FF7F-94CC-432E-91F4-89EAB067ACB7}" destId="{A227C5DA-65BC-4074-93AE-B12EECD0C527}" srcOrd="5" destOrd="0" presId="urn:microsoft.com/office/officeart/2005/8/layout/hList1"/>
+    <dgm:cxn modelId="{345792AC-2BED-47DA-9294-CEE04BBA85BC}" type="presParOf" srcId="{05C7FF7F-94CC-432E-91F4-89EAB067ACB7}" destId="{99097884-CFF3-4B2B-821C-7839AA577412}" srcOrd="6" destOrd="0" presId="urn:microsoft.com/office/officeart/2005/8/layout/hList1"/>
+    <dgm:cxn modelId="{17E813FA-F719-4BEB-B806-66BB173F569E}" type="presParOf" srcId="{99097884-CFF3-4B2B-821C-7839AA577412}" destId="{3862C4B5-AACD-4347-8085-3F72601877B4}" srcOrd="0" destOrd="0" presId="urn:microsoft.com/office/officeart/2005/8/layout/hList1"/>
+    <dgm:cxn modelId="{643A7B39-531E-41A2-842F-6CA873CEA330}" type="presParOf" srcId="{99097884-CFF3-4B2B-821C-7839AA577412}" destId="{35A85B34-BE00-423B-BDEF-87219E928C35}" srcOrd="1" destOrd="0" presId="urn:microsoft.com/office/officeart/2005/8/layout/hList1"/>
+    <dgm:cxn modelId="{C7723E4E-8A46-4966-8967-3D5C7BA7A5C1}" type="presParOf" srcId="{05C7FF7F-94CC-432E-91F4-89EAB067ACB7}" destId="{A176F6BC-B5DA-498A-B121-2C9B6E663821}" srcOrd="7" destOrd="0" presId="urn:microsoft.com/office/officeart/2005/8/layout/hList1"/>
+    <dgm:cxn modelId="{CBE4E943-B0FB-4B53-85EC-6E9EE5D826B2}" type="presParOf" srcId="{05C7FF7F-94CC-432E-91F4-89EAB067ACB7}" destId="{D85AD417-029C-4E57-8740-7B2CD7157474}" srcOrd="8" destOrd="0" presId="urn:microsoft.com/office/officeart/2005/8/layout/hList1"/>
+    <dgm:cxn modelId="{E83FB12A-2CFB-42C9-BB68-BDC040695AD1}" type="presParOf" srcId="{D85AD417-029C-4E57-8740-7B2CD7157474}" destId="{839BA42A-3B80-4489-BE6A-A9D5C1FBAE01}" srcOrd="0" destOrd="0" presId="urn:microsoft.com/office/officeart/2005/8/layout/hList1"/>
+    <dgm:cxn modelId="{BE71C2C0-7DD0-41BC-BF8D-4D64086FEACD}" type="presParOf" srcId="{D85AD417-029C-4E57-8740-7B2CD7157474}" destId="{809477FF-A692-466C-8800-3CCD3C20CD13}" srcOrd="1" destOrd="0" presId="urn:microsoft.com/office/officeart/2005/8/layout/hList1"/>
+  </dgm:cxnLst>
+  <dgm:bg/>
+  <dgm:whole/>
+  <dgm:extLst>
+    <a:ext uri="http://schemas.microsoft.com/office/drawing/2008/diagram">
+      <dsp:dataModelExt xmlns:dsp="http://schemas.microsoft.com/office/drawing/2008/diagram" relId="rId8" minVer="http://schemas.openxmlformats.org/drawingml/2006/diagram"/>
+    </a:ext>
+  </dgm:extLst>
+</dgm:dataModel>
+</file>
+
 <file path=ppt/diagrams/drawing1.xml><?xml version="1.0" encoding="utf-8"?>
 <dsp:drawing xmlns:dgm="http://schemas.openxmlformats.org/drawingml/2006/diagram" xmlns:dsp="http://schemas.microsoft.com/office/drawing/2008/diagram" xmlns:a="http://schemas.openxmlformats.org/drawingml/2006/main">
   <dsp:spTree>
@@ -1895,7 +3309,7 @@
                 <a14:useLocalDpi xmlns:a14="http://schemas.microsoft.com/office/drawing/2010/main" val="0"/>
               </a:ext>
               <a:ext uri="{96DAC541-7B7A-43D3-8B79-37D633B846F1}">
-                <asvg:svgBlip xmlns:asvg="http://schemas.microsoft.com/office/drawing/2016/SVG/main" xmlns="" r:embed="rId2"/>
+                <asvg:svgBlip xmlns="" xmlns:asvg="http://schemas.microsoft.com/office/drawing/2016/SVG/main" r:embed="rId2"/>
               </a:ext>
             </a:extLst>
           </a:blip>
@@ -2043,7 +3457,7 @@
                 <a14:useLocalDpi xmlns:a14="http://schemas.microsoft.com/office/drawing/2010/main" val="0"/>
               </a:ext>
               <a:ext uri="{96DAC541-7B7A-43D3-8B79-37D633B846F1}">
-                <asvg:svgBlip xmlns:asvg="http://schemas.microsoft.com/office/drawing/2016/SVG/main" xmlns="" r:embed="rId4"/>
+                <asvg:svgBlip xmlns="" xmlns:asvg="http://schemas.microsoft.com/office/drawing/2016/SVG/main" r:embed="rId4"/>
               </a:ext>
             </a:extLst>
           </a:blip>
@@ -2192,7 +3606,7 @@
                 <a14:useLocalDpi xmlns:a14="http://schemas.microsoft.com/office/drawing/2010/main" val="0"/>
               </a:ext>
               <a:ext uri="{96DAC541-7B7A-43D3-8B79-37D633B846F1}">
-                <asvg:svgBlip xmlns:asvg="http://schemas.microsoft.com/office/drawing/2016/SVG/main" xmlns="" r:embed="rId6"/>
+                <asvg:svgBlip xmlns="" xmlns:asvg="http://schemas.microsoft.com/office/drawing/2016/SVG/main" r:embed="rId6"/>
               </a:ext>
             </a:extLst>
           </a:blip>
@@ -2341,7 +3755,7 @@
                 <a14:useLocalDpi xmlns:a14="http://schemas.microsoft.com/office/drawing/2010/main" val="0"/>
               </a:ext>
               <a:ext uri="{96DAC541-7B7A-43D3-8B79-37D633B846F1}">
-                <asvg:svgBlip xmlns:asvg="http://schemas.microsoft.com/office/drawing/2016/SVG/main" xmlns="" r:embed="rId8"/>
+                <asvg:svgBlip xmlns="" xmlns:asvg="http://schemas.microsoft.com/office/drawing/2016/SVG/main" r:embed="rId8"/>
               </a:ext>
             </a:extLst>
           </a:blip>
@@ -2490,7 +3904,7 @@
                 <a14:useLocalDpi xmlns:a14="http://schemas.microsoft.com/office/drawing/2010/main" val="0"/>
               </a:ext>
               <a:ext uri="{96DAC541-7B7A-43D3-8B79-37D633B846F1}">
-                <asvg:svgBlip xmlns:asvg="http://schemas.microsoft.com/office/drawing/2016/SVG/main" xmlns="" r:embed="rId10"/>
+                <asvg:svgBlip xmlns="" xmlns:asvg="http://schemas.microsoft.com/office/drawing/2016/SVG/main" r:embed="rId10"/>
               </a:ext>
             </a:extLst>
           </a:blip>
@@ -2639,7 +4053,7 @@
                 <a14:useLocalDpi xmlns:a14="http://schemas.microsoft.com/office/drawing/2010/main" val="0"/>
               </a:ext>
               <a:ext uri="{96DAC541-7B7A-43D3-8B79-37D633B846F1}">
-                <asvg:svgBlip xmlns:asvg="http://schemas.microsoft.com/office/drawing/2016/SVG/main" xmlns="" r:embed="rId12"/>
+                <asvg:svgBlip xmlns="" xmlns:asvg="http://schemas.microsoft.com/office/drawing/2016/SVG/main" r:embed="rId12"/>
               </a:ext>
             </a:extLst>
           </a:blip>
@@ -2788,7 +4202,7 @@
                 <a14:useLocalDpi xmlns:a14="http://schemas.microsoft.com/office/drawing/2010/main" val="0"/>
               </a:ext>
               <a:ext uri="{96DAC541-7B7A-43D3-8B79-37D633B846F1}">
-                <asvg:svgBlip xmlns:asvg="http://schemas.microsoft.com/office/drawing/2016/SVG/main" xmlns="" r:embed="rId14"/>
+                <asvg:svgBlip xmlns="" xmlns:asvg="http://schemas.microsoft.com/office/drawing/2016/SVG/main" r:embed="rId14"/>
               </a:ext>
             </a:extLst>
           </a:blip>
@@ -2876,6 +4290,819 @@
         <a:off x="3096147" y="2851050"/>
         <a:ext cx="1389403" cy="589443"/>
       </dsp:txXfrm>
+    </dsp:sp>
+  </dsp:spTree>
+</dsp:drawing>
+</file>
+
+<file path=ppt/diagrams/drawing2.xml><?xml version="1.0" encoding="utf-8"?>
+<dsp:drawing xmlns:dgm="http://schemas.openxmlformats.org/drawingml/2006/diagram" xmlns:dsp="http://schemas.microsoft.com/office/drawing/2008/diagram" xmlns:a="http://schemas.openxmlformats.org/drawingml/2006/main">
+  <dsp:spTree>
+    <dsp:nvGrpSpPr>
+      <dsp:cNvPr id="0" name=""/>
+      <dsp:cNvGrpSpPr/>
+    </dsp:nvGrpSpPr>
+    <dsp:grpSpPr/>
+    <dsp:sp modelId="{187EB1E8-CEE4-4E44-A25B-3825E467DCC5}">
+      <dsp:nvSpPr>
+        <dsp:cNvPr id="0" name=""/>
+        <dsp:cNvSpPr/>
+      </dsp:nvSpPr>
+      <dsp:spPr>
+        <a:xfrm>
+          <a:off x="4458" y="670070"/>
+          <a:ext cx="1709022" cy="683609"/>
+        </a:xfrm>
+        <a:prstGeom prst="rect">
+          <a:avLst/>
+        </a:prstGeom>
+        <a:solidFill>
+          <a:schemeClr val="accent1">
+            <a:hueOff val="0"/>
+            <a:satOff val="0"/>
+            <a:lumOff val="0"/>
+            <a:alphaOff val="0"/>
+          </a:schemeClr>
+        </a:solidFill>
+        <a:ln w="15875" cap="rnd" cmpd="sng" algn="ctr">
+          <a:solidFill>
+            <a:schemeClr val="accent1">
+              <a:hueOff val="0"/>
+              <a:satOff val="0"/>
+              <a:lumOff val="0"/>
+              <a:alphaOff val="0"/>
+            </a:schemeClr>
+          </a:solidFill>
+          <a:prstDash val="solid"/>
+        </a:ln>
+        <a:effectLst/>
+      </dsp:spPr>
+      <dsp:style>
+        <a:lnRef idx="2">
+          <a:scrgbClr r="0" g="0" b="0"/>
+        </a:lnRef>
+        <a:fillRef idx="1">
+          <a:scrgbClr r="0" g="0" b="0"/>
+        </a:fillRef>
+        <a:effectRef idx="0">
+          <a:scrgbClr r="0" g="0" b="0"/>
+        </a:effectRef>
+        <a:fontRef idx="minor">
+          <a:schemeClr val="lt1"/>
+        </a:fontRef>
+      </dsp:style>
+      <dsp:txBody>
+        <a:bodyPr spcFirstLastPara="0" vert="horz" wrap="square" lIns="284480" tIns="162560" rIns="284480" bIns="162560" numCol="1" spcCol="1270" anchor="ctr" anchorCtr="0">
+          <a:noAutofit/>
+        </a:bodyPr>
+        <a:lstStyle/>
+        <a:p>
+          <a:pPr lvl="0" algn="ctr" defTabSz="1778000">
+            <a:lnSpc>
+              <a:spcPct val="90000"/>
+            </a:lnSpc>
+            <a:spcBef>
+              <a:spcPct val="0"/>
+            </a:spcBef>
+            <a:spcAft>
+              <a:spcPct val="35000"/>
+            </a:spcAft>
+          </a:pPr>
+          <a:r>
+            <a:rPr lang="es-ES" sz="4000" kern="1200" dirty="0" err="1" smtClean="0"/>
+            <a:t>kNN</a:t>
+          </a:r>
+          <a:endParaRPr lang="es-ES" sz="4000" kern="1200" dirty="0"/>
+        </a:p>
+      </dsp:txBody>
+      <dsp:txXfrm>
+        <a:off x="4458" y="670070"/>
+        <a:ext cx="1709022" cy="683609"/>
+      </dsp:txXfrm>
+    </dsp:sp>
+    <dsp:sp modelId="{EC8EB771-D13F-4A5B-A1B9-E028F676D24E}">
+      <dsp:nvSpPr>
+        <dsp:cNvPr id="0" name=""/>
+        <dsp:cNvSpPr/>
+      </dsp:nvSpPr>
+      <dsp:spPr>
+        <a:xfrm>
+          <a:off x="4458" y="1353679"/>
+          <a:ext cx="1709022" cy="1964047"/>
+        </a:xfrm>
+        <a:prstGeom prst="rect">
+          <a:avLst/>
+        </a:prstGeom>
+        <a:solidFill>
+          <a:schemeClr val="accent1">
+            <a:alpha val="90000"/>
+            <a:tint val="40000"/>
+            <a:hueOff val="0"/>
+            <a:satOff val="0"/>
+            <a:lumOff val="0"/>
+            <a:alphaOff val="0"/>
+          </a:schemeClr>
+        </a:solidFill>
+        <a:ln w="15875" cap="rnd" cmpd="sng" algn="ctr">
+          <a:solidFill>
+            <a:schemeClr val="accent1">
+              <a:alpha val="90000"/>
+              <a:tint val="40000"/>
+              <a:hueOff val="0"/>
+              <a:satOff val="0"/>
+              <a:lumOff val="0"/>
+              <a:alphaOff val="0"/>
+            </a:schemeClr>
+          </a:solidFill>
+          <a:prstDash val="solid"/>
+        </a:ln>
+        <a:effectLst/>
+      </dsp:spPr>
+      <dsp:style>
+        <a:lnRef idx="2">
+          <a:scrgbClr r="0" g="0" b="0"/>
+        </a:lnRef>
+        <a:fillRef idx="1">
+          <a:scrgbClr r="0" g="0" b="0"/>
+        </a:fillRef>
+        <a:effectRef idx="0">
+          <a:scrgbClr r="0" g="0" b="0"/>
+        </a:effectRef>
+        <a:fontRef idx="minor"/>
+      </dsp:style>
+      <dsp:txBody>
+        <a:bodyPr spcFirstLastPara="0" vert="horz" wrap="square" lIns="144018" tIns="144018" rIns="192024" bIns="216027" numCol="1" spcCol="1270" anchor="t" anchorCtr="0">
+          <a:noAutofit/>
+        </a:bodyPr>
+        <a:lstStyle/>
+        <a:p>
+          <a:pPr marL="228600" lvl="1" indent="-228600" algn="l" defTabSz="1200150">
+            <a:lnSpc>
+              <a:spcPct val="90000"/>
+            </a:lnSpc>
+            <a:spcBef>
+              <a:spcPct val="0"/>
+            </a:spcBef>
+            <a:spcAft>
+              <a:spcPct val="15000"/>
+            </a:spcAft>
+            <a:buChar char="••"/>
+          </a:pPr>
+          <a:endParaRPr lang="es-ES" sz="2700" kern="1200"/>
+        </a:p>
+        <a:p>
+          <a:pPr marL="228600" lvl="1" indent="-228600" algn="l" defTabSz="1200150">
+            <a:lnSpc>
+              <a:spcPct val="90000"/>
+            </a:lnSpc>
+            <a:spcBef>
+              <a:spcPct val="0"/>
+            </a:spcBef>
+            <a:spcAft>
+              <a:spcPct val="15000"/>
+            </a:spcAft>
+            <a:buChar char="••"/>
+          </a:pPr>
+          <a:endParaRPr lang="es-ES" sz="2700" kern="1200"/>
+        </a:p>
+      </dsp:txBody>
+      <dsp:txXfrm>
+        <a:off x="4458" y="1353679"/>
+        <a:ext cx="1709022" cy="1964047"/>
+      </dsp:txXfrm>
+    </dsp:sp>
+    <dsp:sp modelId="{48A24487-CCA9-42AE-8B37-11F3F18C73F4}">
+      <dsp:nvSpPr>
+        <dsp:cNvPr id="0" name=""/>
+        <dsp:cNvSpPr/>
+      </dsp:nvSpPr>
+      <dsp:spPr>
+        <a:xfrm>
+          <a:off x="1952744" y="670070"/>
+          <a:ext cx="1709022" cy="683609"/>
+        </a:xfrm>
+        <a:prstGeom prst="rect">
+          <a:avLst/>
+        </a:prstGeom>
+        <a:solidFill>
+          <a:schemeClr val="accent1">
+            <a:hueOff val="0"/>
+            <a:satOff val="0"/>
+            <a:lumOff val="0"/>
+            <a:alphaOff val="0"/>
+          </a:schemeClr>
+        </a:solidFill>
+        <a:ln w="15875" cap="rnd" cmpd="sng" algn="ctr">
+          <a:solidFill>
+            <a:schemeClr val="accent1">
+              <a:hueOff val="0"/>
+              <a:satOff val="0"/>
+              <a:lumOff val="0"/>
+              <a:alphaOff val="0"/>
+            </a:schemeClr>
+          </a:solidFill>
+          <a:prstDash val="solid"/>
+        </a:ln>
+        <a:effectLst/>
+      </dsp:spPr>
+      <dsp:style>
+        <a:lnRef idx="2">
+          <a:scrgbClr r="0" g="0" b="0"/>
+        </a:lnRef>
+        <a:fillRef idx="1">
+          <a:scrgbClr r="0" g="0" b="0"/>
+        </a:fillRef>
+        <a:effectRef idx="0">
+          <a:scrgbClr r="0" g="0" b="0"/>
+        </a:effectRef>
+        <a:fontRef idx="minor">
+          <a:schemeClr val="lt1"/>
+        </a:fontRef>
+      </dsp:style>
+      <dsp:txBody>
+        <a:bodyPr spcFirstLastPara="0" vert="horz" wrap="square" lIns="284480" tIns="162560" rIns="284480" bIns="162560" numCol="1" spcCol="1270" anchor="ctr" anchorCtr="0">
+          <a:noAutofit/>
+        </a:bodyPr>
+        <a:lstStyle/>
+        <a:p>
+          <a:pPr lvl="0" algn="ctr" defTabSz="1778000">
+            <a:lnSpc>
+              <a:spcPct val="90000"/>
+            </a:lnSpc>
+            <a:spcBef>
+              <a:spcPct val="0"/>
+            </a:spcBef>
+            <a:spcAft>
+              <a:spcPct val="35000"/>
+            </a:spcAft>
+          </a:pPr>
+          <a:r>
+            <a:rPr lang="es-ES" sz="4000" kern="1200" dirty="0" smtClean="0"/>
+            <a:t>SVC</a:t>
+          </a:r>
+          <a:endParaRPr lang="es-ES" sz="4000" kern="1200" dirty="0"/>
+        </a:p>
+      </dsp:txBody>
+      <dsp:txXfrm>
+        <a:off x="1952744" y="670070"/>
+        <a:ext cx="1709022" cy="683609"/>
+      </dsp:txXfrm>
+    </dsp:sp>
+    <dsp:sp modelId="{FD244389-E5CA-48E5-82F4-8EA6078B6EE1}">
+      <dsp:nvSpPr>
+        <dsp:cNvPr id="0" name=""/>
+        <dsp:cNvSpPr/>
+      </dsp:nvSpPr>
+      <dsp:spPr>
+        <a:xfrm>
+          <a:off x="1952744" y="1353679"/>
+          <a:ext cx="1709022" cy="1964047"/>
+        </a:xfrm>
+        <a:prstGeom prst="rect">
+          <a:avLst/>
+        </a:prstGeom>
+        <a:solidFill>
+          <a:schemeClr val="accent1">
+            <a:alpha val="90000"/>
+            <a:tint val="40000"/>
+            <a:hueOff val="0"/>
+            <a:satOff val="0"/>
+            <a:lumOff val="0"/>
+            <a:alphaOff val="0"/>
+          </a:schemeClr>
+        </a:solidFill>
+        <a:ln w="15875" cap="rnd" cmpd="sng" algn="ctr">
+          <a:solidFill>
+            <a:schemeClr val="accent1">
+              <a:alpha val="90000"/>
+              <a:tint val="40000"/>
+              <a:hueOff val="0"/>
+              <a:satOff val="0"/>
+              <a:lumOff val="0"/>
+              <a:alphaOff val="0"/>
+            </a:schemeClr>
+          </a:solidFill>
+          <a:prstDash val="solid"/>
+        </a:ln>
+        <a:effectLst/>
+      </dsp:spPr>
+      <dsp:style>
+        <a:lnRef idx="2">
+          <a:scrgbClr r="0" g="0" b="0"/>
+        </a:lnRef>
+        <a:fillRef idx="1">
+          <a:scrgbClr r="0" g="0" b="0"/>
+        </a:fillRef>
+        <a:effectRef idx="0">
+          <a:scrgbClr r="0" g="0" b="0"/>
+        </a:effectRef>
+        <a:fontRef idx="minor"/>
+      </dsp:style>
+      <dsp:txBody>
+        <a:bodyPr spcFirstLastPara="0" vert="horz" wrap="square" lIns="144018" tIns="144018" rIns="192024" bIns="216027" numCol="1" spcCol="1270" anchor="t" anchorCtr="0">
+          <a:noAutofit/>
+        </a:bodyPr>
+        <a:lstStyle/>
+        <a:p>
+          <a:pPr marL="228600" lvl="1" indent="-228600" algn="l" defTabSz="1200150">
+            <a:lnSpc>
+              <a:spcPct val="90000"/>
+            </a:lnSpc>
+            <a:spcBef>
+              <a:spcPct val="0"/>
+            </a:spcBef>
+            <a:spcAft>
+              <a:spcPct val="15000"/>
+            </a:spcAft>
+            <a:buChar char="••"/>
+          </a:pPr>
+          <a:endParaRPr lang="es-ES" sz="2700" kern="1200"/>
+        </a:p>
+        <a:p>
+          <a:pPr marL="228600" lvl="1" indent="-228600" algn="l" defTabSz="1200150">
+            <a:lnSpc>
+              <a:spcPct val="90000"/>
+            </a:lnSpc>
+            <a:spcBef>
+              <a:spcPct val="0"/>
+            </a:spcBef>
+            <a:spcAft>
+              <a:spcPct val="15000"/>
+            </a:spcAft>
+            <a:buChar char="••"/>
+          </a:pPr>
+          <a:endParaRPr lang="es-ES" sz="2700" kern="1200"/>
+        </a:p>
+      </dsp:txBody>
+      <dsp:txXfrm>
+        <a:off x="1952744" y="1353679"/>
+        <a:ext cx="1709022" cy="1964047"/>
+      </dsp:txXfrm>
+    </dsp:sp>
+    <dsp:sp modelId="{37500AF0-62B4-402A-B52A-4AA409CE67EB}">
+      <dsp:nvSpPr>
+        <dsp:cNvPr id="0" name=""/>
+        <dsp:cNvSpPr/>
+      </dsp:nvSpPr>
+      <dsp:spPr>
+        <a:xfrm>
+          <a:off x="3901030" y="670070"/>
+          <a:ext cx="1709022" cy="683609"/>
+        </a:xfrm>
+        <a:prstGeom prst="rect">
+          <a:avLst/>
+        </a:prstGeom>
+        <a:solidFill>
+          <a:schemeClr val="accent1">
+            <a:hueOff val="0"/>
+            <a:satOff val="0"/>
+            <a:lumOff val="0"/>
+            <a:alphaOff val="0"/>
+          </a:schemeClr>
+        </a:solidFill>
+        <a:ln w="15875" cap="rnd" cmpd="sng" algn="ctr">
+          <a:solidFill>
+            <a:schemeClr val="accent1">
+              <a:hueOff val="0"/>
+              <a:satOff val="0"/>
+              <a:lumOff val="0"/>
+              <a:alphaOff val="0"/>
+            </a:schemeClr>
+          </a:solidFill>
+          <a:prstDash val="solid"/>
+        </a:ln>
+        <a:effectLst/>
+      </dsp:spPr>
+      <dsp:style>
+        <a:lnRef idx="2">
+          <a:scrgbClr r="0" g="0" b="0"/>
+        </a:lnRef>
+        <a:fillRef idx="1">
+          <a:scrgbClr r="0" g="0" b="0"/>
+        </a:fillRef>
+        <a:effectRef idx="0">
+          <a:scrgbClr r="0" g="0" b="0"/>
+        </a:effectRef>
+        <a:fontRef idx="minor">
+          <a:schemeClr val="lt1"/>
+        </a:fontRef>
+      </dsp:style>
+      <dsp:txBody>
+        <a:bodyPr spcFirstLastPara="0" vert="horz" wrap="square" lIns="199136" tIns="113792" rIns="199136" bIns="113792" numCol="1" spcCol="1270" anchor="ctr" anchorCtr="0">
+          <a:noAutofit/>
+        </a:bodyPr>
+        <a:lstStyle/>
+        <a:p>
+          <a:pPr lvl="0" algn="ctr" defTabSz="1244600">
+            <a:lnSpc>
+              <a:spcPct val="90000"/>
+            </a:lnSpc>
+            <a:spcBef>
+              <a:spcPct val="0"/>
+            </a:spcBef>
+            <a:spcAft>
+              <a:spcPct val="35000"/>
+            </a:spcAft>
+          </a:pPr>
+          <a:r>
+            <a:rPr lang="en-US" sz="2800" kern="1200" noProof="0" dirty="0" smtClean="0"/>
+            <a:t>Decision tree</a:t>
+          </a:r>
+          <a:endParaRPr lang="en-US" sz="2800" kern="1200" noProof="0" dirty="0"/>
+        </a:p>
+      </dsp:txBody>
+      <dsp:txXfrm>
+        <a:off x="3901030" y="670070"/>
+        <a:ext cx="1709022" cy="683609"/>
+      </dsp:txXfrm>
+    </dsp:sp>
+    <dsp:sp modelId="{9E722BEE-2767-47DE-A4AC-5AA7A9828E58}">
+      <dsp:nvSpPr>
+        <dsp:cNvPr id="0" name=""/>
+        <dsp:cNvSpPr/>
+      </dsp:nvSpPr>
+      <dsp:spPr>
+        <a:xfrm>
+          <a:off x="3901030" y="1353679"/>
+          <a:ext cx="1709022" cy="1964047"/>
+        </a:xfrm>
+        <a:prstGeom prst="rect">
+          <a:avLst/>
+        </a:prstGeom>
+        <a:solidFill>
+          <a:schemeClr val="accent1">
+            <a:alpha val="90000"/>
+            <a:tint val="40000"/>
+            <a:hueOff val="0"/>
+            <a:satOff val="0"/>
+            <a:lumOff val="0"/>
+            <a:alphaOff val="0"/>
+          </a:schemeClr>
+        </a:solidFill>
+        <a:ln w="15875" cap="rnd" cmpd="sng" algn="ctr">
+          <a:solidFill>
+            <a:schemeClr val="accent1">
+              <a:alpha val="90000"/>
+              <a:tint val="40000"/>
+              <a:hueOff val="0"/>
+              <a:satOff val="0"/>
+              <a:lumOff val="0"/>
+              <a:alphaOff val="0"/>
+            </a:schemeClr>
+          </a:solidFill>
+          <a:prstDash val="solid"/>
+        </a:ln>
+        <a:effectLst/>
+      </dsp:spPr>
+      <dsp:style>
+        <a:lnRef idx="2">
+          <a:scrgbClr r="0" g="0" b="0"/>
+        </a:lnRef>
+        <a:fillRef idx="1">
+          <a:scrgbClr r="0" g="0" b="0"/>
+        </a:fillRef>
+        <a:effectRef idx="0">
+          <a:scrgbClr r="0" g="0" b="0"/>
+        </a:effectRef>
+        <a:fontRef idx="minor"/>
+      </dsp:style>
+      <dsp:txBody>
+        <a:bodyPr spcFirstLastPara="0" vert="horz" wrap="square" lIns="144018" tIns="144018" rIns="192024" bIns="216027" numCol="1" spcCol="1270" anchor="t" anchorCtr="0">
+          <a:noAutofit/>
+        </a:bodyPr>
+        <a:lstStyle/>
+        <a:p>
+          <a:pPr marL="228600" lvl="1" indent="-228600" algn="l" defTabSz="1200150">
+            <a:lnSpc>
+              <a:spcPct val="90000"/>
+            </a:lnSpc>
+            <a:spcBef>
+              <a:spcPct val="0"/>
+            </a:spcBef>
+            <a:spcAft>
+              <a:spcPct val="15000"/>
+            </a:spcAft>
+            <a:buChar char="••"/>
+          </a:pPr>
+          <a:r>
+            <a:rPr lang="es-ES" sz="2700" kern="1200" dirty="0" smtClean="0"/>
+            <a:t>Max </a:t>
+          </a:r>
+          <a:r>
+            <a:rPr lang="es-ES" sz="2700" kern="1200" dirty="0" err="1" smtClean="0"/>
+            <a:t>depth</a:t>
+          </a:r>
+          <a:r>
+            <a:rPr lang="es-ES" sz="2700" kern="1200" dirty="0" smtClean="0"/>
+            <a:t>: 8</a:t>
+          </a:r>
+          <a:endParaRPr lang="es-ES" sz="2700" kern="1200" dirty="0"/>
+        </a:p>
+        <a:p>
+          <a:pPr marL="228600" lvl="1" indent="-228600" algn="l" defTabSz="1200150">
+            <a:lnSpc>
+              <a:spcPct val="90000"/>
+            </a:lnSpc>
+            <a:spcBef>
+              <a:spcPct val="0"/>
+            </a:spcBef>
+            <a:spcAft>
+              <a:spcPct val="15000"/>
+            </a:spcAft>
+            <a:buChar char="••"/>
+          </a:pPr>
+          <a:endParaRPr lang="es-ES" sz="2700" kern="1200" dirty="0"/>
+        </a:p>
+      </dsp:txBody>
+      <dsp:txXfrm>
+        <a:off x="3901030" y="1353679"/>
+        <a:ext cx="1709022" cy="1964047"/>
+      </dsp:txXfrm>
+    </dsp:sp>
+    <dsp:sp modelId="{3862C4B5-AACD-4347-8085-3F72601877B4}">
+      <dsp:nvSpPr>
+        <dsp:cNvPr id="0" name=""/>
+        <dsp:cNvSpPr/>
+      </dsp:nvSpPr>
+      <dsp:spPr>
+        <a:xfrm>
+          <a:off x="5849316" y="670070"/>
+          <a:ext cx="1709022" cy="683609"/>
+        </a:xfrm>
+        <a:prstGeom prst="rect">
+          <a:avLst/>
+        </a:prstGeom>
+        <a:solidFill>
+          <a:schemeClr val="accent1">
+            <a:hueOff val="0"/>
+            <a:satOff val="0"/>
+            <a:lumOff val="0"/>
+            <a:alphaOff val="0"/>
+          </a:schemeClr>
+        </a:solidFill>
+        <a:ln w="15875" cap="rnd" cmpd="sng" algn="ctr">
+          <a:solidFill>
+            <a:schemeClr val="accent1">
+              <a:hueOff val="0"/>
+              <a:satOff val="0"/>
+              <a:lumOff val="0"/>
+              <a:alphaOff val="0"/>
+            </a:schemeClr>
+          </a:solidFill>
+          <a:prstDash val="solid"/>
+        </a:ln>
+        <a:effectLst/>
+      </dsp:spPr>
+      <dsp:style>
+        <a:lnRef idx="2">
+          <a:scrgbClr r="0" g="0" b="0"/>
+        </a:lnRef>
+        <a:fillRef idx="1">
+          <a:scrgbClr r="0" g="0" b="0"/>
+        </a:fillRef>
+        <a:effectRef idx="0">
+          <a:scrgbClr r="0" g="0" b="0"/>
+        </a:effectRef>
+        <a:fontRef idx="minor">
+          <a:schemeClr val="lt1"/>
+        </a:fontRef>
+      </dsp:style>
+      <dsp:txBody>
+        <a:bodyPr spcFirstLastPara="0" vert="horz" wrap="square" lIns="192024" tIns="109728" rIns="192024" bIns="109728" numCol="1" spcCol="1270" anchor="ctr" anchorCtr="0">
+          <a:noAutofit/>
+        </a:bodyPr>
+        <a:lstStyle/>
+        <a:p>
+          <a:pPr lvl="0" algn="ctr" defTabSz="1200150">
+            <a:lnSpc>
+              <a:spcPct val="90000"/>
+            </a:lnSpc>
+            <a:spcBef>
+              <a:spcPct val="0"/>
+            </a:spcBef>
+            <a:spcAft>
+              <a:spcPct val="35000"/>
+            </a:spcAft>
+          </a:pPr>
+          <a:r>
+            <a:rPr lang="es-ES" sz="2700" kern="1200" dirty="0" err="1" smtClean="0"/>
+            <a:t>Dsf</a:t>
+          </a:r>
+          <a:endParaRPr lang="es-ES" sz="2700" kern="1200" dirty="0"/>
+        </a:p>
+      </dsp:txBody>
+      <dsp:txXfrm>
+        <a:off x="5849316" y="670070"/>
+        <a:ext cx="1709022" cy="683609"/>
+      </dsp:txXfrm>
+    </dsp:sp>
+    <dsp:sp modelId="{35A85B34-BE00-423B-BDEF-87219E928C35}">
+      <dsp:nvSpPr>
+        <dsp:cNvPr id="0" name=""/>
+        <dsp:cNvSpPr/>
+      </dsp:nvSpPr>
+      <dsp:spPr>
+        <a:xfrm>
+          <a:off x="5849316" y="1353679"/>
+          <a:ext cx="1709022" cy="1964047"/>
+        </a:xfrm>
+        <a:prstGeom prst="rect">
+          <a:avLst/>
+        </a:prstGeom>
+        <a:solidFill>
+          <a:schemeClr val="accent1">
+            <a:alpha val="90000"/>
+            <a:tint val="40000"/>
+            <a:hueOff val="0"/>
+            <a:satOff val="0"/>
+            <a:lumOff val="0"/>
+            <a:alphaOff val="0"/>
+          </a:schemeClr>
+        </a:solidFill>
+        <a:ln w="15875" cap="rnd" cmpd="sng" algn="ctr">
+          <a:solidFill>
+            <a:schemeClr val="accent1">
+              <a:alpha val="90000"/>
+              <a:tint val="40000"/>
+              <a:hueOff val="0"/>
+              <a:satOff val="0"/>
+              <a:lumOff val="0"/>
+              <a:alphaOff val="0"/>
+            </a:schemeClr>
+          </a:solidFill>
+          <a:prstDash val="solid"/>
+        </a:ln>
+        <a:effectLst/>
+      </dsp:spPr>
+      <dsp:style>
+        <a:lnRef idx="2">
+          <a:scrgbClr r="0" g="0" b="0"/>
+        </a:lnRef>
+        <a:fillRef idx="1">
+          <a:scrgbClr r="0" g="0" b="0"/>
+        </a:fillRef>
+        <a:effectRef idx="0">
+          <a:scrgbClr r="0" g="0" b="0"/>
+        </a:effectRef>
+        <a:fontRef idx="minor"/>
+      </dsp:style>
+      <dsp:txBody>
+        <a:bodyPr spcFirstLastPara="0" vert="horz" wrap="square" lIns="144018" tIns="144018" rIns="192024" bIns="216027" numCol="1" spcCol="1270" anchor="t" anchorCtr="0">
+          <a:noAutofit/>
+        </a:bodyPr>
+        <a:lstStyle/>
+        <a:p>
+          <a:pPr marL="228600" lvl="1" indent="-228600" algn="l" defTabSz="1200150">
+            <a:lnSpc>
+              <a:spcPct val="90000"/>
+            </a:lnSpc>
+            <a:spcBef>
+              <a:spcPct val="0"/>
+            </a:spcBef>
+            <a:spcAft>
+              <a:spcPct val="15000"/>
+            </a:spcAft>
+            <a:buChar char="••"/>
+          </a:pPr>
+          <a:r>
+            <a:rPr lang="es-ES" sz="2700" kern="1200" dirty="0" err="1" smtClean="0"/>
+            <a:t>sdf</a:t>
+          </a:r>
+          <a:endParaRPr lang="es-ES" sz="2700" kern="1200" dirty="0"/>
+        </a:p>
+      </dsp:txBody>
+      <dsp:txXfrm>
+        <a:off x="5849316" y="1353679"/>
+        <a:ext cx="1709022" cy="1964047"/>
+      </dsp:txXfrm>
+    </dsp:sp>
+    <dsp:sp modelId="{839BA42A-3B80-4489-BE6A-A9D5C1FBAE01}">
+      <dsp:nvSpPr>
+        <dsp:cNvPr id="0" name=""/>
+        <dsp:cNvSpPr/>
+      </dsp:nvSpPr>
+      <dsp:spPr>
+        <a:xfrm>
+          <a:off x="7797601" y="670070"/>
+          <a:ext cx="1709022" cy="683609"/>
+        </a:xfrm>
+        <a:prstGeom prst="rect">
+          <a:avLst/>
+        </a:prstGeom>
+        <a:solidFill>
+          <a:schemeClr val="accent1">
+            <a:hueOff val="0"/>
+            <a:satOff val="0"/>
+            <a:lumOff val="0"/>
+            <a:alphaOff val="0"/>
+          </a:schemeClr>
+        </a:solidFill>
+        <a:ln w="15875" cap="rnd" cmpd="sng" algn="ctr">
+          <a:solidFill>
+            <a:schemeClr val="accent1">
+              <a:hueOff val="0"/>
+              <a:satOff val="0"/>
+              <a:lumOff val="0"/>
+              <a:alphaOff val="0"/>
+            </a:schemeClr>
+          </a:solidFill>
+          <a:prstDash val="solid"/>
+        </a:ln>
+        <a:effectLst/>
+      </dsp:spPr>
+      <dsp:style>
+        <a:lnRef idx="2">
+          <a:scrgbClr r="0" g="0" b="0"/>
+        </a:lnRef>
+        <a:fillRef idx="1">
+          <a:scrgbClr r="0" g="0" b="0"/>
+        </a:fillRef>
+        <a:effectRef idx="0">
+          <a:scrgbClr r="0" g="0" b="0"/>
+        </a:effectRef>
+        <a:fontRef idx="minor">
+          <a:schemeClr val="lt1"/>
+        </a:fontRef>
+      </dsp:style>
+      <dsp:txBody>
+        <a:bodyPr spcFirstLastPara="0" vert="horz" wrap="square" lIns="192024" tIns="109728" rIns="192024" bIns="109728" numCol="1" spcCol="1270" anchor="ctr" anchorCtr="0">
+          <a:noAutofit/>
+        </a:bodyPr>
+        <a:lstStyle/>
+        <a:p>
+          <a:pPr lvl="0" algn="ctr" defTabSz="1200150">
+            <a:lnSpc>
+              <a:spcPct val="90000"/>
+            </a:lnSpc>
+            <a:spcBef>
+              <a:spcPct val="0"/>
+            </a:spcBef>
+            <a:spcAft>
+              <a:spcPct val="35000"/>
+            </a:spcAft>
+          </a:pPr>
+          <a:r>
+            <a:rPr lang="es-ES" sz="2700" kern="1200" dirty="0" err="1" smtClean="0"/>
+            <a:t>sdf</a:t>
+          </a:r>
+          <a:endParaRPr lang="es-ES" sz="2700" kern="1200" dirty="0"/>
+        </a:p>
+      </dsp:txBody>
+      <dsp:txXfrm>
+        <a:off x="7797601" y="670070"/>
+        <a:ext cx="1709022" cy="683609"/>
+      </dsp:txXfrm>
+    </dsp:sp>
+    <dsp:sp modelId="{809477FF-A692-466C-8800-3CCD3C20CD13}">
+      <dsp:nvSpPr>
+        <dsp:cNvPr id="0" name=""/>
+        <dsp:cNvSpPr/>
+      </dsp:nvSpPr>
+      <dsp:spPr>
+        <a:xfrm>
+          <a:off x="7797601" y="1353679"/>
+          <a:ext cx="1709022" cy="1964047"/>
+        </a:xfrm>
+        <a:prstGeom prst="rect">
+          <a:avLst/>
+        </a:prstGeom>
+        <a:solidFill>
+          <a:schemeClr val="accent1">
+            <a:alpha val="90000"/>
+            <a:tint val="40000"/>
+            <a:hueOff val="0"/>
+            <a:satOff val="0"/>
+            <a:lumOff val="0"/>
+            <a:alphaOff val="0"/>
+          </a:schemeClr>
+        </a:solidFill>
+        <a:ln w="15875" cap="rnd" cmpd="sng" algn="ctr">
+          <a:solidFill>
+            <a:schemeClr val="accent1">
+              <a:alpha val="90000"/>
+              <a:tint val="40000"/>
+              <a:hueOff val="0"/>
+              <a:satOff val="0"/>
+              <a:lumOff val="0"/>
+              <a:alphaOff val="0"/>
+            </a:schemeClr>
+          </a:solidFill>
+          <a:prstDash val="solid"/>
+        </a:ln>
+        <a:effectLst/>
+      </dsp:spPr>
+      <dsp:style>
+        <a:lnRef idx="2">
+          <a:scrgbClr r="0" g="0" b="0"/>
+        </a:lnRef>
+        <a:fillRef idx="1">
+          <a:scrgbClr r="0" g="0" b="0"/>
+        </a:fillRef>
+        <a:effectRef idx="0">
+          <a:scrgbClr r="0" g="0" b="0"/>
+        </a:effectRef>
+        <a:fontRef idx="minor"/>
+      </dsp:style>
     </dsp:sp>
   </dsp:spTree>
 </dsp:drawing>
@@ -3081,7 +5308,7 @@
   </dgm:layoutNode>
   <dgm:extLst>
     <a:ext uri="{68A01E43-0DF5-4B5B-8FA6-DAF915123BFB}">
-      <dgm1612:lstStyle xmlns:dgm1612="http://schemas.microsoft.com/office/drawing/2016/12/diagram" xmlns="">
+      <dgm1612:lstStyle xmlns="" xmlns:dgm1612="http://schemas.microsoft.com/office/drawing/2016/12/diagram">
         <a:lvl1pPr>
           <a:lnSpc>
             <a:spcPct val="100000"/>
@@ -3093,7 +5320,1258 @@
 </dgm:layoutDef>
 </file>
 
+<file path=ppt/diagrams/layout2.xml><?xml version="1.0" encoding="utf-8"?>
+<dgm:layoutDef xmlns:dgm="http://schemas.openxmlformats.org/drawingml/2006/diagram" xmlns:a="http://schemas.openxmlformats.org/drawingml/2006/main" uniqueId="urn:microsoft.com/office/officeart/2005/8/layout/hList1">
+  <dgm:title val=""/>
+  <dgm:desc val=""/>
+  <dgm:catLst>
+    <dgm:cat type="list" pri="5000"/>
+    <dgm:cat type="convert" pri="5000"/>
+  </dgm:catLst>
+  <dgm:sampData>
+    <dgm:dataModel>
+      <dgm:ptLst>
+        <dgm:pt modelId="0" type="doc"/>
+        <dgm:pt modelId="1">
+          <dgm:prSet phldr="1"/>
+        </dgm:pt>
+        <dgm:pt modelId="11">
+          <dgm:prSet phldr="1"/>
+        </dgm:pt>
+        <dgm:pt modelId="12">
+          <dgm:prSet phldr="1"/>
+        </dgm:pt>
+        <dgm:pt modelId="2">
+          <dgm:prSet phldr="1"/>
+        </dgm:pt>
+        <dgm:pt modelId="21">
+          <dgm:prSet phldr="1"/>
+        </dgm:pt>
+        <dgm:pt modelId="22">
+          <dgm:prSet phldr="1"/>
+        </dgm:pt>
+        <dgm:pt modelId="3">
+          <dgm:prSet phldr="1"/>
+        </dgm:pt>
+        <dgm:pt modelId="31">
+          <dgm:prSet phldr="1"/>
+        </dgm:pt>
+        <dgm:pt modelId="32">
+          <dgm:prSet phldr="1"/>
+        </dgm:pt>
+      </dgm:ptLst>
+      <dgm:cxnLst>
+        <dgm:cxn modelId="4" srcId="0" destId="1" srcOrd="0" destOrd="0"/>
+        <dgm:cxn modelId="5" srcId="0" destId="2" srcOrd="1" destOrd="0"/>
+        <dgm:cxn modelId="6" srcId="0" destId="3" srcOrd="2" destOrd="0"/>
+        <dgm:cxn modelId="13" srcId="1" destId="11" srcOrd="0" destOrd="0"/>
+        <dgm:cxn modelId="14" srcId="1" destId="12" srcOrd="1" destOrd="0"/>
+        <dgm:cxn modelId="23" srcId="2" destId="21" srcOrd="0" destOrd="0"/>
+        <dgm:cxn modelId="24" srcId="2" destId="22" srcOrd="1" destOrd="0"/>
+        <dgm:cxn modelId="33" srcId="3" destId="31" srcOrd="0" destOrd="0"/>
+        <dgm:cxn modelId="34" srcId="3" destId="32" srcOrd="1" destOrd="0"/>
+      </dgm:cxnLst>
+      <dgm:bg/>
+      <dgm:whole/>
+    </dgm:dataModel>
+  </dgm:sampData>
+  <dgm:styleData>
+    <dgm:dataModel>
+      <dgm:ptLst>
+        <dgm:pt modelId="0" type="doc"/>
+        <dgm:pt modelId="1">
+          <dgm:prSet phldr="1"/>
+        </dgm:pt>
+        <dgm:pt modelId="2">
+          <dgm:prSet phldr="1"/>
+        </dgm:pt>
+      </dgm:ptLst>
+      <dgm:cxnLst>
+        <dgm:cxn modelId="3" srcId="0" destId="1" srcOrd="0" destOrd="0"/>
+        <dgm:cxn modelId="4" srcId="0" destId="2" srcOrd="1" destOrd="0"/>
+      </dgm:cxnLst>
+      <dgm:bg/>
+      <dgm:whole/>
+    </dgm:dataModel>
+  </dgm:styleData>
+  <dgm:clrData>
+    <dgm:dataModel>
+      <dgm:ptLst>
+        <dgm:pt modelId="0" type="doc"/>
+        <dgm:pt modelId="1">
+          <dgm:prSet phldr="1"/>
+        </dgm:pt>
+        <dgm:pt modelId="2">
+          <dgm:prSet phldr="1"/>
+        </dgm:pt>
+        <dgm:pt modelId="3">
+          <dgm:prSet phldr="1"/>
+        </dgm:pt>
+        <dgm:pt modelId="4">
+          <dgm:prSet phldr="1"/>
+        </dgm:pt>
+      </dgm:ptLst>
+      <dgm:cxnLst>
+        <dgm:cxn modelId="5" srcId="0" destId="1" srcOrd="0" destOrd="0"/>
+        <dgm:cxn modelId="6" srcId="0" destId="2" srcOrd="1" destOrd="0"/>
+        <dgm:cxn modelId="7" srcId="0" destId="3" srcOrd="2" destOrd="0"/>
+        <dgm:cxn modelId="8" srcId="0" destId="4" srcOrd="3" destOrd="0"/>
+      </dgm:cxnLst>
+      <dgm:bg/>
+      <dgm:whole/>
+    </dgm:dataModel>
+  </dgm:clrData>
+  <dgm:layoutNode name="Name0">
+    <dgm:varLst>
+      <dgm:dir/>
+      <dgm:animLvl val="lvl"/>
+      <dgm:resizeHandles val="exact"/>
+    </dgm:varLst>
+    <dgm:choose name="Name1">
+      <dgm:if name="Name2" func="var" arg="dir" op="equ" val="norm">
+        <dgm:alg type="lin"/>
+      </dgm:if>
+      <dgm:else name="Name3">
+        <dgm:alg type="lin">
+          <dgm:param type="linDir" val="fromR"/>
+        </dgm:alg>
+      </dgm:else>
+    </dgm:choose>
+    <dgm:shape xmlns:r="http://schemas.openxmlformats.org/officeDocument/2006/relationships" r:blip="">
+      <dgm:adjLst/>
+    </dgm:shape>
+    <dgm:presOf/>
+    <dgm:constrLst>
+      <dgm:constr type="h" for="ch" forName="composite" refType="h"/>
+      <dgm:constr type="w" for="ch" forName="composite" refType="w"/>
+      <dgm:constr type="w" for="des" forName="parTx"/>
+      <dgm:constr type="h" for="des" forName="parTx" op="equ"/>
+      <dgm:constr type="w" for="des" forName="desTx"/>
+      <dgm:constr type="h" for="des" forName="desTx" op="equ"/>
+      <dgm:constr type="primFontSz" for="des" forName="parTx" val="65"/>
+      <dgm:constr type="secFontSz" for="des" forName="desTx" refType="primFontSz" refFor="des" refForName="parTx" op="equ"/>
+      <dgm:constr type="h" for="des" forName="parTx" refType="primFontSz" refFor="des" refForName="parTx" fact="0.8"/>
+      <dgm:constr type="h" for="des" forName="desTx" refType="primFontSz" refFor="des" refForName="parTx" fact="1.22"/>
+      <dgm:constr type="w" for="ch" forName="space" refType="w" refFor="ch" refForName="composite" op="equ" fact="0.14"/>
+    </dgm:constrLst>
+    <dgm:ruleLst>
+      <dgm:rule type="w" for="ch" forName="composite" val="0" fact="NaN" max="NaN"/>
+      <dgm:rule type="primFontSz" for="des" forName="parTx" val="5" fact="NaN" max="NaN"/>
+    </dgm:ruleLst>
+    <dgm:forEach name="Name4" axis="ch" ptType="node">
+      <dgm:layoutNode name="composite">
+        <dgm:alg type="composite"/>
+        <dgm:shape xmlns:r="http://schemas.openxmlformats.org/officeDocument/2006/relationships" r:blip="">
+          <dgm:adjLst/>
+        </dgm:shape>
+        <dgm:presOf/>
+        <dgm:constrLst>
+          <dgm:constr type="l" for="ch" forName="parTx"/>
+          <dgm:constr type="w" for="ch" forName="parTx" refType="w"/>
+          <dgm:constr type="t" for="ch" forName="parTx"/>
+          <dgm:constr type="l" for="ch" forName="desTx"/>
+          <dgm:constr type="w" for="ch" forName="desTx" refType="w" refFor="ch" refForName="parTx"/>
+          <dgm:constr type="t" for="ch" forName="desTx" refType="h" refFor="ch" refForName="parTx"/>
+        </dgm:constrLst>
+        <dgm:ruleLst>
+          <dgm:rule type="h" val="INF" fact="NaN" max="NaN"/>
+        </dgm:ruleLst>
+        <dgm:layoutNode name="parTx" styleLbl="alignNode1">
+          <dgm:varLst>
+            <dgm:chMax val="0"/>
+            <dgm:chPref val="0"/>
+            <dgm:bulletEnabled val="1"/>
+          </dgm:varLst>
+          <dgm:alg type="tx"/>
+          <dgm:shape xmlns:r="http://schemas.openxmlformats.org/officeDocument/2006/relationships" type="rect" r:blip="">
+            <dgm:adjLst/>
+          </dgm:shape>
+          <dgm:presOf axis="self" ptType="node"/>
+          <dgm:constrLst>
+            <dgm:constr type="h" refType="w" op="lte" fact="0.4"/>
+            <dgm:constr type="h"/>
+            <dgm:constr type="tMarg" refType="primFontSz" fact="0.32"/>
+            <dgm:constr type="bMarg" refType="primFontSz" fact="0.32"/>
+          </dgm:constrLst>
+          <dgm:ruleLst>
+            <dgm:rule type="h" val="INF" fact="NaN" max="NaN"/>
+          </dgm:ruleLst>
+        </dgm:layoutNode>
+        <dgm:layoutNode name="desTx" styleLbl="alignAccFollowNode1">
+          <dgm:varLst>
+            <dgm:bulletEnabled val="1"/>
+          </dgm:varLst>
+          <dgm:alg type="tx">
+            <dgm:param type="stBulletLvl" val="1"/>
+          </dgm:alg>
+          <dgm:shape xmlns:r="http://schemas.openxmlformats.org/officeDocument/2006/relationships" type="rect" r:blip="">
+            <dgm:adjLst/>
+          </dgm:shape>
+          <dgm:presOf axis="des" ptType="node"/>
+          <dgm:constrLst>
+            <dgm:constr type="secFontSz" val="65"/>
+            <dgm:constr type="primFontSz" refType="secFontSz"/>
+            <dgm:constr type="h"/>
+            <dgm:constr type="lMarg" refType="primFontSz" fact="0.42"/>
+            <dgm:constr type="tMarg" refType="primFontSz" fact="0.42"/>
+            <dgm:constr type="bMarg" refType="primFontSz" fact="0.63"/>
+          </dgm:constrLst>
+          <dgm:ruleLst>
+            <dgm:rule type="h" val="INF" fact="NaN" max="NaN"/>
+          </dgm:ruleLst>
+        </dgm:layoutNode>
+      </dgm:layoutNode>
+      <dgm:forEach name="Name5" axis="followSib" ptType="sibTrans" cnt="1">
+        <dgm:layoutNode name="space">
+          <dgm:alg type="sp"/>
+          <dgm:shape xmlns:r="http://schemas.openxmlformats.org/officeDocument/2006/relationships" r:blip="">
+            <dgm:adjLst/>
+          </dgm:shape>
+          <dgm:presOf/>
+          <dgm:constrLst/>
+          <dgm:ruleLst/>
+        </dgm:layoutNode>
+      </dgm:forEach>
+    </dgm:forEach>
+  </dgm:layoutNode>
+</dgm:layoutDef>
+</file>
+
 <file path=ppt/diagrams/quickStyle1.xml><?xml version="1.0" encoding="utf-8"?>
+<dgm:styleDef xmlns:dgm="http://schemas.openxmlformats.org/drawingml/2006/diagram" xmlns:a="http://schemas.openxmlformats.org/drawingml/2006/main" uniqueId="urn:microsoft.com/office/officeart/2005/8/quickstyle/simple1">
+  <dgm:title val=""/>
+  <dgm:desc val=""/>
+  <dgm:catLst>
+    <dgm:cat type="simple" pri="10100"/>
+  </dgm:catLst>
+  <dgm:scene3d>
+    <a:camera prst="orthographicFront"/>
+    <a:lightRig rig="threePt" dir="t"/>
+  </dgm:scene3d>
+  <dgm:styleLbl name="node0">
+    <dgm:scene3d>
+      <a:camera prst="orthographicFront"/>
+      <a:lightRig rig="threePt" dir="t"/>
+    </dgm:scene3d>
+    <dgm:sp3d/>
+    <dgm:txPr/>
+    <dgm:style>
+      <a:lnRef idx="2">
+        <a:scrgbClr r="0" g="0" b="0"/>
+      </a:lnRef>
+      <a:fillRef idx="1">
+        <a:scrgbClr r="0" g="0" b="0"/>
+      </a:fillRef>
+      <a:effectRef idx="0">
+        <a:scrgbClr r="0" g="0" b="0"/>
+      </a:effectRef>
+      <a:fontRef idx="minor">
+        <a:schemeClr val="lt1"/>
+      </a:fontRef>
+    </dgm:style>
+  </dgm:styleLbl>
+  <dgm:styleLbl name="lnNode1">
+    <dgm:scene3d>
+      <a:camera prst="orthographicFront"/>
+      <a:lightRig rig="threePt" dir="t"/>
+    </dgm:scene3d>
+    <dgm:sp3d/>
+    <dgm:txPr/>
+    <dgm:style>
+      <a:lnRef idx="2">
+        <a:scrgbClr r="0" g="0" b="0"/>
+      </a:lnRef>
+      <a:fillRef idx="1">
+        <a:scrgbClr r="0" g="0" b="0"/>
+      </a:fillRef>
+      <a:effectRef idx="0">
+        <a:scrgbClr r="0" g="0" b="0"/>
+      </a:effectRef>
+      <a:fontRef idx="minor">
+        <a:schemeClr val="lt1"/>
+      </a:fontRef>
+    </dgm:style>
+  </dgm:styleLbl>
+  <dgm:styleLbl name="vennNode1">
+    <dgm:scene3d>
+      <a:camera prst="orthographicFront"/>
+      <a:lightRig rig="threePt" dir="t"/>
+    </dgm:scene3d>
+    <dgm:sp3d/>
+    <dgm:txPr/>
+    <dgm:style>
+      <a:lnRef idx="2">
+        <a:scrgbClr r="0" g="0" b="0"/>
+      </a:lnRef>
+      <a:fillRef idx="1">
+        <a:scrgbClr r="0" g="0" b="0"/>
+      </a:fillRef>
+      <a:effectRef idx="0">
+        <a:scrgbClr r="0" g="0" b="0"/>
+      </a:effectRef>
+      <a:fontRef idx="minor">
+        <a:schemeClr val="tx1"/>
+      </a:fontRef>
+    </dgm:style>
+  </dgm:styleLbl>
+  <dgm:styleLbl name="alignNode1">
+    <dgm:scene3d>
+      <a:camera prst="orthographicFront"/>
+      <a:lightRig rig="threePt" dir="t"/>
+    </dgm:scene3d>
+    <dgm:sp3d/>
+    <dgm:txPr/>
+    <dgm:style>
+      <a:lnRef idx="2">
+        <a:scrgbClr r="0" g="0" b="0"/>
+      </a:lnRef>
+      <a:fillRef idx="1">
+        <a:scrgbClr r="0" g="0" b="0"/>
+      </a:fillRef>
+      <a:effectRef idx="0">
+        <a:scrgbClr r="0" g="0" b="0"/>
+      </a:effectRef>
+      <a:fontRef idx="minor">
+        <a:schemeClr val="lt1"/>
+      </a:fontRef>
+    </dgm:style>
+  </dgm:styleLbl>
+  <dgm:styleLbl name="node1">
+    <dgm:scene3d>
+      <a:camera prst="orthographicFront"/>
+      <a:lightRig rig="threePt" dir="t"/>
+    </dgm:scene3d>
+    <dgm:sp3d/>
+    <dgm:txPr/>
+    <dgm:style>
+      <a:lnRef idx="2">
+        <a:scrgbClr r="0" g="0" b="0"/>
+      </a:lnRef>
+      <a:fillRef idx="1">
+        <a:scrgbClr r="0" g="0" b="0"/>
+      </a:fillRef>
+      <a:effectRef idx="0">
+        <a:scrgbClr r="0" g="0" b="0"/>
+      </a:effectRef>
+      <a:fontRef idx="minor">
+        <a:schemeClr val="lt1"/>
+      </a:fontRef>
+    </dgm:style>
+  </dgm:styleLbl>
+  <dgm:styleLbl name="node2">
+    <dgm:scene3d>
+      <a:camera prst="orthographicFront"/>
+      <a:lightRig rig="threePt" dir="t"/>
+    </dgm:scene3d>
+    <dgm:sp3d/>
+    <dgm:txPr/>
+    <dgm:style>
+      <a:lnRef idx="2">
+        <a:scrgbClr r="0" g="0" b="0"/>
+      </a:lnRef>
+      <a:fillRef idx="1">
+        <a:scrgbClr r="0" g="0" b="0"/>
+      </a:fillRef>
+      <a:effectRef idx="0">
+        <a:scrgbClr r="0" g="0" b="0"/>
+      </a:effectRef>
+      <a:fontRef idx="minor">
+        <a:schemeClr val="lt1"/>
+      </a:fontRef>
+    </dgm:style>
+  </dgm:styleLbl>
+  <dgm:styleLbl name="node3">
+    <dgm:scene3d>
+      <a:camera prst="orthographicFront"/>
+      <a:lightRig rig="threePt" dir="t"/>
+    </dgm:scene3d>
+    <dgm:sp3d/>
+    <dgm:txPr/>
+    <dgm:style>
+      <a:lnRef idx="2">
+        <a:scrgbClr r="0" g="0" b="0"/>
+      </a:lnRef>
+      <a:fillRef idx="1">
+        <a:scrgbClr r="0" g="0" b="0"/>
+      </a:fillRef>
+      <a:effectRef idx="0">
+        <a:scrgbClr r="0" g="0" b="0"/>
+      </a:effectRef>
+      <a:fontRef idx="minor">
+        <a:schemeClr val="lt1"/>
+      </a:fontRef>
+    </dgm:style>
+  </dgm:styleLbl>
+  <dgm:styleLbl name="node4">
+    <dgm:scene3d>
+      <a:camera prst="orthographicFront"/>
+      <a:lightRig rig="threePt" dir="t"/>
+    </dgm:scene3d>
+    <dgm:sp3d/>
+    <dgm:txPr/>
+    <dgm:style>
+      <a:lnRef idx="2">
+        <a:scrgbClr r="0" g="0" b="0"/>
+      </a:lnRef>
+      <a:fillRef idx="1">
+        <a:scrgbClr r="0" g="0" b="0"/>
+      </a:fillRef>
+      <a:effectRef idx="0">
+        <a:scrgbClr r="0" g="0" b="0"/>
+      </a:effectRef>
+      <a:fontRef idx="minor">
+        <a:schemeClr val="lt1"/>
+      </a:fontRef>
+    </dgm:style>
+  </dgm:styleLbl>
+  <dgm:styleLbl name="fgImgPlace1">
+    <dgm:scene3d>
+      <a:camera prst="orthographicFront"/>
+      <a:lightRig rig="threePt" dir="t"/>
+    </dgm:scene3d>
+    <dgm:sp3d/>
+    <dgm:txPr/>
+    <dgm:style>
+      <a:lnRef idx="2">
+        <a:scrgbClr r="0" g="0" b="0"/>
+      </a:lnRef>
+      <a:fillRef idx="1">
+        <a:scrgbClr r="0" g="0" b="0"/>
+      </a:fillRef>
+      <a:effectRef idx="0">
+        <a:scrgbClr r="0" g="0" b="0"/>
+      </a:effectRef>
+      <a:fontRef idx="minor"/>
+    </dgm:style>
+  </dgm:styleLbl>
+  <dgm:styleLbl name="alignImgPlace1">
+    <dgm:scene3d>
+      <a:camera prst="orthographicFront"/>
+      <a:lightRig rig="threePt" dir="t"/>
+    </dgm:scene3d>
+    <dgm:sp3d/>
+    <dgm:txPr/>
+    <dgm:style>
+      <a:lnRef idx="2">
+        <a:scrgbClr r="0" g="0" b="0"/>
+      </a:lnRef>
+      <a:fillRef idx="1">
+        <a:scrgbClr r="0" g="0" b="0"/>
+      </a:fillRef>
+      <a:effectRef idx="0">
+        <a:scrgbClr r="0" g="0" b="0"/>
+      </a:effectRef>
+      <a:fontRef idx="minor"/>
+    </dgm:style>
+  </dgm:styleLbl>
+  <dgm:styleLbl name="bgImgPlace1">
+    <dgm:scene3d>
+      <a:camera prst="orthographicFront"/>
+      <a:lightRig rig="threePt" dir="t"/>
+    </dgm:scene3d>
+    <dgm:sp3d/>
+    <dgm:txPr/>
+    <dgm:style>
+      <a:lnRef idx="2">
+        <a:scrgbClr r="0" g="0" b="0"/>
+      </a:lnRef>
+      <a:fillRef idx="1">
+        <a:scrgbClr r="0" g="0" b="0"/>
+      </a:fillRef>
+      <a:effectRef idx="0">
+        <a:scrgbClr r="0" g="0" b="0"/>
+      </a:effectRef>
+      <a:fontRef idx="minor"/>
+    </dgm:style>
+  </dgm:styleLbl>
+  <dgm:styleLbl name="sibTrans2D1">
+    <dgm:scene3d>
+      <a:camera prst="orthographicFront"/>
+      <a:lightRig rig="threePt" dir="t"/>
+    </dgm:scene3d>
+    <dgm:sp3d/>
+    <dgm:txPr/>
+    <dgm:style>
+      <a:lnRef idx="0">
+        <a:scrgbClr r="0" g="0" b="0"/>
+      </a:lnRef>
+      <a:fillRef idx="1">
+        <a:scrgbClr r="0" g="0" b="0"/>
+      </a:fillRef>
+      <a:effectRef idx="0">
+        <a:scrgbClr r="0" g="0" b="0"/>
+      </a:effectRef>
+      <a:fontRef idx="minor">
+        <a:schemeClr val="lt1"/>
+      </a:fontRef>
+    </dgm:style>
+  </dgm:styleLbl>
+  <dgm:styleLbl name="fgSibTrans2D1">
+    <dgm:scene3d>
+      <a:camera prst="orthographicFront"/>
+      <a:lightRig rig="threePt" dir="t"/>
+    </dgm:scene3d>
+    <dgm:sp3d/>
+    <dgm:txPr/>
+    <dgm:style>
+      <a:lnRef idx="0">
+        <a:scrgbClr r="0" g="0" b="0"/>
+      </a:lnRef>
+      <a:fillRef idx="1">
+        <a:scrgbClr r="0" g="0" b="0"/>
+      </a:fillRef>
+      <a:effectRef idx="0">
+        <a:scrgbClr r="0" g="0" b="0"/>
+      </a:effectRef>
+      <a:fontRef idx="minor">
+        <a:schemeClr val="lt1"/>
+      </a:fontRef>
+    </dgm:style>
+  </dgm:styleLbl>
+  <dgm:styleLbl name="bgSibTrans2D1">
+    <dgm:scene3d>
+      <a:camera prst="orthographicFront"/>
+      <a:lightRig rig="threePt" dir="t"/>
+    </dgm:scene3d>
+    <dgm:sp3d/>
+    <dgm:txPr/>
+    <dgm:style>
+      <a:lnRef idx="0">
+        <a:scrgbClr r="0" g="0" b="0"/>
+      </a:lnRef>
+      <a:fillRef idx="1">
+        <a:scrgbClr r="0" g="0" b="0"/>
+      </a:fillRef>
+      <a:effectRef idx="0">
+        <a:scrgbClr r="0" g="0" b="0"/>
+      </a:effectRef>
+      <a:fontRef idx="minor">
+        <a:schemeClr val="lt1"/>
+      </a:fontRef>
+    </dgm:style>
+  </dgm:styleLbl>
+  <dgm:styleLbl name="sibTrans1D1">
+    <dgm:scene3d>
+      <a:camera prst="orthographicFront"/>
+      <a:lightRig rig="threePt" dir="t"/>
+    </dgm:scene3d>
+    <dgm:sp3d/>
+    <dgm:txPr/>
+    <dgm:style>
+      <a:lnRef idx="1">
+        <a:scrgbClr r="0" g="0" b="0"/>
+      </a:lnRef>
+      <a:fillRef idx="0">
+        <a:scrgbClr r="0" g="0" b="0"/>
+      </a:fillRef>
+      <a:effectRef idx="0">
+        <a:scrgbClr r="0" g="0" b="0"/>
+      </a:effectRef>
+      <a:fontRef idx="minor"/>
+    </dgm:style>
+  </dgm:styleLbl>
+  <dgm:styleLbl name="callout">
+    <dgm:scene3d>
+      <a:camera prst="orthographicFront"/>
+      <a:lightRig rig="threePt" dir="t"/>
+    </dgm:scene3d>
+    <dgm:sp3d/>
+    <dgm:txPr/>
+    <dgm:style>
+      <a:lnRef idx="2">
+        <a:scrgbClr r="0" g="0" b="0"/>
+      </a:lnRef>
+      <a:fillRef idx="1">
+        <a:scrgbClr r="0" g="0" b="0"/>
+      </a:fillRef>
+      <a:effectRef idx="0">
+        <a:scrgbClr r="0" g="0" b="0"/>
+      </a:effectRef>
+      <a:fontRef idx="minor"/>
+    </dgm:style>
+  </dgm:styleLbl>
+  <dgm:styleLbl name="asst0">
+    <dgm:scene3d>
+      <a:camera prst="orthographicFront"/>
+      <a:lightRig rig="threePt" dir="t"/>
+    </dgm:scene3d>
+    <dgm:sp3d/>
+    <dgm:txPr/>
+    <dgm:style>
+      <a:lnRef idx="2">
+        <a:scrgbClr r="0" g="0" b="0"/>
+      </a:lnRef>
+      <a:fillRef idx="1">
+        <a:scrgbClr r="0" g="0" b="0"/>
+      </a:fillRef>
+      <a:effectRef idx="0">
+        <a:scrgbClr r="0" g="0" b="0"/>
+      </a:effectRef>
+      <a:fontRef idx="minor">
+        <a:schemeClr val="lt1"/>
+      </a:fontRef>
+    </dgm:style>
+  </dgm:styleLbl>
+  <dgm:styleLbl name="asst1">
+    <dgm:scene3d>
+      <a:camera prst="orthographicFront"/>
+      <a:lightRig rig="threePt" dir="t"/>
+    </dgm:scene3d>
+    <dgm:sp3d/>
+    <dgm:txPr/>
+    <dgm:style>
+      <a:lnRef idx="2">
+        <a:scrgbClr r="0" g="0" b="0"/>
+      </a:lnRef>
+      <a:fillRef idx="1">
+        <a:scrgbClr r="0" g="0" b="0"/>
+      </a:fillRef>
+      <a:effectRef idx="0">
+        <a:scrgbClr r="0" g="0" b="0"/>
+      </a:effectRef>
+      <a:fontRef idx="minor">
+        <a:schemeClr val="lt1"/>
+      </a:fontRef>
+    </dgm:style>
+  </dgm:styleLbl>
+  <dgm:styleLbl name="asst2">
+    <dgm:scene3d>
+      <a:camera prst="orthographicFront"/>
+      <a:lightRig rig="threePt" dir="t"/>
+    </dgm:scene3d>
+    <dgm:sp3d/>
+    <dgm:txPr/>
+    <dgm:style>
+      <a:lnRef idx="2">
+        <a:scrgbClr r="0" g="0" b="0"/>
+      </a:lnRef>
+      <a:fillRef idx="1">
+        <a:scrgbClr r="0" g="0" b="0"/>
+      </a:fillRef>
+      <a:effectRef idx="0">
+        <a:scrgbClr r="0" g="0" b="0"/>
+      </a:effectRef>
+      <a:fontRef idx="minor">
+        <a:schemeClr val="lt1"/>
+      </a:fontRef>
+    </dgm:style>
+  </dgm:styleLbl>
+  <dgm:styleLbl name="asst3">
+    <dgm:scene3d>
+      <a:camera prst="orthographicFront"/>
+      <a:lightRig rig="threePt" dir="t"/>
+    </dgm:scene3d>
+    <dgm:sp3d/>
+    <dgm:txPr/>
+    <dgm:style>
+      <a:lnRef idx="2">
+        <a:scrgbClr r="0" g="0" b="0"/>
+      </a:lnRef>
+      <a:fillRef idx="1">
+        <a:scrgbClr r="0" g="0" b="0"/>
+      </a:fillRef>
+      <a:effectRef idx="0">
+        <a:scrgbClr r="0" g="0" b="0"/>
+      </a:effectRef>
+      <a:fontRef idx="minor">
+        <a:schemeClr val="lt1"/>
+      </a:fontRef>
+    </dgm:style>
+  </dgm:styleLbl>
+  <dgm:styleLbl name="asst4">
+    <dgm:scene3d>
+      <a:camera prst="orthographicFront"/>
+      <a:lightRig rig="threePt" dir="t"/>
+    </dgm:scene3d>
+    <dgm:sp3d/>
+    <dgm:txPr/>
+    <dgm:style>
+      <a:lnRef idx="2">
+        <a:scrgbClr r="0" g="0" b="0"/>
+      </a:lnRef>
+      <a:fillRef idx="1">
+        <a:scrgbClr r="0" g="0" b="0"/>
+      </a:fillRef>
+      <a:effectRef idx="0">
+        <a:scrgbClr r="0" g="0" b="0"/>
+      </a:effectRef>
+      <a:fontRef idx="minor">
+        <a:schemeClr val="lt1"/>
+      </a:fontRef>
+    </dgm:style>
+  </dgm:styleLbl>
+  <dgm:styleLbl name="parChTrans2D1">
+    <dgm:scene3d>
+      <a:camera prst="orthographicFront"/>
+      <a:lightRig rig="threePt" dir="t"/>
+    </dgm:scene3d>
+    <dgm:sp3d/>
+    <dgm:txPr/>
+    <dgm:style>
+      <a:lnRef idx="2">
+        <a:scrgbClr r="0" g="0" b="0"/>
+      </a:lnRef>
+      <a:fillRef idx="1">
+        <a:scrgbClr r="0" g="0" b="0"/>
+      </a:fillRef>
+      <a:effectRef idx="0">
+        <a:scrgbClr r="0" g="0" b="0"/>
+      </a:effectRef>
+      <a:fontRef idx="minor">
+        <a:schemeClr val="lt1"/>
+      </a:fontRef>
+    </dgm:style>
+  </dgm:styleLbl>
+  <dgm:styleLbl name="parChTrans2D2">
+    <dgm:scene3d>
+      <a:camera prst="orthographicFront"/>
+      <a:lightRig rig="threePt" dir="t"/>
+    </dgm:scene3d>
+    <dgm:sp3d/>
+    <dgm:txPr/>
+    <dgm:style>
+      <a:lnRef idx="2">
+        <a:scrgbClr r="0" g="0" b="0"/>
+      </a:lnRef>
+      <a:fillRef idx="1">
+        <a:scrgbClr r="0" g="0" b="0"/>
+      </a:fillRef>
+      <a:effectRef idx="0">
+        <a:scrgbClr r="0" g="0" b="0"/>
+      </a:effectRef>
+      <a:fontRef idx="minor">
+        <a:schemeClr val="lt1"/>
+      </a:fontRef>
+    </dgm:style>
+  </dgm:styleLbl>
+  <dgm:styleLbl name="parChTrans2D3">
+    <dgm:scene3d>
+      <a:camera prst="orthographicFront"/>
+      <a:lightRig rig="threePt" dir="t"/>
+    </dgm:scene3d>
+    <dgm:sp3d/>
+    <dgm:txPr/>
+    <dgm:style>
+      <a:lnRef idx="2">
+        <a:scrgbClr r="0" g="0" b="0"/>
+      </a:lnRef>
+      <a:fillRef idx="1">
+        <a:scrgbClr r="0" g="0" b="0"/>
+      </a:fillRef>
+      <a:effectRef idx="0">
+        <a:scrgbClr r="0" g="0" b="0"/>
+      </a:effectRef>
+      <a:fontRef idx="minor">
+        <a:schemeClr val="lt1"/>
+      </a:fontRef>
+    </dgm:style>
+  </dgm:styleLbl>
+  <dgm:styleLbl name="parChTrans2D4">
+    <dgm:scene3d>
+      <a:camera prst="orthographicFront"/>
+      <a:lightRig rig="threePt" dir="t"/>
+    </dgm:scene3d>
+    <dgm:sp3d/>
+    <dgm:txPr/>
+    <dgm:style>
+      <a:lnRef idx="2">
+        <a:scrgbClr r="0" g="0" b="0"/>
+      </a:lnRef>
+      <a:fillRef idx="1">
+        <a:scrgbClr r="0" g="0" b="0"/>
+      </a:fillRef>
+      <a:effectRef idx="0">
+        <a:scrgbClr r="0" g="0" b="0"/>
+      </a:effectRef>
+      <a:fontRef idx="minor">
+        <a:schemeClr val="lt1"/>
+      </a:fontRef>
+    </dgm:style>
+  </dgm:styleLbl>
+  <dgm:styleLbl name="parChTrans1D1">
+    <dgm:scene3d>
+      <a:camera prst="orthographicFront"/>
+      <a:lightRig rig="threePt" dir="t"/>
+    </dgm:scene3d>
+    <dgm:sp3d/>
+    <dgm:txPr/>
+    <dgm:style>
+      <a:lnRef idx="2">
+        <a:scrgbClr r="0" g="0" b="0"/>
+      </a:lnRef>
+      <a:fillRef idx="0">
+        <a:scrgbClr r="0" g="0" b="0"/>
+      </a:fillRef>
+      <a:effectRef idx="0">
+        <a:scrgbClr r="0" g="0" b="0"/>
+      </a:effectRef>
+      <a:fontRef idx="minor"/>
+    </dgm:style>
+  </dgm:styleLbl>
+  <dgm:styleLbl name="parChTrans1D2">
+    <dgm:scene3d>
+      <a:camera prst="orthographicFront"/>
+      <a:lightRig rig="threePt" dir="t"/>
+    </dgm:scene3d>
+    <dgm:sp3d/>
+    <dgm:txPr/>
+    <dgm:style>
+      <a:lnRef idx="2">
+        <a:scrgbClr r="0" g="0" b="0"/>
+      </a:lnRef>
+      <a:fillRef idx="0">
+        <a:scrgbClr r="0" g="0" b="0"/>
+      </a:fillRef>
+      <a:effectRef idx="0">
+        <a:scrgbClr r="0" g="0" b="0"/>
+      </a:effectRef>
+      <a:fontRef idx="minor"/>
+    </dgm:style>
+  </dgm:styleLbl>
+  <dgm:styleLbl name="parChTrans1D3">
+    <dgm:scene3d>
+      <a:camera prst="orthographicFront"/>
+      <a:lightRig rig="threePt" dir="t"/>
+    </dgm:scene3d>
+    <dgm:sp3d/>
+    <dgm:txPr/>
+    <dgm:style>
+      <a:lnRef idx="2">
+        <a:scrgbClr r="0" g="0" b="0"/>
+      </a:lnRef>
+      <a:fillRef idx="0">
+        <a:scrgbClr r="0" g="0" b="0"/>
+      </a:fillRef>
+      <a:effectRef idx="0">
+        <a:scrgbClr r="0" g="0" b="0"/>
+      </a:effectRef>
+      <a:fontRef idx="minor"/>
+    </dgm:style>
+  </dgm:styleLbl>
+  <dgm:styleLbl name="parChTrans1D4">
+    <dgm:scene3d>
+      <a:camera prst="orthographicFront"/>
+      <a:lightRig rig="threePt" dir="t"/>
+    </dgm:scene3d>
+    <dgm:sp3d/>
+    <dgm:txPr/>
+    <dgm:style>
+      <a:lnRef idx="2">
+        <a:scrgbClr r="0" g="0" b="0"/>
+      </a:lnRef>
+      <a:fillRef idx="0">
+        <a:scrgbClr r="0" g="0" b="0"/>
+      </a:fillRef>
+      <a:effectRef idx="0">
+        <a:scrgbClr r="0" g="0" b="0"/>
+      </a:effectRef>
+      <a:fontRef idx="minor"/>
+    </dgm:style>
+  </dgm:styleLbl>
+  <dgm:styleLbl name="fgAcc1">
+    <dgm:scene3d>
+      <a:camera prst="orthographicFront"/>
+      <a:lightRig rig="threePt" dir="t"/>
+    </dgm:scene3d>
+    <dgm:sp3d/>
+    <dgm:txPr/>
+    <dgm:style>
+      <a:lnRef idx="2">
+        <a:scrgbClr r="0" g="0" b="0"/>
+      </a:lnRef>
+      <a:fillRef idx="1">
+        <a:scrgbClr r="0" g="0" b="0"/>
+      </a:fillRef>
+      <a:effectRef idx="0">
+        <a:scrgbClr r="0" g="0" b="0"/>
+      </a:effectRef>
+      <a:fontRef idx="minor"/>
+    </dgm:style>
+  </dgm:styleLbl>
+  <dgm:styleLbl name="conFgAcc1">
+    <dgm:scene3d>
+      <a:camera prst="orthographicFront"/>
+      <a:lightRig rig="threePt" dir="t"/>
+    </dgm:scene3d>
+    <dgm:sp3d/>
+    <dgm:txPr/>
+    <dgm:style>
+      <a:lnRef idx="2">
+        <a:scrgbClr r="0" g="0" b="0"/>
+      </a:lnRef>
+      <a:fillRef idx="1">
+        <a:scrgbClr r="0" g="0" b="0"/>
+      </a:fillRef>
+      <a:effectRef idx="0">
+        <a:scrgbClr r="0" g="0" b="0"/>
+      </a:effectRef>
+      <a:fontRef idx="minor"/>
+    </dgm:style>
+  </dgm:styleLbl>
+  <dgm:styleLbl name="alignAcc1">
+    <dgm:scene3d>
+      <a:camera prst="orthographicFront"/>
+      <a:lightRig rig="threePt" dir="t"/>
+    </dgm:scene3d>
+    <dgm:sp3d/>
+    <dgm:txPr/>
+    <dgm:style>
+      <a:lnRef idx="2">
+        <a:scrgbClr r="0" g="0" b="0"/>
+      </a:lnRef>
+      <a:fillRef idx="1">
+        <a:scrgbClr r="0" g="0" b="0"/>
+      </a:fillRef>
+      <a:effectRef idx="0">
+        <a:scrgbClr r="0" g="0" b="0"/>
+      </a:effectRef>
+      <a:fontRef idx="minor"/>
+    </dgm:style>
+  </dgm:styleLbl>
+  <dgm:styleLbl name="trAlignAcc1">
+    <dgm:scene3d>
+      <a:camera prst="orthographicFront"/>
+      <a:lightRig rig="threePt" dir="t"/>
+    </dgm:scene3d>
+    <dgm:sp3d/>
+    <dgm:txPr/>
+    <dgm:style>
+      <a:lnRef idx="1">
+        <a:scrgbClr r="0" g="0" b="0"/>
+      </a:lnRef>
+      <a:fillRef idx="1">
+        <a:scrgbClr r="0" g="0" b="0"/>
+      </a:fillRef>
+      <a:effectRef idx="0">
+        <a:scrgbClr r="0" g="0" b="0"/>
+      </a:effectRef>
+      <a:fontRef idx="minor"/>
+    </dgm:style>
+  </dgm:styleLbl>
+  <dgm:styleLbl name="bgAcc1">
+    <dgm:scene3d>
+      <a:camera prst="orthographicFront"/>
+      <a:lightRig rig="threePt" dir="t"/>
+    </dgm:scene3d>
+    <dgm:sp3d/>
+    <dgm:txPr/>
+    <dgm:style>
+      <a:lnRef idx="2">
+        <a:scrgbClr r="0" g="0" b="0"/>
+      </a:lnRef>
+      <a:fillRef idx="1">
+        <a:scrgbClr r="0" g="0" b="0"/>
+      </a:fillRef>
+      <a:effectRef idx="0">
+        <a:scrgbClr r="0" g="0" b="0"/>
+      </a:effectRef>
+      <a:fontRef idx="minor"/>
+    </dgm:style>
+  </dgm:styleLbl>
+  <dgm:styleLbl name="solidFgAcc1">
+    <dgm:scene3d>
+      <a:camera prst="orthographicFront"/>
+      <a:lightRig rig="threePt" dir="t"/>
+    </dgm:scene3d>
+    <dgm:sp3d/>
+    <dgm:txPr/>
+    <dgm:style>
+      <a:lnRef idx="2">
+        <a:scrgbClr r="0" g="0" b="0"/>
+      </a:lnRef>
+      <a:fillRef idx="1">
+        <a:scrgbClr r="0" g="0" b="0"/>
+      </a:fillRef>
+      <a:effectRef idx="0">
+        <a:scrgbClr r="0" g="0" b="0"/>
+      </a:effectRef>
+      <a:fontRef idx="minor"/>
+    </dgm:style>
+  </dgm:styleLbl>
+  <dgm:styleLbl name="solidAlignAcc1">
+    <dgm:scene3d>
+      <a:camera prst="orthographicFront"/>
+      <a:lightRig rig="threePt" dir="t"/>
+    </dgm:scene3d>
+    <dgm:sp3d/>
+    <dgm:txPr/>
+    <dgm:style>
+      <a:lnRef idx="2">
+        <a:scrgbClr r="0" g="0" b="0"/>
+      </a:lnRef>
+      <a:fillRef idx="1">
+        <a:scrgbClr r="0" g="0" b="0"/>
+      </a:fillRef>
+      <a:effectRef idx="0">
+        <a:scrgbClr r="0" g="0" b="0"/>
+      </a:effectRef>
+      <a:fontRef idx="minor"/>
+    </dgm:style>
+  </dgm:styleLbl>
+  <dgm:styleLbl name="solidBgAcc1">
+    <dgm:scene3d>
+      <a:camera prst="orthographicFront"/>
+      <a:lightRig rig="threePt" dir="t"/>
+    </dgm:scene3d>
+    <dgm:sp3d/>
+    <dgm:txPr/>
+    <dgm:style>
+      <a:lnRef idx="2">
+        <a:scrgbClr r="0" g="0" b="0"/>
+      </a:lnRef>
+      <a:fillRef idx="1">
+        <a:scrgbClr r="0" g="0" b="0"/>
+      </a:fillRef>
+      <a:effectRef idx="0">
+        <a:scrgbClr r="0" g="0" b="0"/>
+      </a:effectRef>
+      <a:fontRef idx="minor"/>
+    </dgm:style>
+  </dgm:styleLbl>
+  <dgm:styleLbl name="fgAccFollowNode1">
+    <dgm:scene3d>
+      <a:camera prst="orthographicFront"/>
+      <a:lightRig rig="threePt" dir="t"/>
+    </dgm:scene3d>
+    <dgm:sp3d/>
+    <dgm:txPr/>
+    <dgm:style>
+      <a:lnRef idx="2">
+        <a:scrgbClr r="0" g="0" b="0"/>
+      </a:lnRef>
+      <a:fillRef idx="1">
+        <a:scrgbClr r="0" g="0" b="0"/>
+      </a:fillRef>
+      <a:effectRef idx="0">
+        <a:scrgbClr r="0" g="0" b="0"/>
+      </a:effectRef>
+      <a:fontRef idx="minor"/>
+    </dgm:style>
+  </dgm:styleLbl>
+  <dgm:styleLbl name="alignAccFollowNode1">
+    <dgm:scene3d>
+      <a:camera prst="orthographicFront"/>
+      <a:lightRig rig="threePt" dir="t"/>
+    </dgm:scene3d>
+    <dgm:sp3d/>
+    <dgm:txPr/>
+    <dgm:style>
+      <a:lnRef idx="2">
+        <a:scrgbClr r="0" g="0" b="0"/>
+      </a:lnRef>
+      <a:fillRef idx="1">
+        <a:scrgbClr r="0" g="0" b="0"/>
+      </a:fillRef>
+      <a:effectRef idx="0">
+        <a:scrgbClr r="0" g="0" b="0"/>
+      </a:effectRef>
+      <a:fontRef idx="minor"/>
+    </dgm:style>
+  </dgm:styleLbl>
+  <dgm:styleLbl name="bgAccFollowNode1">
+    <dgm:scene3d>
+      <a:camera prst="orthographicFront"/>
+      <a:lightRig rig="threePt" dir="t"/>
+    </dgm:scene3d>
+    <dgm:sp3d/>
+    <dgm:txPr/>
+    <dgm:style>
+      <a:lnRef idx="2">
+        <a:scrgbClr r="0" g="0" b="0"/>
+      </a:lnRef>
+      <a:fillRef idx="1">
+        <a:scrgbClr r="0" g="0" b="0"/>
+      </a:fillRef>
+      <a:effectRef idx="0">
+        <a:scrgbClr r="0" g="0" b="0"/>
+      </a:effectRef>
+      <a:fontRef idx="minor"/>
+    </dgm:style>
+  </dgm:styleLbl>
+  <dgm:styleLbl name="fgAcc0">
+    <dgm:scene3d>
+      <a:camera prst="orthographicFront"/>
+      <a:lightRig rig="threePt" dir="t"/>
+    </dgm:scene3d>
+    <dgm:sp3d/>
+    <dgm:txPr/>
+    <dgm:style>
+      <a:lnRef idx="2">
+        <a:scrgbClr r="0" g="0" b="0"/>
+      </a:lnRef>
+      <a:fillRef idx="1">
+        <a:scrgbClr r="0" g="0" b="0"/>
+      </a:fillRef>
+      <a:effectRef idx="0">
+        <a:scrgbClr r="0" g="0" b="0"/>
+      </a:effectRef>
+      <a:fontRef idx="minor"/>
+    </dgm:style>
+  </dgm:styleLbl>
+  <dgm:styleLbl name="fgAcc2">
+    <dgm:scene3d>
+      <a:camera prst="orthographicFront"/>
+      <a:lightRig rig="threePt" dir="t"/>
+    </dgm:scene3d>
+    <dgm:sp3d/>
+    <dgm:txPr/>
+    <dgm:style>
+      <a:lnRef idx="2">
+        <a:scrgbClr r="0" g="0" b="0"/>
+      </a:lnRef>
+      <a:fillRef idx="1">
+        <a:scrgbClr r="0" g="0" b="0"/>
+      </a:fillRef>
+      <a:effectRef idx="0">
+        <a:scrgbClr r="0" g="0" b="0"/>
+      </a:effectRef>
+      <a:fontRef idx="minor"/>
+    </dgm:style>
+  </dgm:styleLbl>
+  <dgm:styleLbl name="fgAcc3">
+    <dgm:scene3d>
+      <a:camera prst="orthographicFront"/>
+      <a:lightRig rig="threePt" dir="t"/>
+    </dgm:scene3d>
+    <dgm:sp3d/>
+    <dgm:txPr/>
+    <dgm:style>
+      <a:lnRef idx="2">
+        <a:scrgbClr r="0" g="0" b="0"/>
+      </a:lnRef>
+      <a:fillRef idx="1">
+        <a:scrgbClr r="0" g="0" b="0"/>
+      </a:fillRef>
+      <a:effectRef idx="0">
+        <a:scrgbClr r="0" g="0" b="0"/>
+      </a:effectRef>
+      <a:fontRef idx="minor"/>
+    </dgm:style>
+  </dgm:styleLbl>
+  <dgm:styleLbl name="fgAcc4">
+    <dgm:scene3d>
+      <a:camera prst="orthographicFront"/>
+      <a:lightRig rig="threePt" dir="t"/>
+    </dgm:scene3d>
+    <dgm:sp3d/>
+    <dgm:txPr/>
+    <dgm:style>
+      <a:lnRef idx="2">
+        <a:scrgbClr r="0" g="0" b="0"/>
+      </a:lnRef>
+      <a:fillRef idx="1">
+        <a:scrgbClr r="0" g="0" b="0"/>
+      </a:fillRef>
+      <a:effectRef idx="0">
+        <a:scrgbClr r="0" g="0" b="0"/>
+      </a:effectRef>
+      <a:fontRef idx="minor"/>
+    </dgm:style>
+  </dgm:styleLbl>
+  <dgm:styleLbl name="bgShp">
+    <dgm:scene3d>
+      <a:camera prst="orthographicFront"/>
+      <a:lightRig rig="threePt" dir="t"/>
+    </dgm:scene3d>
+    <dgm:sp3d/>
+    <dgm:txPr/>
+    <dgm:style>
+      <a:lnRef idx="0">
+        <a:scrgbClr r="0" g="0" b="0"/>
+      </a:lnRef>
+      <a:fillRef idx="1">
+        <a:scrgbClr r="0" g="0" b="0"/>
+      </a:fillRef>
+      <a:effectRef idx="0">
+        <a:scrgbClr r="0" g="0" b="0"/>
+      </a:effectRef>
+      <a:fontRef idx="minor"/>
+    </dgm:style>
+  </dgm:styleLbl>
+  <dgm:styleLbl name="dkBgShp">
+    <dgm:scene3d>
+      <a:camera prst="orthographicFront"/>
+      <a:lightRig rig="threePt" dir="t"/>
+    </dgm:scene3d>
+    <dgm:sp3d/>
+    <dgm:txPr/>
+    <dgm:style>
+      <a:lnRef idx="0">
+        <a:scrgbClr r="0" g="0" b="0"/>
+      </a:lnRef>
+      <a:fillRef idx="1">
+        <a:scrgbClr r="0" g="0" b="0"/>
+      </a:fillRef>
+      <a:effectRef idx="0">
+        <a:scrgbClr r="0" g="0" b="0"/>
+      </a:effectRef>
+      <a:fontRef idx="minor"/>
+    </dgm:style>
+  </dgm:styleLbl>
+  <dgm:styleLbl name="trBgShp">
+    <dgm:scene3d>
+      <a:camera prst="orthographicFront"/>
+      <a:lightRig rig="threePt" dir="t"/>
+    </dgm:scene3d>
+    <dgm:sp3d/>
+    <dgm:txPr/>
+    <dgm:style>
+      <a:lnRef idx="0">
+        <a:scrgbClr r="0" g="0" b="0"/>
+      </a:lnRef>
+      <a:fillRef idx="1">
+        <a:scrgbClr r="0" g="0" b="0"/>
+      </a:fillRef>
+      <a:effectRef idx="0">
+        <a:scrgbClr r="0" g="0" b="0"/>
+      </a:effectRef>
+      <a:fontRef idx="minor"/>
+    </dgm:style>
+  </dgm:styleLbl>
+  <dgm:styleLbl name="fgShp">
+    <dgm:scene3d>
+      <a:camera prst="orthographicFront"/>
+      <a:lightRig rig="threePt" dir="t"/>
+    </dgm:scene3d>
+    <dgm:sp3d/>
+    <dgm:txPr/>
+    <dgm:style>
+      <a:lnRef idx="2">
+        <a:scrgbClr r="0" g="0" b="0"/>
+      </a:lnRef>
+      <a:fillRef idx="1">
+        <a:scrgbClr r="0" g="0" b="0"/>
+      </a:fillRef>
+      <a:effectRef idx="0">
+        <a:scrgbClr r="0" g="0" b="0"/>
+      </a:effectRef>
+      <a:fontRef idx="minor"/>
+    </dgm:style>
+  </dgm:styleLbl>
+  <dgm:styleLbl name="revTx">
+    <dgm:scene3d>
+      <a:camera prst="orthographicFront"/>
+      <a:lightRig rig="threePt" dir="t"/>
+    </dgm:scene3d>
+    <dgm:sp3d/>
+    <dgm:txPr/>
+    <dgm:style>
+      <a:lnRef idx="0">
+        <a:scrgbClr r="0" g="0" b="0"/>
+      </a:lnRef>
+      <a:fillRef idx="0">
+        <a:scrgbClr r="0" g="0" b="0"/>
+      </a:fillRef>
+      <a:effectRef idx="0">
+        <a:scrgbClr r="0" g="0" b="0"/>
+      </a:effectRef>
+      <a:fontRef idx="minor"/>
+    </dgm:style>
+  </dgm:styleLbl>
+</dgm:styleDef>
+</file>
+
+<file path=ppt/diagrams/quickStyle2.xml><?xml version="1.0" encoding="utf-8"?>
 <dgm:styleDef xmlns:dgm="http://schemas.openxmlformats.org/drawingml/2006/diagram" xmlns:a="http://schemas.openxmlformats.org/drawingml/2006/main" uniqueId="urn:microsoft.com/office/officeart/2005/8/quickstyle/simple1">
   <dgm:title val=""/>
   <dgm:desc val=""/>
@@ -13794,6 +17272,28 @@
           </a:prstGeom>
         </p:spPr>
       </p:pic>
+      <p:graphicFrame>
+        <p:nvGraphicFramePr>
+          <p:cNvPr id="3" name="Diagrama 2"/>
+          <p:cNvGraphicFramePr/>
+          <p:nvPr>
+            <p:extLst>
+              <p:ext uri="{D42A27DB-BD31-4B8C-83A1-F6EECF244321}">
+                <p14:modId xmlns:p14="http://schemas.microsoft.com/office/powerpoint/2010/main" val="1125899375"/>
+              </p:ext>
+            </p:extLst>
+          </p:nvPr>
+        </p:nvGraphicFramePr>
+        <p:xfrm>
+          <a:off x="712177" y="2426677"/>
+          <a:ext cx="9511083" cy="3987798"/>
+        </p:xfrm>
+        <a:graphic>
+          <a:graphicData uri="http://schemas.openxmlformats.org/drawingml/2006/diagram">
+            <dgm:relIds xmlns:dgm="http://schemas.openxmlformats.org/drawingml/2006/diagram" xmlns:r="http://schemas.openxmlformats.org/officeDocument/2006/relationships" r:dm="rId4" r:lo="rId5" r:qs="rId6" r:cs="rId7"/>
+          </a:graphicData>
+        </a:graphic>
+      </p:graphicFrame>
     </p:spTree>
     <p:extLst>
       <p:ext uri="{BB962C8B-B14F-4D97-AF65-F5344CB8AC3E}">

--- a/Presentation_updated.pptx
+++ b/Presentation_updated.pptx
@@ -16,9 +16,9 @@
     <p:sldId id="285" r:id="rId7"/>
     <p:sldId id="282" r:id="rId8"/>
     <p:sldId id="281" r:id="rId9"/>
-    <p:sldId id="283" r:id="rId10"/>
-    <p:sldId id="280" r:id="rId11"/>
-    <p:sldId id="284" r:id="rId12"/>
+    <p:sldId id="289" r:id="rId10"/>
+    <p:sldId id="283" r:id="rId11"/>
+    <p:sldId id="280" r:id="rId12"/>
     <p:sldId id="288" r:id="rId13"/>
     <p:sldId id="266" r:id="rId14"/>
   </p:sldIdLst>
@@ -128,6 +128,753 @@
 </file>
 
 <file path=ppt/diagrams/colors1.xml><?xml version="1.0" encoding="utf-8"?>
+<dgm:colorsDef xmlns:dgm="http://schemas.openxmlformats.org/drawingml/2006/diagram" xmlns:a="http://schemas.openxmlformats.org/drawingml/2006/main" uniqueId="urn:microsoft.com/office/officeart/2005/8/colors/accent1_2">
+  <dgm:title val=""/>
+  <dgm:desc val=""/>
+  <dgm:catLst>
+    <dgm:cat type="accent1" pri="11200"/>
+  </dgm:catLst>
+  <dgm:styleLbl name="node0">
+    <dgm:fillClrLst meth="repeat">
+      <a:schemeClr val="accent1"/>
+    </dgm:fillClrLst>
+    <dgm:linClrLst meth="repeat">
+      <a:schemeClr val="lt1"/>
+    </dgm:linClrLst>
+    <dgm:effectClrLst/>
+    <dgm:txLinClrLst/>
+    <dgm:txFillClrLst/>
+    <dgm:txEffectClrLst/>
+  </dgm:styleLbl>
+  <dgm:styleLbl name="alignNode1">
+    <dgm:fillClrLst meth="repeat">
+      <a:schemeClr val="accent1"/>
+    </dgm:fillClrLst>
+    <dgm:linClrLst meth="repeat">
+      <a:schemeClr val="accent1"/>
+    </dgm:linClrLst>
+    <dgm:effectClrLst/>
+    <dgm:txLinClrLst/>
+    <dgm:txFillClrLst/>
+    <dgm:txEffectClrLst/>
+  </dgm:styleLbl>
+  <dgm:styleLbl name="node1">
+    <dgm:fillClrLst meth="repeat">
+      <a:schemeClr val="accent1"/>
+    </dgm:fillClrLst>
+    <dgm:linClrLst meth="repeat">
+      <a:schemeClr val="lt1"/>
+    </dgm:linClrLst>
+    <dgm:effectClrLst/>
+    <dgm:txLinClrLst/>
+    <dgm:txFillClrLst/>
+    <dgm:txEffectClrLst/>
+  </dgm:styleLbl>
+  <dgm:styleLbl name="lnNode1">
+    <dgm:fillClrLst meth="repeat">
+      <a:schemeClr val="accent1"/>
+    </dgm:fillClrLst>
+    <dgm:linClrLst meth="repeat">
+      <a:schemeClr val="lt1"/>
+    </dgm:linClrLst>
+    <dgm:effectClrLst/>
+    <dgm:txLinClrLst/>
+    <dgm:txFillClrLst/>
+    <dgm:txEffectClrLst/>
+  </dgm:styleLbl>
+  <dgm:styleLbl name="vennNode1">
+    <dgm:fillClrLst meth="repeat">
+      <a:schemeClr val="accent1">
+        <a:alpha val="50000"/>
+      </a:schemeClr>
+    </dgm:fillClrLst>
+    <dgm:linClrLst meth="repeat">
+      <a:schemeClr val="lt1"/>
+    </dgm:linClrLst>
+    <dgm:effectClrLst/>
+    <dgm:txLinClrLst/>
+    <dgm:txFillClrLst/>
+    <dgm:txEffectClrLst/>
+  </dgm:styleLbl>
+  <dgm:styleLbl name="node2">
+    <dgm:fillClrLst meth="repeat">
+      <a:schemeClr val="accent1"/>
+    </dgm:fillClrLst>
+    <dgm:linClrLst meth="repeat">
+      <a:schemeClr val="lt1"/>
+    </dgm:linClrLst>
+    <dgm:effectClrLst/>
+    <dgm:txLinClrLst/>
+    <dgm:txFillClrLst/>
+    <dgm:txEffectClrLst/>
+  </dgm:styleLbl>
+  <dgm:styleLbl name="node3">
+    <dgm:fillClrLst meth="repeat">
+      <a:schemeClr val="accent1"/>
+    </dgm:fillClrLst>
+    <dgm:linClrLst meth="repeat">
+      <a:schemeClr val="lt1"/>
+    </dgm:linClrLst>
+    <dgm:effectClrLst/>
+    <dgm:txLinClrLst/>
+    <dgm:txFillClrLst/>
+    <dgm:txEffectClrLst/>
+  </dgm:styleLbl>
+  <dgm:styleLbl name="node4">
+    <dgm:fillClrLst meth="repeat">
+      <a:schemeClr val="accent1"/>
+    </dgm:fillClrLst>
+    <dgm:linClrLst meth="repeat">
+      <a:schemeClr val="lt1"/>
+    </dgm:linClrLst>
+    <dgm:effectClrLst/>
+    <dgm:txLinClrLst/>
+    <dgm:txFillClrLst/>
+    <dgm:txEffectClrLst/>
+  </dgm:styleLbl>
+  <dgm:styleLbl name="fgImgPlace1">
+    <dgm:fillClrLst meth="repeat">
+      <a:schemeClr val="accent1">
+        <a:tint val="50000"/>
+      </a:schemeClr>
+    </dgm:fillClrLst>
+    <dgm:linClrLst meth="repeat">
+      <a:schemeClr val="lt1"/>
+    </dgm:linClrLst>
+    <dgm:effectClrLst/>
+    <dgm:txLinClrLst/>
+    <dgm:txFillClrLst meth="repeat">
+      <a:schemeClr val="lt1"/>
+    </dgm:txFillClrLst>
+    <dgm:txEffectClrLst/>
+  </dgm:styleLbl>
+  <dgm:styleLbl name="alignImgPlace1">
+    <dgm:fillClrLst meth="repeat">
+      <a:schemeClr val="accent1">
+        <a:tint val="50000"/>
+      </a:schemeClr>
+    </dgm:fillClrLst>
+    <dgm:linClrLst meth="repeat">
+      <a:schemeClr val="lt1"/>
+    </dgm:linClrLst>
+    <dgm:effectClrLst/>
+    <dgm:txLinClrLst/>
+    <dgm:txFillClrLst meth="repeat">
+      <a:schemeClr val="lt1"/>
+    </dgm:txFillClrLst>
+    <dgm:txEffectClrLst/>
+  </dgm:styleLbl>
+  <dgm:styleLbl name="bgImgPlace1">
+    <dgm:fillClrLst meth="repeat">
+      <a:schemeClr val="accent1">
+        <a:tint val="50000"/>
+      </a:schemeClr>
+    </dgm:fillClrLst>
+    <dgm:linClrLst meth="repeat">
+      <a:schemeClr val="lt1"/>
+    </dgm:linClrLst>
+    <dgm:effectClrLst/>
+    <dgm:txLinClrLst/>
+    <dgm:txFillClrLst meth="repeat">
+      <a:schemeClr val="lt1"/>
+    </dgm:txFillClrLst>
+    <dgm:txEffectClrLst/>
+  </dgm:styleLbl>
+  <dgm:styleLbl name="sibTrans2D1">
+    <dgm:fillClrLst meth="repeat">
+      <a:schemeClr val="accent1">
+        <a:tint val="60000"/>
+      </a:schemeClr>
+    </dgm:fillClrLst>
+    <dgm:linClrLst meth="repeat">
+      <a:schemeClr val="accent1">
+        <a:tint val="60000"/>
+      </a:schemeClr>
+    </dgm:linClrLst>
+    <dgm:effectClrLst/>
+    <dgm:txLinClrLst/>
+    <dgm:txFillClrLst/>
+    <dgm:txEffectClrLst/>
+  </dgm:styleLbl>
+  <dgm:styleLbl name="fgSibTrans2D1">
+    <dgm:fillClrLst meth="repeat">
+      <a:schemeClr val="accent1">
+        <a:tint val="60000"/>
+      </a:schemeClr>
+    </dgm:fillClrLst>
+    <dgm:linClrLst meth="repeat">
+      <a:schemeClr val="accent1">
+        <a:tint val="60000"/>
+      </a:schemeClr>
+    </dgm:linClrLst>
+    <dgm:effectClrLst/>
+    <dgm:txLinClrLst/>
+    <dgm:txFillClrLst/>
+    <dgm:txEffectClrLst/>
+  </dgm:styleLbl>
+  <dgm:styleLbl name="bgSibTrans2D1">
+    <dgm:fillClrLst meth="repeat">
+      <a:schemeClr val="accent1">
+        <a:tint val="60000"/>
+      </a:schemeClr>
+    </dgm:fillClrLst>
+    <dgm:linClrLst meth="repeat">
+      <a:schemeClr val="accent1">
+        <a:tint val="60000"/>
+      </a:schemeClr>
+    </dgm:linClrLst>
+    <dgm:effectClrLst/>
+    <dgm:txLinClrLst/>
+    <dgm:txFillClrLst/>
+    <dgm:txEffectClrLst/>
+  </dgm:styleLbl>
+  <dgm:styleLbl name="sibTrans1D1">
+    <dgm:fillClrLst meth="repeat">
+      <a:schemeClr val="accent1"/>
+    </dgm:fillClrLst>
+    <dgm:linClrLst meth="repeat">
+      <a:schemeClr val="accent1"/>
+    </dgm:linClrLst>
+    <dgm:effectClrLst/>
+    <dgm:txLinClrLst/>
+    <dgm:txFillClrLst meth="repeat">
+      <a:schemeClr val="tx1"/>
+    </dgm:txFillClrLst>
+    <dgm:txEffectClrLst/>
+  </dgm:styleLbl>
+  <dgm:styleLbl name="callout">
+    <dgm:fillClrLst meth="repeat">
+      <a:schemeClr val="accent1"/>
+    </dgm:fillClrLst>
+    <dgm:linClrLst meth="repeat">
+      <a:schemeClr val="accent1">
+        <a:tint val="50000"/>
+      </a:schemeClr>
+    </dgm:linClrLst>
+    <dgm:effectClrLst/>
+    <dgm:txLinClrLst/>
+    <dgm:txFillClrLst meth="repeat">
+      <a:schemeClr val="tx1"/>
+    </dgm:txFillClrLst>
+    <dgm:txEffectClrLst/>
+  </dgm:styleLbl>
+  <dgm:styleLbl name="asst0">
+    <dgm:fillClrLst meth="repeat">
+      <a:schemeClr val="accent1"/>
+    </dgm:fillClrLst>
+    <dgm:linClrLst meth="repeat">
+      <a:schemeClr val="lt1"/>
+    </dgm:linClrLst>
+    <dgm:effectClrLst/>
+    <dgm:txLinClrLst/>
+    <dgm:txFillClrLst/>
+    <dgm:txEffectClrLst/>
+  </dgm:styleLbl>
+  <dgm:styleLbl name="asst1">
+    <dgm:fillClrLst meth="repeat">
+      <a:schemeClr val="accent1"/>
+    </dgm:fillClrLst>
+    <dgm:linClrLst meth="repeat">
+      <a:schemeClr val="lt1"/>
+    </dgm:linClrLst>
+    <dgm:effectClrLst/>
+    <dgm:txLinClrLst/>
+    <dgm:txFillClrLst/>
+    <dgm:txEffectClrLst/>
+  </dgm:styleLbl>
+  <dgm:styleLbl name="asst2">
+    <dgm:fillClrLst meth="repeat">
+      <a:schemeClr val="accent1"/>
+    </dgm:fillClrLst>
+    <dgm:linClrLst meth="repeat">
+      <a:schemeClr val="lt1"/>
+    </dgm:linClrLst>
+    <dgm:effectClrLst/>
+    <dgm:txLinClrLst/>
+    <dgm:txFillClrLst/>
+    <dgm:txEffectClrLst/>
+  </dgm:styleLbl>
+  <dgm:styleLbl name="asst3">
+    <dgm:fillClrLst meth="repeat">
+      <a:schemeClr val="accent1"/>
+    </dgm:fillClrLst>
+    <dgm:linClrLst meth="repeat">
+      <a:schemeClr val="lt1"/>
+    </dgm:linClrLst>
+    <dgm:effectClrLst/>
+    <dgm:txLinClrLst/>
+    <dgm:txFillClrLst/>
+    <dgm:txEffectClrLst/>
+  </dgm:styleLbl>
+  <dgm:styleLbl name="asst4">
+    <dgm:fillClrLst meth="repeat">
+      <a:schemeClr val="accent1"/>
+    </dgm:fillClrLst>
+    <dgm:linClrLst meth="repeat">
+      <a:schemeClr val="lt1"/>
+    </dgm:linClrLst>
+    <dgm:effectClrLst/>
+    <dgm:txLinClrLst/>
+    <dgm:txFillClrLst/>
+    <dgm:txEffectClrLst/>
+  </dgm:styleLbl>
+  <dgm:styleLbl name="parChTrans2D1">
+    <dgm:fillClrLst meth="repeat">
+      <a:schemeClr val="accent1">
+        <a:tint val="60000"/>
+      </a:schemeClr>
+    </dgm:fillClrLst>
+    <dgm:linClrLst meth="repeat">
+      <a:schemeClr val="accent1">
+        <a:tint val="60000"/>
+      </a:schemeClr>
+    </dgm:linClrLst>
+    <dgm:effectClrLst/>
+    <dgm:txLinClrLst/>
+    <dgm:txFillClrLst meth="repeat">
+      <a:schemeClr val="lt1"/>
+    </dgm:txFillClrLst>
+    <dgm:txEffectClrLst/>
+  </dgm:styleLbl>
+  <dgm:styleLbl name="parChTrans2D2">
+    <dgm:fillClrLst meth="repeat">
+      <a:schemeClr val="accent1"/>
+    </dgm:fillClrLst>
+    <dgm:linClrLst meth="repeat">
+      <a:schemeClr val="accent1"/>
+    </dgm:linClrLst>
+    <dgm:effectClrLst/>
+    <dgm:txLinClrLst/>
+    <dgm:txFillClrLst meth="repeat">
+      <a:schemeClr val="lt1"/>
+    </dgm:txFillClrLst>
+    <dgm:txEffectClrLst/>
+  </dgm:styleLbl>
+  <dgm:styleLbl name="parChTrans2D3">
+    <dgm:fillClrLst meth="repeat">
+      <a:schemeClr val="accent1"/>
+    </dgm:fillClrLst>
+    <dgm:linClrLst meth="repeat">
+      <a:schemeClr val="accent1"/>
+    </dgm:linClrLst>
+    <dgm:effectClrLst/>
+    <dgm:txLinClrLst/>
+    <dgm:txFillClrLst meth="repeat">
+      <a:schemeClr val="lt1"/>
+    </dgm:txFillClrLst>
+    <dgm:txEffectClrLst/>
+  </dgm:styleLbl>
+  <dgm:styleLbl name="parChTrans2D4">
+    <dgm:fillClrLst meth="repeat">
+      <a:schemeClr val="accent1"/>
+    </dgm:fillClrLst>
+    <dgm:linClrLst meth="repeat">
+      <a:schemeClr val="accent1"/>
+    </dgm:linClrLst>
+    <dgm:effectClrLst/>
+    <dgm:txLinClrLst/>
+    <dgm:txFillClrLst meth="repeat">
+      <a:schemeClr val="lt1"/>
+    </dgm:txFillClrLst>
+    <dgm:txEffectClrLst/>
+  </dgm:styleLbl>
+  <dgm:styleLbl name="parChTrans1D1">
+    <dgm:fillClrLst meth="repeat">
+      <a:schemeClr val="accent1"/>
+    </dgm:fillClrLst>
+    <dgm:linClrLst meth="repeat">
+      <a:schemeClr val="accent1">
+        <a:shade val="60000"/>
+      </a:schemeClr>
+    </dgm:linClrLst>
+    <dgm:effectClrLst/>
+    <dgm:txLinClrLst/>
+    <dgm:txFillClrLst meth="repeat">
+      <a:schemeClr val="tx1"/>
+    </dgm:txFillClrLst>
+    <dgm:txEffectClrLst/>
+  </dgm:styleLbl>
+  <dgm:styleLbl name="parChTrans1D2">
+    <dgm:fillClrLst meth="repeat">
+      <a:schemeClr val="accent1"/>
+    </dgm:fillClrLst>
+    <dgm:linClrLst meth="repeat">
+      <a:schemeClr val="accent1">
+        <a:shade val="60000"/>
+      </a:schemeClr>
+    </dgm:linClrLst>
+    <dgm:effectClrLst/>
+    <dgm:txLinClrLst/>
+    <dgm:txFillClrLst meth="repeat">
+      <a:schemeClr val="tx1"/>
+    </dgm:txFillClrLst>
+    <dgm:txEffectClrLst/>
+  </dgm:styleLbl>
+  <dgm:styleLbl name="parChTrans1D3">
+    <dgm:fillClrLst meth="repeat">
+      <a:schemeClr val="accent1"/>
+    </dgm:fillClrLst>
+    <dgm:linClrLst meth="repeat">
+      <a:schemeClr val="accent1">
+        <a:shade val="80000"/>
+      </a:schemeClr>
+    </dgm:linClrLst>
+    <dgm:effectClrLst/>
+    <dgm:txLinClrLst/>
+    <dgm:txFillClrLst meth="repeat">
+      <a:schemeClr val="tx1"/>
+    </dgm:txFillClrLst>
+    <dgm:txEffectClrLst/>
+  </dgm:styleLbl>
+  <dgm:styleLbl name="parChTrans1D4">
+    <dgm:fillClrLst meth="repeat">
+      <a:schemeClr val="accent1"/>
+    </dgm:fillClrLst>
+    <dgm:linClrLst meth="repeat">
+      <a:schemeClr val="accent1">
+        <a:shade val="80000"/>
+      </a:schemeClr>
+    </dgm:linClrLst>
+    <dgm:effectClrLst/>
+    <dgm:txLinClrLst/>
+    <dgm:txFillClrLst meth="repeat">
+      <a:schemeClr val="tx1"/>
+    </dgm:txFillClrLst>
+    <dgm:txEffectClrLst/>
+  </dgm:styleLbl>
+  <dgm:styleLbl name="fgAcc1">
+    <dgm:fillClrLst meth="repeat">
+      <a:schemeClr val="lt1">
+        <a:alpha val="90000"/>
+      </a:schemeClr>
+    </dgm:fillClrLst>
+    <dgm:linClrLst meth="repeat">
+      <a:schemeClr val="accent1"/>
+    </dgm:linClrLst>
+    <dgm:effectClrLst/>
+    <dgm:txLinClrLst/>
+    <dgm:txFillClrLst meth="repeat">
+      <a:schemeClr val="dk1"/>
+    </dgm:txFillClrLst>
+    <dgm:txEffectClrLst/>
+  </dgm:styleLbl>
+  <dgm:styleLbl name="conFgAcc1">
+    <dgm:fillClrLst meth="repeat">
+      <a:schemeClr val="lt1">
+        <a:alpha val="90000"/>
+      </a:schemeClr>
+    </dgm:fillClrLst>
+    <dgm:linClrLst meth="repeat">
+      <a:schemeClr val="accent1"/>
+    </dgm:linClrLst>
+    <dgm:effectClrLst/>
+    <dgm:txLinClrLst/>
+    <dgm:txFillClrLst meth="repeat">
+      <a:schemeClr val="dk1"/>
+    </dgm:txFillClrLst>
+    <dgm:txEffectClrLst/>
+  </dgm:styleLbl>
+  <dgm:styleLbl name="alignAcc1">
+    <dgm:fillClrLst meth="repeat">
+      <a:schemeClr val="lt1">
+        <a:alpha val="90000"/>
+      </a:schemeClr>
+    </dgm:fillClrLst>
+    <dgm:linClrLst meth="repeat">
+      <a:schemeClr val="accent1"/>
+    </dgm:linClrLst>
+    <dgm:effectClrLst/>
+    <dgm:txLinClrLst/>
+    <dgm:txFillClrLst meth="repeat">
+      <a:schemeClr val="dk1"/>
+    </dgm:txFillClrLst>
+    <dgm:txEffectClrLst/>
+  </dgm:styleLbl>
+  <dgm:styleLbl name="trAlignAcc1">
+    <dgm:fillClrLst meth="repeat">
+      <a:schemeClr val="lt1">
+        <a:alpha val="40000"/>
+      </a:schemeClr>
+    </dgm:fillClrLst>
+    <dgm:linClrLst meth="repeat">
+      <a:schemeClr val="accent1"/>
+    </dgm:linClrLst>
+    <dgm:effectClrLst/>
+    <dgm:txLinClrLst/>
+    <dgm:txFillClrLst meth="repeat">
+      <a:schemeClr val="dk1"/>
+    </dgm:txFillClrLst>
+    <dgm:txEffectClrLst/>
+  </dgm:styleLbl>
+  <dgm:styleLbl name="bgAcc1">
+    <dgm:fillClrLst meth="repeat">
+      <a:schemeClr val="lt1">
+        <a:alpha val="90000"/>
+      </a:schemeClr>
+    </dgm:fillClrLst>
+    <dgm:linClrLst meth="repeat">
+      <a:schemeClr val="accent1"/>
+    </dgm:linClrLst>
+    <dgm:effectClrLst/>
+    <dgm:txLinClrLst/>
+    <dgm:txFillClrLst meth="repeat">
+      <a:schemeClr val="dk1"/>
+    </dgm:txFillClrLst>
+    <dgm:txEffectClrLst/>
+  </dgm:styleLbl>
+  <dgm:styleLbl name="solidFgAcc1">
+    <dgm:fillClrLst meth="repeat">
+      <a:schemeClr val="lt1"/>
+    </dgm:fillClrLst>
+    <dgm:linClrLst meth="repeat">
+      <a:schemeClr val="accent1"/>
+    </dgm:linClrLst>
+    <dgm:effectClrLst/>
+    <dgm:txLinClrLst/>
+    <dgm:txFillClrLst meth="repeat">
+      <a:schemeClr val="dk1"/>
+    </dgm:txFillClrLst>
+    <dgm:txEffectClrLst/>
+  </dgm:styleLbl>
+  <dgm:styleLbl name="solidAlignAcc1">
+    <dgm:fillClrLst meth="repeat">
+      <a:schemeClr val="lt1"/>
+    </dgm:fillClrLst>
+    <dgm:linClrLst meth="repeat">
+      <a:schemeClr val="accent1"/>
+    </dgm:linClrLst>
+    <dgm:effectClrLst/>
+    <dgm:txLinClrLst/>
+    <dgm:txFillClrLst meth="repeat">
+      <a:schemeClr val="dk1"/>
+    </dgm:txFillClrLst>
+    <dgm:txEffectClrLst/>
+  </dgm:styleLbl>
+  <dgm:styleLbl name="solidBgAcc1">
+    <dgm:fillClrLst meth="repeat">
+      <a:schemeClr val="lt1"/>
+    </dgm:fillClrLst>
+    <dgm:linClrLst meth="repeat">
+      <a:schemeClr val="accent1"/>
+    </dgm:linClrLst>
+    <dgm:effectClrLst/>
+    <dgm:txLinClrLst/>
+    <dgm:txFillClrLst meth="repeat">
+      <a:schemeClr val="dk1"/>
+    </dgm:txFillClrLst>
+    <dgm:txEffectClrLst/>
+  </dgm:styleLbl>
+  <dgm:styleLbl name="fgAccFollowNode1">
+    <dgm:fillClrLst meth="repeat">
+      <a:schemeClr val="accent1">
+        <a:alpha val="90000"/>
+        <a:tint val="40000"/>
+      </a:schemeClr>
+    </dgm:fillClrLst>
+    <dgm:linClrLst meth="repeat">
+      <a:schemeClr val="accent1">
+        <a:alpha val="90000"/>
+        <a:tint val="40000"/>
+      </a:schemeClr>
+    </dgm:linClrLst>
+    <dgm:effectClrLst/>
+    <dgm:txLinClrLst/>
+    <dgm:txFillClrLst meth="repeat">
+      <a:schemeClr val="dk1"/>
+    </dgm:txFillClrLst>
+    <dgm:txEffectClrLst/>
+  </dgm:styleLbl>
+  <dgm:styleLbl name="alignAccFollowNode1">
+    <dgm:fillClrLst meth="repeat">
+      <a:schemeClr val="accent1">
+        <a:alpha val="90000"/>
+        <a:tint val="40000"/>
+      </a:schemeClr>
+    </dgm:fillClrLst>
+    <dgm:linClrLst meth="repeat">
+      <a:schemeClr val="accent1">
+        <a:alpha val="90000"/>
+        <a:tint val="40000"/>
+      </a:schemeClr>
+    </dgm:linClrLst>
+    <dgm:effectClrLst/>
+    <dgm:txLinClrLst/>
+    <dgm:txFillClrLst meth="repeat">
+      <a:schemeClr val="dk1"/>
+    </dgm:txFillClrLst>
+    <dgm:txEffectClrLst/>
+  </dgm:styleLbl>
+  <dgm:styleLbl name="bgAccFollowNode1">
+    <dgm:fillClrLst meth="repeat">
+      <a:schemeClr val="accent1">
+        <a:alpha val="90000"/>
+        <a:tint val="40000"/>
+      </a:schemeClr>
+    </dgm:fillClrLst>
+    <dgm:linClrLst meth="repeat">
+      <a:schemeClr val="accent1">
+        <a:alpha val="90000"/>
+        <a:tint val="40000"/>
+      </a:schemeClr>
+    </dgm:linClrLst>
+    <dgm:effectClrLst/>
+    <dgm:txLinClrLst/>
+    <dgm:txFillClrLst meth="repeat">
+      <a:schemeClr val="dk1"/>
+    </dgm:txFillClrLst>
+    <dgm:txEffectClrLst/>
+  </dgm:styleLbl>
+  <dgm:styleLbl name="fgAcc0">
+    <dgm:fillClrLst meth="repeat">
+      <a:schemeClr val="lt1">
+        <a:alpha val="90000"/>
+      </a:schemeClr>
+    </dgm:fillClrLst>
+    <dgm:linClrLst meth="repeat">
+      <a:schemeClr val="accent1"/>
+    </dgm:linClrLst>
+    <dgm:effectClrLst/>
+    <dgm:txLinClrLst/>
+    <dgm:txFillClrLst meth="repeat">
+      <a:schemeClr val="dk1"/>
+    </dgm:txFillClrLst>
+    <dgm:txEffectClrLst/>
+  </dgm:styleLbl>
+  <dgm:styleLbl name="fgAcc2">
+    <dgm:fillClrLst meth="repeat">
+      <a:schemeClr val="lt1">
+        <a:alpha val="90000"/>
+      </a:schemeClr>
+    </dgm:fillClrLst>
+    <dgm:linClrLst meth="repeat">
+      <a:schemeClr val="accent1"/>
+    </dgm:linClrLst>
+    <dgm:effectClrLst/>
+    <dgm:txLinClrLst/>
+    <dgm:txFillClrLst meth="repeat">
+      <a:schemeClr val="dk1"/>
+    </dgm:txFillClrLst>
+    <dgm:txEffectClrLst/>
+  </dgm:styleLbl>
+  <dgm:styleLbl name="fgAcc3">
+    <dgm:fillClrLst meth="repeat">
+      <a:schemeClr val="lt1">
+        <a:alpha val="90000"/>
+      </a:schemeClr>
+    </dgm:fillClrLst>
+    <dgm:linClrLst meth="repeat">
+      <a:schemeClr val="accent1"/>
+    </dgm:linClrLst>
+    <dgm:effectClrLst/>
+    <dgm:txLinClrLst/>
+    <dgm:txFillClrLst meth="repeat">
+      <a:schemeClr val="dk1"/>
+    </dgm:txFillClrLst>
+    <dgm:txEffectClrLst/>
+  </dgm:styleLbl>
+  <dgm:styleLbl name="fgAcc4">
+    <dgm:fillClrLst meth="repeat">
+      <a:schemeClr val="lt1">
+        <a:alpha val="90000"/>
+      </a:schemeClr>
+    </dgm:fillClrLst>
+    <dgm:linClrLst meth="repeat">
+      <a:schemeClr val="accent1"/>
+    </dgm:linClrLst>
+    <dgm:effectClrLst/>
+    <dgm:txLinClrLst/>
+    <dgm:txFillClrLst meth="repeat">
+      <a:schemeClr val="dk1"/>
+    </dgm:txFillClrLst>
+    <dgm:txEffectClrLst/>
+  </dgm:styleLbl>
+  <dgm:styleLbl name="bgShp">
+    <dgm:fillClrLst meth="repeat">
+      <a:schemeClr val="accent1">
+        <a:tint val="40000"/>
+      </a:schemeClr>
+    </dgm:fillClrLst>
+    <dgm:linClrLst meth="repeat">
+      <a:schemeClr val="accent1"/>
+    </dgm:linClrLst>
+    <dgm:effectClrLst/>
+    <dgm:txLinClrLst/>
+    <dgm:txFillClrLst meth="repeat">
+      <a:schemeClr val="dk1"/>
+    </dgm:txFillClrLst>
+    <dgm:txEffectClrLst/>
+  </dgm:styleLbl>
+  <dgm:styleLbl name="dkBgShp">
+    <dgm:fillClrLst meth="repeat">
+      <a:schemeClr val="accent1">
+        <a:shade val="80000"/>
+      </a:schemeClr>
+    </dgm:fillClrLst>
+    <dgm:linClrLst meth="repeat">
+      <a:schemeClr val="accent1"/>
+    </dgm:linClrLst>
+    <dgm:effectClrLst/>
+    <dgm:txLinClrLst/>
+    <dgm:txFillClrLst meth="repeat">
+      <a:schemeClr val="lt1"/>
+    </dgm:txFillClrLst>
+    <dgm:txEffectClrLst/>
+  </dgm:styleLbl>
+  <dgm:styleLbl name="trBgShp">
+    <dgm:fillClrLst meth="repeat">
+      <a:schemeClr val="accent1">
+        <a:tint val="50000"/>
+        <a:alpha val="40000"/>
+      </a:schemeClr>
+    </dgm:fillClrLst>
+    <dgm:linClrLst meth="repeat">
+      <a:schemeClr val="accent1"/>
+    </dgm:linClrLst>
+    <dgm:effectClrLst/>
+    <dgm:txLinClrLst/>
+    <dgm:txFillClrLst meth="repeat">
+      <a:schemeClr val="lt1"/>
+    </dgm:txFillClrLst>
+    <dgm:txEffectClrLst/>
+  </dgm:styleLbl>
+  <dgm:styleLbl name="fgShp">
+    <dgm:fillClrLst meth="repeat">
+      <a:schemeClr val="accent1">
+        <a:tint val="60000"/>
+      </a:schemeClr>
+    </dgm:fillClrLst>
+    <dgm:linClrLst meth="repeat">
+      <a:schemeClr val="lt1"/>
+    </dgm:linClrLst>
+    <dgm:effectClrLst/>
+    <dgm:txLinClrLst/>
+    <dgm:txFillClrLst meth="repeat">
+      <a:schemeClr val="dk1"/>
+    </dgm:txFillClrLst>
+    <dgm:txEffectClrLst/>
+  </dgm:styleLbl>
+  <dgm:styleLbl name="revTx">
+    <dgm:fillClrLst meth="repeat">
+      <a:schemeClr val="lt1">
+        <a:alpha val="0"/>
+      </a:schemeClr>
+    </dgm:fillClrLst>
+    <dgm:linClrLst meth="repeat">
+      <a:schemeClr val="dk1">
+        <a:alpha val="0"/>
+      </a:schemeClr>
+    </dgm:linClrLst>
+    <dgm:effectClrLst/>
+    <dgm:txLinClrLst/>
+    <dgm:txFillClrLst meth="repeat">
+      <a:schemeClr val="tx1"/>
+    </dgm:txFillClrLst>
+    <dgm:txEffectClrLst/>
+  </dgm:styleLbl>
+</dgm:colorsDef>
+</file>
+
+<file path=ppt/diagrams/colors2.xml><?xml version="1.0" encoding="utf-8"?>
 <dgm:colorsDef xmlns:dgm="http://schemas.openxmlformats.org/drawingml/2006/diagram" xmlns:a="http://schemas.openxmlformats.org/drawingml/2006/main" uniqueId="urn:microsoft.com/office/officeart/2005/8/colors/accent1_2">
   <dgm:title val=""/>
   <dgm:desc val=""/>
@@ -1256,7 +2003,7 @@
                 <a14:useLocalDpi xmlns:a14="http://schemas.microsoft.com/office/drawing/2010/main" val="0"/>
               </a:ext>
               <a:ext uri="{96DAC541-7B7A-43D3-8B79-37D633B846F1}">
-                <asvg:svgBlip xmlns:asvg="http://schemas.microsoft.com/office/drawing/2016/SVG/main" xmlns="" r:embed="rId2"/>
+                <asvg:svgBlip xmlns="" xmlns:asvg="http://schemas.microsoft.com/office/drawing/2016/SVG/main" r:embed="rId2"/>
               </a:ext>
             </a:extLst>
           </a:blip>
@@ -1330,7 +2077,7 @@
                 <a14:useLocalDpi xmlns:a14="http://schemas.microsoft.com/office/drawing/2010/main" val="0"/>
               </a:ext>
               <a:ext uri="{96DAC541-7B7A-43D3-8B79-37D633B846F1}">
-                <asvg:svgBlip xmlns:asvg="http://schemas.microsoft.com/office/drawing/2016/SVG/main" xmlns="" r:embed="rId4"/>
+                <asvg:svgBlip xmlns="" xmlns:asvg="http://schemas.microsoft.com/office/drawing/2016/SVG/main" r:embed="rId4"/>
               </a:ext>
             </a:extLst>
           </a:blip>
@@ -1405,7 +2152,7 @@
                 <a14:useLocalDpi xmlns:a14="http://schemas.microsoft.com/office/drawing/2010/main" val="0"/>
               </a:ext>
               <a:ext uri="{96DAC541-7B7A-43D3-8B79-37D633B846F1}">
-                <asvg:svgBlip xmlns:asvg="http://schemas.microsoft.com/office/drawing/2016/SVG/main" xmlns="" r:embed="rId6"/>
+                <asvg:svgBlip xmlns="" xmlns:asvg="http://schemas.microsoft.com/office/drawing/2016/SVG/main" r:embed="rId6"/>
               </a:ext>
             </a:extLst>
           </a:blip>
@@ -1480,7 +2227,7 @@
                 <a14:useLocalDpi xmlns:a14="http://schemas.microsoft.com/office/drawing/2010/main" val="0"/>
               </a:ext>
               <a:ext uri="{96DAC541-7B7A-43D3-8B79-37D633B846F1}">
-                <asvg:svgBlip xmlns:asvg="http://schemas.microsoft.com/office/drawing/2016/SVG/main" xmlns="" r:embed="rId8"/>
+                <asvg:svgBlip xmlns="" xmlns:asvg="http://schemas.microsoft.com/office/drawing/2016/SVG/main" r:embed="rId8"/>
               </a:ext>
             </a:extLst>
           </a:blip>
@@ -1555,7 +2302,7 @@
                 <a14:useLocalDpi xmlns:a14="http://schemas.microsoft.com/office/drawing/2010/main" val="0"/>
               </a:ext>
               <a:ext uri="{96DAC541-7B7A-43D3-8B79-37D633B846F1}">
-                <asvg:svgBlip xmlns:asvg="http://schemas.microsoft.com/office/drawing/2016/SVG/main" xmlns="" r:embed="rId10"/>
+                <asvg:svgBlip xmlns="" xmlns:asvg="http://schemas.microsoft.com/office/drawing/2016/SVG/main" r:embed="rId10"/>
               </a:ext>
             </a:extLst>
           </a:blip>
@@ -1630,7 +2377,7 @@
                 <a14:useLocalDpi xmlns:a14="http://schemas.microsoft.com/office/drawing/2010/main" val="0"/>
               </a:ext>
               <a:ext uri="{96DAC541-7B7A-43D3-8B79-37D633B846F1}">
-                <asvg:svgBlip xmlns:asvg="http://schemas.microsoft.com/office/drawing/2016/SVG/main" xmlns="" r:embed="rId12"/>
+                <asvg:svgBlip xmlns="" xmlns:asvg="http://schemas.microsoft.com/office/drawing/2016/SVG/main" r:embed="rId12"/>
               </a:ext>
             </a:extLst>
           </a:blip>
@@ -1705,7 +2452,7 @@
                 <a14:useLocalDpi xmlns:a14="http://schemas.microsoft.com/office/drawing/2010/main" val="0"/>
               </a:ext>
               <a:ext uri="{96DAC541-7B7A-43D3-8B79-37D633B846F1}">
-                <asvg:svgBlip xmlns:asvg="http://schemas.microsoft.com/office/drawing/2016/SVG/main" xmlns="" r:embed="rId14"/>
+                <asvg:svgBlip xmlns="" xmlns:asvg="http://schemas.microsoft.com/office/drawing/2016/SVG/main" r:embed="rId14"/>
               </a:ext>
             </a:extLst>
           </a:blip>
@@ -1827,6 +2574,673 @@
 </dgm:dataModel>
 </file>
 
+<file path=ppt/diagrams/data2.xml><?xml version="1.0" encoding="utf-8"?>
+<dgm:dataModel xmlns:dgm="http://schemas.openxmlformats.org/drawingml/2006/diagram" xmlns:a="http://schemas.openxmlformats.org/drawingml/2006/main">
+  <dgm:ptLst>
+    <dgm:pt modelId="{5ACD8C15-1CA9-4F18-961A-D49625AEE1D8}" type="doc">
+      <dgm:prSet loTypeId="urn:microsoft.com/office/officeart/2005/8/layout/hList1" loCatId="list" qsTypeId="urn:microsoft.com/office/officeart/2005/8/quickstyle/simple1" qsCatId="simple" csTypeId="urn:microsoft.com/office/officeart/2005/8/colors/accent1_2" csCatId="accent1" phldr="1"/>
+      <dgm:spPr/>
+      <dgm:t>
+        <a:bodyPr/>
+        <a:lstStyle/>
+        <a:p>
+          <a:endParaRPr lang="es-ES"/>
+        </a:p>
+      </dgm:t>
+    </dgm:pt>
+    <dgm:pt modelId="{F70F1479-46E7-46A2-8EA8-B32715B35199}">
+      <dgm:prSet phldrT="[Texto]" custT="1"/>
+      <dgm:spPr/>
+      <dgm:t>
+        <a:bodyPr/>
+        <a:lstStyle/>
+        <a:p>
+          <a:r>
+            <a:rPr lang="es-ES" sz="4000" dirty="0" err="1" smtClean="0"/>
+            <a:t>kNN</a:t>
+          </a:r>
+          <a:endParaRPr lang="es-ES" sz="4000" dirty="0"/>
+        </a:p>
+      </dgm:t>
+    </dgm:pt>
+    <dgm:pt modelId="{27EADE89-2393-4625-A943-997F86CCCA34}" type="parTrans" cxnId="{4622926B-CAAB-4698-A3E6-88667501AB41}">
+      <dgm:prSet/>
+      <dgm:spPr/>
+      <dgm:t>
+        <a:bodyPr/>
+        <a:lstStyle/>
+        <a:p>
+          <a:endParaRPr lang="es-ES"/>
+        </a:p>
+      </dgm:t>
+    </dgm:pt>
+    <dgm:pt modelId="{C74D4E5F-E137-4E74-8921-FF9ECE7F6DAE}" type="sibTrans" cxnId="{4622926B-CAAB-4698-A3E6-88667501AB41}">
+      <dgm:prSet/>
+      <dgm:spPr/>
+      <dgm:t>
+        <a:bodyPr/>
+        <a:lstStyle/>
+        <a:p>
+          <a:endParaRPr lang="es-ES"/>
+        </a:p>
+      </dgm:t>
+    </dgm:pt>
+    <dgm:pt modelId="{E9D20F9E-D222-4795-A190-D2F00A0FAC53}">
+      <dgm:prSet phldrT="[Texto]" phldr="1"/>
+      <dgm:spPr/>
+      <dgm:t>
+        <a:bodyPr/>
+        <a:lstStyle/>
+        <a:p>
+          <a:endParaRPr lang="es-ES"/>
+        </a:p>
+      </dgm:t>
+    </dgm:pt>
+    <dgm:pt modelId="{9E33768E-1866-499F-A67D-8F303E46CCB2}" type="parTrans" cxnId="{FF12A173-FBDF-4678-B703-9C37620C8091}">
+      <dgm:prSet/>
+      <dgm:spPr/>
+      <dgm:t>
+        <a:bodyPr/>
+        <a:lstStyle/>
+        <a:p>
+          <a:endParaRPr lang="es-ES"/>
+        </a:p>
+      </dgm:t>
+    </dgm:pt>
+    <dgm:pt modelId="{3A5206F0-C1C3-464A-9CC5-76EC85326E6A}" type="sibTrans" cxnId="{FF12A173-FBDF-4678-B703-9C37620C8091}">
+      <dgm:prSet/>
+      <dgm:spPr/>
+      <dgm:t>
+        <a:bodyPr/>
+        <a:lstStyle/>
+        <a:p>
+          <a:endParaRPr lang="es-ES"/>
+        </a:p>
+      </dgm:t>
+    </dgm:pt>
+    <dgm:pt modelId="{AFE928B2-3997-480E-9113-A41595E9D428}">
+      <dgm:prSet phldrT="[Texto]" phldr="1"/>
+      <dgm:spPr/>
+      <dgm:t>
+        <a:bodyPr/>
+        <a:lstStyle/>
+        <a:p>
+          <a:endParaRPr lang="es-ES"/>
+        </a:p>
+      </dgm:t>
+    </dgm:pt>
+    <dgm:pt modelId="{D448F505-B71D-4F1B-AEDA-D33D1996285D}" type="parTrans" cxnId="{6912EFDA-089E-4C00-9E60-17CA9B3B9562}">
+      <dgm:prSet/>
+      <dgm:spPr/>
+      <dgm:t>
+        <a:bodyPr/>
+        <a:lstStyle/>
+        <a:p>
+          <a:endParaRPr lang="es-ES"/>
+        </a:p>
+      </dgm:t>
+    </dgm:pt>
+    <dgm:pt modelId="{95C32B50-66DD-4A26-BDFE-0A7A2A83E21B}" type="sibTrans" cxnId="{6912EFDA-089E-4C00-9E60-17CA9B3B9562}">
+      <dgm:prSet/>
+      <dgm:spPr/>
+      <dgm:t>
+        <a:bodyPr/>
+        <a:lstStyle/>
+        <a:p>
+          <a:endParaRPr lang="es-ES"/>
+        </a:p>
+      </dgm:t>
+    </dgm:pt>
+    <dgm:pt modelId="{4320553C-15EE-402E-B8F9-B0424A1B9132}">
+      <dgm:prSet phldrT="[Texto]" custT="1"/>
+      <dgm:spPr/>
+      <dgm:t>
+        <a:bodyPr/>
+        <a:lstStyle/>
+        <a:p>
+          <a:r>
+            <a:rPr lang="es-ES" sz="4000" dirty="0" smtClean="0"/>
+            <a:t>SVC</a:t>
+          </a:r>
+          <a:endParaRPr lang="es-ES" sz="4000" dirty="0"/>
+        </a:p>
+      </dgm:t>
+    </dgm:pt>
+    <dgm:pt modelId="{35EC1B68-3146-48FB-83DC-23790CAEE0E2}" type="parTrans" cxnId="{0AC08AB3-0674-4D07-897B-0C37B52DD38A}">
+      <dgm:prSet/>
+      <dgm:spPr/>
+      <dgm:t>
+        <a:bodyPr/>
+        <a:lstStyle/>
+        <a:p>
+          <a:endParaRPr lang="es-ES"/>
+        </a:p>
+      </dgm:t>
+    </dgm:pt>
+    <dgm:pt modelId="{FE0D4C28-B866-4282-81E0-76C1FE5FA3E1}" type="sibTrans" cxnId="{0AC08AB3-0674-4D07-897B-0C37B52DD38A}">
+      <dgm:prSet/>
+      <dgm:spPr/>
+      <dgm:t>
+        <a:bodyPr/>
+        <a:lstStyle/>
+        <a:p>
+          <a:endParaRPr lang="es-ES"/>
+        </a:p>
+      </dgm:t>
+    </dgm:pt>
+    <dgm:pt modelId="{212400FF-FCBB-43AB-A9BD-2F03A7D14468}">
+      <dgm:prSet phldrT="[Texto]" phldr="1"/>
+      <dgm:spPr/>
+      <dgm:t>
+        <a:bodyPr/>
+        <a:lstStyle/>
+        <a:p>
+          <a:endParaRPr lang="es-ES"/>
+        </a:p>
+      </dgm:t>
+    </dgm:pt>
+    <dgm:pt modelId="{9FE5EB59-1EB2-402A-88E1-40F1B16C3A9A}" type="parTrans" cxnId="{0BE55252-4B14-4805-8B71-88744A1ED6E7}">
+      <dgm:prSet/>
+      <dgm:spPr/>
+      <dgm:t>
+        <a:bodyPr/>
+        <a:lstStyle/>
+        <a:p>
+          <a:endParaRPr lang="es-ES"/>
+        </a:p>
+      </dgm:t>
+    </dgm:pt>
+    <dgm:pt modelId="{964461FD-6176-4CDE-B773-ECEA10D1D9DE}" type="sibTrans" cxnId="{0BE55252-4B14-4805-8B71-88744A1ED6E7}">
+      <dgm:prSet/>
+      <dgm:spPr/>
+      <dgm:t>
+        <a:bodyPr/>
+        <a:lstStyle/>
+        <a:p>
+          <a:endParaRPr lang="es-ES"/>
+        </a:p>
+      </dgm:t>
+    </dgm:pt>
+    <dgm:pt modelId="{8D8E10ED-27E1-443D-9CBC-F4A9136FE05F}">
+      <dgm:prSet phldrT="[Texto]" phldr="1"/>
+      <dgm:spPr/>
+      <dgm:t>
+        <a:bodyPr/>
+        <a:lstStyle/>
+        <a:p>
+          <a:endParaRPr lang="es-ES"/>
+        </a:p>
+      </dgm:t>
+    </dgm:pt>
+    <dgm:pt modelId="{66A9C6AF-3B57-4283-AA6A-2E07C876C7DE}" type="parTrans" cxnId="{28A52B7D-F329-43E8-8D4C-42C930A27F16}">
+      <dgm:prSet/>
+      <dgm:spPr/>
+      <dgm:t>
+        <a:bodyPr/>
+        <a:lstStyle/>
+        <a:p>
+          <a:endParaRPr lang="es-ES"/>
+        </a:p>
+      </dgm:t>
+    </dgm:pt>
+    <dgm:pt modelId="{926839CE-B7BE-403A-A24C-071A2A988F74}" type="sibTrans" cxnId="{28A52B7D-F329-43E8-8D4C-42C930A27F16}">
+      <dgm:prSet/>
+      <dgm:spPr/>
+      <dgm:t>
+        <a:bodyPr/>
+        <a:lstStyle/>
+        <a:p>
+          <a:endParaRPr lang="es-ES"/>
+        </a:p>
+      </dgm:t>
+    </dgm:pt>
+    <dgm:pt modelId="{69FA6990-FA1F-4446-9505-DBFA6EB663BB}">
+      <dgm:prSet phldrT="[Texto]" custT="1"/>
+      <dgm:spPr/>
+      <dgm:t>
+        <a:bodyPr/>
+        <a:lstStyle/>
+        <a:p>
+          <a:r>
+            <a:rPr lang="en-US" sz="2800" noProof="0" dirty="0" smtClean="0"/>
+            <a:t>Decision tree</a:t>
+          </a:r>
+          <a:endParaRPr lang="en-US" sz="2800" noProof="0" dirty="0"/>
+        </a:p>
+      </dgm:t>
+    </dgm:pt>
+    <dgm:pt modelId="{DF599A7C-303A-4360-BD3F-149F3E9BA725}" type="parTrans" cxnId="{B041E743-1F9D-498C-A9C2-46099B86E008}">
+      <dgm:prSet/>
+      <dgm:spPr/>
+      <dgm:t>
+        <a:bodyPr/>
+        <a:lstStyle/>
+        <a:p>
+          <a:endParaRPr lang="es-ES"/>
+        </a:p>
+      </dgm:t>
+    </dgm:pt>
+    <dgm:pt modelId="{34C738E0-D8C3-4847-9307-65D09DC73641}" type="sibTrans" cxnId="{B041E743-1F9D-498C-A9C2-46099B86E008}">
+      <dgm:prSet/>
+      <dgm:spPr/>
+      <dgm:t>
+        <a:bodyPr/>
+        <a:lstStyle/>
+        <a:p>
+          <a:endParaRPr lang="es-ES"/>
+        </a:p>
+      </dgm:t>
+    </dgm:pt>
+    <dgm:pt modelId="{48867968-15C8-4959-B078-7FE0D1FE2672}">
+      <dgm:prSet phldrT="[Texto]"/>
+      <dgm:spPr/>
+      <dgm:t>
+        <a:bodyPr/>
+        <a:lstStyle/>
+        <a:p>
+          <a:r>
+            <a:rPr lang="es-ES" dirty="0" smtClean="0"/>
+            <a:t>Max </a:t>
+          </a:r>
+          <a:r>
+            <a:rPr lang="es-ES" dirty="0" err="1" smtClean="0"/>
+            <a:t>depth</a:t>
+          </a:r>
+          <a:r>
+            <a:rPr lang="es-ES" dirty="0" smtClean="0"/>
+            <a:t>: 8</a:t>
+          </a:r>
+          <a:endParaRPr lang="es-ES" dirty="0"/>
+        </a:p>
+      </dgm:t>
+    </dgm:pt>
+    <dgm:pt modelId="{9DF532FF-115F-4603-8874-D54F258E3309}" type="parTrans" cxnId="{8BBEA552-5044-4ACC-AB48-A6A140BF3E5F}">
+      <dgm:prSet/>
+      <dgm:spPr/>
+      <dgm:t>
+        <a:bodyPr/>
+        <a:lstStyle/>
+        <a:p>
+          <a:endParaRPr lang="es-ES"/>
+        </a:p>
+      </dgm:t>
+    </dgm:pt>
+    <dgm:pt modelId="{BB5616D7-6930-4053-8CDE-94BE81AA2556}" type="sibTrans" cxnId="{8BBEA552-5044-4ACC-AB48-A6A140BF3E5F}">
+      <dgm:prSet/>
+      <dgm:spPr/>
+      <dgm:t>
+        <a:bodyPr/>
+        <a:lstStyle/>
+        <a:p>
+          <a:endParaRPr lang="es-ES"/>
+        </a:p>
+      </dgm:t>
+    </dgm:pt>
+    <dgm:pt modelId="{C7668878-9709-4ADE-847D-5C8EE4A23F1E}">
+      <dgm:prSet phldrT="[Texto]" phldr="1"/>
+      <dgm:spPr/>
+      <dgm:t>
+        <a:bodyPr/>
+        <a:lstStyle/>
+        <a:p>
+          <a:endParaRPr lang="es-ES" dirty="0"/>
+        </a:p>
+      </dgm:t>
+    </dgm:pt>
+    <dgm:pt modelId="{8ABBD1AE-E75A-49E8-B864-BCD13D99E095}" type="parTrans" cxnId="{85B82CF4-BC29-4AA6-8EBF-064913695DFF}">
+      <dgm:prSet/>
+      <dgm:spPr/>
+      <dgm:t>
+        <a:bodyPr/>
+        <a:lstStyle/>
+        <a:p>
+          <a:endParaRPr lang="es-ES"/>
+        </a:p>
+      </dgm:t>
+    </dgm:pt>
+    <dgm:pt modelId="{1B415609-757E-48FB-A0B0-FDE13A5CAE19}" type="sibTrans" cxnId="{85B82CF4-BC29-4AA6-8EBF-064913695DFF}">
+      <dgm:prSet/>
+      <dgm:spPr/>
+      <dgm:t>
+        <a:bodyPr/>
+        <a:lstStyle/>
+        <a:p>
+          <a:endParaRPr lang="es-ES"/>
+        </a:p>
+      </dgm:t>
+    </dgm:pt>
+    <dgm:pt modelId="{7D1BA4E6-C536-4034-8FCC-3EC6F75EB188}">
+      <dgm:prSet phldrT="[Texto]"/>
+      <dgm:spPr/>
+      <dgm:t>
+        <a:bodyPr/>
+        <a:lstStyle/>
+        <a:p>
+          <a:r>
+            <a:rPr lang="es-ES" dirty="0" err="1" smtClean="0"/>
+            <a:t>Dsf</a:t>
+          </a:r>
+          <a:endParaRPr lang="es-ES" dirty="0"/>
+        </a:p>
+      </dgm:t>
+    </dgm:pt>
+    <dgm:pt modelId="{855ED1A7-BB69-428A-B8BF-A56F28BE8EA3}" type="parTrans" cxnId="{5E38EF00-A2C1-4514-A10B-E304AA67123B}">
+      <dgm:prSet/>
+      <dgm:spPr/>
+      <dgm:t>
+        <a:bodyPr/>
+        <a:lstStyle/>
+        <a:p>
+          <a:endParaRPr lang="es-ES"/>
+        </a:p>
+      </dgm:t>
+    </dgm:pt>
+    <dgm:pt modelId="{70A3033F-9F1E-48EE-984C-C206849BF25D}" type="sibTrans" cxnId="{5E38EF00-A2C1-4514-A10B-E304AA67123B}">
+      <dgm:prSet/>
+      <dgm:spPr/>
+      <dgm:t>
+        <a:bodyPr/>
+        <a:lstStyle/>
+        <a:p>
+          <a:endParaRPr lang="es-ES"/>
+        </a:p>
+      </dgm:t>
+    </dgm:pt>
+    <dgm:pt modelId="{337980C1-4B87-4C08-8461-1A84F77BBE49}">
+      <dgm:prSet phldrT="[Texto]"/>
+      <dgm:spPr/>
+      <dgm:t>
+        <a:bodyPr/>
+        <a:lstStyle/>
+        <a:p>
+          <a:r>
+            <a:rPr lang="es-ES" dirty="0" err="1" smtClean="0"/>
+            <a:t>sdf</a:t>
+          </a:r>
+          <a:endParaRPr lang="es-ES" dirty="0"/>
+        </a:p>
+      </dgm:t>
+    </dgm:pt>
+    <dgm:pt modelId="{F4BFEFCF-F77E-42AC-AA69-10F088D6EFD5}" type="parTrans" cxnId="{22313957-E91C-495B-9CE8-8086319C536F}">
+      <dgm:prSet/>
+      <dgm:spPr/>
+      <dgm:t>
+        <a:bodyPr/>
+        <a:lstStyle/>
+        <a:p>
+          <a:endParaRPr lang="es-ES"/>
+        </a:p>
+      </dgm:t>
+    </dgm:pt>
+    <dgm:pt modelId="{014835D6-B4A3-4C48-B44E-042F2F2202EB}" type="sibTrans" cxnId="{22313957-E91C-495B-9CE8-8086319C536F}">
+      <dgm:prSet/>
+      <dgm:spPr/>
+      <dgm:t>
+        <a:bodyPr/>
+        <a:lstStyle/>
+        <a:p>
+          <a:endParaRPr lang="es-ES"/>
+        </a:p>
+      </dgm:t>
+    </dgm:pt>
+    <dgm:pt modelId="{E38F8BB8-A4A0-4637-8999-967ECEDD0A94}">
+      <dgm:prSet phldrT="[Texto]"/>
+      <dgm:spPr/>
+      <dgm:t>
+        <a:bodyPr/>
+        <a:lstStyle/>
+        <a:p>
+          <a:r>
+            <a:rPr lang="es-ES" dirty="0" err="1" smtClean="0"/>
+            <a:t>sdf</a:t>
+          </a:r>
+          <a:endParaRPr lang="es-ES" dirty="0"/>
+        </a:p>
+      </dgm:t>
+    </dgm:pt>
+    <dgm:pt modelId="{C8921111-054F-4EE8-A21F-6B5A27BF1F26}" type="parTrans" cxnId="{162E8B37-A646-4664-AA76-929E2A403455}">
+      <dgm:prSet/>
+      <dgm:spPr/>
+      <dgm:t>
+        <a:bodyPr/>
+        <a:lstStyle/>
+        <a:p>
+          <a:endParaRPr lang="es-ES"/>
+        </a:p>
+      </dgm:t>
+    </dgm:pt>
+    <dgm:pt modelId="{CD5CB240-0CA3-40FD-A5B0-9683A1E7094E}" type="sibTrans" cxnId="{162E8B37-A646-4664-AA76-929E2A403455}">
+      <dgm:prSet/>
+      <dgm:spPr/>
+      <dgm:t>
+        <a:bodyPr/>
+        <a:lstStyle/>
+        <a:p>
+          <a:endParaRPr lang="es-ES"/>
+        </a:p>
+      </dgm:t>
+    </dgm:pt>
+    <dgm:pt modelId="{05C7FF7F-94CC-432E-91F4-89EAB067ACB7}" type="pres">
+      <dgm:prSet presAssocID="{5ACD8C15-1CA9-4F18-961A-D49625AEE1D8}" presName="Name0" presStyleCnt="0">
+        <dgm:presLayoutVars>
+          <dgm:dir/>
+          <dgm:animLvl val="lvl"/>
+          <dgm:resizeHandles val="exact"/>
+        </dgm:presLayoutVars>
+      </dgm:prSet>
+      <dgm:spPr/>
+    </dgm:pt>
+    <dgm:pt modelId="{060E20E2-4756-4010-AC65-1D4B7949CDCD}" type="pres">
+      <dgm:prSet presAssocID="{F70F1479-46E7-46A2-8EA8-B32715B35199}" presName="composite" presStyleCnt="0"/>
+      <dgm:spPr/>
+    </dgm:pt>
+    <dgm:pt modelId="{187EB1E8-CEE4-4E44-A25B-3825E467DCC5}" type="pres">
+      <dgm:prSet presAssocID="{F70F1479-46E7-46A2-8EA8-B32715B35199}" presName="parTx" presStyleLbl="alignNode1" presStyleIdx="0" presStyleCnt="5">
+        <dgm:presLayoutVars>
+          <dgm:chMax val="0"/>
+          <dgm:chPref val="0"/>
+          <dgm:bulletEnabled val="1"/>
+        </dgm:presLayoutVars>
+      </dgm:prSet>
+      <dgm:spPr/>
+      <dgm:t>
+        <a:bodyPr/>
+        <a:lstStyle/>
+        <a:p>
+          <a:endParaRPr lang="es-ES"/>
+        </a:p>
+      </dgm:t>
+    </dgm:pt>
+    <dgm:pt modelId="{EC8EB771-D13F-4A5B-A1B9-E028F676D24E}" type="pres">
+      <dgm:prSet presAssocID="{F70F1479-46E7-46A2-8EA8-B32715B35199}" presName="desTx" presStyleLbl="alignAccFollowNode1" presStyleIdx="0" presStyleCnt="5">
+        <dgm:presLayoutVars>
+          <dgm:bulletEnabled val="1"/>
+        </dgm:presLayoutVars>
+      </dgm:prSet>
+      <dgm:spPr/>
+    </dgm:pt>
+    <dgm:pt modelId="{54A2E489-AA09-4C39-A11D-0CB44EAA23F2}" type="pres">
+      <dgm:prSet presAssocID="{C74D4E5F-E137-4E74-8921-FF9ECE7F6DAE}" presName="space" presStyleCnt="0"/>
+      <dgm:spPr/>
+    </dgm:pt>
+    <dgm:pt modelId="{E9EE6DDA-3AA1-4447-8093-8A4DEDEDD355}" type="pres">
+      <dgm:prSet presAssocID="{4320553C-15EE-402E-B8F9-B0424A1B9132}" presName="composite" presStyleCnt="0"/>
+      <dgm:spPr/>
+    </dgm:pt>
+    <dgm:pt modelId="{48A24487-CCA9-42AE-8B37-11F3F18C73F4}" type="pres">
+      <dgm:prSet presAssocID="{4320553C-15EE-402E-B8F9-B0424A1B9132}" presName="parTx" presStyleLbl="alignNode1" presStyleIdx="1" presStyleCnt="5">
+        <dgm:presLayoutVars>
+          <dgm:chMax val="0"/>
+          <dgm:chPref val="0"/>
+          <dgm:bulletEnabled val="1"/>
+        </dgm:presLayoutVars>
+      </dgm:prSet>
+      <dgm:spPr/>
+      <dgm:t>
+        <a:bodyPr/>
+        <a:lstStyle/>
+        <a:p>
+          <a:endParaRPr lang="es-ES"/>
+        </a:p>
+      </dgm:t>
+    </dgm:pt>
+    <dgm:pt modelId="{FD244389-E5CA-48E5-82F4-8EA6078B6EE1}" type="pres">
+      <dgm:prSet presAssocID="{4320553C-15EE-402E-B8F9-B0424A1B9132}" presName="desTx" presStyleLbl="alignAccFollowNode1" presStyleIdx="1" presStyleCnt="5">
+        <dgm:presLayoutVars>
+          <dgm:bulletEnabled val="1"/>
+        </dgm:presLayoutVars>
+      </dgm:prSet>
+      <dgm:spPr/>
+    </dgm:pt>
+    <dgm:pt modelId="{0681C2CA-EC93-4AD4-8966-BB3912C519ED}" type="pres">
+      <dgm:prSet presAssocID="{FE0D4C28-B866-4282-81E0-76C1FE5FA3E1}" presName="space" presStyleCnt="0"/>
+      <dgm:spPr/>
+    </dgm:pt>
+    <dgm:pt modelId="{816E7C47-53DD-42EE-8D60-B538AD5F9CD5}" type="pres">
+      <dgm:prSet presAssocID="{69FA6990-FA1F-4446-9505-DBFA6EB663BB}" presName="composite" presStyleCnt="0"/>
+      <dgm:spPr/>
+    </dgm:pt>
+    <dgm:pt modelId="{37500AF0-62B4-402A-B52A-4AA409CE67EB}" type="pres">
+      <dgm:prSet presAssocID="{69FA6990-FA1F-4446-9505-DBFA6EB663BB}" presName="parTx" presStyleLbl="alignNode1" presStyleIdx="2" presStyleCnt="5">
+        <dgm:presLayoutVars>
+          <dgm:chMax val="0"/>
+          <dgm:chPref val="0"/>
+          <dgm:bulletEnabled val="1"/>
+        </dgm:presLayoutVars>
+      </dgm:prSet>
+      <dgm:spPr/>
+      <dgm:t>
+        <a:bodyPr/>
+        <a:lstStyle/>
+        <a:p>
+          <a:endParaRPr lang="es-ES"/>
+        </a:p>
+      </dgm:t>
+    </dgm:pt>
+    <dgm:pt modelId="{9E722BEE-2767-47DE-A4AC-5AA7A9828E58}" type="pres">
+      <dgm:prSet presAssocID="{69FA6990-FA1F-4446-9505-DBFA6EB663BB}" presName="desTx" presStyleLbl="alignAccFollowNode1" presStyleIdx="2" presStyleCnt="5">
+        <dgm:presLayoutVars>
+          <dgm:bulletEnabled val="1"/>
+        </dgm:presLayoutVars>
+      </dgm:prSet>
+      <dgm:spPr/>
+      <dgm:t>
+        <a:bodyPr/>
+        <a:lstStyle/>
+        <a:p>
+          <a:endParaRPr lang="es-ES"/>
+        </a:p>
+      </dgm:t>
+    </dgm:pt>
+    <dgm:pt modelId="{A227C5DA-65BC-4074-93AE-B12EECD0C527}" type="pres">
+      <dgm:prSet presAssocID="{34C738E0-D8C3-4847-9307-65D09DC73641}" presName="space" presStyleCnt="0"/>
+      <dgm:spPr/>
+    </dgm:pt>
+    <dgm:pt modelId="{99097884-CFF3-4B2B-821C-7839AA577412}" type="pres">
+      <dgm:prSet presAssocID="{7D1BA4E6-C536-4034-8FCC-3EC6F75EB188}" presName="composite" presStyleCnt="0"/>
+      <dgm:spPr/>
+    </dgm:pt>
+    <dgm:pt modelId="{3862C4B5-AACD-4347-8085-3F72601877B4}" type="pres">
+      <dgm:prSet presAssocID="{7D1BA4E6-C536-4034-8FCC-3EC6F75EB188}" presName="parTx" presStyleLbl="alignNode1" presStyleIdx="3" presStyleCnt="5">
+        <dgm:presLayoutVars>
+          <dgm:chMax val="0"/>
+          <dgm:chPref val="0"/>
+          <dgm:bulletEnabled val="1"/>
+        </dgm:presLayoutVars>
+      </dgm:prSet>
+      <dgm:spPr/>
+    </dgm:pt>
+    <dgm:pt modelId="{35A85B34-BE00-423B-BDEF-87219E928C35}" type="pres">
+      <dgm:prSet presAssocID="{7D1BA4E6-C536-4034-8FCC-3EC6F75EB188}" presName="desTx" presStyleLbl="alignAccFollowNode1" presStyleIdx="3" presStyleCnt="5">
+        <dgm:presLayoutVars>
+          <dgm:bulletEnabled val="1"/>
+        </dgm:presLayoutVars>
+      </dgm:prSet>
+      <dgm:spPr/>
+    </dgm:pt>
+    <dgm:pt modelId="{A176F6BC-B5DA-498A-B121-2C9B6E663821}" type="pres">
+      <dgm:prSet presAssocID="{70A3033F-9F1E-48EE-984C-C206849BF25D}" presName="space" presStyleCnt="0"/>
+      <dgm:spPr/>
+    </dgm:pt>
+    <dgm:pt modelId="{D85AD417-029C-4E57-8740-7B2CD7157474}" type="pres">
+      <dgm:prSet presAssocID="{337980C1-4B87-4C08-8461-1A84F77BBE49}" presName="composite" presStyleCnt="0"/>
+      <dgm:spPr/>
+    </dgm:pt>
+    <dgm:pt modelId="{839BA42A-3B80-4489-BE6A-A9D5C1FBAE01}" type="pres">
+      <dgm:prSet presAssocID="{337980C1-4B87-4C08-8461-1A84F77BBE49}" presName="parTx" presStyleLbl="alignNode1" presStyleIdx="4" presStyleCnt="5">
+        <dgm:presLayoutVars>
+          <dgm:chMax val="0"/>
+          <dgm:chPref val="0"/>
+          <dgm:bulletEnabled val="1"/>
+        </dgm:presLayoutVars>
+      </dgm:prSet>
+      <dgm:spPr/>
+    </dgm:pt>
+    <dgm:pt modelId="{809477FF-A692-466C-8800-3CCD3C20CD13}" type="pres">
+      <dgm:prSet presAssocID="{337980C1-4B87-4C08-8461-1A84F77BBE49}" presName="desTx" presStyleLbl="alignAccFollowNode1" presStyleIdx="4" presStyleCnt="5">
+        <dgm:presLayoutVars>
+          <dgm:bulletEnabled val="1"/>
+        </dgm:presLayoutVars>
+      </dgm:prSet>
+      <dgm:spPr/>
+    </dgm:pt>
+  </dgm:ptLst>
+  <dgm:cxnLst>
+    <dgm:cxn modelId="{CCA9D81C-6E1C-4A61-A477-3FAC5B86B077}" type="presOf" srcId="{C7668878-9709-4ADE-847D-5C8EE4A23F1E}" destId="{9E722BEE-2767-47DE-A4AC-5AA7A9828E58}" srcOrd="0" destOrd="1" presId="urn:microsoft.com/office/officeart/2005/8/layout/hList1"/>
+    <dgm:cxn modelId="{3E984860-8637-4C2B-8292-D22846304217}" type="presOf" srcId="{8D8E10ED-27E1-443D-9CBC-F4A9136FE05F}" destId="{FD244389-E5CA-48E5-82F4-8EA6078B6EE1}" srcOrd="0" destOrd="1" presId="urn:microsoft.com/office/officeart/2005/8/layout/hList1"/>
+    <dgm:cxn modelId="{65762EBF-3062-4400-92E1-07371D78B76D}" type="presOf" srcId="{E38F8BB8-A4A0-4637-8999-967ECEDD0A94}" destId="{35A85B34-BE00-423B-BDEF-87219E928C35}" srcOrd="0" destOrd="0" presId="urn:microsoft.com/office/officeart/2005/8/layout/hList1"/>
+    <dgm:cxn modelId="{C226D3E9-A20E-4580-B934-B10BDA097E1D}" type="presOf" srcId="{69FA6990-FA1F-4446-9505-DBFA6EB663BB}" destId="{37500AF0-62B4-402A-B52A-4AA409CE67EB}" srcOrd="0" destOrd="0" presId="urn:microsoft.com/office/officeart/2005/8/layout/hList1"/>
+    <dgm:cxn modelId="{C6E23728-D285-4A3F-B614-533591E3EABF}" type="presOf" srcId="{E9D20F9E-D222-4795-A190-D2F00A0FAC53}" destId="{EC8EB771-D13F-4A5B-A1B9-E028F676D24E}" srcOrd="0" destOrd="0" presId="urn:microsoft.com/office/officeart/2005/8/layout/hList1"/>
+    <dgm:cxn modelId="{B3301939-75FE-48F5-B289-D9B5BFF231EC}" type="presOf" srcId="{337980C1-4B87-4C08-8461-1A84F77BBE49}" destId="{839BA42A-3B80-4489-BE6A-A9D5C1FBAE01}" srcOrd="0" destOrd="0" presId="urn:microsoft.com/office/officeart/2005/8/layout/hList1"/>
+    <dgm:cxn modelId="{FF12A173-FBDF-4678-B703-9C37620C8091}" srcId="{F70F1479-46E7-46A2-8EA8-B32715B35199}" destId="{E9D20F9E-D222-4795-A190-D2F00A0FAC53}" srcOrd="0" destOrd="0" parTransId="{9E33768E-1866-499F-A67D-8F303E46CCB2}" sibTransId="{3A5206F0-C1C3-464A-9CC5-76EC85326E6A}"/>
+    <dgm:cxn modelId="{700C45AC-4B48-4A99-BD5D-4B77F2D541A1}" type="presOf" srcId="{7D1BA4E6-C536-4034-8FCC-3EC6F75EB188}" destId="{3862C4B5-AACD-4347-8085-3F72601877B4}" srcOrd="0" destOrd="0" presId="urn:microsoft.com/office/officeart/2005/8/layout/hList1"/>
+    <dgm:cxn modelId="{6912EFDA-089E-4C00-9E60-17CA9B3B9562}" srcId="{F70F1479-46E7-46A2-8EA8-B32715B35199}" destId="{AFE928B2-3997-480E-9113-A41595E9D428}" srcOrd="1" destOrd="0" parTransId="{D448F505-B71D-4F1B-AEDA-D33D1996285D}" sibTransId="{95C32B50-66DD-4A26-BDFE-0A7A2A83E21B}"/>
+    <dgm:cxn modelId="{B041E743-1F9D-498C-A9C2-46099B86E008}" srcId="{5ACD8C15-1CA9-4F18-961A-D49625AEE1D8}" destId="{69FA6990-FA1F-4446-9505-DBFA6EB663BB}" srcOrd="2" destOrd="0" parTransId="{DF599A7C-303A-4360-BD3F-149F3E9BA725}" sibTransId="{34C738E0-D8C3-4847-9307-65D09DC73641}"/>
+    <dgm:cxn modelId="{0AC08AB3-0674-4D07-897B-0C37B52DD38A}" srcId="{5ACD8C15-1CA9-4F18-961A-D49625AEE1D8}" destId="{4320553C-15EE-402E-B8F9-B0424A1B9132}" srcOrd="1" destOrd="0" parTransId="{35EC1B68-3146-48FB-83DC-23790CAEE0E2}" sibTransId="{FE0D4C28-B866-4282-81E0-76C1FE5FA3E1}"/>
+    <dgm:cxn modelId="{28A52B7D-F329-43E8-8D4C-42C930A27F16}" srcId="{4320553C-15EE-402E-B8F9-B0424A1B9132}" destId="{8D8E10ED-27E1-443D-9CBC-F4A9136FE05F}" srcOrd="1" destOrd="0" parTransId="{66A9C6AF-3B57-4283-AA6A-2E07C876C7DE}" sibTransId="{926839CE-B7BE-403A-A24C-071A2A988F74}"/>
+    <dgm:cxn modelId="{0BE55252-4B14-4805-8B71-88744A1ED6E7}" srcId="{4320553C-15EE-402E-B8F9-B0424A1B9132}" destId="{212400FF-FCBB-43AB-A9BD-2F03A7D14468}" srcOrd="0" destOrd="0" parTransId="{9FE5EB59-1EB2-402A-88E1-40F1B16C3A9A}" sibTransId="{964461FD-6176-4CDE-B773-ECEA10D1D9DE}"/>
+    <dgm:cxn modelId="{A0C126BA-1808-47B1-9625-3930A7474121}" type="presOf" srcId="{212400FF-FCBB-43AB-A9BD-2F03A7D14468}" destId="{FD244389-E5CA-48E5-82F4-8EA6078B6EE1}" srcOrd="0" destOrd="0" presId="urn:microsoft.com/office/officeart/2005/8/layout/hList1"/>
+    <dgm:cxn modelId="{85B82CF4-BC29-4AA6-8EBF-064913695DFF}" srcId="{69FA6990-FA1F-4446-9505-DBFA6EB663BB}" destId="{C7668878-9709-4ADE-847D-5C8EE4A23F1E}" srcOrd="1" destOrd="0" parTransId="{8ABBD1AE-E75A-49E8-B864-BCD13D99E095}" sibTransId="{1B415609-757E-48FB-A0B0-FDE13A5CAE19}"/>
+    <dgm:cxn modelId="{4622926B-CAAB-4698-A3E6-88667501AB41}" srcId="{5ACD8C15-1CA9-4F18-961A-D49625AEE1D8}" destId="{F70F1479-46E7-46A2-8EA8-B32715B35199}" srcOrd="0" destOrd="0" parTransId="{27EADE89-2393-4625-A943-997F86CCCA34}" sibTransId="{C74D4E5F-E137-4E74-8921-FF9ECE7F6DAE}"/>
+    <dgm:cxn modelId="{22313957-E91C-495B-9CE8-8086319C536F}" srcId="{5ACD8C15-1CA9-4F18-961A-D49625AEE1D8}" destId="{337980C1-4B87-4C08-8461-1A84F77BBE49}" srcOrd="4" destOrd="0" parTransId="{F4BFEFCF-F77E-42AC-AA69-10F088D6EFD5}" sibTransId="{014835D6-B4A3-4C48-B44E-042F2F2202EB}"/>
+    <dgm:cxn modelId="{8BBEA552-5044-4ACC-AB48-A6A140BF3E5F}" srcId="{69FA6990-FA1F-4446-9505-DBFA6EB663BB}" destId="{48867968-15C8-4959-B078-7FE0D1FE2672}" srcOrd="0" destOrd="0" parTransId="{9DF532FF-115F-4603-8874-D54F258E3309}" sibTransId="{BB5616D7-6930-4053-8CDE-94BE81AA2556}"/>
+    <dgm:cxn modelId="{208EEA3B-F896-453F-9AEC-643B83634D9D}" type="presOf" srcId="{F70F1479-46E7-46A2-8EA8-B32715B35199}" destId="{187EB1E8-CEE4-4E44-A25B-3825E467DCC5}" srcOrd="0" destOrd="0" presId="urn:microsoft.com/office/officeart/2005/8/layout/hList1"/>
+    <dgm:cxn modelId="{08488B47-014F-4F8B-AAA8-9F19AB24BE7C}" type="presOf" srcId="{5ACD8C15-1CA9-4F18-961A-D49625AEE1D8}" destId="{05C7FF7F-94CC-432E-91F4-89EAB067ACB7}" srcOrd="0" destOrd="0" presId="urn:microsoft.com/office/officeart/2005/8/layout/hList1"/>
+    <dgm:cxn modelId="{162E8B37-A646-4664-AA76-929E2A403455}" srcId="{7D1BA4E6-C536-4034-8FCC-3EC6F75EB188}" destId="{E38F8BB8-A4A0-4637-8999-967ECEDD0A94}" srcOrd="0" destOrd="0" parTransId="{C8921111-054F-4EE8-A21F-6B5A27BF1F26}" sibTransId="{CD5CB240-0CA3-40FD-A5B0-9683A1E7094E}"/>
+    <dgm:cxn modelId="{5E38EF00-A2C1-4514-A10B-E304AA67123B}" srcId="{5ACD8C15-1CA9-4F18-961A-D49625AEE1D8}" destId="{7D1BA4E6-C536-4034-8FCC-3EC6F75EB188}" srcOrd="3" destOrd="0" parTransId="{855ED1A7-BB69-428A-B8BF-A56F28BE8EA3}" sibTransId="{70A3033F-9F1E-48EE-984C-C206849BF25D}"/>
+    <dgm:cxn modelId="{38D22B9F-989A-414F-94A6-43FFED07F515}" type="presOf" srcId="{48867968-15C8-4959-B078-7FE0D1FE2672}" destId="{9E722BEE-2767-47DE-A4AC-5AA7A9828E58}" srcOrd="0" destOrd="0" presId="urn:microsoft.com/office/officeart/2005/8/layout/hList1"/>
+    <dgm:cxn modelId="{09010451-01A2-4088-A57A-A63F70EB35E6}" type="presOf" srcId="{4320553C-15EE-402E-B8F9-B0424A1B9132}" destId="{48A24487-CCA9-42AE-8B37-11F3F18C73F4}" srcOrd="0" destOrd="0" presId="urn:microsoft.com/office/officeart/2005/8/layout/hList1"/>
+    <dgm:cxn modelId="{E62D5E5A-26DB-4A13-89CD-61E250DB2F5A}" type="presOf" srcId="{AFE928B2-3997-480E-9113-A41595E9D428}" destId="{EC8EB771-D13F-4A5B-A1B9-E028F676D24E}" srcOrd="0" destOrd="1" presId="urn:microsoft.com/office/officeart/2005/8/layout/hList1"/>
+    <dgm:cxn modelId="{F5CC77F6-085C-4C19-A5ED-886DB1A0BD83}" type="presParOf" srcId="{05C7FF7F-94CC-432E-91F4-89EAB067ACB7}" destId="{060E20E2-4756-4010-AC65-1D4B7949CDCD}" srcOrd="0" destOrd="0" presId="urn:microsoft.com/office/officeart/2005/8/layout/hList1"/>
+    <dgm:cxn modelId="{F6685798-3545-45FB-9F6F-1D16AC9E1CAC}" type="presParOf" srcId="{060E20E2-4756-4010-AC65-1D4B7949CDCD}" destId="{187EB1E8-CEE4-4E44-A25B-3825E467DCC5}" srcOrd="0" destOrd="0" presId="urn:microsoft.com/office/officeart/2005/8/layout/hList1"/>
+    <dgm:cxn modelId="{748B108D-61FC-4526-8A37-CF134D28AAC2}" type="presParOf" srcId="{060E20E2-4756-4010-AC65-1D4B7949CDCD}" destId="{EC8EB771-D13F-4A5B-A1B9-E028F676D24E}" srcOrd="1" destOrd="0" presId="urn:microsoft.com/office/officeart/2005/8/layout/hList1"/>
+    <dgm:cxn modelId="{A91AF285-5601-458D-9094-157C0572771A}" type="presParOf" srcId="{05C7FF7F-94CC-432E-91F4-89EAB067ACB7}" destId="{54A2E489-AA09-4C39-A11D-0CB44EAA23F2}" srcOrd="1" destOrd="0" presId="urn:microsoft.com/office/officeart/2005/8/layout/hList1"/>
+    <dgm:cxn modelId="{6273D911-88BF-492A-86BB-05CBF42AFEC4}" type="presParOf" srcId="{05C7FF7F-94CC-432E-91F4-89EAB067ACB7}" destId="{E9EE6DDA-3AA1-4447-8093-8A4DEDEDD355}" srcOrd="2" destOrd="0" presId="urn:microsoft.com/office/officeart/2005/8/layout/hList1"/>
+    <dgm:cxn modelId="{A22BA883-881D-43AF-ABD2-7704F39354EA}" type="presParOf" srcId="{E9EE6DDA-3AA1-4447-8093-8A4DEDEDD355}" destId="{48A24487-CCA9-42AE-8B37-11F3F18C73F4}" srcOrd="0" destOrd="0" presId="urn:microsoft.com/office/officeart/2005/8/layout/hList1"/>
+    <dgm:cxn modelId="{67FB1E11-9985-4F7A-95E9-B8B0A0018ED4}" type="presParOf" srcId="{E9EE6DDA-3AA1-4447-8093-8A4DEDEDD355}" destId="{FD244389-E5CA-48E5-82F4-8EA6078B6EE1}" srcOrd="1" destOrd="0" presId="urn:microsoft.com/office/officeart/2005/8/layout/hList1"/>
+    <dgm:cxn modelId="{F74CAB62-B2D2-4B88-BF76-674A1845D464}" type="presParOf" srcId="{05C7FF7F-94CC-432E-91F4-89EAB067ACB7}" destId="{0681C2CA-EC93-4AD4-8966-BB3912C519ED}" srcOrd="3" destOrd="0" presId="urn:microsoft.com/office/officeart/2005/8/layout/hList1"/>
+    <dgm:cxn modelId="{03399E45-8407-4B9B-917F-F15AC4B65ECB}" type="presParOf" srcId="{05C7FF7F-94CC-432E-91F4-89EAB067ACB7}" destId="{816E7C47-53DD-42EE-8D60-B538AD5F9CD5}" srcOrd="4" destOrd="0" presId="urn:microsoft.com/office/officeart/2005/8/layout/hList1"/>
+    <dgm:cxn modelId="{D41219B7-5A58-439F-AC84-7FDFD5BE3C7A}" type="presParOf" srcId="{816E7C47-53DD-42EE-8D60-B538AD5F9CD5}" destId="{37500AF0-62B4-402A-B52A-4AA409CE67EB}" srcOrd="0" destOrd="0" presId="urn:microsoft.com/office/officeart/2005/8/layout/hList1"/>
+    <dgm:cxn modelId="{C273ECA3-4415-4681-8CB6-2230072E7AA6}" type="presParOf" srcId="{816E7C47-53DD-42EE-8D60-B538AD5F9CD5}" destId="{9E722BEE-2767-47DE-A4AC-5AA7A9828E58}" srcOrd="1" destOrd="0" presId="urn:microsoft.com/office/officeart/2005/8/layout/hList1"/>
+    <dgm:cxn modelId="{6FF348C6-FBCC-477F-9C54-D46542B077A2}" type="presParOf" srcId="{05C7FF7F-94CC-432E-91F4-89EAB067ACB7}" destId="{A227C5DA-65BC-4074-93AE-B12EECD0C527}" srcOrd="5" destOrd="0" presId="urn:microsoft.com/office/officeart/2005/8/layout/hList1"/>
+    <dgm:cxn modelId="{345792AC-2BED-47DA-9294-CEE04BBA85BC}" type="presParOf" srcId="{05C7FF7F-94CC-432E-91F4-89EAB067ACB7}" destId="{99097884-CFF3-4B2B-821C-7839AA577412}" srcOrd="6" destOrd="0" presId="urn:microsoft.com/office/officeart/2005/8/layout/hList1"/>
+    <dgm:cxn modelId="{17E813FA-F719-4BEB-B806-66BB173F569E}" type="presParOf" srcId="{99097884-CFF3-4B2B-821C-7839AA577412}" destId="{3862C4B5-AACD-4347-8085-3F72601877B4}" srcOrd="0" destOrd="0" presId="urn:microsoft.com/office/officeart/2005/8/layout/hList1"/>
+    <dgm:cxn modelId="{643A7B39-531E-41A2-842F-6CA873CEA330}" type="presParOf" srcId="{99097884-CFF3-4B2B-821C-7839AA577412}" destId="{35A85B34-BE00-423B-BDEF-87219E928C35}" srcOrd="1" destOrd="0" presId="urn:microsoft.com/office/officeart/2005/8/layout/hList1"/>
+    <dgm:cxn modelId="{C7723E4E-8A46-4966-8967-3D5C7BA7A5C1}" type="presParOf" srcId="{05C7FF7F-94CC-432E-91F4-89EAB067ACB7}" destId="{A176F6BC-B5DA-498A-B121-2C9B6E663821}" srcOrd="7" destOrd="0" presId="urn:microsoft.com/office/officeart/2005/8/layout/hList1"/>
+    <dgm:cxn modelId="{CBE4E943-B0FB-4B53-85EC-6E9EE5D826B2}" type="presParOf" srcId="{05C7FF7F-94CC-432E-91F4-89EAB067ACB7}" destId="{D85AD417-029C-4E57-8740-7B2CD7157474}" srcOrd="8" destOrd="0" presId="urn:microsoft.com/office/officeart/2005/8/layout/hList1"/>
+    <dgm:cxn modelId="{E83FB12A-2CFB-42C9-BB68-BDC040695AD1}" type="presParOf" srcId="{D85AD417-029C-4E57-8740-7B2CD7157474}" destId="{839BA42A-3B80-4489-BE6A-A9D5C1FBAE01}" srcOrd="0" destOrd="0" presId="urn:microsoft.com/office/officeart/2005/8/layout/hList1"/>
+    <dgm:cxn modelId="{BE71C2C0-7DD0-41BC-BF8D-4D64086FEACD}" type="presParOf" srcId="{D85AD417-029C-4E57-8740-7B2CD7157474}" destId="{809477FF-A692-466C-8800-3CCD3C20CD13}" srcOrd="1" destOrd="0" presId="urn:microsoft.com/office/officeart/2005/8/layout/hList1"/>
+  </dgm:cxnLst>
+  <dgm:bg/>
+  <dgm:whole/>
+  <dgm:extLst>
+    <a:ext uri="http://schemas.microsoft.com/office/drawing/2008/diagram">
+      <dsp:dataModelExt xmlns:dsp="http://schemas.microsoft.com/office/drawing/2008/diagram" relId="rId8" minVer="http://schemas.openxmlformats.org/drawingml/2006/diagram"/>
+    </a:ext>
+  </dgm:extLst>
+</dgm:dataModel>
+</file>
+
 <file path=ppt/diagrams/drawing1.xml><?xml version="1.0" encoding="utf-8"?>
 <dsp:drawing xmlns:dgm="http://schemas.openxmlformats.org/drawingml/2006/diagram" xmlns:dsp="http://schemas.microsoft.com/office/drawing/2008/diagram" xmlns:a="http://schemas.openxmlformats.org/drawingml/2006/main">
   <dsp:spTree>
@@ -1895,7 +3309,7 @@
                 <a14:useLocalDpi xmlns:a14="http://schemas.microsoft.com/office/drawing/2010/main" val="0"/>
               </a:ext>
               <a:ext uri="{96DAC541-7B7A-43D3-8B79-37D633B846F1}">
-                <asvg:svgBlip xmlns:asvg="http://schemas.microsoft.com/office/drawing/2016/SVG/main" xmlns="" r:embed="rId2"/>
+                <asvg:svgBlip xmlns="" xmlns:asvg="http://schemas.microsoft.com/office/drawing/2016/SVG/main" r:embed="rId2"/>
               </a:ext>
             </a:extLst>
           </a:blip>
@@ -2043,7 +3457,7 @@
                 <a14:useLocalDpi xmlns:a14="http://schemas.microsoft.com/office/drawing/2010/main" val="0"/>
               </a:ext>
               <a:ext uri="{96DAC541-7B7A-43D3-8B79-37D633B846F1}">
-                <asvg:svgBlip xmlns:asvg="http://schemas.microsoft.com/office/drawing/2016/SVG/main" xmlns="" r:embed="rId4"/>
+                <asvg:svgBlip xmlns="" xmlns:asvg="http://schemas.microsoft.com/office/drawing/2016/SVG/main" r:embed="rId4"/>
               </a:ext>
             </a:extLst>
           </a:blip>
@@ -2192,7 +3606,7 @@
                 <a14:useLocalDpi xmlns:a14="http://schemas.microsoft.com/office/drawing/2010/main" val="0"/>
               </a:ext>
               <a:ext uri="{96DAC541-7B7A-43D3-8B79-37D633B846F1}">
-                <asvg:svgBlip xmlns:asvg="http://schemas.microsoft.com/office/drawing/2016/SVG/main" xmlns="" r:embed="rId6"/>
+                <asvg:svgBlip xmlns="" xmlns:asvg="http://schemas.microsoft.com/office/drawing/2016/SVG/main" r:embed="rId6"/>
               </a:ext>
             </a:extLst>
           </a:blip>
@@ -2341,7 +3755,7 @@
                 <a14:useLocalDpi xmlns:a14="http://schemas.microsoft.com/office/drawing/2010/main" val="0"/>
               </a:ext>
               <a:ext uri="{96DAC541-7B7A-43D3-8B79-37D633B846F1}">
-                <asvg:svgBlip xmlns:asvg="http://schemas.microsoft.com/office/drawing/2016/SVG/main" xmlns="" r:embed="rId8"/>
+                <asvg:svgBlip xmlns="" xmlns:asvg="http://schemas.microsoft.com/office/drawing/2016/SVG/main" r:embed="rId8"/>
               </a:ext>
             </a:extLst>
           </a:blip>
@@ -2490,7 +3904,7 @@
                 <a14:useLocalDpi xmlns:a14="http://schemas.microsoft.com/office/drawing/2010/main" val="0"/>
               </a:ext>
               <a:ext uri="{96DAC541-7B7A-43D3-8B79-37D633B846F1}">
-                <asvg:svgBlip xmlns:asvg="http://schemas.microsoft.com/office/drawing/2016/SVG/main" xmlns="" r:embed="rId10"/>
+                <asvg:svgBlip xmlns="" xmlns:asvg="http://schemas.microsoft.com/office/drawing/2016/SVG/main" r:embed="rId10"/>
               </a:ext>
             </a:extLst>
           </a:blip>
@@ -2639,7 +4053,7 @@
                 <a14:useLocalDpi xmlns:a14="http://schemas.microsoft.com/office/drawing/2010/main" val="0"/>
               </a:ext>
               <a:ext uri="{96DAC541-7B7A-43D3-8B79-37D633B846F1}">
-                <asvg:svgBlip xmlns:asvg="http://schemas.microsoft.com/office/drawing/2016/SVG/main" xmlns="" r:embed="rId12"/>
+                <asvg:svgBlip xmlns="" xmlns:asvg="http://schemas.microsoft.com/office/drawing/2016/SVG/main" r:embed="rId12"/>
               </a:ext>
             </a:extLst>
           </a:blip>
@@ -2788,7 +4202,7 @@
                 <a14:useLocalDpi xmlns:a14="http://schemas.microsoft.com/office/drawing/2010/main" val="0"/>
               </a:ext>
               <a:ext uri="{96DAC541-7B7A-43D3-8B79-37D633B846F1}">
-                <asvg:svgBlip xmlns:asvg="http://schemas.microsoft.com/office/drawing/2016/SVG/main" xmlns="" r:embed="rId14"/>
+                <asvg:svgBlip xmlns="" xmlns:asvg="http://schemas.microsoft.com/office/drawing/2016/SVG/main" r:embed="rId14"/>
               </a:ext>
             </a:extLst>
           </a:blip>
@@ -2876,6 +4290,819 @@
         <a:off x="3096147" y="2851050"/>
         <a:ext cx="1389403" cy="589443"/>
       </dsp:txXfrm>
+    </dsp:sp>
+  </dsp:spTree>
+</dsp:drawing>
+</file>
+
+<file path=ppt/diagrams/drawing2.xml><?xml version="1.0" encoding="utf-8"?>
+<dsp:drawing xmlns:dgm="http://schemas.openxmlformats.org/drawingml/2006/diagram" xmlns:dsp="http://schemas.microsoft.com/office/drawing/2008/diagram" xmlns:a="http://schemas.openxmlformats.org/drawingml/2006/main">
+  <dsp:spTree>
+    <dsp:nvGrpSpPr>
+      <dsp:cNvPr id="0" name=""/>
+      <dsp:cNvGrpSpPr/>
+    </dsp:nvGrpSpPr>
+    <dsp:grpSpPr/>
+    <dsp:sp modelId="{187EB1E8-CEE4-4E44-A25B-3825E467DCC5}">
+      <dsp:nvSpPr>
+        <dsp:cNvPr id="0" name=""/>
+        <dsp:cNvSpPr/>
+      </dsp:nvSpPr>
+      <dsp:spPr>
+        <a:xfrm>
+          <a:off x="4458" y="670070"/>
+          <a:ext cx="1709022" cy="683609"/>
+        </a:xfrm>
+        <a:prstGeom prst="rect">
+          <a:avLst/>
+        </a:prstGeom>
+        <a:solidFill>
+          <a:schemeClr val="accent1">
+            <a:hueOff val="0"/>
+            <a:satOff val="0"/>
+            <a:lumOff val="0"/>
+            <a:alphaOff val="0"/>
+          </a:schemeClr>
+        </a:solidFill>
+        <a:ln w="15875" cap="rnd" cmpd="sng" algn="ctr">
+          <a:solidFill>
+            <a:schemeClr val="accent1">
+              <a:hueOff val="0"/>
+              <a:satOff val="0"/>
+              <a:lumOff val="0"/>
+              <a:alphaOff val="0"/>
+            </a:schemeClr>
+          </a:solidFill>
+          <a:prstDash val="solid"/>
+        </a:ln>
+        <a:effectLst/>
+      </dsp:spPr>
+      <dsp:style>
+        <a:lnRef idx="2">
+          <a:scrgbClr r="0" g="0" b="0"/>
+        </a:lnRef>
+        <a:fillRef idx="1">
+          <a:scrgbClr r="0" g="0" b="0"/>
+        </a:fillRef>
+        <a:effectRef idx="0">
+          <a:scrgbClr r="0" g="0" b="0"/>
+        </a:effectRef>
+        <a:fontRef idx="minor">
+          <a:schemeClr val="lt1"/>
+        </a:fontRef>
+      </dsp:style>
+      <dsp:txBody>
+        <a:bodyPr spcFirstLastPara="0" vert="horz" wrap="square" lIns="284480" tIns="162560" rIns="284480" bIns="162560" numCol="1" spcCol="1270" anchor="ctr" anchorCtr="0">
+          <a:noAutofit/>
+        </a:bodyPr>
+        <a:lstStyle/>
+        <a:p>
+          <a:pPr lvl="0" algn="ctr" defTabSz="1778000">
+            <a:lnSpc>
+              <a:spcPct val="90000"/>
+            </a:lnSpc>
+            <a:spcBef>
+              <a:spcPct val="0"/>
+            </a:spcBef>
+            <a:spcAft>
+              <a:spcPct val="35000"/>
+            </a:spcAft>
+          </a:pPr>
+          <a:r>
+            <a:rPr lang="es-ES" sz="4000" kern="1200" dirty="0" err="1" smtClean="0"/>
+            <a:t>kNN</a:t>
+          </a:r>
+          <a:endParaRPr lang="es-ES" sz="4000" kern="1200" dirty="0"/>
+        </a:p>
+      </dsp:txBody>
+      <dsp:txXfrm>
+        <a:off x="4458" y="670070"/>
+        <a:ext cx="1709022" cy="683609"/>
+      </dsp:txXfrm>
+    </dsp:sp>
+    <dsp:sp modelId="{EC8EB771-D13F-4A5B-A1B9-E028F676D24E}">
+      <dsp:nvSpPr>
+        <dsp:cNvPr id="0" name=""/>
+        <dsp:cNvSpPr/>
+      </dsp:nvSpPr>
+      <dsp:spPr>
+        <a:xfrm>
+          <a:off x="4458" y="1353679"/>
+          <a:ext cx="1709022" cy="1964047"/>
+        </a:xfrm>
+        <a:prstGeom prst="rect">
+          <a:avLst/>
+        </a:prstGeom>
+        <a:solidFill>
+          <a:schemeClr val="accent1">
+            <a:alpha val="90000"/>
+            <a:tint val="40000"/>
+            <a:hueOff val="0"/>
+            <a:satOff val="0"/>
+            <a:lumOff val="0"/>
+            <a:alphaOff val="0"/>
+          </a:schemeClr>
+        </a:solidFill>
+        <a:ln w="15875" cap="rnd" cmpd="sng" algn="ctr">
+          <a:solidFill>
+            <a:schemeClr val="accent1">
+              <a:alpha val="90000"/>
+              <a:tint val="40000"/>
+              <a:hueOff val="0"/>
+              <a:satOff val="0"/>
+              <a:lumOff val="0"/>
+              <a:alphaOff val="0"/>
+            </a:schemeClr>
+          </a:solidFill>
+          <a:prstDash val="solid"/>
+        </a:ln>
+        <a:effectLst/>
+      </dsp:spPr>
+      <dsp:style>
+        <a:lnRef idx="2">
+          <a:scrgbClr r="0" g="0" b="0"/>
+        </a:lnRef>
+        <a:fillRef idx="1">
+          <a:scrgbClr r="0" g="0" b="0"/>
+        </a:fillRef>
+        <a:effectRef idx="0">
+          <a:scrgbClr r="0" g="0" b="0"/>
+        </a:effectRef>
+        <a:fontRef idx="minor"/>
+      </dsp:style>
+      <dsp:txBody>
+        <a:bodyPr spcFirstLastPara="0" vert="horz" wrap="square" lIns="144018" tIns="144018" rIns="192024" bIns="216027" numCol="1" spcCol="1270" anchor="t" anchorCtr="0">
+          <a:noAutofit/>
+        </a:bodyPr>
+        <a:lstStyle/>
+        <a:p>
+          <a:pPr marL="228600" lvl="1" indent="-228600" algn="l" defTabSz="1200150">
+            <a:lnSpc>
+              <a:spcPct val="90000"/>
+            </a:lnSpc>
+            <a:spcBef>
+              <a:spcPct val="0"/>
+            </a:spcBef>
+            <a:spcAft>
+              <a:spcPct val="15000"/>
+            </a:spcAft>
+            <a:buChar char="••"/>
+          </a:pPr>
+          <a:endParaRPr lang="es-ES" sz="2700" kern="1200"/>
+        </a:p>
+        <a:p>
+          <a:pPr marL="228600" lvl="1" indent="-228600" algn="l" defTabSz="1200150">
+            <a:lnSpc>
+              <a:spcPct val="90000"/>
+            </a:lnSpc>
+            <a:spcBef>
+              <a:spcPct val="0"/>
+            </a:spcBef>
+            <a:spcAft>
+              <a:spcPct val="15000"/>
+            </a:spcAft>
+            <a:buChar char="••"/>
+          </a:pPr>
+          <a:endParaRPr lang="es-ES" sz="2700" kern="1200"/>
+        </a:p>
+      </dsp:txBody>
+      <dsp:txXfrm>
+        <a:off x="4458" y="1353679"/>
+        <a:ext cx="1709022" cy="1964047"/>
+      </dsp:txXfrm>
+    </dsp:sp>
+    <dsp:sp modelId="{48A24487-CCA9-42AE-8B37-11F3F18C73F4}">
+      <dsp:nvSpPr>
+        <dsp:cNvPr id="0" name=""/>
+        <dsp:cNvSpPr/>
+      </dsp:nvSpPr>
+      <dsp:spPr>
+        <a:xfrm>
+          <a:off x="1952744" y="670070"/>
+          <a:ext cx="1709022" cy="683609"/>
+        </a:xfrm>
+        <a:prstGeom prst="rect">
+          <a:avLst/>
+        </a:prstGeom>
+        <a:solidFill>
+          <a:schemeClr val="accent1">
+            <a:hueOff val="0"/>
+            <a:satOff val="0"/>
+            <a:lumOff val="0"/>
+            <a:alphaOff val="0"/>
+          </a:schemeClr>
+        </a:solidFill>
+        <a:ln w="15875" cap="rnd" cmpd="sng" algn="ctr">
+          <a:solidFill>
+            <a:schemeClr val="accent1">
+              <a:hueOff val="0"/>
+              <a:satOff val="0"/>
+              <a:lumOff val="0"/>
+              <a:alphaOff val="0"/>
+            </a:schemeClr>
+          </a:solidFill>
+          <a:prstDash val="solid"/>
+        </a:ln>
+        <a:effectLst/>
+      </dsp:spPr>
+      <dsp:style>
+        <a:lnRef idx="2">
+          <a:scrgbClr r="0" g="0" b="0"/>
+        </a:lnRef>
+        <a:fillRef idx="1">
+          <a:scrgbClr r="0" g="0" b="0"/>
+        </a:fillRef>
+        <a:effectRef idx="0">
+          <a:scrgbClr r="0" g="0" b="0"/>
+        </a:effectRef>
+        <a:fontRef idx="minor">
+          <a:schemeClr val="lt1"/>
+        </a:fontRef>
+      </dsp:style>
+      <dsp:txBody>
+        <a:bodyPr spcFirstLastPara="0" vert="horz" wrap="square" lIns="284480" tIns="162560" rIns="284480" bIns="162560" numCol="1" spcCol="1270" anchor="ctr" anchorCtr="0">
+          <a:noAutofit/>
+        </a:bodyPr>
+        <a:lstStyle/>
+        <a:p>
+          <a:pPr lvl="0" algn="ctr" defTabSz="1778000">
+            <a:lnSpc>
+              <a:spcPct val="90000"/>
+            </a:lnSpc>
+            <a:spcBef>
+              <a:spcPct val="0"/>
+            </a:spcBef>
+            <a:spcAft>
+              <a:spcPct val="35000"/>
+            </a:spcAft>
+          </a:pPr>
+          <a:r>
+            <a:rPr lang="es-ES" sz="4000" kern="1200" dirty="0" smtClean="0"/>
+            <a:t>SVC</a:t>
+          </a:r>
+          <a:endParaRPr lang="es-ES" sz="4000" kern="1200" dirty="0"/>
+        </a:p>
+      </dsp:txBody>
+      <dsp:txXfrm>
+        <a:off x="1952744" y="670070"/>
+        <a:ext cx="1709022" cy="683609"/>
+      </dsp:txXfrm>
+    </dsp:sp>
+    <dsp:sp modelId="{FD244389-E5CA-48E5-82F4-8EA6078B6EE1}">
+      <dsp:nvSpPr>
+        <dsp:cNvPr id="0" name=""/>
+        <dsp:cNvSpPr/>
+      </dsp:nvSpPr>
+      <dsp:spPr>
+        <a:xfrm>
+          <a:off x="1952744" y="1353679"/>
+          <a:ext cx="1709022" cy="1964047"/>
+        </a:xfrm>
+        <a:prstGeom prst="rect">
+          <a:avLst/>
+        </a:prstGeom>
+        <a:solidFill>
+          <a:schemeClr val="accent1">
+            <a:alpha val="90000"/>
+            <a:tint val="40000"/>
+            <a:hueOff val="0"/>
+            <a:satOff val="0"/>
+            <a:lumOff val="0"/>
+            <a:alphaOff val="0"/>
+          </a:schemeClr>
+        </a:solidFill>
+        <a:ln w="15875" cap="rnd" cmpd="sng" algn="ctr">
+          <a:solidFill>
+            <a:schemeClr val="accent1">
+              <a:alpha val="90000"/>
+              <a:tint val="40000"/>
+              <a:hueOff val="0"/>
+              <a:satOff val="0"/>
+              <a:lumOff val="0"/>
+              <a:alphaOff val="0"/>
+            </a:schemeClr>
+          </a:solidFill>
+          <a:prstDash val="solid"/>
+        </a:ln>
+        <a:effectLst/>
+      </dsp:spPr>
+      <dsp:style>
+        <a:lnRef idx="2">
+          <a:scrgbClr r="0" g="0" b="0"/>
+        </a:lnRef>
+        <a:fillRef idx="1">
+          <a:scrgbClr r="0" g="0" b="0"/>
+        </a:fillRef>
+        <a:effectRef idx="0">
+          <a:scrgbClr r="0" g="0" b="0"/>
+        </a:effectRef>
+        <a:fontRef idx="minor"/>
+      </dsp:style>
+      <dsp:txBody>
+        <a:bodyPr spcFirstLastPara="0" vert="horz" wrap="square" lIns="144018" tIns="144018" rIns="192024" bIns="216027" numCol="1" spcCol="1270" anchor="t" anchorCtr="0">
+          <a:noAutofit/>
+        </a:bodyPr>
+        <a:lstStyle/>
+        <a:p>
+          <a:pPr marL="228600" lvl="1" indent="-228600" algn="l" defTabSz="1200150">
+            <a:lnSpc>
+              <a:spcPct val="90000"/>
+            </a:lnSpc>
+            <a:spcBef>
+              <a:spcPct val="0"/>
+            </a:spcBef>
+            <a:spcAft>
+              <a:spcPct val="15000"/>
+            </a:spcAft>
+            <a:buChar char="••"/>
+          </a:pPr>
+          <a:endParaRPr lang="es-ES" sz="2700" kern="1200"/>
+        </a:p>
+        <a:p>
+          <a:pPr marL="228600" lvl="1" indent="-228600" algn="l" defTabSz="1200150">
+            <a:lnSpc>
+              <a:spcPct val="90000"/>
+            </a:lnSpc>
+            <a:spcBef>
+              <a:spcPct val="0"/>
+            </a:spcBef>
+            <a:spcAft>
+              <a:spcPct val="15000"/>
+            </a:spcAft>
+            <a:buChar char="••"/>
+          </a:pPr>
+          <a:endParaRPr lang="es-ES" sz="2700" kern="1200"/>
+        </a:p>
+      </dsp:txBody>
+      <dsp:txXfrm>
+        <a:off x="1952744" y="1353679"/>
+        <a:ext cx="1709022" cy="1964047"/>
+      </dsp:txXfrm>
+    </dsp:sp>
+    <dsp:sp modelId="{37500AF0-62B4-402A-B52A-4AA409CE67EB}">
+      <dsp:nvSpPr>
+        <dsp:cNvPr id="0" name=""/>
+        <dsp:cNvSpPr/>
+      </dsp:nvSpPr>
+      <dsp:spPr>
+        <a:xfrm>
+          <a:off x="3901030" y="670070"/>
+          <a:ext cx="1709022" cy="683609"/>
+        </a:xfrm>
+        <a:prstGeom prst="rect">
+          <a:avLst/>
+        </a:prstGeom>
+        <a:solidFill>
+          <a:schemeClr val="accent1">
+            <a:hueOff val="0"/>
+            <a:satOff val="0"/>
+            <a:lumOff val="0"/>
+            <a:alphaOff val="0"/>
+          </a:schemeClr>
+        </a:solidFill>
+        <a:ln w="15875" cap="rnd" cmpd="sng" algn="ctr">
+          <a:solidFill>
+            <a:schemeClr val="accent1">
+              <a:hueOff val="0"/>
+              <a:satOff val="0"/>
+              <a:lumOff val="0"/>
+              <a:alphaOff val="0"/>
+            </a:schemeClr>
+          </a:solidFill>
+          <a:prstDash val="solid"/>
+        </a:ln>
+        <a:effectLst/>
+      </dsp:spPr>
+      <dsp:style>
+        <a:lnRef idx="2">
+          <a:scrgbClr r="0" g="0" b="0"/>
+        </a:lnRef>
+        <a:fillRef idx="1">
+          <a:scrgbClr r="0" g="0" b="0"/>
+        </a:fillRef>
+        <a:effectRef idx="0">
+          <a:scrgbClr r="0" g="0" b="0"/>
+        </a:effectRef>
+        <a:fontRef idx="minor">
+          <a:schemeClr val="lt1"/>
+        </a:fontRef>
+      </dsp:style>
+      <dsp:txBody>
+        <a:bodyPr spcFirstLastPara="0" vert="horz" wrap="square" lIns="199136" tIns="113792" rIns="199136" bIns="113792" numCol="1" spcCol="1270" anchor="ctr" anchorCtr="0">
+          <a:noAutofit/>
+        </a:bodyPr>
+        <a:lstStyle/>
+        <a:p>
+          <a:pPr lvl="0" algn="ctr" defTabSz="1244600">
+            <a:lnSpc>
+              <a:spcPct val="90000"/>
+            </a:lnSpc>
+            <a:spcBef>
+              <a:spcPct val="0"/>
+            </a:spcBef>
+            <a:spcAft>
+              <a:spcPct val="35000"/>
+            </a:spcAft>
+          </a:pPr>
+          <a:r>
+            <a:rPr lang="en-US" sz="2800" kern="1200" noProof="0" dirty="0" smtClean="0"/>
+            <a:t>Decision tree</a:t>
+          </a:r>
+          <a:endParaRPr lang="en-US" sz="2800" kern="1200" noProof="0" dirty="0"/>
+        </a:p>
+      </dsp:txBody>
+      <dsp:txXfrm>
+        <a:off x="3901030" y="670070"/>
+        <a:ext cx="1709022" cy="683609"/>
+      </dsp:txXfrm>
+    </dsp:sp>
+    <dsp:sp modelId="{9E722BEE-2767-47DE-A4AC-5AA7A9828E58}">
+      <dsp:nvSpPr>
+        <dsp:cNvPr id="0" name=""/>
+        <dsp:cNvSpPr/>
+      </dsp:nvSpPr>
+      <dsp:spPr>
+        <a:xfrm>
+          <a:off x="3901030" y="1353679"/>
+          <a:ext cx="1709022" cy="1964047"/>
+        </a:xfrm>
+        <a:prstGeom prst="rect">
+          <a:avLst/>
+        </a:prstGeom>
+        <a:solidFill>
+          <a:schemeClr val="accent1">
+            <a:alpha val="90000"/>
+            <a:tint val="40000"/>
+            <a:hueOff val="0"/>
+            <a:satOff val="0"/>
+            <a:lumOff val="0"/>
+            <a:alphaOff val="0"/>
+          </a:schemeClr>
+        </a:solidFill>
+        <a:ln w="15875" cap="rnd" cmpd="sng" algn="ctr">
+          <a:solidFill>
+            <a:schemeClr val="accent1">
+              <a:alpha val="90000"/>
+              <a:tint val="40000"/>
+              <a:hueOff val="0"/>
+              <a:satOff val="0"/>
+              <a:lumOff val="0"/>
+              <a:alphaOff val="0"/>
+            </a:schemeClr>
+          </a:solidFill>
+          <a:prstDash val="solid"/>
+        </a:ln>
+        <a:effectLst/>
+      </dsp:spPr>
+      <dsp:style>
+        <a:lnRef idx="2">
+          <a:scrgbClr r="0" g="0" b="0"/>
+        </a:lnRef>
+        <a:fillRef idx="1">
+          <a:scrgbClr r="0" g="0" b="0"/>
+        </a:fillRef>
+        <a:effectRef idx="0">
+          <a:scrgbClr r="0" g="0" b="0"/>
+        </a:effectRef>
+        <a:fontRef idx="minor"/>
+      </dsp:style>
+      <dsp:txBody>
+        <a:bodyPr spcFirstLastPara="0" vert="horz" wrap="square" lIns="144018" tIns="144018" rIns="192024" bIns="216027" numCol="1" spcCol="1270" anchor="t" anchorCtr="0">
+          <a:noAutofit/>
+        </a:bodyPr>
+        <a:lstStyle/>
+        <a:p>
+          <a:pPr marL="228600" lvl="1" indent="-228600" algn="l" defTabSz="1200150">
+            <a:lnSpc>
+              <a:spcPct val="90000"/>
+            </a:lnSpc>
+            <a:spcBef>
+              <a:spcPct val="0"/>
+            </a:spcBef>
+            <a:spcAft>
+              <a:spcPct val="15000"/>
+            </a:spcAft>
+            <a:buChar char="••"/>
+          </a:pPr>
+          <a:r>
+            <a:rPr lang="es-ES" sz="2700" kern="1200" dirty="0" smtClean="0"/>
+            <a:t>Max </a:t>
+          </a:r>
+          <a:r>
+            <a:rPr lang="es-ES" sz="2700" kern="1200" dirty="0" err="1" smtClean="0"/>
+            <a:t>depth</a:t>
+          </a:r>
+          <a:r>
+            <a:rPr lang="es-ES" sz="2700" kern="1200" dirty="0" smtClean="0"/>
+            <a:t>: 8</a:t>
+          </a:r>
+          <a:endParaRPr lang="es-ES" sz="2700" kern="1200" dirty="0"/>
+        </a:p>
+        <a:p>
+          <a:pPr marL="228600" lvl="1" indent="-228600" algn="l" defTabSz="1200150">
+            <a:lnSpc>
+              <a:spcPct val="90000"/>
+            </a:lnSpc>
+            <a:spcBef>
+              <a:spcPct val="0"/>
+            </a:spcBef>
+            <a:spcAft>
+              <a:spcPct val="15000"/>
+            </a:spcAft>
+            <a:buChar char="••"/>
+          </a:pPr>
+          <a:endParaRPr lang="es-ES" sz="2700" kern="1200" dirty="0"/>
+        </a:p>
+      </dsp:txBody>
+      <dsp:txXfrm>
+        <a:off x="3901030" y="1353679"/>
+        <a:ext cx="1709022" cy="1964047"/>
+      </dsp:txXfrm>
+    </dsp:sp>
+    <dsp:sp modelId="{3862C4B5-AACD-4347-8085-3F72601877B4}">
+      <dsp:nvSpPr>
+        <dsp:cNvPr id="0" name=""/>
+        <dsp:cNvSpPr/>
+      </dsp:nvSpPr>
+      <dsp:spPr>
+        <a:xfrm>
+          <a:off x="5849316" y="670070"/>
+          <a:ext cx="1709022" cy="683609"/>
+        </a:xfrm>
+        <a:prstGeom prst="rect">
+          <a:avLst/>
+        </a:prstGeom>
+        <a:solidFill>
+          <a:schemeClr val="accent1">
+            <a:hueOff val="0"/>
+            <a:satOff val="0"/>
+            <a:lumOff val="0"/>
+            <a:alphaOff val="0"/>
+          </a:schemeClr>
+        </a:solidFill>
+        <a:ln w="15875" cap="rnd" cmpd="sng" algn="ctr">
+          <a:solidFill>
+            <a:schemeClr val="accent1">
+              <a:hueOff val="0"/>
+              <a:satOff val="0"/>
+              <a:lumOff val="0"/>
+              <a:alphaOff val="0"/>
+            </a:schemeClr>
+          </a:solidFill>
+          <a:prstDash val="solid"/>
+        </a:ln>
+        <a:effectLst/>
+      </dsp:spPr>
+      <dsp:style>
+        <a:lnRef idx="2">
+          <a:scrgbClr r="0" g="0" b="0"/>
+        </a:lnRef>
+        <a:fillRef idx="1">
+          <a:scrgbClr r="0" g="0" b="0"/>
+        </a:fillRef>
+        <a:effectRef idx="0">
+          <a:scrgbClr r="0" g="0" b="0"/>
+        </a:effectRef>
+        <a:fontRef idx="minor">
+          <a:schemeClr val="lt1"/>
+        </a:fontRef>
+      </dsp:style>
+      <dsp:txBody>
+        <a:bodyPr spcFirstLastPara="0" vert="horz" wrap="square" lIns="192024" tIns="109728" rIns="192024" bIns="109728" numCol="1" spcCol="1270" anchor="ctr" anchorCtr="0">
+          <a:noAutofit/>
+        </a:bodyPr>
+        <a:lstStyle/>
+        <a:p>
+          <a:pPr lvl="0" algn="ctr" defTabSz="1200150">
+            <a:lnSpc>
+              <a:spcPct val="90000"/>
+            </a:lnSpc>
+            <a:spcBef>
+              <a:spcPct val="0"/>
+            </a:spcBef>
+            <a:spcAft>
+              <a:spcPct val="35000"/>
+            </a:spcAft>
+          </a:pPr>
+          <a:r>
+            <a:rPr lang="es-ES" sz="2700" kern="1200" dirty="0" err="1" smtClean="0"/>
+            <a:t>Dsf</a:t>
+          </a:r>
+          <a:endParaRPr lang="es-ES" sz="2700" kern="1200" dirty="0"/>
+        </a:p>
+      </dsp:txBody>
+      <dsp:txXfrm>
+        <a:off x="5849316" y="670070"/>
+        <a:ext cx="1709022" cy="683609"/>
+      </dsp:txXfrm>
+    </dsp:sp>
+    <dsp:sp modelId="{35A85B34-BE00-423B-BDEF-87219E928C35}">
+      <dsp:nvSpPr>
+        <dsp:cNvPr id="0" name=""/>
+        <dsp:cNvSpPr/>
+      </dsp:nvSpPr>
+      <dsp:spPr>
+        <a:xfrm>
+          <a:off x="5849316" y="1353679"/>
+          <a:ext cx="1709022" cy="1964047"/>
+        </a:xfrm>
+        <a:prstGeom prst="rect">
+          <a:avLst/>
+        </a:prstGeom>
+        <a:solidFill>
+          <a:schemeClr val="accent1">
+            <a:alpha val="90000"/>
+            <a:tint val="40000"/>
+            <a:hueOff val="0"/>
+            <a:satOff val="0"/>
+            <a:lumOff val="0"/>
+            <a:alphaOff val="0"/>
+          </a:schemeClr>
+        </a:solidFill>
+        <a:ln w="15875" cap="rnd" cmpd="sng" algn="ctr">
+          <a:solidFill>
+            <a:schemeClr val="accent1">
+              <a:alpha val="90000"/>
+              <a:tint val="40000"/>
+              <a:hueOff val="0"/>
+              <a:satOff val="0"/>
+              <a:lumOff val="0"/>
+              <a:alphaOff val="0"/>
+            </a:schemeClr>
+          </a:solidFill>
+          <a:prstDash val="solid"/>
+        </a:ln>
+        <a:effectLst/>
+      </dsp:spPr>
+      <dsp:style>
+        <a:lnRef idx="2">
+          <a:scrgbClr r="0" g="0" b="0"/>
+        </a:lnRef>
+        <a:fillRef idx="1">
+          <a:scrgbClr r="0" g="0" b="0"/>
+        </a:fillRef>
+        <a:effectRef idx="0">
+          <a:scrgbClr r="0" g="0" b="0"/>
+        </a:effectRef>
+        <a:fontRef idx="minor"/>
+      </dsp:style>
+      <dsp:txBody>
+        <a:bodyPr spcFirstLastPara="0" vert="horz" wrap="square" lIns="144018" tIns="144018" rIns="192024" bIns="216027" numCol="1" spcCol="1270" anchor="t" anchorCtr="0">
+          <a:noAutofit/>
+        </a:bodyPr>
+        <a:lstStyle/>
+        <a:p>
+          <a:pPr marL="228600" lvl="1" indent="-228600" algn="l" defTabSz="1200150">
+            <a:lnSpc>
+              <a:spcPct val="90000"/>
+            </a:lnSpc>
+            <a:spcBef>
+              <a:spcPct val="0"/>
+            </a:spcBef>
+            <a:spcAft>
+              <a:spcPct val="15000"/>
+            </a:spcAft>
+            <a:buChar char="••"/>
+          </a:pPr>
+          <a:r>
+            <a:rPr lang="es-ES" sz="2700" kern="1200" dirty="0" err="1" smtClean="0"/>
+            <a:t>sdf</a:t>
+          </a:r>
+          <a:endParaRPr lang="es-ES" sz="2700" kern="1200" dirty="0"/>
+        </a:p>
+      </dsp:txBody>
+      <dsp:txXfrm>
+        <a:off x="5849316" y="1353679"/>
+        <a:ext cx="1709022" cy="1964047"/>
+      </dsp:txXfrm>
+    </dsp:sp>
+    <dsp:sp modelId="{839BA42A-3B80-4489-BE6A-A9D5C1FBAE01}">
+      <dsp:nvSpPr>
+        <dsp:cNvPr id="0" name=""/>
+        <dsp:cNvSpPr/>
+      </dsp:nvSpPr>
+      <dsp:spPr>
+        <a:xfrm>
+          <a:off x="7797601" y="670070"/>
+          <a:ext cx="1709022" cy="683609"/>
+        </a:xfrm>
+        <a:prstGeom prst="rect">
+          <a:avLst/>
+        </a:prstGeom>
+        <a:solidFill>
+          <a:schemeClr val="accent1">
+            <a:hueOff val="0"/>
+            <a:satOff val="0"/>
+            <a:lumOff val="0"/>
+            <a:alphaOff val="0"/>
+          </a:schemeClr>
+        </a:solidFill>
+        <a:ln w="15875" cap="rnd" cmpd="sng" algn="ctr">
+          <a:solidFill>
+            <a:schemeClr val="accent1">
+              <a:hueOff val="0"/>
+              <a:satOff val="0"/>
+              <a:lumOff val="0"/>
+              <a:alphaOff val="0"/>
+            </a:schemeClr>
+          </a:solidFill>
+          <a:prstDash val="solid"/>
+        </a:ln>
+        <a:effectLst/>
+      </dsp:spPr>
+      <dsp:style>
+        <a:lnRef idx="2">
+          <a:scrgbClr r="0" g="0" b="0"/>
+        </a:lnRef>
+        <a:fillRef idx="1">
+          <a:scrgbClr r="0" g="0" b="0"/>
+        </a:fillRef>
+        <a:effectRef idx="0">
+          <a:scrgbClr r="0" g="0" b="0"/>
+        </a:effectRef>
+        <a:fontRef idx="minor">
+          <a:schemeClr val="lt1"/>
+        </a:fontRef>
+      </dsp:style>
+      <dsp:txBody>
+        <a:bodyPr spcFirstLastPara="0" vert="horz" wrap="square" lIns="192024" tIns="109728" rIns="192024" bIns="109728" numCol="1" spcCol="1270" anchor="ctr" anchorCtr="0">
+          <a:noAutofit/>
+        </a:bodyPr>
+        <a:lstStyle/>
+        <a:p>
+          <a:pPr lvl="0" algn="ctr" defTabSz="1200150">
+            <a:lnSpc>
+              <a:spcPct val="90000"/>
+            </a:lnSpc>
+            <a:spcBef>
+              <a:spcPct val="0"/>
+            </a:spcBef>
+            <a:spcAft>
+              <a:spcPct val="35000"/>
+            </a:spcAft>
+          </a:pPr>
+          <a:r>
+            <a:rPr lang="es-ES" sz="2700" kern="1200" dirty="0" err="1" smtClean="0"/>
+            <a:t>sdf</a:t>
+          </a:r>
+          <a:endParaRPr lang="es-ES" sz="2700" kern="1200" dirty="0"/>
+        </a:p>
+      </dsp:txBody>
+      <dsp:txXfrm>
+        <a:off x="7797601" y="670070"/>
+        <a:ext cx="1709022" cy="683609"/>
+      </dsp:txXfrm>
+    </dsp:sp>
+    <dsp:sp modelId="{809477FF-A692-466C-8800-3CCD3C20CD13}">
+      <dsp:nvSpPr>
+        <dsp:cNvPr id="0" name=""/>
+        <dsp:cNvSpPr/>
+      </dsp:nvSpPr>
+      <dsp:spPr>
+        <a:xfrm>
+          <a:off x="7797601" y="1353679"/>
+          <a:ext cx="1709022" cy="1964047"/>
+        </a:xfrm>
+        <a:prstGeom prst="rect">
+          <a:avLst/>
+        </a:prstGeom>
+        <a:solidFill>
+          <a:schemeClr val="accent1">
+            <a:alpha val="90000"/>
+            <a:tint val="40000"/>
+            <a:hueOff val="0"/>
+            <a:satOff val="0"/>
+            <a:lumOff val="0"/>
+            <a:alphaOff val="0"/>
+          </a:schemeClr>
+        </a:solidFill>
+        <a:ln w="15875" cap="rnd" cmpd="sng" algn="ctr">
+          <a:solidFill>
+            <a:schemeClr val="accent1">
+              <a:alpha val="90000"/>
+              <a:tint val="40000"/>
+              <a:hueOff val="0"/>
+              <a:satOff val="0"/>
+              <a:lumOff val="0"/>
+              <a:alphaOff val="0"/>
+            </a:schemeClr>
+          </a:solidFill>
+          <a:prstDash val="solid"/>
+        </a:ln>
+        <a:effectLst/>
+      </dsp:spPr>
+      <dsp:style>
+        <a:lnRef idx="2">
+          <a:scrgbClr r="0" g="0" b="0"/>
+        </a:lnRef>
+        <a:fillRef idx="1">
+          <a:scrgbClr r="0" g="0" b="0"/>
+        </a:fillRef>
+        <a:effectRef idx="0">
+          <a:scrgbClr r="0" g="0" b="0"/>
+        </a:effectRef>
+        <a:fontRef idx="minor"/>
+      </dsp:style>
     </dsp:sp>
   </dsp:spTree>
 </dsp:drawing>
@@ -3081,7 +5308,7 @@
   </dgm:layoutNode>
   <dgm:extLst>
     <a:ext uri="{68A01E43-0DF5-4B5B-8FA6-DAF915123BFB}">
-      <dgm1612:lstStyle xmlns:dgm1612="http://schemas.microsoft.com/office/drawing/2016/12/diagram" xmlns="">
+      <dgm1612:lstStyle xmlns="" xmlns:dgm1612="http://schemas.microsoft.com/office/drawing/2016/12/diagram">
         <a:lvl1pPr>
           <a:lnSpc>
             <a:spcPct val="100000"/>
@@ -3093,7 +5320,1258 @@
 </dgm:layoutDef>
 </file>
 
+<file path=ppt/diagrams/layout2.xml><?xml version="1.0" encoding="utf-8"?>
+<dgm:layoutDef xmlns:dgm="http://schemas.openxmlformats.org/drawingml/2006/diagram" xmlns:a="http://schemas.openxmlformats.org/drawingml/2006/main" uniqueId="urn:microsoft.com/office/officeart/2005/8/layout/hList1">
+  <dgm:title val=""/>
+  <dgm:desc val=""/>
+  <dgm:catLst>
+    <dgm:cat type="list" pri="5000"/>
+    <dgm:cat type="convert" pri="5000"/>
+  </dgm:catLst>
+  <dgm:sampData>
+    <dgm:dataModel>
+      <dgm:ptLst>
+        <dgm:pt modelId="0" type="doc"/>
+        <dgm:pt modelId="1">
+          <dgm:prSet phldr="1"/>
+        </dgm:pt>
+        <dgm:pt modelId="11">
+          <dgm:prSet phldr="1"/>
+        </dgm:pt>
+        <dgm:pt modelId="12">
+          <dgm:prSet phldr="1"/>
+        </dgm:pt>
+        <dgm:pt modelId="2">
+          <dgm:prSet phldr="1"/>
+        </dgm:pt>
+        <dgm:pt modelId="21">
+          <dgm:prSet phldr="1"/>
+        </dgm:pt>
+        <dgm:pt modelId="22">
+          <dgm:prSet phldr="1"/>
+        </dgm:pt>
+        <dgm:pt modelId="3">
+          <dgm:prSet phldr="1"/>
+        </dgm:pt>
+        <dgm:pt modelId="31">
+          <dgm:prSet phldr="1"/>
+        </dgm:pt>
+        <dgm:pt modelId="32">
+          <dgm:prSet phldr="1"/>
+        </dgm:pt>
+      </dgm:ptLst>
+      <dgm:cxnLst>
+        <dgm:cxn modelId="4" srcId="0" destId="1" srcOrd="0" destOrd="0"/>
+        <dgm:cxn modelId="5" srcId="0" destId="2" srcOrd="1" destOrd="0"/>
+        <dgm:cxn modelId="6" srcId="0" destId="3" srcOrd="2" destOrd="0"/>
+        <dgm:cxn modelId="13" srcId="1" destId="11" srcOrd="0" destOrd="0"/>
+        <dgm:cxn modelId="14" srcId="1" destId="12" srcOrd="1" destOrd="0"/>
+        <dgm:cxn modelId="23" srcId="2" destId="21" srcOrd="0" destOrd="0"/>
+        <dgm:cxn modelId="24" srcId="2" destId="22" srcOrd="1" destOrd="0"/>
+        <dgm:cxn modelId="33" srcId="3" destId="31" srcOrd="0" destOrd="0"/>
+        <dgm:cxn modelId="34" srcId="3" destId="32" srcOrd="1" destOrd="0"/>
+      </dgm:cxnLst>
+      <dgm:bg/>
+      <dgm:whole/>
+    </dgm:dataModel>
+  </dgm:sampData>
+  <dgm:styleData>
+    <dgm:dataModel>
+      <dgm:ptLst>
+        <dgm:pt modelId="0" type="doc"/>
+        <dgm:pt modelId="1">
+          <dgm:prSet phldr="1"/>
+        </dgm:pt>
+        <dgm:pt modelId="2">
+          <dgm:prSet phldr="1"/>
+        </dgm:pt>
+      </dgm:ptLst>
+      <dgm:cxnLst>
+        <dgm:cxn modelId="3" srcId="0" destId="1" srcOrd="0" destOrd="0"/>
+        <dgm:cxn modelId="4" srcId="0" destId="2" srcOrd="1" destOrd="0"/>
+      </dgm:cxnLst>
+      <dgm:bg/>
+      <dgm:whole/>
+    </dgm:dataModel>
+  </dgm:styleData>
+  <dgm:clrData>
+    <dgm:dataModel>
+      <dgm:ptLst>
+        <dgm:pt modelId="0" type="doc"/>
+        <dgm:pt modelId="1">
+          <dgm:prSet phldr="1"/>
+        </dgm:pt>
+        <dgm:pt modelId="2">
+          <dgm:prSet phldr="1"/>
+        </dgm:pt>
+        <dgm:pt modelId="3">
+          <dgm:prSet phldr="1"/>
+        </dgm:pt>
+        <dgm:pt modelId="4">
+          <dgm:prSet phldr="1"/>
+        </dgm:pt>
+      </dgm:ptLst>
+      <dgm:cxnLst>
+        <dgm:cxn modelId="5" srcId="0" destId="1" srcOrd="0" destOrd="0"/>
+        <dgm:cxn modelId="6" srcId="0" destId="2" srcOrd="1" destOrd="0"/>
+        <dgm:cxn modelId="7" srcId="0" destId="3" srcOrd="2" destOrd="0"/>
+        <dgm:cxn modelId="8" srcId="0" destId="4" srcOrd="3" destOrd="0"/>
+      </dgm:cxnLst>
+      <dgm:bg/>
+      <dgm:whole/>
+    </dgm:dataModel>
+  </dgm:clrData>
+  <dgm:layoutNode name="Name0">
+    <dgm:varLst>
+      <dgm:dir/>
+      <dgm:animLvl val="lvl"/>
+      <dgm:resizeHandles val="exact"/>
+    </dgm:varLst>
+    <dgm:choose name="Name1">
+      <dgm:if name="Name2" func="var" arg="dir" op="equ" val="norm">
+        <dgm:alg type="lin"/>
+      </dgm:if>
+      <dgm:else name="Name3">
+        <dgm:alg type="lin">
+          <dgm:param type="linDir" val="fromR"/>
+        </dgm:alg>
+      </dgm:else>
+    </dgm:choose>
+    <dgm:shape xmlns:r="http://schemas.openxmlformats.org/officeDocument/2006/relationships" r:blip="">
+      <dgm:adjLst/>
+    </dgm:shape>
+    <dgm:presOf/>
+    <dgm:constrLst>
+      <dgm:constr type="h" for="ch" forName="composite" refType="h"/>
+      <dgm:constr type="w" for="ch" forName="composite" refType="w"/>
+      <dgm:constr type="w" for="des" forName="parTx"/>
+      <dgm:constr type="h" for="des" forName="parTx" op="equ"/>
+      <dgm:constr type="w" for="des" forName="desTx"/>
+      <dgm:constr type="h" for="des" forName="desTx" op="equ"/>
+      <dgm:constr type="primFontSz" for="des" forName="parTx" val="65"/>
+      <dgm:constr type="secFontSz" for="des" forName="desTx" refType="primFontSz" refFor="des" refForName="parTx" op="equ"/>
+      <dgm:constr type="h" for="des" forName="parTx" refType="primFontSz" refFor="des" refForName="parTx" fact="0.8"/>
+      <dgm:constr type="h" for="des" forName="desTx" refType="primFontSz" refFor="des" refForName="parTx" fact="1.22"/>
+      <dgm:constr type="w" for="ch" forName="space" refType="w" refFor="ch" refForName="composite" op="equ" fact="0.14"/>
+    </dgm:constrLst>
+    <dgm:ruleLst>
+      <dgm:rule type="w" for="ch" forName="composite" val="0" fact="NaN" max="NaN"/>
+      <dgm:rule type="primFontSz" for="des" forName="parTx" val="5" fact="NaN" max="NaN"/>
+    </dgm:ruleLst>
+    <dgm:forEach name="Name4" axis="ch" ptType="node">
+      <dgm:layoutNode name="composite">
+        <dgm:alg type="composite"/>
+        <dgm:shape xmlns:r="http://schemas.openxmlformats.org/officeDocument/2006/relationships" r:blip="">
+          <dgm:adjLst/>
+        </dgm:shape>
+        <dgm:presOf/>
+        <dgm:constrLst>
+          <dgm:constr type="l" for="ch" forName="parTx"/>
+          <dgm:constr type="w" for="ch" forName="parTx" refType="w"/>
+          <dgm:constr type="t" for="ch" forName="parTx"/>
+          <dgm:constr type="l" for="ch" forName="desTx"/>
+          <dgm:constr type="w" for="ch" forName="desTx" refType="w" refFor="ch" refForName="parTx"/>
+          <dgm:constr type="t" for="ch" forName="desTx" refType="h" refFor="ch" refForName="parTx"/>
+        </dgm:constrLst>
+        <dgm:ruleLst>
+          <dgm:rule type="h" val="INF" fact="NaN" max="NaN"/>
+        </dgm:ruleLst>
+        <dgm:layoutNode name="parTx" styleLbl="alignNode1">
+          <dgm:varLst>
+            <dgm:chMax val="0"/>
+            <dgm:chPref val="0"/>
+            <dgm:bulletEnabled val="1"/>
+          </dgm:varLst>
+          <dgm:alg type="tx"/>
+          <dgm:shape xmlns:r="http://schemas.openxmlformats.org/officeDocument/2006/relationships" type="rect" r:blip="">
+            <dgm:adjLst/>
+          </dgm:shape>
+          <dgm:presOf axis="self" ptType="node"/>
+          <dgm:constrLst>
+            <dgm:constr type="h" refType="w" op="lte" fact="0.4"/>
+            <dgm:constr type="h"/>
+            <dgm:constr type="tMarg" refType="primFontSz" fact="0.32"/>
+            <dgm:constr type="bMarg" refType="primFontSz" fact="0.32"/>
+          </dgm:constrLst>
+          <dgm:ruleLst>
+            <dgm:rule type="h" val="INF" fact="NaN" max="NaN"/>
+          </dgm:ruleLst>
+        </dgm:layoutNode>
+        <dgm:layoutNode name="desTx" styleLbl="alignAccFollowNode1">
+          <dgm:varLst>
+            <dgm:bulletEnabled val="1"/>
+          </dgm:varLst>
+          <dgm:alg type="tx">
+            <dgm:param type="stBulletLvl" val="1"/>
+          </dgm:alg>
+          <dgm:shape xmlns:r="http://schemas.openxmlformats.org/officeDocument/2006/relationships" type="rect" r:blip="">
+            <dgm:adjLst/>
+          </dgm:shape>
+          <dgm:presOf axis="des" ptType="node"/>
+          <dgm:constrLst>
+            <dgm:constr type="secFontSz" val="65"/>
+            <dgm:constr type="primFontSz" refType="secFontSz"/>
+            <dgm:constr type="h"/>
+            <dgm:constr type="lMarg" refType="primFontSz" fact="0.42"/>
+            <dgm:constr type="tMarg" refType="primFontSz" fact="0.42"/>
+            <dgm:constr type="bMarg" refType="primFontSz" fact="0.63"/>
+          </dgm:constrLst>
+          <dgm:ruleLst>
+            <dgm:rule type="h" val="INF" fact="NaN" max="NaN"/>
+          </dgm:ruleLst>
+        </dgm:layoutNode>
+      </dgm:layoutNode>
+      <dgm:forEach name="Name5" axis="followSib" ptType="sibTrans" cnt="1">
+        <dgm:layoutNode name="space">
+          <dgm:alg type="sp"/>
+          <dgm:shape xmlns:r="http://schemas.openxmlformats.org/officeDocument/2006/relationships" r:blip="">
+            <dgm:adjLst/>
+          </dgm:shape>
+          <dgm:presOf/>
+          <dgm:constrLst/>
+          <dgm:ruleLst/>
+        </dgm:layoutNode>
+      </dgm:forEach>
+    </dgm:forEach>
+  </dgm:layoutNode>
+</dgm:layoutDef>
+</file>
+
 <file path=ppt/diagrams/quickStyle1.xml><?xml version="1.0" encoding="utf-8"?>
+<dgm:styleDef xmlns:dgm="http://schemas.openxmlformats.org/drawingml/2006/diagram" xmlns:a="http://schemas.openxmlformats.org/drawingml/2006/main" uniqueId="urn:microsoft.com/office/officeart/2005/8/quickstyle/simple1">
+  <dgm:title val=""/>
+  <dgm:desc val=""/>
+  <dgm:catLst>
+    <dgm:cat type="simple" pri="10100"/>
+  </dgm:catLst>
+  <dgm:scene3d>
+    <a:camera prst="orthographicFront"/>
+    <a:lightRig rig="threePt" dir="t"/>
+  </dgm:scene3d>
+  <dgm:styleLbl name="node0">
+    <dgm:scene3d>
+      <a:camera prst="orthographicFront"/>
+      <a:lightRig rig="threePt" dir="t"/>
+    </dgm:scene3d>
+    <dgm:sp3d/>
+    <dgm:txPr/>
+    <dgm:style>
+      <a:lnRef idx="2">
+        <a:scrgbClr r="0" g="0" b="0"/>
+      </a:lnRef>
+      <a:fillRef idx="1">
+        <a:scrgbClr r="0" g="0" b="0"/>
+      </a:fillRef>
+      <a:effectRef idx="0">
+        <a:scrgbClr r="0" g="0" b="0"/>
+      </a:effectRef>
+      <a:fontRef idx="minor">
+        <a:schemeClr val="lt1"/>
+      </a:fontRef>
+    </dgm:style>
+  </dgm:styleLbl>
+  <dgm:styleLbl name="lnNode1">
+    <dgm:scene3d>
+      <a:camera prst="orthographicFront"/>
+      <a:lightRig rig="threePt" dir="t"/>
+    </dgm:scene3d>
+    <dgm:sp3d/>
+    <dgm:txPr/>
+    <dgm:style>
+      <a:lnRef idx="2">
+        <a:scrgbClr r="0" g="0" b="0"/>
+      </a:lnRef>
+      <a:fillRef idx="1">
+        <a:scrgbClr r="0" g="0" b="0"/>
+      </a:fillRef>
+      <a:effectRef idx="0">
+        <a:scrgbClr r="0" g="0" b="0"/>
+      </a:effectRef>
+      <a:fontRef idx="minor">
+        <a:schemeClr val="lt1"/>
+      </a:fontRef>
+    </dgm:style>
+  </dgm:styleLbl>
+  <dgm:styleLbl name="vennNode1">
+    <dgm:scene3d>
+      <a:camera prst="orthographicFront"/>
+      <a:lightRig rig="threePt" dir="t"/>
+    </dgm:scene3d>
+    <dgm:sp3d/>
+    <dgm:txPr/>
+    <dgm:style>
+      <a:lnRef idx="2">
+        <a:scrgbClr r="0" g="0" b="0"/>
+      </a:lnRef>
+      <a:fillRef idx="1">
+        <a:scrgbClr r="0" g="0" b="0"/>
+      </a:fillRef>
+      <a:effectRef idx="0">
+        <a:scrgbClr r="0" g="0" b="0"/>
+      </a:effectRef>
+      <a:fontRef idx="minor">
+        <a:schemeClr val="tx1"/>
+      </a:fontRef>
+    </dgm:style>
+  </dgm:styleLbl>
+  <dgm:styleLbl name="alignNode1">
+    <dgm:scene3d>
+      <a:camera prst="orthographicFront"/>
+      <a:lightRig rig="threePt" dir="t"/>
+    </dgm:scene3d>
+    <dgm:sp3d/>
+    <dgm:txPr/>
+    <dgm:style>
+      <a:lnRef idx="2">
+        <a:scrgbClr r="0" g="0" b="0"/>
+      </a:lnRef>
+      <a:fillRef idx="1">
+        <a:scrgbClr r="0" g="0" b="0"/>
+      </a:fillRef>
+      <a:effectRef idx="0">
+        <a:scrgbClr r="0" g="0" b="0"/>
+      </a:effectRef>
+      <a:fontRef idx="minor">
+        <a:schemeClr val="lt1"/>
+      </a:fontRef>
+    </dgm:style>
+  </dgm:styleLbl>
+  <dgm:styleLbl name="node1">
+    <dgm:scene3d>
+      <a:camera prst="orthographicFront"/>
+      <a:lightRig rig="threePt" dir="t"/>
+    </dgm:scene3d>
+    <dgm:sp3d/>
+    <dgm:txPr/>
+    <dgm:style>
+      <a:lnRef idx="2">
+        <a:scrgbClr r="0" g="0" b="0"/>
+      </a:lnRef>
+      <a:fillRef idx="1">
+        <a:scrgbClr r="0" g="0" b="0"/>
+      </a:fillRef>
+      <a:effectRef idx="0">
+        <a:scrgbClr r="0" g="0" b="0"/>
+      </a:effectRef>
+      <a:fontRef idx="minor">
+        <a:schemeClr val="lt1"/>
+      </a:fontRef>
+    </dgm:style>
+  </dgm:styleLbl>
+  <dgm:styleLbl name="node2">
+    <dgm:scene3d>
+      <a:camera prst="orthographicFront"/>
+      <a:lightRig rig="threePt" dir="t"/>
+    </dgm:scene3d>
+    <dgm:sp3d/>
+    <dgm:txPr/>
+    <dgm:style>
+      <a:lnRef idx="2">
+        <a:scrgbClr r="0" g="0" b="0"/>
+      </a:lnRef>
+      <a:fillRef idx="1">
+        <a:scrgbClr r="0" g="0" b="0"/>
+      </a:fillRef>
+      <a:effectRef idx="0">
+        <a:scrgbClr r="0" g="0" b="0"/>
+      </a:effectRef>
+      <a:fontRef idx="minor">
+        <a:schemeClr val="lt1"/>
+      </a:fontRef>
+    </dgm:style>
+  </dgm:styleLbl>
+  <dgm:styleLbl name="node3">
+    <dgm:scene3d>
+      <a:camera prst="orthographicFront"/>
+      <a:lightRig rig="threePt" dir="t"/>
+    </dgm:scene3d>
+    <dgm:sp3d/>
+    <dgm:txPr/>
+    <dgm:style>
+      <a:lnRef idx="2">
+        <a:scrgbClr r="0" g="0" b="0"/>
+      </a:lnRef>
+      <a:fillRef idx="1">
+        <a:scrgbClr r="0" g="0" b="0"/>
+      </a:fillRef>
+      <a:effectRef idx="0">
+        <a:scrgbClr r="0" g="0" b="0"/>
+      </a:effectRef>
+      <a:fontRef idx="minor">
+        <a:schemeClr val="lt1"/>
+      </a:fontRef>
+    </dgm:style>
+  </dgm:styleLbl>
+  <dgm:styleLbl name="node4">
+    <dgm:scene3d>
+      <a:camera prst="orthographicFront"/>
+      <a:lightRig rig="threePt" dir="t"/>
+    </dgm:scene3d>
+    <dgm:sp3d/>
+    <dgm:txPr/>
+    <dgm:style>
+      <a:lnRef idx="2">
+        <a:scrgbClr r="0" g="0" b="0"/>
+      </a:lnRef>
+      <a:fillRef idx="1">
+        <a:scrgbClr r="0" g="0" b="0"/>
+      </a:fillRef>
+      <a:effectRef idx="0">
+        <a:scrgbClr r="0" g="0" b="0"/>
+      </a:effectRef>
+      <a:fontRef idx="minor">
+        <a:schemeClr val="lt1"/>
+      </a:fontRef>
+    </dgm:style>
+  </dgm:styleLbl>
+  <dgm:styleLbl name="fgImgPlace1">
+    <dgm:scene3d>
+      <a:camera prst="orthographicFront"/>
+      <a:lightRig rig="threePt" dir="t"/>
+    </dgm:scene3d>
+    <dgm:sp3d/>
+    <dgm:txPr/>
+    <dgm:style>
+      <a:lnRef idx="2">
+        <a:scrgbClr r="0" g="0" b="0"/>
+      </a:lnRef>
+      <a:fillRef idx="1">
+        <a:scrgbClr r="0" g="0" b="0"/>
+      </a:fillRef>
+      <a:effectRef idx="0">
+        <a:scrgbClr r="0" g="0" b="0"/>
+      </a:effectRef>
+      <a:fontRef idx="minor"/>
+    </dgm:style>
+  </dgm:styleLbl>
+  <dgm:styleLbl name="alignImgPlace1">
+    <dgm:scene3d>
+      <a:camera prst="orthographicFront"/>
+      <a:lightRig rig="threePt" dir="t"/>
+    </dgm:scene3d>
+    <dgm:sp3d/>
+    <dgm:txPr/>
+    <dgm:style>
+      <a:lnRef idx="2">
+        <a:scrgbClr r="0" g="0" b="0"/>
+      </a:lnRef>
+      <a:fillRef idx="1">
+        <a:scrgbClr r="0" g="0" b="0"/>
+      </a:fillRef>
+      <a:effectRef idx="0">
+        <a:scrgbClr r="0" g="0" b="0"/>
+      </a:effectRef>
+      <a:fontRef idx="minor"/>
+    </dgm:style>
+  </dgm:styleLbl>
+  <dgm:styleLbl name="bgImgPlace1">
+    <dgm:scene3d>
+      <a:camera prst="orthographicFront"/>
+      <a:lightRig rig="threePt" dir="t"/>
+    </dgm:scene3d>
+    <dgm:sp3d/>
+    <dgm:txPr/>
+    <dgm:style>
+      <a:lnRef idx="2">
+        <a:scrgbClr r="0" g="0" b="0"/>
+      </a:lnRef>
+      <a:fillRef idx="1">
+        <a:scrgbClr r="0" g="0" b="0"/>
+      </a:fillRef>
+      <a:effectRef idx="0">
+        <a:scrgbClr r="0" g="0" b="0"/>
+      </a:effectRef>
+      <a:fontRef idx="minor"/>
+    </dgm:style>
+  </dgm:styleLbl>
+  <dgm:styleLbl name="sibTrans2D1">
+    <dgm:scene3d>
+      <a:camera prst="orthographicFront"/>
+      <a:lightRig rig="threePt" dir="t"/>
+    </dgm:scene3d>
+    <dgm:sp3d/>
+    <dgm:txPr/>
+    <dgm:style>
+      <a:lnRef idx="0">
+        <a:scrgbClr r="0" g="0" b="0"/>
+      </a:lnRef>
+      <a:fillRef idx="1">
+        <a:scrgbClr r="0" g="0" b="0"/>
+      </a:fillRef>
+      <a:effectRef idx="0">
+        <a:scrgbClr r="0" g="0" b="0"/>
+      </a:effectRef>
+      <a:fontRef idx="minor">
+        <a:schemeClr val="lt1"/>
+      </a:fontRef>
+    </dgm:style>
+  </dgm:styleLbl>
+  <dgm:styleLbl name="fgSibTrans2D1">
+    <dgm:scene3d>
+      <a:camera prst="orthographicFront"/>
+      <a:lightRig rig="threePt" dir="t"/>
+    </dgm:scene3d>
+    <dgm:sp3d/>
+    <dgm:txPr/>
+    <dgm:style>
+      <a:lnRef idx="0">
+        <a:scrgbClr r="0" g="0" b="0"/>
+      </a:lnRef>
+      <a:fillRef idx="1">
+        <a:scrgbClr r="0" g="0" b="0"/>
+      </a:fillRef>
+      <a:effectRef idx="0">
+        <a:scrgbClr r="0" g="0" b="0"/>
+      </a:effectRef>
+      <a:fontRef idx="minor">
+        <a:schemeClr val="lt1"/>
+      </a:fontRef>
+    </dgm:style>
+  </dgm:styleLbl>
+  <dgm:styleLbl name="bgSibTrans2D1">
+    <dgm:scene3d>
+      <a:camera prst="orthographicFront"/>
+      <a:lightRig rig="threePt" dir="t"/>
+    </dgm:scene3d>
+    <dgm:sp3d/>
+    <dgm:txPr/>
+    <dgm:style>
+      <a:lnRef idx="0">
+        <a:scrgbClr r="0" g="0" b="0"/>
+      </a:lnRef>
+      <a:fillRef idx="1">
+        <a:scrgbClr r="0" g="0" b="0"/>
+      </a:fillRef>
+      <a:effectRef idx="0">
+        <a:scrgbClr r="0" g="0" b="0"/>
+      </a:effectRef>
+      <a:fontRef idx="minor">
+        <a:schemeClr val="lt1"/>
+      </a:fontRef>
+    </dgm:style>
+  </dgm:styleLbl>
+  <dgm:styleLbl name="sibTrans1D1">
+    <dgm:scene3d>
+      <a:camera prst="orthographicFront"/>
+      <a:lightRig rig="threePt" dir="t"/>
+    </dgm:scene3d>
+    <dgm:sp3d/>
+    <dgm:txPr/>
+    <dgm:style>
+      <a:lnRef idx="1">
+        <a:scrgbClr r="0" g="0" b="0"/>
+      </a:lnRef>
+      <a:fillRef idx="0">
+        <a:scrgbClr r="0" g="0" b="0"/>
+      </a:fillRef>
+      <a:effectRef idx="0">
+        <a:scrgbClr r="0" g="0" b="0"/>
+      </a:effectRef>
+      <a:fontRef idx="minor"/>
+    </dgm:style>
+  </dgm:styleLbl>
+  <dgm:styleLbl name="callout">
+    <dgm:scene3d>
+      <a:camera prst="orthographicFront"/>
+      <a:lightRig rig="threePt" dir="t"/>
+    </dgm:scene3d>
+    <dgm:sp3d/>
+    <dgm:txPr/>
+    <dgm:style>
+      <a:lnRef idx="2">
+        <a:scrgbClr r="0" g="0" b="0"/>
+      </a:lnRef>
+      <a:fillRef idx="1">
+        <a:scrgbClr r="0" g="0" b="0"/>
+      </a:fillRef>
+      <a:effectRef idx="0">
+        <a:scrgbClr r="0" g="0" b="0"/>
+      </a:effectRef>
+      <a:fontRef idx="minor"/>
+    </dgm:style>
+  </dgm:styleLbl>
+  <dgm:styleLbl name="asst0">
+    <dgm:scene3d>
+      <a:camera prst="orthographicFront"/>
+      <a:lightRig rig="threePt" dir="t"/>
+    </dgm:scene3d>
+    <dgm:sp3d/>
+    <dgm:txPr/>
+    <dgm:style>
+      <a:lnRef idx="2">
+        <a:scrgbClr r="0" g="0" b="0"/>
+      </a:lnRef>
+      <a:fillRef idx="1">
+        <a:scrgbClr r="0" g="0" b="0"/>
+      </a:fillRef>
+      <a:effectRef idx="0">
+        <a:scrgbClr r="0" g="0" b="0"/>
+      </a:effectRef>
+      <a:fontRef idx="minor">
+        <a:schemeClr val="lt1"/>
+      </a:fontRef>
+    </dgm:style>
+  </dgm:styleLbl>
+  <dgm:styleLbl name="asst1">
+    <dgm:scene3d>
+      <a:camera prst="orthographicFront"/>
+      <a:lightRig rig="threePt" dir="t"/>
+    </dgm:scene3d>
+    <dgm:sp3d/>
+    <dgm:txPr/>
+    <dgm:style>
+      <a:lnRef idx="2">
+        <a:scrgbClr r="0" g="0" b="0"/>
+      </a:lnRef>
+      <a:fillRef idx="1">
+        <a:scrgbClr r="0" g="0" b="0"/>
+      </a:fillRef>
+      <a:effectRef idx="0">
+        <a:scrgbClr r="0" g="0" b="0"/>
+      </a:effectRef>
+      <a:fontRef idx="minor">
+        <a:schemeClr val="lt1"/>
+      </a:fontRef>
+    </dgm:style>
+  </dgm:styleLbl>
+  <dgm:styleLbl name="asst2">
+    <dgm:scene3d>
+      <a:camera prst="orthographicFront"/>
+      <a:lightRig rig="threePt" dir="t"/>
+    </dgm:scene3d>
+    <dgm:sp3d/>
+    <dgm:txPr/>
+    <dgm:style>
+      <a:lnRef idx="2">
+        <a:scrgbClr r="0" g="0" b="0"/>
+      </a:lnRef>
+      <a:fillRef idx="1">
+        <a:scrgbClr r="0" g="0" b="0"/>
+      </a:fillRef>
+      <a:effectRef idx="0">
+        <a:scrgbClr r="0" g="0" b="0"/>
+      </a:effectRef>
+      <a:fontRef idx="minor">
+        <a:schemeClr val="lt1"/>
+      </a:fontRef>
+    </dgm:style>
+  </dgm:styleLbl>
+  <dgm:styleLbl name="asst3">
+    <dgm:scene3d>
+      <a:camera prst="orthographicFront"/>
+      <a:lightRig rig="threePt" dir="t"/>
+    </dgm:scene3d>
+    <dgm:sp3d/>
+    <dgm:txPr/>
+    <dgm:style>
+      <a:lnRef idx="2">
+        <a:scrgbClr r="0" g="0" b="0"/>
+      </a:lnRef>
+      <a:fillRef idx="1">
+        <a:scrgbClr r="0" g="0" b="0"/>
+      </a:fillRef>
+      <a:effectRef idx="0">
+        <a:scrgbClr r="0" g="0" b="0"/>
+      </a:effectRef>
+      <a:fontRef idx="minor">
+        <a:schemeClr val="lt1"/>
+      </a:fontRef>
+    </dgm:style>
+  </dgm:styleLbl>
+  <dgm:styleLbl name="asst4">
+    <dgm:scene3d>
+      <a:camera prst="orthographicFront"/>
+      <a:lightRig rig="threePt" dir="t"/>
+    </dgm:scene3d>
+    <dgm:sp3d/>
+    <dgm:txPr/>
+    <dgm:style>
+      <a:lnRef idx="2">
+        <a:scrgbClr r="0" g="0" b="0"/>
+      </a:lnRef>
+      <a:fillRef idx="1">
+        <a:scrgbClr r="0" g="0" b="0"/>
+      </a:fillRef>
+      <a:effectRef idx="0">
+        <a:scrgbClr r="0" g="0" b="0"/>
+      </a:effectRef>
+      <a:fontRef idx="minor">
+        <a:schemeClr val="lt1"/>
+      </a:fontRef>
+    </dgm:style>
+  </dgm:styleLbl>
+  <dgm:styleLbl name="parChTrans2D1">
+    <dgm:scene3d>
+      <a:camera prst="orthographicFront"/>
+      <a:lightRig rig="threePt" dir="t"/>
+    </dgm:scene3d>
+    <dgm:sp3d/>
+    <dgm:txPr/>
+    <dgm:style>
+      <a:lnRef idx="2">
+        <a:scrgbClr r="0" g="0" b="0"/>
+      </a:lnRef>
+      <a:fillRef idx="1">
+        <a:scrgbClr r="0" g="0" b="0"/>
+      </a:fillRef>
+      <a:effectRef idx="0">
+        <a:scrgbClr r="0" g="0" b="0"/>
+      </a:effectRef>
+      <a:fontRef idx="minor">
+        <a:schemeClr val="lt1"/>
+      </a:fontRef>
+    </dgm:style>
+  </dgm:styleLbl>
+  <dgm:styleLbl name="parChTrans2D2">
+    <dgm:scene3d>
+      <a:camera prst="orthographicFront"/>
+      <a:lightRig rig="threePt" dir="t"/>
+    </dgm:scene3d>
+    <dgm:sp3d/>
+    <dgm:txPr/>
+    <dgm:style>
+      <a:lnRef idx="2">
+        <a:scrgbClr r="0" g="0" b="0"/>
+      </a:lnRef>
+      <a:fillRef idx="1">
+        <a:scrgbClr r="0" g="0" b="0"/>
+      </a:fillRef>
+      <a:effectRef idx="0">
+        <a:scrgbClr r="0" g="0" b="0"/>
+      </a:effectRef>
+      <a:fontRef idx="minor">
+        <a:schemeClr val="lt1"/>
+      </a:fontRef>
+    </dgm:style>
+  </dgm:styleLbl>
+  <dgm:styleLbl name="parChTrans2D3">
+    <dgm:scene3d>
+      <a:camera prst="orthographicFront"/>
+      <a:lightRig rig="threePt" dir="t"/>
+    </dgm:scene3d>
+    <dgm:sp3d/>
+    <dgm:txPr/>
+    <dgm:style>
+      <a:lnRef idx="2">
+        <a:scrgbClr r="0" g="0" b="0"/>
+      </a:lnRef>
+      <a:fillRef idx="1">
+        <a:scrgbClr r="0" g="0" b="0"/>
+      </a:fillRef>
+      <a:effectRef idx="0">
+        <a:scrgbClr r="0" g="0" b="0"/>
+      </a:effectRef>
+      <a:fontRef idx="minor">
+        <a:schemeClr val="lt1"/>
+      </a:fontRef>
+    </dgm:style>
+  </dgm:styleLbl>
+  <dgm:styleLbl name="parChTrans2D4">
+    <dgm:scene3d>
+      <a:camera prst="orthographicFront"/>
+      <a:lightRig rig="threePt" dir="t"/>
+    </dgm:scene3d>
+    <dgm:sp3d/>
+    <dgm:txPr/>
+    <dgm:style>
+      <a:lnRef idx="2">
+        <a:scrgbClr r="0" g="0" b="0"/>
+      </a:lnRef>
+      <a:fillRef idx="1">
+        <a:scrgbClr r="0" g="0" b="0"/>
+      </a:fillRef>
+      <a:effectRef idx="0">
+        <a:scrgbClr r="0" g="0" b="0"/>
+      </a:effectRef>
+      <a:fontRef idx="minor">
+        <a:schemeClr val="lt1"/>
+      </a:fontRef>
+    </dgm:style>
+  </dgm:styleLbl>
+  <dgm:styleLbl name="parChTrans1D1">
+    <dgm:scene3d>
+      <a:camera prst="orthographicFront"/>
+      <a:lightRig rig="threePt" dir="t"/>
+    </dgm:scene3d>
+    <dgm:sp3d/>
+    <dgm:txPr/>
+    <dgm:style>
+      <a:lnRef idx="2">
+        <a:scrgbClr r="0" g="0" b="0"/>
+      </a:lnRef>
+      <a:fillRef idx="0">
+        <a:scrgbClr r="0" g="0" b="0"/>
+      </a:fillRef>
+      <a:effectRef idx="0">
+        <a:scrgbClr r="0" g="0" b="0"/>
+      </a:effectRef>
+      <a:fontRef idx="minor"/>
+    </dgm:style>
+  </dgm:styleLbl>
+  <dgm:styleLbl name="parChTrans1D2">
+    <dgm:scene3d>
+      <a:camera prst="orthographicFront"/>
+      <a:lightRig rig="threePt" dir="t"/>
+    </dgm:scene3d>
+    <dgm:sp3d/>
+    <dgm:txPr/>
+    <dgm:style>
+      <a:lnRef idx="2">
+        <a:scrgbClr r="0" g="0" b="0"/>
+      </a:lnRef>
+      <a:fillRef idx="0">
+        <a:scrgbClr r="0" g="0" b="0"/>
+      </a:fillRef>
+      <a:effectRef idx="0">
+        <a:scrgbClr r="0" g="0" b="0"/>
+      </a:effectRef>
+      <a:fontRef idx="minor"/>
+    </dgm:style>
+  </dgm:styleLbl>
+  <dgm:styleLbl name="parChTrans1D3">
+    <dgm:scene3d>
+      <a:camera prst="orthographicFront"/>
+      <a:lightRig rig="threePt" dir="t"/>
+    </dgm:scene3d>
+    <dgm:sp3d/>
+    <dgm:txPr/>
+    <dgm:style>
+      <a:lnRef idx="2">
+        <a:scrgbClr r="0" g="0" b="0"/>
+      </a:lnRef>
+      <a:fillRef idx="0">
+        <a:scrgbClr r="0" g="0" b="0"/>
+      </a:fillRef>
+      <a:effectRef idx="0">
+        <a:scrgbClr r="0" g="0" b="0"/>
+      </a:effectRef>
+      <a:fontRef idx="minor"/>
+    </dgm:style>
+  </dgm:styleLbl>
+  <dgm:styleLbl name="parChTrans1D4">
+    <dgm:scene3d>
+      <a:camera prst="orthographicFront"/>
+      <a:lightRig rig="threePt" dir="t"/>
+    </dgm:scene3d>
+    <dgm:sp3d/>
+    <dgm:txPr/>
+    <dgm:style>
+      <a:lnRef idx="2">
+        <a:scrgbClr r="0" g="0" b="0"/>
+      </a:lnRef>
+      <a:fillRef idx="0">
+        <a:scrgbClr r="0" g="0" b="0"/>
+      </a:fillRef>
+      <a:effectRef idx="0">
+        <a:scrgbClr r="0" g="0" b="0"/>
+      </a:effectRef>
+      <a:fontRef idx="minor"/>
+    </dgm:style>
+  </dgm:styleLbl>
+  <dgm:styleLbl name="fgAcc1">
+    <dgm:scene3d>
+      <a:camera prst="orthographicFront"/>
+      <a:lightRig rig="threePt" dir="t"/>
+    </dgm:scene3d>
+    <dgm:sp3d/>
+    <dgm:txPr/>
+    <dgm:style>
+      <a:lnRef idx="2">
+        <a:scrgbClr r="0" g="0" b="0"/>
+      </a:lnRef>
+      <a:fillRef idx="1">
+        <a:scrgbClr r="0" g="0" b="0"/>
+      </a:fillRef>
+      <a:effectRef idx="0">
+        <a:scrgbClr r="0" g="0" b="0"/>
+      </a:effectRef>
+      <a:fontRef idx="minor"/>
+    </dgm:style>
+  </dgm:styleLbl>
+  <dgm:styleLbl name="conFgAcc1">
+    <dgm:scene3d>
+      <a:camera prst="orthographicFront"/>
+      <a:lightRig rig="threePt" dir="t"/>
+    </dgm:scene3d>
+    <dgm:sp3d/>
+    <dgm:txPr/>
+    <dgm:style>
+      <a:lnRef idx="2">
+        <a:scrgbClr r="0" g="0" b="0"/>
+      </a:lnRef>
+      <a:fillRef idx="1">
+        <a:scrgbClr r="0" g="0" b="0"/>
+      </a:fillRef>
+      <a:effectRef idx="0">
+        <a:scrgbClr r="0" g="0" b="0"/>
+      </a:effectRef>
+      <a:fontRef idx="minor"/>
+    </dgm:style>
+  </dgm:styleLbl>
+  <dgm:styleLbl name="alignAcc1">
+    <dgm:scene3d>
+      <a:camera prst="orthographicFront"/>
+      <a:lightRig rig="threePt" dir="t"/>
+    </dgm:scene3d>
+    <dgm:sp3d/>
+    <dgm:txPr/>
+    <dgm:style>
+      <a:lnRef idx="2">
+        <a:scrgbClr r="0" g="0" b="0"/>
+      </a:lnRef>
+      <a:fillRef idx="1">
+        <a:scrgbClr r="0" g="0" b="0"/>
+      </a:fillRef>
+      <a:effectRef idx="0">
+        <a:scrgbClr r="0" g="0" b="0"/>
+      </a:effectRef>
+      <a:fontRef idx="minor"/>
+    </dgm:style>
+  </dgm:styleLbl>
+  <dgm:styleLbl name="trAlignAcc1">
+    <dgm:scene3d>
+      <a:camera prst="orthographicFront"/>
+      <a:lightRig rig="threePt" dir="t"/>
+    </dgm:scene3d>
+    <dgm:sp3d/>
+    <dgm:txPr/>
+    <dgm:style>
+      <a:lnRef idx="1">
+        <a:scrgbClr r="0" g="0" b="0"/>
+      </a:lnRef>
+      <a:fillRef idx="1">
+        <a:scrgbClr r="0" g="0" b="0"/>
+      </a:fillRef>
+      <a:effectRef idx="0">
+        <a:scrgbClr r="0" g="0" b="0"/>
+      </a:effectRef>
+      <a:fontRef idx="minor"/>
+    </dgm:style>
+  </dgm:styleLbl>
+  <dgm:styleLbl name="bgAcc1">
+    <dgm:scene3d>
+      <a:camera prst="orthographicFront"/>
+      <a:lightRig rig="threePt" dir="t"/>
+    </dgm:scene3d>
+    <dgm:sp3d/>
+    <dgm:txPr/>
+    <dgm:style>
+      <a:lnRef idx="2">
+        <a:scrgbClr r="0" g="0" b="0"/>
+      </a:lnRef>
+      <a:fillRef idx="1">
+        <a:scrgbClr r="0" g="0" b="0"/>
+      </a:fillRef>
+      <a:effectRef idx="0">
+        <a:scrgbClr r="0" g="0" b="0"/>
+      </a:effectRef>
+      <a:fontRef idx="minor"/>
+    </dgm:style>
+  </dgm:styleLbl>
+  <dgm:styleLbl name="solidFgAcc1">
+    <dgm:scene3d>
+      <a:camera prst="orthographicFront"/>
+      <a:lightRig rig="threePt" dir="t"/>
+    </dgm:scene3d>
+    <dgm:sp3d/>
+    <dgm:txPr/>
+    <dgm:style>
+      <a:lnRef idx="2">
+        <a:scrgbClr r="0" g="0" b="0"/>
+      </a:lnRef>
+      <a:fillRef idx="1">
+        <a:scrgbClr r="0" g="0" b="0"/>
+      </a:fillRef>
+      <a:effectRef idx="0">
+        <a:scrgbClr r="0" g="0" b="0"/>
+      </a:effectRef>
+      <a:fontRef idx="minor"/>
+    </dgm:style>
+  </dgm:styleLbl>
+  <dgm:styleLbl name="solidAlignAcc1">
+    <dgm:scene3d>
+      <a:camera prst="orthographicFront"/>
+      <a:lightRig rig="threePt" dir="t"/>
+    </dgm:scene3d>
+    <dgm:sp3d/>
+    <dgm:txPr/>
+    <dgm:style>
+      <a:lnRef idx="2">
+        <a:scrgbClr r="0" g="0" b="0"/>
+      </a:lnRef>
+      <a:fillRef idx="1">
+        <a:scrgbClr r="0" g="0" b="0"/>
+      </a:fillRef>
+      <a:effectRef idx="0">
+        <a:scrgbClr r="0" g="0" b="0"/>
+      </a:effectRef>
+      <a:fontRef idx="minor"/>
+    </dgm:style>
+  </dgm:styleLbl>
+  <dgm:styleLbl name="solidBgAcc1">
+    <dgm:scene3d>
+      <a:camera prst="orthographicFront"/>
+      <a:lightRig rig="threePt" dir="t"/>
+    </dgm:scene3d>
+    <dgm:sp3d/>
+    <dgm:txPr/>
+    <dgm:style>
+      <a:lnRef idx="2">
+        <a:scrgbClr r="0" g="0" b="0"/>
+      </a:lnRef>
+      <a:fillRef idx="1">
+        <a:scrgbClr r="0" g="0" b="0"/>
+      </a:fillRef>
+      <a:effectRef idx="0">
+        <a:scrgbClr r="0" g="0" b="0"/>
+      </a:effectRef>
+      <a:fontRef idx="minor"/>
+    </dgm:style>
+  </dgm:styleLbl>
+  <dgm:styleLbl name="fgAccFollowNode1">
+    <dgm:scene3d>
+      <a:camera prst="orthographicFront"/>
+      <a:lightRig rig="threePt" dir="t"/>
+    </dgm:scene3d>
+    <dgm:sp3d/>
+    <dgm:txPr/>
+    <dgm:style>
+      <a:lnRef idx="2">
+        <a:scrgbClr r="0" g="0" b="0"/>
+      </a:lnRef>
+      <a:fillRef idx="1">
+        <a:scrgbClr r="0" g="0" b="0"/>
+      </a:fillRef>
+      <a:effectRef idx="0">
+        <a:scrgbClr r="0" g="0" b="0"/>
+      </a:effectRef>
+      <a:fontRef idx="minor"/>
+    </dgm:style>
+  </dgm:styleLbl>
+  <dgm:styleLbl name="alignAccFollowNode1">
+    <dgm:scene3d>
+      <a:camera prst="orthographicFront"/>
+      <a:lightRig rig="threePt" dir="t"/>
+    </dgm:scene3d>
+    <dgm:sp3d/>
+    <dgm:txPr/>
+    <dgm:style>
+      <a:lnRef idx="2">
+        <a:scrgbClr r="0" g="0" b="0"/>
+      </a:lnRef>
+      <a:fillRef idx="1">
+        <a:scrgbClr r="0" g="0" b="0"/>
+      </a:fillRef>
+      <a:effectRef idx="0">
+        <a:scrgbClr r="0" g="0" b="0"/>
+      </a:effectRef>
+      <a:fontRef idx="minor"/>
+    </dgm:style>
+  </dgm:styleLbl>
+  <dgm:styleLbl name="bgAccFollowNode1">
+    <dgm:scene3d>
+      <a:camera prst="orthographicFront"/>
+      <a:lightRig rig="threePt" dir="t"/>
+    </dgm:scene3d>
+    <dgm:sp3d/>
+    <dgm:txPr/>
+    <dgm:style>
+      <a:lnRef idx="2">
+        <a:scrgbClr r="0" g="0" b="0"/>
+      </a:lnRef>
+      <a:fillRef idx="1">
+        <a:scrgbClr r="0" g="0" b="0"/>
+      </a:fillRef>
+      <a:effectRef idx="0">
+        <a:scrgbClr r="0" g="0" b="0"/>
+      </a:effectRef>
+      <a:fontRef idx="minor"/>
+    </dgm:style>
+  </dgm:styleLbl>
+  <dgm:styleLbl name="fgAcc0">
+    <dgm:scene3d>
+      <a:camera prst="orthographicFront"/>
+      <a:lightRig rig="threePt" dir="t"/>
+    </dgm:scene3d>
+    <dgm:sp3d/>
+    <dgm:txPr/>
+    <dgm:style>
+      <a:lnRef idx="2">
+        <a:scrgbClr r="0" g="0" b="0"/>
+      </a:lnRef>
+      <a:fillRef idx="1">
+        <a:scrgbClr r="0" g="0" b="0"/>
+      </a:fillRef>
+      <a:effectRef idx="0">
+        <a:scrgbClr r="0" g="0" b="0"/>
+      </a:effectRef>
+      <a:fontRef idx="minor"/>
+    </dgm:style>
+  </dgm:styleLbl>
+  <dgm:styleLbl name="fgAcc2">
+    <dgm:scene3d>
+      <a:camera prst="orthographicFront"/>
+      <a:lightRig rig="threePt" dir="t"/>
+    </dgm:scene3d>
+    <dgm:sp3d/>
+    <dgm:txPr/>
+    <dgm:style>
+      <a:lnRef idx="2">
+        <a:scrgbClr r="0" g="0" b="0"/>
+      </a:lnRef>
+      <a:fillRef idx="1">
+        <a:scrgbClr r="0" g="0" b="0"/>
+      </a:fillRef>
+      <a:effectRef idx="0">
+        <a:scrgbClr r="0" g="0" b="0"/>
+      </a:effectRef>
+      <a:fontRef idx="minor"/>
+    </dgm:style>
+  </dgm:styleLbl>
+  <dgm:styleLbl name="fgAcc3">
+    <dgm:scene3d>
+      <a:camera prst="orthographicFront"/>
+      <a:lightRig rig="threePt" dir="t"/>
+    </dgm:scene3d>
+    <dgm:sp3d/>
+    <dgm:txPr/>
+    <dgm:style>
+      <a:lnRef idx="2">
+        <a:scrgbClr r="0" g="0" b="0"/>
+      </a:lnRef>
+      <a:fillRef idx="1">
+        <a:scrgbClr r="0" g="0" b="0"/>
+      </a:fillRef>
+      <a:effectRef idx="0">
+        <a:scrgbClr r="0" g="0" b="0"/>
+      </a:effectRef>
+      <a:fontRef idx="minor"/>
+    </dgm:style>
+  </dgm:styleLbl>
+  <dgm:styleLbl name="fgAcc4">
+    <dgm:scene3d>
+      <a:camera prst="orthographicFront"/>
+      <a:lightRig rig="threePt" dir="t"/>
+    </dgm:scene3d>
+    <dgm:sp3d/>
+    <dgm:txPr/>
+    <dgm:style>
+      <a:lnRef idx="2">
+        <a:scrgbClr r="0" g="0" b="0"/>
+      </a:lnRef>
+      <a:fillRef idx="1">
+        <a:scrgbClr r="0" g="0" b="0"/>
+      </a:fillRef>
+      <a:effectRef idx="0">
+        <a:scrgbClr r="0" g="0" b="0"/>
+      </a:effectRef>
+      <a:fontRef idx="minor"/>
+    </dgm:style>
+  </dgm:styleLbl>
+  <dgm:styleLbl name="bgShp">
+    <dgm:scene3d>
+      <a:camera prst="orthographicFront"/>
+      <a:lightRig rig="threePt" dir="t"/>
+    </dgm:scene3d>
+    <dgm:sp3d/>
+    <dgm:txPr/>
+    <dgm:style>
+      <a:lnRef idx="0">
+        <a:scrgbClr r="0" g="0" b="0"/>
+      </a:lnRef>
+      <a:fillRef idx="1">
+        <a:scrgbClr r="0" g="0" b="0"/>
+      </a:fillRef>
+      <a:effectRef idx="0">
+        <a:scrgbClr r="0" g="0" b="0"/>
+      </a:effectRef>
+      <a:fontRef idx="minor"/>
+    </dgm:style>
+  </dgm:styleLbl>
+  <dgm:styleLbl name="dkBgShp">
+    <dgm:scene3d>
+      <a:camera prst="orthographicFront"/>
+      <a:lightRig rig="threePt" dir="t"/>
+    </dgm:scene3d>
+    <dgm:sp3d/>
+    <dgm:txPr/>
+    <dgm:style>
+      <a:lnRef idx="0">
+        <a:scrgbClr r="0" g="0" b="0"/>
+      </a:lnRef>
+      <a:fillRef idx="1">
+        <a:scrgbClr r="0" g="0" b="0"/>
+      </a:fillRef>
+      <a:effectRef idx="0">
+        <a:scrgbClr r="0" g="0" b="0"/>
+      </a:effectRef>
+      <a:fontRef idx="minor"/>
+    </dgm:style>
+  </dgm:styleLbl>
+  <dgm:styleLbl name="trBgShp">
+    <dgm:scene3d>
+      <a:camera prst="orthographicFront"/>
+      <a:lightRig rig="threePt" dir="t"/>
+    </dgm:scene3d>
+    <dgm:sp3d/>
+    <dgm:txPr/>
+    <dgm:style>
+      <a:lnRef idx="0">
+        <a:scrgbClr r="0" g="0" b="0"/>
+      </a:lnRef>
+      <a:fillRef idx="1">
+        <a:scrgbClr r="0" g="0" b="0"/>
+      </a:fillRef>
+      <a:effectRef idx="0">
+        <a:scrgbClr r="0" g="0" b="0"/>
+      </a:effectRef>
+      <a:fontRef idx="minor"/>
+    </dgm:style>
+  </dgm:styleLbl>
+  <dgm:styleLbl name="fgShp">
+    <dgm:scene3d>
+      <a:camera prst="orthographicFront"/>
+      <a:lightRig rig="threePt" dir="t"/>
+    </dgm:scene3d>
+    <dgm:sp3d/>
+    <dgm:txPr/>
+    <dgm:style>
+      <a:lnRef idx="2">
+        <a:scrgbClr r="0" g="0" b="0"/>
+      </a:lnRef>
+      <a:fillRef idx="1">
+        <a:scrgbClr r="0" g="0" b="0"/>
+      </a:fillRef>
+      <a:effectRef idx="0">
+        <a:scrgbClr r="0" g="0" b="0"/>
+      </a:effectRef>
+      <a:fontRef idx="minor"/>
+    </dgm:style>
+  </dgm:styleLbl>
+  <dgm:styleLbl name="revTx">
+    <dgm:scene3d>
+      <a:camera prst="orthographicFront"/>
+      <a:lightRig rig="threePt" dir="t"/>
+    </dgm:scene3d>
+    <dgm:sp3d/>
+    <dgm:txPr/>
+    <dgm:style>
+      <a:lnRef idx="0">
+        <a:scrgbClr r="0" g="0" b="0"/>
+      </a:lnRef>
+      <a:fillRef idx="0">
+        <a:scrgbClr r="0" g="0" b="0"/>
+      </a:fillRef>
+      <a:effectRef idx="0">
+        <a:scrgbClr r="0" g="0" b="0"/>
+      </a:effectRef>
+      <a:fontRef idx="minor"/>
+    </dgm:style>
+  </dgm:styleLbl>
+</dgm:styleDef>
+</file>
+
+<file path=ppt/diagrams/quickStyle2.xml><?xml version="1.0" encoding="utf-8"?>
 <dgm:styleDef xmlns:dgm="http://schemas.openxmlformats.org/drawingml/2006/diagram" xmlns:a="http://schemas.openxmlformats.org/drawingml/2006/main" uniqueId="urn:microsoft.com/office/officeart/2005/8/quickstyle/simple1">
   <dgm:title val=""/>
   <dgm:desc val=""/>
@@ -12703,7 +16181,7 @@
             </a:br>
             <a:r>
               <a:rPr lang="en-US" sz="4800" dirty="0"/>
-              <a:t>-multiclass-</a:t>
+              <a:t>-binary-</a:t>
             </a:r>
           </a:p>
         </p:txBody>
@@ -12917,10 +16395,605 @@
           </a:prstGeom>
         </p:spPr>
       </p:pic>
+      <p:sp>
+        <p:nvSpPr>
+          <p:cNvPr id="2" name="Rectángulo 1"/>
+          <p:cNvSpPr/>
+          <p:nvPr/>
+        </p:nvSpPr>
+        <p:spPr>
+          <a:xfrm>
+            <a:off x="2517699" y="2442054"/>
+            <a:ext cx="9105907" cy="4154984"/>
+          </a:xfrm>
+          <a:prstGeom prst="rect">
+            <a:avLst/>
+          </a:prstGeom>
+        </p:spPr>
+        <p:txBody>
+          <a:bodyPr wrap="square">
+            <a:spAutoFit/>
+          </a:bodyPr>
+          <a:lstStyle/>
+          <a:p>
+            <a:r>
+              <a:rPr lang="es-ES" sz="1200" dirty="0" err="1"/>
+              <a:t>Best</a:t>
+            </a:r>
+            <a:r>
+              <a:rPr lang="es-ES" sz="1200" dirty="0"/>
+              <a:t> </a:t>
+            </a:r>
+            <a:r>
+              <a:rPr lang="es-ES" sz="1200" dirty="0" err="1"/>
+              <a:t>parameters</a:t>
+            </a:r>
+            <a:r>
+              <a:rPr lang="es-ES" sz="1200" dirty="0"/>
+              <a:t> </a:t>
+            </a:r>
+            <a:r>
+              <a:rPr lang="es-ES" sz="1200" dirty="0" err="1"/>
+              <a:t>for</a:t>
+            </a:r>
+            <a:r>
+              <a:rPr lang="es-ES" sz="1200" dirty="0"/>
+              <a:t> SVC </a:t>
+            </a:r>
+            <a:r>
+              <a:rPr lang="es-ES" sz="1200" dirty="0" err="1"/>
+              <a:t>with</a:t>
+            </a:r>
+            <a:r>
+              <a:rPr lang="es-ES" sz="1200" dirty="0"/>
+              <a:t> DD </a:t>
+            </a:r>
+            <a:r>
+              <a:rPr lang="es-ES" sz="1200" dirty="0" err="1"/>
+              <a:t>for</a:t>
+            </a:r>
+            <a:r>
+              <a:rPr lang="es-ES" sz="1200" dirty="0"/>
+              <a:t> are =  {'C': 100, 'gamma': 0.001, '</a:t>
+            </a:r>
+            <a:r>
+              <a:rPr lang="es-ES" sz="1200" dirty="0" err="1"/>
+              <a:t>kernel</a:t>
+            </a:r>
+            <a:r>
+              <a:rPr lang="es-ES" sz="1200" dirty="0"/>
+              <a:t>': '</a:t>
+            </a:r>
+            <a:r>
+              <a:rPr lang="es-ES" sz="1200" dirty="0" err="1"/>
+              <a:t>rbf</a:t>
+            </a:r>
+            <a:r>
+              <a:rPr lang="es-ES" sz="1200" dirty="0"/>
+              <a:t>'}</a:t>
+            </a:r>
+          </a:p>
+          <a:p>
+            <a:r>
+              <a:rPr lang="es-ES" sz="1200" dirty="0" err="1"/>
+              <a:t>Accuracy</a:t>
+            </a:r>
+            <a:r>
+              <a:rPr lang="es-ES" sz="1200" dirty="0"/>
+              <a:t> SVC </a:t>
+            </a:r>
+            <a:r>
+              <a:rPr lang="es-ES" sz="1200" dirty="0" err="1"/>
+              <a:t>with</a:t>
+            </a:r>
+            <a:r>
+              <a:rPr lang="es-ES" sz="1200" dirty="0"/>
+              <a:t> DD </a:t>
+            </a:r>
+            <a:r>
+              <a:rPr lang="es-ES" sz="1200" dirty="0" err="1"/>
+              <a:t>is</a:t>
+            </a:r>
+            <a:r>
+              <a:rPr lang="es-ES" sz="1200" dirty="0"/>
+              <a:t> =  0.67</a:t>
+            </a:r>
+          </a:p>
+          <a:p>
+            <a:r>
+              <a:rPr lang="es-ES" sz="1200" dirty="0"/>
+              <a:t>0.67</a:t>
+            </a:r>
+          </a:p>
+          <a:p>
+            <a:endParaRPr lang="es-ES" sz="1200" dirty="0"/>
+          </a:p>
+          <a:p>
+            <a:r>
+              <a:rPr lang="es-ES" sz="1200" dirty="0" err="1"/>
+              <a:t>Best</a:t>
+            </a:r>
+            <a:r>
+              <a:rPr lang="es-ES" sz="1200" dirty="0"/>
+              <a:t> </a:t>
+            </a:r>
+            <a:r>
+              <a:rPr lang="es-ES" sz="1200" dirty="0" err="1"/>
+              <a:t>parameters</a:t>
+            </a:r>
+            <a:r>
+              <a:rPr lang="es-ES" sz="1200" dirty="0"/>
+              <a:t> </a:t>
+            </a:r>
+            <a:r>
+              <a:rPr lang="es-ES" sz="1200" dirty="0" err="1"/>
+              <a:t>for</a:t>
+            </a:r>
+            <a:r>
+              <a:rPr lang="es-ES" sz="1200" dirty="0"/>
+              <a:t> </a:t>
+            </a:r>
+            <a:r>
+              <a:rPr lang="es-ES" sz="1200" dirty="0" err="1"/>
+              <a:t>kNN</a:t>
+            </a:r>
+            <a:r>
+              <a:rPr lang="es-ES" sz="1200" dirty="0"/>
+              <a:t> are =  {'</a:t>
+            </a:r>
+            <a:r>
+              <a:rPr lang="es-ES" sz="1200" dirty="0" err="1"/>
+              <a:t>n_neighbors</a:t>
+            </a:r>
+            <a:r>
+              <a:rPr lang="es-ES" sz="1200" dirty="0"/>
+              <a:t>': 30}</a:t>
+            </a:r>
+          </a:p>
+          <a:p>
+            <a:r>
+              <a:rPr lang="es-ES" sz="1200" dirty="0" err="1"/>
+              <a:t>Accuracy</a:t>
+            </a:r>
+            <a:r>
+              <a:rPr lang="es-ES" sz="1200" dirty="0"/>
+              <a:t> </a:t>
+            </a:r>
+            <a:r>
+              <a:rPr lang="es-ES" sz="1200" dirty="0" err="1"/>
+              <a:t>kNN</a:t>
+            </a:r>
+            <a:r>
+              <a:rPr lang="es-ES" sz="1200" dirty="0"/>
+              <a:t> </a:t>
+            </a:r>
+            <a:r>
+              <a:rPr lang="es-ES" sz="1200" dirty="0" err="1"/>
+              <a:t>is</a:t>
+            </a:r>
+            <a:r>
+              <a:rPr lang="es-ES" sz="1200" dirty="0"/>
+              <a:t> =  0.7266666666666667</a:t>
+            </a:r>
+          </a:p>
+          <a:p>
+            <a:endParaRPr lang="es-ES" sz="1200" dirty="0"/>
+          </a:p>
+          <a:p>
+            <a:r>
+              <a:rPr lang="es-ES" sz="1200" dirty="0" err="1"/>
+              <a:t>Naive</a:t>
+            </a:r>
+            <a:r>
+              <a:rPr lang="es-ES" sz="1200" dirty="0"/>
+              <a:t> </a:t>
+            </a:r>
+            <a:r>
+              <a:rPr lang="es-ES" sz="1200" dirty="0" err="1"/>
+              <a:t>Bayes</a:t>
+            </a:r>
+            <a:r>
+              <a:rPr lang="es-ES" sz="1200" dirty="0"/>
+              <a:t> </a:t>
+            </a:r>
+            <a:r>
+              <a:rPr lang="es-ES" sz="1200" dirty="0" err="1"/>
+              <a:t>classifier</a:t>
+            </a:r>
+            <a:r>
+              <a:rPr lang="es-ES" sz="1200" dirty="0"/>
+              <a:t>:  0.5841666666666666</a:t>
+            </a:r>
+          </a:p>
+          <a:p>
+            <a:endParaRPr lang="es-ES" sz="1200" dirty="0"/>
+          </a:p>
+          <a:p>
+            <a:r>
+              <a:rPr lang="es-ES" sz="1200" dirty="0" err="1"/>
+              <a:t>Best</a:t>
+            </a:r>
+            <a:r>
+              <a:rPr lang="es-ES" sz="1200" dirty="0"/>
+              <a:t> </a:t>
+            </a:r>
+            <a:r>
+              <a:rPr lang="es-ES" sz="1200" dirty="0" err="1"/>
+              <a:t>parameters</a:t>
+            </a:r>
+            <a:r>
+              <a:rPr lang="es-ES" sz="1200" dirty="0"/>
+              <a:t> </a:t>
+            </a:r>
+            <a:r>
+              <a:rPr lang="es-ES" sz="1200" dirty="0" err="1"/>
+              <a:t>for</a:t>
+            </a:r>
+            <a:r>
+              <a:rPr lang="es-ES" sz="1200" dirty="0"/>
+              <a:t> </a:t>
+            </a:r>
+            <a:r>
+              <a:rPr lang="es-ES" sz="1200" dirty="0" err="1"/>
+              <a:t>DecisionTreeClassifier</a:t>
+            </a:r>
+            <a:r>
+              <a:rPr lang="es-ES" sz="1200" dirty="0"/>
+              <a:t> are =  {'</a:t>
+            </a:r>
+            <a:r>
+              <a:rPr lang="es-ES" sz="1200" dirty="0" err="1"/>
+              <a:t>criterion</a:t>
+            </a:r>
+            <a:r>
+              <a:rPr lang="es-ES" sz="1200" dirty="0"/>
+              <a:t>': '</a:t>
+            </a:r>
+            <a:r>
+              <a:rPr lang="es-ES" sz="1200" dirty="0" err="1"/>
+              <a:t>gini</a:t>
+            </a:r>
+            <a:r>
+              <a:rPr lang="es-ES" sz="1200" dirty="0"/>
+              <a:t>', '</a:t>
+            </a:r>
+            <a:r>
+              <a:rPr lang="es-ES" sz="1200" dirty="0" err="1"/>
+              <a:t>max_depth</a:t>
+            </a:r>
+            <a:r>
+              <a:rPr lang="es-ES" sz="1200" dirty="0"/>
+              <a:t>': 15, '</a:t>
+            </a:r>
+            <a:r>
+              <a:rPr lang="es-ES" sz="1200" dirty="0" err="1"/>
+              <a:t>max_features</a:t>
+            </a:r>
+            <a:r>
+              <a:rPr lang="es-ES" sz="1200" dirty="0"/>
+              <a:t>': 'auto'}</a:t>
+            </a:r>
+          </a:p>
+          <a:p>
+            <a:r>
+              <a:rPr lang="es-ES" sz="1200" dirty="0" err="1"/>
+              <a:t>Accuracy</a:t>
+            </a:r>
+            <a:r>
+              <a:rPr lang="es-ES" sz="1200" dirty="0"/>
+              <a:t> </a:t>
+            </a:r>
+            <a:r>
+              <a:rPr lang="es-ES" sz="1200" dirty="0" err="1"/>
+              <a:t>Random</a:t>
+            </a:r>
+            <a:r>
+              <a:rPr lang="es-ES" sz="1200" dirty="0"/>
+              <a:t> </a:t>
+            </a:r>
+            <a:r>
+              <a:rPr lang="es-ES" sz="1200" dirty="0" err="1"/>
+              <a:t>forest</a:t>
+            </a:r>
+            <a:r>
+              <a:rPr lang="es-ES" sz="1200" dirty="0"/>
+              <a:t> </a:t>
+            </a:r>
+            <a:r>
+              <a:rPr lang="es-ES" sz="1200" dirty="0" err="1"/>
+              <a:t>is</a:t>
+            </a:r>
+            <a:r>
+              <a:rPr lang="es-ES" sz="1200" dirty="0"/>
+              <a:t> =  0.6908333333333333</a:t>
+            </a:r>
+          </a:p>
+          <a:p>
+            <a:r>
+              <a:rPr lang="es-ES" sz="1200" dirty="0"/>
+              <a:t>0.6908333333333333</a:t>
+            </a:r>
+          </a:p>
+          <a:p>
+            <a:endParaRPr lang="es-ES" sz="1200" dirty="0"/>
+          </a:p>
+          <a:p>
+            <a:r>
+              <a:rPr lang="es-ES" sz="1200" dirty="0" err="1"/>
+              <a:t>Best</a:t>
+            </a:r>
+            <a:r>
+              <a:rPr lang="es-ES" sz="1200" dirty="0"/>
+              <a:t> </a:t>
+            </a:r>
+            <a:r>
+              <a:rPr lang="es-ES" sz="1200" dirty="0" err="1"/>
+              <a:t>parameters</a:t>
+            </a:r>
+            <a:r>
+              <a:rPr lang="es-ES" sz="1200" dirty="0"/>
+              <a:t> </a:t>
+            </a:r>
+            <a:r>
+              <a:rPr lang="es-ES" sz="1200" dirty="0" err="1"/>
+              <a:t>for</a:t>
+            </a:r>
+            <a:r>
+              <a:rPr lang="es-ES" sz="1200" dirty="0"/>
+              <a:t> </a:t>
+            </a:r>
+            <a:r>
+              <a:rPr lang="es-ES" sz="1200" dirty="0" err="1"/>
+              <a:t>Gradient</a:t>
+            </a:r>
+            <a:r>
+              <a:rPr lang="es-ES" sz="1200" dirty="0"/>
+              <a:t> </a:t>
+            </a:r>
+            <a:r>
+              <a:rPr lang="es-ES" sz="1200" dirty="0" err="1"/>
+              <a:t>boosting</a:t>
+            </a:r>
+            <a:r>
+              <a:rPr lang="es-ES" sz="1200" dirty="0"/>
+              <a:t> are =  {'</a:t>
+            </a:r>
+            <a:r>
+              <a:rPr lang="es-ES" sz="1200" dirty="0" err="1"/>
+              <a:t>criterion</a:t>
+            </a:r>
+            <a:r>
+              <a:rPr lang="es-ES" sz="1200" dirty="0"/>
+              <a:t>': '</a:t>
+            </a:r>
+            <a:r>
+              <a:rPr lang="es-ES" sz="1200" dirty="0" err="1"/>
+              <a:t>friedman_mse</a:t>
+            </a:r>
+            <a:r>
+              <a:rPr lang="es-ES" sz="1200" dirty="0"/>
+              <a:t>', '</a:t>
+            </a:r>
+            <a:r>
+              <a:rPr lang="es-ES" sz="1200" dirty="0" err="1"/>
+              <a:t>learning_rate</a:t>
+            </a:r>
+            <a:r>
+              <a:rPr lang="es-ES" sz="1200" dirty="0"/>
+              <a:t>': 0.1, '</a:t>
+            </a:r>
+            <a:r>
+              <a:rPr lang="es-ES" sz="1200" dirty="0" err="1"/>
+              <a:t>loss</a:t>
+            </a:r>
+            <a:r>
+              <a:rPr lang="es-ES" sz="1200" dirty="0"/>
+              <a:t>': '</a:t>
+            </a:r>
+            <a:r>
+              <a:rPr lang="es-ES" sz="1200" dirty="0" err="1"/>
+              <a:t>exponential</a:t>
+            </a:r>
+            <a:r>
+              <a:rPr lang="es-ES" sz="1200" dirty="0"/>
+              <a:t>', '</a:t>
+            </a:r>
+            <a:r>
+              <a:rPr lang="es-ES" sz="1200" dirty="0" err="1"/>
+              <a:t>max_depth</a:t>
+            </a:r>
+            <a:r>
+              <a:rPr lang="es-ES" sz="1200" dirty="0"/>
+              <a:t>': 3, '</a:t>
+            </a:r>
+            <a:r>
+              <a:rPr lang="es-ES" sz="1200" dirty="0" err="1"/>
+              <a:t>max_features</a:t>
+            </a:r>
+            <a:r>
+              <a:rPr lang="es-ES" sz="1200" dirty="0"/>
+              <a:t>': 'auto', '</a:t>
+            </a:r>
+            <a:r>
+              <a:rPr lang="es-ES" sz="1200" dirty="0" err="1"/>
+              <a:t>n_estimators</a:t>
+            </a:r>
+            <a:r>
+              <a:rPr lang="es-ES" sz="1200" dirty="0"/>
+              <a:t>': 100}</a:t>
+            </a:r>
+          </a:p>
+          <a:p>
+            <a:r>
+              <a:rPr lang="es-ES" sz="1200" dirty="0" err="1"/>
+              <a:t>Accuracy</a:t>
+            </a:r>
+            <a:r>
+              <a:rPr lang="es-ES" sz="1200" dirty="0"/>
+              <a:t> </a:t>
+            </a:r>
+            <a:r>
+              <a:rPr lang="es-ES" sz="1200" dirty="0" err="1"/>
+              <a:t>Gradient</a:t>
+            </a:r>
+            <a:r>
+              <a:rPr lang="es-ES" sz="1200" dirty="0"/>
+              <a:t> </a:t>
+            </a:r>
+            <a:r>
+              <a:rPr lang="es-ES" sz="1200" dirty="0" err="1"/>
+              <a:t>boosting</a:t>
+            </a:r>
+            <a:r>
+              <a:rPr lang="es-ES" sz="1200" dirty="0"/>
+              <a:t> </a:t>
+            </a:r>
+            <a:r>
+              <a:rPr lang="es-ES" sz="1200" dirty="0" err="1"/>
+              <a:t>is</a:t>
+            </a:r>
+            <a:r>
+              <a:rPr lang="es-ES" sz="1200" dirty="0"/>
+              <a:t> =  0.6216666666666667</a:t>
+            </a:r>
+          </a:p>
+          <a:p>
+            <a:r>
+              <a:rPr lang="es-ES" sz="1200" dirty="0"/>
+              <a:t>0.6216666666666667</a:t>
+            </a:r>
+          </a:p>
+          <a:p>
+            <a:endParaRPr lang="es-ES" sz="1200" dirty="0"/>
+          </a:p>
+          <a:p>
+            <a:r>
+              <a:rPr lang="es-ES" sz="1200" dirty="0" err="1"/>
+              <a:t>Best</a:t>
+            </a:r>
+            <a:r>
+              <a:rPr lang="es-ES" sz="1200" dirty="0"/>
+              <a:t> </a:t>
+            </a:r>
+            <a:r>
+              <a:rPr lang="es-ES" sz="1200" dirty="0" err="1"/>
+              <a:t>parameters</a:t>
+            </a:r>
+            <a:r>
+              <a:rPr lang="es-ES" sz="1200" dirty="0"/>
+              <a:t> </a:t>
+            </a:r>
+            <a:r>
+              <a:rPr lang="es-ES" sz="1200" dirty="0" err="1"/>
+              <a:t>for</a:t>
+            </a:r>
+            <a:r>
+              <a:rPr lang="es-ES" sz="1200" dirty="0"/>
+              <a:t> </a:t>
+            </a:r>
+            <a:r>
+              <a:rPr lang="es-ES" sz="1200" dirty="0" err="1"/>
+              <a:t>Random</a:t>
+            </a:r>
+            <a:r>
+              <a:rPr lang="es-ES" sz="1200" dirty="0"/>
+              <a:t> </a:t>
+            </a:r>
+            <a:r>
+              <a:rPr lang="es-ES" sz="1200" dirty="0" err="1"/>
+              <a:t>forest</a:t>
+            </a:r>
+            <a:r>
+              <a:rPr lang="es-ES" sz="1200" dirty="0"/>
+              <a:t> are =  {'</a:t>
+            </a:r>
+            <a:r>
+              <a:rPr lang="es-ES" sz="1200" dirty="0" err="1"/>
+              <a:t>criterion</a:t>
+            </a:r>
+            <a:r>
+              <a:rPr lang="es-ES" sz="1200" dirty="0"/>
+              <a:t>': '</a:t>
+            </a:r>
+            <a:r>
+              <a:rPr lang="es-ES" sz="1200" dirty="0" err="1"/>
+              <a:t>entropy</a:t>
+            </a:r>
+            <a:r>
+              <a:rPr lang="es-ES" sz="1200" dirty="0"/>
+              <a:t>', '</a:t>
+            </a:r>
+            <a:r>
+              <a:rPr lang="es-ES" sz="1200" dirty="0" err="1"/>
+              <a:t>max_depth</a:t>
+            </a:r>
+            <a:r>
+              <a:rPr lang="es-ES" sz="1200" dirty="0"/>
+              <a:t>': 50, '</a:t>
+            </a:r>
+            <a:r>
+              <a:rPr lang="es-ES" sz="1200" dirty="0" err="1"/>
+              <a:t>max_features</a:t>
+            </a:r>
+            <a:r>
+              <a:rPr lang="es-ES" sz="1200" dirty="0"/>
+              <a:t>': 'auto', '</a:t>
+            </a:r>
+            <a:r>
+              <a:rPr lang="es-ES" sz="1200" dirty="0" err="1"/>
+              <a:t>n_estimators</a:t>
+            </a:r>
+            <a:r>
+              <a:rPr lang="es-ES" sz="1200" dirty="0"/>
+              <a:t>': 1000}</a:t>
+            </a:r>
+          </a:p>
+          <a:p>
+            <a:r>
+              <a:rPr lang="es-ES" sz="1200" dirty="0" err="1"/>
+              <a:t>Accuracy</a:t>
+            </a:r>
+            <a:r>
+              <a:rPr lang="es-ES" sz="1200" dirty="0"/>
+              <a:t> </a:t>
+            </a:r>
+            <a:r>
+              <a:rPr lang="es-ES" sz="1200" dirty="0" err="1"/>
+              <a:t>Random</a:t>
+            </a:r>
+            <a:r>
+              <a:rPr lang="es-ES" sz="1200" dirty="0"/>
+              <a:t> </a:t>
+            </a:r>
+            <a:r>
+              <a:rPr lang="es-ES" sz="1200" dirty="0" err="1"/>
+              <a:t>forest</a:t>
+            </a:r>
+            <a:r>
+              <a:rPr lang="es-ES" sz="1200" dirty="0"/>
+              <a:t> </a:t>
+            </a:r>
+            <a:r>
+              <a:rPr lang="es-ES" sz="1200" dirty="0" err="1"/>
+              <a:t>is</a:t>
+            </a:r>
+            <a:r>
+              <a:rPr lang="es-ES" sz="1200" dirty="0"/>
+              <a:t> =  0.7591666666666667</a:t>
+            </a:r>
+          </a:p>
+          <a:p>
+            <a:r>
+              <a:rPr lang="es-ES" sz="1200" dirty="0"/>
+              <a:t>0.7591666666666667</a:t>
+            </a:r>
+          </a:p>
+        </p:txBody>
+      </p:sp>
     </p:spTree>
     <p:extLst>
       <p:ext uri="{BB962C8B-B14F-4D97-AF65-F5344CB8AC3E}">
-        <p14:creationId xmlns:p14="http://schemas.microsoft.com/office/powerpoint/2010/main" val="212263992"/>
+        <p14:creationId xmlns:p14="http://schemas.microsoft.com/office/powerpoint/2010/main" val="1374603998"/>
       </p:ext>
     </p:extLst>
   </p:cSld>
@@ -12971,14 +17044,21 @@
         </p:spPr>
         <p:txBody>
           <a:bodyPr>
-            <a:normAutofit/>
+            <a:normAutofit fontScale="90000"/>
           </a:bodyPr>
           <a:lstStyle/>
           <a:p>
             <a:pPr algn="ctr"/>
             <a:r>
               <a:rPr lang="en-US" sz="4800" dirty="0"/>
-              <a:t>Results</a:t>
+              <a:t>Classification</a:t>
+            </a:r>
+            <a:br>
+              <a:rPr lang="en-US" sz="4800" dirty="0"/>
+            </a:br>
+            <a:r>
+              <a:rPr lang="en-US" sz="4800" dirty="0"/>
+              <a:t>-multiclass-</a:t>
             </a:r>
           </a:p>
         </p:txBody>
@@ -13192,46 +17272,32 @@
           </a:prstGeom>
         </p:spPr>
       </p:pic>
-      <p:pic>
-        <p:nvPicPr>
-          <p:cNvPr id="14" name="Picture 13" descr="Icon&#10;&#10;Description automatically generated">
-            <a:extLst>
-              <a:ext uri="{FF2B5EF4-FFF2-40B4-BE49-F238E27FC236}">
-                <a16:creationId xmlns:a16="http://schemas.microsoft.com/office/drawing/2014/main" id="{914F1D4F-30BC-45BB-8EC2-00CC19A18DCC}"/>
-              </a:ext>
-            </a:extLst>
-          </p:cNvPr>
-          <p:cNvPicPr>
-            <a:picLocks noChangeAspect="1"/>
-          </p:cNvPicPr>
-          <p:nvPr/>
-        </p:nvPicPr>
-        <p:blipFill>
-          <a:blip r:embed="rId4" cstate="hqprint">
-            <a:extLst>
-              <a:ext uri="{28A0092B-C50C-407E-A947-70E740481C1C}">
-                <a14:useLocalDpi xmlns:a14="http://schemas.microsoft.com/office/drawing/2010/main" val="0"/>
-              </a:ext>
-            </a:extLst>
-          </a:blip>
-          <a:stretch>
-            <a:fillRect/>
-          </a:stretch>
-        </p:blipFill>
-        <p:spPr>
-          <a:xfrm>
-            <a:off x="5673625" y="2338547"/>
-            <a:ext cx="1090453" cy="1090453"/>
-          </a:xfrm>
-          <a:prstGeom prst="rect">
-            <a:avLst/>
-          </a:prstGeom>
-        </p:spPr>
-      </p:pic>
+      <p:graphicFrame>
+        <p:nvGraphicFramePr>
+          <p:cNvPr id="3" name="Diagrama 2"/>
+          <p:cNvGraphicFramePr/>
+          <p:nvPr>
+            <p:extLst>
+              <p:ext uri="{D42A27DB-BD31-4B8C-83A1-F6EECF244321}">
+                <p14:modId xmlns:p14="http://schemas.microsoft.com/office/powerpoint/2010/main" val="1125899375"/>
+              </p:ext>
+            </p:extLst>
+          </p:nvPr>
+        </p:nvGraphicFramePr>
+        <p:xfrm>
+          <a:off x="712177" y="2426677"/>
+          <a:ext cx="9511083" cy="3987798"/>
+        </p:xfrm>
+        <a:graphic>
+          <a:graphicData uri="http://schemas.openxmlformats.org/drawingml/2006/diagram">
+            <dgm:relIds xmlns:dgm="http://schemas.openxmlformats.org/drawingml/2006/diagram" xmlns:r="http://schemas.openxmlformats.org/officeDocument/2006/relationships" r:dm="rId4" r:lo="rId5" r:qs="rId6" r:cs="rId7"/>
+          </a:graphicData>
+        </a:graphic>
+      </p:graphicFrame>
     </p:spTree>
     <p:extLst>
       <p:ext uri="{BB962C8B-B14F-4D97-AF65-F5344CB8AC3E}">
-        <p14:creationId xmlns:p14="http://schemas.microsoft.com/office/powerpoint/2010/main" val="1654516134"/>
+        <p14:creationId xmlns:p14="http://schemas.microsoft.com/office/powerpoint/2010/main" val="212263992"/>
       </p:ext>
     </p:extLst>
   </p:cSld>
@@ -13288,9 +17354,10 @@
           <a:p>
             <a:pPr algn="ctr"/>
             <a:r>
-              <a:rPr lang="en-US" sz="4800" dirty="0"/>
-              <a:t>Conclusion</a:t>
-            </a:r>
+              <a:rPr lang="en-US" sz="4800" dirty="0" smtClean="0"/>
+              <a:t>Conclusions</a:t>
+            </a:r>
+            <a:endParaRPr lang="en-US" sz="4800" dirty="0"/>
           </a:p>
         </p:txBody>
       </p:sp>
@@ -13503,42 +17570,581 @@
           </a:prstGeom>
         </p:spPr>
       </p:pic>
-      <p:pic>
-        <p:nvPicPr>
-          <p:cNvPr id="14" name="Picture 13" descr="Icon&#10;&#10;Description automatically generated">
-            <a:extLst>
-              <a:ext uri="{FF2B5EF4-FFF2-40B4-BE49-F238E27FC236}">
-                <a16:creationId xmlns:a16="http://schemas.microsoft.com/office/drawing/2014/main" id="{914F1D4F-30BC-45BB-8EC2-00CC19A18DCC}"/>
-              </a:ext>
-            </a:extLst>
-          </p:cNvPr>
-          <p:cNvPicPr>
-            <a:picLocks noChangeAspect="1"/>
-          </p:cNvPicPr>
+      <p:sp>
+        <p:nvSpPr>
+          <p:cNvPr id="2" name="CuadroTexto 1"/>
+          <p:cNvSpPr txBox="1"/>
           <p:nvPr/>
-        </p:nvPicPr>
-        <p:blipFill>
-          <a:blip r:embed="rId4" cstate="hqprint">
-            <a:extLst>
-              <a:ext uri="{28A0092B-C50C-407E-A947-70E740481C1C}">
-                <a14:useLocalDpi xmlns:a14="http://schemas.microsoft.com/office/drawing/2010/main" val="0"/>
-              </a:ext>
-            </a:extLst>
-          </a:blip>
-          <a:stretch>
-            <a:fillRect/>
-          </a:stretch>
-        </p:blipFill>
+        </p:nvSpPr>
         <p:spPr>
           <a:xfrm>
-            <a:off x="5673625" y="2338547"/>
-            <a:ext cx="1090453" cy="1090453"/>
+            <a:off x="2623395" y="1882669"/>
+            <a:ext cx="9325351" cy="4801314"/>
           </a:xfrm>
           <a:prstGeom prst="rect">
             <a:avLst/>
           </a:prstGeom>
+          <a:noFill/>
         </p:spPr>
-      </p:pic>
+        <p:txBody>
+          <a:bodyPr wrap="square" rtlCol="0">
+            <a:spAutoFit/>
+          </a:bodyPr>
+          <a:lstStyle/>
+          <a:p>
+            <a:pPr marL="285750" indent="-285750">
+              <a:buFont typeface="Arial" panose="020B0604020202020204" pitchFamily="34" charset="0"/>
+              <a:buChar char="•"/>
+            </a:pPr>
+            <a:r>
+              <a:rPr lang="es-ES" dirty="0" smtClean="0"/>
+              <a:t>Performance </a:t>
+            </a:r>
+            <a:r>
+              <a:rPr lang="es-ES" dirty="0" err="1" smtClean="0"/>
+              <a:t>is</a:t>
+            </a:r>
+            <a:r>
+              <a:rPr lang="es-ES" dirty="0" smtClean="0"/>
+              <a:t> </a:t>
+            </a:r>
+            <a:r>
+              <a:rPr lang="es-ES" dirty="0" err="1" smtClean="0"/>
+              <a:t>matched</a:t>
+            </a:r>
+            <a:r>
+              <a:rPr lang="es-ES" dirty="0" smtClean="0"/>
+              <a:t> </a:t>
+            </a:r>
+            <a:r>
+              <a:rPr lang="es-ES" dirty="0" err="1" smtClean="0"/>
+              <a:t>or</a:t>
+            </a:r>
+            <a:r>
+              <a:rPr lang="es-ES" dirty="0" smtClean="0"/>
+              <a:t> </a:t>
+            </a:r>
+            <a:r>
+              <a:rPr lang="es-ES" dirty="0" err="1" smtClean="0"/>
+              <a:t>improved</a:t>
+            </a:r>
+            <a:r>
+              <a:rPr lang="es-ES" dirty="0" smtClean="0"/>
+              <a:t> </a:t>
+            </a:r>
+            <a:r>
+              <a:rPr lang="es-ES" dirty="0" err="1" smtClean="0"/>
+              <a:t>with</a:t>
+            </a:r>
+            <a:r>
+              <a:rPr lang="es-ES" dirty="0" smtClean="0"/>
+              <a:t> </a:t>
+            </a:r>
+            <a:r>
+              <a:rPr lang="es-ES" dirty="0" err="1" smtClean="0"/>
+              <a:t>using</a:t>
+            </a:r>
+            <a:r>
+              <a:rPr lang="es-ES" dirty="0" smtClean="0"/>
+              <a:t> </a:t>
+            </a:r>
+            <a:r>
+              <a:rPr lang="es-ES" dirty="0" err="1" smtClean="0"/>
+              <a:t>feature</a:t>
+            </a:r>
+            <a:r>
+              <a:rPr lang="es-ES" dirty="0" smtClean="0"/>
+              <a:t> </a:t>
+            </a:r>
+            <a:r>
+              <a:rPr lang="es-ES" dirty="0" err="1" smtClean="0"/>
+              <a:t>selection</a:t>
+            </a:r>
+            <a:endParaRPr lang="es-ES" dirty="0" smtClean="0"/>
+          </a:p>
+          <a:p>
+            <a:pPr marL="285750" indent="-285750">
+              <a:buFont typeface="Arial" panose="020B0604020202020204" pitchFamily="34" charset="0"/>
+              <a:buChar char="•"/>
+            </a:pPr>
+            <a:endParaRPr lang="es-ES" dirty="0" smtClean="0"/>
+          </a:p>
+          <a:p>
+            <a:pPr marL="285750" indent="-285750">
+              <a:buFont typeface="Arial" panose="020B0604020202020204" pitchFamily="34" charset="0"/>
+              <a:buChar char="•"/>
+            </a:pPr>
+            <a:r>
+              <a:rPr lang="es-ES" dirty="0" err="1" smtClean="0"/>
+              <a:t>Extracting</a:t>
+            </a:r>
+            <a:r>
+              <a:rPr lang="es-ES" dirty="0" smtClean="0"/>
+              <a:t> </a:t>
+            </a:r>
+            <a:r>
+              <a:rPr lang="es-ES" dirty="0" err="1" smtClean="0"/>
+              <a:t>the</a:t>
+            </a:r>
+            <a:r>
+              <a:rPr lang="es-ES" dirty="0" smtClean="0"/>
+              <a:t> </a:t>
+            </a:r>
+            <a:r>
+              <a:rPr lang="es-ES" dirty="0" err="1" smtClean="0"/>
+              <a:t>features</a:t>
+            </a:r>
+            <a:r>
+              <a:rPr lang="es-ES" dirty="0" smtClean="0"/>
+              <a:t> </a:t>
+            </a:r>
+            <a:r>
+              <a:rPr lang="es-ES" dirty="0" err="1" smtClean="0"/>
+              <a:t>from</a:t>
+            </a:r>
+            <a:r>
+              <a:rPr lang="es-ES" dirty="0"/>
+              <a:t> </a:t>
+            </a:r>
+            <a:r>
+              <a:rPr lang="es-ES" dirty="0" smtClean="0"/>
+              <a:t>a </a:t>
+            </a:r>
+            <a:r>
+              <a:rPr lang="es-ES" dirty="0" err="1" smtClean="0"/>
+              <a:t>segmented</a:t>
+            </a:r>
+            <a:r>
+              <a:rPr lang="es-ES" dirty="0" smtClean="0"/>
+              <a:t> </a:t>
+            </a:r>
+            <a:r>
+              <a:rPr lang="es-ES" dirty="0" err="1" smtClean="0"/>
+              <a:t>image</a:t>
+            </a:r>
+            <a:r>
+              <a:rPr lang="es-ES" dirty="0" smtClean="0"/>
+              <a:t> </a:t>
+            </a:r>
+            <a:r>
+              <a:rPr lang="es-ES" dirty="0" err="1" smtClean="0"/>
+              <a:t>yielded</a:t>
+            </a:r>
+            <a:r>
+              <a:rPr lang="es-ES" dirty="0" smtClean="0"/>
+              <a:t> </a:t>
+            </a:r>
+            <a:r>
+              <a:rPr lang="es-ES" dirty="0" err="1" smtClean="0"/>
+              <a:t>better</a:t>
+            </a:r>
+            <a:r>
+              <a:rPr lang="es-ES" dirty="0" smtClean="0"/>
+              <a:t> </a:t>
+            </a:r>
+            <a:r>
+              <a:rPr lang="es-ES" dirty="0" err="1" smtClean="0"/>
+              <a:t>results</a:t>
+            </a:r>
+            <a:r>
+              <a:rPr lang="es-ES" dirty="0" smtClean="0"/>
+              <a:t> </a:t>
+            </a:r>
+            <a:r>
+              <a:rPr lang="es-ES" dirty="0" err="1" smtClean="0"/>
+              <a:t>than</a:t>
+            </a:r>
+            <a:r>
+              <a:rPr lang="es-ES" dirty="0" smtClean="0"/>
+              <a:t> </a:t>
+            </a:r>
+            <a:r>
+              <a:rPr lang="es-ES" dirty="0" err="1" smtClean="0"/>
+              <a:t>form</a:t>
+            </a:r>
+            <a:r>
+              <a:rPr lang="es-ES" dirty="0" smtClean="0"/>
+              <a:t> </a:t>
+            </a:r>
+            <a:r>
+              <a:rPr lang="es-ES" dirty="0" err="1" smtClean="0"/>
+              <a:t>the</a:t>
+            </a:r>
+            <a:r>
+              <a:rPr lang="es-ES" dirty="0" smtClean="0"/>
+              <a:t> </a:t>
+            </a:r>
+            <a:r>
+              <a:rPr lang="es-ES" dirty="0" err="1" smtClean="0"/>
+              <a:t>whole</a:t>
+            </a:r>
+            <a:r>
+              <a:rPr lang="es-ES" dirty="0" smtClean="0"/>
+              <a:t> </a:t>
+            </a:r>
+            <a:r>
+              <a:rPr lang="es-ES" dirty="0" err="1" smtClean="0"/>
+              <a:t>image</a:t>
+            </a:r>
+            <a:endParaRPr lang="es-ES" dirty="0" smtClean="0"/>
+          </a:p>
+          <a:p>
+            <a:pPr marL="285750" indent="-285750">
+              <a:buFont typeface="Arial" panose="020B0604020202020204" pitchFamily="34" charset="0"/>
+              <a:buChar char="•"/>
+            </a:pPr>
+            <a:endParaRPr lang="es-ES" dirty="0"/>
+          </a:p>
+          <a:p>
+            <a:pPr marL="285750" indent="-285750">
+              <a:buFont typeface="Arial" panose="020B0604020202020204" pitchFamily="34" charset="0"/>
+              <a:buChar char="•"/>
+            </a:pPr>
+            <a:r>
+              <a:rPr lang="es-ES" dirty="0" err="1" smtClean="0"/>
+              <a:t>Using</a:t>
+            </a:r>
+            <a:r>
+              <a:rPr lang="es-ES" dirty="0" smtClean="0"/>
+              <a:t> </a:t>
+            </a:r>
+            <a:r>
+              <a:rPr lang="es-ES" dirty="0" err="1" smtClean="0"/>
+              <a:t>class</a:t>
+            </a:r>
+            <a:r>
+              <a:rPr lang="es-ES" dirty="0" smtClean="0"/>
+              <a:t> </a:t>
+            </a:r>
+            <a:r>
+              <a:rPr lang="es-ES" dirty="0" err="1" smtClean="0"/>
+              <a:t>imbalance</a:t>
+            </a:r>
+            <a:r>
+              <a:rPr lang="es-ES" dirty="0" smtClean="0"/>
+              <a:t> </a:t>
+            </a:r>
+            <a:r>
+              <a:rPr lang="es-ES" dirty="0" err="1" smtClean="0"/>
+              <a:t>mitigation</a:t>
+            </a:r>
+            <a:r>
+              <a:rPr lang="es-ES" dirty="0" smtClean="0"/>
+              <a:t> </a:t>
+            </a:r>
+            <a:r>
+              <a:rPr lang="es-ES" dirty="0" err="1" smtClean="0"/>
+              <a:t>methods</a:t>
+            </a:r>
+            <a:r>
+              <a:rPr lang="es-ES" dirty="0" smtClean="0"/>
+              <a:t> </a:t>
+            </a:r>
+            <a:r>
+              <a:rPr lang="es-ES" dirty="0" err="1" smtClean="0"/>
+              <a:t>drove</a:t>
+            </a:r>
+            <a:r>
+              <a:rPr lang="es-ES" dirty="0" smtClean="0"/>
+              <a:t> </a:t>
+            </a:r>
+            <a:r>
+              <a:rPr lang="es-ES" dirty="0" err="1" smtClean="0"/>
+              <a:t>the</a:t>
+            </a:r>
+            <a:r>
+              <a:rPr lang="es-ES" dirty="0" smtClean="0"/>
+              <a:t> performance </a:t>
+            </a:r>
+            <a:r>
+              <a:rPr lang="es-ES" dirty="0" err="1" smtClean="0"/>
+              <a:t>down</a:t>
+            </a:r>
+            <a:endParaRPr lang="es-ES" dirty="0" smtClean="0"/>
+          </a:p>
+          <a:p>
+            <a:pPr marL="285750" indent="-285750">
+              <a:buFont typeface="Arial" panose="020B0604020202020204" pitchFamily="34" charset="0"/>
+              <a:buChar char="•"/>
+            </a:pPr>
+            <a:endParaRPr lang="es-ES" dirty="0"/>
+          </a:p>
+          <a:p>
+            <a:pPr marL="285750" indent="-285750">
+              <a:buFont typeface="Arial" panose="020B0604020202020204" pitchFamily="34" charset="0"/>
+              <a:buChar char="•"/>
+            </a:pPr>
+            <a:r>
+              <a:rPr lang="es-ES" dirty="0" err="1" smtClean="0"/>
+              <a:t>Working</a:t>
+            </a:r>
+            <a:r>
+              <a:rPr lang="es-ES" dirty="0" smtClean="0"/>
+              <a:t> </a:t>
+            </a:r>
+            <a:r>
+              <a:rPr lang="es-ES" dirty="0" err="1" smtClean="0"/>
+              <a:t>on</a:t>
+            </a:r>
+            <a:r>
+              <a:rPr lang="es-ES" dirty="0" smtClean="0"/>
+              <a:t> </a:t>
+            </a:r>
+            <a:r>
+              <a:rPr lang="es-ES" dirty="0" err="1" smtClean="0"/>
+              <a:t>the</a:t>
+            </a:r>
+            <a:r>
+              <a:rPr lang="es-ES" dirty="0" smtClean="0"/>
+              <a:t> V cannel of HSV </a:t>
+            </a:r>
+            <a:r>
+              <a:rPr lang="es-ES" dirty="0" err="1" smtClean="0"/>
+              <a:t>is</a:t>
+            </a:r>
+            <a:r>
+              <a:rPr lang="es-ES" dirty="0" smtClean="0"/>
+              <a:t> </a:t>
+            </a:r>
+            <a:r>
+              <a:rPr lang="es-ES" dirty="0" err="1" smtClean="0"/>
+              <a:t>recommended</a:t>
+            </a:r>
+            <a:endParaRPr lang="es-ES" dirty="0"/>
+          </a:p>
+          <a:p>
+            <a:pPr marL="285750" indent="-285750">
+              <a:buFont typeface="Arial" panose="020B0604020202020204" pitchFamily="34" charset="0"/>
+              <a:buChar char="•"/>
+            </a:pPr>
+            <a:endParaRPr lang="es-ES" dirty="0" smtClean="0"/>
+          </a:p>
+          <a:p>
+            <a:pPr marL="285750" indent="-285750">
+              <a:buFont typeface="Arial" panose="020B0604020202020204" pitchFamily="34" charset="0"/>
+              <a:buChar char="•"/>
+            </a:pPr>
+            <a:r>
+              <a:rPr lang="es-ES" dirty="0" err="1" smtClean="0"/>
+              <a:t>When</a:t>
+            </a:r>
+            <a:r>
+              <a:rPr lang="es-ES" dirty="0" smtClean="0"/>
+              <a:t> </a:t>
+            </a:r>
+            <a:r>
+              <a:rPr lang="es-ES" dirty="0" err="1" smtClean="0"/>
+              <a:t>working</a:t>
+            </a:r>
+            <a:r>
+              <a:rPr lang="es-ES" dirty="0" smtClean="0"/>
+              <a:t> </a:t>
+            </a:r>
+            <a:r>
+              <a:rPr lang="es-ES" dirty="0" err="1" smtClean="0"/>
+              <a:t>with</a:t>
+            </a:r>
+            <a:r>
+              <a:rPr lang="es-ES" dirty="0" smtClean="0"/>
+              <a:t> </a:t>
+            </a:r>
+            <a:r>
+              <a:rPr lang="es-ES" dirty="0" err="1" smtClean="0"/>
+              <a:t>big</a:t>
+            </a:r>
+            <a:r>
+              <a:rPr lang="es-ES" dirty="0" smtClean="0"/>
+              <a:t> </a:t>
+            </a:r>
+            <a:r>
+              <a:rPr lang="es-ES" dirty="0" err="1" smtClean="0"/>
+              <a:t>datasets</a:t>
+            </a:r>
+            <a:r>
+              <a:rPr lang="es-ES" dirty="0" smtClean="0"/>
+              <a:t>, </a:t>
+            </a:r>
+            <a:r>
+              <a:rPr lang="es-ES" dirty="0" err="1" smtClean="0"/>
+              <a:t>you</a:t>
+            </a:r>
+            <a:r>
+              <a:rPr lang="es-ES" dirty="0" smtClean="0"/>
+              <a:t> </a:t>
+            </a:r>
+            <a:r>
+              <a:rPr lang="es-ES" dirty="0" err="1" smtClean="0"/>
+              <a:t>have</a:t>
+            </a:r>
+            <a:r>
+              <a:rPr lang="es-ES" dirty="0" smtClean="0"/>
+              <a:t> to be </a:t>
+            </a:r>
+            <a:r>
+              <a:rPr lang="es-ES" dirty="0" err="1" smtClean="0"/>
+              <a:t>creative</a:t>
+            </a:r>
+            <a:endParaRPr lang="es-ES" dirty="0" smtClean="0"/>
+          </a:p>
+          <a:p>
+            <a:pPr marL="285750" indent="-285750">
+              <a:buFont typeface="Arial" panose="020B0604020202020204" pitchFamily="34" charset="0"/>
+              <a:buChar char="•"/>
+            </a:pPr>
+            <a:endParaRPr lang="es-ES" dirty="0"/>
+          </a:p>
+          <a:p>
+            <a:pPr marL="285750" indent="-285750">
+              <a:buFont typeface="Arial" panose="020B0604020202020204" pitchFamily="34" charset="0"/>
+              <a:buChar char="•"/>
+            </a:pPr>
+            <a:r>
+              <a:rPr lang="es-ES" dirty="0" err="1" smtClean="0"/>
+              <a:t>Using</a:t>
+            </a:r>
+            <a:r>
+              <a:rPr lang="es-ES" dirty="0" smtClean="0"/>
+              <a:t> a </a:t>
+            </a:r>
+            <a:r>
+              <a:rPr lang="es-ES" dirty="0" err="1" smtClean="0"/>
+              <a:t>combination</a:t>
+            </a:r>
+            <a:r>
+              <a:rPr lang="es-ES" dirty="0" smtClean="0"/>
+              <a:t> of Color and </a:t>
+            </a:r>
+            <a:r>
+              <a:rPr lang="es-ES" dirty="0" err="1" smtClean="0"/>
+              <a:t>Texture</a:t>
+            </a:r>
+            <a:r>
+              <a:rPr lang="es-ES" dirty="0" smtClean="0"/>
+              <a:t> </a:t>
+            </a:r>
+            <a:r>
+              <a:rPr lang="es-ES" dirty="0" err="1" smtClean="0"/>
+              <a:t>descriptors</a:t>
+            </a:r>
+            <a:endParaRPr lang="es-ES" dirty="0" smtClean="0"/>
+          </a:p>
+          <a:p>
+            <a:pPr marL="285750" indent="-285750">
+              <a:buFont typeface="Arial" panose="020B0604020202020204" pitchFamily="34" charset="0"/>
+              <a:buChar char="•"/>
+            </a:pPr>
+            <a:endParaRPr lang="es-ES" dirty="0"/>
+          </a:p>
+          <a:p>
+            <a:pPr marL="285750" indent="-285750">
+              <a:buFont typeface="Arial" panose="020B0604020202020204" pitchFamily="34" charset="0"/>
+              <a:buChar char="•"/>
+            </a:pPr>
+            <a:r>
+              <a:rPr lang="es-ES" dirty="0" err="1" smtClean="0"/>
+              <a:t>Ensemble</a:t>
+            </a:r>
+            <a:r>
+              <a:rPr lang="es-ES" dirty="0" smtClean="0"/>
+              <a:t> </a:t>
+            </a:r>
+            <a:r>
+              <a:rPr lang="es-ES" dirty="0" err="1" smtClean="0"/>
+              <a:t>learning</a:t>
+            </a:r>
+            <a:r>
+              <a:rPr lang="es-ES" dirty="0" smtClean="0"/>
+              <a:t> </a:t>
+            </a:r>
+            <a:r>
+              <a:rPr lang="es-ES" dirty="0" err="1" smtClean="0"/>
+              <a:t>works</a:t>
+            </a:r>
+            <a:r>
+              <a:rPr lang="es-ES" dirty="0" smtClean="0"/>
+              <a:t> </a:t>
+            </a:r>
+            <a:r>
+              <a:rPr lang="es-ES" dirty="0" err="1" smtClean="0"/>
+              <a:t>better</a:t>
+            </a:r>
+            <a:r>
+              <a:rPr lang="es-ES" dirty="0" smtClean="0"/>
+              <a:t> </a:t>
+            </a:r>
+            <a:r>
+              <a:rPr lang="es-ES" dirty="0" err="1" smtClean="0"/>
+              <a:t>than</a:t>
+            </a:r>
+            <a:r>
+              <a:rPr lang="es-ES" dirty="0" smtClean="0"/>
+              <a:t> individual </a:t>
+            </a:r>
+            <a:r>
+              <a:rPr lang="es-ES" dirty="0" err="1" smtClean="0"/>
+              <a:t>classifiers</a:t>
+            </a:r>
+            <a:endParaRPr lang="es-ES" dirty="0"/>
+          </a:p>
+          <a:p>
+            <a:pPr marL="285750" indent="-285750">
+              <a:buFont typeface="Arial" panose="020B0604020202020204" pitchFamily="34" charset="0"/>
+              <a:buChar char="•"/>
+            </a:pPr>
+            <a:endParaRPr lang="es-ES" dirty="0" smtClean="0"/>
+          </a:p>
+          <a:p>
+            <a:pPr marL="285750" indent="-285750">
+              <a:buFont typeface="Arial" panose="020B0604020202020204" pitchFamily="34" charset="0"/>
+              <a:buChar char="•"/>
+            </a:pPr>
+            <a:r>
+              <a:rPr lang="es-ES" dirty="0" err="1" smtClean="0"/>
+              <a:t>Automating</a:t>
+            </a:r>
+            <a:r>
+              <a:rPr lang="es-ES" dirty="0" smtClean="0"/>
+              <a:t> </a:t>
+            </a:r>
+            <a:r>
+              <a:rPr lang="es-ES" dirty="0" err="1" smtClean="0"/>
+              <a:t>classification</a:t>
+            </a:r>
+            <a:r>
+              <a:rPr lang="es-ES" dirty="0" smtClean="0"/>
+              <a:t> pipeline </a:t>
+            </a:r>
+            <a:r>
+              <a:rPr lang="es-ES" dirty="0" err="1" smtClean="0"/>
+              <a:t>with</a:t>
+            </a:r>
+            <a:r>
+              <a:rPr lang="es-ES" dirty="0" smtClean="0"/>
+              <a:t> </a:t>
+            </a:r>
+            <a:r>
+              <a:rPr lang="es-ES" dirty="0" err="1" smtClean="0"/>
+              <a:t>Grid</a:t>
+            </a:r>
+            <a:r>
+              <a:rPr lang="es-ES" dirty="0" smtClean="0"/>
+              <a:t> </a:t>
+            </a:r>
+            <a:r>
+              <a:rPr lang="es-ES" dirty="0" err="1" smtClean="0"/>
+              <a:t>Search</a:t>
+            </a:r>
+            <a:endParaRPr lang="es-ES" dirty="0"/>
+          </a:p>
+          <a:p>
+            <a:pPr marL="285750" indent="-285750">
+              <a:buFont typeface="Arial" panose="020B0604020202020204" pitchFamily="34" charset="0"/>
+              <a:buChar char="•"/>
+            </a:pPr>
+            <a:endParaRPr lang="es-ES" dirty="0"/>
+          </a:p>
+        </p:txBody>
+      </p:sp>
     </p:spTree>
     <p:extLst>
       <p:ext uri="{BB962C8B-B14F-4D97-AF65-F5344CB8AC3E}">
@@ -13668,6 +18274,42 @@
           <a:xfrm>
             <a:off x="10573910" y="233315"/>
             <a:ext cx="1376588" cy="941171"/>
+          </a:xfrm>
+          <a:prstGeom prst="rect">
+            <a:avLst/>
+          </a:prstGeom>
+        </p:spPr>
+      </p:pic>
+      <p:pic>
+        <p:nvPicPr>
+          <p:cNvPr id="5" name="Picture 13" descr="Icon&#10;&#10;Description automatically generated">
+            <a:extLst>
+              <a:ext uri="{FF2B5EF4-FFF2-40B4-BE49-F238E27FC236}">
+                <a16:creationId xmlns:a16="http://schemas.microsoft.com/office/drawing/2014/main" id="{914F1D4F-30BC-45BB-8EC2-00CC19A18DCC}"/>
+              </a:ext>
+            </a:extLst>
+          </p:cNvPr>
+          <p:cNvPicPr>
+            <a:picLocks noChangeAspect="1"/>
+          </p:cNvPicPr>
+          <p:nvPr/>
+        </p:nvPicPr>
+        <p:blipFill>
+          <a:blip r:embed="rId4" cstate="hqprint">
+            <a:extLst>
+              <a:ext uri="{28A0092B-C50C-407E-A947-70E740481C1C}">
+                <a14:useLocalDpi xmlns:a14="http://schemas.microsoft.com/office/drawing/2010/main" val="0"/>
+              </a:ext>
+            </a:extLst>
+          </a:blip>
+          <a:stretch>
+            <a:fillRect/>
+          </a:stretch>
+        </p:blipFill>
+        <p:spPr>
+          <a:xfrm>
+            <a:off x="5889905" y="5609286"/>
+            <a:ext cx="1090453" cy="1090453"/>
           </a:xfrm>
           <a:prstGeom prst="rect">
             <a:avLst/>
@@ -16239,7 +20881,7 @@
       </p:pic>
       <p:pic>
         <p:nvPicPr>
-          <p:cNvPr id="1026" name="Picture 2" descr="1: The triangle algorithm selects the threshold intensity as the value... |  Download Scientific Diagram"/>
+          <p:cNvPr id="2050" name="Picture 2" descr="1: The triangle algorithm selects the threshold intensity as the value... |  Download Scientific Diagram"/>
           <p:cNvPicPr>
             <a:picLocks noChangeAspect="1" noChangeArrowheads="1"/>
           </p:cNvPicPr>
@@ -16260,8 +20902,8 @@
         </p:blipFill>
         <p:spPr bwMode="auto">
           <a:xfrm>
-            <a:off x="810084" y="5199121"/>
-            <a:ext cx="2038641" cy="1530180"/>
+            <a:off x="727543" y="5137167"/>
+            <a:ext cx="2203722" cy="1654088"/>
           </a:xfrm>
           <a:prstGeom prst="rect">
             <a:avLst/>
@@ -17316,15 +21958,27 @@
         </p:spPr>
         <p:txBody>
           <a:bodyPr>
-            <a:normAutofit/>
+            <a:normAutofit fontScale="90000"/>
           </a:bodyPr>
           <a:lstStyle/>
           <a:p>
             <a:pPr algn="ctr"/>
             <a:r>
               <a:rPr lang="en-US" sz="4800" dirty="0"/>
-              <a:t>Feature Engineering</a:t>
-            </a:r>
+              <a:t>Feature </a:t>
+            </a:r>
+            <a:r>
+              <a:rPr lang="en-US" sz="4800" dirty="0" smtClean="0"/>
+              <a:t>Engineering</a:t>
+            </a:r>
+            <a:br>
+              <a:rPr lang="en-US" sz="4800" dirty="0" smtClean="0"/>
+            </a:br>
+            <a:r>
+              <a:rPr lang="en-US" sz="4800" dirty="0" smtClean="0"/>
+              <a:t>-feature extraction-</a:t>
+            </a:r>
+            <a:endParaRPr lang="en-US" sz="4800" dirty="0"/>
           </a:p>
         </p:txBody>
       </p:sp>
@@ -17537,6 +22191,296 @@
           </a:prstGeom>
         </p:spPr>
       </p:pic>
+      <p:pic>
+        <p:nvPicPr>
+          <p:cNvPr id="6" name="Picture 2" descr="Schematic representation of the Gabor filter banks in 5 scales and 8 orientations "/>
+          <p:cNvPicPr>
+            <a:picLocks noChangeAspect="1" noChangeArrowheads="1"/>
+          </p:cNvPicPr>
+          <p:nvPr/>
+        </p:nvPicPr>
+        <p:blipFill>
+          <a:blip r:embed="rId4">
+            <a:extLst>
+              <a:ext uri="{28A0092B-C50C-407E-A947-70E740481C1C}">
+                <a14:useLocalDpi xmlns:a14="http://schemas.microsoft.com/office/drawing/2010/main" val="0"/>
+              </a:ext>
+            </a:extLst>
+          </a:blip>
+          <a:srcRect/>
+          <a:stretch>
+            <a:fillRect/>
+          </a:stretch>
+        </p:blipFill>
+        <p:spPr bwMode="auto">
+          <a:xfrm>
+            <a:off x="4689487" y="4272541"/>
+            <a:ext cx="3058727" cy="2356847"/>
+          </a:xfrm>
+          <a:prstGeom prst="rect">
+            <a:avLst/>
+          </a:prstGeom>
+          <a:noFill/>
+          <a:extLst>
+            <a:ext uri="{909E8E84-426E-40DD-AFC4-6F175D3DCCD1}">
+              <a14:hiddenFill xmlns:a14="http://schemas.microsoft.com/office/drawing/2010/main">
+                <a:solidFill>
+                  <a:srgbClr val="FFFFFF"/>
+                </a:solidFill>
+              </a14:hiddenFill>
+            </a:ext>
+          </a:extLst>
+        </p:spPr>
+      </p:pic>
+      <p:pic>
+        <p:nvPicPr>
+          <p:cNvPr id="4098" name="Picture 2" descr="Local binary patterns - Wikipedia"/>
+          <p:cNvPicPr>
+            <a:picLocks noChangeAspect="1" noChangeArrowheads="1"/>
+          </p:cNvPicPr>
+          <p:nvPr/>
+        </p:nvPicPr>
+        <p:blipFill>
+          <a:blip r:embed="rId5">
+            <a:extLst>
+              <a:ext uri="{28A0092B-C50C-407E-A947-70E740481C1C}">
+                <a14:useLocalDpi xmlns:a14="http://schemas.microsoft.com/office/drawing/2010/main" val="0"/>
+              </a:ext>
+            </a:extLst>
+          </a:blip>
+          <a:srcRect/>
+          <a:stretch>
+            <a:fillRect/>
+          </a:stretch>
+        </p:blipFill>
+        <p:spPr bwMode="auto">
+          <a:xfrm>
+            <a:off x="8660193" y="4931850"/>
+            <a:ext cx="3143250" cy="1038225"/>
+          </a:xfrm>
+          <a:prstGeom prst="rect">
+            <a:avLst/>
+          </a:prstGeom>
+          <a:noFill/>
+          <a:extLst>
+            <a:ext uri="{909E8E84-426E-40DD-AFC4-6F175D3DCCD1}">
+              <a14:hiddenFill xmlns:a14="http://schemas.microsoft.com/office/drawing/2010/main">
+                <a:solidFill>
+                  <a:srgbClr val="FFFFFF"/>
+                </a:solidFill>
+              </a14:hiddenFill>
+            </a:ext>
+          </a:extLst>
+        </p:spPr>
+      </p:pic>
+      <p:pic>
+        <p:nvPicPr>
+          <p:cNvPr id="4100" name="Picture 4" descr="Image of HSV color wheel for openCV? - Stack Overflow"/>
+          <p:cNvPicPr>
+            <a:picLocks noChangeAspect="1" noChangeArrowheads="1"/>
+          </p:cNvPicPr>
+          <p:nvPr/>
+        </p:nvPicPr>
+        <p:blipFill>
+          <a:blip r:embed="rId6">
+            <a:extLst>
+              <a:ext uri="{28A0092B-C50C-407E-A947-70E740481C1C}">
+                <a14:useLocalDpi xmlns:a14="http://schemas.microsoft.com/office/drawing/2010/main" val="0"/>
+              </a:ext>
+            </a:extLst>
+          </a:blip>
+          <a:srcRect/>
+          <a:stretch>
+            <a:fillRect/>
+          </a:stretch>
+        </p:blipFill>
+        <p:spPr bwMode="auto">
+          <a:xfrm>
+            <a:off x="1335839" y="4273054"/>
+            <a:ext cx="2363720" cy="2356334"/>
+          </a:xfrm>
+          <a:prstGeom prst="rect">
+            <a:avLst/>
+          </a:prstGeom>
+          <a:noFill/>
+          <a:extLst>
+            <a:ext uri="{909E8E84-426E-40DD-AFC4-6F175D3DCCD1}">
+              <a14:hiddenFill xmlns:a14="http://schemas.microsoft.com/office/drawing/2010/main">
+                <a:solidFill>
+                  <a:srgbClr val="FFFFFF"/>
+                </a:solidFill>
+              </a14:hiddenFill>
+            </a:ext>
+          </a:extLst>
+        </p:spPr>
+      </p:pic>
+      <p:pic>
+        <p:nvPicPr>
+          <p:cNvPr id="10" name="Picture 2">
+            <a:extLst>
+              <a:ext uri="{FF2B5EF4-FFF2-40B4-BE49-F238E27FC236}">
+                <a16:creationId xmlns:a16="http://schemas.microsoft.com/office/drawing/2014/main" id="{2695748B-63A5-4227-AC6B-BC7A04656860}"/>
+              </a:ext>
+            </a:extLst>
+          </p:cNvPr>
+          <p:cNvPicPr>
+            <a:picLocks noChangeAspect="1"/>
+          </p:cNvPicPr>
+          <p:nvPr/>
+        </p:nvPicPr>
+        <p:blipFill rotWithShape="1">
+          <a:blip r:embed="rId7"/>
+          <a:srcRect l="23718" t="22234" r="29921" b="23202"/>
+          <a:stretch/>
+        </p:blipFill>
+        <p:spPr>
+          <a:xfrm>
+            <a:off x="5416062" y="2277209"/>
+            <a:ext cx="1424354" cy="1257300"/>
+          </a:xfrm>
+          <a:prstGeom prst="rect">
+            <a:avLst/>
+          </a:prstGeom>
+        </p:spPr>
+      </p:pic>
+      <p:sp>
+        <p:nvSpPr>
+          <p:cNvPr id="11" name="Arrow: Right 18">
+            <a:extLst>
+              <a:ext uri="{FF2B5EF4-FFF2-40B4-BE49-F238E27FC236}">
+                <a16:creationId xmlns:a16="http://schemas.microsoft.com/office/drawing/2014/main" id="{25BCDD50-0403-459E-97B4-0E7575D551FE}"/>
+              </a:ext>
+            </a:extLst>
+          </p:cNvPr>
+          <p:cNvSpPr/>
+          <p:nvPr/>
+        </p:nvSpPr>
+        <p:spPr>
+          <a:xfrm rot="9280579">
+            <a:off x="3192921" y="3451471"/>
+            <a:ext cx="1442597" cy="262970"/>
+          </a:xfrm>
+          <a:prstGeom prst="rightArrow">
+            <a:avLst/>
+          </a:prstGeom>
+        </p:spPr>
+        <p:style>
+          <a:lnRef idx="2">
+            <a:schemeClr val="accent1">
+              <a:shade val="50000"/>
+            </a:schemeClr>
+          </a:lnRef>
+          <a:fillRef idx="1">
+            <a:schemeClr val="accent1"/>
+          </a:fillRef>
+          <a:effectRef idx="0">
+            <a:schemeClr val="accent1"/>
+          </a:effectRef>
+          <a:fontRef idx="minor">
+            <a:schemeClr val="lt1"/>
+          </a:fontRef>
+        </p:style>
+        <p:txBody>
+          <a:bodyPr rtlCol="0" anchor="ctr"/>
+          <a:lstStyle/>
+          <a:p>
+            <a:pPr algn="ctr"/>
+            <a:endParaRPr lang="en-GB"/>
+          </a:p>
+        </p:txBody>
+      </p:sp>
+      <p:sp>
+        <p:nvSpPr>
+          <p:cNvPr id="14" name="Arrow: Right 18">
+            <a:extLst>
+              <a:ext uri="{FF2B5EF4-FFF2-40B4-BE49-F238E27FC236}">
+                <a16:creationId xmlns:a16="http://schemas.microsoft.com/office/drawing/2014/main" id="{25BCDD50-0403-459E-97B4-0E7575D551FE}"/>
+              </a:ext>
+            </a:extLst>
+          </p:cNvPr>
+          <p:cNvSpPr/>
+          <p:nvPr/>
+        </p:nvSpPr>
+        <p:spPr>
+          <a:xfrm rot="5400000">
+            <a:off x="6016333" y="3902303"/>
+            <a:ext cx="405037" cy="173156"/>
+          </a:xfrm>
+          <a:prstGeom prst="rightArrow">
+            <a:avLst/>
+          </a:prstGeom>
+        </p:spPr>
+        <p:style>
+          <a:lnRef idx="2">
+            <a:schemeClr val="accent1">
+              <a:shade val="50000"/>
+            </a:schemeClr>
+          </a:lnRef>
+          <a:fillRef idx="1">
+            <a:schemeClr val="accent1"/>
+          </a:fillRef>
+          <a:effectRef idx="0">
+            <a:schemeClr val="accent1"/>
+          </a:effectRef>
+          <a:fontRef idx="minor">
+            <a:schemeClr val="lt1"/>
+          </a:fontRef>
+        </p:style>
+        <p:txBody>
+          <a:bodyPr rtlCol="0" anchor="ctr"/>
+          <a:lstStyle/>
+          <a:p>
+            <a:pPr algn="ctr"/>
+            <a:endParaRPr lang="en-GB"/>
+          </a:p>
+        </p:txBody>
+      </p:sp>
+      <p:sp>
+        <p:nvSpPr>
+          <p:cNvPr id="15" name="Arrow: Right 18">
+            <a:extLst>
+              <a:ext uri="{FF2B5EF4-FFF2-40B4-BE49-F238E27FC236}">
+                <a16:creationId xmlns:a16="http://schemas.microsoft.com/office/drawing/2014/main" id="{25BCDD50-0403-459E-97B4-0E7575D551FE}"/>
+              </a:ext>
+            </a:extLst>
+          </p:cNvPr>
+          <p:cNvSpPr/>
+          <p:nvPr/>
+        </p:nvSpPr>
+        <p:spPr>
+          <a:xfrm rot="2646577">
+            <a:off x="7572596" y="3616403"/>
+            <a:ext cx="1442597" cy="262970"/>
+          </a:xfrm>
+          <a:prstGeom prst="rightArrow">
+            <a:avLst/>
+          </a:prstGeom>
+        </p:spPr>
+        <p:style>
+          <a:lnRef idx="2">
+            <a:schemeClr val="accent1">
+              <a:shade val="50000"/>
+            </a:schemeClr>
+          </a:lnRef>
+          <a:fillRef idx="1">
+            <a:schemeClr val="accent1"/>
+          </a:fillRef>
+          <a:effectRef idx="0">
+            <a:schemeClr val="accent1"/>
+          </a:effectRef>
+          <a:fontRef idx="minor">
+            <a:schemeClr val="lt1"/>
+          </a:fontRef>
+        </p:style>
+        <p:txBody>
+          <a:bodyPr rtlCol="0" anchor="ctr"/>
+          <a:lstStyle/>
+          <a:p>
+            <a:pPr algn="ctr"/>
+            <a:endParaRPr lang="en-GB"/>
+          </a:p>
+        </p:txBody>
+      </p:sp>
     </p:spTree>
     <p:extLst>
       <p:ext uri="{BB962C8B-B14F-4D97-AF65-F5344CB8AC3E}">
@@ -17598,15 +22542,16 @@
             <a:pPr algn="ctr"/>
             <a:r>
               <a:rPr lang="en-US" sz="4800" dirty="0"/>
-              <a:t>Classification</a:t>
+              <a:t>Feature </a:t>
+            </a:r>
+            <a:r>
+              <a:rPr lang="en-US" sz="4800" dirty="0" smtClean="0"/>
+              <a:t>Engineering</a:t>
             </a:r>
             <a:br>
-              <a:rPr lang="en-US" sz="4800" dirty="0"/>
+              <a:rPr lang="en-US" sz="4800" dirty="0" smtClean="0"/>
             </a:br>
-            <a:r>
-              <a:rPr lang="en-US" sz="4800" dirty="0"/>
-              <a:t>-binary-</a:t>
-            </a:r>
+            <a:endParaRPr lang="en-US" sz="4800" dirty="0"/>
           </a:p>
         </p:txBody>
       </p:sp>
@@ -17819,10 +22764,92 @@
           </a:prstGeom>
         </p:spPr>
       </p:pic>
+      <p:pic>
+        <p:nvPicPr>
+          <p:cNvPr id="3076" name="Picture 4" descr="The 5 Most Useful Techniques to Handle Imbalanced Datasets - KDnuggets"/>
+          <p:cNvPicPr>
+            <a:picLocks noChangeAspect="1" noChangeArrowheads="1"/>
+          </p:cNvPicPr>
+          <p:nvPr/>
+        </p:nvPicPr>
+        <p:blipFill>
+          <a:blip r:embed="rId4">
+            <a:extLst>
+              <a:ext uri="{28A0092B-C50C-407E-A947-70E740481C1C}">
+                <a14:useLocalDpi xmlns:a14="http://schemas.microsoft.com/office/drawing/2010/main" val="0"/>
+              </a:ext>
+            </a:extLst>
+          </a:blip>
+          <a:srcRect/>
+          <a:stretch>
+            <a:fillRect/>
+          </a:stretch>
+        </p:blipFill>
+        <p:spPr bwMode="auto">
+          <a:xfrm>
+            <a:off x="445721" y="2991112"/>
+            <a:ext cx="5967969" cy="1753349"/>
+          </a:xfrm>
+          <a:prstGeom prst="rect">
+            <a:avLst/>
+          </a:prstGeom>
+          <a:noFill/>
+          <a:extLst>
+            <a:ext uri="{909E8E84-426E-40DD-AFC4-6F175D3DCCD1}">
+              <a14:hiddenFill xmlns:a14="http://schemas.microsoft.com/office/drawing/2010/main">
+                <a:solidFill>
+                  <a:srgbClr val="FFFFFF"/>
+                </a:solidFill>
+              </a14:hiddenFill>
+            </a:ext>
+          </a:extLst>
+        </p:spPr>
+      </p:pic>
+      <p:pic>
+        <p:nvPicPr>
+          <p:cNvPr id="3078" name="Picture 6" descr="SMOTE. A technique to overcome class imbalance… | by Emilia Orellana |  Medium"/>
+          <p:cNvPicPr>
+            <a:picLocks noChangeAspect="1" noChangeArrowheads="1"/>
+          </p:cNvPicPr>
+          <p:nvPr/>
+        </p:nvPicPr>
+        <p:blipFill>
+          <a:blip r:embed="rId5">
+            <a:extLst>
+              <a:ext uri="{28A0092B-C50C-407E-A947-70E740481C1C}">
+                <a14:useLocalDpi xmlns:a14="http://schemas.microsoft.com/office/drawing/2010/main" val="0"/>
+              </a:ext>
+            </a:extLst>
+          </a:blip>
+          <a:srcRect/>
+          <a:stretch>
+            <a:fillRect/>
+          </a:stretch>
+        </p:blipFill>
+        <p:spPr bwMode="auto">
+          <a:xfrm>
+            <a:off x="7073592" y="2991112"/>
+            <a:ext cx="3936498" cy="1748605"/>
+          </a:xfrm>
+          <a:prstGeom prst="rect">
+            <a:avLst/>
+          </a:prstGeom>
+          <a:noFill/>
+          <a:extLst>
+            <a:ext uri="{909E8E84-426E-40DD-AFC4-6F175D3DCCD1}">
+              <a14:hiddenFill xmlns:a14="http://schemas.microsoft.com/office/drawing/2010/main">
+                <a:solidFill>
+                  <a:srgbClr val="FFFFFF"/>
+                </a:solidFill>
+              </a14:hiddenFill>
+            </a:ext>
+          </a:extLst>
+        </p:spPr>
+      </p:pic>
     </p:spTree>
     <p:extLst>
       <p:ext uri="{BB962C8B-B14F-4D97-AF65-F5344CB8AC3E}">
-        <p14:creationId xmlns:p14="http://schemas.microsoft.com/office/powerpoint/2010/main" val="1374603998"/>
+        <p14:creationId xmlns:p14="http://schemas.microsoft.com/office/powerpoint/2010/main" val="3196809179"/>
       </p:ext>
     </p:extLst>
   </p:cSld>

--- a/Presentation_updated.pptx
+++ b/Presentation_updated.pptx
@@ -5,7 +5,7 @@
     <p:sldMasterId id="2147483840" r:id="rId1"/>
   </p:sldMasterIdLst>
   <p:notesMasterIdLst>
-    <p:notesMasterId r:id="rId15"/>
+    <p:notesMasterId r:id="rId16"/>
   </p:notesMasterIdLst>
   <p:sldIdLst>
     <p:sldId id="256" r:id="rId2"/>
@@ -18,9 +18,10 @@
     <p:sldId id="281" r:id="rId9"/>
     <p:sldId id="289" r:id="rId10"/>
     <p:sldId id="283" r:id="rId11"/>
-    <p:sldId id="280" r:id="rId12"/>
-    <p:sldId id="288" r:id="rId13"/>
-    <p:sldId id="266" r:id="rId14"/>
+    <p:sldId id="290" r:id="rId12"/>
+    <p:sldId id="280" r:id="rId13"/>
+    <p:sldId id="288" r:id="rId14"/>
+    <p:sldId id="266" r:id="rId15"/>
   </p:sldIdLst>
   <p:sldSz cx="12192000" cy="6858000"/>
   <p:notesSz cx="6858000" cy="9144000"/>
@@ -875,6 +876,753 @@
 </file>
 
 <file path=ppt/diagrams/colors2.xml><?xml version="1.0" encoding="utf-8"?>
+<dgm:colorsDef xmlns:dgm="http://schemas.openxmlformats.org/drawingml/2006/diagram" xmlns:a="http://schemas.openxmlformats.org/drawingml/2006/main" uniqueId="urn:microsoft.com/office/officeart/2005/8/colors/accent1_2">
+  <dgm:title val=""/>
+  <dgm:desc val=""/>
+  <dgm:catLst>
+    <dgm:cat type="accent1" pri="11200"/>
+  </dgm:catLst>
+  <dgm:styleLbl name="node0">
+    <dgm:fillClrLst meth="repeat">
+      <a:schemeClr val="accent1"/>
+    </dgm:fillClrLst>
+    <dgm:linClrLst meth="repeat">
+      <a:schemeClr val="lt1"/>
+    </dgm:linClrLst>
+    <dgm:effectClrLst/>
+    <dgm:txLinClrLst/>
+    <dgm:txFillClrLst/>
+    <dgm:txEffectClrLst/>
+  </dgm:styleLbl>
+  <dgm:styleLbl name="alignNode1">
+    <dgm:fillClrLst meth="repeat">
+      <a:schemeClr val="accent1"/>
+    </dgm:fillClrLst>
+    <dgm:linClrLst meth="repeat">
+      <a:schemeClr val="accent1"/>
+    </dgm:linClrLst>
+    <dgm:effectClrLst/>
+    <dgm:txLinClrLst/>
+    <dgm:txFillClrLst/>
+    <dgm:txEffectClrLst/>
+  </dgm:styleLbl>
+  <dgm:styleLbl name="node1">
+    <dgm:fillClrLst meth="repeat">
+      <a:schemeClr val="accent1"/>
+    </dgm:fillClrLst>
+    <dgm:linClrLst meth="repeat">
+      <a:schemeClr val="lt1"/>
+    </dgm:linClrLst>
+    <dgm:effectClrLst/>
+    <dgm:txLinClrLst/>
+    <dgm:txFillClrLst/>
+    <dgm:txEffectClrLst/>
+  </dgm:styleLbl>
+  <dgm:styleLbl name="lnNode1">
+    <dgm:fillClrLst meth="repeat">
+      <a:schemeClr val="accent1"/>
+    </dgm:fillClrLst>
+    <dgm:linClrLst meth="repeat">
+      <a:schemeClr val="lt1"/>
+    </dgm:linClrLst>
+    <dgm:effectClrLst/>
+    <dgm:txLinClrLst/>
+    <dgm:txFillClrLst/>
+    <dgm:txEffectClrLst/>
+  </dgm:styleLbl>
+  <dgm:styleLbl name="vennNode1">
+    <dgm:fillClrLst meth="repeat">
+      <a:schemeClr val="accent1">
+        <a:alpha val="50000"/>
+      </a:schemeClr>
+    </dgm:fillClrLst>
+    <dgm:linClrLst meth="repeat">
+      <a:schemeClr val="lt1"/>
+    </dgm:linClrLst>
+    <dgm:effectClrLst/>
+    <dgm:txLinClrLst/>
+    <dgm:txFillClrLst/>
+    <dgm:txEffectClrLst/>
+  </dgm:styleLbl>
+  <dgm:styleLbl name="node2">
+    <dgm:fillClrLst meth="repeat">
+      <a:schemeClr val="accent1"/>
+    </dgm:fillClrLst>
+    <dgm:linClrLst meth="repeat">
+      <a:schemeClr val="lt1"/>
+    </dgm:linClrLst>
+    <dgm:effectClrLst/>
+    <dgm:txLinClrLst/>
+    <dgm:txFillClrLst/>
+    <dgm:txEffectClrLst/>
+  </dgm:styleLbl>
+  <dgm:styleLbl name="node3">
+    <dgm:fillClrLst meth="repeat">
+      <a:schemeClr val="accent1"/>
+    </dgm:fillClrLst>
+    <dgm:linClrLst meth="repeat">
+      <a:schemeClr val="lt1"/>
+    </dgm:linClrLst>
+    <dgm:effectClrLst/>
+    <dgm:txLinClrLst/>
+    <dgm:txFillClrLst/>
+    <dgm:txEffectClrLst/>
+  </dgm:styleLbl>
+  <dgm:styleLbl name="node4">
+    <dgm:fillClrLst meth="repeat">
+      <a:schemeClr val="accent1"/>
+    </dgm:fillClrLst>
+    <dgm:linClrLst meth="repeat">
+      <a:schemeClr val="lt1"/>
+    </dgm:linClrLst>
+    <dgm:effectClrLst/>
+    <dgm:txLinClrLst/>
+    <dgm:txFillClrLst/>
+    <dgm:txEffectClrLst/>
+  </dgm:styleLbl>
+  <dgm:styleLbl name="fgImgPlace1">
+    <dgm:fillClrLst meth="repeat">
+      <a:schemeClr val="accent1">
+        <a:tint val="50000"/>
+      </a:schemeClr>
+    </dgm:fillClrLst>
+    <dgm:linClrLst meth="repeat">
+      <a:schemeClr val="lt1"/>
+    </dgm:linClrLst>
+    <dgm:effectClrLst/>
+    <dgm:txLinClrLst/>
+    <dgm:txFillClrLst meth="repeat">
+      <a:schemeClr val="lt1"/>
+    </dgm:txFillClrLst>
+    <dgm:txEffectClrLst/>
+  </dgm:styleLbl>
+  <dgm:styleLbl name="alignImgPlace1">
+    <dgm:fillClrLst meth="repeat">
+      <a:schemeClr val="accent1">
+        <a:tint val="50000"/>
+      </a:schemeClr>
+    </dgm:fillClrLst>
+    <dgm:linClrLst meth="repeat">
+      <a:schemeClr val="lt1"/>
+    </dgm:linClrLst>
+    <dgm:effectClrLst/>
+    <dgm:txLinClrLst/>
+    <dgm:txFillClrLst meth="repeat">
+      <a:schemeClr val="lt1"/>
+    </dgm:txFillClrLst>
+    <dgm:txEffectClrLst/>
+  </dgm:styleLbl>
+  <dgm:styleLbl name="bgImgPlace1">
+    <dgm:fillClrLst meth="repeat">
+      <a:schemeClr val="accent1">
+        <a:tint val="50000"/>
+      </a:schemeClr>
+    </dgm:fillClrLst>
+    <dgm:linClrLst meth="repeat">
+      <a:schemeClr val="lt1"/>
+    </dgm:linClrLst>
+    <dgm:effectClrLst/>
+    <dgm:txLinClrLst/>
+    <dgm:txFillClrLst meth="repeat">
+      <a:schemeClr val="lt1"/>
+    </dgm:txFillClrLst>
+    <dgm:txEffectClrLst/>
+  </dgm:styleLbl>
+  <dgm:styleLbl name="sibTrans2D1">
+    <dgm:fillClrLst meth="repeat">
+      <a:schemeClr val="accent1">
+        <a:tint val="60000"/>
+      </a:schemeClr>
+    </dgm:fillClrLst>
+    <dgm:linClrLst meth="repeat">
+      <a:schemeClr val="accent1">
+        <a:tint val="60000"/>
+      </a:schemeClr>
+    </dgm:linClrLst>
+    <dgm:effectClrLst/>
+    <dgm:txLinClrLst/>
+    <dgm:txFillClrLst/>
+    <dgm:txEffectClrLst/>
+  </dgm:styleLbl>
+  <dgm:styleLbl name="fgSibTrans2D1">
+    <dgm:fillClrLst meth="repeat">
+      <a:schemeClr val="accent1">
+        <a:tint val="60000"/>
+      </a:schemeClr>
+    </dgm:fillClrLst>
+    <dgm:linClrLst meth="repeat">
+      <a:schemeClr val="accent1">
+        <a:tint val="60000"/>
+      </a:schemeClr>
+    </dgm:linClrLst>
+    <dgm:effectClrLst/>
+    <dgm:txLinClrLst/>
+    <dgm:txFillClrLst/>
+    <dgm:txEffectClrLst/>
+  </dgm:styleLbl>
+  <dgm:styleLbl name="bgSibTrans2D1">
+    <dgm:fillClrLst meth="repeat">
+      <a:schemeClr val="accent1">
+        <a:tint val="60000"/>
+      </a:schemeClr>
+    </dgm:fillClrLst>
+    <dgm:linClrLst meth="repeat">
+      <a:schemeClr val="accent1">
+        <a:tint val="60000"/>
+      </a:schemeClr>
+    </dgm:linClrLst>
+    <dgm:effectClrLst/>
+    <dgm:txLinClrLst/>
+    <dgm:txFillClrLst/>
+    <dgm:txEffectClrLst/>
+  </dgm:styleLbl>
+  <dgm:styleLbl name="sibTrans1D1">
+    <dgm:fillClrLst meth="repeat">
+      <a:schemeClr val="accent1"/>
+    </dgm:fillClrLst>
+    <dgm:linClrLst meth="repeat">
+      <a:schemeClr val="accent1"/>
+    </dgm:linClrLst>
+    <dgm:effectClrLst/>
+    <dgm:txLinClrLst/>
+    <dgm:txFillClrLst meth="repeat">
+      <a:schemeClr val="tx1"/>
+    </dgm:txFillClrLst>
+    <dgm:txEffectClrLst/>
+  </dgm:styleLbl>
+  <dgm:styleLbl name="callout">
+    <dgm:fillClrLst meth="repeat">
+      <a:schemeClr val="accent1"/>
+    </dgm:fillClrLst>
+    <dgm:linClrLst meth="repeat">
+      <a:schemeClr val="accent1">
+        <a:tint val="50000"/>
+      </a:schemeClr>
+    </dgm:linClrLst>
+    <dgm:effectClrLst/>
+    <dgm:txLinClrLst/>
+    <dgm:txFillClrLst meth="repeat">
+      <a:schemeClr val="tx1"/>
+    </dgm:txFillClrLst>
+    <dgm:txEffectClrLst/>
+  </dgm:styleLbl>
+  <dgm:styleLbl name="asst0">
+    <dgm:fillClrLst meth="repeat">
+      <a:schemeClr val="accent1"/>
+    </dgm:fillClrLst>
+    <dgm:linClrLst meth="repeat">
+      <a:schemeClr val="lt1"/>
+    </dgm:linClrLst>
+    <dgm:effectClrLst/>
+    <dgm:txLinClrLst/>
+    <dgm:txFillClrLst/>
+    <dgm:txEffectClrLst/>
+  </dgm:styleLbl>
+  <dgm:styleLbl name="asst1">
+    <dgm:fillClrLst meth="repeat">
+      <a:schemeClr val="accent1"/>
+    </dgm:fillClrLst>
+    <dgm:linClrLst meth="repeat">
+      <a:schemeClr val="lt1"/>
+    </dgm:linClrLst>
+    <dgm:effectClrLst/>
+    <dgm:txLinClrLst/>
+    <dgm:txFillClrLst/>
+    <dgm:txEffectClrLst/>
+  </dgm:styleLbl>
+  <dgm:styleLbl name="asst2">
+    <dgm:fillClrLst meth="repeat">
+      <a:schemeClr val="accent1"/>
+    </dgm:fillClrLst>
+    <dgm:linClrLst meth="repeat">
+      <a:schemeClr val="lt1"/>
+    </dgm:linClrLst>
+    <dgm:effectClrLst/>
+    <dgm:txLinClrLst/>
+    <dgm:txFillClrLst/>
+    <dgm:txEffectClrLst/>
+  </dgm:styleLbl>
+  <dgm:styleLbl name="asst3">
+    <dgm:fillClrLst meth="repeat">
+      <a:schemeClr val="accent1"/>
+    </dgm:fillClrLst>
+    <dgm:linClrLst meth="repeat">
+      <a:schemeClr val="lt1"/>
+    </dgm:linClrLst>
+    <dgm:effectClrLst/>
+    <dgm:txLinClrLst/>
+    <dgm:txFillClrLst/>
+    <dgm:txEffectClrLst/>
+  </dgm:styleLbl>
+  <dgm:styleLbl name="asst4">
+    <dgm:fillClrLst meth="repeat">
+      <a:schemeClr val="accent1"/>
+    </dgm:fillClrLst>
+    <dgm:linClrLst meth="repeat">
+      <a:schemeClr val="lt1"/>
+    </dgm:linClrLst>
+    <dgm:effectClrLst/>
+    <dgm:txLinClrLst/>
+    <dgm:txFillClrLst/>
+    <dgm:txEffectClrLst/>
+  </dgm:styleLbl>
+  <dgm:styleLbl name="parChTrans2D1">
+    <dgm:fillClrLst meth="repeat">
+      <a:schemeClr val="accent1">
+        <a:tint val="60000"/>
+      </a:schemeClr>
+    </dgm:fillClrLst>
+    <dgm:linClrLst meth="repeat">
+      <a:schemeClr val="accent1">
+        <a:tint val="60000"/>
+      </a:schemeClr>
+    </dgm:linClrLst>
+    <dgm:effectClrLst/>
+    <dgm:txLinClrLst/>
+    <dgm:txFillClrLst meth="repeat">
+      <a:schemeClr val="lt1"/>
+    </dgm:txFillClrLst>
+    <dgm:txEffectClrLst/>
+  </dgm:styleLbl>
+  <dgm:styleLbl name="parChTrans2D2">
+    <dgm:fillClrLst meth="repeat">
+      <a:schemeClr val="accent1"/>
+    </dgm:fillClrLst>
+    <dgm:linClrLst meth="repeat">
+      <a:schemeClr val="accent1"/>
+    </dgm:linClrLst>
+    <dgm:effectClrLst/>
+    <dgm:txLinClrLst/>
+    <dgm:txFillClrLst meth="repeat">
+      <a:schemeClr val="lt1"/>
+    </dgm:txFillClrLst>
+    <dgm:txEffectClrLst/>
+  </dgm:styleLbl>
+  <dgm:styleLbl name="parChTrans2D3">
+    <dgm:fillClrLst meth="repeat">
+      <a:schemeClr val="accent1"/>
+    </dgm:fillClrLst>
+    <dgm:linClrLst meth="repeat">
+      <a:schemeClr val="accent1"/>
+    </dgm:linClrLst>
+    <dgm:effectClrLst/>
+    <dgm:txLinClrLst/>
+    <dgm:txFillClrLst meth="repeat">
+      <a:schemeClr val="lt1"/>
+    </dgm:txFillClrLst>
+    <dgm:txEffectClrLst/>
+  </dgm:styleLbl>
+  <dgm:styleLbl name="parChTrans2D4">
+    <dgm:fillClrLst meth="repeat">
+      <a:schemeClr val="accent1"/>
+    </dgm:fillClrLst>
+    <dgm:linClrLst meth="repeat">
+      <a:schemeClr val="accent1"/>
+    </dgm:linClrLst>
+    <dgm:effectClrLst/>
+    <dgm:txLinClrLst/>
+    <dgm:txFillClrLst meth="repeat">
+      <a:schemeClr val="lt1"/>
+    </dgm:txFillClrLst>
+    <dgm:txEffectClrLst/>
+  </dgm:styleLbl>
+  <dgm:styleLbl name="parChTrans1D1">
+    <dgm:fillClrLst meth="repeat">
+      <a:schemeClr val="accent1"/>
+    </dgm:fillClrLst>
+    <dgm:linClrLst meth="repeat">
+      <a:schemeClr val="accent1">
+        <a:shade val="60000"/>
+      </a:schemeClr>
+    </dgm:linClrLst>
+    <dgm:effectClrLst/>
+    <dgm:txLinClrLst/>
+    <dgm:txFillClrLst meth="repeat">
+      <a:schemeClr val="tx1"/>
+    </dgm:txFillClrLst>
+    <dgm:txEffectClrLst/>
+  </dgm:styleLbl>
+  <dgm:styleLbl name="parChTrans1D2">
+    <dgm:fillClrLst meth="repeat">
+      <a:schemeClr val="accent1"/>
+    </dgm:fillClrLst>
+    <dgm:linClrLst meth="repeat">
+      <a:schemeClr val="accent1">
+        <a:shade val="60000"/>
+      </a:schemeClr>
+    </dgm:linClrLst>
+    <dgm:effectClrLst/>
+    <dgm:txLinClrLst/>
+    <dgm:txFillClrLst meth="repeat">
+      <a:schemeClr val="tx1"/>
+    </dgm:txFillClrLst>
+    <dgm:txEffectClrLst/>
+  </dgm:styleLbl>
+  <dgm:styleLbl name="parChTrans1D3">
+    <dgm:fillClrLst meth="repeat">
+      <a:schemeClr val="accent1"/>
+    </dgm:fillClrLst>
+    <dgm:linClrLst meth="repeat">
+      <a:schemeClr val="accent1">
+        <a:shade val="80000"/>
+      </a:schemeClr>
+    </dgm:linClrLst>
+    <dgm:effectClrLst/>
+    <dgm:txLinClrLst/>
+    <dgm:txFillClrLst meth="repeat">
+      <a:schemeClr val="tx1"/>
+    </dgm:txFillClrLst>
+    <dgm:txEffectClrLst/>
+  </dgm:styleLbl>
+  <dgm:styleLbl name="parChTrans1D4">
+    <dgm:fillClrLst meth="repeat">
+      <a:schemeClr val="accent1"/>
+    </dgm:fillClrLst>
+    <dgm:linClrLst meth="repeat">
+      <a:schemeClr val="accent1">
+        <a:shade val="80000"/>
+      </a:schemeClr>
+    </dgm:linClrLst>
+    <dgm:effectClrLst/>
+    <dgm:txLinClrLst/>
+    <dgm:txFillClrLst meth="repeat">
+      <a:schemeClr val="tx1"/>
+    </dgm:txFillClrLst>
+    <dgm:txEffectClrLst/>
+  </dgm:styleLbl>
+  <dgm:styleLbl name="fgAcc1">
+    <dgm:fillClrLst meth="repeat">
+      <a:schemeClr val="lt1">
+        <a:alpha val="90000"/>
+      </a:schemeClr>
+    </dgm:fillClrLst>
+    <dgm:linClrLst meth="repeat">
+      <a:schemeClr val="accent1"/>
+    </dgm:linClrLst>
+    <dgm:effectClrLst/>
+    <dgm:txLinClrLst/>
+    <dgm:txFillClrLst meth="repeat">
+      <a:schemeClr val="dk1"/>
+    </dgm:txFillClrLst>
+    <dgm:txEffectClrLst/>
+  </dgm:styleLbl>
+  <dgm:styleLbl name="conFgAcc1">
+    <dgm:fillClrLst meth="repeat">
+      <a:schemeClr val="lt1">
+        <a:alpha val="90000"/>
+      </a:schemeClr>
+    </dgm:fillClrLst>
+    <dgm:linClrLst meth="repeat">
+      <a:schemeClr val="accent1"/>
+    </dgm:linClrLst>
+    <dgm:effectClrLst/>
+    <dgm:txLinClrLst/>
+    <dgm:txFillClrLst meth="repeat">
+      <a:schemeClr val="dk1"/>
+    </dgm:txFillClrLst>
+    <dgm:txEffectClrLst/>
+  </dgm:styleLbl>
+  <dgm:styleLbl name="alignAcc1">
+    <dgm:fillClrLst meth="repeat">
+      <a:schemeClr val="lt1">
+        <a:alpha val="90000"/>
+      </a:schemeClr>
+    </dgm:fillClrLst>
+    <dgm:linClrLst meth="repeat">
+      <a:schemeClr val="accent1"/>
+    </dgm:linClrLst>
+    <dgm:effectClrLst/>
+    <dgm:txLinClrLst/>
+    <dgm:txFillClrLst meth="repeat">
+      <a:schemeClr val="dk1"/>
+    </dgm:txFillClrLst>
+    <dgm:txEffectClrLst/>
+  </dgm:styleLbl>
+  <dgm:styleLbl name="trAlignAcc1">
+    <dgm:fillClrLst meth="repeat">
+      <a:schemeClr val="lt1">
+        <a:alpha val="40000"/>
+      </a:schemeClr>
+    </dgm:fillClrLst>
+    <dgm:linClrLst meth="repeat">
+      <a:schemeClr val="accent1"/>
+    </dgm:linClrLst>
+    <dgm:effectClrLst/>
+    <dgm:txLinClrLst/>
+    <dgm:txFillClrLst meth="repeat">
+      <a:schemeClr val="dk1"/>
+    </dgm:txFillClrLst>
+    <dgm:txEffectClrLst/>
+  </dgm:styleLbl>
+  <dgm:styleLbl name="bgAcc1">
+    <dgm:fillClrLst meth="repeat">
+      <a:schemeClr val="lt1">
+        <a:alpha val="90000"/>
+      </a:schemeClr>
+    </dgm:fillClrLst>
+    <dgm:linClrLst meth="repeat">
+      <a:schemeClr val="accent1"/>
+    </dgm:linClrLst>
+    <dgm:effectClrLst/>
+    <dgm:txLinClrLst/>
+    <dgm:txFillClrLst meth="repeat">
+      <a:schemeClr val="dk1"/>
+    </dgm:txFillClrLst>
+    <dgm:txEffectClrLst/>
+  </dgm:styleLbl>
+  <dgm:styleLbl name="solidFgAcc1">
+    <dgm:fillClrLst meth="repeat">
+      <a:schemeClr val="lt1"/>
+    </dgm:fillClrLst>
+    <dgm:linClrLst meth="repeat">
+      <a:schemeClr val="accent1"/>
+    </dgm:linClrLst>
+    <dgm:effectClrLst/>
+    <dgm:txLinClrLst/>
+    <dgm:txFillClrLst meth="repeat">
+      <a:schemeClr val="dk1"/>
+    </dgm:txFillClrLst>
+    <dgm:txEffectClrLst/>
+  </dgm:styleLbl>
+  <dgm:styleLbl name="solidAlignAcc1">
+    <dgm:fillClrLst meth="repeat">
+      <a:schemeClr val="lt1"/>
+    </dgm:fillClrLst>
+    <dgm:linClrLst meth="repeat">
+      <a:schemeClr val="accent1"/>
+    </dgm:linClrLst>
+    <dgm:effectClrLst/>
+    <dgm:txLinClrLst/>
+    <dgm:txFillClrLst meth="repeat">
+      <a:schemeClr val="dk1"/>
+    </dgm:txFillClrLst>
+    <dgm:txEffectClrLst/>
+  </dgm:styleLbl>
+  <dgm:styleLbl name="solidBgAcc1">
+    <dgm:fillClrLst meth="repeat">
+      <a:schemeClr val="lt1"/>
+    </dgm:fillClrLst>
+    <dgm:linClrLst meth="repeat">
+      <a:schemeClr val="accent1"/>
+    </dgm:linClrLst>
+    <dgm:effectClrLst/>
+    <dgm:txLinClrLst/>
+    <dgm:txFillClrLst meth="repeat">
+      <a:schemeClr val="dk1"/>
+    </dgm:txFillClrLst>
+    <dgm:txEffectClrLst/>
+  </dgm:styleLbl>
+  <dgm:styleLbl name="fgAccFollowNode1">
+    <dgm:fillClrLst meth="repeat">
+      <a:schemeClr val="accent1">
+        <a:alpha val="90000"/>
+        <a:tint val="40000"/>
+      </a:schemeClr>
+    </dgm:fillClrLst>
+    <dgm:linClrLst meth="repeat">
+      <a:schemeClr val="accent1">
+        <a:alpha val="90000"/>
+        <a:tint val="40000"/>
+      </a:schemeClr>
+    </dgm:linClrLst>
+    <dgm:effectClrLst/>
+    <dgm:txLinClrLst/>
+    <dgm:txFillClrLst meth="repeat">
+      <a:schemeClr val="dk1"/>
+    </dgm:txFillClrLst>
+    <dgm:txEffectClrLst/>
+  </dgm:styleLbl>
+  <dgm:styleLbl name="alignAccFollowNode1">
+    <dgm:fillClrLst meth="repeat">
+      <a:schemeClr val="accent1">
+        <a:alpha val="90000"/>
+        <a:tint val="40000"/>
+      </a:schemeClr>
+    </dgm:fillClrLst>
+    <dgm:linClrLst meth="repeat">
+      <a:schemeClr val="accent1">
+        <a:alpha val="90000"/>
+        <a:tint val="40000"/>
+      </a:schemeClr>
+    </dgm:linClrLst>
+    <dgm:effectClrLst/>
+    <dgm:txLinClrLst/>
+    <dgm:txFillClrLst meth="repeat">
+      <a:schemeClr val="dk1"/>
+    </dgm:txFillClrLst>
+    <dgm:txEffectClrLst/>
+  </dgm:styleLbl>
+  <dgm:styleLbl name="bgAccFollowNode1">
+    <dgm:fillClrLst meth="repeat">
+      <a:schemeClr val="accent1">
+        <a:alpha val="90000"/>
+        <a:tint val="40000"/>
+      </a:schemeClr>
+    </dgm:fillClrLst>
+    <dgm:linClrLst meth="repeat">
+      <a:schemeClr val="accent1">
+        <a:alpha val="90000"/>
+        <a:tint val="40000"/>
+      </a:schemeClr>
+    </dgm:linClrLst>
+    <dgm:effectClrLst/>
+    <dgm:txLinClrLst/>
+    <dgm:txFillClrLst meth="repeat">
+      <a:schemeClr val="dk1"/>
+    </dgm:txFillClrLst>
+    <dgm:txEffectClrLst/>
+  </dgm:styleLbl>
+  <dgm:styleLbl name="fgAcc0">
+    <dgm:fillClrLst meth="repeat">
+      <a:schemeClr val="lt1">
+        <a:alpha val="90000"/>
+      </a:schemeClr>
+    </dgm:fillClrLst>
+    <dgm:linClrLst meth="repeat">
+      <a:schemeClr val="accent1"/>
+    </dgm:linClrLst>
+    <dgm:effectClrLst/>
+    <dgm:txLinClrLst/>
+    <dgm:txFillClrLst meth="repeat">
+      <a:schemeClr val="dk1"/>
+    </dgm:txFillClrLst>
+    <dgm:txEffectClrLst/>
+  </dgm:styleLbl>
+  <dgm:styleLbl name="fgAcc2">
+    <dgm:fillClrLst meth="repeat">
+      <a:schemeClr val="lt1">
+        <a:alpha val="90000"/>
+      </a:schemeClr>
+    </dgm:fillClrLst>
+    <dgm:linClrLst meth="repeat">
+      <a:schemeClr val="accent1"/>
+    </dgm:linClrLst>
+    <dgm:effectClrLst/>
+    <dgm:txLinClrLst/>
+    <dgm:txFillClrLst meth="repeat">
+      <a:schemeClr val="dk1"/>
+    </dgm:txFillClrLst>
+    <dgm:txEffectClrLst/>
+  </dgm:styleLbl>
+  <dgm:styleLbl name="fgAcc3">
+    <dgm:fillClrLst meth="repeat">
+      <a:schemeClr val="lt1">
+        <a:alpha val="90000"/>
+      </a:schemeClr>
+    </dgm:fillClrLst>
+    <dgm:linClrLst meth="repeat">
+      <a:schemeClr val="accent1"/>
+    </dgm:linClrLst>
+    <dgm:effectClrLst/>
+    <dgm:txLinClrLst/>
+    <dgm:txFillClrLst meth="repeat">
+      <a:schemeClr val="dk1"/>
+    </dgm:txFillClrLst>
+    <dgm:txEffectClrLst/>
+  </dgm:styleLbl>
+  <dgm:styleLbl name="fgAcc4">
+    <dgm:fillClrLst meth="repeat">
+      <a:schemeClr val="lt1">
+        <a:alpha val="90000"/>
+      </a:schemeClr>
+    </dgm:fillClrLst>
+    <dgm:linClrLst meth="repeat">
+      <a:schemeClr val="accent1"/>
+    </dgm:linClrLst>
+    <dgm:effectClrLst/>
+    <dgm:txLinClrLst/>
+    <dgm:txFillClrLst meth="repeat">
+      <a:schemeClr val="dk1"/>
+    </dgm:txFillClrLst>
+    <dgm:txEffectClrLst/>
+  </dgm:styleLbl>
+  <dgm:styleLbl name="bgShp">
+    <dgm:fillClrLst meth="repeat">
+      <a:schemeClr val="accent1">
+        <a:tint val="40000"/>
+      </a:schemeClr>
+    </dgm:fillClrLst>
+    <dgm:linClrLst meth="repeat">
+      <a:schemeClr val="accent1"/>
+    </dgm:linClrLst>
+    <dgm:effectClrLst/>
+    <dgm:txLinClrLst/>
+    <dgm:txFillClrLst meth="repeat">
+      <a:schemeClr val="dk1"/>
+    </dgm:txFillClrLst>
+    <dgm:txEffectClrLst/>
+  </dgm:styleLbl>
+  <dgm:styleLbl name="dkBgShp">
+    <dgm:fillClrLst meth="repeat">
+      <a:schemeClr val="accent1">
+        <a:shade val="80000"/>
+      </a:schemeClr>
+    </dgm:fillClrLst>
+    <dgm:linClrLst meth="repeat">
+      <a:schemeClr val="accent1"/>
+    </dgm:linClrLst>
+    <dgm:effectClrLst/>
+    <dgm:txLinClrLst/>
+    <dgm:txFillClrLst meth="repeat">
+      <a:schemeClr val="lt1"/>
+    </dgm:txFillClrLst>
+    <dgm:txEffectClrLst/>
+  </dgm:styleLbl>
+  <dgm:styleLbl name="trBgShp">
+    <dgm:fillClrLst meth="repeat">
+      <a:schemeClr val="accent1">
+        <a:tint val="50000"/>
+        <a:alpha val="40000"/>
+      </a:schemeClr>
+    </dgm:fillClrLst>
+    <dgm:linClrLst meth="repeat">
+      <a:schemeClr val="accent1"/>
+    </dgm:linClrLst>
+    <dgm:effectClrLst/>
+    <dgm:txLinClrLst/>
+    <dgm:txFillClrLst meth="repeat">
+      <a:schemeClr val="lt1"/>
+    </dgm:txFillClrLst>
+    <dgm:txEffectClrLst/>
+  </dgm:styleLbl>
+  <dgm:styleLbl name="fgShp">
+    <dgm:fillClrLst meth="repeat">
+      <a:schemeClr val="accent1">
+        <a:tint val="60000"/>
+      </a:schemeClr>
+    </dgm:fillClrLst>
+    <dgm:linClrLst meth="repeat">
+      <a:schemeClr val="lt1"/>
+    </dgm:linClrLst>
+    <dgm:effectClrLst/>
+    <dgm:txLinClrLst/>
+    <dgm:txFillClrLst meth="repeat">
+      <a:schemeClr val="dk1"/>
+    </dgm:txFillClrLst>
+    <dgm:txEffectClrLst/>
+  </dgm:styleLbl>
+  <dgm:styleLbl name="revTx">
+    <dgm:fillClrLst meth="repeat">
+      <a:schemeClr val="lt1">
+        <a:alpha val="0"/>
+      </a:schemeClr>
+    </dgm:fillClrLst>
+    <dgm:linClrLst meth="repeat">
+      <a:schemeClr val="dk1">
+        <a:alpha val="0"/>
+      </a:schemeClr>
+    </dgm:linClrLst>
+    <dgm:effectClrLst/>
+    <dgm:txLinClrLst/>
+    <dgm:txFillClrLst meth="repeat">
+      <a:schemeClr val="tx1"/>
+    </dgm:txFillClrLst>
+    <dgm:txEffectClrLst/>
+  </dgm:styleLbl>
+</dgm:colorsDef>
+</file>
+
+<file path=ppt/diagrams/colors3.xml><?xml version="1.0" encoding="utf-8"?>
 <dgm:colorsDef xmlns:dgm="http://schemas.openxmlformats.org/drawingml/2006/diagram" xmlns:a="http://schemas.openxmlformats.org/drawingml/2006/main" uniqueId="urn:microsoft.com/office/officeart/2005/8/colors/accent1_2">
   <dgm:title val=""/>
   <dgm:desc val=""/>
@@ -1968,13 +2716,6 @@
         </dgm:presLayoutVars>
       </dgm:prSet>
       <dgm:spPr/>
-      <dgm:t>
-        <a:bodyPr/>
-        <a:lstStyle/>
-        <a:p>
-          <a:endParaRPr lang="es-ES"/>
-        </a:p>
-      </dgm:t>
     </dgm:pt>
     <dgm:pt modelId="{1356FD8E-C173-4B8C-B410-107D3BF7BBC2}" type="pres">
       <dgm:prSet presAssocID="{0C072433-4AEB-40F1-AB95-059EE9C9ADEC}" presName="container" presStyleCnt="0">
@@ -2003,7 +2744,7 @@
                 <a14:useLocalDpi xmlns:a14="http://schemas.microsoft.com/office/drawing/2010/main" val="0"/>
               </a:ext>
               <a:ext uri="{96DAC541-7B7A-43D3-8B79-37D633B846F1}">
-                <asvg:svgBlip xmlns="" xmlns:asvg="http://schemas.microsoft.com/office/drawing/2016/SVG/main" r:embed="rId2"/>
+                <asvg:svgBlip xmlns:asvg="http://schemas.microsoft.com/office/drawing/2016/SVG/main" r:embed="rId2"/>
               </a:ext>
             </a:extLst>
           </a:blip>
@@ -2015,13 +2756,6 @@
           <a:noFill/>
         </a:ln>
       </dgm:spPr>
-      <dgm:t>
-        <a:bodyPr/>
-        <a:lstStyle/>
-        <a:p>
-          <a:endParaRPr lang="es-ES"/>
-        </a:p>
-      </dgm:t>
       <dgm:extLst>
         <a:ext uri="{E40237B7-FDA0-4F09-8148-C483321AD2D9}">
           <dgm14:cNvPr xmlns:dgm14="http://schemas.microsoft.com/office/drawing/2010/diagram" id="0" name="" descr="Head with Gears"/>
@@ -2040,24 +2774,10 @@
         </dgm:presLayoutVars>
       </dgm:prSet>
       <dgm:spPr/>
-      <dgm:t>
-        <a:bodyPr/>
-        <a:lstStyle/>
-        <a:p>
-          <a:endParaRPr lang="es-ES"/>
-        </a:p>
-      </dgm:t>
     </dgm:pt>
     <dgm:pt modelId="{185A7F85-109D-492F-B282-9A07F8801F5D}" type="pres">
       <dgm:prSet presAssocID="{43F839C8-B670-447B-ACE2-9489F5AFC00E}" presName="sibTrans" presStyleLbl="sibTrans2D1" presStyleIdx="0" presStyleCnt="0"/>
       <dgm:spPr/>
-      <dgm:t>
-        <a:bodyPr/>
-        <a:lstStyle/>
-        <a:p>
-          <a:endParaRPr lang="es-ES"/>
-        </a:p>
-      </dgm:t>
     </dgm:pt>
     <dgm:pt modelId="{203E14BA-98AB-41BF-B653-7156F8761519}" type="pres">
       <dgm:prSet presAssocID="{494381FD-C47A-4C3B-A2BD-FC28936D7874}" presName="compNode" presStyleCnt="0"/>
@@ -2077,7 +2797,7 @@
                 <a14:useLocalDpi xmlns:a14="http://schemas.microsoft.com/office/drawing/2010/main" val="0"/>
               </a:ext>
               <a:ext uri="{96DAC541-7B7A-43D3-8B79-37D633B846F1}">
-                <asvg:svgBlip xmlns="" xmlns:asvg="http://schemas.microsoft.com/office/drawing/2016/SVG/main" r:embed="rId4"/>
+                <asvg:svgBlip xmlns:asvg="http://schemas.microsoft.com/office/drawing/2016/SVG/main" r:embed="rId4"/>
               </a:ext>
             </a:extLst>
           </a:blip>
@@ -2090,13 +2810,6 @@
           <a:noFill/>
         </a:ln>
       </dgm:spPr>
-      <dgm:t>
-        <a:bodyPr/>
-        <a:lstStyle/>
-        <a:p>
-          <a:endParaRPr lang="es-ES"/>
-        </a:p>
-      </dgm:t>
       <dgm:extLst>
         <a:ext uri="{E40237B7-FDA0-4F09-8148-C483321AD2D9}">
           <dgm14:cNvPr xmlns:dgm14="http://schemas.microsoft.com/office/drawing/2010/diagram" id="0" name="" descr="Cmd Terminal with solid fill"/>
@@ -2115,24 +2828,10 @@
         </dgm:presLayoutVars>
       </dgm:prSet>
       <dgm:spPr/>
-      <dgm:t>
-        <a:bodyPr/>
-        <a:lstStyle/>
-        <a:p>
-          <a:endParaRPr lang="es-ES"/>
-        </a:p>
-      </dgm:t>
     </dgm:pt>
     <dgm:pt modelId="{8188E392-02DC-43CC-A3BD-53A5D4B2FF8F}" type="pres">
       <dgm:prSet presAssocID="{D33CD2A7-9527-4848-823B-EECBC697E2DB}" presName="sibTrans" presStyleLbl="sibTrans2D1" presStyleIdx="0" presStyleCnt="0"/>
       <dgm:spPr/>
-      <dgm:t>
-        <a:bodyPr/>
-        <a:lstStyle/>
-        <a:p>
-          <a:endParaRPr lang="es-ES"/>
-        </a:p>
-      </dgm:t>
     </dgm:pt>
     <dgm:pt modelId="{85AFA170-3B34-49DD-8A52-293484C5C800}" type="pres">
       <dgm:prSet presAssocID="{DC95D1DE-A781-4C30-8D2F-118BADFEFD7C}" presName="compNode" presStyleCnt="0"/>
@@ -2152,7 +2851,7 @@
                 <a14:useLocalDpi xmlns:a14="http://schemas.microsoft.com/office/drawing/2010/main" val="0"/>
               </a:ext>
               <a:ext uri="{96DAC541-7B7A-43D3-8B79-37D633B846F1}">
-                <asvg:svgBlip xmlns="" xmlns:asvg="http://schemas.microsoft.com/office/drawing/2016/SVG/main" r:embed="rId6"/>
+                <asvg:svgBlip xmlns:asvg="http://schemas.microsoft.com/office/drawing/2016/SVG/main" r:embed="rId6"/>
               </a:ext>
             </a:extLst>
           </a:blip>
@@ -2165,13 +2864,6 @@
           <a:noFill/>
         </a:ln>
       </dgm:spPr>
-      <dgm:t>
-        <a:bodyPr/>
-        <a:lstStyle/>
-        <a:p>
-          <a:endParaRPr lang="es-ES"/>
-        </a:p>
-      </dgm:t>
       <dgm:extLst>
         <a:ext uri="{E40237B7-FDA0-4F09-8148-C483321AD2D9}">
           <dgm14:cNvPr xmlns:dgm14="http://schemas.microsoft.com/office/drawing/2010/diagram" id="0" name="" descr="Eye dropper with solid fill"/>
@@ -2190,24 +2882,10 @@
         </dgm:presLayoutVars>
       </dgm:prSet>
       <dgm:spPr/>
-      <dgm:t>
-        <a:bodyPr/>
-        <a:lstStyle/>
-        <a:p>
-          <a:endParaRPr lang="es-ES"/>
-        </a:p>
-      </dgm:t>
     </dgm:pt>
     <dgm:pt modelId="{221B68B5-05DB-4093-AA83-EFD8AB4B444B}" type="pres">
       <dgm:prSet presAssocID="{96BF6858-10A0-4411-AFEE-8AC502676C10}" presName="sibTrans" presStyleLbl="sibTrans2D1" presStyleIdx="0" presStyleCnt="0"/>
       <dgm:spPr/>
-      <dgm:t>
-        <a:bodyPr/>
-        <a:lstStyle/>
-        <a:p>
-          <a:endParaRPr lang="es-ES"/>
-        </a:p>
-      </dgm:t>
     </dgm:pt>
     <dgm:pt modelId="{AA36C846-7765-473C-9ED5-5F0790D103D0}" type="pres">
       <dgm:prSet presAssocID="{FE6C4EA1-C6FE-4383-A8B0-ACD13A53C7EB}" presName="compNode" presStyleCnt="0"/>
@@ -2227,7 +2905,7 @@
                 <a14:useLocalDpi xmlns:a14="http://schemas.microsoft.com/office/drawing/2010/main" val="0"/>
               </a:ext>
               <a:ext uri="{96DAC541-7B7A-43D3-8B79-37D633B846F1}">
-                <asvg:svgBlip xmlns="" xmlns:asvg="http://schemas.microsoft.com/office/drawing/2016/SVG/main" r:embed="rId8"/>
+                <asvg:svgBlip xmlns:asvg="http://schemas.microsoft.com/office/drawing/2016/SVG/main" r:embed="rId8"/>
               </a:ext>
             </a:extLst>
           </a:blip>
@@ -2240,13 +2918,6 @@
           <a:noFill/>
         </a:ln>
       </dgm:spPr>
-      <dgm:t>
-        <a:bodyPr/>
-        <a:lstStyle/>
-        <a:p>
-          <a:endParaRPr lang="es-ES"/>
-        </a:p>
-      </dgm:t>
       <dgm:extLst>
         <a:ext uri="{E40237B7-FDA0-4F09-8148-C483321AD2D9}">
           <dgm14:cNvPr xmlns:dgm14="http://schemas.microsoft.com/office/drawing/2010/diagram" id="0" name="" descr="Bar chart with solid fill"/>
@@ -2265,24 +2936,10 @@
         </dgm:presLayoutVars>
       </dgm:prSet>
       <dgm:spPr/>
-      <dgm:t>
-        <a:bodyPr/>
-        <a:lstStyle/>
-        <a:p>
-          <a:endParaRPr lang="es-ES"/>
-        </a:p>
-      </dgm:t>
     </dgm:pt>
     <dgm:pt modelId="{E74E06AB-5E9D-49EC-94F4-3F7C5C72A556}" type="pres">
       <dgm:prSet presAssocID="{078FE704-CE52-4686-84F7-A8476077BE98}" presName="sibTrans" presStyleLbl="sibTrans2D1" presStyleIdx="0" presStyleCnt="0"/>
       <dgm:spPr/>
-      <dgm:t>
-        <a:bodyPr/>
-        <a:lstStyle/>
-        <a:p>
-          <a:endParaRPr lang="es-ES"/>
-        </a:p>
-      </dgm:t>
     </dgm:pt>
     <dgm:pt modelId="{DBA2A017-DA29-4C8D-8232-D870156180C9}" type="pres">
       <dgm:prSet presAssocID="{12A5F1A0-402A-40C2-A4C5-98BBDB3A1A22}" presName="compNode" presStyleCnt="0"/>
@@ -2302,7 +2959,7 @@
                 <a14:useLocalDpi xmlns:a14="http://schemas.microsoft.com/office/drawing/2010/main" val="0"/>
               </a:ext>
               <a:ext uri="{96DAC541-7B7A-43D3-8B79-37D633B846F1}">
-                <asvg:svgBlip xmlns="" xmlns:asvg="http://schemas.microsoft.com/office/drawing/2016/SVG/main" r:embed="rId10"/>
+                <asvg:svgBlip xmlns:asvg="http://schemas.microsoft.com/office/drawing/2016/SVG/main" r:embed="rId10"/>
               </a:ext>
             </a:extLst>
           </a:blip>
@@ -2315,13 +2972,6 @@
           <a:noFill/>
         </a:ln>
       </dgm:spPr>
-      <dgm:t>
-        <a:bodyPr/>
-        <a:lstStyle/>
-        <a:p>
-          <a:endParaRPr lang="es-ES"/>
-        </a:p>
-      </dgm:t>
       <dgm:extLst>
         <a:ext uri="{E40237B7-FDA0-4F09-8148-C483321AD2D9}">
           <dgm14:cNvPr xmlns:dgm14="http://schemas.microsoft.com/office/drawing/2010/diagram" id="0" name="" descr="Hierarchy with solid fill"/>
@@ -2340,24 +2990,10 @@
         </dgm:presLayoutVars>
       </dgm:prSet>
       <dgm:spPr/>
-      <dgm:t>
-        <a:bodyPr/>
-        <a:lstStyle/>
-        <a:p>
-          <a:endParaRPr lang="es-ES"/>
-        </a:p>
-      </dgm:t>
     </dgm:pt>
     <dgm:pt modelId="{05616B31-AEAF-4771-AAB6-D37A9A5573D5}" type="pres">
       <dgm:prSet presAssocID="{6EE09FDD-BF9C-42E6-A363-5E1A916D5D84}" presName="sibTrans" presStyleLbl="sibTrans2D1" presStyleIdx="0" presStyleCnt="0"/>
       <dgm:spPr/>
-      <dgm:t>
-        <a:bodyPr/>
-        <a:lstStyle/>
-        <a:p>
-          <a:endParaRPr lang="es-ES"/>
-        </a:p>
-      </dgm:t>
     </dgm:pt>
     <dgm:pt modelId="{81A16070-40B5-4B93-BAB1-538606D481A9}" type="pres">
       <dgm:prSet presAssocID="{2BDD66BD-71DC-4EB4-BE57-2D7200EDFA25}" presName="compNode" presStyleCnt="0"/>
@@ -2377,7 +3013,7 @@
                 <a14:useLocalDpi xmlns:a14="http://schemas.microsoft.com/office/drawing/2010/main" val="0"/>
               </a:ext>
               <a:ext uri="{96DAC541-7B7A-43D3-8B79-37D633B846F1}">
-                <asvg:svgBlip xmlns="" xmlns:asvg="http://schemas.microsoft.com/office/drawing/2016/SVG/main" r:embed="rId12"/>
+                <asvg:svgBlip xmlns:asvg="http://schemas.microsoft.com/office/drawing/2016/SVG/main" r:embed="rId12"/>
               </a:ext>
             </a:extLst>
           </a:blip>
@@ -2390,13 +3026,6 @@
           <a:noFill/>
         </a:ln>
       </dgm:spPr>
-      <dgm:t>
-        <a:bodyPr/>
-        <a:lstStyle/>
-        <a:p>
-          <a:endParaRPr lang="es-ES"/>
-        </a:p>
-      </dgm:t>
       <dgm:extLst>
         <a:ext uri="{E40237B7-FDA0-4F09-8148-C483321AD2D9}">
           <dgm14:cNvPr xmlns:dgm14="http://schemas.microsoft.com/office/drawing/2010/diagram" id="0" name="" descr="Presentation with pie chart with solid fill"/>
@@ -2415,24 +3044,10 @@
         </dgm:presLayoutVars>
       </dgm:prSet>
       <dgm:spPr/>
-      <dgm:t>
-        <a:bodyPr/>
-        <a:lstStyle/>
-        <a:p>
-          <a:endParaRPr lang="es-ES"/>
-        </a:p>
-      </dgm:t>
     </dgm:pt>
     <dgm:pt modelId="{92CBEECE-F805-4A18-A6BA-0E380CFB9656}" type="pres">
       <dgm:prSet presAssocID="{E6F28B52-455D-493E-B13F-AD20E3A2BE72}" presName="sibTrans" presStyleLbl="sibTrans2D1" presStyleIdx="0" presStyleCnt="0"/>
       <dgm:spPr/>
-      <dgm:t>
-        <a:bodyPr/>
-        <a:lstStyle/>
-        <a:p>
-          <a:endParaRPr lang="es-ES"/>
-        </a:p>
-      </dgm:t>
     </dgm:pt>
     <dgm:pt modelId="{54CEE832-67AA-4DD6-B169-85CEE6693F43}" type="pres">
       <dgm:prSet presAssocID="{F592ED08-0442-4E3C-AD8C-65A705FBDC14}" presName="compNode" presStyleCnt="0"/>
@@ -2452,7 +3067,7 @@
                 <a14:useLocalDpi xmlns:a14="http://schemas.microsoft.com/office/drawing/2010/main" val="0"/>
               </a:ext>
               <a:ext uri="{96DAC541-7B7A-43D3-8B79-37D633B846F1}">
-                <asvg:svgBlip xmlns="" xmlns:asvg="http://schemas.microsoft.com/office/drawing/2016/SVG/main" r:embed="rId14"/>
+                <asvg:svgBlip xmlns:asvg="http://schemas.microsoft.com/office/drawing/2016/SVG/main" r:embed="rId14"/>
               </a:ext>
             </a:extLst>
           </a:blip>
@@ -2465,13 +3080,6 @@
           <a:noFill/>
         </a:ln>
       </dgm:spPr>
-      <dgm:t>
-        <a:bodyPr/>
-        <a:lstStyle/>
-        <a:p>
-          <a:endParaRPr lang="es-ES"/>
-        </a:p>
-      </dgm:t>
       <dgm:extLst>
         <a:ext uri="{E40237B7-FDA0-4F09-8148-C483321AD2D9}">
           <dgm14:cNvPr xmlns:dgm14="http://schemas.microsoft.com/office/drawing/2010/diagram" id="0" name="" descr="Thought bubble with solid fill"/>
@@ -2490,37 +3098,30 @@
         </dgm:presLayoutVars>
       </dgm:prSet>
       <dgm:spPr/>
-      <dgm:t>
-        <a:bodyPr/>
-        <a:lstStyle/>
-        <a:p>
-          <a:endParaRPr lang="es-ES"/>
-        </a:p>
-      </dgm:t>
     </dgm:pt>
   </dgm:ptLst>
   <dgm:cxnLst>
+    <dgm:cxn modelId="{6B72C303-2DF6-4564-B269-17B5567A1EB8}" srcId="{0C072433-4AEB-40F1-AB95-059EE9C9ADEC}" destId="{12A5F1A0-402A-40C2-A4C5-98BBDB3A1A22}" srcOrd="4" destOrd="0" parTransId="{9FE7CC0D-56B4-47C9-A09F-8ABC0EBC3925}" sibTransId="{6EE09FDD-BF9C-42E6-A363-5E1A916D5D84}"/>
+    <dgm:cxn modelId="{6687F005-935E-4486-8F11-CDECEB81B531}" type="presOf" srcId="{F592ED08-0442-4E3C-AD8C-65A705FBDC14}" destId="{5E30FD66-9CF6-4CEB-BDAE-873F578BD272}" srcOrd="0" destOrd="0" presId="urn:microsoft.com/office/officeart/2018/2/layout/IconCircleList"/>
+    <dgm:cxn modelId="{1118605C-1BED-4D4E-861D-E0F10BBCB671}" type="presOf" srcId="{6EE09FDD-BF9C-42E6-A363-5E1A916D5D84}" destId="{05616B31-AEAF-4771-AAB6-D37A9A5573D5}" srcOrd="0" destOrd="0" presId="urn:microsoft.com/office/officeart/2018/2/layout/IconCircleList"/>
     <dgm:cxn modelId="{C1E42663-E010-427C-9214-85D70D3F7B7A}" type="presOf" srcId="{12A5F1A0-402A-40C2-A4C5-98BBDB3A1A22}" destId="{0D4C47B2-29D1-4A87-8F7D-A5C4F76E3A27}" srcOrd="0" destOrd="0" presId="urn:microsoft.com/office/officeart/2018/2/layout/IconCircleList"/>
     <dgm:cxn modelId="{A417284C-B990-42FE-8E16-10D66E4485CB}" srcId="{0C072433-4AEB-40F1-AB95-059EE9C9ADEC}" destId="{2BDD66BD-71DC-4EB4-BE57-2D7200EDFA25}" srcOrd="5" destOrd="0" parTransId="{DA455E34-5F9D-43AF-B1E2-6F0C7326621E}" sibTransId="{E6F28B52-455D-493E-B13F-AD20E3A2BE72}"/>
-    <dgm:cxn modelId="{69BC83ED-34E2-4DAB-A463-312A2DE64B15}" type="presOf" srcId="{E6F28B52-455D-493E-B13F-AD20E3A2BE72}" destId="{92CBEECE-F805-4A18-A6BA-0E380CFB9656}" srcOrd="0" destOrd="0" presId="urn:microsoft.com/office/officeart/2018/2/layout/IconCircleList"/>
-    <dgm:cxn modelId="{1118605C-1BED-4D4E-861D-E0F10BBCB671}" type="presOf" srcId="{6EE09FDD-BF9C-42E6-A363-5E1A916D5D84}" destId="{05616B31-AEAF-4771-AAB6-D37A9A5573D5}" srcOrd="0" destOrd="0" presId="urn:microsoft.com/office/officeart/2018/2/layout/IconCircleList"/>
+    <dgm:cxn modelId="{A95A2F4E-6046-4667-856A-69AE8DC145B4}" type="presOf" srcId="{0C072433-4AEB-40F1-AB95-059EE9C9ADEC}" destId="{C0FF8307-80BF-49B7-8ADA-6D6110548FA4}" srcOrd="0" destOrd="0" presId="urn:microsoft.com/office/officeart/2018/2/layout/IconCircleList"/>
+    <dgm:cxn modelId="{9FE4C671-D3E8-490C-9F0E-99FC8B411050}" type="presOf" srcId="{078FE704-CE52-4686-84F7-A8476077BE98}" destId="{E74E06AB-5E9D-49EC-94F4-3F7C5C72A556}" srcOrd="0" destOrd="0" presId="urn:microsoft.com/office/officeart/2018/2/layout/IconCircleList"/>
     <dgm:cxn modelId="{D5945381-D961-4E4D-8DA9-384DD61678C5}" type="presOf" srcId="{FE6C4EA1-C6FE-4383-A8B0-ACD13A53C7EB}" destId="{91AF6CF1-B99C-4D98-944F-99A2E6E7E472}" srcOrd="0" destOrd="0" presId="urn:microsoft.com/office/officeart/2018/2/layout/IconCircleList"/>
+    <dgm:cxn modelId="{C13C4986-5D8F-4511-867D-6BD782D86045}" type="presOf" srcId="{D33CD2A7-9527-4848-823B-EECBC697E2DB}" destId="{8188E392-02DC-43CC-A3BD-53A5D4B2FF8F}" srcOrd="0" destOrd="0" presId="urn:microsoft.com/office/officeart/2018/2/layout/IconCircleList"/>
+    <dgm:cxn modelId="{8288F295-6831-4088-99A2-6D5B866D7F6D}" srcId="{0C072433-4AEB-40F1-AB95-059EE9C9ADEC}" destId="{C8AB0C16-655B-4ABC-BE7E-6675A4A3AC91}" srcOrd="0" destOrd="0" parTransId="{F4F35D6F-F45C-49C0-BA94-7A303C16FB03}" sibTransId="{43F839C8-B670-447B-ACE2-9489F5AFC00E}"/>
     <dgm:cxn modelId="{886FA39C-C37A-45D4-8A7E-7895E3D61B44}" srcId="{0C072433-4AEB-40F1-AB95-059EE9C9ADEC}" destId="{F592ED08-0442-4E3C-AD8C-65A705FBDC14}" srcOrd="6" destOrd="0" parTransId="{2D41B6F1-0224-4CF2-8820-E37E8FB350F5}" sibTransId="{074A989E-C728-4647-9A0C-BD4AD8666B22}"/>
-    <dgm:cxn modelId="{A95A2F4E-6046-4667-856A-69AE8DC145B4}" type="presOf" srcId="{0C072433-4AEB-40F1-AB95-059EE9C9ADEC}" destId="{C0FF8307-80BF-49B7-8ADA-6D6110548FA4}" srcOrd="0" destOrd="0" presId="urn:microsoft.com/office/officeart/2018/2/layout/IconCircleList"/>
-    <dgm:cxn modelId="{C13C4986-5D8F-4511-867D-6BD782D86045}" type="presOf" srcId="{D33CD2A7-9527-4848-823B-EECBC697E2DB}" destId="{8188E392-02DC-43CC-A3BD-53A5D4B2FF8F}" srcOrd="0" destOrd="0" presId="urn:microsoft.com/office/officeart/2018/2/layout/IconCircleList"/>
-    <dgm:cxn modelId="{031FC9FA-6DA3-46FF-BC9D-BE9588A4415E}" srcId="{0C072433-4AEB-40F1-AB95-059EE9C9ADEC}" destId="{DC95D1DE-A781-4C30-8D2F-118BADFEFD7C}" srcOrd="2" destOrd="0" parTransId="{0F0B6B78-4E5D-485A-89CA-33928E5ECD4F}" sibTransId="{96BF6858-10A0-4411-AFEE-8AC502676C10}"/>
-    <dgm:cxn modelId="{83867CCE-0427-4A08-B847-8980929D79A2}" type="presOf" srcId="{C8AB0C16-655B-4ABC-BE7E-6675A4A3AC91}" destId="{9B6D84E9-56C4-480D-8F10-B6E9D22F3615}" srcOrd="0" destOrd="0" presId="urn:microsoft.com/office/officeart/2018/2/layout/IconCircleList"/>
+    <dgm:cxn modelId="{3F516EA1-46A8-4522-AE8D-D3FC705E2604}" srcId="{0C072433-4AEB-40F1-AB95-059EE9C9ADEC}" destId="{FE6C4EA1-C6FE-4383-A8B0-ACD13A53C7EB}" srcOrd="3" destOrd="0" parTransId="{41822BD9-FEDC-48AB-8A35-9CACF43A94E5}" sibTransId="{078FE704-CE52-4686-84F7-A8476077BE98}"/>
     <dgm:cxn modelId="{3811A0A1-6A0F-4A6A-BE2B-6A380078CC2B}" srcId="{0C072433-4AEB-40F1-AB95-059EE9C9ADEC}" destId="{494381FD-C47A-4C3B-A2BD-FC28936D7874}" srcOrd="1" destOrd="0" parTransId="{317C3880-52AA-4CCE-8BDD-8D5E5BA2467D}" sibTransId="{D33CD2A7-9527-4848-823B-EECBC697E2DB}"/>
     <dgm:cxn modelId="{8CDB1ECD-F20B-4E87-9D38-605B7AF5FDA0}" type="presOf" srcId="{494381FD-C47A-4C3B-A2BD-FC28936D7874}" destId="{95AE7778-5B6B-42FA-A6B8-89A439947BAE}" srcOrd="0" destOrd="0" presId="urn:microsoft.com/office/officeart/2018/2/layout/IconCircleList"/>
+    <dgm:cxn modelId="{83867CCE-0427-4A08-B847-8980929D79A2}" type="presOf" srcId="{C8AB0C16-655B-4ABC-BE7E-6675A4A3AC91}" destId="{9B6D84E9-56C4-480D-8F10-B6E9D22F3615}" srcOrd="0" destOrd="0" presId="urn:microsoft.com/office/officeart/2018/2/layout/IconCircleList"/>
+    <dgm:cxn modelId="{EC4D6CCF-A703-4979-970C-C12BEB453D60}" type="presOf" srcId="{96BF6858-10A0-4411-AFEE-8AC502676C10}" destId="{221B68B5-05DB-4093-AA83-EFD8AB4B444B}" srcOrd="0" destOrd="0" presId="urn:microsoft.com/office/officeart/2018/2/layout/IconCircleList"/>
+    <dgm:cxn modelId="{69BC83ED-34E2-4DAB-A463-312A2DE64B15}" type="presOf" srcId="{E6F28B52-455D-493E-B13F-AD20E3A2BE72}" destId="{92CBEECE-F805-4A18-A6BA-0E380CFB9656}" srcOrd="0" destOrd="0" presId="urn:microsoft.com/office/officeart/2018/2/layout/IconCircleList"/>
     <dgm:cxn modelId="{4661A7F6-10C5-470E-AE75-8878C3A3E28D}" type="presOf" srcId="{2BDD66BD-71DC-4EB4-BE57-2D7200EDFA25}" destId="{FD62459E-87CC-4BDF-A998-87FEF7B773B0}" srcOrd="0" destOrd="0" presId="urn:microsoft.com/office/officeart/2018/2/layout/IconCircleList"/>
-    <dgm:cxn modelId="{EC4D6CCF-A703-4979-970C-C12BEB453D60}" type="presOf" srcId="{96BF6858-10A0-4411-AFEE-8AC502676C10}" destId="{221B68B5-05DB-4093-AA83-EFD8AB4B444B}" srcOrd="0" destOrd="0" presId="urn:microsoft.com/office/officeart/2018/2/layout/IconCircleList"/>
-    <dgm:cxn modelId="{6687F005-935E-4486-8F11-CDECEB81B531}" type="presOf" srcId="{F592ED08-0442-4E3C-AD8C-65A705FBDC14}" destId="{5E30FD66-9CF6-4CEB-BDAE-873F578BD272}" srcOrd="0" destOrd="0" presId="urn:microsoft.com/office/officeart/2018/2/layout/IconCircleList"/>
+    <dgm:cxn modelId="{9208DDF8-5400-498B-8BBF-E600D215DAE7}" type="presOf" srcId="{DC95D1DE-A781-4C30-8D2F-118BADFEFD7C}" destId="{69CAB846-D3DE-4BB4-87C2-B20BC06EBA41}" srcOrd="0" destOrd="0" presId="urn:microsoft.com/office/officeart/2018/2/layout/IconCircleList"/>
+    <dgm:cxn modelId="{031FC9FA-6DA3-46FF-BC9D-BE9588A4415E}" srcId="{0C072433-4AEB-40F1-AB95-059EE9C9ADEC}" destId="{DC95D1DE-A781-4C30-8D2F-118BADFEFD7C}" srcOrd="2" destOrd="0" parTransId="{0F0B6B78-4E5D-485A-89CA-33928E5ECD4F}" sibTransId="{96BF6858-10A0-4411-AFEE-8AC502676C10}"/>
     <dgm:cxn modelId="{FC6CDCFD-0A46-4677-86E6-00845E336A42}" type="presOf" srcId="{43F839C8-B670-447B-ACE2-9489F5AFC00E}" destId="{185A7F85-109D-492F-B282-9A07F8801F5D}" srcOrd="0" destOrd="0" presId="urn:microsoft.com/office/officeart/2018/2/layout/IconCircleList"/>
-    <dgm:cxn modelId="{8288F295-6831-4088-99A2-6D5B866D7F6D}" srcId="{0C072433-4AEB-40F1-AB95-059EE9C9ADEC}" destId="{C8AB0C16-655B-4ABC-BE7E-6675A4A3AC91}" srcOrd="0" destOrd="0" parTransId="{F4F35D6F-F45C-49C0-BA94-7A303C16FB03}" sibTransId="{43F839C8-B670-447B-ACE2-9489F5AFC00E}"/>
-    <dgm:cxn modelId="{3F516EA1-46A8-4522-AE8D-D3FC705E2604}" srcId="{0C072433-4AEB-40F1-AB95-059EE9C9ADEC}" destId="{FE6C4EA1-C6FE-4383-A8B0-ACD13A53C7EB}" srcOrd="3" destOrd="0" parTransId="{41822BD9-FEDC-48AB-8A35-9CACF43A94E5}" sibTransId="{078FE704-CE52-4686-84F7-A8476077BE98}"/>
-    <dgm:cxn modelId="{9FE4C671-D3E8-490C-9F0E-99FC8B411050}" type="presOf" srcId="{078FE704-CE52-4686-84F7-A8476077BE98}" destId="{E74E06AB-5E9D-49EC-94F4-3F7C5C72A556}" srcOrd="0" destOrd="0" presId="urn:microsoft.com/office/officeart/2018/2/layout/IconCircleList"/>
-    <dgm:cxn modelId="{6B72C303-2DF6-4564-B269-17B5567A1EB8}" srcId="{0C072433-4AEB-40F1-AB95-059EE9C9ADEC}" destId="{12A5F1A0-402A-40C2-A4C5-98BBDB3A1A22}" srcOrd="4" destOrd="0" parTransId="{9FE7CC0D-56B4-47C9-A09F-8ABC0EBC3925}" sibTransId="{6EE09FDD-BF9C-42E6-A363-5E1A916D5D84}"/>
-    <dgm:cxn modelId="{9208DDF8-5400-498B-8BBF-E600D215DAE7}" type="presOf" srcId="{DC95D1DE-A781-4C30-8D2F-118BADFEFD7C}" destId="{69CAB846-D3DE-4BB4-87C2-B20BC06EBA41}" srcOrd="0" destOrd="0" presId="urn:microsoft.com/office/officeart/2018/2/layout/IconCircleList"/>
     <dgm:cxn modelId="{CDC143F2-9620-4058-89FD-5C7876893B56}" type="presParOf" srcId="{C0FF8307-80BF-49B7-8ADA-6D6110548FA4}" destId="{1356FD8E-C173-4B8C-B410-107D3BF7BBC2}" srcOrd="0" destOrd="0" presId="urn:microsoft.com/office/officeart/2018/2/layout/IconCircleList"/>
     <dgm:cxn modelId="{60ACD822-5D50-490E-90FA-663FA3432A8D}" type="presParOf" srcId="{1356FD8E-C173-4B8C-B410-107D3BF7BBC2}" destId="{6BECB24C-51AC-415F-A366-D6397628CFB1}" srcOrd="0" destOrd="0" presId="urn:microsoft.com/office/officeart/2018/2/layout/IconCircleList"/>
     <dgm:cxn modelId="{00BABFD0-732C-42C4-B980-FED3D6275016}" type="presParOf" srcId="{6BECB24C-51AC-415F-A366-D6397628CFB1}" destId="{54C14164-7512-478A-B2E9-228B46201643}" srcOrd="0" destOrd="0" presId="urn:microsoft.com/office/officeart/2018/2/layout/IconCircleList"/>
@@ -2596,7 +3197,1474 @@
         <a:lstStyle/>
         <a:p>
           <a:r>
-            <a:rPr lang="es-ES" sz="4000" dirty="0" err="1" smtClean="0"/>
+            <a:rPr lang="es-ES" sz="4000" dirty="0"/>
+            <a:t>SVC</a:t>
+          </a:r>
+        </a:p>
+      </dgm:t>
+    </dgm:pt>
+    <dgm:pt modelId="{27EADE89-2393-4625-A943-997F86CCCA34}" type="parTrans" cxnId="{4622926B-CAAB-4698-A3E6-88667501AB41}">
+      <dgm:prSet/>
+      <dgm:spPr/>
+      <dgm:t>
+        <a:bodyPr/>
+        <a:lstStyle/>
+        <a:p>
+          <a:endParaRPr lang="es-ES"/>
+        </a:p>
+      </dgm:t>
+    </dgm:pt>
+    <dgm:pt modelId="{C74D4E5F-E137-4E74-8921-FF9ECE7F6DAE}" type="sibTrans" cxnId="{4622926B-CAAB-4698-A3E6-88667501AB41}">
+      <dgm:prSet/>
+      <dgm:spPr/>
+      <dgm:t>
+        <a:bodyPr/>
+        <a:lstStyle/>
+        <a:p>
+          <a:endParaRPr lang="es-ES"/>
+        </a:p>
+      </dgm:t>
+    </dgm:pt>
+    <dgm:pt modelId="{E9D20F9E-D222-4795-A190-D2F00A0FAC53}">
+      <dgm:prSet phldrT="[Texto]" custT="1"/>
+      <dgm:spPr/>
+      <dgm:t>
+        <a:bodyPr/>
+        <a:lstStyle/>
+        <a:p>
+          <a:r>
+            <a:rPr lang="es-ES" sz="1400" dirty="0"/>
+            <a:t>C: 100</a:t>
+          </a:r>
+        </a:p>
+      </dgm:t>
+    </dgm:pt>
+    <dgm:pt modelId="{9E33768E-1866-499F-A67D-8F303E46CCB2}" type="parTrans" cxnId="{FF12A173-FBDF-4678-B703-9C37620C8091}">
+      <dgm:prSet/>
+      <dgm:spPr/>
+      <dgm:t>
+        <a:bodyPr/>
+        <a:lstStyle/>
+        <a:p>
+          <a:endParaRPr lang="es-ES"/>
+        </a:p>
+      </dgm:t>
+    </dgm:pt>
+    <dgm:pt modelId="{3A5206F0-C1C3-464A-9CC5-76EC85326E6A}" type="sibTrans" cxnId="{FF12A173-FBDF-4678-B703-9C37620C8091}">
+      <dgm:prSet/>
+      <dgm:spPr/>
+      <dgm:t>
+        <a:bodyPr/>
+        <a:lstStyle/>
+        <a:p>
+          <a:endParaRPr lang="es-ES"/>
+        </a:p>
+      </dgm:t>
+    </dgm:pt>
+    <dgm:pt modelId="{AFE928B2-3997-480E-9113-A41595E9D428}">
+      <dgm:prSet phldrT="[Texto]" custT="1"/>
+      <dgm:spPr/>
+      <dgm:t>
+        <a:bodyPr/>
+        <a:lstStyle/>
+        <a:p>
+          <a:r>
+            <a:rPr lang="es-ES" sz="1400" b="1" dirty="0" err="1"/>
+            <a:t>Acc</a:t>
+          </a:r>
+          <a:r>
+            <a:rPr lang="es-ES" sz="1400" b="1" dirty="0"/>
+            <a:t>: 67.00%</a:t>
+          </a:r>
+        </a:p>
+      </dgm:t>
+    </dgm:pt>
+    <dgm:pt modelId="{D448F505-B71D-4F1B-AEDA-D33D1996285D}" type="parTrans" cxnId="{6912EFDA-089E-4C00-9E60-17CA9B3B9562}">
+      <dgm:prSet/>
+      <dgm:spPr/>
+      <dgm:t>
+        <a:bodyPr/>
+        <a:lstStyle/>
+        <a:p>
+          <a:endParaRPr lang="es-ES"/>
+        </a:p>
+      </dgm:t>
+    </dgm:pt>
+    <dgm:pt modelId="{95C32B50-66DD-4A26-BDFE-0A7A2A83E21B}" type="sibTrans" cxnId="{6912EFDA-089E-4C00-9E60-17CA9B3B9562}">
+      <dgm:prSet/>
+      <dgm:spPr/>
+      <dgm:t>
+        <a:bodyPr/>
+        <a:lstStyle/>
+        <a:p>
+          <a:endParaRPr lang="es-ES"/>
+        </a:p>
+      </dgm:t>
+    </dgm:pt>
+    <dgm:pt modelId="{4320553C-15EE-402E-B8F9-B0424A1B9132}">
+      <dgm:prSet phldrT="[Texto]" custT="1"/>
+      <dgm:spPr/>
+      <dgm:t>
+        <a:bodyPr/>
+        <a:lstStyle/>
+        <a:p>
+          <a:r>
+            <a:rPr lang="es-ES" sz="4000" dirty="0" err="1"/>
+            <a:t>kNN</a:t>
+          </a:r>
+          <a:endParaRPr lang="es-ES" sz="4000" dirty="0"/>
+        </a:p>
+      </dgm:t>
+    </dgm:pt>
+    <dgm:pt modelId="{35EC1B68-3146-48FB-83DC-23790CAEE0E2}" type="parTrans" cxnId="{0AC08AB3-0674-4D07-897B-0C37B52DD38A}">
+      <dgm:prSet/>
+      <dgm:spPr/>
+      <dgm:t>
+        <a:bodyPr/>
+        <a:lstStyle/>
+        <a:p>
+          <a:endParaRPr lang="es-ES"/>
+        </a:p>
+      </dgm:t>
+    </dgm:pt>
+    <dgm:pt modelId="{FE0D4C28-B866-4282-81E0-76C1FE5FA3E1}" type="sibTrans" cxnId="{0AC08AB3-0674-4D07-897B-0C37B52DD38A}">
+      <dgm:prSet/>
+      <dgm:spPr/>
+      <dgm:t>
+        <a:bodyPr/>
+        <a:lstStyle/>
+        <a:p>
+          <a:endParaRPr lang="es-ES"/>
+        </a:p>
+      </dgm:t>
+    </dgm:pt>
+    <dgm:pt modelId="{69FA6990-FA1F-4446-9505-DBFA6EB663BB}">
+      <dgm:prSet phldrT="[Texto]" custT="1"/>
+      <dgm:spPr/>
+      <dgm:t>
+        <a:bodyPr/>
+        <a:lstStyle/>
+        <a:p>
+          <a:r>
+            <a:rPr lang="en-US" sz="2800" noProof="0" dirty="0"/>
+            <a:t>Naïve Bayes</a:t>
+          </a:r>
+        </a:p>
+      </dgm:t>
+    </dgm:pt>
+    <dgm:pt modelId="{DF599A7C-303A-4360-BD3F-149F3E9BA725}" type="parTrans" cxnId="{B041E743-1F9D-498C-A9C2-46099B86E008}">
+      <dgm:prSet/>
+      <dgm:spPr/>
+      <dgm:t>
+        <a:bodyPr/>
+        <a:lstStyle/>
+        <a:p>
+          <a:endParaRPr lang="es-ES"/>
+        </a:p>
+      </dgm:t>
+    </dgm:pt>
+    <dgm:pt modelId="{34C738E0-D8C3-4847-9307-65D09DC73641}" type="sibTrans" cxnId="{B041E743-1F9D-498C-A9C2-46099B86E008}">
+      <dgm:prSet/>
+      <dgm:spPr/>
+      <dgm:t>
+        <a:bodyPr/>
+        <a:lstStyle/>
+        <a:p>
+          <a:endParaRPr lang="es-ES"/>
+        </a:p>
+      </dgm:t>
+    </dgm:pt>
+    <dgm:pt modelId="{7D1BA4E6-C536-4034-8FCC-3EC6F75EB188}">
+      <dgm:prSet phldrT="[Texto]"/>
+      <dgm:spPr/>
+      <dgm:t>
+        <a:bodyPr/>
+        <a:lstStyle/>
+        <a:p>
+          <a:r>
+            <a:rPr lang="es-ES" dirty="0" err="1"/>
+            <a:t>Decision</a:t>
+          </a:r>
+          <a:r>
+            <a:rPr lang="es-ES" dirty="0"/>
+            <a:t> </a:t>
+          </a:r>
+          <a:r>
+            <a:rPr lang="es-ES" dirty="0" err="1"/>
+            <a:t>Tree</a:t>
+          </a:r>
+          <a:endParaRPr lang="es-ES" dirty="0"/>
+        </a:p>
+      </dgm:t>
+    </dgm:pt>
+    <dgm:pt modelId="{855ED1A7-BB69-428A-B8BF-A56F28BE8EA3}" type="parTrans" cxnId="{5E38EF00-A2C1-4514-A10B-E304AA67123B}">
+      <dgm:prSet/>
+      <dgm:spPr/>
+      <dgm:t>
+        <a:bodyPr/>
+        <a:lstStyle/>
+        <a:p>
+          <a:endParaRPr lang="es-ES"/>
+        </a:p>
+      </dgm:t>
+    </dgm:pt>
+    <dgm:pt modelId="{70A3033F-9F1E-48EE-984C-C206849BF25D}" type="sibTrans" cxnId="{5E38EF00-A2C1-4514-A10B-E304AA67123B}">
+      <dgm:prSet/>
+      <dgm:spPr/>
+      <dgm:t>
+        <a:bodyPr/>
+        <a:lstStyle/>
+        <a:p>
+          <a:endParaRPr lang="es-ES"/>
+        </a:p>
+      </dgm:t>
+    </dgm:pt>
+    <dgm:pt modelId="{337980C1-4B87-4C08-8461-1A84F77BBE49}">
+      <dgm:prSet phldrT="[Texto]"/>
+      <dgm:spPr/>
+      <dgm:t>
+        <a:bodyPr/>
+        <a:lstStyle/>
+        <a:p>
+          <a:r>
+            <a:rPr lang="es-ES" dirty="0" err="1"/>
+            <a:t>Gradient</a:t>
+          </a:r>
+          <a:r>
+            <a:rPr lang="es-ES" dirty="0"/>
+            <a:t> </a:t>
+          </a:r>
+          <a:r>
+            <a:rPr lang="es-ES" dirty="0" err="1"/>
+            <a:t>Boosting</a:t>
+          </a:r>
+          <a:endParaRPr lang="es-ES" dirty="0"/>
+        </a:p>
+      </dgm:t>
+    </dgm:pt>
+    <dgm:pt modelId="{F4BFEFCF-F77E-42AC-AA69-10F088D6EFD5}" type="parTrans" cxnId="{22313957-E91C-495B-9CE8-8086319C536F}">
+      <dgm:prSet/>
+      <dgm:spPr/>
+      <dgm:t>
+        <a:bodyPr/>
+        <a:lstStyle/>
+        <a:p>
+          <a:endParaRPr lang="es-ES"/>
+        </a:p>
+      </dgm:t>
+    </dgm:pt>
+    <dgm:pt modelId="{014835D6-B4A3-4C48-B44E-042F2F2202EB}" type="sibTrans" cxnId="{22313957-E91C-495B-9CE8-8086319C536F}">
+      <dgm:prSet/>
+      <dgm:spPr/>
+      <dgm:t>
+        <a:bodyPr/>
+        <a:lstStyle/>
+        <a:p>
+          <a:endParaRPr lang="es-ES"/>
+        </a:p>
+      </dgm:t>
+    </dgm:pt>
+    <dgm:pt modelId="{C0E32DD8-1844-4EAA-9D81-6D642DCC1574}">
+      <dgm:prSet phldrT="[Texto]"/>
+      <dgm:spPr>
+        <a:ln w="76200">
+          <a:solidFill>
+            <a:srgbClr val="92D050"/>
+          </a:solidFill>
+        </a:ln>
+      </dgm:spPr>
+      <dgm:t>
+        <a:bodyPr/>
+        <a:lstStyle/>
+        <a:p>
+          <a:r>
+            <a:rPr lang="es-ES" dirty="0" err="1"/>
+            <a:t>Random</a:t>
+          </a:r>
+          <a:r>
+            <a:rPr lang="es-ES" dirty="0"/>
+            <a:t> Forest</a:t>
+          </a:r>
+        </a:p>
+      </dgm:t>
+    </dgm:pt>
+    <dgm:pt modelId="{00323215-6AFF-4664-9DD8-8F54799E1986}" type="parTrans" cxnId="{810CC10C-3BA6-4A52-9166-F4B6071F79BA}">
+      <dgm:prSet/>
+      <dgm:spPr/>
+      <dgm:t>
+        <a:bodyPr/>
+        <a:lstStyle/>
+        <a:p>
+          <a:endParaRPr lang="en-GB"/>
+        </a:p>
+      </dgm:t>
+    </dgm:pt>
+    <dgm:pt modelId="{6C63479E-E073-4EFE-825B-E6831F502485}" type="sibTrans" cxnId="{810CC10C-3BA6-4A52-9166-F4B6071F79BA}">
+      <dgm:prSet/>
+      <dgm:spPr/>
+      <dgm:t>
+        <a:bodyPr/>
+        <a:lstStyle/>
+        <a:p>
+          <a:endParaRPr lang="en-GB"/>
+        </a:p>
+      </dgm:t>
+    </dgm:pt>
+    <dgm:pt modelId="{F771CB44-63AF-4121-B8EE-360F9EC86D85}">
+      <dgm:prSet phldrT="[Texto]" custT="1"/>
+      <dgm:spPr/>
+      <dgm:t>
+        <a:bodyPr/>
+        <a:lstStyle/>
+        <a:p>
+          <a:r>
+            <a:rPr lang="es-ES" sz="1400" dirty="0"/>
+            <a:t>Gamma: 0.001</a:t>
+          </a:r>
+        </a:p>
+      </dgm:t>
+    </dgm:pt>
+    <dgm:pt modelId="{307E5BFC-9F6B-4968-9D15-014E0CCEA380}" type="parTrans" cxnId="{847D1F0D-FD2A-4BA9-BC7E-016CEA0BF019}">
+      <dgm:prSet/>
+      <dgm:spPr/>
+      <dgm:t>
+        <a:bodyPr/>
+        <a:lstStyle/>
+        <a:p>
+          <a:endParaRPr lang="en-GB"/>
+        </a:p>
+      </dgm:t>
+    </dgm:pt>
+    <dgm:pt modelId="{E1CEA2AB-04ED-4CAA-B85E-EA4D126CE4AC}" type="sibTrans" cxnId="{847D1F0D-FD2A-4BA9-BC7E-016CEA0BF019}">
+      <dgm:prSet/>
+      <dgm:spPr/>
+      <dgm:t>
+        <a:bodyPr/>
+        <a:lstStyle/>
+        <a:p>
+          <a:endParaRPr lang="en-GB"/>
+        </a:p>
+      </dgm:t>
+    </dgm:pt>
+    <dgm:pt modelId="{0339C6C5-4170-4CAD-8D7E-D0B7BF09AACC}">
+      <dgm:prSet phldrT="[Texto]" custT="1"/>
+      <dgm:spPr/>
+      <dgm:t>
+        <a:bodyPr/>
+        <a:lstStyle/>
+        <a:p>
+          <a:r>
+            <a:rPr lang="es-ES" sz="1400" dirty="0" err="1"/>
+            <a:t>kernel</a:t>
+          </a:r>
+          <a:r>
+            <a:rPr lang="es-ES" sz="1400" dirty="0"/>
+            <a:t>: </a:t>
+          </a:r>
+          <a:r>
+            <a:rPr lang="es-ES" sz="1400" dirty="0" err="1"/>
+            <a:t>rbf</a:t>
+          </a:r>
+          <a:endParaRPr lang="es-ES" sz="1400" dirty="0"/>
+        </a:p>
+      </dgm:t>
+    </dgm:pt>
+    <dgm:pt modelId="{6D1DC77C-85B9-4183-8D26-E752DEA1EB1C}" type="parTrans" cxnId="{E93474E3-A915-4716-BC99-9C1D7A0168E8}">
+      <dgm:prSet/>
+      <dgm:spPr/>
+      <dgm:t>
+        <a:bodyPr/>
+        <a:lstStyle/>
+        <a:p>
+          <a:endParaRPr lang="en-GB"/>
+        </a:p>
+      </dgm:t>
+    </dgm:pt>
+    <dgm:pt modelId="{7988CC59-B8A8-4C48-8DDC-D804BE719932}" type="sibTrans" cxnId="{E93474E3-A915-4716-BC99-9C1D7A0168E8}">
+      <dgm:prSet/>
+      <dgm:spPr/>
+      <dgm:t>
+        <a:bodyPr/>
+        <a:lstStyle/>
+        <a:p>
+          <a:endParaRPr lang="en-GB"/>
+        </a:p>
+      </dgm:t>
+    </dgm:pt>
+    <dgm:pt modelId="{D6E19988-0485-4546-B415-44AF75E43A62}">
+      <dgm:prSet phldrT="[Texto]" custT="1"/>
+      <dgm:spPr/>
+      <dgm:t>
+        <a:bodyPr/>
+        <a:lstStyle/>
+        <a:p>
+          <a:r>
+            <a:rPr lang="es-ES" sz="1400" dirty="0"/>
+            <a:t># </a:t>
+          </a:r>
+          <a:r>
+            <a:rPr lang="es-ES" sz="1400" dirty="0" err="1"/>
+            <a:t>neighbours</a:t>
+          </a:r>
+          <a:r>
+            <a:rPr lang="es-ES" sz="1400" dirty="0"/>
+            <a:t>: 30</a:t>
+          </a:r>
+          <a:endParaRPr lang="en-GB" sz="1400" dirty="0"/>
+        </a:p>
+      </dgm:t>
+    </dgm:pt>
+    <dgm:pt modelId="{F5F1DD90-B092-40C2-A709-7EB2ABEC3B3C}" type="parTrans" cxnId="{D4F3D0B2-6705-4541-B196-55A8559224BF}">
+      <dgm:prSet/>
+      <dgm:spPr/>
+      <dgm:t>
+        <a:bodyPr/>
+        <a:lstStyle/>
+        <a:p>
+          <a:endParaRPr lang="en-GB"/>
+        </a:p>
+      </dgm:t>
+    </dgm:pt>
+    <dgm:pt modelId="{DF48E0B9-F4DC-4F5A-A256-E767BFF50598}" type="sibTrans" cxnId="{D4F3D0B2-6705-4541-B196-55A8559224BF}">
+      <dgm:prSet/>
+      <dgm:spPr/>
+      <dgm:t>
+        <a:bodyPr/>
+        <a:lstStyle/>
+        <a:p>
+          <a:endParaRPr lang="en-GB"/>
+        </a:p>
+      </dgm:t>
+    </dgm:pt>
+    <dgm:pt modelId="{DA06C680-53B3-44C6-AC6E-77237017306A}">
+      <dgm:prSet phldrT="[Texto]" custT="1"/>
+      <dgm:spPr/>
+      <dgm:t>
+        <a:bodyPr/>
+        <a:lstStyle/>
+        <a:p>
+          <a:r>
+            <a:rPr lang="es-ES" sz="1400" b="1" dirty="0" err="1"/>
+            <a:t>Acc</a:t>
+          </a:r>
+          <a:r>
+            <a:rPr lang="es-ES" sz="1400" b="1" dirty="0"/>
+            <a:t>: 72.60%</a:t>
+          </a:r>
+        </a:p>
+      </dgm:t>
+    </dgm:pt>
+    <dgm:pt modelId="{FDC8592B-1419-4BB9-8F68-D8E6DA6ADC29}" type="parTrans" cxnId="{0D7BF675-8D58-4E4F-B5D2-655808BBEE57}">
+      <dgm:prSet/>
+      <dgm:spPr/>
+      <dgm:t>
+        <a:bodyPr/>
+        <a:lstStyle/>
+        <a:p>
+          <a:endParaRPr lang="en-GB"/>
+        </a:p>
+      </dgm:t>
+    </dgm:pt>
+    <dgm:pt modelId="{A222C1B8-DF09-450E-8A56-7251D5D736A2}" type="sibTrans" cxnId="{0D7BF675-8D58-4E4F-B5D2-655808BBEE57}">
+      <dgm:prSet/>
+      <dgm:spPr/>
+      <dgm:t>
+        <a:bodyPr/>
+        <a:lstStyle/>
+        <a:p>
+          <a:endParaRPr lang="en-GB"/>
+        </a:p>
+      </dgm:t>
+    </dgm:pt>
+    <dgm:pt modelId="{785F8188-408E-410F-977E-327AFA62ADCC}">
+      <dgm:prSet phldrT="[Texto]" custT="1"/>
+      <dgm:spPr/>
+      <dgm:t>
+        <a:bodyPr/>
+        <a:lstStyle/>
+        <a:p>
+          <a:r>
+            <a:rPr lang="es-ES" sz="1400" dirty="0" err="1"/>
+            <a:t>criterion</a:t>
+          </a:r>
+          <a:r>
+            <a:rPr lang="es-ES" sz="1400" dirty="0"/>
+            <a:t>: </a:t>
+          </a:r>
+          <a:r>
+            <a:rPr lang="es-ES" sz="1400" dirty="0" err="1"/>
+            <a:t>gini</a:t>
+          </a:r>
+          <a:endParaRPr lang="en-GB" sz="1400" dirty="0"/>
+        </a:p>
+      </dgm:t>
+    </dgm:pt>
+    <dgm:pt modelId="{ED267357-FC22-4259-B788-42F01B040C43}" type="parTrans" cxnId="{61B85DDB-EF12-40D2-B809-FCF73C8F853F}">
+      <dgm:prSet/>
+      <dgm:spPr/>
+      <dgm:t>
+        <a:bodyPr/>
+        <a:lstStyle/>
+        <a:p>
+          <a:endParaRPr lang="en-GB"/>
+        </a:p>
+      </dgm:t>
+    </dgm:pt>
+    <dgm:pt modelId="{4590E654-01D4-4706-9652-027D0A5A208F}" type="sibTrans" cxnId="{61B85DDB-EF12-40D2-B809-FCF73C8F853F}">
+      <dgm:prSet/>
+      <dgm:spPr/>
+      <dgm:t>
+        <a:bodyPr/>
+        <a:lstStyle/>
+        <a:p>
+          <a:endParaRPr lang="en-GB"/>
+        </a:p>
+      </dgm:t>
+    </dgm:pt>
+    <dgm:pt modelId="{8D3598E0-AAEA-4370-891D-C57D2DCA3147}">
+      <dgm:prSet phldrT="[Texto]" custT="1"/>
+      <dgm:spPr/>
+      <dgm:t>
+        <a:bodyPr/>
+        <a:lstStyle/>
+        <a:p>
+          <a:r>
+            <a:rPr lang="es-ES" sz="1400" dirty="0" err="1"/>
+            <a:t>criterion</a:t>
+          </a:r>
+          <a:r>
+            <a:rPr lang="es-ES" sz="1400" dirty="0"/>
+            <a:t>: </a:t>
+          </a:r>
+          <a:r>
+            <a:rPr lang="es-ES" sz="1400" dirty="0" err="1"/>
+            <a:t>friedman_mse</a:t>
+          </a:r>
+          <a:r>
+            <a:rPr lang="es-ES" sz="1400" dirty="0"/>
+            <a:t>,</a:t>
+          </a:r>
+          <a:endParaRPr lang="en-GB" sz="1400" dirty="0"/>
+        </a:p>
+      </dgm:t>
+    </dgm:pt>
+    <dgm:pt modelId="{0CCA732B-B0C5-43DC-8B79-78992C693F45}" type="parTrans" cxnId="{69EF9CDD-FF9F-4513-ADFE-00BC005DF0DC}">
+      <dgm:prSet/>
+      <dgm:spPr/>
+      <dgm:t>
+        <a:bodyPr/>
+        <a:lstStyle/>
+        <a:p>
+          <a:endParaRPr lang="en-GB"/>
+        </a:p>
+      </dgm:t>
+    </dgm:pt>
+    <dgm:pt modelId="{B8E24191-4662-433A-9553-2D126B3F5EC5}" type="sibTrans" cxnId="{69EF9CDD-FF9F-4513-ADFE-00BC005DF0DC}">
+      <dgm:prSet/>
+      <dgm:spPr/>
+      <dgm:t>
+        <a:bodyPr/>
+        <a:lstStyle/>
+        <a:p>
+          <a:endParaRPr lang="en-GB"/>
+        </a:p>
+      </dgm:t>
+    </dgm:pt>
+    <dgm:pt modelId="{28F3EBB8-8CD3-4DE9-AE76-F07091D3A3DC}">
+      <dgm:prSet phldrT="[Texto]" custT="1"/>
+      <dgm:spPr>
+        <a:ln w="76200">
+          <a:solidFill>
+            <a:srgbClr val="92D050"/>
+          </a:solidFill>
+        </a:ln>
+      </dgm:spPr>
+      <dgm:t>
+        <a:bodyPr/>
+        <a:lstStyle/>
+        <a:p>
+          <a:r>
+            <a:rPr lang="es-ES" sz="1400" dirty="0" err="1"/>
+            <a:t>criterion</a:t>
+          </a:r>
+          <a:r>
+            <a:rPr lang="es-ES" sz="1400" dirty="0"/>
+            <a:t>: </a:t>
+          </a:r>
+          <a:r>
+            <a:rPr lang="es-ES" sz="1400" dirty="0" err="1"/>
+            <a:t>entropy</a:t>
+          </a:r>
+          <a:endParaRPr lang="en-GB" sz="1400" dirty="0"/>
+        </a:p>
+      </dgm:t>
+    </dgm:pt>
+    <dgm:pt modelId="{F0B1B670-6E4A-49C3-A319-DCF53D0321C3}" type="parTrans" cxnId="{EA05D28D-0B69-4F6C-8C2E-F7C166669789}">
+      <dgm:prSet/>
+      <dgm:spPr/>
+      <dgm:t>
+        <a:bodyPr/>
+        <a:lstStyle/>
+        <a:p>
+          <a:endParaRPr lang="en-GB"/>
+        </a:p>
+      </dgm:t>
+    </dgm:pt>
+    <dgm:pt modelId="{ECE7A821-33A2-449F-BA23-43815A81B30C}" type="sibTrans" cxnId="{EA05D28D-0B69-4F6C-8C2E-F7C166669789}">
+      <dgm:prSet/>
+      <dgm:spPr/>
+      <dgm:t>
+        <a:bodyPr/>
+        <a:lstStyle/>
+        <a:p>
+          <a:endParaRPr lang="en-GB"/>
+        </a:p>
+      </dgm:t>
+    </dgm:pt>
+    <dgm:pt modelId="{9B5A4A80-716A-4670-824E-5F0DEF026B98}">
+      <dgm:prSet phldrT="[Texto]" custT="1"/>
+      <dgm:spPr/>
+      <dgm:t>
+        <a:bodyPr/>
+        <a:lstStyle/>
+        <a:p>
+          <a:r>
+            <a:rPr lang="es-ES" sz="1400" b="1" dirty="0" err="1"/>
+            <a:t>Acc</a:t>
+          </a:r>
+          <a:r>
+            <a:rPr lang="es-ES" sz="1400" b="1" dirty="0"/>
+            <a:t>: 58.41%</a:t>
+          </a:r>
+          <a:endParaRPr lang="en-GB" sz="1400" b="1" dirty="0"/>
+        </a:p>
+      </dgm:t>
+    </dgm:pt>
+    <dgm:pt modelId="{0ADF4F0E-320A-4AFF-AA26-6FCF551108F7}" type="parTrans" cxnId="{746C6175-B2BC-4C2E-8995-24738D590433}">
+      <dgm:prSet/>
+      <dgm:spPr/>
+      <dgm:t>
+        <a:bodyPr/>
+        <a:lstStyle/>
+        <a:p>
+          <a:endParaRPr lang="en-GB"/>
+        </a:p>
+      </dgm:t>
+    </dgm:pt>
+    <dgm:pt modelId="{2AE887D0-52F1-46EC-9549-02E69030AB13}" type="sibTrans" cxnId="{746C6175-B2BC-4C2E-8995-24738D590433}">
+      <dgm:prSet/>
+      <dgm:spPr/>
+      <dgm:t>
+        <a:bodyPr/>
+        <a:lstStyle/>
+        <a:p>
+          <a:endParaRPr lang="en-GB"/>
+        </a:p>
+      </dgm:t>
+    </dgm:pt>
+    <dgm:pt modelId="{19C17351-18F1-496D-8044-C01780D376F4}">
+      <dgm:prSet custT="1"/>
+      <dgm:spPr/>
+      <dgm:t>
+        <a:bodyPr/>
+        <a:lstStyle/>
+        <a:p>
+          <a:r>
+            <a:rPr lang="es-ES" sz="1400" b="1" dirty="0" err="1"/>
+            <a:t>Acc</a:t>
+          </a:r>
+          <a:r>
+            <a:rPr lang="es-ES" sz="1400" b="1" dirty="0"/>
+            <a:t>: 69.08%</a:t>
+          </a:r>
+        </a:p>
+      </dgm:t>
+    </dgm:pt>
+    <dgm:pt modelId="{B2EAC6A3-3F31-47A4-8DB0-BD64635DF4FA}" type="parTrans" cxnId="{8F6919EF-F2C7-4C78-9B97-DDA36DCE635D}">
+      <dgm:prSet/>
+      <dgm:spPr/>
+      <dgm:t>
+        <a:bodyPr/>
+        <a:lstStyle/>
+        <a:p>
+          <a:endParaRPr lang="en-GB"/>
+        </a:p>
+      </dgm:t>
+    </dgm:pt>
+    <dgm:pt modelId="{5795015F-4EF5-4C24-AD00-1FDB8CD018AB}" type="sibTrans" cxnId="{8F6919EF-F2C7-4C78-9B97-DDA36DCE635D}">
+      <dgm:prSet/>
+      <dgm:spPr/>
+      <dgm:t>
+        <a:bodyPr/>
+        <a:lstStyle/>
+        <a:p>
+          <a:endParaRPr lang="en-GB"/>
+        </a:p>
+      </dgm:t>
+    </dgm:pt>
+    <dgm:pt modelId="{501935AC-18D9-4065-B3B6-C93D60F43E8B}">
+      <dgm:prSet phldrT="[Texto]" custT="1"/>
+      <dgm:spPr/>
+      <dgm:t>
+        <a:bodyPr/>
+        <a:lstStyle/>
+        <a:p>
+          <a:r>
+            <a:rPr lang="es-ES" sz="1400" dirty="0" err="1"/>
+            <a:t>max_depth</a:t>
+          </a:r>
+          <a:r>
+            <a:rPr lang="es-ES" sz="1400" dirty="0"/>
+            <a:t>: 15 </a:t>
+          </a:r>
+          <a:r>
+            <a:rPr lang="es-ES" sz="1400" dirty="0" err="1"/>
+            <a:t>max_features</a:t>
+          </a:r>
+          <a:r>
+            <a:rPr lang="es-ES" sz="1400" dirty="0"/>
+            <a:t>: auto</a:t>
+          </a:r>
+          <a:endParaRPr lang="en-GB" sz="1400" dirty="0"/>
+        </a:p>
+      </dgm:t>
+    </dgm:pt>
+    <dgm:pt modelId="{14506239-FB47-4726-BA60-77AE416194FD}" type="parTrans" cxnId="{CAF4138E-58E9-4A89-BB94-BD54BDDB1FDA}">
+      <dgm:prSet/>
+      <dgm:spPr/>
+      <dgm:t>
+        <a:bodyPr/>
+        <a:lstStyle/>
+        <a:p>
+          <a:endParaRPr lang="en-GB"/>
+        </a:p>
+      </dgm:t>
+    </dgm:pt>
+    <dgm:pt modelId="{EDC61245-B2FB-4490-8977-19669379F8C1}" type="sibTrans" cxnId="{CAF4138E-58E9-4A89-BB94-BD54BDDB1FDA}">
+      <dgm:prSet/>
+      <dgm:spPr/>
+      <dgm:t>
+        <a:bodyPr/>
+        <a:lstStyle/>
+        <a:p>
+          <a:endParaRPr lang="en-GB"/>
+        </a:p>
+      </dgm:t>
+    </dgm:pt>
+    <dgm:pt modelId="{552DE0C3-0FD8-4B5D-AB00-40A022F949C9}">
+      <dgm:prSet custT="1"/>
+      <dgm:spPr/>
+      <dgm:t>
+        <a:bodyPr/>
+        <a:lstStyle/>
+        <a:p>
+          <a:r>
+            <a:rPr lang="es-ES" sz="1400" b="1" dirty="0" err="1"/>
+            <a:t>Acc</a:t>
+          </a:r>
+          <a:r>
+            <a:rPr lang="es-ES" sz="1400" b="1" dirty="0"/>
+            <a:t> = 62.16%</a:t>
+          </a:r>
+        </a:p>
+      </dgm:t>
+    </dgm:pt>
+    <dgm:pt modelId="{9C051AE9-1250-424B-982C-B743902F9038}" type="parTrans" cxnId="{A3964B81-EC59-42C7-B88E-EBA1D496E862}">
+      <dgm:prSet/>
+      <dgm:spPr/>
+      <dgm:t>
+        <a:bodyPr/>
+        <a:lstStyle/>
+        <a:p>
+          <a:endParaRPr lang="en-GB"/>
+        </a:p>
+      </dgm:t>
+    </dgm:pt>
+    <dgm:pt modelId="{F89368C3-3B47-4785-8885-49C54BCEB594}" type="sibTrans" cxnId="{A3964B81-EC59-42C7-B88E-EBA1D496E862}">
+      <dgm:prSet/>
+      <dgm:spPr/>
+      <dgm:t>
+        <a:bodyPr/>
+        <a:lstStyle/>
+        <a:p>
+          <a:endParaRPr lang="en-GB"/>
+        </a:p>
+      </dgm:t>
+    </dgm:pt>
+    <dgm:pt modelId="{28001456-5817-4A33-A529-329B27B72424}">
+      <dgm:prSet phldrT="[Texto]" custT="1"/>
+      <dgm:spPr/>
+      <dgm:t>
+        <a:bodyPr/>
+        <a:lstStyle/>
+        <a:p>
+          <a:r>
+            <a:rPr lang="es-ES" sz="1400" dirty="0" err="1"/>
+            <a:t>loss</a:t>
+          </a:r>
+          <a:r>
+            <a:rPr lang="es-ES" sz="1400" dirty="0"/>
+            <a:t>: </a:t>
+          </a:r>
+          <a:r>
+            <a:rPr lang="es-ES" sz="1400" dirty="0" err="1"/>
+            <a:t>exponential</a:t>
+          </a:r>
+          <a:endParaRPr lang="en-GB" sz="1400" dirty="0"/>
+        </a:p>
+      </dgm:t>
+    </dgm:pt>
+    <dgm:pt modelId="{7050B68D-CE06-4FF4-8F5F-E490A0E5221E}" type="parTrans" cxnId="{2CF46D0D-B8A4-46A0-8CE6-C75FBF22E71A}">
+      <dgm:prSet/>
+      <dgm:spPr/>
+      <dgm:t>
+        <a:bodyPr/>
+        <a:lstStyle/>
+        <a:p>
+          <a:endParaRPr lang="en-GB"/>
+        </a:p>
+      </dgm:t>
+    </dgm:pt>
+    <dgm:pt modelId="{7123A00E-16F8-45F7-B3F0-0CBF44F781A1}" type="sibTrans" cxnId="{2CF46D0D-B8A4-46A0-8CE6-C75FBF22E71A}">
+      <dgm:prSet/>
+      <dgm:spPr/>
+      <dgm:t>
+        <a:bodyPr/>
+        <a:lstStyle/>
+        <a:p>
+          <a:endParaRPr lang="en-GB"/>
+        </a:p>
+      </dgm:t>
+    </dgm:pt>
+    <dgm:pt modelId="{7663106F-BB5B-4779-AD79-F2B456CE7D08}">
+      <dgm:prSet phldrT="[Texto]" custT="1"/>
+      <dgm:spPr/>
+      <dgm:t>
+        <a:bodyPr/>
+        <a:lstStyle/>
+        <a:p>
+          <a:r>
+            <a:rPr lang="es-ES" sz="1400" dirty="0" err="1"/>
+            <a:t>learn_rate</a:t>
+          </a:r>
+          <a:r>
+            <a:rPr lang="es-ES" sz="1400" dirty="0"/>
+            <a:t>: 0.1</a:t>
+          </a:r>
+          <a:endParaRPr lang="en-GB" sz="1400" dirty="0"/>
+        </a:p>
+      </dgm:t>
+    </dgm:pt>
+    <dgm:pt modelId="{82940845-82E7-4581-9409-334D140D0A51}" type="parTrans" cxnId="{E1DC267F-2C9A-4B35-8500-E908BE2FF295}">
+      <dgm:prSet/>
+      <dgm:spPr/>
+      <dgm:t>
+        <a:bodyPr/>
+        <a:lstStyle/>
+        <a:p>
+          <a:endParaRPr lang="en-GB"/>
+        </a:p>
+      </dgm:t>
+    </dgm:pt>
+    <dgm:pt modelId="{75F595FA-7C13-42B4-A39C-035E2BC50D20}" type="sibTrans" cxnId="{E1DC267F-2C9A-4B35-8500-E908BE2FF295}">
+      <dgm:prSet/>
+      <dgm:spPr/>
+      <dgm:t>
+        <a:bodyPr/>
+        <a:lstStyle/>
+        <a:p>
+          <a:endParaRPr lang="en-GB"/>
+        </a:p>
+      </dgm:t>
+    </dgm:pt>
+    <dgm:pt modelId="{C96C0176-258D-42AB-AD0E-8AB6D6BC3561}">
+      <dgm:prSet phldrT="[Texto]" custT="1"/>
+      <dgm:spPr/>
+      <dgm:t>
+        <a:bodyPr/>
+        <a:lstStyle/>
+        <a:p>
+          <a:r>
+            <a:rPr lang="es-ES" sz="1400" dirty="0" err="1"/>
+            <a:t>max_depth</a:t>
+          </a:r>
+          <a:r>
+            <a:rPr lang="es-ES" sz="1400" dirty="0"/>
+            <a:t>: 3</a:t>
+          </a:r>
+          <a:endParaRPr lang="en-GB" sz="1400" dirty="0"/>
+        </a:p>
+      </dgm:t>
+    </dgm:pt>
+    <dgm:pt modelId="{FB4552EF-8D58-49DA-ABE8-0C3937B59CA0}" type="parTrans" cxnId="{212A2167-3733-439F-B047-7156BF84C77A}">
+      <dgm:prSet/>
+      <dgm:spPr/>
+      <dgm:t>
+        <a:bodyPr/>
+        <a:lstStyle/>
+        <a:p>
+          <a:endParaRPr lang="en-GB"/>
+        </a:p>
+      </dgm:t>
+    </dgm:pt>
+    <dgm:pt modelId="{AB98B4C2-AC0C-451E-99FE-F809B4B41A19}" type="sibTrans" cxnId="{212A2167-3733-439F-B047-7156BF84C77A}">
+      <dgm:prSet/>
+      <dgm:spPr/>
+      <dgm:t>
+        <a:bodyPr/>
+        <a:lstStyle/>
+        <a:p>
+          <a:endParaRPr lang="en-GB"/>
+        </a:p>
+      </dgm:t>
+    </dgm:pt>
+    <dgm:pt modelId="{ADF2703B-AD09-4C18-A3EA-9479279482C6}">
+      <dgm:prSet phldrT="[Texto]" custT="1"/>
+      <dgm:spPr/>
+      <dgm:t>
+        <a:bodyPr/>
+        <a:lstStyle/>
+        <a:p>
+          <a:r>
+            <a:rPr lang="es-ES" sz="1400" dirty="0" err="1"/>
+            <a:t>max_features</a:t>
+          </a:r>
+          <a:r>
+            <a:rPr lang="es-ES" sz="1400" dirty="0"/>
+            <a:t>: auto</a:t>
+          </a:r>
+          <a:endParaRPr lang="en-GB" sz="1400" dirty="0"/>
+        </a:p>
+      </dgm:t>
+    </dgm:pt>
+    <dgm:pt modelId="{D0570EAE-8E7E-43AB-9A08-836DF3192038}" type="parTrans" cxnId="{60166026-3D1E-4BAA-98F9-9F134CB308B2}">
+      <dgm:prSet/>
+      <dgm:spPr/>
+      <dgm:t>
+        <a:bodyPr/>
+        <a:lstStyle/>
+        <a:p>
+          <a:endParaRPr lang="en-GB"/>
+        </a:p>
+      </dgm:t>
+    </dgm:pt>
+    <dgm:pt modelId="{F31B3F4E-00DD-4A58-86E2-DC67EE975597}" type="sibTrans" cxnId="{60166026-3D1E-4BAA-98F9-9F134CB308B2}">
+      <dgm:prSet/>
+      <dgm:spPr/>
+      <dgm:t>
+        <a:bodyPr/>
+        <a:lstStyle/>
+        <a:p>
+          <a:endParaRPr lang="en-GB"/>
+        </a:p>
+      </dgm:t>
+    </dgm:pt>
+    <dgm:pt modelId="{C47913FB-E318-46EB-A316-6B8F373DCF56}">
+      <dgm:prSet phldrT="[Texto]" custT="1"/>
+      <dgm:spPr/>
+      <dgm:t>
+        <a:bodyPr/>
+        <a:lstStyle/>
+        <a:p>
+          <a:r>
+            <a:rPr lang="es-ES" sz="1400" dirty="0" err="1"/>
+            <a:t>n_estimators</a:t>
+          </a:r>
+          <a:r>
+            <a:rPr lang="es-ES" sz="1400" dirty="0"/>
+            <a:t>: 100</a:t>
+          </a:r>
+          <a:endParaRPr lang="en-GB" sz="1400" dirty="0"/>
+        </a:p>
+      </dgm:t>
+    </dgm:pt>
+    <dgm:pt modelId="{F24CF1E2-95CB-451A-B3DD-79EE1A86ABD0}" type="parTrans" cxnId="{A9327278-5825-4787-A541-9ADED28E584F}">
+      <dgm:prSet/>
+      <dgm:spPr/>
+      <dgm:t>
+        <a:bodyPr/>
+        <a:lstStyle/>
+        <a:p>
+          <a:endParaRPr lang="en-GB"/>
+        </a:p>
+      </dgm:t>
+    </dgm:pt>
+    <dgm:pt modelId="{55D9F9BB-C7A1-4BF3-B956-79472183EAF5}" type="sibTrans" cxnId="{A9327278-5825-4787-A541-9ADED28E584F}">
+      <dgm:prSet/>
+      <dgm:spPr/>
+      <dgm:t>
+        <a:bodyPr/>
+        <a:lstStyle/>
+        <a:p>
+          <a:endParaRPr lang="en-GB"/>
+        </a:p>
+      </dgm:t>
+    </dgm:pt>
+    <dgm:pt modelId="{14995FF5-1759-4AB5-94BB-B632661A1ED7}">
+      <dgm:prSet custT="1"/>
+      <dgm:spPr>
+        <a:ln w="76200">
+          <a:solidFill>
+            <a:srgbClr val="92D050"/>
+          </a:solidFill>
+        </a:ln>
+      </dgm:spPr>
+      <dgm:t>
+        <a:bodyPr/>
+        <a:lstStyle/>
+        <a:p>
+          <a:r>
+            <a:rPr lang="es-ES" sz="1400" b="1" dirty="0" err="1"/>
+            <a:t>Acc</a:t>
+          </a:r>
+          <a:r>
+            <a:rPr lang="es-ES" sz="1400" b="1" dirty="0"/>
+            <a:t> : 75.91%</a:t>
+          </a:r>
+        </a:p>
+      </dgm:t>
+    </dgm:pt>
+    <dgm:pt modelId="{834F7D7C-066A-4012-A77D-B399E5605C91}" type="parTrans" cxnId="{6B0D845B-67C5-49D2-B2E2-803FC20EF8B1}">
+      <dgm:prSet/>
+      <dgm:spPr/>
+      <dgm:t>
+        <a:bodyPr/>
+        <a:lstStyle/>
+        <a:p>
+          <a:endParaRPr lang="en-GB"/>
+        </a:p>
+      </dgm:t>
+    </dgm:pt>
+    <dgm:pt modelId="{7E59C36D-A550-4C79-A1CA-97274BCABAB8}" type="sibTrans" cxnId="{6B0D845B-67C5-49D2-B2E2-803FC20EF8B1}">
+      <dgm:prSet/>
+      <dgm:spPr/>
+      <dgm:t>
+        <a:bodyPr/>
+        <a:lstStyle/>
+        <a:p>
+          <a:endParaRPr lang="en-GB"/>
+        </a:p>
+      </dgm:t>
+    </dgm:pt>
+    <dgm:pt modelId="{BB7742C9-1C4E-441D-9AF2-D4B59ABF38A9}">
+      <dgm:prSet phldrT="[Texto]" custT="1"/>
+      <dgm:spPr>
+        <a:ln w="76200">
+          <a:solidFill>
+            <a:srgbClr val="92D050"/>
+          </a:solidFill>
+        </a:ln>
+      </dgm:spPr>
+      <dgm:t>
+        <a:bodyPr/>
+        <a:lstStyle/>
+        <a:p>
+          <a:r>
+            <a:rPr lang="es-ES" sz="1400" dirty="0" err="1"/>
+            <a:t>max_depth</a:t>
+          </a:r>
+          <a:r>
+            <a:rPr lang="es-ES" sz="1400" dirty="0"/>
+            <a:t>: 50</a:t>
+          </a:r>
+          <a:endParaRPr lang="en-GB" sz="1400" dirty="0"/>
+        </a:p>
+      </dgm:t>
+    </dgm:pt>
+    <dgm:pt modelId="{086C8175-C798-4F34-85F3-1EB0C3547C88}" type="parTrans" cxnId="{3D70A6BA-8315-429F-B469-D1D507BD7BAE}">
+      <dgm:prSet/>
+      <dgm:spPr/>
+      <dgm:t>
+        <a:bodyPr/>
+        <a:lstStyle/>
+        <a:p>
+          <a:endParaRPr lang="en-GB"/>
+        </a:p>
+      </dgm:t>
+    </dgm:pt>
+    <dgm:pt modelId="{35880752-65B5-4AED-8606-5B3AADED76DE}" type="sibTrans" cxnId="{3D70A6BA-8315-429F-B469-D1D507BD7BAE}">
+      <dgm:prSet/>
+      <dgm:spPr/>
+      <dgm:t>
+        <a:bodyPr/>
+        <a:lstStyle/>
+        <a:p>
+          <a:endParaRPr lang="en-GB"/>
+        </a:p>
+      </dgm:t>
+    </dgm:pt>
+    <dgm:pt modelId="{B55677FB-B957-479B-ABD9-373B53067BBC}">
+      <dgm:prSet phldrT="[Texto]" custT="1"/>
+      <dgm:spPr>
+        <a:ln w="76200">
+          <a:solidFill>
+            <a:srgbClr val="92D050"/>
+          </a:solidFill>
+        </a:ln>
+      </dgm:spPr>
+      <dgm:t>
+        <a:bodyPr/>
+        <a:lstStyle/>
+        <a:p>
+          <a:r>
+            <a:rPr lang="es-ES" sz="1400" dirty="0" err="1"/>
+            <a:t>max_features</a:t>
+          </a:r>
+          <a:r>
+            <a:rPr lang="es-ES" sz="1400" dirty="0"/>
+            <a:t>: auto</a:t>
+          </a:r>
+          <a:endParaRPr lang="en-GB" sz="1400" dirty="0"/>
+        </a:p>
+      </dgm:t>
+    </dgm:pt>
+    <dgm:pt modelId="{9E248E90-B7F1-4314-9FD4-9E454148B9CF}" type="parTrans" cxnId="{2203C922-DC14-48A9-AEB9-475762B347D4}">
+      <dgm:prSet/>
+      <dgm:spPr/>
+      <dgm:t>
+        <a:bodyPr/>
+        <a:lstStyle/>
+        <a:p>
+          <a:endParaRPr lang="en-GB"/>
+        </a:p>
+      </dgm:t>
+    </dgm:pt>
+    <dgm:pt modelId="{38A3617F-0BEE-4C3A-8727-27EE600C951A}" type="sibTrans" cxnId="{2203C922-DC14-48A9-AEB9-475762B347D4}">
+      <dgm:prSet/>
+      <dgm:spPr/>
+      <dgm:t>
+        <a:bodyPr/>
+        <a:lstStyle/>
+        <a:p>
+          <a:endParaRPr lang="en-GB"/>
+        </a:p>
+      </dgm:t>
+    </dgm:pt>
+    <dgm:pt modelId="{F937DF9E-52C5-4FEE-8540-D1D0AA3D62AA}">
+      <dgm:prSet phldrT="[Texto]" custT="1"/>
+      <dgm:spPr>
+        <a:ln w="76200">
+          <a:solidFill>
+            <a:srgbClr val="92D050"/>
+          </a:solidFill>
+        </a:ln>
+      </dgm:spPr>
+      <dgm:t>
+        <a:bodyPr/>
+        <a:lstStyle/>
+        <a:p>
+          <a:r>
+            <a:rPr lang="es-ES" sz="1400" dirty="0" err="1"/>
+            <a:t>n_estimators</a:t>
+          </a:r>
+          <a:r>
+            <a:rPr lang="es-ES" sz="1400" dirty="0"/>
+            <a:t>: 1000</a:t>
+          </a:r>
+          <a:endParaRPr lang="en-GB" sz="1400" dirty="0"/>
+        </a:p>
+      </dgm:t>
+    </dgm:pt>
+    <dgm:pt modelId="{8EE7B920-D4F8-4B76-90CA-9F257CDE9E06}" type="parTrans" cxnId="{7752C202-8DB8-40DB-BA36-8391884159C7}">
+      <dgm:prSet/>
+      <dgm:spPr/>
+      <dgm:t>
+        <a:bodyPr/>
+        <a:lstStyle/>
+        <a:p>
+          <a:endParaRPr lang="en-GB"/>
+        </a:p>
+      </dgm:t>
+    </dgm:pt>
+    <dgm:pt modelId="{651B790D-44A0-45BF-974D-F6B761B6634E}" type="sibTrans" cxnId="{7752C202-8DB8-40DB-BA36-8391884159C7}">
+      <dgm:prSet/>
+      <dgm:spPr/>
+      <dgm:t>
+        <a:bodyPr/>
+        <a:lstStyle/>
+        <a:p>
+          <a:endParaRPr lang="en-GB"/>
+        </a:p>
+      </dgm:t>
+    </dgm:pt>
+    <dgm:pt modelId="{05C7FF7F-94CC-432E-91F4-89EAB067ACB7}" type="pres">
+      <dgm:prSet presAssocID="{5ACD8C15-1CA9-4F18-961A-D49625AEE1D8}" presName="Name0" presStyleCnt="0">
+        <dgm:presLayoutVars>
+          <dgm:dir/>
+          <dgm:animLvl val="lvl"/>
+          <dgm:resizeHandles val="exact"/>
+        </dgm:presLayoutVars>
+      </dgm:prSet>
+      <dgm:spPr/>
+    </dgm:pt>
+    <dgm:pt modelId="{060E20E2-4756-4010-AC65-1D4B7949CDCD}" type="pres">
+      <dgm:prSet presAssocID="{F70F1479-46E7-46A2-8EA8-B32715B35199}" presName="composite" presStyleCnt="0"/>
+      <dgm:spPr/>
+    </dgm:pt>
+    <dgm:pt modelId="{187EB1E8-CEE4-4E44-A25B-3825E467DCC5}" type="pres">
+      <dgm:prSet presAssocID="{F70F1479-46E7-46A2-8EA8-B32715B35199}" presName="parTx" presStyleLbl="alignNode1" presStyleIdx="0" presStyleCnt="6" custScaleY="146736" custLinFactY="-51595" custLinFactNeighborX="188" custLinFactNeighborY="-100000">
+        <dgm:presLayoutVars>
+          <dgm:chMax val="0"/>
+          <dgm:chPref val="0"/>
+          <dgm:bulletEnabled val="1"/>
+        </dgm:presLayoutVars>
+      </dgm:prSet>
+      <dgm:spPr/>
+    </dgm:pt>
+    <dgm:pt modelId="{EC8EB771-D13F-4A5B-A1B9-E028F676D24E}" type="pres">
+      <dgm:prSet presAssocID="{F70F1479-46E7-46A2-8EA8-B32715B35199}" presName="desTx" presStyleLbl="alignAccFollowNode1" presStyleIdx="0" presStyleCnt="6" custScaleY="100000" custLinFactY="-500000" custLinFactNeighborX="1327" custLinFactNeighborY="-509422">
+        <dgm:presLayoutVars>
+          <dgm:bulletEnabled val="1"/>
+        </dgm:presLayoutVars>
+      </dgm:prSet>
+      <dgm:spPr/>
+    </dgm:pt>
+    <dgm:pt modelId="{54A2E489-AA09-4C39-A11D-0CB44EAA23F2}" type="pres">
+      <dgm:prSet presAssocID="{C74D4E5F-E137-4E74-8921-FF9ECE7F6DAE}" presName="space" presStyleCnt="0"/>
+      <dgm:spPr/>
+    </dgm:pt>
+    <dgm:pt modelId="{E9EE6DDA-3AA1-4447-8093-8A4DEDEDD355}" type="pres">
+      <dgm:prSet presAssocID="{4320553C-15EE-402E-B8F9-B0424A1B9132}" presName="composite" presStyleCnt="0"/>
+      <dgm:spPr/>
+    </dgm:pt>
+    <dgm:pt modelId="{48A24487-CCA9-42AE-8B37-11F3F18C73F4}" type="pres">
+      <dgm:prSet presAssocID="{4320553C-15EE-402E-B8F9-B0424A1B9132}" presName="parTx" presStyleLbl="alignNode1" presStyleIdx="1" presStyleCnt="6" custScaleY="146736" custLinFactY="-51595" custLinFactNeighborX="188" custLinFactNeighborY="-100000">
+        <dgm:presLayoutVars>
+          <dgm:chMax val="0"/>
+          <dgm:chPref val="0"/>
+          <dgm:bulletEnabled val="1"/>
+        </dgm:presLayoutVars>
+      </dgm:prSet>
+      <dgm:spPr/>
+    </dgm:pt>
+    <dgm:pt modelId="{FD244389-E5CA-48E5-82F4-8EA6078B6EE1}" type="pres">
+      <dgm:prSet presAssocID="{4320553C-15EE-402E-B8F9-B0424A1B9132}" presName="desTx" presStyleLbl="alignAccFollowNode1" presStyleIdx="1" presStyleCnt="6" custScaleY="100000" custLinFactY="-500000" custLinFactNeighborX="460" custLinFactNeighborY="-509422">
+        <dgm:presLayoutVars>
+          <dgm:bulletEnabled val="1"/>
+        </dgm:presLayoutVars>
+      </dgm:prSet>
+      <dgm:spPr/>
+    </dgm:pt>
+    <dgm:pt modelId="{0681C2CA-EC93-4AD4-8966-BB3912C519ED}" type="pres">
+      <dgm:prSet presAssocID="{FE0D4C28-B866-4282-81E0-76C1FE5FA3E1}" presName="space" presStyleCnt="0"/>
+      <dgm:spPr/>
+    </dgm:pt>
+    <dgm:pt modelId="{816E7C47-53DD-42EE-8D60-B538AD5F9CD5}" type="pres">
+      <dgm:prSet presAssocID="{69FA6990-FA1F-4446-9505-DBFA6EB663BB}" presName="composite" presStyleCnt="0"/>
+      <dgm:spPr/>
+    </dgm:pt>
+    <dgm:pt modelId="{37500AF0-62B4-402A-B52A-4AA409CE67EB}" type="pres">
+      <dgm:prSet presAssocID="{69FA6990-FA1F-4446-9505-DBFA6EB663BB}" presName="parTx" presStyleLbl="alignNode1" presStyleIdx="2" presStyleCnt="6" custScaleY="146736" custLinFactY="-51595" custLinFactNeighborX="188" custLinFactNeighborY="-100000">
+        <dgm:presLayoutVars>
+          <dgm:chMax val="0"/>
+          <dgm:chPref val="0"/>
+          <dgm:bulletEnabled val="1"/>
+        </dgm:presLayoutVars>
+      </dgm:prSet>
+      <dgm:spPr/>
+    </dgm:pt>
+    <dgm:pt modelId="{9E722BEE-2767-47DE-A4AC-5AA7A9828E58}" type="pres">
+      <dgm:prSet presAssocID="{69FA6990-FA1F-4446-9505-DBFA6EB663BB}" presName="desTx" presStyleLbl="alignAccFollowNode1" presStyleIdx="2" presStyleCnt="6" custScaleY="100000" custLinFactY="-500000" custLinFactNeighborX="254" custLinFactNeighborY="-509422">
+        <dgm:presLayoutVars>
+          <dgm:bulletEnabled val="1"/>
+        </dgm:presLayoutVars>
+      </dgm:prSet>
+      <dgm:spPr/>
+    </dgm:pt>
+    <dgm:pt modelId="{A227C5DA-65BC-4074-93AE-B12EECD0C527}" type="pres">
+      <dgm:prSet presAssocID="{34C738E0-D8C3-4847-9307-65D09DC73641}" presName="space" presStyleCnt="0"/>
+      <dgm:spPr/>
+    </dgm:pt>
+    <dgm:pt modelId="{99097884-CFF3-4B2B-821C-7839AA577412}" type="pres">
+      <dgm:prSet presAssocID="{7D1BA4E6-C536-4034-8FCC-3EC6F75EB188}" presName="composite" presStyleCnt="0"/>
+      <dgm:spPr/>
+    </dgm:pt>
+    <dgm:pt modelId="{3862C4B5-AACD-4347-8085-3F72601877B4}" type="pres">
+      <dgm:prSet presAssocID="{7D1BA4E6-C536-4034-8FCC-3EC6F75EB188}" presName="parTx" presStyleLbl="alignNode1" presStyleIdx="3" presStyleCnt="6" custScaleY="146736" custLinFactY="-51595" custLinFactNeighborX="188" custLinFactNeighborY="-100000">
+        <dgm:presLayoutVars>
+          <dgm:chMax val="0"/>
+          <dgm:chPref val="0"/>
+          <dgm:bulletEnabled val="1"/>
+        </dgm:presLayoutVars>
+      </dgm:prSet>
+      <dgm:spPr/>
+    </dgm:pt>
+    <dgm:pt modelId="{35A85B34-BE00-423B-BDEF-87219E928C35}" type="pres">
+      <dgm:prSet presAssocID="{7D1BA4E6-C536-4034-8FCC-3EC6F75EB188}" presName="desTx" presStyleLbl="alignAccFollowNode1" presStyleIdx="3" presStyleCnt="6" custScaleY="100000" custLinFactY="-500000" custLinFactNeighborX="1368" custLinFactNeighborY="-509422">
+        <dgm:presLayoutVars>
+          <dgm:bulletEnabled val="1"/>
+        </dgm:presLayoutVars>
+      </dgm:prSet>
+      <dgm:spPr/>
+    </dgm:pt>
+    <dgm:pt modelId="{A176F6BC-B5DA-498A-B121-2C9B6E663821}" type="pres">
+      <dgm:prSet presAssocID="{70A3033F-9F1E-48EE-984C-C206849BF25D}" presName="space" presStyleCnt="0"/>
+      <dgm:spPr/>
+    </dgm:pt>
+    <dgm:pt modelId="{D85AD417-029C-4E57-8740-7B2CD7157474}" type="pres">
+      <dgm:prSet presAssocID="{337980C1-4B87-4C08-8461-1A84F77BBE49}" presName="composite" presStyleCnt="0"/>
+      <dgm:spPr/>
+    </dgm:pt>
+    <dgm:pt modelId="{839BA42A-3B80-4489-BE6A-A9D5C1FBAE01}" type="pres">
+      <dgm:prSet presAssocID="{337980C1-4B87-4C08-8461-1A84F77BBE49}" presName="parTx" presStyleLbl="alignNode1" presStyleIdx="4" presStyleCnt="6" custScaleY="146736" custLinFactY="-51595" custLinFactNeighborX="188" custLinFactNeighborY="-100000">
+        <dgm:presLayoutVars>
+          <dgm:chMax val="0"/>
+          <dgm:chPref val="0"/>
+          <dgm:bulletEnabled val="1"/>
+        </dgm:presLayoutVars>
+      </dgm:prSet>
+      <dgm:spPr/>
+    </dgm:pt>
+    <dgm:pt modelId="{809477FF-A692-466C-8800-3CCD3C20CD13}" type="pres">
+      <dgm:prSet presAssocID="{337980C1-4B87-4C08-8461-1A84F77BBE49}" presName="desTx" presStyleLbl="alignAccFollowNode1" presStyleIdx="4" presStyleCnt="6" custScaleY="100000" custLinFactY="-500000" custLinFactNeighborX="1264" custLinFactNeighborY="-509422">
+        <dgm:presLayoutVars>
+          <dgm:bulletEnabled val="1"/>
+        </dgm:presLayoutVars>
+      </dgm:prSet>
+      <dgm:spPr/>
+    </dgm:pt>
+    <dgm:pt modelId="{C1349EB7-4C8C-45C8-A91B-1A5E55AF380B}" type="pres">
+      <dgm:prSet presAssocID="{014835D6-B4A3-4C48-B44E-042F2F2202EB}" presName="space" presStyleCnt="0"/>
+      <dgm:spPr/>
+    </dgm:pt>
+    <dgm:pt modelId="{6E5D83B6-268A-45E4-9270-7D0C72FB4D31}" type="pres">
+      <dgm:prSet presAssocID="{C0E32DD8-1844-4EAA-9D81-6D642DCC1574}" presName="composite" presStyleCnt="0"/>
+      <dgm:spPr/>
+    </dgm:pt>
+    <dgm:pt modelId="{12970324-F5CC-407D-B127-D60C33DCEC0D}" type="pres">
+      <dgm:prSet presAssocID="{C0E32DD8-1844-4EAA-9D81-6D642DCC1574}" presName="parTx" presStyleLbl="alignNode1" presStyleIdx="5" presStyleCnt="6" custScaleY="146736" custLinFactY="-51595" custLinFactNeighborX="188" custLinFactNeighborY="-100000">
+        <dgm:presLayoutVars>
+          <dgm:chMax val="0"/>
+          <dgm:chPref val="0"/>
+          <dgm:bulletEnabled val="1"/>
+        </dgm:presLayoutVars>
+      </dgm:prSet>
+      <dgm:spPr/>
+    </dgm:pt>
+    <dgm:pt modelId="{EF3A97DE-E918-456A-B35C-2949E6B14FB6}" type="pres">
+      <dgm:prSet presAssocID="{C0E32DD8-1844-4EAA-9D81-6D642DCC1574}" presName="desTx" presStyleLbl="alignAccFollowNode1" presStyleIdx="5" presStyleCnt="6" custScaleY="100000" custLinFactY="-500000" custLinFactNeighborX="188" custLinFactNeighborY="-509422">
+        <dgm:presLayoutVars>
+          <dgm:bulletEnabled val="1"/>
+        </dgm:presLayoutVars>
+      </dgm:prSet>
+      <dgm:spPr/>
+    </dgm:pt>
+  </dgm:ptLst>
+  <dgm:cxnLst>
+    <dgm:cxn modelId="{5E38EF00-A2C1-4514-A10B-E304AA67123B}" srcId="{5ACD8C15-1CA9-4F18-961A-D49625AEE1D8}" destId="{7D1BA4E6-C536-4034-8FCC-3EC6F75EB188}" srcOrd="3" destOrd="0" parTransId="{855ED1A7-BB69-428A-B8BF-A56F28BE8EA3}" sibTransId="{70A3033F-9F1E-48EE-984C-C206849BF25D}"/>
+    <dgm:cxn modelId="{7752C202-8DB8-40DB-BA36-8391884159C7}" srcId="{C0E32DD8-1844-4EAA-9D81-6D642DCC1574}" destId="{F937DF9E-52C5-4FEE-8540-D1D0AA3D62AA}" srcOrd="3" destOrd="0" parTransId="{8EE7B920-D4F8-4B76-90CA-9F257CDE9E06}" sibTransId="{651B790D-44A0-45BF-974D-F6B761B6634E}"/>
+    <dgm:cxn modelId="{810CC10C-3BA6-4A52-9166-F4B6071F79BA}" srcId="{5ACD8C15-1CA9-4F18-961A-D49625AEE1D8}" destId="{C0E32DD8-1844-4EAA-9D81-6D642DCC1574}" srcOrd="5" destOrd="0" parTransId="{00323215-6AFF-4664-9DD8-8F54799E1986}" sibTransId="{6C63479E-E073-4EFE-825B-E6831F502485}"/>
+    <dgm:cxn modelId="{847D1F0D-FD2A-4BA9-BC7E-016CEA0BF019}" srcId="{F70F1479-46E7-46A2-8EA8-B32715B35199}" destId="{F771CB44-63AF-4121-B8EE-360F9EC86D85}" srcOrd="1" destOrd="0" parTransId="{307E5BFC-9F6B-4968-9D15-014E0CCEA380}" sibTransId="{E1CEA2AB-04ED-4CAA-B85E-EA4D126CE4AC}"/>
+    <dgm:cxn modelId="{2CF46D0D-B8A4-46A0-8CE6-C75FBF22E71A}" srcId="{337980C1-4B87-4C08-8461-1A84F77BBE49}" destId="{28001456-5817-4A33-A529-329B27B72424}" srcOrd="2" destOrd="0" parTransId="{7050B68D-CE06-4FF4-8F5F-E490A0E5221E}" sibTransId="{7123A00E-16F8-45F7-B3F0-0CBF44F781A1}"/>
+    <dgm:cxn modelId="{2B69A80D-30EB-496D-B11C-EFE0E134C1FE}" type="presOf" srcId="{F771CB44-63AF-4121-B8EE-360F9EC86D85}" destId="{EC8EB771-D13F-4A5B-A1B9-E028F676D24E}" srcOrd="0" destOrd="1" presId="urn:microsoft.com/office/officeart/2005/8/layout/hList1"/>
+    <dgm:cxn modelId="{FE40DD17-548A-463F-B03E-D36F877519FD}" type="presOf" srcId="{501935AC-18D9-4065-B3B6-C93D60F43E8B}" destId="{35A85B34-BE00-423B-BDEF-87219E928C35}" srcOrd="0" destOrd="1" presId="urn:microsoft.com/office/officeart/2005/8/layout/hList1"/>
+    <dgm:cxn modelId="{6328FD1D-57AD-4509-B4DB-C3FE27F48D4F}" type="presOf" srcId="{B55677FB-B957-479B-ABD9-373B53067BBC}" destId="{EF3A97DE-E918-456A-B35C-2949E6B14FB6}" srcOrd="0" destOrd="2" presId="urn:microsoft.com/office/officeart/2005/8/layout/hList1"/>
+    <dgm:cxn modelId="{2203C922-DC14-48A9-AEB9-475762B347D4}" srcId="{C0E32DD8-1844-4EAA-9D81-6D642DCC1574}" destId="{B55677FB-B957-479B-ABD9-373B53067BBC}" srcOrd="2" destOrd="0" parTransId="{9E248E90-B7F1-4314-9FD4-9E454148B9CF}" sibTransId="{38A3617F-0BEE-4C3A-8727-27EE600C951A}"/>
+    <dgm:cxn modelId="{60166026-3D1E-4BAA-98F9-9F134CB308B2}" srcId="{337980C1-4B87-4C08-8461-1A84F77BBE49}" destId="{ADF2703B-AD09-4C18-A3EA-9479279482C6}" srcOrd="4" destOrd="0" parTransId="{D0570EAE-8E7E-43AB-9A08-836DF3192038}" sibTransId="{F31B3F4E-00DD-4A58-86E2-DC67EE975597}"/>
+    <dgm:cxn modelId="{C6E23728-D285-4A3F-B614-533591E3EABF}" type="presOf" srcId="{E9D20F9E-D222-4795-A190-D2F00A0FAC53}" destId="{EC8EB771-D13F-4A5B-A1B9-E028F676D24E}" srcOrd="0" destOrd="0" presId="urn:microsoft.com/office/officeart/2005/8/layout/hList1"/>
+    <dgm:cxn modelId="{B3301939-75FE-48F5-B289-D9B5BFF231EC}" type="presOf" srcId="{337980C1-4B87-4C08-8461-1A84F77BBE49}" destId="{839BA42A-3B80-4489-BE6A-A9D5C1FBAE01}" srcOrd="0" destOrd="0" presId="urn:microsoft.com/office/officeart/2005/8/layout/hList1"/>
+    <dgm:cxn modelId="{208EEA3B-F896-453F-9AEC-643B83634D9D}" type="presOf" srcId="{F70F1479-46E7-46A2-8EA8-B32715B35199}" destId="{187EB1E8-CEE4-4E44-A25B-3825E467DCC5}" srcOrd="0" destOrd="0" presId="urn:microsoft.com/office/officeart/2005/8/layout/hList1"/>
+    <dgm:cxn modelId="{6B0D845B-67C5-49D2-B2E2-803FC20EF8B1}" srcId="{C0E32DD8-1844-4EAA-9D81-6D642DCC1574}" destId="{14995FF5-1759-4AB5-94BB-B632661A1ED7}" srcOrd="4" destOrd="0" parTransId="{834F7D7C-066A-4012-A77D-B399E5605C91}" sibTransId="{7E59C36D-A550-4C79-A1CA-97274BCABAB8}"/>
+    <dgm:cxn modelId="{B041E743-1F9D-498C-A9C2-46099B86E008}" srcId="{5ACD8C15-1CA9-4F18-961A-D49625AEE1D8}" destId="{69FA6990-FA1F-4446-9505-DBFA6EB663BB}" srcOrd="2" destOrd="0" parTransId="{DF599A7C-303A-4360-BD3F-149F3E9BA725}" sibTransId="{34C738E0-D8C3-4847-9307-65D09DC73641}"/>
+    <dgm:cxn modelId="{212A2167-3733-439F-B047-7156BF84C77A}" srcId="{337980C1-4B87-4C08-8461-1A84F77BBE49}" destId="{C96C0176-258D-42AB-AD0E-8AB6D6BC3561}" srcOrd="3" destOrd="0" parTransId="{FB4552EF-8D58-49DA-ABE8-0C3937B59CA0}" sibTransId="{AB98B4C2-AC0C-451E-99FE-F809B4B41A19}"/>
+    <dgm:cxn modelId="{08488B47-014F-4F8B-AAA8-9F19AB24BE7C}" type="presOf" srcId="{5ACD8C15-1CA9-4F18-961A-D49625AEE1D8}" destId="{05C7FF7F-94CC-432E-91F4-89EAB067ACB7}" srcOrd="0" destOrd="0" presId="urn:microsoft.com/office/officeart/2005/8/layout/hList1"/>
+    <dgm:cxn modelId="{4622926B-CAAB-4698-A3E6-88667501AB41}" srcId="{5ACD8C15-1CA9-4F18-961A-D49625AEE1D8}" destId="{F70F1479-46E7-46A2-8EA8-B32715B35199}" srcOrd="0" destOrd="0" parTransId="{27EADE89-2393-4625-A943-997F86CCCA34}" sibTransId="{C74D4E5F-E137-4E74-8921-FF9ECE7F6DAE}"/>
+    <dgm:cxn modelId="{8000D84C-A737-4936-90A3-6DAA4ADD172F}" type="presOf" srcId="{C0E32DD8-1844-4EAA-9D81-6D642DCC1574}" destId="{12970324-F5CC-407D-B127-D60C33DCEC0D}" srcOrd="0" destOrd="0" presId="urn:microsoft.com/office/officeart/2005/8/layout/hList1"/>
+    <dgm:cxn modelId="{09010451-01A2-4088-A57A-A63F70EB35E6}" type="presOf" srcId="{4320553C-15EE-402E-B8F9-B0424A1B9132}" destId="{48A24487-CCA9-42AE-8B37-11F3F18C73F4}" srcOrd="0" destOrd="0" presId="urn:microsoft.com/office/officeart/2005/8/layout/hList1"/>
+    <dgm:cxn modelId="{FF12A173-FBDF-4678-B703-9C37620C8091}" srcId="{F70F1479-46E7-46A2-8EA8-B32715B35199}" destId="{E9D20F9E-D222-4795-A190-D2F00A0FAC53}" srcOrd="0" destOrd="0" parTransId="{9E33768E-1866-499F-A67D-8F303E46CCB2}" sibTransId="{3A5206F0-C1C3-464A-9CC5-76EC85326E6A}"/>
+    <dgm:cxn modelId="{746C6175-B2BC-4C2E-8995-24738D590433}" srcId="{69FA6990-FA1F-4446-9505-DBFA6EB663BB}" destId="{9B5A4A80-716A-4670-824E-5F0DEF026B98}" srcOrd="0" destOrd="0" parTransId="{0ADF4F0E-320A-4AFF-AA26-6FCF551108F7}" sibTransId="{2AE887D0-52F1-46EC-9549-02E69030AB13}"/>
+    <dgm:cxn modelId="{0D7BF675-8D58-4E4F-B5D2-655808BBEE57}" srcId="{4320553C-15EE-402E-B8F9-B0424A1B9132}" destId="{DA06C680-53B3-44C6-AC6E-77237017306A}" srcOrd="1" destOrd="0" parTransId="{FDC8592B-1419-4BB9-8F68-D8E6DA6ADC29}" sibTransId="{A222C1B8-DF09-450E-8A56-7251D5D736A2}"/>
+    <dgm:cxn modelId="{E047E476-1041-45F2-8254-DB538701CCB8}" type="presOf" srcId="{28001456-5817-4A33-A529-329B27B72424}" destId="{809477FF-A692-466C-8800-3CCD3C20CD13}" srcOrd="0" destOrd="2" presId="urn:microsoft.com/office/officeart/2005/8/layout/hList1"/>
+    <dgm:cxn modelId="{22313957-E91C-495B-9CE8-8086319C536F}" srcId="{5ACD8C15-1CA9-4F18-961A-D49625AEE1D8}" destId="{337980C1-4B87-4C08-8461-1A84F77BBE49}" srcOrd="4" destOrd="0" parTransId="{F4BFEFCF-F77E-42AC-AA69-10F088D6EFD5}" sibTransId="{014835D6-B4A3-4C48-B44E-042F2F2202EB}"/>
+    <dgm:cxn modelId="{A9327278-5825-4787-A541-9ADED28E584F}" srcId="{337980C1-4B87-4C08-8461-1A84F77BBE49}" destId="{C47913FB-E318-46EB-A316-6B8F373DCF56}" srcOrd="5" destOrd="0" parTransId="{F24CF1E2-95CB-451A-B3DD-79EE1A86ABD0}" sibTransId="{55D9F9BB-C7A1-4BF3-B956-79472183EAF5}"/>
+    <dgm:cxn modelId="{E62D5E5A-26DB-4A13-89CD-61E250DB2F5A}" type="presOf" srcId="{AFE928B2-3997-480E-9113-A41595E9D428}" destId="{EC8EB771-D13F-4A5B-A1B9-E028F676D24E}" srcOrd="0" destOrd="3" presId="urn:microsoft.com/office/officeart/2005/8/layout/hList1"/>
+    <dgm:cxn modelId="{E1DC267F-2C9A-4B35-8500-E908BE2FF295}" srcId="{337980C1-4B87-4C08-8461-1A84F77BBE49}" destId="{7663106F-BB5B-4779-AD79-F2B456CE7D08}" srcOrd="1" destOrd="0" parTransId="{82940845-82E7-4581-9409-334D140D0A51}" sibTransId="{75F595FA-7C13-42B4-A39C-035E2BC50D20}"/>
+    <dgm:cxn modelId="{A3964B81-EC59-42C7-B88E-EBA1D496E862}" srcId="{337980C1-4B87-4C08-8461-1A84F77BBE49}" destId="{552DE0C3-0FD8-4B5D-AB00-40A022F949C9}" srcOrd="6" destOrd="0" parTransId="{9C051AE9-1250-424B-982C-B743902F9038}" sibTransId="{F89368C3-3B47-4785-8885-49C54BCEB594}"/>
+    <dgm:cxn modelId="{8263248B-D403-4EE2-98DE-79A423ACBE03}" type="presOf" srcId="{28F3EBB8-8CD3-4DE9-AE76-F07091D3A3DC}" destId="{EF3A97DE-E918-456A-B35C-2949E6B14FB6}" srcOrd="0" destOrd="0" presId="urn:microsoft.com/office/officeart/2005/8/layout/hList1"/>
+    <dgm:cxn modelId="{EA05D28D-0B69-4F6C-8C2E-F7C166669789}" srcId="{C0E32DD8-1844-4EAA-9D81-6D642DCC1574}" destId="{28F3EBB8-8CD3-4DE9-AE76-F07091D3A3DC}" srcOrd="0" destOrd="0" parTransId="{F0B1B670-6E4A-49C3-A319-DCF53D0321C3}" sibTransId="{ECE7A821-33A2-449F-BA23-43815A81B30C}"/>
+    <dgm:cxn modelId="{CAF4138E-58E9-4A89-BB94-BD54BDDB1FDA}" srcId="{7D1BA4E6-C536-4034-8FCC-3EC6F75EB188}" destId="{501935AC-18D9-4065-B3B6-C93D60F43E8B}" srcOrd="1" destOrd="0" parTransId="{14506239-FB47-4726-BA60-77AE416194FD}" sibTransId="{EDC61245-B2FB-4490-8977-19669379F8C1}"/>
+    <dgm:cxn modelId="{61F94D90-D33E-4EA9-B681-C628528E5516}" type="presOf" srcId="{8D3598E0-AAEA-4370-891D-C57D2DCA3147}" destId="{809477FF-A692-466C-8800-3CCD3C20CD13}" srcOrd="0" destOrd="0" presId="urn:microsoft.com/office/officeart/2005/8/layout/hList1"/>
+    <dgm:cxn modelId="{88A1A494-6752-4671-9D84-1135CBF1B8CE}" type="presOf" srcId="{785F8188-408E-410F-977E-327AFA62ADCC}" destId="{35A85B34-BE00-423B-BDEF-87219E928C35}" srcOrd="0" destOrd="0" presId="urn:microsoft.com/office/officeart/2005/8/layout/hList1"/>
+    <dgm:cxn modelId="{B96B8897-D0D6-468B-B22C-E6D830550233}" type="presOf" srcId="{9B5A4A80-716A-4670-824E-5F0DEF026B98}" destId="{9E722BEE-2767-47DE-A4AC-5AA7A9828E58}" srcOrd="0" destOrd="0" presId="urn:microsoft.com/office/officeart/2005/8/layout/hList1"/>
+    <dgm:cxn modelId="{AB1F989C-5964-43E8-BCD1-9A896AC411A5}" type="presOf" srcId="{F937DF9E-52C5-4FEE-8540-D1D0AA3D62AA}" destId="{EF3A97DE-E918-456A-B35C-2949E6B14FB6}" srcOrd="0" destOrd="3" presId="urn:microsoft.com/office/officeart/2005/8/layout/hList1"/>
+    <dgm:cxn modelId="{9F2E49A3-E87B-4DF9-A847-CED542D7B140}" type="presOf" srcId="{19C17351-18F1-496D-8044-C01780D376F4}" destId="{35A85B34-BE00-423B-BDEF-87219E928C35}" srcOrd="0" destOrd="2" presId="urn:microsoft.com/office/officeart/2005/8/layout/hList1"/>
+    <dgm:cxn modelId="{7AA9A8A5-9F42-45F0-88FD-055AE31DB931}" type="presOf" srcId="{BB7742C9-1C4E-441D-9AF2-D4B59ABF38A9}" destId="{EF3A97DE-E918-456A-B35C-2949E6B14FB6}" srcOrd="0" destOrd="1" presId="urn:microsoft.com/office/officeart/2005/8/layout/hList1"/>
+    <dgm:cxn modelId="{46100BAA-D211-4D5E-8CA1-9B4804487439}" type="presOf" srcId="{552DE0C3-0FD8-4B5D-AB00-40A022F949C9}" destId="{809477FF-A692-466C-8800-3CCD3C20CD13}" srcOrd="0" destOrd="6" presId="urn:microsoft.com/office/officeart/2005/8/layout/hList1"/>
+    <dgm:cxn modelId="{F6A0D0AB-084E-4720-9178-3B6F5D8DBECB}" type="presOf" srcId="{D6E19988-0485-4546-B415-44AF75E43A62}" destId="{FD244389-E5CA-48E5-82F4-8EA6078B6EE1}" srcOrd="0" destOrd="0" presId="urn:microsoft.com/office/officeart/2005/8/layout/hList1"/>
+    <dgm:cxn modelId="{700C45AC-4B48-4A99-BD5D-4B77F2D541A1}" type="presOf" srcId="{7D1BA4E6-C536-4034-8FCC-3EC6F75EB188}" destId="{3862C4B5-AACD-4347-8085-3F72601877B4}" srcOrd="0" destOrd="0" presId="urn:microsoft.com/office/officeart/2005/8/layout/hList1"/>
+    <dgm:cxn modelId="{D4F3D0B2-6705-4541-B196-55A8559224BF}" srcId="{4320553C-15EE-402E-B8F9-B0424A1B9132}" destId="{D6E19988-0485-4546-B415-44AF75E43A62}" srcOrd="0" destOrd="0" parTransId="{F5F1DD90-B092-40C2-A709-7EB2ABEC3B3C}" sibTransId="{DF48E0B9-F4DC-4F5A-A256-E767BFF50598}"/>
+    <dgm:cxn modelId="{0AC08AB3-0674-4D07-897B-0C37B52DD38A}" srcId="{5ACD8C15-1CA9-4F18-961A-D49625AEE1D8}" destId="{4320553C-15EE-402E-B8F9-B0424A1B9132}" srcOrd="1" destOrd="0" parTransId="{35EC1B68-3146-48FB-83DC-23790CAEE0E2}" sibTransId="{FE0D4C28-B866-4282-81E0-76C1FE5FA3E1}"/>
+    <dgm:cxn modelId="{DAE2BBB6-515C-42D9-AC4E-789B0560922D}" type="presOf" srcId="{14995FF5-1759-4AB5-94BB-B632661A1ED7}" destId="{EF3A97DE-E918-456A-B35C-2949E6B14FB6}" srcOrd="0" destOrd="4" presId="urn:microsoft.com/office/officeart/2005/8/layout/hList1"/>
+    <dgm:cxn modelId="{958502BA-9BEA-4F0E-8E92-EF7897F3ADBC}" type="presOf" srcId="{ADF2703B-AD09-4C18-A3EA-9479279482C6}" destId="{809477FF-A692-466C-8800-3CCD3C20CD13}" srcOrd="0" destOrd="4" presId="urn:microsoft.com/office/officeart/2005/8/layout/hList1"/>
+    <dgm:cxn modelId="{3D70A6BA-8315-429F-B469-D1D507BD7BAE}" srcId="{C0E32DD8-1844-4EAA-9D81-6D642DCC1574}" destId="{BB7742C9-1C4E-441D-9AF2-D4B59ABF38A9}" srcOrd="1" destOrd="0" parTransId="{086C8175-C798-4F34-85F3-1EB0C3547C88}" sibTransId="{35880752-65B5-4AED-8606-5B3AADED76DE}"/>
+    <dgm:cxn modelId="{123A35CE-61CA-4F21-8E98-2720CE6298C2}" type="presOf" srcId="{7663106F-BB5B-4779-AD79-F2B456CE7D08}" destId="{809477FF-A692-466C-8800-3CCD3C20CD13}" srcOrd="0" destOrd="1" presId="urn:microsoft.com/office/officeart/2005/8/layout/hList1"/>
+    <dgm:cxn modelId="{6912EFDA-089E-4C00-9E60-17CA9B3B9562}" srcId="{F70F1479-46E7-46A2-8EA8-B32715B35199}" destId="{AFE928B2-3997-480E-9113-A41595E9D428}" srcOrd="3" destOrd="0" parTransId="{D448F505-B71D-4F1B-AEDA-D33D1996285D}" sibTransId="{95C32B50-66DD-4A26-BDFE-0A7A2A83E21B}"/>
+    <dgm:cxn modelId="{61B85DDB-EF12-40D2-B809-FCF73C8F853F}" srcId="{7D1BA4E6-C536-4034-8FCC-3EC6F75EB188}" destId="{785F8188-408E-410F-977E-327AFA62ADCC}" srcOrd="0" destOrd="0" parTransId="{ED267357-FC22-4259-B788-42F01B040C43}" sibTransId="{4590E654-01D4-4706-9652-027D0A5A208F}"/>
+    <dgm:cxn modelId="{69EF9CDD-FF9F-4513-ADFE-00BC005DF0DC}" srcId="{337980C1-4B87-4C08-8461-1A84F77BBE49}" destId="{8D3598E0-AAEA-4370-891D-C57D2DCA3147}" srcOrd="0" destOrd="0" parTransId="{0CCA732B-B0C5-43DC-8B79-78992C693F45}" sibTransId="{B8E24191-4662-433A-9553-2D126B3F5EC5}"/>
+    <dgm:cxn modelId="{F80666E3-84C7-4D7C-9366-9CC1B94B7B07}" type="presOf" srcId="{C47913FB-E318-46EB-A316-6B8F373DCF56}" destId="{809477FF-A692-466C-8800-3CCD3C20CD13}" srcOrd="0" destOrd="5" presId="urn:microsoft.com/office/officeart/2005/8/layout/hList1"/>
+    <dgm:cxn modelId="{E93474E3-A915-4716-BC99-9C1D7A0168E8}" srcId="{F70F1479-46E7-46A2-8EA8-B32715B35199}" destId="{0339C6C5-4170-4CAD-8D7E-D0B7BF09AACC}" srcOrd="2" destOrd="0" parTransId="{6D1DC77C-85B9-4183-8D26-E752DEA1EB1C}" sibTransId="{7988CC59-B8A8-4C48-8DDC-D804BE719932}"/>
+    <dgm:cxn modelId="{1B3886E8-3505-4F27-9A44-0B0E013CE864}" type="presOf" srcId="{DA06C680-53B3-44C6-AC6E-77237017306A}" destId="{FD244389-E5CA-48E5-82F4-8EA6078B6EE1}" srcOrd="0" destOrd="1" presId="urn:microsoft.com/office/officeart/2005/8/layout/hList1"/>
+    <dgm:cxn modelId="{C226D3E9-A20E-4580-B934-B10BDA097E1D}" type="presOf" srcId="{69FA6990-FA1F-4446-9505-DBFA6EB663BB}" destId="{37500AF0-62B4-402A-B52A-4AA409CE67EB}" srcOrd="0" destOrd="0" presId="urn:microsoft.com/office/officeart/2005/8/layout/hList1"/>
+    <dgm:cxn modelId="{8F6919EF-F2C7-4C78-9B97-DDA36DCE635D}" srcId="{7D1BA4E6-C536-4034-8FCC-3EC6F75EB188}" destId="{19C17351-18F1-496D-8044-C01780D376F4}" srcOrd="2" destOrd="0" parTransId="{B2EAC6A3-3F31-47A4-8DB0-BD64635DF4FA}" sibTransId="{5795015F-4EF5-4C24-AD00-1FDB8CD018AB}"/>
+    <dgm:cxn modelId="{7D1A3AF2-6A21-4416-95D8-7219821D9C02}" type="presOf" srcId="{C96C0176-258D-42AB-AD0E-8AB6D6BC3561}" destId="{809477FF-A692-466C-8800-3CCD3C20CD13}" srcOrd="0" destOrd="3" presId="urn:microsoft.com/office/officeart/2005/8/layout/hList1"/>
+    <dgm:cxn modelId="{391F06FE-3B67-416C-BC67-4E67AD1AA083}" type="presOf" srcId="{0339C6C5-4170-4CAD-8D7E-D0B7BF09AACC}" destId="{EC8EB771-D13F-4A5B-A1B9-E028F676D24E}" srcOrd="0" destOrd="2" presId="urn:microsoft.com/office/officeart/2005/8/layout/hList1"/>
+    <dgm:cxn modelId="{F5CC77F6-085C-4C19-A5ED-886DB1A0BD83}" type="presParOf" srcId="{05C7FF7F-94CC-432E-91F4-89EAB067ACB7}" destId="{060E20E2-4756-4010-AC65-1D4B7949CDCD}" srcOrd="0" destOrd="0" presId="urn:microsoft.com/office/officeart/2005/8/layout/hList1"/>
+    <dgm:cxn modelId="{F6685798-3545-45FB-9F6F-1D16AC9E1CAC}" type="presParOf" srcId="{060E20E2-4756-4010-AC65-1D4B7949CDCD}" destId="{187EB1E8-CEE4-4E44-A25B-3825E467DCC5}" srcOrd="0" destOrd="0" presId="urn:microsoft.com/office/officeart/2005/8/layout/hList1"/>
+    <dgm:cxn modelId="{748B108D-61FC-4526-8A37-CF134D28AAC2}" type="presParOf" srcId="{060E20E2-4756-4010-AC65-1D4B7949CDCD}" destId="{EC8EB771-D13F-4A5B-A1B9-E028F676D24E}" srcOrd="1" destOrd="0" presId="urn:microsoft.com/office/officeart/2005/8/layout/hList1"/>
+    <dgm:cxn modelId="{A91AF285-5601-458D-9094-157C0572771A}" type="presParOf" srcId="{05C7FF7F-94CC-432E-91F4-89EAB067ACB7}" destId="{54A2E489-AA09-4C39-A11D-0CB44EAA23F2}" srcOrd="1" destOrd="0" presId="urn:microsoft.com/office/officeart/2005/8/layout/hList1"/>
+    <dgm:cxn modelId="{6273D911-88BF-492A-86BB-05CBF42AFEC4}" type="presParOf" srcId="{05C7FF7F-94CC-432E-91F4-89EAB067ACB7}" destId="{E9EE6DDA-3AA1-4447-8093-8A4DEDEDD355}" srcOrd="2" destOrd="0" presId="urn:microsoft.com/office/officeart/2005/8/layout/hList1"/>
+    <dgm:cxn modelId="{A22BA883-881D-43AF-ABD2-7704F39354EA}" type="presParOf" srcId="{E9EE6DDA-3AA1-4447-8093-8A4DEDEDD355}" destId="{48A24487-CCA9-42AE-8B37-11F3F18C73F4}" srcOrd="0" destOrd="0" presId="urn:microsoft.com/office/officeart/2005/8/layout/hList1"/>
+    <dgm:cxn modelId="{67FB1E11-9985-4F7A-95E9-B8B0A0018ED4}" type="presParOf" srcId="{E9EE6DDA-3AA1-4447-8093-8A4DEDEDD355}" destId="{FD244389-E5CA-48E5-82F4-8EA6078B6EE1}" srcOrd="1" destOrd="0" presId="urn:microsoft.com/office/officeart/2005/8/layout/hList1"/>
+    <dgm:cxn modelId="{F74CAB62-B2D2-4B88-BF76-674A1845D464}" type="presParOf" srcId="{05C7FF7F-94CC-432E-91F4-89EAB067ACB7}" destId="{0681C2CA-EC93-4AD4-8966-BB3912C519ED}" srcOrd="3" destOrd="0" presId="urn:microsoft.com/office/officeart/2005/8/layout/hList1"/>
+    <dgm:cxn modelId="{03399E45-8407-4B9B-917F-F15AC4B65ECB}" type="presParOf" srcId="{05C7FF7F-94CC-432E-91F4-89EAB067ACB7}" destId="{816E7C47-53DD-42EE-8D60-B538AD5F9CD5}" srcOrd="4" destOrd="0" presId="urn:microsoft.com/office/officeart/2005/8/layout/hList1"/>
+    <dgm:cxn modelId="{D41219B7-5A58-439F-AC84-7FDFD5BE3C7A}" type="presParOf" srcId="{816E7C47-53DD-42EE-8D60-B538AD5F9CD5}" destId="{37500AF0-62B4-402A-B52A-4AA409CE67EB}" srcOrd="0" destOrd="0" presId="urn:microsoft.com/office/officeart/2005/8/layout/hList1"/>
+    <dgm:cxn modelId="{C273ECA3-4415-4681-8CB6-2230072E7AA6}" type="presParOf" srcId="{816E7C47-53DD-42EE-8D60-B538AD5F9CD5}" destId="{9E722BEE-2767-47DE-A4AC-5AA7A9828E58}" srcOrd="1" destOrd="0" presId="urn:microsoft.com/office/officeart/2005/8/layout/hList1"/>
+    <dgm:cxn modelId="{6FF348C6-FBCC-477F-9C54-D46542B077A2}" type="presParOf" srcId="{05C7FF7F-94CC-432E-91F4-89EAB067ACB7}" destId="{A227C5DA-65BC-4074-93AE-B12EECD0C527}" srcOrd="5" destOrd="0" presId="urn:microsoft.com/office/officeart/2005/8/layout/hList1"/>
+    <dgm:cxn modelId="{345792AC-2BED-47DA-9294-CEE04BBA85BC}" type="presParOf" srcId="{05C7FF7F-94CC-432E-91F4-89EAB067ACB7}" destId="{99097884-CFF3-4B2B-821C-7839AA577412}" srcOrd="6" destOrd="0" presId="urn:microsoft.com/office/officeart/2005/8/layout/hList1"/>
+    <dgm:cxn modelId="{17E813FA-F719-4BEB-B806-66BB173F569E}" type="presParOf" srcId="{99097884-CFF3-4B2B-821C-7839AA577412}" destId="{3862C4B5-AACD-4347-8085-3F72601877B4}" srcOrd="0" destOrd="0" presId="urn:microsoft.com/office/officeart/2005/8/layout/hList1"/>
+    <dgm:cxn modelId="{643A7B39-531E-41A2-842F-6CA873CEA330}" type="presParOf" srcId="{99097884-CFF3-4B2B-821C-7839AA577412}" destId="{35A85B34-BE00-423B-BDEF-87219E928C35}" srcOrd="1" destOrd="0" presId="urn:microsoft.com/office/officeart/2005/8/layout/hList1"/>
+    <dgm:cxn modelId="{C7723E4E-8A46-4966-8967-3D5C7BA7A5C1}" type="presParOf" srcId="{05C7FF7F-94CC-432E-91F4-89EAB067ACB7}" destId="{A176F6BC-B5DA-498A-B121-2C9B6E663821}" srcOrd="7" destOrd="0" presId="urn:microsoft.com/office/officeart/2005/8/layout/hList1"/>
+    <dgm:cxn modelId="{CBE4E943-B0FB-4B53-85EC-6E9EE5D826B2}" type="presParOf" srcId="{05C7FF7F-94CC-432E-91F4-89EAB067ACB7}" destId="{D85AD417-029C-4E57-8740-7B2CD7157474}" srcOrd="8" destOrd="0" presId="urn:microsoft.com/office/officeart/2005/8/layout/hList1"/>
+    <dgm:cxn modelId="{E83FB12A-2CFB-42C9-BB68-BDC040695AD1}" type="presParOf" srcId="{D85AD417-029C-4E57-8740-7B2CD7157474}" destId="{839BA42A-3B80-4489-BE6A-A9D5C1FBAE01}" srcOrd="0" destOrd="0" presId="urn:microsoft.com/office/officeart/2005/8/layout/hList1"/>
+    <dgm:cxn modelId="{BE71C2C0-7DD0-41BC-BF8D-4D64086FEACD}" type="presParOf" srcId="{D85AD417-029C-4E57-8740-7B2CD7157474}" destId="{809477FF-A692-466C-8800-3CCD3C20CD13}" srcOrd="1" destOrd="0" presId="urn:microsoft.com/office/officeart/2005/8/layout/hList1"/>
+    <dgm:cxn modelId="{C0F8889F-9071-4E1F-AC4A-76CCA735C9DA}" type="presParOf" srcId="{05C7FF7F-94CC-432E-91F4-89EAB067ACB7}" destId="{C1349EB7-4C8C-45C8-A91B-1A5E55AF380B}" srcOrd="9" destOrd="0" presId="urn:microsoft.com/office/officeart/2005/8/layout/hList1"/>
+    <dgm:cxn modelId="{C035B462-A8A0-48DB-8EA5-8E44AC603455}" type="presParOf" srcId="{05C7FF7F-94CC-432E-91F4-89EAB067ACB7}" destId="{6E5D83B6-268A-45E4-9270-7D0C72FB4D31}" srcOrd="10" destOrd="0" presId="urn:microsoft.com/office/officeart/2005/8/layout/hList1"/>
+    <dgm:cxn modelId="{01A778BF-3DE6-417E-9ABE-87650FA99C91}" type="presParOf" srcId="{6E5D83B6-268A-45E4-9270-7D0C72FB4D31}" destId="{12970324-F5CC-407D-B127-D60C33DCEC0D}" srcOrd="0" destOrd="0" presId="urn:microsoft.com/office/officeart/2005/8/layout/hList1"/>
+    <dgm:cxn modelId="{C7B5F8D7-C231-4198-B79F-BE8F71B9C15F}" type="presParOf" srcId="{6E5D83B6-268A-45E4-9270-7D0C72FB4D31}" destId="{EF3A97DE-E918-456A-B35C-2949E6B14FB6}" srcOrd="1" destOrd="0" presId="urn:microsoft.com/office/officeart/2005/8/layout/hList1"/>
+  </dgm:cxnLst>
+  <dgm:bg/>
+  <dgm:whole/>
+  <dgm:extLst>
+    <a:ext uri="http://schemas.microsoft.com/office/drawing/2008/diagram">
+      <dsp:dataModelExt xmlns:dsp="http://schemas.microsoft.com/office/drawing/2008/diagram" relId="rId8" minVer="http://schemas.openxmlformats.org/drawingml/2006/diagram"/>
+    </a:ext>
+  </dgm:extLst>
+</dgm:dataModel>
+</file>
+
+<file path=ppt/diagrams/data3.xml><?xml version="1.0" encoding="utf-8"?>
+<dgm:dataModel xmlns:dgm="http://schemas.openxmlformats.org/drawingml/2006/diagram" xmlns:a="http://schemas.openxmlformats.org/drawingml/2006/main">
+  <dgm:ptLst>
+    <dgm:pt modelId="{5ACD8C15-1CA9-4F18-961A-D49625AEE1D8}" type="doc">
+      <dgm:prSet loTypeId="urn:microsoft.com/office/officeart/2005/8/layout/hList1" loCatId="list" qsTypeId="urn:microsoft.com/office/officeart/2005/8/quickstyle/simple1" qsCatId="simple" csTypeId="urn:microsoft.com/office/officeart/2005/8/colors/accent1_2" csCatId="accent1" phldr="1"/>
+      <dgm:spPr/>
+      <dgm:t>
+        <a:bodyPr/>
+        <a:lstStyle/>
+        <a:p>
+          <a:endParaRPr lang="es-ES"/>
+        </a:p>
+      </dgm:t>
+    </dgm:pt>
+    <dgm:pt modelId="{F70F1479-46E7-46A2-8EA8-B32715B35199}">
+      <dgm:prSet phldrT="[Texto]" custT="1"/>
+      <dgm:spPr/>
+      <dgm:t>
+        <a:bodyPr/>
+        <a:lstStyle/>
+        <a:p>
+          <a:r>
+            <a:rPr lang="es-ES" sz="4000" dirty="0" err="1"/>
             <a:t>kNN</a:t>
           </a:r>
           <a:endParaRPr lang="es-ES" sz="4000" dirty="0"/>
@@ -2699,10 +4767,9 @@
         <a:lstStyle/>
         <a:p>
           <a:r>
-            <a:rPr lang="es-ES" sz="4000" dirty="0" smtClean="0"/>
+            <a:rPr lang="es-ES" sz="4000" dirty="0"/>
             <a:t>SVC</a:t>
           </a:r>
-          <a:endParaRPr lang="es-ES" sz="4000" dirty="0"/>
         </a:p>
       </dgm:t>
     </dgm:pt>
@@ -2802,10 +4869,9 @@
         <a:lstStyle/>
         <a:p>
           <a:r>
-            <a:rPr lang="en-US" sz="2800" noProof="0" dirty="0" smtClean="0"/>
+            <a:rPr lang="en-US" sz="2800" noProof="0" dirty="0"/>
             <a:t>Decision tree</a:t>
           </a:r>
-          <a:endParaRPr lang="en-US" sz="2800" noProof="0" dirty="0"/>
         </a:p>
       </dgm:t>
     </dgm:pt>
@@ -2839,18 +4905,17 @@
         <a:lstStyle/>
         <a:p>
           <a:r>
-            <a:rPr lang="es-ES" dirty="0" smtClean="0"/>
+            <a:rPr lang="es-ES" dirty="0"/>
             <a:t>Max </a:t>
           </a:r>
           <a:r>
-            <a:rPr lang="es-ES" dirty="0" err="1" smtClean="0"/>
+            <a:rPr lang="es-ES" dirty="0" err="1"/>
             <a:t>depth</a:t>
           </a:r>
           <a:r>
-            <a:rPr lang="es-ES" dirty="0" smtClean="0"/>
+            <a:rPr lang="es-ES" dirty="0"/>
             <a:t>: 8</a:t>
           </a:r>
-          <a:endParaRPr lang="es-ES" dirty="0"/>
         </a:p>
       </dgm:t>
     </dgm:pt>
@@ -2917,7 +4982,7 @@
         <a:lstStyle/>
         <a:p>
           <a:r>
-            <a:rPr lang="es-ES" dirty="0" err="1" smtClean="0"/>
+            <a:rPr lang="es-ES" dirty="0" err="1"/>
             <a:t>Dsf</a:t>
           </a:r>
           <a:endParaRPr lang="es-ES" dirty="0"/>
@@ -2954,7 +5019,7 @@
         <a:lstStyle/>
         <a:p>
           <a:r>
-            <a:rPr lang="es-ES" dirty="0" err="1" smtClean="0"/>
+            <a:rPr lang="es-ES" dirty="0" err="1"/>
             <a:t>sdf</a:t>
           </a:r>
           <a:endParaRPr lang="es-ES" dirty="0"/>
@@ -2991,7 +5056,7 @@
         <a:lstStyle/>
         <a:p>
           <a:r>
-            <a:rPr lang="es-ES" dirty="0" err="1" smtClean="0"/>
+            <a:rPr lang="es-ES" dirty="0" err="1"/>
             <a:t>sdf</a:t>
           </a:r>
           <a:endParaRPr lang="es-ES" dirty="0"/>
@@ -3043,13 +5108,6 @@
         </dgm:presLayoutVars>
       </dgm:prSet>
       <dgm:spPr/>
-      <dgm:t>
-        <a:bodyPr/>
-        <a:lstStyle/>
-        <a:p>
-          <a:endParaRPr lang="es-ES"/>
-        </a:p>
-      </dgm:t>
     </dgm:pt>
     <dgm:pt modelId="{EC8EB771-D13F-4A5B-A1B9-E028F676D24E}" type="pres">
       <dgm:prSet presAssocID="{F70F1479-46E7-46A2-8EA8-B32715B35199}" presName="desTx" presStyleLbl="alignAccFollowNode1" presStyleIdx="0" presStyleCnt="5">
@@ -3076,13 +5134,6 @@
         </dgm:presLayoutVars>
       </dgm:prSet>
       <dgm:spPr/>
-      <dgm:t>
-        <a:bodyPr/>
-        <a:lstStyle/>
-        <a:p>
-          <a:endParaRPr lang="es-ES"/>
-        </a:p>
-      </dgm:t>
     </dgm:pt>
     <dgm:pt modelId="{FD244389-E5CA-48E5-82F4-8EA6078B6EE1}" type="pres">
       <dgm:prSet presAssocID="{4320553C-15EE-402E-B8F9-B0424A1B9132}" presName="desTx" presStyleLbl="alignAccFollowNode1" presStyleIdx="1" presStyleCnt="5">
@@ -3109,13 +5160,6 @@
         </dgm:presLayoutVars>
       </dgm:prSet>
       <dgm:spPr/>
-      <dgm:t>
-        <a:bodyPr/>
-        <a:lstStyle/>
-        <a:p>
-          <a:endParaRPr lang="es-ES"/>
-        </a:p>
-      </dgm:t>
     </dgm:pt>
     <dgm:pt modelId="{9E722BEE-2767-47DE-A4AC-5AA7A9828E58}" type="pres">
       <dgm:prSet presAssocID="{69FA6990-FA1F-4446-9505-DBFA6EB663BB}" presName="desTx" presStyleLbl="alignAccFollowNode1" presStyleIdx="2" presStyleCnt="5">
@@ -3124,13 +5168,6 @@
         </dgm:presLayoutVars>
       </dgm:prSet>
       <dgm:spPr/>
-      <dgm:t>
-        <a:bodyPr/>
-        <a:lstStyle/>
-        <a:p>
-          <a:endParaRPr lang="es-ES"/>
-        </a:p>
-      </dgm:t>
     </dgm:pt>
     <dgm:pt modelId="{A227C5DA-65BC-4074-93AE-B12EECD0C527}" type="pres">
       <dgm:prSet presAssocID="{34C738E0-D8C3-4847-9307-65D09DC73641}" presName="space" presStyleCnt="0"/>
@@ -3186,31 +5223,31 @@
     </dgm:pt>
   </dgm:ptLst>
   <dgm:cxnLst>
+    <dgm:cxn modelId="{5E38EF00-A2C1-4514-A10B-E304AA67123B}" srcId="{5ACD8C15-1CA9-4F18-961A-D49625AEE1D8}" destId="{7D1BA4E6-C536-4034-8FCC-3EC6F75EB188}" srcOrd="3" destOrd="0" parTransId="{855ED1A7-BB69-428A-B8BF-A56F28BE8EA3}" sibTransId="{70A3033F-9F1E-48EE-984C-C206849BF25D}"/>
     <dgm:cxn modelId="{CCA9D81C-6E1C-4A61-A477-3FAC5B86B077}" type="presOf" srcId="{C7668878-9709-4ADE-847D-5C8EE4A23F1E}" destId="{9E722BEE-2767-47DE-A4AC-5AA7A9828E58}" srcOrd="0" destOrd="1" presId="urn:microsoft.com/office/officeart/2005/8/layout/hList1"/>
+    <dgm:cxn modelId="{C6E23728-D285-4A3F-B614-533591E3EABF}" type="presOf" srcId="{E9D20F9E-D222-4795-A190-D2F00A0FAC53}" destId="{EC8EB771-D13F-4A5B-A1B9-E028F676D24E}" srcOrd="0" destOrd="0" presId="urn:microsoft.com/office/officeart/2005/8/layout/hList1"/>
+    <dgm:cxn modelId="{162E8B37-A646-4664-AA76-929E2A403455}" srcId="{7D1BA4E6-C536-4034-8FCC-3EC6F75EB188}" destId="{E38F8BB8-A4A0-4637-8999-967ECEDD0A94}" srcOrd="0" destOrd="0" parTransId="{C8921111-054F-4EE8-A21F-6B5A27BF1F26}" sibTransId="{CD5CB240-0CA3-40FD-A5B0-9683A1E7094E}"/>
+    <dgm:cxn modelId="{B3301939-75FE-48F5-B289-D9B5BFF231EC}" type="presOf" srcId="{337980C1-4B87-4C08-8461-1A84F77BBE49}" destId="{839BA42A-3B80-4489-BE6A-A9D5C1FBAE01}" srcOrd="0" destOrd="0" presId="urn:microsoft.com/office/officeart/2005/8/layout/hList1"/>
+    <dgm:cxn modelId="{208EEA3B-F896-453F-9AEC-643B83634D9D}" type="presOf" srcId="{F70F1479-46E7-46A2-8EA8-B32715B35199}" destId="{187EB1E8-CEE4-4E44-A25B-3825E467DCC5}" srcOrd="0" destOrd="0" presId="urn:microsoft.com/office/officeart/2005/8/layout/hList1"/>
     <dgm:cxn modelId="{3E984860-8637-4C2B-8292-D22846304217}" type="presOf" srcId="{8D8E10ED-27E1-443D-9CBC-F4A9136FE05F}" destId="{FD244389-E5CA-48E5-82F4-8EA6078B6EE1}" srcOrd="0" destOrd="1" presId="urn:microsoft.com/office/officeart/2005/8/layout/hList1"/>
+    <dgm:cxn modelId="{B041E743-1F9D-498C-A9C2-46099B86E008}" srcId="{5ACD8C15-1CA9-4F18-961A-D49625AEE1D8}" destId="{69FA6990-FA1F-4446-9505-DBFA6EB663BB}" srcOrd="2" destOrd="0" parTransId="{DF599A7C-303A-4360-BD3F-149F3E9BA725}" sibTransId="{34C738E0-D8C3-4847-9307-65D09DC73641}"/>
+    <dgm:cxn modelId="{08488B47-014F-4F8B-AAA8-9F19AB24BE7C}" type="presOf" srcId="{5ACD8C15-1CA9-4F18-961A-D49625AEE1D8}" destId="{05C7FF7F-94CC-432E-91F4-89EAB067ACB7}" srcOrd="0" destOrd="0" presId="urn:microsoft.com/office/officeart/2005/8/layout/hList1"/>
+    <dgm:cxn modelId="{4622926B-CAAB-4698-A3E6-88667501AB41}" srcId="{5ACD8C15-1CA9-4F18-961A-D49625AEE1D8}" destId="{F70F1479-46E7-46A2-8EA8-B32715B35199}" srcOrd="0" destOrd="0" parTransId="{27EADE89-2393-4625-A943-997F86CCCA34}" sibTransId="{C74D4E5F-E137-4E74-8921-FF9ECE7F6DAE}"/>
+    <dgm:cxn modelId="{09010451-01A2-4088-A57A-A63F70EB35E6}" type="presOf" srcId="{4320553C-15EE-402E-B8F9-B0424A1B9132}" destId="{48A24487-CCA9-42AE-8B37-11F3F18C73F4}" srcOrd="0" destOrd="0" presId="urn:microsoft.com/office/officeart/2005/8/layout/hList1"/>
+    <dgm:cxn modelId="{0BE55252-4B14-4805-8B71-88744A1ED6E7}" srcId="{4320553C-15EE-402E-B8F9-B0424A1B9132}" destId="{212400FF-FCBB-43AB-A9BD-2F03A7D14468}" srcOrd="0" destOrd="0" parTransId="{9FE5EB59-1EB2-402A-88E1-40F1B16C3A9A}" sibTransId="{964461FD-6176-4CDE-B773-ECEA10D1D9DE}"/>
+    <dgm:cxn modelId="{8BBEA552-5044-4ACC-AB48-A6A140BF3E5F}" srcId="{69FA6990-FA1F-4446-9505-DBFA6EB663BB}" destId="{48867968-15C8-4959-B078-7FE0D1FE2672}" srcOrd="0" destOrd="0" parTransId="{9DF532FF-115F-4603-8874-D54F258E3309}" sibTransId="{BB5616D7-6930-4053-8CDE-94BE81AA2556}"/>
+    <dgm:cxn modelId="{FF12A173-FBDF-4678-B703-9C37620C8091}" srcId="{F70F1479-46E7-46A2-8EA8-B32715B35199}" destId="{E9D20F9E-D222-4795-A190-D2F00A0FAC53}" srcOrd="0" destOrd="0" parTransId="{9E33768E-1866-499F-A67D-8F303E46CCB2}" sibTransId="{3A5206F0-C1C3-464A-9CC5-76EC85326E6A}"/>
+    <dgm:cxn modelId="{22313957-E91C-495B-9CE8-8086319C536F}" srcId="{5ACD8C15-1CA9-4F18-961A-D49625AEE1D8}" destId="{337980C1-4B87-4C08-8461-1A84F77BBE49}" srcOrd="4" destOrd="0" parTransId="{F4BFEFCF-F77E-42AC-AA69-10F088D6EFD5}" sibTransId="{014835D6-B4A3-4C48-B44E-042F2F2202EB}"/>
+    <dgm:cxn modelId="{E62D5E5A-26DB-4A13-89CD-61E250DB2F5A}" type="presOf" srcId="{AFE928B2-3997-480E-9113-A41595E9D428}" destId="{EC8EB771-D13F-4A5B-A1B9-E028F676D24E}" srcOrd="0" destOrd="1" presId="urn:microsoft.com/office/officeart/2005/8/layout/hList1"/>
+    <dgm:cxn modelId="{28A52B7D-F329-43E8-8D4C-42C930A27F16}" srcId="{4320553C-15EE-402E-B8F9-B0424A1B9132}" destId="{8D8E10ED-27E1-443D-9CBC-F4A9136FE05F}" srcOrd="1" destOrd="0" parTransId="{66A9C6AF-3B57-4283-AA6A-2E07C876C7DE}" sibTransId="{926839CE-B7BE-403A-A24C-071A2A988F74}"/>
+    <dgm:cxn modelId="{38D22B9F-989A-414F-94A6-43FFED07F515}" type="presOf" srcId="{48867968-15C8-4959-B078-7FE0D1FE2672}" destId="{9E722BEE-2767-47DE-A4AC-5AA7A9828E58}" srcOrd="0" destOrd="0" presId="urn:microsoft.com/office/officeart/2005/8/layout/hList1"/>
+    <dgm:cxn modelId="{700C45AC-4B48-4A99-BD5D-4B77F2D541A1}" type="presOf" srcId="{7D1BA4E6-C536-4034-8FCC-3EC6F75EB188}" destId="{3862C4B5-AACD-4347-8085-3F72601877B4}" srcOrd="0" destOrd="0" presId="urn:microsoft.com/office/officeart/2005/8/layout/hList1"/>
+    <dgm:cxn modelId="{0AC08AB3-0674-4D07-897B-0C37B52DD38A}" srcId="{5ACD8C15-1CA9-4F18-961A-D49625AEE1D8}" destId="{4320553C-15EE-402E-B8F9-B0424A1B9132}" srcOrd="1" destOrd="0" parTransId="{35EC1B68-3146-48FB-83DC-23790CAEE0E2}" sibTransId="{FE0D4C28-B866-4282-81E0-76C1FE5FA3E1}"/>
+    <dgm:cxn modelId="{A0C126BA-1808-47B1-9625-3930A7474121}" type="presOf" srcId="{212400FF-FCBB-43AB-A9BD-2F03A7D14468}" destId="{FD244389-E5CA-48E5-82F4-8EA6078B6EE1}" srcOrd="0" destOrd="0" presId="urn:microsoft.com/office/officeart/2005/8/layout/hList1"/>
     <dgm:cxn modelId="{65762EBF-3062-4400-92E1-07371D78B76D}" type="presOf" srcId="{E38F8BB8-A4A0-4637-8999-967ECEDD0A94}" destId="{35A85B34-BE00-423B-BDEF-87219E928C35}" srcOrd="0" destOrd="0" presId="urn:microsoft.com/office/officeart/2005/8/layout/hList1"/>
+    <dgm:cxn modelId="{6912EFDA-089E-4C00-9E60-17CA9B3B9562}" srcId="{F70F1479-46E7-46A2-8EA8-B32715B35199}" destId="{AFE928B2-3997-480E-9113-A41595E9D428}" srcOrd="1" destOrd="0" parTransId="{D448F505-B71D-4F1B-AEDA-D33D1996285D}" sibTransId="{95C32B50-66DD-4A26-BDFE-0A7A2A83E21B}"/>
     <dgm:cxn modelId="{C226D3E9-A20E-4580-B934-B10BDA097E1D}" type="presOf" srcId="{69FA6990-FA1F-4446-9505-DBFA6EB663BB}" destId="{37500AF0-62B4-402A-B52A-4AA409CE67EB}" srcOrd="0" destOrd="0" presId="urn:microsoft.com/office/officeart/2005/8/layout/hList1"/>
-    <dgm:cxn modelId="{C6E23728-D285-4A3F-B614-533591E3EABF}" type="presOf" srcId="{E9D20F9E-D222-4795-A190-D2F00A0FAC53}" destId="{EC8EB771-D13F-4A5B-A1B9-E028F676D24E}" srcOrd="0" destOrd="0" presId="urn:microsoft.com/office/officeart/2005/8/layout/hList1"/>
-    <dgm:cxn modelId="{B3301939-75FE-48F5-B289-D9B5BFF231EC}" type="presOf" srcId="{337980C1-4B87-4C08-8461-1A84F77BBE49}" destId="{839BA42A-3B80-4489-BE6A-A9D5C1FBAE01}" srcOrd="0" destOrd="0" presId="urn:microsoft.com/office/officeart/2005/8/layout/hList1"/>
-    <dgm:cxn modelId="{FF12A173-FBDF-4678-B703-9C37620C8091}" srcId="{F70F1479-46E7-46A2-8EA8-B32715B35199}" destId="{E9D20F9E-D222-4795-A190-D2F00A0FAC53}" srcOrd="0" destOrd="0" parTransId="{9E33768E-1866-499F-A67D-8F303E46CCB2}" sibTransId="{3A5206F0-C1C3-464A-9CC5-76EC85326E6A}"/>
-    <dgm:cxn modelId="{700C45AC-4B48-4A99-BD5D-4B77F2D541A1}" type="presOf" srcId="{7D1BA4E6-C536-4034-8FCC-3EC6F75EB188}" destId="{3862C4B5-AACD-4347-8085-3F72601877B4}" srcOrd="0" destOrd="0" presId="urn:microsoft.com/office/officeart/2005/8/layout/hList1"/>
-    <dgm:cxn modelId="{6912EFDA-089E-4C00-9E60-17CA9B3B9562}" srcId="{F70F1479-46E7-46A2-8EA8-B32715B35199}" destId="{AFE928B2-3997-480E-9113-A41595E9D428}" srcOrd="1" destOrd="0" parTransId="{D448F505-B71D-4F1B-AEDA-D33D1996285D}" sibTransId="{95C32B50-66DD-4A26-BDFE-0A7A2A83E21B}"/>
-    <dgm:cxn modelId="{B041E743-1F9D-498C-A9C2-46099B86E008}" srcId="{5ACD8C15-1CA9-4F18-961A-D49625AEE1D8}" destId="{69FA6990-FA1F-4446-9505-DBFA6EB663BB}" srcOrd="2" destOrd="0" parTransId="{DF599A7C-303A-4360-BD3F-149F3E9BA725}" sibTransId="{34C738E0-D8C3-4847-9307-65D09DC73641}"/>
-    <dgm:cxn modelId="{0AC08AB3-0674-4D07-897B-0C37B52DD38A}" srcId="{5ACD8C15-1CA9-4F18-961A-D49625AEE1D8}" destId="{4320553C-15EE-402E-B8F9-B0424A1B9132}" srcOrd="1" destOrd="0" parTransId="{35EC1B68-3146-48FB-83DC-23790CAEE0E2}" sibTransId="{FE0D4C28-B866-4282-81E0-76C1FE5FA3E1}"/>
-    <dgm:cxn modelId="{28A52B7D-F329-43E8-8D4C-42C930A27F16}" srcId="{4320553C-15EE-402E-B8F9-B0424A1B9132}" destId="{8D8E10ED-27E1-443D-9CBC-F4A9136FE05F}" srcOrd="1" destOrd="0" parTransId="{66A9C6AF-3B57-4283-AA6A-2E07C876C7DE}" sibTransId="{926839CE-B7BE-403A-A24C-071A2A988F74}"/>
-    <dgm:cxn modelId="{0BE55252-4B14-4805-8B71-88744A1ED6E7}" srcId="{4320553C-15EE-402E-B8F9-B0424A1B9132}" destId="{212400FF-FCBB-43AB-A9BD-2F03A7D14468}" srcOrd="0" destOrd="0" parTransId="{9FE5EB59-1EB2-402A-88E1-40F1B16C3A9A}" sibTransId="{964461FD-6176-4CDE-B773-ECEA10D1D9DE}"/>
-    <dgm:cxn modelId="{A0C126BA-1808-47B1-9625-3930A7474121}" type="presOf" srcId="{212400FF-FCBB-43AB-A9BD-2F03A7D14468}" destId="{FD244389-E5CA-48E5-82F4-8EA6078B6EE1}" srcOrd="0" destOrd="0" presId="urn:microsoft.com/office/officeart/2005/8/layout/hList1"/>
     <dgm:cxn modelId="{85B82CF4-BC29-4AA6-8EBF-064913695DFF}" srcId="{69FA6990-FA1F-4446-9505-DBFA6EB663BB}" destId="{C7668878-9709-4ADE-847D-5C8EE4A23F1E}" srcOrd="1" destOrd="0" parTransId="{8ABBD1AE-E75A-49E8-B864-BCD13D99E095}" sibTransId="{1B415609-757E-48FB-A0B0-FDE13A5CAE19}"/>
-    <dgm:cxn modelId="{4622926B-CAAB-4698-A3E6-88667501AB41}" srcId="{5ACD8C15-1CA9-4F18-961A-D49625AEE1D8}" destId="{F70F1479-46E7-46A2-8EA8-B32715B35199}" srcOrd="0" destOrd="0" parTransId="{27EADE89-2393-4625-A943-997F86CCCA34}" sibTransId="{C74D4E5F-E137-4E74-8921-FF9ECE7F6DAE}"/>
-    <dgm:cxn modelId="{22313957-E91C-495B-9CE8-8086319C536F}" srcId="{5ACD8C15-1CA9-4F18-961A-D49625AEE1D8}" destId="{337980C1-4B87-4C08-8461-1A84F77BBE49}" srcOrd="4" destOrd="0" parTransId="{F4BFEFCF-F77E-42AC-AA69-10F088D6EFD5}" sibTransId="{014835D6-B4A3-4C48-B44E-042F2F2202EB}"/>
-    <dgm:cxn modelId="{8BBEA552-5044-4ACC-AB48-A6A140BF3E5F}" srcId="{69FA6990-FA1F-4446-9505-DBFA6EB663BB}" destId="{48867968-15C8-4959-B078-7FE0D1FE2672}" srcOrd="0" destOrd="0" parTransId="{9DF532FF-115F-4603-8874-D54F258E3309}" sibTransId="{BB5616D7-6930-4053-8CDE-94BE81AA2556}"/>
-    <dgm:cxn modelId="{208EEA3B-F896-453F-9AEC-643B83634D9D}" type="presOf" srcId="{F70F1479-46E7-46A2-8EA8-B32715B35199}" destId="{187EB1E8-CEE4-4E44-A25B-3825E467DCC5}" srcOrd="0" destOrd="0" presId="urn:microsoft.com/office/officeart/2005/8/layout/hList1"/>
-    <dgm:cxn modelId="{08488B47-014F-4F8B-AAA8-9F19AB24BE7C}" type="presOf" srcId="{5ACD8C15-1CA9-4F18-961A-D49625AEE1D8}" destId="{05C7FF7F-94CC-432E-91F4-89EAB067ACB7}" srcOrd="0" destOrd="0" presId="urn:microsoft.com/office/officeart/2005/8/layout/hList1"/>
-    <dgm:cxn modelId="{162E8B37-A646-4664-AA76-929E2A403455}" srcId="{7D1BA4E6-C536-4034-8FCC-3EC6F75EB188}" destId="{E38F8BB8-A4A0-4637-8999-967ECEDD0A94}" srcOrd="0" destOrd="0" parTransId="{C8921111-054F-4EE8-A21F-6B5A27BF1F26}" sibTransId="{CD5CB240-0CA3-40FD-A5B0-9683A1E7094E}"/>
-    <dgm:cxn modelId="{5E38EF00-A2C1-4514-A10B-E304AA67123B}" srcId="{5ACD8C15-1CA9-4F18-961A-D49625AEE1D8}" destId="{7D1BA4E6-C536-4034-8FCC-3EC6F75EB188}" srcOrd="3" destOrd="0" parTransId="{855ED1A7-BB69-428A-B8BF-A56F28BE8EA3}" sibTransId="{70A3033F-9F1E-48EE-984C-C206849BF25D}"/>
-    <dgm:cxn modelId="{38D22B9F-989A-414F-94A6-43FFED07F515}" type="presOf" srcId="{48867968-15C8-4959-B078-7FE0D1FE2672}" destId="{9E722BEE-2767-47DE-A4AC-5AA7A9828E58}" srcOrd="0" destOrd="0" presId="urn:microsoft.com/office/officeart/2005/8/layout/hList1"/>
-    <dgm:cxn modelId="{09010451-01A2-4088-A57A-A63F70EB35E6}" type="presOf" srcId="{4320553C-15EE-402E-B8F9-B0424A1B9132}" destId="{48A24487-CCA9-42AE-8B37-11F3F18C73F4}" srcOrd="0" destOrd="0" presId="urn:microsoft.com/office/officeart/2005/8/layout/hList1"/>
-    <dgm:cxn modelId="{E62D5E5A-26DB-4A13-89CD-61E250DB2F5A}" type="presOf" srcId="{AFE928B2-3997-480E-9113-A41595E9D428}" destId="{EC8EB771-D13F-4A5B-A1B9-E028F676D24E}" srcOrd="0" destOrd="1" presId="urn:microsoft.com/office/officeart/2005/8/layout/hList1"/>
     <dgm:cxn modelId="{F5CC77F6-085C-4C19-A5ED-886DB1A0BD83}" type="presParOf" srcId="{05C7FF7F-94CC-432E-91F4-89EAB067ACB7}" destId="{060E20E2-4756-4010-AC65-1D4B7949CDCD}" srcOrd="0" destOrd="0" presId="urn:microsoft.com/office/officeart/2005/8/layout/hList1"/>
     <dgm:cxn modelId="{F6685798-3545-45FB-9F6F-1D16AC9E1CAC}" type="presParOf" srcId="{060E20E2-4756-4010-AC65-1D4B7949CDCD}" destId="{187EB1E8-CEE4-4E44-A25B-3825E467DCC5}" srcOrd="0" destOrd="0" presId="urn:microsoft.com/office/officeart/2005/8/layout/hList1"/>
     <dgm:cxn modelId="{748B108D-61FC-4526-8A37-CF134D28AAC2}" type="presParOf" srcId="{060E20E2-4756-4010-AC65-1D4B7949CDCD}" destId="{EC8EB771-D13F-4A5B-A1B9-E028F676D24E}" srcOrd="1" destOrd="0" presId="urn:microsoft.com/office/officeart/2005/8/layout/hList1"/>
@@ -3309,7 +5346,7 @@
                 <a14:useLocalDpi xmlns:a14="http://schemas.microsoft.com/office/drawing/2010/main" val="0"/>
               </a:ext>
               <a:ext uri="{96DAC541-7B7A-43D3-8B79-37D633B846F1}">
-                <asvg:svgBlip xmlns="" xmlns:asvg="http://schemas.microsoft.com/office/drawing/2016/SVG/main" r:embed="rId2"/>
+                <asvg:svgBlip xmlns:asvg="http://schemas.microsoft.com/office/drawing/2016/SVG/main" r:embed="rId2"/>
               </a:ext>
             </a:extLst>
           </a:blip>
@@ -3375,7 +5412,7 @@
         </a:bodyPr>
         <a:lstStyle/>
         <a:p>
-          <a:pPr lvl="0" algn="just" defTabSz="711200">
+          <a:pPr marL="0" lvl="0" indent="0" algn="just" defTabSz="711200">
             <a:lnSpc>
               <a:spcPct val="100000"/>
             </a:lnSpc>
@@ -3385,6 +5422,7 @@
             <a:spcAft>
               <a:spcPct val="35000"/>
             </a:spcAft>
+            <a:buNone/>
           </a:pPr>
           <a:r>
             <a:rPr lang="en-US" sz="1600" kern="1200" dirty="0"/>
@@ -3457,7 +5495,7 @@
                 <a14:useLocalDpi xmlns:a14="http://schemas.microsoft.com/office/drawing/2010/main" val="0"/>
               </a:ext>
               <a:ext uri="{96DAC541-7B7A-43D3-8B79-37D633B846F1}">
-                <asvg:svgBlip xmlns="" xmlns:asvg="http://schemas.microsoft.com/office/drawing/2016/SVG/main" r:embed="rId4"/>
+                <asvg:svgBlip xmlns:asvg="http://schemas.microsoft.com/office/drawing/2016/SVG/main" r:embed="rId4"/>
               </a:ext>
             </a:extLst>
           </a:blip>
@@ -3524,7 +5562,7 @@
         </a:bodyPr>
         <a:lstStyle/>
         <a:p>
-          <a:pPr lvl="0" algn="just" defTabSz="711200">
+          <a:pPr marL="0" lvl="0" indent="0" algn="just" defTabSz="711200">
             <a:lnSpc>
               <a:spcPct val="100000"/>
             </a:lnSpc>
@@ -3534,6 +5572,7 @@
             <a:spcAft>
               <a:spcPct val="35000"/>
             </a:spcAft>
+            <a:buNone/>
           </a:pPr>
           <a:r>
             <a:rPr lang="en-US" sz="1600" kern="1200" dirty="0"/>
@@ -3606,7 +5645,7 @@
                 <a14:useLocalDpi xmlns:a14="http://schemas.microsoft.com/office/drawing/2010/main" val="0"/>
               </a:ext>
               <a:ext uri="{96DAC541-7B7A-43D3-8B79-37D633B846F1}">
-                <asvg:svgBlip xmlns="" xmlns:asvg="http://schemas.microsoft.com/office/drawing/2016/SVG/main" r:embed="rId6"/>
+                <asvg:svgBlip xmlns:asvg="http://schemas.microsoft.com/office/drawing/2016/SVG/main" r:embed="rId6"/>
               </a:ext>
             </a:extLst>
           </a:blip>
@@ -3673,7 +5712,7 @@
         </a:bodyPr>
         <a:lstStyle/>
         <a:p>
-          <a:pPr lvl="0" algn="just" defTabSz="711200">
+          <a:pPr marL="0" lvl="0" indent="0" algn="just" defTabSz="711200">
             <a:lnSpc>
               <a:spcPct val="100000"/>
             </a:lnSpc>
@@ -3683,6 +5722,7 @@
             <a:spcAft>
               <a:spcPct val="35000"/>
             </a:spcAft>
+            <a:buNone/>
           </a:pPr>
           <a:r>
             <a:rPr lang="en-US" sz="1600" kern="1200" dirty="0"/>
@@ -3755,7 +5795,7 @@
                 <a14:useLocalDpi xmlns:a14="http://schemas.microsoft.com/office/drawing/2010/main" val="0"/>
               </a:ext>
               <a:ext uri="{96DAC541-7B7A-43D3-8B79-37D633B846F1}">
-                <asvg:svgBlip xmlns="" xmlns:asvg="http://schemas.microsoft.com/office/drawing/2016/SVG/main" r:embed="rId8"/>
+                <asvg:svgBlip xmlns:asvg="http://schemas.microsoft.com/office/drawing/2016/SVG/main" r:embed="rId8"/>
               </a:ext>
             </a:extLst>
           </a:blip>
@@ -3822,7 +5862,7 @@
         </a:bodyPr>
         <a:lstStyle/>
         <a:p>
-          <a:pPr lvl="0" algn="just" defTabSz="711200">
+          <a:pPr marL="0" lvl="0" indent="0" algn="just" defTabSz="711200">
             <a:lnSpc>
               <a:spcPct val="100000"/>
             </a:lnSpc>
@@ -3832,6 +5872,7 @@
             <a:spcAft>
               <a:spcPct val="35000"/>
             </a:spcAft>
+            <a:buNone/>
           </a:pPr>
           <a:r>
             <a:rPr lang="en-US" sz="1600" kern="1200" dirty="0"/>
@@ -3904,7 +5945,7 @@
                 <a14:useLocalDpi xmlns:a14="http://schemas.microsoft.com/office/drawing/2010/main" val="0"/>
               </a:ext>
               <a:ext uri="{96DAC541-7B7A-43D3-8B79-37D633B846F1}">
-                <asvg:svgBlip xmlns="" xmlns:asvg="http://schemas.microsoft.com/office/drawing/2016/SVG/main" r:embed="rId10"/>
+                <asvg:svgBlip xmlns:asvg="http://schemas.microsoft.com/office/drawing/2016/SVG/main" r:embed="rId10"/>
               </a:ext>
             </a:extLst>
           </a:blip>
@@ -3971,7 +6012,7 @@
         </a:bodyPr>
         <a:lstStyle/>
         <a:p>
-          <a:pPr lvl="0" algn="just" defTabSz="711200">
+          <a:pPr marL="0" lvl="0" indent="0" algn="just" defTabSz="711200">
             <a:lnSpc>
               <a:spcPct val="100000"/>
             </a:lnSpc>
@@ -3981,6 +6022,7 @@
             <a:spcAft>
               <a:spcPct val="35000"/>
             </a:spcAft>
+            <a:buNone/>
           </a:pPr>
           <a:r>
             <a:rPr lang="en-US" sz="1600" kern="1200" dirty="0"/>
@@ -4053,7 +6095,7 @@
                 <a14:useLocalDpi xmlns:a14="http://schemas.microsoft.com/office/drawing/2010/main" val="0"/>
               </a:ext>
               <a:ext uri="{96DAC541-7B7A-43D3-8B79-37D633B846F1}">
-                <asvg:svgBlip xmlns="" xmlns:asvg="http://schemas.microsoft.com/office/drawing/2016/SVG/main" r:embed="rId12"/>
+                <asvg:svgBlip xmlns:asvg="http://schemas.microsoft.com/office/drawing/2016/SVG/main" r:embed="rId12"/>
               </a:ext>
             </a:extLst>
           </a:blip>
@@ -4120,7 +6162,7 @@
         </a:bodyPr>
         <a:lstStyle/>
         <a:p>
-          <a:pPr lvl="0" algn="just" defTabSz="711200">
+          <a:pPr marL="0" lvl="0" indent="0" algn="just" defTabSz="711200">
             <a:lnSpc>
               <a:spcPct val="100000"/>
             </a:lnSpc>
@@ -4130,6 +6172,7 @@
             <a:spcAft>
               <a:spcPct val="35000"/>
             </a:spcAft>
+            <a:buNone/>
           </a:pPr>
           <a:r>
             <a:rPr lang="en-US" sz="1600" kern="1200" dirty="0"/>
@@ -4202,7 +6245,7 @@
                 <a14:useLocalDpi xmlns:a14="http://schemas.microsoft.com/office/drawing/2010/main" val="0"/>
               </a:ext>
               <a:ext uri="{96DAC541-7B7A-43D3-8B79-37D633B846F1}">
-                <asvg:svgBlip xmlns="" xmlns:asvg="http://schemas.microsoft.com/office/drawing/2016/SVG/main" r:embed="rId14"/>
+                <asvg:svgBlip xmlns:asvg="http://schemas.microsoft.com/office/drawing/2016/SVG/main" r:embed="rId14"/>
               </a:ext>
             </a:extLst>
           </a:blip>
@@ -4269,7 +6312,7 @@
         </a:bodyPr>
         <a:lstStyle/>
         <a:p>
-          <a:pPr lvl="0" algn="just" defTabSz="711200">
+          <a:pPr marL="0" lvl="0" indent="0" algn="just" defTabSz="711200">
             <a:lnSpc>
               <a:spcPct val="100000"/>
             </a:lnSpc>
@@ -4279,6 +6322,7 @@
             <a:spcAft>
               <a:spcPct val="35000"/>
             </a:spcAft>
+            <a:buNone/>
           </a:pPr>
           <a:r>
             <a:rPr lang="en-US" sz="1600" kern="1200" dirty="0"/>
@@ -4296,6 +6340,1384 @@
 </file>
 
 <file path=ppt/diagrams/drawing2.xml><?xml version="1.0" encoding="utf-8"?>
+<dsp:drawing xmlns:dgm="http://schemas.openxmlformats.org/drawingml/2006/diagram" xmlns:dsp="http://schemas.microsoft.com/office/drawing/2008/diagram" xmlns:a="http://schemas.openxmlformats.org/drawingml/2006/main">
+  <dsp:spTree>
+    <dsp:nvGrpSpPr>
+      <dsp:cNvPr id="0" name=""/>
+      <dsp:cNvGrpSpPr/>
+    </dsp:nvGrpSpPr>
+    <dsp:grpSpPr/>
+    <dsp:sp modelId="{187EB1E8-CEE4-4E44-A25B-3825E467DCC5}">
+      <dsp:nvSpPr>
+        <dsp:cNvPr id="0" name=""/>
+        <dsp:cNvSpPr/>
+      </dsp:nvSpPr>
+      <dsp:spPr>
+        <a:xfrm>
+          <a:off x="6615" y="0"/>
+          <a:ext cx="1758458" cy="1008840"/>
+        </a:xfrm>
+        <a:prstGeom prst="rect">
+          <a:avLst/>
+        </a:prstGeom>
+        <a:solidFill>
+          <a:schemeClr val="accent1">
+            <a:hueOff val="0"/>
+            <a:satOff val="0"/>
+            <a:lumOff val="0"/>
+            <a:alphaOff val="0"/>
+          </a:schemeClr>
+        </a:solidFill>
+        <a:ln w="15875" cap="rnd" cmpd="sng" algn="ctr">
+          <a:solidFill>
+            <a:schemeClr val="accent1">
+              <a:hueOff val="0"/>
+              <a:satOff val="0"/>
+              <a:lumOff val="0"/>
+              <a:alphaOff val="0"/>
+            </a:schemeClr>
+          </a:solidFill>
+          <a:prstDash val="solid"/>
+        </a:ln>
+        <a:effectLst/>
+      </dsp:spPr>
+      <dsp:style>
+        <a:lnRef idx="2">
+          <a:scrgbClr r="0" g="0" b="0"/>
+        </a:lnRef>
+        <a:fillRef idx="1">
+          <a:scrgbClr r="0" g="0" b="0"/>
+        </a:fillRef>
+        <a:effectRef idx="0">
+          <a:scrgbClr r="0" g="0" b="0"/>
+        </a:effectRef>
+        <a:fontRef idx="minor">
+          <a:schemeClr val="lt1"/>
+        </a:fontRef>
+      </dsp:style>
+      <dsp:txBody>
+        <a:bodyPr spcFirstLastPara="0" vert="horz" wrap="square" lIns="284480" tIns="162560" rIns="284480" bIns="162560" numCol="1" spcCol="1270" anchor="ctr" anchorCtr="0">
+          <a:noAutofit/>
+        </a:bodyPr>
+        <a:lstStyle/>
+        <a:p>
+          <a:pPr marL="0" lvl="0" indent="0" algn="ctr" defTabSz="1778000">
+            <a:lnSpc>
+              <a:spcPct val="90000"/>
+            </a:lnSpc>
+            <a:spcBef>
+              <a:spcPct val="0"/>
+            </a:spcBef>
+            <a:spcAft>
+              <a:spcPct val="35000"/>
+            </a:spcAft>
+            <a:buNone/>
+          </a:pPr>
+          <a:r>
+            <a:rPr lang="es-ES" sz="4000" kern="1200" dirty="0"/>
+            <a:t>SVC</a:t>
+          </a:r>
+        </a:p>
+      </dsp:txBody>
+      <dsp:txXfrm>
+        <a:off x="6615" y="0"/>
+        <a:ext cx="1758458" cy="1008840"/>
+      </dsp:txXfrm>
+    </dsp:sp>
+    <dsp:sp modelId="{EC8EB771-D13F-4A5B-A1B9-E028F676D24E}">
+      <dsp:nvSpPr>
+        <dsp:cNvPr id="0" name=""/>
+        <dsp:cNvSpPr/>
+      </dsp:nvSpPr>
+      <dsp:spPr>
+        <a:xfrm>
+          <a:off x="26644" y="1112829"/>
+          <a:ext cx="1758458" cy="2176605"/>
+        </a:xfrm>
+        <a:prstGeom prst="rect">
+          <a:avLst/>
+        </a:prstGeom>
+        <a:solidFill>
+          <a:schemeClr val="accent1">
+            <a:alpha val="90000"/>
+            <a:tint val="40000"/>
+            <a:hueOff val="0"/>
+            <a:satOff val="0"/>
+            <a:lumOff val="0"/>
+            <a:alphaOff val="0"/>
+          </a:schemeClr>
+        </a:solidFill>
+        <a:ln w="15875" cap="rnd" cmpd="sng" algn="ctr">
+          <a:solidFill>
+            <a:schemeClr val="accent1">
+              <a:alpha val="90000"/>
+              <a:tint val="40000"/>
+              <a:hueOff val="0"/>
+              <a:satOff val="0"/>
+              <a:lumOff val="0"/>
+              <a:alphaOff val="0"/>
+            </a:schemeClr>
+          </a:solidFill>
+          <a:prstDash val="solid"/>
+        </a:ln>
+        <a:effectLst/>
+      </dsp:spPr>
+      <dsp:style>
+        <a:lnRef idx="2">
+          <a:scrgbClr r="0" g="0" b="0"/>
+        </a:lnRef>
+        <a:fillRef idx="1">
+          <a:scrgbClr r="0" g="0" b="0"/>
+        </a:fillRef>
+        <a:effectRef idx="0">
+          <a:scrgbClr r="0" g="0" b="0"/>
+        </a:effectRef>
+        <a:fontRef idx="minor"/>
+      </dsp:style>
+      <dsp:txBody>
+        <a:bodyPr spcFirstLastPara="0" vert="horz" wrap="square" lIns="74676" tIns="74676" rIns="99568" bIns="112014" numCol="1" spcCol="1270" anchor="t" anchorCtr="0">
+          <a:noAutofit/>
+        </a:bodyPr>
+        <a:lstStyle/>
+        <a:p>
+          <a:pPr marL="114300" lvl="1" indent="-114300" algn="l" defTabSz="622300">
+            <a:lnSpc>
+              <a:spcPct val="90000"/>
+            </a:lnSpc>
+            <a:spcBef>
+              <a:spcPct val="0"/>
+            </a:spcBef>
+            <a:spcAft>
+              <a:spcPct val="15000"/>
+            </a:spcAft>
+            <a:buChar char="•"/>
+          </a:pPr>
+          <a:r>
+            <a:rPr lang="es-ES" sz="1400" kern="1200" dirty="0"/>
+            <a:t>C: 100</a:t>
+          </a:r>
+        </a:p>
+        <a:p>
+          <a:pPr marL="114300" lvl="1" indent="-114300" algn="l" defTabSz="622300">
+            <a:lnSpc>
+              <a:spcPct val="90000"/>
+            </a:lnSpc>
+            <a:spcBef>
+              <a:spcPct val="0"/>
+            </a:spcBef>
+            <a:spcAft>
+              <a:spcPct val="15000"/>
+            </a:spcAft>
+            <a:buChar char="•"/>
+          </a:pPr>
+          <a:r>
+            <a:rPr lang="es-ES" sz="1400" kern="1200" dirty="0"/>
+            <a:t>Gamma: 0.001</a:t>
+          </a:r>
+        </a:p>
+        <a:p>
+          <a:pPr marL="114300" lvl="1" indent="-114300" algn="l" defTabSz="622300">
+            <a:lnSpc>
+              <a:spcPct val="90000"/>
+            </a:lnSpc>
+            <a:spcBef>
+              <a:spcPct val="0"/>
+            </a:spcBef>
+            <a:spcAft>
+              <a:spcPct val="15000"/>
+            </a:spcAft>
+            <a:buChar char="•"/>
+          </a:pPr>
+          <a:r>
+            <a:rPr lang="es-ES" sz="1400" kern="1200" dirty="0" err="1"/>
+            <a:t>kernel</a:t>
+          </a:r>
+          <a:r>
+            <a:rPr lang="es-ES" sz="1400" kern="1200" dirty="0"/>
+            <a:t>: </a:t>
+          </a:r>
+          <a:r>
+            <a:rPr lang="es-ES" sz="1400" kern="1200" dirty="0" err="1"/>
+            <a:t>rbf</a:t>
+          </a:r>
+          <a:endParaRPr lang="es-ES" sz="1400" kern="1200" dirty="0"/>
+        </a:p>
+        <a:p>
+          <a:pPr marL="114300" lvl="1" indent="-114300" algn="l" defTabSz="622300">
+            <a:lnSpc>
+              <a:spcPct val="90000"/>
+            </a:lnSpc>
+            <a:spcBef>
+              <a:spcPct val="0"/>
+            </a:spcBef>
+            <a:spcAft>
+              <a:spcPct val="15000"/>
+            </a:spcAft>
+            <a:buChar char="•"/>
+          </a:pPr>
+          <a:r>
+            <a:rPr lang="es-ES" sz="1400" b="1" kern="1200" dirty="0" err="1"/>
+            <a:t>Acc</a:t>
+          </a:r>
+          <a:r>
+            <a:rPr lang="es-ES" sz="1400" b="1" kern="1200" dirty="0"/>
+            <a:t>: 67.00%</a:t>
+          </a:r>
+        </a:p>
+      </dsp:txBody>
+      <dsp:txXfrm>
+        <a:off x="26644" y="1112829"/>
+        <a:ext cx="1758458" cy="2176605"/>
+      </dsp:txXfrm>
+    </dsp:sp>
+    <dsp:sp modelId="{48A24487-CCA9-42AE-8B37-11F3F18C73F4}">
+      <dsp:nvSpPr>
+        <dsp:cNvPr id="0" name=""/>
+        <dsp:cNvSpPr/>
+      </dsp:nvSpPr>
+      <dsp:spPr>
+        <a:xfrm>
+          <a:off x="2011258" y="0"/>
+          <a:ext cx="1758458" cy="1008840"/>
+        </a:xfrm>
+        <a:prstGeom prst="rect">
+          <a:avLst/>
+        </a:prstGeom>
+        <a:solidFill>
+          <a:schemeClr val="accent1">
+            <a:hueOff val="0"/>
+            <a:satOff val="0"/>
+            <a:lumOff val="0"/>
+            <a:alphaOff val="0"/>
+          </a:schemeClr>
+        </a:solidFill>
+        <a:ln w="15875" cap="rnd" cmpd="sng" algn="ctr">
+          <a:solidFill>
+            <a:schemeClr val="accent1">
+              <a:hueOff val="0"/>
+              <a:satOff val="0"/>
+              <a:lumOff val="0"/>
+              <a:alphaOff val="0"/>
+            </a:schemeClr>
+          </a:solidFill>
+          <a:prstDash val="solid"/>
+        </a:ln>
+        <a:effectLst/>
+      </dsp:spPr>
+      <dsp:style>
+        <a:lnRef idx="2">
+          <a:scrgbClr r="0" g="0" b="0"/>
+        </a:lnRef>
+        <a:fillRef idx="1">
+          <a:scrgbClr r="0" g="0" b="0"/>
+        </a:fillRef>
+        <a:effectRef idx="0">
+          <a:scrgbClr r="0" g="0" b="0"/>
+        </a:effectRef>
+        <a:fontRef idx="minor">
+          <a:schemeClr val="lt1"/>
+        </a:fontRef>
+      </dsp:style>
+      <dsp:txBody>
+        <a:bodyPr spcFirstLastPara="0" vert="horz" wrap="square" lIns="284480" tIns="162560" rIns="284480" bIns="162560" numCol="1" spcCol="1270" anchor="ctr" anchorCtr="0">
+          <a:noAutofit/>
+        </a:bodyPr>
+        <a:lstStyle/>
+        <a:p>
+          <a:pPr marL="0" lvl="0" indent="0" algn="ctr" defTabSz="1778000">
+            <a:lnSpc>
+              <a:spcPct val="90000"/>
+            </a:lnSpc>
+            <a:spcBef>
+              <a:spcPct val="0"/>
+            </a:spcBef>
+            <a:spcAft>
+              <a:spcPct val="35000"/>
+            </a:spcAft>
+            <a:buNone/>
+          </a:pPr>
+          <a:r>
+            <a:rPr lang="es-ES" sz="4000" kern="1200" dirty="0" err="1"/>
+            <a:t>kNN</a:t>
+          </a:r>
+          <a:endParaRPr lang="es-ES" sz="4000" kern="1200" dirty="0"/>
+        </a:p>
+      </dsp:txBody>
+      <dsp:txXfrm>
+        <a:off x="2011258" y="0"/>
+        <a:ext cx="1758458" cy="1008840"/>
+      </dsp:txXfrm>
+    </dsp:sp>
+    <dsp:sp modelId="{FD244389-E5CA-48E5-82F4-8EA6078B6EE1}">
+      <dsp:nvSpPr>
+        <dsp:cNvPr id="0" name=""/>
+        <dsp:cNvSpPr/>
+      </dsp:nvSpPr>
+      <dsp:spPr>
+        <a:xfrm>
+          <a:off x="2016041" y="1112829"/>
+          <a:ext cx="1758458" cy="2176605"/>
+        </a:xfrm>
+        <a:prstGeom prst="rect">
+          <a:avLst/>
+        </a:prstGeom>
+        <a:solidFill>
+          <a:schemeClr val="accent1">
+            <a:alpha val="90000"/>
+            <a:tint val="40000"/>
+            <a:hueOff val="0"/>
+            <a:satOff val="0"/>
+            <a:lumOff val="0"/>
+            <a:alphaOff val="0"/>
+          </a:schemeClr>
+        </a:solidFill>
+        <a:ln w="15875" cap="rnd" cmpd="sng" algn="ctr">
+          <a:solidFill>
+            <a:schemeClr val="accent1">
+              <a:alpha val="90000"/>
+              <a:tint val="40000"/>
+              <a:hueOff val="0"/>
+              <a:satOff val="0"/>
+              <a:lumOff val="0"/>
+              <a:alphaOff val="0"/>
+            </a:schemeClr>
+          </a:solidFill>
+          <a:prstDash val="solid"/>
+        </a:ln>
+        <a:effectLst/>
+      </dsp:spPr>
+      <dsp:style>
+        <a:lnRef idx="2">
+          <a:scrgbClr r="0" g="0" b="0"/>
+        </a:lnRef>
+        <a:fillRef idx="1">
+          <a:scrgbClr r="0" g="0" b="0"/>
+        </a:fillRef>
+        <a:effectRef idx="0">
+          <a:scrgbClr r="0" g="0" b="0"/>
+        </a:effectRef>
+        <a:fontRef idx="minor"/>
+      </dsp:style>
+      <dsp:txBody>
+        <a:bodyPr spcFirstLastPara="0" vert="horz" wrap="square" lIns="74676" tIns="74676" rIns="99568" bIns="112014" numCol="1" spcCol="1270" anchor="t" anchorCtr="0">
+          <a:noAutofit/>
+        </a:bodyPr>
+        <a:lstStyle/>
+        <a:p>
+          <a:pPr marL="114300" lvl="1" indent="-114300" algn="l" defTabSz="622300">
+            <a:lnSpc>
+              <a:spcPct val="90000"/>
+            </a:lnSpc>
+            <a:spcBef>
+              <a:spcPct val="0"/>
+            </a:spcBef>
+            <a:spcAft>
+              <a:spcPct val="15000"/>
+            </a:spcAft>
+            <a:buChar char="•"/>
+          </a:pPr>
+          <a:r>
+            <a:rPr lang="es-ES" sz="1400" kern="1200" dirty="0"/>
+            <a:t># </a:t>
+          </a:r>
+          <a:r>
+            <a:rPr lang="es-ES" sz="1400" kern="1200" dirty="0" err="1"/>
+            <a:t>neighbours</a:t>
+          </a:r>
+          <a:r>
+            <a:rPr lang="es-ES" sz="1400" kern="1200" dirty="0"/>
+            <a:t>: 30</a:t>
+          </a:r>
+          <a:endParaRPr lang="en-GB" sz="1400" kern="1200" dirty="0"/>
+        </a:p>
+        <a:p>
+          <a:pPr marL="114300" lvl="1" indent="-114300" algn="l" defTabSz="622300">
+            <a:lnSpc>
+              <a:spcPct val="90000"/>
+            </a:lnSpc>
+            <a:spcBef>
+              <a:spcPct val="0"/>
+            </a:spcBef>
+            <a:spcAft>
+              <a:spcPct val="15000"/>
+            </a:spcAft>
+            <a:buChar char="•"/>
+          </a:pPr>
+          <a:r>
+            <a:rPr lang="es-ES" sz="1400" b="1" kern="1200" dirty="0" err="1"/>
+            <a:t>Acc</a:t>
+          </a:r>
+          <a:r>
+            <a:rPr lang="es-ES" sz="1400" b="1" kern="1200" dirty="0"/>
+            <a:t>: 72.60%</a:t>
+          </a:r>
+        </a:p>
+      </dsp:txBody>
+      <dsp:txXfrm>
+        <a:off x="2016041" y="1112829"/>
+        <a:ext cx="1758458" cy="2176605"/>
+      </dsp:txXfrm>
+    </dsp:sp>
+    <dsp:sp modelId="{37500AF0-62B4-402A-B52A-4AA409CE67EB}">
+      <dsp:nvSpPr>
+        <dsp:cNvPr id="0" name=""/>
+        <dsp:cNvSpPr/>
+      </dsp:nvSpPr>
+      <dsp:spPr>
+        <a:xfrm>
+          <a:off x="4015900" y="0"/>
+          <a:ext cx="1758458" cy="1008840"/>
+        </a:xfrm>
+        <a:prstGeom prst="rect">
+          <a:avLst/>
+        </a:prstGeom>
+        <a:solidFill>
+          <a:schemeClr val="accent1">
+            <a:hueOff val="0"/>
+            <a:satOff val="0"/>
+            <a:lumOff val="0"/>
+            <a:alphaOff val="0"/>
+          </a:schemeClr>
+        </a:solidFill>
+        <a:ln w="15875" cap="rnd" cmpd="sng" algn="ctr">
+          <a:solidFill>
+            <a:schemeClr val="accent1">
+              <a:hueOff val="0"/>
+              <a:satOff val="0"/>
+              <a:lumOff val="0"/>
+              <a:alphaOff val="0"/>
+            </a:schemeClr>
+          </a:solidFill>
+          <a:prstDash val="solid"/>
+        </a:ln>
+        <a:effectLst/>
+      </dsp:spPr>
+      <dsp:style>
+        <a:lnRef idx="2">
+          <a:scrgbClr r="0" g="0" b="0"/>
+        </a:lnRef>
+        <a:fillRef idx="1">
+          <a:scrgbClr r="0" g="0" b="0"/>
+        </a:fillRef>
+        <a:effectRef idx="0">
+          <a:scrgbClr r="0" g="0" b="0"/>
+        </a:effectRef>
+        <a:fontRef idx="minor">
+          <a:schemeClr val="lt1"/>
+        </a:fontRef>
+      </dsp:style>
+      <dsp:txBody>
+        <a:bodyPr spcFirstLastPara="0" vert="horz" wrap="square" lIns="199136" tIns="113792" rIns="199136" bIns="113792" numCol="1" spcCol="1270" anchor="ctr" anchorCtr="0">
+          <a:noAutofit/>
+        </a:bodyPr>
+        <a:lstStyle/>
+        <a:p>
+          <a:pPr marL="0" lvl="0" indent="0" algn="ctr" defTabSz="1244600">
+            <a:lnSpc>
+              <a:spcPct val="90000"/>
+            </a:lnSpc>
+            <a:spcBef>
+              <a:spcPct val="0"/>
+            </a:spcBef>
+            <a:spcAft>
+              <a:spcPct val="35000"/>
+            </a:spcAft>
+            <a:buNone/>
+          </a:pPr>
+          <a:r>
+            <a:rPr lang="en-US" sz="2800" kern="1200" noProof="0" dirty="0"/>
+            <a:t>Naïve Bayes</a:t>
+          </a:r>
+        </a:p>
+      </dsp:txBody>
+      <dsp:txXfrm>
+        <a:off x="4015900" y="0"/>
+        <a:ext cx="1758458" cy="1008840"/>
+      </dsp:txXfrm>
+    </dsp:sp>
+    <dsp:sp modelId="{9E722BEE-2767-47DE-A4AC-5AA7A9828E58}">
+      <dsp:nvSpPr>
+        <dsp:cNvPr id="0" name=""/>
+        <dsp:cNvSpPr/>
+      </dsp:nvSpPr>
+      <dsp:spPr>
+        <a:xfrm>
+          <a:off x="4017061" y="1112829"/>
+          <a:ext cx="1758458" cy="2176605"/>
+        </a:xfrm>
+        <a:prstGeom prst="rect">
+          <a:avLst/>
+        </a:prstGeom>
+        <a:solidFill>
+          <a:schemeClr val="accent1">
+            <a:alpha val="90000"/>
+            <a:tint val="40000"/>
+            <a:hueOff val="0"/>
+            <a:satOff val="0"/>
+            <a:lumOff val="0"/>
+            <a:alphaOff val="0"/>
+          </a:schemeClr>
+        </a:solidFill>
+        <a:ln w="15875" cap="rnd" cmpd="sng" algn="ctr">
+          <a:solidFill>
+            <a:schemeClr val="accent1">
+              <a:alpha val="90000"/>
+              <a:tint val="40000"/>
+              <a:hueOff val="0"/>
+              <a:satOff val="0"/>
+              <a:lumOff val="0"/>
+              <a:alphaOff val="0"/>
+            </a:schemeClr>
+          </a:solidFill>
+          <a:prstDash val="solid"/>
+        </a:ln>
+        <a:effectLst/>
+      </dsp:spPr>
+      <dsp:style>
+        <a:lnRef idx="2">
+          <a:scrgbClr r="0" g="0" b="0"/>
+        </a:lnRef>
+        <a:fillRef idx="1">
+          <a:scrgbClr r="0" g="0" b="0"/>
+        </a:fillRef>
+        <a:effectRef idx="0">
+          <a:scrgbClr r="0" g="0" b="0"/>
+        </a:effectRef>
+        <a:fontRef idx="minor"/>
+      </dsp:style>
+      <dsp:txBody>
+        <a:bodyPr spcFirstLastPara="0" vert="horz" wrap="square" lIns="74676" tIns="74676" rIns="99568" bIns="112014" numCol="1" spcCol="1270" anchor="t" anchorCtr="0">
+          <a:noAutofit/>
+        </a:bodyPr>
+        <a:lstStyle/>
+        <a:p>
+          <a:pPr marL="114300" lvl="1" indent="-114300" algn="l" defTabSz="622300">
+            <a:lnSpc>
+              <a:spcPct val="90000"/>
+            </a:lnSpc>
+            <a:spcBef>
+              <a:spcPct val="0"/>
+            </a:spcBef>
+            <a:spcAft>
+              <a:spcPct val="15000"/>
+            </a:spcAft>
+            <a:buChar char="•"/>
+          </a:pPr>
+          <a:r>
+            <a:rPr lang="es-ES" sz="1400" b="1" kern="1200" dirty="0" err="1"/>
+            <a:t>Acc</a:t>
+          </a:r>
+          <a:r>
+            <a:rPr lang="es-ES" sz="1400" b="1" kern="1200" dirty="0"/>
+            <a:t>: 58.41%</a:t>
+          </a:r>
+          <a:endParaRPr lang="en-GB" sz="1400" b="1" kern="1200" dirty="0"/>
+        </a:p>
+      </dsp:txBody>
+      <dsp:txXfrm>
+        <a:off x="4017061" y="1112829"/>
+        <a:ext cx="1758458" cy="2176605"/>
+      </dsp:txXfrm>
+    </dsp:sp>
+    <dsp:sp modelId="{3862C4B5-AACD-4347-8085-3F72601877B4}">
+      <dsp:nvSpPr>
+        <dsp:cNvPr id="0" name=""/>
+        <dsp:cNvSpPr/>
+      </dsp:nvSpPr>
+      <dsp:spPr>
+        <a:xfrm>
+          <a:off x="6020543" y="0"/>
+          <a:ext cx="1758458" cy="1008840"/>
+        </a:xfrm>
+        <a:prstGeom prst="rect">
+          <a:avLst/>
+        </a:prstGeom>
+        <a:solidFill>
+          <a:schemeClr val="accent1">
+            <a:hueOff val="0"/>
+            <a:satOff val="0"/>
+            <a:lumOff val="0"/>
+            <a:alphaOff val="0"/>
+          </a:schemeClr>
+        </a:solidFill>
+        <a:ln w="15875" cap="rnd" cmpd="sng" algn="ctr">
+          <a:solidFill>
+            <a:schemeClr val="accent1">
+              <a:hueOff val="0"/>
+              <a:satOff val="0"/>
+              <a:lumOff val="0"/>
+              <a:alphaOff val="0"/>
+            </a:schemeClr>
+          </a:solidFill>
+          <a:prstDash val="solid"/>
+        </a:ln>
+        <a:effectLst/>
+      </dsp:spPr>
+      <dsp:style>
+        <a:lnRef idx="2">
+          <a:scrgbClr r="0" g="0" b="0"/>
+        </a:lnRef>
+        <a:fillRef idx="1">
+          <a:scrgbClr r="0" g="0" b="0"/>
+        </a:fillRef>
+        <a:effectRef idx="0">
+          <a:scrgbClr r="0" g="0" b="0"/>
+        </a:effectRef>
+        <a:fontRef idx="minor">
+          <a:schemeClr val="lt1"/>
+        </a:fontRef>
+      </dsp:style>
+      <dsp:txBody>
+        <a:bodyPr spcFirstLastPara="0" vert="horz" wrap="square" lIns="135128" tIns="77216" rIns="135128" bIns="77216" numCol="1" spcCol="1270" anchor="ctr" anchorCtr="0">
+          <a:noAutofit/>
+        </a:bodyPr>
+        <a:lstStyle/>
+        <a:p>
+          <a:pPr marL="0" lvl="0" indent="0" algn="ctr" defTabSz="844550">
+            <a:lnSpc>
+              <a:spcPct val="90000"/>
+            </a:lnSpc>
+            <a:spcBef>
+              <a:spcPct val="0"/>
+            </a:spcBef>
+            <a:spcAft>
+              <a:spcPct val="35000"/>
+            </a:spcAft>
+            <a:buNone/>
+          </a:pPr>
+          <a:r>
+            <a:rPr lang="es-ES" sz="1900" kern="1200" dirty="0" err="1"/>
+            <a:t>Decision</a:t>
+          </a:r>
+          <a:r>
+            <a:rPr lang="es-ES" sz="1900" kern="1200" dirty="0"/>
+            <a:t> </a:t>
+          </a:r>
+          <a:r>
+            <a:rPr lang="es-ES" sz="1900" kern="1200" dirty="0" err="1"/>
+            <a:t>Tree</a:t>
+          </a:r>
+          <a:endParaRPr lang="es-ES" sz="1900" kern="1200" dirty="0"/>
+        </a:p>
+      </dsp:txBody>
+      <dsp:txXfrm>
+        <a:off x="6020543" y="0"/>
+        <a:ext cx="1758458" cy="1008840"/>
+      </dsp:txXfrm>
+    </dsp:sp>
+    <dsp:sp modelId="{35A85B34-BE00-423B-BDEF-87219E928C35}">
+      <dsp:nvSpPr>
+        <dsp:cNvPr id="0" name=""/>
+        <dsp:cNvSpPr/>
+      </dsp:nvSpPr>
+      <dsp:spPr>
+        <a:xfrm>
+          <a:off x="6041293" y="1112829"/>
+          <a:ext cx="1758458" cy="2176605"/>
+        </a:xfrm>
+        <a:prstGeom prst="rect">
+          <a:avLst/>
+        </a:prstGeom>
+        <a:solidFill>
+          <a:schemeClr val="accent1">
+            <a:alpha val="90000"/>
+            <a:tint val="40000"/>
+            <a:hueOff val="0"/>
+            <a:satOff val="0"/>
+            <a:lumOff val="0"/>
+            <a:alphaOff val="0"/>
+          </a:schemeClr>
+        </a:solidFill>
+        <a:ln w="15875" cap="rnd" cmpd="sng" algn="ctr">
+          <a:solidFill>
+            <a:schemeClr val="accent1">
+              <a:alpha val="90000"/>
+              <a:tint val="40000"/>
+              <a:hueOff val="0"/>
+              <a:satOff val="0"/>
+              <a:lumOff val="0"/>
+              <a:alphaOff val="0"/>
+            </a:schemeClr>
+          </a:solidFill>
+          <a:prstDash val="solid"/>
+        </a:ln>
+        <a:effectLst/>
+      </dsp:spPr>
+      <dsp:style>
+        <a:lnRef idx="2">
+          <a:scrgbClr r="0" g="0" b="0"/>
+        </a:lnRef>
+        <a:fillRef idx="1">
+          <a:scrgbClr r="0" g="0" b="0"/>
+        </a:fillRef>
+        <a:effectRef idx="0">
+          <a:scrgbClr r="0" g="0" b="0"/>
+        </a:effectRef>
+        <a:fontRef idx="minor"/>
+      </dsp:style>
+      <dsp:txBody>
+        <a:bodyPr spcFirstLastPara="0" vert="horz" wrap="square" lIns="74676" tIns="74676" rIns="99568" bIns="112014" numCol="1" spcCol="1270" anchor="t" anchorCtr="0">
+          <a:noAutofit/>
+        </a:bodyPr>
+        <a:lstStyle/>
+        <a:p>
+          <a:pPr marL="114300" lvl="1" indent="-114300" algn="l" defTabSz="622300">
+            <a:lnSpc>
+              <a:spcPct val="90000"/>
+            </a:lnSpc>
+            <a:spcBef>
+              <a:spcPct val="0"/>
+            </a:spcBef>
+            <a:spcAft>
+              <a:spcPct val="15000"/>
+            </a:spcAft>
+            <a:buChar char="•"/>
+          </a:pPr>
+          <a:r>
+            <a:rPr lang="es-ES" sz="1400" kern="1200" dirty="0" err="1"/>
+            <a:t>criterion</a:t>
+          </a:r>
+          <a:r>
+            <a:rPr lang="es-ES" sz="1400" kern="1200" dirty="0"/>
+            <a:t>: </a:t>
+          </a:r>
+          <a:r>
+            <a:rPr lang="es-ES" sz="1400" kern="1200" dirty="0" err="1"/>
+            <a:t>gini</a:t>
+          </a:r>
+          <a:endParaRPr lang="en-GB" sz="1400" kern="1200" dirty="0"/>
+        </a:p>
+        <a:p>
+          <a:pPr marL="114300" lvl="1" indent="-114300" algn="l" defTabSz="622300">
+            <a:lnSpc>
+              <a:spcPct val="90000"/>
+            </a:lnSpc>
+            <a:spcBef>
+              <a:spcPct val="0"/>
+            </a:spcBef>
+            <a:spcAft>
+              <a:spcPct val="15000"/>
+            </a:spcAft>
+            <a:buChar char="•"/>
+          </a:pPr>
+          <a:r>
+            <a:rPr lang="es-ES" sz="1400" kern="1200" dirty="0" err="1"/>
+            <a:t>max_depth</a:t>
+          </a:r>
+          <a:r>
+            <a:rPr lang="es-ES" sz="1400" kern="1200" dirty="0"/>
+            <a:t>: 15 </a:t>
+          </a:r>
+          <a:r>
+            <a:rPr lang="es-ES" sz="1400" kern="1200" dirty="0" err="1"/>
+            <a:t>max_features</a:t>
+          </a:r>
+          <a:r>
+            <a:rPr lang="es-ES" sz="1400" kern="1200" dirty="0"/>
+            <a:t>: auto</a:t>
+          </a:r>
+          <a:endParaRPr lang="en-GB" sz="1400" kern="1200" dirty="0"/>
+        </a:p>
+        <a:p>
+          <a:pPr marL="114300" lvl="1" indent="-114300" algn="l" defTabSz="622300">
+            <a:lnSpc>
+              <a:spcPct val="90000"/>
+            </a:lnSpc>
+            <a:spcBef>
+              <a:spcPct val="0"/>
+            </a:spcBef>
+            <a:spcAft>
+              <a:spcPct val="15000"/>
+            </a:spcAft>
+            <a:buChar char="•"/>
+          </a:pPr>
+          <a:r>
+            <a:rPr lang="es-ES" sz="1400" b="1" kern="1200" dirty="0" err="1"/>
+            <a:t>Acc</a:t>
+          </a:r>
+          <a:r>
+            <a:rPr lang="es-ES" sz="1400" b="1" kern="1200" dirty="0"/>
+            <a:t>: 69.08%</a:t>
+          </a:r>
+        </a:p>
+      </dsp:txBody>
+      <dsp:txXfrm>
+        <a:off x="6041293" y="1112829"/>
+        <a:ext cx="1758458" cy="2176605"/>
+      </dsp:txXfrm>
+    </dsp:sp>
+    <dsp:sp modelId="{839BA42A-3B80-4489-BE6A-A9D5C1FBAE01}">
+      <dsp:nvSpPr>
+        <dsp:cNvPr id="0" name=""/>
+        <dsp:cNvSpPr/>
+      </dsp:nvSpPr>
+      <dsp:spPr>
+        <a:xfrm>
+          <a:off x="8025186" y="0"/>
+          <a:ext cx="1758458" cy="1008840"/>
+        </a:xfrm>
+        <a:prstGeom prst="rect">
+          <a:avLst/>
+        </a:prstGeom>
+        <a:solidFill>
+          <a:schemeClr val="accent1">
+            <a:hueOff val="0"/>
+            <a:satOff val="0"/>
+            <a:lumOff val="0"/>
+            <a:alphaOff val="0"/>
+          </a:schemeClr>
+        </a:solidFill>
+        <a:ln w="15875" cap="rnd" cmpd="sng" algn="ctr">
+          <a:solidFill>
+            <a:schemeClr val="accent1">
+              <a:hueOff val="0"/>
+              <a:satOff val="0"/>
+              <a:lumOff val="0"/>
+              <a:alphaOff val="0"/>
+            </a:schemeClr>
+          </a:solidFill>
+          <a:prstDash val="solid"/>
+        </a:ln>
+        <a:effectLst/>
+      </dsp:spPr>
+      <dsp:style>
+        <a:lnRef idx="2">
+          <a:scrgbClr r="0" g="0" b="0"/>
+        </a:lnRef>
+        <a:fillRef idx="1">
+          <a:scrgbClr r="0" g="0" b="0"/>
+        </a:fillRef>
+        <a:effectRef idx="0">
+          <a:scrgbClr r="0" g="0" b="0"/>
+        </a:effectRef>
+        <a:fontRef idx="minor">
+          <a:schemeClr val="lt1"/>
+        </a:fontRef>
+      </dsp:style>
+      <dsp:txBody>
+        <a:bodyPr spcFirstLastPara="0" vert="horz" wrap="square" lIns="135128" tIns="77216" rIns="135128" bIns="77216" numCol="1" spcCol="1270" anchor="ctr" anchorCtr="0">
+          <a:noAutofit/>
+        </a:bodyPr>
+        <a:lstStyle/>
+        <a:p>
+          <a:pPr marL="0" lvl="0" indent="0" algn="ctr" defTabSz="844550">
+            <a:lnSpc>
+              <a:spcPct val="90000"/>
+            </a:lnSpc>
+            <a:spcBef>
+              <a:spcPct val="0"/>
+            </a:spcBef>
+            <a:spcAft>
+              <a:spcPct val="35000"/>
+            </a:spcAft>
+            <a:buNone/>
+          </a:pPr>
+          <a:r>
+            <a:rPr lang="es-ES" sz="1900" kern="1200" dirty="0" err="1"/>
+            <a:t>Gradient</a:t>
+          </a:r>
+          <a:r>
+            <a:rPr lang="es-ES" sz="1900" kern="1200" dirty="0"/>
+            <a:t> </a:t>
+          </a:r>
+          <a:r>
+            <a:rPr lang="es-ES" sz="1900" kern="1200" dirty="0" err="1"/>
+            <a:t>Boosting</a:t>
+          </a:r>
+          <a:endParaRPr lang="es-ES" sz="1900" kern="1200" dirty="0"/>
+        </a:p>
+      </dsp:txBody>
+      <dsp:txXfrm>
+        <a:off x="8025186" y="0"/>
+        <a:ext cx="1758458" cy="1008840"/>
+      </dsp:txXfrm>
+    </dsp:sp>
+    <dsp:sp modelId="{809477FF-A692-466C-8800-3CCD3C20CD13}">
+      <dsp:nvSpPr>
+        <dsp:cNvPr id="0" name=""/>
+        <dsp:cNvSpPr/>
+      </dsp:nvSpPr>
+      <dsp:spPr>
+        <a:xfrm>
+          <a:off x="8044107" y="1112829"/>
+          <a:ext cx="1758458" cy="2176605"/>
+        </a:xfrm>
+        <a:prstGeom prst="rect">
+          <a:avLst/>
+        </a:prstGeom>
+        <a:solidFill>
+          <a:schemeClr val="accent1">
+            <a:alpha val="90000"/>
+            <a:tint val="40000"/>
+            <a:hueOff val="0"/>
+            <a:satOff val="0"/>
+            <a:lumOff val="0"/>
+            <a:alphaOff val="0"/>
+          </a:schemeClr>
+        </a:solidFill>
+        <a:ln w="15875" cap="rnd" cmpd="sng" algn="ctr">
+          <a:solidFill>
+            <a:schemeClr val="accent1">
+              <a:alpha val="90000"/>
+              <a:tint val="40000"/>
+              <a:hueOff val="0"/>
+              <a:satOff val="0"/>
+              <a:lumOff val="0"/>
+              <a:alphaOff val="0"/>
+            </a:schemeClr>
+          </a:solidFill>
+          <a:prstDash val="solid"/>
+        </a:ln>
+        <a:effectLst/>
+      </dsp:spPr>
+      <dsp:style>
+        <a:lnRef idx="2">
+          <a:scrgbClr r="0" g="0" b="0"/>
+        </a:lnRef>
+        <a:fillRef idx="1">
+          <a:scrgbClr r="0" g="0" b="0"/>
+        </a:fillRef>
+        <a:effectRef idx="0">
+          <a:scrgbClr r="0" g="0" b="0"/>
+        </a:effectRef>
+        <a:fontRef idx="minor"/>
+      </dsp:style>
+      <dsp:txBody>
+        <a:bodyPr spcFirstLastPara="0" vert="horz" wrap="square" lIns="74676" tIns="74676" rIns="99568" bIns="112014" numCol="1" spcCol="1270" anchor="t" anchorCtr="0">
+          <a:noAutofit/>
+        </a:bodyPr>
+        <a:lstStyle/>
+        <a:p>
+          <a:pPr marL="114300" lvl="1" indent="-114300" algn="l" defTabSz="622300">
+            <a:lnSpc>
+              <a:spcPct val="90000"/>
+            </a:lnSpc>
+            <a:spcBef>
+              <a:spcPct val="0"/>
+            </a:spcBef>
+            <a:spcAft>
+              <a:spcPct val="15000"/>
+            </a:spcAft>
+            <a:buChar char="•"/>
+          </a:pPr>
+          <a:r>
+            <a:rPr lang="es-ES" sz="1400" kern="1200" dirty="0" err="1"/>
+            <a:t>criterion</a:t>
+          </a:r>
+          <a:r>
+            <a:rPr lang="es-ES" sz="1400" kern="1200" dirty="0"/>
+            <a:t>: </a:t>
+          </a:r>
+          <a:r>
+            <a:rPr lang="es-ES" sz="1400" kern="1200" dirty="0" err="1"/>
+            <a:t>friedman_mse</a:t>
+          </a:r>
+          <a:r>
+            <a:rPr lang="es-ES" sz="1400" kern="1200" dirty="0"/>
+            <a:t>,</a:t>
+          </a:r>
+          <a:endParaRPr lang="en-GB" sz="1400" kern="1200" dirty="0"/>
+        </a:p>
+        <a:p>
+          <a:pPr marL="114300" lvl="1" indent="-114300" algn="l" defTabSz="622300">
+            <a:lnSpc>
+              <a:spcPct val="90000"/>
+            </a:lnSpc>
+            <a:spcBef>
+              <a:spcPct val="0"/>
+            </a:spcBef>
+            <a:spcAft>
+              <a:spcPct val="15000"/>
+            </a:spcAft>
+            <a:buChar char="•"/>
+          </a:pPr>
+          <a:r>
+            <a:rPr lang="es-ES" sz="1400" kern="1200" dirty="0" err="1"/>
+            <a:t>learn_rate</a:t>
+          </a:r>
+          <a:r>
+            <a:rPr lang="es-ES" sz="1400" kern="1200" dirty="0"/>
+            <a:t>: 0.1</a:t>
+          </a:r>
+          <a:endParaRPr lang="en-GB" sz="1400" kern="1200" dirty="0"/>
+        </a:p>
+        <a:p>
+          <a:pPr marL="114300" lvl="1" indent="-114300" algn="l" defTabSz="622300">
+            <a:lnSpc>
+              <a:spcPct val="90000"/>
+            </a:lnSpc>
+            <a:spcBef>
+              <a:spcPct val="0"/>
+            </a:spcBef>
+            <a:spcAft>
+              <a:spcPct val="15000"/>
+            </a:spcAft>
+            <a:buChar char="•"/>
+          </a:pPr>
+          <a:r>
+            <a:rPr lang="es-ES" sz="1400" kern="1200" dirty="0" err="1"/>
+            <a:t>loss</a:t>
+          </a:r>
+          <a:r>
+            <a:rPr lang="es-ES" sz="1400" kern="1200" dirty="0"/>
+            <a:t>: </a:t>
+          </a:r>
+          <a:r>
+            <a:rPr lang="es-ES" sz="1400" kern="1200" dirty="0" err="1"/>
+            <a:t>exponential</a:t>
+          </a:r>
+          <a:endParaRPr lang="en-GB" sz="1400" kern="1200" dirty="0"/>
+        </a:p>
+        <a:p>
+          <a:pPr marL="114300" lvl="1" indent="-114300" algn="l" defTabSz="622300">
+            <a:lnSpc>
+              <a:spcPct val="90000"/>
+            </a:lnSpc>
+            <a:spcBef>
+              <a:spcPct val="0"/>
+            </a:spcBef>
+            <a:spcAft>
+              <a:spcPct val="15000"/>
+            </a:spcAft>
+            <a:buChar char="•"/>
+          </a:pPr>
+          <a:r>
+            <a:rPr lang="es-ES" sz="1400" kern="1200" dirty="0" err="1"/>
+            <a:t>max_depth</a:t>
+          </a:r>
+          <a:r>
+            <a:rPr lang="es-ES" sz="1400" kern="1200" dirty="0"/>
+            <a:t>: 3</a:t>
+          </a:r>
+          <a:endParaRPr lang="en-GB" sz="1400" kern="1200" dirty="0"/>
+        </a:p>
+        <a:p>
+          <a:pPr marL="114300" lvl="1" indent="-114300" algn="l" defTabSz="622300">
+            <a:lnSpc>
+              <a:spcPct val="90000"/>
+            </a:lnSpc>
+            <a:spcBef>
+              <a:spcPct val="0"/>
+            </a:spcBef>
+            <a:spcAft>
+              <a:spcPct val="15000"/>
+            </a:spcAft>
+            <a:buChar char="•"/>
+          </a:pPr>
+          <a:r>
+            <a:rPr lang="es-ES" sz="1400" kern="1200" dirty="0" err="1"/>
+            <a:t>max_features</a:t>
+          </a:r>
+          <a:r>
+            <a:rPr lang="es-ES" sz="1400" kern="1200" dirty="0"/>
+            <a:t>: auto</a:t>
+          </a:r>
+          <a:endParaRPr lang="en-GB" sz="1400" kern="1200" dirty="0"/>
+        </a:p>
+        <a:p>
+          <a:pPr marL="114300" lvl="1" indent="-114300" algn="l" defTabSz="622300">
+            <a:lnSpc>
+              <a:spcPct val="90000"/>
+            </a:lnSpc>
+            <a:spcBef>
+              <a:spcPct val="0"/>
+            </a:spcBef>
+            <a:spcAft>
+              <a:spcPct val="15000"/>
+            </a:spcAft>
+            <a:buChar char="•"/>
+          </a:pPr>
+          <a:r>
+            <a:rPr lang="es-ES" sz="1400" kern="1200" dirty="0" err="1"/>
+            <a:t>n_estimators</a:t>
+          </a:r>
+          <a:r>
+            <a:rPr lang="es-ES" sz="1400" kern="1200" dirty="0"/>
+            <a:t>: 100</a:t>
+          </a:r>
+          <a:endParaRPr lang="en-GB" sz="1400" kern="1200" dirty="0"/>
+        </a:p>
+        <a:p>
+          <a:pPr marL="114300" lvl="1" indent="-114300" algn="l" defTabSz="622300">
+            <a:lnSpc>
+              <a:spcPct val="90000"/>
+            </a:lnSpc>
+            <a:spcBef>
+              <a:spcPct val="0"/>
+            </a:spcBef>
+            <a:spcAft>
+              <a:spcPct val="15000"/>
+            </a:spcAft>
+            <a:buChar char="•"/>
+          </a:pPr>
+          <a:r>
+            <a:rPr lang="es-ES" sz="1400" b="1" kern="1200" dirty="0" err="1"/>
+            <a:t>Acc</a:t>
+          </a:r>
+          <a:r>
+            <a:rPr lang="es-ES" sz="1400" b="1" kern="1200" dirty="0"/>
+            <a:t> = 62.16%</a:t>
+          </a:r>
+        </a:p>
+      </dsp:txBody>
+      <dsp:txXfrm>
+        <a:off x="8044107" y="1112829"/>
+        <a:ext cx="1758458" cy="2176605"/>
+      </dsp:txXfrm>
+    </dsp:sp>
+    <dsp:sp modelId="{12970324-F5CC-407D-B127-D60C33DCEC0D}">
+      <dsp:nvSpPr>
+        <dsp:cNvPr id="0" name=""/>
+        <dsp:cNvSpPr/>
+      </dsp:nvSpPr>
+      <dsp:spPr>
+        <a:xfrm>
+          <a:off x="10029828" y="0"/>
+          <a:ext cx="1758458" cy="1008840"/>
+        </a:xfrm>
+        <a:prstGeom prst="rect">
+          <a:avLst/>
+        </a:prstGeom>
+        <a:solidFill>
+          <a:schemeClr val="accent1">
+            <a:hueOff val="0"/>
+            <a:satOff val="0"/>
+            <a:lumOff val="0"/>
+            <a:alphaOff val="0"/>
+          </a:schemeClr>
+        </a:solidFill>
+        <a:ln w="76200" cap="rnd" cmpd="sng" algn="ctr">
+          <a:solidFill>
+            <a:srgbClr val="92D050"/>
+          </a:solidFill>
+          <a:prstDash val="solid"/>
+        </a:ln>
+        <a:effectLst/>
+      </dsp:spPr>
+      <dsp:style>
+        <a:lnRef idx="2">
+          <a:scrgbClr r="0" g="0" b="0"/>
+        </a:lnRef>
+        <a:fillRef idx="1">
+          <a:scrgbClr r="0" g="0" b="0"/>
+        </a:fillRef>
+        <a:effectRef idx="0">
+          <a:scrgbClr r="0" g="0" b="0"/>
+        </a:effectRef>
+        <a:fontRef idx="minor">
+          <a:schemeClr val="lt1"/>
+        </a:fontRef>
+      </dsp:style>
+      <dsp:txBody>
+        <a:bodyPr spcFirstLastPara="0" vert="horz" wrap="square" lIns="135128" tIns="77216" rIns="135128" bIns="77216" numCol="1" spcCol="1270" anchor="ctr" anchorCtr="0">
+          <a:noAutofit/>
+        </a:bodyPr>
+        <a:lstStyle/>
+        <a:p>
+          <a:pPr marL="0" lvl="0" indent="0" algn="ctr" defTabSz="844550">
+            <a:lnSpc>
+              <a:spcPct val="90000"/>
+            </a:lnSpc>
+            <a:spcBef>
+              <a:spcPct val="0"/>
+            </a:spcBef>
+            <a:spcAft>
+              <a:spcPct val="35000"/>
+            </a:spcAft>
+            <a:buNone/>
+          </a:pPr>
+          <a:r>
+            <a:rPr lang="es-ES" sz="1900" kern="1200" dirty="0" err="1"/>
+            <a:t>Random</a:t>
+          </a:r>
+          <a:r>
+            <a:rPr lang="es-ES" sz="1900" kern="1200" dirty="0"/>
+            <a:t> Forest</a:t>
+          </a:r>
+        </a:p>
+      </dsp:txBody>
+      <dsp:txXfrm>
+        <a:off x="10029828" y="0"/>
+        <a:ext cx="1758458" cy="1008840"/>
+      </dsp:txXfrm>
+    </dsp:sp>
+    <dsp:sp modelId="{EF3A97DE-E918-456A-B35C-2949E6B14FB6}">
+      <dsp:nvSpPr>
+        <dsp:cNvPr id="0" name=""/>
+        <dsp:cNvSpPr/>
+      </dsp:nvSpPr>
+      <dsp:spPr>
+        <a:xfrm>
+          <a:off x="10029828" y="1112829"/>
+          <a:ext cx="1758458" cy="2176605"/>
+        </a:xfrm>
+        <a:prstGeom prst="rect">
+          <a:avLst/>
+        </a:prstGeom>
+        <a:solidFill>
+          <a:schemeClr val="accent1">
+            <a:alpha val="90000"/>
+            <a:tint val="40000"/>
+            <a:hueOff val="0"/>
+            <a:satOff val="0"/>
+            <a:lumOff val="0"/>
+            <a:alphaOff val="0"/>
+          </a:schemeClr>
+        </a:solidFill>
+        <a:ln w="76200" cap="rnd" cmpd="sng" algn="ctr">
+          <a:solidFill>
+            <a:srgbClr val="92D050"/>
+          </a:solidFill>
+          <a:prstDash val="solid"/>
+        </a:ln>
+        <a:effectLst/>
+      </dsp:spPr>
+      <dsp:style>
+        <a:lnRef idx="2">
+          <a:scrgbClr r="0" g="0" b="0"/>
+        </a:lnRef>
+        <a:fillRef idx="1">
+          <a:scrgbClr r="0" g="0" b="0"/>
+        </a:fillRef>
+        <a:effectRef idx="0">
+          <a:scrgbClr r="0" g="0" b="0"/>
+        </a:effectRef>
+        <a:fontRef idx="minor"/>
+      </dsp:style>
+      <dsp:txBody>
+        <a:bodyPr spcFirstLastPara="0" vert="horz" wrap="square" lIns="74676" tIns="74676" rIns="99568" bIns="112014" numCol="1" spcCol="1270" anchor="t" anchorCtr="0">
+          <a:noAutofit/>
+        </a:bodyPr>
+        <a:lstStyle/>
+        <a:p>
+          <a:pPr marL="114300" lvl="1" indent="-114300" algn="l" defTabSz="622300">
+            <a:lnSpc>
+              <a:spcPct val="90000"/>
+            </a:lnSpc>
+            <a:spcBef>
+              <a:spcPct val="0"/>
+            </a:spcBef>
+            <a:spcAft>
+              <a:spcPct val="15000"/>
+            </a:spcAft>
+            <a:buChar char="•"/>
+          </a:pPr>
+          <a:r>
+            <a:rPr lang="es-ES" sz="1400" kern="1200" dirty="0" err="1"/>
+            <a:t>criterion</a:t>
+          </a:r>
+          <a:r>
+            <a:rPr lang="es-ES" sz="1400" kern="1200" dirty="0"/>
+            <a:t>: </a:t>
+          </a:r>
+          <a:r>
+            <a:rPr lang="es-ES" sz="1400" kern="1200" dirty="0" err="1"/>
+            <a:t>entropy</a:t>
+          </a:r>
+          <a:endParaRPr lang="en-GB" sz="1400" kern="1200" dirty="0"/>
+        </a:p>
+        <a:p>
+          <a:pPr marL="114300" lvl="1" indent="-114300" algn="l" defTabSz="622300">
+            <a:lnSpc>
+              <a:spcPct val="90000"/>
+            </a:lnSpc>
+            <a:spcBef>
+              <a:spcPct val="0"/>
+            </a:spcBef>
+            <a:spcAft>
+              <a:spcPct val="15000"/>
+            </a:spcAft>
+            <a:buChar char="•"/>
+          </a:pPr>
+          <a:r>
+            <a:rPr lang="es-ES" sz="1400" kern="1200" dirty="0" err="1"/>
+            <a:t>max_depth</a:t>
+          </a:r>
+          <a:r>
+            <a:rPr lang="es-ES" sz="1400" kern="1200" dirty="0"/>
+            <a:t>: 50</a:t>
+          </a:r>
+          <a:endParaRPr lang="en-GB" sz="1400" kern="1200" dirty="0"/>
+        </a:p>
+        <a:p>
+          <a:pPr marL="114300" lvl="1" indent="-114300" algn="l" defTabSz="622300">
+            <a:lnSpc>
+              <a:spcPct val="90000"/>
+            </a:lnSpc>
+            <a:spcBef>
+              <a:spcPct val="0"/>
+            </a:spcBef>
+            <a:spcAft>
+              <a:spcPct val="15000"/>
+            </a:spcAft>
+            <a:buChar char="•"/>
+          </a:pPr>
+          <a:r>
+            <a:rPr lang="es-ES" sz="1400" kern="1200" dirty="0" err="1"/>
+            <a:t>max_features</a:t>
+          </a:r>
+          <a:r>
+            <a:rPr lang="es-ES" sz="1400" kern="1200" dirty="0"/>
+            <a:t>: auto</a:t>
+          </a:r>
+          <a:endParaRPr lang="en-GB" sz="1400" kern="1200" dirty="0"/>
+        </a:p>
+        <a:p>
+          <a:pPr marL="114300" lvl="1" indent="-114300" algn="l" defTabSz="622300">
+            <a:lnSpc>
+              <a:spcPct val="90000"/>
+            </a:lnSpc>
+            <a:spcBef>
+              <a:spcPct val="0"/>
+            </a:spcBef>
+            <a:spcAft>
+              <a:spcPct val="15000"/>
+            </a:spcAft>
+            <a:buChar char="•"/>
+          </a:pPr>
+          <a:r>
+            <a:rPr lang="es-ES" sz="1400" kern="1200" dirty="0" err="1"/>
+            <a:t>n_estimators</a:t>
+          </a:r>
+          <a:r>
+            <a:rPr lang="es-ES" sz="1400" kern="1200" dirty="0"/>
+            <a:t>: 1000</a:t>
+          </a:r>
+          <a:endParaRPr lang="en-GB" sz="1400" kern="1200" dirty="0"/>
+        </a:p>
+        <a:p>
+          <a:pPr marL="114300" lvl="1" indent="-114300" algn="l" defTabSz="622300">
+            <a:lnSpc>
+              <a:spcPct val="90000"/>
+            </a:lnSpc>
+            <a:spcBef>
+              <a:spcPct val="0"/>
+            </a:spcBef>
+            <a:spcAft>
+              <a:spcPct val="15000"/>
+            </a:spcAft>
+            <a:buChar char="•"/>
+          </a:pPr>
+          <a:r>
+            <a:rPr lang="es-ES" sz="1400" b="1" kern="1200" dirty="0" err="1"/>
+            <a:t>Acc</a:t>
+          </a:r>
+          <a:r>
+            <a:rPr lang="es-ES" sz="1400" b="1" kern="1200" dirty="0"/>
+            <a:t> : 75.91%</a:t>
+          </a:r>
+        </a:p>
+      </dsp:txBody>
+      <dsp:txXfrm>
+        <a:off x="10029828" y="1112829"/>
+        <a:ext cx="1758458" cy="2176605"/>
+      </dsp:txXfrm>
+    </dsp:sp>
+  </dsp:spTree>
+</dsp:drawing>
+</file>
+
+<file path=ppt/diagrams/drawing3.xml><?xml version="1.0" encoding="utf-8"?>
 <dsp:drawing xmlns:dgm="http://schemas.openxmlformats.org/drawingml/2006/diagram" xmlns:dsp="http://schemas.microsoft.com/office/drawing/2008/diagram" xmlns:a="http://schemas.openxmlformats.org/drawingml/2006/main">
   <dsp:spTree>
     <dsp:nvGrpSpPr>
@@ -4357,7 +7779,7 @@
         </a:bodyPr>
         <a:lstStyle/>
         <a:p>
-          <a:pPr lvl="0" algn="ctr" defTabSz="1778000">
+          <a:pPr marL="0" lvl="0" indent="0" algn="ctr" defTabSz="1778000">
             <a:lnSpc>
               <a:spcPct val="90000"/>
             </a:lnSpc>
@@ -4367,9 +7789,10 @@
             <a:spcAft>
               <a:spcPct val="35000"/>
             </a:spcAft>
+            <a:buNone/>
           </a:pPr>
           <a:r>
-            <a:rPr lang="es-ES" sz="4000" kern="1200" dirty="0" err="1" smtClean="0"/>
+            <a:rPr lang="es-ES" sz="4000" kern="1200" dirty="0" err="1"/>
             <a:t>kNN</a:t>
           </a:r>
           <a:endParaRPr lang="es-ES" sz="4000" kern="1200" dirty="0"/>
@@ -4446,7 +7869,7 @@
             <a:spcAft>
               <a:spcPct val="15000"/>
             </a:spcAft>
-            <a:buChar char="••"/>
+            <a:buChar char="•"/>
           </a:pPr>
           <a:endParaRPr lang="es-ES" sz="2700" kern="1200"/>
         </a:p>
@@ -4461,7 +7884,7 @@
             <a:spcAft>
               <a:spcPct val="15000"/>
             </a:spcAft>
-            <a:buChar char="••"/>
+            <a:buChar char="•"/>
           </a:pPr>
           <a:endParaRPr lang="es-ES" sz="2700" kern="1200"/>
         </a:p>
@@ -4525,7 +7948,7 @@
         </a:bodyPr>
         <a:lstStyle/>
         <a:p>
-          <a:pPr lvl="0" algn="ctr" defTabSz="1778000">
+          <a:pPr marL="0" lvl="0" indent="0" algn="ctr" defTabSz="1778000">
             <a:lnSpc>
               <a:spcPct val="90000"/>
             </a:lnSpc>
@@ -4535,12 +7958,12 @@
             <a:spcAft>
               <a:spcPct val="35000"/>
             </a:spcAft>
+            <a:buNone/>
           </a:pPr>
           <a:r>
-            <a:rPr lang="es-ES" sz="4000" kern="1200" dirty="0" smtClean="0"/>
+            <a:rPr lang="es-ES" sz="4000" kern="1200" dirty="0"/>
             <a:t>SVC</a:t>
           </a:r>
-          <a:endParaRPr lang="es-ES" sz="4000" kern="1200" dirty="0"/>
         </a:p>
       </dsp:txBody>
       <dsp:txXfrm>
@@ -4614,7 +8037,7 @@
             <a:spcAft>
               <a:spcPct val="15000"/>
             </a:spcAft>
-            <a:buChar char="••"/>
+            <a:buChar char="•"/>
           </a:pPr>
           <a:endParaRPr lang="es-ES" sz="2700" kern="1200"/>
         </a:p>
@@ -4629,7 +8052,7 @@
             <a:spcAft>
               <a:spcPct val="15000"/>
             </a:spcAft>
-            <a:buChar char="••"/>
+            <a:buChar char="•"/>
           </a:pPr>
           <a:endParaRPr lang="es-ES" sz="2700" kern="1200"/>
         </a:p>
@@ -4693,7 +8116,7 @@
         </a:bodyPr>
         <a:lstStyle/>
         <a:p>
-          <a:pPr lvl="0" algn="ctr" defTabSz="1244600">
+          <a:pPr marL="0" lvl="0" indent="0" algn="ctr" defTabSz="1244600">
             <a:lnSpc>
               <a:spcPct val="90000"/>
             </a:lnSpc>
@@ -4703,12 +8126,12 @@
             <a:spcAft>
               <a:spcPct val="35000"/>
             </a:spcAft>
+            <a:buNone/>
           </a:pPr>
           <a:r>
-            <a:rPr lang="en-US" sz="2800" kern="1200" noProof="0" dirty="0" smtClean="0"/>
+            <a:rPr lang="en-US" sz="2800" kern="1200" noProof="0" dirty="0"/>
             <a:t>Decision tree</a:t>
           </a:r>
-          <a:endParaRPr lang="en-US" sz="2800" kern="1200" noProof="0" dirty="0"/>
         </a:p>
       </dsp:txBody>
       <dsp:txXfrm>
@@ -4782,21 +8205,20 @@
             <a:spcAft>
               <a:spcPct val="15000"/>
             </a:spcAft>
-            <a:buChar char="••"/>
+            <a:buChar char="•"/>
           </a:pPr>
           <a:r>
-            <a:rPr lang="es-ES" sz="2700" kern="1200" dirty="0" smtClean="0"/>
+            <a:rPr lang="es-ES" sz="2700" kern="1200" dirty="0"/>
             <a:t>Max </a:t>
           </a:r>
           <a:r>
-            <a:rPr lang="es-ES" sz="2700" kern="1200" dirty="0" err="1" smtClean="0"/>
+            <a:rPr lang="es-ES" sz="2700" kern="1200" dirty="0" err="1"/>
             <a:t>depth</a:t>
           </a:r>
           <a:r>
-            <a:rPr lang="es-ES" sz="2700" kern="1200" dirty="0" smtClean="0"/>
+            <a:rPr lang="es-ES" sz="2700" kern="1200" dirty="0"/>
             <a:t>: 8</a:t>
           </a:r>
-          <a:endParaRPr lang="es-ES" sz="2700" kern="1200" dirty="0"/>
         </a:p>
         <a:p>
           <a:pPr marL="228600" lvl="1" indent="-228600" algn="l" defTabSz="1200150">
@@ -4809,7 +8231,7 @@
             <a:spcAft>
               <a:spcPct val="15000"/>
             </a:spcAft>
-            <a:buChar char="••"/>
+            <a:buChar char="•"/>
           </a:pPr>
           <a:endParaRPr lang="es-ES" sz="2700" kern="1200" dirty="0"/>
         </a:p>
@@ -4873,7 +8295,7 @@
         </a:bodyPr>
         <a:lstStyle/>
         <a:p>
-          <a:pPr lvl="0" algn="ctr" defTabSz="1200150">
+          <a:pPr marL="0" lvl="0" indent="0" algn="ctr" defTabSz="1200150">
             <a:lnSpc>
               <a:spcPct val="90000"/>
             </a:lnSpc>
@@ -4883,9 +8305,10 @@
             <a:spcAft>
               <a:spcPct val="35000"/>
             </a:spcAft>
+            <a:buNone/>
           </a:pPr>
           <a:r>
-            <a:rPr lang="es-ES" sz="2700" kern="1200" dirty="0" err="1" smtClean="0"/>
+            <a:rPr lang="es-ES" sz="2700" kern="1200" dirty="0" err="1"/>
             <a:t>Dsf</a:t>
           </a:r>
           <a:endParaRPr lang="es-ES" sz="2700" kern="1200" dirty="0"/>
@@ -4962,10 +8385,10 @@
             <a:spcAft>
               <a:spcPct val="15000"/>
             </a:spcAft>
-            <a:buChar char="••"/>
+            <a:buChar char="•"/>
           </a:pPr>
           <a:r>
-            <a:rPr lang="es-ES" sz="2700" kern="1200" dirty="0" err="1" smtClean="0"/>
+            <a:rPr lang="es-ES" sz="2700" kern="1200" dirty="0" err="1"/>
             <a:t>sdf</a:t>
           </a:r>
           <a:endParaRPr lang="es-ES" sz="2700" kern="1200" dirty="0"/>
@@ -5030,7 +8453,7 @@
         </a:bodyPr>
         <a:lstStyle/>
         <a:p>
-          <a:pPr lvl="0" algn="ctr" defTabSz="1200150">
+          <a:pPr marL="0" lvl="0" indent="0" algn="ctr" defTabSz="1200150">
             <a:lnSpc>
               <a:spcPct val="90000"/>
             </a:lnSpc>
@@ -5040,9 +8463,10 @@
             <a:spcAft>
               <a:spcPct val="35000"/>
             </a:spcAft>
+            <a:buNone/>
           </a:pPr>
           <a:r>
-            <a:rPr lang="es-ES" sz="2700" kern="1200" dirty="0" err="1" smtClean="0"/>
+            <a:rPr lang="es-ES" sz="2700" kern="1200" dirty="0" err="1"/>
             <a:t>sdf</a:t>
           </a:r>
           <a:endParaRPr lang="es-ES" sz="2700" kern="1200" dirty="0"/>
@@ -5308,7 +8732,7 @@
   </dgm:layoutNode>
   <dgm:extLst>
     <a:ext uri="{68A01E43-0DF5-4B5B-8FA6-DAF915123BFB}">
-      <dgm1612:lstStyle xmlns="" xmlns:dgm1612="http://schemas.microsoft.com/office/drawing/2016/12/diagram">
+      <dgm1612:lstStyle xmlns:dgm1612="http://schemas.microsoft.com/office/drawing/2016/12/diagram">
         <a:lvl1pPr>
           <a:lnSpc>
             <a:spcPct val="100000"/>
@@ -5321,6 +8745,223 @@
 </file>
 
 <file path=ppt/diagrams/layout2.xml><?xml version="1.0" encoding="utf-8"?>
+<dgm:layoutDef xmlns:dgm="http://schemas.openxmlformats.org/drawingml/2006/diagram" xmlns:a="http://schemas.openxmlformats.org/drawingml/2006/main" uniqueId="urn:microsoft.com/office/officeart/2005/8/layout/hList1">
+  <dgm:title val=""/>
+  <dgm:desc val=""/>
+  <dgm:catLst>
+    <dgm:cat type="list" pri="5000"/>
+    <dgm:cat type="convert" pri="5000"/>
+  </dgm:catLst>
+  <dgm:sampData>
+    <dgm:dataModel>
+      <dgm:ptLst>
+        <dgm:pt modelId="0" type="doc"/>
+        <dgm:pt modelId="1">
+          <dgm:prSet phldr="1"/>
+        </dgm:pt>
+        <dgm:pt modelId="11">
+          <dgm:prSet phldr="1"/>
+        </dgm:pt>
+        <dgm:pt modelId="12">
+          <dgm:prSet phldr="1"/>
+        </dgm:pt>
+        <dgm:pt modelId="2">
+          <dgm:prSet phldr="1"/>
+        </dgm:pt>
+        <dgm:pt modelId="21">
+          <dgm:prSet phldr="1"/>
+        </dgm:pt>
+        <dgm:pt modelId="22">
+          <dgm:prSet phldr="1"/>
+        </dgm:pt>
+        <dgm:pt modelId="3">
+          <dgm:prSet phldr="1"/>
+        </dgm:pt>
+        <dgm:pt modelId="31">
+          <dgm:prSet phldr="1"/>
+        </dgm:pt>
+        <dgm:pt modelId="32">
+          <dgm:prSet phldr="1"/>
+        </dgm:pt>
+      </dgm:ptLst>
+      <dgm:cxnLst>
+        <dgm:cxn modelId="4" srcId="0" destId="1" srcOrd="0" destOrd="0"/>
+        <dgm:cxn modelId="5" srcId="0" destId="2" srcOrd="1" destOrd="0"/>
+        <dgm:cxn modelId="6" srcId="0" destId="3" srcOrd="2" destOrd="0"/>
+        <dgm:cxn modelId="13" srcId="1" destId="11" srcOrd="0" destOrd="0"/>
+        <dgm:cxn modelId="14" srcId="1" destId="12" srcOrd="1" destOrd="0"/>
+        <dgm:cxn modelId="23" srcId="2" destId="21" srcOrd="0" destOrd="0"/>
+        <dgm:cxn modelId="24" srcId="2" destId="22" srcOrd="1" destOrd="0"/>
+        <dgm:cxn modelId="33" srcId="3" destId="31" srcOrd="0" destOrd="0"/>
+        <dgm:cxn modelId="34" srcId="3" destId="32" srcOrd="1" destOrd="0"/>
+      </dgm:cxnLst>
+      <dgm:bg/>
+      <dgm:whole/>
+    </dgm:dataModel>
+  </dgm:sampData>
+  <dgm:styleData>
+    <dgm:dataModel>
+      <dgm:ptLst>
+        <dgm:pt modelId="0" type="doc"/>
+        <dgm:pt modelId="1">
+          <dgm:prSet phldr="1"/>
+        </dgm:pt>
+        <dgm:pt modelId="2">
+          <dgm:prSet phldr="1"/>
+        </dgm:pt>
+      </dgm:ptLst>
+      <dgm:cxnLst>
+        <dgm:cxn modelId="3" srcId="0" destId="1" srcOrd="0" destOrd="0"/>
+        <dgm:cxn modelId="4" srcId="0" destId="2" srcOrd="1" destOrd="0"/>
+      </dgm:cxnLst>
+      <dgm:bg/>
+      <dgm:whole/>
+    </dgm:dataModel>
+  </dgm:styleData>
+  <dgm:clrData>
+    <dgm:dataModel>
+      <dgm:ptLst>
+        <dgm:pt modelId="0" type="doc"/>
+        <dgm:pt modelId="1">
+          <dgm:prSet phldr="1"/>
+        </dgm:pt>
+        <dgm:pt modelId="2">
+          <dgm:prSet phldr="1"/>
+        </dgm:pt>
+        <dgm:pt modelId="3">
+          <dgm:prSet phldr="1"/>
+        </dgm:pt>
+        <dgm:pt modelId="4">
+          <dgm:prSet phldr="1"/>
+        </dgm:pt>
+      </dgm:ptLst>
+      <dgm:cxnLst>
+        <dgm:cxn modelId="5" srcId="0" destId="1" srcOrd="0" destOrd="0"/>
+        <dgm:cxn modelId="6" srcId="0" destId="2" srcOrd="1" destOrd="0"/>
+        <dgm:cxn modelId="7" srcId="0" destId="3" srcOrd="2" destOrd="0"/>
+        <dgm:cxn modelId="8" srcId="0" destId="4" srcOrd="3" destOrd="0"/>
+      </dgm:cxnLst>
+      <dgm:bg/>
+      <dgm:whole/>
+    </dgm:dataModel>
+  </dgm:clrData>
+  <dgm:layoutNode name="Name0">
+    <dgm:varLst>
+      <dgm:dir/>
+      <dgm:animLvl val="lvl"/>
+      <dgm:resizeHandles val="exact"/>
+    </dgm:varLst>
+    <dgm:choose name="Name1">
+      <dgm:if name="Name2" func="var" arg="dir" op="equ" val="norm">
+        <dgm:alg type="lin"/>
+      </dgm:if>
+      <dgm:else name="Name3">
+        <dgm:alg type="lin">
+          <dgm:param type="linDir" val="fromR"/>
+        </dgm:alg>
+      </dgm:else>
+    </dgm:choose>
+    <dgm:shape xmlns:r="http://schemas.openxmlformats.org/officeDocument/2006/relationships" r:blip="">
+      <dgm:adjLst/>
+    </dgm:shape>
+    <dgm:presOf/>
+    <dgm:constrLst>
+      <dgm:constr type="h" for="ch" forName="composite" refType="h"/>
+      <dgm:constr type="w" for="ch" forName="composite" refType="w"/>
+      <dgm:constr type="w" for="des" forName="parTx"/>
+      <dgm:constr type="h" for="des" forName="parTx" op="equ"/>
+      <dgm:constr type="w" for="des" forName="desTx"/>
+      <dgm:constr type="h" for="des" forName="desTx" op="equ"/>
+      <dgm:constr type="primFontSz" for="des" forName="parTx" val="65"/>
+      <dgm:constr type="secFontSz" for="des" forName="desTx" refType="primFontSz" refFor="des" refForName="parTx" op="equ"/>
+      <dgm:constr type="h" for="des" forName="parTx" refType="primFontSz" refFor="des" refForName="parTx" fact="0.8"/>
+      <dgm:constr type="h" for="des" forName="desTx" refType="primFontSz" refFor="des" refForName="parTx" fact="1.22"/>
+      <dgm:constr type="w" for="ch" forName="space" refType="w" refFor="ch" refForName="composite" op="equ" fact="0.14"/>
+    </dgm:constrLst>
+    <dgm:ruleLst>
+      <dgm:rule type="w" for="ch" forName="composite" val="0" fact="NaN" max="NaN"/>
+      <dgm:rule type="primFontSz" for="des" forName="parTx" val="5" fact="NaN" max="NaN"/>
+    </dgm:ruleLst>
+    <dgm:forEach name="Name4" axis="ch" ptType="node">
+      <dgm:layoutNode name="composite">
+        <dgm:alg type="composite"/>
+        <dgm:shape xmlns:r="http://schemas.openxmlformats.org/officeDocument/2006/relationships" r:blip="">
+          <dgm:adjLst/>
+        </dgm:shape>
+        <dgm:presOf/>
+        <dgm:constrLst>
+          <dgm:constr type="l" for="ch" forName="parTx"/>
+          <dgm:constr type="w" for="ch" forName="parTx" refType="w"/>
+          <dgm:constr type="t" for="ch" forName="parTx"/>
+          <dgm:constr type="l" for="ch" forName="desTx"/>
+          <dgm:constr type="w" for="ch" forName="desTx" refType="w" refFor="ch" refForName="parTx"/>
+          <dgm:constr type="t" for="ch" forName="desTx" refType="h" refFor="ch" refForName="parTx"/>
+        </dgm:constrLst>
+        <dgm:ruleLst>
+          <dgm:rule type="h" val="INF" fact="NaN" max="NaN"/>
+        </dgm:ruleLst>
+        <dgm:layoutNode name="parTx" styleLbl="alignNode1">
+          <dgm:varLst>
+            <dgm:chMax val="0"/>
+            <dgm:chPref val="0"/>
+            <dgm:bulletEnabled val="1"/>
+          </dgm:varLst>
+          <dgm:alg type="tx"/>
+          <dgm:shape xmlns:r="http://schemas.openxmlformats.org/officeDocument/2006/relationships" type="rect" r:blip="">
+            <dgm:adjLst/>
+          </dgm:shape>
+          <dgm:presOf axis="self" ptType="node"/>
+          <dgm:constrLst>
+            <dgm:constr type="h" refType="w" op="lte" fact="0.4"/>
+            <dgm:constr type="h"/>
+            <dgm:constr type="tMarg" refType="primFontSz" fact="0.32"/>
+            <dgm:constr type="bMarg" refType="primFontSz" fact="0.32"/>
+          </dgm:constrLst>
+          <dgm:ruleLst>
+            <dgm:rule type="h" val="INF" fact="NaN" max="NaN"/>
+          </dgm:ruleLst>
+        </dgm:layoutNode>
+        <dgm:layoutNode name="desTx" styleLbl="alignAccFollowNode1">
+          <dgm:varLst>
+            <dgm:bulletEnabled val="1"/>
+          </dgm:varLst>
+          <dgm:alg type="tx">
+            <dgm:param type="stBulletLvl" val="1"/>
+          </dgm:alg>
+          <dgm:shape xmlns:r="http://schemas.openxmlformats.org/officeDocument/2006/relationships" type="rect" r:blip="">
+            <dgm:adjLst/>
+          </dgm:shape>
+          <dgm:presOf axis="des" ptType="node"/>
+          <dgm:constrLst>
+            <dgm:constr type="secFontSz" val="65"/>
+            <dgm:constr type="primFontSz" refType="secFontSz"/>
+            <dgm:constr type="h"/>
+            <dgm:constr type="lMarg" refType="primFontSz" fact="0.42"/>
+            <dgm:constr type="tMarg" refType="primFontSz" fact="0.42"/>
+            <dgm:constr type="bMarg" refType="primFontSz" fact="0.63"/>
+          </dgm:constrLst>
+          <dgm:ruleLst>
+            <dgm:rule type="h" val="INF" fact="NaN" max="NaN"/>
+          </dgm:ruleLst>
+        </dgm:layoutNode>
+      </dgm:layoutNode>
+      <dgm:forEach name="Name5" axis="followSib" ptType="sibTrans" cnt="1">
+        <dgm:layoutNode name="space">
+          <dgm:alg type="sp"/>
+          <dgm:shape xmlns:r="http://schemas.openxmlformats.org/officeDocument/2006/relationships" r:blip="">
+            <dgm:adjLst/>
+          </dgm:shape>
+          <dgm:presOf/>
+          <dgm:constrLst/>
+          <dgm:ruleLst/>
+        </dgm:layoutNode>
+      </dgm:forEach>
+    </dgm:forEach>
+  </dgm:layoutNode>
+</dgm:layoutDef>
+</file>
+
+<file path=ppt/diagrams/layout3.xml><?xml version="1.0" encoding="utf-8"?>
 <dgm:layoutDef xmlns:dgm="http://schemas.openxmlformats.org/drawingml/2006/diagram" xmlns:a="http://schemas.openxmlformats.org/drawingml/2006/main" uniqueId="urn:microsoft.com/office/officeart/2005/8/layout/hList1">
   <dgm:title val=""/>
   <dgm:desc val=""/>
@@ -7605,6 +11246,1040 @@
 </dgm:styleDef>
 </file>
 
+<file path=ppt/diagrams/quickStyle3.xml><?xml version="1.0" encoding="utf-8"?>
+<dgm:styleDef xmlns:dgm="http://schemas.openxmlformats.org/drawingml/2006/diagram" xmlns:a="http://schemas.openxmlformats.org/drawingml/2006/main" uniqueId="urn:microsoft.com/office/officeart/2005/8/quickstyle/simple1">
+  <dgm:title val=""/>
+  <dgm:desc val=""/>
+  <dgm:catLst>
+    <dgm:cat type="simple" pri="10100"/>
+  </dgm:catLst>
+  <dgm:scene3d>
+    <a:camera prst="orthographicFront"/>
+    <a:lightRig rig="threePt" dir="t"/>
+  </dgm:scene3d>
+  <dgm:styleLbl name="node0">
+    <dgm:scene3d>
+      <a:camera prst="orthographicFront"/>
+      <a:lightRig rig="threePt" dir="t"/>
+    </dgm:scene3d>
+    <dgm:sp3d/>
+    <dgm:txPr/>
+    <dgm:style>
+      <a:lnRef idx="2">
+        <a:scrgbClr r="0" g="0" b="0"/>
+      </a:lnRef>
+      <a:fillRef idx="1">
+        <a:scrgbClr r="0" g="0" b="0"/>
+      </a:fillRef>
+      <a:effectRef idx="0">
+        <a:scrgbClr r="0" g="0" b="0"/>
+      </a:effectRef>
+      <a:fontRef idx="minor">
+        <a:schemeClr val="lt1"/>
+      </a:fontRef>
+    </dgm:style>
+  </dgm:styleLbl>
+  <dgm:styleLbl name="lnNode1">
+    <dgm:scene3d>
+      <a:camera prst="orthographicFront"/>
+      <a:lightRig rig="threePt" dir="t"/>
+    </dgm:scene3d>
+    <dgm:sp3d/>
+    <dgm:txPr/>
+    <dgm:style>
+      <a:lnRef idx="2">
+        <a:scrgbClr r="0" g="0" b="0"/>
+      </a:lnRef>
+      <a:fillRef idx="1">
+        <a:scrgbClr r="0" g="0" b="0"/>
+      </a:fillRef>
+      <a:effectRef idx="0">
+        <a:scrgbClr r="0" g="0" b="0"/>
+      </a:effectRef>
+      <a:fontRef idx="minor">
+        <a:schemeClr val="lt1"/>
+      </a:fontRef>
+    </dgm:style>
+  </dgm:styleLbl>
+  <dgm:styleLbl name="vennNode1">
+    <dgm:scene3d>
+      <a:camera prst="orthographicFront"/>
+      <a:lightRig rig="threePt" dir="t"/>
+    </dgm:scene3d>
+    <dgm:sp3d/>
+    <dgm:txPr/>
+    <dgm:style>
+      <a:lnRef idx="2">
+        <a:scrgbClr r="0" g="0" b="0"/>
+      </a:lnRef>
+      <a:fillRef idx="1">
+        <a:scrgbClr r="0" g="0" b="0"/>
+      </a:fillRef>
+      <a:effectRef idx="0">
+        <a:scrgbClr r="0" g="0" b="0"/>
+      </a:effectRef>
+      <a:fontRef idx="minor">
+        <a:schemeClr val="tx1"/>
+      </a:fontRef>
+    </dgm:style>
+  </dgm:styleLbl>
+  <dgm:styleLbl name="alignNode1">
+    <dgm:scene3d>
+      <a:camera prst="orthographicFront"/>
+      <a:lightRig rig="threePt" dir="t"/>
+    </dgm:scene3d>
+    <dgm:sp3d/>
+    <dgm:txPr/>
+    <dgm:style>
+      <a:lnRef idx="2">
+        <a:scrgbClr r="0" g="0" b="0"/>
+      </a:lnRef>
+      <a:fillRef idx="1">
+        <a:scrgbClr r="0" g="0" b="0"/>
+      </a:fillRef>
+      <a:effectRef idx="0">
+        <a:scrgbClr r="0" g="0" b="0"/>
+      </a:effectRef>
+      <a:fontRef idx="minor">
+        <a:schemeClr val="lt1"/>
+      </a:fontRef>
+    </dgm:style>
+  </dgm:styleLbl>
+  <dgm:styleLbl name="node1">
+    <dgm:scene3d>
+      <a:camera prst="orthographicFront"/>
+      <a:lightRig rig="threePt" dir="t"/>
+    </dgm:scene3d>
+    <dgm:sp3d/>
+    <dgm:txPr/>
+    <dgm:style>
+      <a:lnRef idx="2">
+        <a:scrgbClr r="0" g="0" b="0"/>
+      </a:lnRef>
+      <a:fillRef idx="1">
+        <a:scrgbClr r="0" g="0" b="0"/>
+      </a:fillRef>
+      <a:effectRef idx="0">
+        <a:scrgbClr r="0" g="0" b="0"/>
+      </a:effectRef>
+      <a:fontRef idx="minor">
+        <a:schemeClr val="lt1"/>
+      </a:fontRef>
+    </dgm:style>
+  </dgm:styleLbl>
+  <dgm:styleLbl name="node2">
+    <dgm:scene3d>
+      <a:camera prst="orthographicFront"/>
+      <a:lightRig rig="threePt" dir="t"/>
+    </dgm:scene3d>
+    <dgm:sp3d/>
+    <dgm:txPr/>
+    <dgm:style>
+      <a:lnRef idx="2">
+        <a:scrgbClr r="0" g="0" b="0"/>
+      </a:lnRef>
+      <a:fillRef idx="1">
+        <a:scrgbClr r="0" g="0" b="0"/>
+      </a:fillRef>
+      <a:effectRef idx="0">
+        <a:scrgbClr r="0" g="0" b="0"/>
+      </a:effectRef>
+      <a:fontRef idx="minor">
+        <a:schemeClr val="lt1"/>
+      </a:fontRef>
+    </dgm:style>
+  </dgm:styleLbl>
+  <dgm:styleLbl name="node3">
+    <dgm:scene3d>
+      <a:camera prst="orthographicFront"/>
+      <a:lightRig rig="threePt" dir="t"/>
+    </dgm:scene3d>
+    <dgm:sp3d/>
+    <dgm:txPr/>
+    <dgm:style>
+      <a:lnRef idx="2">
+        <a:scrgbClr r="0" g="0" b="0"/>
+      </a:lnRef>
+      <a:fillRef idx="1">
+        <a:scrgbClr r="0" g="0" b="0"/>
+      </a:fillRef>
+      <a:effectRef idx="0">
+        <a:scrgbClr r="0" g="0" b="0"/>
+      </a:effectRef>
+      <a:fontRef idx="minor">
+        <a:schemeClr val="lt1"/>
+      </a:fontRef>
+    </dgm:style>
+  </dgm:styleLbl>
+  <dgm:styleLbl name="node4">
+    <dgm:scene3d>
+      <a:camera prst="orthographicFront"/>
+      <a:lightRig rig="threePt" dir="t"/>
+    </dgm:scene3d>
+    <dgm:sp3d/>
+    <dgm:txPr/>
+    <dgm:style>
+      <a:lnRef idx="2">
+        <a:scrgbClr r="0" g="0" b="0"/>
+      </a:lnRef>
+      <a:fillRef idx="1">
+        <a:scrgbClr r="0" g="0" b="0"/>
+      </a:fillRef>
+      <a:effectRef idx="0">
+        <a:scrgbClr r="0" g="0" b="0"/>
+      </a:effectRef>
+      <a:fontRef idx="minor">
+        <a:schemeClr val="lt1"/>
+      </a:fontRef>
+    </dgm:style>
+  </dgm:styleLbl>
+  <dgm:styleLbl name="fgImgPlace1">
+    <dgm:scene3d>
+      <a:camera prst="orthographicFront"/>
+      <a:lightRig rig="threePt" dir="t"/>
+    </dgm:scene3d>
+    <dgm:sp3d/>
+    <dgm:txPr/>
+    <dgm:style>
+      <a:lnRef idx="2">
+        <a:scrgbClr r="0" g="0" b="0"/>
+      </a:lnRef>
+      <a:fillRef idx="1">
+        <a:scrgbClr r="0" g="0" b="0"/>
+      </a:fillRef>
+      <a:effectRef idx="0">
+        <a:scrgbClr r="0" g="0" b="0"/>
+      </a:effectRef>
+      <a:fontRef idx="minor"/>
+    </dgm:style>
+  </dgm:styleLbl>
+  <dgm:styleLbl name="alignImgPlace1">
+    <dgm:scene3d>
+      <a:camera prst="orthographicFront"/>
+      <a:lightRig rig="threePt" dir="t"/>
+    </dgm:scene3d>
+    <dgm:sp3d/>
+    <dgm:txPr/>
+    <dgm:style>
+      <a:lnRef idx="2">
+        <a:scrgbClr r="0" g="0" b="0"/>
+      </a:lnRef>
+      <a:fillRef idx="1">
+        <a:scrgbClr r="0" g="0" b="0"/>
+      </a:fillRef>
+      <a:effectRef idx="0">
+        <a:scrgbClr r="0" g="0" b="0"/>
+      </a:effectRef>
+      <a:fontRef idx="minor"/>
+    </dgm:style>
+  </dgm:styleLbl>
+  <dgm:styleLbl name="bgImgPlace1">
+    <dgm:scene3d>
+      <a:camera prst="orthographicFront"/>
+      <a:lightRig rig="threePt" dir="t"/>
+    </dgm:scene3d>
+    <dgm:sp3d/>
+    <dgm:txPr/>
+    <dgm:style>
+      <a:lnRef idx="2">
+        <a:scrgbClr r="0" g="0" b="0"/>
+      </a:lnRef>
+      <a:fillRef idx="1">
+        <a:scrgbClr r="0" g="0" b="0"/>
+      </a:fillRef>
+      <a:effectRef idx="0">
+        <a:scrgbClr r="0" g="0" b="0"/>
+      </a:effectRef>
+      <a:fontRef idx="minor"/>
+    </dgm:style>
+  </dgm:styleLbl>
+  <dgm:styleLbl name="sibTrans2D1">
+    <dgm:scene3d>
+      <a:camera prst="orthographicFront"/>
+      <a:lightRig rig="threePt" dir="t"/>
+    </dgm:scene3d>
+    <dgm:sp3d/>
+    <dgm:txPr/>
+    <dgm:style>
+      <a:lnRef idx="0">
+        <a:scrgbClr r="0" g="0" b="0"/>
+      </a:lnRef>
+      <a:fillRef idx="1">
+        <a:scrgbClr r="0" g="0" b="0"/>
+      </a:fillRef>
+      <a:effectRef idx="0">
+        <a:scrgbClr r="0" g="0" b="0"/>
+      </a:effectRef>
+      <a:fontRef idx="minor">
+        <a:schemeClr val="lt1"/>
+      </a:fontRef>
+    </dgm:style>
+  </dgm:styleLbl>
+  <dgm:styleLbl name="fgSibTrans2D1">
+    <dgm:scene3d>
+      <a:camera prst="orthographicFront"/>
+      <a:lightRig rig="threePt" dir="t"/>
+    </dgm:scene3d>
+    <dgm:sp3d/>
+    <dgm:txPr/>
+    <dgm:style>
+      <a:lnRef idx="0">
+        <a:scrgbClr r="0" g="0" b="0"/>
+      </a:lnRef>
+      <a:fillRef idx="1">
+        <a:scrgbClr r="0" g="0" b="0"/>
+      </a:fillRef>
+      <a:effectRef idx="0">
+        <a:scrgbClr r="0" g="0" b="0"/>
+      </a:effectRef>
+      <a:fontRef idx="minor">
+        <a:schemeClr val="lt1"/>
+      </a:fontRef>
+    </dgm:style>
+  </dgm:styleLbl>
+  <dgm:styleLbl name="bgSibTrans2D1">
+    <dgm:scene3d>
+      <a:camera prst="orthographicFront"/>
+      <a:lightRig rig="threePt" dir="t"/>
+    </dgm:scene3d>
+    <dgm:sp3d/>
+    <dgm:txPr/>
+    <dgm:style>
+      <a:lnRef idx="0">
+        <a:scrgbClr r="0" g="0" b="0"/>
+      </a:lnRef>
+      <a:fillRef idx="1">
+        <a:scrgbClr r="0" g="0" b="0"/>
+      </a:fillRef>
+      <a:effectRef idx="0">
+        <a:scrgbClr r="0" g="0" b="0"/>
+      </a:effectRef>
+      <a:fontRef idx="minor">
+        <a:schemeClr val="lt1"/>
+      </a:fontRef>
+    </dgm:style>
+  </dgm:styleLbl>
+  <dgm:styleLbl name="sibTrans1D1">
+    <dgm:scene3d>
+      <a:camera prst="orthographicFront"/>
+      <a:lightRig rig="threePt" dir="t"/>
+    </dgm:scene3d>
+    <dgm:sp3d/>
+    <dgm:txPr/>
+    <dgm:style>
+      <a:lnRef idx="1">
+        <a:scrgbClr r="0" g="0" b="0"/>
+      </a:lnRef>
+      <a:fillRef idx="0">
+        <a:scrgbClr r="0" g="0" b="0"/>
+      </a:fillRef>
+      <a:effectRef idx="0">
+        <a:scrgbClr r="0" g="0" b="0"/>
+      </a:effectRef>
+      <a:fontRef idx="minor"/>
+    </dgm:style>
+  </dgm:styleLbl>
+  <dgm:styleLbl name="callout">
+    <dgm:scene3d>
+      <a:camera prst="orthographicFront"/>
+      <a:lightRig rig="threePt" dir="t"/>
+    </dgm:scene3d>
+    <dgm:sp3d/>
+    <dgm:txPr/>
+    <dgm:style>
+      <a:lnRef idx="2">
+        <a:scrgbClr r="0" g="0" b="0"/>
+      </a:lnRef>
+      <a:fillRef idx="1">
+        <a:scrgbClr r="0" g="0" b="0"/>
+      </a:fillRef>
+      <a:effectRef idx="0">
+        <a:scrgbClr r="0" g="0" b="0"/>
+      </a:effectRef>
+      <a:fontRef idx="minor"/>
+    </dgm:style>
+  </dgm:styleLbl>
+  <dgm:styleLbl name="asst0">
+    <dgm:scene3d>
+      <a:camera prst="orthographicFront"/>
+      <a:lightRig rig="threePt" dir="t"/>
+    </dgm:scene3d>
+    <dgm:sp3d/>
+    <dgm:txPr/>
+    <dgm:style>
+      <a:lnRef idx="2">
+        <a:scrgbClr r="0" g="0" b="0"/>
+      </a:lnRef>
+      <a:fillRef idx="1">
+        <a:scrgbClr r="0" g="0" b="0"/>
+      </a:fillRef>
+      <a:effectRef idx="0">
+        <a:scrgbClr r="0" g="0" b="0"/>
+      </a:effectRef>
+      <a:fontRef idx="minor">
+        <a:schemeClr val="lt1"/>
+      </a:fontRef>
+    </dgm:style>
+  </dgm:styleLbl>
+  <dgm:styleLbl name="asst1">
+    <dgm:scene3d>
+      <a:camera prst="orthographicFront"/>
+      <a:lightRig rig="threePt" dir="t"/>
+    </dgm:scene3d>
+    <dgm:sp3d/>
+    <dgm:txPr/>
+    <dgm:style>
+      <a:lnRef idx="2">
+        <a:scrgbClr r="0" g="0" b="0"/>
+      </a:lnRef>
+      <a:fillRef idx="1">
+        <a:scrgbClr r="0" g="0" b="0"/>
+      </a:fillRef>
+      <a:effectRef idx="0">
+        <a:scrgbClr r="0" g="0" b="0"/>
+      </a:effectRef>
+      <a:fontRef idx="minor">
+        <a:schemeClr val="lt1"/>
+      </a:fontRef>
+    </dgm:style>
+  </dgm:styleLbl>
+  <dgm:styleLbl name="asst2">
+    <dgm:scene3d>
+      <a:camera prst="orthographicFront"/>
+      <a:lightRig rig="threePt" dir="t"/>
+    </dgm:scene3d>
+    <dgm:sp3d/>
+    <dgm:txPr/>
+    <dgm:style>
+      <a:lnRef idx="2">
+        <a:scrgbClr r="0" g="0" b="0"/>
+      </a:lnRef>
+      <a:fillRef idx="1">
+        <a:scrgbClr r="0" g="0" b="0"/>
+      </a:fillRef>
+      <a:effectRef idx="0">
+        <a:scrgbClr r="0" g="0" b="0"/>
+      </a:effectRef>
+      <a:fontRef idx="minor">
+        <a:schemeClr val="lt1"/>
+      </a:fontRef>
+    </dgm:style>
+  </dgm:styleLbl>
+  <dgm:styleLbl name="asst3">
+    <dgm:scene3d>
+      <a:camera prst="orthographicFront"/>
+      <a:lightRig rig="threePt" dir="t"/>
+    </dgm:scene3d>
+    <dgm:sp3d/>
+    <dgm:txPr/>
+    <dgm:style>
+      <a:lnRef idx="2">
+        <a:scrgbClr r="0" g="0" b="0"/>
+      </a:lnRef>
+      <a:fillRef idx="1">
+        <a:scrgbClr r="0" g="0" b="0"/>
+      </a:fillRef>
+      <a:effectRef idx="0">
+        <a:scrgbClr r="0" g="0" b="0"/>
+      </a:effectRef>
+      <a:fontRef idx="minor">
+        <a:schemeClr val="lt1"/>
+      </a:fontRef>
+    </dgm:style>
+  </dgm:styleLbl>
+  <dgm:styleLbl name="asst4">
+    <dgm:scene3d>
+      <a:camera prst="orthographicFront"/>
+      <a:lightRig rig="threePt" dir="t"/>
+    </dgm:scene3d>
+    <dgm:sp3d/>
+    <dgm:txPr/>
+    <dgm:style>
+      <a:lnRef idx="2">
+        <a:scrgbClr r="0" g="0" b="0"/>
+      </a:lnRef>
+      <a:fillRef idx="1">
+        <a:scrgbClr r="0" g="0" b="0"/>
+      </a:fillRef>
+      <a:effectRef idx="0">
+        <a:scrgbClr r="0" g="0" b="0"/>
+      </a:effectRef>
+      <a:fontRef idx="minor">
+        <a:schemeClr val="lt1"/>
+      </a:fontRef>
+    </dgm:style>
+  </dgm:styleLbl>
+  <dgm:styleLbl name="parChTrans2D1">
+    <dgm:scene3d>
+      <a:camera prst="orthographicFront"/>
+      <a:lightRig rig="threePt" dir="t"/>
+    </dgm:scene3d>
+    <dgm:sp3d/>
+    <dgm:txPr/>
+    <dgm:style>
+      <a:lnRef idx="2">
+        <a:scrgbClr r="0" g="0" b="0"/>
+      </a:lnRef>
+      <a:fillRef idx="1">
+        <a:scrgbClr r="0" g="0" b="0"/>
+      </a:fillRef>
+      <a:effectRef idx="0">
+        <a:scrgbClr r="0" g="0" b="0"/>
+      </a:effectRef>
+      <a:fontRef idx="minor">
+        <a:schemeClr val="lt1"/>
+      </a:fontRef>
+    </dgm:style>
+  </dgm:styleLbl>
+  <dgm:styleLbl name="parChTrans2D2">
+    <dgm:scene3d>
+      <a:camera prst="orthographicFront"/>
+      <a:lightRig rig="threePt" dir="t"/>
+    </dgm:scene3d>
+    <dgm:sp3d/>
+    <dgm:txPr/>
+    <dgm:style>
+      <a:lnRef idx="2">
+        <a:scrgbClr r="0" g="0" b="0"/>
+      </a:lnRef>
+      <a:fillRef idx="1">
+        <a:scrgbClr r="0" g="0" b="0"/>
+      </a:fillRef>
+      <a:effectRef idx="0">
+        <a:scrgbClr r="0" g="0" b="0"/>
+      </a:effectRef>
+      <a:fontRef idx="minor">
+        <a:schemeClr val="lt1"/>
+      </a:fontRef>
+    </dgm:style>
+  </dgm:styleLbl>
+  <dgm:styleLbl name="parChTrans2D3">
+    <dgm:scene3d>
+      <a:camera prst="orthographicFront"/>
+      <a:lightRig rig="threePt" dir="t"/>
+    </dgm:scene3d>
+    <dgm:sp3d/>
+    <dgm:txPr/>
+    <dgm:style>
+      <a:lnRef idx="2">
+        <a:scrgbClr r="0" g="0" b="0"/>
+      </a:lnRef>
+      <a:fillRef idx="1">
+        <a:scrgbClr r="0" g="0" b="0"/>
+      </a:fillRef>
+      <a:effectRef idx="0">
+        <a:scrgbClr r="0" g="0" b="0"/>
+      </a:effectRef>
+      <a:fontRef idx="minor">
+        <a:schemeClr val="lt1"/>
+      </a:fontRef>
+    </dgm:style>
+  </dgm:styleLbl>
+  <dgm:styleLbl name="parChTrans2D4">
+    <dgm:scene3d>
+      <a:camera prst="orthographicFront"/>
+      <a:lightRig rig="threePt" dir="t"/>
+    </dgm:scene3d>
+    <dgm:sp3d/>
+    <dgm:txPr/>
+    <dgm:style>
+      <a:lnRef idx="2">
+        <a:scrgbClr r="0" g="0" b="0"/>
+      </a:lnRef>
+      <a:fillRef idx="1">
+        <a:scrgbClr r="0" g="0" b="0"/>
+      </a:fillRef>
+      <a:effectRef idx="0">
+        <a:scrgbClr r="0" g="0" b="0"/>
+      </a:effectRef>
+      <a:fontRef idx="minor">
+        <a:schemeClr val="lt1"/>
+      </a:fontRef>
+    </dgm:style>
+  </dgm:styleLbl>
+  <dgm:styleLbl name="parChTrans1D1">
+    <dgm:scene3d>
+      <a:camera prst="orthographicFront"/>
+      <a:lightRig rig="threePt" dir="t"/>
+    </dgm:scene3d>
+    <dgm:sp3d/>
+    <dgm:txPr/>
+    <dgm:style>
+      <a:lnRef idx="2">
+        <a:scrgbClr r="0" g="0" b="0"/>
+      </a:lnRef>
+      <a:fillRef idx="0">
+        <a:scrgbClr r="0" g="0" b="0"/>
+      </a:fillRef>
+      <a:effectRef idx="0">
+        <a:scrgbClr r="0" g="0" b="0"/>
+      </a:effectRef>
+      <a:fontRef idx="minor"/>
+    </dgm:style>
+  </dgm:styleLbl>
+  <dgm:styleLbl name="parChTrans1D2">
+    <dgm:scene3d>
+      <a:camera prst="orthographicFront"/>
+      <a:lightRig rig="threePt" dir="t"/>
+    </dgm:scene3d>
+    <dgm:sp3d/>
+    <dgm:txPr/>
+    <dgm:style>
+      <a:lnRef idx="2">
+        <a:scrgbClr r="0" g="0" b="0"/>
+      </a:lnRef>
+      <a:fillRef idx="0">
+        <a:scrgbClr r="0" g="0" b="0"/>
+      </a:fillRef>
+      <a:effectRef idx="0">
+        <a:scrgbClr r="0" g="0" b="0"/>
+      </a:effectRef>
+      <a:fontRef idx="minor"/>
+    </dgm:style>
+  </dgm:styleLbl>
+  <dgm:styleLbl name="parChTrans1D3">
+    <dgm:scene3d>
+      <a:camera prst="orthographicFront"/>
+      <a:lightRig rig="threePt" dir="t"/>
+    </dgm:scene3d>
+    <dgm:sp3d/>
+    <dgm:txPr/>
+    <dgm:style>
+      <a:lnRef idx="2">
+        <a:scrgbClr r="0" g="0" b="0"/>
+      </a:lnRef>
+      <a:fillRef idx="0">
+        <a:scrgbClr r="0" g="0" b="0"/>
+      </a:fillRef>
+      <a:effectRef idx="0">
+        <a:scrgbClr r="0" g="0" b="0"/>
+      </a:effectRef>
+      <a:fontRef idx="minor"/>
+    </dgm:style>
+  </dgm:styleLbl>
+  <dgm:styleLbl name="parChTrans1D4">
+    <dgm:scene3d>
+      <a:camera prst="orthographicFront"/>
+      <a:lightRig rig="threePt" dir="t"/>
+    </dgm:scene3d>
+    <dgm:sp3d/>
+    <dgm:txPr/>
+    <dgm:style>
+      <a:lnRef idx="2">
+        <a:scrgbClr r="0" g="0" b="0"/>
+      </a:lnRef>
+      <a:fillRef idx="0">
+        <a:scrgbClr r="0" g="0" b="0"/>
+      </a:fillRef>
+      <a:effectRef idx="0">
+        <a:scrgbClr r="0" g="0" b="0"/>
+      </a:effectRef>
+      <a:fontRef idx="minor"/>
+    </dgm:style>
+  </dgm:styleLbl>
+  <dgm:styleLbl name="fgAcc1">
+    <dgm:scene3d>
+      <a:camera prst="orthographicFront"/>
+      <a:lightRig rig="threePt" dir="t"/>
+    </dgm:scene3d>
+    <dgm:sp3d/>
+    <dgm:txPr/>
+    <dgm:style>
+      <a:lnRef idx="2">
+        <a:scrgbClr r="0" g="0" b="0"/>
+      </a:lnRef>
+      <a:fillRef idx="1">
+        <a:scrgbClr r="0" g="0" b="0"/>
+      </a:fillRef>
+      <a:effectRef idx="0">
+        <a:scrgbClr r="0" g="0" b="0"/>
+      </a:effectRef>
+      <a:fontRef idx="minor"/>
+    </dgm:style>
+  </dgm:styleLbl>
+  <dgm:styleLbl name="conFgAcc1">
+    <dgm:scene3d>
+      <a:camera prst="orthographicFront"/>
+      <a:lightRig rig="threePt" dir="t"/>
+    </dgm:scene3d>
+    <dgm:sp3d/>
+    <dgm:txPr/>
+    <dgm:style>
+      <a:lnRef idx="2">
+        <a:scrgbClr r="0" g="0" b="0"/>
+      </a:lnRef>
+      <a:fillRef idx="1">
+        <a:scrgbClr r="0" g="0" b="0"/>
+      </a:fillRef>
+      <a:effectRef idx="0">
+        <a:scrgbClr r="0" g="0" b="0"/>
+      </a:effectRef>
+      <a:fontRef idx="minor"/>
+    </dgm:style>
+  </dgm:styleLbl>
+  <dgm:styleLbl name="alignAcc1">
+    <dgm:scene3d>
+      <a:camera prst="orthographicFront"/>
+      <a:lightRig rig="threePt" dir="t"/>
+    </dgm:scene3d>
+    <dgm:sp3d/>
+    <dgm:txPr/>
+    <dgm:style>
+      <a:lnRef idx="2">
+        <a:scrgbClr r="0" g="0" b="0"/>
+      </a:lnRef>
+      <a:fillRef idx="1">
+        <a:scrgbClr r="0" g="0" b="0"/>
+      </a:fillRef>
+      <a:effectRef idx="0">
+        <a:scrgbClr r="0" g="0" b="0"/>
+      </a:effectRef>
+      <a:fontRef idx="minor"/>
+    </dgm:style>
+  </dgm:styleLbl>
+  <dgm:styleLbl name="trAlignAcc1">
+    <dgm:scene3d>
+      <a:camera prst="orthographicFront"/>
+      <a:lightRig rig="threePt" dir="t"/>
+    </dgm:scene3d>
+    <dgm:sp3d/>
+    <dgm:txPr/>
+    <dgm:style>
+      <a:lnRef idx="1">
+        <a:scrgbClr r="0" g="0" b="0"/>
+      </a:lnRef>
+      <a:fillRef idx="1">
+        <a:scrgbClr r="0" g="0" b="0"/>
+      </a:fillRef>
+      <a:effectRef idx="0">
+        <a:scrgbClr r="0" g="0" b="0"/>
+      </a:effectRef>
+      <a:fontRef idx="minor"/>
+    </dgm:style>
+  </dgm:styleLbl>
+  <dgm:styleLbl name="bgAcc1">
+    <dgm:scene3d>
+      <a:camera prst="orthographicFront"/>
+      <a:lightRig rig="threePt" dir="t"/>
+    </dgm:scene3d>
+    <dgm:sp3d/>
+    <dgm:txPr/>
+    <dgm:style>
+      <a:lnRef idx="2">
+        <a:scrgbClr r="0" g="0" b="0"/>
+      </a:lnRef>
+      <a:fillRef idx="1">
+        <a:scrgbClr r="0" g="0" b="0"/>
+      </a:fillRef>
+      <a:effectRef idx="0">
+        <a:scrgbClr r="0" g="0" b="0"/>
+      </a:effectRef>
+      <a:fontRef idx="minor"/>
+    </dgm:style>
+  </dgm:styleLbl>
+  <dgm:styleLbl name="solidFgAcc1">
+    <dgm:scene3d>
+      <a:camera prst="orthographicFront"/>
+      <a:lightRig rig="threePt" dir="t"/>
+    </dgm:scene3d>
+    <dgm:sp3d/>
+    <dgm:txPr/>
+    <dgm:style>
+      <a:lnRef idx="2">
+        <a:scrgbClr r="0" g="0" b="0"/>
+      </a:lnRef>
+      <a:fillRef idx="1">
+        <a:scrgbClr r="0" g="0" b="0"/>
+      </a:fillRef>
+      <a:effectRef idx="0">
+        <a:scrgbClr r="0" g="0" b="0"/>
+      </a:effectRef>
+      <a:fontRef idx="minor"/>
+    </dgm:style>
+  </dgm:styleLbl>
+  <dgm:styleLbl name="solidAlignAcc1">
+    <dgm:scene3d>
+      <a:camera prst="orthographicFront"/>
+      <a:lightRig rig="threePt" dir="t"/>
+    </dgm:scene3d>
+    <dgm:sp3d/>
+    <dgm:txPr/>
+    <dgm:style>
+      <a:lnRef idx="2">
+        <a:scrgbClr r="0" g="0" b="0"/>
+      </a:lnRef>
+      <a:fillRef idx="1">
+        <a:scrgbClr r="0" g="0" b="0"/>
+      </a:fillRef>
+      <a:effectRef idx="0">
+        <a:scrgbClr r="0" g="0" b="0"/>
+      </a:effectRef>
+      <a:fontRef idx="minor"/>
+    </dgm:style>
+  </dgm:styleLbl>
+  <dgm:styleLbl name="solidBgAcc1">
+    <dgm:scene3d>
+      <a:camera prst="orthographicFront"/>
+      <a:lightRig rig="threePt" dir="t"/>
+    </dgm:scene3d>
+    <dgm:sp3d/>
+    <dgm:txPr/>
+    <dgm:style>
+      <a:lnRef idx="2">
+        <a:scrgbClr r="0" g="0" b="0"/>
+      </a:lnRef>
+      <a:fillRef idx="1">
+        <a:scrgbClr r="0" g="0" b="0"/>
+      </a:fillRef>
+      <a:effectRef idx="0">
+        <a:scrgbClr r="0" g="0" b="0"/>
+      </a:effectRef>
+      <a:fontRef idx="minor"/>
+    </dgm:style>
+  </dgm:styleLbl>
+  <dgm:styleLbl name="fgAccFollowNode1">
+    <dgm:scene3d>
+      <a:camera prst="orthographicFront"/>
+      <a:lightRig rig="threePt" dir="t"/>
+    </dgm:scene3d>
+    <dgm:sp3d/>
+    <dgm:txPr/>
+    <dgm:style>
+      <a:lnRef idx="2">
+        <a:scrgbClr r="0" g="0" b="0"/>
+      </a:lnRef>
+      <a:fillRef idx="1">
+        <a:scrgbClr r="0" g="0" b="0"/>
+      </a:fillRef>
+      <a:effectRef idx="0">
+        <a:scrgbClr r="0" g="0" b="0"/>
+      </a:effectRef>
+      <a:fontRef idx="minor"/>
+    </dgm:style>
+  </dgm:styleLbl>
+  <dgm:styleLbl name="alignAccFollowNode1">
+    <dgm:scene3d>
+      <a:camera prst="orthographicFront"/>
+      <a:lightRig rig="threePt" dir="t"/>
+    </dgm:scene3d>
+    <dgm:sp3d/>
+    <dgm:txPr/>
+    <dgm:style>
+      <a:lnRef idx="2">
+        <a:scrgbClr r="0" g="0" b="0"/>
+      </a:lnRef>
+      <a:fillRef idx="1">
+        <a:scrgbClr r="0" g="0" b="0"/>
+      </a:fillRef>
+      <a:effectRef idx="0">
+        <a:scrgbClr r="0" g="0" b="0"/>
+      </a:effectRef>
+      <a:fontRef idx="minor"/>
+    </dgm:style>
+  </dgm:styleLbl>
+  <dgm:styleLbl name="bgAccFollowNode1">
+    <dgm:scene3d>
+      <a:camera prst="orthographicFront"/>
+      <a:lightRig rig="threePt" dir="t"/>
+    </dgm:scene3d>
+    <dgm:sp3d/>
+    <dgm:txPr/>
+    <dgm:style>
+      <a:lnRef idx="2">
+        <a:scrgbClr r="0" g="0" b="0"/>
+      </a:lnRef>
+      <a:fillRef idx="1">
+        <a:scrgbClr r="0" g="0" b="0"/>
+      </a:fillRef>
+      <a:effectRef idx="0">
+        <a:scrgbClr r="0" g="0" b="0"/>
+      </a:effectRef>
+      <a:fontRef idx="minor"/>
+    </dgm:style>
+  </dgm:styleLbl>
+  <dgm:styleLbl name="fgAcc0">
+    <dgm:scene3d>
+      <a:camera prst="orthographicFront"/>
+      <a:lightRig rig="threePt" dir="t"/>
+    </dgm:scene3d>
+    <dgm:sp3d/>
+    <dgm:txPr/>
+    <dgm:style>
+      <a:lnRef idx="2">
+        <a:scrgbClr r="0" g="0" b="0"/>
+      </a:lnRef>
+      <a:fillRef idx="1">
+        <a:scrgbClr r="0" g="0" b="0"/>
+      </a:fillRef>
+      <a:effectRef idx="0">
+        <a:scrgbClr r="0" g="0" b="0"/>
+      </a:effectRef>
+      <a:fontRef idx="minor"/>
+    </dgm:style>
+  </dgm:styleLbl>
+  <dgm:styleLbl name="fgAcc2">
+    <dgm:scene3d>
+      <a:camera prst="orthographicFront"/>
+      <a:lightRig rig="threePt" dir="t"/>
+    </dgm:scene3d>
+    <dgm:sp3d/>
+    <dgm:txPr/>
+    <dgm:style>
+      <a:lnRef idx="2">
+        <a:scrgbClr r="0" g="0" b="0"/>
+      </a:lnRef>
+      <a:fillRef idx="1">
+        <a:scrgbClr r="0" g="0" b="0"/>
+      </a:fillRef>
+      <a:effectRef idx="0">
+        <a:scrgbClr r="0" g="0" b="0"/>
+      </a:effectRef>
+      <a:fontRef idx="minor"/>
+    </dgm:style>
+  </dgm:styleLbl>
+  <dgm:styleLbl name="fgAcc3">
+    <dgm:scene3d>
+      <a:camera prst="orthographicFront"/>
+      <a:lightRig rig="threePt" dir="t"/>
+    </dgm:scene3d>
+    <dgm:sp3d/>
+    <dgm:txPr/>
+    <dgm:style>
+      <a:lnRef idx="2">
+        <a:scrgbClr r="0" g="0" b="0"/>
+      </a:lnRef>
+      <a:fillRef idx="1">
+        <a:scrgbClr r="0" g="0" b="0"/>
+      </a:fillRef>
+      <a:effectRef idx="0">
+        <a:scrgbClr r="0" g="0" b="0"/>
+      </a:effectRef>
+      <a:fontRef idx="minor"/>
+    </dgm:style>
+  </dgm:styleLbl>
+  <dgm:styleLbl name="fgAcc4">
+    <dgm:scene3d>
+      <a:camera prst="orthographicFront"/>
+      <a:lightRig rig="threePt" dir="t"/>
+    </dgm:scene3d>
+    <dgm:sp3d/>
+    <dgm:txPr/>
+    <dgm:style>
+      <a:lnRef idx="2">
+        <a:scrgbClr r="0" g="0" b="0"/>
+      </a:lnRef>
+      <a:fillRef idx="1">
+        <a:scrgbClr r="0" g="0" b="0"/>
+      </a:fillRef>
+      <a:effectRef idx="0">
+        <a:scrgbClr r="0" g="0" b="0"/>
+      </a:effectRef>
+      <a:fontRef idx="minor"/>
+    </dgm:style>
+  </dgm:styleLbl>
+  <dgm:styleLbl name="bgShp">
+    <dgm:scene3d>
+      <a:camera prst="orthographicFront"/>
+      <a:lightRig rig="threePt" dir="t"/>
+    </dgm:scene3d>
+    <dgm:sp3d/>
+    <dgm:txPr/>
+    <dgm:style>
+      <a:lnRef idx="0">
+        <a:scrgbClr r="0" g="0" b="0"/>
+      </a:lnRef>
+      <a:fillRef idx="1">
+        <a:scrgbClr r="0" g="0" b="0"/>
+      </a:fillRef>
+      <a:effectRef idx="0">
+        <a:scrgbClr r="0" g="0" b="0"/>
+      </a:effectRef>
+      <a:fontRef idx="minor"/>
+    </dgm:style>
+  </dgm:styleLbl>
+  <dgm:styleLbl name="dkBgShp">
+    <dgm:scene3d>
+      <a:camera prst="orthographicFront"/>
+      <a:lightRig rig="threePt" dir="t"/>
+    </dgm:scene3d>
+    <dgm:sp3d/>
+    <dgm:txPr/>
+    <dgm:style>
+      <a:lnRef idx="0">
+        <a:scrgbClr r="0" g="0" b="0"/>
+      </a:lnRef>
+      <a:fillRef idx="1">
+        <a:scrgbClr r="0" g="0" b="0"/>
+      </a:fillRef>
+      <a:effectRef idx="0">
+        <a:scrgbClr r="0" g="0" b="0"/>
+      </a:effectRef>
+      <a:fontRef idx="minor"/>
+    </dgm:style>
+  </dgm:styleLbl>
+  <dgm:styleLbl name="trBgShp">
+    <dgm:scene3d>
+      <a:camera prst="orthographicFront"/>
+      <a:lightRig rig="threePt" dir="t"/>
+    </dgm:scene3d>
+    <dgm:sp3d/>
+    <dgm:txPr/>
+    <dgm:style>
+      <a:lnRef idx="0">
+        <a:scrgbClr r="0" g="0" b="0"/>
+      </a:lnRef>
+      <a:fillRef idx="1">
+        <a:scrgbClr r="0" g="0" b="0"/>
+      </a:fillRef>
+      <a:effectRef idx="0">
+        <a:scrgbClr r="0" g="0" b="0"/>
+      </a:effectRef>
+      <a:fontRef idx="minor"/>
+    </dgm:style>
+  </dgm:styleLbl>
+  <dgm:styleLbl name="fgShp">
+    <dgm:scene3d>
+      <a:camera prst="orthographicFront"/>
+      <a:lightRig rig="threePt" dir="t"/>
+    </dgm:scene3d>
+    <dgm:sp3d/>
+    <dgm:txPr/>
+    <dgm:style>
+      <a:lnRef idx="2">
+        <a:scrgbClr r="0" g="0" b="0"/>
+      </a:lnRef>
+      <a:fillRef idx="1">
+        <a:scrgbClr r="0" g="0" b="0"/>
+      </a:fillRef>
+      <a:effectRef idx="0">
+        <a:scrgbClr r="0" g="0" b="0"/>
+      </a:effectRef>
+      <a:fontRef idx="minor"/>
+    </dgm:style>
+  </dgm:styleLbl>
+  <dgm:styleLbl name="revTx">
+    <dgm:scene3d>
+      <a:camera prst="orthographicFront"/>
+      <a:lightRig rig="threePt" dir="t"/>
+    </dgm:scene3d>
+    <dgm:sp3d/>
+    <dgm:txPr/>
+    <dgm:style>
+      <a:lnRef idx="0">
+        <a:scrgbClr r="0" g="0" b="0"/>
+      </a:lnRef>
+      <a:fillRef idx="0">
+        <a:scrgbClr r="0" g="0" b="0"/>
+      </a:fillRef>
+      <a:effectRef idx="0">
+        <a:scrgbClr r="0" g="0" b="0"/>
+      </a:effectRef>
+      <a:fontRef idx="minor"/>
+    </dgm:style>
+  </dgm:styleLbl>
+</dgm:styleDef>
+</file>
+
 <file path=ppt/notesMasters/notesMaster1.xml><?xml version="1.0" encoding="utf-8"?>
 <p:notesMaster xmlns:a="http://schemas.openxmlformats.org/drawingml/2006/main" xmlns:r="http://schemas.openxmlformats.org/officeDocument/2006/relationships" xmlns:p="http://schemas.openxmlformats.org/presentationml/2006/main">
   <p:cSld>
@@ -7846,7 +12521,7 @@
           <a:p>
             <a:fld id="{4DE75C4C-B821-490B-A6BC-7023298A118D}" type="slidenum">
               <a:rPr lang="ro-RO" smtClean="0"/>
-              <a:t>‹Nº›</a:t>
+              <a:t>‹#›</a:t>
             </a:fld>
             <a:endParaRPr lang="ro-RO"/>
           </a:p>
@@ -8272,7 +12947,7 @@
           <a:p>
             <a:fld id="{19584825-D934-4E20-B0C8-29FEC7CA1AF9}" type="slidenum">
               <a:rPr lang="en-US" smtClean="0"/>
-              <a:t>‹Nº›</a:t>
+              <a:t>‹#›</a:t>
             </a:fld>
             <a:endParaRPr lang="en-US"/>
           </a:p>
@@ -8610,7 +13285,7 @@
           <a:p>
             <a:fld id="{19584825-D934-4E20-B0C8-29FEC7CA1AF9}" type="slidenum">
               <a:rPr lang="en-US" smtClean="0"/>
-              <a:t>‹Nº›</a:t>
+              <a:t>‹#›</a:t>
             </a:fld>
             <a:endParaRPr lang="en-US"/>
           </a:p>
@@ -9011,7 +13686,7 @@
           <a:p>
             <a:fld id="{19584825-D934-4E20-B0C8-29FEC7CA1AF9}" type="slidenum">
               <a:rPr lang="en-US" smtClean="0"/>
-              <a:t>‹Nº›</a:t>
+              <a:t>‹#›</a:t>
             </a:fld>
             <a:endParaRPr lang="en-US"/>
           </a:p>
@@ -9347,7 +14022,7 @@
           <a:p>
             <a:fld id="{19584825-D934-4E20-B0C8-29FEC7CA1AF9}" type="slidenum">
               <a:rPr lang="en-US" smtClean="0"/>
-              <a:t>‹Nº›</a:t>
+              <a:t>‹#›</a:t>
             </a:fld>
             <a:endParaRPr lang="en-US"/>
           </a:p>
@@ -9667,7 +14342,7 @@
           <a:p>
             <a:fld id="{19584825-D934-4E20-B0C8-29FEC7CA1AF9}" type="slidenum">
               <a:rPr lang="en-US" smtClean="0"/>
-              <a:t>‹Nº›</a:t>
+              <a:t>‹#›</a:t>
             </a:fld>
             <a:endParaRPr lang="en-US"/>
           </a:p>
@@ -10063,7 +14738,7 @@
           <a:p>
             <a:fld id="{19584825-D934-4E20-B0C8-29FEC7CA1AF9}" type="slidenum">
               <a:rPr lang="en-US" smtClean="0"/>
-              <a:t>‹Nº›</a:t>
+              <a:t>‹#›</a:t>
             </a:fld>
             <a:endParaRPr lang="en-US"/>
           </a:p>
@@ -10315,7 +14990,7 @@
           <a:p>
             <a:fld id="{19584825-D934-4E20-B0C8-29FEC7CA1AF9}" type="slidenum">
               <a:rPr lang="en-US" smtClean="0"/>
-              <a:t>‹Nº›</a:t>
+              <a:t>‹#›</a:t>
             </a:fld>
             <a:endParaRPr lang="en-US"/>
           </a:p>
@@ -10577,7 +15252,7 @@
           <a:p>
             <a:fld id="{19584825-D934-4E20-B0C8-29FEC7CA1AF9}" type="slidenum">
               <a:rPr lang="en-US" smtClean="0"/>
-              <a:t>‹Nº›</a:t>
+              <a:t>‹#›</a:t>
             </a:fld>
             <a:endParaRPr lang="en-US"/>
           </a:p>
@@ -10839,7 +15514,7 @@
           <a:p>
             <a:fld id="{19584825-D934-4E20-B0C8-29FEC7CA1AF9}" type="slidenum">
               <a:rPr lang="en-US" smtClean="0"/>
-              <a:t>‹Nº›</a:t>
+              <a:t>‹#›</a:t>
             </a:fld>
             <a:endParaRPr lang="en-US"/>
           </a:p>
@@ -11173,7 +15848,7 @@
           <a:p>
             <a:fld id="{19584825-D934-4E20-B0C8-29FEC7CA1AF9}" type="slidenum">
               <a:rPr lang="en-US" smtClean="0"/>
-              <a:t>‹Nº›</a:t>
+              <a:t>‹#›</a:t>
             </a:fld>
             <a:endParaRPr lang="en-US"/>
           </a:p>
@@ -11496,7 +16171,7 @@
           <a:p>
             <a:fld id="{19584825-D934-4E20-B0C8-29FEC7CA1AF9}" type="slidenum">
               <a:rPr lang="en-US" smtClean="0"/>
-              <a:t>‹Nº›</a:t>
+              <a:t>‹#›</a:t>
             </a:fld>
             <a:endParaRPr lang="en-US"/>
           </a:p>
@@ -11953,7 +16628,7 @@
           <a:p>
             <a:fld id="{19584825-D934-4E20-B0C8-29FEC7CA1AF9}" type="slidenum">
               <a:rPr lang="en-US" smtClean="0"/>
-              <a:t>‹Nº›</a:t>
+              <a:t>‹#›</a:t>
             </a:fld>
             <a:endParaRPr lang="en-US"/>
           </a:p>
@@ -12153,7 +16828,7 @@
           <a:p>
             <a:fld id="{19584825-D934-4E20-B0C8-29FEC7CA1AF9}" type="slidenum">
               <a:rPr lang="en-US" smtClean="0"/>
-              <a:t>‹Nº›</a:t>
+              <a:t>‹#›</a:t>
             </a:fld>
             <a:endParaRPr lang="en-US"/>
           </a:p>
@@ -12330,7 +17005,7 @@
           <a:p>
             <a:fld id="{19584825-D934-4E20-B0C8-29FEC7CA1AF9}" type="slidenum">
               <a:rPr lang="en-US" smtClean="0"/>
-              <a:t>‹Nº›</a:t>
+              <a:t>‹#›</a:t>
             </a:fld>
             <a:endParaRPr lang="en-US"/>
           </a:p>
@@ -12663,7 +17338,7 @@
           <a:p>
             <a:fld id="{19584825-D934-4E20-B0C8-29FEC7CA1AF9}" type="slidenum">
               <a:rPr lang="en-US" smtClean="0"/>
-              <a:t>‹Nº›</a:t>
+              <a:t>‹#›</a:t>
             </a:fld>
             <a:endParaRPr lang="en-US"/>
           </a:p>
@@ -13013,7 +17688,7 @@
           <a:p>
             <a:fld id="{19584825-D934-4E20-B0C8-29FEC7CA1AF9}" type="slidenum">
               <a:rPr lang="en-US" smtClean="0"/>
-              <a:t>‹Nº›</a:t>
+              <a:t>‹#›</a:t>
             </a:fld>
             <a:endParaRPr lang="en-US"/>
           </a:p>
@@ -15077,7 +19752,7 @@
           <a:p>
             <a:fld id="{19584825-D934-4E20-B0C8-29FEC7CA1AF9}" type="slidenum">
               <a:rPr lang="en-US" smtClean="0"/>
-              <a:t>‹Nº›</a:t>
+              <a:t>‹#›</a:t>
             </a:fld>
             <a:endParaRPr lang="en-US"/>
           </a:p>
@@ -15696,119 +20371,6 @@
       </p:sp>
       <p:sp>
         <p:nvSpPr>
-          <p:cNvPr id="12" name="Title 1">
-            <a:extLst>
-              <a:ext uri="{FF2B5EF4-FFF2-40B4-BE49-F238E27FC236}">
-                <a16:creationId xmlns:a16="http://schemas.microsoft.com/office/drawing/2014/main" id="{ACA96408-2F8E-44C6-AF57-3DEF9769FF6E}"/>
-              </a:ext>
-            </a:extLst>
-          </p:cNvPr>
-          <p:cNvSpPr txBox="1">
-            <a:spLocks/>
-          </p:cNvSpPr>
-          <p:nvPr/>
-        </p:nvSpPr>
-        <p:spPr>
-          <a:xfrm>
-            <a:off x="1828121" y="3687468"/>
-            <a:ext cx="4594468" cy="528484"/>
-          </a:xfrm>
-          <a:prstGeom prst="rect">
-            <a:avLst/>
-          </a:prstGeom>
-        </p:spPr>
-        <p:txBody>
-          <a:bodyPr vert="horz" lIns="91440" tIns="45720" rIns="91440" bIns="45720" rtlCol="0" anchor="b">
-            <a:noAutofit/>
-          </a:bodyPr>
-          <a:lstStyle>
-            <a:lvl1pPr algn="l" defTabSz="457200" rtl="0" eaLnBrk="1" latinLnBrk="0" hangingPunct="1">
-              <a:spcBef>
-                <a:spcPct val="0"/>
-              </a:spcBef>
-              <a:buNone/>
-              <a:defRPr sz="5400" kern="1200">
-                <a:solidFill>
-                  <a:schemeClr val="accent2">
-                    <a:lumMod val="75000"/>
-                  </a:schemeClr>
-                </a:solidFill>
-                <a:latin typeface="+mj-lt"/>
-                <a:ea typeface="+mj-ea"/>
-                <a:cs typeface="+mj-cs"/>
-              </a:defRPr>
-            </a:lvl1pPr>
-            <a:lvl2pPr eaLnBrk="1" hangingPunct="1">
-              <a:defRPr>
-                <a:solidFill>
-                  <a:schemeClr val="tx2"/>
-                </a:solidFill>
-              </a:defRPr>
-            </a:lvl2pPr>
-            <a:lvl3pPr eaLnBrk="1" hangingPunct="1">
-              <a:defRPr>
-                <a:solidFill>
-                  <a:schemeClr val="tx2"/>
-                </a:solidFill>
-              </a:defRPr>
-            </a:lvl3pPr>
-            <a:lvl4pPr eaLnBrk="1" hangingPunct="1">
-              <a:defRPr>
-                <a:solidFill>
-                  <a:schemeClr val="tx2"/>
-                </a:solidFill>
-              </a:defRPr>
-            </a:lvl4pPr>
-            <a:lvl5pPr eaLnBrk="1" hangingPunct="1">
-              <a:defRPr>
-                <a:solidFill>
-                  <a:schemeClr val="tx2"/>
-                </a:solidFill>
-              </a:defRPr>
-            </a:lvl5pPr>
-            <a:lvl6pPr eaLnBrk="1" hangingPunct="1">
-              <a:defRPr>
-                <a:solidFill>
-                  <a:schemeClr val="tx2"/>
-                </a:solidFill>
-              </a:defRPr>
-            </a:lvl6pPr>
-            <a:lvl7pPr eaLnBrk="1" hangingPunct="1">
-              <a:defRPr>
-                <a:solidFill>
-                  <a:schemeClr val="tx2"/>
-                </a:solidFill>
-              </a:defRPr>
-            </a:lvl7pPr>
-            <a:lvl8pPr eaLnBrk="1" hangingPunct="1">
-              <a:defRPr>
-                <a:solidFill>
-                  <a:schemeClr val="tx2"/>
-                </a:solidFill>
-              </a:defRPr>
-            </a:lvl8pPr>
-            <a:lvl9pPr eaLnBrk="1" hangingPunct="1">
-              <a:defRPr>
-                <a:solidFill>
-                  <a:schemeClr val="tx2"/>
-                </a:solidFill>
-              </a:defRPr>
-            </a:lvl9pPr>
-          </a:lstStyle>
-          <a:p>
-            <a:r>
-              <a:rPr lang="en-GB" sz="4000" b="1" dirty="0">
-                <a:solidFill>
-                  <a:schemeClr val="tx1"/>
-                </a:solidFill>
-              </a:rPr>
-              <a:t>Project Proposal: </a:t>
-            </a:r>
-          </a:p>
-        </p:txBody>
-      </p:sp>
-      <p:sp>
-        <p:nvSpPr>
           <p:cNvPr id="13" name="Title 1">
             <a:extLst>
               <a:ext uri="{FF2B5EF4-FFF2-40B4-BE49-F238E27FC236}">
@@ -15823,8 +20385,8 @@
         </p:nvSpPr>
         <p:spPr>
           <a:xfrm>
-            <a:off x="3798764" y="5197318"/>
-            <a:ext cx="4594468" cy="1580828"/>
+            <a:off x="3816960" y="5580480"/>
+            <a:ext cx="4558079" cy="1079582"/>
           </a:xfrm>
           <a:prstGeom prst="rect">
             <a:avLst/>
@@ -16092,7 +20654,7 @@
         </p:nvSpPr>
         <p:spPr>
           <a:xfrm>
-            <a:off x="6176145" y="3373733"/>
+            <a:off x="3636883" y="2997034"/>
             <a:ext cx="4918229" cy="1754326"/>
           </a:xfrm>
           <a:prstGeom prst="rect">
@@ -16106,8 +20668,16 @@
           </a:bodyPr>
           <a:lstStyle/>
           <a:p>
-            <a:r>
-              <a:rPr lang="en-GB" sz="5400" dirty="0"/>
+            <a:pPr algn="ctr"/>
+            <a:r>
+              <a:rPr lang="en-GB" sz="5400" dirty="0">
+                <a:solidFill>
+                  <a:schemeClr val="bg2">
+                    <a:lumMod val="20000"/>
+                    <a:lumOff val="80000"/>
+                  </a:schemeClr>
+                </a:solidFill>
+              </a:rPr>
               <a:t>Skin Lesion Classification</a:t>
             </a:r>
           </a:p>
@@ -17058,7 +21628,7 @@
             </a:br>
             <a:r>
               <a:rPr lang="en-US" sz="4800" dirty="0"/>
-              <a:t>-multiclass-</a:t>
+              <a:t>-binary-</a:t>
             </a:r>
           </a:p>
         </p:txBody>
@@ -17274,19 +21844,25 @@
       </p:pic>
       <p:graphicFrame>
         <p:nvGraphicFramePr>
-          <p:cNvPr id="3" name="Diagrama 2"/>
+          <p:cNvPr id="10" name="Diagrama 2">
+            <a:extLst>
+              <a:ext uri="{FF2B5EF4-FFF2-40B4-BE49-F238E27FC236}">
+                <a16:creationId xmlns:a16="http://schemas.microsoft.com/office/drawing/2014/main" id="{C2102DC5-0C0B-4BFC-8713-7CDCA7BFBF79}"/>
+              </a:ext>
+            </a:extLst>
+          </p:cNvPr>
           <p:cNvGraphicFramePr/>
           <p:nvPr>
             <p:extLst>
               <p:ext uri="{D42A27DB-BD31-4B8C-83A1-F6EECF244321}">
-                <p14:modId xmlns:p14="http://schemas.microsoft.com/office/powerpoint/2010/main" val="1125899375"/>
+                <p14:modId xmlns:p14="http://schemas.microsoft.com/office/powerpoint/2010/main" val="103056776"/>
               </p:ext>
             </p:extLst>
           </p:nvPr>
         </p:nvGraphicFramePr>
         <p:xfrm>
-          <a:off x="712177" y="2426677"/>
-          <a:ext cx="9511083" cy="3987798"/>
+          <a:off x="248576" y="2316171"/>
+          <a:ext cx="11788291" cy="4280867"/>
         </p:xfrm>
         <a:graphic>
           <a:graphicData uri="http://schemas.openxmlformats.org/drawingml/2006/diagram">
@@ -17297,7 +21873,7 @@
     </p:spTree>
     <p:extLst>
       <p:ext uri="{BB962C8B-B14F-4D97-AF65-F5344CB8AC3E}">
-        <p14:creationId xmlns:p14="http://schemas.microsoft.com/office/powerpoint/2010/main" val="212263992"/>
+        <p14:creationId xmlns:p14="http://schemas.microsoft.com/office/powerpoint/2010/main" val="1294219608"/>
       </p:ext>
     </p:extLst>
   </p:cSld>
@@ -17348,16 +21924,22 @@
         </p:spPr>
         <p:txBody>
           <a:bodyPr>
-            <a:normAutofit/>
+            <a:normAutofit fontScale="90000"/>
           </a:bodyPr>
           <a:lstStyle/>
           <a:p>
             <a:pPr algn="ctr"/>
             <a:r>
-              <a:rPr lang="en-US" sz="4800" dirty="0" smtClean="0"/>
-              <a:t>Conclusions</a:t>
-            </a:r>
-            <a:endParaRPr lang="en-US" sz="4800" dirty="0"/>
+              <a:rPr lang="en-US" sz="4800" dirty="0"/>
+              <a:t>Classification</a:t>
+            </a:r>
+            <a:br>
+              <a:rPr lang="en-US" sz="4800" dirty="0"/>
+            </a:br>
+            <a:r>
+              <a:rPr lang="en-US" sz="4800" dirty="0"/>
+              <a:t>-multiclass-</a:t>
+            </a:r>
           </a:p>
         </p:txBody>
       </p:sp>
@@ -17570,6 +22152,303 @@
           </a:prstGeom>
         </p:spPr>
       </p:pic>
+      <p:graphicFrame>
+        <p:nvGraphicFramePr>
+          <p:cNvPr id="3" name="Diagrama 2"/>
+          <p:cNvGraphicFramePr/>
+          <p:nvPr>
+            <p:extLst>
+              <p:ext uri="{D42A27DB-BD31-4B8C-83A1-F6EECF244321}">
+                <p14:modId xmlns:p14="http://schemas.microsoft.com/office/powerpoint/2010/main" val="1125899375"/>
+              </p:ext>
+            </p:extLst>
+          </p:nvPr>
+        </p:nvGraphicFramePr>
+        <p:xfrm>
+          <a:off x="712177" y="2426677"/>
+          <a:ext cx="9511083" cy="3987798"/>
+        </p:xfrm>
+        <a:graphic>
+          <a:graphicData uri="http://schemas.openxmlformats.org/drawingml/2006/diagram">
+            <dgm:relIds xmlns:dgm="http://schemas.openxmlformats.org/drawingml/2006/diagram" xmlns:r="http://schemas.openxmlformats.org/officeDocument/2006/relationships" r:dm="rId4" r:lo="rId5" r:qs="rId6" r:cs="rId7"/>
+          </a:graphicData>
+        </a:graphic>
+      </p:graphicFrame>
+    </p:spTree>
+    <p:extLst>
+      <p:ext uri="{BB962C8B-B14F-4D97-AF65-F5344CB8AC3E}">
+        <p14:creationId xmlns:p14="http://schemas.microsoft.com/office/powerpoint/2010/main" val="212263992"/>
+      </p:ext>
+    </p:extLst>
+  </p:cSld>
+  <p:clrMapOvr>
+    <a:masterClrMapping/>
+  </p:clrMapOvr>
+</p:sld>
+</file>
+
+<file path=ppt/slides/slide13.xml><?xml version="1.0" encoding="utf-8"?>
+<p:sld xmlns:a="http://schemas.openxmlformats.org/drawingml/2006/main" xmlns:r="http://schemas.openxmlformats.org/officeDocument/2006/relationships" xmlns:p="http://schemas.openxmlformats.org/presentationml/2006/main">
+  <p:cSld>
+    <p:spTree>
+      <p:nvGrpSpPr>
+        <p:cNvPr id="1" name=""/>
+        <p:cNvGrpSpPr/>
+        <p:nvPr/>
+      </p:nvGrpSpPr>
+      <p:grpSpPr>
+        <a:xfrm>
+          <a:off x="0" y="0"/>
+          <a:ext cx="0" cy="0"/>
+          <a:chOff x="0" y="0"/>
+          <a:chExt cx="0" cy="0"/>
+        </a:xfrm>
+      </p:grpSpPr>
+      <p:sp>
+        <p:nvSpPr>
+          <p:cNvPr id="12" name="Title 1">
+            <a:extLst>
+              <a:ext uri="{FF2B5EF4-FFF2-40B4-BE49-F238E27FC236}">
+                <a16:creationId xmlns:a16="http://schemas.microsoft.com/office/drawing/2014/main" id="{05ACE682-1B73-40BF-BA3B-B531FBAF2E9A}"/>
+              </a:ext>
+            </a:extLst>
+          </p:cNvPr>
+          <p:cNvSpPr>
+            <a:spLocks noGrp="1"/>
+          </p:cNvSpPr>
+          <p:nvPr>
+            <p:ph type="title"/>
+          </p:nvPr>
+        </p:nvSpPr>
+        <p:spPr>
+          <a:xfrm>
+            <a:off x="2623396" y="801731"/>
+            <a:ext cx="7190913" cy="1080938"/>
+          </a:xfrm>
+        </p:spPr>
+        <p:txBody>
+          <a:bodyPr>
+            <a:normAutofit/>
+          </a:bodyPr>
+          <a:lstStyle/>
+          <a:p>
+            <a:pPr algn="ctr"/>
+            <a:r>
+              <a:rPr lang="en-US" sz="4800" dirty="0"/>
+              <a:t>Conclusions</a:t>
+            </a:r>
+          </a:p>
+        </p:txBody>
+      </p:sp>
+      <p:sp>
+        <p:nvSpPr>
+          <p:cNvPr id="8" name="Slide Number Placeholder 5">
+            <a:extLst>
+              <a:ext uri="{FF2B5EF4-FFF2-40B4-BE49-F238E27FC236}">
+                <a16:creationId xmlns:a16="http://schemas.microsoft.com/office/drawing/2014/main" id="{974E51E9-613F-49E1-8A93-AF9AF175FA01}"/>
+              </a:ext>
+            </a:extLst>
+          </p:cNvPr>
+          <p:cNvSpPr txBox="1">
+            <a:spLocks/>
+          </p:cNvSpPr>
+          <p:nvPr/>
+        </p:nvSpPr>
+        <p:spPr bwMode="gray">
+          <a:xfrm>
+            <a:off x="11010090" y="6231913"/>
+            <a:ext cx="779767" cy="365125"/>
+          </a:xfrm>
+          <a:prstGeom prst="rect">
+            <a:avLst/>
+          </a:prstGeom>
+        </p:spPr>
+        <p:txBody>
+          <a:bodyPr vert="horz" lIns="91440" tIns="45720" rIns="91440" bIns="45720" rtlCol="0" anchor="ctr"/>
+          <a:lstStyle>
+            <a:defPPr>
+              <a:defRPr lang="en-US"/>
+            </a:defPPr>
+            <a:lvl1pPr marL="0" algn="r" defTabSz="457200" rtl="0" eaLnBrk="1" latinLnBrk="0" hangingPunct="1">
+              <a:defRPr sz="2000" kern="1200">
+                <a:solidFill>
+                  <a:srgbClr val="FEFFFF"/>
+                </a:solidFill>
+                <a:latin typeface="+mn-lt"/>
+                <a:ea typeface="+mn-ea"/>
+                <a:cs typeface="+mn-cs"/>
+              </a:defRPr>
+            </a:lvl1pPr>
+            <a:lvl2pPr marL="457200" algn="l" defTabSz="457200" rtl="0" eaLnBrk="1" latinLnBrk="0" hangingPunct="1">
+              <a:defRPr sz="1800" kern="1200">
+                <a:solidFill>
+                  <a:schemeClr val="tx1"/>
+                </a:solidFill>
+                <a:latin typeface="+mn-lt"/>
+                <a:ea typeface="+mn-ea"/>
+                <a:cs typeface="+mn-cs"/>
+              </a:defRPr>
+            </a:lvl2pPr>
+            <a:lvl3pPr marL="914400" algn="l" defTabSz="457200" rtl="0" eaLnBrk="1" latinLnBrk="0" hangingPunct="1">
+              <a:defRPr sz="1800" kern="1200">
+                <a:solidFill>
+                  <a:schemeClr val="tx1"/>
+                </a:solidFill>
+                <a:latin typeface="+mn-lt"/>
+                <a:ea typeface="+mn-ea"/>
+                <a:cs typeface="+mn-cs"/>
+              </a:defRPr>
+            </a:lvl3pPr>
+            <a:lvl4pPr marL="1371600" algn="l" defTabSz="457200" rtl="0" eaLnBrk="1" latinLnBrk="0" hangingPunct="1">
+              <a:defRPr sz="1800" kern="1200">
+                <a:solidFill>
+                  <a:schemeClr val="tx1"/>
+                </a:solidFill>
+                <a:latin typeface="+mn-lt"/>
+                <a:ea typeface="+mn-ea"/>
+                <a:cs typeface="+mn-cs"/>
+              </a:defRPr>
+            </a:lvl4pPr>
+            <a:lvl5pPr marL="1828800" algn="l" defTabSz="457200" rtl="0" eaLnBrk="1" latinLnBrk="0" hangingPunct="1">
+              <a:defRPr sz="1800" kern="1200">
+                <a:solidFill>
+                  <a:schemeClr val="tx1"/>
+                </a:solidFill>
+                <a:latin typeface="+mn-lt"/>
+                <a:ea typeface="+mn-ea"/>
+                <a:cs typeface="+mn-cs"/>
+              </a:defRPr>
+            </a:lvl5pPr>
+            <a:lvl6pPr marL="2286000" algn="l" defTabSz="457200" rtl="0" eaLnBrk="1" latinLnBrk="0" hangingPunct="1">
+              <a:defRPr sz="1800" kern="1200">
+                <a:solidFill>
+                  <a:schemeClr val="tx1"/>
+                </a:solidFill>
+                <a:latin typeface="+mn-lt"/>
+                <a:ea typeface="+mn-ea"/>
+                <a:cs typeface="+mn-cs"/>
+              </a:defRPr>
+            </a:lvl6pPr>
+            <a:lvl7pPr marL="2743200" algn="l" defTabSz="457200" rtl="0" eaLnBrk="1" latinLnBrk="0" hangingPunct="1">
+              <a:defRPr sz="1800" kern="1200">
+                <a:solidFill>
+                  <a:schemeClr val="tx1"/>
+                </a:solidFill>
+                <a:latin typeface="+mn-lt"/>
+                <a:ea typeface="+mn-ea"/>
+                <a:cs typeface="+mn-cs"/>
+              </a:defRPr>
+            </a:lvl7pPr>
+            <a:lvl8pPr marL="3200400" algn="l" defTabSz="457200" rtl="0" eaLnBrk="1" latinLnBrk="0" hangingPunct="1">
+              <a:defRPr sz="1800" kern="1200">
+                <a:solidFill>
+                  <a:schemeClr val="tx1"/>
+                </a:solidFill>
+                <a:latin typeface="+mn-lt"/>
+                <a:ea typeface="+mn-ea"/>
+                <a:cs typeface="+mn-cs"/>
+              </a:defRPr>
+            </a:lvl8pPr>
+            <a:lvl9pPr marL="3657600" algn="l" defTabSz="457200" rtl="0" eaLnBrk="1" latinLnBrk="0" hangingPunct="1">
+              <a:defRPr sz="1800" kern="1200">
+                <a:solidFill>
+                  <a:schemeClr val="tx1"/>
+                </a:solidFill>
+                <a:latin typeface="+mn-lt"/>
+                <a:ea typeface="+mn-ea"/>
+                <a:cs typeface="+mn-cs"/>
+              </a:defRPr>
+            </a:lvl9pPr>
+          </a:lstStyle>
+          <a:p>
+            <a:fld id="{19584825-D934-4E20-B0C8-29FEC7CA1AF9}" type="slidenum">
+              <a:rPr lang="en-US" smtClean="0">
+                <a:solidFill>
+                  <a:schemeClr val="tx1"/>
+                </a:solidFill>
+              </a:rPr>
+              <a:pPr/>
+              <a:t>13</a:t>
+            </a:fld>
+            <a:endParaRPr lang="en-US" dirty="0">
+              <a:solidFill>
+                <a:schemeClr val="tx1"/>
+              </a:solidFill>
+            </a:endParaRPr>
+          </a:p>
+        </p:txBody>
+      </p:sp>
+      <p:pic>
+        <p:nvPicPr>
+          <p:cNvPr id="9" name="Picture 8" descr="A picture containing text, clipart&#10;&#10;Description automatically generated">
+            <a:extLst>
+              <a:ext uri="{FF2B5EF4-FFF2-40B4-BE49-F238E27FC236}">
+                <a16:creationId xmlns:a16="http://schemas.microsoft.com/office/drawing/2014/main" id="{942D71B3-CD34-43E5-9D3F-BA2819AE22EA}"/>
+              </a:ext>
+            </a:extLst>
+          </p:cNvPr>
+          <p:cNvPicPr>
+            <a:picLocks noChangeAspect="1"/>
+          </p:cNvPicPr>
+          <p:nvPr/>
+        </p:nvPicPr>
+        <p:blipFill rotWithShape="1">
+          <a:blip r:embed="rId2">
+            <a:extLst>
+              <a:ext uri="{28A0092B-C50C-407E-A947-70E740481C1C}">
+                <a14:useLocalDpi xmlns:a14="http://schemas.microsoft.com/office/drawing/2010/main" val="0"/>
+              </a:ext>
+            </a:extLst>
+          </a:blip>
+          <a:srcRect r="57677"/>
+          <a:stretch/>
+        </p:blipFill>
+        <p:spPr>
+          <a:xfrm>
+            <a:off x="10608300" y="437028"/>
+            <a:ext cx="1428567" cy="1066632"/>
+          </a:xfrm>
+          <a:prstGeom prst="rect">
+            <a:avLst/>
+          </a:prstGeom>
+        </p:spPr>
+      </p:pic>
+      <p:pic>
+        <p:nvPicPr>
+          <p:cNvPr id="13" name="Picture 12" descr="Logo&#10;&#10;Description automatically generated">
+            <a:extLst>
+              <a:ext uri="{FF2B5EF4-FFF2-40B4-BE49-F238E27FC236}">
+                <a16:creationId xmlns:a16="http://schemas.microsoft.com/office/drawing/2014/main" id="{0B34AC09-580D-4C50-930A-7592EF4E9F8E}"/>
+              </a:ext>
+            </a:extLst>
+          </p:cNvPr>
+          <p:cNvPicPr>
+            <a:picLocks noChangeAspect="1"/>
+          </p:cNvPicPr>
+          <p:nvPr/>
+        </p:nvPicPr>
+        <p:blipFill>
+          <a:blip r:embed="rId3">
+            <a:extLst>
+              <a:ext uri="{28A0092B-C50C-407E-A947-70E740481C1C}">
+                <a14:useLocalDpi xmlns:a14="http://schemas.microsoft.com/office/drawing/2010/main" val="0"/>
+              </a:ext>
+            </a:extLst>
+          </a:blip>
+          <a:stretch>
+            <a:fillRect/>
+          </a:stretch>
+        </p:blipFill>
+        <p:spPr>
+          <a:xfrm>
+            <a:off x="1829405" y="499758"/>
+            <a:ext cx="1376588" cy="941171"/>
+          </a:xfrm>
+          <a:prstGeom prst="rect">
+            <a:avLst/>
+          </a:prstGeom>
+        </p:spPr>
+      </p:pic>
       <p:sp>
         <p:nvSpPr>
           <p:cNvPr id="2" name="CuadroTexto 1"/>
@@ -17579,7 +22458,7 @@
         <p:spPr>
           <a:xfrm>
             <a:off x="2623395" y="1882669"/>
-            <a:ext cx="9325351" cy="4801314"/>
+            <a:ext cx="9325351" cy="4524315"/>
           </a:xfrm>
           <a:prstGeom prst="rect">
             <a:avLst/>
@@ -17597,196 +22476,54 @@
               <a:buChar char="•"/>
             </a:pPr>
             <a:r>
-              <a:rPr lang="es-ES" dirty="0" smtClean="0"/>
+              <a:rPr lang="es-ES" dirty="0"/>
               <a:t>Performance </a:t>
             </a:r>
             <a:r>
-              <a:rPr lang="es-ES" dirty="0" err="1" smtClean="0"/>
+              <a:rPr lang="es-ES" dirty="0" err="1"/>
               <a:t>is</a:t>
-            </a:r>
-            <a:r>
-              <a:rPr lang="es-ES" dirty="0" smtClean="0"/>
-              <a:t> </a:t>
-            </a:r>
-            <a:r>
-              <a:rPr lang="es-ES" dirty="0" err="1" smtClean="0"/>
-              <a:t>matched</a:t>
-            </a:r>
-            <a:r>
-              <a:rPr lang="es-ES" dirty="0" smtClean="0"/>
-              <a:t> </a:t>
-            </a:r>
-            <a:r>
-              <a:rPr lang="es-ES" dirty="0" err="1" smtClean="0"/>
-              <a:t>or</a:t>
-            </a:r>
-            <a:r>
-              <a:rPr lang="es-ES" dirty="0" smtClean="0"/>
-              <a:t> </a:t>
-            </a:r>
-            <a:r>
-              <a:rPr lang="es-ES" dirty="0" err="1" smtClean="0"/>
-              <a:t>improved</a:t>
-            </a:r>
-            <a:r>
-              <a:rPr lang="es-ES" dirty="0" smtClean="0"/>
-              <a:t> </a:t>
-            </a:r>
-            <a:r>
-              <a:rPr lang="es-ES" dirty="0" err="1" smtClean="0"/>
-              <a:t>with</a:t>
-            </a:r>
-            <a:r>
-              <a:rPr lang="es-ES" dirty="0" smtClean="0"/>
-              <a:t> </a:t>
-            </a:r>
-            <a:r>
-              <a:rPr lang="es-ES" dirty="0" err="1" smtClean="0"/>
-              <a:t>using</a:t>
-            </a:r>
-            <a:r>
-              <a:rPr lang="es-ES" dirty="0" smtClean="0"/>
-              <a:t> </a:t>
-            </a:r>
-            <a:r>
-              <a:rPr lang="es-ES" dirty="0" err="1" smtClean="0"/>
-              <a:t>feature</a:t>
-            </a:r>
-            <a:r>
-              <a:rPr lang="es-ES" dirty="0" smtClean="0"/>
-              <a:t> </a:t>
-            </a:r>
-            <a:r>
-              <a:rPr lang="es-ES" dirty="0" err="1" smtClean="0"/>
-              <a:t>selection</a:t>
-            </a:r>
-            <a:endParaRPr lang="es-ES" dirty="0" smtClean="0"/>
-          </a:p>
-          <a:p>
-            <a:pPr marL="285750" indent="-285750">
-              <a:buFont typeface="Arial" panose="020B0604020202020204" pitchFamily="34" charset="0"/>
-              <a:buChar char="•"/>
-            </a:pPr>
-            <a:endParaRPr lang="es-ES" dirty="0" smtClean="0"/>
-          </a:p>
-          <a:p>
-            <a:pPr marL="285750" indent="-285750">
-              <a:buFont typeface="Arial" panose="020B0604020202020204" pitchFamily="34" charset="0"/>
-              <a:buChar char="•"/>
-            </a:pPr>
-            <a:r>
-              <a:rPr lang="es-ES" dirty="0" err="1" smtClean="0"/>
-              <a:t>Extracting</a:t>
-            </a:r>
-            <a:r>
-              <a:rPr lang="es-ES" dirty="0" smtClean="0"/>
-              <a:t> </a:t>
-            </a:r>
-            <a:r>
-              <a:rPr lang="es-ES" dirty="0" err="1" smtClean="0"/>
-              <a:t>the</a:t>
-            </a:r>
-            <a:r>
-              <a:rPr lang="es-ES" dirty="0" smtClean="0"/>
-              <a:t> </a:t>
-            </a:r>
-            <a:r>
-              <a:rPr lang="es-ES" dirty="0" err="1" smtClean="0"/>
-              <a:t>features</a:t>
-            </a:r>
-            <a:r>
-              <a:rPr lang="es-ES" dirty="0" smtClean="0"/>
-              <a:t> </a:t>
-            </a:r>
-            <a:r>
-              <a:rPr lang="es-ES" dirty="0" err="1" smtClean="0"/>
-              <a:t>from</a:t>
             </a:r>
             <a:r>
               <a:rPr lang="es-ES" dirty="0"/>
               <a:t> </a:t>
             </a:r>
             <a:r>
-              <a:rPr lang="es-ES" dirty="0" smtClean="0"/>
-              <a:t>a </a:t>
-            </a:r>
-            <a:r>
-              <a:rPr lang="es-ES" dirty="0" err="1" smtClean="0"/>
-              <a:t>segmented</a:t>
-            </a:r>
-            <a:r>
-              <a:rPr lang="es-ES" dirty="0" smtClean="0"/>
+              <a:rPr lang="es-ES" dirty="0" err="1"/>
+              <a:t>improved</a:t>
+            </a:r>
+            <a:r>
+              <a:rPr lang="es-ES" dirty="0"/>
               <a:t> </a:t>
             </a:r>
             <a:r>
-              <a:rPr lang="es-ES" dirty="0" err="1" smtClean="0"/>
-              <a:t>image</a:t>
-            </a:r>
-            <a:r>
-              <a:rPr lang="es-ES" dirty="0" smtClean="0"/>
+              <a:rPr lang="es-ES" dirty="0" err="1"/>
+              <a:t>with</a:t>
+            </a:r>
+            <a:r>
+              <a:rPr lang="es-ES" dirty="0"/>
               <a:t> </a:t>
             </a:r>
             <a:r>
-              <a:rPr lang="es-ES" dirty="0" err="1" smtClean="0"/>
-              <a:t>yielded</a:t>
-            </a:r>
-            <a:r>
-              <a:rPr lang="es-ES" dirty="0" smtClean="0"/>
+              <a:rPr lang="es-ES" dirty="0" err="1"/>
+              <a:t>using</a:t>
+            </a:r>
+            <a:r>
+              <a:rPr lang="es-ES" dirty="0"/>
               <a:t> </a:t>
             </a:r>
             <a:r>
-              <a:rPr lang="es-ES" dirty="0" err="1" smtClean="0"/>
-              <a:t>better</a:t>
-            </a:r>
-            <a:r>
-              <a:rPr lang="es-ES" dirty="0" smtClean="0"/>
+              <a:rPr lang="es-ES" b="1" dirty="0" err="1"/>
+              <a:t>feature</a:t>
+            </a:r>
+            <a:r>
+              <a:rPr lang="es-ES" b="1" dirty="0"/>
               <a:t> </a:t>
             </a:r>
             <a:r>
-              <a:rPr lang="es-ES" dirty="0" err="1" smtClean="0"/>
-              <a:t>results</a:t>
-            </a:r>
-            <a:r>
-              <a:rPr lang="es-ES" dirty="0" smtClean="0"/>
-              <a:t> </a:t>
-            </a:r>
-            <a:r>
-              <a:rPr lang="es-ES" dirty="0" err="1" smtClean="0"/>
-              <a:t>than</a:t>
-            </a:r>
-            <a:r>
-              <a:rPr lang="es-ES" dirty="0" smtClean="0"/>
-              <a:t> </a:t>
-            </a:r>
-            <a:r>
-              <a:rPr lang="es-ES" dirty="0" err="1" smtClean="0"/>
-              <a:t>form</a:t>
-            </a:r>
-            <a:r>
-              <a:rPr lang="es-ES" dirty="0" smtClean="0"/>
-              <a:t> </a:t>
-            </a:r>
-            <a:r>
-              <a:rPr lang="es-ES" dirty="0" err="1" smtClean="0"/>
-              <a:t>the</a:t>
-            </a:r>
-            <a:r>
-              <a:rPr lang="es-ES" dirty="0" smtClean="0"/>
-              <a:t> </a:t>
-            </a:r>
-            <a:r>
-              <a:rPr lang="es-ES" dirty="0" err="1" smtClean="0"/>
-              <a:t>whole</a:t>
-            </a:r>
-            <a:r>
-              <a:rPr lang="es-ES" dirty="0" smtClean="0"/>
-              <a:t> </a:t>
-            </a:r>
-            <a:r>
-              <a:rPr lang="es-ES" dirty="0" err="1" smtClean="0"/>
-              <a:t>image</a:t>
-            </a:r>
-            <a:endParaRPr lang="es-ES" dirty="0" smtClean="0"/>
+              <a:rPr lang="es-ES" b="1" dirty="0" err="1"/>
+              <a:t>selection</a:t>
+            </a:r>
+            <a:endParaRPr lang="es-ES" b="1" dirty="0"/>
           </a:p>
           <a:p>
             <a:pPr marL="285750" indent="-285750">
@@ -17801,66 +22538,58 @@
               <a:buChar char="•"/>
             </a:pPr>
             <a:r>
-              <a:rPr lang="es-ES" dirty="0" err="1" smtClean="0"/>
-              <a:t>Using</a:t>
-            </a:r>
-            <a:r>
-              <a:rPr lang="es-ES" dirty="0" smtClean="0"/>
+              <a:rPr lang="es-ES" dirty="0" err="1"/>
+              <a:t>Extracting</a:t>
+            </a:r>
+            <a:r>
+              <a:rPr lang="es-ES" dirty="0"/>
               <a:t> </a:t>
             </a:r>
             <a:r>
-              <a:rPr lang="es-ES" dirty="0" err="1" smtClean="0"/>
-              <a:t>class</a:t>
-            </a:r>
-            <a:r>
-              <a:rPr lang="es-ES" dirty="0" smtClean="0"/>
+              <a:rPr lang="es-ES" dirty="0" err="1"/>
+              <a:t>features</a:t>
+            </a:r>
+            <a:r>
+              <a:rPr lang="es-ES" dirty="0"/>
               <a:t> </a:t>
             </a:r>
             <a:r>
-              <a:rPr lang="es-ES" dirty="0" err="1" smtClean="0"/>
-              <a:t>imbalance</a:t>
-            </a:r>
-            <a:r>
-              <a:rPr lang="es-ES" dirty="0" smtClean="0"/>
+              <a:rPr lang="es-ES" dirty="0" err="1"/>
+              <a:t>from</a:t>
+            </a:r>
+            <a:r>
+              <a:rPr lang="es-ES" dirty="0"/>
+              <a:t> a </a:t>
+            </a:r>
+            <a:r>
+              <a:rPr lang="es-ES" b="1" dirty="0" err="1"/>
+              <a:t>segmented</a:t>
+            </a:r>
+            <a:r>
+              <a:rPr lang="es-ES" b="1" dirty="0"/>
               <a:t> </a:t>
             </a:r>
             <a:r>
-              <a:rPr lang="es-ES" dirty="0" err="1" smtClean="0"/>
-              <a:t>mitigation</a:t>
-            </a:r>
-            <a:r>
-              <a:rPr lang="es-ES" dirty="0" smtClean="0"/>
+              <a:rPr lang="es-ES" b="1" dirty="0" err="1"/>
+              <a:t>image</a:t>
+            </a:r>
+            <a:r>
+              <a:rPr lang="es-ES" b="1" dirty="0"/>
               <a:t> </a:t>
             </a:r>
             <a:r>
-              <a:rPr lang="es-ES" dirty="0" err="1" smtClean="0"/>
-              <a:t>methods</a:t>
-            </a:r>
-            <a:r>
-              <a:rPr lang="es-ES" dirty="0" smtClean="0"/>
+              <a:rPr lang="es-ES" dirty="0" err="1"/>
+              <a:t>is</a:t>
+            </a:r>
+            <a:r>
+              <a:rPr lang="es-ES" dirty="0"/>
               <a:t> </a:t>
             </a:r>
             <a:r>
-              <a:rPr lang="es-ES" dirty="0" err="1" smtClean="0"/>
-              <a:t>drove</a:t>
-            </a:r>
-            <a:r>
-              <a:rPr lang="es-ES" dirty="0" smtClean="0"/>
-              <a:t> </a:t>
-            </a:r>
-            <a:r>
-              <a:rPr lang="es-ES" dirty="0" err="1" smtClean="0"/>
-              <a:t>the</a:t>
-            </a:r>
-            <a:r>
-              <a:rPr lang="es-ES" dirty="0" smtClean="0"/>
-              <a:t> performance </a:t>
-            </a:r>
-            <a:r>
-              <a:rPr lang="es-ES" dirty="0" err="1" smtClean="0"/>
-              <a:t>down</a:t>
-            </a:r>
-            <a:endParaRPr lang="es-ES" dirty="0" smtClean="0"/>
+              <a:rPr lang="es-ES" dirty="0" err="1"/>
+              <a:t>better</a:t>
+            </a:r>
+            <a:endParaRPr lang="es-ES" dirty="0"/>
           </a:p>
           <a:p>
             <a:pPr marL="285750" indent="-285750">
@@ -17875,116 +22604,58 @@
               <a:buChar char="•"/>
             </a:pPr>
             <a:r>
-              <a:rPr lang="es-ES" dirty="0" err="1" smtClean="0"/>
-              <a:t>Working</a:t>
-            </a:r>
-            <a:r>
-              <a:rPr lang="es-ES" dirty="0" smtClean="0"/>
+              <a:rPr lang="es-ES" b="1" dirty="0" err="1"/>
+              <a:t>Class</a:t>
+            </a:r>
+            <a:r>
+              <a:rPr lang="es-ES" b="1" dirty="0"/>
               <a:t> </a:t>
             </a:r>
             <a:r>
-              <a:rPr lang="es-ES" dirty="0" err="1" smtClean="0"/>
-              <a:t>on</a:t>
-            </a:r>
-            <a:r>
-              <a:rPr lang="es-ES" dirty="0" smtClean="0"/>
+              <a:rPr lang="es-ES" b="1" dirty="0" err="1"/>
+              <a:t>imbalance</a:t>
+            </a:r>
+            <a:r>
+              <a:rPr lang="es-ES" b="1" dirty="0"/>
               <a:t> </a:t>
             </a:r>
             <a:r>
-              <a:rPr lang="es-ES" dirty="0" err="1" smtClean="0"/>
+              <a:rPr lang="es-ES" b="1" dirty="0" err="1"/>
+              <a:t>mitigation</a:t>
+            </a:r>
+            <a:r>
+              <a:rPr lang="es-ES" b="1" dirty="0"/>
+              <a:t> </a:t>
+            </a:r>
+            <a:r>
+              <a:rPr lang="es-ES" dirty="0" err="1"/>
+              <a:t>attempts</a:t>
+            </a:r>
+            <a:r>
+              <a:rPr lang="es-ES" dirty="0"/>
+              <a:t> </a:t>
+            </a:r>
+            <a:r>
+              <a:rPr lang="es-ES" dirty="0" err="1"/>
+              <a:t>drove</a:t>
+            </a:r>
+            <a:r>
+              <a:rPr lang="es-ES" dirty="0"/>
+              <a:t> </a:t>
+            </a:r>
+            <a:r>
+              <a:rPr lang="es-ES" dirty="0" err="1"/>
               <a:t>the</a:t>
             </a:r>
             <a:r>
-              <a:rPr lang="es-ES" dirty="0" smtClean="0"/>
-              <a:t> V cannel of HSV </a:t>
-            </a:r>
-            <a:r>
-              <a:rPr lang="es-ES" dirty="0" err="1" smtClean="0"/>
-              <a:t>is</a:t>
-            </a:r>
-            <a:r>
-              <a:rPr lang="es-ES" dirty="0" smtClean="0"/>
-              <a:t> </a:t>
-            </a:r>
-            <a:r>
-              <a:rPr lang="es-ES" dirty="0" err="1" smtClean="0"/>
-              <a:t>recommended</a:t>
+              <a:rPr lang="es-ES" dirty="0"/>
+              <a:t> performance </a:t>
+            </a:r>
+            <a:r>
+              <a:rPr lang="es-ES" dirty="0" err="1"/>
+              <a:t>down</a:t>
             </a:r>
             <a:endParaRPr lang="es-ES" dirty="0"/>
-          </a:p>
-          <a:p>
-            <a:pPr marL="285750" indent="-285750">
-              <a:buFont typeface="Arial" panose="020B0604020202020204" pitchFamily="34" charset="0"/>
-              <a:buChar char="•"/>
-            </a:pPr>
-            <a:endParaRPr lang="es-ES" dirty="0" smtClean="0"/>
-          </a:p>
-          <a:p>
-            <a:pPr marL="285750" indent="-285750">
-              <a:buFont typeface="Arial" panose="020B0604020202020204" pitchFamily="34" charset="0"/>
-              <a:buChar char="•"/>
-            </a:pPr>
-            <a:r>
-              <a:rPr lang="es-ES" dirty="0" err="1" smtClean="0"/>
-              <a:t>When</a:t>
-            </a:r>
-            <a:r>
-              <a:rPr lang="es-ES" dirty="0" smtClean="0"/>
-              <a:t> </a:t>
-            </a:r>
-            <a:r>
-              <a:rPr lang="es-ES" dirty="0" err="1" smtClean="0"/>
-              <a:t>working</a:t>
-            </a:r>
-            <a:r>
-              <a:rPr lang="es-ES" dirty="0" smtClean="0"/>
-              <a:t> </a:t>
-            </a:r>
-            <a:r>
-              <a:rPr lang="es-ES" dirty="0" err="1" smtClean="0"/>
-              <a:t>with</a:t>
-            </a:r>
-            <a:r>
-              <a:rPr lang="es-ES" dirty="0" smtClean="0"/>
-              <a:t> </a:t>
-            </a:r>
-            <a:r>
-              <a:rPr lang="es-ES" dirty="0" err="1" smtClean="0"/>
-              <a:t>big</a:t>
-            </a:r>
-            <a:r>
-              <a:rPr lang="es-ES" dirty="0" smtClean="0"/>
-              <a:t> </a:t>
-            </a:r>
-            <a:r>
-              <a:rPr lang="es-ES" dirty="0" err="1" smtClean="0"/>
-              <a:t>datasets</a:t>
-            </a:r>
-            <a:r>
-              <a:rPr lang="es-ES" dirty="0" smtClean="0"/>
-              <a:t>, </a:t>
-            </a:r>
-            <a:r>
-              <a:rPr lang="es-ES" dirty="0" err="1" smtClean="0"/>
-              <a:t>you</a:t>
-            </a:r>
-            <a:r>
-              <a:rPr lang="es-ES" dirty="0" smtClean="0"/>
-              <a:t> </a:t>
-            </a:r>
-            <a:r>
-              <a:rPr lang="es-ES" dirty="0" err="1" smtClean="0"/>
-              <a:t>have</a:t>
-            </a:r>
-            <a:r>
-              <a:rPr lang="es-ES" dirty="0" smtClean="0"/>
-              <a:t> to be </a:t>
-            </a:r>
-            <a:r>
-              <a:rPr lang="es-ES" dirty="0" err="1" smtClean="0"/>
-              <a:t>creative</a:t>
-            </a:r>
-            <a:endParaRPr lang="es-ES" dirty="0" smtClean="0"/>
           </a:p>
           <a:p>
             <a:pPr marL="285750" indent="-285750">
@@ -17999,34 +22670,46 @@
               <a:buChar char="•"/>
             </a:pPr>
             <a:r>
-              <a:rPr lang="es-ES" dirty="0" err="1" smtClean="0"/>
-              <a:t>Using</a:t>
-            </a:r>
-            <a:r>
-              <a:rPr lang="es-ES" dirty="0" smtClean="0"/>
-              <a:t> a </a:t>
-            </a:r>
-            <a:r>
-              <a:rPr lang="es-ES" dirty="0" err="1" smtClean="0"/>
-              <a:t>combination</a:t>
-            </a:r>
-            <a:r>
-              <a:rPr lang="es-ES" dirty="0" smtClean="0"/>
-              <a:t> of Color and </a:t>
-            </a:r>
-            <a:r>
-              <a:rPr lang="es-ES" dirty="0" err="1" smtClean="0"/>
-              <a:t>Texture</a:t>
-            </a:r>
-            <a:r>
-              <a:rPr lang="es-ES" dirty="0" smtClean="0"/>
+              <a:rPr lang="es-ES" dirty="0" err="1"/>
+              <a:t>Working</a:t>
+            </a:r>
+            <a:r>
+              <a:rPr lang="es-ES" dirty="0"/>
               <a:t> </a:t>
             </a:r>
             <a:r>
-              <a:rPr lang="es-ES" dirty="0" err="1" smtClean="0"/>
-              <a:t>descriptors</a:t>
-            </a:r>
-            <a:endParaRPr lang="es-ES" dirty="0" smtClean="0"/>
+              <a:rPr lang="es-ES" dirty="0" err="1"/>
+              <a:t>on</a:t>
+            </a:r>
+            <a:r>
+              <a:rPr lang="es-ES" dirty="0"/>
+              <a:t> </a:t>
+            </a:r>
+            <a:r>
+              <a:rPr lang="es-ES" dirty="0" err="1"/>
+              <a:t>the</a:t>
+            </a:r>
+            <a:r>
+              <a:rPr lang="es-ES" dirty="0"/>
+              <a:t> </a:t>
+            </a:r>
+            <a:r>
+              <a:rPr lang="es-ES" b="1" dirty="0"/>
+              <a:t>V cannel of HSV </a:t>
+            </a:r>
+            <a:r>
+              <a:rPr lang="es-ES" dirty="0" err="1"/>
+              <a:t>is</a:t>
+            </a:r>
+            <a:r>
+              <a:rPr lang="es-ES" dirty="0"/>
+              <a:t> </a:t>
+            </a:r>
+            <a:r>
+              <a:rPr lang="es-ES" dirty="0" err="1"/>
+              <a:t>recommended</a:t>
+            </a:r>
+            <a:endParaRPr lang="es-ES" dirty="0"/>
           </a:p>
           <a:p>
             <a:pPr marL="285750" indent="-285750">
@@ -18041,48 +22724,64 @@
               <a:buChar char="•"/>
             </a:pPr>
             <a:r>
-              <a:rPr lang="es-ES" dirty="0" err="1" smtClean="0"/>
-              <a:t>Ensemble</a:t>
-            </a:r>
-            <a:r>
-              <a:rPr lang="es-ES" dirty="0" smtClean="0"/>
+              <a:rPr lang="es-ES" dirty="0" err="1"/>
+              <a:t>When</a:t>
+            </a:r>
+            <a:r>
+              <a:rPr lang="es-ES" dirty="0"/>
               <a:t> </a:t>
             </a:r>
             <a:r>
-              <a:rPr lang="es-ES" dirty="0" err="1" smtClean="0"/>
-              <a:t>learning</a:t>
-            </a:r>
-            <a:r>
-              <a:rPr lang="es-ES" dirty="0" smtClean="0"/>
+              <a:rPr lang="es-ES" dirty="0" err="1"/>
+              <a:t>working</a:t>
+            </a:r>
+            <a:r>
+              <a:rPr lang="es-ES" dirty="0"/>
               <a:t> </a:t>
             </a:r>
             <a:r>
-              <a:rPr lang="es-ES" dirty="0" err="1" smtClean="0"/>
-              <a:t>works</a:t>
-            </a:r>
-            <a:r>
-              <a:rPr lang="es-ES" dirty="0" smtClean="0"/>
+              <a:rPr lang="es-ES" dirty="0" err="1"/>
+              <a:t>with</a:t>
+            </a:r>
+            <a:r>
+              <a:rPr lang="es-ES" dirty="0"/>
               <a:t> </a:t>
             </a:r>
             <a:r>
-              <a:rPr lang="es-ES" dirty="0" err="1" smtClean="0"/>
-              <a:t>better</a:t>
-            </a:r>
-            <a:r>
-              <a:rPr lang="es-ES" dirty="0" smtClean="0"/>
+              <a:rPr lang="es-ES" b="1" dirty="0" err="1"/>
+              <a:t>big</a:t>
+            </a:r>
+            <a:r>
+              <a:rPr lang="es-ES" b="1" dirty="0"/>
               <a:t> </a:t>
             </a:r>
             <a:r>
-              <a:rPr lang="es-ES" dirty="0" err="1" smtClean="0"/>
-              <a:t>than</a:t>
-            </a:r>
-            <a:r>
-              <a:rPr lang="es-ES" dirty="0" smtClean="0"/>
-              <a:t> individual </a:t>
-            </a:r>
-            <a:r>
-              <a:rPr lang="es-ES" dirty="0" err="1" smtClean="0"/>
-              <a:t>classifiers</a:t>
+              <a:rPr lang="es-ES" b="1" dirty="0" err="1"/>
+              <a:t>datasets</a:t>
+            </a:r>
+            <a:r>
+              <a:rPr lang="es-ES" dirty="0"/>
+              <a:t>, </a:t>
+            </a:r>
+            <a:r>
+              <a:rPr lang="es-ES" dirty="0" err="1"/>
+              <a:t>you</a:t>
+            </a:r>
+            <a:r>
+              <a:rPr lang="es-ES" dirty="0"/>
+              <a:t> </a:t>
+            </a:r>
+            <a:r>
+              <a:rPr lang="es-ES" dirty="0" err="1"/>
+              <a:t>have</a:t>
+            </a:r>
+            <a:r>
+              <a:rPr lang="es-ES" dirty="0"/>
+              <a:t> to be </a:t>
+            </a:r>
+            <a:r>
+              <a:rPr lang="es-ES" dirty="0" err="1"/>
+              <a:t>creative</a:t>
             </a:r>
             <a:endParaRPr lang="es-ES" dirty="0"/>
           </a:p>
@@ -18091,7 +22790,7 @@
               <a:buFont typeface="Arial" panose="020B0604020202020204" pitchFamily="34" charset="0"/>
               <a:buChar char="•"/>
             </a:pPr>
-            <a:endParaRPr lang="es-ES" dirty="0" smtClean="0"/>
+            <a:endParaRPr lang="es-ES" dirty="0"/>
           </a:p>
           <a:p>
             <a:pPr marL="285750" indent="-285750">
@@ -18099,42 +22798,134 @@
               <a:buChar char="•"/>
             </a:pPr>
             <a:r>
-              <a:rPr lang="es-ES" dirty="0" err="1" smtClean="0"/>
+              <a:rPr lang="es-ES" dirty="0" err="1"/>
+              <a:t>Combination</a:t>
+            </a:r>
+            <a:r>
+              <a:rPr lang="es-ES" dirty="0"/>
+              <a:t> of </a:t>
+            </a:r>
+            <a:r>
+              <a:rPr lang="es-ES" b="1" dirty="0"/>
+              <a:t>Color and </a:t>
+            </a:r>
+            <a:r>
+              <a:rPr lang="es-ES" b="1" dirty="0" err="1"/>
+              <a:t>Texture</a:t>
+            </a:r>
+            <a:r>
+              <a:rPr lang="es-ES" b="1" dirty="0"/>
+              <a:t> </a:t>
+            </a:r>
+            <a:r>
+              <a:rPr lang="es-ES" dirty="0" err="1"/>
+              <a:t>descriptors</a:t>
+            </a:r>
+            <a:endParaRPr lang="es-ES" dirty="0"/>
+          </a:p>
+          <a:p>
+            <a:pPr marL="285750" indent="-285750">
+              <a:buFont typeface="Arial" panose="020B0604020202020204" pitchFamily="34" charset="0"/>
+              <a:buChar char="•"/>
+            </a:pPr>
+            <a:endParaRPr lang="es-ES" dirty="0"/>
+          </a:p>
+          <a:p>
+            <a:pPr marL="285750" indent="-285750">
+              <a:buFont typeface="Arial" panose="020B0604020202020204" pitchFamily="34" charset="0"/>
+              <a:buChar char="•"/>
+            </a:pPr>
+            <a:r>
+              <a:rPr lang="es-ES" b="1" dirty="0"/>
+              <a:t>Ensemble </a:t>
+            </a:r>
+            <a:r>
+              <a:rPr lang="es-ES" b="1" dirty="0" err="1"/>
+              <a:t>learning</a:t>
+            </a:r>
+            <a:r>
+              <a:rPr lang="es-ES" b="1" dirty="0"/>
+              <a:t> </a:t>
+            </a:r>
+            <a:r>
+              <a:rPr lang="es-ES" dirty="0" err="1"/>
+              <a:t>worked</a:t>
+            </a:r>
+            <a:r>
+              <a:rPr lang="es-ES" dirty="0"/>
+              <a:t> </a:t>
+            </a:r>
+            <a:r>
+              <a:rPr lang="es-ES" dirty="0" err="1"/>
+              <a:t>better</a:t>
+            </a:r>
+            <a:r>
+              <a:rPr lang="es-ES" dirty="0"/>
+              <a:t> </a:t>
+            </a:r>
+            <a:r>
+              <a:rPr lang="es-ES" dirty="0" err="1"/>
+              <a:t>than</a:t>
+            </a:r>
+            <a:r>
+              <a:rPr lang="es-ES" dirty="0"/>
+              <a:t> individual </a:t>
+            </a:r>
+            <a:r>
+              <a:rPr lang="es-ES" dirty="0" err="1"/>
+              <a:t>classifiers</a:t>
+            </a:r>
+            <a:endParaRPr lang="es-ES" dirty="0"/>
+          </a:p>
+          <a:p>
+            <a:pPr marL="285750" indent="-285750">
+              <a:buFont typeface="Arial" panose="020B0604020202020204" pitchFamily="34" charset="0"/>
+              <a:buChar char="•"/>
+            </a:pPr>
+            <a:endParaRPr lang="es-ES" dirty="0"/>
+          </a:p>
+          <a:p>
+            <a:pPr marL="285750" indent="-285750">
+              <a:buFont typeface="Arial" panose="020B0604020202020204" pitchFamily="34" charset="0"/>
+              <a:buChar char="•"/>
+            </a:pPr>
+            <a:r>
+              <a:rPr lang="es-ES" dirty="0" err="1"/>
               <a:t>Automating</a:t>
             </a:r>
             <a:r>
-              <a:rPr lang="es-ES" dirty="0" smtClean="0"/>
+              <a:rPr lang="es-ES" dirty="0"/>
               <a:t> </a:t>
             </a:r>
             <a:r>
-              <a:rPr lang="es-ES" dirty="0" err="1" smtClean="0"/>
+              <a:rPr lang="es-ES" dirty="0" err="1"/>
               <a:t>classification</a:t>
             </a:r>
             <a:r>
-              <a:rPr lang="es-ES" dirty="0" smtClean="0"/>
+              <a:rPr lang="es-ES" dirty="0"/>
               <a:t> pipeline </a:t>
             </a:r>
             <a:r>
-              <a:rPr lang="es-ES" dirty="0" err="1" smtClean="0"/>
+              <a:rPr lang="es-ES" dirty="0" err="1"/>
               <a:t>with</a:t>
             </a:r>
             <a:r>
-              <a:rPr lang="es-ES" dirty="0" smtClean="0"/>
+              <a:rPr lang="es-ES" dirty="0"/>
               <a:t> </a:t>
             </a:r>
             <a:r>
-              <a:rPr lang="es-ES" dirty="0" err="1" smtClean="0"/>
+              <a:rPr lang="es-ES" b="1" dirty="0" err="1"/>
               <a:t>Grid</a:t>
             </a:r>
             <a:r>
-              <a:rPr lang="es-ES" dirty="0" smtClean="0"/>
+              <a:rPr lang="es-ES" b="1" dirty="0"/>
               <a:t> </a:t>
             </a:r>
             <a:r>
-              <a:rPr lang="es-ES" dirty="0" err="1" smtClean="0"/>
+              <a:rPr lang="es-ES" b="1" dirty="0" err="1"/>
               <a:t>Search</a:t>
             </a:r>
-            <a:endParaRPr lang="es-ES" dirty="0"/>
+            <a:endParaRPr lang="es-ES" b="1" dirty="0"/>
           </a:p>
           <a:p>
             <a:pPr marL="285750" indent="-285750">
@@ -18158,7 +22949,7 @@
 </p:sld>
 </file>
 
-<file path=ppt/slides/slide13.xml><?xml version="1.0" encoding="utf-8"?>
+<file path=ppt/slides/slide14.xml><?xml version="1.0" encoding="utf-8"?>
 <p:sld xmlns:a="http://schemas.openxmlformats.org/drawingml/2006/main" xmlns:r="http://schemas.openxmlformats.org/officeDocument/2006/relationships" xmlns:p="http://schemas.openxmlformats.org/presentationml/2006/main">
   <p:cSld>
     <p:spTree>
@@ -18193,8 +22984,8 @@
         </p:nvSpPr>
         <p:spPr>
           <a:xfrm>
-            <a:off x="1977433" y="2297609"/>
-            <a:ext cx="8915399" cy="2262781"/>
+            <a:off x="1826513" y="1553592"/>
+            <a:ext cx="8915399" cy="1453206"/>
           </a:xfrm>
         </p:spPr>
         <p:txBody>
@@ -18308,8 +23099,331 @@
         </p:blipFill>
         <p:spPr>
           <a:xfrm>
-            <a:off x="5889905" y="5609286"/>
+            <a:off x="4412266" y="3595128"/>
             <a:ext cx="1090453" cy="1090453"/>
+          </a:xfrm>
+          <a:prstGeom prst="rect">
+            <a:avLst/>
+          </a:prstGeom>
+        </p:spPr>
+      </p:pic>
+      <p:sp>
+        <p:nvSpPr>
+          <p:cNvPr id="8" name="Content Placeholder 3">
+            <a:extLst>
+              <a:ext uri="{FF2B5EF4-FFF2-40B4-BE49-F238E27FC236}">
+                <a16:creationId xmlns:a16="http://schemas.microsoft.com/office/drawing/2014/main" id="{F5FF3443-C112-4233-941C-F1489FF9B8C3}"/>
+              </a:ext>
+            </a:extLst>
+          </p:cNvPr>
+          <p:cNvSpPr txBox="1">
+            <a:spLocks/>
+          </p:cNvSpPr>
+          <p:nvPr/>
+        </p:nvSpPr>
+        <p:spPr>
+          <a:xfrm>
+            <a:off x="1188430" y="5404794"/>
+            <a:ext cx="10191564" cy="1453206"/>
+          </a:xfrm>
+          <a:prstGeom prst="rect">
+            <a:avLst/>
+          </a:prstGeom>
+        </p:spPr>
+        <p:txBody>
+          <a:bodyPr vert="horz" lIns="91440" tIns="45720" rIns="91440" bIns="45720" rtlCol="0">
+            <a:normAutofit/>
+          </a:bodyPr>
+          <a:lstStyle>
+            <a:lvl1pPr marL="342900" indent="-342900" algn="l" defTabSz="457200" rtl="0" eaLnBrk="1" latinLnBrk="0" hangingPunct="1">
+              <a:spcBef>
+                <a:spcPts val="1000"/>
+              </a:spcBef>
+              <a:spcAft>
+                <a:spcPts val="0"/>
+              </a:spcAft>
+              <a:buClr>
+                <a:schemeClr val="accent1"/>
+              </a:buClr>
+              <a:buFont typeface="Wingdings 3" charset="2"/>
+              <a:buChar char=""/>
+              <a:defRPr sz="1800" kern="1200">
+                <a:solidFill>
+                  <a:schemeClr val="tx1">
+                    <a:lumMod val="75000"/>
+                    <a:lumOff val="25000"/>
+                  </a:schemeClr>
+                </a:solidFill>
+                <a:latin typeface="+mn-lt"/>
+                <a:ea typeface="+mn-ea"/>
+                <a:cs typeface="+mn-cs"/>
+              </a:defRPr>
+            </a:lvl1pPr>
+            <a:lvl2pPr marL="742950" indent="-285750" algn="l" defTabSz="457200" rtl="0" eaLnBrk="1" latinLnBrk="0" hangingPunct="1">
+              <a:spcBef>
+                <a:spcPts val="1000"/>
+              </a:spcBef>
+              <a:spcAft>
+                <a:spcPts val="0"/>
+              </a:spcAft>
+              <a:buClr>
+                <a:schemeClr val="accent1"/>
+              </a:buClr>
+              <a:buFont typeface="Wingdings 3" charset="2"/>
+              <a:buChar char=""/>
+              <a:defRPr sz="1600" kern="1200">
+                <a:solidFill>
+                  <a:schemeClr val="tx1">
+                    <a:lumMod val="75000"/>
+                    <a:lumOff val="25000"/>
+                  </a:schemeClr>
+                </a:solidFill>
+                <a:latin typeface="+mn-lt"/>
+                <a:ea typeface="+mn-ea"/>
+                <a:cs typeface="+mn-cs"/>
+              </a:defRPr>
+            </a:lvl2pPr>
+            <a:lvl3pPr marL="1143000" indent="-228600" algn="l" defTabSz="457200" rtl="0" eaLnBrk="1" latinLnBrk="0" hangingPunct="1">
+              <a:spcBef>
+                <a:spcPts val="1000"/>
+              </a:spcBef>
+              <a:spcAft>
+                <a:spcPts val="0"/>
+              </a:spcAft>
+              <a:buClr>
+                <a:schemeClr val="accent1"/>
+              </a:buClr>
+              <a:buFont typeface="Wingdings 3" charset="2"/>
+              <a:buChar char=""/>
+              <a:defRPr sz="1400" kern="1200">
+                <a:solidFill>
+                  <a:schemeClr val="tx1">
+                    <a:lumMod val="75000"/>
+                    <a:lumOff val="25000"/>
+                  </a:schemeClr>
+                </a:solidFill>
+                <a:latin typeface="+mn-lt"/>
+                <a:ea typeface="+mn-ea"/>
+                <a:cs typeface="+mn-cs"/>
+              </a:defRPr>
+            </a:lvl3pPr>
+            <a:lvl4pPr marL="1600200" indent="-228600" algn="l" defTabSz="457200" rtl="0" eaLnBrk="1" latinLnBrk="0" hangingPunct="1">
+              <a:spcBef>
+                <a:spcPts val="1000"/>
+              </a:spcBef>
+              <a:spcAft>
+                <a:spcPts val="0"/>
+              </a:spcAft>
+              <a:buClr>
+                <a:schemeClr val="accent1"/>
+              </a:buClr>
+              <a:buFont typeface="Wingdings 3" charset="2"/>
+              <a:buChar char=""/>
+              <a:defRPr sz="1200" kern="1200">
+                <a:solidFill>
+                  <a:schemeClr val="tx1">
+                    <a:lumMod val="75000"/>
+                    <a:lumOff val="25000"/>
+                  </a:schemeClr>
+                </a:solidFill>
+                <a:latin typeface="+mn-lt"/>
+                <a:ea typeface="+mn-ea"/>
+                <a:cs typeface="+mn-cs"/>
+              </a:defRPr>
+            </a:lvl4pPr>
+            <a:lvl5pPr marL="2057400" indent="-228600" algn="l" defTabSz="457200" rtl="0" eaLnBrk="1" latinLnBrk="0" hangingPunct="1">
+              <a:spcBef>
+                <a:spcPts val="1000"/>
+              </a:spcBef>
+              <a:spcAft>
+                <a:spcPts val="0"/>
+              </a:spcAft>
+              <a:buClr>
+                <a:schemeClr val="accent1"/>
+              </a:buClr>
+              <a:buFont typeface="Wingdings 3" charset="2"/>
+              <a:buChar char=""/>
+              <a:defRPr sz="1200" kern="1200">
+                <a:solidFill>
+                  <a:schemeClr val="tx1">
+                    <a:lumMod val="75000"/>
+                    <a:lumOff val="25000"/>
+                  </a:schemeClr>
+                </a:solidFill>
+                <a:latin typeface="+mn-lt"/>
+                <a:ea typeface="+mn-ea"/>
+                <a:cs typeface="+mn-cs"/>
+              </a:defRPr>
+            </a:lvl5pPr>
+            <a:lvl6pPr marL="2514600" indent="-228600" algn="l" defTabSz="457200" rtl="0" eaLnBrk="1" latinLnBrk="0" hangingPunct="1">
+              <a:spcBef>
+                <a:spcPts val="1000"/>
+              </a:spcBef>
+              <a:spcAft>
+                <a:spcPts val="0"/>
+              </a:spcAft>
+              <a:buClr>
+                <a:schemeClr val="accent1"/>
+              </a:buClr>
+              <a:buFont typeface="Wingdings 3" charset="2"/>
+              <a:buChar char=""/>
+              <a:defRPr sz="1200" kern="1200">
+                <a:solidFill>
+                  <a:schemeClr val="tx1">
+                    <a:lumMod val="75000"/>
+                    <a:lumOff val="25000"/>
+                  </a:schemeClr>
+                </a:solidFill>
+                <a:latin typeface="+mn-lt"/>
+                <a:ea typeface="+mn-ea"/>
+                <a:cs typeface="+mn-cs"/>
+              </a:defRPr>
+            </a:lvl6pPr>
+            <a:lvl7pPr marL="2971800" indent="-228600" algn="l" defTabSz="457200" rtl="0" eaLnBrk="1" latinLnBrk="0" hangingPunct="1">
+              <a:spcBef>
+                <a:spcPts val="1000"/>
+              </a:spcBef>
+              <a:spcAft>
+                <a:spcPts val="0"/>
+              </a:spcAft>
+              <a:buClr>
+                <a:schemeClr val="accent1"/>
+              </a:buClr>
+              <a:buFont typeface="Wingdings 3" charset="2"/>
+              <a:buChar char=""/>
+              <a:defRPr sz="1200" kern="1200">
+                <a:solidFill>
+                  <a:schemeClr val="tx1">
+                    <a:lumMod val="75000"/>
+                    <a:lumOff val="25000"/>
+                  </a:schemeClr>
+                </a:solidFill>
+                <a:latin typeface="+mn-lt"/>
+                <a:ea typeface="+mn-ea"/>
+                <a:cs typeface="+mn-cs"/>
+              </a:defRPr>
+            </a:lvl7pPr>
+            <a:lvl8pPr marL="3429000" indent="-228600" algn="l" defTabSz="457200" rtl="0" eaLnBrk="1" latinLnBrk="0" hangingPunct="1">
+              <a:spcBef>
+                <a:spcPts val="1000"/>
+              </a:spcBef>
+              <a:spcAft>
+                <a:spcPts val="0"/>
+              </a:spcAft>
+              <a:buClr>
+                <a:schemeClr val="accent1"/>
+              </a:buClr>
+              <a:buFont typeface="Wingdings 3" charset="2"/>
+              <a:buChar char=""/>
+              <a:defRPr sz="1200" kern="1200">
+                <a:solidFill>
+                  <a:schemeClr val="tx1">
+                    <a:lumMod val="75000"/>
+                    <a:lumOff val="25000"/>
+                  </a:schemeClr>
+                </a:solidFill>
+                <a:latin typeface="+mn-lt"/>
+                <a:ea typeface="+mn-ea"/>
+                <a:cs typeface="+mn-cs"/>
+              </a:defRPr>
+            </a:lvl8pPr>
+            <a:lvl9pPr marL="3886200" indent="-228600" algn="l" defTabSz="457200" rtl="0" eaLnBrk="1" latinLnBrk="0" hangingPunct="1">
+              <a:spcBef>
+                <a:spcPts val="1000"/>
+              </a:spcBef>
+              <a:spcAft>
+                <a:spcPts val="0"/>
+              </a:spcAft>
+              <a:buClr>
+                <a:schemeClr val="accent1"/>
+              </a:buClr>
+              <a:buFont typeface="Wingdings 3" charset="2"/>
+              <a:buChar char=""/>
+              <a:defRPr sz="1200" kern="1200">
+                <a:solidFill>
+                  <a:schemeClr val="tx1">
+                    <a:lumMod val="75000"/>
+                    <a:lumOff val="25000"/>
+                  </a:schemeClr>
+                </a:solidFill>
+                <a:latin typeface="+mn-lt"/>
+                <a:ea typeface="+mn-ea"/>
+                <a:cs typeface="+mn-cs"/>
+              </a:defRPr>
+            </a:lvl9pPr>
+          </a:lstStyle>
+          <a:p>
+            <a:pPr marL="0" indent="0" algn="ctr">
+              <a:lnSpc>
+                <a:spcPct val="107000"/>
+              </a:lnSpc>
+              <a:spcAft>
+                <a:spcPts val="800"/>
+              </a:spcAft>
+              <a:buNone/>
+            </a:pPr>
+            <a:r>
+              <a:rPr lang="en-US" sz="2800" dirty="0">
+                <a:ea typeface="Calibri" panose="020F0502020204030204" pitchFamily="34" charset="0"/>
+                <a:cs typeface="Arial" panose="020B0604020202020204" pitchFamily="34" charset="0"/>
+              </a:rPr>
+              <a:t>Lines of code: 730</a:t>
+            </a:r>
+          </a:p>
+          <a:p>
+            <a:pPr marL="0" indent="0" algn="ctr">
+              <a:lnSpc>
+                <a:spcPct val="107000"/>
+              </a:lnSpc>
+              <a:spcAft>
+                <a:spcPts val="800"/>
+              </a:spcAft>
+              <a:buNone/>
+            </a:pPr>
+            <a:r>
+              <a:rPr lang="en-US" sz="2800" dirty="0">
+                <a:ea typeface="Calibri" panose="020F0502020204030204" pitchFamily="34" charset="0"/>
+                <a:cs typeface="Arial" panose="020B0604020202020204" pitchFamily="34" charset="0"/>
+              </a:rPr>
+              <a:t>Time in deployment: 2 (long) days, 3 (long) nights</a:t>
+            </a:r>
+            <a:endParaRPr lang="ro-RO" sz="2800" dirty="0">
+              <a:ea typeface="Calibri" panose="020F0502020204030204" pitchFamily="34" charset="0"/>
+              <a:cs typeface="Arial" panose="020B0604020202020204" pitchFamily="34" charset="0"/>
+            </a:endParaRPr>
+          </a:p>
+        </p:txBody>
+      </p:sp>
+      <p:pic>
+        <p:nvPicPr>
+          <p:cNvPr id="4" name="Picture 3" descr="Graphical user interface&#10;&#10;Description automatically generated">
+            <a:extLst>
+              <a:ext uri="{FF2B5EF4-FFF2-40B4-BE49-F238E27FC236}">
+                <a16:creationId xmlns:a16="http://schemas.microsoft.com/office/drawing/2014/main" id="{2AA84916-6980-4DCE-A5E7-3B7E32EA4FA7}"/>
+              </a:ext>
+            </a:extLst>
+          </p:cNvPr>
+          <p:cNvPicPr>
+            <a:picLocks noChangeAspect="1"/>
+          </p:cNvPicPr>
+          <p:nvPr/>
+        </p:nvPicPr>
+        <p:blipFill>
+          <a:blip r:embed="rId5">
+            <a:extLst>
+              <a:ext uri="{28A0092B-C50C-407E-A947-70E740481C1C}">
+                <a14:useLocalDpi xmlns:a14="http://schemas.microsoft.com/office/drawing/2010/main" val="0"/>
+              </a:ext>
+            </a:extLst>
+          </a:blip>
+          <a:stretch>
+            <a:fillRect/>
+          </a:stretch>
+        </p:blipFill>
+        <p:spPr>
+          <a:xfrm>
+            <a:off x="6689282" y="3258137"/>
+            <a:ext cx="2837304" cy="1773315"/>
           </a:xfrm>
           <a:prstGeom prst="rect">
             <a:avLst/>
@@ -21965,20 +27079,15 @@
             <a:pPr algn="ctr"/>
             <a:r>
               <a:rPr lang="en-US" sz="4800" dirty="0"/>
-              <a:t>Feature </a:t>
-            </a:r>
-            <a:r>
-              <a:rPr lang="en-US" sz="4800" dirty="0" smtClean="0"/>
-              <a:t>Engineering</a:t>
+              <a:t>Feature Engineering</a:t>
             </a:r>
             <a:br>
-              <a:rPr lang="en-US" sz="4800" dirty="0" smtClean="0"/>
+              <a:rPr lang="en-US" sz="4800" dirty="0"/>
             </a:br>
             <a:r>
-              <a:rPr lang="en-US" sz="4800" dirty="0" smtClean="0"/>
+              <a:rPr lang="en-US" sz="4800" dirty="0"/>
               <a:t>-feature extraction-</a:t>
             </a:r>
-            <a:endParaRPr lang="en-US" sz="4800" dirty="0"/>
           </a:p>
         </p:txBody>
       </p:sp>
@@ -22542,14 +27651,10 @@
             <a:pPr algn="ctr"/>
             <a:r>
               <a:rPr lang="en-US" sz="4800" dirty="0"/>
-              <a:t>Feature </a:t>
-            </a:r>
-            <a:r>
-              <a:rPr lang="en-US" sz="4800" dirty="0" smtClean="0"/>
-              <a:t>Engineering</a:t>
+              <a:t>Feature Engineering</a:t>
             </a:r>
             <a:br>
-              <a:rPr lang="en-US" sz="4800" dirty="0" smtClean="0"/>
+              <a:rPr lang="en-US" sz="4800" dirty="0"/>
             </a:br>
             <a:endParaRPr lang="en-US" sz="4800" dirty="0"/>
           </a:p>

--- a/Presentation_updated.pptx
+++ b/Presentation_updated.pptx
@@ -5,7 +5,7 @@
     <p:sldMasterId id="2147483840" r:id="rId1"/>
   </p:sldMasterIdLst>
   <p:notesMasterIdLst>
-    <p:notesMasterId r:id="rId16"/>
+    <p:notesMasterId r:id="rId17"/>
   </p:notesMasterIdLst>
   <p:sldIdLst>
     <p:sldId id="256" r:id="rId2"/>
@@ -19,9 +19,10 @@
     <p:sldId id="289" r:id="rId10"/>
     <p:sldId id="283" r:id="rId11"/>
     <p:sldId id="290" r:id="rId12"/>
-    <p:sldId id="280" r:id="rId13"/>
-    <p:sldId id="288" r:id="rId14"/>
-    <p:sldId id="266" r:id="rId15"/>
+    <p:sldId id="291" r:id="rId13"/>
+    <p:sldId id="280" r:id="rId14"/>
+    <p:sldId id="288" r:id="rId15"/>
+    <p:sldId id="266" r:id="rId16"/>
   </p:sldIdLst>
   <p:sldSz cx="12192000" cy="6858000"/>
   <p:notesSz cx="6858000" cy="9144000"/>
@@ -1623,6 +1624,753 @@
 </file>
 
 <file path=ppt/diagrams/colors3.xml><?xml version="1.0" encoding="utf-8"?>
+<dgm:colorsDef xmlns:dgm="http://schemas.openxmlformats.org/drawingml/2006/diagram" xmlns:a="http://schemas.openxmlformats.org/drawingml/2006/main" uniqueId="urn:microsoft.com/office/officeart/2005/8/colors/accent1_2">
+  <dgm:title val=""/>
+  <dgm:desc val=""/>
+  <dgm:catLst>
+    <dgm:cat type="accent1" pri="11200"/>
+  </dgm:catLst>
+  <dgm:styleLbl name="node0">
+    <dgm:fillClrLst meth="repeat">
+      <a:schemeClr val="accent1"/>
+    </dgm:fillClrLst>
+    <dgm:linClrLst meth="repeat">
+      <a:schemeClr val="lt1"/>
+    </dgm:linClrLst>
+    <dgm:effectClrLst/>
+    <dgm:txLinClrLst/>
+    <dgm:txFillClrLst/>
+    <dgm:txEffectClrLst/>
+  </dgm:styleLbl>
+  <dgm:styleLbl name="alignNode1">
+    <dgm:fillClrLst meth="repeat">
+      <a:schemeClr val="accent1"/>
+    </dgm:fillClrLst>
+    <dgm:linClrLst meth="repeat">
+      <a:schemeClr val="accent1"/>
+    </dgm:linClrLst>
+    <dgm:effectClrLst/>
+    <dgm:txLinClrLst/>
+    <dgm:txFillClrLst/>
+    <dgm:txEffectClrLst/>
+  </dgm:styleLbl>
+  <dgm:styleLbl name="node1">
+    <dgm:fillClrLst meth="repeat">
+      <a:schemeClr val="accent1"/>
+    </dgm:fillClrLst>
+    <dgm:linClrLst meth="repeat">
+      <a:schemeClr val="lt1"/>
+    </dgm:linClrLst>
+    <dgm:effectClrLst/>
+    <dgm:txLinClrLst/>
+    <dgm:txFillClrLst/>
+    <dgm:txEffectClrLst/>
+  </dgm:styleLbl>
+  <dgm:styleLbl name="lnNode1">
+    <dgm:fillClrLst meth="repeat">
+      <a:schemeClr val="accent1"/>
+    </dgm:fillClrLst>
+    <dgm:linClrLst meth="repeat">
+      <a:schemeClr val="lt1"/>
+    </dgm:linClrLst>
+    <dgm:effectClrLst/>
+    <dgm:txLinClrLst/>
+    <dgm:txFillClrLst/>
+    <dgm:txEffectClrLst/>
+  </dgm:styleLbl>
+  <dgm:styleLbl name="vennNode1">
+    <dgm:fillClrLst meth="repeat">
+      <a:schemeClr val="accent1">
+        <a:alpha val="50000"/>
+      </a:schemeClr>
+    </dgm:fillClrLst>
+    <dgm:linClrLst meth="repeat">
+      <a:schemeClr val="lt1"/>
+    </dgm:linClrLst>
+    <dgm:effectClrLst/>
+    <dgm:txLinClrLst/>
+    <dgm:txFillClrLst/>
+    <dgm:txEffectClrLst/>
+  </dgm:styleLbl>
+  <dgm:styleLbl name="node2">
+    <dgm:fillClrLst meth="repeat">
+      <a:schemeClr val="accent1"/>
+    </dgm:fillClrLst>
+    <dgm:linClrLst meth="repeat">
+      <a:schemeClr val="lt1"/>
+    </dgm:linClrLst>
+    <dgm:effectClrLst/>
+    <dgm:txLinClrLst/>
+    <dgm:txFillClrLst/>
+    <dgm:txEffectClrLst/>
+  </dgm:styleLbl>
+  <dgm:styleLbl name="node3">
+    <dgm:fillClrLst meth="repeat">
+      <a:schemeClr val="accent1"/>
+    </dgm:fillClrLst>
+    <dgm:linClrLst meth="repeat">
+      <a:schemeClr val="lt1"/>
+    </dgm:linClrLst>
+    <dgm:effectClrLst/>
+    <dgm:txLinClrLst/>
+    <dgm:txFillClrLst/>
+    <dgm:txEffectClrLst/>
+  </dgm:styleLbl>
+  <dgm:styleLbl name="node4">
+    <dgm:fillClrLst meth="repeat">
+      <a:schemeClr val="accent1"/>
+    </dgm:fillClrLst>
+    <dgm:linClrLst meth="repeat">
+      <a:schemeClr val="lt1"/>
+    </dgm:linClrLst>
+    <dgm:effectClrLst/>
+    <dgm:txLinClrLst/>
+    <dgm:txFillClrLst/>
+    <dgm:txEffectClrLst/>
+  </dgm:styleLbl>
+  <dgm:styleLbl name="fgImgPlace1">
+    <dgm:fillClrLst meth="repeat">
+      <a:schemeClr val="accent1">
+        <a:tint val="50000"/>
+      </a:schemeClr>
+    </dgm:fillClrLst>
+    <dgm:linClrLst meth="repeat">
+      <a:schemeClr val="lt1"/>
+    </dgm:linClrLst>
+    <dgm:effectClrLst/>
+    <dgm:txLinClrLst/>
+    <dgm:txFillClrLst meth="repeat">
+      <a:schemeClr val="lt1"/>
+    </dgm:txFillClrLst>
+    <dgm:txEffectClrLst/>
+  </dgm:styleLbl>
+  <dgm:styleLbl name="alignImgPlace1">
+    <dgm:fillClrLst meth="repeat">
+      <a:schemeClr val="accent1">
+        <a:tint val="50000"/>
+      </a:schemeClr>
+    </dgm:fillClrLst>
+    <dgm:linClrLst meth="repeat">
+      <a:schemeClr val="lt1"/>
+    </dgm:linClrLst>
+    <dgm:effectClrLst/>
+    <dgm:txLinClrLst/>
+    <dgm:txFillClrLst meth="repeat">
+      <a:schemeClr val="lt1"/>
+    </dgm:txFillClrLst>
+    <dgm:txEffectClrLst/>
+  </dgm:styleLbl>
+  <dgm:styleLbl name="bgImgPlace1">
+    <dgm:fillClrLst meth="repeat">
+      <a:schemeClr val="accent1">
+        <a:tint val="50000"/>
+      </a:schemeClr>
+    </dgm:fillClrLst>
+    <dgm:linClrLst meth="repeat">
+      <a:schemeClr val="lt1"/>
+    </dgm:linClrLst>
+    <dgm:effectClrLst/>
+    <dgm:txLinClrLst/>
+    <dgm:txFillClrLst meth="repeat">
+      <a:schemeClr val="lt1"/>
+    </dgm:txFillClrLst>
+    <dgm:txEffectClrLst/>
+  </dgm:styleLbl>
+  <dgm:styleLbl name="sibTrans2D1">
+    <dgm:fillClrLst meth="repeat">
+      <a:schemeClr val="accent1">
+        <a:tint val="60000"/>
+      </a:schemeClr>
+    </dgm:fillClrLst>
+    <dgm:linClrLst meth="repeat">
+      <a:schemeClr val="accent1">
+        <a:tint val="60000"/>
+      </a:schemeClr>
+    </dgm:linClrLst>
+    <dgm:effectClrLst/>
+    <dgm:txLinClrLst/>
+    <dgm:txFillClrLst/>
+    <dgm:txEffectClrLst/>
+  </dgm:styleLbl>
+  <dgm:styleLbl name="fgSibTrans2D1">
+    <dgm:fillClrLst meth="repeat">
+      <a:schemeClr val="accent1">
+        <a:tint val="60000"/>
+      </a:schemeClr>
+    </dgm:fillClrLst>
+    <dgm:linClrLst meth="repeat">
+      <a:schemeClr val="accent1">
+        <a:tint val="60000"/>
+      </a:schemeClr>
+    </dgm:linClrLst>
+    <dgm:effectClrLst/>
+    <dgm:txLinClrLst/>
+    <dgm:txFillClrLst/>
+    <dgm:txEffectClrLst/>
+  </dgm:styleLbl>
+  <dgm:styleLbl name="bgSibTrans2D1">
+    <dgm:fillClrLst meth="repeat">
+      <a:schemeClr val="accent1">
+        <a:tint val="60000"/>
+      </a:schemeClr>
+    </dgm:fillClrLst>
+    <dgm:linClrLst meth="repeat">
+      <a:schemeClr val="accent1">
+        <a:tint val="60000"/>
+      </a:schemeClr>
+    </dgm:linClrLst>
+    <dgm:effectClrLst/>
+    <dgm:txLinClrLst/>
+    <dgm:txFillClrLst/>
+    <dgm:txEffectClrLst/>
+  </dgm:styleLbl>
+  <dgm:styleLbl name="sibTrans1D1">
+    <dgm:fillClrLst meth="repeat">
+      <a:schemeClr val="accent1"/>
+    </dgm:fillClrLst>
+    <dgm:linClrLst meth="repeat">
+      <a:schemeClr val="accent1"/>
+    </dgm:linClrLst>
+    <dgm:effectClrLst/>
+    <dgm:txLinClrLst/>
+    <dgm:txFillClrLst meth="repeat">
+      <a:schemeClr val="tx1"/>
+    </dgm:txFillClrLst>
+    <dgm:txEffectClrLst/>
+  </dgm:styleLbl>
+  <dgm:styleLbl name="callout">
+    <dgm:fillClrLst meth="repeat">
+      <a:schemeClr val="accent1"/>
+    </dgm:fillClrLst>
+    <dgm:linClrLst meth="repeat">
+      <a:schemeClr val="accent1">
+        <a:tint val="50000"/>
+      </a:schemeClr>
+    </dgm:linClrLst>
+    <dgm:effectClrLst/>
+    <dgm:txLinClrLst/>
+    <dgm:txFillClrLst meth="repeat">
+      <a:schemeClr val="tx1"/>
+    </dgm:txFillClrLst>
+    <dgm:txEffectClrLst/>
+  </dgm:styleLbl>
+  <dgm:styleLbl name="asst0">
+    <dgm:fillClrLst meth="repeat">
+      <a:schemeClr val="accent1"/>
+    </dgm:fillClrLst>
+    <dgm:linClrLst meth="repeat">
+      <a:schemeClr val="lt1"/>
+    </dgm:linClrLst>
+    <dgm:effectClrLst/>
+    <dgm:txLinClrLst/>
+    <dgm:txFillClrLst/>
+    <dgm:txEffectClrLst/>
+  </dgm:styleLbl>
+  <dgm:styleLbl name="asst1">
+    <dgm:fillClrLst meth="repeat">
+      <a:schemeClr val="accent1"/>
+    </dgm:fillClrLst>
+    <dgm:linClrLst meth="repeat">
+      <a:schemeClr val="lt1"/>
+    </dgm:linClrLst>
+    <dgm:effectClrLst/>
+    <dgm:txLinClrLst/>
+    <dgm:txFillClrLst/>
+    <dgm:txEffectClrLst/>
+  </dgm:styleLbl>
+  <dgm:styleLbl name="asst2">
+    <dgm:fillClrLst meth="repeat">
+      <a:schemeClr val="accent1"/>
+    </dgm:fillClrLst>
+    <dgm:linClrLst meth="repeat">
+      <a:schemeClr val="lt1"/>
+    </dgm:linClrLst>
+    <dgm:effectClrLst/>
+    <dgm:txLinClrLst/>
+    <dgm:txFillClrLst/>
+    <dgm:txEffectClrLst/>
+  </dgm:styleLbl>
+  <dgm:styleLbl name="asst3">
+    <dgm:fillClrLst meth="repeat">
+      <a:schemeClr val="accent1"/>
+    </dgm:fillClrLst>
+    <dgm:linClrLst meth="repeat">
+      <a:schemeClr val="lt1"/>
+    </dgm:linClrLst>
+    <dgm:effectClrLst/>
+    <dgm:txLinClrLst/>
+    <dgm:txFillClrLst/>
+    <dgm:txEffectClrLst/>
+  </dgm:styleLbl>
+  <dgm:styleLbl name="asst4">
+    <dgm:fillClrLst meth="repeat">
+      <a:schemeClr val="accent1"/>
+    </dgm:fillClrLst>
+    <dgm:linClrLst meth="repeat">
+      <a:schemeClr val="lt1"/>
+    </dgm:linClrLst>
+    <dgm:effectClrLst/>
+    <dgm:txLinClrLst/>
+    <dgm:txFillClrLst/>
+    <dgm:txEffectClrLst/>
+  </dgm:styleLbl>
+  <dgm:styleLbl name="parChTrans2D1">
+    <dgm:fillClrLst meth="repeat">
+      <a:schemeClr val="accent1">
+        <a:tint val="60000"/>
+      </a:schemeClr>
+    </dgm:fillClrLst>
+    <dgm:linClrLst meth="repeat">
+      <a:schemeClr val="accent1">
+        <a:tint val="60000"/>
+      </a:schemeClr>
+    </dgm:linClrLst>
+    <dgm:effectClrLst/>
+    <dgm:txLinClrLst/>
+    <dgm:txFillClrLst meth="repeat">
+      <a:schemeClr val="lt1"/>
+    </dgm:txFillClrLst>
+    <dgm:txEffectClrLst/>
+  </dgm:styleLbl>
+  <dgm:styleLbl name="parChTrans2D2">
+    <dgm:fillClrLst meth="repeat">
+      <a:schemeClr val="accent1"/>
+    </dgm:fillClrLst>
+    <dgm:linClrLst meth="repeat">
+      <a:schemeClr val="accent1"/>
+    </dgm:linClrLst>
+    <dgm:effectClrLst/>
+    <dgm:txLinClrLst/>
+    <dgm:txFillClrLst meth="repeat">
+      <a:schemeClr val="lt1"/>
+    </dgm:txFillClrLst>
+    <dgm:txEffectClrLst/>
+  </dgm:styleLbl>
+  <dgm:styleLbl name="parChTrans2D3">
+    <dgm:fillClrLst meth="repeat">
+      <a:schemeClr val="accent1"/>
+    </dgm:fillClrLst>
+    <dgm:linClrLst meth="repeat">
+      <a:schemeClr val="accent1"/>
+    </dgm:linClrLst>
+    <dgm:effectClrLst/>
+    <dgm:txLinClrLst/>
+    <dgm:txFillClrLst meth="repeat">
+      <a:schemeClr val="lt1"/>
+    </dgm:txFillClrLst>
+    <dgm:txEffectClrLst/>
+  </dgm:styleLbl>
+  <dgm:styleLbl name="parChTrans2D4">
+    <dgm:fillClrLst meth="repeat">
+      <a:schemeClr val="accent1"/>
+    </dgm:fillClrLst>
+    <dgm:linClrLst meth="repeat">
+      <a:schemeClr val="accent1"/>
+    </dgm:linClrLst>
+    <dgm:effectClrLst/>
+    <dgm:txLinClrLst/>
+    <dgm:txFillClrLst meth="repeat">
+      <a:schemeClr val="lt1"/>
+    </dgm:txFillClrLst>
+    <dgm:txEffectClrLst/>
+  </dgm:styleLbl>
+  <dgm:styleLbl name="parChTrans1D1">
+    <dgm:fillClrLst meth="repeat">
+      <a:schemeClr val="accent1"/>
+    </dgm:fillClrLst>
+    <dgm:linClrLst meth="repeat">
+      <a:schemeClr val="accent1">
+        <a:shade val="60000"/>
+      </a:schemeClr>
+    </dgm:linClrLst>
+    <dgm:effectClrLst/>
+    <dgm:txLinClrLst/>
+    <dgm:txFillClrLst meth="repeat">
+      <a:schemeClr val="tx1"/>
+    </dgm:txFillClrLst>
+    <dgm:txEffectClrLst/>
+  </dgm:styleLbl>
+  <dgm:styleLbl name="parChTrans1D2">
+    <dgm:fillClrLst meth="repeat">
+      <a:schemeClr val="accent1"/>
+    </dgm:fillClrLst>
+    <dgm:linClrLst meth="repeat">
+      <a:schemeClr val="accent1">
+        <a:shade val="60000"/>
+      </a:schemeClr>
+    </dgm:linClrLst>
+    <dgm:effectClrLst/>
+    <dgm:txLinClrLst/>
+    <dgm:txFillClrLst meth="repeat">
+      <a:schemeClr val="tx1"/>
+    </dgm:txFillClrLst>
+    <dgm:txEffectClrLst/>
+  </dgm:styleLbl>
+  <dgm:styleLbl name="parChTrans1D3">
+    <dgm:fillClrLst meth="repeat">
+      <a:schemeClr val="accent1"/>
+    </dgm:fillClrLst>
+    <dgm:linClrLst meth="repeat">
+      <a:schemeClr val="accent1">
+        <a:shade val="80000"/>
+      </a:schemeClr>
+    </dgm:linClrLst>
+    <dgm:effectClrLst/>
+    <dgm:txLinClrLst/>
+    <dgm:txFillClrLst meth="repeat">
+      <a:schemeClr val="tx1"/>
+    </dgm:txFillClrLst>
+    <dgm:txEffectClrLst/>
+  </dgm:styleLbl>
+  <dgm:styleLbl name="parChTrans1D4">
+    <dgm:fillClrLst meth="repeat">
+      <a:schemeClr val="accent1"/>
+    </dgm:fillClrLst>
+    <dgm:linClrLst meth="repeat">
+      <a:schemeClr val="accent1">
+        <a:shade val="80000"/>
+      </a:schemeClr>
+    </dgm:linClrLst>
+    <dgm:effectClrLst/>
+    <dgm:txLinClrLst/>
+    <dgm:txFillClrLst meth="repeat">
+      <a:schemeClr val="tx1"/>
+    </dgm:txFillClrLst>
+    <dgm:txEffectClrLst/>
+  </dgm:styleLbl>
+  <dgm:styleLbl name="fgAcc1">
+    <dgm:fillClrLst meth="repeat">
+      <a:schemeClr val="lt1">
+        <a:alpha val="90000"/>
+      </a:schemeClr>
+    </dgm:fillClrLst>
+    <dgm:linClrLst meth="repeat">
+      <a:schemeClr val="accent1"/>
+    </dgm:linClrLst>
+    <dgm:effectClrLst/>
+    <dgm:txLinClrLst/>
+    <dgm:txFillClrLst meth="repeat">
+      <a:schemeClr val="dk1"/>
+    </dgm:txFillClrLst>
+    <dgm:txEffectClrLst/>
+  </dgm:styleLbl>
+  <dgm:styleLbl name="conFgAcc1">
+    <dgm:fillClrLst meth="repeat">
+      <a:schemeClr val="lt1">
+        <a:alpha val="90000"/>
+      </a:schemeClr>
+    </dgm:fillClrLst>
+    <dgm:linClrLst meth="repeat">
+      <a:schemeClr val="accent1"/>
+    </dgm:linClrLst>
+    <dgm:effectClrLst/>
+    <dgm:txLinClrLst/>
+    <dgm:txFillClrLst meth="repeat">
+      <a:schemeClr val="dk1"/>
+    </dgm:txFillClrLst>
+    <dgm:txEffectClrLst/>
+  </dgm:styleLbl>
+  <dgm:styleLbl name="alignAcc1">
+    <dgm:fillClrLst meth="repeat">
+      <a:schemeClr val="lt1">
+        <a:alpha val="90000"/>
+      </a:schemeClr>
+    </dgm:fillClrLst>
+    <dgm:linClrLst meth="repeat">
+      <a:schemeClr val="accent1"/>
+    </dgm:linClrLst>
+    <dgm:effectClrLst/>
+    <dgm:txLinClrLst/>
+    <dgm:txFillClrLst meth="repeat">
+      <a:schemeClr val="dk1"/>
+    </dgm:txFillClrLst>
+    <dgm:txEffectClrLst/>
+  </dgm:styleLbl>
+  <dgm:styleLbl name="trAlignAcc1">
+    <dgm:fillClrLst meth="repeat">
+      <a:schemeClr val="lt1">
+        <a:alpha val="40000"/>
+      </a:schemeClr>
+    </dgm:fillClrLst>
+    <dgm:linClrLst meth="repeat">
+      <a:schemeClr val="accent1"/>
+    </dgm:linClrLst>
+    <dgm:effectClrLst/>
+    <dgm:txLinClrLst/>
+    <dgm:txFillClrLst meth="repeat">
+      <a:schemeClr val="dk1"/>
+    </dgm:txFillClrLst>
+    <dgm:txEffectClrLst/>
+  </dgm:styleLbl>
+  <dgm:styleLbl name="bgAcc1">
+    <dgm:fillClrLst meth="repeat">
+      <a:schemeClr val="lt1">
+        <a:alpha val="90000"/>
+      </a:schemeClr>
+    </dgm:fillClrLst>
+    <dgm:linClrLst meth="repeat">
+      <a:schemeClr val="accent1"/>
+    </dgm:linClrLst>
+    <dgm:effectClrLst/>
+    <dgm:txLinClrLst/>
+    <dgm:txFillClrLst meth="repeat">
+      <a:schemeClr val="dk1"/>
+    </dgm:txFillClrLst>
+    <dgm:txEffectClrLst/>
+  </dgm:styleLbl>
+  <dgm:styleLbl name="solidFgAcc1">
+    <dgm:fillClrLst meth="repeat">
+      <a:schemeClr val="lt1"/>
+    </dgm:fillClrLst>
+    <dgm:linClrLst meth="repeat">
+      <a:schemeClr val="accent1"/>
+    </dgm:linClrLst>
+    <dgm:effectClrLst/>
+    <dgm:txLinClrLst/>
+    <dgm:txFillClrLst meth="repeat">
+      <a:schemeClr val="dk1"/>
+    </dgm:txFillClrLst>
+    <dgm:txEffectClrLst/>
+  </dgm:styleLbl>
+  <dgm:styleLbl name="solidAlignAcc1">
+    <dgm:fillClrLst meth="repeat">
+      <a:schemeClr val="lt1"/>
+    </dgm:fillClrLst>
+    <dgm:linClrLst meth="repeat">
+      <a:schemeClr val="accent1"/>
+    </dgm:linClrLst>
+    <dgm:effectClrLst/>
+    <dgm:txLinClrLst/>
+    <dgm:txFillClrLst meth="repeat">
+      <a:schemeClr val="dk1"/>
+    </dgm:txFillClrLst>
+    <dgm:txEffectClrLst/>
+  </dgm:styleLbl>
+  <dgm:styleLbl name="solidBgAcc1">
+    <dgm:fillClrLst meth="repeat">
+      <a:schemeClr val="lt1"/>
+    </dgm:fillClrLst>
+    <dgm:linClrLst meth="repeat">
+      <a:schemeClr val="accent1"/>
+    </dgm:linClrLst>
+    <dgm:effectClrLst/>
+    <dgm:txLinClrLst/>
+    <dgm:txFillClrLst meth="repeat">
+      <a:schemeClr val="dk1"/>
+    </dgm:txFillClrLst>
+    <dgm:txEffectClrLst/>
+  </dgm:styleLbl>
+  <dgm:styleLbl name="fgAccFollowNode1">
+    <dgm:fillClrLst meth="repeat">
+      <a:schemeClr val="accent1">
+        <a:alpha val="90000"/>
+        <a:tint val="40000"/>
+      </a:schemeClr>
+    </dgm:fillClrLst>
+    <dgm:linClrLst meth="repeat">
+      <a:schemeClr val="accent1">
+        <a:alpha val="90000"/>
+        <a:tint val="40000"/>
+      </a:schemeClr>
+    </dgm:linClrLst>
+    <dgm:effectClrLst/>
+    <dgm:txLinClrLst/>
+    <dgm:txFillClrLst meth="repeat">
+      <a:schemeClr val="dk1"/>
+    </dgm:txFillClrLst>
+    <dgm:txEffectClrLst/>
+  </dgm:styleLbl>
+  <dgm:styleLbl name="alignAccFollowNode1">
+    <dgm:fillClrLst meth="repeat">
+      <a:schemeClr val="accent1">
+        <a:alpha val="90000"/>
+        <a:tint val="40000"/>
+      </a:schemeClr>
+    </dgm:fillClrLst>
+    <dgm:linClrLst meth="repeat">
+      <a:schemeClr val="accent1">
+        <a:alpha val="90000"/>
+        <a:tint val="40000"/>
+      </a:schemeClr>
+    </dgm:linClrLst>
+    <dgm:effectClrLst/>
+    <dgm:txLinClrLst/>
+    <dgm:txFillClrLst meth="repeat">
+      <a:schemeClr val="dk1"/>
+    </dgm:txFillClrLst>
+    <dgm:txEffectClrLst/>
+  </dgm:styleLbl>
+  <dgm:styleLbl name="bgAccFollowNode1">
+    <dgm:fillClrLst meth="repeat">
+      <a:schemeClr val="accent1">
+        <a:alpha val="90000"/>
+        <a:tint val="40000"/>
+      </a:schemeClr>
+    </dgm:fillClrLst>
+    <dgm:linClrLst meth="repeat">
+      <a:schemeClr val="accent1">
+        <a:alpha val="90000"/>
+        <a:tint val="40000"/>
+      </a:schemeClr>
+    </dgm:linClrLst>
+    <dgm:effectClrLst/>
+    <dgm:txLinClrLst/>
+    <dgm:txFillClrLst meth="repeat">
+      <a:schemeClr val="dk1"/>
+    </dgm:txFillClrLst>
+    <dgm:txEffectClrLst/>
+  </dgm:styleLbl>
+  <dgm:styleLbl name="fgAcc0">
+    <dgm:fillClrLst meth="repeat">
+      <a:schemeClr val="lt1">
+        <a:alpha val="90000"/>
+      </a:schemeClr>
+    </dgm:fillClrLst>
+    <dgm:linClrLst meth="repeat">
+      <a:schemeClr val="accent1"/>
+    </dgm:linClrLst>
+    <dgm:effectClrLst/>
+    <dgm:txLinClrLst/>
+    <dgm:txFillClrLst meth="repeat">
+      <a:schemeClr val="dk1"/>
+    </dgm:txFillClrLst>
+    <dgm:txEffectClrLst/>
+  </dgm:styleLbl>
+  <dgm:styleLbl name="fgAcc2">
+    <dgm:fillClrLst meth="repeat">
+      <a:schemeClr val="lt1">
+        <a:alpha val="90000"/>
+      </a:schemeClr>
+    </dgm:fillClrLst>
+    <dgm:linClrLst meth="repeat">
+      <a:schemeClr val="accent1"/>
+    </dgm:linClrLst>
+    <dgm:effectClrLst/>
+    <dgm:txLinClrLst/>
+    <dgm:txFillClrLst meth="repeat">
+      <a:schemeClr val="dk1"/>
+    </dgm:txFillClrLst>
+    <dgm:txEffectClrLst/>
+  </dgm:styleLbl>
+  <dgm:styleLbl name="fgAcc3">
+    <dgm:fillClrLst meth="repeat">
+      <a:schemeClr val="lt1">
+        <a:alpha val="90000"/>
+      </a:schemeClr>
+    </dgm:fillClrLst>
+    <dgm:linClrLst meth="repeat">
+      <a:schemeClr val="accent1"/>
+    </dgm:linClrLst>
+    <dgm:effectClrLst/>
+    <dgm:txLinClrLst/>
+    <dgm:txFillClrLst meth="repeat">
+      <a:schemeClr val="dk1"/>
+    </dgm:txFillClrLst>
+    <dgm:txEffectClrLst/>
+  </dgm:styleLbl>
+  <dgm:styleLbl name="fgAcc4">
+    <dgm:fillClrLst meth="repeat">
+      <a:schemeClr val="lt1">
+        <a:alpha val="90000"/>
+      </a:schemeClr>
+    </dgm:fillClrLst>
+    <dgm:linClrLst meth="repeat">
+      <a:schemeClr val="accent1"/>
+    </dgm:linClrLst>
+    <dgm:effectClrLst/>
+    <dgm:txLinClrLst/>
+    <dgm:txFillClrLst meth="repeat">
+      <a:schemeClr val="dk1"/>
+    </dgm:txFillClrLst>
+    <dgm:txEffectClrLst/>
+  </dgm:styleLbl>
+  <dgm:styleLbl name="bgShp">
+    <dgm:fillClrLst meth="repeat">
+      <a:schemeClr val="accent1">
+        <a:tint val="40000"/>
+      </a:schemeClr>
+    </dgm:fillClrLst>
+    <dgm:linClrLst meth="repeat">
+      <a:schemeClr val="accent1"/>
+    </dgm:linClrLst>
+    <dgm:effectClrLst/>
+    <dgm:txLinClrLst/>
+    <dgm:txFillClrLst meth="repeat">
+      <a:schemeClr val="dk1"/>
+    </dgm:txFillClrLst>
+    <dgm:txEffectClrLst/>
+  </dgm:styleLbl>
+  <dgm:styleLbl name="dkBgShp">
+    <dgm:fillClrLst meth="repeat">
+      <a:schemeClr val="accent1">
+        <a:shade val="80000"/>
+      </a:schemeClr>
+    </dgm:fillClrLst>
+    <dgm:linClrLst meth="repeat">
+      <a:schemeClr val="accent1"/>
+    </dgm:linClrLst>
+    <dgm:effectClrLst/>
+    <dgm:txLinClrLst/>
+    <dgm:txFillClrLst meth="repeat">
+      <a:schemeClr val="lt1"/>
+    </dgm:txFillClrLst>
+    <dgm:txEffectClrLst/>
+  </dgm:styleLbl>
+  <dgm:styleLbl name="trBgShp">
+    <dgm:fillClrLst meth="repeat">
+      <a:schemeClr val="accent1">
+        <a:tint val="50000"/>
+        <a:alpha val="40000"/>
+      </a:schemeClr>
+    </dgm:fillClrLst>
+    <dgm:linClrLst meth="repeat">
+      <a:schemeClr val="accent1"/>
+    </dgm:linClrLst>
+    <dgm:effectClrLst/>
+    <dgm:txLinClrLst/>
+    <dgm:txFillClrLst meth="repeat">
+      <a:schemeClr val="lt1"/>
+    </dgm:txFillClrLst>
+    <dgm:txEffectClrLst/>
+  </dgm:styleLbl>
+  <dgm:styleLbl name="fgShp">
+    <dgm:fillClrLst meth="repeat">
+      <a:schemeClr val="accent1">
+        <a:tint val="60000"/>
+      </a:schemeClr>
+    </dgm:fillClrLst>
+    <dgm:linClrLst meth="repeat">
+      <a:schemeClr val="lt1"/>
+    </dgm:linClrLst>
+    <dgm:effectClrLst/>
+    <dgm:txLinClrLst/>
+    <dgm:txFillClrLst meth="repeat">
+      <a:schemeClr val="dk1"/>
+    </dgm:txFillClrLst>
+    <dgm:txEffectClrLst/>
+  </dgm:styleLbl>
+  <dgm:styleLbl name="revTx">
+    <dgm:fillClrLst meth="repeat">
+      <a:schemeClr val="lt1">
+        <a:alpha val="0"/>
+      </a:schemeClr>
+    </dgm:fillClrLst>
+    <dgm:linClrLst meth="repeat">
+      <a:schemeClr val="dk1">
+        <a:alpha val="0"/>
+      </a:schemeClr>
+    </dgm:linClrLst>
+    <dgm:effectClrLst/>
+    <dgm:txLinClrLst/>
+    <dgm:txFillClrLst meth="repeat">
+      <a:schemeClr val="tx1"/>
+    </dgm:txFillClrLst>
+    <dgm:txEffectClrLst/>
+  </dgm:styleLbl>
+</dgm:colorsDef>
+</file>
+
+<file path=ppt/diagrams/colors4.xml><?xml version="1.0" encoding="utf-8"?>
 <dgm:colorsDef xmlns:dgm="http://schemas.openxmlformats.org/drawingml/2006/diagram" xmlns:a="http://schemas.openxmlformats.org/drawingml/2006/main" uniqueId="urn:microsoft.com/office/officeart/2005/8/colors/accent1_2">
   <dgm:title val=""/>
   <dgm:desc val=""/>
@@ -4412,7 +5160,7 @@
       <dgm:spPr/>
     </dgm:pt>
     <dgm:pt modelId="{EC8EB771-D13F-4A5B-A1B9-E028F676D24E}" type="pres">
-      <dgm:prSet presAssocID="{F70F1479-46E7-46A2-8EA8-B32715B35199}" presName="desTx" presStyleLbl="alignAccFollowNode1" presStyleIdx="0" presStyleCnt="6" custScaleY="100000" custLinFactY="-500000" custLinFactNeighborX="1327" custLinFactNeighborY="-509422">
+      <dgm:prSet presAssocID="{F70F1479-46E7-46A2-8EA8-B32715B35199}" presName="desTx" presStyleLbl="alignAccFollowNode1" presStyleIdx="0" presStyleCnt="6" custScaleY="100000" custLinFactNeighborX="1327" custLinFactNeighborY="-11979">
         <dgm:presLayoutVars>
           <dgm:bulletEnabled val="1"/>
         </dgm:presLayoutVars>
@@ -4438,7 +5186,7 @@
       <dgm:spPr/>
     </dgm:pt>
     <dgm:pt modelId="{FD244389-E5CA-48E5-82F4-8EA6078B6EE1}" type="pres">
-      <dgm:prSet presAssocID="{4320553C-15EE-402E-B8F9-B0424A1B9132}" presName="desTx" presStyleLbl="alignAccFollowNode1" presStyleIdx="1" presStyleCnt="6" custScaleY="100000" custLinFactY="-500000" custLinFactNeighborX="460" custLinFactNeighborY="-509422">
+      <dgm:prSet presAssocID="{4320553C-15EE-402E-B8F9-B0424A1B9132}" presName="desTx" presStyleLbl="alignAccFollowNode1" presStyleIdx="1" presStyleCnt="6" custScaleY="100000" custLinFactNeighborX="460" custLinFactNeighborY="-11979">
         <dgm:presLayoutVars>
           <dgm:bulletEnabled val="1"/>
         </dgm:presLayoutVars>
@@ -4464,7 +5212,7 @@
       <dgm:spPr/>
     </dgm:pt>
     <dgm:pt modelId="{9E722BEE-2767-47DE-A4AC-5AA7A9828E58}" type="pres">
-      <dgm:prSet presAssocID="{69FA6990-FA1F-4446-9505-DBFA6EB663BB}" presName="desTx" presStyleLbl="alignAccFollowNode1" presStyleIdx="2" presStyleCnt="6" custScaleY="100000" custLinFactY="-500000" custLinFactNeighborX="254" custLinFactNeighborY="-509422">
+      <dgm:prSet presAssocID="{69FA6990-FA1F-4446-9505-DBFA6EB663BB}" presName="desTx" presStyleLbl="alignAccFollowNode1" presStyleIdx="2" presStyleCnt="6" custScaleY="100000" custLinFactNeighborX="254" custLinFactNeighborY="-11979">
         <dgm:presLayoutVars>
           <dgm:bulletEnabled val="1"/>
         </dgm:presLayoutVars>
@@ -4490,7 +5238,7 @@
       <dgm:spPr/>
     </dgm:pt>
     <dgm:pt modelId="{35A85B34-BE00-423B-BDEF-87219E928C35}" type="pres">
-      <dgm:prSet presAssocID="{7D1BA4E6-C536-4034-8FCC-3EC6F75EB188}" presName="desTx" presStyleLbl="alignAccFollowNode1" presStyleIdx="3" presStyleCnt="6" custScaleY="100000" custLinFactY="-500000" custLinFactNeighborX="1368" custLinFactNeighborY="-509422">
+      <dgm:prSet presAssocID="{7D1BA4E6-C536-4034-8FCC-3EC6F75EB188}" presName="desTx" presStyleLbl="alignAccFollowNode1" presStyleIdx="3" presStyleCnt="6" custScaleY="100000" custLinFactNeighborX="1368" custLinFactNeighborY="-11979">
         <dgm:presLayoutVars>
           <dgm:bulletEnabled val="1"/>
         </dgm:presLayoutVars>
@@ -4516,7 +5264,7 @@
       <dgm:spPr/>
     </dgm:pt>
     <dgm:pt modelId="{809477FF-A692-466C-8800-3CCD3C20CD13}" type="pres">
-      <dgm:prSet presAssocID="{337980C1-4B87-4C08-8461-1A84F77BBE49}" presName="desTx" presStyleLbl="alignAccFollowNode1" presStyleIdx="4" presStyleCnt="6" custScaleY="100000" custLinFactY="-500000" custLinFactNeighborX="1264" custLinFactNeighborY="-509422">
+      <dgm:prSet presAssocID="{337980C1-4B87-4C08-8461-1A84F77BBE49}" presName="desTx" presStyleLbl="alignAccFollowNode1" presStyleIdx="4" presStyleCnt="6" custScaleY="100000" custLinFactNeighborX="1264" custLinFactNeighborY="-11979">
         <dgm:presLayoutVars>
           <dgm:bulletEnabled val="1"/>
         </dgm:presLayoutVars>
@@ -4542,7 +5290,7 @@
       <dgm:spPr/>
     </dgm:pt>
     <dgm:pt modelId="{EF3A97DE-E918-456A-B35C-2949E6B14FB6}" type="pres">
-      <dgm:prSet presAssocID="{C0E32DD8-1844-4EAA-9D81-6D642DCC1574}" presName="desTx" presStyleLbl="alignAccFollowNode1" presStyleIdx="5" presStyleCnt="6" custScaleY="100000" custLinFactY="-500000" custLinFactNeighborX="188" custLinFactNeighborY="-509422">
+      <dgm:prSet presAssocID="{C0E32DD8-1844-4EAA-9D81-6D642DCC1574}" presName="desTx" presStyleLbl="alignAccFollowNode1" presStyleIdx="5" presStyleCnt="6" custScaleY="100000" custLinFactNeighborX="188" custLinFactNeighborY="-11979">
         <dgm:presLayoutVars>
           <dgm:bulletEnabled val="1"/>
         </dgm:presLayoutVars>
@@ -4643,6 +5391,269 @@
 </file>
 
 <file path=ppt/diagrams/data3.xml><?xml version="1.0" encoding="utf-8"?>
+<dgm:dataModel xmlns:dgm="http://schemas.openxmlformats.org/drawingml/2006/diagram" xmlns:a="http://schemas.openxmlformats.org/drawingml/2006/main">
+  <dgm:ptLst>
+    <dgm:pt modelId="{F22DB869-9A15-451C-8155-D3D12405D37B}" type="doc">
+      <dgm:prSet loTypeId="urn:microsoft.com/office/officeart/2005/8/layout/chart3" loCatId="relationship" qsTypeId="urn:microsoft.com/office/officeart/2005/8/quickstyle/simple1" qsCatId="simple" csTypeId="urn:microsoft.com/office/officeart/2005/8/colors/accent1_2" csCatId="accent1" phldr="1"/>
+      <dgm:spPr/>
+    </dgm:pt>
+    <dgm:pt modelId="{18C9761D-6B75-41BD-BDC6-70D182A019F2}">
+      <dgm:prSet phldrT="[Text]"/>
+      <dgm:spPr/>
+      <dgm:t>
+        <a:bodyPr/>
+        <a:lstStyle/>
+        <a:p>
+          <a:r>
+            <a:rPr lang="en-US" dirty="0"/>
+            <a:t>FP: 0.50%</a:t>
+          </a:r>
+          <a:endParaRPr lang="en-GB" dirty="0"/>
+        </a:p>
+      </dgm:t>
+    </dgm:pt>
+    <dgm:pt modelId="{79E9C58F-4B35-4A3B-9402-E2791DA6EB4A}" type="parTrans" cxnId="{5BA94A29-5B06-476B-819A-997167129405}">
+      <dgm:prSet/>
+      <dgm:spPr/>
+      <dgm:t>
+        <a:bodyPr/>
+        <a:lstStyle/>
+        <a:p>
+          <a:endParaRPr lang="en-GB"/>
+        </a:p>
+      </dgm:t>
+    </dgm:pt>
+    <dgm:pt modelId="{E74FE480-54C7-476D-AE70-F578B339F0E2}" type="sibTrans" cxnId="{5BA94A29-5B06-476B-819A-997167129405}">
+      <dgm:prSet/>
+      <dgm:spPr/>
+      <dgm:t>
+        <a:bodyPr/>
+        <a:lstStyle/>
+        <a:p>
+          <a:endParaRPr lang="en-GB"/>
+        </a:p>
+      </dgm:t>
+    </dgm:pt>
+    <dgm:pt modelId="{7A8335C0-B1C3-4F85-9009-35BBDF6DB79A}">
+      <dgm:prSet phldrT="[Text]"/>
+      <dgm:spPr/>
+      <dgm:t>
+        <a:bodyPr/>
+        <a:lstStyle/>
+        <a:p>
+          <a:r>
+            <a:rPr lang="en-US" dirty="0"/>
+            <a:t>FN: 19%</a:t>
+          </a:r>
+          <a:endParaRPr lang="en-GB" dirty="0"/>
+        </a:p>
+      </dgm:t>
+    </dgm:pt>
+    <dgm:pt modelId="{A9A6B143-AD34-46B9-A36C-32FA740442FB}" type="parTrans" cxnId="{2DE1A749-00C5-4401-BDE7-FADA2344DA12}">
+      <dgm:prSet/>
+      <dgm:spPr/>
+      <dgm:t>
+        <a:bodyPr/>
+        <a:lstStyle/>
+        <a:p>
+          <a:endParaRPr lang="en-GB"/>
+        </a:p>
+      </dgm:t>
+    </dgm:pt>
+    <dgm:pt modelId="{064D59C8-210E-47DB-B2B4-D72FA1401CE2}" type="sibTrans" cxnId="{2DE1A749-00C5-4401-BDE7-FADA2344DA12}">
+      <dgm:prSet/>
+      <dgm:spPr/>
+      <dgm:t>
+        <a:bodyPr/>
+        <a:lstStyle/>
+        <a:p>
+          <a:endParaRPr lang="en-GB"/>
+        </a:p>
+      </dgm:t>
+    </dgm:pt>
+    <dgm:pt modelId="{AE8F57BB-B1E8-4267-9E2D-76FDBDA62ADE}">
+      <dgm:prSet phldrT="[Text]"/>
+      <dgm:spPr>
+        <a:solidFill>
+          <a:srgbClr val="92D050"/>
+        </a:solidFill>
+      </dgm:spPr>
+      <dgm:t>
+        <a:bodyPr/>
+        <a:lstStyle/>
+        <a:p>
+          <a:r>
+            <a:rPr lang="en-US" dirty="0"/>
+            <a:t>TP: 44.91%</a:t>
+          </a:r>
+          <a:endParaRPr lang="en-GB" dirty="0"/>
+        </a:p>
+      </dgm:t>
+    </dgm:pt>
+    <dgm:pt modelId="{495003E1-C3CD-49F2-AA4D-D722ADC5CCFA}" type="parTrans" cxnId="{57395746-699D-43B3-AE00-186C934B8B93}">
+      <dgm:prSet/>
+      <dgm:spPr/>
+      <dgm:t>
+        <a:bodyPr/>
+        <a:lstStyle/>
+        <a:p>
+          <a:endParaRPr lang="en-GB"/>
+        </a:p>
+      </dgm:t>
+    </dgm:pt>
+    <dgm:pt modelId="{7B56FAC3-236E-40E9-A13A-7F799B1EA07E}" type="sibTrans" cxnId="{57395746-699D-43B3-AE00-186C934B8B93}">
+      <dgm:prSet/>
+      <dgm:spPr/>
+      <dgm:t>
+        <a:bodyPr/>
+        <a:lstStyle/>
+        <a:p>
+          <a:endParaRPr lang="en-GB"/>
+        </a:p>
+      </dgm:t>
+    </dgm:pt>
+    <dgm:pt modelId="{29D83A61-FED9-4873-BC75-B634C1A7D8CB}">
+      <dgm:prSet phldrT="[Text]"/>
+      <dgm:spPr>
+        <a:solidFill>
+          <a:srgbClr val="92D050"/>
+        </a:solidFill>
+      </dgm:spPr>
+      <dgm:t>
+        <a:bodyPr/>
+        <a:lstStyle/>
+        <a:p>
+          <a:r>
+            <a:rPr lang="en-US" dirty="0"/>
+            <a:t>TN: 31.00%</a:t>
+          </a:r>
+          <a:endParaRPr lang="en-GB" dirty="0"/>
+        </a:p>
+      </dgm:t>
+    </dgm:pt>
+    <dgm:pt modelId="{BF3040E8-EDE5-4CD3-898F-D504764DF177}" type="parTrans" cxnId="{13F85F2E-E9E7-46F8-87B2-44CDE8FC6F7E}">
+      <dgm:prSet/>
+      <dgm:spPr/>
+      <dgm:t>
+        <a:bodyPr/>
+        <a:lstStyle/>
+        <a:p>
+          <a:endParaRPr lang="en-GB"/>
+        </a:p>
+      </dgm:t>
+    </dgm:pt>
+    <dgm:pt modelId="{FBBE1E68-A39D-4488-82FF-C6371075CCEB}" type="sibTrans" cxnId="{13F85F2E-E9E7-46F8-87B2-44CDE8FC6F7E}">
+      <dgm:prSet/>
+      <dgm:spPr/>
+      <dgm:t>
+        <a:bodyPr/>
+        <a:lstStyle/>
+        <a:p>
+          <a:endParaRPr lang="en-GB"/>
+        </a:p>
+      </dgm:t>
+    </dgm:pt>
+    <dgm:pt modelId="{C6C03483-533D-4BDF-B732-E90605A62507}" type="pres">
+      <dgm:prSet presAssocID="{F22DB869-9A15-451C-8155-D3D12405D37B}" presName="compositeShape" presStyleCnt="0">
+        <dgm:presLayoutVars>
+          <dgm:chMax val="7"/>
+          <dgm:dir/>
+          <dgm:resizeHandles val="exact"/>
+        </dgm:presLayoutVars>
+      </dgm:prSet>
+      <dgm:spPr/>
+    </dgm:pt>
+    <dgm:pt modelId="{930F2E12-2A9A-4CEF-BD79-CDAC6008BFB8}" type="pres">
+      <dgm:prSet presAssocID="{F22DB869-9A15-451C-8155-D3D12405D37B}" presName="wedge1" presStyleLbl="node1" presStyleIdx="0" presStyleCnt="4" custLinFactNeighborX="-4312" custLinFactNeighborY="4291"/>
+      <dgm:spPr/>
+    </dgm:pt>
+    <dgm:pt modelId="{627FFB8A-4A33-4379-B239-14A080D0538B}" type="pres">
+      <dgm:prSet presAssocID="{F22DB869-9A15-451C-8155-D3D12405D37B}" presName="wedge1Tx" presStyleLbl="node1" presStyleIdx="0" presStyleCnt="4">
+        <dgm:presLayoutVars>
+          <dgm:chMax val="0"/>
+          <dgm:chPref val="0"/>
+          <dgm:bulletEnabled val="1"/>
+        </dgm:presLayoutVars>
+      </dgm:prSet>
+      <dgm:spPr/>
+    </dgm:pt>
+    <dgm:pt modelId="{D87E4BF0-5AB3-414F-9B72-4F27803FD392}" type="pres">
+      <dgm:prSet presAssocID="{F22DB869-9A15-451C-8155-D3D12405D37B}" presName="wedge2" presStyleLbl="node1" presStyleIdx="1" presStyleCnt="4"/>
+      <dgm:spPr/>
+    </dgm:pt>
+    <dgm:pt modelId="{214A871B-7DD4-4436-ACFA-999BCA8CAACA}" type="pres">
+      <dgm:prSet presAssocID="{F22DB869-9A15-451C-8155-D3D12405D37B}" presName="wedge2Tx" presStyleLbl="node1" presStyleIdx="1" presStyleCnt="4">
+        <dgm:presLayoutVars>
+          <dgm:chMax val="0"/>
+          <dgm:chPref val="0"/>
+          <dgm:bulletEnabled val="1"/>
+        </dgm:presLayoutVars>
+      </dgm:prSet>
+      <dgm:spPr/>
+    </dgm:pt>
+    <dgm:pt modelId="{5DD6C26F-72D9-478B-A32A-B590F211064D}" type="pres">
+      <dgm:prSet presAssocID="{F22DB869-9A15-451C-8155-D3D12405D37B}" presName="wedge3" presStyleLbl="node1" presStyleIdx="2" presStyleCnt="4"/>
+      <dgm:spPr/>
+    </dgm:pt>
+    <dgm:pt modelId="{1C6D1BEB-4AF8-4A03-8CF4-A4A124E45698}" type="pres">
+      <dgm:prSet presAssocID="{F22DB869-9A15-451C-8155-D3D12405D37B}" presName="wedge3Tx" presStyleLbl="node1" presStyleIdx="2" presStyleCnt="4">
+        <dgm:presLayoutVars>
+          <dgm:chMax val="0"/>
+          <dgm:chPref val="0"/>
+          <dgm:bulletEnabled val="1"/>
+        </dgm:presLayoutVars>
+      </dgm:prSet>
+      <dgm:spPr/>
+    </dgm:pt>
+    <dgm:pt modelId="{1751F260-01E3-48C4-AEE2-810FF4CA9FFE}" type="pres">
+      <dgm:prSet presAssocID="{F22DB869-9A15-451C-8155-D3D12405D37B}" presName="wedge4" presStyleLbl="node1" presStyleIdx="3" presStyleCnt="4"/>
+      <dgm:spPr/>
+    </dgm:pt>
+    <dgm:pt modelId="{FD06850E-343C-4056-AB20-2FDF197545B3}" type="pres">
+      <dgm:prSet presAssocID="{F22DB869-9A15-451C-8155-D3D12405D37B}" presName="wedge4Tx" presStyleLbl="node1" presStyleIdx="3" presStyleCnt="4">
+        <dgm:presLayoutVars>
+          <dgm:chMax val="0"/>
+          <dgm:chPref val="0"/>
+          <dgm:bulletEnabled val="1"/>
+        </dgm:presLayoutVars>
+      </dgm:prSet>
+      <dgm:spPr/>
+    </dgm:pt>
+  </dgm:ptLst>
+  <dgm:cxnLst>
+    <dgm:cxn modelId="{D0779407-50EA-4E92-91B2-D5F4C07FA150}" type="presOf" srcId="{29D83A61-FED9-4873-BC75-B634C1A7D8CB}" destId="{D87E4BF0-5AB3-414F-9B72-4F27803FD392}" srcOrd="0" destOrd="0" presId="urn:microsoft.com/office/officeart/2005/8/layout/chart3"/>
+    <dgm:cxn modelId="{EA955326-D397-4210-8CD9-843D12449371}" type="presOf" srcId="{AE8F57BB-B1E8-4267-9E2D-76FDBDA62ADE}" destId="{FD06850E-343C-4056-AB20-2FDF197545B3}" srcOrd="1" destOrd="0" presId="urn:microsoft.com/office/officeart/2005/8/layout/chart3"/>
+    <dgm:cxn modelId="{5BA94A29-5B06-476B-819A-997167129405}" srcId="{F22DB869-9A15-451C-8155-D3D12405D37B}" destId="{18C9761D-6B75-41BD-BDC6-70D182A019F2}" srcOrd="0" destOrd="0" parTransId="{79E9C58F-4B35-4A3B-9402-E2791DA6EB4A}" sibTransId="{E74FE480-54C7-476D-AE70-F578B339F0E2}"/>
+    <dgm:cxn modelId="{13F85F2E-E9E7-46F8-87B2-44CDE8FC6F7E}" srcId="{F22DB869-9A15-451C-8155-D3D12405D37B}" destId="{29D83A61-FED9-4873-BC75-B634C1A7D8CB}" srcOrd="1" destOrd="0" parTransId="{BF3040E8-EDE5-4CD3-898F-D504764DF177}" sibTransId="{FBBE1E68-A39D-4488-82FF-C6371075CCEB}"/>
+    <dgm:cxn modelId="{57395746-699D-43B3-AE00-186C934B8B93}" srcId="{F22DB869-9A15-451C-8155-D3D12405D37B}" destId="{AE8F57BB-B1E8-4267-9E2D-76FDBDA62ADE}" srcOrd="3" destOrd="0" parTransId="{495003E1-C3CD-49F2-AA4D-D722ADC5CCFA}" sibTransId="{7B56FAC3-236E-40E9-A13A-7F799B1EA07E}"/>
+    <dgm:cxn modelId="{2DE1A749-00C5-4401-BDE7-FADA2344DA12}" srcId="{F22DB869-9A15-451C-8155-D3D12405D37B}" destId="{7A8335C0-B1C3-4F85-9009-35BBDF6DB79A}" srcOrd="2" destOrd="0" parTransId="{A9A6B143-AD34-46B9-A36C-32FA740442FB}" sibTransId="{064D59C8-210E-47DB-B2B4-D72FA1401CE2}"/>
+    <dgm:cxn modelId="{9FAB476C-6B14-4510-BD04-087981EF6D93}" type="presOf" srcId="{18C9761D-6B75-41BD-BDC6-70D182A019F2}" destId="{930F2E12-2A9A-4CEF-BD79-CDAC6008BFB8}" srcOrd="0" destOrd="0" presId="urn:microsoft.com/office/officeart/2005/8/layout/chart3"/>
+    <dgm:cxn modelId="{3F79686C-DC14-4A6B-A334-E0535695C588}" type="presOf" srcId="{7A8335C0-B1C3-4F85-9009-35BBDF6DB79A}" destId="{1C6D1BEB-4AF8-4A03-8CF4-A4A124E45698}" srcOrd="1" destOrd="0" presId="urn:microsoft.com/office/officeart/2005/8/layout/chart3"/>
+    <dgm:cxn modelId="{FADD2C55-1DA0-44AF-B0ED-50A9D9A23741}" type="presOf" srcId="{18C9761D-6B75-41BD-BDC6-70D182A019F2}" destId="{627FFB8A-4A33-4379-B239-14A080D0538B}" srcOrd="1" destOrd="0" presId="urn:microsoft.com/office/officeart/2005/8/layout/chart3"/>
+    <dgm:cxn modelId="{B112F1A2-551A-4292-8F0A-97B8F4AB2508}" type="presOf" srcId="{AE8F57BB-B1E8-4267-9E2D-76FDBDA62ADE}" destId="{1751F260-01E3-48C4-AEE2-810FF4CA9FFE}" srcOrd="0" destOrd="0" presId="urn:microsoft.com/office/officeart/2005/8/layout/chart3"/>
+    <dgm:cxn modelId="{355DABA4-C4D3-43D1-BEB9-AEF740BBBDB4}" type="presOf" srcId="{29D83A61-FED9-4873-BC75-B634C1A7D8CB}" destId="{214A871B-7DD4-4436-ACFA-999BCA8CAACA}" srcOrd="1" destOrd="0" presId="urn:microsoft.com/office/officeart/2005/8/layout/chart3"/>
+    <dgm:cxn modelId="{BE9EA8C2-957A-4AE8-84B8-C3B6500EBE1C}" type="presOf" srcId="{7A8335C0-B1C3-4F85-9009-35BBDF6DB79A}" destId="{5DD6C26F-72D9-478B-A32A-B590F211064D}" srcOrd="0" destOrd="0" presId="urn:microsoft.com/office/officeart/2005/8/layout/chart3"/>
+    <dgm:cxn modelId="{F09A77F6-09EA-4A29-BACC-BB33FB877C8F}" type="presOf" srcId="{F22DB869-9A15-451C-8155-D3D12405D37B}" destId="{C6C03483-533D-4BDF-B732-E90605A62507}" srcOrd="0" destOrd="0" presId="urn:microsoft.com/office/officeart/2005/8/layout/chart3"/>
+    <dgm:cxn modelId="{43216985-8E82-4782-85E4-41D25AF94868}" type="presParOf" srcId="{C6C03483-533D-4BDF-B732-E90605A62507}" destId="{930F2E12-2A9A-4CEF-BD79-CDAC6008BFB8}" srcOrd="0" destOrd="0" presId="urn:microsoft.com/office/officeart/2005/8/layout/chart3"/>
+    <dgm:cxn modelId="{E29E354C-C5C3-45D1-BCBF-9DF2F6B0823A}" type="presParOf" srcId="{C6C03483-533D-4BDF-B732-E90605A62507}" destId="{627FFB8A-4A33-4379-B239-14A080D0538B}" srcOrd="1" destOrd="0" presId="urn:microsoft.com/office/officeart/2005/8/layout/chart3"/>
+    <dgm:cxn modelId="{B2273ED4-8FAD-4A20-A969-34B34A80DC4C}" type="presParOf" srcId="{C6C03483-533D-4BDF-B732-E90605A62507}" destId="{D87E4BF0-5AB3-414F-9B72-4F27803FD392}" srcOrd="2" destOrd="0" presId="urn:microsoft.com/office/officeart/2005/8/layout/chart3"/>
+    <dgm:cxn modelId="{3D1DC13E-65C7-4126-A921-1A8ACC79F331}" type="presParOf" srcId="{C6C03483-533D-4BDF-B732-E90605A62507}" destId="{214A871B-7DD4-4436-ACFA-999BCA8CAACA}" srcOrd="3" destOrd="0" presId="urn:microsoft.com/office/officeart/2005/8/layout/chart3"/>
+    <dgm:cxn modelId="{61397CED-0284-439C-BBDC-712BE9C30014}" type="presParOf" srcId="{C6C03483-533D-4BDF-B732-E90605A62507}" destId="{5DD6C26F-72D9-478B-A32A-B590F211064D}" srcOrd="4" destOrd="0" presId="urn:microsoft.com/office/officeart/2005/8/layout/chart3"/>
+    <dgm:cxn modelId="{F9D2B1F2-BBDB-4B82-ADEE-5FE3166D2BFB}" type="presParOf" srcId="{C6C03483-533D-4BDF-B732-E90605A62507}" destId="{1C6D1BEB-4AF8-4A03-8CF4-A4A124E45698}" srcOrd="5" destOrd="0" presId="urn:microsoft.com/office/officeart/2005/8/layout/chart3"/>
+    <dgm:cxn modelId="{E9F39208-0F28-47A6-9DB8-574F990D6C21}" type="presParOf" srcId="{C6C03483-533D-4BDF-B732-E90605A62507}" destId="{1751F260-01E3-48C4-AEE2-810FF4CA9FFE}" srcOrd="6" destOrd="0" presId="urn:microsoft.com/office/officeart/2005/8/layout/chart3"/>
+    <dgm:cxn modelId="{84CB0D07-B50C-4854-9C24-F1CD37F82023}" type="presParOf" srcId="{C6C03483-533D-4BDF-B732-E90605A62507}" destId="{FD06850E-343C-4056-AB20-2FDF197545B3}" srcOrd="7" destOrd="0" presId="urn:microsoft.com/office/officeart/2005/8/layout/chart3"/>
+  </dgm:cxnLst>
+  <dgm:bg/>
+  <dgm:whole/>
+  <dgm:extLst>
+    <a:ext uri="http://schemas.microsoft.com/office/drawing/2008/diagram">
+      <dsp:dataModelExt xmlns:dsp="http://schemas.microsoft.com/office/drawing/2008/diagram" relId="rId8" minVer="http://schemas.openxmlformats.org/drawingml/2006/diagram"/>
+    </a:ext>
+  </dgm:extLst>
+</dgm:dataModel>
+</file>
+
+<file path=ppt/diagrams/data4.xml><?xml version="1.0" encoding="utf-8"?>
 <dgm:dataModel xmlns:dgm="http://schemas.openxmlformats.org/drawingml/2006/diagram" xmlns:a="http://schemas.openxmlformats.org/drawingml/2006/main">
   <dgm:ptLst>
     <dgm:pt modelId="{5ACD8C15-1CA9-4F18-961A-D49625AEE1D8}" type="doc">
@@ -6355,7 +7366,7 @@
       <dsp:spPr>
         <a:xfrm>
           <a:off x="6615" y="0"/>
-          <a:ext cx="1758458" cy="1008840"/>
+          <a:ext cx="1758458" cy="1010631"/>
         </a:xfrm>
         <a:prstGeom prst="rect">
           <a:avLst/>
@@ -6421,7 +7432,7 @@
       </dsp:txBody>
       <dsp:txXfrm>
         <a:off x="6615" y="0"/>
-        <a:ext cx="1758458" cy="1008840"/>
+        <a:ext cx="1758458" cy="1010631"/>
       </dsp:txXfrm>
     </dsp:sp>
     <dsp:sp modelId="{EC8EB771-D13F-4A5B-A1B9-E028F676D24E}">
@@ -6431,7 +7442,7 @@
       </dsp:nvSpPr>
       <dsp:spPr>
         <a:xfrm>
-          <a:off x="26644" y="1112829"/>
+          <a:off x="26644" y="1216238"/>
           <a:ext cx="1758458" cy="2176605"/>
         </a:xfrm>
         <a:prstGeom prst="rect">
@@ -6566,7 +7577,7 @@
         </a:p>
       </dsp:txBody>
       <dsp:txXfrm>
-        <a:off x="26644" y="1112829"/>
+        <a:off x="26644" y="1216238"/>
         <a:ext cx="1758458" cy="2176605"/>
       </dsp:txXfrm>
     </dsp:sp>
@@ -6578,7 +7589,7 @@
       <dsp:spPr>
         <a:xfrm>
           <a:off x="2011258" y="0"/>
-          <a:ext cx="1758458" cy="1008840"/>
+          <a:ext cx="1758458" cy="1010631"/>
         </a:xfrm>
         <a:prstGeom prst="rect">
           <a:avLst/>
@@ -6645,7 +7656,7 @@
       </dsp:txBody>
       <dsp:txXfrm>
         <a:off x="2011258" y="0"/>
-        <a:ext cx="1758458" cy="1008840"/>
+        <a:ext cx="1758458" cy="1010631"/>
       </dsp:txXfrm>
     </dsp:sp>
     <dsp:sp modelId="{FD244389-E5CA-48E5-82F4-8EA6078B6EE1}">
@@ -6655,7 +7666,7 @@
       </dsp:nvSpPr>
       <dsp:spPr>
         <a:xfrm>
-          <a:off x="2016041" y="1112829"/>
+          <a:off x="2016041" y="1216238"/>
           <a:ext cx="1758458" cy="2176605"/>
         </a:xfrm>
         <a:prstGeom prst="rect">
@@ -6754,7 +7765,7 @@
         </a:p>
       </dsp:txBody>
       <dsp:txXfrm>
-        <a:off x="2016041" y="1112829"/>
+        <a:off x="2016041" y="1216238"/>
         <a:ext cx="1758458" cy="2176605"/>
       </dsp:txXfrm>
     </dsp:sp>
@@ -6766,7 +7777,7 @@
       <dsp:spPr>
         <a:xfrm>
           <a:off x="4015900" y="0"/>
-          <a:ext cx="1758458" cy="1008840"/>
+          <a:ext cx="1758458" cy="1010631"/>
         </a:xfrm>
         <a:prstGeom prst="rect">
           <a:avLst/>
@@ -6832,7 +7843,7 @@
       </dsp:txBody>
       <dsp:txXfrm>
         <a:off x="4015900" y="0"/>
-        <a:ext cx="1758458" cy="1008840"/>
+        <a:ext cx="1758458" cy="1010631"/>
       </dsp:txXfrm>
     </dsp:sp>
     <dsp:sp modelId="{9E722BEE-2767-47DE-A4AC-5AA7A9828E58}">
@@ -6842,7 +7853,7 @@
       </dsp:nvSpPr>
       <dsp:spPr>
         <a:xfrm>
-          <a:off x="4017061" y="1112829"/>
+          <a:off x="4017061" y="1216238"/>
           <a:ext cx="1758458" cy="2176605"/>
         </a:xfrm>
         <a:prstGeom prst="rect">
@@ -6915,7 +7926,7 @@
         </a:p>
       </dsp:txBody>
       <dsp:txXfrm>
-        <a:off x="4017061" y="1112829"/>
+        <a:off x="4017061" y="1216238"/>
         <a:ext cx="1758458" cy="2176605"/>
       </dsp:txXfrm>
     </dsp:sp>
@@ -6927,7 +7938,7 @@
       <dsp:spPr>
         <a:xfrm>
           <a:off x="6020543" y="0"/>
-          <a:ext cx="1758458" cy="1008840"/>
+          <a:ext cx="1758458" cy="1010631"/>
         </a:xfrm>
         <a:prstGeom prst="rect">
           <a:avLst/>
@@ -7002,7 +8013,7 @@
       </dsp:txBody>
       <dsp:txXfrm>
         <a:off x="6020543" y="0"/>
-        <a:ext cx="1758458" cy="1008840"/>
+        <a:ext cx="1758458" cy="1010631"/>
       </dsp:txXfrm>
     </dsp:sp>
     <dsp:sp modelId="{35A85B34-BE00-423B-BDEF-87219E928C35}">
@@ -7012,7 +8023,7 @@
       </dsp:nvSpPr>
       <dsp:spPr>
         <a:xfrm>
-          <a:off x="6041293" y="1112829"/>
+          <a:off x="6041293" y="1216238"/>
           <a:ext cx="1758458" cy="2176605"/>
         </a:xfrm>
         <a:prstGeom prst="rect">
@@ -7142,7 +8153,7 @@
         </a:p>
       </dsp:txBody>
       <dsp:txXfrm>
-        <a:off x="6041293" y="1112829"/>
+        <a:off x="6041293" y="1216238"/>
         <a:ext cx="1758458" cy="2176605"/>
       </dsp:txXfrm>
     </dsp:sp>
@@ -7154,7 +8165,7 @@
       <dsp:spPr>
         <a:xfrm>
           <a:off x="8025186" y="0"/>
-          <a:ext cx="1758458" cy="1008840"/>
+          <a:ext cx="1758458" cy="1010631"/>
         </a:xfrm>
         <a:prstGeom prst="rect">
           <a:avLst/>
@@ -7229,7 +8240,7 @@
       </dsp:txBody>
       <dsp:txXfrm>
         <a:off x="8025186" y="0"/>
-        <a:ext cx="1758458" cy="1008840"/>
+        <a:ext cx="1758458" cy="1010631"/>
       </dsp:txXfrm>
     </dsp:sp>
     <dsp:sp modelId="{809477FF-A692-466C-8800-3CCD3C20CD13}">
@@ -7239,7 +8250,7 @@
       </dsp:nvSpPr>
       <dsp:spPr>
         <a:xfrm>
-          <a:off x="8044107" y="1112829"/>
+          <a:off x="8044107" y="1216238"/>
           <a:ext cx="1758458" cy="2176605"/>
         </a:xfrm>
         <a:prstGeom prst="rect">
@@ -7461,7 +8472,7 @@
         </a:p>
       </dsp:txBody>
       <dsp:txXfrm>
-        <a:off x="8044107" y="1112829"/>
+        <a:off x="8044107" y="1216238"/>
         <a:ext cx="1758458" cy="2176605"/>
       </dsp:txXfrm>
     </dsp:sp>
@@ -7473,7 +8484,7 @@
       <dsp:spPr>
         <a:xfrm>
           <a:off x="10029828" y="0"/>
-          <a:ext cx="1758458" cy="1008840"/>
+          <a:ext cx="1758458" cy="1010631"/>
         </a:xfrm>
         <a:prstGeom prst="rect">
           <a:avLst/>
@@ -7538,7 +8549,7 @@
       </dsp:txBody>
       <dsp:txXfrm>
         <a:off x="10029828" y="0"/>
-        <a:ext cx="1758458" cy="1008840"/>
+        <a:ext cx="1758458" cy="1010631"/>
       </dsp:txXfrm>
     </dsp:sp>
     <dsp:sp modelId="{EF3A97DE-E918-456A-B35C-2949E6B14FB6}">
@@ -7548,7 +8559,7 @@
       </dsp:nvSpPr>
       <dsp:spPr>
         <a:xfrm>
-          <a:off x="10029828" y="1112829"/>
+          <a:off x="10029828" y="1216238"/>
           <a:ext cx="1758458" cy="2176605"/>
         </a:xfrm>
         <a:prstGeom prst="rect">
@@ -7709,7 +8720,7 @@
         </a:p>
       </dsp:txBody>
       <dsp:txXfrm>
-        <a:off x="10029828" y="1112829"/>
+        <a:off x="10029828" y="1216238"/>
         <a:ext cx="1758458" cy="2176605"/>
       </dsp:txXfrm>
     </dsp:sp>
@@ -7718,6 +8729,332 @@
 </file>
 
 <file path=ppt/diagrams/drawing3.xml><?xml version="1.0" encoding="utf-8"?>
+<dsp:drawing xmlns:dgm="http://schemas.openxmlformats.org/drawingml/2006/diagram" xmlns:dsp="http://schemas.microsoft.com/office/drawing/2008/diagram" xmlns:a="http://schemas.openxmlformats.org/drawingml/2006/main">
+  <dsp:spTree>
+    <dsp:nvGrpSpPr>
+      <dsp:cNvPr id="0" name=""/>
+      <dsp:cNvGrpSpPr/>
+    </dsp:nvGrpSpPr>
+    <dsp:grpSpPr/>
+    <dsp:sp modelId="{930F2E12-2A9A-4CEF-BD79-CDAC6008BFB8}">
+      <dsp:nvSpPr>
+        <dsp:cNvPr id="0" name=""/>
+        <dsp:cNvSpPr/>
+      </dsp:nvSpPr>
+      <dsp:spPr>
+        <a:xfrm>
+          <a:off x="1717632" y="345358"/>
+          <a:ext cx="2949845" cy="2949845"/>
+        </a:xfrm>
+        <a:prstGeom prst="pie">
+          <a:avLst>
+            <a:gd name="adj1" fmla="val 16200000"/>
+            <a:gd name="adj2" fmla="val 0"/>
+          </a:avLst>
+        </a:prstGeom>
+        <a:solidFill>
+          <a:schemeClr val="accent1">
+            <a:hueOff val="0"/>
+            <a:satOff val="0"/>
+            <a:lumOff val="0"/>
+            <a:alphaOff val="0"/>
+          </a:schemeClr>
+        </a:solidFill>
+        <a:ln w="15875" cap="rnd" cmpd="sng" algn="ctr">
+          <a:solidFill>
+            <a:schemeClr val="lt1">
+              <a:hueOff val="0"/>
+              <a:satOff val="0"/>
+              <a:lumOff val="0"/>
+              <a:alphaOff val="0"/>
+            </a:schemeClr>
+          </a:solidFill>
+          <a:prstDash val="solid"/>
+        </a:ln>
+        <a:effectLst/>
+      </dsp:spPr>
+      <dsp:style>
+        <a:lnRef idx="2">
+          <a:scrgbClr r="0" g="0" b="0"/>
+        </a:lnRef>
+        <a:fillRef idx="1">
+          <a:scrgbClr r="0" g="0" b="0"/>
+        </a:fillRef>
+        <a:effectRef idx="0">
+          <a:scrgbClr r="0" g="0" b="0"/>
+        </a:effectRef>
+        <a:fontRef idx="minor">
+          <a:schemeClr val="lt1"/>
+        </a:fontRef>
+      </dsp:style>
+      <dsp:txBody>
+        <a:bodyPr spcFirstLastPara="0" vert="horz" wrap="square" lIns="30480" tIns="30480" rIns="30480" bIns="30480" numCol="1" spcCol="1270" anchor="ctr" anchorCtr="0">
+          <a:noAutofit/>
+        </a:bodyPr>
+        <a:lstStyle/>
+        <a:p>
+          <a:pPr marL="0" lvl="0" indent="0" algn="ctr" defTabSz="1066800">
+            <a:lnSpc>
+              <a:spcPct val="90000"/>
+            </a:lnSpc>
+            <a:spcBef>
+              <a:spcPct val="0"/>
+            </a:spcBef>
+            <a:spcAft>
+              <a:spcPct val="35000"/>
+            </a:spcAft>
+            <a:buNone/>
+          </a:pPr>
+          <a:r>
+            <a:rPr lang="en-US" sz="2400" kern="1200" dirty="0"/>
+            <a:t>FP: 0.50%</a:t>
+          </a:r>
+          <a:endParaRPr lang="en-GB" sz="2400" kern="1200" dirty="0"/>
+        </a:p>
+      </dsp:txBody>
+      <dsp:txXfrm>
+        <a:off x="3226267" y="891079"/>
+        <a:ext cx="1088633" cy="877930"/>
+      </dsp:txXfrm>
+    </dsp:sp>
+    <dsp:sp modelId="{D87E4BF0-5AB3-414F-9B72-4F27803FD392}">
+      <dsp:nvSpPr>
+        <dsp:cNvPr id="0" name=""/>
+        <dsp:cNvSpPr/>
+      </dsp:nvSpPr>
+      <dsp:spPr>
+        <a:xfrm>
+          <a:off x="1720514" y="343095"/>
+          <a:ext cx="2949845" cy="2949845"/>
+        </a:xfrm>
+        <a:prstGeom prst="pie">
+          <a:avLst>
+            <a:gd name="adj1" fmla="val 0"/>
+            <a:gd name="adj2" fmla="val 5400000"/>
+          </a:avLst>
+        </a:prstGeom>
+        <a:solidFill>
+          <a:srgbClr val="92D050"/>
+        </a:solidFill>
+        <a:ln w="15875" cap="rnd" cmpd="sng" algn="ctr">
+          <a:solidFill>
+            <a:schemeClr val="lt1">
+              <a:hueOff val="0"/>
+              <a:satOff val="0"/>
+              <a:lumOff val="0"/>
+              <a:alphaOff val="0"/>
+            </a:schemeClr>
+          </a:solidFill>
+          <a:prstDash val="solid"/>
+        </a:ln>
+        <a:effectLst/>
+      </dsp:spPr>
+      <dsp:style>
+        <a:lnRef idx="2">
+          <a:scrgbClr r="0" g="0" b="0"/>
+        </a:lnRef>
+        <a:fillRef idx="1">
+          <a:scrgbClr r="0" g="0" b="0"/>
+        </a:fillRef>
+        <a:effectRef idx="0">
+          <a:scrgbClr r="0" g="0" b="0"/>
+        </a:effectRef>
+        <a:fontRef idx="minor">
+          <a:schemeClr val="lt1"/>
+        </a:fontRef>
+      </dsp:style>
+      <dsp:txBody>
+        <a:bodyPr spcFirstLastPara="0" vert="horz" wrap="square" lIns="30480" tIns="30480" rIns="30480" bIns="30480" numCol="1" spcCol="1270" anchor="ctr" anchorCtr="0">
+          <a:noAutofit/>
+        </a:bodyPr>
+        <a:lstStyle/>
+        <a:p>
+          <a:pPr marL="0" lvl="0" indent="0" algn="ctr" defTabSz="1066800">
+            <a:lnSpc>
+              <a:spcPct val="90000"/>
+            </a:lnSpc>
+            <a:spcBef>
+              <a:spcPct val="0"/>
+            </a:spcBef>
+            <a:spcAft>
+              <a:spcPct val="35000"/>
+            </a:spcAft>
+            <a:buNone/>
+          </a:pPr>
+          <a:r>
+            <a:rPr lang="en-US" sz="2400" kern="1200" dirty="0"/>
+            <a:t>TN: 31.00%</a:t>
+          </a:r>
+          <a:endParaRPr lang="en-GB" sz="2400" kern="1200" dirty="0"/>
+        </a:p>
+      </dsp:txBody>
+      <dsp:txXfrm>
+        <a:off x="3248113" y="1870693"/>
+        <a:ext cx="1088633" cy="877930"/>
+      </dsp:txXfrm>
+    </dsp:sp>
+    <dsp:sp modelId="{5DD6C26F-72D9-478B-A32A-B590F211064D}">
+      <dsp:nvSpPr>
+        <dsp:cNvPr id="0" name=""/>
+        <dsp:cNvSpPr/>
+      </dsp:nvSpPr>
+      <dsp:spPr>
+        <a:xfrm>
+          <a:off x="1720514" y="343095"/>
+          <a:ext cx="2949845" cy="2949845"/>
+        </a:xfrm>
+        <a:prstGeom prst="pie">
+          <a:avLst>
+            <a:gd name="adj1" fmla="val 5400000"/>
+            <a:gd name="adj2" fmla="val 10800000"/>
+          </a:avLst>
+        </a:prstGeom>
+        <a:solidFill>
+          <a:schemeClr val="accent1">
+            <a:hueOff val="0"/>
+            <a:satOff val="0"/>
+            <a:lumOff val="0"/>
+            <a:alphaOff val="0"/>
+          </a:schemeClr>
+        </a:solidFill>
+        <a:ln w="15875" cap="rnd" cmpd="sng" algn="ctr">
+          <a:solidFill>
+            <a:schemeClr val="lt1">
+              <a:hueOff val="0"/>
+              <a:satOff val="0"/>
+              <a:lumOff val="0"/>
+              <a:alphaOff val="0"/>
+            </a:schemeClr>
+          </a:solidFill>
+          <a:prstDash val="solid"/>
+        </a:ln>
+        <a:effectLst/>
+      </dsp:spPr>
+      <dsp:style>
+        <a:lnRef idx="2">
+          <a:scrgbClr r="0" g="0" b="0"/>
+        </a:lnRef>
+        <a:fillRef idx="1">
+          <a:scrgbClr r="0" g="0" b="0"/>
+        </a:fillRef>
+        <a:effectRef idx="0">
+          <a:scrgbClr r="0" g="0" b="0"/>
+        </a:effectRef>
+        <a:fontRef idx="minor">
+          <a:schemeClr val="lt1"/>
+        </a:fontRef>
+      </dsp:style>
+      <dsp:txBody>
+        <a:bodyPr spcFirstLastPara="0" vert="horz" wrap="square" lIns="30480" tIns="30480" rIns="30480" bIns="30480" numCol="1" spcCol="1270" anchor="ctr" anchorCtr="0">
+          <a:noAutofit/>
+        </a:bodyPr>
+        <a:lstStyle/>
+        <a:p>
+          <a:pPr marL="0" lvl="0" indent="0" algn="ctr" defTabSz="1066800">
+            <a:lnSpc>
+              <a:spcPct val="90000"/>
+            </a:lnSpc>
+            <a:spcBef>
+              <a:spcPct val="0"/>
+            </a:spcBef>
+            <a:spcAft>
+              <a:spcPct val="35000"/>
+            </a:spcAft>
+            <a:buNone/>
+          </a:pPr>
+          <a:r>
+            <a:rPr lang="en-US" sz="2400" kern="1200" dirty="0"/>
+            <a:t>FN: 19%</a:t>
+          </a:r>
+          <a:endParaRPr lang="en-GB" sz="2400" kern="1200" dirty="0"/>
+        </a:p>
+      </dsp:txBody>
+      <dsp:txXfrm>
+        <a:off x="2054128" y="1870693"/>
+        <a:ext cx="1088633" cy="877930"/>
+      </dsp:txXfrm>
+    </dsp:sp>
+    <dsp:sp modelId="{1751F260-01E3-48C4-AEE2-810FF4CA9FFE}">
+      <dsp:nvSpPr>
+        <dsp:cNvPr id="0" name=""/>
+        <dsp:cNvSpPr/>
+      </dsp:nvSpPr>
+      <dsp:spPr>
+        <a:xfrm>
+          <a:off x="1720514" y="343095"/>
+          <a:ext cx="2949845" cy="2949845"/>
+        </a:xfrm>
+        <a:prstGeom prst="pie">
+          <a:avLst>
+            <a:gd name="adj1" fmla="val 10800000"/>
+            <a:gd name="adj2" fmla="val 16200000"/>
+          </a:avLst>
+        </a:prstGeom>
+        <a:solidFill>
+          <a:srgbClr val="92D050"/>
+        </a:solidFill>
+        <a:ln w="15875" cap="rnd" cmpd="sng" algn="ctr">
+          <a:solidFill>
+            <a:schemeClr val="lt1">
+              <a:hueOff val="0"/>
+              <a:satOff val="0"/>
+              <a:lumOff val="0"/>
+              <a:alphaOff val="0"/>
+            </a:schemeClr>
+          </a:solidFill>
+          <a:prstDash val="solid"/>
+        </a:ln>
+        <a:effectLst/>
+      </dsp:spPr>
+      <dsp:style>
+        <a:lnRef idx="2">
+          <a:scrgbClr r="0" g="0" b="0"/>
+        </a:lnRef>
+        <a:fillRef idx="1">
+          <a:scrgbClr r="0" g="0" b="0"/>
+        </a:fillRef>
+        <a:effectRef idx="0">
+          <a:scrgbClr r="0" g="0" b="0"/>
+        </a:effectRef>
+        <a:fontRef idx="minor">
+          <a:schemeClr val="lt1"/>
+        </a:fontRef>
+      </dsp:style>
+      <dsp:txBody>
+        <a:bodyPr spcFirstLastPara="0" vert="horz" wrap="square" lIns="30480" tIns="30480" rIns="30480" bIns="30480" numCol="1" spcCol="1270" anchor="ctr" anchorCtr="0">
+          <a:noAutofit/>
+        </a:bodyPr>
+        <a:lstStyle/>
+        <a:p>
+          <a:pPr marL="0" lvl="0" indent="0" algn="ctr" defTabSz="1066800">
+            <a:lnSpc>
+              <a:spcPct val="90000"/>
+            </a:lnSpc>
+            <a:spcBef>
+              <a:spcPct val="0"/>
+            </a:spcBef>
+            <a:spcAft>
+              <a:spcPct val="35000"/>
+            </a:spcAft>
+            <a:buNone/>
+          </a:pPr>
+          <a:r>
+            <a:rPr lang="en-US" sz="2400" kern="1200" dirty="0"/>
+            <a:t>TP: 44.91%</a:t>
+          </a:r>
+          <a:endParaRPr lang="en-GB" sz="2400" kern="1200" dirty="0"/>
+        </a:p>
+      </dsp:txBody>
+      <dsp:txXfrm>
+        <a:off x="2054128" y="887411"/>
+        <a:ext cx="1088633" cy="877930"/>
+      </dsp:txXfrm>
+    </dsp:sp>
+  </dsp:spTree>
+</dsp:drawing>
+</file>
+
+<file path=ppt/diagrams/drawing4.xml><?xml version="1.0" encoding="utf-8"?>
 <dsp:drawing xmlns:dgm="http://schemas.openxmlformats.org/drawingml/2006/diagram" xmlns:dsp="http://schemas.microsoft.com/office/drawing/2008/diagram" xmlns:a="http://schemas.openxmlformats.org/drawingml/2006/main">
   <dsp:spTree>
     <dsp:nvGrpSpPr>
@@ -8962,6 +10299,1311 @@
 </file>
 
 <file path=ppt/diagrams/layout3.xml><?xml version="1.0" encoding="utf-8"?>
+<dgm:layoutDef xmlns:dgm="http://schemas.openxmlformats.org/drawingml/2006/diagram" xmlns:a="http://schemas.openxmlformats.org/drawingml/2006/main" uniqueId="urn:microsoft.com/office/officeart/2005/8/layout/chart3">
+  <dgm:title val=""/>
+  <dgm:desc val=""/>
+  <dgm:catLst>
+    <dgm:cat type="relationship" pri="27000"/>
+    <dgm:cat type="cycle" pri="8000"/>
+  </dgm:catLst>
+  <dgm:sampData useDef="1">
+    <dgm:dataModel>
+      <dgm:ptLst/>
+      <dgm:bg/>
+      <dgm:whole/>
+    </dgm:dataModel>
+  </dgm:sampData>
+  <dgm:styleData useDef="1">
+    <dgm:dataModel>
+      <dgm:ptLst/>
+      <dgm:bg/>
+      <dgm:whole/>
+    </dgm:dataModel>
+  </dgm:styleData>
+  <dgm:clrData>
+    <dgm:dataModel>
+      <dgm:ptLst>
+        <dgm:pt modelId="0" type="doc"/>
+        <dgm:pt modelId="1"/>
+        <dgm:pt modelId="2"/>
+        <dgm:pt modelId="3"/>
+        <dgm:pt modelId="4"/>
+        <dgm:pt modelId="5"/>
+        <dgm:pt modelId="6"/>
+      </dgm:ptLst>
+      <dgm:cxnLst>
+        <dgm:cxn modelId="7" srcId="0" destId="1" srcOrd="0" destOrd="0"/>
+        <dgm:cxn modelId="8" srcId="0" destId="2" srcOrd="1" destOrd="0"/>
+        <dgm:cxn modelId="9" srcId="0" destId="3" srcOrd="2" destOrd="0"/>
+        <dgm:cxn modelId="10" srcId="0" destId="4" srcOrd="3" destOrd="0"/>
+        <dgm:cxn modelId="11" srcId="0" destId="5" srcOrd="4" destOrd="0"/>
+        <dgm:cxn modelId="12" srcId="0" destId="6" srcOrd="5" destOrd="0"/>
+      </dgm:cxnLst>
+      <dgm:bg/>
+      <dgm:whole/>
+    </dgm:dataModel>
+  </dgm:clrData>
+  <dgm:layoutNode name="compositeShape">
+    <dgm:varLst>
+      <dgm:chMax val="7"/>
+      <dgm:dir/>
+      <dgm:resizeHandles val="exact"/>
+    </dgm:varLst>
+    <dgm:alg type="composite">
+      <dgm:param type="horzAlign" val="ctr"/>
+      <dgm:param type="vertAlign" val="mid"/>
+      <dgm:param type="ar" val="1"/>
+    </dgm:alg>
+    <dgm:presOf/>
+    <dgm:shape xmlns:r="http://schemas.openxmlformats.org/officeDocument/2006/relationships" r:blip="">
+      <dgm:adjLst/>
+    </dgm:shape>
+    <dgm:choose name="Name0">
+      <dgm:if name="Name1" axis="ch" ptType="node" func="cnt" op="equ" val="1">
+        <dgm:constrLst>
+          <dgm:constr type="l" for="ch" forName="wedge1" refType="w" fact="0.08"/>
+          <dgm:constr type="t" for="ch" forName="wedge1" refType="w" fact="0.08"/>
+          <dgm:constr type="w" for="ch" forName="wedge1" refType="w" fact="0.84"/>
+          <dgm:constr type="h" for="ch" forName="wedge1" refType="h" fact="0.84"/>
+          <dgm:constr type="l" for="ch" forName="wedge1Tx" refType="w" fact="0.205"/>
+          <dgm:constr type="t" for="ch" forName="wedge1Tx" refType="h" fact="0.205"/>
+          <dgm:constr type="w" for="ch" forName="wedge1Tx" refType="w" fact="0.59"/>
+          <dgm:constr type="h" for="ch" forName="wedge1Tx" refType="h" fact="0.59"/>
+          <dgm:constr type="primFontSz" for="ch" ptType="node" op="equ"/>
+        </dgm:constrLst>
+      </dgm:if>
+      <dgm:if name="Name2" axis="ch" ptType="node" func="cnt" op="equ" val="2">
+        <dgm:constrLst>
+          <dgm:constr type="l" for="ch" forName="wedge1" refType="w" fact="0.1"/>
+          <dgm:constr type="t" for="ch" forName="wedge1" refType="w" fact="0.08"/>
+          <dgm:constr type="w" for="ch" forName="wedge1" refType="w" fact="0.84"/>
+          <dgm:constr type="h" for="ch" forName="wedge1" refType="h" fact="0.84"/>
+          <dgm:constr type="l" for="ch" forName="wedge1Tx" refType="w" fact="0.52"/>
+          <dgm:constr type="t" for="ch" forName="wedge1Tx" refType="h" fact="0.205"/>
+          <dgm:constr type="w" for="ch" forName="wedge1Tx" refType="w" fact="0.295"/>
+          <dgm:constr type="h" for="ch" forName="wedge1Tx" refType="h" fact="0.59"/>
+          <dgm:constr type="l" for="ch" forName="wedge2" refType="w" fact="0.08"/>
+          <dgm:constr type="t" for="ch" forName="wedge2" refType="w" fact="0.08"/>
+          <dgm:constr type="w" for="ch" forName="wedge2" refType="w" fact="0.84"/>
+          <dgm:constr type="h" for="ch" forName="wedge2" refType="h" fact="0.84"/>
+          <dgm:constr type="l" for="ch" forName="wedge2Tx" refType="w" fact="0.2"/>
+          <dgm:constr type="t" for="ch" forName="wedge2Tx" refType="h" fact="0.205"/>
+          <dgm:constr type="w" for="ch" forName="wedge2Tx" refType="w" fact="0.295"/>
+          <dgm:constr type="h" for="ch" forName="wedge2Tx" refType="h" fact="0.59"/>
+          <dgm:constr type="primFontSz" for="ch" ptType="node" op="equ"/>
+        </dgm:constrLst>
+      </dgm:if>
+      <dgm:if name="Name3" axis="ch" ptType="node" func="cnt" op="equ" val="3">
+        <dgm:choose name="Name4">
+          <dgm:if name="Name5" func="var" arg="dir" op="equ" val="norm">
+            <dgm:constrLst>
+              <dgm:constr type="l" for="ch" forName="wedge1" refType="w" fact="0.1233"/>
+              <dgm:constr type="t" for="ch" forName="wedge1" refType="w" fact="0.055"/>
+              <dgm:constr type="w" for="ch" forName="wedge1" refType="w" fact="0.84"/>
+              <dgm:constr type="h" for="ch" forName="wedge1" refType="h" fact="0.84"/>
+              <dgm:constr type="l" for="ch" forName="wedge1Tx" refType="w" fact="0.58"/>
+              <dgm:constr type="t" for="ch" forName="wedge1Tx" refType="h" fact="0.21"/>
+              <dgm:constr type="w" for="ch" forName="wedge1Tx" refType="w" fact="0.285"/>
+              <dgm:constr type="h" for="ch" forName="wedge1Tx" refType="h" fact="0.28"/>
+              <dgm:constr type="l" for="ch" forName="wedge2" refType="w" fact="0.08"/>
+              <dgm:constr type="t" for="ch" forName="wedge2" refType="w" fact="0.08"/>
+              <dgm:constr type="w" for="ch" forName="wedge2" refType="w" fact="0.84"/>
+              <dgm:constr type="h" for="ch" forName="wedge2" refType="h" fact="0.84"/>
+              <dgm:constr type="l" for="ch" forName="wedge2Tx" refType="w" fact="0.31"/>
+              <dgm:constr type="t" for="ch" forName="wedge2Tx" refType="h" fact="0.61"/>
+              <dgm:constr type="w" for="ch" forName="wedge2Tx" refType="w" fact="0.38"/>
+              <dgm:constr type="h" for="ch" forName="wedge2Tx" refType="h" fact="0.26"/>
+              <dgm:constr type="l" for="ch" forName="wedge3" refType="w" fact="0.08"/>
+              <dgm:constr type="t" for="ch" forName="wedge3" refType="w" fact="0.08"/>
+              <dgm:constr type="w" for="ch" forName="wedge3" refType="w" fact="0.84"/>
+              <dgm:constr type="h" for="ch" forName="wedge3" refType="h" fact="0.84"/>
+              <dgm:constr type="l" for="ch" forName="wedge3Tx" refType="w" fact="0.17"/>
+              <dgm:constr type="t" for="ch" forName="wedge3Tx" refType="h" fact="0.245"/>
+              <dgm:constr type="w" for="ch" forName="wedge3Tx" refType="w" fact="0.285"/>
+              <dgm:constr type="h" for="ch" forName="wedge3Tx" refType="h" fact="0.28"/>
+              <dgm:constr type="primFontSz" for="ch" ptType="node" op="equ"/>
+            </dgm:constrLst>
+          </dgm:if>
+          <dgm:else name="Name6">
+            <dgm:constrLst>
+              <dgm:constr type="l" for="ch" forName="wedge1" refType="w" fact="0.08"/>
+              <dgm:constr type="t" for="ch" forName="wedge1" refType="w" fact="0.08"/>
+              <dgm:constr type="w" for="ch" forName="wedge1" refType="w" fact="0.84"/>
+              <dgm:constr type="h" for="ch" forName="wedge1" refType="h" fact="0.84"/>
+              <dgm:constr type="l" for="ch" forName="wedge1Tx" refType="w" fact="0.545"/>
+              <dgm:constr type="t" for="ch" forName="wedge1Tx" refType="h" fact="0.245"/>
+              <dgm:constr type="w" for="ch" forName="wedge1Tx" refType="w" fact="0.285"/>
+              <dgm:constr type="h" for="ch" forName="wedge1Tx" refType="h" fact="0.28"/>
+              <dgm:constr type="l" for="ch" forName="wedge2" refType="w" fact="0.08"/>
+              <dgm:constr type="t" for="ch" forName="wedge2" refType="w" fact="0.08"/>
+              <dgm:constr type="w" for="ch" forName="wedge2" refType="w" fact="0.84"/>
+              <dgm:constr type="h" for="ch" forName="wedge2" refType="h" fact="0.84"/>
+              <dgm:constr type="l" for="ch" forName="wedge2Tx" refType="w" fact="0.31"/>
+              <dgm:constr type="t" for="ch" forName="wedge2Tx" refType="h" fact="0.61"/>
+              <dgm:constr type="w" for="ch" forName="wedge2Tx" refType="w" fact="0.38"/>
+              <dgm:constr type="h" for="ch" forName="wedge2Tx" refType="h" fact="0.26"/>
+              <dgm:constr type="l" for="ch" forName="wedge3" refType="w" fact="0.0367"/>
+              <dgm:constr type="t" for="ch" forName="wedge3" refType="w" fact="0.055"/>
+              <dgm:constr type="w" for="ch" forName="wedge3" refType="w" fact="0.84"/>
+              <dgm:constr type="h" for="ch" forName="wedge3" refType="h" fact="0.84"/>
+              <dgm:constr type="l" for="ch" forName="wedge3Tx" refType="w" fact="0.14"/>
+              <dgm:constr type="t" for="ch" forName="wedge3Tx" refType="h" fact="0.21"/>
+              <dgm:constr type="w" for="ch" forName="wedge3Tx" refType="w" fact="0.285"/>
+              <dgm:constr type="h" for="ch" forName="wedge3Tx" refType="h" fact="0.28"/>
+              <dgm:constr type="primFontSz" for="ch" ptType="node" op="equ"/>
+            </dgm:constrLst>
+          </dgm:else>
+        </dgm:choose>
+      </dgm:if>
+      <dgm:if name="Name7" axis="ch" ptType="node" func="cnt" op="equ" val="4">
+        <dgm:choose name="Name8">
+          <dgm:if name="Name9" func="var" arg="dir" op="equ" val="norm">
+            <dgm:constrLst>
+              <dgm:constr type="l" for="ch" forName="wedge1" refType="w" fact="0.1154"/>
+              <dgm:constr type="t" for="ch" forName="wedge1" refType="w" fact="0.0446"/>
+              <dgm:constr type="w" for="ch" forName="wedge1" refType="w" fact="0.84"/>
+              <dgm:constr type="h" for="ch" forName="wedge1" refType="h" fact="0.84"/>
+              <dgm:constr type="l" for="ch" forName="wedge1Tx" refType="w" fact="0.545"/>
+              <dgm:constr type="t" for="ch" forName="wedge1Tx" refType="h" fact="0.2"/>
+              <dgm:constr type="w" for="ch" forName="wedge1Tx" refType="w" fact="0.31"/>
+              <dgm:constr type="h" for="ch" forName="wedge1Tx" refType="h" fact="0.25"/>
+              <dgm:constr type="l" for="ch" forName="wedge2" refType="w" fact="0.08"/>
+              <dgm:constr type="t" for="ch" forName="wedge2" refType="w" fact="0.08"/>
+              <dgm:constr type="w" for="ch" forName="wedge2" refType="w" fact="0.84"/>
+              <dgm:constr type="h" for="ch" forName="wedge2" refType="h" fact="0.84"/>
+              <dgm:constr type="l" for="ch" forName="wedge2Tx" refType="w" fact="0.515"/>
+              <dgm:constr type="t" for="ch" forName="wedge2Tx" refType="h" fact="0.515"/>
+              <dgm:constr type="w" for="ch" forName="wedge2Tx" refType="w" fact="0.31"/>
+              <dgm:constr type="h" for="ch" forName="wedge2Tx" refType="h" fact="0.25"/>
+              <dgm:constr type="l" for="ch" forName="wedge3" refType="w" fact="0.08"/>
+              <dgm:constr type="t" for="ch" forName="wedge3" refType="w" fact="0.08"/>
+              <dgm:constr type="w" for="ch" forName="wedge3" refType="w" fact="0.84"/>
+              <dgm:constr type="h" for="ch" forName="wedge3" refType="h" fact="0.84"/>
+              <dgm:constr type="l" for="ch" forName="wedge3Tx" refType="w" fact="0.175"/>
+              <dgm:constr type="t" for="ch" forName="wedge3Tx" refType="h" fact="0.515"/>
+              <dgm:constr type="w" for="ch" forName="wedge3Tx" refType="w" fact="0.31"/>
+              <dgm:constr type="h" for="ch" forName="wedge3Tx" refType="h" fact="0.25"/>
+              <dgm:constr type="l" for="ch" forName="wedge4" refType="w" fact="0.08"/>
+              <dgm:constr type="t" for="ch" forName="wedge4" refType="h" fact="0.08"/>
+              <dgm:constr type="w" for="ch" forName="wedge4" refType="w" fact="0.84"/>
+              <dgm:constr type="h" for="ch" forName="wedge4" refType="h" fact="0.84"/>
+              <dgm:constr type="l" for="ch" forName="wedge4Tx" refType="w" fact="0.175"/>
+              <dgm:constr type="t" for="ch" forName="wedge4Tx" refType="h" fact="0.235"/>
+              <dgm:constr type="w" for="ch" forName="wedge4Tx" refType="w" fact="0.31"/>
+              <dgm:constr type="h" for="ch" forName="wedge4Tx" refType="h" fact="0.25"/>
+              <dgm:constr type="primFontSz" for="ch" ptType="node" op="equ"/>
+            </dgm:constrLst>
+          </dgm:if>
+          <dgm:else name="Name10">
+            <dgm:constrLst>
+              <dgm:constr type="l" for="ch" forName="wedge1" refType="w" fact="0.08"/>
+              <dgm:constr type="t" for="ch" forName="wedge1" refType="w" fact="0.08"/>
+              <dgm:constr type="w" for="ch" forName="wedge1" refType="w" fact="0.84"/>
+              <dgm:constr type="h" for="ch" forName="wedge1" refType="h" fact="0.84"/>
+              <dgm:constr type="l" for="ch" forName="wedge1Tx" refType="w" fact="0.515"/>
+              <dgm:constr type="t" for="ch" forName="wedge1Tx" refType="h" fact="0.235"/>
+              <dgm:constr type="w" for="ch" forName="wedge1Tx" refType="w" fact="0.31"/>
+              <dgm:constr type="h" for="ch" forName="wedge1Tx" refType="h" fact="0.25"/>
+              <dgm:constr type="l" for="ch" forName="wedge2" refType="w" fact="0.08"/>
+              <dgm:constr type="t" for="ch" forName="wedge2" refType="w" fact="0.08"/>
+              <dgm:constr type="w" for="ch" forName="wedge2" refType="w" fact="0.84"/>
+              <dgm:constr type="h" for="ch" forName="wedge2" refType="h" fact="0.84"/>
+              <dgm:constr type="l" for="ch" forName="wedge2Tx" refType="w" fact="0.515"/>
+              <dgm:constr type="t" for="ch" forName="wedge2Tx" refType="h" fact="0.515"/>
+              <dgm:constr type="w" for="ch" forName="wedge2Tx" refType="w" fact="0.31"/>
+              <dgm:constr type="h" for="ch" forName="wedge2Tx" refType="h" fact="0.25"/>
+              <dgm:constr type="l" for="ch" forName="wedge3" refType="w" fact="0.08"/>
+              <dgm:constr type="t" for="ch" forName="wedge3" refType="w" fact="0.08"/>
+              <dgm:constr type="w" for="ch" forName="wedge3" refType="w" fact="0.84"/>
+              <dgm:constr type="h" for="ch" forName="wedge3" refType="h" fact="0.84"/>
+              <dgm:constr type="l" for="ch" forName="wedge3Tx" refType="w" fact="0.175"/>
+              <dgm:constr type="t" for="ch" forName="wedge3Tx" refType="h" fact="0.515"/>
+              <dgm:constr type="w" for="ch" forName="wedge3Tx" refType="w" fact="0.31"/>
+              <dgm:constr type="h" for="ch" forName="wedge3Tx" refType="h" fact="0.25"/>
+              <dgm:constr type="l" for="ch" forName="wedge4" refType="w" fact="0.0446"/>
+              <dgm:constr type="t" for="ch" forName="wedge4" refType="h" fact="0.0446"/>
+              <dgm:constr type="w" for="ch" forName="wedge4" refType="w" fact="0.84"/>
+              <dgm:constr type="h" for="ch" forName="wedge4" refType="h" fact="0.84"/>
+              <dgm:constr type="l" for="ch" forName="wedge4Tx" refType="w" fact="0.145"/>
+              <dgm:constr type="t" for="ch" forName="wedge4Tx" refType="h" fact="0.2"/>
+              <dgm:constr type="w" for="ch" forName="wedge4Tx" refType="w" fact="0.31"/>
+              <dgm:constr type="h" for="ch" forName="wedge4Tx" refType="h" fact="0.25"/>
+              <dgm:constr type="primFontSz" for="ch" ptType="node" op="equ"/>
+            </dgm:constrLst>
+          </dgm:else>
+        </dgm:choose>
+      </dgm:if>
+      <dgm:if name="Name11" axis="ch" ptType="node" func="cnt" op="equ" val="5">
+        <dgm:choose name="Name12">
+          <dgm:if name="Name13" func="var" arg="dir" op="equ" val="norm">
+            <dgm:constrLst>
+              <dgm:constr type="l" for="ch" forName="wedge1" refType="w" fact="0.1094"/>
+              <dgm:constr type="t" for="ch" forName="wedge1" refType="w" fact="0.0395"/>
+              <dgm:constr type="w" for="ch" forName="wedge1" refType="w" fact="0.84"/>
+              <dgm:constr type="h" for="ch" forName="wedge1" refType="h" fact="0.84"/>
+              <dgm:constr type="l" for="ch" forName="wedge1Tx" refType="w" fact="0.54"/>
+              <dgm:constr type="t" for="ch" forName="wedge1Tx" refType="h" fact="0.165"/>
+              <dgm:constr type="w" for="ch" forName="wedge1Tx" refType="w" fact="0.285"/>
+              <dgm:constr type="h" for="ch" forName="wedge1Tx" refType="h" fact="0.195"/>
+              <dgm:constr type="l" for="ch" forName="wedge2" refType="w" fact="0.08"/>
+              <dgm:constr type="t" for="ch" forName="wedge2" refType="w" fact="0.08"/>
+              <dgm:constr type="w" for="ch" forName="wedge2" refType="w" fact="0.84"/>
+              <dgm:constr type="h" for="ch" forName="wedge2" refType="h" fact="0.84"/>
+              <dgm:constr type="l" for="ch" forName="wedge2Tx" refType="w" fact="0.629"/>
+              <dgm:constr type="t" for="ch" forName="wedge2Tx" refType="h" fact="0.46"/>
+              <dgm:constr type="w" for="ch" forName="wedge2Tx" refType="w" fact="0.25"/>
+              <dgm:constr type="h" for="ch" forName="wedge2Tx" refType="h" fact="0.211"/>
+              <dgm:constr type="l" for="ch" forName="wedge3" refType="w" fact="0.08"/>
+              <dgm:constr type="t" for="ch" forName="wedge3" refType="w" fact="0.08"/>
+              <dgm:constr type="w" for="ch" forName="wedge3" refType="w" fact="0.84"/>
+              <dgm:constr type="h" for="ch" forName="wedge3" refType="h" fact="0.84"/>
+              <dgm:constr type="l" for="ch" forName="wedge3Tx" refType="w" fact="0.35"/>
+              <dgm:constr type="t" for="ch" forName="wedge3Tx" refType="h" fact="0.71"/>
+              <dgm:constr type="w" for="ch" forName="wedge3Tx" refType="w" fact="0.3"/>
+              <dgm:constr type="h" for="ch" forName="wedge3Tx" refType="h" fact="0.18"/>
+              <dgm:constr type="l" for="ch" forName="wedge4" refType="w" fact="0.08"/>
+              <dgm:constr type="t" for="ch" forName="wedge4" refType="h" fact="0.08"/>
+              <dgm:constr type="w" for="ch" forName="wedge4" refType="w" fact="0.84"/>
+              <dgm:constr type="h" for="ch" forName="wedge4" refType="h" fact="0.84"/>
+              <dgm:constr type="l" for="ch" forName="wedge4Tx" refType="w" fact="0.12"/>
+              <dgm:constr type="t" for="ch" forName="wedge4Tx" refType="h" fact="0.46"/>
+              <dgm:constr type="w" for="ch" forName="wedge4Tx" refType="w" fact="0.25"/>
+              <dgm:constr type="h" for="ch" forName="wedge4Tx" refType="h" fact="0.211"/>
+              <dgm:constr type="l" for="ch" forName="wedge5" refType="w" fact="0.08"/>
+              <dgm:constr type="t" for="ch" forName="wedge5" refType="h" fact="0.08"/>
+              <dgm:constr type="w" for="ch" forName="wedge5" refType="w" fact="0.84"/>
+              <dgm:constr type="h" for="ch" forName="wedge5" refType="h" fact="0.84"/>
+              <dgm:constr type="l" for="ch" forName="wedge5Tx" refType="w" fact="0.2025"/>
+              <dgm:constr type="t" for="ch" forName="wedge5Tx" refType="h" fact="0.208"/>
+              <dgm:constr type="w" for="ch" forName="wedge5Tx" refType="w" fact="0.285"/>
+              <dgm:constr type="h" for="ch" forName="wedge5Tx" refType="h" fact="0.195"/>
+              <dgm:constr type="primFontSz" for="ch" ptType="node" op="equ"/>
+            </dgm:constrLst>
+          </dgm:if>
+          <dgm:else name="Name14">
+            <dgm:constrLst>
+              <dgm:constr type="l" for="ch" forName="wedge1" refType="w" fact="0.08"/>
+              <dgm:constr type="t" for="ch" forName="wedge1" refType="w" fact="0.08"/>
+              <dgm:constr type="w" for="ch" forName="wedge1" refType="w" fact="0.84"/>
+              <dgm:constr type="h" for="ch" forName="wedge1" refType="h" fact="0.84"/>
+              <dgm:constr type="l" for="ch" forName="wedge1Tx" refType="w" fact="0.51"/>
+              <dgm:constr type="t" for="ch" forName="wedge1Tx" refType="h" fact="0.208"/>
+              <dgm:constr type="w" for="ch" forName="wedge1Tx" refType="w" fact="0.285"/>
+              <dgm:constr type="h" for="ch" forName="wedge1Tx" refType="h" fact="0.195"/>
+              <dgm:constr type="l" for="ch" forName="wedge2" refType="w" fact="0.08"/>
+              <dgm:constr type="t" for="ch" forName="wedge2" refType="w" fact="0.08"/>
+              <dgm:constr type="w" for="ch" forName="wedge2" refType="w" fact="0.84"/>
+              <dgm:constr type="h" for="ch" forName="wedge2" refType="h" fact="0.84"/>
+              <dgm:constr type="l" for="ch" forName="wedge2Tx" refType="w" fact="0.629"/>
+              <dgm:constr type="t" for="ch" forName="wedge2Tx" refType="h" fact="0.46"/>
+              <dgm:constr type="w" for="ch" forName="wedge2Tx" refType="w" fact="0.25"/>
+              <dgm:constr type="h" for="ch" forName="wedge2Tx" refType="h" fact="0.211"/>
+              <dgm:constr type="l" for="ch" forName="wedge3" refType="w" fact="0.08"/>
+              <dgm:constr type="t" for="ch" forName="wedge3" refType="w" fact="0.08"/>
+              <dgm:constr type="w" for="ch" forName="wedge3" refType="w" fact="0.84"/>
+              <dgm:constr type="h" for="ch" forName="wedge3" refType="h" fact="0.84"/>
+              <dgm:constr type="l" for="ch" forName="wedge3Tx" refType="w" fact="0.35"/>
+              <dgm:constr type="t" for="ch" forName="wedge3Tx" refType="h" fact="0.71"/>
+              <dgm:constr type="w" for="ch" forName="wedge3Tx" refType="w" fact="0.3"/>
+              <dgm:constr type="h" for="ch" forName="wedge3Tx" refType="h" fact="0.18"/>
+              <dgm:constr type="l" for="ch" forName="wedge4" refType="w" fact="0.08"/>
+              <dgm:constr type="t" for="ch" forName="wedge4" refType="h" fact="0.08"/>
+              <dgm:constr type="w" for="ch" forName="wedge4" refType="w" fact="0.84"/>
+              <dgm:constr type="h" for="ch" forName="wedge4" refType="h" fact="0.84"/>
+              <dgm:constr type="l" for="ch" forName="wedge4Tx" refType="w" fact="0.12"/>
+              <dgm:constr type="t" for="ch" forName="wedge4Tx" refType="h" fact="0.46"/>
+              <dgm:constr type="w" for="ch" forName="wedge4Tx" refType="w" fact="0.25"/>
+              <dgm:constr type="h" for="ch" forName="wedge4Tx" refType="h" fact="0.211"/>
+              <dgm:constr type="l" for="ch" forName="wedge5" refType="w" fact="0.0506"/>
+              <dgm:constr type="t" for="ch" forName="wedge5" refType="h" fact="0.0395"/>
+              <dgm:constr type="w" for="ch" forName="wedge5" refType="w" fact="0.84"/>
+              <dgm:constr type="h" for="ch" forName="wedge5" refType="h" fact="0.84"/>
+              <dgm:constr type="l" for="ch" forName="wedge5Tx" refType="w" fact="0.18"/>
+              <dgm:constr type="t" for="ch" forName="wedge5Tx" refType="h" fact="0.165"/>
+              <dgm:constr type="w" for="ch" forName="wedge5Tx" refType="w" fact="0.285"/>
+              <dgm:constr type="h" for="ch" forName="wedge5Tx" refType="h" fact="0.195"/>
+              <dgm:constr type="primFontSz" for="ch" ptType="node" op="equ"/>
+            </dgm:constrLst>
+          </dgm:else>
+        </dgm:choose>
+      </dgm:if>
+      <dgm:if name="Name15" axis="ch" ptType="node" func="cnt" op="equ" val="6">
+        <dgm:choose name="Name16">
+          <dgm:if name="Name17" func="var" arg="dir" op="equ" val="norm">
+            <dgm:constrLst>
+              <dgm:constr type="l" for="ch" forName="wedge1" refType="w" fact="0.105"/>
+              <dgm:constr type="t" for="ch" forName="wedge1" refType="w" fact="0.0367"/>
+              <dgm:constr type="w" for="ch" forName="wedge1" refType="w" fact="0.84"/>
+              <dgm:constr type="h" for="ch" forName="wedge1" refType="h" fact="0.84"/>
+              <dgm:constr type="l" for="ch" forName="wedge1Tx" refType="w" fact="0.534"/>
+              <dgm:constr type="t" for="ch" forName="wedge1Tx" refType="h" fact="0.1267"/>
+              <dgm:constr type="w" for="ch" forName="wedge1Tx" refType="w" fact="0.245"/>
+              <dgm:constr type="h" for="ch" forName="wedge1Tx" refType="h" fact="0.18"/>
+              <dgm:constr type="l" for="ch" forName="wedge2" refType="w" fact="0.08"/>
+              <dgm:constr type="t" for="ch" forName="wedge2" refType="w" fact="0.08"/>
+              <dgm:constr type="w" for="ch" forName="wedge2" refType="w" fact="0.84"/>
+              <dgm:constr type="h" for="ch" forName="wedge2" refType="h" fact="0.84"/>
+              <dgm:constr type="l" for="ch" forName="wedge2Tx" refType="w" fact="0.655"/>
+              <dgm:constr type="t" for="ch" forName="wedge2Tx" refType="h" fact="0.415"/>
+              <dgm:constr type="w" for="ch" forName="wedge2Tx" refType="w" fact="0.254"/>
+              <dgm:constr type="h" for="ch" forName="wedge2Tx" refType="h" fact="0.17"/>
+              <dgm:constr type="l" for="ch" forName="wedge3" refType="w" fact="0.08"/>
+              <dgm:constr type="t" for="ch" forName="wedge3" refType="w" fact="0.08"/>
+              <dgm:constr type="w" for="ch" forName="wedge3" refType="w" fact="0.84"/>
+              <dgm:constr type="h" for="ch" forName="wedge3" refType="h" fact="0.84"/>
+              <dgm:constr type="l" for="ch" forName="wedge3Tx" refType="w" fact="0.509"/>
+              <dgm:constr type="t" for="ch" forName="wedge3Tx" refType="h" fact="0.65"/>
+              <dgm:constr type="w" for="ch" forName="wedge3Tx" refType="w" fact="0.245"/>
+              <dgm:constr type="h" for="ch" forName="wedge3Tx" refType="h" fact="0.18"/>
+              <dgm:constr type="l" for="ch" forName="wedge4" refType="w" fact="0.08"/>
+              <dgm:constr type="t" for="ch" forName="wedge4" refType="h" fact="0.08"/>
+              <dgm:constr type="w" for="ch" forName="wedge4" refType="w" fact="0.84"/>
+              <dgm:constr type="h" for="ch" forName="wedge4" refType="h" fact="0.84"/>
+              <dgm:constr type="l" for="ch" forName="wedge4Tx" refType="w" fact="0.246"/>
+              <dgm:constr type="t" for="ch" forName="wedge4Tx" refType="h" fact="0.65"/>
+              <dgm:constr type="w" for="ch" forName="wedge4Tx" refType="w" fact="0.245"/>
+              <dgm:constr type="h" for="ch" forName="wedge4Tx" refType="h" fact="0.18"/>
+              <dgm:constr type="l" for="ch" forName="wedge5" refType="w" fact="0.08"/>
+              <dgm:constr type="t" for="ch" forName="wedge5" refType="h" fact="0.08"/>
+              <dgm:constr type="w" for="ch" forName="wedge5" refType="w" fact="0.84"/>
+              <dgm:constr type="h" for="ch" forName="wedge5" refType="h" fact="0.84"/>
+              <dgm:constr type="l" for="ch" forName="wedge5Tx" refType="w" fact="0.093"/>
+              <dgm:constr type="t" for="ch" forName="wedge5Tx" refType="h" fact="0.415"/>
+              <dgm:constr type="w" for="ch" forName="wedge5Tx" refType="w" fact="0.254"/>
+              <dgm:constr type="h" for="ch" forName="wedge5Tx" refType="h" fact="0.17"/>
+              <dgm:constr type="l" for="ch" forName="wedge6" refType="w" fact="0.08"/>
+              <dgm:constr type="t" for="ch" forName="wedge6" refType="h" fact="0.08"/>
+              <dgm:constr type="w" for="ch" forName="wedge6" refType="w" fact="0.84"/>
+              <dgm:constr type="h" for="ch" forName="wedge6" refType="h" fact="0.84"/>
+              <dgm:constr type="l" for="ch" forName="wedge6Tx" refType="w" fact="0.246"/>
+              <dgm:constr type="t" for="ch" forName="wedge6Tx" refType="h" fact="0.17"/>
+              <dgm:constr type="w" for="ch" forName="wedge6Tx" refType="w" fact="0.245"/>
+              <dgm:constr type="h" for="ch" forName="wedge6Tx" refType="h" fact="0.18"/>
+              <dgm:constr type="primFontSz" for="ch" ptType="node" op="equ"/>
+            </dgm:constrLst>
+          </dgm:if>
+          <dgm:else name="Name18">
+            <dgm:constrLst>
+              <dgm:constr type="l" for="ch" forName="wedge1" refType="w" fact="0.08"/>
+              <dgm:constr type="t" for="ch" forName="wedge1" refType="w" fact="0.08"/>
+              <dgm:constr type="w" for="ch" forName="wedge1" refType="w" fact="0.84"/>
+              <dgm:constr type="h" for="ch" forName="wedge1" refType="h" fact="0.84"/>
+              <dgm:constr type="l" for="ch" forName="wedge1Tx" refType="w" fact="0.509"/>
+              <dgm:constr type="t" for="ch" forName="wedge1Tx" refType="h" fact="0.17"/>
+              <dgm:constr type="w" for="ch" forName="wedge1Tx" refType="w" fact="0.245"/>
+              <dgm:constr type="h" for="ch" forName="wedge1Tx" refType="h" fact="0.18"/>
+              <dgm:constr type="l" for="ch" forName="wedge2" refType="w" fact="0.08"/>
+              <dgm:constr type="t" for="ch" forName="wedge2" refType="w" fact="0.08"/>
+              <dgm:constr type="w" for="ch" forName="wedge2" refType="w" fact="0.84"/>
+              <dgm:constr type="h" for="ch" forName="wedge2" refType="h" fact="0.84"/>
+              <dgm:constr type="l" for="ch" forName="wedge2Tx" refType="w" fact="0.655"/>
+              <dgm:constr type="t" for="ch" forName="wedge2Tx" refType="h" fact="0.415"/>
+              <dgm:constr type="w" for="ch" forName="wedge2Tx" refType="w" fact="0.254"/>
+              <dgm:constr type="h" for="ch" forName="wedge2Tx" refType="h" fact="0.17"/>
+              <dgm:constr type="l" for="ch" forName="wedge3" refType="w" fact="0.08"/>
+              <dgm:constr type="t" for="ch" forName="wedge3" refType="w" fact="0.08"/>
+              <dgm:constr type="w" for="ch" forName="wedge3" refType="w" fact="0.84"/>
+              <dgm:constr type="h" for="ch" forName="wedge3" refType="h" fact="0.84"/>
+              <dgm:constr type="l" for="ch" forName="wedge3Tx" refType="w" fact="0.509"/>
+              <dgm:constr type="t" for="ch" forName="wedge3Tx" refType="h" fact="0.65"/>
+              <dgm:constr type="w" for="ch" forName="wedge3Tx" refType="w" fact="0.245"/>
+              <dgm:constr type="h" for="ch" forName="wedge3Tx" refType="h" fact="0.18"/>
+              <dgm:constr type="l" for="ch" forName="wedge4" refType="w" fact="0.08"/>
+              <dgm:constr type="t" for="ch" forName="wedge4" refType="h" fact="0.08"/>
+              <dgm:constr type="w" for="ch" forName="wedge4" refType="w" fact="0.84"/>
+              <dgm:constr type="h" for="ch" forName="wedge4" refType="h" fact="0.84"/>
+              <dgm:constr type="l" for="ch" forName="wedge4Tx" refType="w" fact="0.246"/>
+              <dgm:constr type="t" for="ch" forName="wedge4Tx" refType="h" fact="0.65"/>
+              <dgm:constr type="w" for="ch" forName="wedge4Tx" refType="w" fact="0.245"/>
+              <dgm:constr type="h" for="ch" forName="wedge4Tx" refType="h" fact="0.18"/>
+              <dgm:constr type="l" for="ch" forName="wedge5" refType="w" fact="0.08"/>
+              <dgm:constr type="t" for="ch" forName="wedge5" refType="h" fact="0.08"/>
+              <dgm:constr type="w" for="ch" forName="wedge5" refType="w" fact="0.84"/>
+              <dgm:constr type="h" for="ch" forName="wedge5" refType="h" fact="0.84"/>
+              <dgm:constr type="l" for="ch" forName="wedge5Tx" refType="w" fact="0.093"/>
+              <dgm:constr type="t" for="ch" forName="wedge5Tx" refType="h" fact="0.415"/>
+              <dgm:constr type="w" for="ch" forName="wedge5Tx" refType="w" fact="0.254"/>
+              <dgm:constr type="h" for="ch" forName="wedge5Tx" refType="h" fact="0.17"/>
+              <dgm:constr type="l" for="ch" forName="wedge6" refType="w" fact="0.055"/>
+              <dgm:constr type="t" for="ch" forName="wedge6" refType="h" fact="0.0367"/>
+              <dgm:constr type="w" for="ch" forName="wedge6" refType="w" fact="0.84"/>
+              <dgm:constr type="h" for="ch" forName="wedge6" refType="h" fact="0.84"/>
+              <dgm:constr type="l" for="ch" forName="wedge6Tx" refType="w" fact="0.221"/>
+              <dgm:constr type="t" for="ch" forName="wedge6Tx" refType="h" fact="0.1267"/>
+              <dgm:constr type="w" for="ch" forName="wedge6Tx" refType="w" fact="0.245"/>
+              <dgm:constr type="h" for="ch" forName="wedge6Tx" refType="h" fact="0.18"/>
+              <dgm:constr type="primFontSz" for="ch" ptType="node" op="equ"/>
+            </dgm:constrLst>
+          </dgm:else>
+        </dgm:choose>
+      </dgm:if>
+      <dgm:else name="Name19">
+        <dgm:choose name="Name20">
+          <dgm:if name="Name21" func="var" arg="dir" op="equ" val="norm">
+            <dgm:constrLst>
+              <dgm:constr type="l" for="ch" forName="wedge1" refType="w" fact="0.1017"/>
+              <dgm:constr type="t" for="ch" forName="wedge1" refType="w" fact="0.035"/>
+              <dgm:constr type="w" for="ch" forName="wedge1" refType="w" fact="0.84"/>
+              <dgm:constr type="h" for="ch" forName="wedge1" refType="h" fact="0.84"/>
+              <dgm:constr type="l" for="ch" forName="wedge1Tx" refType="w" fact="0.53"/>
+              <dgm:constr type="t" for="ch" forName="wedge1Tx" refType="h" fact="0.115"/>
+              <dgm:constr type="w" for="ch" forName="wedge1Tx" refType="w" fact="0.23"/>
+              <dgm:constr type="h" for="ch" forName="wedge1Tx" refType="h" fact="0.145"/>
+              <dgm:constr type="l" for="ch" forName="wedge2" refType="w" fact="0.08"/>
+              <dgm:constr type="t" for="ch" forName="wedge2" refType="w" fact="0.08"/>
+              <dgm:constr type="w" for="ch" forName="wedge2" refType="w" fact="0.84"/>
+              <dgm:constr type="h" for="ch" forName="wedge2" refType="h" fact="0.84"/>
+              <dgm:constr type="l" for="ch" forName="wedge2Tx" refType="w" fact="0.655"/>
+              <dgm:constr type="t" for="ch" forName="wedge2Tx" refType="h" fact="0.38"/>
+              <dgm:constr type="w" for="ch" forName="wedge2Tx" refType="w" fact="0.244"/>
+              <dgm:constr type="h" for="ch" forName="wedge2Tx" refType="h" fact="0.155"/>
+              <dgm:constr type="l" for="ch" forName="wedge3" refType="w" fact="0.08"/>
+              <dgm:constr type="t" for="ch" forName="wedge3" refType="w" fact="0.08"/>
+              <dgm:constr type="w" for="ch" forName="wedge3" refType="w" fact="0.84"/>
+              <dgm:constr type="h" for="ch" forName="wedge3" refType="h" fact="0.84"/>
+              <dgm:constr type="l" for="ch" forName="wedge3Tx" refType="w" fact="0.62"/>
+              <dgm:constr type="t" for="ch" forName="wedge3Tx" refType="h" fact="0.58"/>
+              <dgm:constr type="w" for="ch" forName="wedge3Tx" refType="w" fact="0.22"/>
+              <dgm:constr type="h" for="ch" forName="wedge3Tx" refType="h" fact="0.16"/>
+              <dgm:constr type="l" for="ch" forName="wedge4" refType="w" fact="0.08"/>
+              <dgm:constr type="t" for="ch" forName="wedge4" refType="h" fact="0.08"/>
+              <dgm:constr type="w" for="ch" forName="wedge4" refType="w" fact="0.84"/>
+              <dgm:constr type="h" for="ch" forName="wedge4" refType="h" fact="0.84"/>
+              <dgm:constr type="l" for="ch" forName="wedge4Tx" refType="w" fact="0.3875"/>
+              <dgm:constr type="t" for="ch" forName="wedge4Tx" refType="h" fact="0.74"/>
+              <dgm:constr type="w" for="ch" forName="wedge4Tx" refType="w" fact="0.225"/>
+              <dgm:constr type="h" for="ch" forName="wedge4Tx" refType="h" fact="0.16"/>
+              <dgm:constr type="l" for="ch" forName="wedge5" refType="w" fact="0.08"/>
+              <dgm:constr type="t" for="ch" forName="wedge5" refType="h" fact="0.08"/>
+              <dgm:constr type="w" for="ch" forName="wedge5" refType="w" fact="0.84"/>
+              <dgm:constr type="h" for="ch" forName="wedge5" refType="h" fact="0.84"/>
+              <dgm:constr type="l" for="ch" forName="wedge5Tx" refType="w" fact="0.16"/>
+              <dgm:constr type="t" for="ch" forName="wedge5Tx" refType="h" fact="0.58"/>
+              <dgm:constr type="w" for="ch" forName="wedge5Tx" refType="w" fact="0.22"/>
+              <dgm:constr type="h" for="ch" forName="wedge5Tx" refType="h" fact="0.16"/>
+              <dgm:constr type="l" for="ch" forName="wedge6" refType="w" fact="0.08"/>
+              <dgm:constr type="t" for="ch" forName="wedge6" refType="h" fact="0.08"/>
+              <dgm:constr type="w" for="ch" forName="wedge6" refType="w" fact="0.84"/>
+              <dgm:constr type="h" for="ch" forName="wedge6" refType="h" fact="0.84"/>
+              <dgm:constr type="l" for="ch" forName="wedge6Tx" refType="w" fact="0.101"/>
+              <dgm:constr type="t" for="ch" forName="wedge6Tx" refType="h" fact="0.38"/>
+              <dgm:constr type="w" for="ch" forName="wedge6Tx" refType="w" fact="0.244"/>
+              <dgm:constr type="h" for="ch" forName="wedge6Tx" refType="h" fact="0.155"/>
+              <dgm:constr type="l" for="ch" forName="wedge7" refType="w" fact="0.08"/>
+              <dgm:constr type="t" for="ch" forName="wedge7" refType="h" fact="0.08"/>
+              <dgm:constr type="w" for="ch" forName="wedge7" refType="w" fact="0.84"/>
+              <dgm:constr type="h" for="ch" forName="wedge7" refType="h" fact="0.84"/>
+              <dgm:constr type="l" for="ch" forName="wedge7Tx" refType="w" fact="0.262"/>
+              <dgm:constr type="t" for="ch" forName="wedge7Tx" refType="h" fact="0.16"/>
+              <dgm:constr type="w" for="ch" forName="wedge7Tx" refType="w" fact="0.23"/>
+              <dgm:constr type="h" for="ch" forName="wedge7Tx" refType="h" fact="0.145"/>
+              <dgm:constr type="primFontSz" for="ch" ptType="node" op="equ"/>
+            </dgm:constrLst>
+          </dgm:if>
+          <dgm:else name="Name22">
+            <dgm:constrLst>
+              <dgm:constr type="l" for="ch" forName="wedge1" refType="w" fact="0.08"/>
+              <dgm:constr type="t" for="ch" forName="wedge1" refType="w" fact="0.08"/>
+              <dgm:constr type="w" for="ch" forName="wedge1" refType="w" fact="0.84"/>
+              <dgm:constr type="h" for="ch" forName="wedge1" refType="h" fact="0.84"/>
+              <dgm:constr type="l" for="ch" forName="wedge1Tx" refType="w" fact="0.508"/>
+              <dgm:constr type="t" for="ch" forName="wedge1Tx" refType="h" fact="0.16"/>
+              <dgm:constr type="w" for="ch" forName="wedge1Tx" refType="w" fact="0.23"/>
+              <dgm:constr type="h" for="ch" forName="wedge1Tx" refType="h" fact="0.145"/>
+              <dgm:constr type="l" for="ch" forName="wedge2" refType="w" fact="0.08"/>
+              <dgm:constr type="t" for="ch" forName="wedge2" refType="w" fact="0.08"/>
+              <dgm:constr type="w" for="ch" forName="wedge2" refType="w" fact="0.84"/>
+              <dgm:constr type="h" for="ch" forName="wedge2" refType="h" fact="0.84"/>
+              <dgm:constr type="l" for="ch" forName="wedge2Tx" refType="w" fact="0.655"/>
+              <dgm:constr type="t" for="ch" forName="wedge2Tx" refType="h" fact="0.38"/>
+              <dgm:constr type="w" for="ch" forName="wedge2Tx" refType="w" fact="0.244"/>
+              <dgm:constr type="h" for="ch" forName="wedge2Tx" refType="h" fact="0.155"/>
+              <dgm:constr type="l" for="ch" forName="wedge3" refType="w" fact="0.08"/>
+              <dgm:constr type="t" for="ch" forName="wedge3" refType="w" fact="0.08"/>
+              <dgm:constr type="w" for="ch" forName="wedge3" refType="w" fact="0.84"/>
+              <dgm:constr type="h" for="ch" forName="wedge3" refType="h" fact="0.84"/>
+              <dgm:constr type="l" for="ch" forName="wedge3Tx" refType="w" fact="0.62"/>
+              <dgm:constr type="t" for="ch" forName="wedge3Tx" refType="h" fact="0.58"/>
+              <dgm:constr type="w" for="ch" forName="wedge3Tx" refType="w" fact="0.22"/>
+              <dgm:constr type="h" for="ch" forName="wedge3Tx" refType="h" fact="0.16"/>
+              <dgm:constr type="l" for="ch" forName="wedge4" refType="w" fact="0.08"/>
+              <dgm:constr type="t" for="ch" forName="wedge4" refType="h" fact="0.08"/>
+              <dgm:constr type="w" for="ch" forName="wedge4" refType="w" fact="0.84"/>
+              <dgm:constr type="h" for="ch" forName="wedge4" refType="h" fact="0.84"/>
+              <dgm:constr type="l" for="ch" forName="wedge4Tx" refType="w" fact="0.3875"/>
+              <dgm:constr type="t" for="ch" forName="wedge4Tx" refType="h" fact="0.74"/>
+              <dgm:constr type="w" for="ch" forName="wedge4Tx" refType="w" fact="0.225"/>
+              <dgm:constr type="h" for="ch" forName="wedge4Tx" refType="h" fact="0.16"/>
+              <dgm:constr type="l" for="ch" forName="wedge5" refType="w" fact="0.08"/>
+              <dgm:constr type="t" for="ch" forName="wedge5" refType="h" fact="0.08"/>
+              <dgm:constr type="w" for="ch" forName="wedge5" refType="w" fact="0.84"/>
+              <dgm:constr type="h" for="ch" forName="wedge5" refType="h" fact="0.84"/>
+              <dgm:constr type="l" for="ch" forName="wedge5Tx" refType="w" fact="0.16"/>
+              <dgm:constr type="t" for="ch" forName="wedge5Tx" refType="h" fact="0.58"/>
+              <dgm:constr type="w" for="ch" forName="wedge5Tx" refType="w" fact="0.22"/>
+              <dgm:constr type="h" for="ch" forName="wedge5Tx" refType="h" fact="0.16"/>
+              <dgm:constr type="l" for="ch" forName="wedge6" refType="w" fact="0.08"/>
+              <dgm:constr type="t" for="ch" forName="wedge6" refType="h" fact="0.08"/>
+              <dgm:constr type="w" for="ch" forName="wedge6" refType="w" fact="0.84"/>
+              <dgm:constr type="h" for="ch" forName="wedge6" refType="h" fact="0.84"/>
+              <dgm:constr type="l" for="ch" forName="wedge6Tx" refType="w" fact="0.101"/>
+              <dgm:constr type="t" for="ch" forName="wedge6Tx" refType="h" fact="0.38"/>
+              <dgm:constr type="w" for="ch" forName="wedge6Tx" refType="w" fact="0.244"/>
+              <dgm:constr type="h" for="ch" forName="wedge6Tx" refType="h" fact="0.155"/>
+              <dgm:constr type="l" for="ch" forName="wedge7" refType="w" fact="0.0583"/>
+              <dgm:constr type="t" for="ch" forName="wedge7" refType="h" fact="0.035"/>
+              <dgm:constr type="w" for="ch" forName="wedge7" refType="w" fact="0.84"/>
+              <dgm:constr type="h" for="ch" forName="wedge7" refType="h" fact="0.84"/>
+              <dgm:constr type="l" for="ch" forName="wedge7Tx" refType="w" fact="0.2403"/>
+              <dgm:constr type="t" for="ch" forName="wedge7Tx" refType="h" fact="0.115"/>
+              <dgm:constr type="w" for="ch" forName="wedge7Tx" refType="w" fact="0.23"/>
+              <dgm:constr type="h" for="ch" forName="wedge7Tx" refType="h" fact="0.145"/>
+              <dgm:constr type="primFontSz" for="ch" ptType="node" op="equ"/>
+            </dgm:constrLst>
+          </dgm:else>
+        </dgm:choose>
+      </dgm:else>
+    </dgm:choose>
+    <dgm:ruleLst/>
+    <dgm:choose name="Name23">
+      <dgm:if name="Name24" axis="ch" ptType="node" func="cnt" op="gte" val="1">
+        <dgm:layoutNode name="wedge1">
+          <dgm:alg type="sp"/>
+          <dgm:choose name="Name25">
+            <dgm:if name="Name26" axis="ch" ptType="node" func="cnt" op="equ" val="1">
+              <dgm:shape xmlns:r="http://schemas.openxmlformats.org/officeDocument/2006/relationships" type="ellipse" r:blip="">
+                <dgm:adjLst/>
+              </dgm:shape>
+            </dgm:if>
+            <dgm:if name="Name27" axis="ch" ptType="node" func="cnt" op="equ" val="2">
+              <dgm:shape xmlns:r="http://schemas.openxmlformats.org/officeDocument/2006/relationships" type="pie" r:blip="">
+                <dgm:adjLst>
+                  <dgm:adj idx="1" val="270"/>
+                  <dgm:adj idx="2" val="90"/>
+                </dgm:adjLst>
+              </dgm:shape>
+            </dgm:if>
+            <dgm:if name="Name28" axis="ch" ptType="node" func="cnt" op="equ" val="3">
+              <dgm:shape xmlns:r="http://schemas.openxmlformats.org/officeDocument/2006/relationships" type="pie" r:blip="">
+                <dgm:adjLst>
+                  <dgm:adj idx="1" val="270"/>
+                  <dgm:adj idx="2" val="30"/>
+                </dgm:adjLst>
+              </dgm:shape>
+            </dgm:if>
+            <dgm:if name="Name29" axis="ch" ptType="node" func="cnt" op="equ" val="4">
+              <dgm:shape xmlns:r="http://schemas.openxmlformats.org/officeDocument/2006/relationships" type="pie" r:blip="">
+                <dgm:adjLst>
+                  <dgm:adj idx="1" val="270"/>
+                  <dgm:adj idx="2" val="0"/>
+                </dgm:adjLst>
+              </dgm:shape>
+            </dgm:if>
+            <dgm:if name="Name30" axis="ch" ptType="node" func="cnt" op="equ" val="5">
+              <dgm:shape xmlns:r="http://schemas.openxmlformats.org/officeDocument/2006/relationships" type="pie" r:blip="">
+                <dgm:adjLst>
+                  <dgm:adj idx="1" val="270"/>
+                  <dgm:adj idx="2" val="342"/>
+                </dgm:adjLst>
+              </dgm:shape>
+            </dgm:if>
+            <dgm:if name="Name31" axis="ch" ptType="node" func="cnt" op="equ" val="6">
+              <dgm:shape xmlns:r="http://schemas.openxmlformats.org/officeDocument/2006/relationships" type="pie" r:blip="">
+                <dgm:adjLst>
+                  <dgm:adj idx="1" val="270"/>
+                  <dgm:adj idx="2" val="330"/>
+                </dgm:adjLst>
+              </dgm:shape>
+            </dgm:if>
+            <dgm:else name="Name32">
+              <dgm:shape xmlns:r="http://schemas.openxmlformats.org/officeDocument/2006/relationships" type="pie" r:blip="">
+                <dgm:adjLst>
+                  <dgm:adj idx="1" val="270"/>
+                  <dgm:adj idx="2" val="321.4286"/>
+                </dgm:adjLst>
+              </dgm:shape>
+            </dgm:else>
+          </dgm:choose>
+          <dgm:choose name="Name33">
+            <dgm:if name="Name34" func="var" arg="dir" op="equ" val="norm">
+              <dgm:presOf axis="ch desOrSelf" ptType="node node" st="1 1" cnt="1 0"/>
+            </dgm:if>
+            <dgm:else name="Name35">
+              <dgm:choose name="Name36">
+                <dgm:if name="Name37" axis="ch" ptType="node" func="cnt" op="equ" val="1">
+                  <dgm:presOf axis="ch desOrSelf" ptType="node node" st="1 1" cnt="1 0"/>
+                </dgm:if>
+                <dgm:if name="Name38" axis="ch" ptType="node" func="cnt" op="equ" val="2">
+                  <dgm:presOf axis="ch desOrSelf" ptType="node node" st="2 1" cnt="1 0"/>
+                </dgm:if>
+                <dgm:if name="Name39" axis="ch" ptType="node" func="cnt" op="equ" val="3">
+                  <dgm:presOf axis="ch desOrSelf" ptType="node node" st="3 1" cnt="1 0"/>
+                </dgm:if>
+                <dgm:if name="Name40" axis="ch" ptType="node" func="cnt" op="equ" val="4">
+                  <dgm:presOf axis="ch desOrSelf" ptType="node node" st="4 1" cnt="1 0"/>
+                </dgm:if>
+                <dgm:if name="Name41" axis="ch" ptType="node" func="cnt" op="equ" val="5">
+                  <dgm:presOf axis="ch desOrSelf" ptType="node node" st="5 1" cnt="1 0"/>
+                </dgm:if>
+                <dgm:if name="Name42" axis="ch" ptType="node" func="cnt" op="equ" val="6">
+                  <dgm:presOf axis="ch desOrSelf" ptType="node node" st="6 1" cnt="1 0"/>
+                </dgm:if>
+                <dgm:else name="Name43">
+                  <dgm:presOf axis="ch desOrSelf" ptType="node node" st="7 1" cnt="1 0"/>
+                </dgm:else>
+              </dgm:choose>
+            </dgm:else>
+          </dgm:choose>
+          <dgm:constrLst/>
+          <dgm:ruleLst/>
+        </dgm:layoutNode>
+        <dgm:layoutNode name="wedge1Tx" moveWith="wedge1">
+          <dgm:varLst>
+            <dgm:chMax val="0"/>
+            <dgm:chPref val="0"/>
+            <dgm:bulletEnabled val="1"/>
+          </dgm:varLst>
+          <dgm:alg type="tx"/>
+          <dgm:shape xmlns:r="http://schemas.openxmlformats.org/officeDocument/2006/relationships" type="rect" r:blip="" hideGeom="1">
+            <dgm:adjLst/>
+          </dgm:shape>
+          <dgm:choose name="Name44">
+            <dgm:if name="Name45" func="var" arg="dir" op="equ" val="norm">
+              <dgm:presOf axis="ch desOrSelf" ptType="node node" st="1 1" cnt="1 0"/>
+            </dgm:if>
+            <dgm:else name="Name46">
+              <dgm:choose name="Name47">
+                <dgm:if name="Name48" axis="ch" ptType="node" func="cnt" op="equ" val="1">
+                  <dgm:presOf axis="ch desOrSelf" ptType="node node" st="1 1" cnt="1 0"/>
+                </dgm:if>
+                <dgm:if name="Name49" axis="ch" ptType="node" func="cnt" op="equ" val="2">
+                  <dgm:presOf axis="ch desOrSelf" ptType="node node" st="2 1" cnt="1 0"/>
+                </dgm:if>
+                <dgm:if name="Name50" axis="ch" ptType="node" func="cnt" op="equ" val="3">
+                  <dgm:presOf axis="ch desOrSelf" ptType="node node" st="3 1" cnt="1 0"/>
+                </dgm:if>
+                <dgm:if name="Name51" axis="ch" ptType="node" func="cnt" op="equ" val="4">
+                  <dgm:presOf axis="ch desOrSelf" ptType="node node" st="4 1" cnt="1 0"/>
+                </dgm:if>
+                <dgm:if name="Name52" axis="ch" ptType="node" func="cnt" op="equ" val="5">
+                  <dgm:presOf axis="ch desOrSelf" ptType="node node" st="5 1" cnt="1 0"/>
+                </dgm:if>
+                <dgm:if name="Name53" axis="ch" ptType="node" func="cnt" op="equ" val="6">
+                  <dgm:presOf axis="ch desOrSelf" ptType="node node" st="6 1" cnt="1 0"/>
+                </dgm:if>
+                <dgm:else name="Name54">
+                  <dgm:presOf axis="ch desOrSelf" ptType="node node" st="7 1" cnt="1 0"/>
+                </dgm:else>
+              </dgm:choose>
+            </dgm:else>
+          </dgm:choose>
+          <dgm:constrLst>
+            <dgm:constr type="tMarg" refType="primFontSz" fact="0.1"/>
+            <dgm:constr type="bMarg" refType="primFontSz" fact="0.1"/>
+            <dgm:constr type="lMarg" refType="primFontSz" fact="0.1"/>
+            <dgm:constr type="rMarg" refType="primFontSz" fact="0.1"/>
+            <dgm:constr type="primFontSz" val="65"/>
+          </dgm:constrLst>
+          <dgm:ruleLst>
+            <dgm:rule type="primFontSz" val="5" fact="NaN" max="NaN"/>
+          </dgm:ruleLst>
+        </dgm:layoutNode>
+      </dgm:if>
+      <dgm:else name="Name55"/>
+    </dgm:choose>
+    <dgm:choose name="Name56">
+      <dgm:if name="Name57" axis="ch" ptType="node" func="cnt" op="gte" val="2">
+        <dgm:layoutNode name="wedge2">
+          <dgm:alg type="sp"/>
+          <dgm:choose name="Name58">
+            <dgm:if name="Name59" axis="ch" ptType="node" func="cnt" op="equ" val="2">
+              <dgm:shape xmlns:r="http://schemas.openxmlformats.org/officeDocument/2006/relationships" type="pie" r:blip="">
+                <dgm:adjLst>
+                  <dgm:adj idx="1" val="90"/>
+                  <dgm:adj idx="2" val="270"/>
+                </dgm:adjLst>
+              </dgm:shape>
+            </dgm:if>
+            <dgm:if name="Name60" axis="ch" ptType="node" func="cnt" op="equ" val="3">
+              <dgm:shape xmlns:r="http://schemas.openxmlformats.org/officeDocument/2006/relationships" type="pie" r:blip="">
+                <dgm:adjLst>
+                  <dgm:adj idx="1" val="30"/>
+                  <dgm:adj idx="2" val="150"/>
+                </dgm:adjLst>
+              </dgm:shape>
+            </dgm:if>
+            <dgm:if name="Name61" axis="ch" ptType="node" func="cnt" op="equ" val="4">
+              <dgm:shape xmlns:r="http://schemas.openxmlformats.org/officeDocument/2006/relationships" type="pie" r:blip="">
+                <dgm:adjLst>
+                  <dgm:adj idx="1" val="0"/>
+                  <dgm:adj idx="2" val="90"/>
+                </dgm:adjLst>
+              </dgm:shape>
+            </dgm:if>
+            <dgm:if name="Name62" axis="ch" ptType="node" func="cnt" op="equ" val="5">
+              <dgm:shape xmlns:r="http://schemas.openxmlformats.org/officeDocument/2006/relationships" type="pie" r:blip="">
+                <dgm:adjLst>
+                  <dgm:adj idx="1" val="342"/>
+                  <dgm:adj idx="2" val="54"/>
+                </dgm:adjLst>
+              </dgm:shape>
+            </dgm:if>
+            <dgm:if name="Name63" axis="ch" ptType="node" func="cnt" op="equ" val="6">
+              <dgm:shape xmlns:r="http://schemas.openxmlformats.org/officeDocument/2006/relationships" type="pie" r:blip="">
+                <dgm:adjLst>
+                  <dgm:adj idx="1" val="330"/>
+                  <dgm:adj idx="2" val="30"/>
+                </dgm:adjLst>
+              </dgm:shape>
+            </dgm:if>
+            <dgm:else name="Name64">
+              <dgm:shape xmlns:r="http://schemas.openxmlformats.org/officeDocument/2006/relationships" type="pie" r:blip="">
+                <dgm:adjLst>
+                  <dgm:adj idx="1" val="321.4286"/>
+                  <dgm:adj idx="2" val="12.85714"/>
+                </dgm:adjLst>
+              </dgm:shape>
+            </dgm:else>
+          </dgm:choose>
+          <dgm:choose name="Name65">
+            <dgm:if name="Name66" func="var" arg="dir" op="equ" val="norm">
+              <dgm:presOf axis="ch desOrSelf" ptType="node node" st="2 1" cnt="1 0"/>
+            </dgm:if>
+            <dgm:else name="Name67">
+              <dgm:choose name="Name68">
+                <dgm:if name="Name69" axis="ch" ptType="node" func="cnt" op="equ" val="2">
+                  <dgm:presOf axis="ch desOrSelf" ptType="node node" st="1 1" cnt="1 0"/>
+                </dgm:if>
+                <dgm:if name="Name70" axis="ch" ptType="node" func="cnt" op="equ" val="3">
+                  <dgm:presOf axis="ch desOrSelf" ptType="node node" st="2 1" cnt="1 0"/>
+                </dgm:if>
+                <dgm:if name="Name71" axis="ch" ptType="node" func="cnt" op="equ" val="4">
+                  <dgm:presOf axis="ch desOrSelf" ptType="node node" st="3 1" cnt="1 0"/>
+                </dgm:if>
+                <dgm:if name="Name72" axis="ch" ptType="node" func="cnt" op="equ" val="5">
+                  <dgm:presOf axis="ch desOrSelf" ptType="node node" st="4 1" cnt="1 0"/>
+                </dgm:if>
+                <dgm:if name="Name73" axis="ch" ptType="node" func="cnt" op="equ" val="6">
+                  <dgm:presOf axis="ch desOrSelf" ptType="node node" st="5 1" cnt="1 0"/>
+                </dgm:if>
+                <dgm:else name="Name74">
+                  <dgm:presOf axis="ch desOrSelf" ptType="node node" st="6 1" cnt="1 0"/>
+                </dgm:else>
+              </dgm:choose>
+            </dgm:else>
+          </dgm:choose>
+          <dgm:constrLst/>
+          <dgm:ruleLst/>
+        </dgm:layoutNode>
+        <dgm:layoutNode name="wedge2Tx" moveWith="wedge2">
+          <dgm:varLst>
+            <dgm:chMax val="0"/>
+            <dgm:chPref val="0"/>
+            <dgm:bulletEnabled val="1"/>
+          </dgm:varLst>
+          <dgm:alg type="tx"/>
+          <dgm:shape xmlns:r="http://schemas.openxmlformats.org/officeDocument/2006/relationships" type="rect" r:blip="" hideGeom="1">
+            <dgm:adjLst/>
+          </dgm:shape>
+          <dgm:choose name="Name75">
+            <dgm:if name="Name76" func="var" arg="dir" op="equ" val="norm">
+              <dgm:presOf axis="ch desOrSelf" ptType="node node" st="2 1" cnt="1 0"/>
+            </dgm:if>
+            <dgm:else name="Name77">
+              <dgm:choose name="Name78">
+                <dgm:if name="Name79" axis="ch" ptType="node" func="cnt" op="equ" val="2">
+                  <dgm:presOf axis="ch desOrSelf" ptType="node node" st="1 1" cnt="1 0"/>
+                </dgm:if>
+                <dgm:if name="Name80" axis="ch" ptType="node" func="cnt" op="equ" val="3">
+                  <dgm:presOf axis="ch desOrSelf" ptType="node node" st="2 1" cnt="1 0"/>
+                </dgm:if>
+                <dgm:if name="Name81" axis="ch" ptType="node" func="cnt" op="equ" val="4">
+                  <dgm:presOf axis="ch desOrSelf" ptType="node node" st="3 1" cnt="1 0"/>
+                </dgm:if>
+                <dgm:if name="Name82" axis="ch" ptType="node" func="cnt" op="equ" val="5">
+                  <dgm:presOf axis="ch desOrSelf" ptType="node node" st="4 1" cnt="1 0"/>
+                </dgm:if>
+                <dgm:if name="Name83" axis="ch" ptType="node" func="cnt" op="equ" val="6">
+                  <dgm:presOf axis="ch desOrSelf" ptType="node node" st="5 1" cnt="1 0"/>
+                </dgm:if>
+                <dgm:else name="Name84">
+                  <dgm:presOf axis="ch desOrSelf" ptType="node node" st="6 1" cnt="1 0"/>
+                </dgm:else>
+              </dgm:choose>
+            </dgm:else>
+          </dgm:choose>
+          <dgm:constrLst>
+            <dgm:constr type="tMarg" refType="primFontSz" fact="0.1"/>
+            <dgm:constr type="bMarg" refType="primFontSz" fact="0.1"/>
+            <dgm:constr type="lMarg" refType="primFontSz" fact="0.1"/>
+            <dgm:constr type="rMarg" refType="primFontSz" fact="0.1"/>
+            <dgm:constr type="primFontSz" val="65"/>
+          </dgm:constrLst>
+          <dgm:ruleLst>
+            <dgm:rule type="primFontSz" val="5" fact="NaN" max="NaN"/>
+          </dgm:ruleLst>
+        </dgm:layoutNode>
+      </dgm:if>
+      <dgm:else name="Name85"/>
+    </dgm:choose>
+    <dgm:choose name="Name86">
+      <dgm:if name="Name87" axis="ch" ptType="node" func="cnt" op="gte" val="3">
+        <dgm:layoutNode name="wedge3">
+          <dgm:alg type="sp"/>
+          <dgm:choose name="Name88">
+            <dgm:if name="Name89" axis="ch" ptType="node" func="cnt" op="equ" val="3">
+              <dgm:shape xmlns:r="http://schemas.openxmlformats.org/officeDocument/2006/relationships" type="pie" r:blip="">
+                <dgm:adjLst>
+                  <dgm:adj idx="1" val="150"/>
+                  <dgm:adj idx="2" val="270"/>
+                </dgm:adjLst>
+              </dgm:shape>
+            </dgm:if>
+            <dgm:if name="Name90" axis="ch" ptType="node" func="cnt" op="equ" val="4">
+              <dgm:shape xmlns:r="http://schemas.openxmlformats.org/officeDocument/2006/relationships" type="pie" r:blip="">
+                <dgm:adjLst>
+                  <dgm:adj idx="1" val="90"/>
+                  <dgm:adj idx="2" val="180"/>
+                </dgm:adjLst>
+              </dgm:shape>
+            </dgm:if>
+            <dgm:if name="Name91" axis="ch" ptType="node" func="cnt" op="equ" val="5">
+              <dgm:shape xmlns:r="http://schemas.openxmlformats.org/officeDocument/2006/relationships" type="pie" r:blip="">
+                <dgm:adjLst>
+                  <dgm:adj idx="1" val="54"/>
+                  <dgm:adj idx="2" val="126"/>
+                </dgm:adjLst>
+              </dgm:shape>
+            </dgm:if>
+            <dgm:if name="Name92" axis="ch" ptType="node" func="cnt" op="equ" val="6">
+              <dgm:shape xmlns:r="http://schemas.openxmlformats.org/officeDocument/2006/relationships" type="pie" r:blip="">
+                <dgm:adjLst>
+                  <dgm:adj idx="1" val="30"/>
+                  <dgm:adj idx="2" val="90"/>
+                </dgm:adjLst>
+              </dgm:shape>
+            </dgm:if>
+            <dgm:else name="Name93">
+              <dgm:shape xmlns:r="http://schemas.openxmlformats.org/officeDocument/2006/relationships" type="pie" r:blip="">
+                <dgm:adjLst>
+                  <dgm:adj idx="1" val="12.85714"/>
+                  <dgm:adj idx="2" val="64.28571"/>
+                </dgm:adjLst>
+              </dgm:shape>
+            </dgm:else>
+          </dgm:choose>
+          <dgm:choose name="Name94">
+            <dgm:if name="Name95" func="var" arg="dir" op="equ" val="norm">
+              <dgm:presOf axis="ch desOrSelf" ptType="node node" st="3 1" cnt="1 0"/>
+            </dgm:if>
+            <dgm:else name="Name96">
+              <dgm:choose name="Name97">
+                <dgm:if name="Name98" axis="ch" ptType="node" func="cnt" op="equ" val="3">
+                  <dgm:presOf axis="ch desOrSelf" ptType="node node" st="1 1" cnt="1 0"/>
+                </dgm:if>
+                <dgm:if name="Name99" axis="ch" ptType="node" func="cnt" op="equ" val="4">
+                  <dgm:presOf axis="ch desOrSelf" ptType="node node" st="2 1" cnt="1 0"/>
+                </dgm:if>
+                <dgm:if name="Name100" axis="ch" ptType="node" func="cnt" op="equ" val="5">
+                  <dgm:presOf axis="ch desOrSelf" ptType="node node" st="3 1" cnt="1 0"/>
+                </dgm:if>
+                <dgm:if name="Name101" axis="ch" ptType="node" func="cnt" op="equ" val="6">
+                  <dgm:presOf axis="ch desOrSelf" ptType="node node" st="4 1" cnt="1 0"/>
+                </dgm:if>
+                <dgm:else name="Name102">
+                  <dgm:presOf axis="ch desOrSelf" ptType="node node" st="5 1" cnt="1 0"/>
+                </dgm:else>
+              </dgm:choose>
+            </dgm:else>
+          </dgm:choose>
+          <dgm:constrLst/>
+          <dgm:ruleLst/>
+        </dgm:layoutNode>
+        <dgm:layoutNode name="wedge3Tx" moveWith="wedge3">
+          <dgm:varLst>
+            <dgm:chMax val="0"/>
+            <dgm:chPref val="0"/>
+            <dgm:bulletEnabled val="1"/>
+          </dgm:varLst>
+          <dgm:alg type="tx"/>
+          <dgm:shape xmlns:r="http://schemas.openxmlformats.org/officeDocument/2006/relationships" type="rect" r:blip="" hideGeom="1">
+            <dgm:adjLst/>
+          </dgm:shape>
+          <dgm:choose name="Name103">
+            <dgm:if name="Name104" func="var" arg="dir" op="equ" val="norm">
+              <dgm:presOf axis="ch desOrSelf" ptType="node node" st="3 1" cnt="1 0"/>
+            </dgm:if>
+            <dgm:else name="Name105">
+              <dgm:choose name="Name106">
+                <dgm:if name="Name107" axis="ch" ptType="node" func="cnt" op="equ" val="3">
+                  <dgm:presOf axis="ch desOrSelf" ptType="node node" st="1 1" cnt="1 0"/>
+                </dgm:if>
+                <dgm:if name="Name108" axis="ch" ptType="node" func="cnt" op="equ" val="4">
+                  <dgm:presOf axis="ch desOrSelf" ptType="node node" st="2 1" cnt="1 0"/>
+                </dgm:if>
+                <dgm:if name="Name109" axis="ch" ptType="node" func="cnt" op="equ" val="5">
+                  <dgm:presOf axis="ch desOrSelf" ptType="node node" st="3 1" cnt="1 0"/>
+                </dgm:if>
+                <dgm:if name="Name110" axis="ch" ptType="node" func="cnt" op="equ" val="6">
+                  <dgm:presOf axis="ch desOrSelf" ptType="node node" st="4 1" cnt="1 0"/>
+                </dgm:if>
+                <dgm:else name="Name111">
+                  <dgm:presOf axis="ch desOrSelf" ptType="node node" st="5 1" cnt="1 0"/>
+                </dgm:else>
+              </dgm:choose>
+            </dgm:else>
+          </dgm:choose>
+          <dgm:constrLst>
+            <dgm:constr type="tMarg" refType="primFontSz" fact="0.1"/>
+            <dgm:constr type="bMarg" refType="primFontSz" fact="0.1"/>
+            <dgm:constr type="lMarg" refType="primFontSz" fact="0.1"/>
+            <dgm:constr type="rMarg" refType="primFontSz" fact="0.1"/>
+            <dgm:constr type="primFontSz" val="65"/>
+          </dgm:constrLst>
+          <dgm:ruleLst>
+            <dgm:rule type="primFontSz" val="5" fact="NaN" max="NaN"/>
+          </dgm:ruleLst>
+        </dgm:layoutNode>
+      </dgm:if>
+      <dgm:else name="Name112"/>
+    </dgm:choose>
+    <dgm:choose name="Name113">
+      <dgm:if name="Name114" axis="ch" ptType="node" func="cnt" op="gte" val="4">
+        <dgm:layoutNode name="wedge4">
+          <dgm:alg type="sp"/>
+          <dgm:choose name="Name115">
+            <dgm:if name="Name116" axis="ch" ptType="node" func="cnt" op="equ" val="4">
+              <dgm:shape xmlns:r="http://schemas.openxmlformats.org/officeDocument/2006/relationships" type="pie" r:blip="">
+                <dgm:adjLst>
+                  <dgm:adj idx="1" val="180"/>
+                  <dgm:adj idx="2" val="270"/>
+                </dgm:adjLst>
+              </dgm:shape>
+            </dgm:if>
+            <dgm:if name="Name117" axis="ch" ptType="node" func="cnt" op="equ" val="5">
+              <dgm:shape xmlns:r="http://schemas.openxmlformats.org/officeDocument/2006/relationships" type="pie" r:blip="">
+                <dgm:adjLst>
+                  <dgm:adj idx="1" val="126"/>
+                  <dgm:adj idx="2" val="198"/>
+                </dgm:adjLst>
+              </dgm:shape>
+            </dgm:if>
+            <dgm:if name="Name118" axis="ch" ptType="node" func="cnt" op="equ" val="6">
+              <dgm:shape xmlns:r="http://schemas.openxmlformats.org/officeDocument/2006/relationships" type="pie" r:blip="">
+                <dgm:adjLst>
+                  <dgm:adj idx="1" val="90"/>
+                  <dgm:adj idx="2" val="150"/>
+                </dgm:adjLst>
+              </dgm:shape>
+            </dgm:if>
+            <dgm:else name="Name119">
+              <dgm:shape xmlns:r="http://schemas.openxmlformats.org/officeDocument/2006/relationships" type="pie" r:blip="">
+                <dgm:adjLst>
+                  <dgm:adj idx="1" val="64.2871"/>
+                  <dgm:adj idx="2" val="115.7143"/>
+                </dgm:adjLst>
+              </dgm:shape>
+            </dgm:else>
+          </dgm:choose>
+          <dgm:choose name="Name120">
+            <dgm:if name="Name121" func="var" arg="dir" op="equ" val="norm">
+              <dgm:presOf axis="ch desOrSelf" ptType="node node" st="4 1" cnt="1 0"/>
+            </dgm:if>
+            <dgm:else name="Name122">
+              <dgm:choose name="Name123">
+                <dgm:if name="Name124" axis="ch" ptType="node" func="cnt" op="equ" val="4">
+                  <dgm:presOf axis="ch desOrSelf" ptType="node node" st="1 1" cnt="1 0"/>
+                </dgm:if>
+                <dgm:if name="Name125" axis="ch" ptType="node" func="cnt" op="equ" val="5">
+                  <dgm:presOf axis="ch desOrSelf" ptType="node node" st="2 1" cnt="1 0"/>
+                </dgm:if>
+                <dgm:if name="Name126" axis="ch" ptType="node" func="cnt" op="equ" val="6">
+                  <dgm:presOf axis="ch desOrSelf" ptType="node node" st="3 1" cnt="1 0"/>
+                </dgm:if>
+                <dgm:else name="Name127">
+                  <dgm:presOf axis="ch desOrSelf" ptType="node node" st="4 1" cnt="1 0"/>
+                </dgm:else>
+              </dgm:choose>
+            </dgm:else>
+          </dgm:choose>
+          <dgm:constrLst/>
+          <dgm:ruleLst/>
+        </dgm:layoutNode>
+        <dgm:layoutNode name="wedge4Tx" moveWith="wedge4">
+          <dgm:varLst>
+            <dgm:chMax val="0"/>
+            <dgm:chPref val="0"/>
+            <dgm:bulletEnabled val="1"/>
+          </dgm:varLst>
+          <dgm:alg type="tx"/>
+          <dgm:shape xmlns:r="http://schemas.openxmlformats.org/officeDocument/2006/relationships" type="rect" r:blip="" hideGeom="1">
+            <dgm:adjLst/>
+          </dgm:shape>
+          <dgm:choose name="Name128">
+            <dgm:if name="Name129" func="var" arg="dir" op="equ" val="norm">
+              <dgm:presOf axis="ch desOrSelf" ptType="node node" st="4 1" cnt="1 0"/>
+            </dgm:if>
+            <dgm:else name="Name130">
+              <dgm:choose name="Name131">
+                <dgm:if name="Name132" axis="ch" ptType="node" func="cnt" op="equ" val="4">
+                  <dgm:presOf axis="ch desOrSelf" ptType="node node" st="1 1" cnt="1 0"/>
+                </dgm:if>
+                <dgm:if name="Name133" axis="ch" ptType="node" func="cnt" op="equ" val="5">
+                  <dgm:presOf axis="ch desOrSelf" ptType="node node" st="2 1" cnt="1 0"/>
+                </dgm:if>
+                <dgm:if name="Name134" axis="ch" ptType="node" func="cnt" op="equ" val="6">
+                  <dgm:presOf axis="ch desOrSelf" ptType="node node" st="3 1" cnt="1 0"/>
+                </dgm:if>
+                <dgm:else name="Name135">
+                  <dgm:presOf axis="ch desOrSelf" ptType="node node" st="4 1" cnt="1 0"/>
+                </dgm:else>
+              </dgm:choose>
+            </dgm:else>
+          </dgm:choose>
+          <dgm:constrLst>
+            <dgm:constr type="tMarg" refType="primFontSz" fact="0.1"/>
+            <dgm:constr type="bMarg" refType="primFontSz" fact="0.1"/>
+            <dgm:constr type="lMarg" refType="primFontSz" fact="0.1"/>
+            <dgm:constr type="rMarg" refType="primFontSz" fact="0.1"/>
+            <dgm:constr type="primFontSz" val="65"/>
+          </dgm:constrLst>
+          <dgm:ruleLst>
+            <dgm:rule type="primFontSz" val="5" fact="NaN" max="NaN"/>
+          </dgm:ruleLst>
+        </dgm:layoutNode>
+      </dgm:if>
+      <dgm:else name="Name136"/>
+    </dgm:choose>
+    <dgm:choose name="Name137">
+      <dgm:if name="Name138" axis="ch" ptType="node" func="cnt" op="gte" val="5">
+        <dgm:layoutNode name="wedge5">
+          <dgm:alg type="sp"/>
+          <dgm:choose name="Name139">
+            <dgm:if name="Name140" axis="ch" ptType="node" func="cnt" op="equ" val="5">
+              <dgm:shape xmlns:r="http://schemas.openxmlformats.org/officeDocument/2006/relationships" type="pie" r:blip="">
+                <dgm:adjLst>
+                  <dgm:adj idx="1" val="198"/>
+                  <dgm:adj idx="2" val="270"/>
+                </dgm:adjLst>
+              </dgm:shape>
+            </dgm:if>
+            <dgm:if name="Name141" axis="ch" ptType="node" func="cnt" op="equ" val="6">
+              <dgm:shape xmlns:r="http://schemas.openxmlformats.org/officeDocument/2006/relationships" type="pie" r:blip="">
+                <dgm:adjLst>
+                  <dgm:adj idx="1" val="150"/>
+                  <dgm:adj idx="2" val="210"/>
+                </dgm:adjLst>
+              </dgm:shape>
+            </dgm:if>
+            <dgm:else name="Name142">
+              <dgm:shape xmlns:r="http://schemas.openxmlformats.org/officeDocument/2006/relationships" type="pie" r:blip="">
+                <dgm:adjLst>
+                  <dgm:adj idx="1" val="115.7143"/>
+                  <dgm:adj idx="2" val="167.1429"/>
+                </dgm:adjLst>
+              </dgm:shape>
+            </dgm:else>
+          </dgm:choose>
+          <dgm:choose name="Name143">
+            <dgm:if name="Name144" func="var" arg="dir" op="equ" val="norm">
+              <dgm:presOf axis="ch desOrSelf" ptType="node node" st="5 1" cnt="1 0"/>
+            </dgm:if>
+            <dgm:else name="Name145">
+              <dgm:choose name="Name146">
+                <dgm:if name="Name147" axis="ch" ptType="node" func="cnt" op="equ" val="5">
+                  <dgm:presOf axis="ch desOrSelf" ptType="node node" st="1 1" cnt="1 0"/>
+                </dgm:if>
+                <dgm:if name="Name148" axis="ch" ptType="node" func="cnt" op="equ" val="6">
+                  <dgm:presOf axis="ch desOrSelf" ptType="node node" st="2 1" cnt="1 0"/>
+                </dgm:if>
+                <dgm:else name="Name149">
+                  <dgm:presOf axis="ch desOrSelf" ptType="node node" st="3 1" cnt="1 0"/>
+                </dgm:else>
+              </dgm:choose>
+            </dgm:else>
+          </dgm:choose>
+          <dgm:constrLst/>
+          <dgm:ruleLst/>
+        </dgm:layoutNode>
+        <dgm:layoutNode name="wedge5Tx" moveWith="wedge5">
+          <dgm:varLst>
+            <dgm:chMax val="0"/>
+            <dgm:chPref val="0"/>
+            <dgm:bulletEnabled val="1"/>
+          </dgm:varLst>
+          <dgm:alg type="tx"/>
+          <dgm:shape xmlns:r="http://schemas.openxmlformats.org/officeDocument/2006/relationships" type="rect" r:blip="" hideGeom="1">
+            <dgm:adjLst/>
+          </dgm:shape>
+          <dgm:choose name="Name150">
+            <dgm:if name="Name151" func="var" arg="dir" op="equ" val="norm">
+              <dgm:presOf axis="ch desOrSelf" ptType="node node" st="5 1" cnt="1 0"/>
+            </dgm:if>
+            <dgm:else name="Name152">
+              <dgm:choose name="Name153">
+                <dgm:if name="Name154" axis="ch" ptType="node" func="cnt" op="equ" val="5">
+                  <dgm:presOf axis="ch desOrSelf" ptType="node node" st="1 1" cnt="1 0"/>
+                </dgm:if>
+                <dgm:if name="Name155" axis="ch" ptType="node" func="cnt" op="equ" val="6">
+                  <dgm:presOf axis="ch desOrSelf" ptType="node node" st="2 1" cnt="1 0"/>
+                </dgm:if>
+                <dgm:else name="Name156">
+                  <dgm:presOf axis="ch desOrSelf" ptType="node node" st="3 1" cnt="1 0"/>
+                </dgm:else>
+              </dgm:choose>
+            </dgm:else>
+          </dgm:choose>
+          <dgm:constrLst>
+            <dgm:constr type="tMarg" refType="primFontSz" fact="0.1"/>
+            <dgm:constr type="bMarg" refType="primFontSz" fact="0.1"/>
+            <dgm:constr type="lMarg" refType="primFontSz" fact="0.1"/>
+            <dgm:constr type="rMarg" refType="primFontSz" fact="0.1"/>
+            <dgm:constr type="primFontSz" val="65"/>
+          </dgm:constrLst>
+          <dgm:ruleLst>
+            <dgm:rule type="primFontSz" val="5" fact="NaN" max="NaN"/>
+          </dgm:ruleLst>
+        </dgm:layoutNode>
+      </dgm:if>
+      <dgm:else name="Name157"/>
+    </dgm:choose>
+    <dgm:choose name="Name158">
+      <dgm:if name="Name159" axis="ch" ptType="node" func="cnt" op="gte" val="6">
+        <dgm:layoutNode name="wedge6">
+          <dgm:alg type="sp"/>
+          <dgm:choose name="Name160">
+            <dgm:if name="Name161" axis="ch" ptType="node" func="cnt" op="equ" val="6">
+              <dgm:shape xmlns:r="http://schemas.openxmlformats.org/officeDocument/2006/relationships" type="pie" r:blip="">
+                <dgm:adjLst>
+                  <dgm:adj idx="1" val="210"/>
+                  <dgm:adj idx="2" val="270"/>
+                </dgm:adjLst>
+              </dgm:shape>
+            </dgm:if>
+            <dgm:else name="Name162">
+              <dgm:shape xmlns:r="http://schemas.openxmlformats.org/officeDocument/2006/relationships" type="pie" r:blip="">
+                <dgm:adjLst>
+                  <dgm:adj idx="1" val="167.1429"/>
+                  <dgm:adj idx="2" val="218.5714"/>
+                </dgm:adjLst>
+              </dgm:shape>
+            </dgm:else>
+          </dgm:choose>
+          <dgm:choose name="Name163">
+            <dgm:if name="Name164" func="var" arg="dir" op="equ" val="norm">
+              <dgm:presOf axis="ch desOrSelf" ptType="node node" st="6 1" cnt="1 0"/>
+            </dgm:if>
+            <dgm:else name="Name165">
+              <dgm:choose name="Name166">
+                <dgm:if name="Name167" axis="ch" ptType="node" func="cnt" op="equ" val="6">
+                  <dgm:presOf axis="ch desOrSelf" ptType="node node" st="1 1" cnt="1 0"/>
+                </dgm:if>
+                <dgm:else name="Name168">
+                  <dgm:presOf axis="ch desOrSelf" ptType="node node" st="2 1" cnt="1 0"/>
+                </dgm:else>
+              </dgm:choose>
+            </dgm:else>
+          </dgm:choose>
+          <dgm:constrLst/>
+          <dgm:ruleLst/>
+        </dgm:layoutNode>
+        <dgm:layoutNode name="wedge6Tx" moveWith="wedge6">
+          <dgm:varLst>
+            <dgm:chMax val="0"/>
+            <dgm:chPref val="0"/>
+            <dgm:bulletEnabled val="1"/>
+          </dgm:varLst>
+          <dgm:alg type="tx"/>
+          <dgm:shape xmlns:r="http://schemas.openxmlformats.org/officeDocument/2006/relationships" type="rect" r:blip="" hideGeom="1">
+            <dgm:adjLst/>
+          </dgm:shape>
+          <dgm:choose name="Name169">
+            <dgm:if name="Name170" func="var" arg="dir" op="equ" val="norm">
+              <dgm:presOf axis="ch desOrSelf" ptType="node node" st="6 1" cnt="1 0"/>
+            </dgm:if>
+            <dgm:else name="Name171">
+              <dgm:choose name="Name172">
+                <dgm:if name="Name173" axis="ch" ptType="node" func="cnt" op="equ" val="6">
+                  <dgm:presOf axis="ch desOrSelf" ptType="node node" st="1 1" cnt="1 0"/>
+                </dgm:if>
+                <dgm:else name="Name174">
+                  <dgm:presOf axis="ch desOrSelf" ptType="node node" st="2 1" cnt="1 0"/>
+                </dgm:else>
+              </dgm:choose>
+            </dgm:else>
+          </dgm:choose>
+          <dgm:constrLst>
+            <dgm:constr type="tMarg" refType="primFontSz" fact="0.1"/>
+            <dgm:constr type="bMarg" refType="primFontSz" fact="0.1"/>
+            <dgm:constr type="lMarg" refType="primFontSz" fact="0.1"/>
+            <dgm:constr type="rMarg" refType="primFontSz" fact="0.1"/>
+            <dgm:constr type="primFontSz" val="65"/>
+          </dgm:constrLst>
+          <dgm:ruleLst>
+            <dgm:rule type="primFontSz" val="5" fact="NaN" max="NaN"/>
+          </dgm:ruleLst>
+        </dgm:layoutNode>
+      </dgm:if>
+      <dgm:else name="Name175"/>
+    </dgm:choose>
+    <dgm:choose name="Name176">
+      <dgm:if name="Name177" axis="ch" ptType="node" func="cnt" op="gte" val="7">
+        <dgm:layoutNode name="wedge7">
+          <dgm:alg type="sp"/>
+          <dgm:shape xmlns:r="http://schemas.openxmlformats.org/officeDocument/2006/relationships" type="pie" r:blip="">
+            <dgm:adjLst>
+              <dgm:adj idx="1" val="218.5714"/>
+              <dgm:adj idx="2" val="270"/>
+            </dgm:adjLst>
+          </dgm:shape>
+          <dgm:choose name="Name178">
+            <dgm:if name="Name179" func="var" arg="dir" op="equ" val="norm">
+              <dgm:presOf axis="ch desOrSelf" ptType="node node" st="7 1" cnt="1 0"/>
+            </dgm:if>
+            <dgm:else name="Name180">
+              <dgm:presOf axis="ch desOrSelf" ptType="node node" st="1 1" cnt="1 0"/>
+            </dgm:else>
+          </dgm:choose>
+          <dgm:constrLst/>
+          <dgm:ruleLst/>
+        </dgm:layoutNode>
+        <dgm:layoutNode name="wedge7Tx" moveWith="wedge7">
+          <dgm:varLst>
+            <dgm:chMax val="0"/>
+            <dgm:chPref val="0"/>
+            <dgm:bulletEnabled val="1"/>
+          </dgm:varLst>
+          <dgm:alg type="tx"/>
+          <dgm:shape xmlns:r="http://schemas.openxmlformats.org/officeDocument/2006/relationships" type="rect" r:blip="" hideGeom="1">
+            <dgm:adjLst/>
+          </dgm:shape>
+          <dgm:choose name="Name181">
+            <dgm:if name="Name182" func="var" arg="dir" op="equ" val="norm">
+              <dgm:presOf axis="ch desOrSelf" ptType="node node" st="7 1" cnt="1 0"/>
+            </dgm:if>
+            <dgm:else name="Name183">
+              <dgm:presOf axis="ch desOrSelf" ptType="node node" st="1 1" cnt="1 0"/>
+            </dgm:else>
+          </dgm:choose>
+          <dgm:constrLst>
+            <dgm:constr type="tMarg" refType="primFontSz" fact="0.1"/>
+            <dgm:constr type="bMarg" refType="primFontSz" fact="0.1"/>
+            <dgm:constr type="lMarg" refType="primFontSz" fact="0.1"/>
+            <dgm:constr type="rMarg" refType="primFontSz" fact="0.1"/>
+            <dgm:constr type="primFontSz" val="65"/>
+          </dgm:constrLst>
+          <dgm:ruleLst>
+            <dgm:rule type="primFontSz" val="5" fact="NaN" max="NaN"/>
+          </dgm:ruleLst>
+        </dgm:layoutNode>
+      </dgm:if>
+      <dgm:else name="Name184"/>
+    </dgm:choose>
+  </dgm:layoutNode>
+</dgm:layoutDef>
+</file>
+
+<file path=ppt/diagrams/layout4.xml><?xml version="1.0" encoding="utf-8"?>
 <dgm:layoutDef xmlns:dgm="http://schemas.openxmlformats.org/drawingml/2006/diagram" xmlns:a="http://schemas.openxmlformats.org/drawingml/2006/main" uniqueId="urn:microsoft.com/office/officeart/2005/8/layout/hList1">
   <dgm:title val=""/>
   <dgm:desc val=""/>
@@ -11247,6 +13889,1040 @@
 </file>
 
 <file path=ppt/diagrams/quickStyle3.xml><?xml version="1.0" encoding="utf-8"?>
+<dgm:styleDef xmlns:dgm="http://schemas.openxmlformats.org/drawingml/2006/diagram" xmlns:a="http://schemas.openxmlformats.org/drawingml/2006/main" uniqueId="urn:microsoft.com/office/officeart/2005/8/quickstyle/simple1">
+  <dgm:title val=""/>
+  <dgm:desc val=""/>
+  <dgm:catLst>
+    <dgm:cat type="simple" pri="10100"/>
+  </dgm:catLst>
+  <dgm:scene3d>
+    <a:camera prst="orthographicFront"/>
+    <a:lightRig rig="threePt" dir="t"/>
+  </dgm:scene3d>
+  <dgm:styleLbl name="node0">
+    <dgm:scene3d>
+      <a:camera prst="orthographicFront"/>
+      <a:lightRig rig="threePt" dir="t"/>
+    </dgm:scene3d>
+    <dgm:sp3d/>
+    <dgm:txPr/>
+    <dgm:style>
+      <a:lnRef idx="2">
+        <a:scrgbClr r="0" g="0" b="0"/>
+      </a:lnRef>
+      <a:fillRef idx="1">
+        <a:scrgbClr r="0" g="0" b="0"/>
+      </a:fillRef>
+      <a:effectRef idx="0">
+        <a:scrgbClr r="0" g="0" b="0"/>
+      </a:effectRef>
+      <a:fontRef idx="minor">
+        <a:schemeClr val="lt1"/>
+      </a:fontRef>
+    </dgm:style>
+  </dgm:styleLbl>
+  <dgm:styleLbl name="lnNode1">
+    <dgm:scene3d>
+      <a:camera prst="orthographicFront"/>
+      <a:lightRig rig="threePt" dir="t"/>
+    </dgm:scene3d>
+    <dgm:sp3d/>
+    <dgm:txPr/>
+    <dgm:style>
+      <a:lnRef idx="2">
+        <a:scrgbClr r="0" g="0" b="0"/>
+      </a:lnRef>
+      <a:fillRef idx="1">
+        <a:scrgbClr r="0" g="0" b="0"/>
+      </a:fillRef>
+      <a:effectRef idx="0">
+        <a:scrgbClr r="0" g="0" b="0"/>
+      </a:effectRef>
+      <a:fontRef idx="minor">
+        <a:schemeClr val="lt1"/>
+      </a:fontRef>
+    </dgm:style>
+  </dgm:styleLbl>
+  <dgm:styleLbl name="vennNode1">
+    <dgm:scene3d>
+      <a:camera prst="orthographicFront"/>
+      <a:lightRig rig="threePt" dir="t"/>
+    </dgm:scene3d>
+    <dgm:sp3d/>
+    <dgm:txPr/>
+    <dgm:style>
+      <a:lnRef idx="2">
+        <a:scrgbClr r="0" g="0" b="0"/>
+      </a:lnRef>
+      <a:fillRef idx="1">
+        <a:scrgbClr r="0" g="0" b="0"/>
+      </a:fillRef>
+      <a:effectRef idx="0">
+        <a:scrgbClr r="0" g="0" b="0"/>
+      </a:effectRef>
+      <a:fontRef idx="minor">
+        <a:schemeClr val="tx1"/>
+      </a:fontRef>
+    </dgm:style>
+  </dgm:styleLbl>
+  <dgm:styleLbl name="alignNode1">
+    <dgm:scene3d>
+      <a:camera prst="orthographicFront"/>
+      <a:lightRig rig="threePt" dir="t"/>
+    </dgm:scene3d>
+    <dgm:sp3d/>
+    <dgm:txPr/>
+    <dgm:style>
+      <a:lnRef idx="2">
+        <a:scrgbClr r="0" g="0" b="0"/>
+      </a:lnRef>
+      <a:fillRef idx="1">
+        <a:scrgbClr r="0" g="0" b="0"/>
+      </a:fillRef>
+      <a:effectRef idx="0">
+        <a:scrgbClr r="0" g="0" b="0"/>
+      </a:effectRef>
+      <a:fontRef idx="minor">
+        <a:schemeClr val="lt1"/>
+      </a:fontRef>
+    </dgm:style>
+  </dgm:styleLbl>
+  <dgm:styleLbl name="node1">
+    <dgm:scene3d>
+      <a:camera prst="orthographicFront"/>
+      <a:lightRig rig="threePt" dir="t"/>
+    </dgm:scene3d>
+    <dgm:sp3d/>
+    <dgm:txPr/>
+    <dgm:style>
+      <a:lnRef idx="2">
+        <a:scrgbClr r="0" g="0" b="0"/>
+      </a:lnRef>
+      <a:fillRef idx="1">
+        <a:scrgbClr r="0" g="0" b="0"/>
+      </a:fillRef>
+      <a:effectRef idx="0">
+        <a:scrgbClr r="0" g="0" b="0"/>
+      </a:effectRef>
+      <a:fontRef idx="minor">
+        <a:schemeClr val="lt1"/>
+      </a:fontRef>
+    </dgm:style>
+  </dgm:styleLbl>
+  <dgm:styleLbl name="node2">
+    <dgm:scene3d>
+      <a:camera prst="orthographicFront"/>
+      <a:lightRig rig="threePt" dir="t"/>
+    </dgm:scene3d>
+    <dgm:sp3d/>
+    <dgm:txPr/>
+    <dgm:style>
+      <a:lnRef idx="2">
+        <a:scrgbClr r="0" g="0" b="0"/>
+      </a:lnRef>
+      <a:fillRef idx="1">
+        <a:scrgbClr r="0" g="0" b="0"/>
+      </a:fillRef>
+      <a:effectRef idx="0">
+        <a:scrgbClr r="0" g="0" b="0"/>
+      </a:effectRef>
+      <a:fontRef idx="minor">
+        <a:schemeClr val="lt1"/>
+      </a:fontRef>
+    </dgm:style>
+  </dgm:styleLbl>
+  <dgm:styleLbl name="node3">
+    <dgm:scene3d>
+      <a:camera prst="orthographicFront"/>
+      <a:lightRig rig="threePt" dir="t"/>
+    </dgm:scene3d>
+    <dgm:sp3d/>
+    <dgm:txPr/>
+    <dgm:style>
+      <a:lnRef idx="2">
+        <a:scrgbClr r="0" g="0" b="0"/>
+      </a:lnRef>
+      <a:fillRef idx="1">
+        <a:scrgbClr r="0" g="0" b="0"/>
+      </a:fillRef>
+      <a:effectRef idx="0">
+        <a:scrgbClr r="0" g="0" b="0"/>
+      </a:effectRef>
+      <a:fontRef idx="minor">
+        <a:schemeClr val="lt1"/>
+      </a:fontRef>
+    </dgm:style>
+  </dgm:styleLbl>
+  <dgm:styleLbl name="node4">
+    <dgm:scene3d>
+      <a:camera prst="orthographicFront"/>
+      <a:lightRig rig="threePt" dir="t"/>
+    </dgm:scene3d>
+    <dgm:sp3d/>
+    <dgm:txPr/>
+    <dgm:style>
+      <a:lnRef idx="2">
+        <a:scrgbClr r="0" g="0" b="0"/>
+      </a:lnRef>
+      <a:fillRef idx="1">
+        <a:scrgbClr r="0" g="0" b="0"/>
+      </a:fillRef>
+      <a:effectRef idx="0">
+        <a:scrgbClr r="0" g="0" b="0"/>
+      </a:effectRef>
+      <a:fontRef idx="minor">
+        <a:schemeClr val="lt1"/>
+      </a:fontRef>
+    </dgm:style>
+  </dgm:styleLbl>
+  <dgm:styleLbl name="fgImgPlace1">
+    <dgm:scene3d>
+      <a:camera prst="orthographicFront"/>
+      <a:lightRig rig="threePt" dir="t"/>
+    </dgm:scene3d>
+    <dgm:sp3d/>
+    <dgm:txPr/>
+    <dgm:style>
+      <a:lnRef idx="2">
+        <a:scrgbClr r="0" g="0" b="0"/>
+      </a:lnRef>
+      <a:fillRef idx="1">
+        <a:scrgbClr r="0" g="0" b="0"/>
+      </a:fillRef>
+      <a:effectRef idx="0">
+        <a:scrgbClr r="0" g="0" b="0"/>
+      </a:effectRef>
+      <a:fontRef idx="minor"/>
+    </dgm:style>
+  </dgm:styleLbl>
+  <dgm:styleLbl name="alignImgPlace1">
+    <dgm:scene3d>
+      <a:camera prst="orthographicFront"/>
+      <a:lightRig rig="threePt" dir="t"/>
+    </dgm:scene3d>
+    <dgm:sp3d/>
+    <dgm:txPr/>
+    <dgm:style>
+      <a:lnRef idx="2">
+        <a:scrgbClr r="0" g="0" b="0"/>
+      </a:lnRef>
+      <a:fillRef idx="1">
+        <a:scrgbClr r="0" g="0" b="0"/>
+      </a:fillRef>
+      <a:effectRef idx="0">
+        <a:scrgbClr r="0" g="0" b="0"/>
+      </a:effectRef>
+      <a:fontRef idx="minor"/>
+    </dgm:style>
+  </dgm:styleLbl>
+  <dgm:styleLbl name="bgImgPlace1">
+    <dgm:scene3d>
+      <a:camera prst="orthographicFront"/>
+      <a:lightRig rig="threePt" dir="t"/>
+    </dgm:scene3d>
+    <dgm:sp3d/>
+    <dgm:txPr/>
+    <dgm:style>
+      <a:lnRef idx="2">
+        <a:scrgbClr r="0" g="0" b="0"/>
+      </a:lnRef>
+      <a:fillRef idx="1">
+        <a:scrgbClr r="0" g="0" b="0"/>
+      </a:fillRef>
+      <a:effectRef idx="0">
+        <a:scrgbClr r="0" g="0" b="0"/>
+      </a:effectRef>
+      <a:fontRef idx="minor"/>
+    </dgm:style>
+  </dgm:styleLbl>
+  <dgm:styleLbl name="sibTrans2D1">
+    <dgm:scene3d>
+      <a:camera prst="orthographicFront"/>
+      <a:lightRig rig="threePt" dir="t"/>
+    </dgm:scene3d>
+    <dgm:sp3d/>
+    <dgm:txPr/>
+    <dgm:style>
+      <a:lnRef idx="0">
+        <a:scrgbClr r="0" g="0" b="0"/>
+      </a:lnRef>
+      <a:fillRef idx="1">
+        <a:scrgbClr r="0" g="0" b="0"/>
+      </a:fillRef>
+      <a:effectRef idx="0">
+        <a:scrgbClr r="0" g="0" b="0"/>
+      </a:effectRef>
+      <a:fontRef idx="minor">
+        <a:schemeClr val="lt1"/>
+      </a:fontRef>
+    </dgm:style>
+  </dgm:styleLbl>
+  <dgm:styleLbl name="fgSibTrans2D1">
+    <dgm:scene3d>
+      <a:camera prst="orthographicFront"/>
+      <a:lightRig rig="threePt" dir="t"/>
+    </dgm:scene3d>
+    <dgm:sp3d/>
+    <dgm:txPr/>
+    <dgm:style>
+      <a:lnRef idx="0">
+        <a:scrgbClr r="0" g="0" b="0"/>
+      </a:lnRef>
+      <a:fillRef idx="1">
+        <a:scrgbClr r="0" g="0" b="0"/>
+      </a:fillRef>
+      <a:effectRef idx="0">
+        <a:scrgbClr r="0" g="0" b="0"/>
+      </a:effectRef>
+      <a:fontRef idx="minor">
+        <a:schemeClr val="lt1"/>
+      </a:fontRef>
+    </dgm:style>
+  </dgm:styleLbl>
+  <dgm:styleLbl name="bgSibTrans2D1">
+    <dgm:scene3d>
+      <a:camera prst="orthographicFront"/>
+      <a:lightRig rig="threePt" dir="t"/>
+    </dgm:scene3d>
+    <dgm:sp3d/>
+    <dgm:txPr/>
+    <dgm:style>
+      <a:lnRef idx="0">
+        <a:scrgbClr r="0" g="0" b="0"/>
+      </a:lnRef>
+      <a:fillRef idx="1">
+        <a:scrgbClr r="0" g="0" b="0"/>
+      </a:fillRef>
+      <a:effectRef idx="0">
+        <a:scrgbClr r="0" g="0" b="0"/>
+      </a:effectRef>
+      <a:fontRef idx="minor">
+        <a:schemeClr val="lt1"/>
+      </a:fontRef>
+    </dgm:style>
+  </dgm:styleLbl>
+  <dgm:styleLbl name="sibTrans1D1">
+    <dgm:scene3d>
+      <a:camera prst="orthographicFront"/>
+      <a:lightRig rig="threePt" dir="t"/>
+    </dgm:scene3d>
+    <dgm:sp3d/>
+    <dgm:txPr/>
+    <dgm:style>
+      <a:lnRef idx="1">
+        <a:scrgbClr r="0" g="0" b="0"/>
+      </a:lnRef>
+      <a:fillRef idx="0">
+        <a:scrgbClr r="0" g="0" b="0"/>
+      </a:fillRef>
+      <a:effectRef idx="0">
+        <a:scrgbClr r="0" g="0" b="0"/>
+      </a:effectRef>
+      <a:fontRef idx="minor"/>
+    </dgm:style>
+  </dgm:styleLbl>
+  <dgm:styleLbl name="callout">
+    <dgm:scene3d>
+      <a:camera prst="orthographicFront"/>
+      <a:lightRig rig="threePt" dir="t"/>
+    </dgm:scene3d>
+    <dgm:sp3d/>
+    <dgm:txPr/>
+    <dgm:style>
+      <a:lnRef idx="2">
+        <a:scrgbClr r="0" g="0" b="0"/>
+      </a:lnRef>
+      <a:fillRef idx="1">
+        <a:scrgbClr r="0" g="0" b="0"/>
+      </a:fillRef>
+      <a:effectRef idx="0">
+        <a:scrgbClr r="0" g="0" b="0"/>
+      </a:effectRef>
+      <a:fontRef idx="minor"/>
+    </dgm:style>
+  </dgm:styleLbl>
+  <dgm:styleLbl name="asst0">
+    <dgm:scene3d>
+      <a:camera prst="orthographicFront"/>
+      <a:lightRig rig="threePt" dir="t"/>
+    </dgm:scene3d>
+    <dgm:sp3d/>
+    <dgm:txPr/>
+    <dgm:style>
+      <a:lnRef idx="2">
+        <a:scrgbClr r="0" g="0" b="0"/>
+      </a:lnRef>
+      <a:fillRef idx="1">
+        <a:scrgbClr r="0" g="0" b="0"/>
+      </a:fillRef>
+      <a:effectRef idx="0">
+        <a:scrgbClr r="0" g="0" b="0"/>
+      </a:effectRef>
+      <a:fontRef idx="minor">
+        <a:schemeClr val="lt1"/>
+      </a:fontRef>
+    </dgm:style>
+  </dgm:styleLbl>
+  <dgm:styleLbl name="asst1">
+    <dgm:scene3d>
+      <a:camera prst="orthographicFront"/>
+      <a:lightRig rig="threePt" dir="t"/>
+    </dgm:scene3d>
+    <dgm:sp3d/>
+    <dgm:txPr/>
+    <dgm:style>
+      <a:lnRef idx="2">
+        <a:scrgbClr r="0" g="0" b="0"/>
+      </a:lnRef>
+      <a:fillRef idx="1">
+        <a:scrgbClr r="0" g="0" b="0"/>
+      </a:fillRef>
+      <a:effectRef idx="0">
+        <a:scrgbClr r="0" g="0" b="0"/>
+      </a:effectRef>
+      <a:fontRef idx="minor">
+        <a:schemeClr val="lt1"/>
+      </a:fontRef>
+    </dgm:style>
+  </dgm:styleLbl>
+  <dgm:styleLbl name="asst2">
+    <dgm:scene3d>
+      <a:camera prst="orthographicFront"/>
+      <a:lightRig rig="threePt" dir="t"/>
+    </dgm:scene3d>
+    <dgm:sp3d/>
+    <dgm:txPr/>
+    <dgm:style>
+      <a:lnRef idx="2">
+        <a:scrgbClr r="0" g="0" b="0"/>
+      </a:lnRef>
+      <a:fillRef idx="1">
+        <a:scrgbClr r="0" g="0" b="0"/>
+      </a:fillRef>
+      <a:effectRef idx="0">
+        <a:scrgbClr r="0" g="0" b="0"/>
+      </a:effectRef>
+      <a:fontRef idx="minor">
+        <a:schemeClr val="lt1"/>
+      </a:fontRef>
+    </dgm:style>
+  </dgm:styleLbl>
+  <dgm:styleLbl name="asst3">
+    <dgm:scene3d>
+      <a:camera prst="orthographicFront"/>
+      <a:lightRig rig="threePt" dir="t"/>
+    </dgm:scene3d>
+    <dgm:sp3d/>
+    <dgm:txPr/>
+    <dgm:style>
+      <a:lnRef idx="2">
+        <a:scrgbClr r="0" g="0" b="0"/>
+      </a:lnRef>
+      <a:fillRef idx="1">
+        <a:scrgbClr r="0" g="0" b="0"/>
+      </a:fillRef>
+      <a:effectRef idx="0">
+        <a:scrgbClr r="0" g="0" b="0"/>
+      </a:effectRef>
+      <a:fontRef idx="minor">
+        <a:schemeClr val="lt1"/>
+      </a:fontRef>
+    </dgm:style>
+  </dgm:styleLbl>
+  <dgm:styleLbl name="asst4">
+    <dgm:scene3d>
+      <a:camera prst="orthographicFront"/>
+      <a:lightRig rig="threePt" dir="t"/>
+    </dgm:scene3d>
+    <dgm:sp3d/>
+    <dgm:txPr/>
+    <dgm:style>
+      <a:lnRef idx="2">
+        <a:scrgbClr r="0" g="0" b="0"/>
+      </a:lnRef>
+      <a:fillRef idx="1">
+        <a:scrgbClr r="0" g="0" b="0"/>
+      </a:fillRef>
+      <a:effectRef idx="0">
+        <a:scrgbClr r="0" g="0" b="0"/>
+      </a:effectRef>
+      <a:fontRef idx="minor">
+        <a:schemeClr val="lt1"/>
+      </a:fontRef>
+    </dgm:style>
+  </dgm:styleLbl>
+  <dgm:styleLbl name="parChTrans2D1">
+    <dgm:scene3d>
+      <a:camera prst="orthographicFront"/>
+      <a:lightRig rig="threePt" dir="t"/>
+    </dgm:scene3d>
+    <dgm:sp3d/>
+    <dgm:txPr/>
+    <dgm:style>
+      <a:lnRef idx="2">
+        <a:scrgbClr r="0" g="0" b="0"/>
+      </a:lnRef>
+      <a:fillRef idx="1">
+        <a:scrgbClr r="0" g="0" b="0"/>
+      </a:fillRef>
+      <a:effectRef idx="0">
+        <a:scrgbClr r="0" g="0" b="0"/>
+      </a:effectRef>
+      <a:fontRef idx="minor">
+        <a:schemeClr val="lt1"/>
+      </a:fontRef>
+    </dgm:style>
+  </dgm:styleLbl>
+  <dgm:styleLbl name="parChTrans2D2">
+    <dgm:scene3d>
+      <a:camera prst="orthographicFront"/>
+      <a:lightRig rig="threePt" dir="t"/>
+    </dgm:scene3d>
+    <dgm:sp3d/>
+    <dgm:txPr/>
+    <dgm:style>
+      <a:lnRef idx="2">
+        <a:scrgbClr r="0" g="0" b="0"/>
+      </a:lnRef>
+      <a:fillRef idx="1">
+        <a:scrgbClr r="0" g="0" b="0"/>
+      </a:fillRef>
+      <a:effectRef idx="0">
+        <a:scrgbClr r="0" g="0" b="0"/>
+      </a:effectRef>
+      <a:fontRef idx="minor">
+        <a:schemeClr val="lt1"/>
+      </a:fontRef>
+    </dgm:style>
+  </dgm:styleLbl>
+  <dgm:styleLbl name="parChTrans2D3">
+    <dgm:scene3d>
+      <a:camera prst="orthographicFront"/>
+      <a:lightRig rig="threePt" dir="t"/>
+    </dgm:scene3d>
+    <dgm:sp3d/>
+    <dgm:txPr/>
+    <dgm:style>
+      <a:lnRef idx="2">
+        <a:scrgbClr r="0" g="0" b="0"/>
+      </a:lnRef>
+      <a:fillRef idx="1">
+        <a:scrgbClr r="0" g="0" b="0"/>
+      </a:fillRef>
+      <a:effectRef idx="0">
+        <a:scrgbClr r="0" g="0" b="0"/>
+      </a:effectRef>
+      <a:fontRef idx="minor">
+        <a:schemeClr val="lt1"/>
+      </a:fontRef>
+    </dgm:style>
+  </dgm:styleLbl>
+  <dgm:styleLbl name="parChTrans2D4">
+    <dgm:scene3d>
+      <a:camera prst="orthographicFront"/>
+      <a:lightRig rig="threePt" dir="t"/>
+    </dgm:scene3d>
+    <dgm:sp3d/>
+    <dgm:txPr/>
+    <dgm:style>
+      <a:lnRef idx="2">
+        <a:scrgbClr r="0" g="0" b="0"/>
+      </a:lnRef>
+      <a:fillRef idx="1">
+        <a:scrgbClr r="0" g="0" b="0"/>
+      </a:fillRef>
+      <a:effectRef idx="0">
+        <a:scrgbClr r="0" g="0" b="0"/>
+      </a:effectRef>
+      <a:fontRef idx="minor">
+        <a:schemeClr val="lt1"/>
+      </a:fontRef>
+    </dgm:style>
+  </dgm:styleLbl>
+  <dgm:styleLbl name="parChTrans1D1">
+    <dgm:scene3d>
+      <a:camera prst="orthographicFront"/>
+      <a:lightRig rig="threePt" dir="t"/>
+    </dgm:scene3d>
+    <dgm:sp3d/>
+    <dgm:txPr/>
+    <dgm:style>
+      <a:lnRef idx="2">
+        <a:scrgbClr r="0" g="0" b="0"/>
+      </a:lnRef>
+      <a:fillRef idx="0">
+        <a:scrgbClr r="0" g="0" b="0"/>
+      </a:fillRef>
+      <a:effectRef idx="0">
+        <a:scrgbClr r="0" g="0" b="0"/>
+      </a:effectRef>
+      <a:fontRef idx="minor"/>
+    </dgm:style>
+  </dgm:styleLbl>
+  <dgm:styleLbl name="parChTrans1D2">
+    <dgm:scene3d>
+      <a:camera prst="orthographicFront"/>
+      <a:lightRig rig="threePt" dir="t"/>
+    </dgm:scene3d>
+    <dgm:sp3d/>
+    <dgm:txPr/>
+    <dgm:style>
+      <a:lnRef idx="2">
+        <a:scrgbClr r="0" g="0" b="0"/>
+      </a:lnRef>
+      <a:fillRef idx="0">
+        <a:scrgbClr r="0" g="0" b="0"/>
+      </a:fillRef>
+      <a:effectRef idx="0">
+        <a:scrgbClr r="0" g="0" b="0"/>
+      </a:effectRef>
+      <a:fontRef idx="minor"/>
+    </dgm:style>
+  </dgm:styleLbl>
+  <dgm:styleLbl name="parChTrans1D3">
+    <dgm:scene3d>
+      <a:camera prst="orthographicFront"/>
+      <a:lightRig rig="threePt" dir="t"/>
+    </dgm:scene3d>
+    <dgm:sp3d/>
+    <dgm:txPr/>
+    <dgm:style>
+      <a:lnRef idx="2">
+        <a:scrgbClr r="0" g="0" b="0"/>
+      </a:lnRef>
+      <a:fillRef idx="0">
+        <a:scrgbClr r="0" g="0" b="0"/>
+      </a:fillRef>
+      <a:effectRef idx="0">
+        <a:scrgbClr r="0" g="0" b="0"/>
+      </a:effectRef>
+      <a:fontRef idx="minor"/>
+    </dgm:style>
+  </dgm:styleLbl>
+  <dgm:styleLbl name="parChTrans1D4">
+    <dgm:scene3d>
+      <a:camera prst="orthographicFront"/>
+      <a:lightRig rig="threePt" dir="t"/>
+    </dgm:scene3d>
+    <dgm:sp3d/>
+    <dgm:txPr/>
+    <dgm:style>
+      <a:lnRef idx="2">
+        <a:scrgbClr r="0" g="0" b="0"/>
+      </a:lnRef>
+      <a:fillRef idx="0">
+        <a:scrgbClr r="0" g="0" b="0"/>
+      </a:fillRef>
+      <a:effectRef idx="0">
+        <a:scrgbClr r="0" g="0" b="0"/>
+      </a:effectRef>
+      <a:fontRef idx="minor"/>
+    </dgm:style>
+  </dgm:styleLbl>
+  <dgm:styleLbl name="fgAcc1">
+    <dgm:scene3d>
+      <a:camera prst="orthographicFront"/>
+      <a:lightRig rig="threePt" dir="t"/>
+    </dgm:scene3d>
+    <dgm:sp3d/>
+    <dgm:txPr/>
+    <dgm:style>
+      <a:lnRef idx="2">
+        <a:scrgbClr r="0" g="0" b="0"/>
+      </a:lnRef>
+      <a:fillRef idx="1">
+        <a:scrgbClr r="0" g="0" b="0"/>
+      </a:fillRef>
+      <a:effectRef idx="0">
+        <a:scrgbClr r="0" g="0" b="0"/>
+      </a:effectRef>
+      <a:fontRef idx="minor"/>
+    </dgm:style>
+  </dgm:styleLbl>
+  <dgm:styleLbl name="conFgAcc1">
+    <dgm:scene3d>
+      <a:camera prst="orthographicFront"/>
+      <a:lightRig rig="threePt" dir="t"/>
+    </dgm:scene3d>
+    <dgm:sp3d/>
+    <dgm:txPr/>
+    <dgm:style>
+      <a:lnRef idx="2">
+        <a:scrgbClr r="0" g="0" b="0"/>
+      </a:lnRef>
+      <a:fillRef idx="1">
+        <a:scrgbClr r="0" g="0" b="0"/>
+      </a:fillRef>
+      <a:effectRef idx="0">
+        <a:scrgbClr r="0" g="0" b="0"/>
+      </a:effectRef>
+      <a:fontRef idx="minor"/>
+    </dgm:style>
+  </dgm:styleLbl>
+  <dgm:styleLbl name="alignAcc1">
+    <dgm:scene3d>
+      <a:camera prst="orthographicFront"/>
+      <a:lightRig rig="threePt" dir="t"/>
+    </dgm:scene3d>
+    <dgm:sp3d/>
+    <dgm:txPr/>
+    <dgm:style>
+      <a:lnRef idx="2">
+        <a:scrgbClr r="0" g="0" b="0"/>
+      </a:lnRef>
+      <a:fillRef idx="1">
+        <a:scrgbClr r="0" g="0" b="0"/>
+      </a:fillRef>
+      <a:effectRef idx="0">
+        <a:scrgbClr r="0" g="0" b="0"/>
+      </a:effectRef>
+      <a:fontRef idx="minor"/>
+    </dgm:style>
+  </dgm:styleLbl>
+  <dgm:styleLbl name="trAlignAcc1">
+    <dgm:scene3d>
+      <a:camera prst="orthographicFront"/>
+      <a:lightRig rig="threePt" dir="t"/>
+    </dgm:scene3d>
+    <dgm:sp3d/>
+    <dgm:txPr/>
+    <dgm:style>
+      <a:lnRef idx="1">
+        <a:scrgbClr r="0" g="0" b="0"/>
+      </a:lnRef>
+      <a:fillRef idx="1">
+        <a:scrgbClr r="0" g="0" b="0"/>
+      </a:fillRef>
+      <a:effectRef idx="0">
+        <a:scrgbClr r="0" g="0" b="0"/>
+      </a:effectRef>
+      <a:fontRef idx="minor"/>
+    </dgm:style>
+  </dgm:styleLbl>
+  <dgm:styleLbl name="bgAcc1">
+    <dgm:scene3d>
+      <a:camera prst="orthographicFront"/>
+      <a:lightRig rig="threePt" dir="t"/>
+    </dgm:scene3d>
+    <dgm:sp3d/>
+    <dgm:txPr/>
+    <dgm:style>
+      <a:lnRef idx="2">
+        <a:scrgbClr r="0" g="0" b="0"/>
+      </a:lnRef>
+      <a:fillRef idx="1">
+        <a:scrgbClr r="0" g="0" b="0"/>
+      </a:fillRef>
+      <a:effectRef idx="0">
+        <a:scrgbClr r="0" g="0" b="0"/>
+      </a:effectRef>
+      <a:fontRef idx="minor"/>
+    </dgm:style>
+  </dgm:styleLbl>
+  <dgm:styleLbl name="solidFgAcc1">
+    <dgm:scene3d>
+      <a:camera prst="orthographicFront"/>
+      <a:lightRig rig="threePt" dir="t"/>
+    </dgm:scene3d>
+    <dgm:sp3d/>
+    <dgm:txPr/>
+    <dgm:style>
+      <a:lnRef idx="2">
+        <a:scrgbClr r="0" g="0" b="0"/>
+      </a:lnRef>
+      <a:fillRef idx="1">
+        <a:scrgbClr r="0" g="0" b="0"/>
+      </a:fillRef>
+      <a:effectRef idx="0">
+        <a:scrgbClr r="0" g="0" b="0"/>
+      </a:effectRef>
+      <a:fontRef idx="minor"/>
+    </dgm:style>
+  </dgm:styleLbl>
+  <dgm:styleLbl name="solidAlignAcc1">
+    <dgm:scene3d>
+      <a:camera prst="orthographicFront"/>
+      <a:lightRig rig="threePt" dir="t"/>
+    </dgm:scene3d>
+    <dgm:sp3d/>
+    <dgm:txPr/>
+    <dgm:style>
+      <a:lnRef idx="2">
+        <a:scrgbClr r="0" g="0" b="0"/>
+      </a:lnRef>
+      <a:fillRef idx="1">
+        <a:scrgbClr r="0" g="0" b="0"/>
+      </a:fillRef>
+      <a:effectRef idx="0">
+        <a:scrgbClr r="0" g="0" b="0"/>
+      </a:effectRef>
+      <a:fontRef idx="minor"/>
+    </dgm:style>
+  </dgm:styleLbl>
+  <dgm:styleLbl name="solidBgAcc1">
+    <dgm:scene3d>
+      <a:camera prst="orthographicFront"/>
+      <a:lightRig rig="threePt" dir="t"/>
+    </dgm:scene3d>
+    <dgm:sp3d/>
+    <dgm:txPr/>
+    <dgm:style>
+      <a:lnRef idx="2">
+        <a:scrgbClr r="0" g="0" b="0"/>
+      </a:lnRef>
+      <a:fillRef idx="1">
+        <a:scrgbClr r="0" g="0" b="0"/>
+      </a:fillRef>
+      <a:effectRef idx="0">
+        <a:scrgbClr r="0" g="0" b="0"/>
+      </a:effectRef>
+      <a:fontRef idx="minor"/>
+    </dgm:style>
+  </dgm:styleLbl>
+  <dgm:styleLbl name="fgAccFollowNode1">
+    <dgm:scene3d>
+      <a:camera prst="orthographicFront"/>
+      <a:lightRig rig="threePt" dir="t"/>
+    </dgm:scene3d>
+    <dgm:sp3d/>
+    <dgm:txPr/>
+    <dgm:style>
+      <a:lnRef idx="2">
+        <a:scrgbClr r="0" g="0" b="0"/>
+      </a:lnRef>
+      <a:fillRef idx="1">
+        <a:scrgbClr r="0" g="0" b="0"/>
+      </a:fillRef>
+      <a:effectRef idx="0">
+        <a:scrgbClr r="0" g="0" b="0"/>
+      </a:effectRef>
+      <a:fontRef idx="minor"/>
+    </dgm:style>
+  </dgm:styleLbl>
+  <dgm:styleLbl name="alignAccFollowNode1">
+    <dgm:scene3d>
+      <a:camera prst="orthographicFront"/>
+      <a:lightRig rig="threePt" dir="t"/>
+    </dgm:scene3d>
+    <dgm:sp3d/>
+    <dgm:txPr/>
+    <dgm:style>
+      <a:lnRef idx="2">
+        <a:scrgbClr r="0" g="0" b="0"/>
+      </a:lnRef>
+      <a:fillRef idx="1">
+        <a:scrgbClr r="0" g="0" b="0"/>
+      </a:fillRef>
+      <a:effectRef idx="0">
+        <a:scrgbClr r="0" g="0" b="0"/>
+      </a:effectRef>
+      <a:fontRef idx="minor"/>
+    </dgm:style>
+  </dgm:styleLbl>
+  <dgm:styleLbl name="bgAccFollowNode1">
+    <dgm:scene3d>
+      <a:camera prst="orthographicFront"/>
+      <a:lightRig rig="threePt" dir="t"/>
+    </dgm:scene3d>
+    <dgm:sp3d/>
+    <dgm:txPr/>
+    <dgm:style>
+      <a:lnRef idx="2">
+        <a:scrgbClr r="0" g="0" b="0"/>
+      </a:lnRef>
+      <a:fillRef idx="1">
+        <a:scrgbClr r="0" g="0" b="0"/>
+      </a:fillRef>
+      <a:effectRef idx="0">
+        <a:scrgbClr r="0" g="0" b="0"/>
+      </a:effectRef>
+      <a:fontRef idx="minor"/>
+    </dgm:style>
+  </dgm:styleLbl>
+  <dgm:styleLbl name="fgAcc0">
+    <dgm:scene3d>
+      <a:camera prst="orthographicFront"/>
+      <a:lightRig rig="threePt" dir="t"/>
+    </dgm:scene3d>
+    <dgm:sp3d/>
+    <dgm:txPr/>
+    <dgm:style>
+      <a:lnRef idx="2">
+        <a:scrgbClr r="0" g="0" b="0"/>
+      </a:lnRef>
+      <a:fillRef idx="1">
+        <a:scrgbClr r="0" g="0" b="0"/>
+      </a:fillRef>
+      <a:effectRef idx="0">
+        <a:scrgbClr r="0" g="0" b="0"/>
+      </a:effectRef>
+      <a:fontRef idx="minor"/>
+    </dgm:style>
+  </dgm:styleLbl>
+  <dgm:styleLbl name="fgAcc2">
+    <dgm:scene3d>
+      <a:camera prst="orthographicFront"/>
+      <a:lightRig rig="threePt" dir="t"/>
+    </dgm:scene3d>
+    <dgm:sp3d/>
+    <dgm:txPr/>
+    <dgm:style>
+      <a:lnRef idx="2">
+        <a:scrgbClr r="0" g="0" b="0"/>
+      </a:lnRef>
+      <a:fillRef idx="1">
+        <a:scrgbClr r="0" g="0" b="0"/>
+      </a:fillRef>
+      <a:effectRef idx="0">
+        <a:scrgbClr r="0" g="0" b="0"/>
+      </a:effectRef>
+      <a:fontRef idx="minor"/>
+    </dgm:style>
+  </dgm:styleLbl>
+  <dgm:styleLbl name="fgAcc3">
+    <dgm:scene3d>
+      <a:camera prst="orthographicFront"/>
+      <a:lightRig rig="threePt" dir="t"/>
+    </dgm:scene3d>
+    <dgm:sp3d/>
+    <dgm:txPr/>
+    <dgm:style>
+      <a:lnRef idx="2">
+        <a:scrgbClr r="0" g="0" b="0"/>
+      </a:lnRef>
+      <a:fillRef idx="1">
+        <a:scrgbClr r="0" g="0" b="0"/>
+      </a:fillRef>
+      <a:effectRef idx="0">
+        <a:scrgbClr r="0" g="0" b="0"/>
+      </a:effectRef>
+      <a:fontRef idx="minor"/>
+    </dgm:style>
+  </dgm:styleLbl>
+  <dgm:styleLbl name="fgAcc4">
+    <dgm:scene3d>
+      <a:camera prst="orthographicFront"/>
+      <a:lightRig rig="threePt" dir="t"/>
+    </dgm:scene3d>
+    <dgm:sp3d/>
+    <dgm:txPr/>
+    <dgm:style>
+      <a:lnRef idx="2">
+        <a:scrgbClr r="0" g="0" b="0"/>
+      </a:lnRef>
+      <a:fillRef idx="1">
+        <a:scrgbClr r="0" g="0" b="0"/>
+      </a:fillRef>
+      <a:effectRef idx="0">
+        <a:scrgbClr r="0" g="0" b="0"/>
+      </a:effectRef>
+      <a:fontRef idx="minor"/>
+    </dgm:style>
+  </dgm:styleLbl>
+  <dgm:styleLbl name="bgShp">
+    <dgm:scene3d>
+      <a:camera prst="orthographicFront"/>
+      <a:lightRig rig="threePt" dir="t"/>
+    </dgm:scene3d>
+    <dgm:sp3d/>
+    <dgm:txPr/>
+    <dgm:style>
+      <a:lnRef idx="0">
+        <a:scrgbClr r="0" g="0" b="0"/>
+      </a:lnRef>
+      <a:fillRef idx="1">
+        <a:scrgbClr r="0" g="0" b="0"/>
+      </a:fillRef>
+      <a:effectRef idx="0">
+        <a:scrgbClr r="0" g="0" b="0"/>
+      </a:effectRef>
+      <a:fontRef idx="minor"/>
+    </dgm:style>
+  </dgm:styleLbl>
+  <dgm:styleLbl name="dkBgShp">
+    <dgm:scene3d>
+      <a:camera prst="orthographicFront"/>
+      <a:lightRig rig="threePt" dir="t"/>
+    </dgm:scene3d>
+    <dgm:sp3d/>
+    <dgm:txPr/>
+    <dgm:style>
+      <a:lnRef idx="0">
+        <a:scrgbClr r="0" g="0" b="0"/>
+      </a:lnRef>
+      <a:fillRef idx="1">
+        <a:scrgbClr r="0" g="0" b="0"/>
+      </a:fillRef>
+      <a:effectRef idx="0">
+        <a:scrgbClr r="0" g="0" b="0"/>
+      </a:effectRef>
+      <a:fontRef idx="minor"/>
+    </dgm:style>
+  </dgm:styleLbl>
+  <dgm:styleLbl name="trBgShp">
+    <dgm:scene3d>
+      <a:camera prst="orthographicFront"/>
+      <a:lightRig rig="threePt" dir="t"/>
+    </dgm:scene3d>
+    <dgm:sp3d/>
+    <dgm:txPr/>
+    <dgm:style>
+      <a:lnRef idx="0">
+        <a:scrgbClr r="0" g="0" b="0"/>
+      </a:lnRef>
+      <a:fillRef idx="1">
+        <a:scrgbClr r="0" g="0" b="0"/>
+      </a:fillRef>
+      <a:effectRef idx="0">
+        <a:scrgbClr r="0" g="0" b="0"/>
+      </a:effectRef>
+      <a:fontRef idx="minor"/>
+    </dgm:style>
+  </dgm:styleLbl>
+  <dgm:styleLbl name="fgShp">
+    <dgm:scene3d>
+      <a:camera prst="orthographicFront"/>
+      <a:lightRig rig="threePt" dir="t"/>
+    </dgm:scene3d>
+    <dgm:sp3d/>
+    <dgm:txPr/>
+    <dgm:style>
+      <a:lnRef idx="2">
+        <a:scrgbClr r="0" g="0" b="0"/>
+      </a:lnRef>
+      <a:fillRef idx="1">
+        <a:scrgbClr r="0" g="0" b="0"/>
+      </a:fillRef>
+      <a:effectRef idx="0">
+        <a:scrgbClr r="0" g="0" b="0"/>
+      </a:effectRef>
+      <a:fontRef idx="minor"/>
+    </dgm:style>
+  </dgm:styleLbl>
+  <dgm:styleLbl name="revTx">
+    <dgm:scene3d>
+      <a:camera prst="orthographicFront"/>
+      <a:lightRig rig="threePt" dir="t"/>
+    </dgm:scene3d>
+    <dgm:sp3d/>
+    <dgm:txPr/>
+    <dgm:style>
+      <a:lnRef idx="0">
+        <a:scrgbClr r="0" g="0" b="0"/>
+      </a:lnRef>
+      <a:fillRef idx="0">
+        <a:scrgbClr r="0" g="0" b="0"/>
+      </a:fillRef>
+      <a:effectRef idx="0">
+        <a:scrgbClr r="0" g="0" b="0"/>
+      </a:effectRef>
+      <a:fontRef idx="minor"/>
+    </dgm:style>
+  </dgm:styleLbl>
+</dgm:styleDef>
+</file>
+
+<file path=ppt/diagrams/quickStyle4.xml><?xml version="1.0" encoding="utf-8"?>
 <dgm:styleDef xmlns:dgm="http://schemas.openxmlformats.org/drawingml/2006/diagram" xmlns:a="http://schemas.openxmlformats.org/drawingml/2006/main" uniqueId="urn:microsoft.com/office/officeart/2005/8/quickstyle/simple1">
   <dgm:title val=""/>
   <dgm:desc val=""/>
@@ -21855,7 +25531,7 @@
           <p:nvPr>
             <p:extLst>
               <p:ext uri="{D42A27DB-BD31-4B8C-83A1-F6EECF244321}">
-                <p14:modId xmlns:p14="http://schemas.microsoft.com/office/powerpoint/2010/main" val="103056776"/>
+                <p14:modId xmlns:p14="http://schemas.microsoft.com/office/powerpoint/2010/main" val="2692467814"/>
               </p:ext>
             </p:extLst>
           </p:nvPr>
@@ -21938,7 +25614,7 @@
             </a:br>
             <a:r>
               <a:rPr lang="en-US" sz="4800" dirty="0"/>
-              <a:t>-multiclass-</a:t>
+              <a:t>-binary-</a:t>
             </a:r>
           </a:p>
         </p:txBody>
@@ -22154,19 +25830,25 @@
       </p:pic>
       <p:graphicFrame>
         <p:nvGraphicFramePr>
-          <p:cNvPr id="3" name="Diagrama 2"/>
+          <p:cNvPr id="5" name="Diagram 4">
+            <a:extLst>
+              <a:ext uri="{FF2B5EF4-FFF2-40B4-BE49-F238E27FC236}">
+                <a16:creationId xmlns:a16="http://schemas.microsoft.com/office/drawing/2014/main" id="{E09BDF06-D3DD-4588-8DDB-857628A878BD}"/>
+              </a:ext>
+            </a:extLst>
+          </p:cNvPr>
           <p:cNvGraphicFramePr/>
           <p:nvPr>
             <p:extLst>
               <p:ext uri="{D42A27DB-BD31-4B8C-83A1-F6EECF244321}">
-                <p14:modId xmlns:p14="http://schemas.microsoft.com/office/powerpoint/2010/main" val="1125899375"/>
+                <p14:modId xmlns:p14="http://schemas.microsoft.com/office/powerpoint/2010/main" val="876249131"/>
               </p:ext>
             </p:extLst>
           </p:nvPr>
         </p:nvGraphicFramePr>
         <p:xfrm>
-          <a:off x="712177" y="2426677"/>
-          <a:ext cx="9511083" cy="3987798"/>
+          <a:off x="6096000" y="2331704"/>
+          <a:ext cx="6515190" cy="3511721"/>
         </p:xfrm>
         <a:graphic>
           <a:graphicData uri="http://schemas.openxmlformats.org/drawingml/2006/diagram">
@@ -22174,10 +25856,120 @@
           </a:graphicData>
         </a:graphic>
       </p:graphicFrame>
+      <p:sp>
+        <p:nvSpPr>
+          <p:cNvPr id="11" name="Title 1">
+            <a:extLst>
+              <a:ext uri="{FF2B5EF4-FFF2-40B4-BE49-F238E27FC236}">
+                <a16:creationId xmlns:a16="http://schemas.microsoft.com/office/drawing/2014/main" id="{EE62F439-B360-4188-85AA-3921DFC2AD94}"/>
+              </a:ext>
+            </a:extLst>
+          </p:cNvPr>
+          <p:cNvSpPr txBox="1">
+            <a:spLocks/>
+          </p:cNvSpPr>
+          <p:nvPr/>
+        </p:nvSpPr>
+        <p:spPr>
+          <a:xfrm>
+            <a:off x="1155250" y="3737274"/>
+            <a:ext cx="7190913" cy="1080938"/>
+          </a:xfrm>
+          <a:prstGeom prst="rect">
+            <a:avLst/>
+          </a:prstGeom>
+        </p:spPr>
+        <p:txBody>
+          <a:bodyPr vert="horz" lIns="91440" tIns="45720" rIns="91440" bIns="45720" rtlCol="0" anchor="t">
+            <a:normAutofit fontScale="97500"/>
+          </a:bodyPr>
+          <a:lstStyle>
+            <a:lvl1pPr algn="l" defTabSz="457200" rtl="0" eaLnBrk="1" latinLnBrk="0" hangingPunct="1">
+              <a:spcBef>
+                <a:spcPct val="0"/>
+              </a:spcBef>
+              <a:buNone/>
+              <a:defRPr sz="3600" kern="1200">
+                <a:solidFill>
+                  <a:schemeClr val="accent2">
+                    <a:lumMod val="75000"/>
+                  </a:schemeClr>
+                </a:solidFill>
+                <a:latin typeface="+mj-lt"/>
+                <a:ea typeface="+mj-ea"/>
+                <a:cs typeface="+mj-cs"/>
+              </a:defRPr>
+            </a:lvl1pPr>
+            <a:lvl2pPr eaLnBrk="1" hangingPunct="1">
+              <a:defRPr>
+                <a:solidFill>
+                  <a:schemeClr val="tx2"/>
+                </a:solidFill>
+              </a:defRPr>
+            </a:lvl2pPr>
+            <a:lvl3pPr eaLnBrk="1" hangingPunct="1">
+              <a:defRPr>
+                <a:solidFill>
+                  <a:schemeClr val="tx2"/>
+                </a:solidFill>
+              </a:defRPr>
+            </a:lvl3pPr>
+            <a:lvl4pPr eaLnBrk="1" hangingPunct="1">
+              <a:defRPr>
+                <a:solidFill>
+                  <a:schemeClr val="tx2"/>
+                </a:solidFill>
+              </a:defRPr>
+            </a:lvl4pPr>
+            <a:lvl5pPr eaLnBrk="1" hangingPunct="1">
+              <a:defRPr>
+                <a:solidFill>
+                  <a:schemeClr val="tx2"/>
+                </a:solidFill>
+              </a:defRPr>
+            </a:lvl5pPr>
+            <a:lvl6pPr eaLnBrk="1" hangingPunct="1">
+              <a:defRPr>
+                <a:solidFill>
+                  <a:schemeClr val="tx2"/>
+                </a:solidFill>
+              </a:defRPr>
+            </a:lvl6pPr>
+            <a:lvl7pPr eaLnBrk="1" hangingPunct="1">
+              <a:defRPr>
+                <a:solidFill>
+                  <a:schemeClr val="tx2"/>
+                </a:solidFill>
+              </a:defRPr>
+            </a:lvl7pPr>
+            <a:lvl8pPr eaLnBrk="1" hangingPunct="1">
+              <a:defRPr>
+                <a:solidFill>
+                  <a:schemeClr val="tx2"/>
+                </a:solidFill>
+              </a:defRPr>
+            </a:lvl8pPr>
+            <a:lvl9pPr eaLnBrk="1" hangingPunct="1">
+              <a:defRPr>
+                <a:solidFill>
+                  <a:schemeClr val="tx2"/>
+                </a:solidFill>
+              </a:defRPr>
+            </a:lvl9pPr>
+          </a:lstStyle>
+          <a:p>
+            <a:pPr algn="ctr"/>
+            <a:r>
+              <a:rPr lang="en-US" sz="4800" dirty="0"/>
+              <a:t>Confusion Matrix</a:t>
+            </a:r>
+          </a:p>
+        </p:txBody>
+      </p:sp>
     </p:spTree>
     <p:extLst>
       <p:ext uri="{BB962C8B-B14F-4D97-AF65-F5344CB8AC3E}">
-        <p14:creationId xmlns:p14="http://schemas.microsoft.com/office/powerpoint/2010/main" val="212263992"/>
+        <p14:creationId xmlns:p14="http://schemas.microsoft.com/office/powerpoint/2010/main" val="780570208"/>
       </p:ext>
     </p:extLst>
   </p:cSld>
@@ -22228,14 +26020,21 @@
         </p:spPr>
         <p:txBody>
           <a:bodyPr>
-            <a:normAutofit/>
+            <a:normAutofit fontScale="90000"/>
           </a:bodyPr>
           <a:lstStyle/>
           <a:p>
             <a:pPr algn="ctr"/>
             <a:r>
               <a:rPr lang="en-US" sz="4800" dirty="0"/>
-              <a:t>Conclusions</a:t>
+              <a:t>Classification</a:t>
+            </a:r>
+            <a:br>
+              <a:rPr lang="en-US" sz="4800" dirty="0"/>
+            </a:br>
+            <a:r>
+              <a:rPr lang="en-US" sz="4800" dirty="0"/>
+              <a:t>-multiclass-</a:t>
             </a:r>
           </a:p>
         </p:txBody>
@@ -22449,6 +26248,303 @@
           </a:prstGeom>
         </p:spPr>
       </p:pic>
+      <p:graphicFrame>
+        <p:nvGraphicFramePr>
+          <p:cNvPr id="3" name="Diagrama 2"/>
+          <p:cNvGraphicFramePr/>
+          <p:nvPr>
+            <p:extLst>
+              <p:ext uri="{D42A27DB-BD31-4B8C-83A1-F6EECF244321}">
+                <p14:modId xmlns:p14="http://schemas.microsoft.com/office/powerpoint/2010/main" val="1125899375"/>
+              </p:ext>
+            </p:extLst>
+          </p:nvPr>
+        </p:nvGraphicFramePr>
+        <p:xfrm>
+          <a:off x="712177" y="2426677"/>
+          <a:ext cx="9511083" cy="3987798"/>
+        </p:xfrm>
+        <a:graphic>
+          <a:graphicData uri="http://schemas.openxmlformats.org/drawingml/2006/diagram">
+            <dgm:relIds xmlns:dgm="http://schemas.openxmlformats.org/drawingml/2006/diagram" xmlns:r="http://schemas.openxmlformats.org/officeDocument/2006/relationships" r:dm="rId4" r:lo="rId5" r:qs="rId6" r:cs="rId7"/>
+          </a:graphicData>
+        </a:graphic>
+      </p:graphicFrame>
+    </p:spTree>
+    <p:extLst>
+      <p:ext uri="{BB962C8B-B14F-4D97-AF65-F5344CB8AC3E}">
+        <p14:creationId xmlns:p14="http://schemas.microsoft.com/office/powerpoint/2010/main" val="212263992"/>
+      </p:ext>
+    </p:extLst>
+  </p:cSld>
+  <p:clrMapOvr>
+    <a:masterClrMapping/>
+  </p:clrMapOvr>
+</p:sld>
+</file>
+
+<file path=ppt/slides/slide14.xml><?xml version="1.0" encoding="utf-8"?>
+<p:sld xmlns:a="http://schemas.openxmlformats.org/drawingml/2006/main" xmlns:r="http://schemas.openxmlformats.org/officeDocument/2006/relationships" xmlns:p="http://schemas.openxmlformats.org/presentationml/2006/main">
+  <p:cSld>
+    <p:spTree>
+      <p:nvGrpSpPr>
+        <p:cNvPr id="1" name=""/>
+        <p:cNvGrpSpPr/>
+        <p:nvPr/>
+      </p:nvGrpSpPr>
+      <p:grpSpPr>
+        <a:xfrm>
+          <a:off x="0" y="0"/>
+          <a:ext cx="0" cy="0"/>
+          <a:chOff x="0" y="0"/>
+          <a:chExt cx="0" cy="0"/>
+        </a:xfrm>
+      </p:grpSpPr>
+      <p:sp>
+        <p:nvSpPr>
+          <p:cNvPr id="12" name="Title 1">
+            <a:extLst>
+              <a:ext uri="{FF2B5EF4-FFF2-40B4-BE49-F238E27FC236}">
+                <a16:creationId xmlns:a16="http://schemas.microsoft.com/office/drawing/2014/main" id="{05ACE682-1B73-40BF-BA3B-B531FBAF2E9A}"/>
+              </a:ext>
+            </a:extLst>
+          </p:cNvPr>
+          <p:cNvSpPr>
+            <a:spLocks noGrp="1"/>
+          </p:cNvSpPr>
+          <p:nvPr>
+            <p:ph type="title"/>
+          </p:nvPr>
+        </p:nvSpPr>
+        <p:spPr>
+          <a:xfrm>
+            <a:off x="2623396" y="801731"/>
+            <a:ext cx="7190913" cy="1080938"/>
+          </a:xfrm>
+        </p:spPr>
+        <p:txBody>
+          <a:bodyPr>
+            <a:normAutofit/>
+          </a:bodyPr>
+          <a:lstStyle/>
+          <a:p>
+            <a:pPr algn="ctr"/>
+            <a:r>
+              <a:rPr lang="en-US" sz="4800" dirty="0"/>
+              <a:t>Conclusions</a:t>
+            </a:r>
+          </a:p>
+        </p:txBody>
+      </p:sp>
+      <p:sp>
+        <p:nvSpPr>
+          <p:cNvPr id="8" name="Slide Number Placeholder 5">
+            <a:extLst>
+              <a:ext uri="{FF2B5EF4-FFF2-40B4-BE49-F238E27FC236}">
+                <a16:creationId xmlns:a16="http://schemas.microsoft.com/office/drawing/2014/main" id="{974E51E9-613F-49E1-8A93-AF9AF175FA01}"/>
+              </a:ext>
+            </a:extLst>
+          </p:cNvPr>
+          <p:cNvSpPr txBox="1">
+            <a:spLocks/>
+          </p:cNvSpPr>
+          <p:nvPr/>
+        </p:nvSpPr>
+        <p:spPr bwMode="gray">
+          <a:xfrm>
+            <a:off x="11010090" y="6231913"/>
+            <a:ext cx="779767" cy="365125"/>
+          </a:xfrm>
+          <a:prstGeom prst="rect">
+            <a:avLst/>
+          </a:prstGeom>
+        </p:spPr>
+        <p:txBody>
+          <a:bodyPr vert="horz" lIns="91440" tIns="45720" rIns="91440" bIns="45720" rtlCol="0" anchor="ctr"/>
+          <a:lstStyle>
+            <a:defPPr>
+              <a:defRPr lang="en-US"/>
+            </a:defPPr>
+            <a:lvl1pPr marL="0" algn="r" defTabSz="457200" rtl="0" eaLnBrk="1" latinLnBrk="0" hangingPunct="1">
+              <a:defRPr sz="2000" kern="1200">
+                <a:solidFill>
+                  <a:srgbClr val="FEFFFF"/>
+                </a:solidFill>
+                <a:latin typeface="+mn-lt"/>
+                <a:ea typeface="+mn-ea"/>
+                <a:cs typeface="+mn-cs"/>
+              </a:defRPr>
+            </a:lvl1pPr>
+            <a:lvl2pPr marL="457200" algn="l" defTabSz="457200" rtl="0" eaLnBrk="1" latinLnBrk="0" hangingPunct="1">
+              <a:defRPr sz="1800" kern="1200">
+                <a:solidFill>
+                  <a:schemeClr val="tx1"/>
+                </a:solidFill>
+                <a:latin typeface="+mn-lt"/>
+                <a:ea typeface="+mn-ea"/>
+                <a:cs typeface="+mn-cs"/>
+              </a:defRPr>
+            </a:lvl2pPr>
+            <a:lvl3pPr marL="914400" algn="l" defTabSz="457200" rtl="0" eaLnBrk="1" latinLnBrk="0" hangingPunct="1">
+              <a:defRPr sz="1800" kern="1200">
+                <a:solidFill>
+                  <a:schemeClr val="tx1"/>
+                </a:solidFill>
+                <a:latin typeface="+mn-lt"/>
+                <a:ea typeface="+mn-ea"/>
+                <a:cs typeface="+mn-cs"/>
+              </a:defRPr>
+            </a:lvl3pPr>
+            <a:lvl4pPr marL="1371600" algn="l" defTabSz="457200" rtl="0" eaLnBrk="1" latinLnBrk="0" hangingPunct="1">
+              <a:defRPr sz="1800" kern="1200">
+                <a:solidFill>
+                  <a:schemeClr val="tx1"/>
+                </a:solidFill>
+                <a:latin typeface="+mn-lt"/>
+                <a:ea typeface="+mn-ea"/>
+                <a:cs typeface="+mn-cs"/>
+              </a:defRPr>
+            </a:lvl4pPr>
+            <a:lvl5pPr marL="1828800" algn="l" defTabSz="457200" rtl="0" eaLnBrk="1" latinLnBrk="0" hangingPunct="1">
+              <a:defRPr sz="1800" kern="1200">
+                <a:solidFill>
+                  <a:schemeClr val="tx1"/>
+                </a:solidFill>
+                <a:latin typeface="+mn-lt"/>
+                <a:ea typeface="+mn-ea"/>
+                <a:cs typeface="+mn-cs"/>
+              </a:defRPr>
+            </a:lvl5pPr>
+            <a:lvl6pPr marL="2286000" algn="l" defTabSz="457200" rtl="0" eaLnBrk="1" latinLnBrk="0" hangingPunct="1">
+              <a:defRPr sz="1800" kern="1200">
+                <a:solidFill>
+                  <a:schemeClr val="tx1"/>
+                </a:solidFill>
+                <a:latin typeface="+mn-lt"/>
+                <a:ea typeface="+mn-ea"/>
+                <a:cs typeface="+mn-cs"/>
+              </a:defRPr>
+            </a:lvl6pPr>
+            <a:lvl7pPr marL="2743200" algn="l" defTabSz="457200" rtl="0" eaLnBrk="1" latinLnBrk="0" hangingPunct="1">
+              <a:defRPr sz="1800" kern="1200">
+                <a:solidFill>
+                  <a:schemeClr val="tx1"/>
+                </a:solidFill>
+                <a:latin typeface="+mn-lt"/>
+                <a:ea typeface="+mn-ea"/>
+                <a:cs typeface="+mn-cs"/>
+              </a:defRPr>
+            </a:lvl7pPr>
+            <a:lvl8pPr marL="3200400" algn="l" defTabSz="457200" rtl="0" eaLnBrk="1" latinLnBrk="0" hangingPunct="1">
+              <a:defRPr sz="1800" kern="1200">
+                <a:solidFill>
+                  <a:schemeClr val="tx1"/>
+                </a:solidFill>
+                <a:latin typeface="+mn-lt"/>
+                <a:ea typeface="+mn-ea"/>
+                <a:cs typeface="+mn-cs"/>
+              </a:defRPr>
+            </a:lvl8pPr>
+            <a:lvl9pPr marL="3657600" algn="l" defTabSz="457200" rtl="0" eaLnBrk="1" latinLnBrk="0" hangingPunct="1">
+              <a:defRPr sz="1800" kern="1200">
+                <a:solidFill>
+                  <a:schemeClr val="tx1"/>
+                </a:solidFill>
+                <a:latin typeface="+mn-lt"/>
+                <a:ea typeface="+mn-ea"/>
+                <a:cs typeface="+mn-cs"/>
+              </a:defRPr>
+            </a:lvl9pPr>
+          </a:lstStyle>
+          <a:p>
+            <a:fld id="{19584825-D934-4E20-B0C8-29FEC7CA1AF9}" type="slidenum">
+              <a:rPr lang="en-US" smtClean="0">
+                <a:solidFill>
+                  <a:schemeClr val="tx1"/>
+                </a:solidFill>
+              </a:rPr>
+              <a:pPr/>
+              <a:t>14</a:t>
+            </a:fld>
+            <a:endParaRPr lang="en-US" dirty="0">
+              <a:solidFill>
+                <a:schemeClr val="tx1"/>
+              </a:solidFill>
+            </a:endParaRPr>
+          </a:p>
+        </p:txBody>
+      </p:sp>
+      <p:pic>
+        <p:nvPicPr>
+          <p:cNvPr id="9" name="Picture 8" descr="A picture containing text, clipart&#10;&#10;Description automatically generated">
+            <a:extLst>
+              <a:ext uri="{FF2B5EF4-FFF2-40B4-BE49-F238E27FC236}">
+                <a16:creationId xmlns:a16="http://schemas.microsoft.com/office/drawing/2014/main" id="{942D71B3-CD34-43E5-9D3F-BA2819AE22EA}"/>
+              </a:ext>
+            </a:extLst>
+          </p:cNvPr>
+          <p:cNvPicPr>
+            <a:picLocks noChangeAspect="1"/>
+          </p:cNvPicPr>
+          <p:nvPr/>
+        </p:nvPicPr>
+        <p:blipFill rotWithShape="1">
+          <a:blip r:embed="rId2">
+            <a:extLst>
+              <a:ext uri="{28A0092B-C50C-407E-A947-70E740481C1C}">
+                <a14:useLocalDpi xmlns:a14="http://schemas.microsoft.com/office/drawing/2010/main" val="0"/>
+              </a:ext>
+            </a:extLst>
+          </a:blip>
+          <a:srcRect r="57677"/>
+          <a:stretch/>
+        </p:blipFill>
+        <p:spPr>
+          <a:xfrm>
+            <a:off x="10608300" y="437028"/>
+            <a:ext cx="1428567" cy="1066632"/>
+          </a:xfrm>
+          <a:prstGeom prst="rect">
+            <a:avLst/>
+          </a:prstGeom>
+        </p:spPr>
+      </p:pic>
+      <p:pic>
+        <p:nvPicPr>
+          <p:cNvPr id="13" name="Picture 12" descr="Logo&#10;&#10;Description automatically generated">
+            <a:extLst>
+              <a:ext uri="{FF2B5EF4-FFF2-40B4-BE49-F238E27FC236}">
+                <a16:creationId xmlns:a16="http://schemas.microsoft.com/office/drawing/2014/main" id="{0B34AC09-580D-4C50-930A-7592EF4E9F8E}"/>
+              </a:ext>
+            </a:extLst>
+          </p:cNvPr>
+          <p:cNvPicPr>
+            <a:picLocks noChangeAspect="1"/>
+          </p:cNvPicPr>
+          <p:nvPr/>
+        </p:nvPicPr>
+        <p:blipFill>
+          <a:blip r:embed="rId3">
+            <a:extLst>
+              <a:ext uri="{28A0092B-C50C-407E-A947-70E740481C1C}">
+                <a14:useLocalDpi xmlns:a14="http://schemas.microsoft.com/office/drawing/2010/main" val="0"/>
+              </a:ext>
+            </a:extLst>
+          </a:blip>
+          <a:stretch>
+            <a:fillRect/>
+          </a:stretch>
+        </p:blipFill>
+        <p:spPr>
+          <a:xfrm>
+            <a:off x="1829405" y="499758"/>
+            <a:ext cx="1376588" cy="941171"/>
+          </a:xfrm>
+          <a:prstGeom prst="rect">
+            <a:avLst/>
+          </a:prstGeom>
+        </p:spPr>
+      </p:pic>
       <p:sp>
         <p:nvSpPr>
           <p:cNvPr id="2" name="CuadroTexto 1"/>
@@ -22512,18 +26608,34 @@
               <a:t> </a:t>
             </a:r>
             <a:r>
-              <a:rPr lang="es-ES" b="1" dirty="0" err="1"/>
+              <a:rPr lang="es-ES" b="1" dirty="0" err="1">
+                <a:solidFill>
+                  <a:srgbClr val="00B050"/>
+                </a:solidFill>
+              </a:rPr>
               <a:t>feature</a:t>
             </a:r>
             <a:r>
-              <a:rPr lang="es-ES" b="1" dirty="0"/>
+              <a:rPr lang="es-ES" b="1" dirty="0">
+                <a:solidFill>
+                  <a:srgbClr val="00B050"/>
+                </a:solidFill>
+              </a:rPr>
               <a:t> </a:t>
             </a:r>
             <a:r>
-              <a:rPr lang="es-ES" b="1" dirty="0" err="1"/>
+              <a:rPr lang="es-ES" b="1" dirty="0" err="1">
+                <a:solidFill>
+                  <a:srgbClr val="00B050"/>
+                </a:solidFill>
+              </a:rPr>
               <a:t>selection</a:t>
             </a:r>
-            <a:endParaRPr lang="es-ES" b="1" dirty="0"/>
+            <a:endParaRPr lang="es-ES" b="1" dirty="0">
+              <a:solidFill>
+                <a:srgbClr val="00B050"/>
+              </a:solidFill>
+            </a:endParaRPr>
           </a:p>
           <a:p>
             <a:pPr marL="285750" indent="-285750">
@@ -22562,19 +26674,35 @@
               <a:t> a </a:t>
             </a:r>
             <a:r>
-              <a:rPr lang="es-ES" b="1" dirty="0" err="1"/>
+              <a:rPr lang="es-ES" b="1" dirty="0" err="1">
+                <a:solidFill>
+                  <a:srgbClr val="00B050"/>
+                </a:solidFill>
+              </a:rPr>
               <a:t>segmented</a:t>
             </a:r>
             <a:r>
-              <a:rPr lang="es-ES" b="1" dirty="0"/>
+              <a:rPr lang="es-ES" b="1" dirty="0">
+                <a:solidFill>
+                  <a:srgbClr val="00B050"/>
+                </a:solidFill>
+              </a:rPr>
               <a:t> </a:t>
             </a:r>
             <a:r>
-              <a:rPr lang="es-ES" b="1" dirty="0" err="1"/>
+              <a:rPr lang="es-ES" b="1" dirty="0" err="1">
+                <a:solidFill>
+                  <a:srgbClr val="00B050"/>
+                </a:solidFill>
+              </a:rPr>
               <a:t>image</a:t>
             </a:r>
             <a:r>
-              <a:rPr lang="es-ES" b="1" dirty="0"/>
+              <a:rPr lang="es-ES" b="1" dirty="0">
+                <a:solidFill>
+                  <a:srgbClr val="00B050"/>
+                </a:solidFill>
+              </a:rPr>
               <a:t> </a:t>
             </a:r>
             <a:r>
@@ -22604,27 +26732,51 @@
               <a:buChar char="•"/>
             </a:pPr>
             <a:r>
-              <a:rPr lang="es-ES" b="1" dirty="0" err="1"/>
+              <a:rPr lang="es-ES" b="1" dirty="0" err="1">
+                <a:solidFill>
+                  <a:srgbClr val="00B050"/>
+                </a:solidFill>
+              </a:rPr>
               <a:t>Class</a:t>
             </a:r>
             <a:r>
-              <a:rPr lang="es-ES" b="1" dirty="0"/>
+              <a:rPr lang="es-ES" b="1" dirty="0">
+                <a:solidFill>
+                  <a:srgbClr val="00B050"/>
+                </a:solidFill>
+              </a:rPr>
               <a:t> </a:t>
             </a:r>
             <a:r>
-              <a:rPr lang="es-ES" b="1" dirty="0" err="1"/>
+              <a:rPr lang="es-ES" b="1" dirty="0" err="1">
+                <a:solidFill>
+                  <a:srgbClr val="00B050"/>
+                </a:solidFill>
+              </a:rPr>
               <a:t>imbalance</a:t>
             </a:r>
             <a:r>
-              <a:rPr lang="es-ES" b="1" dirty="0"/>
+              <a:rPr lang="es-ES" b="1" dirty="0">
+                <a:solidFill>
+                  <a:srgbClr val="00B050"/>
+                </a:solidFill>
+              </a:rPr>
               <a:t> </a:t>
             </a:r>
             <a:r>
-              <a:rPr lang="es-ES" b="1" dirty="0" err="1"/>
+              <a:rPr lang="es-ES" b="1" dirty="0" err="1">
+                <a:solidFill>
+                  <a:srgbClr val="00B050"/>
+                </a:solidFill>
+              </a:rPr>
               <a:t>mitigation</a:t>
             </a:r>
             <a:r>
-              <a:rPr lang="es-ES" b="1" dirty="0"/>
+              <a:rPr lang="es-ES" b="1" dirty="0">
+                <a:solidFill>
+                  <a:srgbClr val="00B050"/>
+                </a:solidFill>
+              </a:rPr>
               <a:t> </a:t>
             </a:r>
             <a:r>
@@ -22694,7 +26846,11 @@
               <a:t> </a:t>
             </a:r>
             <a:r>
-              <a:rPr lang="es-ES" b="1" dirty="0"/>
+              <a:rPr lang="es-ES" b="1" dirty="0">
+                <a:solidFill>
+                  <a:srgbClr val="00B050"/>
+                </a:solidFill>
+              </a:rPr>
               <a:t>V cannel of HSV </a:t>
             </a:r>
             <a:r>
@@ -22748,15 +26904,27 @@
               <a:t> </a:t>
             </a:r>
             <a:r>
-              <a:rPr lang="es-ES" b="1" dirty="0" err="1"/>
+              <a:rPr lang="es-ES" b="1" dirty="0" err="1">
+                <a:solidFill>
+                  <a:srgbClr val="00B050"/>
+                </a:solidFill>
+              </a:rPr>
               <a:t>big</a:t>
             </a:r>
             <a:r>
-              <a:rPr lang="es-ES" b="1" dirty="0"/>
+              <a:rPr lang="es-ES" b="1" dirty="0">
+                <a:solidFill>
+                  <a:srgbClr val="00B050"/>
+                </a:solidFill>
+              </a:rPr>
               <a:t> </a:t>
             </a:r>
             <a:r>
-              <a:rPr lang="es-ES" b="1" dirty="0" err="1"/>
+              <a:rPr lang="es-ES" b="1" dirty="0" err="1">
+                <a:solidFill>
+                  <a:srgbClr val="00B050"/>
+                </a:solidFill>
+              </a:rPr>
               <a:t>datasets</a:t>
             </a:r>
             <a:r>
@@ -22806,15 +26974,27 @@
               <a:t> of </a:t>
             </a:r>
             <a:r>
-              <a:rPr lang="es-ES" b="1" dirty="0"/>
+              <a:rPr lang="es-ES" b="1" dirty="0">
+                <a:solidFill>
+                  <a:srgbClr val="00B050"/>
+                </a:solidFill>
+              </a:rPr>
               <a:t>Color and </a:t>
             </a:r>
             <a:r>
-              <a:rPr lang="es-ES" b="1" dirty="0" err="1"/>
+              <a:rPr lang="es-ES" b="1" dirty="0" err="1">
+                <a:solidFill>
+                  <a:srgbClr val="00B050"/>
+                </a:solidFill>
+              </a:rPr>
               <a:t>Texture</a:t>
             </a:r>
             <a:r>
-              <a:rPr lang="es-ES" b="1" dirty="0"/>
+              <a:rPr lang="es-ES" b="1" dirty="0">
+                <a:solidFill>
+                  <a:srgbClr val="00B050"/>
+                </a:solidFill>
+              </a:rPr>
               <a:t> </a:t>
             </a:r>
             <a:r>
@@ -22836,15 +27016,27 @@
               <a:buChar char="•"/>
             </a:pPr>
             <a:r>
-              <a:rPr lang="es-ES" b="1" dirty="0"/>
+              <a:rPr lang="es-ES" b="1" dirty="0">
+                <a:solidFill>
+                  <a:srgbClr val="00B050"/>
+                </a:solidFill>
+              </a:rPr>
               <a:t>Ensemble </a:t>
             </a:r>
             <a:r>
-              <a:rPr lang="es-ES" b="1" dirty="0" err="1"/>
+              <a:rPr lang="es-ES" b="1" dirty="0" err="1">
+                <a:solidFill>
+                  <a:srgbClr val="00B050"/>
+                </a:solidFill>
+              </a:rPr>
               <a:t>learning</a:t>
             </a:r>
             <a:r>
-              <a:rPr lang="es-ES" b="1" dirty="0"/>
+              <a:rPr lang="es-ES" b="1" dirty="0">
+                <a:solidFill>
+                  <a:srgbClr val="00B050"/>
+                </a:solidFill>
+              </a:rPr>
               <a:t> </a:t>
             </a:r>
             <a:r>
@@ -22914,18 +27106,34 @@
               <a:t> </a:t>
             </a:r>
             <a:r>
-              <a:rPr lang="es-ES" b="1" dirty="0" err="1"/>
+              <a:rPr lang="es-ES" b="1" dirty="0" err="1">
+                <a:solidFill>
+                  <a:srgbClr val="00B050"/>
+                </a:solidFill>
+              </a:rPr>
               <a:t>Grid</a:t>
             </a:r>
             <a:r>
-              <a:rPr lang="es-ES" b="1" dirty="0"/>
+              <a:rPr lang="es-ES" b="1" dirty="0">
+                <a:solidFill>
+                  <a:srgbClr val="00B050"/>
+                </a:solidFill>
+              </a:rPr>
               <a:t> </a:t>
             </a:r>
             <a:r>
-              <a:rPr lang="es-ES" b="1" dirty="0" err="1"/>
+              <a:rPr lang="es-ES" b="1" dirty="0" err="1">
+                <a:solidFill>
+                  <a:srgbClr val="00B050"/>
+                </a:solidFill>
+              </a:rPr>
               <a:t>Search</a:t>
             </a:r>
-            <a:endParaRPr lang="es-ES" b="1" dirty="0"/>
+            <a:endParaRPr lang="es-ES" b="1" dirty="0">
+              <a:solidFill>
+                <a:srgbClr val="00B050"/>
+              </a:solidFill>
+            </a:endParaRPr>
           </a:p>
           <a:p>
             <a:pPr marL="285750" indent="-285750">
@@ -22949,7 +27157,7 @@
 </p:sld>
 </file>
 
-<file path=ppt/slides/slide14.xml><?xml version="1.0" encoding="utf-8"?>
+<file path=ppt/slides/slide15.xml><?xml version="1.0" encoding="utf-8"?>
 <p:sld xmlns:a="http://schemas.openxmlformats.org/drawingml/2006/main" xmlns:r="http://schemas.openxmlformats.org/officeDocument/2006/relationships" xmlns:p="http://schemas.openxmlformats.org/presentationml/2006/main">
   <p:cSld>
     <p:spTree>

--- a/Presentation_updated.pptx
+++ b/Presentation_updated.pptx
@@ -5,7 +5,7 @@
     <p:sldMasterId id="2147483840" r:id="rId1"/>
   </p:sldMasterIdLst>
   <p:notesMasterIdLst>
-    <p:notesMasterId r:id="rId19"/>
+    <p:notesMasterId r:id="rId20"/>
   </p:notesMasterIdLst>
   <p:sldIdLst>
     <p:sldId id="256" r:id="rId2"/>
@@ -23,8 +23,9 @@
     <p:sldId id="292" r:id="rId14"/>
     <p:sldId id="293" r:id="rId15"/>
     <p:sldId id="294" r:id="rId16"/>
-    <p:sldId id="288" r:id="rId17"/>
-    <p:sldId id="266" r:id="rId18"/>
+    <p:sldId id="295" r:id="rId17"/>
+    <p:sldId id="288" r:id="rId18"/>
+    <p:sldId id="266" r:id="rId19"/>
   </p:sldIdLst>
   <p:sldSz cx="12192000" cy="6858000"/>
   <p:notesSz cx="6858000" cy="9144000"/>
@@ -3866,753 +3867,6 @@
 </dgm:colorsDef>
 </file>
 
-<file path=ppt/diagrams/colors6.xml><?xml version="1.0" encoding="utf-8"?>
-<dgm:colorsDef xmlns:dgm="http://schemas.openxmlformats.org/drawingml/2006/diagram" xmlns:a="http://schemas.openxmlformats.org/drawingml/2006/main" uniqueId="urn:microsoft.com/office/officeart/2005/8/colors/accent1_2">
-  <dgm:title val=""/>
-  <dgm:desc val=""/>
-  <dgm:catLst>
-    <dgm:cat type="accent1" pri="11200"/>
-  </dgm:catLst>
-  <dgm:styleLbl name="node0">
-    <dgm:fillClrLst meth="repeat">
-      <a:schemeClr val="accent1"/>
-    </dgm:fillClrLst>
-    <dgm:linClrLst meth="repeat">
-      <a:schemeClr val="lt1"/>
-    </dgm:linClrLst>
-    <dgm:effectClrLst/>
-    <dgm:txLinClrLst/>
-    <dgm:txFillClrLst/>
-    <dgm:txEffectClrLst/>
-  </dgm:styleLbl>
-  <dgm:styleLbl name="alignNode1">
-    <dgm:fillClrLst meth="repeat">
-      <a:schemeClr val="accent1"/>
-    </dgm:fillClrLst>
-    <dgm:linClrLst meth="repeat">
-      <a:schemeClr val="accent1"/>
-    </dgm:linClrLst>
-    <dgm:effectClrLst/>
-    <dgm:txLinClrLst/>
-    <dgm:txFillClrLst/>
-    <dgm:txEffectClrLst/>
-  </dgm:styleLbl>
-  <dgm:styleLbl name="node1">
-    <dgm:fillClrLst meth="repeat">
-      <a:schemeClr val="accent1"/>
-    </dgm:fillClrLst>
-    <dgm:linClrLst meth="repeat">
-      <a:schemeClr val="lt1"/>
-    </dgm:linClrLst>
-    <dgm:effectClrLst/>
-    <dgm:txLinClrLst/>
-    <dgm:txFillClrLst/>
-    <dgm:txEffectClrLst/>
-  </dgm:styleLbl>
-  <dgm:styleLbl name="lnNode1">
-    <dgm:fillClrLst meth="repeat">
-      <a:schemeClr val="accent1"/>
-    </dgm:fillClrLst>
-    <dgm:linClrLst meth="repeat">
-      <a:schemeClr val="lt1"/>
-    </dgm:linClrLst>
-    <dgm:effectClrLst/>
-    <dgm:txLinClrLst/>
-    <dgm:txFillClrLst/>
-    <dgm:txEffectClrLst/>
-  </dgm:styleLbl>
-  <dgm:styleLbl name="vennNode1">
-    <dgm:fillClrLst meth="repeat">
-      <a:schemeClr val="accent1">
-        <a:alpha val="50000"/>
-      </a:schemeClr>
-    </dgm:fillClrLst>
-    <dgm:linClrLst meth="repeat">
-      <a:schemeClr val="lt1"/>
-    </dgm:linClrLst>
-    <dgm:effectClrLst/>
-    <dgm:txLinClrLst/>
-    <dgm:txFillClrLst/>
-    <dgm:txEffectClrLst/>
-  </dgm:styleLbl>
-  <dgm:styleLbl name="node2">
-    <dgm:fillClrLst meth="repeat">
-      <a:schemeClr val="accent1"/>
-    </dgm:fillClrLst>
-    <dgm:linClrLst meth="repeat">
-      <a:schemeClr val="lt1"/>
-    </dgm:linClrLst>
-    <dgm:effectClrLst/>
-    <dgm:txLinClrLst/>
-    <dgm:txFillClrLst/>
-    <dgm:txEffectClrLst/>
-  </dgm:styleLbl>
-  <dgm:styleLbl name="node3">
-    <dgm:fillClrLst meth="repeat">
-      <a:schemeClr val="accent1"/>
-    </dgm:fillClrLst>
-    <dgm:linClrLst meth="repeat">
-      <a:schemeClr val="lt1"/>
-    </dgm:linClrLst>
-    <dgm:effectClrLst/>
-    <dgm:txLinClrLst/>
-    <dgm:txFillClrLst/>
-    <dgm:txEffectClrLst/>
-  </dgm:styleLbl>
-  <dgm:styleLbl name="node4">
-    <dgm:fillClrLst meth="repeat">
-      <a:schemeClr val="accent1"/>
-    </dgm:fillClrLst>
-    <dgm:linClrLst meth="repeat">
-      <a:schemeClr val="lt1"/>
-    </dgm:linClrLst>
-    <dgm:effectClrLst/>
-    <dgm:txLinClrLst/>
-    <dgm:txFillClrLst/>
-    <dgm:txEffectClrLst/>
-  </dgm:styleLbl>
-  <dgm:styleLbl name="fgImgPlace1">
-    <dgm:fillClrLst meth="repeat">
-      <a:schemeClr val="accent1">
-        <a:tint val="50000"/>
-      </a:schemeClr>
-    </dgm:fillClrLst>
-    <dgm:linClrLst meth="repeat">
-      <a:schemeClr val="lt1"/>
-    </dgm:linClrLst>
-    <dgm:effectClrLst/>
-    <dgm:txLinClrLst/>
-    <dgm:txFillClrLst meth="repeat">
-      <a:schemeClr val="lt1"/>
-    </dgm:txFillClrLst>
-    <dgm:txEffectClrLst/>
-  </dgm:styleLbl>
-  <dgm:styleLbl name="alignImgPlace1">
-    <dgm:fillClrLst meth="repeat">
-      <a:schemeClr val="accent1">
-        <a:tint val="50000"/>
-      </a:schemeClr>
-    </dgm:fillClrLst>
-    <dgm:linClrLst meth="repeat">
-      <a:schemeClr val="lt1"/>
-    </dgm:linClrLst>
-    <dgm:effectClrLst/>
-    <dgm:txLinClrLst/>
-    <dgm:txFillClrLst meth="repeat">
-      <a:schemeClr val="lt1"/>
-    </dgm:txFillClrLst>
-    <dgm:txEffectClrLst/>
-  </dgm:styleLbl>
-  <dgm:styleLbl name="bgImgPlace1">
-    <dgm:fillClrLst meth="repeat">
-      <a:schemeClr val="accent1">
-        <a:tint val="50000"/>
-      </a:schemeClr>
-    </dgm:fillClrLst>
-    <dgm:linClrLst meth="repeat">
-      <a:schemeClr val="lt1"/>
-    </dgm:linClrLst>
-    <dgm:effectClrLst/>
-    <dgm:txLinClrLst/>
-    <dgm:txFillClrLst meth="repeat">
-      <a:schemeClr val="lt1"/>
-    </dgm:txFillClrLst>
-    <dgm:txEffectClrLst/>
-  </dgm:styleLbl>
-  <dgm:styleLbl name="sibTrans2D1">
-    <dgm:fillClrLst meth="repeat">
-      <a:schemeClr val="accent1">
-        <a:tint val="60000"/>
-      </a:schemeClr>
-    </dgm:fillClrLst>
-    <dgm:linClrLst meth="repeat">
-      <a:schemeClr val="accent1">
-        <a:tint val="60000"/>
-      </a:schemeClr>
-    </dgm:linClrLst>
-    <dgm:effectClrLst/>
-    <dgm:txLinClrLst/>
-    <dgm:txFillClrLst/>
-    <dgm:txEffectClrLst/>
-  </dgm:styleLbl>
-  <dgm:styleLbl name="fgSibTrans2D1">
-    <dgm:fillClrLst meth="repeat">
-      <a:schemeClr val="accent1">
-        <a:tint val="60000"/>
-      </a:schemeClr>
-    </dgm:fillClrLst>
-    <dgm:linClrLst meth="repeat">
-      <a:schemeClr val="accent1">
-        <a:tint val="60000"/>
-      </a:schemeClr>
-    </dgm:linClrLst>
-    <dgm:effectClrLst/>
-    <dgm:txLinClrLst/>
-    <dgm:txFillClrLst/>
-    <dgm:txEffectClrLst/>
-  </dgm:styleLbl>
-  <dgm:styleLbl name="bgSibTrans2D1">
-    <dgm:fillClrLst meth="repeat">
-      <a:schemeClr val="accent1">
-        <a:tint val="60000"/>
-      </a:schemeClr>
-    </dgm:fillClrLst>
-    <dgm:linClrLst meth="repeat">
-      <a:schemeClr val="accent1">
-        <a:tint val="60000"/>
-      </a:schemeClr>
-    </dgm:linClrLst>
-    <dgm:effectClrLst/>
-    <dgm:txLinClrLst/>
-    <dgm:txFillClrLst/>
-    <dgm:txEffectClrLst/>
-  </dgm:styleLbl>
-  <dgm:styleLbl name="sibTrans1D1">
-    <dgm:fillClrLst meth="repeat">
-      <a:schemeClr val="accent1"/>
-    </dgm:fillClrLst>
-    <dgm:linClrLst meth="repeat">
-      <a:schemeClr val="accent1"/>
-    </dgm:linClrLst>
-    <dgm:effectClrLst/>
-    <dgm:txLinClrLst/>
-    <dgm:txFillClrLst meth="repeat">
-      <a:schemeClr val="tx1"/>
-    </dgm:txFillClrLst>
-    <dgm:txEffectClrLst/>
-  </dgm:styleLbl>
-  <dgm:styleLbl name="callout">
-    <dgm:fillClrLst meth="repeat">
-      <a:schemeClr val="accent1"/>
-    </dgm:fillClrLst>
-    <dgm:linClrLst meth="repeat">
-      <a:schemeClr val="accent1">
-        <a:tint val="50000"/>
-      </a:schemeClr>
-    </dgm:linClrLst>
-    <dgm:effectClrLst/>
-    <dgm:txLinClrLst/>
-    <dgm:txFillClrLst meth="repeat">
-      <a:schemeClr val="tx1"/>
-    </dgm:txFillClrLst>
-    <dgm:txEffectClrLst/>
-  </dgm:styleLbl>
-  <dgm:styleLbl name="asst0">
-    <dgm:fillClrLst meth="repeat">
-      <a:schemeClr val="accent1"/>
-    </dgm:fillClrLst>
-    <dgm:linClrLst meth="repeat">
-      <a:schemeClr val="lt1"/>
-    </dgm:linClrLst>
-    <dgm:effectClrLst/>
-    <dgm:txLinClrLst/>
-    <dgm:txFillClrLst/>
-    <dgm:txEffectClrLst/>
-  </dgm:styleLbl>
-  <dgm:styleLbl name="asst1">
-    <dgm:fillClrLst meth="repeat">
-      <a:schemeClr val="accent1"/>
-    </dgm:fillClrLst>
-    <dgm:linClrLst meth="repeat">
-      <a:schemeClr val="lt1"/>
-    </dgm:linClrLst>
-    <dgm:effectClrLst/>
-    <dgm:txLinClrLst/>
-    <dgm:txFillClrLst/>
-    <dgm:txEffectClrLst/>
-  </dgm:styleLbl>
-  <dgm:styleLbl name="asst2">
-    <dgm:fillClrLst meth="repeat">
-      <a:schemeClr val="accent1"/>
-    </dgm:fillClrLst>
-    <dgm:linClrLst meth="repeat">
-      <a:schemeClr val="lt1"/>
-    </dgm:linClrLst>
-    <dgm:effectClrLst/>
-    <dgm:txLinClrLst/>
-    <dgm:txFillClrLst/>
-    <dgm:txEffectClrLst/>
-  </dgm:styleLbl>
-  <dgm:styleLbl name="asst3">
-    <dgm:fillClrLst meth="repeat">
-      <a:schemeClr val="accent1"/>
-    </dgm:fillClrLst>
-    <dgm:linClrLst meth="repeat">
-      <a:schemeClr val="lt1"/>
-    </dgm:linClrLst>
-    <dgm:effectClrLst/>
-    <dgm:txLinClrLst/>
-    <dgm:txFillClrLst/>
-    <dgm:txEffectClrLst/>
-  </dgm:styleLbl>
-  <dgm:styleLbl name="asst4">
-    <dgm:fillClrLst meth="repeat">
-      <a:schemeClr val="accent1"/>
-    </dgm:fillClrLst>
-    <dgm:linClrLst meth="repeat">
-      <a:schemeClr val="lt1"/>
-    </dgm:linClrLst>
-    <dgm:effectClrLst/>
-    <dgm:txLinClrLst/>
-    <dgm:txFillClrLst/>
-    <dgm:txEffectClrLst/>
-  </dgm:styleLbl>
-  <dgm:styleLbl name="parChTrans2D1">
-    <dgm:fillClrLst meth="repeat">
-      <a:schemeClr val="accent1">
-        <a:tint val="60000"/>
-      </a:schemeClr>
-    </dgm:fillClrLst>
-    <dgm:linClrLst meth="repeat">
-      <a:schemeClr val="accent1">
-        <a:tint val="60000"/>
-      </a:schemeClr>
-    </dgm:linClrLst>
-    <dgm:effectClrLst/>
-    <dgm:txLinClrLst/>
-    <dgm:txFillClrLst meth="repeat">
-      <a:schemeClr val="lt1"/>
-    </dgm:txFillClrLst>
-    <dgm:txEffectClrLst/>
-  </dgm:styleLbl>
-  <dgm:styleLbl name="parChTrans2D2">
-    <dgm:fillClrLst meth="repeat">
-      <a:schemeClr val="accent1"/>
-    </dgm:fillClrLst>
-    <dgm:linClrLst meth="repeat">
-      <a:schemeClr val="accent1"/>
-    </dgm:linClrLst>
-    <dgm:effectClrLst/>
-    <dgm:txLinClrLst/>
-    <dgm:txFillClrLst meth="repeat">
-      <a:schemeClr val="lt1"/>
-    </dgm:txFillClrLst>
-    <dgm:txEffectClrLst/>
-  </dgm:styleLbl>
-  <dgm:styleLbl name="parChTrans2D3">
-    <dgm:fillClrLst meth="repeat">
-      <a:schemeClr val="accent1"/>
-    </dgm:fillClrLst>
-    <dgm:linClrLst meth="repeat">
-      <a:schemeClr val="accent1"/>
-    </dgm:linClrLst>
-    <dgm:effectClrLst/>
-    <dgm:txLinClrLst/>
-    <dgm:txFillClrLst meth="repeat">
-      <a:schemeClr val="lt1"/>
-    </dgm:txFillClrLst>
-    <dgm:txEffectClrLst/>
-  </dgm:styleLbl>
-  <dgm:styleLbl name="parChTrans2D4">
-    <dgm:fillClrLst meth="repeat">
-      <a:schemeClr val="accent1"/>
-    </dgm:fillClrLst>
-    <dgm:linClrLst meth="repeat">
-      <a:schemeClr val="accent1"/>
-    </dgm:linClrLst>
-    <dgm:effectClrLst/>
-    <dgm:txLinClrLst/>
-    <dgm:txFillClrLst meth="repeat">
-      <a:schemeClr val="lt1"/>
-    </dgm:txFillClrLst>
-    <dgm:txEffectClrLst/>
-  </dgm:styleLbl>
-  <dgm:styleLbl name="parChTrans1D1">
-    <dgm:fillClrLst meth="repeat">
-      <a:schemeClr val="accent1"/>
-    </dgm:fillClrLst>
-    <dgm:linClrLst meth="repeat">
-      <a:schemeClr val="accent1">
-        <a:shade val="60000"/>
-      </a:schemeClr>
-    </dgm:linClrLst>
-    <dgm:effectClrLst/>
-    <dgm:txLinClrLst/>
-    <dgm:txFillClrLst meth="repeat">
-      <a:schemeClr val="tx1"/>
-    </dgm:txFillClrLst>
-    <dgm:txEffectClrLst/>
-  </dgm:styleLbl>
-  <dgm:styleLbl name="parChTrans1D2">
-    <dgm:fillClrLst meth="repeat">
-      <a:schemeClr val="accent1"/>
-    </dgm:fillClrLst>
-    <dgm:linClrLst meth="repeat">
-      <a:schemeClr val="accent1">
-        <a:shade val="60000"/>
-      </a:schemeClr>
-    </dgm:linClrLst>
-    <dgm:effectClrLst/>
-    <dgm:txLinClrLst/>
-    <dgm:txFillClrLst meth="repeat">
-      <a:schemeClr val="tx1"/>
-    </dgm:txFillClrLst>
-    <dgm:txEffectClrLst/>
-  </dgm:styleLbl>
-  <dgm:styleLbl name="parChTrans1D3">
-    <dgm:fillClrLst meth="repeat">
-      <a:schemeClr val="accent1"/>
-    </dgm:fillClrLst>
-    <dgm:linClrLst meth="repeat">
-      <a:schemeClr val="accent1">
-        <a:shade val="80000"/>
-      </a:schemeClr>
-    </dgm:linClrLst>
-    <dgm:effectClrLst/>
-    <dgm:txLinClrLst/>
-    <dgm:txFillClrLst meth="repeat">
-      <a:schemeClr val="tx1"/>
-    </dgm:txFillClrLst>
-    <dgm:txEffectClrLst/>
-  </dgm:styleLbl>
-  <dgm:styleLbl name="parChTrans1D4">
-    <dgm:fillClrLst meth="repeat">
-      <a:schemeClr val="accent1"/>
-    </dgm:fillClrLst>
-    <dgm:linClrLst meth="repeat">
-      <a:schemeClr val="accent1">
-        <a:shade val="80000"/>
-      </a:schemeClr>
-    </dgm:linClrLst>
-    <dgm:effectClrLst/>
-    <dgm:txLinClrLst/>
-    <dgm:txFillClrLst meth="repeat">
-      <a:schemeClr val="tx1"/>
-    </dgm:txFillClrLst>
-    <dgm:txEffectClrLst/>
-  </dgm:styleLbl>
-  <dgm:styleLbl name="fgAcc1">
-    <dgm:fillClrLst meth="repeat">
-      <a:schemeClr val="lt1">
-        <a:alpha val="90000"/>
-      </a:schemeClr>
-    </dgm:fillClrLst>
-    <dgm:linClrLst meth="repeat">
-      <a:schemeClr val="accent1"/>
-    </dgm:linClrLst>
-    <dgm:effectClrLst/>
-    <dgm:txLinClrLst/>
-    <dgm:txFillClrLst meth="repeat">
-      <a:schemeClr val="dk1"/>
-    </dgm:txFillClrLst>
-    <dgm:txEffectClrLst/>
-  </dgm:styleLbl>
-  <dgm:styleLbl name="conFgAcc1">
-    <dgm:fillClrLst meth="repeat">
-      <a:schemeClr val="lt1">
-        <a:alpha val="90000"/>
-      </a:schemeClr>
-    </dgm:fillClrLst>
-    <dgm:linClrLst meth="repeat">
-      <a:schemeClr val="accent1"/>
-    </dgm:linClrLst>
-    <dgm:effectClrLst/>
-    <dgm:txLinClrLst/>
-    <dgm:txFillClrLst meth="repeat">
-      <a:schemeClr val="dk1"/>
-    </dgm:txFillClrLst>
-    <dgm:txEffectClrLst/>
-  </dgm:styleLbl>
-  <dgm:styleLbl name="alignAcc1">
-    <dgm:fillClrLst meth="repeat">
-      <a:schemeClr val="lt1">
-        <a:alpha val="90000"/>
-      </a:schemeClr>
-    </dgm:fillClrLst>
-    <dgm:linClrLst meth="repeat">
-      <a:schemeClr val="accent1"/>
-    </dgm:linClrLst>
-    <dgm:effectClrLst/>
-    <dgm:txLinClrLst/>
-    <dgm:txFillClrLst meth="repeat">
-      <a:schemeClr val="dk1"/>
-    </dgm:txFillClrLst>
-    <dgm:txEffectClrLst/>
-  </dgm:styleLbl>
-  <dgm:styleLbl name="trAlignAcc1">
-    <dgm:fillClrLst meth="repeat">
-      <a:schemeClr val="lt1">
-        <a:alpha val="40000"/>
-      </a:schemeClr>
-    </dgm:fillClrLst>
-    <dgm:linClrLst meth="repeat">
-      <a:schemeClr val="accent1"/>
-    </dgm:linClrLst>
-    <dgm:effectClrLst/>
-    <dgm:txLinClrLst/>
-    <dgm:txFillClrLst meth="repeat">
-      <a:schemeClr val="dk1"/>
-    </dgm:txFillClrLst>
-    <dgm:txEffectClrLst/>
-  </dgm:styleLbl>
-  <dgm:styleLbl name="bgAcc1">
-    <dgm:fillClrLst meth="repeat">
-      <a:schemeClr val="lt1">
-        <a:alpha val="90000"/>
-      </a:schemeClr>
-    </dgm:fillClrLst>
-    <dgm:linClrLst meth="repeat">
-      <a:schemeClr val="accent1"/>
-    </dgm:linClrLst>
-    <dgm:effectClrLst/>
-    <dgm:txLinClrLst/>
-    <dgm:txFillClrLst meth="repeat">
-      <a:schemeClr val="dk1"/>
-    </dgm:txFillClrLst>
-    <dgm:txEffectClrLst/>
-  </dgm:styleLbl>
-  <dgm:styleLbl name="solidFgAcc1">
-    <dgm:fillClrLst meth="repeat">
-      <a:schemeClr val="lt1"/>
-    </dgm:fillClrLst>
-    <dgm:linClrLst meth="repeat">
-      <a:schemeClr val="accent1"/>
-    </dgm:linClrLst>
-    <dgm:effectClrLst/>
-    <dgm:txLinClrLst/>
-    <dgm:txFillClrLst meth="repeat">
-      <a:schemeClr val="dk1"/>
-    </dgm:txFillClrLst>
-    <dgm:txEffectClrLst/>
-  </dgm:styleLbl>
-  <dgm:styleLbl name="solidAlignAcc1">
-    <dgm:fillClrLst meth="repeat">
-      <a:schemeClr val="lt1"/>
-    </dgm:fillClrLst>
-    <dgm:linClrLst meth="repeat">
-      <a:schemeClr val="accent1"/>
-    </dgm:linClrLst>
-    <dgm:effectClrLst/>
-    <dgm:txLinClrLst/>
-    <dgm:txFillClrLst meth="repeat">
-      <a:schemeClr val="dk1"/>
-    </dgm:txFillClrLst>
-    <dgm:txEffectClrLst/>
-  </dgm:styleLbl>
-  <dgm:styleLbl name="solidBgAcc1">
-    <dgm:fillClrLst meth="repeat">
-      <a:schemeClr val="lt1"/>
-    </dgm:fillClrLst>
-    <dgm:linClrLst meth="repeat">
-      <a:schemeClr val="accent1"/>
-    </dgm:linClrLst>
-    <dgm:effectClrLst/>
-    <dgm:txLinClrLst/>
-    <dgm:txFillClrLst meth="repeat">
-      <a:schemeClr val="dk1"/>
-    </dgm:txFillClrLst>
-    <dgm:txEffectClrLst/>
-  </dgm:styleLbl>
-  <dgm:styleLbl name="fgAccFollowNode1">
-    <dgm:fillClrLst meth="repeat">
-      <a:schemeClr val="accent1">
-        <a:alpha val="90000"/>
-        <a:tint val="40000"/>
-      </a:schemeClr>
-    </dgm:fillClrLst>
-    <dgm:linClrLst meth="repeat">
-      <a:schemeClr val="accent1">
-        <a:alpha val="90000"/>
-        <a:tint val="40000"/>
-      </a:schemeClr>
-    </dgm:linClrLst>
-    <dgm:effectClrLst/>
-    <dgm:txLinClrLst/>
-    <dgm:txFillClrLst meth="repeat">
-      <a:schemeClr val="dk1"/>
-    </dgm:txFillClrLst>
-    <dgm:txEffectClrLst/>
-  </dgm:styleLbl>
-  <dgm:styleLbl name="alignAccFollowNode1">
-    <dgm:fillClrLst meth="repeat">
-      <a:schemeClr val="accent1">
-        <a:alpha val="90000"/>
-        <a:tint val="40000"/>
-      </a:schemeClr>
-    </dgm:fillClrLst>
-    <dgm:linClrLst meth="repeat">
-      <a:schemeClr val="accent1">
-        <a:alpha val="90000"/>
-        <a:tint val="40000"/>
-      </a:schemeClr>
-    </dgm:linClrLst>
-    <dgm:effectClrLst/>
-    <dgm:txLinClrLst/>
-    <dgm:txFillClrLst meth="repeat">
-      <a:schemeClr val="dk1"/>
-    </dgm:txFillClrLst>
-    <dgm:txEffectClrLst/>
-  </dgm:styleLbl>
-  <dgm:styleLbl name="bgAccFollowNode1">
-    <dgm:fillClrLst meth="repeat">
-      <a:schemeClr val="accent1">
-        <a:alpha val="90000"/>
-        <a:tint val="40000"/>
-      </a:schemeClr>
-    </dgm:fillClrLst>
-    <dgm:linClrLst meth="repeat">
-      <a:schemeClr val="accent1">
-        <a:alpha val="90000"/>
-        <a:tint val="40000"/>
-      </a:schemeClr>
-    </dgm:linClrLst>
-    <dgm:effectClrLst/>
-    <dgm:txLinClrLst/>
-    <dgm:txFillClrLst meth="repeat">
-      <a:schemeClr val="dk1"/>
-    </dgm:txFillClrLst>
-    <dgm:txEffectClrLst/>
-  </dgm:styleLbl>
-  <dgm:styleLbl name="fgAcc0">
-    <dgm:fillClrLst meth="repeat">
-      <a:schemeClr val="lt1">
-        <a:alpha val="90000"/>
-      </a:schemeClr>
-    </dgm:fillClrLst>
-    <dgm:linClrLst meth="repeat">
-      <a:schemeClr val="accent1"/>
-    </dgm:linClrLst>
-    <dgm:effectClrLst/>
-    <dgm:txLinClrLst/>
-    <dgm:txFillClrLst meth="repeat">
-      <a:schemeClr val="dk1"/>
-    </dgm:txFillClrLst>
-    <dgm:txEffectClrLst/>
-  </dgm:styleLbl>
-  <dgm:styleLbl name="fgAcc2">
-    <dgm:fillClrLst meth="repeat">
-      <a:schemeClr val="lt1">
-        <a:alpha val="90000"/>
-      </a:schemeClr>
-    </dgm:fillClrLst>
-    <dgm:linClrLst meth="repeat">
-      <a:schemeClr val="accent1"/>
-    </dgm:linClrLst>
-    <dgm:effectClrLst/>
-    <dgm:txLinClrLst/>
-    <dgm:txFillClrLst meth="repeat">
-      <a:schemeClr val="dk1"/>
-    </dgm:txFillClrLst>
-    <dgm:txEffectClrLst/>
-  </dgm:styleLbl>
-  <dgm:styleLbl name="fgAcc3">
-    <dgm:fillClrLst meth="repeat">
-      <a:schemeClr val="lt1">
-        <a:alpha val="90000"/>
-      </a:schemeClr>
-    </dgm:fillClrLst>
-    <dgm:linClrLst meth="repeat">
-      <a:schemeClr val="accent1"/>
-    </dgm:linClrLst>
-    <dgm:effectClrLst/>
-    <dgm:txLinClrLst/>
-    <dgm:txFillClrLst meth="repeat">
-      <a:schemeClr val="dk1"/>
-    </dgm:txFillClrLst>
-    <dgm:txEffectClrLst/>
-  </dgm:styleLbl>
-  <dgm:styleLbl name="fgAcc4">
-    <dgm:fillClrLst meth="repeat">
-      <a:schemeClr val="lt1">
-        <a:alpha val="90000"/>
-      </a:schemeClr>
-    </dgm:fillClrLst>
-    <dgm:linClrLst meth="repeat">
-      <a:schemeClr val="accent1"/>
-    </dgm:linClrLst>
-    <dgm:effectClrLst/>
-    <dgm:txLinClrLst/>
-    <dgm:txFillClrLst meth="repeat">
-      <a:schemeClr val="dk1"/>
-    </dgm:txFillClrLst>
-    <dgm:txEffectClrLst/>
-  </dgm:styleLbl>
-  <dgm:styleLbl name="bgShp">
-    <dgm:fillClrLst meth="repeat">
-      <a:schemeClr val="accent1">
-        <a:tint val="40000"/>
-      </a:schemeClr>
-    </dgm:fillClrLst>
-    <dgm:linClrLst meth="repeat">
-      <a:schemeClr val="accent1"/>
-    </dgm:linClrLst>
-    <dgm:effectClrLst/>
-    <dgm:txLinClrLst/>
-    <dgm:txFillClrLst meth="repeat">
-      <a:schemeClr val="dk1"/>
-    </dgm:txFillClrLst>
-    <dgm:txEffectClrLst/>
-  </dgm:styleLbl>
-  <dgm:styleLbl name="dkBgShp">
-    <dgm:fillClrLst meth="repeat">
-      <a:schemeClr val="accent1">
-        <a:shade val="80000"/>
-      </a:schemeClr>
-    </dgm:fillClrLst>
-    <dgm:linClrLst meth="repeat">
-      <a:schemeClr val="accent1"/>
-    </dgm:linClrLst>
-    <dgm:effectClrLst/>
-    <dgm:txLinClrLst/>
-    <dgm:txFillClrLst meth="repeat">
-      <a:schemeClr val="lt1"/>
-    </dgm:txFillClrLst>
-    <dgm:txEffectClrLst/>
-  </dgm:styleLbl>
-  <dgm:styleLbl name="trBgShp">
-    <dgm:fillClrLst meth="repeat">
-      <a:schemeClr val="accent1">
-        <a:tint val="50000"/>
-        <a:alpha val="40000"/>
-      </a:schemeClr>
-    </dgm:fillClrLst>
-    <dgm:linClrLst meth="repeat">
-      <a:schemeClr val="accent1"/>
-    </dgm:linClrLst>
-    <dgm:effectClrLst/>
-    <dgm:txLinClrLst/>
-    <dgm:txFillClrLst meth="repeat">
-      <a:schemeClr val="lt1"/>
-    </dgm:txFillClrLst>
-    <dgm:txEffectClrLst/>
-  </dgm:styleLbl>
-  <dgm:styleLbl name="fgShp">
-    <dgm:fillClrLst meth="repeat">
-      <a:schemeClr val="accent1">
-        <a:tint val="60000"/>
-      </a:schemeClr>
-    </dgm:fillClrLst>
-    <dgm:linClrLst meth="repeat">
-      <a:schemeClr val="lt1"/>
-    </dgm:linClrLst>
-    <dgm:effectClrLst/>
-    <dgm:txLinClrLst/>
-    <dgm:txFillClrLst meth="repeat">
-      <a:schemeClr val="dk1"/>
-    </dgm:txFillClrLst>
-    <dgm:txEffectClrLst/>
-  </dgm:styleLbl>
-  <dgm:styleLbl name="revTx">
-    <dgm:fillClrLst meth="repeat">
-      <a:schemeClr val="lt1">
-        <a:alpha val="0"/>
-      </a:schemeClr>
-    </dgm:fillClrLst>
-    <dgm:linClrLst meth="repeat">
-      <a:schemeClr val="dk1">
-        <a:alpha val="0"/>
-      </a:schemeClr>
-    </dgm:linClrLst>
-    <dgm:effectClrLst/>
-    <dgm:txLinClrLst/>
-    <dgm:txFillClrLst meth="repeat">
-      <a:schemeClr val="tx1"/>
-    </dgm:txFillClrLst>
-    <dgm:txEffectClrLst/>
-  </dgm:styleLbl>
-</dgm:colorsDef>
-</file>
-
 <file path=ppt/diagrams/data1.xml><?xml version="1.0" encoding="utf-8"?>
 <dgm:dataModel xmlns:dgm="http://schemas.openxmlformats.org/drawingml/2006/diagram" xmlns:a="http://schemas.openxmlformats.org/drawingml/2006/main">
   <dgm:ptLst>
@@ -9906,269 +9160,6 @@
     <dgm:cxn modelId="{CBE4E943-B0FB-4B53-85EC-6E9EE5D826B2}" type="presParOf" srcId="{05C7FF7F-94CC-432E-91F4-89EAB067ACB7}" destId="{D85AD417-029C-4E57-8740-7B2CD7157474}" srcOrd="8" destOrd="0" presId="urn:microsoft.com/office/officeart/2005/8/layout/hList1"/>
     <dgm:cxn modelId="{E83FB12A-2CFB-42C9-BB68-BDC040695AD1}" type="presParOf" srcId="{D85AD417-029C-4E57-8740-7B2CD7157474}" destId="{839BA42A-3B80-4489-BE6A-A9D5C1FBAE01}" srcOrd="0" destOrd="0" presId="urn:microsoft.com/office/officeart/2005/8/layout/hList1"/>
     <dgm:cxn modelId="{BE71C2C0-7DD0-41BC-BF8D-4D64086FEACD}" type="presParOf" srcId="{D85AD417-029C-4E57-8740-7B2CD7157474}" destId="{809477FF-A692-466C-8800-3CCD3C20CD13}" srcOrd="1" destOrd="0" presId="urn:microsoft.com/office/officeart/2005/8/layout/hList1"/>
-  </dgm:cxnLst>
-  <dgm:bg/>
-  <dgm:whole/>
-  <dgm:extLst>
-    <a:ext uri="http://schemas.microsoft.com/office/drawing/2008/diagram">
-      <dsp:dataModelExt xmlns:dsp="http://schemas.microsoft.com/office/drawing/2008/diagram" relId="rId8" minVer="http://schemas.openxmlformats.org/drawingml/2006/diagram"/>
-    </a:ext>
-  </dgm:extLst>
-</dgm:dataModel>
-</file>
-
-<file path=ppt/diagrams/data6.xml><?xml version="1.0" encoding="utf-8"?>
-<dgm:dataModel xmlns:dgm="http://schemas.openxmlformats.org/drawingml/2006/diagram" xmlns:a="http://schemas.openxmlformats.org/drawingml/2006/main">
-  <dgm:ptLst>
-    <dgm:pt modelId="{F22DB869-9A15-451C-8155-D3D12405D37B}" type="doc">
-      <dgm:prSet loTypeId="urn:microsoft.com/office/officeart/2005/8/layout/chart3" loCatId="relationship" qsTypeId="urn:microsoft.com/office/officeart/2005/8/quickstyle/simple1" qsCatId="simple" csTypeId="urn:microsoft.com/office/officeart/2005/8/colors/accent1_2" csCatId="accent1" phldr="1"/>
-      <dgm:spPr/>
-    </dgm:pt>
-    <dgm:pt modelId="{18C9761D-6B75-41BD-BDC6-70D182A019F2}">
-      <dgm:prSet phldrT="[Text]"/>
-      <dgm:spPr/>
-      <dgm:t>
-        <a:bodyPr/>
-        <a:lstStyle/>
-        <a:p>
-          <a:r>
-            <a:rPr lang="en-US" dirty="0"/>
-            <a:t>FP: %</a:t>
-          </a:r>
-          <a:endParaRPr lang="en-GB" dirty="0"/>
-        </a:p>
-      </dgm:t>
-    </dgm:pt>
-    <dgm:pt modelId="{79E9C58F-4B35-4A3B-9402-E2791DA6EB4A}" type="parTrans" cxnId="{5BA94A29-5B06-476B-819A-997167129405}">
-      <dgm:prSet/>
-      <dgm:spPr/>
-      <dgm:t>
-        <a:bodyPr/>
-        <a:lstStyle/>
-        <a:p>
-          <a:endParaRPr lang="en-GB"/>
-        </a:p>
-      </dgm:t>
-    </dgm:pt>
-    <dgm:pt modelId="{E74FE480-54C7-476D-AE70-F578B339F0E2}" type="sibTrans" cxnId="{5BA94A29-5B06-476B-819A-997167129405}">
-      <dgm:prSet/>
-      <dgm:spPr/>
-      <dgm:t>
-        <a:bodyPr/>
-        <a:lstStyle/>
-        <a:p>
-          <a:endParaRPr lang="en-GB"/>
-        </a:p>
-      </dgm:t>
-    </dgm:pt>
-    <dgm:pt modelId="{7A8335C0-B1C3-4F85-9009-35BBDF6DB79A}">
-      <dgm:prSet phldrT="[Text]"/>
-      <dgm:spPr/>
-      <dgm:t>
-        <a:bodyPr/>
-        <a:lstStyle/>
-        <a:p>
-          <a:r>
-            <a:rPr lang="en-US" dirty="0"/>
-            <a:t>FN: %</a:t>
-          </a:r>
-          <a:endParaRPr lang="en-GB" dirty="0"/>
-        </a:p>
-      </dgm:t>
-    </dgm:pt>
-    <dgm:pt modelId="{A9A6B143-AD34-46B9-A36C-32FA740442FB}" type="parTrans" cxnId="{2DE1A749-00C5-4401-BDE7-FADA2344DA12}">
-      <dgm:prSet/>
-      <dgm:spPr/>
-      <dgm:t>
-        <a:bodyPr/>
-        <a:lstStyle/>
-        <a:p>
-          <a:endParaRPr lang="en-GB"/>
-        </a:p>
-      </dgm:t>
-    </dgm:pt>
-    <dgm:pt modelId="{064D59C8-210E-47DB-B2B4-D72FA1401CE2}" type="sibTrans" cxnId="{2DE1A749-00C5-4401-BDE7-FADA2344DA12}">
-      <dgm:prSet/>
-      <dgm:spPr/>
-      <dgm:t>
-        <a:bodyPr/>
-        <a:lstStyle/>
-        <a:p>
-          <a:endParaRPr lang="en-GB"/>
-        </a:p>
-      </dgm:t>
-    </dgm:pt>
-    <dgm:pt modelId="{AE8F57BB-B1E8-4267-9E2D-76FDBDA62ADE}">
-      <dgm:prSet phldrT="[Text]"/>
-      <dgm:spPr>
-        <a:solidFill>
-          <a:srgbClr val="92D050"/>
-        </a:solidFill>
-      </dgm:spPr>
-      <dgm:t>
-        <a:bodyPr/>
-        <a:lstStyle/>
-        <a:p>
-          <a:r>
-            <a:rPr lang="en-US" dirty="0"/>
-            <a:t>TP: %</a:t>
-          </a:r>
-          <a:endParaRPr lang="en-GB" dirty="0"/>
-        </a:p>
-      </dgm:t>
-    </dgm:pt>
-    <dgm:pt modelId="{495003E1-C3CD-49F2-AA4D-D722ADC5CCFA}" type="parTrans" cxnId="{57395746-699D-43B3-AE00-186C934B8B93}">
-      <dgm:prSet/>
-      <dgm:spPr/>
-      <dgm:t>
-        <a:bodyPr/>
-        <a:lstStyle/>
-        <a:p>
-          <a:endParaRPr lang="en-GB"/>
-        </a:p>
-      </dgm:t>
-    </dgm:pt>
-    <dgm:pt modelId="{7B56FAC3-236E-40E9-A13A-7F799B1EA07E}" type="sibTrans" cxnId="{57395746-699D-43B3-AE00-186C934B8B93}">
-      <dgm:prSet/>
-      <dgm:spPr/>
-      <dgm:t>
-        <a:bodyPr/>
-        <a:lstStyle/>
-        <a:p>
-          <a:endParaRPr lang="en-GB"/>
-        </a:p>
-      </dgm:t>
-    </dgm:pt>
-    <dgm:pt modelId="{29D83A61-FED9-4873-BC75-B634C1A7D8CB}">
-      <dgm:prSet phldrT="[Text]"/>
-      <dgm:spPr>
-        <a:solidFill>
-          <a:srgbClr val="92D050"/>
-        </a:solidFill>
-      </dgm:spPr>
-      <dgm:t>
-        <a:bodyPr/>
-        <a:lstStyle/>
-        <a:p>
-          <a:r>
-            <a:rPr lang="en-US" dirty="0"/>
-            <a:t>TN: %</a:t>
-          </a:r>
-          <a:endParaRPr lang="en-GB" dirty="0"/>
-        </a:p>
-      </dgm:t>
-    </dgm:pt>
-    <dgm:pt modelId="{BF3040E8-EDE5-4CD3-898F-D504764DF177}" type="parTrans" cxnId="{13F85F2E-E9E7-46F8-87B2-44CDE8FC6F7E}">
-      <dgm:prSet/>
-      <dgm:spPr/>
-      <dgm:t>
-        <a:bodyPr/>
-        <a:lstStyle/>
-        <a:p>
-          <a:endParaRPr lang="en-GB"/>
-        </a:p>
-      </dgm:t>
-    </dgm:pt>
-    <dgm:pt modelId="{FBBE1E68-A39D-4488-82FF-C6371075CCEB}" type="sibTrans" cxnId="{13F85F2E-E9E7-46F8-87B2-44CDE8FC6F7E}">
-      <dgm:prSet/>
-      <dgm:spPr/>
-      <dgm:t>
-        <a:bodyPr/>
-        <a:lstStyle/>
-        <a:p>
-          <a:endParaRPr lang="en-GB"/>
-        </a:p>
-      </dgm:t>
-    </dgm:pt>
-    <dgm:pt modelId="{C6C03483-533D-4BDF-B732-E90605A62507}" type="pres">
-      <dgm:prSet presAssocID="{F22DB869-9A15-451C-8155-D3D12405D37B}" presName="compositeShape" presStyleCnt="0">
-        <dgm:presLayoutVars>
-          <dgm:chMax val="7"/>
-          <dgm:dir/>
-          <dgm:resizeHandles val="exact"/>
-        </dgm:presLayoutVars>
-      </dgm:prSet>
-      <dgm:spPr/>
-    </dgm:pt>
-    <dgm:pt modelId="{930F2E12-2A9A-4CEF-BD79-CDAC6008BFB8}" type="pres">
-      <dgm:prSet presAssocID="{F22DB869-9A15-451C-8155-D3D12405D37B}" presName="wedge1" presStyleLbl="node1" presStyleIdx="0" presStyleCnt="4" custLinFactNeighborX="-4312" custLinFactNeighborY="4291"/>
-      <dgm:spPr/>
-    </dgm:pt>
-    <dgm:pt modelId="{627FFB8A-4A33-4379-B239-14A080D0538B}" type="pres">
-      <dgm:prSet presAssocID="{F22DB869-9A15-451C-8155-D3D12405D37B}" presName="wedge1Tx" presStyleLbl="node1" presStyleIdx="0" presStyleCnt="4">
-        <dgm:presLayoutVars>
-          <dgm:chMax val="0"/>
-          <dgm:chPref val="0"/>
-          <dgm:bulletEnabled val="1"/>
-        </dgm:presLayoutVars>
-      </dgm:prSet>
-      <dgm:spPr/>
-    </dgm:pt>
-    <dgm:pt modelId="{D87E4BF0-5AB3-414F-9B72-4F27803FD392}" type="pres">
-      <dgm:prSet presAssocID="{F22DB869-9A15-451C-8155-D3D12405D37B}" presName="wedge2" presStyleLbl="node1" presStyleIdx="1" presStyleCnt="4"/>
-      <dgm:spPr/>
-    </dgm:pt>
-    <dgm:pt modelId="{214A871B-7DD4-4436-ACFA-999BCA8CAACA}" type="pres">
-      <dgm:prSet presAssocID="{F22DB869-9A15-451C-8155-D3D12405D37B}" presName="wedge2Tx" presStyleLbl="node1" presStyleIdx="1" presStyleCnt="4">
-        <dgm:presLayoutVars>
-          <dgm:chMax val="0"/>
-          <dgm:chPref val="0"/>
-          <dgm:bulletEnabled val="1"/>
-        </dgm:presLayoutVars>
-      </dgm:prSet>
-      <dgm:spPr/>
-    </dgm:pt>
-    <dgm:pt modelId="{5DD6C26F-72D9-478B-A32A-B590F211064D}" type="pres">
-      <dgm:prSet presAssocID="{F22DB869-9A15-451C-8155-D3D12405D37B}" presName="wedge3" presStyleLbl="node1" presStyleIdx="2" presStyleCnt="4"/>
-      <dgm:spPr/>
-    </dgm:pt>
-    <dgm:pt modelId="{1C6D1BEB-4AF8-4A03-8CF4-A4A124E45698}" type="pres">
-      <dgm:prSet presAssocID="{F22DB869-9A15-451C-8155-D3D12405D37B}" presName="wedge3Tx" presStyleLbl="node1" presStyleIdx="2" presStyleCnt="4">
-        <dgm:presLayoutVars>
-          <dgm:chMax val="0"/>
-          <dgm:chPref val="0"/>
-          <dgm:bulletEnabled val="1"/>
-        </dgm:presLayoutVars>
-      </dgm:prSet>
-      <dgm:spPr/>
-    </dgm:pt>
-    <dgm:pt modelId="{1751F260-01E3-48C4-AEE2-810FF4CA9FFE}" type="pres">
-      <dgm:prSet presAssocID="{F22DB869-9A15-451C-8155-D3D12405D37B}" presName="wedge4" presStyleLbl="node1" presStyleIdx="3" presStyleCnt="4"/>
-      <dgm:spPr/>
-    </dgm:pt>
-    <dgm:pt modelId="{FD06850E-343C-4056-AB20-2FDF197545B3}" type="pres">
-      <dgm:prSet presAssocID="{F22DB869-9A15-451C-8155-D3D12405D37B}" presName="wedge4Tx" presStyleLbl="node1" presStyleIdx="3" presStyleCnt="4">
-        <dgm:presLayoutVars>
-          <dgm:chMax val="0"/>
-          <dgm:chPref val="0"/>
-          <dgm:bulletEnabled val="1"/>
-        </dgm:presLayoutVars>
-      </dgm:prSet>
-      <dgm:spPr/>
-    </dgm:pt>
-  </dgm:ptLst>
-  <dgm:cxnLst>
-    <dgm:cxn modelId="{D0779407-50EA-4E92-91B2-D5F4C07FA150}" type="presOf" srcId="{29D83A61-FED9-4873-BC75-B634C1A7D8CB}" destId="{D87E4BF0-5AB3-414F-9B72-4F27803FD392}" srcOrd="0" destOrd="0" presId="urn:microsoft.com/office/officeart/2005/8/layout/chart3"/>
-    <dgm:cxn modelId="{EA955326-D397-4210-8CD9-843D12449371}" type="presOf" srcId="{AE8F57BB-B1E8-4267-9E2D-76FDBDA62ADE}" destId="{FD06850E-343C-4056-AB20-2FDF197545B3}" srcOrd="1" destOrd="0" presId="urn:microsoft.com/office/officeart/2005/8/layout/chart3"/>
-    <dgm:cxn modelId="{5BA94A29-5B06-476B-819A-997167129405}" srcId="{F22DB869-9A15-451C-8155-D3D12405D37B}" destId="{18C9761D-6B75-41BD-BDC6-70D182A019F2}" srcOrd="0" destOrd="0" parTransId="{79E9C58F-4B35-4A3B-9402-E2791DA6EB4A}" sibTransId="{E74FE480-54C7-476D-AE70-F578B339F0E2}"/>
-    <dgm:cxn modelId="{13F85F2E-E9E7-46F8-87B2-44CDE8FC6F7E}" srcId="{F22DB869-9A15-451C-8155-D3D12405D37B}" destId="{29D83A61-FED9-4873-BC75-B634C1A7D8CB}" srcOrd="1" destOrd="0" parTransId="{BF3040E8-EDE5-4CD3-898F-D504764DF177}" sibTransId="{FBBE1E68-A39D-4488-82FF-C6371075CCEB}"/>
-    <dgm:cxn modelId="{57395746-699D-43B3-AE00-186C934B8B93}" srcId="{F22DB869-9A15-451C-8155-D3D12405D37B}" destId="{AE8F57BB-B1E8-4267-9E2D-76FDBDA62ADE}" srcOrd="3" destOrd="0" parTransId="{495003E1-C3CD-49F2-AA4D-D722ADC5CCFA}" sibTransId="{7B56FAC3-236E-40E9-A13A-7F799B1EA07E}"/>
-    <dgm:cxn modelId="{2DE1A749-00C5-4401-BDE7-FADA2344DA12}" srcId="{F22DB869-9A15-451C-8155-D3D12405D37B}" destId="{7A8335C0-B1C3-4F85-9009-35BBDF6DB79A}" srcOrd="2" destOrd="0" parTransId="{A9A6B143-AD34-46B9-A36C-32FA740442FB}" sibTransId="{064D59C8-210E-47DB-B2B4-D72FA1401CE2}"/>
-    <dgm:cxn modelId="{9FAB476C-6B14-4510-BD04-087981EF6D93}" type="presOf" srcId="{18C9761D-6B75-41BD-BDC6-70D182A019F2}" destId="{930F2E12-2A9A-4CEF-BD79-CDAC6008BFB8}" srcOrd="0" destOrd="0" presId="urn:microsoft.com/office/officeart/2005/8/layout/chart3"/>
-    <dgm:cxn modelId="{3F79686C-DC14-4A6B-A334-E0535695C588}" type="presOf" srcId="{7A8335C0-B1C3-4F85-9009-35BBDF6DB79A}" destId="{1C6D1BEB-4AF8-4A03-8CF4-A4A124E45698}" srcOrd="1" destOrd="0" presId="urn:microsoft.com/office/officeart/2005/8/layout/chart3"/>
-    <dgm:cxn modelId="{FADD2C55-1DA0-44AF-B0ED-50A9D9A23741}" type="presOf" srcId="{18C9761D-6B75-41BD-BDC6-70D182A019F2}" destId="{627FFB8A-4A33-4379-B239-14A080D0538B}" srcOrd="1" destOrd="0" presId="urn:microsoft.com/office/officeart/2005/8/layout/chart3"/>
-    <dgm:cxn modelId="{B112F1A2-551A-4292-8F0A-97B8F4AB2508}" type="presOf" srcId="{AE8F57BB-B1E8-4267-9E2D-76FDBDA62ADE}" destId="{1751F260-01E3-48C4-AEE2-810FF4CA9FFE}" srcOrd="0" destOrd="0" presId="urn:microsoft.com/office/officeart/2005/8/layout/chart3"/>
-    <dgm:cxn modelId="{355DABA4-C4D3-43D1-BEB9-AEF740BBBDB4}" type="presOf" srcId="{29D83A61-FED9-4873-BC75-B634C1A7D8CB}" destId="{214A871B-7DD4-4436-ACFA-999BCA8CAACA}" srcOrd="1" destOrd="0" presId="urn:microsoft.com/office/officeart/2005/8/layout/chart3"/>
-    <dgm:cxn modelId="{BE9EA8C2-957A-4AE8-84B8-C3B6500EBE1C}" type="presOf" srcId="{7A8335C0-B1C3-4F85-9009-35BBDF6DB79A}" destId="{5DD6C26F-72D9-478B-A32A-B590F211064D}" srcOrd="0" destOrd="0" presId="urn:microsoft.com/office/officeart/2005/8/layout/chart3"/>
-    <dgm:cxn modelId="{F09A77F6-09EA-4A29-BACC-BB33FB877C8F}" type="presOf" srcId="{F22DB869-9A15-451C-8155-D3D12405D37B}" destId="{C6C03483-533D-4BDF-B732-E90605A62507}" srcOrd="0" destOrd="0" presId="urn:microsoft.com/office/officeart/2005/8/layout/chart3"/>
-    <dgm:cxn modelId="{43216985-8E82-4782-85E4-41D25AF94868}" type="presParOf" srcId="{C6C03483-533D-4BDF-B732-E90605A62507}" destId="{930F2E12-2A9A-4CEF-BD79-CDAC6008BFB8}" srcOrd="0" destOrd="0" presId="urn:microsoft.com/office/officeart/2005/8/layout/chart3"/>
-    <dgm:cxn modelId="{E29E354C-C5C3-45D1-BCBF-9DF2F6B0823A}" type="presParOf" srcId="{C6C03483-533D-4BDF-B732-E90605A62507}" destId="{627FFB8A-4A33-4379-B239-14A080D0538B}" srcOrd="1" destOrd="0" presId="urn:microsoft.com/office/officeart/2005/8/layout/chart3"/>
-    <dgm:cxn modelId="{B2273ED4-8FAD-4A20-A969-34B34A80DC4C}" type="presParOf" srcId="{C6C03483-533D-4BDF-B732-E90605A62507}" destId="{D87E4BF0-5AB3-414F-9B72-4F27803FD392}" srcOrd="2" destOrd="0" presId="urn:microsoft.com/office/officeart/2005/8/layout/chart3"/>
-    <dgm:cxn modelId="{3D1DC13E-65C7-4126-A921-1A8ACC79F331}" type="presParOf" srcId="{C6C03483-533D-4BDF-B732-E90605A62507}" destId="{214A871B-7DD4-4436-ACFA-999BCA8CAACA}" srcOrd="3" destOrd="0" presId="urn:microsoft.com/office/officeart/2005/8/layout/chart3"/>
-    <dgm:cxn modelId="{61397CED-0284-439C-BBDC-712BE9C30014}" type="presParOf" srcId="{C6C03483-533D-4BDF-B732-E90605A62507}" destId="{5DD6C26F-72D9-478B-A32A-B590F211064D}" srcOrd="4" destOrd="0" presId="urn:microsoft.com/office/officeart/2005/8/layout/chart3"/>
-    <dgm:cxn modelId="{F9D2B1F2-BBDB-4B82-ADEE-5FE3166D2BFB}" type="presParOf" srcId="{C6C03483-533D-4BDF-B732-E90605A62507}" destId="{1C6D1BEB-4AF8-4A03-8CF4-A4A124E45698}" srcOrd="5" destOrd="0" presId="urn:microsoft.com/office/officeart/2005/8/layout/chart3"/>
-    <dgm:cxn modelId="{E9F39208-0F28-47A6-9DB8-574F990D6C21}" type="presParOf" srcId="{C6C03483-533D-4BDF-B732-E90605A62507}" destId="{1751F260-01E3-48C4-AEE2-810FF4CA9FFE}" srcOrd="6" destOrd="0" presId="urn:microsoft.com/office/officeart/2005/8/layout/chart3"/>
-    <dgm:cxn modelId="{84CB0D07-B50C-4854-9C24-F1CD37F82023}" type="presParOf" srcId="{C6C03483-533D-4BDF-B732-E90605A62507}" destId="{FD06850E-343C-4056-AB20-2FDF197545B3}" srcOrd="7" destOrd="0" presId="urn:microsoft.com/office/officeart/2005/8/layout/chart3"/>
   </dgm:cxnLst>
   <dgm:bg/>
   <dgm:whole/>
@@ -15323,332 +14314,6 @@
 </dsp:drawing>
 </file>
 
-<file path=ppt/diagrams/drawing6.xml><?xml version="1.0" encoding="utf-8"?>
-<dsp:drawing xmlns:dgm="http://schemas.openxmlformats.org/drawingml/2006/diagram" xmlns:dsp="http://schemas.microsoft.com/office/drawing/2008/diagram" xmlns:a="http://schemas.openxmlformats.org/drawingml/2006/main">
-  <dsp:spTree>
-    <dsp:nvGrpSpPr>
-      <dsp:cNvPr id="0" name=""/>
-      <dsp:cNvGrpSpPr/>
-    </dsp:nvGrpSpPr>
-    <dsp:grpSpPr/>
-    <dsp:sp modelId="{930F2E12-2A9A-4CEF-BD79-CDAC6008BFB8}">
-      <dsp:nvSpPr>
-        <dsp:cNvPr id="0" name=""/>
-        <dsp:cNvSpPr/>
-      </dsp:nvSpPr>
-      <dsp:spPr>
-        <a:xfrm>
-          <a:off x="1717632" y="345358"/>
-          <a:ext cx="2949845" cy="2949845"/>
-        </a:xfrm>
-        <a:prstGeom prst="pie">
-          <a:avLst>
-            <a:gd name="adj1" fmla="val 16200000"/>
-            <a:gd name="adj2" fmla="val 0"/>
-          </a:avLst>
-        </a:prstGeom>
-        <a:solidFill>
-          <a:schemeClr val="accent1">
-            <a:hueOff val="0"/>
-            <a:satOff val="0"/>
-            <a:lumOff val="0"/>
-            <a:alphaOff val="0"/>
-          </a:schemeClr>
-        </a:solidFill>
-        <a:ln w="15875" cap="rnd" cmpd="sng" algn="ctr">
-          <a:solidFill>
-            <a:schemeClr val="lt1">
-              <a:hueOff val="0"/>
-              <a:satOff val="0"/>
-              <a:lumOff val="0"/>
-              <a:alphaOff val="0"/>
-            </a:schemeClr>
-          </a:solidFill>
-          <a:prstDash val="solid"/>
-        </a:ln>
-        <a:effectLst/>
-      </dsp:spPr>
-      <dsp:style>
-        <a:lnRef idx="2">
-          <a:scrgbClr r="0" g="0" b="0"/>
-        </a:lnRef>
-        <a:fillRef idx="1">
-          <a:scrgbClr r="0" g="0" b="0"/>
-        </a:fillRef>
-        <a:effectRef idx="0">
-          <a:scrgbClr r="0" g="0" b="0"/>
-        </a:effectRef>
-        <a:fontRef idx="minor">
-          <a:schemeClr val="lt1"/>
-        </a:fontRef>
-      </dsp:style>
-      <dsp:txBody>
-        <a:bodyPr spcFirstLastPara="0" vert="horz" wrap="square" lIns="39370" tIns="39370" rIns="39370" bIns="39370" numCol="1" spcCol="1270" anchor="ctr" anchorCtr="0">
-          <a:noAutofit/>
-        </a:bodyPr>
-        <a:lstStyle/>
-        <a:p>
-          <a:pPr marL="0" lvl="0" indent="0" algn="ctr" defTabSz="1377950">
-            <a:lnSpc>
-              <a:spcPct val="90000"/>
-            </a:lnSpc>
-            <a:spcBef>
-              <a:spcPct val="0"/>
-            </a:spcBef>
-            <a:spcAft>
-              <a:spcPct val="35000"/>
-            </a:spcAft>
-            <a:buNone/>
-          </a:pPr>
-          <a:r>
-            <a:rPr lang="en-US" sz="3100" kern="1200" dirty="0"/>
-            <a:t>FP: %</a:t>
-          </a:r>
-          <a:endParaRPr lang="en-GB" sz="3100" kern="1200" dirty="0"/>
-        </a:p>
-      </dsp:txBody>
-      <dsp:txXfrm>
-        <a:off x="3226267" y="891079"/>
-        <a:ext cx="1088633" cy="877930"/>
-      </dsp:txXfrm>
-    </dsp:sp>
-    <dsp:sp modelId="{D87E4BF0-5AB3-414F-9B72-4F27803FD392}">
-      <dsp:nvSpPr>
-        <dsp:cNvPr id="0" name=""/>
-        <dsp:cNvSpPr/>
-      </dsp:nvSpPr>
-      <dsp:spPr>
-        <a:xfrm>
-          <a:off x="1720514" y="343095"/>
-          <a:ext cx="2949845" cy="2949845"/>
-        </a:xfrm>
-        <a:prstGeom prst="pie">
-          <a:avLst>
-            <a:gd name="adj1" fmla="val 0"/>
-            <a:gd name="adj2" fmla="val 5400000"/>
-          </a:avLst>
-        </a:prstGeom>
-        <a:solidFill>
-          <a:srgbClr val="92D050"/>
-        </a:solidFill>
-        <a:ln w="15875" cap="rnd" cmpd="sng" algn="ctr">
-          <a:solidFill>
-            <a:schemeClr val="lt1">
-              <a:hueOff val="0"/>
-              <a:satOff val="0"/>
-              <a:lumOff val="0"/>
-              <a:alphaOff val="0"/>
-            </a:schemeClr>
-          </a:solidFill>
-          <a:prstDash val="solid"/>
-        </a:ln>
-        <a:effectLst/>
-      </dsp:spPr>
-      <dsp:style>
-        <a:lnRef idx="2">
-          <a:scrgbClr r="0" g="0" b="0"/>
-        </a:lnRef>
-        <a:fillRef idx="1">
-          <a:scrgbClr r="0" g="0" b="0"/>
-        </a:fillRef>
-        <a:effectRef idx="0">
-          <a:scrgbClr r="0" g="0" b="0"/>
-        </a:effectRef>
-        <a:fontRef idx="minor">
-          <a:schemeClr val="lt1"/>
-        </a:fontRef>
-      </dsp:style>
-      <dsp:txBody>
-        <a:bodyPr spcFirstLastPara="0" vert="horz" wrap="square" lIns="39370" tIns="39370" rIns="39370" bIns="39370" numCol="1" spcCol="1270" anchor="ctr" anchorCtr="0">
-          <a:noAutofit/>
-        </a:bodyPr>
-        <a:lstStyle/>
-        <a:p>
-          <a:pPr marL="0" lvl="0" indent="0" algn="ctr" defTabSz="1377950">
-            <a:lnSpc>
-              <a:spcPct val="90000"/>
-            </a:lnSpc>
-            <a:spcBef>
-              <a:spcPct val="0"/>
-            </a:spcBef>
-            <a:spcAft>
-              <a:spcPct val="35000"/>
-            </a:spcAft>
-            <a:buNone/>
-          </a:pPr>
-          <a:r>
-            <a:rPr lang="en-US" sz="3100" kern="1200" dirty="0"/>
-            <a:t>TN: %</a:t>
-          </a:r>
-          <a:endParaRPr lang="en-GB" sz="3100" kern="1200" dirty="0"/>
-        </a:p>
-      </dsp:txBody>
-      <dsp:txXfrm>
-        <a:off x="3248113" y="1870693"/>
-        <a:ext cx="1088633" cy="877930"/>
-      </dsp:txXfrm>
-    </dsp:sp>
-    <dsp:sp modelId="{5DD6C26F-72D9-478B-A32A-B590F211064D}">
-      <dsp:nvSpPr>
-        <dsp:cNvPr id="0" name=""/>
-        <dsp:cNvSpPr/>
-      </dsp:nvSpPr>
-      <dsp:spPr>
-        <a:xfrm>
-          <a:off x="1720514" y="343095"/>
-          <a:ext cx="2949845" cy="2949845"/>
-        </a:xfrm>
-        <a:prstGeom prst="pie">
-          <a:avLst>
-            <a:gd name="adj1" fmla="val 5400000"/>
-            <a:gd name="adj2" fmla="val 10800000"/>
-          </a:avLst>
-        </a:prstGeom>
-        <a:solidFill>
-          <a:schemeClr val="accent1">
-            <a:hueOff val="0"/>
-            <a:satOff val="0"/>
-            <a:lumOff val="0"/>
-            <a:alphaOff val="0"/>
-          </a:schemeClr>
-        </a:solidFill>
-        <a:ln w="15875" cap="rnd" cmpd="sng" algn="ctr">
-          <a:solidFill>
-            <a:schemeClr val="lt1">
-              <a:hueOff val="0"/>
-              <a:satOff val="0"/>
-              <a:lumOff val="0"/>
-              <a:alphaOff val="0"/>
-            </a:schemeClr>
-          </a:solidFill>
-          <a:prstDash val="solid"/>
-        </a:ln>
-        <a:effectLst/>
-      </dsp:spPr>
-      <dsp:style>
-        <a:lnRef idx="2">
-          <a:scrgbClr r="0" g="0" b="0"/>
-        </a:lnRef>
-        <a:fillRef idx="1">
-          <a:scrgbClr r="0" g="0" b="0"/>
-        </a:fillRef>
-        <a:effectRef idx="0">
-          <a:scrgbClr r="0" g="0" b="0"/>
-        </a:effectRef>
-        <a:fontRef idx="minor">
-          <a:schemeClr val="lt1"/>
-        </a:fontRef>
-      </dsp:style>
-      <dsp:txBody>
-        <a:bodyPr spcFirstLastPara="0" vert="horz" wrap="square" lIns="39370" tIns="39370" rIns="39370" bIns="39370" numCol="1" spcCol="1270" anchor="ctr" anchorCtr="0">
-          <a:noAutofit/>
-        </a:bodyPr>
-        <a:lstStyle/>
-        <a:p>
-          <a:pPr marL="0" lvl="0" indent="0" algn="ctr" defTabSz="1377950">
-            <a:lnSpc>
-              <a:spcPct val="90000"/>
-            </a:lnSpc>
-            <a:spcBef>
-              <a:spcPct val="0"/>
-            </a:spcBef>
-            <a:spcAft>
-              <a:spcPct val="35000"/>
-            </a:spcAft>
-            <a:buNone/>
-          </a:pPr>
-          <a:r>
-            <a:rPr lang="en-US" sz="3100" kern="1200" dirty="0"/>
-            <a:t>FN: %</a:t>
-          </a:r>
-          <a:endParaRPr lang="en-GB" sz="3100" kern="1200" dirty="0"/>
-        </a:p>
-      </dsp:txBody>
-      <dsp:txXfrm>
-        <a:off x="2054128" y="1870693"/>
-        <a:ext cx="1088633" cy="877930"/>
-      </dsp:txXfrm>
-    </dsp:sp>
-    <dsp:sp modelId="{1751F260-01E3-48C4-AEE2-810FF4CA9FFE}">
-      <dsp:nvSpPr>
-        <dsp:cNvPr id="0" name=""/>
-        <dsp:cNvSpPr/>
-      </dsp:nvSpPr>
-      <dsp:spPr>
-        <a:xfrm>
-          <a:off x="1720514" y="343095"/>
-          <a:ext cx="2949845" cy="2949845"/>
-        </a:xfrm>
-        <a:prstGeom prst="pie">
-          <a:avLst>
-            <a:gd name="adj1" fmla="val 10800000"/>
-            <a:gd name="adj2" fmla="val 16200000"/>
-          </a:avLst>
-        </a:prstGeom>
-        <a:solidFill>
-          <a:srgbClr val="92D050"/>
-        </a:solidFill>
-        <a:ln w="15875" cap="rnd" cmpd="sng" algn="ctr">
-          <a:solidFill>
-            <a:schemeClr val="lt1">
-              <a:hueOff val="0"/>
-              <a:satOff val="0"/>
-              <a:lumOff val="0"/>
-              <a:alphaOff val="0"/>
-            </a:schemeClr>
-          </a:solidFill>
-          <a:prstDash val="solid"/>
-        </a:ln>
-        <a:effectLst/>
-      </dsp:spPr>
-      <dsp:style>
-        <a:lnRef idx="2">
-          <a:scrgbClr r="0" g="0" b="0"/>
-        </a:lnRef>
-        <a:fillRef idx="1">
-          <a:scrgbClr r="0" g="0" b="0"/>
-        </a:fillRef>
-        <a:effectRef idx="0">
-          <a:scrgbClr r="0" g="0" b="0"/>
-        </a:effectRef>
-        <a:fontRef idx="minor">
-          <a:schemeClr val="lt1"/>
-        </a:fontRef>
-      </dsp:style>
-      <dsp:txBody>
-        <a:bodyPr spcFirstLastPara="0" vert="horz" wrap="square" lIns="39370" tIns="39370" rIns="39370" bIns="39370" numCol="1" spcCol="1270" anchor="ctr" anchorCtr="0">
-          <a:noAutofit/>
-        </a:bodyPr>
-        <a:lstStyle/>
-        <a:p>
-          <a:pPr marL="0" lvl="0" indent="0" algn="ctr" defTabSz="1377950">
-            <a:lnSpc>
-              <a:spcPct val="90000"/>
-            </a:lnSpc>
-            <a:spcBef>
-              <a:spcPct val="0"/>
-            </a:spcBef>
-            <a:spcAft>
-              <a:spcPct val="35000"/>
-            </a:spcAft>
-            <a:buNone/>
-          </a:pPr>
-          <a:r>
-            <a:rPr lang="en-US" sz="3100" kern="1200" dirty="0"/>
-            <a:t>TP: %</a:t>
-          </a:r>
-          <a:endParaRPr lang="en-GB" sz="3100" kern="1200" dirty="0"/>
-        </a:p>
-      </dsp:txBody>
-      <dsp:txXfrm>
-        <a:off x="2054128" y="887411"/>
-        <a:ext cx="1088633" cy="877930"/>
-      </dsp:txXfrm>
-    </dsp:sp>
-  </dsp:spTree>
-</dsp:drawing>
-</file>
-
 <file path=ppt/diagrams/layout1.xml><?xml version="1.0" encoding="utf-8"?>
 <dgm:layoutDef xmlns:dgm="http://schemas.openxmlformats.org/drawingml/2006/diagram" xmlns:a="http://schemas.openxmlformats.org/drawingml/2006/main" uniqueId="urn:microsoft.com/office/officeart/2018/2/layout/IconCircleList">
   <dgm:title val="Icon Circle List"/>
@@ -17817,1311 +16482,6 @@
 </dgm:layoutDef>
 </file>
 
-<file path=ppt/diagrams/layout6.xml><?xml version="1.0" encoding="utf-8"?>
-<dgm:layoutDef xmlns:dgm="http://schemas.openxmlformats.org/drawingml/2006/diagram" xmlns:a="http://schemas.openxmlformats.org/drawingml/2006/main" uniqueId="urn:microsoft.com/office/officeart/2005/8/layout/chart3">
-  <dgm:title val=""/>
-  <dgm:desc val=""/>
-  <dgm:catLst>
-    <dgm:cat type="relationship" pri="27000"/>
-    <dgm:cat type="cycle" pri="8000"/>
-  </dgm:catLst>
-  <dgm:sampData useDef="1">
-    <dgm:dataModel>
-      <dgm:ptLst/>
-      <dgm:bg/>
-      <dgm:whole/>
-    </dgm:dataModel>
-  </dgm:sampData>
-  <dgm:styleData useDef="1">
-    <dgm:dataModel>
-      <dgm:ptLst/>
-      <dgm:bg/>
-      <dgm:whole/>
-    </dgm:dataModel>
-  </dgm:styleData>
-  <dgm:clrData>
-    <dgm:dataModel>
-      <dgm:ptLst>
-        <dgm:pt modelId="0" type="doc"/>
-        <dgm:pt modelId="1"/>
-        <dgm:pt modelId="2"/>
-        <dgm:pt modelId="3"/>
-        <dgm:pt modelId="4"/>
-        <dgm:pt modelId="5"/>
-        <dgm:pt modelId="6"/>
-      </dgm:ptLst>
-      <dgm:cxnLst>
-        <dgm:cxn modelId="7" srcId="0" destId="1" srcOrd="0" destOrd="0"/>
-        <dgm:cxn modelId="8" srcId="0" destId="2" srcOrd="1" destOrd="0"/>
-        <dgm:cxn modelId="9" srcId="0" destId="3" srcOrd="2" destOrd="0"/>
-        <dgm:cxn modelId="10" srcId="0" destId="4" srcOrd="3" destOrd="0"/>
-        <dgm:cxn modelId="11" srcId="0" destId="5" srcOrd="4" destOrd="0"/>
-        <dgm:cxn modelId="12" srcId="0" destId="6" srcOrd="5" destOrd="0"/>
-      </dgm:cxnLst>
-      <dgm:bg/>
-      <dgm:whole/>
-    </dgm:dataModel>
-  </dgm:clrData>
-  <dgm:layoutNode name="compositeShape">
-    <dgm:varLst>
-      <dgm:chMax val="7"/>
-      <dgm:dir/>
-      <dgm:resizeHandles val="exact"/>
-    </dgm:varLst>
-    <dgm:alg type="composite">
-      <dgm:param type="horzAlign" val="ctr"/>
-      <dgm:param type="vertAlign" val="mid"/>
-      <dgm:param type="ar" val="1"/>
-    </dgm:alg>
-    <dgm:presOf/>
-    <dgm:shape xmlns:r="http://schemas.openxmlformats.org/officeDocument/2006/relationships" r:blip="">
-      <dgm:adjLst/>
-    </dgm:shape>
-    <dgm:choose name="Name0">
-      <dgm:if name="Name1" axis="ch" ptType="node" func="cnt" op="equ" val="1">
-        <dgm:constrLst>
-          <dgm:constr type="l" for="ch" forName="wedge1" refType="w" fact="0.08"/>
-          <dgm:constr type="t" for="ch" forName="wedge1" refType="w" fact="0.08"/>
-          <dgm:constr type="w" for="ch" forName="wedge1" refType="w" fact="0.84"/>
-          <dgm:constr type="h" for="ch" forName="wedge1" refType="h" fact="0.84"/>
-          <dgm:constr type="l" for="ch" forName="wedge1Tx" refType="w" fact="0.205"/>
-          <dgm:constr type="t" for="ch" forName="wedge1Tx" refType="h" fact="0.205"/>
-          <dgm:constr type="w" for="ch" forName="wedge1Tx" refType="w" fact="0.59"/>
-          <dgm:constr type="h" for="ch" forName="wedge1Tx" refType="h" fact="0.59"/>
-          <dgm:constr type="primFontSz" for="ch" ptType="node" op="equ"/>
-        </dgm:constrLst>
-      </dgm:if>
-      <dgm:if name="Name2" axis="ch" ptType="node" func="cnt" op="equ" val="2">
-        <dgm:constrLst>
-          <dgm:constr type="l" for="ch" forName="wedge1" refType="w" fact="0.1"/>
-          <dgm:constr type="t" for="ch" forName="wedge1" refType="w" fact="0.08"/>
-          <dgm:constr type="w" for="ch" forName="wedge1" refType="w" fact="0.84"/>
-          <dgm:constr type="h" for="ch" forName="wedge1" refType="h" fact="0.84"/>
-          <dgm:constr type="l" for="ch" forName="wedge1Tx" refType="w" fact="0.52"/>
-          <dgm:constr type="t" for="ch" forName="wedge1Tx" refType="h" fact="0.205"/>
-          <dgm:constr type="w" for="ch" forName="wedge1Tx" refType="w" fact="0.295"/>
-          <dgm:constr type="h" for="ch" forName="wedge1Tx" refType="h" fact="0.59"/>
-          <dgm:constr type="l" for="ch" forName="wedge2" refType="w" fact="0.08"/>
-          <dgm:constr type="t" for="ch" forName="wedge2" refType="w" fact="0.08"/>
-          <dgm:constr type="w" for="ch" forName="wedge2" refType="w" fact="0.84"/>
-          <dgm:constr type="h" for="ch" forName="wedge2" refType="h" fact="0.84"/>
-          <dgm:constr type="l" for="ch" forName="wedge2Tx" refType="w" fact="0.2"/>
-          <dgm:constr type="t" for="ch" forName="wedge2Tx" refType="h" fact="0.205"/>
-          <dgm:constr type="w" for="ch" forName="wedge2Tx" refType="w" fact="0.295"/>
-          <dgm:constr type="h" for="ch" forName="wedge2Tx" refType="h" fact="0.59"/>
-          <dgm:constr type="primFontSz" for="ch" ptType="node" op="equ"/>
-        </dgm:constrLst>
-      </dgm:if>
-      <dgm:if name="Name3" axis="ch" ptType="node" func="cnt" op="equ" val="3">
-        <dgm:choose name="Name4">
-          <dgm:if name="Name5" func="var" arg="dir" op="equ" val="norm">
-            <dgm:constrLst>
-              <dgm:constr type="l" for="ch" forName="wedge1" refType="w" fact="0.1233"/>
-              <dgm:constr type="t" for="ch" forName="wedge1" refType="w" fact="0.055"/>
-              <dgm:constr type="w" for="ch" forName="wedge1" refType="w" fact="0.84"/>
-              <dgm:constr type="h" for="ch" forName="wedge1" refType="h" fact="0.84"/>
-              <dgm:constr type="l" for="ch" forName="wedge1Tx" refType="w" fact="0.58"/>
-              <dgm:constr type="t" for="ch" forName="wedge1Tx" refType="h" fact="0.21"/>
-              <dgm:constr type="w" for="ch" forName="wedge1Tx" refType="w" fact="0.285"/>
-              <dgm:constr type="h" for="ch" forName="wedge1Tx" refType="h" fact="0.28"/>
-              <dgm:constr type="l" for="ch" forName="wedge2" refType="w" fact="0.08"/>
-              <dgm:constr type="t" for="ch" forName="wedge2" refType="w" fact="0.08"/>
-              <dgm:constr type="w" for="ch" forName="wedge2" refType="w" fact="0.84"/>
-              <dgm:constr type="h" for="ch" forName="wedge2" refType="h" fact="0.84"/>
-              <dgm:constr type="l" for="ch" forName="wedge2Tx" refType="w" fact="0.31"/>
-              <dgm:constr type="t" for="ch" forName="wedge2Tx" refType="h" fact="0.61"/>
-              <dgm:constr type="w" for="ch" forName="wedge2Tx" refType="w" fact="0.38"/>
-              <dgm:constr type="h" for="ch" forName="wedge2Tx" refType="h" fact="0.26"/>
-              <dgm:constr type="l" for="ch" forName="wedge3" refType="w" fact="0.08"/>
-              <dgm:constr type="t" for="ch" forName="wedge3" refType="w" fact="0.08"/>
-              <dgm:constr type="w" for="ch" forName="wedge3" refType="w" fact="0.84"/>
-              <dgm:constr type="h" for="ch" forName="wedge3" refType="h" fact="0.84"/>
-              <dgm:constr type="l" for="ch" forName="wedge3Tx" refType="w" fact="0.17"/>
-              <dgm:constr type="t" for="ch" forName="wedge3Tx" refType="h" fact="0.245"/>
-              <dgm:constr type="w" for="ch" forName="wedge3Tx" refType="w" fact="0.285"/>
-              <dgm:constr type="h" for="ch" forName="wedge3Tx" refType="h" fact="0.28"/>
-              <dgm:constr type="primFontSz" for="ch" ptType="node" op="equ"/>
-            </dgm:constrLst>
-          </dgm:if>
-          <dgm:else name="Name6">
-            <dgm:constrLst>
-              <dgm:constr type="l" for="ch" forName="wedge1" refType="w" fact="0.08"/>
-              <dgm:constr type="t" for="ch" forName="wedge1" refType="w" fact="0.08"/>
-              <dgm:constr type="w" for="ch" forName="wedge1" refType="w" fact="0.84"/>
-              <dgm:constr type="h" for="ch" forName="wedge1" refType="h" fact="0.84"/>
-              <dgm:constr type="l" for="ch" forName="wedge1Tx" refType="w" fact="0.545"/>
-              <dgm:constr type="t" for="ch" forName="wedge1Tx" refType="h" fact="0.245"/>
-              <dgm:constr type="w" for="ch" forName="wedge1Tx" refType="w" fact="0.285"/>
-              <dgm:constr type="h" for="ch" forName="wedge1Tx" refType="h" fact="0.28"/>
-              <dgm:constr type="l" for="ch" forName="wedge2" refType="w" fact="0.08"/>
-              <dgm:constr type="t" for="ch" forName="wedge2" refType="w" fact="0.08"/>
-              <dgm:constr type="w" for="ch" forName="wedge2" refType="w" fact="0.84"/>
-              <dgm:constr type="h" for="ch" forName="wedge2" refType="h" fact="0.84"/>
-              <dgm:constr type="l" for="ch" forName="wedge2Tx" refType="w" fact="0.31"/>
-              <dgm:constr type="t" for="ch" forName="wedge2Tx" refType="h" fact="0.61"/>
-              <dgm:constr type="w" for="ch" forName="wedge2Tx" refType="w" fact="0.38"/>
-              <dgm:constr type="h" for="ch" forName="wedge2Tx" refType="h" fact="0.26"/>
-              <dgm:constr type="l" for="ch" forName="wedge3" refType="w" fact="0.0367"/>
-              <dgm:constr type="t" for="ch" forName="wedge3" refType="w" fact="0.055"/>
-              <dgm:constr type="w" for="ch" forName="wedge3" refType="w" fact="0.84"/>
-              <dgm:constr type="h" for="ch" forName="wedge3" refType="h" fact="0.84"/>
-              <dgm:constr type="l" for="ch" forName="wedge3Tx" refType="w" fact="0.14"/>
-              <dgm:constr type="t" for="ch" forName="wedge3Tx" refType="h" fact="0.21"/>
-              <dgm:constr type="w" for="ch" forName="wedge3Tx" refType="w" fact="0.285"/>
-              <dgm:constr type="h" for="ch" forName="wedge3Tx" refType="h" fact="0.28"/>
-              <dgm:constr type="primFontSz" for="ch" ptType="node" op="equ"/>
-            </dgm:constrLst>
-          </dgm:else>
-        </dgm:choose>
-      </dgm:if>
-      <dgm:if name="Name7" axis="ch" ptType="node" func="cnt" op="equ" val="4">
-        <dgm:choose name="Name8">
-          <dgm:if name="Name9" func="var" arg="dir" op="equ" val="norm">
-            <dgm:constrLst>
-              <dgm:constr type="l" for="ch" forName="wedge1" refType="w" fact="0.1154"/>
-              <dgm:constr type="t" for="ch" forName="wedge1" refType="w" fact="0.0446"/>
-              <dgm:constr type="w" for="ch" forName="wedge1" refType="w" fact="0.84"/>
-              <dgm:constr type="h" for="ch" forName="wedge1" refType="h" fact="0.84"/>
-              <dgm:constr type="l" for="ch" forName="wedge1Tx" refType="w" fact="0.545"/>
-              <dgm:constr type="t" for="ch" forName="wedge1Tx" refType="h" fact="0.2"/>
-              <dgm:constr type="w" for="ch" forName="wedge1Tx" refType="w" fact="0.31"/>
-              <dgm:constr type="h" for="ch" forName="wedge1Tx" refType="h" fact="0.25"/>
-              <dgm:constr type="l" for="ch" forName="wedge2" refType="w" fact="0.08"/>
-              <dgm:constr type="t" for="ch" forName="wedge2" refType="w" fact="0.08"/>
-              <dgm:constr type="w" for="ch" forName="wedge2" refType="w" fact="0.84"/>
-              <dgm:constr type="h" for="ch" forName="wedge2" refType="h" fact="0.84"/>
-              <dgm:constr type="l" for="ch" forName="wedge2Tx" refType="w" fact="0.515"/>
-              <dgm:constr type="t" for="ch" forName="wedge2Tx" refType="h" fact="0.515"/>
-              <dgm:constr type="w" for="ch" forName="wedge2Tx" refType="w" fact="0.31"/>
-              <dgm:constr type="h" for="ch" forName="wedge2Tx" refType="h" fact="0.25"/>
-              <dgm:constr type="l" for="ch" forName="wedge3" refType="w" fact="0.08"/>
-              <dgm:constr type="t" for="ch" forName="wedge3" refType="w" fact="0.08"/>
-              <dgm:constr type="w" for="ch" forName="wedge3" refType="w" fact="0.84"/>
-              <dgm:constr type="h" for="ch" forName="wedge3" refType="h" fact="0.84"/>
-              <dgm:constr type="l" for="ch" forName="wedge3Tx" refType="w" fact="0.175"/>
-              <dgm:constr type="t" for="ch" forName="wedge3Tx" refType="h" fact="0.515"/>
-              <dgm:constr type="w" for="ch" forName="wedge3Tx" refType="w" fact="0.31"/>
-              <dgm:constr type="h" for="ch" forName="wedge3Tx" refType="h" fact="0.25"/>
-              <dgm:constr type="l" for="ch" forName="wedge4" refType="w" fact="0.08"/>
-              <dgm:constr type="t" for="ch" forName="wedge4" refType="h" fact="0.08"/>
-              <dgm:constr type="w" for="ch" forName="wedge4" refType="w" fact="0.84"/>
-              <dgm:constr type="h" for="ch" forName="wedge4" refType="h" fact="0.84"/>
-              <dgm:constr type="l" for="ch" forName="wedge4Tx" refType="w" fact="0.175"/>
-              <dgm:constr type="t" for="ch" forName="wedge4Tx" refType="h" fact="0.235"/>
-              <dgm:constr type="w" for="ch" forName="wedge4Tx" refType="w" fact="0.31"/>
-              <dgm:constr type="h" for="ch" forName="wedge4Tx" refType="h" fact="0.25"/>
-              <dgm:constr type="primFontSz" for="ch" ptType="node" op="equ"/>
-            </dgm:constrLst>
-          </dgm:if>
-          <dgm:else name="Name10">
-            <dgm:constrLst>
-              <dgm:constr type="l" for="ch" forName="wedge1" refType="w" fact="0.08"/>
-              <dgm:constr type="t" for="ch" forName="wedge1" refType="w" fact="0.08"/>
-              <dgm:constr type="w" for="ch" forName="wedge1" refType="w" fact="0.84"/>
-              <dgm:constr type="h" for="ch" forName="wedge1" refType="h" fact="0.84"/>
-              <dgm:constr type="l" for="ch" forName="wedge1Tx" refType="w" fact="0.515"/>
-              <dgm:constr type="t" for="ch" forName="wedge1Tx" refType="h" fact="0.235"/>
-              <dgm:constr type="w" for="ch" forName="wedge1Tx" refType="w" fact="0.31"/>
-              <dgm:constr type="h" for="ch" forName="wedge1Tx" refType="h" fact="0.25"/>
-              <dgm:constr type="l" for="ch" forName="wedge2" refType="w" fact="0.08"/>
-              <dgm:constr type="t" for="ch" forName="wedge2" refType="w" fact="0.08"/>
-              <dgm:constr type="w" for="ch" forName="wedge2" refType="w" fact="0.84"/>
-              <dgm:constr type="h" for="ch" forName="wedge2" refType="h" fact="0.84"/>
-              <dgm:constr type="l" for="ch" forName="wedge2Tx" refType="w" fact="0.515"/>
-              <dgm:constr type="t" for="ch" forName="wedge2Tx" refType="h" fact="0.515"/>
-              <dgm:constr type="w" for="ch" forName="wedge2Tx" refType="w" fact="0.31"/>
-              <dgm:constr type="h" for="ch" forName="wedge2Tx" refType="h" fact="0.25"/>
-              <dgm:constr type="l" for="ch" forName="wedge3" refType="w" fact="0.08"/>
-              <dgm:constr type="t" for="ch" forName="wedge3" refType="w" fact="0.08"/>
-              <dgm:constr type="w" for="ch" forName="wedge3" refType="w" fact="0.84"/>
-              <dgm:constr type="h" for="ch" forName="wedge3" refType="h" fact="0.84"/>
-              <dgm:constr type="l" for="ch" forName="wedge3Tx" refType="w" fact="0.175"/>
-              <dgm:constr type="t" for="ch" forName="wedge3Tx" refType="h" fact="0.515"/>
-              <dgm:constr type="w" for="ch" forName="wedge3Tx" refType="w" fact="0.31"/>
-              <dgm:constr type="h" for="ch" forName="wedge3Tx" refType="h" fact="0.25"/>
-              <dgm:constr type="l" for="ch" forName="wedge4" refType="w" fact="0.0446"/>
-              <dgm:constr type="t" for="ch" forName="wedge4" refType="h" fact="0.0446"/>
-              <dgm:constr type="w" for="ch" forName="wedge4" refType="w" fact="0.84"/>
-              <dgm:constr type="h" for="ch" forName="wedge4" refType="h" fact="0.84"/>
-              <dgm:constr type="l" for="ch" forName="wedge4Tx" refType="w" fact="0.145"/>
-              <dgm:constr type="t" for="ch" forName="wedge4Tx" refType="h" fact="0.2"/>
-              <dgm:constr type="w" for="ch" forName="wedge4Tx" refType="w" fact="0.31"/>
-              <dgm:constr type="h" for="ch" forName="wedge4Tx" refType="h" fact="0.25"/>
-              <dgm:constr type="primFontSz" for="ch" ptType="node" op="equ"/>
-            </dgm:constrLst>
-          </dgm:else>
-        </dgm:choose>
-      </dgm:if>
-      <dgm:if name="Name11" axis="ch" ptType="node" func="cnt" op="equ" val="5">
-        <dgm:choose name="Name12">
-          <dgm:if name="Name13" func="var" arg="dir" op="equ" val="norm">
-            <dgm:constrLst>
-              <dgm:constr type="l" for="ch" forName="wedge1" refType="w" fact="0.1094"/>
-              <dgm:constr type="t" for="ch" forName="wedge1" refType="w" fact="0.0395"/>
-              <dgm:constr type="w" for="ch" forName="wedge1" refType="w" fact="0.84"/>
-              <dgm:constr type="h" for="ch" forName="wedge1" refType="h" fact="0.84"/>
-              <dgm:constr type="l" for="ch" forName="wedge1Tx" refType="w" fact="0.54"/>
-              <dgm:constr type="t" for="ch" forName="wedge1Tx" refType="h" fact="0.165"/>
-              <dgm:constr type="w" for="ch" forName="wedge1Tx" refType="w" fact="0.285"/>
-              <dgm:constr type="h" for="ch" forName="wedge1Tx" refType="h" fact="0.195"/>
-              <dgm:constr type="l" for="ch" forName="wedge2" refType="w" fact="0.08"/>
-              <dgm:constr type="t" for="ch" forName="wedge2" refType="w" fact="0.08"/>
-              <dgm:constr type="w" for="ch" forName="wedge2" refType="w" fact="0.84"/>
-              <dgm:constr type="h" for="ch" forName="wedge2" refType="h" fact="0.84"/>
-              <dgm:constr type="l" for="ch" forName="wedge2Tx" refType="w" fact="0.629"/>
-              <dgm:constr type="t" for="ch" forName="wedge2Tx" refType="h" fact="0.46"/>
-              <dgm:constr type="w" for="ch" forName="wedge2Tx" refType="w" fact="0.25"/>
-              <dgm:constr type="h" for="ch" forName="wedge2Tx" refType="h" fact="0.211"/>
-              <dgm:constr type="l" for="ch" forName="wedge3" refType="w" fact="0.08"/>
-              <dgm:constr type="t" for="ch" forName="wedge3" refType="w" fact="0.08"/>
-              <dgm:constr type="w" for="ch" forName="wedge3" refType="w" fact="0.84"/>
-              <dgm:constr type="h" for="ch" forName="wedge3" refType="h" fact="0.84"/>
-              <dgm:constr type="l" for="ch" forName="wedge3Tx" refType="w" fact="0.35"/>
-              <dgm:constr type="t" for="ch" forName="wedge3Tx" refType="h" fact="0.71"/>
-              <dgm:constr type="w" for="ch" forName="wedge3Tx" refType="w" fact="0.3"/>
-              <dgm:constr type="h" for="ch" forName="wedge3Tx" refType="h" fact="0.18"/>
-              <dgm:constr type="l" for="ch" forName="wedge4" refType="w" fact="0.08"/>
-              <dgm:constr type="t" for="ch" forName="wedge4" refType="h" fact="0.08"/>
-              <dgm:constr type="w" for="ch" forName="wedge4" refType="w" fact="0.84"/>
-              <dgm:constr type="h" for="ch" forName="wedge4" refType="h" fact="0.84"/>
-              <dgm:constr type="l" for="ch" forName="wedge4Tx" refType="w" fact="0.12"/>
-              <dgm:constr type="t" for="ch" forName="wedge4Tx" refType="h" fact="0.46"/>
-              <dgm:constr type="w" for="ch" forName="wedge4Tx" refType="w" fact="0.25"/>
-              <dgm:constr type="h" for="ch" forName="wedge4Tx" refType="h" fact="0.211"/>
-              <dgm:constr type="l" for="ch" forName="wedge5" refType="w" fact="0.08"/>
-              <dgm:constr type="t" for="ch" forName="wedge5" refType="h" fact="0.08"/>
-              <dgm:constr type="w" for="ch" forName="wedge5" refType="w" fact="0.84"/>
-              <dgm:constr type="h" for="ch" forName="wedge5" refType="h" fact="0.84"/>
-              <dgm:constr type="l" for="ch" forName="wedge5Tx" refType="w" fact="0.2025"/>
-              <dgm:constr type="t" for="ch" forName="wedge5Tx" refType="h" fact="0.208"/>
-              <dgm:constr type="w" for="ch" forName="wedge5Tx" refType="w" fact="0.285"/>
-              <dgm:constr type="h" for="ch" forName="wedge5Tx" refType="h" fact="0.195"/>
-              <dgm:constr type="primFontSz" for="ch" ptType="node" op="equ"/>
-            </dgm:constrLst>
-          </dgm:if>
-          <dgm:else name="Name14">
-            <dgm:constrLst>
-              <dgm:constr type="l" for="ch" forName="wedge1" refType="w" fact="0.08"/>
-              <dgm:constr type="t" for="ch" forName="wedge1" refType="w" fact="0.08"/>
-              <dgm:constr type="w" for="ch" forName="wedge1" refType="w" fact="0.84"/>
-              <dgm:constr type="h" for="ch" forName="wedge1" refType="h" fact="0.84"/>
-              <dgm:constr type="l" for="ch" forName="wedge1Tx" refType="w" fact="0.51"/>
-              <dgm:constr type="t" for="ch" forName="wedge1Tx" refType="h" fact="0.208"/>
-              <dgm:constr type="w" for="ch" forName="wedge1Tx" refType="w" fact="0.285"/>
-              <dgm:constr type="h" for="ch" forName="wedge1Tx" refType="h" fact="0.195"/>
-              <dgm:constr type="l" for="ch" forName="wedge2" refType="w" fact="0.08"/>
-              <dgm:constr type="t" for="ch" forName="wedge2" refType="w" fact="0.08"/>
-              <dgm:constr type="w" for="ch" forName="wedge2" refType="w" fact="0.84"/>
-              <dgm:constr type="h" for="ch" forName="wedge2" refType="h" fact="0.84"/>
-              <dgm:constr type="l" for="ch" forName="wedge2Tx" refType="w" fact="0.629"/>
-              <dgm:constr type="t" for="ch" forName="wedge2Tx" refType="h" fact="0.46"/>
-              <dgm:constr type="w" for="ch" forName="wedge2Tx" refType="w" fact="0.25"/>
-              <dgm:constr type="h" for="ch" forName="wedge2Tx" refType="h" fact="0.211"/>
-              <dgm:constr type="l" for="ch" forName="wedge3" refType="w" fact="0.08"/>
-              <dgm:constr type="t" for="ch" forName="wedge3" refType="w" fact="0.08"/>
-              <dgm:constr type="w" for="ch" forName="wedge3" refType="w" fact="0.84"/>
-              <dgm:constr type="h" for="ch" forName="wedge3" refType="h" fact="0.84"/>
-              <dgm:constr type="l" for="ch" forName="wedge3Tx" refType="w" fact="0.35"/>
-              <dgm:constr type="t" for="ch" forName="wedge3Tx" refType="h" fact="0.71"/>
-              <dgm:constr type="w" for="ch" forName="wedge3Tx" refType="w" fact="0.3"/>
-              <dgm:constr type="h" for="ch" forName="wedge3Tx" refType="h" fact="0.18"/>
-              <dgm:constr type="l" for="ch" forName="wedge4" refType="w" fact="0.08"/>
-              <dgm:constr type="t" for="ch" forName="wedge4" refType="h" fact="0.08"/>
-              <dgm:constr type="w" for="ch" forName="wedge4" refType="w" fact="0.84"/>
-              <dgm:constr type="h" for="ch" forName="wedge4" refType="h" fact="0.84"/>
-              <dgm:constr type="l" for="ch" forName="wedge4Tx" refType="w" fact="0.12"/>
-              <dgm:constr type="t" for="ch" forName="wedge4Tx" refType="h" fact="0.46"/>
-              <dgm:constr type="w" for="ch" forName="wedge4Tx" refType="w" fact="0.25"/>
-              <dgm:constr type="h" for="ch" forName="wedge4Tx" refType="h" fact="0.211"/>
-              <dgm:constr type="l" for="ch" forName="wedge5" refType="w" fact="0.0506"/>
-              <dgm:constr type="t" for="ch" forName="wedge5" refType="h" fact="0.0395"/>
-              <dgm:constr type="w" for="ch" forName="wedge5" refType="w" fact="0.84"/>
-              <dgm:constr type="h" for="ch" forName="wedge5" refType="h" fact="0.84"/>
-              <dgm:constr type="l" for="ch" forName="wedge5Tx" refType="w" fact="0.18"/>
-              <dgm:constr type="t" for="ch" forName="wedge5Tx" refType="h" fact="0.165"/>
-              <dgm:constr type="w" for="ch" forName="wedge5Tx" refType="w" fact="0.285"/>
-              <dgm:constr type="h" for="ch" forName="wedge5Tx" refType="h" fact="0.195"/>
-              <dgm:constr type="primFontSz" for="ch" ptType="node" op="equ"/>
-            </dgm:constrLst>
-          </dgm:else>
-        </dgm:choose>
-      </dgm:if>
-      <dgm:if name="Name15" axis="ch" ptType="node" func="cnt" op="equ" val="6">
-        <dgm:choose name="Name16">
-          <dgm:if name="Name17" func="var" arg="dir" op="equ" val="norm">
-            <dgm:constrLst>
-              <dgm:constr type="l" for="ch" forName="wedge1" refType="w" fact="0.105"/>
-              <dgm:constr type="t" for="ch" forName="wedge1" refType="w" fact="0.0367"/>
-              <dgm:constr type="w" for="ch" forName="wedge1" refType="w" fact="0.84"/>
-              <dgm:constr type="h" for="ch" forName="wedge1" refType="h" fact="0.84"/>
-              <dgm:constr type="l" for="ch" forName="wedge1Tx" refType="w" fact="0.534"/>
-              <dgm:constr type="t" for="ch" forName="wedge1Tx" refType="h" fact="0.1267"/>
-              <dgm:constr type="w" for="ch" forName="wedge1Tx" refType="w" fact="0.245"/>
-              <dgm:constr type="h" for="ch" forName="wedge1Tx" refType="h" fact="0.18"/>
-              <dgm:constr type="l" for="ch" forName="wedge2" refType="w" fact="0.08"/>
-              <dgm:constr type="t" for="ch" forName="wedge2" refType="w" fact="0.08"/>
-              <dgm:constr type="w" for="ch" forName="wedge2" refType="w" fact="0.84"/>
-              <dgm:constr type="h" for="ch" forName="wedge2" refType="h" fact="0.84"/>
-              <dgm:constr type="l" for="ch" forName="wedge2Tx" refType="w" fact="0.655"/>
-              <dgm:constr type="t" for="ch" forName="wedge2Tx" refType="h" fact="0.415"/>
-              <dgm:constr type="w" for="ch" forName="wedge2Tx" refType="w" fact="0.254"/>
-              <dgm:constr type="h" for="ch" forName="wedge2Tx" refType="h" fact="0.17"/>
-              <dgm:constr type="l" for="ch" forName="wedge3" refType="w" fact="0.08"/>
-              <dgm:constr type="t" for="ch" forName="wedge3" refType="w" fact="0.08"/>
-              <dgm:constr type="w" for="ch" forName="wedge3" refType="w" fact="0.84"/>
-              <dgm:constr type="h" for="ch" forName="wedge3" refType="h" fact="0.84"/>
-              <dgm:constr type="l" for="ch" forName="wedge3Tx" refType="w" fact="0.509"/>
-              <dgm:constr type="t" for="ch" forName="wedge3Tx" refType="h" fact="0.65"/>
-              <dgm:constr type="w" for="ch" forName="wedge3Tx" refType="w" fact="0.245"/>
-              <dgm:constr type="h" for="ch" forName="wedge3Tx" refType="h" fact="0.18"/>
-              <dgm:constr type="l" for="ch" forName="wedge4" refType="w" fact="0.08"/>
-              <dgm:constr type="t" for="ch" forName="wedge4" refType="h" fact="0.08"/>
-              <dgm:constr type="w" for="ch" forName="wedge4" refType="w" fact="0.84"/>
-              <dgm:constr type="h" for="ch" forName="wedge4" refType="h" fact="0.84"/>
-              <dgm:constr type="l" for="ch" forName="wedge4Tx" refType="w" fact="0.246"/>
-              <dgm:constr type="t" for="ch" forName="wedge4Tx" refType="h" fact="0.65"/>
-              <dgm:constr type="w" for="ch" forName="wedge4Tx" refType="w" fact="0.245"/>
-              <dgm:constr type="h" for="ch" forName="wedge4Tx" refType="h" fact="0.18"/>
-              <dgm:constr type="l" for="ch" forName="wedge5" refType="w" fact="0.08"/>
-              <dgm:constr type="t" for="ch" forName="wedge5" refType="h" fact="0.08"/>
-              <dgm:constr type="w" for="ch" forName="wedge5" refType="w" fact="0.84"/>
-              <dgm:constr type="h" for="ch" forName="wedge5" refType="h" fact="0.84"/>
-              <dgm:constr type="l" for="ch" forName="wedge5Tx" refType="w" fact="0.093"/>
-              <dgm:constr type="t" for="ch" forName="wedge5Tx" refType="h" fact="0.415"/>
-              <dgm:constr type="w" for="ch" forName="wedge5Tx" refType="w" fact="0.254"/>
-              <dgm:constr type="h" for="ch" forName="wedge5Tx" refType="h" fact="0.17"/>
-              <dgm:constr type="l" for="ch" forName="wedge6" refType="w" fact="0.08"/>
-              <dgm:constr type="t" for="ch" forName="wedge6" refType="h" fact="0.08"/>
-              <dgm:constr type="w" for="ch" forName="wedge6" refType="w" fact="0.84"/>
-              <dgm:constr type="h" for="ch" forName="wedge6" refType="h" fact="0.84"/>
-              <dgm:constr type="l" for="ch" forName="wedge6Tx" refType="w" fact="0.246"/>
-              <dgm:constr type="t" for="ch" forName="wedge6Tx" refType="h" fact="0.17"/>
-              <dgm:constr type="w" for="ch" forName="wedge6Tx" refType="w" fact="0.245"/>
-              <dgm:constr type="h" for="ch" forName="wedge6Tx" refType="h" fact="0.18"/>
-              <dgm:constr type="primFontSz" for="ch" ptType="node" op="equ"/>
-            </dgm:constrLst>
-          </dgm:if>
-          <dgm:else name="Name18">
-            <dgm:constrLst>
-              <dgm:constr type="l" for="ch" forName="wedge1" refType="w" fact="0.08"/>
-              <dgm:constr type="t" for="ch" forName="wedge1" refType="w" fact="0.08"/>
-              <dgm:constr type="w" for="ch" forName="wedge1" refType="w" fact="0.84"/>
-              <dgm:constr type="h" for="ch" forName="wedge1" refType="h" fact="0.84"/>
-              <dgm:constr type="l" for="ch" forName="wedge1Tx" refType="w" fact="0.509"/>
-              <dgm:constr type="t" for="ch" forName="wedge1Tx" refType="h" fact="0.17"/>
-              <dgm:constr type="w" for="ch" forName="wedge1Tx" refType="w" fact="0.245"/>
-              <dgm:constr type="h" for="ch" forName="wedge1Tx" refType="h" fact="0.18"/>
-              <dgm:constr type="l" for="ch" forName="wedge2" refType="w" fact="0.08"/>
-              <dgm:constr type="t" for="ch" forName="wedge2" refType="w" fact="0.08"/>
-              <dgm:constr type="w" for="ch" forName="wedge2" refType="w" fact="0.84"/>
-              <dgm:constr type="h" for="ch" forName="wedge2" refType="h" fact="0.84"/>
-              <dgm:constr type="l" for="ch" forName="wedge2Tx" refType="w" fact="0.655"/>
-              <dgm:constr type="t" for="ch" forName="wedge2Tx" refType="h" fact="0.415"/>
-              <dgm:constr type="w" for="ch" forName="wedge2Tx" refType="w" fact="0.254"/>
-              <dgm:constr type="h" for="ch" forName="wedge2Tx" refType="h" fact="0.17"/>
-              <dgm:constr type="l" for="ch" forName="wedge3" refType="w" fact="0.08"/>
-              <dgm:constr type="t" for="ch" forName="wedge3" refType="w" fact="0.08"/>
-              <dgm:constr type="w" for="ch" forName="wedge3" refType="w" fact="0.84"/>
-              <dgm:constr type="h" for="ch" forName="wedge3" refType="h" fact="0.84"/>
-              <dgm:constr type="l" for="ch" forName="wedge3Tx" refType="w" fact="0.509"/>
-              <dgm:constr type="t" for="ch" forName="wedge3Tx" refType="h" fact="0.65"/>
-              <dgm:constr type="w" for="ch" forName="wedge3Tx" refType="w" fact="0.245"/>
-              <dgm:constr type="h" for="ch" forName="wedge3Tx" refType="h" fact="0.18"/>
-              <dgm:constr type="l" for="ch" forName="wedge4" refType="w" fact="0.08"/>
-              <dgm:constr type="t" for="ch" forName="wedge4" refType="h" fact="0.08"/>
-              <dgm:constr type="w" for="ch" forName="wedge4" refType="w" fact="0.84"/>
-              <dgm:constr type="h" for="ch" forName="wedge4" refType="h" fact="0.84"/>
-              <dgm:constr type="l" for="ch" forName="wedge4Tx" refType="w" fact="0.246"/>
-              <dgm:constr type="t" for="ch" forName="wedge4Tx" refType="h" fact="0.65"/>
-              <dgm:constr type="w" for="ch" forName="wedge4Tx" refType="w" fact="0.245"/>
-              <dgm:constr type="h" for="ch" forName="wedge4Tx" refType="h" fact="0.18"/>
-              <dgm:constr type="l" for="ch" forName="wedge5" refType="w" fact="0.08"/>
-              <dgm:constr type="t" for="ch" forName="wedge5" refType="h" fact="0.08"/>
-              <dgm:constr type="w" for="ch" forName="wedge5" refType="w" fact="0.84"/>
-              <dgm:constr type="h" for="ch" forName="wedge5" refType="h" fact="0.84"/>
-              <dgm:constr type="l" for="ch" forName="wedge5Tx" refType="w" fact="0.093"/>
-              <dgm:constr type="t" for="ch" forName="wedge5Tx" refType="h" fact="0.415"/>
-              <dgm:constr type="w" for="ch" forName="wedge5Tx" refType="w" fact="0.254"/>
-              <dgm:constr type="h" for="ch" forName="wedge5Tx" refType="h" fact="0.17"/>
-              <dgm:constr type="l" for="ch" forName="wedge6" refType="w" fact="0.055"/>
-              <dgm:constr type="t" for="ch" forName="wedge6" refType="h" fact="0.0367"/>
-              <dgm:constr type="w" for="ch" forName="wedge6" refType="w" fact="0.84"/>
-              <dgm:constr type="h" for="ch" forName="wedge6" refType="h" fact="0.84"/>
-              <dgm:constr type="l" for="ch" forName="wedge6Tx" refType="w" fact="0.221"/>
-              <dgm:constr type="t" for="ch" forName="wedge6Tx" refType="h" fact="0.1267"/>
-              <dgm:constr type="w" for="ch" forName="wedge6Tx" refType="w" fact="0.245"/>
-              <dgm:constr type="h" for="ch" forName="wedge6Tx" refType="h" fact="0.18"/>
-              <dgm:constr type="primFontSz" for="ch" ptType="node" op="equ"/>
-            </dgm:constrLst>
-          </dgm:else>
-        </dgm:choose>
-      </dgm:if>
-      <dgm:else name="Name19">
-        <dgm:choose name="Name20">
-          <dgm:if name="Name21" func="var" arg="dir" op="equ" val="norm">
-            <dgm:constrLst>
-              <dgm:constr type="l" for="ch" forName="wedge1" refType="w" fact="0.1017"/>
-              <dgm:constr type="t" for="ch" forName="wedge1" refType="w" fact="0.035"/>
-              <dgm:constr type="w" for="ch" forName="wedge1" refType="w" fact="0.84"/>
-              <dgm:constr type="h" for="ch" forName="wedge1" refType="h" fact="0.84"/>
-              <dgm:constr type="l" for="ch" forName="wedge1Tx" refType="w" fact="0.53"/>
-              <dgm:constr type="t" for="ch" forName="wedge1Tx" refType="h" fact="0.115"/>
-              <dgm:constr type="w" for="ch" forName="wedge1Tx" refType="w" fact="0.23"/>
-              <dgm:constr type="h" for="ch" forName="wedge1Tx" refType="h" fact="0.145"/>
-              <dgm:constr type="l" for="ch" forName="wedge2" refType="w" fact="0.08"/>
-              <dgm:constr type="t" for="ch" forName="wedge2" refType="w" fact="0.08"/>
-              <dgm:constr type="w" for="ch" forName="wedge2" refType="w" fact="0.84"/>
-              <dgm:constr type="h" for="ch" forName="wedge2" refType="h" fact="0.84"/>
-              <dgm:constr type="l" for="ch" forName="wedge2Tx" refType="w" fact="0.655"/>
-              <dgm:constr type="t" for="ch" forName="wedge2Tx" refType="h" fact="0.38"/>
-              <dgm:constr type="w" for="ch" forName="wedge2Tx" refType="w" fact="0.244"/>
-              <dgm:constr type="h" for="ch" forName="wedge2Tx" refType="h" fact="0.155"/>
-              <dgm:constr type="l" for="ch" forName="wedge3" refType="w" fact="0.08"/>
-              <dgm:constr type="t" for="ch" forName="wedge3" refType="w" fact="0.08"/>
-              <dgm:constr type="w" for="ch" forName="wedge3" refType="w" fact="0.84"/>
-              <dgm:constr type="h" for="ch" forName="wedge3" refType="h" fact="0.84"/>
-              <dgm:constr type="l" for="ch" forName="wedge3Tx" refType="w" fact="0.62"/>
-              <dgm:constr type="t" for="ch" forName="wedge3Tx" refType="h" fact="0.58"/>
-              <dgm:constr type="w" for="ch" forName="wedge3Tx" refType="w" fact="0.22"/>
-              <dgm:constr type="h" for="ch" forName="wedge3Tx" refType="h" fact="0.16"/>
-              <dgm:constr type="l" for="ch" forName="wedge4" refType="w" fact="0.08"/>
-              <dgm:constr type="t" for="ch" forName="wedge4" refType="h" fact="0.08"/>
-              <dgm:constr type="w" for="ch" forName="wedge4" refType="w" fact="0.84"/>
-              <dgm:constr type="h" for="ch" forName="wedge4" refType="h" fact="0.84"/>
-              <dgm:constr type="l" for="ch" forName="wedge4Tx" refType="w" fact="0.3875"/>
-              <dgm:constr type="t" for="ch" forName="wedge4Tx" refType="h" fact="0.74"/>
-              <dgm:constr type="w" for="ch" forName="wedge4Tx" refType="w" fact="0.225"/>
-              <dgm:constr type="h" for="ch" forName="wedge4Tx" refType="h" fact="0.16"/>
-              <dgm:constr type="l" for="ch" forName="wedge5" refType="w" fact="0.08"/>
-              <dgm:constr type="t" for="ch" forName="wedge5" refType="h" fact="0.08"/>
-              <dgm:constr type="w" for="ch" forName="wedge5" refType="w" fact="0.84"/>
-              <dgm:constr type="h" for="ch" forName="wedge5" refType="h" fact="0.84"/>
-              <dgm:constr type="l" for="ch" forName="wedge5Tx" refType="w" fact="0.16"/>
-              <dgm:constr type="t" for="ch" forName="wedge5Tx" refType="h" fact="0.58"/>
-              <dgm:constr type="w" for="ch" forName="wedge5Tx" refType="w" fact="0.22"/>
-              <dgm:constr type="h" for="ch" forName="wedge5Tx" refType="h" fact="0.16"/>
-              <dgm:constr type="l" for="ch" forName="wedge6" refType="w" fact="0.08"/>
-              <dgm:constr type="t" for="ch" forName="wedge6" refType="h" fact="0.08"/>
-              <dgm:constr type="w" for="ch" forName="wedge6" refType="w" fact="0.84"/>
-              <dgm:constr type="h" for="ch" forName="wedge6" refType="h" fact="0.84"/>
-              <dgm:constr type="l" for="ch" forName="wedge6Tx" refType="w" fact="0.101"/>
-              <dgm:constr type="t" for="ch" forName="wedge6Tx" refType="h" fact="0.38"/>
-              <dgm:constr type="w" for="ch" forName="wedge6Tx" refType="w" fact="0.244"/>
-              <dgm:constr type="h" for="ch" forName="wedge6Tx" refType="h" fact="0.155"/>
-              <dgm:constr type="l" for="ch" forName="wedge7" refType="w" fact="0.08"/>
-              <dgm:constr type="t" for="ch" forName="wedge7" refType="h" fact="0.08"/>
-              <dgm:constr type="w" for="ch" forName="wedge7" refType="w" fact="0.84"/>
-              <dgm:constr type="h" for="ch" forName="wedge7" refType="h" fact="0.84"/>
-              <dgm:constr type="l" for="ch" forName="wedge7Tx" refType="w" fact="0.262"/>
-              <dgm:constr type="t" for="ch" forName="wedge7Tx" refType="h" fact="0.16"/>
-              <dgm:constr type="w" for="ch" forName="wedge7Tx" refType="w" fact="0.23"/>
-              <dgm:constr type="h" for="ch" forName="wedge7Tx" refType="h" fact="0.145"/>
-              <dgm:constr type="primFontSz" for="ch" ptType="node" op="equ"/>
-            </dgm:constrLst>
-          </dgm:if>
-          <dgm:else name="Name22">
-            <dgm:constrLst>
-              <dgm:constr type="l" for="ch" forName="wedge1" refType="w" fact="0.08"/>
-              <dgm:constr type="t" for="ch" forName="wedge1" refType="w" fact="0.08"/>
-              <dgm:constr type="w" for="ch" forName="wedge1" refType="w" fact="0.84"/>
-              <dgm:constr type="h" for="ch" forName="wedge1" refType="h" fact="0.84"/>
-              <dgm:constr type="l" for="ch" forName="wedge1Tx" refType="w" fact="0.508"/>
-              <dgm:constr type="t" for="ch" forName="wedge1Tx" refType="h" fact="0.16"/>
-              <dgm:constr type="w" for="ch" forName="wedge1Tx" refType="w" fact="0.23"/>
-              <dgm:constr type="h" for="ch" forName="wedge1Tx" refType="h" fact="0.145"/>
-              <dgm:constr type="l" for="ch" forName="wedge2" refType="w" fact="0.08"/>
-              <dgm:constr type="t" for="ch" forName="wedge2" refType="w" fact="0.08"/>
-              <dgm:constr type="w" for="ch" forName="wedge2" refType="w" fact="0.84"/>
-              <dgm:constr type="h" for="ch" forName="wedge2" refType="h" fact="0.84"/>
-              <dgm:constr type="l" for="ch" forName="wedge2Tx" refType="w" fact="0.655"/>
-              <dgm:constr type="t" for="ch" forName="wedge2Tx" refType="h" fact="0.38"/>
-              <dgm:constr type="w" for="ch" forName="wedge2Tx" refType="w" fact="0.244"/>
-              <dgm:constr type="h" for="ch" forName="wedge2Tx" refType="h" fact="0.155"/>
-              <dgm:constr type="l" for="ch" forName="wedge3" refType="w" fact="0.08"/>
-              <dgm:constr type="t" for="ch" forName="wedge3" refType="w" fact="0.08"/>
-              <dgm:constr type="w" for="ch" forName="wedge3" refType="w" fact="0.84"/>
-              <dgm:constr type="h" for="ch" forName="wedge3" refType="h" fact="0.84"/>
-              <dgm:constr type="l" for="ch" forName="wedge3Tx" refType="w" fact="0.62"/>
-              <dgm:constr type="t" for="ch" forName="wedge3Tx" refType="h" fact="0.58"/>
-              <dgm:constr type="w" for="ch" forName="wedge3Tx" refType="w" fact="0.22"/>
-              <dgm:constr type="h" for="ch" forName="wedge3Tx" refType="h" fact="0.16"/>
-              <dgm:constr type="l" for="ch" forName="wedge4" refType="w" fact="0.08"/>
-              <dgm:constr type="t" for="ch" forName="wedge4" refType="h" fact="0.08"/>
-              <dgm:constr type="w" for="ch" forName="wedge4" refType="w" fact="0.84"/>
-              <dgm:constr type="h" for="ch" forName="wedge4" refType="h" fact="0.84"/>
-              <dgm:constr type="l" for="ch" forName="wedge4Tx" refType="w" fact="0.3875"/>
-              <dgm:constr type="t" for="ch" forName="wedge4Tx" refType="h" fact="0.74"/>
-              <dgm:constr type="w" for="ch" forName="wedge4Tx" refType="w" fact="0.225"/>
-              <dgm:constr type="h" for="ch" forName="wedge4Tx" refType="h" fact="0.16"/>
-              <dgm:constr type="l" for="ch" forName="wedge5" refType="w" fact="0.08"/>
-              <dgm:constr type="t" for="ch" forName="wedge5" refType="h" fact="0.08"/>
-              <dgm:constr type="w" for="ch" forName="wedge5" refType="w" fact="0.84"/>
-              <dgm:constr type="h" for="ch" forName="wedge5" refType="h" fact="0.84"/>
-              <dgm:constr type="l" for="ch" forName="wedge5Tx" refType="w" fact="0.16"/>
-              <dgm:constr type="t" for="ch" forName="wedge5Tx" refType="h" fact="0.58"/>
-              <dgm:constr type="w" for="ch" forName="wedge5Tx" refType="w" fact="0.22"/>
-              <dgm:constr type="h" for="ch" forName="wedge5Tx" refType="h" fact="0.16"/>
-              <dgm:constr type="l" for="ch" forName="wedge6" refType="w" fact="0.08"/>
-              <dgm:constr type="t" for="ch" forName="wedge6" refType="h" fact="0.08"/>
-              <dgm:constr type="w" for="ch" forName="wedge6" refType="w" fact="0.84"/>
-              <dgm:constr type="h" for="ch" forName="wedge6" refType="h" fact="0.84"/>
-              <dgm:constr type="l" for="ch" forName="wedge6Tx" refType="w" fact="0.101"/>
-              <dgm:constr type="t" for="ch" forName="wedge6Tx" refType="h" fact="0.38"/>
-              <dgm:constr type="w" for="ch" forName="wedge6Tx" refType="w" fact="0.244"/>
-              <dgm:constr type="h" for="ch" forName="wedge6Tx" refType="h" fact="0.155"/>
-              <dgm:constr type="l" for="ch" forName="wedge7" refType="w" fact="0.0583"/>
-              <dgm:constr type="t" for="ch" forName="wedge7" refType="h" fact="0.035"/>
-              <dgm:constr type="w" for="ch" forName="wedge7" refType="w" fact="0.84"/>
-              <dgm:constr type="h" for="ch" forName="wedge7" refType="h" fact="0.84"/>
-              <dgm:constr type="l" for="ch" forName="wedge7Tx" refType="w" fact="0.2403"/>
-              <dgm:constr type="t" for="ch" forName="wedge7Tx" refType="h" fact="0.115"/>
-              <dgm:constr type="w" for="ch" forName="wedge7Tx" refType="w" fact="0.23"/>
-              <dgm:constr type="h" for="ch" forName="wedge7Tx" refType="h" fact="0.145"/>
-              <dgm:constr type="primFontSz" for="ch" ptType="node" op="equ"/>
-            </dgm:constrLst>
-          </dgm:else>
-        </dgm:choose>
-      </dgm:else>
-    </dgm:choose>
-    <dgm:ruleLst/>
-    <dgm:choose name="Name23">
-      <dgm:if name="Name24" axis="ch" ptType="node" func="cnt" op="gte" val="1">
-        <dgm:layoutNode name="wedge1">
-          <dgm:alg type="sp"/>
-          <dgm:choose name="Name25">
-            <dgm:if name="Name26" axis="ch" ptType="node" func="cnt" op="equ" val="1">
-              <dgm:shape xmlns:r="http://schemas.openxmlformats.org/officeDocument/2006/relationships" type="ellipse" r:blip="">
-                <dgm:adjLst/>
-              </dgm:shape>
-            </dgm:if>
-            <dgm:if name="Name27" axis="ch" ptType="node" func="cnt" op="equ" val="2">
-              <dgm:shape xmlns:r="http://schemas.openxmlformats.org/officeDocument/2006/relationships" type="pie" r:blip="">
-                <dgm:adjLst>
-                  <dgm:adj idx="1" val="270"/>
-                  <dgm:adj idx="2" val="90"/>
-                </dgm:adjLst>
-              </dgm:shape>
-            </dgm:if>
-            <dgm:if name="Name28" axis="ch" ptType="node" func="cnt" op="equ" val="3">
-              <dgm:shape xmlns:r="http://schemas.openxmlformats.org/officeDocument/2006/relationships" type="pie" r:blip="">
-                <dgm:adjLst>
-                  <dgm:adj idx="1" val="270"/>
-                  <dgm:adj idx="2" val="30"/>
-                </dgm:adjLst>
-              </dgm:shape>
-            </dgm:if>
-            <dgm:if name="Name29" axis="ch" ptType="node" func="cnt" op="equ" val="4">
-              <dgm:shape xmlns:r="http://schemas.openxmlformats.org/officeDocument/2006/relationships" type="pie" r:blip="">
-                <dgm:adjLst>
-                  <dgm:adj idx="1" val="270"/>
-                  <dgm:adj idx="2" val="0"/>
-                </dgm:adjLst>
-              </dgm:shape>
-            </dgm:if>
-            <dgm:if name="Name30" axis="ch" ptType="node" func="cnt" op="equ" val="5">
-              <dgm:shape xmlns:r="http://schemas.openxmlformats.org/officeDocument/2006/relationships" type="pie" r:blip="">
-                <dgm:adjLst>
-                  <dgm:adj idx="1" val="270"/>
-                  <dgm:adj idx="2" val="342"/>
-                </dgm:adjLst>
-              </dgm:shape>
-            </dgm:if>
-            <dgm:if name="Name31" axis="ch" ptType="node" func="cnt" op="equ" val="6">
-              <dgm:shape xmlns:r="http://schemas.openxmlformats.org/officeDocument/2006/relationships" type="pie" r:blip="">
-                <dgm:adjLst>
-                  <dgm:adj idx="1" val="270"/>
-                  <dgm:adj idx="2" val="330"/>
-                </dgm:adjLst>
-              </dgm:shape>
-            </dgm:if>
-            <dgm:else name="Name32">
-              <dgm:shape xmlns:r="http://schemas.openxmlformats.org/officeDocument/2006/relationships" type="pie" r:blip="">
-                <dgm:adjLst>
-                  <dgm:adj idx="1" val="270"/>
-                  <dgm:adj idx="2" val="321.4286"/>
-                </dgm:adjLst>
-              </dgm:shape>
-            </dgm:else>
-          </dgm:choose>
-          <dgm:choose name="Name33">
-            <dgm:if name="Name34" func="var" arg="dir" op="equ" val="norm">
-              <dgm:presOf axis="ch desOrSelf" ptType="node node" st="1 1" cnt="1 0"/>
-            </dgm:if>
-            <dgm:else name="Name35">
-              <dgm:choose name="Name36">
-                <dgm:if name="Name37" axis="ch" ptType="node" func="cnt" op="equ" val="1">
-                  <dgm:presOf axis="ch desOrSelf" ptType="node node" st="1 1" cnt="1 0"/>
-                </dgm:if>
-                <dgm:if name="Name38" axis="ch" ptType="node" func="cnt" op="equ" val="2">
-                  <dgm:presOf axis="ch desOrSelf" ptType="node node" st="2 1" cnt="1 0"/>
-                </dgm:if>
-                <dgm:if name="Name39" axis="ch" ptType="node" func="cnt" op="equ" val="3">
-                  <dgm:presOf axis="ch desOrSelf" ptType="node node" st="3 1" cnt="1 0"/>
-                </dgm:if>
-                <dgm:if name="Name40" axis="ch" ptType="node" func="cnt" op="equ" val="4">
-                  <dgm:presOf axis="ch desOrSelf" ptType="node node" st="4 1" cnt="1 0"/>
-                </dgm:if>
-                <dgm:if name="Name41" axis="ch" ptType="node" func="cnt" op="equ" val="5">
-                  <dgm:presOf axis="ch desOrSelf" ptType="node node" st="5 1" cnt="1 0"/>
-                </dgm:if>
-                <dgm:if name="Name42" axis="ch" ptType="node" func="cnt" op="equ" val="6">
-                  <dgm:presOf axis="ch desOrSelf" ptType="node node" st="6 1" cnt="1 0"/>
-                </dgm:if>
-                <dgm:else name="Name43">
-                  <dgm:presOf axis="ch desOrSelf" ptType="node node" st="7 1" cnt="1 0"/>
-                </dgm:else>
-              </dgm:choose>
-            </dgm:else>
-          </dgm:choose>
-          <dgm:constrLst/>
-          <dgm:ruleLst/>
-        </dgm:layoutNode>
-        <dgm:layoutNode name="wedge1Tx" moveWith="wedge1">
-          <dgm:varLst>
-            <dgm:chMax val="0"/>
-            <dgm:chPref val="0"/>
-            <dgm:bulletEnabled val="1"/>
-          </dgm:varLst>
-          <dgm:alg type="tx"/>
-          <dgm:shape xmlns:r="http://schemas.openxmlformats.org/officeDocument/2006/relationships" type="rect" r:blip="" hideGeom="1">
-            <dgm:adjLst/>
-          </dgm:shape>
-          <dgm:choose name="Name44">
-            <dgm:if name="Name45" func="var" arg="dir" op="equ" val="norm">
-              <dgm:presOf axis="ch desOrSelf" ptType="node node" st="1 1" cnt="1 0"/>
-            </dgm:if>
-            <dgm:else name="Name46">
-              <dgm:choose name="Name47">
-                <dgm:if name="Name48" axis="ch" ptType="node" func="cnt" op="equ" val="1">
-                  <dgm:presOf axis="ch desOrSelf" ptType="node node" st="1 1" cnt="1 0"/>
-                </dgm:if>
-                <dgm:if name="Name49" axis="ch" ptType="node" func="cnt" op="equ" val="2">
-                  <dgm:presOf axis="ch desOrSelf" ptType="node node" st="2 1" cnt="1 0"/>
-                </dgm:if>
-                <dgm:if name="Name50" axis="ch" ptType="node" func="cnt" op="equ" val="3">
-                  <dgm:presOf axis="ch desOrSelf" ptType="node node" st="3 1" cnt="1 0"/>
-                </dgm:if>
-                <dgm:if name="Name51" axis="ch" ptType="node" func="cnt" op="equ" val="4">
-                  <dgm:presOf axis="ch desOrSelf" ptType="node node" st="4 1" cnt="1 0"/>
-                </dgm:if>
-                <dgm:if name="Name52" axis="ch" ptType="node" func="cnt" op="equ" val="5">
-                  <dgm:presOf axis="ch desOrSelf" ptType="node node" st="5 1" cnt="1 0"/>
-                </dgm:if>
-                <dgm:if name="Name53" axis="ch" ptType="node" func="cnt" op="equ" val="6">
-                  <dgm:presOf axis="ch desOrSelf" ptType="node node" st="6 1" cnt="1 0"/>
-                </dgm:if>
-                <dgm:else name="Name54">
-                  <dgm:presOf axis="ch desOrSelf" ptType="node node" st="7 1" cnt="1 0"/>
-                </dgm:else>
-              </dgm:choose>
-            </dgm:else>
-          </dgm:choose>
-          <dgm:constrLst>
-            <dgm:constr type="tMarg" refType="primFontSz" fact="0.1"/>
-            <dgm:constr type="bMarg" refType="primFontSz" fact="0.1"/>
-            <dgm:constr type="lMarg" refType="primFontSz" fact="0.1"/>
-            <dgm:constr type="rMarg" refType="primFontSz" fact="0.1"/>
-            <dgm:constr type="primFontSz" val="65"/>
-          </dgm:constrLst>
-          <dgm:ruleLst>
-            <dgm:rule type="primFontSz" val="5" fact="NaN" max="NaN"/>
-          </dgm:ruleLst>
-        </dgm:layoutNode>
-      </dgm:if>
-      <dgm:else name="Name55"/>
-    </dgm:choose>
-    <dgm:choose name="Name56">
-      <dgm:if name="Name57" axis="ch" ptType="node" func="cnt" op="gte" val="2">
-        <dgm:layoutNode name="wedge2">
-          <dgm:alg type="sp"/>
-          <dgm:choose name="Name58">
-            <dgm:if name="Name59" axis="ch" ptType="node" func="cnt" op="equ" val="2">
-              <dgm:shape xmlns:r="http://schemas.openxmlformats.org/officeDocument/2006/relationships" type="pie" r:blip="">
-                <dgm:adjLst>
-                  <dgm:adj idx="1" val="90"/>
-                  <dgm:adj idx="2" val="270"/>
-                </dgm:adjLst>
-              </dgm:shape>
-            </dgm:if>
-            <dgm:if name="Name60" axis="ch" ptType="node" func="cnt" op="equ" val="3">
-              <dgm:shape xmlns:r="http://schemas.openxmlformats.org/officeDocument/2006/relationships" type="pie" r:blip="">
-                <dgm:adjLst>
-                  <dgm:adj idx="1" val="30"/>
-                  <dgm:adj idx="2" val="150"/>
-                </dgm:adjLst>
-              </dgm:shape>
-            </dgm:if>
-            <dgm:if name="Name61" axis="ch" ptType="node" func="cnt" op="equ" val="4">
-              <dgm:shape xmlns:r="http://schemas.openxmlformats.org/officeDocument/2006/relationships" type="pie" r:blip="">
-                <dgm:adjLst>
-                  <dgm:adj idx="1" val="0"/>
-                  <dgm:adj idx="2" val="90"/>
-                </dgm:adjLst>
-              </dgm:shape>
-            </dgm:if>
-            <dgm:if name="Name62" axis="ch" ptType="node" func="cnt" op="equ" val="5">
-              <dgm:shape xmlns:r="http://schemas.openxmlformats.org/officeDocument/2006/relationships" type="pie" r:blip="">
-                <dgm:adjLst>
-                  <dgm:adj idx="1" val="342"/>
-                  <dgm:adj idx="2" val="54"/>
-                </dgm:adjLst>
-              </dgm:shape>
-            </dgm:if>
-            <dgm:if name="Name63" axis="ch" ptType="node" func="cnt" op="equ" val="6">
-              <dgm:shape xmlns:r="http://schemas.openxmlformats.org/officeDocument/2006/relationships" type="pie" r:blip="">
-                <dgm:adjLst>
-                  <dgm:adj idx="1" val="330"/>
-                  <dgm:adj idx="2" val="30"/>
-                </dgm:adjLst>
-              </dgm:shape>
-            </dgm:if>
-            <dgm:else name="Name64">
-              <dgm:shape xmlns:r="http://schemas.openxmlformats.org/officeDocument/2006/relationships" type="pie" r:blip="">
-                <dgm:adjLst>
-                  <dgm:adj idx="1" val="321.4286"/>
-                  <dgm:adj idx="2" val="12.85714"/>
-                </dgm:adjLst>
-              </dgm:shape>
-            </dgm:else>
-          </dgm:choose>
-          <dgm:choose name="Name65">
-            <dgm:if name="Name66" func="var" arg="dir" op="equ" val="norm">
-              <dgm:presOf axis="ch desOrSelf" ptType="node node" st="2 1" cnt="1 0"/>
-            </dgm:if>
-            <dgm:else name="Name67">
-              <dgm:choose name="Name68">
-                <dgm:if name="Name69" axis="ch" ptType="node" func="cnt" op="equ" val="2">
-                  <dgm:presOf axis="ch desOrSelf" ptType="node node" st="1 1" cnt="1 0"/>
-                </dgm:if>
-                <dgm:if name="Name70" axis="ch" ptType="node" func="cnt" op="equ" val="3">
-                  <dgm:presOf axis="ch desOrSelf" ptType="node node" st="2 1" cnt="1 0"/>
-                </dgm:if>
-                <dgm:if name="Name71" axis="ch" ptType="node" func="cnt" op="equ" val="4">
-                  <dgm:presOf axis="ch desOrSelf" ptType="node node" st="3 1" cnt="1 0"/>
-                </dgm:if>
-                <dgm:if name="Name72" axis="ch" ptType="node" func="cnt" op="equ" val="5">
-                  <dgm:presOf axis="ch desOrSelf" ptType="node node" st="4 1" cnt="1 0"/>
-                </dgm:if>
-                <dgm:if name="Name73" axis="ch" ptType="node" func="cnt" op="equ" val="6">
-                  <dgm:presOf axis="ch desOrSelf" ptType="node node" st="5 1" cnt="1 0"/>
-                </dgm:if>
-                <dgm:else name="Name74">
-                  <dgm:presOf axis="ch desOrSelf" ptType="node node" st="6 1" cnt="1 0"/>
-                </dgm:else>
-              </dgm:choose>
-            </dgm:else>
-          </dgm:choose>
-          <dgm:constrLst/>
-          <dgm:ruleLst/>
-        </dgm:layoutNode>
-        <dgm:layoutNode name="wedge2Tx" moveWith="wedge2">
-          <dgm:varLst>
-            <dgm:chMax val="0"/>
-            <dgm:chPref val="0"/>
-            <dgm:bulletEnabled val="1"/>
-          </dgm:varLst>
-          <dgm:alg type="tx"/>
-          <dgm:shape xmlns:r="http://schemas.openxmlformats.org/officeDocument/2006/relationships" type="rect" r:blip="" hideGeom="1">
-            <dgm:adjLst/>
-          </dgm:shape>
-          <dgm:choose name="Name75">
-            <dgm:if name="Name76" func="var" arg="dir" op="equ" val="norm">
-              <dgm:presOf axis="ch desOrSelf" ptType="node node" st="2 1" cnt="1 0"/>
-            </dgm:if>
-            <dgm:else name="Name77">
-              <dgm:choose name="Name78">
-                <dgm:if name="Name79" axis="ch" ptType="node" func="cnt" op="equ" val="2">
-                  <dgm:presOf axis="ch desOrSelf" ptType="node node" st="1 1" cnt="1 0"/>
-                </dgm:if>
-                <dgm:if name="Name80" axis="ch" ptType="node" func="cnt" op="equ" val="3">
-                  <dgm:presOf axis="ch desOrSelf" ptType="node node" st="2 1" cnt="1 0"/>
-                </dgm:if>
-                <dgm:if name="Name81" axis="ch" ptType="node" func="cnt" op="equ" val="4">
-                  <dgm:presOf axis="ch desOrSelf" ptType="node node" st="3 1" cnt="1 0"/>
-                </dgm:if>
-                <dgm:if name="Name82" axis="ch" ptType="node" func="cnt" op="equ" val="5">
-                  <dgm:presOf axis="ch desOrSelf" ptType="node node" st="4 1" cnt="1 0"/>
-                </dgm:if>
-                <dgm:if name="Name83" axis="ch" ptType="node" func="cnt" op="equ" val="6">
-                  <dgm:presOf axis="ch desOrSelf" ptType="node node" st="5 1" cnt="1 0"/>
-                </dgm:if>
-                <dgm:else name="Name84">
-                  <dgm:presOf axis="ch desOrSelf" ptType="node node" st="6 1" cnt="1 0"/>
-                </dgm:else>
-              </dgm:choose>
-            </dgm:else>
-          </dgm:choose>
-          <dgm:constrLst>
-            <dgm:constr type="tMarg" refType="primFontSz" fact="0.1"/>
-            <dgm:constr type="bMarg" refType="primFontSz" fact="0.1"/>
-            <dgm:constr type="lMarg" refType="primFontSz" fact="0.1"/>
-            <dgm:constr type="rMarg" refType="primFontSz" fact="0.1"/>
-            <dgm:constr type="primFontSz" val="65"/>
-          </dgm:constrLst>
-          <dgm:ruleLst>
-            <dgm:rule type="primFontSz" val="5" fact="NaN" max="NaN"/>
-          </dgm:ruleLst>
-        </dgm:layoutNode>
-      </dgm:if>
-      <dgm:else name="Name85"/>
-    </dgm:choose>
-    <dgm:choose name="Name86">
-      <dgm:if name="Name87" axis="ch" ptType="node" func="cnt" op="gte" val="3">
-        <dgm:layoutNode name="wedge3">
-          <dgm:alg type="sp"/>
-          <dgm:choose name="Name88">
-            <dgm:if name="Name89" axis="ch" ptType="node" func="cnt" op="equ" val="3">
-              <dgm:shape xmlns:r="http://schemas.openxmlformats.org/officeDocument/2006/relationships" type="pie" r:blip="">
-                <dgm:adjLst>
-                  <dgm:adj idx="1" val="150"/>
-                  <dgm:adj idx="2" val="270"/>
-                </dgm:adjLst>
-              </dgm:shape>
-            </dgm:if>
-            <dgm:if name="Name90" axis="ch" ptType="node" func="cnt" op="equ" val="4">
-              <dgm:shape xmlns:r="http://schemas.openxmlformats.org/officeDocument/2006/relationships" type="pie" r:blip="">
-                <dgm:adjLst>
-                  <dgm:adj idx="1" val="90"/>
-                  <dgm:adj idx="2" val="180"/>
-                </dgm:adjLst>
-              </dgm:shape>
-            </dgm:if>
-            <dgm:if name="Name91" axis="ch" ptType="node" func="cnt" op="equ" val="5">
-              <dgm:shape xmlns:r="http://schemas.openxmlformats.org/officeDocument/2006/relationships" type="pie" r:blip="">
-                <dgm:adjLst>
-                  <dgm:adj idx="1" val="54"/>
-                  <dgm:adj idx="2" val="126"/>
-                </dgm:adjLst>
-              </dgm:shape>
-            </dgm:if>
-            <dgm:if name="Name92" axis="ch" ptType="node" func="cnt" op="equ" val="6">
-              <dgm:shape xmlns:r="http://schemas.openxmlformats.org/officeDocument/2006/relationships" type="pie" r:blip="">
-                <dgm:adjLst>
-                  <dgm:adj idx="1" val="30"/>
-                  <dgm:adj idx="2" val="90"/>
-                </dgm:adjLst>
-              </dgm:shape>
-            </dgm:if>
-            <dgm:else name="Name93">
-              <dgm:shape xmlns:r="http://schemas.openxmlformats.org/officeDocument/2006/relationships" type="pie" r:blip="">
-                <dgm:adjLst>
-                  <dgm:adj idx="1" val="12.85714"/>
-                  <dgm:adj idx="2" val="64.28571"/>
-                </dgm:adjLst>
-              </dgm:shape>
-            </dgm:else>
-          </dgm:choose>
-          <dgm:choose name="Name94">
-            <dgm:if name="Name95" func="var" arg="dir" op="equ" val="norm">
-              <dgm:presOf axis="ch desOrSelf" ptType="node node" st="3 1" cnt="1 0"/>
-            </dgm:if>
-            <dgm:else name="Name96">
-              <dgm:choose name="Name97">
-                <dgm:if name="Name98" axis="ch" ptType="node" func="cnt" op="equ" val="3">
-                  <dgm:presOf axis="ch desOrSelf" ptType="node node" st="1 1" cnt="1 0"/>
-                </dgm:if>
-                <dgm:if name="Name99" axis="ch" ptType="node" func="cnt" op="equ" val="4">
-                  <dgm:presOf axis="ch desOrSelf" ptType="node node" st="2 1" cnt="1 0"/>
-                </dgm:if>
-                <dgm:if name="Name100" axis="ch" ptType="node" func="cnt" op="equ" val="5">
-                  <dgm:presOf axis="ch desOrSelf" ptType="node node" st="3 1" cnt="1 0"/>
-                </dgm:if>
-                <dgm:if name="Name101" axis="ch" ptType="node" func="cnt" op="equ" val="6">
-                  <dgm:presOf axis="ch desOrSelf" ptType="node node" st="4 1" cnt="1 0"/>
-                </dgm:if>
-                <dgm:else name="Name102">
-                  <dgm:presOf axis="ch desOrSelf" ptType="node node" st="5 1" cnt="1 0"/>
-                </dgm:else>
-              </dgm:choose>
-            </dgm:else>
-          </dgm:choose>
-          <dgm:constrLst/>
-          <dgm:ruleLst/>
-        </dgm:layoutNode>
-        <dgm:layoutNode name="wedge3Tx" moveWith="wedge3">
-          <dgm:varLst>
-            <dgm:chMax val="0"/>
-            <dgm:chPref val="0"/>
-            <dgm:bulletEnabled val="1"/>
-          </dgm:varLst>
-          <dgm:alg type="tx"/>
-          <dgm:shape xmlns:r="http://schemas.openxmlformats.org/officeDocument/2006/relationships" type="rect" r:blip="" hideGeom="1">
-            <dgm:adjLst/>
-          </dgm:shape>
-          <dgm:choose name="Name103">
-            <dgm:if name="Name104" func="var" arg="dir" op="equ" val="norm">
-              <dgm:presOf axis="ch desOrSelf" ptType="node node" st="3 1" cnt="1 0"/>
-            </dgm:if>
-            <dgm:else name="Name105">
-              <dgm:choose name="Name106">
-                <dgm:if name="Name107" axis="ch" ptType="node" func="cnt" op="equ" val="3">
-                  <dgm:presOf axis="ch desOrSelf" ptType="node node" st="1 1" cnt="1 0"/>
-                </dgm:if>
-                <dgm:if name="Name108" axis="ch" ptType="node" func="cnt" op="equ" val="4">
-                  <dgm:presOf axis="ch desOrSelf" ptType="node node" st="2 1" cnt="1 0"/>
-                </dgm:if>
-                <dgm:if name="Name109" axis="ch" ptType="node" func="cnt" op="equ" val="5">
-                  <dgm:presOf axis="ch desOrSelf" ptType="node node" st="3 1" cnt="1 0"/>
-                </dgm:if>
-                <dgm:if name="Name110" axis="ch" ptType="node" func="cnt" op="equ" val="6">
-                  <dgm:presOf axis="ch desOrSelf" ptType="node node" st="4 1" cnt="1 0"/>
-                </dgm:if>
-                <dgm:else name="Name111">
-                  <dgm:presOf axis="ch desOrSelf" ptType="node node" st="5 1" cnt="1 0"/>
-                </dgm:else>
-              </dgm:choose>
-            </dgm:else>
-          </dgm:choose>
-          <dgm:constrLst>
-            <dgm:constr type="tMarg" refType="primFontSz" fact="0.1"/>
-            <dgm:constr type="bMarg" refType="primFontSz" fact="0.1"/>
-            <dgm:constr type="lMarg" refType="primFontSz" fact="0.1"/>
-            <dgm:constr type="rMarg" refType="primFontSz" fact="0.1"/>
-            <dgm:constr type="primFontSz" val="65"/>
-          </dgm:constrLst>
-          <dgm:ruleLst>
-            <dgm:rule type="primFontSz" val="5" fact="NaN" max="NaN"/>
-          </dgm:ruleLst>
-        </dgm:layoutNode>
-      </dgm:if>
-      <dgm:else name="Name112"/>
-    </dgm:choose>
-    <dgm:choose name="Name113">
-      <dgm:if name="Name114" axis="ch" ptType="node" func="cnt" op="gte" val="4">
-        <dgm:layoutNode name="wedge4">
-          <dgm:alg type="sp"/>
-          <dgm:choose name="Name115">
-            <dgm:if name="Name116" axis="ch" ptType="node" func="cnt" op="equ" val="4">
-              <dgm:shape xmlns:r="http://schemas.openxmlformats.org/officeDocument/2006/relationships" type="pie" r:blip="">
-                <dgm:adjLst>
-                  <dgm:adj idx="1" val="180"/>
-                  <dgm:adj idx="2" val="270"/>
-                </dgm:adjLst>
-              </dgm:shape>
-            </dgm:if>
-            <dgm:if name="Name117" axis="ch" ptType="node" func="cnt" op="equ" val="5">
-              <dgm:shape xmlns:r="http://schemas.openxmlformats.org/officeDocument/2006/relationships" type="pie" r:blip="">
-                <dgm:adjLst>
-                  <dgm:adj idx="1" val="126"/>
-                  <dgm:adj idx="2" val="198"/>
-                </dgm:adjLst>
-              </dgm:shape>
-            </dgm:if>
-            <dgm:if name="Name118" axis="ch" ptType="node" func="cnt" op="equ" val="6">
-              <dgm:shape xmlns:r="http://schemas.openxmlformats.org/officeDocument/2006/relationships" type="pie" r:blip="">
-                <dgm:adjLst>
-                  <dgm:adj idx="1" val="90"/>
-                  <dgm:adj idx="2" val="150"/>
-                </dgm:adjLst>
-              </dgm:shape>
-            </dgm:if>
-            <dgm:else name="Name119">
-              <dgm:shape xmlns:r="http://schemas.openxmlformats.org/officeDocument/2006/relationships" type="pie" r:blip="">
-                <dgm:adjLst>
-                  <dgm:adj idx="1" val="64.2871"/>
-                  <dgm:adj idx="2" val="115.7143"/>
-                </dgm:adjLst>
-              </dgm:shape>
-            </dgm:else>
-          </dgm:choose>
-          <dgm:choose name="Name120">
-            <dgm:if name="Name121" func="var" arg="dir" op="equ" val="norm">
-              <dgm:presOf axis="ch desOrSelf" ptType="node node" st="4 1" cnt="1 0"/>
-            </dgm:if>
-            <dgm:else name="Name122">
-              <dgm:choose name="Name123">
-                <dgm:if name="Name124" axis="ch" ptType="node" func="cnt" op="equ" val="4">
-                  <dgm:presOf axis="ch desOrSelf" ptType="node node" st="1 1" cnt="1 0"/>
-                </dgm:if>
-                <dgm:if name="Name125" axis="ch" ptType="node" func="cnt" op="equ" val="5">
-                  <dgm:presOf axis="ch desOrSelf" ptType="node node" st="2 1" cnt="1 0"/>
-                </dgm:if>
-                <dgm:if name="Name126" axis="ch" ptType="node" func="cnt" op="equ" val="6">
-                  <dgm:presOf axis="ch desOrSelf" ptType="node node" st="3 1" cnt="1 0"/>
-                </dgm:if>
-                <dgm:else name="Name127">
-                  <dgm:presOf axis="ch desOrSelf" ptType="node node" st="4 1" cnt="1 0"/>
-                </dgm:else>
-              </dgm:choose>
-            </dgm:else>
-          </dgm:choose>
-          <dgm:constrLst/>
-          <dgm:ruleLst/>
-        </dgm:layoutNode>
-        <dgm:layoutNode name="wedge4Tx" moveWith="wedge4">
-          <dgm:varLst>
-            <dgm:chMax val="0"/>
-            <dgm:chPref val="0"/>
-            <dgm:bulletEnabled val="1"/>
-          </dgm:varLst>
-          <dgm:alg type="tx"/>
-          <dgm:shape xmlns:r="http://schemas.openxmlformats.org/officeDocument/2006/relationships" type="rect" r:blip="" hideGeom="1">
-            <dgm:adjLst/>
-          </dgm:shape>
-          <dgm:choose name="Name128">
-            <dgm:if name="Name129" func="var" arg="dir" op="equ" val="norm">
-              <dgm:presOf axis="ch desOrSelf" ptType="node node" st="4 1" cnt="1 0"/>
-            </dgm:if>
-            <dgm:else name="Name130">
-              <dgm:choose name="Name131">
-                <dgm:if name="Name132" axis="ch" ptType="node" func="cnt" op="equ" val="4">
-                  <dgm:presOf axis="ch desOrSelf" ptType="node node" st="1 1" cnt="1 0"/>
-                </dgm:if>
-                <dgm:if name="Name133" axis="ch" ptType="node" func="cnt" op="equ" val="5">
-                  <dgm:presOf axis="ch desOrSelf" ptType="node node" st="2 1" cnt="1 0"/>
-                </dgm:if>
-                <dgm:if name="Name134" axis="ch" ptType="node" func="cnt" op="equ" val="6">
-                  <dgm:presOf axis="ch desOrSelf" ptType="node node" st="3 1" cnt="1 0"/>
-                </dgm:if>
-                <dgm:else name="Name135">
-                  <dgm:presOf axis="ch desOrSelf" ptType="node node" st="4 1" cnt="1 0"/>
-                </dgm:else>
-              </dgm:choose>
-            </dgm:else>
-          </dgm:choose>
-          <dgm:constrLst>
-            <dgm:constr type="tMarg" refType="primFontSz" fact="0.1"/>
-            <dgm:constr type="bMarg" refType="primFontSz" fact="0.1"/>
-            <dgm:constr type="lMarg" refType="primFontSz" fact="0.1"/>
-            <dgm:constr type="rMarg" refType="primFontSz" fact="0.1"/>
-            <dgm:constr type="primFontSz" val="65"/>
-          </dgm:constrLst>
-          <dgm:ruleLst>
-            <dgm:rule type="primFontSz" val="5" fact="NaN" max="NaN"/>
-          </dgm:ruleLst>
-        </dgm:layoutNode>
-      </dgm:if>
-      <dgm:else name="Name136"/>
-    </dgm:choose>
-    <dgm:choose name="Name137">
-      <dgm:if name="Name138" axis="ch" ptType="node" func="cnt" op="gte" val="5">
-        <dgm:layoutNode name="wedge5">
-          <dgm:alg type="sp"/>
-          <dgm:choose name="Name139">
-            <dgm:if name="Name140" axis="ch" ptType="node" func="cnt" op="equ" val="5">
-              <dgm:shape xmlns:r="http://schemas.openxmlformats.org/officeDocument/2006/relationships" type="pie" r:blip="">
-                <dgm:adjLst>
-                  <dgm:adj idx="1" val="198"/>
-                  <dgm:adj idx="2" val="270"/>
-                </dgm:adjLst>
-              </dgm:shape>
-            </dgm:if>
-            <dgm:if name="Name141" axis="ch" ptType="node" func="cnt" op="equ" val="6">
-              <dgm:shape xmlns:r="http://schemas.openxmlformats.org/officeDocument/2006/relationships" type="pie" r:blip="">
-                <dgm:adjLst>
-                  <dgm:adj idx="1" val="150"/>
-                  <dgm:adj idx="2" val="210"/>
-                </dgm:adjLst>
-              </dgm:shape>
-            </dgm:if>
-            <dgm:else name="Name142">
-              <dgm:shape xmlns:r="http://schemas.openxmlformats.org/officeDocument/2006/relationships" type="pie" r:blip="">
-                <dgm:adjLst>
-                  <dgm:adj idx="1" val="115.7143"/>
-                  <dgm:adj idx="2" val="167.1429"/>
-                </dgm:adjLst>
-              </dgm:shape>
-            </dgm:else>
-          </dgm:choose>
-          <dgm:choose name="Name143">
-            <dgm:if name="Name144" func="var" arg="dir" op="equ" val="norm">
-              <dgm:presOf axis="ch desOrSelf" ptType="node node" st="5 1" cnt="1 0"/>
-            </dgm:if>
-            <dgm:else name="Name145">
-              <dgm:choose name="Name146">
-                <dgm:if name="Name147" axis="ch" ptType="node" func="cnt" op="equ" val="5">
-                  <dgm:presOf axis="ch desOrSelf" ptType="node node" st="1 1" cnt="1 0"/>
-                </dgm:if>
-                <dgm:if name="Name148" axis="ch" ptType="node" func="cnt" op="equ" val="6">
-                  <dgm:presOf axis="ch desOrSelf" ptType="node node" st="2 1" cnt="1 0"/>
-                </dgm:if>
-                <dgm:else name="Name149">
-                  <dgm:presOf axis="ch desOrSelf" ptType="node node" st="3 1" cnt="1 0"/>
-                </dgm:else>
-              </dgm:choose>
-            </dgm:else>
-          </dgm:choose>
-          <dgm:constrLst/>
-          <dgm:ruleLst/>
-        </dgm:layoutNode>
-        <dgm:layoutNode name="wedge5Tx" moveWith="wedge5">
-          <dgm:varLst>
-            <dgm:chMax val="0"/>
-            <dgm:chPref val="0"/>
-            <dgm:bulletEnabled val="1"/>
-          </dgm:varLst>
-          <dgm:alg type="tx"/>
-          <dgm:shape xmlns:r="http://schemas.openxmlformats.org/officeDocument/2006/relationships" type="rect" r:blip="" hideGeom="1">
-            <dgm:adjLst/>
-          </dgm:shape>
-          <dgm:choose name="Name150">
-            <dgm:if name="Name151" func="var" arg="dir" op="equ" val="norm">
-              <dgm:presOf axis="ch desOrSelf" ptType="node node" st="5 1" cnt="1 0"/>
-            </dgm:if>
-            <dgm:else name="Name152">
-              <dgm:choose name="Name153">
-                <dgm:if name="Name154" axis="ch" ptType="node" func="cnt" op="equ" val="5">
-                  <dgm:presOf axis="ch desOrSelf" ptType="node node" st="1 1" cnt="1 0"/>
-                </dgm:if>
-                <dgm:if name="Name155" axis="ch" ptType="node" func="cnt" op="equ" val="6">
-                  <dgm:presOf axis="ch desOrSelf" ptType="node node" st="2 1" cnt="1 0"/>
-                </dgm:if>
-                <dgm:else name="Name156">
-                  <dgm:presOf axis="ch desOrSelf" ptType="node node" st="3 1" cnt="1 0"/>
-                </dgm:else>
-              </dgm:choose>
-            </dgm:else>
-          </dgm:choose>
-          <dgm:constrLst>
-            <dgm:constr type="tMarg" refType="primFontSz" fact="0.1"/>
-            <dgm:constr type="bMarg" refType="primFontSz" fact="0.1"/>
-            <dgm:constr type="lMarg" refType="primFontSz" fact="0.1"/>
-            <dgm:constr type="rMarg" refType="primFontSz" fact="0.1"/>
-            <dgm:constr type="primFontSz" val="65"/>
-          </dgm:constrLst>
-          <dgm:ruleLst>
-            <dgm:rule type="primFontSz" val="5" fact="NaN" max="NaN"/>
-          </dgm:ruleLst>
-        </dgm:layoutNode>
-      </dgm:if>
-      <dgm:else name="Name157"/>
-    </dgm:choose>
-    <dgm:choose name="Name158">
-      <dgm:if name="Name159" axis="ch" ptType="node" func="cnt" op="gte" val="6">
-        <dgm:layoutNode name="wedge6">
-          <dgm:alg type="sp"/>
-          <dgm:choose name="Name160">
-            <dgm:if name="Name161" axis="ch" ptType="node" func="cnt" op="equ" val="6">
-              <dgm:shape xmlns:r="http://schemas.openxmlformats.org/officeDocument/2006/relationships" type="pie" r:blip="">
-                <dgm:adjLst>
-                  <dgm:adj idx="1" val="210"/>
-                  <dgm:adj idx="2" val="270"/>
-                </dgm:adjLst>
-              </dgm:shape>
-            </dgm:if>
-            <dgm:else name="Name162">
-              <dgm:shape xmlns:r="http://schemas.openxmlformats.org/officeDocument/2006/relationships" type="pie" r:blip="">
-                <dgm:adjLst>
-                  <dgm:adj idx="1" val="167.1429"/>
-                  <dgm:adj idx="2" val="218.5714"/>
-                </dgm:adjLst>
-              </dgm:shape>
-            </dgm:else>
-          </dgm:choose>
-          <dgm:choose name="Name163">
-            <dgm:if name="Name164" func="var" arg="dir" op="equ" val="norm">
-              <dgm:presOf axis="ch desOrSelf" ptType="node node" st="6 1" cnt="1 0"/>
-            </dgm:if>
-            <dgm:else name="Name165">
-              <dgm:choose name="Name166">
-                <dgm:if name="Name167" axis="ch" ptType="node" func="cnt" op="equ" val="6">
-                  <dgm:presOf axis="ch desOrSelf" ptType="node node" st="1 1" cnt="1 0"/>
-                </dgm:if>
-                <dgm:else name="Name168">
-                  <dgm:presOf axis="ch desOrSelf" ptType="node node" st="2 1" cnt="1 0"/>
-                </dgm:else>
-              </dgm:choose>
-            </dgm:else>
-          </dgm:choose>
-          <dgm:constrLst/>
-          <dgm:ruleLst/>
-        </dgm:layoutNode>
-        <dgm:layoutNode name="wedge6Tx" moveWith="wedge6">
-          <dgm:varLst>
-            <dgm:chMax val="0"/>
-            <dgm:chPref val="0"/>
-            <dgm:bulletEnabled val="1"/>
-          </dgm:varLst>
-          <dgm:alg type="tx"/>
-          <dgm:shape xmlns:r="http://schemas.openxmlformats.org/officeDocument/2006/relationships" type="rect" r:blip="" hideGeom="1">
-            <dgm:adjLst/>
-          </dgm:shape>
-          <dgm:choose name="Name169">
-            <dgm:if name="Name170" func="var" arg="dir" op="equ" val="norm">
-              <dgm:presOf axis="ch desOrSelf" ptType="node node" st="6 1" cnt="1 0"/>
-            </dgm:if>
-            <dgm:else name="Name171">
-              <dgm:choose name="Name172">
-                <dgm:if name="Name173" axis="ch" ptType="node" func="cnt" op="equ" val="6">
-                  <dgm:presOf axis="ch desOrSelf" ptType="node node" st="1 1" cnt="1 0"/>
-                </dgm:if>
-                <dgm:else name="Name174">
-                  <dgm:presOf axis="ch desOrSelf" ptType="node node" st="2 1" cnt="1 0"/>
-                </dgm:else>
-              </dgm:choose>
-            </dgm:else>
-          </dgm:choose>
-          <dgm:constrLst>
-            <dgm:constr type="tMarg" refType="primFontSz" fact="0.1"/>
-            <dgm:constr type="bMarg" refType="primFontSz" fact="0.1"/>
-            <dgm:constr type="lMarg" refType="primFontSz" fact="0.1"/>
-            <dgm:constr type="rMarg" refType="primFontSz" fact="0.1"/>
-            <dgm:constr type="primFontSz" val="65"/>
-          </dgm:constrLst>
-          <dgm:ruleLst>
-            <dgm:rule type="primFontSz" val="5" fact="NaN" max="NaN"/>
-          </dgm:ruleLst>
-        </dgm:layoutNode>
-      </dgm:if>
-      <dgm:else name="Name175"/>
-    </dgm:choose>
-    <dgm:choose name="Name176">
-      <dgm:if name="Name177" axis="ch" ptType="node" func="cnt" op="gte" val="7">
-        <dgm:layoutNode name="wedge7">
-          <dgm:alg type="sp"/>
-          <dgm:shape xmlns:r="http://schemas.openxmlformats.org/officeDocument/2006/relationships" type="pie" r:blip="">
-            <dgm:adjLst>
-              <dgm:adj idx="1" val="218.5714"/>
-              <dgm:adj idx="2" val="270"/>
-            </dgm:adjLst>
-          </dgm:shape>
-          <dgm:choose name="Name178">
-            <dgm:if name="Name179" func="var" arg="dir" op="equ" val="norm">
-              <dgm:presOf axis="ch desOrSelf" ptType="node node" st="7 1" cnt="1 0"/>
-            </dgm:if>
-            <dgm:else name="Name180">
-              <dgm:presOf axis="ch desOrSelf" ptType="node node" st="1 1" cnt="1 0"/>
-            </dgm:else>
-          </dgm:choose>
-          <dgm:constrLst/>
-          <dgm:ruleLst/>
-        </dgm:layoutNode>
-        <dgm:layoutNode name="wedge7Tx" moveWith="wedge7">
-          <dgm:varLst>
-            <dgm:chMax val="0"/>
-            <dgm:chPref val="0"/>
-            <dgm:bulletEnabled val="1"/>
-          </dgm:varLst>
-          <dgm:alg type="tx"/>
-          <dgm:shape xmlns:r="http://schemas.openxmlformats.org/officeDocument/2006/relationships" type="rect" r:blip="" hideGeom="1">
-            <dgm:adjLst/>
-          </dgm:shape>
-          <dgm:choose name="Name181">
-            <dgm:if name="Name182" func="var" arg="dir" op="equ" val="norm">
-              <dgm:presOf axis="ch desOrSelf" ptType="node node" st="7 1" cnt="1 0"/>
-            </dgm:if>
-            <dgm:else name="Name183">
-              <dgm:presOf axis="ch desOrSelf" ptType="node node" st="1 1" cnt="1 0"/>
-            </dgm:else>
-          </dgm:choose>
-          <dgm:constrLst>
-            <dgm:constr type="tMarg" refType="primFontSz" fact="0.1"/>
-            <dgm:constr type="bMarg" refType="primFontSz" fact="0.1"/>
-            <dgm:constr type="lMarg" refType="primFontSz" fact="0.1"/>
-            <dgm:constr type="rMarg" refType="primFontSz" fact="0.1"/>
-            <dgm:constr type="primFontSz" val="65"/>
-          </dgm:constrLst>
-          <dgm:ruleLst>
-            <dgm:rule type="primFontSz" val="5" fact="NaN" max="NaN"/>
-          </dgm:ruleLst>
-        </dgm:layoutNode>
-      </dgm:if>
-      <dgm:else name="Name184"/>
-    </dgm:choose>
-  </dgm:layoutNode>
-</dgm:layoutDef>
-</file>
-
 <file path=ppt/diagrams/quickStyle1.xml><?xml version="1.0" encoding="utf-8"?>
 <dgm:styleDef xmlns:dgm="http://schemas.openxmlformats.org/drawingml/2006/diagram" xmlns:a="http://schemas.openxmlformats.org/drawingml/2006/main" uniqueId="urn:microsoft.com/office/officeart/2005/8/quickstyle/simple1">
   <dgm:title val=""/>
@@ -23259,1040 +20619,6 @@
 </file>
 
 <file path=ppt/diagrams/quickStyle5.xml><?xml version="1.0" encoding="utf-8"?>
-<dgm:styleDef xmlns:dgm="http://schemas.openxmlformats.org/drawingml/2006/diagram" xmlns:a="http://schemas.openxmlformats.org/drawingml/2006/main" uniqueId="urn:microsoft.com/office/officeart/2005/8/quickstyle/simple1">
-  <dgm:title val=""/>
-  <dgm:desc val=""/>
-  <dgm:catLst>
-    <dgm:cat type="simple" pri="10100"/>
-  </dgm:catLst>
-  <dgm:scene3d>
-    <a:camera prst="orthographicFront"/>
-    <a:lightRig rig="threePt" dir="t"/>
-  </dgm:scene3d>
-  <dgm:styleLbl name="node0">
-    <dgm:scene3d>
-      <a:camera prst="orthographicFront"/>
-      <a:lightRig rig="threePt" dir="t"/>
-    </dgm:scene3d>
-    <dgm:sp3d/>
-    <dgm:txPr/>
-    <dgm:style>
-      <a:lnRef idx="2">
-        <a:scrgbClr r="0" g="0" b="0"/>
-      </a:lnRef>
-      <a:fillRef idx="1">
-        <a:scrgbClr r="0" g="0" b="0"/>
-      </a:fillRef>
-      <a:effectRef idx="0">
-        <a:scrgbClr r="0" g="0" b="0"/>
-      </a:effectRef>
-      <a:fontRef idx="minor">
-        <a:schemeClr val="lt1"/>
-      </a:fontRef>
-    </dgm:style>
-  </dgm:styleLbl>
-  <dgm:styleLbl name="lnNode1">
-    <dgm:scene3d>
-      <a:camera prst="orthographicFront"/>
-      <a:lightRig rig="threePt" dir="t"/>
-    </dgm:scene3d>
-    <dgm:sp3d/>
-    <dgm:txPr/>
-    <dgm:style>
-      <a:lnRef idx="2">
-        <a:scrgbClr r="0" g="0" b="0"/>
-      </a:lnRef>
-      <a:fillRef idx="1">
-        <a:scrgbClr r="0" g="0" b="0"/>
-      </a:fillRef>
-      <a:effectRef idx="0">
-        <a:scrgbClr r="0" g="0" b="0"/>
-      </a:effectRef>
-      <a:fontRef idx="minor">
-        <a:schemeClr val="lt1"/>
-      </a:fontRef>
-    </dgm:style>
-  </dgm:styleLbl>
-  <dgm:styleLbl name="vennNode1">
-    <dgm:scene3d>
-      <a:camera prst="orthographicFront"/>
-      <a:lightRig rig="threePt" dir="t"/>
-    </dgm:scene3d>
-    <dgm:sp3d/>
-    <dgm:txPr/>
-    <dgm:style>
-      <a:lnRef idx="2">
-        <a:scrgbClr r="0" g="0" b="0"/>
-      </a:lnRef>
-      <a:fillRef idx="1">
-        <a:scrgbClr r="0" g="0" b="0"/>
-      </a:fillRef>
-      <a:effectRef idx="0">
-        <a:scrgbClr r="0" g="0" b="0"/>
-      </a:effectRef>
-      <a:fontRef idx="minor">
-        <a:schemeClr val="tx1"/>
-      </a:fontRef>
-    </dgm:style>
-  </dgm:styleLbl>
-  <dgm:styleLbl name="alignNode1">
-    <dgm:scene3d>
-      <a:camera prst="orthographicFront"/>
-      <a:lightRig rig="threePt" dir="t"/>
-    </dgm:scene3d>
-    <dgm:sp3d/>
-    <dgm:txPr/>
-    <dgm:style>
-      <a:lnRef idx="2">
-        <a:scrgbClr r="0" g="0" b="0"/>
-      </a:lnRef>
-      <a:fillRef idx="1">
-        <a:scrgbClr r="0" g="0" b="0"/>
-      </a:fillRef>
-      <a:effectRef idx="0">
-        <a:scrgbClr r="0" g="0" b="0"/>
-      </a:effectRef>
-      <a:fontRef idx="minor">
-        <a:schemeClr val="lt1"/>
-      </a:fontRef>
-    </dgm:style>
-  </dgm:styleLbl>
-  <dgm:styleLbl name="node1">
-    <dgm:scene3d>
-      <a:camera prst="orthographicFront"/>
-      <a:lightRig rig="threePt" dir="t"/>
-    </dgm:scene3d>
-    <dgm:sp3d/>
-    <dgm:txPr/>
-    <dgm:style>
-      <a:lnRef idx="2">
-        <a:scrgbClr r="0" g="0" b="0"/>
-      </a:lnRef>
-      <a:fillRef idx="1">
-        <a:scrgbClr r="0" g="0" b="0"/>
-      </a:fillRef>
-      <a:effectRef idx="0">
-        <a:scrgbClr r="0" g="0" b="0"/>
-      </a:effectRef>
-      <a:fontRef idx="minor">
-        <a:schemeClr val="lt1"/>
-      </a:fontRef>
-    </dgm:style>
-  </dgm:styleLbl>
-  <dgm:styleLbl name="node2">
-    <dgm:scene3d>
-      <a:camera prst="orthographicFront"/>
-      <a:lightRig rig="threePt" dir="t"/>
-    </dgm:scene3d>
-    <dgm:sp3d/>
-    <dgm:txPr/>
-    <dgm:style>
-      <a:lnRef idx="2">
-        <a:scrgbClr r="0" g="0" b="0"/>
-      </a:lnRef>
-      <a:fillRef idx="1">
-        <a:scrgbClr r="0" g="0" b="0"/>
-      </a:fillRef>
-      <a:effectRef idx="0">
-        <a:scrgbClr r="0" g="0" b="0"/>
-      </a:effectRef>
-      <a:fontRef idx="minor">
-        <a:schemeClr val="lt1"/>
-      </a:fontRef>
-    </dgm:style>
-  </dgm:styleLbl>
-  <dgm:styleLbl name="node3">
-    <dgm:scene3d>
-      <a:camera prst="orthographicFront"/>
-      <a:lightRig rig="threePt" dir="t"/>
-    </dgm:scene3d>
-    <dgm:sp3d/>
-    <dgm:txPr/>
-    <dgm:style>
-      <a:lnRef idx="2">
-        <a:scrgbClr r="0" g="0" b="0"/>
-      </a:lnRef>
-      <a:fillRef idx="1">
-        <a:scrgbClr r="0" g="0" b="0"/>
-      </a:fillRef>
-      <a:effectRef idx="0">
-        <a:scrgbClr r="0" g="0" b="0"/>
-      </a:effectRef>
-      <a:fontRef idx="minor">
-        <a:schemeClr val="lt1"/>
-      </a:fontRef>
-    </dgm:style>
-  </dgm:styleLbl>
-  <dgm:styleLbl name="node4">
-    <dgm:scene3d>
-      <a:camera prst="orthographicFront"/>
-      <a:lightRig rig="threePt" dir="t"/>
-    </dgm:scene3d>
-    <dgm:sp3d/>
-    <dgm:txPr/>
-    <dgm:style>
-      <a:lnRef idx="2">
-        <a:scrgbClr r="0" g="0" b="0"/>
-      </a:lnRef>
-      <a:fillRef idx="1">
-        <a:scrgbClr r="0" g="0" b="0"/>
-      </a:fillRef>
-      <a:effectRef idx="0">
-        <a:scrgbClr r="0" g="0" b="0"/>
-      </a:effectRef>
-      <a:fontRef idx="minor">
-        <a:schemeClr val="lt1"/>
-      </a:fontRef>
-    </dgm:style>
-  </dgm:styleLbl>
-  <dgm:styleLbl name="fgImgPlace1">
-    <dgm:scene3d>
-      <a:camera prst="orthographicFront"/>
-      <a:lightRig rig="threePt" dir="t"/>
-    </dgm:scene3d>
-    <dgm:sp3d/>
-    <dgm:txPr/>
-    <dgm:style>
-      <a:lnRef idx="2">
-        <a:scrgbClr r="0" g="0" b="0"/>
-      </a:lnRef>
-      <a:fillRef idx="1">
-        <a:scrgbClr r="0" g="0" b="0"/>
-      </a:fillRef>
-      <a:effectRef idx="0">
-        <a:scrgbClr r="0" g="0" b="0"/>
-      </a:effectRef>
-      <a:fontRef idx="minor"/>
-    </dgm:style>
-  </dgm:styleLbl>
-  <dgm:styleLbl name="alignImgPlace1">
-    <dgm:scene3d>
-      <a:camera prst="orthographicFront"/>
-      <a:lightRig rig="threePt" dir="t"/>
-    </dgm:scene3d>
-    <dgm:sp3d/>
-    <dgm:txPr/>
-    <dgm:style>
-      <a:lnRef idx="2">
-        <a:scrgbClr r="0" g="0" b="0"/>
-      </a:lnRef>
-      <a:fillRef idx="1">
-        <a:scrgbClr r="0" g="0" b="0"/>
-      </a:fillRef>
-      <a:effectRef idx="0">
-        <a:scrgbClr r="0" g="0" b="0"/>
-      </a:effectRef>
-      <a:fontRef idx="minor"/>
-    </dgm:style>
-  </dgm:styleLbl>
-  <dgm:styleLbl name="bgImgPlace1">
-    <dgm:scene3d>
-      <a:camera prst="orthographicFront"/>
-      <a:lightRig rig="threePt" dir="t"/>
-    </dgm:scene3d>
-    <dgm:sp3d/>
-    <dgm:txPr/>
-    <dgm:style>
-      <a:lnRef idx="2">
-        <a:scrgbClr r="0" g="0" b="0"/>
-      </a:lnRef>
-      <a:fillRef idx="1">
-        <a:scrgbClr r="0" g="0" b="0"/>
-      </a:fillRef>
-      <a:effectRef idx="0">
-        <a:scrgbClr r="0" g="0" b="0"/>
-      </a:effectRef>
-      <a:fontRef idx="minor"/>
-    </dgm:style>
-  </dgm:styleLbl>
-  <dgm:styleLbl name="sibTrans2D1">
-    <dgm:scene3d>
-      <a:camera prst="orthographicFront"/>
-      <a:lightRig rig="threePt" dir="t"/>
-    </dgm:scene3d>
-    <dgm:sp3d/>
-    <dgm:txPr/>
-    <dgm:style>
-      <a:lnRef idx="0">
-        <a:scrgbClr r="0" g="0" b="0"/>
-      </a:lnRef>
-      <a:fillRef idx="1">
-        <a:scrgbClr r="0" g="0" b="0"/>
-      </a:fillRef>
-      <a:effectRef idx="0">
-        <a:scrgbClr r="0" g="0" b="0"/>
-      </a:effectRef>
-      <a:fontRef idx="minor">
-        <a:schemeClr val="lt1"/>
-      </a:fontRef>
-    </dgm:style>
-  </dgm:styleLbl>
-  <dgm:styleLbl name="fgSibTrans2D1">
-    <dgm:scene3d>
-      <a:camera prst="orthographicFront"/>
-      <a:lightRig rig="threePt" dir="t"/>
-    </dgm:scene3d>
-    <dgm:sp3d/>
-    <dgm:txPr/>
-    <dgm:style>
-      <a:lnRef idx="0">
-        <a:scrgbClr r="0" g="0" b="0"/>
-      </a:lnRef>
-      <a:fillRef idx="1">
-        <a:scrgbClr r="0" g="0" b="0"/>
-      </a:fillRef>
-      <a:effectRef idx="0">
-        <a:scrgbClr r="0" g="0" b="0"/>
-      </a:effectRef>
-      <a:fontRef idx="minor">
-        <a:schemeClr val="lt1"/>
-      </a:fontRef>
-    </dgm:style>
-  </dgm:styleLbl>
-  <dgm:styleLbl name="bgSibTrans2D1">
-    <dgm:scene3d>
-      <a:camera prst="orthographicFront"/>
-      <a:lightRig rig="threePt" dir="t"/>
-    </dgm:scene3d>
-    <dgm:sp3d/>
-    <dgm:txPr/>
-    <dgm:style>
-      <a:lnRef idx="0">
-        <a:scrgbClr r="0" g="0" b="0"/>
-      </a:lnRef>
-      <a:fillRef idx="1">
-        <a:scrgbClr r="0" g="0" b="0"/>
-      </a:fillRef>
-      <a:effectRef idx="0">
-        <a:scrgbClr r="0" g="0" b="0"/>
-      </a:effectRef>
-      <a:fontRef idx="minor">
-        <a:schemeClr val="lt1"/>
-      </a:fontRef>
-    </dgm:style>
-  </dgm:styleLbl>
-  <dgm:styleLbl name="sibTrans1D1">
-    <dgm:scene3d>
-      <a:camera prst="orthographicFront"/>
-      <a:lightRig rig="threePt" dir="t"/>
-    </dgm:scene3d>
-    <dgm:sp3d/>
-    <dgm:txPr/>
-    <dgm:style>
-      <a:lnRef idx="1">
-        <a:scrgbClr r="0" g="0" b="0"/>
-      </a:lnRef>
-      <a:fillRef idx="0">
-        <a:scrgbClr r="0" g="0" b="0"/>
-      </a:fillRef>
-      <a:effectRef idx="0">
-        <a:scrgbClr r="0" g="0" b="0"/>
-      </a:effectRef>
-      <a:fontRef idx="minor"/>
-    </dgm:style>
-  </dgm:styleLbl>
-  <dgm:styleLbl name="callout">
-    <dgm:scene3d>
-      <a:camera prst="orthographicFront"/>
-      <a:lightRig rig="threePt" dir="t"/>
-    </dgm:scene3d>
-    <dgm:sp3d/>
-    <dgm:txPr/>
-    <dgm:style>
-      <a:lnRef idx="2">
-        <a:scrgbClr r="0" g="0" b="0"/>
-      </a:lnRef>
-      <a:fillRef idx="1">
-        <a:scrgbClr r="0" g="0" b="0"/>
-      </a:fillRef>
-      <a:effectRef idx="0">
-        <a:scrgbClr r="0" g="0" b="0"/>
-      </a:effectRef>
-      <a:fontRef idx="minor"/>
-    </dgm:style>
-  </dgm:styleLbl>
-  <dgm:styleLbl name="asst0">
-    <dgm:scene3d>
-      <a:camera prst="orthographicFront"/>
-      <a:lightRig rig="threePt" dir="t"/>
-    </dgm:scene3d>
-    <dgm:sp3d/>
-    <dgm:txPr/>
-    <dgm:style>
-      <a:lnRef idx="2">
-        <a:scrgbClr r="0" g="0" b="0"/>
-      </a:lnRef>
-      <a:fillRef idx="1">
-        <a:scrgbClr r="0" g="0" b="0"/>
-      </a:fillRef>
-      <a:effectRef idx="0">
-        <a:scrgbClr r="0" g="0" b="0"/>
-      </a:effectRef>
-      <a:fontRef idx="minor">
-        <a:schemeClr val="lt1"/>
-      </a:fontRef>
-    </dgm:style>
-  </dgm:styleLbl>
-  <dgm:styleLbl name="asst1">
-    <dgm:scene3d>
-      <a:camera prst="orthographicFront"/>
-      <a:lightRig rig="threePt" dir="t"/>
-    </dgm:scene3d>
-    <dgm:sp3d/>
-    <dgm:txPr/>
-    <dgm:style>
-      <a:lnRef idx="2">
-        <a:scrgbClr r="0" g="0" b="0"/>
-      </a:lnRef>
-      <a:fillRef idx="1">
-        <a:scrgbClr r="0" g="0" b="0"/>
-      </a:fillRef>
-      <a:effectRef idx="0">
-        <a:scrgbClr r="0" g="0" b="0"/>
-      </a:effectRef>
-      <a:fontRef idx="minor">
-        <a:schemeClr val="lt1"/>
-      </a:fontRef>
-    </dgm:style>
-  </dgm:styleLbl>
-  <dgm:styleLbl name="asst2">
-    <dgm:scene3d>
-      <a:camera prst="orthographicFront"/>
-      <a:lightRig rig="threePt" dir="t"/>
-    </dgm:scene3d>
-    <dgm:sp3d/>
-    <dgm:txPr/>
-    <dgm:style>
-      <a:lnRef idx="2">
-        <a:scrgbClr r="0" g="0" b="0"/>
-      </a:lnRef>
-      <a:fillRef idx="1">
-        <a:scrgbClr r="0" g="0" b="0"/>
-      </a:fillRef>
-      <a:effectRef idx="0">
-        <a:scrgbClr r="0" g="0" b="0"/>
-      </a:effectRef>
-      <a:fontRef idx="minor">
-        <a:schemeClr val="lt1"/>
-      </a:fontRef>
-    </dgm:style>
-  </dgm:styleLbl>
-  <dgm:styleLbl name="asst3">
-    <dgm:scene3d>
-      <a:camera prst="orthographicFront"/>
-      <a:lightRig rig="threePt" dir="t"/>
-    </dgm:scene3d>
-    <dgm:sp3d/>
-    <dgm:txPr/>
-    <dgm:style>
-      <a:lnRef idx="2">
-        <a:scrgbClr r="0" g="0" b="0"/>
-      </a:lnRef>
-      <a:fillRef idx="1">
-        <a:scrgbClr r="0" g="0" b="0"/>
-      </a:fillRef>
-      <a:effectRef idx="0">
-        <a:scrgbClr r="0" g="0" b="0"/>
-      </a:effectRef>
-      <a:fontRef idx="minor">
-        <a:schemeClr val="lt1"/>
-      </a:fontRef>
-    </dgm:style>
-  </dgm:styleLbl>
-  <dgm:styleLbl name="asst4">
-    <dgm:scene3d>
-      <a:camera prst="orthographicFront"/>
-      <a:lightRig rig="threePt" dir="t"/>
-    </dgm:scene3d>
-    <dgm:sp3d/>
-    <dgm:txPr/>
-    <dgm:style>
-      <a:lnRef idx="2">
-        <a:scrgbClr r="0" g="0" b="0"/>
-      </a:lnRef>
-      <a:fillRef idx="1">
-        <a:scrgbClr r="0" g="0" b="0"/>
-      </a:fillRef>
-      <a:effectRef idx="0">
-        <a:scrgbClr r="0" g="0" b="0"/>
-      </a:effectRef>
-      <a:fontRef idx="minor">
-        <a:schemeClr val="lt1"/>
-      </a:fontRef>
-    </dgm:style>
-  </dgm:styleLbl>
-  <dgm:styleLbl name="parChTrans2D1">
-    <dgm:scene3d>
-      <a:camera prst="orthographicFront"/>
-      <a:lightRig rig="threePt" dir="t"/>
-    </dgm:scene3d>
-    <dgm:sp3d/>
-    <dgm:txPr/>
-    <dgm:style>
-      <a:lnRef idx="2">
-        <a:scrgbClr r="0" g="0" b="0"/>
-      </a:lnRef>
-      <a:fillRef idx="1">
-        <a:scrgbClr r="0" g="0" b="0"/>
-      </a:fillRef>
-      <a:effectRef idx="0">
-        <a:scrgbClr r="0" g="0" b="0"/>
-      </a:effectRef>
-      <a:fontRef idx="minor">
-        <a:schemeClr val="lt1"/>
-      </a:fontRef>
-    </dgm:style>
-  </dgm:styleLbl>
-  <dgm:styleLbl name="parChTrans2D2">
-    <dgm:scene3d>
-      <a:camera prst="orthographicFront"/>
-      <a:lightRig rig="threePt" dir="t"/>
-    </dgm:scene3d>
-    <dgm:sp3d/>
-    <dgm:txPr/>
-    <dgm:style>
-      <a:lnRef idx="2">
-        <a:scrgbClr r="0" g="0" b="0"/>
-      </a:lnRef>
-      <a:fillRef idx="1">
-        <a:scrgbClr r="0" g="0" b="0"/>
-      </a:fillRef>
-      <a:effectRef idx="0">
-        <a:scrgbClr r="0" g="0" b="0"/>
-      </a:effectRef>
-      <a:fontRef idx="minor">
-        <a:schemeClr val="lt1"/>
-      </a:fontRef>
-    </dgm:style>
-  </dgm:styleLbl>
-  <dgm:styleLbl name="parChTrans2D3">
-    <dgm:scene3d>
-      <a:camera prst="orthographicFront"/>
-      <a:lightRig rig="threePt" dir="t"/>
-    </dgm:scene3d>
-    <dgm:sp3d/>
-    <dgm:txPr/>
-    <dgm:style>
-      <a:lnRef idx="2">
-        <a:scrgbClr r="0" g="0" b="0"/>
-      </a:lnRef>
-      <a:fillRef idx="1">
-        <a:scrgbClr r="0" g="0" b="0"/>
-      </a:fillRef>
-      <a:effectRef idx="0">
-        <a:scrgbClr r="0" g="0" b="0"/>
-      </a:effectRef>
-      <a:fontRef idx="minor">
-        <a:schemeClr val="lt1"/>
-      </a:fontRef>
-    </dgm:style>
-  </dgm:styleLbl>
-  <dgm:styleLbl name="parChTrans2D4">
-    <dgm:scene3d>
-      <a:camera prst="orthographicFront"/>
-      <a:lightRig rig="threePt" dir="t"/>
-    </dgm:scene3d>
-    <dgm:sp3d/>
-    <dgm:txPr/>
-    <dgm:style>
-      <a:lnRef idx="2">
-        <a:scrgbClr r="0" g="0" b="0"/>
-      </a:lnRef>
-      <a:fillRef idx="1">
-        <a:scrgbClr r="0" g="0" b="0"/>
-      </a:fillRef>
-      <a:effectRef idx="0">
-        <a:scrgbClr r="0" g="0" b="0"/>
-      </a:effectRef>
-      <a:fontRef idx="minor">
-        <a:schemeClr val="lt1"/>
-      </a:fontRef>
-    </dgm:style>
-  </dgm:styleLbl>
-  <dgm:styleLbl name="parChTrans1D1">
-    <dgm:scene3d>
-      <a:camera prst="orthographicFront"/>
-      <a:lightRig rig="threePt" dir="t"/>
-    </dgm:scene3d>
-    <dgm:sp3d/>
-    <dgm:txPr/>
-    <dgm:style>
-      <a:lnRef idx="2">
-        <a:scrgbClr r="0" g="0" b="0"/>
-      </a:lnRef>
-      <a:fillRef idx="0">
-        <a:scrgbClr r="0" g="0" b="0"/>
-      </a:fillRef>
-      <a:effectRef idx="0">
-        <a:scrgbClr r="0" g="0" b="0"/>
-      </a:effectRef>
-      <a:fontRef idx="minor"/>
-    </dgm:style>
-  </dgm:styleLbl>
-  <dgm:styleLbl name="parChTrans1D2">
-    <dgm:scene3d>
-      <a:camera prst="orthographicFront"/>
-      <a:lightRig rig="threePt" dir="t"/>
-    </dgm:scene3d>
-    <dgm:sp3d/>
-    <dgm:txPr/>
-    <dgm:style>
-      <a:lnRef idx="2">
-        <a:scrgbClr r="0" g="0" b="0"/>
-      </a:lnRef>
-      <a:fillRef idx="0">
-        <a:scrgbClr r="0" g="0" b="0"/>
-      </a:fillRef>
-      <a:effectRef idx="0">
-        <a:scrgbClr r="0" g="0" b="0"/>
-      </a:effectRef>
-      <a:fontRef idx="minor"/>
-    </dgm:style>
-  </dgm:styleLbl>
-  <dgm:styleLbl name="parChTrans1D3">
-    <dgm:scene3d>
-      <a:camera prst="orthographicFront"/>
-      <a:lightRig rig="threePt" dir="t"/>
-    </dgm:scene3d>
-    <dgm:sp3d/>
-    <dgm:txPr/>
-    <dgm:style>
-      <a:lnRef idx="2">
-        <a:scrgbClr r="0" g="0" b="0"/>
-      </a:lnRef>
-      <a:fillRef idx="0">
-        <a:scrgbClr r="0" g="0" b="0"/>
-      </a:fillRef>
-      <a:effectRef idx="0">
-        <a:scrgbClr r="0" g="0" b="0"/>
-      </a:effectRef>
-      <a:fontRef idx="minor"/>
-    </dgm:style>
-  </dgm:styleLbl>
-  <dgm:styleLbl name="parChTrans1D4">
-    <dgm:scene3d>
-      <a:camera prst="orthographicFront"/>
-      <a:lightRig rig="threePt" dir="t"/>
-    </dgm:scene3d>
-    <dgm:sp3d/>
-    <dgm:txPr/>
-    <dgm:style>
-      <a:lnRef idx="2">
-        <a:scrgbClr r="0" g="0" b="0"/>
-      </a:lnRef>
-      <a:fillRef idx="0">
-        <a:scrgbClr r="0" g="0" b="0"/>
-      </a:fillRef>
-      <a:effectRef idx="0">
-        <a:scrgbClr r="0" g="0" b="0"/>
-      </a:effectRef>
-      <a:fontRef idx="minor"/>
-    </dgm:style>
-  </dgm:styleLbl>
-  <dgm:styleLbl name="fgAcc1">
-    <dgm:scene3d>
-      <a:camera prst="orthographicFront"/>
-      <a:lightRig rig="threePt" dir="t"/>
-    </dgm:scene3d>
-    <dgm:sp3d/>
-    <dgm:txPr/>
-    <dgm:style>
-      <a:lnRef idx="2">
-        <a:scrgbClr r="0" g="0" b="0"/>
-      </a:lnRef>
-      <a:fillRef idx="1">
-        <a:scrgbClr r="0" g="0" b="0"/>
-      </a:fillRef>
-      <a:effectRef idx="0">
-        <a:scrgbClr r="0" g="0" b="0"/>
-      </a:effectRef>
-      <a:fontRef idx="minor"/>
-    </dgm:style>
-  </dgm:styleLbl>
-  <dgm:styleLbl name="conFgAcc1">
-    <dgm:scene3d>
-      <a:camera prst="orthographicFront"/>
-      <a:lightRig rig="threePt" dir="t"/>
-    </dgm:scene3d>
-    <dgm:sp3d/>
-    <dgm:txPr/>
-    <dgm:style>
-      <a:lnRef idx="2">
-        <a:scrgbClr r="0" g="0" b="0"/>
-      </a:lnRef>
-      <a:fillRef idx="1">
-        <a:scrgbClr r="0" g="0" b="0"/>
-      </a:fillRef>
-      <a:effectRef idx="0">
-        <a:scrgbClr r="0" g="0" b="0"/>
-      </a:effectRef>
-      <a:fontRef idx="minor"/>
-    </dgm:style>
-  </dgm:styleLbl>
-  <dgm:styleLbl name="alignAcc1">
-    <dgm:scene3d>
-      <a:camera prst="orthographicFront"/>
-      <a:lightRig rig="threePt" dir="t"/>
-    </dgm:scene3d>
-    <dgm:sp3d/>
-    <dgm:txPr/>
-    <dgm:style>
-      <a:lnRef idx="2">
-        <a:scrgbClr r="0" g="0" b="0"/>
-      </a:lnRef>
-      <a:fillRef idx="1">
-        <a:scrgbClr r="0" g="0" b="0"/>
-      </a:fillRef>
-      <a:effectRef idx="0">
-        <a:scrgbClr r="0" g="0" b="0"/>
-      </a:effectRef>
-      <a:fontRef idx="minor"/>
-    </dgm:style>
-  </dgm:styleLbl>
-  <dgm:styleLbl name="trAlignAcc1">
-    <dgm:scene3d>
-      <a:camera prst="orthographicFront"/>
-      <a:lightRig rig="threePt" dir="t"/>
-    </dgm:scene3d>
-    <dgm:sp3d/>
-    <dgm:txPr/>
-    <dgm:style>
-      <a:lnRef idx="1">
-        <a:scrgbClr r="0" g="0" b="0"/>
-      </a:lnRef>
-      <a:fillRef idx="1">
-        <a:scrgbClr r="0" g="0" b="0"/>
-      </a:fillRef>
-      <a:effectRef idx="0">
-        <a:scrgbClr r="0" g="0" b="0"/>
-      </a:effectRef>
-      <a:fontRef idx="minor"/>
-    </dgm:style>
-  </dgm:styleLbl>
-  <dgm:styleLbl name="bgAcc1">
-    <dgm:scene3d>
-      <a:camera prst="orthographicFront"/>
-      <a:lightRig rig="threePt" dir="t"/>
-    </dgm:scene3d>
-    <dgm:sp3d/>
-    <dgm:txPr/>
-    <dgm:style>
-      <a:lnRef idx="2">
-        <a:scrgbClr r="0" g="0" b="0"/>
-      </a:lnRef>
-      <a:fillRef idx="1">
-        <a:scrgbClr r="0" g="0" b="0"/>
-      </a:fillRef>
-      <a:effectRef idx="0">
-        <a:scrgbClr r="0" g="0" b="0"/>
-      </a:effectRef>
-      <a:fontRef idx="minor"/>
-    </dgm:style>
-  </dgm:styleLbl>
-  <dgm:styleLbl name="solidFgAcc1">
-    <dgm:scene3d>
-      <a:camera prst="orthographicFront"/>
-      <a:lightRig rig="threePt" dir="t"/>
-    </dgm:scene3d>
-    <dgm:sp3d/>
-    <dgm:txPr/>
-    <dgm:style>
-      <a:lnRef idx="2">
-        <a:scrgbClr r="0" g="0" b="0"/>
-      </a:lnRef>
-      <a:fillRef idx="1">
-        <a:scrgbClr r="0" g="0" b="0"/>
-      </a:fillRef>
-      <a:effectRef idx="0">
-        <a:scrgbClr r="0" g="0" b="0"/>
-      </a:effectRef>
-      <a:fontRef idx="minor"/>
-    </dgm:style>
-  </dgm:styleLbl>
-  <dgm:styleLbl name="solidAlignAcc1">
-    <dgm:scene3d>
-      <a:camera prst="orthographicFront"/>
-      <a:lightRig rig="threePt" dir="t"/>
-    </dgm:scene3d>
-    <dgm:sp3d/>
-    <dgm:txPr/>
-    <dgm:style>
-      <a:lnRef idx="2">
-        <a:scrgbClr r="0" g="0" b="0"/>
-      </a:lnRef>
-      <a:fillRef idx="1">
-        <a:scrgbClr r="0" g="0" b="0"/>
-      </a:fillRef>
-      <a:effectRef idx="0">
-        <a:scrgbClr r="0" g="0" b="0"/>
-      </a:effectRef>
-      <a:fontRef idx="minor"/>
-    </dgm:style>
-  </dgm:styleLbl>
-  <dgm:styleLbl name="solidBgAcc1">
-    <dgm:scene3d>
-      <a:camera prst="orthographicFront"/>
-      <a:lightRig rig="threePt" dir="t"/>
-    </dgm:scene3d>
-    <dgm:sp3d/>
-    <dgm:txPr/>
-    <dgm:style>
-      <a:lnRef idx="2">
-        <a:scrgbClr r="0" g="0" b="0"/>
-      </a:lnRef>
-      <a:fillRef idx="1">
-        <a:scrgbClr r="0" g="0" b="0"/>
-      </a:fillRef>
-      <a:effectRef idx="0">
-        <a:scrgbClr r="0" g="0" b="0"/>
-      </a:effectRef>
-      <a:fontRef idx="minor"/>
-    </dgm:style>
-  </dgm:styleLbl>
-  <dgm:styleLbl name="fgAccFollowNode1">
-    <dgm:scene3d>
-      <a:camera prst="orthographicFront"/>
-      <a:lightRig rig="threePt" dir="t"/>
-    </dgm:scene3d>
-    <dgm:sp3d/>
-    <dgm:txPr/>
-    <dgm:style>
-      <a:lnRef idx="2">
-        <a:scrgbClr r="0" g="0" b="0"/>
-      </a:lnRef>
-      <a:fillRef idx="1">
-        <a:scrgbClr r="0" g="0" b="0"/>
-      </a:fillRef>
-      <a:effectRef idx="0">
-        <a:scrgbClr r="0" g="0" b="0"/>
-      </a:effectRef>
-      <a:fontRef idx="minor"/>
-    </dgm:style>
-  </dgm:styleLbl>
-  <dgm:styleLbl name="alignAccFollowNode1">
-    <dgm:scene3d>
-      <a:camera prst="orthographicFront"/>
-      <a:lightRig rig="threePt" dir="t"/>
-    </dgm:scene3d>
-    <dgm:sp3d/>
-    <dgm:txPr/>
-    <dgm:style>
-      <a:lnRef idx="2">
-        <a:scrgbClr r="0" g="0" b="0"/>
-      </a:lnRef>
-      <a:fillRef idx="1">
-        <a:scrgbClr r="0" g="0" b="0"/>
-      </a:fillRef>
-      <a:effectRef idx="0">
-        <a:scrgbClr r="0" g="0" b="0"/>
-      </a:effectRef>
-      <a:fontRef idx="minor"/>
-    </dgm:style>
-  </dgm:styleLbl>
-  <dgm:styleLbl name="bgAccFollowNode1">
-    <dgm:scene3d>
-      <a:camera prst="orthographicFront"/>
-      <a:lightRig rig="threePt" dir="t"/>
-    </dgm:scene3d>
-    <dgm:sp3d/>
-    <dgm:txPr/>
-    <dgm:style>
-      <a:lnRef idx="2">
-        <a:scrgbClr r="0" g="0" b="0"/>
-      </a:lnRef>
-      <a:fillRef idx="1">
-        <a:scrgbClr r="0" g="0" b="0"/>
-      </a:fillRef>
-      <a:effectRef idx="0">
-        <a:scrgbClr r="0" g="0" b="0"/>
-      </a:effectRef>
-      <a:fontRef idx="minor"/>
-    </dgm:style>
-  </dgm:styleLbl>
-  <dgm:styleLbl name="fgAcc0">
-    <dgm:scene3d>
-      <a:camera prst="orthographicFront"/>
-      <a:lightRig rig="threePt" dir="t"/>
-    </dgm:scene3d>
-    <dgm:sp3d/>
-    <dgm:txPr/>
-    <dgm:style>
-      <a:lnRef idx="2">
-        <a:scrgbClr r="0" g="0" b="0"/>
-      </a:lnRef>
-      <a:fillRef idx="1">
-        <a:scrgbClr r="0" g="0" b="0"/>
-      </a:fillRef>
-      <a:effectRef idx="0">
-        <a:scrgbClr r="0" g="0" b="0"/>
-      </a:effectRef>
-      <a:fontRef idx="minor"/>
-    </dgm:style>
-  </dgm:styleLbl>
-  <dgm:styleLbl name="fgAcc2">
-    <dgm:scene3d>
-      <a:camera prst="orthographicFront"/>
-      <a:lightRig rig="threePt" dir="t"/>
-    </dgm:scene3d>
-    <dgm:sp3d/>
-    <dgm:txPr/>
-    <dgm:style>
-      <a:lnRef idx="2">
-        <a:scrgbClr r="0" g="0" b="0"/>
-      </a:lnRef>
-      <a:fillRef idx="1">
-        <a:scrgbClr r="0" g="0" b="0"/>
-      </a:fillRef>
-      <a:effectRef idx="0">
-        <a:scrgbClr r="0" g="0" b="0"/>
-      </a:effectRef>
-      <a:fontRef idx="minor"/>
-    </dgm:style>
-  </dgm:styleLbl>
-  <dgm:styleLbl name="fgAcc3">
-    <dgm:scene3d>
-      <a:camera prst="orthographicFront"/>
-      <a:lightRig rig="threePt" dir="t"/>
-    </dgm:scene3d>
-    <dgm:sp3d/>
-    <dgm:txPr/>
-    <dgm:style>
-      <a:lnRef idx="2">
-        <a:scrgbClr r="0" g="0" b="0"/>
-      </a:lnRef>
-      <a:fillRef idx="1">
-        <a:scrgbClr r="0" g="0" b="0"/>
-      </a:fillRef>
-      <a:effectRef idx="0">
-        <a:scrgbClr r="0" g="0" b="0"/>
-      </a:effectRef>
-      <a:fontRef idx="minor"/>
-    </dgm:style>
-  </dgm:styleLbl>
-  <dgm:styleLbl name="fgAcc4">
-    <dgm:scene3d>
-      <a:camera prst="orthographicFront"/>
-      <a:lightRig rig="threePt" dir="t"/>
-    </dgm:scene3d>
-    <dgm:sp3d/>
-    <dgm:txPr/>
-    <dgm:style>
-      <a:lnRef idx="2">
-        <a:scrgbClr r="0" g="0" b="0"/>
-      </a:lnRef>
-      <a:fillRef idx="1">
-        <a:scrgbClr r="0" g="0" b="0"/>
-      </a:fillRef>
-      <a:effectRef idx="0">
-        <a:scrgbClr r="0" g="0" b="0"/>
-      </a:effectRef>
-      <a:fontRef idx="minor"/>
-    </dgm:style>
-  </dgm:styleLbl>
-  <dgm:styleLbl name="bgShp">
-    <dgm:scene3d>
-      <a:camera prst="orthographicFront"/>
-      <a:lightRig rig="threePt" dir="t"/>
-    </dgm:scene3d>
-    <dgm:sp3d/>
-    <dgm:txPr/>
-    <dgm:style>
-      <a:lnRef idx="0">
-        <a:scrgbClr r="0" g="0" b="0"/>
-      </a:lnRef>
-      <a:fillRef idx="1">
-        <a:scrgbClr r="0" g="0" b="0"/>
-      </a:fillRef>
-      <a:effectRef idx="0">
-        <a:scrgbClr r="0" g="0" b="0"/>
-      </a:effectRef>
-      <a:fontRef idx="minor"/>
-    </dgm:style>
-  </dgm:styleLbl>
-  <dgm:styleLbl name="dkBgShp">
-    <dgm:scene3d>
-      <a:camera prst="orthographicFront"/>
-      <a:lightRig rig="threePt" dir="t"/>
-    </dgm:scene3d>
-    <dgm:sp3d/>
-    <dgm:txPr/>
-    <dgm:style>
-      <a:lnRef idx="0">
-        <a:scrgbClr r="0" g="0" b="0"/>
-      </a:lnRef>
-      <a:fillRef idx="1">
-        <a:scrgbClr r="0" g="0" b="0"/>
-      </a:fillRef>
-      <a:effectRef idx="0">
-        <a:scrgbClr r="0" g="0" b="0"/>
-      </a:effectRef>
-      <a:fontRef idx="minor"/>
-    </dgm:style>
-  </dgm:styleLbl>
-  <dgm:styleLbl name="trBgShp">
-    <dgm:scene3d>
-      <a:camera prst="orthographicFront"/>
-      <a:lightRig rig="threePt" dir="t"/>
-    </dgm:scene3d>
-    <dgm:sp3d/>
-    <dgm:txPr/>
-    <dgm:style>
-      <a:lnRef idx="0">
-        <a:scrgbClr r="0" g="0" b="0"/>
-      </a:lnRef>
-      <a:fillRef idx="1">
-        <a:scrgbClr r="0" g="0" b="0"/>
-      </a:fillRef>
-      <a:effectRef idx="0">
-        <a:scrgbClr r="0" g="0" b="0"/>
-      </a:effectRef>
-      <a:fontRef idx="minor"/>
-    </dgm:style>
-  </dgm:styleLbl>
-  <dgm:styleLbl name="fgShp">
-    <dgm:scene3d>
-      <a:camera prst="orthographicFront"/>
-      <a:lightRig rig="threePt" dir="t"/>
-    </dgm:scene3d>
-    <dgm:sp3d/>
-    <dgm:txPr/>
-    <dgm:style>
-      <a:lnRef idx="2">
-        <a:scrgbClr r="0" g="0" b="0"/>
-      </a:lnRef>
-      <a:fillRef idx="1">
-        <a:scrgbClr r="0" g="0" b="0"/>
-      </a:fillRef>
-      <a:effectRef idx="0">
-        <a:scrgbClr r="0" g="0" b="0"/>
-      </a:effectRef>
-      <a:fontRef idx="minor"/>
-    </dgm:style>
-  </dgm:styleLbl>
-  <dgm:styleLbl name="revTx">
-    <dgm:scene3d>
-      <a:camera prst="orthographicFront"/>
-      <a:lightRig rig="threePt" dir="t"/>
-    </dgm:scene3d>
-    <dgm:sp3d/>
-    <dgm:txPr/>
-    <dgm:style>
-      <a:lnRef idx="0">
-        <a:scrgbClr r="0" g="0" b="0"/>
-      </a:lnRef>
-      <a:fillRef idx="0">
-        <a:scrgbClr r="0" g="0" b="0"/>
-      </a:fillRef>
-      <a:effectRef idx="0">
-        <a:scrgbClr r="0" g="0" b="0"/>
-      </a:effectRef>
-      <a:fontRef idx="minor"/>
-    </dgm:style>
-  </dgm:styleLbl>
-</dgm:styleDef>
-</file>
-
-<file path=ppt/diagrams/quickStyle6.xml><?xml version="1.0" encoding="utf-8"?>
 <dgm:styleDef xmlns:dgm="http://schemas.openxmlformats.org/drawingml/2006/diagram" xmlns:a="http://schemas.openxmlformats.org/drawingml/2006/main" uniqueId="urn:microsoft.com/office/officeart/2005/8/quickstyle/simple1">
   <dgm:title val=""/>
   <dgm:desc val=""/>
@@ -36290,34 +32616,6 @@
           </a:prstGeom>
         </p:spPr>
       </p:pic>
-      <p:graphicFrame>
-        <p:nvGraphicFramePr>
-          <p:cNvPr id="5" name="Diagram 4">
-            <a:extLst>
-              <a:ext uri="{FF2B5EF4-FFF2-40B4-BE49-F238E27FC236}">
-                <a16:creationId xmlns:a16="http://schemas.microsoft.com/office/drawing/2014/main" id="{E09BDF06-D3DD-4588-8DDB-857628A878BD}"/>
-              </a:ext>
-            </a:extLst>
-          </p:cNvPr>
-          <p:cNvGraphicFramePr/>
-          <p:nvPr>
-            <p:extLst>
-              <p:ext uri="{D42A27DB-BD31-4B8C-83A1-F6EECF244321}">
-                <p14:modId xmlns:p14="http://schemas.microsoft.com/office/powerpoint/2010/main" val="1425220146"/>
-              </p:ext>
-            </p:extLst>
-          </p:nvPr>
-        </p:nvGraphicFramePr>
-        <p:xfrm>
-          <a:off x="6096000" y="2331704"/>
-          <a:ext cx="6515190" cy="3511721"/>
-        </p:xfrm>
-        <a:graphic>
-          <a:graphicData uri="http://schemas.openxmlformats.org/drawingml/2006/diagram">
-            <dgm:relIds xmlns:dgm="http://schemas.openxmlformats.org/drawingml/2006/diagram" xmlns:r="http://schemas.openxmlformats.org/officeDocument/2006/relationships" r:dm="rId4" r:lo="rId5" r:qs="rId6" r:cs="rId7"/>
-          </a:graphicData>
-        </a:graphic>
-      </p:graphicFrame>
       <p:sp>
         <p:nvSpPr>
           <p:cNvPr id="11" name="Title 1">
@@ -36334,8 +32632,8 @@
         </p:nvSpPr>
         <p:spPr>
           <a:xfrm>
-            <a:off x="1155250" y="3737274"/>
-            <a:ext cx="7190913" cy="1080938"/>
+            <a:off x="2267974" y="2664356"/>
+            <a:ext cx="8128000" cy="612744"/>
           </a:xfrm>
           <a:prstGeom prst="rect">
             <a:avLst/>
@@ -36343,7 +32641,7 @@
         </p:spPr>
         <p:txBody>
           <a:bodyPr vert="horz" lIns="91440" tIns="45720" rIns="91440" bIns="45720" rtlCol="0" anchor="t">
-            <a:normAutofit fontScale="97500"/>
+            <a:noAutofit/>
           </a:bodyPr>
           <a:lstStyle>
             <a:lvl1pPr algn="l" defTabSz="457200" rtl="0" eaLnBrk="1" latinLnBrk="0" hangingPunct="1">
@@ -36422,12 +32720,329 @@
           <a:p>
             <a:pPr algn="ctr"/>
             <a:r>
-              <a:rPr lang="en-US" sz="4800" dirty="0"/>
+              <a:rPr lang="en-US" sz="4000" dirty="0"/>
               <a:t>Confusion Matrix</a:t>
             </a:r>
           </a:p>
         </p:txBody>
       </p:sp>
+      <p:graphicFrame>
+        <p:nvGraphicFramePr>
+          <p:cNvPr id="3" name="Tabla 3">
+            <a:extLst>
+              <a:ext uri="{FF2B5EF4-FFF2-40B4-BE49-F238E27FC236}">
+                <a16:creationId xmlns:a16="http://schemas.microsoft.com/office/drawing/2014/main" id="{6E889181-CC30-49C1-850E-55A6E54104E3}"/>
+              </a:ext>
+            </a:extLst>
+          </p:cNvPr>
+          <p:cNvGraphicFramePr>
+            <a:graphicFrameLocks noGrp="1"/>
+          </p:cNvGraphicFramePr>
+          <p:nvPr>
+            <p:extLst>
+              <p:ext uri="{D42A27DB-BD31-4B8C-83A1-F6EECF244321}">
+                <p14:modId xmlns:p14="http://schemas.microsoft.com/office/powerpoint/2010/main" val="1569514784"/>
+              </p:ext>
+            </p:extLst>
+          </p:nvPr>
+        </p:nvGraphicFramePr>
+        <p:xfrm>
+          <a:off x="2267974" y="3277100"/>
+          <a:ext cx="8128000" cy="2072640"/>
+        </p:xfrm>
+        <a:graphic>
+          <a:graphicData uri="http://schemas.openxmlformats.org/drawingml/2006/table">
+            <a:tbl>
+              <a:tblPr firstRow="1" bandRow="1">
+                <a:tableStyleId>{5C22544A-7EE6-4342-B048-85BDC9FD1C3A}</a:tableStyleId>
+              </a:tblPr>
+              <a:tblGrid>
+                <a:gridCol w="2032000">
+                  <a:extLst>
+                    <a:ext uri="{9D8B030D-6E8A-4147-A177-3AD203B41FA5}">
+                      <a16:colId xmlns:a16="http://schemas.microsoft.com/office/drawing/2014/main" val="313207065"/>
+                    </a:ext>
+                  </a:extLst>
+                </a:gridCol>
+                <a:gridCol w="2032000">
+                  <a:extLst>
+                    <a:ext uri="{9D8B030D-6E8A-4147-A177-3AD203B41FA5}">
+                      <a16:colId xmlns:a16="http://schemas.microsoft.com/office/drawing/2014/main" val="1816243927"/>
+                    </a:ext>
+                  </a:extLst>
+                </a:gridCol>
+                <a:gridCol w="2032000">
+                  <a:extLst>
+                    <a:ext uri="{9D8B030D-6E8A-4147-A177-3AD203B41FA5}">
+                      <a16:colId xmlns:a16="http://schemas.microsoft.com/office/drawing/2014/main" val="2947603383"/>
+                    </a:ext>
+                  </a:extLst>
+                </a:gridCol>
+                <a:gridCol w="2032000">
+                  <a:extLst>
+                    <a:ext uri="{9D8B030D-6E8A-4147-A177-3AD203B41FA5}">
+                      <a16:colId xmlns:a16="http://schemas.microsoft.com/office/drawing/2014/main" val="3945501469"/>
+                    </a:ext>
+                  </a:extLst>
+                </a:gridCol>
+              </a:tblGrid>
+              <a:tr h="370840">
+                <a:tc>
+                  <a:txBody>
+                    <a:bodyPr/>
+                    <a:lstStyle/>
+                    <a:p>
+                      <a:pPr algn="ctr"/>
+                      <a:endParaRPr lang="en-US" sz="2800" dirty="0"/>
+                    </a:p>
+                  </a:txBody>
+                  <a:tcPr/>
+                </a:tc>
+                <a:tc>
+                  <a:txBody>
+                    <a:bodyPr/>
+                    <a:lstStyle/>
+                    <a:p>
+                      <a:pPr algn="ctr"/>
+                      <a:r>
+                        <a:rPr lang="en-US" sz="2800" dirty="0"/>
+                        <a:t>bcc</a:t>
+                      </a:r>
+                    </a:p>
+                  </a:txBody>
+                  <a:tcPr/>
+                </a:tc>
+                <a:tc>
+                  <a:txBody>
+                    <a:bodyPr/>
+                    <a:lstStyle/>
+                    <a:p>
+                      <a:pPr algn="ctr"/>
+                      <a:r>
+                        <a:rPr lang="en-US" sz="2800" dirty="0" err="1"/>
+                        <a:t>bkl</a:t>
+                      </a:r>
+                      <a:endParaRPr lang="en-US" sz="2800" dirty="0"/>
+                    </a:p>
+                  </a:txBody>
+                  <a:tcPr/>
+                </a:tc>
+                <a:tc>
+                  <a:txBody>
+                    <a:bodyPr/>
+                    <a:lstStyle/>
+                    <a:p>
+                      <a:pPr algn="ctr"/>
+                      <a:r>
+                        <a:rPr lang="en-US" sz="2800" dirty="0" err="1"/>
+                        <a:t>mel</a:t>
+                      </a:r>
+                      <a:endParaRPr lang="en-US" sz="2800" dirty="0"/>
+                    </a:p>
+                  </a:txBody>
+                  <a:tcPr/>
+                </a:tc>
+                <a:extLst>
+                  <a:ext uri="{0D108BD9-81ED-4DB2-BD59-A6C34878D82A}">
+                    <a16:rowId xmlns:a16="http://schemas.microsoft.com/office/drawing/2014/main" val="2396130525"/>
+                  </a:ext>
+                </a:extLst>
+              </a:tr>
+              <a:tr h="370840">
+                <a:tc>
+                  <a:txBody>
+                    <a:bodyPr/>
+                    <a:lstStyle/>
+                    <a:p>
+                      <a:pPr algn="ctr"/>
+                      <a:r>
+                        <a:rPr lang="en-US" sz="2800" dirty="0"/>
+                        <a:t>bcc</a:t>
+                      </a:r>
+                    </a:p>
+                  </a:txBody>
+                  <a:tcPr/>
+                </a:tc>
+                <a:tc>
+                  <a:txBody>
+                    <a:bodyPr/>
+                    <a:lstStyle/>
+                    <a:p>
+                      <a:pPr algn="ctr"/>
+                      <a:r>
+                        <a:rPr lang="en-US" sz="2800" dirty="0"/>
+                        <a:t>9.4%</a:t>
+                      </a:r>
+                    </a:p>
+                  </a:txBody>
+                  <a:tcPr/>
+                </a:tc>
+                <a:tc>
+                  <a:txBody>
+                    <a:bodyPr/>
+                    <a:lstStyle/>
+                    <a:p>
+                      <a:pPr algn="ctr"/>
+                      <a:r>
+                        <a:rPr lang="en-US" sz="2800" dirty="0"/>
+                        <a:t>7.4%</a:t>
+                      </a:r>
+                    </a:p>
+                  </a:txBody>
+                  <a:tcPr/>
+                </a:tc>
+                <a:tc>
+                  <a:txBody>
+                    <a:bodyPr/>
+                    <a:lstStyle/>
+                    <a:p>
+                      <a:pPr algn="ctr"/>
+                      <a:r>
+                        <a:rPr lang="en-US" sz="2800" dirty="0"/>
+                        <a:t>3.2%</a:t>
+                      </a:r>
+                    </a:p>
+                  </a:txBody>
+                  <a:tcPr/>
+                </a:tc>
+                <a:extLst>
+                  <a:ext uri="{0D108BD9-81ED-4DB2-BD59-A6C34878D82A}">
+                    <a16:rowId xmlns:a16="http://schemas.microsoft.com/office/drawing/2014/main" val="250390234"/>
+                  </a:ext>
+                </a:extLst>
+              </a:tr>
+              <a:tr h="370840">
+                <a:tc>
+                  <a:txBody>
+                    <a:bodyPr/>
+                    <a:lstStyle/>
+                    <a:p>
+                      <a:pPr algn="ctr"/>
+                      <a:r>
+                        <a:rPr lang="en-US" sz="2800" dirty="0" err="1"/>
+                        <a:t>bkl</a:t>
+                      </a:r>
+                      <a:endParaRPr lang="en-US" sz="2800" dirty="0"/>
+                    </a:p>
+                  </a:txBody>
+                  <a:tcPr/>
+                </a:tc>
+                <a:tc>
+                  <a:txBody>
+                    <a:bodyPr/>
+                    <a:lstStyle/>
+                    <a:p>
+                      <a:pPr algn="ctr"/>
+                      <a:r>
+                        <a:rPr lang="en-US" sz="2800" dirty="0"/>
+                        <a:t>2.4</a:t>
+                      </a:r>
+                    </a:p>
+                  </a:txBody>
+                  <a:tcPr/>
+                </a:tc>
+                <a:tc>
+                  <a:txBody>
+                    <a:bodyPr/>
+                    <a:lstStyle/>
+                    <a:p>
+                      <a:pPr algn="ctr"/>
+                      <a:r>
+                        <a:rPr lang="en-US" sz="2800" dirty="0"/>
+                        <a:t>19.8%</a:t>
+                      </a:r>
+                    </a:p>
+                  </a:txBody>
+                  <a:tcPr/>
+                </a:tc>
+                <a:tc>
+                  <a:txBody>
+                    <a:bodyPr/>
+                    <a:lstStyle/>
+                    <a:p>
+                      <a:pPr algn="ctr"/>
+                      <a:r>
+                        <a:rPr lang="en-US" sz="2800" dirty="0"/>
+                        <a:t>17.8%</a:t>
+                      </a:r>
+                    </a:p>
+                  </a:txBody>
+                  <a:tcPr/>
+                </a:tc>
+                <a:extLst>
+                  <a:ext uri="{0D108BD9-81ED-4DB2-BD59-A6C34878D82A}">
+                    <a16:rowId xmlns:a16="http://schemas.microsoft.com/office/drawing/2014/main" val="2218611576"/>
+                  </a:ext>
+                </a:extLst>
+              </a:tr>
+              <a:tr h="370840">
+                <a:tc>
+                  <a:txBody>
+                    <a:bodyPr/>
+                    <a:lstStyle/>
+                    <a:p>
+                      <a:pPr algn="ctr"/>
+                      <a:r>
+                        <a:rPr lang="en-US" sz="2800" dirty="0" err="1"/>
+                        <a:t>mel</a:t>
+                      </a:r>
+                      <a:endParaRPr lang="en-US" sz="2800" dirty="0"/>
+                    </a:p>
+                  </a:txBody>
+                  <a:tcPr/>
+                </a:tc>
+                <a:tc>
+                  <a:txBody>
+                    <a:bodyPr/>
+                    <a:lstStyle/>
+                    <a:p>
+                      <a:pPr algn="ctr"/>
+                      <a:r>
+                        <a:rPr lang="en-US" sz="2800" dirty="0"/>
+                        <a:t>1.8%</a:t>
+                      </a:r>
+                    </a:p>
+                  </a:txBody>
+                  <a:tcPr/>
+                </a:tc>
+                <a:tc>
+                  <a:txBody>
+                    <a:bodyPr/>
+                    <a:lstStyle/>
+                    <a:p>
+                      <a:pPr algn="ctr"/>
+                      <a:r>
+                        <a:rPr lang="en-US" sz="2800" dirty="0"/>
+                        <a:t>8.2%</a:t>
+                      </a:r>
+                    </a:p>
+                  </a:txBody>
+                  <a:tcPr/>
+                </a:tc>
+                <a:tc>
+                  <a:txBody>
+                    <a:bodyPr/>
+                    <a:lstStyle/>
+                    <a:p>
+                      <a:pPr algn="ctr"/>
+                      <a:r>
+                        <a:rPr lang="en-US" sz="2800" dirty="0"/>
+                        <a:t>30%</a:t>
+                      </a:r>
+                    </a:p>
+                  </a:txBody>
+                  <a:tcPr/>
+                </a:tc>
+                <a:extLst>
+                  <a:ext uri="{0D108BD9-81ED-4DB2-BD59-A6C34878D82A}">
+                    <a16:rowId xmlns:a16="http://schemas.microsoft.com/office/drawing/2014/main" val="121838258"/>
+                  </a:ext>
+                </a:extLst>
+              </a:tr>
+            </a:tbl>
+          </a:graphicData>
+        </a:graphic>
+      </p:graphicFrame>
     </p:spTree>
     <p:extLst>
       <p:ext uri="{BB962C8B-B14F-4D97-AF65-F5344CB8AC3E}">
@@ -36442,6 +33057,681 @@
 </file>
 
 <file path=ppt/slides/slide16.xml><?xml version="1.0" encoding="utf-8"?>
+<p:sld xmlns:a="http://schemas.openxmlformats.org/drawingml/2006/main" xmlns:r="http://schemas.openxmlformats.org/officeDocument/2006/relationships" xmlns:p="http://schemas.openxmlformats.org/presentationml/2006/main">
+  <p:cSld>
+    <p:spTree>
+      <p:nvGrpSpPr>
+        <p:cNvPr id="1" name=""/>
+        <p:cNvGrpSpPr/>
+        <p:nvPr/>
+      </p:nvGrpSpPr>
+      <p:grpSpPr>
+        <a:xfrm>
+          <a:off x="0" y="0"/>
+          <a:ext cx="0" cy="0"/>
+          <a:chOff x="0" y="0"/>
+          <a:chExt cx="0" cy="0"/>
+        </a:xfrm>
+      </p:grpSpPr>
+      <p:sp>
+        <p:nvSpPr>
+          <p:cNvPr id="12" name="Title 1">
+            <a:extLst>
+              <a:ext uri="{FF2B5EF4-FFF2-40B4-BE49-F238E27FC236}">
+                <a16:creationId xmlns:a16="http://schemas.microsoft.com/office/drawing/2014/main" id="{05ACE682-1B73-40BF-BA3B-B531FBAF2E9A}"/>
+              </a:ext>
+            </a:extLst>
+          </p:cNvPr>
+          <p:cNvSpPr>
+            <a:spLocks noGrp="1"/>
+          </p:cNvSpPr>
+          <p:nvPr>
+            <p:ph type="title"/>
+          </p:nvPr>
+        </p:nvSpPr>
+        <p:spPr>
+          <a:xfrm>
+            <a:off x="2623396" y="801731"/>
+            <a:ext cx="7190913" cy="1080938"/>
+          </a:xfrm>
+        </p:spPr>
+        <p:txBody>
+          <a:bodyPr>
+            <a:normAutofit fontScale="90000"/>
+          </a:bodyPr>
+          <a:lstStyle/>
+          <a:p>
+            <a:pPr algn="ctr"/>
+            <a:r>
+              <a:rPr lang="en-US" sz="4800" dirty="0"/>
+              <a:t>Classification</a:t>
+            </a:r>
+            <a:br>
+              <a:rPr lang="en-US" sz="4800" dirty="0"/>
+            </a:br>
+            <a:r>
+              <a:rPr lang="en-US" sz="4800" dirty="0"/>
+              <a:t>-multiclass-</a:t>
+            </a:r>
+          </a:p>
+        </p:txBody>
+      </p:sp>
+      <p:sp>
+        <p:nvSpPr>
+          <p:cNvPr id="8" name="Slide Number Placeholder 5">
+            <a:extLst>
+              <a:ext uri="{FF2B5EF4-FFF2-40B4-BE49-F238E27FC236}">
+                <a16:creationId xmlns:a16="http://schemas.microsoft.com/office/drawing/2014/main" id="{974E51E9-613F-49E1-8A93-AF9AF175FA01}"/>
+              </a:ext>
+            </a:extLst>
+          </p:cNvPr>
+          <p:cNvSpPr txBox="1">
+            <a:spLocks/>
+          </p:cNvSpPr>
+          <p:nvPr/>
+        </p:nvSpPr>
+        <p:spPr bwMode="gray">
+          <a:xfrm>
+            <a:off x="11010090" y="6231913"/>
+            <a:ext cx="779767" cy="365125"/>
+          </a:xfrm>
+          <a:prstGeom prst="rect">
+            <a:avLst/>
+          </a:prstGeom>
+        </p:spPr>
+        <p:txBody>
+          <a:bodyPr vert="horz" lIns="91440" tIns="45720" rIns="91440" bIns="45720" rtlCol="0" anchor="ctr"/>
+          <a:lstStyle>
+            <a:defPPr>
+              <a:defRPr lang="en-US"/>
+            </a:defPPr>
+            <a:lvl1pPr marL="0" algn="r" defTabSz="457200" rtl="0" eaLnBrk="1" latinLnBrk="0" hangingPunct="1">
+              <a:defRPr sz="2000" kern="1200">
+                <a:solidFill>
+                  <a:srgbClr val="FEFFFF"/>
+                </a:solidFill>
+                <a:latin typeface="+mn-lt"/>
+                <a:ea typeface="+mn-ea"/>
+                <a:cs typeface="+mn-cs"/>
+              </a:defRPr>
+            </a:lvl1pPr>
+            <a:lvl2pPr marL="457200" algn="l" defTabSz="457200" rtl="0" eaLnBrk="1" latinLnBrk="0" hangingPunct="1">
+              <a:defRPr sz="1800" kern="1200">
+                <a:solidFill>
+                  <a:schemeClr val="tx1"/>
+                </a:solidFill>
+                <a:latin typeface="+mn-lt"/>
+                <a:ea typeface="+mn-ea"/>
+                <a:cs typeface="+mn-cs"/>
+              </a:defRPr>
+            </a:lvl2pPr>
+            <a:lvl3pPr marL="914400" algn="l" defTabSz="457200" rtl="0" eaLnBrk="1" latinLnBrk="0" hangingPunct="1">
+              <a:defRPr sz="1800" kern="1200">
+                <a:solidFill>
+                  <a:schemeClr val="tx1"/>
+                </a:solidFill>
+                <a:latin typeface="+mn-lt"/>
+                <a:ea typeface="+mn-ea"/>
+                <a:cs typeface="+mn-cs"/>
+              </a:defRPr>
+            </a:lvl3pPr>
+            <a:lvl4pPr marL="1371600" algn="l" defTabSz="457200" rtl="0" eaLnBrk="1" latinLnBrk="0" hangingPunct="1">
+              <a:defRPr sz="1800" kern="1200">
+                <a:solidFill>
+                  <a:schemeClr val="tx1"/>
+                </a:solidFill>
+                <a:latin typeface="+mn-lt"/>
+                <a:ea typeface="+mn-ea"/>
+                <a:cs typeface="+mn-cs"/>
+              </a:defRPr>
+            </a:lvl4pPr>
+            <a:lvl5pPr marL="1828800" algn="l" defTabSz="457200" rtl="0" eaLnBrk="1" latinLnBrk="0" hangingPunct="1">
+              <a:defRPr sz="1800" kern="1200">
+                <a:solidFill>
+                  <a:schemeClr val="tx1"/>
+                </a:solidFill>
+                <a:latin typeface="+mn-lt"/>
+                <a:ea typeface="+mn-ea"/>
+                <a:cs typeface="+mn-cs"/>
+              </a:defRPr>
+            </a:lvl5pPr>
+            <a:lvl6pPr marL="2286000" algn="l" defTabSz="457200" rtl="0" eaLnBrk="1" latinLnBrk="0" hangingPunct="1">
+              <a:defRPr sz="1800" kern="1200">
+                <a:solidFill>
+                  <a:schemeClr val="tx1"/>
+                </a:solidFill>
+                <a:latin typeface="+mn-lt"/>
+                <a:ea typeface="+mn-ea"/>
+                <a:cs typeface="+mn-cs"/>
+              </a:defRPr>
+            </a:lvl6pPr>
+            <a:lvl7pPr marL="2743200" algn="l" defTabSz="457200" rtl="0" eaLnBrk="1" latinLnBrk="0" hangingPunct="1">
+              <a:defRPr sz="1800" kern="1200">
+                <a:solidFill>
+                  <a:schemeClr val="tx1"/>
+                </a:solidFill>
+                <a:latin typeface="+mn-lt"/>
+                <a:ea typeface="+mn-ea"/>
+                <a:cs typeface="+mn-cs"/>
+              </a:defRPr>
+            </a:lvl7pPr>
+            <a:lvl8pPr marL="3200400" algn="l" defTabSz="457200" rtl="0" eaLnBrk="1" latinLnBrk="0" hangingPunct="1">
+              <a:defRPr sz="1800" kern="1200">
+                <a:solidFill>
+                  <a:schemeClr val="tx1"/>
+                </a:solidFill>
+                <a:latin typeface="+mn-lt"/>
+                <a:ea typeface="+mn-ea"/>
+                <a:cs typeface="+mn-cs"/>
+              </a:defRPr>
+            </a:lvl8pPr>
+            <a:lvl9pPr marL="3657600" algn="l" defTabSz="457200" rtl="0" eaLnBrk="1" latinLnBrk="0" hangingPunct="1">
+              <a:defRPr sz="1800" kern="1200">
+                <a:solidFill>
+                  <a:schemeClr val="tx1"/>
+                </a:solidFill>
+                <a:latin typeface="+mn-lt"/>
+                <a:ea typeface="+mn-ea"/>
+                <a:cs typeface="+mn-cs"/>
+              </a:defRPr>
+            </a:lvl9pPr>
+          </a:lstStyle>
+          <a:p>
+            <a:fld id="{19584825-D934-4E20-B0C8-29FEC7CA1AF9}" type="slidenum">
+              <a:rPr lang="en-US" smtClean="0">
+                <a:solidFill>
+                  <a:schemeClr val="tx1"/>
+                </a:solidFill>
+              </a:rPr>
+              <a:pPr/>
+              <a:t>16</a:t>
+            </a:fld>
+            <a:endParaRPr lang="en-US" dirty="0">
+              <a:solidFill>
+                <a:schemeClr val="tx1"/>
+              </a:solidFill>
+            </a:endParaRPr>
+          </a:p>
+        </p:txBody>
+      </p:sp>
+      <p:pic>
+        <p:nvPicPr>
+          <p:cNvPr id="9" name="Picture 8" descr="A picture containing text, clipart&#10;&#10;Description automatically generated">
+            <a:extLst>
+              <a:ext uri="{FF2B5EF4-FFF2-40B4-BE49-F238E27FC236}">
+                <a16:creationId xmlns:a16="http://schemas.microsoft.com/office/drawing/2014/main" id="{942D71B3-CD34-43E5-9D3F-BA2819AE22EA}"/>
+              </a:ext>
+            </a:extLst>
+          </p:cNvPr>
+          <p:cNvPicPr>
+            <a:picLocks noChangeAspect="1"/>
+          </p:cNvPicPr>
+          <p:nvPr/>
+        </p:nvPicPr>
+        <p:blipFill rotWithShape="1">
+          <a:blip r:embed="rId2">
+            <a:extLst>
+              <a:ext uri="{28A0092B-C50C-407E-A947-70E740481C1C}">
+                <a14:useLocalDpi xmlns:a14="http://schemas.microsoft.com/office/drawing/2010/main" val="0"/>
+              </a:ext>
+            </a:extLst>
+          </a:blip>
+          <a:srcRect r="57677"/>
+          <a:stretch/>
+        </p:blipFill>
+        <p:spPr>
+          <a:xfrm>
+            <a:off x="10608300" y="437028"/>
+            <a:ext cx="1428567" cy="1066632"/>
+          </a:xfrm>
+          <a:prstGeom prst="rect">
+            <a:avLst/>
+          </a:prstGeom>
+        </p:spPr>
+      </p:pic>
+      <p:pic>
+        <p:nvPicPr>
+          <p:cNvPr id="13" name="Picture 12" descr="Logo&#10;&#10;Description automatically generated">
+            <a:extLst>
+              <a:ext uri="{FF2B5EF4-FFF2-40B4-BE49-F238E27FC236}">
+                <a16:creationId xmlns:a16="http://schemas.microsoft.com/office/drawing/2014/main" id="{0B34AC09-580D-4C50-930A-7592EF4E9F8E}"/>
+              </a:ext>
+            </a:extLst>
+          </p:cNvPr>
+          <p:cNvPicPr>
+            <a:picLocks noChangeAspect="1"/>
+          </p:cNvPicPr>
+          <p:nvPr/>
+        </p:nvPicPr>
+        <p:blipFill>
+          <a:blip r:embed="rId3">
+            <a:extLst>
+              <a:ext uri="{28A0092B-C50C-407E-A947-70E740481C1C}">
+                <a14:useLocalDpi xmlns:a14="http://schemas.microsoft.com/office/drawing/2010/main" val="0"/>
+              </a:ext>
+            </a:extLst>
+          </a:blip>
+          <a:stretch>
+            <a:fillRect/>
+          </a:stretch>
+        </p:blipFill>
+        <p:spPr>
+          <a:xfrm>
+            <a:off x="1829405" y="499758"/>
+            <a:ext cx="1376588" cy="941171"/>
+          </a:xfrm>
+          <a:prstGeom prst="rect">
+            <a:avLst/>
+          </a:prstGeom>
+        </p:spPr>
+      </p:pic>
+      <p:graphicFrame>
+        <p:nvGraphicFramePr>
+          <p:cNvPr id="2" name="Tabla 3">
+            <a:extLst>
+              <a:ext uri="{FF2B5EF4-FFF2-40B4-BE49-F238E27FC236}">
+                <a16:creationId xmlns:a16="http://schemas.microsoft.com/office/drawing/2014/main" id="{951B3466-9AA3-45E6-92E9-510686799548}"/>
+              </a:ext>
+            </a:extLst>
+          </p:cNvPr>
+          <p:cNvGraphicFramePr>
+            <a:graphicFrameLocks noGrp="1"/>
+          </p:cNvGraphicFramePr>
+          <p:nvPr>
+            <p:extLst>
+              <p:ext uri="{D42A27DB-BD31-4B8C-83A1-F6EECF244321}">
+                <p14:modId xmlns:p14="http://schemas.microsoft.com/office/powerpoint/2010/main" val="1761210841"/>
+              </p:ext>
+            </p:extLst>
+          </p:nvPr>
+        </p:nvGraphicFramePr>
+        <p:xfrm>
+          <a:off x="1875127" y="3757898"/>
+          <a:ext cx="9134963" cy="741680"/>
+        </p:xfrm>
+        <a:graphic>
+          <a:graphicData uri="http://schemas.openxmlformats.org/drawingml/2006/table">
+            <a:tbl>
+              <a:tblPr firstRow="1" bandRow="1">
+                <a:tableStyleId>{5C22544A-7EE6-4342-B048-85BDC9FD1C3A}</a:tableStyleId>
+              </a:tblPr>
+              <a:tblGrid>
+                <a:gridCol w="1217930">
+                  <a:extLst>
+                    <a:ext uri="{9D8B030D-6E8A-4147-A177-3AD203B41FA5}">
+                      <a16:colId xmlns:a16="http://schemas.microsoft.com/office/drawing/2014/main" val="1689040823"/>
+                    </a:ext>
+                  </a:extLst>
+                </a:gridCol>
+                <a:gridCol w="1146493">
+                  <a:extLst>
+                    <a:ext uri="{9D8B030D-6E8A-4147-A177-3AD203B41FA5}">
+                      <a16:colId xmlns:a16="http://schemas.microsoft.com/office/drawing/2014/main" val="243256405"/>
+                    </a:ext>
+                  </a:extLst>
+                </a:gridCol>
+                <a:gridCol w="1197293">
+                  <a:extLst>
+                    <a:ext uri="{9D8B030D-6E8A-4147-A177-3AD203B41FA5}">
+                      <a16:colId xmlns:a16="http://schemas.microsoft.com/office/drawing/2014/main" val="1039121816"/>
+                    </a:ext>
+                  </a:extLst>
+                </a:gridCol>
+                <a:gridCol w="1112287">
+                  <a:extLst>
+                    <a:ext uri="{9D8B030D-6E8A-4147-A177-3AD203B41FA5}">
+                      <a16:colId xmlns:a16="http://schemas.microsoft.com/office/drawing/2014/main" val="4026013589"/>
+                    </a:ext>
+                  </a:extLst>
+                </a:gridCol>
+                <a:gridCol w="1732280">
+                  <a:extLst>
+                    <a:ext uri="{9D8B030D-6E8A-4147-A177-3AD203B41FA5}">
+                      <a16:colId xmlns:a16="http://schemas.microsoft.com/office/drawing/2014/main" val="816164556"/>
+                    </a:ext>
+                  </a:extLst>
+                </a:gridCol>
+                <a:gridCol w="1616393">
+                  <a:extLst>
+                    <a:ext uri="{9D8B030D-6E8A-4147-A177-3AD203B41FA5}">
+                      <a16:colId xmlns:a16="http://schemas.microsoft.com/office/drawing/2014/main" val="1384569460"/>
+                    </a:ext>
+                  </a:extLst>
+                </a:gridCol>
+                <a:gridCol w="1112287">
+                  <a:extLst>
+                    <a:ext uri="{9D8B030D-6E8A-4147-A177-3AD203B41FA5}">
+                      <a16:colId xmlns:a16="http://schemas.microsoft.com/office/drawing/2014/main" val="1560771124"/>
+                    </a:ext>
+                  </a:extLst>
+                </a:gridCol>
+              </a:tblGrid>
+              <a:tr h="370840">
+                <a:tc>
+                  <a:txBody>
+                    <a:bodyPr/>
+                    <a:lstStyle/>
+                    <a:p>
+                      <a:endParaRPr lang="en-US" sz="1400" dirty="0"/>
+                    </a:p>
+                  </a:txBody>
+                  <a:tcPr/>
+                </a:tc>
+                <a:tc>
+                  <a:txBody>
+                    <a:bodyPr/>
+                    <a:lstStyle/>
+                    <a:p>
+                      <a:r>
+                        <a:rPr lang="en-US" sz="1400" dirty="0"/>
+                        <a:t>W/O </a:t>
+                      </a:r>
+                      <a:r>
+                        <a:rPr lang="en-US" sz="1400" dirty="0" err="1"/>
+                        <a:t>Kbest</a:t>
+                      </a:r>
+                      <a:endParaRPr lang="en-US" sz="1400" dirty="0"/>
+                    </a:p>
+                  </a:txBody>
+                  <a:tcPr/>
+                </a:tc>
+                <a:tc>
+                  <a:txBody>
+                    <a:bodyPr/>
+                    <a:lstStyle/>
+                    <a:p>
+                      <a:r>
+                        <a:rPr lang="en-US" sz="1400" dirty="0"/>
+                        <a:t>W/O scaler</a:t>
+                      </a:r>
+                    </a:p>
+                  </a:txBody>
+                  <a:tcPr/>
+                </a:tc>
+                <a:tc>
+                  <a:txBody>
+                    <a:bodyPr/>
+                    <a:lstStyle/>
+                    <a:p>
+                      <a:r>
+                        <a:rPr lang="en-US" sz="1400" dirty="0"/>
+                        <a:t>W/O cv</a:t>
+                      </a:r>
+                    </a:p>
+                  </a:txBody>
+                  <a:tcPr/>
+                </a:tc>
+                <a:tc>
+                  <a:txBody>
+                    <a:bodyPr/>
+                    <a:lstStyle/>
+                    <a:p>
+                      <a:r>
+                        <a:rPr lang="en-US" sz="1400" dirty="0"/>
+                        <a:t>W under sampling</a:t>
+                      </a:r>
+                    </a:p>
+                  </a:txBody>
+                  <a:tcPr/>
+                </a:tc>
+                <a:tc>
+                  <a:txBody>
+                    <a:bodyPr/>
+                    <a:lstStyle/>
+                    <a:p>
+                      <a:r>
+                        <a:rPr lang="en-US" sz="1400" dirty="0"/>
+                        <a:t>W over sampling</a:t>
+                      </a:r>
+                    </a:p>
+                  </a:txBody>
+                  <a:tcPr/>
+                </a:tc>
+                <a:tc>
+                  <a:txBody>
+                    <a:bodyPr/>
+                    <a:lstStyle/>
+                    <a:p>
+                      <a:r>
+                        <a:rPr lang="en-US" sz="1400" dirty="0"/>
+                        <a:t>W SMOTE</a:t>
+                      </a:r>
+                    </a:p>
+                  </a:txBody>
+                  <a:tcPr/>
+                </a:tc>
+                <a:extLst>
+                  <a:ext uri="{0D108BD9-81ED-4DB2-BD59-A6C34878D82A}">
+                    <a16:rowId xmlns:a16="http://schemas.microsoft.com/office/drawing/2014/main" val="263723859"/>
+                  </a:ext>
+                </a:extLst>
+              </a:tr>
+              <a:tr h="370840">
+                <a:tc>
+                  <a:txBody>
+                    <a:bodyPr/>
+                    <a:lstStyle/>
+                    <a:p>
+                      <a:r>
+                        <a:rPr lang="en-US" sz="1600" dirty="0"/>
+                        <a:t>Accuracy</a:t>
+                      </a:r>
+                    </a:p>
+                  </a:txBody>
+                  <a:tcPr/>
+                </a:tc>
+                <a:tc>
+                  <a:txBody>
+                    <a:bodyPr/>
+                    <a:lstStyle/>
+                    <a:p>
+                      <a:r>
+                        <a:rPr lang="en-US" dirty="0"/>
+                        <a:t>-10 pts</a:t>
+                      </a:r>
+                    </a:p>
+                  </a:txBody>
+                  <a:tcPr/>
+                </a:tc>
+                <a:tc>
+                  <a:txBody>
+                    <a:bodyPr/>
+                    <a:lstStyle/>
+                    <a:p>
+                      <a:r>
+                        <a:rPr lang="en-US" dirty="0"/>
+                        <a:t>-5 pts</a:t>
+                      </a:r>
+                    </a:p>
+                  </a:txBody>
+                  <a:tcPr/>
+                </a:tc>
+                <a:tc>
+                  <a:txBody>
+                    <a:bodyPr/>
+                    <a:lstStyle/>
+                    <a:p>
+                      <a:r>
+                        <a:rPr lang="en-US" dirty="0"/>
+                        <a:t>-4 pts</a:t>
+                      </a:r>
+                    </a:p>
+                  </a:txBody>
+                  <a:tcPr/>
+                </a:tc>
+                <a:tc>
+                  <a:txBody>
+                    <a:bodyPr/>
+                    <a:lstStyle/>
+                    <a:p>
+                      <a:r>
+                        <a:rPr lang="en-US" dirty="0"/>
+                        <a:t>-5 pts</a:t>
+                      </a:r>
+                    </a:p>
+                  </a:txBody>
+                  <a:tcPr/>
+                </a:tc>
+                <a:tc>
+                  <a:txBody>
+                    <a:bodyPr/>
+                    <a:lstStyle/>
+                    <a:p>
+                      <a:r>
+                        <a:rPr lang="en-US" dirty="0"/>
+                        <a:t>-4 pts</a:t>
+                      </a:r>
+                    </a:p>
+                  </a:txBody>
+                  <a:tcPr/>
+                </a:tc>
+                <a:tc>
+                  <a:txBody>
+                    <a:bodyPr/>
+                    <a:lstStyle/>
+                    <a:p>
+                      <a:r>
+                        <a:rPr lang="en-US" dirty="0"/>
+                        <a:t>-2 pts</a:t>
+                      </a:r>
+                    </a:p>
+                  </a:txBody>
+                  <a:tcPr/>
+                </a:tc>
+                <a:extLst>
+                  <a:ext uri="{0D108BD9-81ED-4DB2-BD59-A6C34878D82A}">
+                    <a16:rowId xmlns:a16="http://schemas.microsoft.com/office/drawing/2014/main" val="3796883500"/>
+                  </a:ext>
+                </a:extLst>
+              </a:tr>
+            </a:tbl>
+          </a:graphicData>
+        </a:graphic>
+      </p:graphicFrame>
+      <p:sp>
+        <p:nvSpPr>
+          <p:cNvPr id="10" name="Title 1">
+            <a:extLst>
+              <a:ext uri="{FF2B5EF4-FFF2-40B4-BE49-F238E27FC236}">
+                <a16:creationId xmlns:a16="http://schemas.microsoft.com/office/drawing/2014/main" id="{772E3E6D-D662-4977-822D-9B32BA8EB111}"/>
+              </a:ext>
+            </a:extLst>
+          </p:cNvPr>
+          <p:cNvSpPr txBox="1">
+            <a:spLocks/>
+          </p:cNvSpPr>
+          <p:nvPr/>
+        </p:nvSpPr>
+        <p:spPr>
+          <a:xfrm>
+            <a:off x="2378608" y="3235994"/>
+            <a:ext cx="8128000" cy="521904"/>
+          </a:xfrm>
+          <a:prstGeom prst="rect">
+            <a:avLst/>
+          </a:prstGeom>
+        </p:spPr>
+        <p:txBody>
+          <a:bodyPr vert="horz" lIns="91440" tIns="45720" rIns="91440" bIns="45720" rtlCol="0" anchor="t">
+            <a:noAutofit/>
+          </a:bodyPr>
+          <a:lstStyle>
+            <a:lvl1pPr algn="l" defTabSz="457200" rtl="0" eaLnBrk="1" latinLnBrk="0" hangingPunct="1">
+              <a:spcBef>
+                <a:spcPct val="0"/>
+              </a:spcBef>
+              <a:buNone/>
+              <a:defRPr sz="3600" kern="1200">
+                <a:solidFill>
+                  <a:schemeClr val="accent2">
+                    <a:lumMod val="75000"/>
+                  </a:schemeClr>
+                </a:solidFill>
+                <a:latin typeface="+mj-lt"/>
+                <a:ea typeface="+mj-ea"/>
+                <a:cs typeface="+mj-cs"/>
+              </a:defRPr>
+            </a:lvl1pPr>
+            <a:lvl2pPr eaLnBrk="1" hangingPunct="1">
+              <a:defRPr>
+                <a:solidFill>
+                  <a:schemeClr val="tx2"/>
+                </a:solidFill>
+              </a:defRPr>
+            </a:lvl2pPr>
+            <a:lvl3pPr eaLnBrk="1" hangingPunct="1">
+              <a:defRPr>
+                <a:solidFill>
+                  <a:schemeClr val="tx2"/>
+                </a:solidFill>
+              </a:defRPr>
+            </a:lvl3pPr>
+            <a:lvl4pPr eaLnBrk="1" hangingPunct="1">
+              <a:defRPr>
+                <a:solidFill>
+                  <a:schemeClr val="tx2"/>
+                </a:solidFill>
+              </a:defRPr>
+            </a:lvl4pPr>
+            <a:lvl5pPr eaLnBrk="1" hangingPunct="1">
+              <a:defRPr>
+                <a:solidFill>
+                  <a:schemeClr val="tx2"/>
+                </a:solidFill>
+              </a:defRPr>
+            </a:lvl5pPr>
+            <a:lvl6pPr eaLnBrk="1" hangingPunct="1">
+              <a:defRPr>
+                <a:solidFill>
+                  <a:schemeClr val="tx2"/>
+                </a:solidFill>
+              </a:defRPr>
+            </a:lvl6pPr>
+            <a:lvl7pPr eaLnBrk="1" hangingPunct="1">
+              <a:defRPr>
+                <a:solidFill>
+                  <a:schemeClr val="tx2"/>
+                </a:solidFill>
+              </a:defRPr>
+            </a:lvl7pPr>
+            <a:lvl8pPr eaLnBrk="1" hangingPunct="1">
+              <a:defRPr>
+                <a:solidFill>
+                  <a:schemeClr val="tx2"/>
+                </a:solidFill>
+              </a:defRPr>
+            </a:lvl8pPr>
+            <a:lvl9pPr eaLnBrk="1" hangingPunct="1">
+              <a:defRPr>
+                <a:solidFill>
+                  <a:schemeClr val="tx2"/>
+                </a:solidFill>
+              </a:defRPr>
+            </a:lvl9pPr>
+          </a:lstStyle>
+          <a:p>
+            <a:pPr algn="ctr"/>
+            <a:r>
+              <a:rPr lang="en-US" sz="2800" dirty="0"/>
+              <a:t>Experiments with different configurations</a:t>
+            </a:r>
+          </a:p>
+        </p:txBody>
+      </p:sp>
+    </p:spTree>
+    <p:extLst>
+      <p:ext uri="{BB962C8B-B14F-4D97-AF65-F5344CB8AC3E}">
+        <p14:creationId xmlns:p14="http://schemas.microsoft.com/office/powerpoint/2010/main" val="3049017808"/>
+      </p:ext>
+    </p:extLst>
+  </p:cSld>
+  <p:clrMapOvr>
+    <a:masterClrMapping/>
+  </p:clrMapOvr>
+</p:sld>
+</file>
+
+<file path=ppt/slides/slide17.xml><?xml version="1.0" encoding="utf-8"?>
 <p:sld xmlns:a="http://schemas.openxmlformats.org/drawingml/2006/main" xmlns:r="http://schemas.openxmlformats.org/officeDocument/2006/relationships" xmlns:p="http://schemas.openxmlformats.org/presentationml/2006/main">
   <p:cSld>
     <p:spTree>
@@ -36622,7 +33912,7 @@
                 </a:solidFill>
               </a:rPr>
               <a:pPr/>
-              <a:t>16</a:t>
+              <a:t>17</a:t>
             </a:fld>
             <a:endParaRPr lang="en-US" dirty="0">
               <a:solidFill>
@@ -37315,7 +34605,7 @@
 </p:sld>
 </file>
 
-<file path=ppt/slides/slide17.xml><?xml version="1.0" encoding="utf-8"?>
+<file path=ppt/slides/slide18.xml><?xml version="1.0" encoding="utf-8"?>
 <p:sld xmlns:a="http://schemas.openxmlformats.org/drawingml/2006/main" xmlns:r="http://schemas.openxmlformats.org/officeDocument/2006/relationships" xmlns:p="http://schemas.openxmlformats.org/presentationml/2006/main">
   <p:cSld>
     <p:spTree>

--- a/Presentation_updated.pptx
+++ b/Presentation_updated.pptx
@@ -22000,6 +22000,103 @@
     </a:lvl9pPr>
   </p:notesStyle>
 </p:notesMaster>
+</file>
+
+<file path=ppt/notesSlides/notesSlide1.xml><?xml version="1.0" encoding="utf-8"?>
+<p:notes xmlns:a="http://schemas.openxmlformats.org/drawingml/2006/main" xmlns:r="http://schemas.openxmlformats.org/officeDocument/2006/relationships" xmlns:p="http://schemas.openxmlformats.org/presentationml/2006/main">
+  <p:cSld>
+    <p:spTree>
+      <p:nvGrpSpPr>
+        <p:cNvPr id="1" name=""/>
+        <p:cNvGrpSpPr/>
+        <p:nvPr/>
+      </p:nvGrpSpPr>
+      <p:grpSpPr>
+        <a:xfrm>
+          <a:off x="0" y="0"/>
+          <a:ext cx="0" cy="0"/>
+          <a:chOff x="0" y="0"/>
+          <a:chExt cx="0" cy="0"/>
+        </a:xfrm>
+      </p:grpSpPr>
+      <p:sp>
+        <p:nvSpPr>
+          <p:cNvPr id="2" name="Marcador de imagen de diapositiva 1"/>
+          <p:cNvSpPr>
+            <a:spLocks noGrp="1" noRot="1" noChangeAspect="1"/>
+          </p:cNvSpPr>
+          <p:nvPr>
+            <p:ph type="sldImg"/>
+          </p:nvPr>
+        </p:nvSpPr>
+        <p:spPr/>
+      </p:sp>
+      <p:sp>
+        <p:nvSpPr>
+          <p:cNvPr id="3" name="Marcador de notas 2"/>
+          <p:cNvSpPr>
+            <a:spLocks noGrp="1"/>
+          </p:cNvSpPr>
+          <p:nvPr>
+            <p:ph type="body" idx="1"/>
+          </p:nvPr>
+        </p:nvSpPr>
+        <p:spPr/>
+        <p:txBody>
+          <a:bodyPr/>
+          <a:lstStyle/>
+          <a:p>
+            <a:r>
+              <a:rPr lang="en-US"/>
+              <a:t>SelectKBest </a:t>
+            </a:r>
+            <a:r>
+              <a:rPr lang="en-US" dirty="0"/>
+              <a:t>removes all but the highest scoring features. It’s a kind of univariate feature selection which works by selecting the best features based on univariate statistical tests.</a:t>
+            </a:r>
+          </a:p>
+          <a:p>
+            <a:r>
+              <a:rPr lang="en-US" dirty="0"/>
+              <a:t>The methods based on F-test estimate the degree of linear dependency between two random variables.</a:t>
+            </a:r>
+          </a:p>
+        </p:txBody>
+      </p:sp>
+      <p:sp>
+        <p:nvSpPr>
+          <p:cNvPr id="4" name="Marcador de número de diapositiva 3"/>
+          <p:cNvSpPr>
+            <a:spLocks noGrp="1"/>
+          </p:cNvSpPr>
+          <p:nvPr>
+            <p:ph type="sldNum" sz="quarter" idx="5"/>
+          </p:nvPr>
+        </p:nvSpPr>
+        <p:spPr/>
+        <p:txBody>
+          <a:bodyPr/>
+          <a:lstStyle/>
+          <a:p>
+            <a:fld id="{4DE75C4C-B821-490B-A6BC-7023298A118D}" type="slidenum">
+              <a:rPr lang="ro-RO" smtClean="0"/>
+              <a:t>9</a:t>
+            </a:fld>
+            <a:endParaRPr lang="ro-RO"/>
+          </a:p>
+        </p:txBody>
+      </p:sp>
+    </p:spTree>
+    <p:extLst>
+      <p:ext uri="{BB962C8B-B14F-4D97-AF65-F5344CB8AC3E}">
+        <p14:creationId xmlns:p14="http://schemas.microsoft.com/office/powerpoint/2010/main" val="4163817424"/>
+      </p:ext>
+    </p:extLst>
+  </p:cSld>
+  <p:clrMapOvr>
+    <a:masterClrMapping/>
+  </p:clrMapOvr>
+</p:notes>
 </file>
 
 <file path=ppt/slideLayouts/slideLayout1.xml><?xml version="1.0" encoding="utf-8"?>
@@ -39469,7 +39566,7 @@
           <p:nvPr/>
         </p:nvPicPr>
         <p:blipFill rotWithShape="1">
-          <a:blip r:embed="rId2">
+          <a:blip r:embed="rId3">
             <a:extLst>
               <a:ext uri="{28A0092B-C50C-407E-A947-70E740481C1C}">
                 <a14:useLocalDpi xmlns:a14="http://schemas.microsoft.com/office/drawing/2010/main" val="0"/>
@@ -39504,7 +39601,7 @@
           <p:nvPr/>
         </p:nvPicPr>
         <p:blipFill>
-          <a:blip r:embed="rId3">
+          <a:blip r:embed="rId4">
             <a:extLst>
               <a:ext uri="{28A0092B-C50C-407E-A947-70E740481C1C}">
                 <a14:useLocalDpi xmlns:a14="http://schemas.microsoft.com/office/drawing/2010/main" val="0"/>
@@ -39534,7 +39631,7 @@
           <p:nvPr/>
         </p:nvPicPr>
         <p:blipFill>
-          <a:blip r:embed="rId4">
+          <a:blip r:embed="rId5">
             <a:extLst>
               <a:ext uri="{28A0092B-C50C-407E-A947-70E740481C1C}">
                 <a14:useLocalDpi xmlns:a14="http://schemas.microsoft.com/office/drawing/2010/main" val="0"/>
@@ -39575,7 +39672,7 @@
           <p:nvPr/>
         </p:nvPicPr>
         <p:blipFill>
-          <a:blip r:embed="rId5">
+          <a:blip r:embed="rId6">
             <a:extLst>
               <a:ext uri="{28A0092B-C50C-407E-A947-70E740481C1C}">
                 <a14:useLocalDpi xmlns:a14="http://schemas.microsoft.com/office/drawing/2010/main" val="0"/>

--- a/Presentation_updated.pptx
+++ b/Presentation_updated.pptx
@@ -5,7 +5,7 @@
     <p:sldMasterId id="2147483840" r:id="rId1"/>
   </p:sldMasterIdLst>
   <p:notesMasterIdLst>
-    <p:notesMasterId r:id="rId20"/>
+    <p:notesMasterId r:id="rId22"/>
   </p:notesMasterIdLst>
   <p:sldIdLst>
     <p:sldId id="256" r:id="rId2"/>
@@ -26,6 +26,8 @@
     <p:sldId id="295" r:id="rId17"/>
     <p:sldId id="288" r:id="rId18"/>
     <p:sldId id="266" r:id="rId19"/>
+    <p:sldId id="296" r:id="rId20"/>
+    <p:sldId id="297" r:id="rId21"/>
   </p:sldIdLst>
   <p:sldSz cx="12192000" cy="6858000"/>
   <p:notesSz cx="6858000" cy="9144000"/>
@@ -21734,7 +21736,7 @@
           <a:p>
             <a:fld id="{AE73BE77-CF9D-41C1-9A46-0C9C6AF6D9EA}" type="datetimeFigureOut">
               <a:rPr lang="ro-RO" smtClean="0"/>
-              <a:t>10.11.2021</a:t>
+              <a:t>11.11.2021</a:t>
             </a:fld>
             <a:endParaRPr lang="ro-RO"/>
           </a:p>
@@ -21893,7 +21895,7 @@
           <a:p>
             <a:fld id="{4DE75C4C-B821-490B-A6BC-7023298A118D}" type="slidenum">
               <a:rPr lang="ro-RO" smtClean="0"/>
-              <a:t>‹Nº›</a:t>
+              <a:t>‹#›</a:t>
             </a:fld>
             <a:endParaRPr lang="ro-RO"/>
           </a:p>
@@ -22287,7 +22289,7 @@
           <a:p>
             <a:fld id="{98B0508E-28D7-4C07-A327-C6BAFBCA7AAB}" type="datetime1">
               <a:rPr lang="en-US" smtClean="0"/>
-              <a:t>11/10/2021</a:t>
+              <a:t>11/11/2021</a:t>
             </a:fld>
             <a:endParaRPr lang="en-US"/>
           </a:p>
@@ -22416,7 +22418,7 @@
           <a:p>
             <a:fld id="{19584825-D934-4E20-B0C8-29FEC7CA1AF9}" type="slidenum">
               <a:rPr lang="en-US" smtClean="0"/>
-              <a:t>‹Nº›</a:t>
+              <a:t>‹#›</a:t>
             </a:fld>
             <a:endParaRPr lang="en-US"/>
           </a:p>
@@ -22625,7 +22627,7 @@
           <a:p>
             <a:fld id="{85D7E6E6-63DB-4CB9-A4B7-0B5C8502880C}" type="datetime1">
               <a:rPr lang="en-US" smtClean="0"/>
-              <a:t>11/10/2021</a:t>
+              <a:t>11/11/2021</a:t>
             </a:fld>
             <a:endParaRPr lang="en-US"/>
           </a:p>
@@ -22754,7 +22756,7 @@
           <a:p>
             <a:fld id="{19584825-D934-4E20-B0C8-29FEC7CA1AF9}" type="slidenum">
               <a:rPr lang="en-US" smtClean="0"/>
-              <a:t>‹Nº›</a:t>
+              <a:t>‹#›</a:t>
             </a:fld>
             <a:endParaRPr lang="en-US"/>
           </a:p>
@@ -23026,7 +23028,7 @@
           <a:p>
             <a:fld id="{4DC9A3E7-B710-4DBB-9CDB-5B1B222BDE9B}" type="datetime1">
               <a:rPr lang="en-US" smtClean="0"/>
-              <a:t>11/10/2021</a:t>
+              <a:t>11/11/2021</a:t>
             </a:fld>
             <a:endParaRPr lang="en-US"/>
           </a:p>
@@ -23155,7 +23157,7 @@
           <a:p>
             <a:fld id="{19584825-D934-4E20-B0C8-29FEC7CA1AF9}" type="slidenum">
               <a:rPr lang="en-US" smtClean="0"/>
-              <a:t>‹Nº›</a:t>
+              <a:t>‹#›</a:t>
             </a:fld>
             <a:endParaRPr lang="en-US"/>
           </a:p>
@@ -23362,7 +23364,7 @@
           <a:p>
             <a:fld id="{052A376C-AC4E-4AE2-8D03-113E09A9F1B5}" type="datetime1">
               <a:rPr lang="en-US" smtClean="0"/>
-              <a:t>11/10/2021</a:t>
+              <a:t>11/11/2021</a:t>
             </a:fld>
             <a:endParaRPr lang="en-US"/>
           </a:p>
@@ -23491,7 +23493,7 @@
           <a:p>
             <a:fld id="{19584825-D934-4E20-B0C8-29FEC7CA1AF9}" type="slidenum">
               <a:rPr lang="en-US" smtClean="0"/>
-              <a:t>‹Nº›</a:t>
+              <a:t>‹#›</a:t>
             </a:fld>
             <a:endParaRPr lang="en-US"/>
           </a:p>
@@ -23682,7 +23684,7 @@
           <a:p>
             <a:fld id="{65CF54AA-C341-49DB-A9C0-1A801481D328}" type="datetime1">
               <a:rPr lang="en-US" smtClean="0"/>
-              <a:t>11/10/2021</a:t>
+              <a:t>11/11/2021</a:t>
             </a:fld>
             <a:endParaRPr lang="en-US"/>
           </a:p>
@@ -23811,7 +23813,7 @@
           <a:p>
             <a:fld id="{19584825-D934-4E20-B0C8-29FEC7CA1AF9}" type="slidenum">
               <a:rPr lang="en-US" smtClean="0"/>
-              <a:t>‹Nº›</a:t>
+              <a:t>‹#›</a:t>
             </a:fld>
             <a:endParaRPr lang="en-US"/>
           </a:p>
@@ -24078,7 +24080,7 @@
           <a:p>
             <a:fld id="{5746C5F4-9C02-4AD4-B46C-6F47799D1944}" type="datetime1">
               <a:rPr lang="en-US" smtClean="0"/>
-              <a:t>11/10/2021</a:t>
+              <a:t>11/11/2021</a:t>
             </a:fld>
             <a:endParaRPr lang="en-US"/>
           </a:p>
@@ -24207,7 +24209,7 @@
           <a:p>
             <a:fld id="{19584825-D934-4E20-B0C8-29FEC7CA1AF9}" type="slidenum">
               <a:rPr lang="en-US" smtClean="0"/>
-              <a:t>‹Nº›</a:t>
+              <a:t>‹#›</a:t>
             </a:fld>
             <a:endParaRPr lang="en-US"/>
           </a:p>
@@ -24335,7 +24337,7 @@
           <a:p>
             <a:fld id="{B31F226D-3415-48F1-9784-7B12C8D4E016}" type="datetime1">
               <a:rPr lang="en-US" smtClean="0"/>
-              <a:t>11/10/2021</a:t>
+              <a:t>11/11/2021</a:t>
             </a:fld>
             <a:endParaRPr lang="en-US"/>
           </a:p>
@@ -24459,7 +24461,7 @@
           <a:p>
             <a:fld id="{19584825-D934-4E20-B0C8-29FEC7CA1AF9}" type="slidenum">
               <a:rPr lang="en-US" smtClean="0"/>
-              <a:t>‹Nº›</a:t>
+              <a:t>‹#›</a:t>
             </a:fld>
             <a:endParaRPr lang="en-US"/>
           </a:p>
@@ -24597,7 +24599,7 @@
           <a:p>
             <a:fld id="{60456BFA-A8EE-4463-9964-640E3A989CC4}" type="datetime1">
               <a:rPr lang="en-US" smtClean="0"/>
-              <a:t>11/10/2021</a:t>
+              <a:t>11/11/2021</a:t>
             </a:fld>
             <a:endParaRPr lang="en-US"/>
           </a:p>
@@ -24721,7 +24723,7 @@
           <a:p>
             <a:fld id="{19584825-D934-4E20-B0C8-29FEC7CA1AF9}" type="slidenum">
               <a:rPr lang="en-US" smtClean="0"/>
-              <a:t>‹Nº›</a:t>
+              <a:t>‹#›</a:t>
             </a:fld>
             <a:endParaRPr lang="en-US"/>
           </a:p>
@@ -24859,7 +24861,7 @@
           <a:p>
             <a:fld id="{C5BFA40C-8B44-45C3-8C1E-2901B00428CB}" type="datetime1">
               <a:rPr lang="en-US" smtClean="0"/>
-              <a:t>11/10/2021</a:t>
+              <a:t>11/11/2021</a:t>
             </a:fld>
             <a:endParaRPr lang="en-US"/>
           </a:p>
@@ -24983,7 +24985,7 @@
           <a:p>
             <a:fld id="{19584825-D934-4E20-B0C8-29FEC7CA1AF9}" type="slidenum">
               <a:rPr lang="en-US" smtClean="0"/>
-              <a:t>‹Nº›</a:t>
+              <a:t>‹#›</a:t>
             </a:fld>
             <a:endParaRPr lang="en-US"/>
           </a:p>
@@ -25188,7 +25190,7 @@
           <a:p>
             <a:fld id="{E4C53A8D-9C21-45A1-8CAD-5F002E68E167}" type="datetime1">
               <a:rPr lang="en-US" smtClean="0"/>
-              <a:t>11/10/2021</a:t>
+              <a:t>11/11/2021</a:t>
             </a:fld>
             <a:endParaRPr lang="en-US"/>
           </a:p>
@@ -25317,7 +25319,7 @@
           <a:p>
             <a:fld id="{19584825-D934-4E20-B0C8-29FEC7CA1AF9}" type="slidenum">
               <a:rPr lang="en-US" smtClean="0"/>
-              <a:t>‹Nº›</a:t>
+              <a:t>‹#›</a:t>
             </a:fld>
             <a:endParaRPr lang="en-US"/>
           </a:p>
@@ -25511,7 +25513,7 @@
           <a:p>
             <a:fld id="{A441790C-7EDE-47EE-864F-D5327F59B305}" type="datetime1">
               <a:rPr lang="en-US" smtClean="0"/>
-              <a:t>11/10/2021</a:t>
+              <a:t>11/11/2021</a:t>
             </a:fld>
             <a:endParaRPr lang="en-US"/>
           </a:p>
@@ -25640,7 +25642,7 @@
           <a:p>
             <a:fld id="{19584825-D934-4E20-B0C8-29FEC7CA1AF9}" type="slidenum">
               <a:rPr lang="en-US" smtClean="0"/>
-              <a:t>‹Nº›</a:t>
+              <a:t>‹#›</a:t>
             </a:fld>
             <a:endParaRPr lang="en-US"/>
           </a:p>
@@ -25968,7 +25970,7 @@
           <a:p>
             <a:fld id="{AD684147-4086-4288-96C7-1FA46E51ACAA}" type="datetime1">
               <a:rPr lang="en-US" smtClean="0"/>
-              <a:t>11/10/2021</a:t>
+              <a:t>11/11/2021</a:t>
             </a:fld>
             <a:endParaRPr lang="en-US"/>
           </a:p>
@@ -26097,7 +26099,7 @@
           <a:p>
             <a:fld id="{19584825-D934-4E20-B0C8-29FEC7CA1AF9}" type="slidenum">
               <a:rPr lang="en-US" smtClean="0"/>
-              <a:t>‹Nº›</a:t>
+              <a:t>‹#›</a:t>
             </a:fld>
             <a:endParaRPr lang="en-US"/>
           </a:p>
@@ -26173,7 +26175,7 @@
           <a:p>
             <a:fld id="{AB352D7A-EBBE-41E8-9171-0ED3184DCA2A}" type="datetime1">
               <a:rPr lang="en-US" smtClean="0"/>
-              <a:t>11/10/2021</a:t>
+              <a:t>11/11/2021</a:t>
             </a:fld>
             <a:endParaRPr lang="en-US"/>
           </a:p>
@@ -26297,7 +26299,7 @@
           <a:p>
             <a:fld id="{19584825-D934-4E20-B0C8-29FEC7CA1AF9}" type="slidenum">
               <a:rPr lang="en-US" smtClean="0"/>
-              <a:t>‹Nº›</a:t>
+              <a:t>‹#›</a:t>
             </a:fld>
             <a:endParaRPr lang="en-US"/>
           </a:p>
@@ -26350,7 +26352,7 @@
           <a:p>
             <a:fld id="{CE271034-AA41-49D0-9F0C-DC0756C4B358}" type="datetime1">
               <a:rPr lang="en-US" smtClean="0"/>
-              <a:t>11/10/2021</a:t>
+              <a:t>11/11/2021</a:t>
             </a:fld>
             <a:endParaRPr lang="en-US"/>
           </a:p>
@@ -26474,7 +26476,7 @@
           <a:p>
             <a:fld id="{19584825-D934-4E20-B0C8-29FEC7CA1AF9}" type="slidenum">
               <a:rPr lang="en-US" smtClean="0"/>
-              <a:t>‹Nº›</a:t>
+              <a:t>‹#›</a:t>
             </a:fld>
             <a:endParaRPr lang="en-US"/>
           </a:p>
@@ -26683,7 +26685,7 @@
           <a:p>
             <a:fld id="{CF83C243-D147-42C5-8427-3744C5A07490}" type="datetime1">
               <a:rPr lang="en-US" smtClean="0"/>
-              <a:t>11/10/2021</a:t>
+              <a:t>11/11/2021</a:t>
             </a:fld>
             <a:endParaRPr lang="en-US"/>
           </a:p>
@@ -26807,7 +26809,7 @@
           <a:p>
             <a:fld id="{19584825-D934-4E20-B0C8-29FEC7CA1AF9}" type="slidenum">
               <a:rPr lang="en-US" smtClean="0"/>
-              <a:t>‹Nº›</a:t>
+              <a:t>‹#›</a:t>
             </a:fld>
             <a:endParaRPr lang="en-US"/>
           </a:p>
@@ -27028,7 +27030,7 @@
           <a:p>
             <a:fld id="{498AEDB7-8E0A-4FBF-AB15-E332CD4821F1}" type="datetime1">
               <a:rPr lang="en-US" smtClean="0"/>
-              <a:t>11/10/2021</a:t>
+              <a:t>11/11/2021</a:t>
             </a:fld>
             <a:endParaRPr lang="en-US"/>
           </a:p>
@@ -27157,7 +27159,7 @@
           <a:p>
             <a:fld id="{19584825-D934-4E20-B0C8-29FEC7CA1AF9}" type="slidenum">
               <a:rPr lang="en-US" smtClean="0"/>
-              <a:t>‹Nº›</a:t>
+              <a:t>‹#›</a:t>
             </a:fld>
             <a:endParaRPr lang="en-US"/>
           </a:p>
@@ -29145,7 +29147,7 @@
           <a:p>
             <a:fld id="{CF8D28FF-3BD9-45DA-B7F0-CC83C12E3FF2}" type="datetime1">
               <a:rPr lang="en-US" smtClean="0"/>
-              <a:t>11/10/2021</a:t>
+              <a:t>11/11/2021</a:t>
             </a:fld>
             <a:endParaRPr lang="en-US"/>
           </a:p>
@@ -29221,7 +29223,7 @@
           <a:p>
             <a:fld id="{19584825-D934-4E20-B0C8-29FEC7CA1AF9}" type="slidenum">
               <a:rPr lang="en-US" smtClean="0"/>
-              <a:t>‹Nº›</a:t>
+              <a:t>‹#›</a:t>
             </a:fld>
             <a:endParaRPr lang="en-US"/>
           </a:p>
@@ -34153,34 +34155,18 @@
               <a:t> </a:t>
             </a:r>
             <a:r>
-              <a:rPr lang="es-ES" b="1" dirty="0" err="1">
-                <a:solidFill>
-                  <a:srgbClr val="00B050"/>
-                </a:solidFill>
-              </a:rPr>
+              <a:rPr lang="es-ES" b="1" dirty="0" err="1"/>
               <a:t>feature</a:t>
             </a:r>
             <a:r>
-              <a:rPr lang="es-ES" b="1" dirty="0">
-                <a:solidFill>
-                  <a:srgbClr val="00B050"/>
-                </a:solidFill>
-              </a:rPr>
+              <a:rPr lang="es-ES" b="1" dirty="0"/>
               <a:t> </a:t>
             </a:r>
             <a:r>
-              <a:rPr lang="es-ES" b="1" dirty="0" err="1">
-                <a:solidFill>
-                  <a:srgbClr val="00B050"/>
-                </a:solidFill>
-              </a:rPr>
+              <a:rPr lang="es-ES" b="1" dirty="0" err="1"/>
               <a:t>selection</a:t>
             </a:r>
-            <a:endParaRPr lang="es-ES" b="1" dirty="0">
-              <a:solidFill>
-                <a:srgbClr val="00B050"/>
-              </a:solidFill>
-            </a:endParaRPr>
+            <a:endParaRPr lang="es-ES" b="1" dirty="0"/>
           </a:p>
           <a:p>
             <a:pPr marL="285750" indent="-285750">
@@ -34219,35 +34205,19 @@
               <a:t> a </a:t>
             </a:r>
             <a:r>
-              <a:rPr lang="es-ES" b="1" dirty="0" err="1">
-                <a:solidFill>
-                  <a:srgbClr val="00B050"/>
-                </a:solidFill>
-              </a:rPr>
+              <a:rPr lang="es-ES" b="1" dirty="0" err="1"/>
               <a:t>segmented</a:t>
             </a:r>
             <a:r>
-              <a:rPr lang="es-ES" b="1" dirty="0">
-                <a:solidFill>
-                  <a:srgbClr val="00B050"/>
-                </a:solidFill>
-              </a:rPr>
+              <a:rPr lang="es-ES" b="1" dirty="0"/>
               <a:t> </a:t>
             </a:r>
             <a:r>
-              <a:rPr lang="es-ES" b="1" dirty="0" err="1">
-                <a:solidFill>
-                  <a:srgbClr val="00B050"/>
-                </a:solidFill>
-              </a:rPr>
+              <a:rPr lang="es-ES" b="1" dirty="0" err="1"/>
               <a:t>image</a:t>
             </a:r>
             <a:r>
-              <a:rPr lang="es-ES" b="1" dirty="0">
-                <a:solidFill>
-                  <a:srgbClr val="00B050"/>
-                </a:solidFill>
-              </a:rPr>
+              <a:rPr lang="es-ES" b="1" dirty="0"/>
               <a:t> </a:t>
             </a:r>
             <a:r>
@@ -34277,51 +34247,27 @@
               <a:buChar char="•"/>
             </a:pPr>
             <a:r>
-              <a:rPr lang="es-ES" b="1" dirty="0" err="1">
-                <a:solidFill>
-                  <a:srgbClr val="00B050"/>
-                </a:solidFill>
-              </a:rPr>
+              <a:rPr lang="es-ES" b="1" dirty="0" err="1"/>
               <a:t>Class</a:t>
             </a:r>
             <a:r>
-              <a:rPr lang="es-ES" b="1" dirty="0">
-                <a:solidFill>
-                  <a:srgbClr val="00B050"/>
-                </a:solidFill>
-              </a:rPr>
+              <a:rPr lang="es-ES" b="1" dirty="0"/>
               <a:t> </a:t>
             </a:r>
             <a:r>
-              <a:rPr lang="es-ES" b="1" dirty="0" err="1">
-                <a:solidFill>
-                  <a:srgbClr val="00B050"/>
-                </a:solidFill>
-              </a:rPr>
+              <a:rPr lang="es-ES" b="1" dirty="0" err="1"/>
               <a:t>imbalance</a:t>
             </a:r>
             <a:r>
-              <a:rPr lang="es-ES" b="1" dirty="0">
-                <a:solidFill>
-                  <a:srgbClr val="00B050"/>
-                </a:solidFill>
-              </a:rPr>
+              <a:rPr lang="es-ES" b="1" dirty="0"/>
               <a:t> </a:t>
             </a:r>
             <a:r>
-              <a:rPr lang="es-ES" b="1" dirty="0" err="1">
-                <a:solidFill>
-                  <a:srgbClr val="00B050"/>
-                </a:solidFill>
-              </a:rPr>
+              <a:rPr lang="es-ES" b="1" dirty="0" err="1"/>
               <a:t>mitigation</a:t>
             </a:r>
             <a:r>
-              <a:rPr lang="es-ES" b="1" dirty="0">
-                <a:solidFill>
-                  <a:srgbClr val="00B050"/>
-                </a:solidFill>
-              </a:rPr>
+              <a:rPr lang="es-ES" b="1" dirty="0"/>
               <a:t> </a:t>
             </a:r>
             <a:r>
@@ -34391,11 +34337,7 @@
               <a:t> </a:t>
             </a:r>
             <a:r>
-              <a:rPr lang="es-ES" b="1" dirty="0">
-                <a:solidFill>
-                  <a:srgbClr val="00B050"/>
-                </a:solidFill>
-              </a:rPr>
+              <a:rPr lang="es-ES" b="1" dirty="0"/>
               <a:t>V cannel of HSV </a:t>
             </a:r>
             <a:r>
@@ -34449,27 +34391,15 @@
               <a:t> </a:t>
             </a:r>
             <a:r>
-              <a:rPr lang="es-ES" b="1" dirty="0" err="1">
-                <a:solidFill>
-                  <a:srgbClr val="00B050"/>
-                </a:solidFill>
-              </a:rPr>
+              <a:rPr lang="es-ES" b="1" dirty="0" err="1"/>
               <a:t>big</a:t>
             </a:r>
             <a:r>
-              <a:rPr lang="es-ES" b="1" dirty="0">
-                <a:solidFill>
-                  <a:srgbClr val="00B050"/>
-                </a:solidFill>
-              </a:rPr>
+              <a:rPr lang="es-ES" b="1" dirty="0"/>
               <a:t> </a:t>
             </a:r>
             <a:r>
-              <a:rPr lang="es-ES" b="1" dirty="0" err="1">
-                <a:solidFill>
-                  <a:srgbClr val="00B050"/>
-                </a:solidFill>
-              </a:rPr>
+              <a:rPr lang="es-ES" b="1" dirty="0" err="1"/>
               <a:t>datasets</a:t>
             </a:r>
             <a:r>
@@ -34519,27 +34449,15 @@
               <a:t> of </a:t>
             </a:r>
             <a:r>
-              <a:rPr lang="es-ES" b="1" dirty="0">
-                <a:solidFill>
-                  <a:srgbClr val="00B050"/>
-                </a:solidFill>
-              </a:rPr>
+              <a:rPr lang="es-ES" b="1" dirty="0"/>
               <a:t>Color and </a:t>
             </a:r>
             <a:r>
-              <a:rPr lang="es-ES" b="1" dirty="0" err="1">
-                <a:solidFill>
-                  <a:srgbClr val="00B050"/>
-                </a:solidFill>
-              </a:rPr>
+              <a:rPr lang="es-ES" b="1" dirty="0" err="1"/>
               <a:t>Texture</a:t>
             </a:r>
             <a:r>
-              <a:rPr lang="es-ES" b="1" dirty="0">
-                <a:solidFill>
-                  <a:srgbClr val="00B050"/>
-                </a:solidFill>
-              </a:rPr>
+              <a:rPr lang="es-ES" b="1" dirty="0"/>
               <a:t> </a:t>
             </a:r>
             <a:r>
@@ -34561,27 +34479,15 @@
               <a:buChar char="•"/>
             </a:pPr>
             <a:r>
-              <a:rPr lang="es-ES" b="1" dirty="0">
-                <a:solidFill>
-                  <a:srgbClr val="00B050"/>
-                </a:solidFill>
-              </a:rPr>
+              <a:rPr lang="es-ES" b="1" dirty="0"/>
               <a:t>Ensemble </a:t>
             </a:r>
             <a:r>
-              <a:rPr lang="es-ES" b="1" dirty="0" err="1">
-                <a:solidFill>
-                  <a:srgbClr val="00B050"/>
-                </a:solidFill>
-              </a:rPr>
+              <a:rPr lang="es-ES" b="1" dirty="0" err="1"/>
               <a:t>learning</a:t>
             </a:r>
             <a:r>
-              <a:rPr lang="es-ES" b="1" dirty="0">
-                <a:solidFill>
-                  <a:srgbClr val="00B050"/>
-                </a:solidFill>
-              </a:rPr>
+              <a:rPr lang="es-ES" b="1" dirty="0"/>
               <a:t> </a:t>
             </a:r>
             <a:r>
@@ -34651,34 +34557,18 @@
               <a:t> </a:t>
             </a:r>
             <a:r>
-              <a:rPr lang="es-ES" b="1" dirty="0" err="1">
-                <a:solidFill>
-                  <a:srgbClr val="00B050"/>
-                </a:solidFill>
-              </a:rPr>
+              <a:rPr lang="es-ES" b="1" dirty="0" err="1"/>
               <a:t>Grid</a:t>
             </a:r>
             <a:r>
-              <a:rPr lang="es-ES" b="1" dirty="0">
-                <a:solidFill>
-                  <a:srgbClr val="00B050"/>
-                </a:solidFill>
-              </a:rPr>
+              <a:rPr lang="es-ES" b="1" dirty="0"/>
               <a:t> </a:t>
             </a:r>
             <a:r>
-              <a:rPr lang="es-ES" b="1" dirty="0" err="1">
-                <a:solidFill>
-                  <a:srgbClr val="00B050"/>
-                </a:solidFill>
-              </a:rPr>
+              <a:rPr lang="es-ES" b="1" dirty="0" err="1"/>
               <a:t>Search</a:t>
             </a:r>
-            <a:endParaRPr lang="es-ES" b="1" dirty="0">
-              <a:solidFill>
-                <a:srgbClr val="00B050"/>
-              </a:solidFill>
-            </a:endParaRPr>
+            <a:endParaRPr lang="es-ES" b="1" dirty="0"/>
           </a:p>
           <a:p>
             <a:pPr marL="285750" indent="-285750">
@@ -35196,6 +35086,167 @@
 </p:sld>
 </file>
 
+<file path=ppt/slides/slide19.xml><?xml version="1.0" encoding="utf-8"?>
+<p:sld xmlns:a="http://schemas.openxmlformats.org/drawingml/2006/main" xmlns:r="http://schemas.openxmlformats.org/officeDocument/2006/relationships" xmlns:p="http://schemas.openxmlformats.org/presentationml/2006/main">
+  <p:cSld>
+    <p:spTree>
+      <p:nvGrpSpPr>
+        <p:cNvPr id="1" name=""/>
+        <p:cNvGrpSpPr/>
+        <p:nvPr/>
+      </p:nvGrpSpPr>
+      <p:grpSpPr>
+        <a:xfrm>
+          <a:off x="0" y="0"/>
+          <a:ext cx="0" cy="0"/>
+          <a:chOff x="0" y="0"/>
+          <a:chExt cx="0" cy="0"/>
+        </a:xfrm>
+      </p:grpSpPr>
+      <p:pic>
+        <p:nvPicPr>
+          <p:cNvPr id="7" name="Picture 6" descr="A picture containing text, clipart&#10;&#10;Description automatically generated">
+            <a:extLst>
+              <a:ext uri="{FF2B5EF4-FFF2-40B4-BE49-F238E27FC236}">
+                <a16:creationId xmlns:a16="http://schemas.microsoft.com/office/drawing/2014/main" id="{E7A51F21-F5D0-4233-A9C2-99C28620546F}"/>
+              </a:ext>
+            </a:extLst>
+          </p:cNvPr>
+          <p:cNvPicPr>
+            <a:picLocks noChangeAspect="1"/>
+          </p:cNvPicPr>
+          <p:nvPr/>
+        </p:nvPicPr>
+        <p:blipFill rotWithShape="1">
+          <a:blip r:embed="rId2">
+            <a:extLst>
+              <a:ext uri="{28A0092B-C50C-407E-A947-70E740481C1C}">
+                <a14:useLocalDpi xmlns:a14="http://schemas.microsoft.com/office/drawing/2010/main" val="0"/>
+              </a:ext>
+            </a:extLst>
+          </a:blip>
+          <a:srcRect r="57677"/>
+          <a:stretch/>
+        </p:blipFill>
+        <p:spPr>
+          <a:xfrm>
+            <a:off x="397946" y="170585"/>
+            <a:ext cx="1428567" cy="1066632"/>
+          </a:xfrm>
+          <a:prstGeom prst="rect">
+            <a:avLst/>
+          </a:prstGeom>
+        </p:spPr>
+      </p:pic>
+      <p:pic>
+        <p:nvPicPr>
+          <p:cNvPr id="6" name="Picture 5" descr="Logo&#10;&#10;Description automatically generated">
+            <a:extLst>
+              <a:ext uri="{FF2B5EF4-FFF2-40B4-BE49-F238E27FC236}">
+                <a16:creationId xmlns:a16="http://schemas.microsoft.com/office/drawing/2014/main" id="{675EF008-C68D-4D5B-8BC7-AEE6584ABFB0}"/>
+              </a:ext>
+            </a:extLst>
+          </p:cNvPr>
+          <p:cNvPicPr>
+            <a:picLocks noChangeAspect="1"/>
+          </p:cNvPicPr>
+          <p:nvPr/>
+        </p:nvPicPr>
+        <p:blipFill>
+          <a:blip r:embed="rId3">
+            <a:extLst>
+              <a:ext uri="{28A0092B-C50C-407E-A947-70E740481C1C}">
+                <a14:useLocalDpi xmlns:a14="http://schemas.microsoft.com/office/drawing/2010/main" val="0"/>
+              </a:ext>
+            </a:extLst>
+          </a:blip>
+          <a:stretch>
+            <a:fillRect/>
+          </a:stretch>
+        </p:blipFill>
+        <p:spPr>
+          <a:xfrm>
+            <a:off x="10573910" y="233315"/>
+            <a:ext cx="1376588" cy="941171"/>
+          </a:xfrm>
+          <a:prstGeom prst="rect">
+            <a:avLst/>
+          </a:prstGeom>
+        </p:spPr>
+      </p:pic>
+      <p:pic>
+        <p:nvPicPr>
+          <p:cNvPr id="11" name="Picture 10">
+            <a:extLst>
+              <a:ext uri="{FF2B5EF4-FFF2-40B4-BE49-F238E27FC236}">
+                <a16:creationId xmlns:a16="http://schemas.microsoft.com/office/drawing/2014/main" id="{1E104E2D-545E-47EE-B8B0-AF37AEA1A43E}"/>
+              </a:ext>
+            </a:extLst>
+          </p:cNvPr>
+          <p:cNvPicPr>
+            <a:picLocks noChangeAspect="1"/>
+          </p:cNvPicPr>
+          <p:nvPr/>
+        </p:nvPicPr>
+        <p:blipFill>
+          <a:blip r:embed="rId4"/>
+          <a:stretch>
+            <a:fillRect/>
+          </a:stretch>
+        </p:blipFill>
+        <p:spPr>
+          <a:xfrm>
+            <a:off x="4128716" y="4483365"/>
+            <a:ext cx="7715250" cy="1285875"/>
+          </a:xfrm>
+          <a:prstGeom prst="rect">
+            <a:avLst/>
+          </a:prstGeom>
+        </p:spPr>
+      </p:pic>
+      <p:pic>
+        <p:nvPicPr>
+          <p:cNvPr id="15" name="Picture 14">
+            <a:extLst>
+              <a:ext uri="{FF2B5EF4-FFF2-40B4-BE49-F238E27FC236}">
+                <a16:creationId xmlns:a16="http://schemas.microsoft.com/office/drawing/2014/main" id="{2750BC02-9540-4D91-AA4D-0C79704F6657}"/>
+              </a:ext>
+            </a:extLst>
+          </p:cNvPr>
+          <p:cNvPicPr>
+            <a:picLocks noChangeAspect="1"/>
+          </p:cNvPicPr>
+          <p:nvPr/>
+        </p:nvPicPr>
+        <p:blipFill>
+          <a:blip r:embed="rId5"/>
+          <a:stretch>
+            <a:fillRect/>
+          </a:stretch>
+        </p:blipFill>
+        <p:spPr>
+          <a:xfrm>
+            <a:off x="1351101" y="2124396"/>
+            <a:ext cx="8763000" cy="1200150"/>
+          </a:xfrm>
+          <a:prstGeom prst="rect">
+            <a:avLst/>
+          </a:prstGeom>
+        </p:spPr>
+      </p:pic>
+    </p:spTree>
+    <p:extLst>
+      <p:ext uri="{BB962C8B-B14F-4D97-AF65-F5344CB8AC3E}">
+        <p14:creationId xmlns:p14="http://schemas.microsoft.com/office/powerpoint/2010/main" val="3333634295"/>
+      </p:ext>
+    </p:extLst>
+  </p:cSld>
+  <p:clrMapOvr>
+    <a:masterClrMapping/>
+  </p:clrMapOvr>
+</p:sld>
+</file>
+
 <file path=ppt/slides/slide2.xml><?xml version="1.0" encoding="utf-8"?>
 <p:sld xmlns:a="http://schemas.openxmlformats.org/drawingml/2006/main" xmlns:r="http://schemas.openxmlformats.org/officeDocument/2006/relationships" xmlns:p="http://schemas.openxmlformats.org/presentationml/2006/main">
   <p:cSld>
@@ -35352,6 +35403,137 @@
     <p:extLst>
       <p:ext uri="{BB962C8B-B14F-4D97-AF65-F5344CB8AC3E}">
         <p14:creationId xmlns:p14="http://schemas.microsoft.com/office/powerpoint/2010/main" val="4206829301"/>
+      </p:ext>
+    </p:extLst>
+  </p:cSld>
+  <p:clrMapOvr>
+    <a:masterClrMapping/>
+  </p:clrMapOvr>
+</p:sld>
+</file>
+
+<file path=ppt/slides/slide20.xml><?xml version="1.0" encoding="utf-8"?>
+<p:sld xmlns:a="http://schemas.openxmlformats.org/drawingml/2006/main" xmlns:r="http://schemas.openxmlformats.org/officeDocument/2006/relationships" xmlns:p="http://schemas.openxmlformats.org/presentationml/2006/main">
+  <p:cSld>
+    <p:spTree>
+      <p:nvGrpSpPr>
+        <p:cNvPr id="1" name=""/>
+        <p:cNvGrpSpPr/>
+        <p:nvPr/>
+      </p:nvGrpSpPr>
+      <p:grpSpPr>
+        <a:xfrm>
+          <a:off x="0" y="0"/>
+          <a:ext cx="0" cy="0"/>
+          <a:chOff x="0" y="0"/>
+          <a:chExt cx="0" cy="0"/>
+        </a:xfrm>
+      </p:grpSpPr>
+      <p:pic>
+        <p:nvPicPr>
+          <p:cNvPr id="7" name="Picture 6" descr="A picture containing text, clipart&#10;&#10;Description automatically generated">
+            <a:extLst>
+              <a:ext uri="{FF2B5EF4-FFF2-40B4-BE49-F238E27FC236}">
+                <a16:creationId xmlns:a16="http://schemas.microsoft.com/office/drawing/2014/main" id="{E7A51F21-F5D0-4233-A9C2-99C28620546F}"/>
+              </a:ext>
+            </a:extLst>
+          </p:cNvPr>
+          <p:cNvPicPr>
+            <a:picLocks noChangeAspect="1"/>
+          </p:cNvPicPr>
+          <p:nvPr/>
+        </p:nvPicPr>
+        <p:blipFill rotWithShape="1">
+          <a:blip r:embed="rId2">
+            <a:extLst>
+              <a:ext uri="{28A0092B-C50C-407E-A947-70E740481C1C}">
+                <a14:useLocalDpi xmlns:a14="http://schemas.microsoft.com/office/drawing/2010/main" val="0"/>
+              </a:ext>
+            </a:extLst>
+          </a:blip>
+          <a:srcRect r="57677"/>
+          <a:stretch/>
+        </p:blipFill>
+        <p:spPr>
+          <a:xfrm>
+            <a:off x="397946" y="170585"/>
+            <a:ext cx="1428567" cy="1066632"/>
+          </a:xfrm>
+          <a:prstGeom prst="rect">
+            <a:avLst/>
+          </a:prstGeom>
+        </p:spPr>
+      </p:pic>
+      <p:pic>
+        <p:nvPicPr>
+          <p:cNvPr id="6" name="Picture 5" descr="Logo&#10;&#10;Description automatically generated">
+            <a:extLst>
+              <a:ext uri="{FF2B5EF4-FFF2-40B4-BE49-F238E27FC236}">
+                <a16:creationId xmlns:a16="http://schemas.microsoft.com/office/drawing/2014/main" id="{675EF008-C68D-4D5B-8BC7-AEE6584ABFB0}"/>
+              </a:ext>
+            </a:extLst>
+          </p:cNvPr>
+          <p:cNvPicPr>
+            <a:picLocks noChangeAspect="1"/>
+          </p:cNvPicPr>
+          <p:nvPr/>
+        </p:nvPicPr>
+        <p:blipFill>
+          <a:blip r:embed="rId3">
+            <a:extLst>
+              <a:ext uri="{28A0092B-C50C-407E-A947-70E740481C1C}">
+                <a14:useLocalDpi xmlns:a14="http://schemas.microsoft.com/office/drawing/2010/main" val="0"/>
+              </a:ext>
+            </a:extLst>
+          </a:blip>
+          <a:stretch>
+            <a:fillRect/>
+          </a:stretch>
+        </p:blipFill>
+        <p:spPr>
+          <a:xfrm>
+            <a:off x="10573910" y="233315"/>
+            <a:ext cx="1376588" cy="941171"/>
+          </a:xfrm>
+          <a:prstGeom prst="rect">
+            <a:avLst/>
+          </a:prstGeom>
+        </p:spPr>
+      </p:pic>
+      <p:pic>
+        <p:nvPicPr>
+          <p:cNvPr id="17" name="Picture 16">
+            <a:extLst>
+              <a:ext uri="{FF2B5EF4-FFF2-40B4-BE49-F238E27FC236}">
+                <a16:creationId xmlns:a16="http://schemas.microsoft.com/office/drawing/2014/main" id="{4C0426EC-F4C3-4026-8ED1-28FB400AB602}"/>
+              </a:ext>
+            </a:extLst>
+          </p:cNvPr>
+          <p:cNvPicPr>
+            <a:picLocks noChangeAspect="1"/>
+          </p:cNvPicPr>
+          <p:nvPr/>
+        </p:nvPicPr>
+        <p:blipFill>
+          <a:blip r:embed="rId4"/>
+          <a:stretch>
+            <a:fillRect/>
+          </a:stretch>
+        </p:blipFill>
+        <p:spPr>
+          <a:xfrm>
+            <a:off x="1826513" y="1962428"/>
+            <a:ext cx="8924925" cy="4238625"/>
+          </a:xfrm>
+          <a:prstGeom prst="rect">
+            <a:avLst/>
+          </a:prstGeom>
+        </p:spPr>
+      </p:pic>
+    </p:spTree>
+    <p:extLst>
+      <p:ext uri="{BB962C8B-B14F-4D97-AF65-F5344CB8AC3E}">
+        <p14:creationId xmlns:p14="http://schemas.microsoft.com/office/powerpoint/2010/main" val="1057061853"/>
       </p:ext>
     </p:extLst>
   </p:cSld>
@@ -37787,6 +37969,174 @@
           </a:extLst>
         </p:spPr>
       </p:pic>
+      <p:graphicFrame>
+        <p:nvGraphicFramePr>
+          <p:cNvPr id="15" name="Tabla 3">
+            <a:extLst>
+              <a:ext uri="{FF2B5EF4-FFF2-40B4-BE49-F238E27FC236}">
+                <a16:creationId xmlns:a16="http://schemas.microsoft.com/office/drawing/2014/main" id="{2BC359BD-0566-4107-BACA-52A367EAE90F}"/>
+              </a:ext>
+            </a:extLst>
+          </p:cNvPr>
+          <p:cNvGraphicFramePr>
+            <a:graphicFrameLocks noGrp="1"/>
+          </p:cNvGraphicFramePr>
+          <p:nvPr>
+            <p:extLst>
+              <p:ext uri="{D42A27DB-BD31-4B8C-83A1-F6EECF244321}">
+                <p14:modId xmlns:p14="http://schemas.microsoft.com/office/powerpoint/2010/main" val="4213366556"/>
+              </p:ext>
+            </p:extLst>
+          </p:nvPr>
+        </p:nvGraphicFramePr>
+        <p:xfrm>
+          <a:off x="6381308" y="5226701"/>
+          <a:ext cx="4064000" cy="1554480"/>
+        </p:xfrm>
+        <a:graphic>
+          <a:graphicData uri="http://schemas.openxmlformats.org/drawingml/2006/table">
+            <a:tbl>
+              <a:tblPr firstRow="1" bandRow="1">
+                <a:tableStyleId>{5C22544A-7EE6-4342-B048-85BDC9FD1C3A}</a:tableStyleId>
+              </a:tblPr>
+              <a:tblGrid>
+                <a:gridCol w="2032000">
+                  <a:extLst>
+                    <a:ext uri="{9D8B030D-6E8A-4147-A177-3AD203B41FA5}">
+                      <a16:colId xmlns:a16="http://schemas.microsoft.com/office/drawing/2014/main" val="313207065"/>
+                    </a:ext>
+                  </a:extLst>
+                </a:gridCol>
+                <a:gridCol w="2032000">
+                  <a:extLst>
+                    <a:ext uri="{9D8B030D-6E8A-4147-A177-3AD203B41FA5}">
+                      <a16:colId xmlns:a16="http://schemas.microsoft.com/office/drawing/2014/main" val="1816243927"/>
+                    </a:ext>
+                  </a:extLst>
+                </a:gridCol>
+              </a:tblGrid>
+              <a:tr h="336569">
+                <a:tc>
+                  <a:txBody>
+                    <a:bodyPr/>
+                    <a:lstStyle/>
+                    <a:p>
+                      <a:pPr algn="ctr"/>
+                      <a:endParaRPr lang="en-US" sz="2800" dirty="0"/>
+                    </a:p>
+                  </a:txBody>
+                  <a:tcPr/>
+                </a:tc>
+                <a:tc>
+                  <a:txBody>
+                    <a:bodyPr/>
+                    <a:lstStyle/>
+                    <a:p>
+                      <a:pPr marL="0" marR="0" lvl="0" indent="0" algn="ctr" defTabSz="457200" rtl="0" eaLnBrk="1" fontAlgn="auto" latinLnBrk="0" hangingPunct="1">
+                        <a:lnSpc>
+                          <a:spcPct val="100000"/>
+                        </a:lnSpc>
+                        <a:spcBef>
+                          <a:spcPts val="0"/>
+                        </a:spcBef>
+                        <a:spcAft>
+                          <a:spcPts val="0"/>
+                        </a:spcAft>
+                        <a:buClrTx/>
+                        <a:buSzTx/>
+                        <a:buFontTx/>
+                        <a:buNone/>
+                        <a:tabLst/>
+                        <a:defRPr/>
+                      </a:pPr>
+                      <a:r>
+                        <a:rPr lang="en-US" sz="2800" dirty="0"/>
+                        <a:t>Accuracy</a:t>
+                      </a:r>
+                    </a:p>
+                  </a:txBody>
+                  <a:tcPr/>
+                </a:tc>
+                <a:extLst>
+                  <a:ext uri="{0D108BD9-81ED-4DB2-BD59-A6C34878D82A}">
+                    <a16:rowId xmlns:a16="http://schemas.microsoft.com/office/drawing/2014/main" val="2396130525"/>
+                  </a:ext>
+                </a:extLst>
+              </a:tr>
+              <a:tr h="370840">
+                <a:tc>
+                  <a:txBody>
+                    <a:bodyPr/>
+                    <a:lstStyle/>
+                    <a:p>
+                      <a:pPr algn="ctr"/>
+                      <a:r>
+                        <a:rPr lang="en-US" sz="2800" dirty="0"/>
+                        <a:t>w/o p.p.</a:t>
+                      </a:r>
+                    </a:p>
+                  </a:txBody>
+                  <a:tcPr/>
+                </a:tc>
+                <a:tc>
+                  <a:txBody>
+                    <a:bodyPr/>
+                    <a:lstStyle/>
+                    <a:p>
+                      <a:pPr algn="ctr"/>
+                      <a:r>
+                        <a:rPr lang="en-US" sz="2800" dirty="0"/>
+                        <a:t>62-65%</a:t>
+                      </a:r>
+                    </a:p>
+                  </a:txBody>
+                  <a:tcPr/>
+                </a:tc>
+                <a:extLst>
+                  <a:ext uri="{0D108BD9-81ED-4DB2-BD59-A6C34878D82A}">
+                    <a16:rowId xmlns:a16="http://schemas.microsoft.com/office/drawing/2014/main" val="250390234"/>
+                  </a:ext>
+                </a:extLst>
+              </a:tr>
+              <a:tr h="370840">
+                <a:tc>
+                  <a:txBody>
+                    <a:bodyPr/>
+                    <a:lstStyle/>
+                    <a:p>
+                      <a:pPr algn="ctr"/>
+                      <a:r>
+                        <a:rPr lang="en-US" sz="2800" dirty="0"/>
+                        <a:t>with p.p.</a:t>
+                      </a:r>
+                    </a:p>
+                  </a:txBody>
+                  <a:tcPr/>
+                </a:tc>
+                <a:tc>
+                  <a:txBody>
+                    <a:bodyPr/>
+                    <a:lstStyle/>
+                    <a:p>
+                      <a:pPr algn="ctr"/>
+                      <a:r>
+                        <a:rPr lang="en-US" sz="2800" dirty="0"/>
+                        <a:t>75.91%</a:t>
+                      </a:r>
+                    </a:p>
+                  </a:txBody>
+                  <a:tcPr/>
+                </a:tc>
+                <a:extLst>
+                  <a:ext uri="{0D108BD9-81ED-4DB2-BD59-A6C34878D82A}">
+                    <a16:rowId xmlns:a16="http://schemas.microsoft.com/office/drawing/2014/main" val="2218611576"/>
+                  </a:ext>
+                </a:extLst>
+              </a:tr>
+            </a:tbl>
+          </a:graphicData>
+        </a:graphic>
+      </p:graphicFrame>
     </p:spTree>
     <p:extLst>
       <p:ext uri="{BB962C8B-B14F-4D97-AF65-F5344CB8AC3E}">

--- a/Presentation_updated.pptx
+++ b/Presentation_updated.pptx
@@ -14,20 +14,20 @@
     <p:sldId id="286" r:id="rId5"/>
     <p:sldId id="287" r:id="rId6"/>
     <p:sldId id="285" r:id="rId7"/>
-    <p:sldId id="282" r:id="rId8"/>
-    <p:sldId id="281" r:id="rId9"/>
-    <p:sldId id="289" r:id="rId10"/>
-    <p:sldId id="283" r:id="rId11"/>
-    <p:sldId id="290" r:id="rId12"/>
-    <p:sldId id="291" r:id="rId13"/>
-    <p:sldId id="292" r:id="rId14"/>
-    <p:sldId id="293" r:id="rId15"/>
-    <p:sldId id="294" r:id="rId16"/>
-    <p:sldId id="295" r:id="rId17"/>
-    <p:sldId id="288" r:id="rId18"/>
-    <p:sldId id="266" r:id="rId19"/>
-    <p:sldId id="296" r:id="rId20"/>
-    <p:sldId id="297" r:id="rId21"/>
+    <p:sldId id="281" r:id="rId8"/>
+    <p:sldId id="289" r:id="rId9"/>
+    <p:sldId id="290" r:id="rId10"/>
+    <p:sldId id="291" r:id="rId11"/>
+    <p:sldId id="292" r:id="rId12"/>
+    <p:sldId id="293" r:id="rId13"/>
+    <p:sldId id="294" r:id="rId14"/>
+    <p:sldId id="295" r:id="rId15"/>
+    <p:sldId id="288" r:id="rId16"/>
+    <p:sldId id="266" r:id="rId17"/>
+    <p:sldId id="296" r:id="rId18"/>
+    <p:sldId id="297" r:id="rId19"/>
+    <p:sldId id="299" r:id="rId20"/>
+    <p:sldId id="298" r:id="rId21"/>
   </p:sldIdLst>
   <p:sldSz cx="12192000" cy="6858000"/>
   <p:notesSz cx="6858000" cy="9144000"/>
@@ -6464,10 +6464,10 @@
         <a:lstStyle/>
         <a:p>
           <a:r>
-            <a:rPr lang="en-US" sz="1600" dirty="0"/>
+            <a:rPr lang="en-US" sz="1400" dirty="0"/>
             <a:t>Num neighbors: 15</a:t>
           </a:r>
-          <a:endParaRPr lang="es-ES" sz="1600" dirty="0"/>
+          <a:endParaRPr lang="es-ES" sz="1400" dirty="0"/>
         </a:p>
       </dgm:t>
     </dgm:pt>
@@ -6501,12 +6501,12 @@
         <a:lstStyle/>
         <a:p>
           <a:r>
-            <a:rPr lang="en-US" sz="1600" b="1" noProof="0" dirty="0"/>
+            <a:rPr lang="en-US" sz="1400" b="1" noProof="0" dirty="0"/>
             <a:t>Accuracy</a:t>
           </a:r>
           <a:r>
-            <a:rPr lang="es-ES" sz="1600" b="1" dirty="0"/>
-            <a:t>: 0.53</a:t>
+            <a:rPr lang="es-ES" sz="1400" b="1" dirty="0"/>
+            <a:t>: 53.00%</a:t>
           </a:r>
         </a:p>
       </dgm:t>
@@ -6577,7 +6577,7 @@
         <a:lstStyle/>
         <a:p>
           <a:r>
-            <a:rPr lang="en-US" sz="1600" noProof="0" dirty="0"/>
+            <a:rPr lang="en-US" sz="1400" noProof="0" dirty="0"/>
             <a:t>C: 100</a:t>
           </a:r>
         </a:p>
@@ -6613,7 +6613,7 @@
         <a:lstStyle/>
         <a:p>
           <a:r>
-            <a:rPr lang="en-US" sz="1600" noProof="0" dirty="0"/>
+            <a:rPr lang="en-US" sz="1400" noProof="0" dirty="0"/>
             <a:t>Gamma: 0.001</a:t>
           </a:r>
         </a:p>
@@ -6685,15 +6685,15 @@
         <a:lstStyle/>
         <a:p>
           <a:r>
-            <a:rPr lang="es-ES" sz="1600" dirty="0"/>
+            <a:rPr lang="es-ES" sz="1400" dirty="0"/>
             <a:t>Max </a:t>
           </a:r>
           <a:r>
-            <a:rPr lang="es-ES" sz="1600" dirty="0" err="1"/>
+            <a:rPr lang="es-ES" sz="1400" dirty="0" err="1"/>
             <a:t>depth</a:t>
           </a:r>
           <a:r>
-            <a:rPr lang="es-ES" sz="1600" dirty="0"/>
+            <a:rPr lang="es-ES" sz="1400" dirty="0"/>
             <a:t>: 8</a:t>
           </a:r>
         </a:p>
@@ -6729,10 +6729,10 @@
         <a:lstStyle/>
         <a:p>
           <a:r>
-            <a:rPr lang="en-US" sz="1600" dirty="0"/>
+            <a:rPr lang="en-US" sz="1400" dirty="0"/>
             <a:t>Criterion: entropy</a:t>
           </a:r>
-          <a:endParaRPr lang="es-ES" sz="1600" dirty="0"/>
+          <a:endParaRPr lang="es-ES" sz="1400" dirty="0"/>
         </a:p>
       </dgm:t>
     </dgm:pt>
@@ -6858,7 +6858,7 @@
         <a:lstStyle/>
         <a:p>
           <a:r>
-            <a:rPr lang="es-ES" sz="1600" dirty="0"/>
+            <a:rPr lang="es-ES" sz="1400" dirty="0"/>
             <a:t>Max Depth: 35</a:t>
           </a:r>
         </a:p>
@@ -6894,8 +6894,8 @@
         <a:lstStyle/>
         <a:p>
           <a:r>
-            <a:rPr lang="en-US" sz="1600" b="1" noProof="0" dirty="0"/>
-            <a:t>Accuracy: 0.53</a:t>
+            <a:rPr lang="en-US" sz="1400" b="1" noProof="0" dirty="0"/>
+            <a:t>Accuracy: 53.00%</a:t>
           </a:r>
         </a:p>
       </dgm:t>
@@ -6930,15 +6930,15 @@
         <a:lstStyle/>
         <a:p>
           <a:r>
-            <a:rPr lang="es-ES" sz="1600" dirty="0"/>
+            <a:rPr lang="es-ES" sz="1400" dirty="0"/>
             <a:t>Max </a:t>
           </a:r>
           <a:r>
-            <a:rPr lang="es-ES" sz="1600" dirty="0" err="1"/>
+            <a:rPr lang="es-ES" sz="1400" dirty="0" err="1"/>
             <a:t>features</a:t>
           </a:r>
           <a:r>
-            <a:rPr lang="es-ES" sz="1600" dirty="0"/>
+            <a:rPr lang="es-ES" sz="1400" dirty="0"/>
             <a:t>: auto</a:t>
           </a:r>
         </a:p>
@@ -6974,12 +6974,12 @@
         <a:lstStyle/>
         <a:p>
           <a:r>
-            <a:rPr lang="es-ES" sz="1600" b="1" dirty="0" err="1"/>
+            <a:rPr lang="es-ES" sz="1400" b="1" dirty="0" err="1"/>
             <a:t>Accuracy</a:t>
           </a:r>
           <a:r>
-            <a:rPr lang="es-ES" sz="1600" b="1" dirty="0"/>
-            <a:t>: 0.51</a:t>
+            <a:rPr lang="es-ES" sz="1400" b="1" dirty="0"/>
+            <a:t>: 51.00%</a:t>
           </a:r>
         </a:p>
       </dgm:t>
@@ -7014,19 +7014,19 @@
         <a:lstStyle/>
         <a:p>
           <a:r>
-            <a:rPr lang="es-ES" sz="1600" dirty="0" err="1"/>
+            <a:rPr lang="es-ES" sz="1400" dirty="0" err="1"/>
             <a:t>Num</a:t>
           </a:r>
           <a:r>
-            <a:rPr lang="es-ES" sz="1600" dirty="0"/>
+            <a:rPr lang="es-ES" sz="1400" dirty="0"/>
             <a:t> </a:t>
           </a:r>
           <a:r>
-            <a:rPr lang="es-ES" sz="1600" dirty="0" err="1"/>
+            <a:rPr lang="es-ES" sz="1400" dirty="0" err="1"/>
             <a:t>estimators</a:t>
           </a:r>
           <a:r>
-            <a:rPr lang="es-ES" sz="1600" dirty="0"/>
+            <a:rPr lang="es-ES" sz="1400" dirty="0"/>
             <a:t>: 250</a:t>
           </a:r>
         </a:p>
@@ -7062,12 +7062,12 @@
         <a:lstStyle/>
         <a:p>
           <a:r>
-            <a:rPr lang="es-ES" sz="1600" b="1" dirty="0" err="1"/>
+            <a:rPr lang="es-ES" sz="1400" b="1" dirty="0" err="1"/>
             <a:t>Accuracy</a:t>
           </a:r>
           <a:r>
-            <a:rPr lang="es-ES" sz="1600" b="1" dirty="0"/>
-            <a:t>: 0.57</a:t>
+            <a:rPr lang="es-ES" sz="1400" b="1" dirty="0"/>
+            <a:t>: 57.00%</a:t>
           </a:r>
         </a:p>
       </dgm:t>
@@ -7108,7 +7108,7 @@
         <a:lstStyle/>
         <a:p>
           <a:r>
-            <a:rPr lang="es-ES" sz="1600" dirty="0"/>
+            <a:rPr lang="es-ES" sz="1400" dirty="0"/>
             <a:t>Max Depth: 20</a:t>
           </a:r>
         </a:p>
@@ -7150,19 +7150,19 @@
         <a:lstStyle/>
         <a:p>
           <a:r>
-            <a:rPr lang="es-ES" sz="1600" dirty="0" err="1"/>
+            <a:rPr lang="es-ES" sz="1400" dirty="0" err="1"/>
             <a:t>Num</a:t>
           </a:r>
           <a:r>
-            <a:rPr lang="es-ES" sz="1600" dirty="0"/>
+            <a:rPr lang="es-ES" sz="1400" dirty="0"/>
             <a:t> </a:t>
           </a:r>
           <a:r>
-            <a:rPr lang="es-ES" sz="1600" dirty="0" err="1"/>
+            <a:rPr lang="es-ES" sz="1400" dirty="0" err="1"/>
             <a:t>estimators</a:t>
           </a:r>
           <a:r>
-            <a:rPr lang="es-ES" sz="1600" dirty="0"/>
+            <a:rPr lang="es-ES" sz="1400" dirty="0"/>
             <a:t>: 250</a:t>
           </a:r>
         </a:p>
@@ -7204,12 +7204,8 @@
         <a:lstStyle/>
         <a:p>
           <a:r>
-            <a:rPr lang="es-ES" sz="1600" b="1" dirty="0" err="1"/>
-            <a:t>Accuracy</a:t>
-          </a:r>
-          <a:r>
-            <a:rPr lang="es-ES" sz="1600" b="1" dirty="0"/>
-            <a:t>: 0.614</a:t>
+            <a:rPr lang="es-ES" sz="1400" b="1" dirty="0"/>
+            <a:t>Accuracy:61.40 %</a:t>
           </a:r>
         </a:p>
       </dgm:t>
@@ -7243,7 +7239,7 @@
         <a:bodyPr/>
         <a:lstStyle/>
         <a:p>
-          <a:endParaRPr lang="es-ES" sz="1600" dirty="0"/>
+          <a:endParaRPr lang="es-ES" sz="1400" dirty="0"/>
         </a:p>
       </dgm:t>
     </dgm:pt>
@@ -7276,7 +7272,7 @@
         <a:bodyPr/>
         <a:lstStyle/>
         <a:p>
-          <a:endParaRPr lang="en-US" sz="1600" noProof="0" dirty="0"/>
+          <a:endParaRPr lang="en-US" sz="1400" noProof="0" dirty="0"/>
         </a:p>
       </dgm:t>
     </dgm:pt>
@@ -7309,7 +7305,7 @@
         <a:bodyPr/>
         <a:lstStyle/>
         <a:p>
-          <a:endParaRPr lang="en-US" sz="1600" noProof="0" dirty="0"/>
+          <a:endParaRPr lang="en-US" sz="1400" noProof="0" dirty="0"/>
         </a:p>
       </dgm:t>
     </dgm:pt>
@@ -7342,7 +7338,7 @@
         <a:bodyPr/>
         <a:lstStyle/>
         <a:p>
-          <a:endParaRPr lang="es-ES" sz="1600" dirty="0"/>
+          <a:endParaRPr lang="es-ES" sz="1400" dirty="0"/>
         </a:p>
       </dgm:t>
     </dgm:pt>
@@ -7375,7 +7371,7 @@
         <a:bodyPr/>
         <a:lstStyle/>
         <a:p>
-          <a:endParaRPr lang="es-ES" sz="1600" dirty="0"/>
+          <a:endParaRPr lang="es-ES" sz="1400" dirty="0"/>
         </a:p>
       </dgm:t>
     </dgm:pt>
@@ -7408,7 +7404,7 @@
         <a:bodyPr/>
         <a:lstStyle/>
         <a:p>
-          <a:endParaRPr lang="es-ES" sz="1600" dirty="0"/>
+          <a:endParaRPr lang="es-ES" sz="1400" dirty="0"/>
         </a:p>
       </dgm:t>
     </dgm:pt>
@@ -7441,7 +7437,7 @@
         <a:bodyPr/>
         <a:lstStyle/>
         <a:p>
-          <a:endParaRPr lang="es-ES" sz="1600" dirty="0"/>
+          <a:endParaRPr lang="es-ES" sz="1400" dirty="0"/>
         </a:p>
       </dgm:t>
     </dgm:pt>
@@ -7474,7 +7470,7 @@
         <a:bodyPr/>
         <a:lstStyle/>
         <a:p>
-          <a:endParaRPr lang="es-ES" sz="1600" dirty="0"/>
+          <a:endParaRPr lang="es-ES" sz="1400" dirty="0"/>
         </a:p>
       </dgm:t>
     </dgm:pt>
@@ -7513,7 +7509,7 @@
         <a:bodyPr/>
         <a:lstStyle/>
         <a:p>
-          <a:endParaRPr lang="es-ES" sz="1600" dirty="0"/>
+          <a:endParaRPr lang="es-ES" sz="1400" dirty="0"/>
         </a:p>
       </dgm:t>
     </dgm:pt>
@@ -7552,7 +7548,7 @@
         <a:bodyPr/>
         <a:lstStyle/>
         <a:p>
-          <a:endParaRPr lang="es-ES" sz="1600" dirty="0"/>
+          <a:endParaRPr lang="es-ES" sz="1400" dirty="0"/>
         </a:p>
       </dgm:t>
     </dgm:pt>
@@ -7866,10 +7862,10 @@
         <a:lstStyle/>
         <a:p>
           <a:r>
-            <a:rPr lang="en-US" sz="1600" dirty="0"/>
+            <a:rPr lang="en-US" sz="1400" dirty="0"/>
             <a:t>Num neighbors: 30</a:t>
           </a:r>
-          <a:endParaRPr lang="es-ES" sz="1600" dirty="0"/>
+          <a:endParaRPr lang="es-ES" sz="1400" dirty="0"/>
         </a:p>
       </dgm:t>
     </dgm:pt>
@@ -7903,12 +7899,12 @@
         <a:lstStyle/>
         <a:p>
           <a:r>
-            <a:rPr lang="en-US" sz="1600" b="1" noProof="0" dirty="0"/>
+            <a:rPr lang="en-US" sz="1400" b="1" noProof="0" dirty="0"/>
             <a:t>Accuracy</a:t>
           </a:r>
           <a:r>
-            <a:rPr lang="es-ES" sz="1600" b="1" dirty="0"/>
-            <a:t>: 0.54</a:t>
+            <a:rPr lang="es-ES" sz="1400" b="1" dirty="0"/>
+            <a:t>: 54.00%</a:t>
           </a:r>
         </a:p>
       </dgm:t>
@@ -7979,7 +7975,7 @@
         <a:lstStyle/>
         <a:p>
           <a:r>
-            <a:rPr lang="en-US" sz="1600" noProof="0" dirty="0"/>
+            <a:rPr lang="en-US" sz="1400" noProof="0" dirty="0"/>
             <a:t>C: 10</a:t>
           </a:r>
         </a:p>
@@ -8015,7 +8011,7 @@
         <a:lstStyle/>
         <a:p>
           <a:r>
-            <a:rPr lang="en-US" sz="1600" noProof="0" dirty="0"/>
+            <a:rPr lang="en-US" sz="1400" noProof="0" dirty="0"/>
             <a:t>Gamma: 0.001</a:t>
           </a:r>
         </a:p>
@@ -8087,15 +8083,15 @@
         <a:lstStyle/>
         <a:p>
           <a:r>
-            <a:rPr lang="es-ES" sz="1600" dirty="0"/>
+            <a:rPr lang="es-ES" sz="1400" dirty="0"/>
             <a:t>Max </a:t>
           </a:r>
           <a:r>
-            <a:rPr lang="es-ES" sz="1600" dirty="0" err="1"/>
+            <a:rPr lang="es-ES" sz="1400" dirty="0" err="1"/>
             <a:t>depth</a:t>
           </a:r>
           <a:r>
-            <a:rPr lang="es-ES" sz="1600" dirty="0"/>
+            <a:rPr lang="es-ES" sz="1400" dirty="0"/>
             <a:t>: 20</a:t>
           </a:r>
         </a:p>
@@ -8131,10 +8127,10 @@
         <a:lstStyle/>
         <a:p>
           <a:r>
-            <a:rPr lang="en-US" sz="1600" dirty="0"/>
+            <a:rPr lang="en-US" sz="1400" dirty="0"/>
             <a:t>Criterion: entropy</a:t>
           </a:r>
-          <a:endParaRPr lang="es-ES" sz="1600" dirty="0"/>
+          <a:endParaRPr lang="es-ES" sz="1400" dirty="0"/>
         </a:p>
       </dgm:t>
     </dgm:pt>
@@ -8254,7 +8250,7 @@
         <a:lstStyle/>
         <a:p>
           <a:r>
-            <a:rPr lang="es-ES" sz="1600" dirty="0"/>
+            <a:rPr lang="es-ES" sz="1400" dirty="0"/>
             <a:t>Max Depth: 20</a:t>
           </a:r>
         </a:p>
@@ -8290,8 +8286,8 @@
         <a:lstStyle/>
         <a:p>
           <a:r>
-            <a:rPr lang="en-US" sz="1600" b="1" noProof="0" dirty="0"/>
-            <a:t>Accuracy: 0.55</a:t>
+            <a:rPr lang="en-US" sz="1400" b="1" noProof="0" dirty="0"/>
+            <a:t>Accuracy: 55.00%</a:t>
           </a:r>
         </a:p>
       </dgm:t>
@@ -8326,15 +8322,15 @@
         <a:lstStyle/>
         <a:p>
           <a:r>
-            <a:rPr lang="es-ES" sz="1600" dirty="0"/>
+            <a:rPr lang="es-ES" sz="1400" dirty="0"/>
             <a:t>Max </a:t>
           </a:r>
           <a:r>
-            <a:rPr lang="es-ES" sz="1600" dirty="0" err="1"/>
+            <a:rPr lang="es-ES" sz="1400" dirty="0" err="1"/>
             <a:t>features</a:t>
           </a:r>
           <a:r>
-            <a:rPr lang="es-ES" sz="1600" dirty="0"/>
+            <a:rPr lang="es-ES" sz="1400" dirty="0"/>
             <a:t>: auto</a:t>
           </a:r>
         </a:p>
@@ -8370,12 +8366,12 @@
         <a:lstStyle/>
         <a:p>
           <a:r>
-            <a:rPr lang="es-ES" sz="1600" b="1" dirty="0" err="1"/>
+            <a:rPr lang="es-ES" sz="1400" b="1" dirty="0" err="1"/>
             <a:t>Accuracy</a:t>
           </a:r>
           <a:r>
-            <a:rPr lang="es-ES" sz="1600" b="1" dirty="0"/>
-            <a:t>: 0.50</a:t>
+            <a:rPr lang="es-ES" sz="1400" b="1" dirty="0"/>
+            <a:t>: 50.00%</a:t>
           </a:r>
         </a:p>
       </dgm:t>
@@ -8410,19 +8406,19 @@
         <a:lstStyle/>
         <a:p>
           <a:r>
-            <a:rPr lang="es-ES" sz="1600" dirty="0" err="1"/>
+            <a:rPr lang="es-ES" sz="1400" dirty="0" err="1"/>
             <a:t>Num</a:t>
           </a:r>
           <a:r>
-            <a:rPr lang="es-ES" sz="1600" dirty="0"/>
+            <a:rPr lang="es-ES" sz="1400" dirty="0"/>
             <a:t> </a:t>
           </a:r>
           <a:r>
-            <a:rPr lang="es-ES" sz="1600" dirty="0" err="1"/>
+            <a:rPr lang="es-ES" sz="1400" dirty="0" err="1"/>
             <a:t>estimators</a:t>
           </a:r>
           <a:r>
-            <a:rPr lang="es-ES" sz="1600" dirty="0"/>
+            <a:rPr lang="es-ES" sz="1400" dirty="0"/>
             <a:t>: 400</a:t>
           </a:r>
         </a:p>
@@ -8458,12 +8454,12 @@
         <a:lstStyle/>
         <a:p>
           <a:r>
-            <a:rPr lang="es-ES" sz="1600" b="1" dirty="0" err="1"/>
+            <a:rPr lang="es-ES" sz="1400" b="1" dirty="0" err="1"/>
             <a:t>Accuracy</a:t>
           </a:r>
           <a:r>
-            <a:rPr lang="es-ES" sz="1600" b="1" dirty="0"/>
-            <a:t>: 0.59</a:t>
+            <a:rPr lang="es-ES" sz="1400" b="1" dirty="0"/>
+            <a:t>: 59.00%</a:t>
           </a:r>
         </a:p>
       </dgm:t>
@@ -8498,7 +8494,7 @@
         <a:lstStyle/>
         <a:p>
           <a:r>
-            <a:rPr lang="es-ES" sz="1600" dirty="0"/>
+            <a:rPr lang="es-ES" sz="1400" dirty="0"/>
             <a:t>Max Depth: 35</a:t>
           </a:r>
         </a:p>
@@ -8534,19 +8530,19 @@
         <a:lstStyle/>
         <a:p>
           <a:r>
-            <a:rPr lang="es-ES" sz="1600" dirty="0" err="1"/>
+            <a:rPr lang="es-ES" sz="1400" dirty="0" err="1"/>
             <a:t>Num</a:t>
           </a:r>
           <a:r>
-            <a:rPr lang="es-ES" sz="1600" dirty="0"/>
+            <a:rPr lang="es-ES" sz="1400" dirty="0"/>
             <a:t> </a:t>
           </a:r>
           <a:r>
-            <a:rPr lang="es-ES" sz="1600" dirty="0" err="1"/>
+            <a:rPr lang="es-ES" sz="1400" dirty="0" err="1"/>
             <a:t>estimators</a:t>
           </a:r>
           <a:r>
-            <a:rPr lang="es-ES" sz="1600" dirty="0"/>
+            <a:rPr lang="es-ES" sz="1400" dirty="0"/>
             <a:t>: 100</a:t>
           </a:r>
         </a:p>
@@ -8582,12 +8578,12 @@
         <a:lstStyle/>
         <a:p>
           <a:r>
-            <a:rPr lang="es-ES" sz="1600" b="1" dirty="0" err="1"/>
+            <a:rPr lang="es-ES" sz="1400" b="1" dirty="0" err="1"/>
             <a:t>Accuracy</a:t>
           </a:r>
           <a:r>
-            <a:rPr lang="es-ES" sz="1600" b="1" dirty="0"/>
-            <a:t>: 0.58</a:t>
+            <a:rPr lang="es-ES" sz="1400" b="1" dirty="0"/>
+            <a:t>: 58.00%</a:t>
           </a:r>
         </a:p>
       </dgm:t>
@@ -8621,7 +8617,7 @@
         <a:bodyPr/>
         <a:lstStyle/>
         <a:p>
-          <a:endParaRPr lang="es-ES" sz="1600" dirty="0"/>
+          <a:endParaRPr lang="es-ES" sz="1400" dirty="0"/>
         </a:p>
       </dgm:t>
     </dgm:pt>
@@ -8654,7 +8650,7 @@
         <a:bodyPr/>
         <a:lstStyle/>
         <a:p>
-          <a:endParaRPr lang="en-US" sz="1600" noProof="0" dirty="0"/>
+          <a:endParaRPr lang="en-US" sz="1400" noProof="0" dirty="0"/>
         </a:p>
       </dgm:t>
     </dgm:pt>
@@ -8687,7 +8683,7 @@
         <a:bodyPr/>
         <a:lstStyle/>
         <a:p>
-          <a:endParaRPr lang="en-US" sz="1600" noProof="0" dirty="0"/>
+          <a:endParaRPr lang="en-US" sz="1400" noProof="0" dirty="0"/>
         </a:p>
       </dgm:t>
     </dgm:pt>
@@ -8720,7 +8716,7 @@
         <a:bodyPr/>
         <a:lstStyle/>
         <a:p>
-          <a:endParaRPr lang="es-ES" sz="1600" dirty="0"/>
+          <a:endParaRPr lang="es-ES" sz="1400" dirty="0"/>
         </a:p>
       </dgm:t>
     </dgm:pt>
@@ -8753,7 +8749,7 @@
         <a:bodyPr/>
         <a:lstStyle/>
         <a:p>
-          <a:endParaRPr lang="es-ES" sz="1600" dirty="0"/>
+          <a:endParaRPr lang="es-ES" sz="1400" dirty="0"/>
         </a:p>
       </dgm:t>
     </dgm:pt>
@@ -8786,7 +8782,7 @@
         <a:bodyPr/>
         <a:lstStyle/>
         <a:p>
-          <a:endParaRPr lang="es-ES" sz="1600" dirty="0"/>
+          <a:endParaRPr lang="es-ES" sz="1400" dirty="0"/>
         </a:p>
       </dgm:t>
     </dgm:pt>
@@ -8819,7 +8815,7 @@
         <a:bodyPr/>
         <a:lstStyle/>
         <a:p>
-          <a:endParaRPr lang="es-ES" sz="1600" dirty="0"/>
+          <a:endParaRPr lang="es-ES" sz="1400" dirty="0"/>
         </a:p>
       </dgm:t>
     </dgm:pt>
@@ -8852,7 +8848,7 @@
         <a:bodyPr/>
         <a:lstStyle/>
         <a:p>
-          <a:endParaRPr lang="es-ES" sz="1600" dirty="0"/>
+          <a:endParaRPr lang="es-ES" sz="1400" dirty="0"/>
         </a:p>
       </dgm:t>
     </dgm:pt>
@@ -8885,7 +8881,7 @@
         <a:bodyPr/>
         <a:lstStyle/>
         <a:p>
-          <a:endParaRPr lang="es-ES" sz="1600" dirty="0"/>
+          <a:endParaRPr lang="es-ES" sz="1400" dirty="0"/>
         </a:p>
       </dgm:t>
     </dgm:pt>
@@ -8918,7 +8914,7 @@
         <a:bodyPr/>
         <a:lstStyle/>
         <a:p>
-          <a:endParaRPr lang="es-ES" sz="1600" dirty="0"/>
+          <a:endParaRPr lang="es-ES" sz="1400" dirty="0"/>
         </a:p>
       </dgm:t>
     </dgm:pt>
@@ -11953,7 +11949,7 @@
       </dsp:nvSpPr>
       <dsp:spPr>
         <a:xfrm>
-          <a:off x="5190" y="519089"/>
+          <a:off x="5190" y="876711"/>
           <a:ext cx="1989755" cy="795902"/>
         </a:xfrm>
         <a:prstGeom prst="rect">
@@ -12020,7 +12016,7 @@
         </a:p>
       </dsp:txBody>
       <dsp:txXfrm>
-        <a:off x="5190" y="519089"/>
+        <a:off x="5190" y="876711"/>
         <a:ext cx="1989755" cy="795902"/>
       </dsp:txXfrm>
     </dsp:sp>
@@ -12031,8 +12027,8 @@
       </dsp:nvSpPr>
       <dsp:spPr>
         <a:xfrm>
-          <a:off x="5190" y="1314991"/>
-          <a:ext cx="1989755" cy="2500523"/>
+          <a:off x="5190" y="1672613"/>
+          <a:ext cx="1989755" cy="1785279"/>
         </a:xfrm>
         <a:prstGeom prst="rect">
           <a:avLst/>
@@ -12075,12 +12071,12 @@
         <a:fontRef idx="minor"/>
       </dsp:style>
       <dsp:txBody>
-        <a:bodyPr spcFirstLastPara="0" vert="horz" wrap="square" lIns="85344" tIns="85344" rIns="113792" bIns="128016" numCol="1" spcCol="1270" anchor="t" anchorCtr="0">
+        <a:bodyPr spcFirstLastPara="0" vert="horz" wrap="square" lIns="74676" tIns="74676" rIns="99568" bIns="112014" numCol="1" spcCol="1270" anchor="t" anchorCtr="0">
           <a:noAutofit/>
         </a:bodyPr>
         <a:lstStyle/>
         <a:p>
-          <a:pPr marL="171450" lvl="1" indent="-171450" algn="l" defTabSz="711200">
+          <a:pPr marL="114300" lvl="1" indent="-114300" algn="l" defTabSz="622300">
             <a:lnSpc>
               <a:spcPct val="90000"/>
             </a:lnSpc>
@@ -12093,13 +12089,13 @@
             <a:buChar char="•"/>
           </a:pPr>
           <a:r>
-            <a:rPr lang="en-US" sz="1600" kern="1200" dirty="0"/>
+            <a:rPr lang="en-US" sz="1400" kern="1200" dirty="0"/>
             <a:t>Num neighbors: 15</a:t>
           </a:r>
-          <a:endParaRPr lang="es-ES" sz="1600" kern="1200" dirty="0"/>
-        </a:p>
-        <a:p>
-          <a:pPr marL="171450" lvl="1" indent="-171450" algn="l" defTabSz="711200">
+          <a:endParaRPr lang="es-ES" sz="1400" kern="1200" dirty="0"/>
+        </a:p>
+        <a:p>
+          <a:pPr marL="114300" lvl="1" indent="-114300" algn="l" defTabSz="622300">
             <a:lnSpc>
               <a:spcPct val="90000"/>
             </a:lnSpc>
@@ -12111,10 +12107,10 @@
             </a:spcAft>
             <a:buChar char="•"/>
           </a:pPr>
-          <a:endParaRPr lang="es-ES" sz="1600" kern="1200" dirty="0"/>
-        </a:p>
-        <a:p>
-          <a:pPr marL="171450" lvl="1" indent="-171450" algn="l" defTabSz="711200">
+          <a:endParaRPr lang="es-ES" sz="1400" kern="1200" dirty="0"/>
+        </a:p>
+        <a:p>
+          <a:pPr marL="114300" lvl="1" indent="-114300" algn="l" defTabSz="622300">
             <a:lnSpc>
               <a:spcPct val="90000"/>
             </a:lnSpc>
@@ -12127,18 +12123,18 @@
             <a:buChar char="•"/>
           </a:pPr>
           <a:r>
-            <a:rPr lang="en-US" sz="1600" b="1" kern="1200" noProof="0" dirty="0"/>
+            <a:rPr lang="en-US" sz="1400" b="1" kern="1200" noProof="0" dirty="0"/>
             <a:t>Accuracy</a:t>
           </a:r>
           <a:r>
-            <a:rPr lang="es-ES" sz="1600" b="1" kern="1200" dirty="0"/>
-            <a:t>: 0.53</a:t>
+            <a:rPr lang="es-ES" sz="1400" b="1" kern="1200" dirty="0"/>
+            <a:t>: 53.00%</a:t>
           </a:r>
         </a:p>
       </dsp:txBody>
       <dsp:txXfrm>
-        <a:off x="5190" y="1314991"/>
-        <a:ext cx="1989755" cy="2500523"/>
+        <a:off x="5190" y="1672613"/>
+        <a:ext cx="1989755" cy="1785279"/>
       </dsp:txXfrm>
     </dsp:sp>
     <dsp:sp modelId="{48A24487-CCA9-42AE-8B37-11F3F18C73F4}">
@@ -12148,7 +12144,7 @@
       </dsp:nvSpPr>
       <dsp:spPr>
         <a:xfrm>
-          <a:off x="2273511" y="519089"/>
+          <a:off x="2273511" y="876711"/>
           <a:ext cx="1989755" cy="795902"/>
         </a:xfrm>
         <a:prstGeom prst="rect">
@@ -12214,7 +12210,7 @@
         </a:p>
       </dsp:txBody>
       <dsp:txXfrm>
-        <a:off x="2273511" y="519089"/>
+        <a:off x="2273511" y="876711"/>
         <a:ext cx="1989755" cy="795902"/>
       </dsp:txXfrm>
     </dsp:sp>
@@ -12225,8 +12221,8 @@
       </dsp:nvSpPr>
       <dsp:spPr>
         <a:xfrm>
-          <a:off x="2273511" y="1314991"/>
-          <a:ext cx="1989755" cy="2500523"/>
+          <a:off x="2273511" y="1672613"/>
+          <a:ext cx="1989755" cy="1785279"/>
         </a:xfrm>
         <a:prstGeom prst="rect">
           <a:avLst/>
@@ -12269,12 +12265,12 @@
         <a:fontRef idx="minor"/>
       </dsp:style>
       <dsp:txBody>
-        <a:bodyPr spcFirstLastPara="0" vert="horz" wrap="square" lIns="85344" tIns="85344" rIns="113792" bIns="128016" numCol="1" spcCol="1270" anchor="t" anchorCtr="0">
+        <a:bodyPr spcFirstLastPara="0" vert="horz" wrap="square" lIns="74676" tIns="74676" rIns="99568" bIns="112014" numCol="1" spcCol="1270" anchor="t" anchorCtr="0">
           <a:noAutofit/>
         </a:bodyPr>
         <a:lstStyle/>
         <a:p>
-          <a:pPr marL="171450" lvl="1" indent="-171450" algn="l" defTabSz="711200">
+          <a:pPr marL="114300" lvl="1" indent="-114300" algn="l" defTabSz="622300">
             <a:lnSpc>
               <a:spcPct val="90000"/>
             </a:lnSpc>
@@ -12287,12 +12283,12 @@
             <a:buChar char="•"/>
           </a:pPr>
           <a:r>
-            <a:rPr lang="en-US" sz="1600" kern="1200" noProof="0" dirty="0"/>
+            <a:rPr lang="en-US" sz="1400" kern="1200" noProof="0" dirty="0"/>
             <a:t>C: 100</a:t>
           </a:r>
         </a:p>
         <a:p>
-          <a:pPr marL="171450" lvl="1" indent="-171450" algn="l" defTabSz="711200">
+          <a:pPr marL="114300" lvl="1" indent="-114300" algn="l" defTabSz="622300">
             <a:lnSpc>
               <a:spcPct val="90000"/>
             </a:lnSpc>
@@ -12304,10 +12300,10 @@
             </a:spcAft>
             <a:buChar char="•"/>
           </a:pPr>
-          <a:endParaRPr lang="en-US" sz="1600" kern="1200" noProof="0" dirty="0"/>
-        </a:p>
-        <a:p>
-          <a:pPr marL="171450" lvl="1" indent="-171450" algn="l" defTabSz="711200">
+          <a:endParaRPr lang="en-US" sz="1400" kern="1200" noProof="0" dirty="0"/>
+        </a:p>
+        <a:p>
+          <a:pPr marL="114300" lvl="1" indent="-114300" algn="l" defTabSz="622300">
             <a:lnSpc>
               <a:spcPct val="90000"/>
             </a:lnSpc>
@@ -12320,12 +12316,12 @@
             <a:buChar char="•"/>
           </a:pPr>
           <a:r>
-            <a:rPr lang="en-US" sz="1600" kern="1200" noProof="0" dirty="0"/>
+            <a:rPr lang="en-US" sz="1400" kern="1200" noProof="0" dirty="0"/>
             <a:t>Gamma: 0.001</a:t>
           </a:r>
         </a:p>
         <a:p>
-          <a:pPr marL="171450" lvl="1" indent="-171450" algn="l" defTabSz="711200">
+          <a:pPr marL="114300" lvl="1" indent="-114300" algn="l" defTabSz="622300">
             <a:lnSpc>
               <a:spcPct val="90000"/>
             </a:lnSpc>
@@ -12337,10 +12333,10 @@
             </a:spcAft>
             <a:buChar char="•"/>
           </a:pPr>
-          <a:endParaRPr lang="en-US" sz="1600" kern="1200" noProof="0" dirty="0"/>
-        </a:p>
-        <a:p>
-          <a:pPr marL="171450" lvl="1" indent="-171450" algn="l" defTabSz="711200">
+          <a:endParaRPr lang="en-US" sz="1400" kern="1200" noProof="0" dirty="0"/>
+        </a:p>
+        <a:p>
+          <a:pPr marL="114300" lvl="1" indent="-114300" algn="l" defTabSz="622300">
             <a:lnSpc>
               <a:spcPct val="90000"/>
             </a:lnSpc>
@@ -12353,14 +12349,14 @@
             <a:buChar char="•"/>
           </a:pPr>
           <a:r>
-            <a:rPr lang="en-US" sz="1600" b="1" kern="1200" noProof="0" dirty="0"/>
-            <a:t>Accuracy: 0.53</a:t>
+            <a:rPr lang="en-US" sz="1400" b="1" kern="1200" noProof="0" dirty="0"/>
+            <a:t>Accuracy: 53.00%</a:t>
           </a:r>
         </a:p>
       </dsp:txBody>
       <dsp:txXfrm>
-        <a:off x="2273511" y="1314991"/>
-        <a:ext cx="1989755" cy="2500523"/>
+        <a:off x="2273511" y="1672613"/>
+        <a:ext cx="1989755" cy="1785279"/>
       </dsp:txXfrm>
     </dsp:sp>
     <dsp:sp modelId="{37500AF0-62B4-402A-B52A-4AA409CE67EB}">
@@ -12370,7 +12366,7 @@
       </dsp:nvSpPr>
       <dsp:spPr>
         <a:xfrm>
-          <a:off x="4541832" y="519089"/>
+          <a:off x="4541832" y="876711"/>
           <a:ext cx="1989755" cy="795902"/>
         </a:xfrm>
         <a:prstGeom prst="rect">
@@ -12436,7 +12432,7 @@
         </a:p>
       </dsp:txBody>
       <dsp:txXfrm>
-        <a:off x="4541832" y="519089"/>
+        <a:off x="4541832" y="876711"/>
         <a:ext cx="1989755" cy="795902"/>
       </dsp:txXfrm>
     </dsp:sp>
@@ -12447,8 +12443,8 @@
       </dsp:nvSpPr>
       <dsp:spPr>
         <a:xfrm>
-          <a:off x="4541832" y="1314991"/>
-          <a:ext cx="1989755" cy="2500523"/>
+          <a:off x="4541832" y="1672613"/>
+          <a:ext cx="1989755" cy="1785279"/>
         </a:xfrm>
         <a:prstGeom prst="rect">
           <a:avLst/>
@@ -12491,12 +12487,12 @@
         <a:fontRef idx="minor"/>
       </dsp:style>
       <dsp:txBody>
-        <a:bodyPr spcFirstLastPara="0" vert="horz" wrap="square" lIns="85344" tIns="85344" rIns="113792" bIns="128016" numCol="1" spcCol="1270" anchor="t" anchorCtr="0">
+        <a:bodyPr spcFirstLastPara="0" vert="horz" wrap="square" lIns="74676" tIns="74676" rIns="99568" bIns="112014" numCol="1" spcCol="1270" anchor="t" anchorCtr="0">
           <a:noAutofit/>
         </a:bodyPr>
         <a:lstStyle/>
         <a:p>
-          <a:pPr marL="171450" lvl="1" indent="-171450" algn="l" defTabSz="711200">
+          <a:pPr marL="114300" lvl="1" indent="-114300" algn="l" defTabSz="622300">
             <a:lnSpc>
               <a:spcPct val="90000"/>
             </a:lnSpc>
@@ -12509,20 +12505,20 @@
             <a:buChar char="•"/>
           </a:pPr>
           <a:r>
-            <a:rPr lang="es-ES" sz="1600" kern="1200" dirty="0"/>
+            <a:rPr lang="es-ES" sz="1400" kern="1200" dirty="0"/>
             <a:t>Max </a:t>
           </a:r>
           <a:r>
-            <a:rPr lang="es-ES" sz="1600" kern="1200" dirty="0" err="1"/>
+            <a:rPr lang="es-ES" sz="1400" kern="1200" dirty="0" err="1"/>
             <a:t>depth</a:t>
           </a:r>
           <a:r>
-            <a:rPr lang="es-ES" sz="1600" kern="1200" dirty="0"/>
+            <a:rPr lang="es-ES" sz="1400" kern="1200" dirty="0"/>
             <a:t>: 8</a:t>
           </a:r>
         </a:p>
         <a:p>
-          <a:pPr marL="171450" lvl="1" indent="-171450" algn="l" defTabSz="711200">
+          <a:pPr marL="114300" lvl="1" indent="-114300" algn="l" defTabSz="622300">
             <a:lnSpc>
               <a:spcPct val="90000"/>
             </a:lnSpc>
@@ -12534,10 +12530,10 @@
             </a:spcAft>
             <a:buChar char="•"/>
           </a:pPr>
-          <a:endParaRPr lang="es-ES" sz="1600" kern="1200" dirty="0"/>
-        </a:p>
-        <a:p>
-          <a:pPr marL="171450" lvl="1" indent="-171450" algn="l" defTabSz="711200">
+          <a:endParaRPr lang="es-ES" sz="1400" kern="1200" dirty="0"/>
+        </a:p>
+        <a:p>
+          <a:pPr marL="114300" lvl="1" indent="-114300" algn="l" defTabSz="622300">
             <a:lnSpc>
               <a:spcPct val="90000"/>
             </a:lnSpc>
@@ -12550,13 +12546,13 @@
             <a:buChar char="•"/>
           </a:pPr>
           <a:r>
-            <a:rPr lang="en-US" sz="1600" kern="1200" dirty="0"/>
+            <a:rPr lang="en-US" sz="1400" kern="1200" dirty="0"/>
             <a:t>Criterion: entropy</a:t>
           </a:r>
-          <a:endParaRPr lang="es-ES" sz="1600" kern="1200" dirty="0"/>
-        </a:p>
-        <a:p>
-          <a:pPr marL="171450" lvl="1" indent="-171450" algn="l" defTabSz="711200">
+          <a:endParaRPr lang="es-ES" sz="1400" kern="1200" dirty="0"/>
+        </a:p>
+        <a:p>
+          <a:pPr marL="114300" lvl="1" indent="-114300" algn="l" defTabSz="622300">
             <a:lnSpc>
               <a:spcPct val="90000"/>
             </a:lnSpc>
@@ -12568,10 +12564,10 @@
             </a:spcAft>
             <a:buChar char="•"/>
           </a:pPr>
-          <a:endParaRPr lang="es-ES" sz="1600" kern="1200" dirty="0"/>
-        </a:p>
-        <a:p>
-          <a:pPr marL="171450" lvl="1" indent="-171450" algn="l" defTabSz="711200">
+          <a:endParaRPr lang="es-ES" sz="1400" kern="1200" dirty="0"/>
+        </a:p>
+        <a:p>
+          <a:pPr marL="114300" lvl="1" indent="-114300" algn="l" defTabSz="622300">
             <a:lnSpc>
               <a:spcPct val="90000"/>
             </a:lnSpc>
@@ -12584,20 +12580,20 @@
             <a:buChar char="•"/>
           </a:pPr>
           <a:r>
-            <a:rPr lang="es-ES" sz="1600" kern="1200" dirty="0"/>
+            <a:rPr lang="es-ES" sz="1400" kern="1200" dirty="0"/>
             <a:t>Max </a:t>
           </a:r>
           <a:r>
-            <a:rPr lang="es-ES" sz="1600" kern="1200" dirty="0" err="1"/>
+            <a:rPr lang="es-ES" sz="1400" kern="1200" dirty="0" err="1"/>
             <a:t>features</a:t>
           </a:r>
           <a:r>
-            <a:rPr lang="es-ES" sz="1600" kern="1200" dirty="0"/>
+            <a:rPr lang="es-ES" sz="1400" kern="1200" dirty="0"/>
             <a:t>: auto</a:t>
           </a:r>
         </a:p>
         <a:p>
-          <a:pPr marL="171450" lvl="1" indent="-171450" algn="l" defTabSz="711200">
+          <a:pPr marL="114300" lvl="1" indent="-114300" algn="l" defTabSz="622300">
             <a:lnSpc>
               <a:spcPct val="90000"/>
             </a:lnSpc>
@@ -12609,10 +12605,10 @@
             </a:spcAft>
             <a:buChar char="•"/>
           </a:pPr>
-          <a:endParaRPr lang="es-ES" sz="1600" kern="1200" dirty="0"/>
-        </a:p>
-        <a:p>
-          <a:pPr marL="171450" lvl="1" indent="-171450" algn="l" defTabSz="711200">
+          <a:endParaRPr lang="es-ES" sz="1400" kern="1200" dirty="0"/>
+        </a:p>
+        <a:p>
+          <a:pPr marL="114300" lvl="1" indent="-114300" algn="l" defTabSz="622300">
             <a:lnSpc>
               <a:spcPct val="90000"/>
             </a:lnSpc>
@@ -12625,18 +12621,18 @@
             <a:buChar char="•"/>
           </a:pPr>
           <a:r>
-            <a:rPr lang="es-ES" sz="1600" b="1" kern="1200" dirty="0" err="1"/>
+            <a:rPr lang="es-ES" sz="1400" b="1" kern="1200" dirty="0" err="1"/>
             <a:t>Accuracy</a:t>
           </a:r>
           <a:r>
-            <a:rPr lang="es-ES" sz="1600" b="1" kern="1200" dirty="0"/>
-            <a:t>: 0.51</a:t>
+            <a:rPr lang="es-ES" sz="1400" b="1" kern="1200" dirty="0"/>
+            <a:t>: 51.00%</a:t>
           </a:r>
         </a:p>
       </dsp:txBody>
       <dsp:txXfrm>
-        <a:off x="4541832" y="1314991"/>
-        <a:ext cx="1989755" cy="2500523"/>
+        <a:off x="4541832" y="1672613"/>
+        <a:ext cx="1989755" cy="1785279"/>
       </dsp:txXfrm>
     </dsp:sp>
     <dsp:sp modelId="{3862C4B5-AACD-4347-8085-3F72601877B4}">
@@ -12646,7 +12642,7 @@
       </dsp:nvSpPr>
       <dsp:spPr>
         <a:xfrm>
-          <a:off x="6810153" y="519089"/>
+          <a:off x="6810153" y="876711"/>
           <a:ext cx="1989755" cy="795902"/>
         </a:xfrm>
         <a:prstGeom prst="rect">
@@ -12721,7 +12717,7 @@
         </a:p>
       </dsp:txBody>
       <dsp:txXfrm>
-        <a:off x="6810153" y="519089"/>
+        <a:off x="6810153" y="876711"/>
         <a:ext cx="1989755" cy="795902"/>
       </dsp:txXfrm>
     </dsp:sp>
@@ -12732,8 +12728,8 @@
       </dsp:nvSpPr>
       <dsp:spPr>
         <a:xfrm>
-          <a:off x="6810153" y="1314991"/>
-          <a:ext cx="1989755" cy="2500523"/>
+          <a:off x="6810153" y="1672613"/>
+          <a:ext cx="1989755" cy="1785279"/>
         </a:xfrm>
         <a:prstGeom prst="rect">
           <a:avLst/>
@@ -12776,12 +12772,12 @@
         <a:fontRef idx="minor"/>
       </dsp:style>
       <dsp:txBody>
-        <a:bodyPr spcFirstLastPara="0" vert="horz" wrap="square" lIns="85344" tIns="85344" rIns="113792" bIns="128016" numCol="1" spcCol="1270" anchor="t" anchorCtr="0">
+        <a:bodyPr spcFirstLastPara="0" vert="horz" wrap="square" lIns="74676" tIns="74676" rIns="99568" bIns="112014" numCol="1" spcCol="1270" anchor="t" anchorCtr="0">
           <a:noAutofit/>
         </a:bodyPr>
         <a:lstStyle/>
         <a:p>
-          <a:pPr marL="171450" lvl="1" indent="-171450" algn="l" defTabSz="711200">
+          <a:pPr marL="114300" lvl="1" indent="-114300" algn="l" defTabSz="622300">
             <a:lnSpc>
               <a:spcPct val="90000"/>
             </a:lnSpc>
@@ -12794,12 +12790,12 @@
             <a:buChar char="•"/>
           </a:pPr>
           <a:r>
-            <a:rPr lang="es-ES" sz="1600" kern="1200" dirty="0"/>
+            <a:rPr lang="es-ES" sz="1400" kern="1200" dirty="0"/>
             <a:t>Max Depth: 35</a:t>
           </a:r>
         </a:p>
         <a:p>
-          <a:pPr marL="171450" lvl="1" indent="-171450" algn="l" defTabSz="711200">
+          <a:pPr marL="114300" lvl="1" indent="-114300" algn="l" defTabSz="622300">
             <a:lnSpc>
               <a:spcPct val="90000"/>
             </a:lnSpc>
@@ -12811,10 +12807,10 @@
             </a:spcAft>
             <a:buChar char="•"/>
           </a:pPr>
-          <a:endParaRPr lang="es-ES" sz="1600" kern="1200" dirty="0"/>
-        </a:p>
-        <a:p>
-          <a:pPr marL="171450" lvl="1" indent="-171450" algn="l" defTabSz="711200">
+          <a:endParaRPr lang="es-ES" sz="1400" kern="1200" dirty="0"/>
+        </a:p>
+        <a:p>
+          <a:pPr marL="114300" lvl="1" indent="-114300" algn="l" defTabSz="622300">
             <a:lnSpc>
               <a:spcPct val="90000"/>
             </a:lnSpc>
@@ -12827,24 +12823,24 @@
             <a:buChar char="•"/>
           </a:pPr>
           <a:r>
-            <a:rPr lang="es-ES" sz="1600" kern="1200" dirty="0" err="1"/>
+            <a:rPr lang="es-ES" sz="1400" kern="1200" dirty="0" err="1"/>
             <a:t>Num</a:t>
           </a:r>
           <a:r>
-            <a:rPr lang="es-ES" sz="1600" kern="1200" dirty="0"/>
+            <a:rPr lang="es-ES" sz="1400" kern="1200" dirty="0"/>
             <a:t> </a:t>
           </a:r>
           <a:r>
-            <a:rPr lang="es-ES" sz="1600" kern="1200" dirty="0" err="1"/>
+            <a:rPr lang="es-ES" sz="1400" kern="1200" dirty="0" err="1"/>
             <a:t>estimators</a:t>
           </a:r>
           <a:r>
-            <a:rPr lang="es-ES" sz="1600" kern="1200" dirty="0"/>
+            <a:rPr lang="es-ES" sz="1400" kern="1200" dirty="0"/>
             <a:t>: 250</a:t>
           </a:r>
         </a:p>
         <a:p>
-          <a:pPr marL="171450" lvl="1" indent="-171450" algn="l" defTabSz="711200">
+          <a:pPr marL="114300" lvl="1" indent="-114300" algn="l" defTabSz="622300">
             <a:lnSpc>
               <a:spcPct val="90000"/>
             </a:lnSpc>
@@ -12856,10 +12852,10 @@
             </a:spcAft>
             <a:buChar char="•"/>
           </a:pPr>
-          <a:endParaRPr lang="es-ES" sz="1600" kern="1200" dirty="0"/>
-        </a:p>
-        <a:p>
-          <a:pPr marL="171450" lvl="1" indent="-171450" algn="l" defTabSz="711200">
+          <a:endParaRPr lang="es-ES" sz="1400" kern="1200" dirty="0"/>
+        </a:p>
+        <a:p>
+          <a:pPr marL="114300" lvl="1" indent="-114300" algn="l" defTabSz="622300">
             <a:lnSpc>
               <a:spcPct val="90000"/>
             </a:lnSpc>
@@ -12872,18 +12868,18 @@
             <a:buChar char="•"/>
           </a:pPr>
           <a:r>
-            <a:rPr lang="es-ES" sz="1600" b="1" kern="1200" dirty="0" err="1"/>
+            <a:rPr lang="es-ES" sz="1400" b="1" kern="1200" dirty="0" err="1"/>
             <a:t>Accuracy</a:t>
           </a:r>
           <a:r>
-            <a:rPr lang="es-ES" sz="1600" b="1" kern="1200" dirty="0"/>
-            <a:t>: 0.57</a:t>
+            <a:rPr lang="es-ES" sz="1400" b="1" kern="1200" dirty="0"/>
+            <a:t>: 57.00%</a:t>
           </a:r>
         </a:p>
       </dsp:txBody>
       <dsp:txXfrm>
-        <a:off x="6810153" y="1314991"/>
-        <a:ext cx="1989755" cy="2500523"/>
+        <a:off x="6810153" y="1672613"/>
+        <a:ext cx="1989755" cy="1785279"/>
       </dsp:txXfrm>
     </dsp:sp>
     <dsp:sp modelId="{839BA42A-3B80-4489-BE6A-A9D5C1FBAE01}">
@@ -12893,7 +12889,7 @@
       </dsp:nvSpPr>
       <dsp:spPr>
         <a:xfrm>
-          <a:off x="9078474" y="519089"/>
+          <a:off x="9078474" y="876711"/>
           <a:ext cx="1989755" cy="795902"/>
         </a:xfrm>
         <a:prstGeom prst="rect">
@@ -12959,7 +12955,7 @@
         </a:p>
       </dsp:txBody>
       <dsp:txXfrm>
-        <a:off x="9078474" y="519089"/>
+        <a:off x="9078474" y="876711"/>
         <a:ext cx="1989755" cy="795902"/>
       </dsp:txXfrm>
     </dsp:sp>
@@ -12970,8 +12966,8 @@
       </dsp:nvSpPr>
       <dsp:spPr>
         <a:xfrm>
-          <a:off x="9078474" y="1314991"/>
-          <a:ext cx="1989755" cy="2500523"/>
+          <a:off x="9078474" y="1672613"/>
+          <a:ext cx="1989755" cy="1785279"/>
         </a:xfrm>
         <a:prstGeom prst="rect">
           <a:avLst/>
@@ -13007,12 +13003,12 @@
         <a:fontRef idx="minor"/>
       </dsp:style>
       <dsp:txBody>
-        <a:bodyPr spcFirstLastPara="0" vert="horz" wrap="square" lIns="85344" tIns="85344" rIns="113792" bIns="128016" numCol="1" spcCol="1270" anchor="t" anchorCtr="0">
+        <a:bodyPr spcFirstLastPara="0" vert="horz" wrap="square" lIns="74676" tIns="74676" rIns="99568" bIns="112014" numCol="1" spcCol="1270" anchor="t" anchorCtr="0">
           <a:noAutofit/>
         </a:bodyPr>
         <a:lstStyle/>
         <a:p>
-          <a:pPr marL="171450" lvl="1" indent="-171450" algn="l" defTabSz="711200">
+          <a:pPr marL="114300" lvl="1" indent="-114300" algn="l" defTabSz="622300">
             <a:lnSpc>
               <a:spcPct val="90000"/>
             </a:lnSpc>
@@ -13025,12 +13021,12 @@
             <a:buChar char="•"/>
           </a:pPr>
           <a:r>
-            <a:rPr lang="es-ES" sz="1600" kern="1200" dirty="0"/>
+            <a:rPr lang="es-ES" sz="1400" kern="1200" dirty="0"/>
             <a:t>Max Depth: 20</a:t>
           </a:r>
         </a:p>
         <a:p>
-          <a:pPr marL="171450" lvl="1" indent="-171450" algn="l" defTabSz="711200">
+          <a:pPr marL="114300" lvl="1" indent="-114300" algn="l" defTabSz="622300">
             <a:lnSpc>
               <a:spcPct val="90000"/>
             </a:lnSpc>
@@ -13042,10 +13038,10 @@
             </a:spcAft>
             <a:buChar char="•"/>
           </a:pPr>
-          <a:endParaRPr lang="es-ES" sz="1600" kern="1200" dirty="0"/>
-        </a:p>
-        <a:p>
-          <a:pPr marL="171450" lvl="1" indent="-171450" algn="l" defTabSz="711200">
+          <a:endParaRPr lang="es-ES" sz="1400" kern="1200" dirty="0"/>
+        </a:p>
+        <a:p>
+          <a:pPr marL="114300" lvl="1" indent="-114300" algn="l" defTabSz="622300">
             <a:lnSpc>
               <a:spcPct val="90000"/>
             </a:lnSpc>
@@ -13058,24 +13054,24 @@
             <a:buChar char="•"/>
           </a:pPr>
           <a:r>
-            <a:rPr lang="es-ES" sz="1600" kern="1200" dirty="0" err="1"/>
+            <a:rPr lang="es-ES" sz="1400" kern="1200" dirty="0" err="1"/>
             <a:t>Num</a:t>
           </a:r>
           <a:r>
-            <a:rPr lang="es-ES" sz="1600" kern="1200" dirty="0"/>
+            <a:rPr lang="es-ES" sz="1400" kern="1200" dirty="0"/>
             <a:t> </a:t>
           </a:r>
           <a:r>
-            <a:rPr lang="es-ES" sz="1600" kern="1200" dirty="0" err="1"/>
+            <a:rPr lang="es-ES" sz="1400" kern="1200" dirty="0" err="1"/>
             <a:t>estimators</a:t>
           </a:r>
           <a:r>
-            <a:rPr lang="es-ES" sz="1600" kern="1200" dirty="0"/>
+            <a:rPr lang="es-ES" sz="1400" kern="1200" dirty="0"/>
             <a:t>: 250</a:t>
           </a:r>
         </a:p>
         <a:p>
-          <a:pPr marL="171450" lvl="1" indent="-171450" algn="l" defTabSz="711200">
+          <a:pPr marL="114300" lvl="1" indent="-114300" algn="l" defTabSz="622300">
             <a:lnSpc>
               <a:spcPct val="90000"/>
             </a:lnSpc>
@@ -13087,10 +13083,10 @@
             </a:spcAft>
             <a:buChar char="•"/>
           </a:pPr>
-          <a:endParaRPr lang="es-ES" sz="1600" kern="1200" dirty="0"/>
-        </a:p>
-        <a:p>
-          <a:pPr marL="171450" lvl="1" indent="-171450" algn="l" defTabSz="711200">
+          <a:endParaRPr lang="es-ES" sz="1400" kern="1200" dirty="0"/>
+        </a:p>
+        <a:p>
+          <a:pPr marL="114300" lvl="1" indent="-114300" algn="l" defTabSz="622300">
             <a:lnSpc>
               <a:spcPct val="90000"/>
             </a:lnSpc>
@@ -13103,18 +13099,14 @@
             <a:buChar char="•"/>
           </a:pPr>
           <a:r>
-            <a:rPr lang="es-ES" sz="1600" b="1" kern="1200" dirty="0" err="1"/>
-            <a:t>Accuracy</a:t>
-          </a:r>
-          <a:r>
-            <a:rPr lang="es-ES" sz="1600" b="1" kern="1200" dirty="0"/>
-            <a:t>: 0.614</a:t>
+            <a:rPr lang="es-ES" sz="1400" b="1" kern="1200" dirty="0"/>
+            <a:t>Accuracy:61.40 %</a:t>
           </a:r>
         </a:p>
       </dsp:txBody>
       <dsp:txXfrm>
-        <a:off x="9078474" y="1314991"/>
-        <a:ext cx="1989755" cy="2500523"/>
+        <a:off x="9078474" y="1672613"/>
+        <a:ext cx="1989755" cy="1785279"/>
       </dsp:txXfrm>
     </dsp:sp>
   </dsp:spTree>
@@ -13136,7 +13128,7 @@
       </dsp:nvSpPr>
       <dsp:spPr>
         <a:xfrm>
-          <a:off x="5190" y="519089"/>
+          <a:off x="5190" y="876711"/>
           <a:ext cx="1989755" cy="795902"/>
         </a:xfrm>
         <a:prstGeom prst="rect">
@@ -13203,7 +13195,7 @@
         </a:p>
       </dsp:txBody>
       <dsp:txXfrm>
-        <a:off x="5190" y="519089"/>
+        <a:off x="5190" y="876711"/>
         <a:ext cx="1989755" cy="795902"/>
       </dsp:txXfrm>
     </dsp:sp>
@@ -13214,8 +13206,8 @@
       </dsp:nvSpPr>
       <dsp:spPr>
         <a:xfrm>
-          <a:off x="5190" y="1314991"/>
-          <a:ext cx="1989755" cy="2500523"/>
+          <a:off x="5190" y="1672613"/>
+          <a:ext cx="1989755" cy="1785279"/>
         </a:xfrm>
         <a:prstGeom prst="rect">
           <a:avLst/>
@@ -13258,12 +13250,12 @@
         <a:fontRef idx="minor"/>
       </dsp:style>
       <dsp:txBody>
-        <a:bodyPr spcFirstLastPara="0" vert="horz" wrap="square" lIns="85344" tIns="85344" rIns="113792" bIns="128016" numCol="1" spcCol="1270" anchor="t" anchorCtr="0">
+        <a:bodyPr spcFirstLastPara="0" vert="horz" wrap="square" lIns="74676" tIns="74676" rIns="99568" bIns="112014" numCol="1" spcCol="1270" anchor="t" anchorCtr="0">
           <a:noAutofit/>
         </a:bodyPr>
         <a:lstStyle/>
         <a:p>
-          <a:pPr marL="171450" lvl="1" indent="-171450" algn="l" defTabSz="711200">
+          <a:pPr marL="114300" lvl="1" indent="-114300" algn="l" defTabSz="622300">
             <a:lnSpc>
               <a:spcPct val="90000"/>
             </a:lnSpc>
@@ -13276,13 +13268,13 @@
             <a:buChar char="•"/>
           </a:pPr>
           <a:r>
-            <a:rPr lang="en-US" sz="1600" kern="1200" dirty="0"/>
+            <a:rPr lang="en-US" sz="1400" kern="1200" dirty="0"/>
             <a:t>Num neighbors: 30</a:t>
           </a:r>
-          <a:endParaRPr lang="es-ES" sz="1600" kern="1200" dirty="0"/>
-        </a:p>
-        <a:p>
-          <a:pPr marL="171450" lvl="1" indent="-171450" algn="l" defTabSz="711200">
+          <a:endParaRPr lang="es-ES" sz="1400" kern="1200" dirty="0"/>
+        </a:p>
+        <a:p>
+          <a:pPr marL="114300" lvl="1" indent="-114300" algn="l" defTabSz="622300">
             <a:lnSpc>
               <a:spcPct val="90000"/>
             </a:lnSpc>
@@ -13294,10 +13286,10 @@
             </a:spcAft>
             <a:buChar char="•"/>
           </a:pPr>
-          <a:endParaRPr lang="es-ES" sz="1600" kern="1200" dirty="0"/>
-        </a:p>
-        <a:p>
-          <a:pPr marL="171450" lvl="1" indent="-171450" algn="l" defTabSz="711200">
+          <a:endParaRPr lang="es-ES" sz="1400" kern="1200" dirty="0"/>
+        </a:p>
+        <a:p>
+          <a:pPr marL="114300" lvl="1" indent="-114300" algn="l" defTabSz="622300">
             <a:lnSpc>
               <a:spcPct val="90000"/>
             </a:lnSpc>
@@ -13310,18 +13302,18 @@
             <a:buChar char="•"/>
           </a:pPr>
           <a:r>
-            <a:rPr lang="en-US" sz="1600" b="1" kern="1200" noProof="0" dirty="0"/>
+            <a:rPr lang="en-US" sz="1400" b="1" kern="1200" noProof="0" dirty="0"/>
             <a:t>Accuracy</a:t>
           </a:r>
           <a:r>
-            <a:rPr lang="es-ES" sz="1600" b="1" kern="1200" dirty="0"/>
-            <a:t>: 0.54</a:t>
+            <a:rPr lang="es-ES" sz="1400" b="1" kern="1200" dirty="0"/>
+            <a:t>: 54.00%</a:t>
           </a:r>
         </a:p>
       </dsp:txBody>
       <dsp:txXfrm>
-        <a:off x="5190" y="1314991"/>
-        <a:ext cx="1989755" cy="2500523"/>
+        <a:off x="5190" y="1672613"/>
+        <a:ext cx="1989755" cy="1785279"/>
       </dsp:txXfrm>
     </dsp:sp>
     <dsp:sp modelId="{48A24487-CCA9-42AE-8B37-11F3F18C73F4}">
@@ -13331,7 +13323,7 @@
       </dsp:nvSpPr>
       <dsp:spPr>
         <a:xfrm>
-          <a:off x="2273511" y="519089"/>
+          <a:off x="2273511" y="876711"/>
           <a:ext cx="1989755" cy="795902"/>
         </a:xfrm>
         <a:prstGeom prst="rect">
@@ -13397,7 +13389,7 @@
         </a:p>
       </dsp:txBody>
       <dsp:txXfrm>
-        <a:off x="2273511" y="519089"/>
+        <a:off x="2273511" y="876711"/>
         <a:ext cx="1989755" cy="795902"/>
       </dsp:txXfrm>
     </dsp:sp>
@@ -13408,8 +13400,8 @@
       </dsp:nvSpPr>
       <dsp:spPr>
         <a:xfrm>
-          <a:off x="2273511" y="1314991"/>
-          <a:ext cx="1989755" cy="2500523"/>
+          <a:off x="2273511" y="1672613"/>
+          <a:ext cx="1989755" cy="1785279"/>
         </a:xfrm>
         <a:prstGeom prst="rect">
           <a:avLst/>
@@ -13452,12 +13444,12 @@
         <a:fontRef idx="minor"/>
       </dsp:style>
       <dsp:txBody>
-        <a:bodyPr spcFirstLastPara="0" vert="horz" wrap="square" lIns="85344" tIns="85344" rIns="113792" bIns="128016" numCol="1" spcCol="1270" anchor="t" anchorCtr="0">
+        <a:bodyPr spcFirstLastPara="0" vert="horz" wrap="square" lIns="74676" tIns="74676" rIns="99568" bIns="112014" numCol="1" spcCol="1270" anchor="t" anchorCtr="0">
           <a:noAutofit/>
         </a:bodyPr>
         <a:lstStyle/>
         <a:p>
-          <a:pPr marL="171450" lvl="1" indent="-171450" algn="l" defTabSz="711200">
+          <a:pPr marL="114300" lvl="1" indent="-114300" algn="l" defTabSz="622300">
             <a:lnSpc>
               <a:spcPct val="90000"/>
             </a:lnSpc>
@@ -13470,12 +13462,12 @@
             <a:buChar char="•"/>
           </a:pPr>
           <a:r>
-            <a:rPr lang="en-US" sz="1600" kern="1200" noProof="0" dirty="0"/>
+            <a:rPr lang="en-US" sz="1400" kern="1200" noProof="0" dirty="0"/>
             <a:t>C: 10</a:t>
           </a:r>
         </a:p>
         <a:p>
-          <a:pPr marL="171450" lvl="1" indent="-171450" algn="l" defTabSz="711200">
+          <a:pPr marL="114300" lvl="1" indent="-114300" algn="l" defTabSz="622300">
             <a:lnSpc>
               <a:spcPct val="90000"/>
             </a:lnSpc>
@@ -13487,10 +13479,10 @@
             </a:spcAft>
             <a:buChar char="•"/>
           </a:pPr>
-          <a:endParaRPr lang="en-US" sz="1600" kern="1200" noProof="0" dirty="0"/>
-        </a:p>
-        <a:p>
-          <a:pPr marL="171450" lvl="1" indent="-171450" algn="l" defTabSz="711200">
+          <a:endParaRPr lang="en-US" sz="1400" kern="1200" noProof="0" dirty="0"/>
+        </a:p>
+        <a:p>
+          <a:pPr marL="114300" lvl="1" indent="-114300" algn="l" defTabSz="622300">
             <a:lnSpc>
               <a:spcPct val="90000"/>
             </a:lnSpc>
@@ -13503,12 +13495,12 @@
             <a:buChar char="•"/>
           </a:pPr>
           <a:r>
-            <a:rPr lang="en-US" sz="1600" kern="1200" noProof="0" dirty="0"/>
+            <a:rPr lang="en-US" sz="1400" kern="1200" noProof="0" dirty="0"/>
             <a:t>Gamma: 0.001</a:t>
           </a:r>
         </a:p>
         <a:p>
-          <a:pPr marL="171450" lvl="1" indent="-171450" algn="l" defTabSz="711200">
+          <a:pPr marL="114300" lvl="1" indent="-114300" algn="l" defTabSz="622300">
             <a:lnSpc>
               <a:spcPct val="90000"/>
             </a:lnSpc>
@@ -13520,10 +13512,10 @@
             </a:spcAft>
             <a:buChar char="•"/>
           </a:pPr>
-          <a:endParaRPr lang="en-US" sz="1600" kern="1200" noProof="0" dirty="0"/>
-        </a:p>
-        <a:p>
-          <a:pPr marL="171450" lvl="1" indent="-171450" algn="l" defTabSz="711200">
+          <a:endParaRPr lang="en-US" sz="1400" kern="1200" noProof="0" dirty="0"/>
+        </a:p>
+        <a:p>
+          <a:pPr marL="114300" lvl="1" indent="-114300" algn="l" defTabSz="622300">
             <a:lnSpc>
               <a:spcPct val="90000"/>
             </a:lnSpc>
@@ -13536,14 +13528,14 @@
             <a:buChar char="•"/>
           </a:pPr>
           <a:r>
-            <a:rPr lang="en-US" sz="1600" b="1" kern="1200" noProof="0" dirty="0"/>
-            <a:t>Accuracy: 0.55</a:t>
+            <a:rPr lang="en-US" sz="1400" b="1" kern="1200" noProof="0" dirty="0"/>
+            <a:t>Accuracy: 55.00%</a:t>
           </a:r>
         </a:p>
       </dsp:txBody>
       <dsp:txXfrm>
-        <a:off x="2273511" y="1314991"/>
-        <a:ext cx="1989755" cy="2500523"/>
+        <a:off x="2273511" y="1672613"/>
+        <a:ext cx="1989755" cy="1785279"/>
       </dsp:txXfrm>
     </dsp:sp>
     <dsp:sp modelId="{37500AF0-62B4-402A-B52A-4AA409CE67EB}">
@@ -13553,7 +13545,7 @@
       </dsp:nvSpPr>
       <dsp:spPr>
         <a:xfrm>
-          <a:off x="4541832" y="519089"/>
+          <a:off x="4541832" y="876711"/>
           <a:ext cx="1989755" cy="795902"/>
         </a:xfrm>
         <a:prstGeom prst="rect">
@@ -13619,7 +13611,7 @@
         </a:p>
       </dsp:txBody>
       <dsp:txXfrm>
-        <a:off x="4541832" y="519089"/>
+        <a:off x="4541832" y="876711"/>
         <a:ext cx="1989755" cy="795902"/>
       </dsp:txXfrm>
     </dsp:sp>
@@ -13630,8 +13622,8 @@
       </dsp:nvSpPr>
       <dsp:spPr>
         <a:xfrm>
-          <a:off x="4541832" y="1314991"/>
-          <a:ext cx="1989755" cy="2500523"/>
+          <a:off x="4541832" y="1672613"/>
+          <a:ext cx="1989755" cy="1785279"/>
         </a:xfrm>
         <a:prstGeom prst="rect">
           <a:avLst/>
@@ -13674,12 +13666,12 @@
         <a:fontRef idx="minor"/>
       </dsp:style>
       <dsp:txBody>
-        <a:bodyPr spcFirstLastPara="0" vert="horz" wrap="square" lIns="85344" tIns="85344" rIns="113792" bIns="128016" numCol="1" spcCol="1270" anchor="t" anchorCtr="0">
+        <a:bodyPr spcFirstLastPara="0" vert="horz" wrap="square" lIns="74676" tIns="74676" rIns="99568" bIns="112014" numCol="1" spcCol="1270" anchor="t" anchorCtr="0">
           <a:noAutofit/>
         </a:bodyPr>
         <a:lstStyle/>
         <a:p>
-          <a:pPr marL="171450" lvl="1" indent="-171450" algn="l" defTabSz="711200">
+          <a:pPr marL="114300" lvl="1" indent="-114300" algn="l" defTabSz="622300">
             <a:lnSpc>
               <a:spcPct val="90000"/>
             </a:lnSpc>
@@ -13692,20 +13684,20 @@
             <a:buChar char="•"/>
           </a:pPr>
           <a:r>
-            <a:rPr lang="es-ES" sz="1600" kern="1200" dirty="0"/>
+            <a:rPr lang="es-ES" sz="1400" kern="1200" dirty="0"/>
             <a:t>Max </a:t>
           </a:r>
           <a:r>
-            <a:rPr lang="es-ES" sz="1600" kern="1200" dirty="0" err="1"/>
+            <a:rPr lang="es-ES" sz="1400" kern="1200" dirty="0" err="1"/>
             <a:t>depth</a:t>
           </a:r>
           <a:r>
-            <a:rPr lang="es-ES" sz="1600" kern="1200" dirty="0"/>
+            <a:rPr lang="es-ES" sz="1400" kern="1200" dirty="0"/>
             <a:t>: 20</a:t>
           </a:r>
         </a:p>
         <a:p>
-          <a:pPr marL="171450" lvl="1" indent="-171450" algn="l" defTabSz="711200">
+          <a:pPr marL="114300" lvl="1" indent="-114300" algn="l" defTabSz="622300">
             <a:lnSpc>
               <a:spcPct val="90000"/>
             </a:lnSpc>
@@ -13717,10 +13709,10 @@
             </a:spcAft>
             <a:buChar char="•"/>
           </a:pPr>
-          <a:endParaRPr lang="es-ES" sz="1600" kern="1200" dirty="0"/>
-        </a:p>
-        <a:p>
-          <a:pPr marL="171450" lvl="1" indent="-171450" algn="l" defTabSz="711200">
+          <a:endParaRPr lang="es-ES" sz="1400" kern="1200" dirty="0"/>
+        </a:p>
+        <a:p>
+          <a:pPr marL="114300" lvl="1" indent="-114300" algn="l" defTabSz="622300">
             <a:lnSpc>
               <a:spcPct val="90000"/>
             </a:lnSpc>
@@ -13733,13 +13725,13 @@
             <a:buChar char="•"/>
           </a:pPr>
           <a:r>
-            <a:rPr lang="en-US" sz="1600" kern="1200" dirty="0"/>
+            <a:rPr lang="en-US" sz="1400" kern="1200" dirty="0"/>
             <a:t>Criterion: entropy</a:t>
           </a:r>
-          <a:endParaRPr lang="es-ES" sz="1600" kern="1200" dirty="0"/>
-        </a:p>
-        <a:p>
-          <a:pPr marL="171450" lvl="1" indent="-171450" algn="l" defTabSz="711200">
+          <a:endParaRPr lang="es-ES" sz="1400" kern="1200" dirty="0"/>
+        </a:p>
+        <a:p>
+          <a:pPr marL="114300" lvl="1" indent="-114300" algn="l" defTabSz="622300">
             <a:lnSpc>
               <a:spcPct val="90000"/>
             </a:lnSpc>
@@ -13751,10 +13743,10 @@
             </a:spcAft>
             <a:buChar char="•"/>
           </a:pPr>
-          <a:endParaRPr lang="es-ES" sz="1600" kern="1200" dirty="0"/>
-        </a:p>
-        <a:p>
-          <a:pPr marL="171450" lvl="1" indent="-171450" algn="l" defTabSz="711200">
+          <a:endParaRPr lang="es-ES" sz="1400" kern="1200" dirty="0"/>
+        </a:p>
+        <a:p>
+          <a:pPr marL="114300" lvl="1" indent="-114300" algn="l" defTabSz="622300">
             <a:lnSpc>
               <a:spcPct val="90000"/>
             </a:lnSpc>
@@ -13767,20 +13759,20 @@
             <a:buChar char="•"/>
           </a:pPr>
           <a:r>
-            <a:rPr lang="es-ES" sz="1600" kern="1200" dirty="0"/>
+            <a:rPr lang="es-ES" sz="1400" kern="1200" dirty="0"/>
             <a:t>Max </a:t>
           </a:r>
           <a:r>
-            <a:rPr lang="es-ES" sz="1600" kern="1200" dirty="0" err="1"/>
+            <a:rPr lang="es-ES" sz="1400" kern="1200" dirty="0" err="1"/>
             <a:t>features</a:t>
           </a:r>
           <a:r>
-            <a:rPr lang="es-ES" sz="1600" kern="1200" dirty="0"/>
+            <a:rPr lang="es-ES" sz="1400" kern="1200" dirty="0"/>
             <a:t>: auto</a:t>
           </a:r>
         </a:p>
         <a:p>
-          <a:pPr marL="171450" lvl="1" indent="-171450" algn="l" defTabSz="711200">
+          <a:pPr marL="114300" lvl="1" indent="-114300" algn="l" defTabSz="622300">
             <a:lnSpc>
               <a:spcPct val="90000"/>
             </a:lnSpc>
@@ -13792,10 +13784,10 @@
             </a:spcAft>
             <a:buChar char="•"/>
           </a:pPr>
-          <a:endParaRPr lang="es-ES" sz="1600" kern="1200" dirty="0"/>
-        </a:p>
-        <a:p>
-          <a:pPr marL="171450" lvl="1" indent="-171450" algn="l" defTabSz="711200">
+          <a:endParaRPr lang="es-ES" sz="1400" kern="1200" dirty="0"/>
+        </a:p>
+        <a:p>
+          <a:pPr marL="114300" lvl="1" indent="-114300" algn="l" defTabSz="622300">
             <a:lnSpc>
               <a:spcPct val="90000"/>
             </a:lnSpc>
@@ -13808,18 +13800,18 @@
             <a:buChar char="•"/>
           </a:pPr>
           <a:r>
-            <a:rPr lang="es-ES" sz="1600" b="1" kern="1200" dirty="0" err="1"/>
+            <a:rPr lang="es-ES" sz="1400" b="1" kern="1200" dirty="0" err="1"/>
             <a:t>Accuracy</a:t>
           </a:r>
           <a:r>
-            <a:rPr lang="es-ES" sz="1600" b="1" kern="1200" dirty="0"/>
-            <a:t>: 0.50</a:t>
+            <a:rPr lang="es-ES" sz="1400" b="1" kern="1200" dirty="0"/>
+            <a:t>: 50.00%</a:t>
           </a:r>
         </a:p>
       </dsp:txBody>
       <dsp:txXfrm>
-        <a:off x="4541832" y="1314991"/>
-        <a:ext cx="1989755" cy="2500523"/>
+        <a:off x="4541832" y="1672613"/>
+        <a:ext cx="1989755" cy="1785279"/>
       </dsp:txXfrm>
     </dsp:sp>
     <dsp:sp modelId="{3862C4B5-AACD-4347-8085-3F72601877B4}">
@@ -13829,7 +13821,7 @@
       </dsp:nvSpPr>
       <dsp:spPr>
         <a:xfrm>
-          <a:off x="6810153" y="519089"/>
+          <a:off x="6810153" y="876711"/>
           <a:ext cx="1989755" cy="795902"/>
         </a:xfrm>
         <a:prstGeom prst="rect">
@@ -13904,7 +13896,7 @@
         </a:p>
       </dsp:txBody>
       <dsp:txXfrm>
-        <a:off x="6810153" y="519089"/>
+        <a:off x="6810153" y="876711"/>
         <a:ext cx="1989755" cy="795902"/>
       </dsp:txXfrm>
     </dsp:sp>
@@ -13915,8 +13907,8 @@
       </dsp:nvSpPr>
       <dsp:spPr>
         <a:xfrm>
-          <a:off x="6810153" y="1314991"/>
-          <a:ext cx="1989755" cy="2500523"/>
+          <a:off x="6810153" y="1672613"/>
+          <a:ext cx="1989755" cy="1785279"/>
         </a:xfrm>
         <a:prstGeom prst="rect">
           <a:avLst/>
@@ -13959,12 +13951,12 @@
         <a:fontRef idx="minor"/>
       </dsp:style>
       <dsp:txBody>
-        <a:bodyPr spcFirstLastPara="0" vert="horz" wrap="square" lIns="85344" tIns="85344" rIns="113792" bIns="128016" numCol="1" spcCol="1270" anchor="t" anchorCtr="0">
+        <a:bodyPr spcFirstLastPara="0" vert="horz" wrap="square" lIns="74676" tIns="74676" rIns="99568" bIns="112014" numCol="1" spcCol="1270" anchor="t" anchorCtr="0">
           <a:noAutofit/>
         </a:bodyPr>
         <a:lstStyle/>
         <a:p>
-          <a:pPr marL="171450" lvl="1" indent="-171450" algn="l" defTabSz="711200">
+          <a:pPr marL="114300" lvl="1" indent="-114300" algn="l" defTabSz="622300">
             <a:lnSpc>
               <a:spcPct val="90000"/>
             </a:lnSpc>
@@ -13977,12 +13969,12 @@
             <a:buChar char="•"/>
           </a:pPr>
           <a:r>
-            <a:rPr lang="es-ES" sz="1600" kern="1200" dirty="0"/>
+            <a:rPr lang="es-ES" sz="1400" kern="1200" dirty="0"/>
             <a:t>Max Depth: 20</a:t>
           </a:r>
         </a:p>
         <a:p>
-          <a:pPr marL="171450" lvl="1" indent="-171450" algn="l" defTabSz="711200">
+          <a:pPr marL="114300" lvl="1" indent="-114300" algn="l" defTabSz="622300">
             <a:lnSpc>
               <a:spcPct val="90000"/>
             </a:lnSpc>
@@ -13994,10 +13986,10 @@
             </a:spcAft>
             <a:buChar char="•"/>
           </a:pPr>
-          <a:endParaRPr lang="es-ES" sz="1600" kern="1200" dirty="0"/>
-        </a:p>
-        <a:p>
-          <a:pPr marL="171450" lvl="1" indent="-171450" algn="l" defTabSz="711200">
+          <a:endParaRPr lang="es-ES" sz="1400" kern="1200" dirty="0"/>
+        </a:p>
+        <a:p>
+          <a:pPr marL="114300" lvl="1" indent="-114300" algn="l" defTabSz="622300">
             <a:lnSpc>
               <a:spcPct val="90000"/>
             </a:lnSpc>
@@ -14010,24 +14002,24 @@
             <a:buChar char="•"/>
           </a:pPr>
           <a:r>
-            <a:rPr lang="es-ES" sz="1600" kern="1200" dirty="0" err="1"/>
+            <a:rPr lang="es-ES" sz="1400" kern="1200" dirty="0" err="1"/>
             <a:t>Num</a:t>
           </a:r>
           <a:r>
-            <a:rPr lang="es-ES" sz="1600" kern="1200" dirty="0"/>
+            <a:rPr lang="es-ES" sz="1400" kern="1200" dirty="0"/>
             <a:t> </a:t>
           </a:r>
           <a:r>
-            <a:rPr lang="es-ES" sz="1600" kern="1200" dirty="0" err="1"/>
+            <a:rPr lang="es-ES" sz="1400" kern="1200" dirty="0" err="1"/>
             <a:t>estimators</a:t>
           </a:r>
           <a:r>
-            <a:rPr lang="es-ES" sz="1600" kern="1200" dirty="0"/>
+            <a:rPr lang="es-ES" sz="1400" kern="1200" dirty="0"/>
             <a:t>: 400</a:t>
           </a:r>
         </a:p>
         <a:p>
-          <a:pPr marL="171450" lvl="1" indent="-171450" algn="l" defTabSz="711200">
+          <a:pPr marL="114300" lvl="1" indent="-114300" algn="l" defTabSz="622300">
             <a:lnSpc>
               <a:spcPct val="90000"/>
             </a:lnSpc>
@@ -14039,10 +14031,10 @@
             </a:spcAft>
             <a:buChar char="•"/>
           </a:pPr>
-          <a:endParaRPr lang="es-ES" sz="1600" kern="1200" dirty="0"/>
-        </a:p>
-        <a:p>
-          <a:pPr marL="171450" lvl="1" indent="-171450" algn="l" defTabSz="711200">
+          <a:endParaRPr lang="es-ES" sz="1400" kern="1200" dirty="0"/>
+        </a:p>
+        <a:p>
+          <a:pPr marL="114300" lvl="1" indent="-114300" algn="l" defTabSz="622300">
             <a:lnSpc>
               <a:spcPct val="90000"/>
             </a:lnSpc>
@@ -14055,18 +14047,18 @@
             <a:buChar char="•"/>
           </a:pPr>
           <a:r>
-            <a:rPr lang="es-ES" sz="1600" b="1" kern="1200" dirty="0" err="1"/>
+            <a:rPr lang="es-ES" sz="1400" b="1" kern="1200" dirty="0" err="1"/>
             <a:t>Accuracy</a:t>
           </a:r>
           <a:r>
-            <a:rPr lang="es-ES" sz="1600" b="1" kern="1200" dirty="0"/>
-            <a:t>: 0.59</a:t>
+            <a:rPr lang="es-ES" sz="1400" b="1" kern="1200" dirty="0"/>
+            <a:t>: 59.00%</a:t>
           </a:r>
         </a:p>
       </dsp:txBody>
       <dsp:txXfrm>
-        <a:off x="6810153" y="1314991"/>
-        <a:ext cx="1989755" cy="2500523"/>
+        <a:off x="6810153" y="1672613"/>
+        <a:ext cx="1989755" cy="1785279"/>
       </dsp:txXfrm>
     </dsp:sp>
     <dsp:sp modelId="{839BA42A-3B80-4489-BE6A-A9D5C1FBAE01}">
@@ -14076,7 +14068,7 @@
       </dsp:nvSpPr>
       <dsp:spPr>
         <a:xfrm>
-          <a:off x="9078474" y="519089"/>
+          <a:off x="9078474" y="876711"/>
           <a:ext cx="1989755" cy="795902"/>
         </a:xfrm>
         <a:prstGeom prst="rect">
@@ -14147,7 +14139,7 @@
         </a:p>
       </dsp:txBody>
       <dsp:txXfrm>
-        <a:off x="9078474" y="519089"/>
+        <a:off x="9078474" y="876711"/>
         <a:ext cx="1989755" cy="795902"/>
       </dsp:txXfrm>
     </dsp:sp>
@@ -14158,8 +14150,8 @@
       </dsp:nvSpPr>
       <dsp:spPr>
         <a:xfrm>
-          <a:off x="9078474" y="1314991"/>
-          <a:ext cx="1989755" cy="2500523"/>
+          <a:off x="9078474" y="1672613"/>
+          <a:ext cx="1989755" cy="1785279"/>
         </a:xfrm>
         <a:prstGeom prst="rect">
           <a:avLst/>
@@ -14202,12 +14194,12 @@
         <a:fontRef idx="minor"/>
       </dsp:style>
       <dsp:txBody>
-        <a:bodyPr spcFirstLastPara="0" vert="horz" wrap="square" lIns="85344" tIns="85344" rIns="113792" bIns="128016" numCol="1" spcCol="1270" anchor="t" anchorCtr="0">
+        <a:bodyPr spcFirstLastPara="0" vert="horz" wrap="square" lIns="74676" tIns="74676" rIns="99568" bIns="112014" numCol="1" spcCol="1270" anchor="t" anchorCtr="0">
           <a:noAutofit/>
         </a:bodyPr>
         <a:lstStyle/>
         <a:p>
-          <a:pPr marL="171450" lvl="1" indent="-171450" algn="l" defTabSz="711200">
+          <a:pPr marL="114300" lvl="1" indent="-114300" algn="l" defTabSz="622300">
             <a:lnSpc>
               <a:spcPct val="90000"/>
             </a:lnSpc>
@@ -14220,12 +14212,12 @@
             <a:buChar char="•"/>
           </a:pPr>
           <a:r>
-            <a:rPr lang="es-ES" sz="1600" kern="1200" dirty="0"/>
+            <a:rPr lang="es-ES" sz="1400" kern="1200" dirty="0"/>
             <a:t>Max Depth: 35</a:t>
           </a:r>
         </a:p>
         <a:p>
-          <a:pPr marL="171450" lvl="1" indent="-171450" algn="l" defTabSz="711200">
+          <a:pPr marL="114300" lvl="1" indent="-114300" algn="l" defTabSz="622300">
             <a:lnSpc>
               <a:spcPct val="90000"/>
             </a:lnSpc>
@@ -14237,10 +14229,10 @@
             </a:spcAft>
             <a:buChar char="•"/>
           </a:pPr>
-          <a:endParaRPr lang="es-ES" sz="1600" kern="1200" dirty="0"/>
-        </a:p>
-        <a:p>
-          <a:pPr marL="171450" lvl="1" indent="-171450" algn="l" defTabSz="711200">
+          <a:endParaRPr lang="es-ES" sz="1400" kern="1200" dirty="0"/>
+        </a:p>
+        <a:p>
+          <a:pPr marL="114300" lvl="1" indent="-114300" algn="l" defTabSz="622300">
             <a:lnSpc>
               <a:spcPct val="90000"/>
             </a:lnSpc>
@@ -14253,24 +14245,24 @@
             <a:buChar char="•"/>
           </a:pPr>
           <a:r>
-            <a:rPr lang="es-ES" sz="1600" kern="1200" dirty="0" err="1"/>
+            <a:rPr lang="es-ES" sz="1400" kern="1200" dirty="0" err="1"/>
             <a:t>Num</a:t>
           </a:r>
           <a:r>
-            <a:rPr lang="es-ES" sz="1600" kern="1200" dirty="0"/>
+            <a:rPr lang="es-ES" sz="1400" kern="1200" dirty="0"/>
             <a:t> </a:t>
           </a:r>
           <a:r>
-            <a:rPr lang="es-ES" sz="1600" kern="1200" dirty="0" err="1"/>
+            <a:rPr lang="es-ES" sz="1400" kern="1200" dirty="0" err="1"/>
             <a:t>estimators</a:t>
           </a:r>
           <a:r>
-            <a:rPr lang="es-ES" sz="1600" kern="1200" dirty="0"/>
+            <a:rPr lang="es-ES" sz="1400" kern="1200" dirty="0"/>
             <a:t>: 100</a:t>
           </a:r>
         </a:p>
         <a:p>
-          <a:pPr marL="171450" lvl="1" indent="-171450" algn="l" defTabSz="711200">
+          <a:pPr marL="114300" lvl="1" indent="-114300" algn="l" defTabSz="622300">
             <a:lnSpc>
               <a:spcPct val="90000"/>
             </a:lnSpc>
@@ -14282,10 +14274,10 @@
             </a:spcAft>
             <a:buChar char="•"/>
           </a:pPr>
-          <a:endParaRPr lang="es-ES" sz="1600" kern="1200" dirty="0"/>
-        </a:p>
-        <a:p>
-          <a:pPr marL="171450" lvl="1" indent="-171450" algn="l" defTabSz="711200">
+          <a:endParaRPr lang="es-ES" sz="1400" kern="1200" dirty="0"/>
+        </a:p>
+        <a:p>
+          <a:pPr marL="114300" lvl="1" indent="-114300" algn="l" defTabSz="622300">
             <a:lnSpc>
               <a:spcPct val="90000"/>
             </a:lnSpc>
@@ -14298,18 +14290,18 @@
             <a:buChar char="•"/>
           </a:pPr>
           <a:r>
-            <a:rPr lang="es-ES" sz="1600" b="1" kern="1200" dirty="0" err="1"/>
+            <a:rPr lang="es-ES" sz="1400" b="1" kern="1200" dirty="0" err="1"/>
             <a:t>Accuracy</a:t>
           </a:r>
           <a:r>
-            <a:rPr lang="es-ES" sz="1600" b="1" kern="1200" dirty="0"/>
-            <a:t>: 0.58</a:t>
+            <a:rPr lang="es-ES" sz="1400" b="1" kern="1200" dirty="0"/>
+            <a:t>: 58.00%</a:t>
           </a:r>
         </a:p>
       </dsp:txBody>
       <dsp:txXfrm>
-        <a:off x="9078474" y="1314991"/>
-        <a:ext cx="1989755" cy="2500523"/>
+        <a:off x="9078474" y="1672613"/>
+        <a:ext cx="1989755" cy="1785279"/>
       </dsp:txXfrm>
     </dsp:sp>
   </dsp:spTree>
@@ -22049,12 +22041,12 @@
           <a:lstStyle/>
           <a:p>
             <a:r>
-              <a:rPr lang="en-US"/>
-              <a:t>SelectKBest </a:t>
+              <a:rPr lang="en-US" dirty="0" err="1"/>
+              <a:t>SelectKBest</a:t>
             </a:r>
             <a:r>
               <a:rPr lang="en-US" dirty="0"/>
-              <a:t>removes all but the highest scoring features. It’s a kind of univariate feature selection which works by selecting the best features based on univariate statistical tests.</a:t>
+              <a:t> removes all but the highest scoring features. It’s a kind of univariate feature selection which works by selecting the best features based on univariate statistical tests.</a:t>
             </a:r>
           </a:p>
           <a:p>
@@ -22082,7 +22074,7 @@
           <a:p>
             <a:fld id="{4DE75C4C-B821-490B-A6BC-7023298A118D}" type="slidenum">
               <a:rPr lang="ro-RO" smtClean="0"/>
-              <a:t>9</a:t>
+              <a:t>8</a:t>
             </a:fld>
             <a:endParaRPr lang="ro-RO"/>
           </a:p>
@@ -30436,597 +30428,140 @@
           </a:prstGeom>
         </p:spPr>
       </p:pic>
+      <p:graphicFrame>
+        <p:nvGraphicFramePr>
+          <p:cNvPr id="5" name="Diagram 4">
+            <a:extLst>
+              <a:ext uri="{FF2B5EF4-FFF2-40B4-BE49-F238E27FC236}">
+                <a16:creationId xmlns:a16="http://schemas.microsoft.com/office/drawing/2014/main" id="{E09BDF06-D3DD-4588-8DDB-857628A878BD}"/>
+              </a:ext>
+            </a:extLst>
+          </p:cNvPr>
+          <p:cNvGraphicFramePr/>
+          <p:nvPr>
+            <p:extLst>
+              <p:ext uri="{D42A27DB-BD31-4B8C-83A1-F6EECF244321}">
+                <p14:modId xmlns:p14="http://schemas.microsoft.com/office/powerpoint/2010/main" val="876249131"/>
+              </p:ext>
+            </p:extLst>
+          </p:nvPr>
+        </p:nvGraphicFramePr>
+        <p:xfrm>
+          <a:off x="6096000" y="2331704"/>
+          <a:ext cx="6515190" cy="3511721"/>
+        </p:xfrm>
+        <a:graphic>
+          <a:graphicData uri="http://schemas.openxmlformats.org/drawingml/2006/diagram">
+            <dgm:relIds xmlns:dgm="http://schemas.openxmlformats.org/drawingml/2006/diagram" xmlns:r="http://schemas.openxmlformats.org/officeDocument/2006/relationships" r:dm="rId4" r:lo="rId5" r:qs="rId6" r:cs="rId7"/>
+          </a:graphicData>
+        </a:graphic>
+      </p:graphicFrame>
       <p:sp>
         <p:nvSpPr>
-          <p:cNvPr id="2" name="Rectángulo 1"/>
-          <p:cNvSpPr/>
+          <p:cNvPr id="11" name="Title 1">
+            <a:extLst>
+              <a:ext uri="{FF2B5EF4-FFF2-40B4-BE49-F238E27FC236}">
+                <a16:creationId xmlns:a16="http://schemas.microsoft.com/office/drawing/2014/main" id="{EE62F439-B360-4188-85AA-3921DFC2AD94}"/>
+              </a:ext>
+            </a:extLst>
+          </p:cNvPr>
+          <p:cNvSpPr txBox="1">
+            <a:spLocks/>
+          </p:cNvSpPr>
           <p:nvPr/>
         </p:nvSpPr>
         <p:spPr>
           <a:xfrm>
-            <a:off x="2517699" y="2442054"/>
-            <a:ext cx="9105907" cy="4154984"/>
+            <a:off x="1155250" y="3737274"/>
+            <a:ext cx="7190913" cy="1080938"/>
           </a:xfrm>
           <a:prstGeom prst="rect">
             <a:avLst/>
           </a:prstGeom>
         </p:spPr>
         <p:txBody>
-          <a:bodyPr wrap="square">
-            <a:spAutoFit/>
+          <a:bodyPr vert="horz" lIns="91440" tIns="45720" rIns="91440" bIns="45720" rtlCol="0" anchor="t">
+            <a:normAutofit fontScale="97500"/>
           </a:bodyPr>
-          <a:lstStyle/>
+          <a:lstStyle>
+            <a:lvl1pPr algn="l" defTabSz="457200" rtl="0" eaLnBrk="1" latinLnBrk="0" hangingPunct="1">
+              <a:spcBef>
+                <a:spcPct val="0"/>
+              </a:spcBef>
+              <a:buNone/>
+              <a:defRPr sz="3600" kern="1200">
+                <a:solidFill>
+                  <a:schemeClr val="accent2">
+                    <a:lumMod val="75000"/>
+                  </a:schemeClr>
+                </a:solidFill>
+                <a:latin typeface="+mj-lt"/>
+                <a:ea typeface="+mj-ea"/>
+                <a:cs typeface="+mj-cs"/>
+              </a:defRPr>
+            </a:lvl1pPr>
+            <a:lvl2pPr eaLnBrk="1" hangingPunct="1">
+              <a:defRPr>
+                <a:solidFill>
+                  <a:schemeClr val="tx2"/>
+                </a:solidFill>
+              </a:defRPr>
+            </a:lvl2pPr>
+            <a:lvl3pPr eaLnBrk="1" hangingPunct="1">
+              <a:defRPr>
+                <a:solidFill>
+                  <a:schemeClr val="tx2"/>
+                </a:solidFill>
+              </a:defRPr>
+            </a:lvl3pPr>
+            <a:lvl4pPr eaLnBrk="1" hangingPunct="1">
+              <a:defRPr>
+                <a:solidFill>
+                  <a:schemeClr val="tx2"/>
+                </a:solidFill>
+              </a:defRPr>
+            </a:lvl4pPr>
+            <a:lvl5pPr eaLnBrk="1" hangingPunct="1">
+              <a:defRPr>
+                <a:solidFill>
+                  <a:schemeClr val="tx2"/>
+                </a:solidFill>
+              </a:defRPr>
+            </a:lvl5pPr>
+            <a:lvl6pPr eaLnBrk="1" hangingPunct="1">
+              <a:defRPr>
+                <a:solidFill>
+                  <a:schemeClr val="tx2"/>
+                </a:solidFill>
+              </a:defRPr>
+            </a:lvl6pPr>
+            <a:lvl7pPr eaLnBrk="1" hangingPunct="1">
+              <a:defRPr>
+                <a:solidFill>
+                  <a:schemeClr val="tx2"/>
+                </a:solidFill>
+              </a:defRPr>
+            </a:lvl7pPr>
+            <a:lvl8pPr eaLnBrk="1" hangingPunct="1">
+              <a:defRPr>
+                <a:solidFill>
+                  <a:schemeClr val="tx2"/>
+                </a:solidFill>
+              </a:defRPr>
+            </a:lvl8pPr>
+            <a:lvl9pPr eaLnBrk="1" hangingPunct="1">
+              <a:defRPr>
+                <a:solidFill>
+                  <a:schemeClr val="tx2"/>
+                </a:solidFill>
+              </a:defRPr>
+            </a:lvl9pPr>
+          </a:lstStyle>
           <a:p>
+            <a:pPr algn="ctr"/>
             <a:r>
-              <a:rPr lang="es-ES" sz="1200" dirty="0" err="1"/>
-              <a:t>Best</a:t>
-            </a:r>
-            <a:r>
-              <a:rPr lang="es-ES" sz="1200" dirty="0"/>
-              <a:t> </a:t>
-            </a:r>
-            <a:r>
-              <a:rPr lang="es-ES" sz="1200" dirty="0" err="1"/>
-              <a:t>parameters</a:t>
-            </a:r>
-            <a:r>
-              <a:rPr lang="es-ES" sz="1200" dirty="0"/>
-              <a:t> </a:t>
-            </a:r>
-            <a:r>
-              <a:rPr lang="es-ES" sz="1200" dirty="0" err="1"/>
-              <a:t>for</a:t>
-            </a:r>
-            <a:r>
-              <a:rPr lang="es-ES" sz="1200" dirty="0"/>
-              <a:t> SVC </a:t>
-            </a:r>
-            <a:r>
-              <a:rPr lang="es-ES" sz="1200" dirty="0" err="1"/>
-              <a:t>with</a:t>
-            </a:r>
-            <a:r>
-              <a:rPr lang="es-ES" sz="1200" dirty="0"/>
-              <a:t> DD </a:t>
-            </a:r>
-            <a:r>
-              <a:rPr lang="es-ES" sz="1200" dirty="0" err="1"/>
-              <a:t>for</a:t>
-            </a:r>
-            <a:r>
-              <a:rPr lang="es-ES" sz="1200" dirty="0"/>
-              <a:t> are =  {'C': 100, 'gamma': 0.001, '</a:t>
-            </a:r>
-            <a:r>
-              <a:rPr lang="es-ES" sz="1200" dirty="0" err="1"/>
-              <a:t>kernel</a:t>
-            </a:r>
-            <a:r>
-              <a:rPr lang="es-ES" sz="1200" dirty="0"/>
-              <a:t>': '</a:t>
-            </a:r>
-            <a:r>
-              <a:rPr lang="es-ES" sz="1200" dirty="0" err="1"/>
-              <a:t>rbf</a:t>
-            </a:r>
-            <a:r>
-              <a:rPr lang="es-ES" sz="1200" dirty="0"/>
-              <a:t>'}</a:t>
-            </a:r>
-          </a:p>
-          <a:p>
-            <a:r>
-              <a:rPr lang="es-ES" sz="1200" dirty="0" err="1"/>
-              <a:t>Accuracy</a:t>
-            </a:r>
-            <a:r>
-              <a:rPr lang="es-ES" sz="1200" dirty="0"/>
-              <a:t> SVC </a:t>
-            </a:r>
-            <a:r>
-              <a:rPr lang="es-ES" sz="1200" dirty="0" err="1"/>
-              <a:t>with</a:t>
-            </a:r>
-            <a:r>
-              <a:rPr lang="es-ES" sz="1200" dirty="0"/>
-              <a:t> DD </a:t>
-            </a:r>
-            <a:r>
-              <a:rPr lang="es-ES" sz="1200" dirty="0" err="1"/>
-              <a:t>is</a:t>
-            </a:r>
-            <a:r>
-              <a:rPr lang="es-ES" sz="1200" dirty="0"/>
-              <a:t> =  0.67</a:t>
-            </a:r>
-          </a:p>
-          <a:p>
-            <a:r>
-              <a:rPr lang="es-ES" sz="1200" dirty="0"/>
-              <a:t>0.67</a:t>
-            </a:r>
-          </a:p>
-          <a:p>
-            <a:endParaRPr lang="es-ES" sz="1200" dirty="0"/>
-          </a:p>
-          <a:p>
-            <a:r>
-              <a:rPr lang="es-ES" sz="1200" dirty="0" err="1"/>
-              <a:t>Best</a:t>
-            </a:r>
-            <a:r>
-              <a:rPr lang="es-ES" sz="1200" dirty="0"/>
-              <a:t> </a:t>
-            </a:r>
-            <a:r>
-              <a:rPr lang="es-ES" sz="1200" dirty="0" err="1"/>
-              <a:t>parameters</a:t>
-            </a:r>
-            <a:r>
-              <a:rPr lang="es-ES" sz="1200" dirty="0"/>
-              <a:t> </a:t>
-            </a:r>
-            <a:r>
-              <a:rPr lang="es-ES" sz="1200" dirty="0" err="1"/>
-              <a:t>for</a:t>
-            </a:r>
-            <a:r>
-              <a:rPr lang="es-ES" sz="1200" dirty="0"/>
-              <a:t> </a:t>
-            </a:r>
-            <a:r>
-              <a:rPr lang="es-ES" sz="1200" dirty="0" err="1"/>
-              <a:t>kNN</a:t>
-            </a:r>
-            <a:r>
-              <a:rPr lang="es-ES" sz="1200" dirty="0"/>
-              <a:t> are =  {'</a:t>
-            </a:r>
-            <a:r>
-              <a:rPr lang="es-ES" sz="1200" dirty="0" err="1"/>
-              <a:t>n_neighbors</a:t>
-            </a:r>
-            <a:r>
-              <a:rPr lang="es-ES" sz="1200" dirty="0"/>
-              <a:t>': 30}</a:t>
-            </a:r>
-          </a:p>
-          <a:p>
-            <a:r>
-              <a:rPr lang="es-ES" sz="1200" dirty="0" err="1"/>
-              <a:t>Accuracy</a:t>
-            </a:r>
-            <a:r>
-              <a:rPr lang="es-ES" sz="1200" dirty="0"/>
-              <a:t> </a:t>
-            </a:r>
-            <a:r>
-              <a:rPr lang="es-ES" sz="1200" dirty="0" err="1"/>
-              <a:t>kNN</a:t>
-            </a:r>
-            <a:r>
-              <a:rPr lang="es-ES" sz="1200" dirty="0"/>
-              <a:t> </a:t>
-            </a:r>
-            <a:r>
-              <a:rPr lang="es-ES" sz="1200" dirty="0" err="1"/>
-              <a:t>is</a:t>
-            </a:r>
-            <a:r>
-              <a:rPr lang="es-ES" sz="1200" dirty="0"/>
-              <a:t> =  0.7266666666666667</a:t>
-            </a:r>
-          </a:p>
-          <a:p>
-            <a:endParaRPr lang="es-ES" sz="1200" dirty="0"/>
-          </a:p>
-          <a:p>
-            <a:r>
-              <a:rPr lang="es-ES" sz="1200" dirty="0" err="1"/>
-              <a:t>Naive</a:t>
-            </a:r>
-            <a:r>
-              <a:rPr lang="es-ES" sz="1200" dirty="0"/>
-              <a:t> </a:t>
-            </a:r>
-            <a:r>
-              <a:rPr lang="es-ES" sz="1200" dirty="0" err="1"/>
-              <a:t>Bayes</a:t>
-            </a:r>
-            <a:r>
-              <a:rPr lang="es-ES" sz="1200" dirty="0"/>
-              <a:t> </a:t>
-            </a:r>
-            <a:r>
-              <a:rPr lang="es-ES" sz="1200" dirty="0" err="1"/>
-              <a:t>classifier</a:t>
-            </a:r>
-            <a:r>
-              <a:rPr lang="es-ES" sz="1200" dirty="0"/>
-              <a:t>:  0.5841666666666666</a:t>
-            </a:r>
-          </a:p>
-          <a:p>
-            <a:endParaRPr lang="es-ES" sz="1200" dirty="0"/>
-          </a:p>
-          <a:p>
-            <a:r>
-              <a:rPr lang="es-ES" sz="1200" dirty="0" err="1"/>
-              <a:t>Best</a:t>
-            </a:r>
-            <a:r>
-              <a:rPr lang="es-ES" sz="1200" dirty="0"/>
-              <a:t> </a:t>
-            </a:r>
-            <a:r>
-              <a:rPr lang="es-ES" sz="1200" dirty="0" err="1"/>
-              <a:t>parameters</a:t>
-            </a:r>
-            <a:r>
-              <a:rPr lang="es-ES" sz="1200" dirty="0"/>
-              <a:t> </a:t>
-            </a:r>
-            <a:r>
-              <a:rPr lang="es-ES" sz="1200" dirty="0" err="1"/>
-              <a:t>for</a:t>
-            </a:r>
-            <a:r>
-              <a:rPr lang="es-ES" sz="1200" dirty="0"/>
-              <a:t> </a:t>
-            </a:r>
-            <a:r>
-              <a:rPr lang="es-ES" sz="1200" dirty="0" err="1"/>
-              <a:t>DecisionTreeClassifier</a:t>
-            </a:r>
-            <a:r>
-              <a:rPr lang="es-ES" sz="1200" dirty="0"/>
-              <a:t> are =  {'</a:t>
-            </a:r>
-            <a:r>
-              <a:rPr lang="es-ES" sz="1200" dirty="0" err="1"/>
-              <a:t>criterion</a:t>
-            </a:r>
-            <a:r>
-              <a:rPr lang="es-ES" sz="1200" dirty="0"/>
-              <a:t>': '</a:t>
-            </a:r>
-            <a:r>
-              <a:rPr lang="es-ES" sz="1200" dirty="0" err="1"/>
-              <a:t>gini</a:t>
-            </a:r>
-            <a:r>
-              <a:rPr lang="es-ES" sz="1200" dirty="0"/>
-              <a:t>', '</a:t>
-            </a:r>
-            <a:r>
-              <a:rPr lang="es-ES" sz="1200" dirty="0" err="1"/>
-              <a:t>max_depth</a:t>
-            </a:r>
-            <a:r>
-              <a:rPr lang="es-ES" sz="1200" dirty="0"/>
-              <a:t>': 15, '</a:t>
-            </a:r>
-            <a:r>
-              <a:rPr lang="es-ES" sz="1200" dirty="0" err="1"/>
-              <a:t>max_features</a:t>
-            </a:r>
-            <a:r>
-              <a:rPr lang="es-ES" sz="1200" dirty="0"/>
-              <a:t>': 'auto'}</a:t>
-            </a:r>
-          </a:p>
-          <a:p>
-            <a:r>
-              <a:rPr lang="es-ES" sz="1200" dirty="0" err="1"/>
-              <a:t>Accuracy</a:t>
-            </a:r>
-            <a:r>
-              <a:rPr lang="es-ES" sz="1200" dirty="0"/>
-              <a:t> </a:t>
-            </a:r>
-            <a:r>
-              <a:rPr lang="es-ES" sz="1200" dirty="0" err="1"/>
-              <a:t>Random</a:t>
-            </a:r>
-            <a:r>
-              <a:rPr lang="es-ES" sz="1200" dirty="0"/>
-              <a:t> </a:t>
-            </a:r>
-            <a:r>
-              <a:rPr lang="es-ES" sz="1200" dirty="0" err="1"/>
-              <a:t>forest</a:t>
-            </a:r>
-            <a:r>
-              <a:rPr lang="es-ES" sz="1200" dirty="0"/>
-              <a:t> </a:t>
-            </a:r>
-            <a:r>
-              <a:rPr lang="es-ES" sz="1200" dirty="0" err="1"/>
-              <a:t>is</a:t>
-            </a:r>
-            <a:r>
-              <a:rPr lang="es-ES" sz="1200" dirty="0"/>
-              <a:t> =  0.6908333333333333</a:t>
-            </a:r>
-          </a:p>
-          <a:p>
-            <a:r>
-              <a:rPr lang="es-ES" sz="1200" dirty="0"/>
-              <a:t>0.6908333333333333</a:t>
-            </a:r>
-          </a:p>
-          <a:p>
-            <a:endParaRPr lang="es-ES" sz="1200" dirty="0"/>
-          </a:p>
-          <a:p>
-            <a:r>
-              <a:rPr lang="es-ES" sz="1200" dirty="0" err="1"/>
-              <a:t>Best</a:t>
-            </a:r>
-            <a:r>
-              <a:rPr lang="es-ES" sz="1200" dirty="0"/>
-              <a:t> </a:t>
-            </a:r>
-            <a:r>
-              <a:rPr lang="es-ES" sz="1200" dirty="0" err="1"/>
-              <a:t>parameters</a:t>
-            </a:r>
-            <a:r>
-              <a:rPr lang="es-ES" sz="1200" dirty="0"/>
-              <a:t> </a:t>
-            </a:r>
-            <a:r>
-              <a:rPr lang="es-ES" sz="1200" dirty="0" err="1"/>
-              <a:t>for</a:t>
-            </a:r>
-            <a:r>
-              <a:rPr lang="es-ES" sz="1200" dirty="0"/>
-              <a:t> </a:t>
-            </a:r>
-            <a:r>
-              <a:rPr lang="es-ES" sz="1200" dirty="0" err="1"/>
-              <a:t>Gradient</a:t>
-            </a:r>
-            <a:r>
-              <a:rPr lang="es-ES" sz="1200" dirty="0"/>
-              <a:t> </a:t>
-            </a:r>
-            <a:r>
-              <a:rPr lang="es-ES" sz="1200" dirty="0" err="1"/>
-              <a:t>boosting</a:t>
-            </a:r>
-            <a:r>
-              <a:rPr lang="es-ES" sz="1200" dirty="0"/>
-              <a:t> are =  {'</a:t>
-            </a:r>
-            <a:r>
-              <a:rPr lang="es-ES" sz="1200" dirty="0" err="1"/>
-              <a:t>criterion</a:t>
-            </a:r>
-            <a:r>
-              <a:rPr lang="es-ES" sz="1200" dirty="0"/>
-              <a:t>': '</a:t>
-            </a:r>
-            <a:r>
-              <a:rPr lang="es-ES" sz="1200" dirty="0" err="1"/>
-              <a:t>friedman_mse</a:t>
-            </a:r>
-            <a:r>
-              <a:rPr lang="es-ES" sz="1200" dirty="0"/>
-              <a:t>', '</a:t>
-            </a:r>
-            <a:r>
-              <a:rPr lang="es-ES" sz="1200" dirty="0" err="1"/>
-              <a:t>learning_rate</a:t>
-            </a:r>
-            <a:r>
-              <a:rPr lang="es-ES" sz="1200" dirty="0"/>
-              <a:t>': 0.1, '</a:t>
-            </a:r>
-            <a:r>
-              <a:rPr lang="es-ES" sz="1200" dirty="0" err="1"/>
-              <a:t>loss</a:t>
-            </a:r>
-            <a:r>
-              <a:rPr lang="es-ES" sz="1200" dirty="0"/>
-              <a:t>': '</a:t>
-            </a:r>
-            <a:r>
-              <a:rPr lang="es-ES" sz="1200" dirty="0" err="1"/>
-              <a:t>exponential</a:t>
-            </a:r>
-            <a:r>
-              <a:rPr lang="es-ES" sz="1200" dirty="0"/>
-              <a:t>', '</a:t>
-            </a:r>
-            <a:r>
-              <a:rPr lang="es-ES" sz="1200" dirty="0" err="1"/>
-              <a:t>max_depth</a:t>
-            </a:r>
-            <a:r>
-              <a:rPr lang="es-ES" sz="1200" dirty="0"/>
-              <a:t>': 3, '</a:t>
-            </a:r>
-            <a:r>
-              <a:rPr lang="es-ES" sz="1200" dirty="0" err="1"/>
-              <a:t>max_features</a:t>
-            </a:r>
-            <a:r>
-              <a:rPr lang="es-ES" sz="1200" dirty="0"/>
-              <a:t>': 'auto', '</a:t>
-            </a:r>
-            <a:r>
-              <a:rPr lang="es-ES" sz="1200" dirty="0" err="1"/>
-              <a:t>n_estimators</a:t>
-            </a:r>
-            <a:r>
-              <a:rPr lang="es-ES" sz="1200" dirty="0"/>
-              <a:t>': 100}</a:t>
-            </a:r>
-          </a:p>
-          <a:p>
-            <a:r>
-              <a:rPr lang="es-ES" sz="1200" dirty="0" err="1"/>
-              <a:t>Accuracy</a:t>
-            </a:r>
-            <a:r>
-              <a:rPr lang="es-ES" sz="1200" dirty="0"/>
-              <a:t> </a:t>
-            </a:r>
-            <a:r>
-              <a:rPr lang="es-ES" sz="1200" dirty="0" err="1"/>
-              <a:t>Gradient</a:t>
-            </a:r>
-            <a:r>
-              <a:rPr lang="es-ES" sz="1200" dirty="0"/>
-              <a:t> </a:t>
-            </a:r>
-            <a:r>
-              <a:rPr lang="es-ES" sz="1200" dirty="0" err="1"/>
-              <a:t>boosting</a:t>
-            </a:r>
-            <a:r>
-              <a:rPr lang="es-ES" sz="1200" dirty="0"/>
-              <a:t> </a:t>
-            </a:r>
-            <a:r>
-              <a:rPr lang="es-ES" sz="1200" dirty="0" err="1"/>
-              <a:t>is</a:t>
-            </a:r>
-            <a:r>
-              <a:rPr lang="es-ES" sz="1200" dirty="0"/>
-              <a:t> =  0.6216666666666667</a:t>
-            </a:r>
-          </a:p>
-          <a:p>
-            <a:r>
-              <a:rPr lang="es-ES" sz="1200" dirty="0"/>
-              <a:t>0.6216666666666667</a:t>
-            </a:r>
-          </a:p>
-          <a:p>
-            <a:endParaRPr lang="es-ES" sz="1200" dirty="0"/>
-          </a:p>
-          <a:p>
-            <a:r>
-              <a:rPr lang="es-ES" sz="1200" dirty="0" err="1"/>
-              <a:t>Best</a:t>
-            </a:r>
-            <a:r>
-              <a:rPr lang="es-ES" sz="1200" dirty="0"/>
-              <a:t> </a:t>
-            </a:r>
-            <a:r>
-              <a:rPr lang="es-ES" sz="1200" dirty="0" err="1"/>
-              <a:t>parameters</a:t>
-            </a:r>
-            <a:r>
-              <a:rPr lang="es-ES" sz="1200" dirty="0"/>
-              <a:t> </a:t>
-            </a:r>
-            <a:r>
-              <a:rPr lang="es-ES" sz="1200" dirty="0" err="1"/>
-              <a:t>for</a:t>
-            </a:r>
-            <a:r>
-              <a:rPr lang="es-ES" sz="1200" dirty="0"/>
-              <a:t> </a:t>
-            </a:r>
-            <a:r>
-              <a:rPr lang="es-ES" sz="1200" dirty="0" err="1"/>
-              <a:t>Random</a:t>
-            </a:r>
-            <a:r>
-              <a:rPr lang="es-ES" sz="1200" dirty="0"/>
-              <a:t> </a:t>
-            </a:r>
-            <a:r>
-              <a:rPr lang="es-ES" sz="1200" dirty="0" err="1"/>
-              <a:t>forest</a:t>
-            </a:r>
-            <a:r>
-              <a:rPr lang="es-ES" sz="1200" dirty="0"/>
-              <a:t> are =  {'</a:t>
-            </a:r>
-            <a:r>
-              <a:rPr lang="es-ES" sz="1200" dirty="0" err="1"/>
-              <a:t>criterion</a:t>
-            </a:r>
-            <a:r>
-              <a:rPr lang="es-ES" sz="1200" dirty="0"/>
-              <a:t>': '</a:t>
-            </a:r>
-            <a:r>
-              <a:rPr lang="es-ES" sz="1200" dirty="0" err="1"/>
-              <a:t>entropy</a:t>
-            </a:r>
-            <a:r>
-              <a:rPr lang="es-ES" sz="1200" dirty="0"/>
-              <a:t>', '</a:t>
-            </a:r>
-            <a:r>
-              <a:rPr lang="es-ES" sz="1200" dirty="0" err="1"/>
-              <a:t>max_depth</a:t>
-            </a:r>
-            <a:r>
-              <a:rPr lang="es-ES" sz="1200" dirty="0"/>
-              <a:t>': 50, '</a:t>
-            </a:r>
-            <a:r>
-              <a:rPr lang="es-ES" sz="1200" dirty="0" err="1"/>
-              <a:t>max_features</a:t>
-            </a:r>
-            <a:r>
-              <a:rPr lang="es-ES" sz="1200" dirty="0"/>
-              <a:t>': 'auto', '</a:t>
-            </a:r>
-            <a:r>
-              <a:rPr lang="es-ES" sz="1200" dirty="0" err="1"/>
-              <a:t>n_estimators</a:t>
-            </a:r>
-            <a:r>
-              <a:rPr lang="es-ES" sz="1200" dirty="0"/>
-              <a:t>': 1000}</a:t>
-            </a:r>
-          </a:p>
-          <a:p>
-            <a:r>
-              <a:rPr lang="es-ES" sz="1200" dirty="0" err="1"/>
-              <a:t>Accuracy</a:t>
-            </a:r>
-            <a:r>
-              <a:rPr lang="es-ES" sz="1200" dirty="0"/>
-              <a:t> </a:t>
-            </a:r>
-            <a:r>
-              <a:rPr lang="es-ES" sz="1200" dirty="0" err="1"/>
-              <a:t>Random</a:t>
-            </a:r>
-            <a:r>
-              <a:rPr lang="es-ES" sz="1200" dirty="0"/>
-              <a:t> </a:t>
-            </a:r>
-            <a:r>
-              <a:rPr lang="es-ES" sz="1200" dirty="0" err="1"/>
-              <a:t>forest</a:t>
-            </a:r>
-            <a:r>
-              <a:rPr lang="es-ES" sz="1200" dirty="0"/>
-              <a:t> </a:t>
-            </a:r>
-            <a:r>
-              <a:rPr lang="es-ES" sz="1200" dirty="0" err="1"/>
-              <a:t>is</a:t>
-            </a:r>
-            <a:r>
-              <a:rPr lang="es-ES" sz="1200" dirty="0"/>
-              <a:t> =  0.7591666666666667</a:t>
-            </a:r>
-          </a:p>
-          <a:p>
-            <a:r>
-              <a:rPr lang="es-ES" sz="1200" dirty="0"/>
-              <a:t>0.7591666666666667</a:t>
+              <a:rPr lang="en-US" sz="4800" dirty="0"/>
+              <a:t>Confusion Matrix</a:t>
             </a:r>
           </a:p>
         </p:txBody>
@@ -31034,7 +30569,7 @@
     </p:spTree>
     <p:extLst>
       <p:ext uri="{BB962C8B-B14F-4D97-AF65-F5344CB8AC3E}">
-        <p14:creationId xmlns:p14="http://schemas.microsoft.com/office/powerpoint/2010/main" val="1374603998"/>
+        <p14:creationId xmlns:p14="http://schemas.microsoft.com/office/powerpoint/2010/main" val="780570208"/>
       </p:ext>
     </p:extLst>
   </p:cSld>
@@ -31099,7 +30634,7 @@
             </a:br>
             <a:r>
               <a:rPr lang="en-US" sz="4800" dirty="0"/>
-              <a:t>-binary-</a:t>
+              <a:t>-multiclass-</a:t>
             </a:r>
           </a:p>
         </p:txBody>
@@ -31315,25 +30850,19 @@
       </p:pic>
       <p:graphicFrame>
         <p:nvGraphicFramePr>
-          <p:cNvPr id="10" name="Diagrama 2">
-            <a:extLst>
-              <a:ext uri="{FF2B5EF4-FFF2-40B4-BE49-F238E27FC236}">
-                <a16:creationId xmlns:a16="http://schemas.microsoft.com/office/drawing/2014/main" id="{C2102DC5-0C0B-4BFC-8713-7CDCA7BFBF79}"/>
-              </a:ext>
-            </a:extLst>
-          </p:cNvPr>
+          <p:cNvPr id="3" name="Diagrama 2"/>
           <p:cNvGraphicFramePr/>
           <p:nvPr>
             <p:extLst>
               <p:ext uri="{D42A27DB-BD31-4B8C-83A1-F6EECF244321}">
-                <p14:modId xmlns:p14="http://schemas.microsoft.com/office/powerpoint/2010/main" val="2692467814"/>
+                <p14:modId xmlns:p14="http://schemas.microsoft.com/office/powerpoint/2010/main" val="3040408327"/>
               </p:ext>
             </p:extLst>
           </p:nvPr>
         </p:nvGraphicFramePr>
         <p:xfrm>
-          <a:off x="248576" y="2316171"/>
-          <a:ext cx="11788291" cy="4280867"/>
+          <a:off x="716437" y="2309567"/>
+          <a:ext cx="11073420" cy="4334605"/>
         </p:xfrm>
         <a:graphic>
           <a:graphicData uri="http://schemas.openxmlformats.org/drawingml/2006/diagram">
@@ -31341,10 +30870,45 @@
           </a:graphicData>
         </a:graphic>
       </p:graphicFrame>
+      <p:sp>
+        <p:nvSpPr>
+          <p:cNvPr id="2" name="CuadroTexto 1">
+            <a:extLst>
+              <a:ext uri="{FF2B5EF4-FFF2-40B4-BE49-F238E27FC236}">
+                <a16:creationId xmlns:a16="http://schemas.microsoft.com/office/drawing/2014/main" id="{EB9D6E9F-A650-4177-A0E7-DDFB75CF7706}"/>
+              </a:ext>
+            </a:extLst>
+          </p:cNvPr>
+          <p:cNvSpPr txBox="1"/>
+          <p:nvPr/>
+        </p:nvSpPr>
+        <p:spPr>
+          <a:xfrm>
+            <a:off x="584461" y="2309567"/>
+            <a:ext cx="3091992" cy="369332"/>
+          </a:xfrm>
+          <a:prstGeom prst="rect">
+            <a:avLst/>
+          </a:prstGeom>
+          <a:noFill/>
+        </p:spPr>
+        <p:txBody>
+          <a:bodyPr wrap="square" rtlCol="0">
+            <a:spAutoFit/>
+          </a:bodyPr>
+          <a:lstStyle/>
+          <a:p>
+            <a:r>
+              <a:rPr lang="en-US" b="1" dirty="0"/>
+              <a:t>Number of features: 600</a:t>
+            </a:r>
+          </a:p>
+        </p:txBody>
+      </p:sp>
     </p:spTree>
     <p:extLst>
       <p:ext uri="{BB962C8B-B14F-4D97-AF65-F5344CB8AC3E}">
-        <p14:creationId xmlns:p14="http://schemas.microsoft.com/office/powerpoint/2010/main" val="1294219608"/>
+        <p14:creationId xmlns:p14="http://schemas.microsoft.com/office/powerpoint/2010/main" val="524126007"/>
       </p:ext>
     </p:extLst>
   </p:cSld>
@@ -31409,7 +30973,7 @@
             </a:br>
             <a:r>
               <a:rPr lang="en-US" sz="4800" dirty="0"/>
-              <a:t>-binary-</a:t>
+              <a:t>-multiclass-</a:t>
             </a:r>
           </a:p>
         </p:txBody>
@@ -31625,25 +31189,19 @@
       </p:pic>
       <p:graphicFrame>
         <p:nvGraphicFramePr>
-          <p:cNvPr id="5" name="Diagram 4">
-            <a:extLst>
-              <a:ext uri="{FF2B5EF4-FFF2-40B4-BE49-F238E27FC236}">
-                <a16:creationId xmlns:a16="http://schemas.microsoft.com/office/drawing/2014/main" id="{E09BDF06-D3DD-4588-8DDB-857628A878BD}"/>
-              </a:ext>
-            </a:extLst>
-          </p:cNvPr>
+          <p:cNvPr id="3" name="Diagrama 2"/>
           <p:cNvGraphicFramePr/>
           <p:nvPr>
             <p:extLst>
               <p:ext uri="{D42A27DB-BD31-4B8C-83A1-F6EECF244321}">
-                <p14:modId xmlns:p14="http://schemas.microsoft.com/office/powerpoint/2010/main" val="876249131"/>
+                <p14:modId xmlns:p14="http://schemas.microsoft.com/office/powerpoint/2010/main" val="3869669208"/>
               </p:ext>
             </p:extLst>
           </p:nvPr>
         </p:nvGraphicFramePr>
         <p:xfrm>
-          <a:off x="6096000" y="2331704"/>
-          <a:ext cx="6515190" cy="3511721"/>
+          <a:off x="716437" y="2309567"/>
+          <a:ext cx="11073420" cy="4334605"/>
         </p:xfrm>
         <a:graphic>
           <a:graphicData uri="http://schemas.openxmlformats.org/drawingml/2006/diagram">
@@ -31653,110 +31211,35 @@
       </p:graphicFrame>
       <p:sp>
         <p:nvSpPr>
-          <p:cNvPr id="11" name="Title 1">
+          <p:cNvPr id="2" name="CuadroTexto 1">
             <a:extLst>
               <a:ext uri="{FF2B5EF4-FFF2-40B4-BE49-F238E27FC236}">
-                <a16:creationId xmlns:a16="http://schemas.microsoft.com/office/drawing/2014/main" id="{EE62F439-B360-4188-85AA-3921DFC2AD94}"/>
+                <a16:creationId xmlns:a16="http://schemas.microsoft.com/office/drawing/2014/main" id="{EB9D6E9F-A650-4177-A0E7-DDFB75CF7706}"/>
               </a:ext>
             </a:extLst>
           </p:cNvPr>
-          <p:cNvSpPr txBox="1">
-            <a:spLocks/>
-          </p:cNvSpPr>
+          <p:cNvSpPr txBox="1"/>
           <p:nvPr/>
         </p:nvSpPr>
         <p:spPr>
           <a:xfrm>
-            <a:off x="1155250" y="3737274"/>
-            <a:ext cx="7190913" cy="1080938"/>
+            <a:off x="584461" y="2309567"/>
+            <a:ext cx="3091992" cy="369332"/>
           </a:xfrm>
           <a:prstGeom prst="rect">
             <a:avLst/>
           </a:prstGeom>
+          <a:noFill/>
         </p:spPr>
         <p:txBody>
-          <a:bodyPr vert="horz" lIns="91440" tIns="45720" rIns="91440" bIns="45720" rtlCol="0" anchor="t">
-            <a:normAutofit fontScale="97500"/>
+          <a:bodyPr wrap="square" rtlCol="0">
+            <a:spAutoFit/>
           </a:bodyPr>
-          <a:lstStyle>
-            <a:lvl1pPr algn="l" defTabSz="457200" rtl="0" eaLnBrk="1" latinLnBrk="0" hangingPunct="1">
-              <a:spcBef>
-                <a:spcPct val="0"/>
-              </a:spcBef>
-              <a:buNone/>
-              <a:defRPr sz="3600" kern="1200">
-                <a:solidFill>
-                  <a:schemeClr val="accent2">
-                    <a:lumMod val="75000"/>
-                  </a:schemeClr>
-                </a:solidFill>
-                <a:latin typeface="+mj-lt"/>
-                <a:ea typeface="+mj-ea"/>
-                <a:cs typeface="+mj-cs"/>
-              </a:defRPr>
-            </a:lvl1pPr>
-            <a:lvl2pPr eaLnBrk="1" hangingPunct="1">
-              <a:defRPr>
-                <a:solidFill>
-                  <a:schemeClr val="tx2"/>
-                </a:solidFill>
-              </a:defRPr>
-            </a:lvl2pPr>
-            <a:lvl3pPr eaLnBrk="1" hangingPunct="1">
-              <a:defRPr>
-                <a:solidFill>
-                  <a:schemeClr val="tx2"/>
-                </a:solidFill>
-              </a:defRPr>
-            </a:lvl3pPr>
-            <a:lvl4pPr eaLnBrk="1" hangingPunct="1">
-              <a:defRPr>
-                <a:solidFill>
-                  <a:schemeClr val="tx2"/>
-                </a:solidFill>
-              </a:defRPr>
-            </a:lvl4pPr>
-            <a:lvl5pPr eaLnBrk="1" hangingPunct="1">
-              <a:defRPr>
-                <a:solidFill>
-                  <a:schemeClr val="tx2"/>
-                </a:solidFill>
-              </a:defRPr>
-            </a:lvl5pPr>
-            <a:lvl6pPr eaLnBrk="1" hangingPunct="1">
-              <a:defRPr>
-                <a:solidFill>
-                  <a:schemeClr val="tx2"/>
-                </a:solidFill>
-              </a:defRPr>
-            </a:lvl6pPr>
-            <a:lvl7pPr eaLnBrk="1" hangingPunct="1">
-              <a:defRPr>
-                <a:solidFill>
-                  <a:schemeClr val="tx2"/>
-                </a:solidFill>
-              </a:defRPr>
-            </a:lvl7pPr>
-            <a:lvl8pPr eaLnBrk="1" hangingPunct="1">
-              <a:defRPr>
-                <a:solidFill>
-                  <a:schemeClr val="tx2"/>
-                </a:solidFill>
-              </a:defRPr>
-            </a:lvl8pPr>
-            <a:lvl9pPr eaLnBrk="1" hangingPunct="1">
-              <a:defRPr>
-                <a:solidFill>
-                  <a:schemeClr val="tx2"/>
-                </a:solidFill>
-              </a:defRPr>
-            </a:lvl9pPr>
-          </a:lstStyle>
+          <a:lstStyle/>
           <a:p>
-            <a:pPr algn="ctr"/>
             <a:r>
-              <a:rPr lang="en-US" sz="4800" dirty="0"/>
-              <a:t>Confusion Matrix</a:t>
+              <a:rPr lang="en-US" b="1" dirty="0"/>
+              <a:t>Number of features: 1500</a:t>
             </a:r>
           </a:p>
         </p:txBody>
@@ -31764,7 +31247,7 @@
     </p:spTree>
     <p:extLst>
       <p:ext uri="{BB962C8B-B14F-4D97-AF65-F5344CB8AC3E}">
-        <p14:creationId xmlns:p14="http://schemas.microsoft.com/office/powerpoint/2010/main" val="780570208"/>
+        <p14:creationId xmlns:p14="http://schemas.microsoft.com/office/powerpoint/2010/main" val="4013937675"/>
       </p:ext>
     </p:extLst>
   </p:cSld>
@@ -32043,67 +31526,437 @@
           </a:prstGeom>
         </p:spPr>
       </p:pic>
+      <p:sp>
+        <p:nvSpPr>
+          <p:cNvPr id="11" name="Title 1">
+            <a:extLst>
+              <a:ext uri="{FF2B5EF4-FFF2-40B4-BE49-F238E27FC236}">
+                <a16:creationId xmlns:a16="http://schemas.microsoft.com/office/drawing/2014/main" id="{EE62F439-B360-4188-85AA-3921DFC2AD94}"/>
+              </a:ext>
+            </a:extLst>
+          </p:cNvPr>
+          <p:cNvSpPr txBox="1">
+            <a:spLocks/>
+          </p:cNvSpPr>
+          <p:nvPr/>
+        </p:nvSpPr>
+        <p:spPr>
+          <a:xfrm>
+            <a:off x="2267974" y="2664356"/>
+            <a:ext cx="8128000" cy="612744"/>
+          </a:xfrm>
+          <a:prstGeom prst="rect">
+            <a:avLst/>
+          </a:prstGeom>
+        </p:spPr>
+        <p:txBody>
+          <a:bodyPr vert="horz" lIns="91440" tIns="45720" rIns="91440" bIns="45720" rtlCol="0" anchor="t">
+            <a:noAutofit/>
+          </a:bodyPr>
+          <a:lstStyle>
+            <a:lvl1pPr algn="l" defTabSz="457200" rtl="0" eaLnBrk="1" latinLnBrk="0" hangingPunct="1">
+              <a:spcBef>
+                <a:spcPct val="0"/>
+              </a:spcBef>
+              <a:buNone/>
+              <a:defRPr sz="3600" kern="1200">
+                <a:solidFill>
+                  <a:schemeClr val="accent2">
+                    <a:lumMod val="75000"/>
+                  </a:schemeClr>
+                </a:solidFill>
+                <a:latin typeface="+mj-lt"/>
+                <a:ea typeface="+mj-ea"/>
+                <a:cs typeface="+mj-cs"/>
+              </a:defRPr>
+            </a:lvl1pPr>
+            <a:lvl2pPr eaLnBrk="1" hangingPunct="1">
+              <a:defRPr>
+                <a:solidFill>
+                  <a:schemeClr val="tx2"/>
+                </a:solidFill>
+              </a:defRPr>
+            </a:lvl2pPr>
+            <a:lvl3pPr eaLnBrk="1" hangingPunct="1">
+              <a:defRPr>
+                <a:solidFill>
+                  <a:schemeClr val="tx2"/>
+                </a:solidFill>
+              </a:defRPr>
+            </a:lvl3pPr>
+            <a:lvl4pPr eaLnBrk="1" hangingPunct="1">
+              <a:defRPr>
+                <a:solidFill>
+                  <a:schemeClr val="tx2"/>
+                </a:solidFill>
+              </a:defRPr>
+            </a:lvl4pPr>
+            <a:lvl5pPr eaLnBrk="1" hangingPunct="1">
+              <a:defRPr>
+                <a:solidFill>
+                  <a:schemeClr val="tx2"/>
+                </a:solidFill>
+              </a:defRPr>
+            </a:lvl5pPr>
+            <a:lvl6pPr eaLnBrk="1" hangingPunct="1">
+              <a:defRPr>
+                <a:solidFill>
+                  <a:schemeClr val="tx2"/>
+                </a:solidFill>
+              </a:defRPr>
+            </a:lvl6pPr>
+            <a:lvl7pPr eaLnBrk="1" hangingPunct="1">
+              <a:defRPr>
+                <a:solidFill>
+                  <a:schemeClr val="tx2"/>
+                </a:solidFill>
+              </a:defRPr>
+            </a:lvl7pPr>
+            <a:lvl8pPr eaLnBrk="1" hangingPunct="1">
+              <a:defRPr>
+                <a:solidFill>
+                  <a:schemeClr val="tx2"/>
+                </a:solidFill>
+              </a:defRPr>
+            </a:lvl8pPr>
+            <a:lvl9pPr eaLnBrk="1" hangingPunct="1">
+              <a:defRPr>
+                <a:solidFill>
+                  <a:schemeClr val="tx2"/>
+                </a:solidFill>
+              </a:defRPr>
+            </a:lvl9pPr>
+          </a:lstStyle>
+          <a:p>
+            <a:pPr algn="ctr"/>
+            <a:r>
+              <a:rPr lang="en-US" sz="4000" dirty="0"/>
+              <a:t>Confusion Matrix</a:t>
+            </a:r>
+          </a:p>
+        </p:txBody>
+      </p:sp>
       <p:graphicFrame>
         <p:nvGraphicFramePr>
-          <p:cNvPr id="3" name="Diagrama 2"/>
-          <p:cNvGraphicFramePr/>
+          <p:cNvPr id="3" name="Tabla 3">
+            <a:extLst>
+              <a:ext uri="{FF2B5EF4-FFF2-40B4-BE49-F238E27FC236}">
+                <a16:creationId xmlns:a16="http://schemas.microsoft.com/office/drawing/2014/main" id="{6E889181-CC30-49C1-850E-55A6E54104E3}"/>
+              </a:ext>
+            </a:extLst>
+          </p:cNvPr>
+          <p:cNvGraphicFramePr>
+            <a:graphicFrameLocks noGrp="1"/>
+          </p:cNvGraphicFramePr>
           <p:nvPr>
             <p:extLst>
               <p:ext uri="{D42A27DB-BD31-4B8C-83A1-F6EECF244321}">
-                <p14:modId xmlns:p14="http://schemas.microsoft.com/office/powerpoint/2010/main" val="1408702742"/>
+                <p14:modId xmlns:p14="http://schemas.microsoft.com/office/powerpoint/2010/main" val="1393117124"/>
               </p:ext>
             </p:extLst>
           </p:nvPr>
         </p:nvGraphicFramePr>
         <p:xfrm>
-          <a:off x="716437" y="2309567"/>
-          <a:ext cx="11073420" cy="4334605"/>
+          <a:off x="2267974" y="3277100"/>
+          <a:ext cx="8128000" cy="2072640"/>
         </p:xfrm>
         <a:graphic>
-          <a:graphicData uri="http://schemas.openxmlformats.org/drawingml/2006/diagram">
-            <dgm:relIds xmlns:dgm="http://schemas.openxmlformats.org/drawingml/2006/diagram" xmlns:r="http://schemas.openxmlformats.org/officeDocument/2006/relationships" r:dm="rId4" r:lo="rId5" r:qs="rId6" r:cs="rId7"/>
+          <a:graphicData uri="http://schemas.openxmlformats.org/drawingml/2006/table">
+            <a:tbl>
+              <a:tblPr firstRow="1" bandRow="1">
+                <a:tableStyleId>{5C22544A-7EE6-4342-B048-85BDC9FD1C3A}</a:tableStyleId>
+              </a:tblPr>
+              <a:tblGrid>
+                <a:gridCol w="2032000">
+                  <a:extLst>
+                    <a:ext uri="{9D8B030D-6E8A-4147-A177-3AD203B41FA5}">
+                      <a16:colId xmlns:a16="http://schemas.microsoft.com/office/drawing/2014/main" val="313207065"/>
+                    </a:ext>
+                  </a:extLst>
+                </a:gridCol>
+                <a:gridCol w="2032000">
+                  <a:extLst>
+                    <a:ext uri="{9D8B030D-6E8A-4147-A177-3AD203B41FA5}">
+                      <a16:colId xmlns:a16="http://schemas.microsoft.com/office/drawing/2014/main" val="1816243927"/>
+                    </a:ext>
+                  </a:extLst>
+                </a:gridCol>
+                <a:gridCol w="2032000">
+                  <a:extLst>
+                    <a:ext uri="{9D8B030D-6E8A-4147-A177-3AD203B41FA5}">
+                      <a16:colId xmlns:a16="http://schemas.microsoft.com/office/drawing/2014/main" val="2947603383"/>
+                    </a:ext>
+                  </a:extLst>
+                </a:gridCol>
+                <a:gridCol w="2032000">
+                  <a:extLst>
+                    <a:ext uri="{9D8B030D-6E8A-4147-A177-3AD203B41FA5}">
+                      <a16:colId xmlns:a16="http://schemas.microsoft.com/office/drawing/2014/main" val="3945501469"/>
+                    </a:ext>
+                  </a:extLst>
+                </a:gridCol>
+              </a:tblGrid>
+              <a:tr h="370840">
+                <a:tc>
+                  <a:txBody>
+                    <a:bodyPr/>
+                    <a:lstStyle/>
+                    <a:p>
+                      <a:pPr algn="ctr"/>
+                      <a:endParaRPr lang="en-US" sz="2800" dirty="0"/>
+                    </a:p>
+                  </a:txBody>
+                  <a:tcPr/>
+                </a:tc>
+                <a:tc>
+                  <a:txBody>
+                    <a:bodyPr/>
+                    <a:lstStyle/>
+                    <a:p>
+                      <a:pPr algn="ctr"/>
+                      <a:r>
+                        <a:rPr lang="en-US" sz="2800" dirty="0"/>
+                        <a:t>bcc</a:t>
+                      </a:r>
+                    </a:p>
+                  </a:txBody>
+                  <a:tcPr/>
+                </a:tc>
+                <a:tc>
+                  <a:txBody>
+                    <a:bodyPr/>
+                    <a:lstStyle/>
+                    <a:p>
+                      <a:pPr algn="ctr"/>
+                      <a:r>
+                        <a:rPr lang="en-US" sz="2800" dirty="0" err="1"/>
+                        <a:t>bkl</a:t>
+                      </a:r>
+                      <a:endParaRPr lang="en-US" sz="2800" dirty="0"/>
+                    </a:p>
+                  </a:txBody>
+                  <a:tcPr/>
+                </a:tc>
+                <a:tc>
+                  <a:txBody>
+                    <a:bodyPr/>
+                    <a:lstStyle/>
+                    <a:p>
+                      <a:pPr algn="ctr"/>
+                      <a:r>
+                        <a:rPr lang="en-US" sz="2800" dirty="0" err="1"/>
+                        <a:t>mel</a:t>
+                      </a:r>
+                      <a:endParaRPr lang="en-US" sz="2800" dirty="0"/>
+                    </a:p>
+                  </a:txBody>
+                  <a:tcPr/>
+                </a:tc>
+                <a:extLst>
+                  <a:ext uri="{0D108BD9-81ED-4DB2-BD59-A6C34878D82A}">
+                    <a16:rowId xmlns:a16="http://schemas.microsoft.com/office/drawing/2014/main" val="2396130525"/>
+                  </a:ext>
+                </a:extLst>
+              </a:tr>
+              <a:tr h="370840">
+                <a:tc>
+                  <a:txBody>
+                    <a:bodyPr/>
+                    <a:lstStyle/>
+                    <a:p>
+                      <a:pPr algn="ctr"/>
+                      <a:r>
+                        <a:rPr lang="en-US" sz="2800" dirty="0"/>
+                        <a:t>bcc</a:t>
+                      </a:r>
+                    </a:p>
+                  </a:txBody>
+                  <a:tcPr/>
+                </a:tc>
+                <a:tc>
+                  <a:txBody>
+                    <a:bodyPr/>
+                    <a:lstStyle/>
+                    <a:p>
+                      <a:pPr algn="ctr"/>
+                      <a:r>
+                        <a:rPr lang="en-US" sz="2800" dirty="0"/>
+                        <a:t>9.4%</a:t>
+                      </a:r>
+                    </a:p>
+                  </a:txBody>
+                  <a:tcPr/>
+                </a:tc>
+                <a:tc>
+                  <a:txBody>
+                    <a:bodyPr/>
+                    <a:lstStyle/>
+                    <a:p>
+                      <a:pPr algn="ctr"/>
+                      <a:r>
+                        <a:rPr lang="en-US" sz="2800" dirty="0"/>
+                        <a:t>7.4%</a:t>
+                      </a:r>
+                    </a:p>
+                  </a:txBody>
+                  <a:tcPr/>
+                </a:tc>
+                <a:tc>
+                  <a:txBody>
+                    <a:bodyPr/>
+                    <a:lstStyle/>
+                    <a:p>
+                      <a:pPr algn="ctr"/>
+                      <a:r>
+                        <a:rPr lang="en-US" sz="2800" dirty="0"/>
+                        <a:t>3.2%</a:t>
+                      </a:r>
+                    </a:p>
+                  </a:txBody>
+                  <a:tcPr/>
+                </a:tc>
+                <a:extLst>
+                  <a:ext uri="{0D108BD9-81ED-4DB2-BD59-A6C34878D82A}">
+                    <a16:rowId xmlns:a16="http://schemas.microsoft.com/office/drawing/2014/main" val="250390234"/>
+                  </a:ext>
+                </a:extLst>
+              </a:tr>
+              <a:tr h="370840">
+                <a:tc>
+                  <a:txBody>
+                    <a:bodyPr/>
+                    <a:lstStyle/>
+                    <a:p>
+                      <a:pPr algn="ctr"/>
+                      <a:r>
+                        <a:rPr lang="en-US" sz="2800" dirty="0" err="1"/>
+                        <a:t>bkl</a:t>
+                      </a:r>
+                      <a:endParaRPr lang="en-US" sz="2800" dirty="0"/>
+                    </a:p>
+                  </a:txBody>
+                  <a:tcPr/>
+                </a:tc>
+                <a:tc>
+                  <a:txBody>
+                    <a:bodyPr/>
+                    <a:lstStyle/>
+                    <a:p>
+                      <a:pPr algn="ctr"/>
+                      <a:r>
+                        <a:rPr lang="en-US" sz="2800" dirty="0"/>
+                        <a:t>2.4%</a:t>
+                      </a:r>
+                    </a:p>
+                  </a:txBody>
+                  <a:tcPr/>
+                </a:tc>
+                <a:tc>
+                  <a:txBody>
+                    <a:bodyPr/>
+                    <a:lstStyle/>
+                    <a:p>
+                      <a:pPr algn="ctr"/>
+                      <a:r>
+                        <a:rPr lang="en-US" sz="2800" dirty="0"/>
+                        <a:t>19.8%</a:t>
+                      </a:r>
+                    </a:p>
+                  </a:txBody>
+                  <a:tcPr/>
+                </a:tc>
+                <a:tc>
+                  <a:txBody>
+                    <a:bodyPr/>
+                    <a:lstStyle/>
+                    <a:p>
+                      <a:pPr algn="ctr"/>
+                      <a:r>
+                        <a:rPr lang="en-US" sz="2800" dirty="0"/>
+                        <a:t>17.8%</a:t>
+                      </a:r>
+                    </a:p>
+                  </a:txBody>
+                  <a:tcPr/>
+                </a:tc>
+                <a:extLst>
+                  <a:ext uri="{0D108BD9-81ED-4DB2-BD59-A6C34878D82A}">
+                    <a16:rowId xmlns:a16="http://schemas.microsoft.com/office/drawing/2014/main" val="2218611576"/>
+                  </a:ext>
+                </a:extLst>
+              </a:tr>
+              <a:tr h="370840">
+                <a:tc>
+                  <a:txBody>
+                    <a:bodyPr/>
+                    <a:lstStyle/>
+                    <a:p>
+                      <a:pPr algn="ctr"/>
+                      <a:r>
+                        <a:rPr lang="en-US" sz="2800" dirty="0" err="1"/>
+                        <a:t>mel</a:t>
+                      </a:r>
+                      <a:endParaRPr lang="en-US" sz="2800" dirty="0"/>
+                    </a:p>
+                  </a:txBody>
+                  <a:tcPr/>
+                </a:tc>
+                <a:tc>
+                  <a:txBody>
+                    <a:bodyPr/>
+                    <a:lstStyle/>
+                    <a:p>
+                      <a:pPr algn="ctr"/>
+                      <a:r>
+                        <a:rPr lang="en-US" sz="2800" dirty="0"/>
+                        <a:t>1.8%</a:t>
+                      </a:r>
+                    </a:p>
+                  </a:txBody>
+                  <a:tcPr/>
+                </a:tc>
+                <a:tc>
+                  <a:txBody>
+                    <a:bodyPr/>
+                    <a:lstStyle/>
+                    <a:p>
+                      <a:pPr algn="ctr"/>
+                      <a:r>
+                        <a:rPr lang="en-US" sz="2800" dirty="0"/>
+                        <a:t>8.2%</a:t>
+                      </a:r>
+                    </a:p>
+                  </a:txBody>
+                  <a:tcPr/>
+                </a:tc>
+                <a:tc>
+                  <a:txBody>
+                    <a:bodyPr/>
+                    <a:lstStyle/>
+                    <a:p>
+                      <a:pPr algn="ctr"/>
+                      <a:r>
+                        <a:rPr lang="en-US" sz="2800" dirty="0"/>
+                        <a:t>30%</a:t>
+                      </a:r>
+                    </a:p>
+                  </a:txBody>
+                  <a:tcPr/>
+                </a:tc>
+                <a:extLst>
+                  <a:ext uri="{0D108BD9-81ED-4DB2-BD59-A6C34878D82A}">
+                    <a16:rowId xmlns:a16="http://schemas.microsoft.com/office/drawing/2014/main" val="121838258"/>
+                  </a:ext>
+                </a:extLst>
+              </a:tr>
+            </a:tbl>
           </a:graphicData>
         </a:graphic>
       </p:graphicFrame>
-      <p:sp>
-        <p:nvSpPr>
-          <p:cNvPr id="2" name="CuadroTexto 1">
-            <a:extLst>
-              <a:ext uri="{FF2B5EF4-FFF2-40B4-BE49-F238E27FC236}">
-                <a16:creationId xmlns:a16="http://schemas.microsoft.com/office/drawing/2014/main" id="{EB9D6E9F-A650-4177-A0E7-DDFB75CF7706}"/>
-              </a:ext>
-            </a:extLst>
-          </p:cNvPr>
-          <p:cNvSpPr txBox="1"/>
-          <p:nvPr/>
-        </p:nvSpPr>
-        <p:spPr>
-          <a:xfrm>
-            <a:off x="584461" y="2309567"/>
-            <a:ext cx="3091992" cy="369332"/>
-          </a:xfrm>
-          <a:prstGeom prst="rect">
-            <a:avLst/>
-          </a:prstGeom>
-          <a:noFill/>
-        </p:spPr>
-        <p:txBody>
-          <a:bodyPr wrap="square" rtlCol="0">
-            <a:spAutoFit/>
-          </a:bodyPr>
-          <a:lstStyle/>
-          <a:p>
-            <a:r>
-              <a:rPr lang="en-US" b="1" dirty="0"/>
-              <a:t>Number of features: 600</a:t>
-            </a:r>
-          </a:p>
-        </p:txBody>
-      </p:sp>
     </p:spTree>
     <p:extLst>
       <p:ext uri="{BB962C8B-B14F-4D97-AF65-F5344CB8AC3E}">
-        <p14:creationId xmlns:p14="http://schemas.microsoft.com/office/powerpoint/2010/main" val="524126007"/>
+        <p14:creationId xmlns:p14="http://schemas.microsoft.com/office/powerpoint/2010/main" val="493661621"/>
       </p:ext>
     </p:extLst>
   </p:cSld>
@@ -32384,1048 +32237,6 @@
       </p:pic>
       <p:graphicFrame>
         <p:nvGraphicFramePr>
-          <p:cNvPr id="3" name="Diagrama 2"/>
-          <p:cNvGraphicFramePr/>
-          <p:nvPr/>
-        </p:nvGraphicFramePr>
-        <p:xfrm>
-          <a:off x="716437" y="2309567"/>
-          <a:ext cx="11073420" cy="4334605"/>
-        </p:xfrm>
-        <a:graphic>
-          <a:graphicData uri="http://schemas.openxmlformats.org/drawingml/2006/diagram">
-            <dgm:relIds xmlns:dgm="http://schemas.openxmlformats.org/drawingml/2006/diagram" xmlns:r="http://schemas.openxmlformats.org/officeDocument/2006/relationships" r:dm="rId4" r:lo="rId5" r:qs="rId6" r:cs="rId7"/>
-          </a:graphicData>
-        </a:graphic>
-      </p:graphicFrame>
-      <p:sp>
-        <p:nvSpPr>
-          <p:cNvPr id="2" name="CuadroTexto 1">
-            <a:extLst>
-              <a:ext uri="{FF2B5EF4-FFF2-40B4-BE49-F238E27FC236}">
-                <a16:creationId xmlns:a16="http://schemas.microsoft.com/office/drawing/2014/main" id="{EB9D6E9F-A650-4177-A0E7-DDFB75CF7706}"/>
-              </a:ext>
-            </a:extLst>
-          </p:cNvPr>
-          <p:cNvSpPr txBox="1"/>
-          <p:nvPr/>
-        </p:nvSpPr>
-        <p:spPr>
-          <a:xfrm>
-            <a:off x="584461" y="2309567"/>
-            <a:ext cx="3091992" cy="369332"/>
-          </a:xfrm>
-          <a:prstGeom prst="rect">
-            <a:avLst/>
-          </a:prstGeom>
-          <a:noFill/>
-        </p:spPr>
-        <p:txBody>
-          <a:bodyPr wrap="square" rtlCol="0">
-            <a:spAutoFit/>
-          </a:bodyPr>
-          <a:lstStyle/>
-          <a:p>
-            <a:r>
-              <a:rPr lang="en-US" b="1" dirty="0"/>
-              <a:t>Number of features: 1500</a:t>
-            </a:r>
-          </a:p>
-        </p:txBody>
-      </p:sp>
-    </p:spTree>
-    <p:extLst>
-      <p:ext uri="{BB962C8B-B14F-4D97-AF65-F5344CB8AC3E}">
-        <p14:creationId xmlns:p14="http://schemas.microsoft.com/office/powerpoint/2010/main" val="4013937675"/>
-      </p:ext>
-    </p:extLst>
-  </p:cSld>
-  <p:clrMapOvr>
-    <a:masterClrMapping/>
-  </p:clrMapOvr>
-</p:sld>
-</file>
-
-<file path=ppt/slides/slide15.xml><?xml version="1.0" encoding="utf-8"?>
-<p:sld xmlns:a="http://schemas.openxmlformats.org/drawingml/2006/main" xmlns:r="http://schemas.openxmlformats.org/officeDocument/2006/relationships" xmlns:p="http://schemas.openxmlformats.org/presentationml/2006/main">
-  <p:cSld>
-    <p:spTree>
-      <p:nvGrpSpPr>
-        <p:cNvPr id="1" name=""/>
-        <p:cNvGrpSpPr/>
-        <p:nvPr/>
-      </p:nvGrpSpPr>
-      <p:grpSpPr>
-        <a:xfrm>
-          <a:off x="0" y="0"/>
-          <a:ext cx="0" cy="0"/>
-          <a:chOff x="0" y="0"/>
-          <a:chExt cx="0" cy="0"/>
-        </a:xfrm>
-      </p:grpSpPr>
-      <p:sp>
-        <p:nvSpPr>
-          <p:cNvPr id="12" name="Title 1">
-            <a:extLst>
-              <a:ext uri="{FF2B5EF4-FFF2-40B4-BE49-F238E27FC236}">
-                <a16:creationId xmlns:a16="http://schemas.microsoft.com/office/drawing/2014/main" id="{05ACE682-1B73-40BF-BA3B-B531FBAF2E9A}"/>
-              </a:ext>
-            </a:extLst>
-          </p:cNvPr>
-          <p:cNvSpPr>
-            <a:spLocks noGrp="1"/>
-          </p:cNvSpPr>
-          <p:nvPr>
-            <p:ph type="title"/>
-          </p:nvPr>
-        </p:nvSpPr>
-        <p:spPr>
-          <a:xfrm>
-            <a:off x="2623396" y="801731"/>
-            <a:ext cx="7190913" cy="1080938"/>
-          </a:xfrm>
-        </p:spPr>
-        <p:txBody>
-          <a:bodyPr>
-            <a:normAutofit fontScale="90000"/>
-          </a:bodyPr>
-          <a:lstStyle/>
-          <a:p>
-            <a:pPr algn="ctr"/>
-            <a:r>
-              <a:rPr lang="en-US" sz="4800" dirty="0"/>
-              <a:t>Classification</a:t>
-            </a:r>
-            <a:br>
-              <a:rPr lang="en-US" sz="4800" dirty="0"/>
-            </a:br>
-            <a:r>
-              <a:rPr lang="en-US" sz="4800" dirty="0"/>
-              <a:t>-multiclass-</a:t>
-            </a:r>
-          </a:p>
-        </p:txBody>
-      </p:sp>
-      <p:sp>
-        <p:nvSpPr>
-          <p:cNvPr id="8" name="Slide Number Placeholder 5">
-            <a:extLst>
-              <a:ext uri="{FF2B5EF4-FFF2-40B4-BE49-F238E27FC236}">
-                <a16:creationId xmlns:a16="http://schemas.microsoft.com/office/drawing/2014/main" id="{974E51E9-613F-49E1-8A93-AF9AF175FA01}"/>
-              </a:ext>
-            </a:extLst>
-          </p:cNvPr>
-          <p:cNvSpPr txBox="1">
-            <a:spLocks/>
-          </p:cNvSpPr>
-          <p:nvPr/>
-        </p:nvSpPr>
-        <p:spPr bwMode="gray">
-          <a:xfrm>
-            <a:off x="11010090" y="6231913"/>
-            <a:ext cx="779767" cy="365125"/>
-          </a:xfrm>
-          <a:prstGeom prst="rect">
-            <a:avLst/>
-          </a:prstGeom>
-        </p:spPr>
-        <p:txBody>
-          <a:bodyPr vert="horz" lIns="91440" tIns="45720" rIns="91440" bIns="45720" rtlCol="0" anchor="ctr"/>
-          <a:lstStyle>
-            <a:defPPr>
-              <a:defRPr lang="en-US"/>
-            </a:defPPr>
-            <a:lvl1pPr marL="0" algn="r" defTabSz="457200" rtl="0" eaLnBrk="1" latinLnBrk="0" hangingPunct="1">
-              <a:defRPr sz="2000" kern="1200">
-                <a:solidFill>
-                  <a:srgbClr val="FEFFFF"/>
-                </a:solidFill>
-                <a:latin typeface="+mn-lt"/>
-                <a:ea typeface="+mn-ea"/>
-                <a:cs typeface="+mn-cs"/>
-              </a:defRPr>
-            </a:lvl1pPr>
-            <a:lvl2pPr marL="457200" algn="l" defTabSz="457200" rtl="0" eaLnBrk="1" latinLnBrk="0" hangingPunct="1">
-              <a:defRPr sz="1800" kern="1200">
-                <a:solidFill>
-                  <a:schemeClr val="tx1"/>
-                </a:solidFill>
-                <a:latin typeface="+mn-lt"/>
-                <a:ea typeface="+mn-ea"/>
-                <a:cs typeface="+mn-cs"/>
-              </a:defRPr>
-            </a:lvl2pPr>
-            <a:lvl3pPr marL="914400" algn="l" defTabSz="457200" rtl="0" eaLnBrk="1" latinLnBrk="0" hangingPunct="1">
-              <a:defRPr sz="1800" kern="1200">
-                <a:solidFill>
-                  <a:schemeClr val="tx1"/>
-                </a:solidFill>
-                <a:latin typeface="+mn-lt"/>
-                <a:ea typeface="+mn-ea"/>
-                <a:cs typeface="+mn-cs"/>
-              </a:defRPr>
-            </a:lvl3pPr>
-            <a:lvl4pPr marL="1371600" algn="l" defTabSz="457200" rtl="0" eaLnBrk="1" latinLnBrk="0" hangingPunct="1">
-              <a:defRPr sz="1800" kern="1200">
-                <a:solidFill>
-                  <a:schemeClr val="tx1"/>
-                </a:solidFill>
-                <a:latin typeface="+mn-lt"/>
-                <a:ea typeface="+mn-ea"/>
-                <a:cs typeface="+mn-cs"/>
-              </a:defRPr>
-            </a:lvl4pPr>
-            <a:lvl5pPr marL="1828800" algn="l" defTabSz="457200" rtl="0" eaLnBrk="1" latinLnBrk="0" hangingPunct="1">
-              <a:defRPr sz="1800" kern="1200">
-                <a:solidFill>
-                  <a:schemeClr val="tx1"/>
-                </a:solidFill>
-                <a:latin typeface="+mn-lt"/>
-                <a:ea typeface="+mn-ea"/>
-                <a:cs typeface="+mn-cs"/>
-              </a:defRPr>
-            </a:lvl5pPr>
-            <a:lvl6pPr marL="2286000" algn="l" defTabSz="457200" rtl="0" eaLnBrk="1" latinLnBrk="0" hangingPunct="1">
-              <a:defRPr sz="1800" kern="1200">
-                <a:solidFill>
-                  <a:schemeClr val="tx1"/>
-                </a:solidFill>
-                <a:latin typeface="+mn-lt"/>
-                <a:ea typeface="+mn-ea"/>
-                <a:cs typeface="+mn-cs"/>
-              </a:defRPr>
-            </a:lvl6pPr>
-            <a:lvl7pPr marL="2743200" algn="l" defTabSz="457200" rtl="0" eaLnBrk="1" latinLnBrk="0" hangingPunct="1">
-              <a:defRPr sz="1800" kern="1200">
-                <a:solidFill>
-                  <a:schemeClr val="tx1"/>
-                </a:solidFill>
-                <a:latin typeface="+mn-lt"/>
-                <a:ea typeface="+mn-ea"/>
-                <a:cs typeface="+mn-cs"/>
-              </a:defRPr>
-            </a:lvl7pPr>
-            <a:lvl8pPr marL="3200400" algn="l" defTabSz="457200" rtl="0" eaLnBrk="1" latinLnBrk="0" hangingPunct="1">
-              <a:defRPr sz="1800" kern="1200">
-                <a:solidFill>
-                  <a:schemeClr val="tx1"/>
-                </a:solidFill>
-                <a:latin typeface="+mn-lt"/>
-                <a:ea typeface="+mn-ea"/>
-                <a:cs typeface="+mn-cs"/>
-              </a:defRPr>
-            </a:lvl8pPr>
-            <a:lvl9pPr marL="3657600" algn="l" defTabSz="457200" rtl="0" eaLnBrk="1" latinLnBrk="0" hangingPunct="1">
-              <a:defRPr sz="1800" kern="1200">
-                <a:solidFill>
-                  <a:schemeClr val="tx1"/>
-                </a:solidFill>
-                <a:latin typeface="+mn-lt"/>
-                <a:ea typeface="+mn-ea"/>
-                <a:cs typeface="+mn-cs"/>
-              </a:defRPr>
-            </a:lvl9pPr>
-          </a:lstStyle>
-          <a:p>
-            <a:fld id="{19584825-D934-4E20-B0C8-29FEC7CA1AF9}" type="slidenum">
-              <a:rPr lang="en-US" smtClean="0">
-                <a:solidFill>
-                  <a:schemeClr val="tx1"/>
-                </a:solidFill>
-              </a:rPr>
-              <a:pPr/>
-              <a:t>15</a:t>
-            </a:fld>
-            <a:endParaRPr lang="en-US" dirty="0">
-              <a:solidFill>
-                <a:schemeClr val="tx1"/>
-              </a:solidFill>
-            </a:endParaRPr>
-          </a:p>
-        </p:txBody>
-      </p:sp>
-      <p:pic>
-        <p:nvPicPr>
-          <p:cNvPr id="9" name="Picture 8" descr="A picture containing text, clipart&#10;&#10;Description automatically generated">
-            <a:extLst>
-              <a:ext uri="{FF2B5EF4-FFF2-40B4-BE49-F238E27FC236}">
-                <a16:creationId xmlns:a16="http://schemas.microsoft.com/office/drawing/2014/main" id="{942D71B3-CD34-43E5-9D3F-BA2819AE22EA}"/>
-              </a:ext>
-            </a:extLst>
-          </p:cNvPr>
-          <p:cNvPicPr>
-            <a:picLocks noChangeAspect="1"/>
-          </p:cNvPicPr>
-          <p:nvPr/>
-        </p:nvPicPr>
-        <p:blipFill rotWithShape="1">
-          <a:blip r:embed="rId2">
-            <a:extLst>
-              <a:ext uri="{28A0092B-C50C-407E-A947-70E740481C1C}">
-                <a14:useLocalDpi xmlns:a14="http://schemas.microsoft.com/office/drawing/2010/main" val="0"/>
-              </a:ext>
-            </a:extLst>
-          </a:blip>
-          <a:srcRect r="57677"/>
-          <a:stretch/>
-        </p:blipFill>
-        <p:spPr>
-          <a:xfrm>
-            <a:off x="10608300" y="437028"/>
-            <a:ext cx="1428567" cy="1066632"/>
-          </a:xfrm>
-          <a:prstGeom prst="rect">
-            <a:avLst/>
-          </a:prstGeom>
-        </p:spPr>
-      </p:pic>
-      <p:pic>
-        <p:nvPicPr>
-          <p:cNvPr id="13" name="Picture 12" descr="Logo&#10;&#10;Description automatically generated">
-            <a:extLst>
-              <a:ext uri="{FF2B5EF4-FFF2-40B4-BE49-F238E27FC236}">
-                <a16:creationId xmlns:a16="http://schemas.microsoft.com/office/drawing/2014/main" id="{0B34AC09-580D-4C50-930A-7592EF4E9F8E}"/>
-              </a:ext>
-            </a:extLst>
-          </p:cNvPr>
-          <p:cNvPicPr>
-            <a:picLocks noChangeAspect="1"/>
-          </p:cNvPicPr>
-          <p:nvPr/>
-        </p:nvPicPr>
-        <p:blipFill>
-          <a:blip r:embed="rId3">
-            <a:extLst>
-              <a:ext uri="{28A0092B-C50C-407E-A947-70E740481C1C}">
-                <a14:useLocalDpi xmlns:a14="http://schemas.microsoft.com/office/drawing/2010/main" val="0"/>
-              </a:ext>
-            </a:extLst>
-          </a:blip>
-          <a:stretch>
-            <a:fillRect/>
-          </a:stretch>
-        </p:blipFill>
-        <p:spPr>
-          <a:xfrm>
-            <a:off x="1829405" y="499758"/>
-            <a:ext cx="1376588" cy="941171"/>
-          </a:xfrm>
-          <a:prstGeom prst="rect">
-            <a:avLst/>
-          </a:prstGeom>
-        </p:spPr>
-      </p:pic>
-      <p:sp>
-        <p:nvSpPr>
-          <p:cNvPr id="11" name="Title 1">
-            <a:extLst>
-              <a:ext uri="{FF2B5EF4-FFF2-40B4-BE49-F238E27FC236}">
-                <a16:creationId xmlns:a16="http://schemas.microsoft.com/office/drawing/2014/main" id="{EE62F439-B360-4188-85AA-3921DFC2AD94}"/>
-              </a:ext>
-            </a:extLst>
-          </p:cNvPr>
-          <p:cNvSpPr txBox="1">
-            <a:spLocks/>
-          </p:cNvSpPr>
-          <p:nvPr/>
-        </p:nvSpPr>
-        <p:spPr>
-          <a:xfrm>
-            <a:off x="2267974" y="2664356"/>
-            <a:ext cx="8128000" cy="612744"/>
-          </a:xfrm>
-          <a:prstGeom prst="rect">
-            <a:avLst/>
-          </a:prstGeom>
-        </p:spPr>
-        <p:txBody>
-          <a:bodyPr vert="horz" lIns="91440" tIns="45720" rIns="91440" bIns="45720" rtlCol="0" anchor="t">
-            <a:noAutofit/>
-          </a:bodyPr>
-          <a:lstStyle>
-            <a:lvl1pPr algn="l" defTabSz="457200" rtl="0" eaLnBrk="1" latinLnBrk="0" hangingPunct="1">
-              <a:spcBef>
-                <a:spcPct val="0"/>
-              </a:spcBef>
-              <a:buNone/>
-              <a:defRPr sz="3600" kern="1200">
-                <a:solidFill>
-                  <a:schemeClr val="accent2">
-                    <a:lumMod val="75000"/>
-                  </a:schemeClr>
-                </a:solidFill>
-                <a:latin typeface="+mj-lt"/>
-                <a:ea typeface="+mj-ea"/>
-                <a:cs typeface="+mj-cs"/>
-              </a:defRPr>
-            </a:lvl1pPr>
-            <a:lvl2pPr eaLnBrk="1" hangingPunct="1">
-              <a:defRPr>
-                <a:solidFill>
-                  <a:schemeClr val="tx2"/>
-                </a:solidFill>
-              </a:defRPr>
-            </a:lvl2pPr>
-            <a:lvl3pPr eaLnBrk="1" hangingPunct="1">
-              <a:defRPr>
-                <a:solidFill>
-                  <a:schemeClr val="tx2"/>
-                </a:solidFill>
-              </a:defRPr>
-            </a:lvl3pPr>
-            <a:lvl4pPr eaLnBrk="1" hangingPunct="1">
-              <a:defRPr>
-                <a:solidFill>
-                  <a:schemeClr val="tx2"/>
-                </a:solidFill>
-              </a:defRPr>
-            </a:lvl4pPr>
-            <a:lvl5pPr eaLnBrk="1" hangingPunct="1">
-              <a:defRPr>
-                <a:solidFill>
-                  <a:schemeClr val="tx2"/>
-                </a:solidFill>
-              </a:defRPr>
-            </a:lvl5pPr>
-            <a:lvl6pPr eaLnBrk="1" hangingPunct="1">
-              <a:defRPr>
-                <a:solidFill>
-                  <a:schemeClr val="tx2"/>
-                </a:solidFill>
-              </a:defRPr>
-            </a:lvl6pPr>
-            <a:lvl7pPr eaLnBrk="1" hangingPunct="1">
-              <a:defRPr>
-                <a:solidFill>
-                  <a:schemeClr val="tx2"/>
-                </a:solidFill>
-              </a:defRPr>
-            </a:lvl7pPr>
-            <a:lvl8pPr eaLnBrk="1" hangingPunct="1">
-              <a:defRPr>
-                <a:solidFill>
-                  <a:schemeClr val="tx2"/>
-                </a:solidFill>
-              </a:defRPr>
-            </a:lvl8pPr>
-            <a:lvl9pPr eaLnBrk="1" hangingPunct="1">
-              <a:defRPr>
-                <a:solidFill>
-                  <a:schemeClr val="tx2"/>
-                </a:solidFill>
-              </a:defRPr>
-            </a:lvl9pPr>
-          </a:lstStyle>
-          <a:p>
-            <a:pPr algn="ctr"/>
-            <a:r>
-              <a:rPr lang="en-US" sz="4000" dirty="0"/>
-              <a:t>Confusion Matrix</a:t>
-            </a:r>
-          </a:p>
-        </p:txBody>
-      </p:sp>
-      <p:graphicFrame>
-        <p:nvGraphicFramePr>
-          <p:cNvPr id="3" name="Tabla 3">
-            <a:extLst>
-              <a:ext uri="{FF2B5EF4-FFF2-40B4-BE49-F238E27FC236}">
-                <a16:creationId xmlns:a16="http://schemas.microsoft.com/office/drawing/2014/main" id="{6E889181-CC30-49C1-850E-55A6E54104E3}"/>
-              </a:ext>
-            </a:extLst>
-          </p:cNvPr>
-          <p:cNvGraphicFramePr>
-            <a:graphicFrameLocks noGrp="1"/>
-          </p:cNvGraphicFramePr>
-          <p:nvPr>
-            <p:extLst>
-              <p:ext uri="{D42A27DB-BD31-4B8C-83A1-F6EECF244321}">
-                <p14:modId xmlns:p14="http://schemas.microsoft.com/office/powerpoint/2010/main" val="1569514784"/>
-              </p:ext>
-            </p:extLst>
-          </p:nvPr>
-        </p:nvGraphicFramePr>
-        <p:xfrm>
-          <a:off x="2267974" y="3277100"/>
-          <a:ext cx="8128000" cy="2072640"/>
-        </p:xfrm>
-        <a:graphic>
-          <a:graphicData uri="http://schemas.openxmlformats.org/drawingml/2006/table">
-            <a:tbl>
-              <a:tblPr firstRow="1" bandRow="1">
-                <a:tableStyleId>{5C22544A-7EE6-4342-B048-85BDC9FD1C3A}</a:tableStyleId>
-              </a:tblPr>
-              <a:tblGrid>
-                <a:gridCol w="2032000">
-                  <a:extLst>
-                    <a:ext uri="{9D8B030D-6E8A-4147-A177-3AD203B41FA5}">
-                      <a16:colId xmlns:a16="http://schemas.microsoft.com/office/drawing/2014/main" val="313207065"/>
-                    </a:ext>
-                  </a:extLst>
-                </a:gridCol>
-                <a:gridCol w="2032000">
-                  <a:extLst>
-                    <a:ext uri="{9D8B030D-6E8A-4147-A177-3AD203B41FA5}">
-                      <a16:colId xmlns:a16="http://schemas.microsoft.com/office/drawing/2014/main" val="1816243927"/>
-                    </a:ext>
-                  </a:extLst>
-                </a:gridCol>
-                <a:gridCol w="2032000">
-                  <a:extLst>
-                    <a:ext uri="{9D8B030D-6E8A-4147-A177-3AD203B41FA5}">
-                      <a16:colId xmlns:a16="http://schemas.microsoft.com/office/drawing/2014/main" val="2947603383"/>
-                    </a:ext>
-                  </a:extLst>
-                </a:gridCol>
-                <a:gridCol w="2032000">
-                  <a:extLst>
-                    <a:ext uri="{9D8B030D-6E8A-4147-A177-3AD203B41FA5}">
-                      <a16:colId xmlns:a16="http://schemas.microsoft.com/office/drawing/2014/main" val="3945501469"/>
-                    </a:ext>
-                  </a:extLst>
-                </a:gridCol>
-              </a:tblGrid>
-              <a:tr h="370840">
-                <a:tc>
-                  <a:txBody>
-                    <a:bodyPr/>
-                    <a:lstStyle/>
-                    <a:p>
-                      <a:pPr algn="ctr"/>
-                      <a:endParaRPr lang="en-US" sz="2800" dirty="0"/>
-                    </a:p>
-                  </a:txBody>
-                  <a:tcPr/>
-                </a:tc>
-                <a:tc>
-                  <a:txBody>
-                    <a:bodyPr/>
-                    <a:lstStyle/>
-                    <a:p>
-                      <a:pPr algn="ctr"/>
-                      <a:r>
-                        <a:rPr lang="en-US" sz="2800" dirty="0"/>
-                        <a:t>bcc</a:t>
-                      </a:r>
-                    </a:p>
-                  </a:txBody>
-                  <a:tcPr/>
-                </a:tc>
-                <a:tc>
-                  <a:txBody>
-                    <a:bodyPr/>
-                    <a:lstStyle/>
-                    <a:p>
-                      <a:pPr algn="ctr"/>
-                      <a:r>
-                        <a:rPr lang="en-US" sz="2800" dirty="0" err="1"/>
-                        <a:t>bkl</a:t>
-                      </a:r>
-                      <a:endParaRPr lang="en-US" sz="2800" dirty="0"/>
-                    </a:p>
-                  </a:txBody>
-                  <a:tcPr/>
-                </a:tc>
-                <a:tc>
-                  <a:txBody>
-                    <a:bodyPr/>
-                    <a:lstStyle/>
-                    <a:p>
-                      <a:pPr algn="ctr"/>
-                      <a:r>
-                        <a:rPr lang="en-US" sz="2800" dirty="0" err="1"/>
-                        <a:t>mel</a:t>
-                      </a:r>
-                      <a:endParaRPr lang="en-US" sz="2800" dirty="0"/>
-                    </a:p>
-                  </a:txBody>
-                  <a:tcPr/>
-                </a:tc>
-                <a:extLst>
-                  <a:ext uri="{0D108BD9-81ED-4DB2-BD59-A6C34878D82A}">
-                    <a16:rowId xmlns:a16="http://schemas.microsoft.com/office/drawing/2014/main" val="2396130525"/>
-                  </a:ext>
-                </a:extLst>
-              </a:tr>
-              <a:tr h="370840">
-                <a:tc>
-                  <a:txBody>
-                    <a:bodyPr/>
-                    <a:lstStyle/>
-                    <a:p>
-                      <a:pPr algn="ctr"/>
-                      <a:r>
-                        <a:rPr lang="en-US" sz="2800" dirty="0"/>
-                        <a:t>bcc</a:t>
-                      </a:r>
-                    </a:p>
-                  </a:txBody>
-                  <a:tcPr/>
-                </a:tc>
-                <a:tc>
-                  <a:txBody>
-                    <a:bodyPr/>
-                    <a:lstStyle/>
-                    <a:p>
-                      <a:pPr algn="ctr"/>
-                      <a:r>
-                        <a:rPr lang="en-US" sz="2800" dirty="0"/>
-                        <a:t>9.4%</a:t>
-                      </a:r>
-                    </a:p>
-                  </a:txBody>
-                  <a:tcPr/>
-                </a:tc>
-                <a:tc>
-                  <a:txBody>
-                    <a:bodyPr/>
-                    <a:lstStyle/>
-                    <a:p>
-                      <a:pPr algn="ctr"/>
-                      <a:r>
-                        <a:rPr lang="en-US" sz="2800" dirty="0"/>
-                        <a:t>7.4%</a:t>
-                      </a:r>
-                    </a:p>
-                  </a:txBody>
-                  <a:tcPr/>
-                </a:tc>
-                <a:tc>
-                  <a:txBody>
-                    <a:bodyPr/>
-                    <a:lstStyle/>
-                    <a:p>
-                      <a:pPr algn="ctr"/>
-                      <a:r>
-                        <a:rPr lang="en-US" sz="2800" dirty="0"/>
-                        <a:t>3.2%</a:t>
-                      </a:r>
-                    </a:p>
-                  </a:txBody>
-                  <a:tcPr/>
-                </a:tc>
-                <a:extLst>
-                  <a:ext uri="{0D108BD9-81ED-4DB2-BD59-A6C34878D82A}">
-                    <a16:rowId xmlns:a16="http://schemas.microsoft.com/office/drawing/2014/main" val="250390234"/>
-                  </a:ext>
-                </a:extLst>
-              </a:tr>
-              <a:tr h="370840">
-                <a:tc>
-                  <a:txBody>
-                    <a:bodyPr/>
-                    <a:lstStyle/>
-                    <a:p>
-                      <a:pPr algn="ctr"/>
-                      <a:r>
-                        <a:rPr lang="en-US" sz="2800" dirty="0" err="1"/>
-                        <a:t>bkl</a:t>
-                      </a:r>
-                      <a:endParaRPr lang="en-US" sz="2800" dirty="0"/>
-                    </a:p>
-                  </a:txBody>
-                  <a:tcPr/>
-                </a:tc>
-                <a:tc>
-                  <a:txBody>
-                    <a:bodyPr/>
-                    <a:lstStyle/>
-                    <a:p>
-                      <a:pPr algn="ctr"/>
-                      <a:r>
-                        <a:rPr lang="en-US" sz="2800" dirty="0"/>
-                        <a:t>2.4</a:t>
-                      </a:r>
-                    </a:p>
-                  </a:txBody>
-                  <a:tcPr/>
-                </a:tc>
-                <a:tc>
-                  <a:txBody>
-                    <a:bodyPr/>
-                    <a:lstStyle/>
-                    <a:p>
-                      <a:pPr algn="ctr"/>
-                      <a:r>
-                        <a:rPr lang="en-US" sz="2800" dirty="0"/>
-                        <a:t>19.8%</a:t>
-                      </a:r>
-                    </a:p>
-                  </a:txBody>
-                  <a:tcPr/>
-                </a:tc>
-                <a:tc>
-                  <a:txBody>
-                    <a:bodyPr/>
-                    <a:lstStyle/>
-                    <a:p>
-                      <a:pPr algn="ctr"/>
-                      <a:r>
-                        <a:rPr lang="en-US" sz="2800" dirty="0"/>
-                        <a:t>17.8%</a:t>
-                      </a:r>
-                    </a:p>
-                  </a:txBody>
-                  <a:tcPr/>
-                </a:tc>
-                <a:extLst>
-                  <a:ext uri="{0D108BD9-81ED-4DB2-BD59-A6C34878D82A}">
-                    <a16:rowId xmlns:a16="http://schemas.microsoft.com/office/drawing/2014/main" val="2218611576"/>
-                  </a:ext>
-                </a:extLst>
-              </a:tr>
-              <a:tr h="370840">
-                <a:tc>
-                  <a:txBody>
-                    <a:bodyPr/>
-                    <a:lstStyle/>
-                    <a:p>
-                      <a:pPr algn="ctr"/>
-                      <a:r>
-                        <a:rPr lang="en-US" sz="2800" dirty="0" err="1"/>
-                        <a:t>mel</a:t>
-                      </a:r>
-                      <a:endParaRPr lang="en-US" sz="2800" dirty="0"/>
-                    </a:p>
-                  </a:txBody>
-                  <a:tcPr/>
-                </a:tc>
-                <a:tc>
-                  <a:txBody>
-                    <a:bodyPr/>
-                    <a:lstStyle/>
-                    <a:p>
-                      <a:pPr algn="ctr"/>
-                      <a:r>
-                        <a:rPr lang="en-US" sz="2800" dirty="0"/>
-                        <a:t>1.8%</a:t>
-                      </a:r>
-                    </a:p>
-                  </a:txBody>
-                  <a:tcPr/>
-                </a:tc>
-                <a:tc>
-                  <a:txBody>
-                    <a:bodyPr/>
-                    <a:lstStyle/>
-                    <a:p>
-                      <a:pPr algn="ctr"/>
-                      <a:r>
-                        <a:rPr lang="en-US" sz="2800" dirty="0"/>
-                        <a:t>8.2%</a:t>
-                      </a:r>
-                    </a:p>
-                  </a:txBody>
-                  <a:tcPr/>
-                </a:tc>
-                <a:tc>
-                  <a:txBody>
-                    <a:bodyPr/>
-                    <a:lstStyle/>
-                    <a:p>
-                      <a:pPr algn="ctr"/>
-                      <a:r>
-                        <a:rPr lang="en-US" sz="2800" dirty="0"/>
-                        <a:t>30%</a:t>
-                      </a:r>
-                    </a:p>
-                  </a:txBody>
-                  <a:tcPr/>
-                </a:tc>
-                <a:extLst>
-                  <a:ext uri="{0D108BD9-81ED-4DB2-BD59-A6C34878D82A}">
-                    <a16:rowId xmlns:a16="http://schemas.microsoft.com/office/drawing/2014/main" val="121838258"/>
-                  </a:ext>
-                </a:extLst>
-              </a:tr>
-            </a:tbl>
-          </a:graphicData>
-        </a:graphic>
-      </p:graphicFrame>
-    </p:spTree>
-    <p:extLst>
-      <p:ext uri="{BB962C8B-B14F-4D97-AF65-F5344CB8AC3E}">
-        <p14:creationId xmlns:p14="http://schemas.microsoft.com/office/powerpoint/2010/main" val="493661621"/>
-      </p:ext>
-    </p:extLst>
-  </p:cSld>
-  <p:clrMapOvr>
-    <a:masterClrMapping/>
-  </p:clrMapOvr>
-</p:sld>
-</file>
-
-<file path=ppt/slides/slide16.xml><?xml version="1.0" encoding="utf-8"?>
-<p:sld xmlns:a="http://schemas.openxmlformats.org/drawingml/2006/main" xmlns:r="http://schemas.openxmlformats.org/officeDocument/2006/relationships" xmlns:p="http://schemas.openxmlformats.org/presentationml/2006/main">
-  <p:cSld>
-    <p:spTree>
-      <p:nvGrpSpPr>
-        <p:cNvPr id="1" name=""/>
-        <p:cNvGrpSpPr/>
-        <p:nvPr/>
-      </p:nvGrpSpPr>
-      <p:grpSpPr>
-        <a:xfrm>
-          <a:off x="0" y="0"/>
-          <a:ext cx="0" cy="0"/>
-          <a:chOff x="0" y="0"/>
-          <a:chExt cx="0" cy="0"/>
-        </a:xfrm>
-      </p:grpSpPr>
-      <p:sp>
-        <p:nvSpPr>
-          <p:cNvPr id="12" name="Title 1">
-            <a:extLst>
-              <a:ext uri="{FF2B5EF4-FFF2-40B4-BE49-F238E27FC236}">
-                <a16:creationId xmlns:a16="http://schemas.microsoft.com/office/drawing/2014/main" id="{05ACE682-1B73-40BF-BA3B-B531FBAF2E9A}"/>
-              </a:ext>
-            </a:extLst>
-          </p:cNvPr>
-          <p:cNvSpPr>
-            <a:spLocks noGrp="1"/>
-          </p:cNvSpPr>
-          <p:nvPr>
-            <p:ph type="title"/>
-          </p:nvPr>
-        </p:nvSpPr>
-        <p:spPr>
-          <a:xfrm>
-            <a:off x="2623396" y="801731"/>
-            <a:ext cx="7190913" cy="1080938"/>
-          </a:xfrm>
-        </p:spPr>
-        <p:txBody>
-          <a:bodyPr>
-            <a:normAutofit fontScale="90000"/>
-          </a:bodyPr>
-          <a:lstStyle/>
-          <a:p>
-            <a:pPr algn="ctr"/>
-            <a:r>
-              <a:rPr lang="en-US" sz="4800" dirty="0"/>
-              <a:t>Classification</a:t>
-            </a:r>
-            <a:br>
-              <a:rPr lang="en-US" sz="4800" dirty="0"/>
-            </a:br>
-            <a:r>
-              <a:rPr lang="en-US" sz="4800" dirty="0"/>
-              <a:t>-multiclass-</a:t>
-            </a:r>
-          </a:p>
-        </p:txBody>
-      </p:sp>
-      <p:sp>
-        <p:nvSpPr>
-          <p:cNvPr id="8" name="Slide Number Placeholder 5">
-            <a:extLst>
-              <a:ext uri="{FF2B5EF4-FFF2-40B4-BE49-F238E27FC236}">
-                <a16:creationId xmlns:a16="http://schemas.microsoft.com/office/drawing/2014/main" id="{974E51E9-613F-49E1-8A93-AF9AF175FA01}"/>
-              </a:ext>
-            </a:extLst>
-          </p:cNvPr>
-          <p:cNvSpPr txBox="1">
-            <a:spLocks/>
-          </p:cNvSpPr>
-          <p:nvPr/>
-        </p:nvSpPr>
-        <p:spPr bwMode="gray">
-          <a:xfrm>
-            <a:off x="11010090" y="6231913"/>
-            <a:ext cx="779767" cy="365125"/>
-          </a:xfrm>
-          <a:prstGeom prst="rect">
-            <a:avLst/>
-          </a:prstGeom>
-        </p:spPr>
-        <p:txBody>
-          <a:bodyPr vert="horz" lIns="91440" tIns="45720" rIns="91440" bIns="45720" rtlCol="0" anchor="ctr"/>
-          <a:lstStyle>
-            <a:defPPr>
-              <a:defRPr lang="en-US"/>
-            </a:defPPr>
-            <a:lvl1pPr marL="0" algn="r" defTabSz="457200" rtl="0" eaLnBrk="1" latinLnBrk="0" hangingPunct="1">
-              <a:defRPr sz="2000" kern="1200">
-                <a:solidFill>
-                  <a:srgbClr val="FEFFFF"/>
-                </a:solidFill>
-                <a:latin typeface="+mn-lt"/>
-                <a:ea typeface="+mn-ea"/>
-                <a:cs typeface="+mn-cs"/>
-              </a:defRPr>
-            </a:lvl1pPr>
-            <a:lvl2pPr marL="457200" algn="l" defTabSz="457200" rtl="0" eaLnBrk="1" latinLnBrk="0" hangingPunct="1">
-              <a:defRPr sz="1800" kern="1200">
-                <a:solidFill>
-                  <a:schemeClr val="tx1"/>
-                </a:solidFill>
-                <a:latin typeface="+mn-lt"/>
-                <a:ea typeface="+mn-ea"/>
-                <a:cs typeface="+mn-cs"/>
-              </a:defRPr>
-            </a:lvl2pPr>
-            <a:lvl3pPr marL="914400" algn="l" defTabSz="457200" rtl="0" eaLnBrk="1" latinLnBrk="0" hangingPunct="1">
-              <a:defRPr sz="1800" kern="1200">
-                <a:solidFill>
-                  <a:schemeClr val="tx1"/>
-                </a:solidFill>
-                <a:latin typeface="+mn-lt"/>
-                <a:ea typeface="+mn-ea"/>
-                <a:cs typeface="+mn-cs"/>
-              </a:defRPr>
-            </a:lvl3pPr>
-            <a:lvl4pPr marL="1371600" algn="l" defTabSz="457200" rtl="0" eaLnBrk="1" latinLnBrk="0" hangingPunct="1">
-              <a:defRPr sz="1800" kern="1200">
-                <a:solidFill>
-                  <a:schemeClr val="tx1"/>
-                </a:solidFill>
-                <a:latin typeface="+mn-lt"/>
-                <a:ea typeface="+mn-ea"/>
-                <a:cs typeface="+mn-cs"/>
-              </a:defRPr>
-            </a:lvl4pPr>
-            <a:lvl5pPr marL="1828800" algn="l" defTabSz="457200" rtl="0" eaLnBrk="1" latinLnBrk="0" hangingPunct="1">
-              <a:defRPr sz="1800" kern="1200">
-                <a:solidFill>
-                  <a:schemeClr val="tx1"/>
-                </a:solidFill>
-                <a:latin typeface="+mn-lt"/>
-                <a:ea typeface="+mn-ea"/>
-                <a:cs typeface="+mn-cs"/>
-              </a:defRPr>
-            </a:lvl5pPr>
-            <a:lvl6pPr marL="2286000" algn="l" defTabSz="457200" rtl="0" eaLnBrk="1" latinLnBrk="0" hangingPunct="1">
-              <a:defRPr sz="1800" kern="1200">
-                <a:solidFill>
-                  <a:schemeClr val="tx1"/>
-                </a:solidFill>
-                <a:latin typeface="+mn-lt"/>
-                <a:ea typeface="+mn-ea"/>
-                <a:cs typeface="+mn-cs"/>
-              </a:defRPr>
-            </a:lvl6pPr>
-            <a:lvl7pPr marL="2743200" algn="l" defTabSz="457200" rtl="0" eaLnBrk="1" latinLnBrk="0" hangingPunct="1">
-              <a:defRPr sz="1800" kern="1200">
-                <a:solidFill>
-                  <a:schemeClr val="tx1"/>
-                </a:solidFill>
-                <a:latin typeface="+mn-lt"/>
-                <a:ea typeface="+mn-ea"/>
-                <a:cs typeface="+mn-cs"/>
-              </a:defRPr>
-            </a:lvl7pPr>
-            <a:lvl8pPr marL="3200400" algn="l" defTabSz="457200" rtl="0" eaLnBrk="1" latinLnBrk="0" hangingPunct="1">
-              <a:defRPr sz="1800" kern="1200">
-                <a:solidFill>
-                  <a:schemeClr val="tx1"/>
-                </a:solidFill>
-                <a:latin typeface="+mn-lt"/>
-                <a:ea typeface="+mn-ea"/>
-                <a:cs typeface="+mn-cs"/>
-              </a:defRPr>
-            </a:lvl8pPr>
-            <a:lvl9pPr marL="3657600" algn="l" defTabSz="457200" rtl="0" eaLnBrk="1" latinLnBrk="0" hangingPunct="1">
-              <a:defRPr sz="1800" kern="1200">
-                <a:solidFill>
-                  <a:schemeClr val="tx1"/>
-                </a:solidFill>
-                <a:latin typeface="+mn-lt"/>
-                <a:ea typeface="+mn-ea"/>
-                <a:cs typeface="+mn-cs"/>
-              </a:defRPr>
-            </a:lvl9pPr>
-          </a:lstStyle>
-          <a:p>
-            <a:fld id="{19584825-D934-4E20-B0C8-29FEC7CA1AF9}" type="slidenum">
-              <a:rPr lang="en-US" smtClean="0">
-                <a:solidFill>
-                  <a:schemeClr val="tx1"/>
-                </a:solidFill>
-              </a:rPr>
-              <a:pPr/>
-              <a:t>16</a:t>
-            </a:fld>
-            <a:endParaRPr lang="en-US" dirty="0">
-              <a:solidFill>
-                <a:schemeClr val="tx1"/>
-              </a:solidFill>
-            </a:endParaRPr>
-          </a:p>
-        </p:txBody>
-      </p:sp>
-      <p:pic>
-        <p:nvPicPr>
-          <p:cNvPr id="9" name="Picture 8" descr="A picture containing text, clipart&#10;&#10;Description automatically generated">
-            <a:extLst>
-              <a:ext uri="{FF2B5EF4-FFF2-40B4-BE49-F238E27FC236}">
-                <a16:creationId xmlns:a16="http://schemas.microsoft.com/office/drawing/2014/main" id="{942D71B3-CD34-43E5-9D3F-BA2819AE22EA}"/>
-              </a:ext>
-            </a:extLst>
-          </p:cNvPr>
-          <p:cNvPicPr>
-            <a:picLocks noChangeAspect="1"/>
-          </p:cNvPicPr>
-          <p:nvPr/>
-        </p:nvPicPr>
-        <p:blipFill rotWithShape="1">
-          <a:blip r:embed="rId2">
-            <a:extLst>
-              <a:ext uri="{28A0092B-C50C-407E-A947-70E740481C1C}">
-                <a14:useLocalDpi xmlns:a14="http://schemas.microsoft.com/office/drawing/2010/main" val="0"/>
-              </a:ext>
-            </a:extLst>
-          </a:blip>
-          <a:srcRect r="57677"/>
-          <a:stretch/>
-        </p:blipFill>
-        <p:spPr>
-          <a:xfrm>
-            <a:off x="10608300" y="437028"/>
-            <a:ext cx="1428567" cy="1066632"/>
-          </a:xfrm>
-          <a:prstGeom prst="rect">
-            <a:avLst/>
-          </a:prstGeom>
-        </p:spPr>
-      </p:pic>
-      <p:pic>
-        <p:nvPicPr>
-          <p:cNvPr id="13" name="Picture 12" descr="Logo&#10;&#10;Description automatically generated">
-            <a:extLst>
-              <a:ext uri="{FF2B5EF4-FFF2-40B4-BE49-F238E27FC236}">
-                <a16:creationId xmlns:a16="http://schemas.microsoft.com/office/drawing/2014/main" id="{0B34AC09-580D-4C50-930A-7592EF4E9F8E}"/>
-              </a:ext>
-            </a:extLst>
-          </p:cNvPr>
-          <p:cNvPicPr>
-            <a:picLocks noChangeAspect="1"/>
-          </p:cNvPicPr>
-          <p:nvPr/>
-        </p:nvPicPr>
-        <p:blipFill>
-          <a:blip r:embed="rId3">
-            <a:extLst>
-              <a:ext uri="{28A0092B-C50C-407E-A947-70E740481C1C}">
-                <a14:useLocalDpi xmlns:a14="http://schemas.microsoft.com/office/drawing/2010/main" val="0"/>
-              </a:ext>
-            </a:extLst>
-          </a:blip>
-          <a:stretch>
-            <a:fillRect/>
-          </a:stretch>
-        </p:blipFill>
-        <p:spPr>
-          <a:xfrm>
-            <a:off x="1829405" y="499758"/>
-            <a:ext cx="1376588" cy="941171"/>
-          </a:xfrm>
-          <a:prstGeom prst="rect">
-            <a:avLst/>
-          </a:prstGeom>
-        </p:spPr>
-      </p:pic>
-      <p:graphicFrame>
-        <p:nvGraphicFramePr>
           <p:cNvPr id="2" name="Tabla 3">
             <a:extLst>
               <a:ext uri="{FF2B5EF4-FFF2-40B4-BE49-F238E27FC236}">
@@ -33439,7 +32250,7 @@
           <p:nvPr>
             <p:extLst>
               <p:ext uri="{D42A27DB-BD31-4B8C-83A1-F6EECF244321}">
-                <p14:modId xmlns:p14="http://schemas.microsoft.com/office/powerpoint/2010/main" val="1761210841"/>
+                <p14:modId xmlns:p14="http://schemas.microsoft.com/office/powerpoint/2010/main" val="2248830907"/>
               </p:ext>
             </p:extLst>
           </p:nvPr>
@@ -33626,7 +32437,7 @@
                     <a:p>
                       <a:r>
                         <a:rPr lang="en-US" dirty="0"/>
-                        <a:t>-10 pts</a:t>
+                        <a:t>-10 %</a:t>
                       </a:r>
                     </a:p>
                   </a:txBody>
@@ -33639,7 +32450,7 @@
                     <a:p>
                       <a:r>
                         <a:rPr lang="en-US" dirty="0"/>
-                        <a:t>-5 pts</a:t>
+                        <a:t>-5 %</a:t>
                       </a:r>
                     </a:p>
                   </a:txBody>
@@ -33652,7 +32463,7 @@
                     <a:p>
                       <a:r>
                         <a:rPr lang="en-US" dirty="0"/>
-                        <a:t>-4 pts</a:t>
+                        <a:t>-4 %</a:t>
                       </a:r>
                     </a:p>
                   </a:txBody>
@@ -33665,7 +32476,7 @@
                     <a:p>
                       <a:r>
                         <a:rPr lang="en-US" dirty="0"/>
-                        <a:t>-5 pts</a:t>
+                        <a:t>-5 %</a:t>
                       </a:r>
                     </a:p>
                   </a:txBody>
@@ -33678,7 +32489,7 @@
                     <a:p>
                       <a:r>
                         <a:rPr lang="en-US" dirty="0"/>
-                        <a:t>-4 pts</a:t>
+                        <a:t>-4 %</a:t>
                       </a:r>
                     </a:p>
                   </a:txBody>
@@ -33691,7 +32502,7 @@
                     <a:p>
                       <a:r>
                         <a:rPr lang="en-US" dirty="0"/>
-                        <a:t>-2 pts</a:t>
+                        <a:t>-2 %</a:t>
                       </a:r>
                     </a:p>
                   </a:txBody>
@@ -33830,7 +32641,7 @@
 </p:sld>
 </file>
 
-<file path=ppt/slides/slide17.xml><?xml version="1.0" encoding="utf-8"?>
+<file path=ppt/slides/slide15.xml><?xml version="1.0" encoding="utf-8"?>
 <p:sld xmlns:a="http://schemas.openxmlformats.org/drawingml/2006/main" xmlns:r="http://schemas.openxmlformats.org/officeDocument/2006/relationships" xmlns:p="http://schemas.openxmlformats.org/presentationml/2006/main">
   <p:cSld>
     <p:spTree>
@@ -34011,7 +32822,7 @@
                 </a:solidFill>
               </a:rPr>
               <a:pPr/>
-              <a:t>17</a:t>
+              <a:t>15</a:t>
             </a:fld>
             <a:endParaRPr lang="en-US" dirty="0">
               <a:solidFill>
@@ -34592,7 +33403,7 @@
 </p:sld>
 </file>
 
-<file path=ppt/slides/slide18.xml><?xml version="1.0" encoding="utf-8"?>
+<file path=ppt/slides/slide16.xml><?xml version="1.0" encoding="utf-8"?>
 <p:sld xmlns:a="http://schemas.openxmlformats.org/drawingml/2006/main" xmlns:r="http://schemas.openxmlformats.org/officeDocument/2006/relationships" xmlns:p="http://schemas.openxmlformats.org/presentationml/2006/main">
   <p:cSld>
     <p:spTree>
@@ -35010,7 +33821,7 @@
                 <a:ea typeface="Calibri" panose="020F0502020204030204" pitchFamily="34" charset="0"/>
                 <a:cs typeface="Arial" panose="020B0604020202020204" pitchFamily="34" charset="0"/>
               </a:rPr>
-              <a:t>Lines of code: 730</a:t>
+              <a:t>Lines of code: 1463</a:t>
             </a:r>
           </a:p>
           <a:p>
@@ -35086,7 +33897,7 @@
 </p:sld>
 </file>
 
-<file path=ppt/slides/slide19.xml><?xml version="1.0" encoding="utf-8"?>
+<file path=ppt/slides/slide17.xml><?xml version="1.0" encoding="utf-8"?>
 <p:sld xmlns:a="http://schemas.openxmlformats.org/drawingml/2006/main" xmlns:r="http://schemas.openxmlformats.org/officeDocument/2006/relationships" xmlns:p="http://schemas.openxmlformats.org/presentationml/2006/main">
   <p:cSld>
     <p:spTree>
@@ -35196,8 +34007,8 @@
         </p:blipFill>
         <p:spPr>
           <a:xfrm>
-            <a:off x="4128716" y="4483365"/>
-            <a:ext cx="7715250" cy="1285875"/>
+            <a:off x="2230298" y="4166963"/>
+            <a:ext cx="9613668" cy="1602278"/>
           </a:xfrm>
           <a:prstGeom prst="rect">
             <a:avLst/>
@@ -35226,8 +34037,8 @@
         </p:blipFill>
         <p:spPr>
           <a:xfrm>
-            <a:off x="1351101" y="2124396"/>
-            <a:ext cx="8763000" cy="1200150"/>
+            <a:off x="397946" y="1651247"/>
+            <a:ext cx="11699173" cy="1602278"/>
           </a:xfrm>
           <a:prstGeom prst="rect">
             <a:avLst/>
@@ -35238,6 +34049,274 @@
     <p:extLst>
       <p:ext uri="{BB962C8B-B14F-4D97-AF65-F5344CB8AC3E}">
         <p14:creationId xmlns:p14="http://schemas.microsoft.com/office/powerpoint/2010/main" val="3333634295"/>
+      </p:ext>
+    </p:extLst>
+  </p:cSld>
+  <p:clrMapOvr>
+    <a:masterClrMapping/>
+  </p:clrMapOvr>
+</p:sld>
+</file>
+
+<file path=ppt/slides/slide18.xml><?xml version="1.0" encoding="utf-8"?>
+<p:sld xmlns:a="http://schemas.openxmlformats.org/drawingml/2006/main" xmlns:r="http://schemas.openxmlformats.org/officeDocument/2006/relationships" xmlns:p="http://schemas.openxmlformats.org/presentationml/2006/main">
+  <p:cSld>
+    <p:spTree>
+      <p:nvGrpSpPr>
+        <p:cNvPr id="1" name=""/>
+        <p:cNvGrpSpPr/>
+        <p:nvPr/>
+      </p:nvGrpSpPr>
+      <p:grpSpPr>
+        <a:xfrm>
+          <a:off x="0" y="0"/>
+          <a:ext cx="0" cy="0"/>
+          <a:chOff x="0" y="0"/>
+          <a:chExt cx="0" cy="0"/>
+        </a:xfrm>
+      </p:grpSpPr>
+      <p:pic>
+        <p:nvPicPr>
+          <p:cNvPr id="7" name="Picture 6" descr="A picture containing text, clipart&#10;&#10;Description automatically generated">
+            <a:extLst>
+              <a:ext uri="{FF2B5EF4-FFF2-40B4-BE49-F238E27FC236}">
+                <a16:creationId xmlns:a16="http://schemas.microsoft.com/office/drawing/2014/main" id="{E7A51F21-F5D0-4233-A9C2-99C28620546F}"/>
+              </a:ext>
+            </a:extLst>
+          </p:cNvPr>
+          <p:cNvPicPr>
+            <a:picLocks noChangeAspect="1"/>
+          </p:cNvPicPr>
+          <p:nvPr/>
+        </p:nvPicPr>
+        <p:blipFill rotWithShape="1">
+          <a:blip r:embed="rId2">
+            <a:extLst>
+              <a:ext uri="{28A0092B-C50C-407E-A947-70E740481C1C}">
+                <a14:useLocalDpi xmlns:a14="http://schemas.microsoft.com/office/drawing/2010/main" val="0"/>
+              </a:ext>
+            </a:extLst>
+          </a:blip>
+          <a:srcRect r="57677"/>
+          <a:stretch/>
+        </p:blipFill>
+        <p:spPr>
+          <a:xfrm>
+            <a:off x="397946" y="170585"/>
+            <a:ext cx="1428567" cy="1066632"/>
+          </a:xfrm>
+          <a:prstGeom prst="rect">
+            <a:avLst/>
+          </a:prstGeom>
+        </p:spPr>
+      </p:pic>
+      <p:pic>
+        <p:nvPicPr>
+          <p:cNvPr id="6" name="Picture 5" descr="Logo&#10;&#10;Description automatically generated">
+            <a:extLst>
+              <a:ext uri="{FF2B5EF4-FFF2-40B4-BE49-F238E27FC236}">
+                <a16:creationId xmlns:a16="http://schemas.microsoft.com/office/drawing/2014/main" id="{675EF008-C68D-4D5B-8BC7-AEE6584ABFB0}"/>
+              </a:ext>
+            </a:extLst>
+          </p:cNvPr>
+          <p:cNvPicPr>
+            <a:picLocks noChangeAspect="1"/>
+          </p:cNvPicPr>
+          <p:nvPr/>
+        </p:nvPicPr>
+        <p:blipFill>
+          <a:blip r:embed="rId3">
+            <a:extLst>
+              <a:ext uri="{28A0092B-C50C-407E-A947-70E740481C1C}">
+                <a14:useLocalDpi xmlns:a14="http://schemas.microsoft.com/office/drawing/2010/main" val="0"/>
+              </a:ext>
+            </a:extLst>
+          </a:blip>
+          <a:stretch>
+            <a:fillRect/>
+          </a:stretch>
+        </p:blipFill>
+        <p:spPr>
+          <a:xfrm>
+            <a:off x="10573910" y="233315"/>
+            <a:ext cx="1376588" cy="941171"/>
+          </a:xfrm>
+          <a:prstGeom prst="rect">
+            <a:avLst/>
+          </a:prstGeom>
+        </p:spPr>
+      </p:pic>
+      <p:pic>
+        <p:nvPicPr>
+          <p:cNvPr id="17" name="Picture 16">
+            <a:extLst>
+              <a:ext uri="{FF2B5EF4-FFF2-40B4-BE49-F238E27FC236}">
+                <a16:creationId xmlns:a16="http://schemas.microsoft.com/office/drawing/2014/main" id="{4C0426EC-F4C3-4026-8ED1-28FB400AB602}"/>
+              </a:ext>
+            </a:extLst>
+          </p:cNvPr>
+          <p:cNvPicPr>
+            <a:picLocks noChangeAspect="1"/>
+          </p:cNvPicPr>
+          <p:nvPr/>
+        </p:nvPicPr>
+        <p:blipFill>
+          <a:blip r:embed="rId4"/>
+          <a:stretch>
+            <a:fillRect/>
+          </a:stretch>
+        </p:blipFill>
+        <p:spPr>
+          <a:xfrm>
+            <a:off x="1826513" y="1962428"/>
+            <a:ext cx="8924925" cy="4238625"/>
+          </a:xfrm>
+          <a:prstGeom prst="rect">
+            <a:avLst/>
+          </a:prstGeom>
+        </p:spPr>
+      </p:pic>
+    </p:spTree>
+    <p:extLst>
+      <p:ext uri="{BB962C8B-B14F-4D97-AF65-F5344CB8AC3E}">
+        <p14:creationId xmlns:p14="http://schemas.microsoft.com/office/powerpoint/2010/main" val="1057061853"/>
+      </p:ext>
+    </p:extLst>
+  </p:cSld>
+  <p:clrMapOvr>
+    <a:masterClrMapping/>
+  </p:clrMapOvr>
+</p:sld>
+</file>
+
+<file path=ppt/slides/slide19.xml><?xml version="1.0" encoding="utf-8"?>
+<p:sld xmlns:a="http://schemas.openxmlformats.org/drawingml/2006/main" xmlns:r="http://schemas.openxmlformats.org/officeDocument/2006/relationships" xmlns:p="http://schemas.openxmlformats.org/presentationml/2006/main">
+  <p:cSld>
+    <p:spTree>
+      <p:nvGrpSpPr>
+        <p:cNvPr id="1" name=""/>
+        <p:cNvGrpSpPr/>
+        <p:nvPr/>
+      </p:nvGrpSpPr>
+      <p:grpSpPr>
+        <a:xfrm>
+          <a:off x="0" y="0"/>
+          <a:ext cx="0" cy="0"/>
+          <a:chOff x="0" y="0"/>
+          <a:chExt cx="0" cy="0"/>
+        </a:xfrm>
+      </p:grpSpPr>
+      <p:pic>
+        <p:nvPicPr>
+          <p:cNvPr id="7" name="Picture 6" descr="A picture containing text, clipart&#10;&#10;Description automatically generated">
+            <a:extLst>
+              <a:ext uri="{FF2B5EF4-FFF2-40B4-BE49-F238E27FC236}">
+                <a16:creationId xmlns:a16="http://schemas.microsoft.com/office/drawing/2014/main" id="{E7A51F21-F5D0-4233-A9C2-99C28620546F}"/>
+              </a:ext>
+            </a:extLst>
+          </p:cNvPr>
+          <p:cNvPicPr>
+            <a:picLocks noChangeAspect="1"/>
+          </p:cNvPicPr>
+          <p:nvPr/>
+        </p:nvPicPr>
+        <p:blipFill rotWithShape="1">
+          <a:blip r:embed="rId2">
+            <a:extLst>
+              <a:ext uri="{28A0092B-C50C-407E-A947-70E740481C1C}">
+                <a14:useLocalDpi xmlns:a14="http://schemas.microsoft.com/office/drawing/2010/main" val="0"/>
+              </a:ext>
+            </a:extLst>
+          </a:blip>
+          <a:srcRect r="57677"/>
+          <a:stretch/>
+        </p:blipFill>
+        <p:spPr>
+          <a:xfrm>
+            <a:off x="397946" y="170585"/>
+            <a:ext cx="1428567" cy="1066632"/>
+          </a:xfrm>
+          <a:prstGeom prst="rect">
+            <a:avLst/>
+          </a:prstGeom>
+        </p:spPr>
+      </p:pic>
+      <p:pic>
+        <p:nvPicPr>
+          <p:cNvPr id="6" name="Picture 5" descr="Logo&#10;&#10;Description automatically generated">
+            <a:extLst>
+              <a:ext uri="{FF2B5EF4-FFF2-40B4-BE49-F238E27FC236}">
+                <a16:creationId xmlns:a16="http://schemas.microsoft.com/office/drawing/2014/main" id="{675EF008-C68D-4D5B-8BC7-AEE6584ABFB0}"/>
+              </a:ext>
+            </a:extLst>
+          </p:cNvPr>
+          <p:cNvPicPr>
+            <a:picLocks noChangeAspect="1"/>
+          </p:cNvPicPr>
+          <p:nvPr/>
+        </p:nvPicPr>
+        <p:blipFill>
+          <a:blip r:embed="rId3">
+            <a:extLst>
+              <a:ext uri="{28A0092B-C50C-407E-A947-70E740481C1C}">
+                <a14:useLocalDpi xmlns:a14="http://schemas.microsoft.com/office/drawing/2010/main" val="0"/>
+              </a:ext>
+            </a:extLst>
+          </a:blip>
+          <a:stretch>
+            <a:fillRect/>
+          </a:stretch>
+        </p:blipFill>
+        <p:spPr>
+          <a:xfrm>
+            <a:off x="10573910" y="233315"/>
+            <a:ext cx="1376588" cy="941171"/>
+          </a:xfrm>
+          <a:prstGeom prst="rect">
+            <a:avLst/>
+          </a:prstGeom>
+        </p:spPr>
+      </p:pic>
+      <p:pic>
+        <p:nvPicPr>
+          <p:cNvPr id="3" name="Picture 2" descr="Chart, radar chart&#10;&#10;Description automatically generated">
+            <a:extLst>
+              <a:ext uri="{FF2B5EF4-FFF2-40B4-BE49-F238E27FC236}">
+                <a16:creationId xmlns:a16="http://schemas.microsoft.com/office/drawing/2014/main" id="{13359C69-24F6-4122-BA27-088A647B181F}"/>
+              </a:ext>
+            </a:extLst>
+          </p:cNvPr>
+          <p:cNvPicPr>
+            <a:picLocks noChangeAspect="1"/>
+          </p:cNvPicPr>
+          <p:nvPr/>
+        </p:nvPicPr>
+        <p:blipFill>
+          <a:blip r:embed="rId4">
+            <a:extLst>
+              <a:ext uri="{28A0092B-C50C-407E-A947-70E740481C1C}">
+                <a14:useLocalDpi xmlns:a14="http://schemas.microsoft.com/office/drawing/2010/main" val="0"/>
+              </a:ext>
+            </a:extLst>
+          </a:blip>
+          <a:stretch>
+            <a:fillRect/>
+          </a:stretch>
+        </p:blipFill>
+        <p:spPr>
+          <a:xfrm>
+            <a:off x="3107530" y="1367420"/>
+            <a:ext cx="6770356" cy="5077767"/>
+          </a:xfrm>
+          <a:prstGeom prst="rect">
+            <a:avLst/>
+          </a:prstGeom>
+        </p:spPr>
+      </p:pic>
+    </p:spTree>
+    <p:extLst>
+      <p:ext uri="{BB962C8B-B14F-4D97-AF65-F5344CB8AC3E}">
+        <p14:creationId xmlns:p14="http://schemas.microsoft.com/office/powerpoint/2010/main" val="3858505698"/>
       </p:ext>
     </p:extLst>
   </p:cSld>
@@ -35429,111 +34508,83 @@
           <a:chExt cx="0" cy="0"/>
         </a:xfrm>
       </p:grpSpPr>
-      <p:pic>
-        <p:nvPicPr>
-          <p:cNvPr id="7" name="Picture 6" descr="A picture containing text, clipart&#10;&#10;Description automatically generated">
+      <p:sp>
+        <p:nvSpPr>
+          <p:cNvPr id="3" name="Content Placeholder 2">
             <a:extLst>
               <a:ext uri="{FF2B5EF4-FFF2-40B4-BE49-F238E27FC236}">
-                <a16:creationId xmlns:a16="http://schemas.microsoft.com/office/drawing/2014/main" id="{E7A51F21-F5D0-4233-A9C2-99C28620546F}"/>
+                <a16:creationId xmlns:a16="http://schemas.microsoft.com/office/drawing/2014/main" id="{BDCA8A92-82EC-4B29-96EA-D0F2E41E6FFF}"/>
               </a:ext>
             </a:extLst>
           </p:cNvPr>
-          <p:cNvPicPr>
-            <a:picLocks noChangeAspect="1"/>
-          </p:cNvPicPr>
-          <p:nvPr/>
-        </p:nvPicPr>
-        <p:blipFill rotWithShape="1">
-          <a:blip r:embed="rId2">
-            <a:extLst>
-              <a:ext uri="{28A0092B-C50C-407E-A947-70E740481C1C}">
-                <a14:useLocalDpi xmlns:a14="http://schemas.microsoft.com/office/drawing/2010/main" val="0"/>
-              </a:ext>
-            </a:extLst>
-          </a:blip>
-          <a:srcRect r="57677"/>
-          <a:stretch/>
-        </p:blipFill>
-        <p:spPr>
-          <a:xfrm>
-            <a:off x="397946" y="170585"/>
-            <a:ext cx="1428567" cy="1066632"/>
-          </a:xfrm>
-          <a:prstGeom prst="rect">
-            <a:avLst/>
-          </a:prstGeom>
-        </p:spPr>
-      </p:pic>
-      <p:pic>
-        <p:nvPicPr>
-          <p:cNvPr id="6" name="Picture 5" descr="Logo&#10;&#10;Description automatically generated">
+          <p:cNvSpPr>
+            <a:spLocks noGrp="1"/>
+          </p:cNvSpPr>
+          <p:nvPr>
+            <p:ph idx="1"/>
+          </p:nvPr>
+        </p:nvSpPr>
+        <p:spPr/>
+        <p:txBody>
+          <a:bodyPr/>
+          <a:lstStyle/>
+          <a:p>
+            <a:r>
+              <a:rPr lang="en-US" dirty="0" err="1"/>
+              <a:t>SelectKBest</a:t>
+            </a:r>
+            <a:r>
+              <a:rPr lang="en-US" dirty="0"/>
+              <a:t> removes all but the highest scoring features. It’s a kind of univariate feature selection which works by selecting the best features based on univariate statistical tests.</a:t>
+            </a:r>
+          </a:p>
+          <a:p>
+            <a:r>
+              <a:rPr lang="en-US" dirty="0"/>
+              <a:t>The methods based on F-test estimate the degree of linear dependency between two random variables.</a:t>
+            </a:r>
+          </a:p>
+          <a:p>
+            <a:pPr marL="0" indent="0">
+              <a:buNone/>
+            </a:pPr>
+            <a:endParaRPr lang="en-GB" dirty="0"/>
+          </a:p>
+        </p:txBody>
+      </p:sp>
+      <p:sp>
+        <p:nvSpPr>
+          <p:cNvPr id="4" name="Slide Number Placeholder 3">
             <a:extLst>
               <a:ext uri="{FF2B5EF4-FFF2-40B4-BE49-F238E27FC236}">
-                <a16:creationId xmlns:a16="http://schemas.microsoft.com/office/drawing/2014/main" id="{675EF008-C68D-4D5B-8BC7-AEE6584ABFB0}"/>
+                <a16:creationId xmlns:a16="http://schemas.microsoft.com/office/drawing/2014/main" id="{102631E0-B12F-485E-9541-817EF10C49E1}"/>
               </a:ext>
             </a:extLst>
           </p:cNvPr>
-          <p:cNvPicPr>
-            <a:picLocks noChangeAspect="1"/>
-          </p:cNvPicPr>
-          <p:nvPr/>
-        </p:nvPicPr>
-        <p:blipFill>
-          <a:blip r:embed="rId3">
-            <a:extLst>
-              <a:ext uri="{28A0092B-C50C-407E-A947-70E740481C1C}">
-                <a14:useLocalDpi xmlns:a14="http://schemas.microsoft.com/office/drawing/2010/main" val="0"/>
-              </a:ext>
-            </a:extLst>
-          </a:blip>
-          <a:stretch>
-            <a:fillRect/>
-          </a:stretch>
-        </p:blipFill>
-        <p:spPr>
-          <a:xfrm>
-            <a:off x="10573910" y="233315"/>
-            <a:ext cx="1376588" cy="941171"/>
-          </a:xfrm>
-          <a:prstGeom prst="rect">
-            <a:avLst/>
-          </a:prstGeom>
-        </p:spPr>
-      </p:pic>
-      <p:pic>
-        <p:nvPicPr>
-          <p:cNvPr id="17" name="Picture 16">
-            <a:extLst>
-              <a:ext uri="{FF2B5EF4-FFF2-40B4-BE49-F238E27FC236}">
-                <a16:creationId xmlns:a16="http://schemas.microsoft.com/office/drawing/2014/main" id="{4C0426EC-F4C3-4026-8ED1-28FB400AB602}"/>
-              </a:ext>
-            </a:extLst>
-          </p:cNvPr>
-          <p:cNvPicPr>
-            <a:picLocks noChangeAspect="1"/>
-          </p:cNvPicPr>
-          <p:nvPr/>
-        </p:nvPicPr>
-        <p:blipFill>
-          <a:blip r:embed="rId4"/>
-          <a:stretch>
-            <a:fillRect/>
-          </a:stretch>
-        </p:blipFill>
-        <p:spPr>
-          <a:xfrm>
-            <a:off x="1826513" y="1962428"/>
-            <a:ext cx="8924925" cy="4238625"/>
-          </a:xfrm>
-          <a:prstGeom prst="rect">
-            <a:avLst/>
-          </a:prstGeom>
-        </p:spPr>
-      </p:pic>
+          <p:cNvSpPr>
+            <a:spLocks noGrp="1"/>
+          </p:cNvSpPr>
+          <p:nvPr>
+            <p:ph type="sldNum" sz="quarter" idx="12"/>
+          </p:nvPr>
+        </p:nvSpPr>
+        <p:spPr/>
+        <p:txBody>
+          <a:bodyPr/>
+          <a:lstStyle/>
+          <a:p>
+            <a:fld id="{19584825-D934-4E20-B0C8-29FEC7CA1AF9}" type="slidenum">
+              <a:rPr lang="en-US" smtClean="0"/>
+              <a:t>20</a:t>
+            </a:fld>
+            <a:endParaRPr lang="en-US"/>
+          </a:p>
+        </p:txBody>
+      </p:sp>
     </p:spTree>
     <p:extLst>
       <p:ext uri="{BB962C8B-B14F-4D97-AF65-F5344CB8AC3E}">
-        <p14:creationId xmlns:p14="http://schemas.microsoft.com/office/powerpoint/2010/main" val="1057061853"/>
+        <p14:creationId xmlns:p14="http://schemas.microsoft.com/office/powerpoint/2010/main" val="3898808568"/>
       </p:ext>
     </p:extLst>
   </p:cSld>
@@ -38191,14 +37242,21 @@
         </p:spPr>
         <p:txBody>
           <a:bodyPr>
-            <a:normAutofit/>
+            <a:normAutofit fontScale="90000"/>
           </a:bodyPr>
           <a:lstStyle/>
           <a:p>
             <a:pPr algn="ctr"/>
             <a:r>
               <a:rPr lang="en-US" sz="4800" dirty="0"/>
-              <a:t>Feature Extraction</a:t>
+              <a:t>Feature Engineering</a:t>
+            </a:r>
+            <a:br>
+              <a:rPr lang="en-US" sz="4800" dirty="0"/>
+            </a:br>
+            <a:r>
+              <a:rPr lang="en-US" sz="4800" dirty="0"/>
+              <a:t>-feature extraction-</a:t>
             </a:r>
           </a:p>
         </p:txBody>
@@ -38412,997 +37470,6 @@
           </a:prstGeom>
         </p:spPr>
       </p:pic>
-      <p:sp>
-        <p:nvSpPr>
-          <p:cNvPr id="10" name="Content Placeholder 3">
-            <a:extLst>
-              <a:ext uri="{FF2B5EF4-FFF2-40B4-BE49-F238E27FC236}">
-                <a16:creationId xmlns:a16="http://schemas.microsoft.com/office/drawing/2014/main" id="{FE6F300D-0F20-4BB9-B074-9BB483A42219}"/>
-              </a:ext>
-            </a:extLst>
-          </p:cNvPr>
-          <p:cNvSpPr>
-            <a:spLocks noGrp="1"/>
-          </p:cNvSpPr>
-          <p:nvPr>
-            <p:ph idx="1"/>
-          </p:nvPr>
-        </p:nvSpPr>
-        <p:spPr>
-          <a:xfrm>
-            <a:off x="1423277" y="2426944"/>
-            <a:ext cx="4468536" cy="3931298"/>
-          </a:xfrm>
-        </p:spPr>
-        <p:txBody>
-          <a:bodyPr>
-            <a:normAutofit/>
-          </a:bodyPr>
-          <a:lstStyle/>
-          <a:p>
-            <a:pPr algn="just">
-              <a:lnSpc>
-                <a:spcPct val="107000"/>
-              </a:lnSpc>
-              <a:spcAft>
-                <a:spcPts val="800"/>
-              </a:spcAft>
-            </a:pPr>
-            <a:r>
-              <a:rPr lang="en-GB" dirty="0"/>
-              <a:t>Train the network with normal images (features)</a:t>
-            </a:r>
-          </a:p>
-          <a:p>
-            <a:pPr algn="just">
-              <a:lnSpc>
-                <a:spcPct val="107000"/>
-              </a:lnSpc>
-              <a:spcAft>
-                <a:spcPts val="800"/>
-              </a:spcAft>
-            </a:pPr>
-            <a:r>
-              <a:rPr lang="en-GB" dirty="0"/>
-              <a:t>Labels: entities’ names</a:t>
-            </a:r>
-          </a:p>
-          <a:p>
-            <a:pPr algn="just">
-              <a:lnSpc>
-                <a:spcPct val="107000"/>
-              </a:lnSpc>
-              <a:spcAft>
-                <a:spcPts val="800"/>
-              </a:spcAft>
-            </a:pPr>
-            <a:r>
-              <a:rPr lang="en-GB" sz="1800" dirty="0">
-                <a:effectLst/>
-                <a:latin typeface="Century Gothic (Body)"/>
-                <a:ea typeface="Calibri" panose="020F0502020204030204" pitchFamily="34" charset="0"/>
-                <a:cs typeface="Times New Roman" panose="02020603050405020304" pitchFamily="18" charset="0"/>
-              </a:rPr>
-              <a:t>Predict on Rorschach</a:t>
-            </a:r>
-            <a:r>
-              <a:rPr lang="en-GB" dirty="0">
-                <a:latin typeface="Century Gothic (Body)"/>
-                <a:ea typeface="Calibri" panose="020F0502020204030204" pitchFamily="34" charset="0"/>
-                <a:cs typeface="Times New Roman" panose="02020603050405020304" pitchFamily="18" charset="0"/>
-              </a:rPr>
-              <a:t> Images</a:t>
-            </a:r>
-          </a:p>
-          <a:p>
-            <a:pPr algn="just">
-              <a:lnSpc>
-                <a:spcPct val="107000"/>
-              </a:lnSpc>
-              <a:spcAft>
-                <a:spcPts val="800"/>
-              </a:spcAft>
-            </a:pPr>
-            <a:r>
-              <a:rPr lang="en-GB" sz="1800" dirty="0">
-                <a:effectLst/>
-                <a:latin typeface="Century Gothic (Body)"/>
-                <a:ea typeface="Calibri" panose="020F0502020204030204" pitchFamily="34" charset="0"/>
-                <a:cs typeface="Times New Roman" panose="02020603050405020304" pitchFamily="18" charset="0"/>
-              </a:rPr>
-              <a:t>Compare it to human interpretation</a:t>
-            </a:r>
-            <a:endParaRPr lang="ro-RO" sz="1800" dirty="0">
-              <a:effectLst/>
-              <a:latin typeface="Century Gothic (Body)"/>
-              <a:ea typeface="Calibri" panose="020F0502020204030204" pitchFamily="34" charset="0"/>
-              <a:cs typeface="Times New Roman" panose="02020603050405020304" pitchFamily="18" charset="0"/>
-            </a:endParaRPr>
-          </a:p>
-        </p:txBody>
-      </p:sp>
-      <p:sp>
-        <p:nvSpPr>
-          <p:cNvPr id="14" name="Content Placeholder 3">
-            <a:extLst>
-              <a:ext uri="{FF2B5EF4-FFF2-40B4-BE49-F238E27FC236}">
-                <a16:creationId xmlns:a16="http://schemas.microsoft.com/office/drawing/2014/main" id="{40EBF7FB-AD39-4261-BB1B-55033FD3C988}"/>
-              </a:ext>
-            </a:extLst>
-          </p:cNvPr>
-          <p:cNvSpPr txBox="1">
-            <a:spLocks/>
-          </p:cNvSpPr>
-          <p:nvPr/>
-        </p:nvSpPr>
-        <p:spPr>
-          <a:xfrm>
-            <a:off x="6581548" y="2426944"/>
-            <a:ext cx="4468536" cy="3931298"/>
-          </a:xfrm>
-          <a:prstGeom prst="rect">
-            <a:avLst/>
-          </a:prstGeom>
-        </p:spPr>
-        <p:txBody>
-          <a:bodyPr vert="horz" lIns="91440" tIns="45720" rIns="91440" bIns="45720" rtlCol="0">
-            <a:normAutofit/>
-          </a:bodyPr>
-          <a:lstStyle>
-            <a:lvl1pPr marL="342900" indent="-342900" algn="l" defTabSz="457200" rtl="0" eaLnBrk="1" latinLnBrk="0" hangingPunct="1">
-              <a:spcBef>
-                <a:spcPts val="1000"/>
-              </a:spcBef>
-              <a:spcAft>
-                <a:spcPts val="0"/>
-              </a:spcAft>
-              <a:buClr>
-                <a:schemeClr val="accent1"/>
-              </a:buClr>
-              <a:buFont typeface="Wingdings 3" charset="2"/>
-              <a:buChar char=""/>
-              <a:defRPr sz="1800" kern="1200">
-                <a:solidFill>
-                  <a:schemeClr val="tx1">
-                    <a:lumMod val="75000"/>
-                    <a:lumOff val="25000"/>
-                  </a:schemeClr>
-                </a:solidFill>
-                <a:latin typeface="+mn-lt"/>
-                <a:ea typeface="+mn-ea"/>
-                <a:cs typeface="+mn-cs"/>
-              </a:defRPr>
-            </a:lvl1pPr>
-            <a:lvl2pPr marL="742950" indent="-285750" algn="l" defTabSz="457200" rtl="0" eaLnBrk="1" latinLnBrk="0" hangingPunct="1">
-              <a:spcBef>
-                <a:spcPts val="1000"/>
-              </a:spcBef>
-              <a:spcAft>
-                <a:spcPts val="0"/>
-              </a:spcAft>
-              <a:buClr>
-                <a:schemeClr val="accent1"/>
-              </a:buClr>
-              <a:buFont typeface="Wingdings 3" charset="2"/>
-              <a:buChar char=""/>
-              <a:defRPr sz="1600" kern="1200">
-                <a:solidFill>
-                  <a:schemeClr val="tx1">
-                    <a:lumMod val="75000"/>
-                    <a:lumOff val="25000"/>
-                  </a:schemeClr>
-                </a:solidFill>
-                <a:latin typeface="+mn-lt"/>
-                <a:ea typeface="+mn-ea"/>
-                <a:cs typeface="+mn-cs"/>
-              </a:defRPr>
-            </a:lvl2pPr>
-            <a:lvl3pPr marL="1143000" indent="-228600" algn="l" defTabSz="457200" rtl="0" eaLnBrk="1" latinLnBrk="0" hangingPunct="1">
-              <a:spcBef>
-                <a:spcPts val="1000"/>
-              </a:spcBef>
-              <a:spcAft>
-                <a:spcPts val="0"/>
-              </a:spcAft>
-              <a:buClr>
-                <a:schemeClr val="accent1"/>
-              </a:buClr>
-              <a:buFont typeface="Wingdings 3" charset="2"/>
-              <a:buChar char=""/>
-              <a:defRPr sz="1400" kern="1200">
-                <a:solidFill>
-                  <a:schemeClr val="tx1">
-                    <a:lumMod val="75000"/>
-                    <a:lumOff val="25000"/>
-                  </a:schemeClr>
-                </a:solidFill>
-                <a:latin typeface="+mn-lt"/>
-                <a:ea typeface="+mn-ea"/>
-                <a:cs typeface="+mn-cs"/>
-              </a:defRPr>
-            </a:lvl3pPr>
-            <a:lvl4pPr marL="1600200" indent="-228600" algn="l" defTabSz="457200" rtl="0" eaLnBrk="1" latinLnBrk="0" hangingPunct="1">
-              <a:spcBef>
-                <a:spcPts val="1000"/>
-              </a:spcBef>
-              <a:spcAft>
-                <a:spcPts val="0"/>
-              </a:spcAft>
-              <a:buClr>
-                <a:schemeClr val="accent1"/>
-              </a:buClr>
-              <a:buFont typeface="Wingdings 3" charset="2"/>
-              <a:buChar char=""/>
-              <a:defRPr sz="1200" kern="1200">
-                <a:solidFill>
-                  <a:schemeClr val="tx1">
-                    <a:lumMod val="75000"/>
-                    <a:lumOff val="25000"/>
-                  </a:schemeClr>
-                </a:solidFill>
-                <a:latin typeface="+mn-lt"/>
-                <a:ea typeface="+mn-ea"/>
-                <a:cs typeface="+mn-cs"/>
-              </a:defRPr>
-            </a:lvl4pPr>
-            <a:lvl5pPr marL="2057400" indent="-228600" algn="l" defTabSz="457200" rtl="0" eaLnBrk="1" latinLnBrk="0" hangingPunct="1">
-              <a:spcBef>
-                <a:spcPts val="1000"/>
-              </a:spcBef>
-              <a:spcAft>
-                <a:spcPts val="0"/>
-              </a:spcAft>
-              <a:buClr>
-                <a:schemeClr val="accent1"/>
-              </a:buClr>
-              <a:buFont typeface="Wingdings 3" charset="2"/>
-              <a:buChar char=""/>
-              <a:defRPr sz="1200" kern="1200">
-                <a:solidFill>
-                  <a:schemeClr val="tx1">
-                    <a:lumMod val="75000"/>
-                    <a:lumOff val="25000"/>
-                  </a:schemeClr>
-                </a:solidFill>
-                <a:latin typeface="+mn-lt"/>
-                <a:ea typeface="+mn-ea"/>
-                <a:cs typeface="+mn-cs"/>
-              </a:defRPr>
-            </a:lvl5pPr>
-            <a:lvl6pPr marL="2514600" indent="-228600" algn="l" defTabSz="457200" rtl="0" eaLnBrk="1" latinLnBrk="0" hangingPunct="1">
-              <a:spcBef>
-                <a:spcPts val="1000"/>
-              </a:spcBef>
-              <a:spcAft>
-                <a:spcPts val="0"/>
-              </a:spcAft>
-              <a:buClr>
-                <a:schemeClr val="accent1"/>
-              </a:buClr>
-              <a:buFont typeface="Wingdings 3" charset="2"/>
-              <a:buChar char=""/>
-              <a:defRPr sz="1200" kern="1200">
-                <a:solidFill>
-                  <a:schemeClr val="tx1">
-                    <a:lumMod val="75000"/>
-                    <a:lumOff val="25000"/>
-                  </a:schemeClr>
-                </a:solidFill>
-                <a:latin typeface="+mn-lt"/>
-                <a:ea typeface="+mn-ea"/>
-                <a:cs typeface="+mn-cs"/>
-              </a:defRPr>
-            </a:lvl6pPr>
-            <a:lvl7pPr marL="2971800" indent="-228600" algn="l" defTabSz="457200" rtl="0" eaLnBrk="1" latinLnBrk="0" hangingPunct="1">
-              <a:spcBef>
-                <a:spcPts val="1000"/>
-              </a:spcBef>
-              <a:spcAft>
-                <a:spcPts val="0"/>
-              </a:spcAft>
-              <a:buClr>
-                <a:schemeClr val="accent1"/>
-              </a:buClr>
-              <a:buFont typeface="Wingdings 3" charset="2"/>
-              <a:buChar char=""/>
-              <a:defRPr sz="1200" kern="1200">
-                <a:solidFill>
-                  <a:schemeClr val="tx1">
-                    <a:lumMod val="75000"/>
-                    <a:lumOff val="25000"/>
-                  </a:schemeClr>
-                </a:solidFill>
-                <a:latin typeface="+mn-lt"/>
-                <a:ea typeface="+mn-ea"/>
-                <a:cs typeface="+mn-cs"/>
-              </a:defRPr>
-            </a:lvl7pPr>
-            <a:lvl8pPr marL="3429000" indent="-228600" algn="l" defTabSz="457200" rtl="0" eaLnBrk="1" latinLnBrk="0" hangingPunct="1">
-              <a:spcBef>
-                <a:spcPts val="1000"/>
-              </a:spcBef>
-              <a:spcAft>
-                <a:spcPts val="0"/>
-              </a:spcAft>
-              <a:buClr>
-                <a:schemeClr val="accent1"/>
-              </a:buClr>
-              <a:buFont typeface="Wingdings 3" charset="2"/>
-              <a:buChar char=""/>
-              <a:defRPr sz="1200" kern="1200">
-                <a:solidFill>
-                  <a:schemeClr val="tx1">
-                    <a:lumMod val="75000"/>
-                    <a:lumOff val="25000"/>
-                  </a:schemeClr>
-                </a:solidFill>
-                <a:latin typeface="+mn-lt"/>
-                <a:ea typeface="+mn-ea"/>
-                <a:cs typeface="+mn-cs"/>
-              </a:defRPr>
-            </a:lvl8pPr>
-            <a:lvl9pPr marL="3886200" indent="-228600" algn="l" defTabSz="457200" rtl="0" eaLnBrk="1" latinLnBrk="0" hangingPunct="1">
-              <a:spcBef>
-                <a:spcPts val="1000"/>
-              </a:spcBef>
-              <a:spcAft>
-                <a:spcPts val="0"/>
-              </a:spcAft>
-              <a:buClr>
-                <a:schemeClr val="accent1"/>
-              </a:buClr>
-              <a:buFont typeface="Wingdings 3" charset="2"/>
-              <a:buChar char=""/>
-              <a:defRPr sz="1200" kern="1200">
-                <a:solidFill>
-                  <a:schemeClr val="tx1">
-                    <a:lumMod val="75000"/>
-                    <a:lumOff val="25000"/>
-                  </a:schemeClr>
-                </a:solidFill>
-                <a:latin typeface="+mn-lt"/>
-                <a:ea typeface="+mn-ea"/>
-                <a:cs typeface="+mn-cs"/>
-              </a:defRPr>
-            </a:lvl9pPr>
-          </a:lstStyle>
-          <a:p>
-            <a:pPr algn="just">
-              <a:lnSpc>
-                <a:spcPct val="107000"/>
-              </a:lnSpc>
-              <a:spcAft>
-                <a:spcPts val="800"/>
-              </a:spcAft>
-            </a:pPr>
-            <a:r>
-              <a:rPr lang="en-GB" dirty="0"/>
-              <a:t>Pre-train the network with Rorschach Figures (features)</a:t>
-            </a:r>
-          </a:p>
-          <a:p>
-            <a:pPr algn="just">
-              <a:lnSpc>
-                <a:spcPct val="107000"/>
-              </a:lnSpc>
-              <a:spcAft>
-                <a:spcPts val="800"/>
-              </a:spcAft>
-            </a:pPr>
-            <a:r>
-              <a:rPr lang="en-GB" dirty="0">
-                <a:latin typeface="Century Gothic (Body)"/>
-                <a:ea typeface="Calibri" panose="020F0502020204030204" pitchFamily="34" charset="0"/>
-                <a:cs typeface="Times New Roman" panose="02020603050405020304" pitchFamily="18" charset="0"/>
-              </a:rPr>
-              <a:t>Labels: entities’ names</a:t>
-            </a:r>
-          </a:p>
-          <a:p>
-            <a:pPr algn="just">
-              <a:lnSpc>
-                <a:spcPct val="107000"/>
-              </a:lnSpc>
-              <a:spcAft>
-                <a:spcPts val="800"/>
-              </a:spcAft>
-            </a:pPr>
-            <a:r>
-              <a:rPr lang="en-GB" dirty="0">
-                <a:latin typeface="Century Gothic (Body)"/>
-                <a:ea typeface="Calibri" panose="020F0502020204030204" pitchFamily="34" charset="0"/>
-                <a:cs typeface="Times New Roman" panose="02020603050405020304" pitchFamily="18" charset="0"/>
-              </a:rPr>
-              <a:t>Predict on Rorschach Images</a:t>
-            </a:r>
-          </a:p>
-          <a:p>
-            <a:pPr algn="just">
-              <a:lnSpc>
-                <a:spcPct val="107000"/>
-              </a:lnSpc>
-              <a:spcAft>
-                <a:spcPts val="800"/>
-              </a:spcAft>
-            </a:pPr>
-            <a:r>
-              <a:rPr lang="en-GB" dirty="0">
-                <a:latin typeface="Century Gothic (Body)"/>
-                <a:ea typeface="Calibri" panose="020F0502020204030204" pitchFamily="34" charset="0"/>
-                <a:cs typeface="Times New Roman" panose="02020603050405020304" pitchFamily="18" charset="0"/>
-              </a:rPr>
-              <a:t>Compare the interpretation of the model partially trained on groups of students</a:t>
-            </a:r>
-          </a:p>
-          <a:p>
-            <a:pPr algn="just">
-              <a:lnSpc>
-                <a:spcPct val="107000"/>
-              </a:lnSpc>
-              <a:spcAft>
-                <a:spcPts val="800"/>
-              </a:spcAft>
-            </a:pPr>
-            <a:endParaRPr lang="ro-RO" dirty="0">
-              <a:latin typeface="Century Gothic (Body)"/>
-              <a:ea typeface="Calibri" panose="020F0502020204030204" pitchFamily="34" charset="0"/>
-              <a:cs typeface="Times New Roman" panose="02020603050405020304" pitchFamily="18" charset="0"/>
-            </a:endParaRPr>
-          </a:p>
-        </p:txBody>
-      </p:sp>
-      <p:sp>
-        <p:nvSpPr>
-          <p:cNvPr id="16" name="Content Placeholder 3">
-            <a:extLst>
-              <a:ext uri="{FF2B5EF4-FFF2-40B4-BE49-F238E27FC236}">
-                <a16:creationId xmlns:a16="http://schemas.microsoft.com/office/drawing/2014/main" id="{A57A5C46-D329-4760-BE21-59BB406BAAC0}"/>
-              </a:ext>
-            </a:extLst>
-          </p:cNvPr>
-          <p:cNvSpPr txBox="1">
-            <a:spLocks/>
-          </p:cNvSpPr>
-          <p:nvPr/>
-        </p:nvSpPr>
-        <p:spPr>
-          <a:xfrm>
-            <a:off x="1141916" y="5804737"/>
-            <a:ext cx="10001961" cy="3931298"/>
-          </a:xfrm>
-          <a:prstGeom prst="rect">
-            <a:avLst/>
-          </a:prstGeom>
-        </p:spPr>
-        <p:txBody>
-          <a:bodyPr vert="horz" lIns="91440" tIns="45720" rIns="91440" bIns="45720" rtlCol="0">
-            <a:normAutofit/>
-          </a:bodyPr>
-          <a:lstStyle>
-            <a:lvl1pPr marL="342900" indent="-342900" algn="l" defTabSz="457200" rtl="0" eaLnBrk="1" latinLnBrk="0" hangingPunct="1">
-              <a:spcBef>
-                <a:spcPts val="1000"/>
-              </a:spcBef>
-              <a:spcAft>
-                <a:spcPts val="0"/>
-              </a:spcAft>
-              <a:buClr>
-                <a:schemeClr val="accent1"/>
-              </a:buClr>
-              <a:buFont typeface="Wingdings 3" charset="2"/>
-              <a:buChar char=""/>
-              <a:defRPr sz="1800" kern="1200">
-                <a:solidFill>
-                  <a:schemeClr val="tx1">
-                    <a:lumMod val="75000"/>
-                    <a:lumOff val="25000"/>
-                  </a:schemeClr>
-                </a:solidFill>
-                <a:latin typeface="+mn-lt"/>
-                <a:ea typeface="+mn-ea"/>
-                <a:cs typeface="+mn-cs"/>
-              </a:defRPr>
-            </a:lvl1pPr>
-            <a:lvl2pPr marL="742950" indent="-285750" algn="l" defTabSz="457200" rtl="0" eaLnBrk="1" latinLnBrk="0" hangingPunct="1">
-              <a:spcBef>
-                <a:spcPts val="1000"/>
-              </a:spcBef>
-              <a:spcAft>
-                <a:spcPts val="0"/>
-              </a:spcAft>
-              <a:buClr>
-                <a:schemeClr val="accent1"/>
-              </a:buClr>
-              <a:buFont typeface="Wingdings 3" charset="2"/>
-              <a:buChar char=""/>
-              <a:defRPr sz="1600" kern="1200">
-                <a:solidFill>
-                  <a:schemeClr val="tx1">
-                    <a:lumMod val="75000"/>
-                    <a:lumOff val="25000"/>
-                  </a:schemeClr>
-                </a:solidFill>
-                <a:latin typeface="+mn-lt"/>
-                <a:ea typeface="+mn-ea"/>
-                <a:cs typeface="+mn-cs"/>
-              </a:defRPr>
-            </a:lvl2pPr>
-            <a:lvl3pPr marL="1143000" indent="-228600" algn="l" defTabSz="457200" rtl="0" eaLnBrk="1" latinLnBrk="0" hangingPunct="1">
-              <a:spcBef>
-                <a:spcPts val="1000"/>
-              </a:spcBef>
-              <a:spcAft>
-                <a:spcPts val="0"/>
-              </a:spcAft>
-              <a:buClr>
-                <a:schemeClr val="accent1"/>
-              </a:buClr>
-              <a:buFont typeface="Wingdings 3" charset="2"/>
-              <a:buChar char=""/>
-              <a:defRPr sz="1400" kern="1200">
-                <a:solidFill>
-                  <a:schemeClr val="tx1">
-                    <a:lumMod val="75000"/>
-                    <a:lumOff val="25000"/>
-                  </a:schemeClr>
-                </a:solidFill>
-                <a:latin typeface="+mn-lt"/>
-                <a:ea typeface="+mn-ea"/>
-                <a:cs typeface="+mn-cs"/>
-              </a:defRPr>
-            </a:lvl3pPr>
-            <a:lvl4pPr marL="1600200" indent="-228600" algn="l" defTabSz="457200" rtl="0" eaLnBrk="1" latinLnBrk="0" hangingPunct="1">
-              <a:spcBef>
-                <a:spcPts val="1000"/>
-              </a:spcBef>
-              <a:spcAft>
-                <a:spcPts val="0"/>
-              </a:spcAft>
-              <a:buClr>
-                <a:schemeClr val="accent1"/>
-              </a:buClr>
-              <a:buFont typeface="Wingdings 3" charset="2"/>
-              <a:buChar char=""/>
-              <a:defRPr sz="1200" kern="1200">
-                <a:solidFill>
-                  <a:schemeClr val="tx1">
-                    <a:lumMod val="75000"/>
-                    <a:lumOff val="25000"/>
-                  </a:schemeClr>
-                </a:solidFill>
-                <a:latin typeface="+mn-lt"/>
-                <a:ea typeface="+mn-ea"/>
-                <a:cs typeface="+mn-cs"/>
-              </a:defRPr>
-            </a:lvl4pPr>
-            <a:lvl5pPr marL="2057400" indent="-228600" algn="l" defTabSz="457200" rtl="0" eaLnBrk="1" latinLnBrk="0" hangingPunct="1">
-              <a:spcBef>
-                <a:spcPts val="1000"/>
-              </a:spcBef>
-              <a:spcAft>
-                <a:spcPts val="0"/>
-              </a:spcAft>
-              <a:buClr>
-                <a:schemeClr val="accent1"/>
-              </a:buClr>
-              <a:buFont typeface="Wingdings 3" charset="2"/>
-              <a:buChar char=""/>
-              <a:defRPr sz="1200" kern="1200">
-                <a:solidFill>
-                  <a:schemeClr val="tx1">
-                    <a:lumMod val="75000"/>
-                    <a:lumOff val="25000"/>
-                  </a:schemeClr>
-                </a:solidFill>
-                <a:latin typeface="+mn-lt"/>
-                <a:ea typeface="+mn-ea"/>
-                <a:cs typeface="+mn-cs"/>
-              </a:defRPr>
-            </a:lvl5pPr>
-            <a:lvl6pPr marL="2514600" indent="-228600" algn="l" defTabSz="457200" rtl="0" eaLnBrk="1" latinLnBrk="0" hangingPunct="1">
-              <a:spcBef>
-                <a:spcPts val="1000"/>
-              </a:spcBef>
-              <a:spcAft>
-                <a:spcPts val="0"/>
-              </a:spcAft>
-              <a:buClr>
-                <a:schemeClr val="accent1"/>
-              </a:buClr>
-              <a:buFont typeface="Wingdings 3" charset="2"/>
-              <a:buChar char=""/>
-              <a:defRPr sz="1200" kern="1200">
-                <a:solidFill>
-                  <a:schemeClr val="tx1">
-                    <a:lumMod val="75000"/>
-                    <a:lumOff val="25000"/>
-                  </a:schemeClr>
-                </a:solidFill>
-                <a:latin typeface="+mn-lt"/>
-                <a:ea typeface="+mn-ea"/>
-                <a:cs typeface="+mn-cs"/>
-              </a:defRPr>
-            </a:lvl6pPr>
-            <a:lvl7pPr marL="2971800" indent="-228600" algn="l" defTabSz="457200" rtl="0" eaLnBrk="1" latinLnBrk="0" hangingPunct="1">
-              <a:spcBef>
-                <a:spcPts val="1000"/>
-              </a:spcBef>
-              <a:spcAft>
-                <a:spcPts val="0"/>
-              </a:spcAft>
-              <a:buClr>
-                <a:schemeClr val="accent1"/>
-              </a:buClr>
-              <a:buFont typeface="Wingdings 3" charset="2"/>
-              <a:buChar char=""/>
-              <a:defRPr sz="1200" kern="1200">
-                <a:solidFill>
-                  <a:schemeClr val="tx1">
-                    <a:lumMod val="75000"/>
-                    <a:lumOff val="25000"/>
-                  </a:schemeClr>
-                </a:solidFill>
-                <a:latin typeface="+mn-lt"/>
-                <a:ea typeface="+mn-ea"/>
-                <a:cs typeface="+mn-cs"/>
-              </a:defRPr>
-            </a:lvl7pPr>
-            <a:lvl8pPr marL="3429000" indent="-228600" algn="l" defTabSz="457200" rtl="0" eaLnBrk="1" latinLnBrk="0" hangingPunct="1">
-              <a:spcBef>
-                <a:spcPts val="1000"/>
-              </a:spcBef>
-              <a:spcAft>
-                <a:spcPts val="0"/>
-              </a:spcAft>
-              <a:buClr>
-                <a:schemeClr val="accent1"/>
-              </a:buClr>
-              <a:buFont typeface="Wingdings 3" charset="2"/>
-              <a:buChar char=""/>
-              <a:defRPr sz="1200" kern="1200">
-                <a:solidFill>
-                  <a:schemeClr val="tx1">
-                    <a:lumMod val="75000"/>
-                    <a:lumOff val="25000"/>
-                  </a:schemeClr>
-                </a:solidFill>
-                <a:latin typeface="+mn-lt"/>
-                <a:ea typeface="+mn-ea"/>
-                <a:cs typeface="+mn-cs"/>
-              </a:defRPr>
-            </a:lvl8pPr>
-            <a:lvl9pPr marL="3886200" indent="-228600" algn="l" defTabSz="457200" rtl="0" eaLnBrk="1" latinLnBrk="0" hangingPunct="1">
-              <a:spcBef>
-                <a:spcPts val="1000"/>
-              </a:spcBef>
-              <a:spcAft>
-                <a:spcPts val="0"/>
-              </a:spcAft>
-              <a:buClr>
-                <a:schemeClr val="accent1"/>
-              </a:buClr>
-              <a:buFont typeface="Wingdings 3" charset="2"/>
-              <a:buChar char=""/>
-              <a:defRPr sz="1200" kern="1200">
-                <a:solidFill>
-                  <a:schemeClr val="tx1">
-                    <a:lumMod val="75000"/>
-                    <a:lumOff val="25000"/>
-                  </a:schemeClr>
-                </a:solidFill>
-                <a:latin typeface="+mn-lt"/>
-                <a:ea typeface="+mn-ea"/>
-                <a:cs typeface="+mn-cs"/>
-              </a:defRPr>
-            </a:lvl9pPr>
-          </a:lstStyle>
-          <a:p>
-            <a:pPr algn="just">
-              <a:lnSpc>
-                <a:spcPct val="107000"/>
-              </a:lnSpc>
-              <a:spcAft>
-                <a:spcPts val="800"/>
-              </a:spcAft>
-            </a:pPr>
-            <a:r>
-              <a:rPr lang="en-US" dirty="0">
-                <a:latin typeface="Century Gothic (Body)"/>
-                <a:ea typeface="Calibri" panose="020F0502020204030204" pitchFamily="34" charset="0"/>
-                <a:cs typeface="Times New Roman" panose="02020603050405020304" pitchFamily="18" charset="0"/>
-              </a:rPr>
-              <a:t>Presentation about psychology, correlation between human brain structure and deep learning </a:t>
-            </a:r>
-            <a:endParaRPr lang="ro-RO" dirty="0">
-              <a:latin typeface="Century Gothic (Body)"/>
-              <a:ea typeface="Calibri" panose="020F0502020204030204" pitchFamily="34" charset="0"/>
-              <a:cs typeface="Times New Roman" panose="02020603050405020304" pitchFamily="18" charset="0"/>
-            </a:endParaRPr>
-          </a:p>
-        </p:txBody>
-      </p:sp>
-    </p:spTree>
-    <p:extLst>
-      <p:ext uri="{BB962C8B-B14F-4D97-AF65-F5344CB8AC3E}">
-        <p14:creationId xmlns:p14="http://schemas.microsoft.com/office/powerpoint/2010/main" val="3886589210"/>
-      </p:ext>
-    </p:extLst>
-  </p:cSld>
-  <p:clrMapOvr>
-    <a:masterClrMapping/>
-  </p:clrMapOvr>
-</p:sld>
-</file>
-
-<file path=ppt/slides/slide8.xml><?xml version="1.0" encoding="utf-8"?>
-<p:sld xmlns:a="http://schemas.openxmlformats.org/drawingml/2006/main" xmlns:r="http://schemas.openxmlformats.org/officeDocument/2006/relationships" xmlns:p="http://schemas.openxmlformats.org/presentationml/2006/main">
-  <p:cSld>
-    <p:spTree>
-      <p:nvGrpSpPr>
-        <p:cNvPr id="1" name=""/>
-        <p:cNvGrpSpPr/>
-        <p:nvPr/>
-      </p:nvGrpSpPr>
-      <p:grpSpPr>
-        <a:xfrm>
-          <a:off x="0" y="0"/>
-          <a:ext cx="0" cy="0"/>
-          <a:chOff x="0" y="0"/>
-          <a:chExt cx="0" cy="0"/>
-        </a:xfrm>
-      </p:grpSpPr>
-      <p:sp>
-        <p:nvSpPr>
-          <p:cNvPr id="12" name="Title 1">
-            <a:extLst>
-              <a:ext uri="{FF2B5EF4-FFF2-40B4-BE49-F238E27FC236}">
-                <a16:creationId xmlns:a16="http://schemas.microsoft.com/office/drawing/2014/main" id="{05ACE682-1B73-40BF-BA3B-B531FBAF2E9A}"/>
-              </a:ext>
-            </a:extLst>
-          </p:cNvPr>
-          <p:cNvSpPr>
-            <a:spLocks noGrp="1"/>
-          </p:cNvSpPr>
-          <p:nvPr>
-            <p:ph type="title"/>
-          </p:nvPr>
-        </p:nvSpPr>
-        <p:spPr>
-          <a:xfrm>
-            <a:off x="2623396" y="801731"/>
-            <a:ext cx="7190913" cy="1080938"/>
-          </a:xfrm>
-        </p:spPr>
-        <p:txBody>
-          <a:bodyPr>
-            <a:normAutofit fontScale="90000"/>
-          </a:bodyPr>
-          <a:lstStyle/>
-          <a:p>
-            <a:pPr algn="ctr"/>
-            <a:r>
-              <a:rPr lang="en-US" sz="4800" dirty="0"/>
-              <a:t>Feature Engineering</a:t>
-            </a:r>
-            <a:br>
-              <a:rPr lang="en-US" sz="4800" dirty="0"/>
-            </a:br>
-            <a:r>
-              <a:rPr lang="en-US" sz="4800" dirty="0"/>
-              <a:t>-feature extraction-</a:t>
-            </a:r>
-          </a:p>
-        </p:txBody>
-      </p:sp>
-      <p:sp>
-        <p:nvSpPr>
-          <p:cNvPr id="8" name="Slide Number Placeholder 5">
-            <a:extLst>
-              <a:ext uri="{FF2B5EF4-FFF2-40B4-BE49-F238E27FC236}">
-                <a16:creationId xmlns:a16="http://schemas.microsoft.com/office/drawing/2014/main" id="{974E51E9-613F-49E1-8A93-AF9AF175FA01}"/>
-              </a:ext>
-            </a:extLst>
-          </p:cNvPr>
-          <p:cNvSpPr txBox="1">
-            <a:spLocks/>
-          </p:cNvSpPr>
-          <p:nvPr/>
-        </p:nvSpPr>
-        <p:spPr bwMode="gray">
-          <a:xfrm>
-            <a:off x="11010090" y="6231913"/>
-            <a:ext cx="779767" cy="365125"/>
-          </a:xfrm>
-          <a:prstGeom prst="rect">
-            <a:avLst/>
-          </a:prstGeom>
-        </p:spPr>
-        <p:txBody>
-          <a:bodyPr vert="horz" lIns="91440" tIns="45720" rIns="91440" bIns="45720" rtlCol="0" anchor="ctr"/>
-          <a:lstStyle>
-            <a:defPPr>
-              <a:defRPr lang="en-US"/>
-            </a:defPPr>
-            <a:lvl1pPr marL="0" algn="r" defTabSz="457200" rtl="0" eaLnBrk="1" latinLnBrk="0" hangingPunct="1">
-              <a:defRPr sz="2000" kern="1200">
-                <a:solidFill>
-                  <a:srgbClr val="FEFFFF"/>
-                </a:solidFill>
-                <a:latin typeface="+mn-lt"/>
-                <a:ea typeface="+mn-ea"/>
-                <a:cs typeface="+mn-cs"/>
-              </a:defRPr>
-            </a:lvl1pPr>
-            <a:lvl2pPr marL="457200" algn="l" defTabSz="457200" rtl="0" eaLnBrk="1" latinLnBrk="0" hangingPunct="1">
-              <a:defRPr sz="1800" kern="1200">
-                <a:solidFill>
-                  <a:schemeClr val="tx1"/>
-                </a:solidFill>
-                <a:latin typeface="+mn-lt"/>
-                <a:ea typeface="+mn-ea"/>
-                <a:cs typeface="+mn-cs"/>
-              </a:defRPr>
-            </a:lvl2pPr>
-            <a:lvl3pPr marL="914400" algn="l" defTabSz="457200" rtl="0" eaLnBrk="1" latinLnBrk="0" hangingPunct="1">
-              <a:defRPr sz="1800" kern="1200">
-                <a:solidFill>
-                  <a:schemeClr val="tx1"/>
-                </a:solidFill>
-                <a:latin typeface="+mn-lt"/>
-                <a:ea typeface="+mn-ea"/>
-                <a:cs typeface="+mn-cs"/>
-              </a:defRPr>
-            </a:lvl3pPr>
-            <a:lvl4pPr marL="1371600" algn="l" defTabSz="457200" rtl="0" eaLnBrk="1" latinLnBrk="0" hangingPunct="1">
-              <a:defRPr sz="1800" kern="1200">
-                <a:solidFill>
-                  <a:schemeClr val="tx1"/>
-                </a:solidFill>
-                <a:latin typeface="+mn-lt"/>
-                <a:ea typeface="+mn-ea"/>
-                <a:cs typeface="+mn-cs"/>
-              </a:defRPr>
-            </a:lvl4pPr>
-            <a:lvl5pPr marL="1828800" algn="l" defTabSz="457200" rtl="0" eaLnBrk="1" latinLnBrk="0" hangingPunct="1">
-              <a:defRPr sz="1800" kern="1200">
-                <a:solidFill>
-                  <a:schemeClr val="tx1"/>
-                </a:solidFill>
-                <a:latin typeface="+mn-lt"/>
-                <a:ea typeface="+mn-ea"/>
-                <a:cs typeface="+mn-cs"/>
-              </a:defRPr>
-            </a:lvl5pPr>
-            <a:lvl6pPr marL="2286000" algn="l" defTabSz="457200" rtl="0" eaLnBrk="1" latinLnBrk="0" hangingPunct="1">
-              <a:defRPr sz="1800" kern="1200">
-                <a:solidFill>
-                  <a:schemeClr val="tx1"/>
-                </a:solidFill>
-                <a:latin typeface="+mn-lt"/>
-                <a:ea typeface="+mn-ea"/>
-                <a:cs typeface="+mn-cs"/>
-              </a:defRPr>
-            </a:lvl6pPr>
-            <a:lvl7pPr marL="2743200" algn="l" defTabSz="457200" rtl="0" eaLnBrk="1" latinLnBrk="0" hangingPunct="1">
-              <a:defRPr sz="1800" kern="1200">
-                <a:solidFill>
-                  <a:schemeClr val="tx1"/>
-                </a:solidFill>
-                <a:latin typeface="+mn-lt"/>
-                <a:ea typeface="+mn-ea"/>
-                <a:cs typeface="+mn-cs"/>
-              </a:defRPr>
-            </a:lvl7pPr>
-            <a:lvl8pPr marL="3200400" algn="l" defTabSz="457200" rtl="0" eaLnBrk="1" latinLnBrk="0" hangingPunct="1">
-              <a:defRPr sz="1800" kern="1200">
-                <a:solidFill>
-                  <a:schemeClr val="tx1"/>
-                </a:solidFill>
-                <a:latin typeface="+mn-lt"/>
-                <a:ea typeface="+mn-ea"/>
-                <a:cs typeface="+mn-cs"/>
-              </a:defRPr>
-            </a:lvl8pPr>
-            <a:lvl9pPr marL="3657600" algn="l" defTabSz="457200" rtl="0" eaLnBrk="1" latinLnBrk="0" hangingPunct="1">
-              <a:defRPr sz="1800" kern="1200">
-                <a:solidFill>
-                  <a:schemeClr val="tx1"/>
-                </a:solidFill>
-                <a:latin typeface="+mn-lt"/>
-                <a:ea typeface="+mn-ea"/>
-                <a:cs typeface="+mn-cs"/>
-              </a:defRPr>
-            </a:lvl9pPr>
-          </a:lstStyle>
-          <a:p>
-            <a:fld id="{19584825-D934-4E20-B0C8-29FEC7CA1AF9}" type="slidenum">
-              <a:rPr lang="en-US" smtClean="0">
-                <a:solidFill>
-                  <a:schemeClr val="tx1"/>
-                </a:solidFill>
-              </a:rPr>
-              <a:pPr/>
-              <a:t>8</a:t>
-            </a:fld>
-            <a:endParaRPr lang="en-US" dirty="0">
-              <a:solidFill>
-                <a:schemeClr val="tx1"/>
-              </a:solidFill>
-            </a:endParaRPr>
-          </a:p>
-        </p:txBody>
-      </p:sp>
-      <p:pic>
-        <p:nvPicPr>
-          <p:cNvPr id="9" name="Picture 8" descr="A picture containing text, clipart&#10;&#10;Description automatically generated">
-            <a:extLst>
-              <a:ext uri="{FF2B5EF4-FFF2-40B4-BE49-F238E27FC236}">
-                <a16:creationId xmlns:a16="http://schemas.microsoft.com/office/drawing/2014/main" id="{942D71B3-CD34-43E5-9D3F-BA2819AE22EA}"/>
-              </a:ext>
-            </a:extLst>
-          </p:cNvPr>
-          <p:cNvPicPr>
-            <a:picLocks noChangeAspect="1"/>
-          </p:cNvPicPr>
-          <p:nvPr/>
-        </p:nvPicPr>
-        <p:blipFill rotWithShape="1">
-          <a:blip r:embed="rId2">
-            <a:extLst>
-              <a:ext uri="{28A0092B-C50C-407E-A947-70E740481C1C}">
-                <a14:useLocalDpi xmlns:a14="http://schemas.microsoft.com/office/drawing/2010/main" val="0"/>
-              </a:ext>
-            </a:extLst>
-          </a:blip>
-          <a:srcRect r="57677"/>
-          <a:stretch/>
-        </p:blipFill>
-        <p:spPr>
-          <a:xfrm>
-            <a:off x="10608300" y="437028"/>
-            <a:ext cx="1428567" cy="1066632"/>
-          </a:xfrm>
-          <a:prstGeom prst="rect">
-            <a:avLst/>
-          </a:prstGeom>
-        </p:spPr>
-      </p:pic>
-      <p:pic>
-        <p:nvPicPr>
-          <p:cNvPr id="13" name="Picture 12" descr="Logo&#10;&#10;Description automatically generated">
-            <a:extLst>
-              <a:ext uri="{FF2B5EF4-FFF2-40B4-BE49-F238E27FC236}">
-                <a16:creationId xmlns:a16="http://schemas.microsoft.com/office/drawing/2014/main" id="{0B34AC09-580D-4C50-930A-7592EF4E9F8E}"/>
-              </a:ext>
-            </a:extLst>
-          </p:cNvPr>
-          <p:cNvPicPr>
-            <a:picLocks noChangeAspect="1"/>
-          </p:cNvPicPr>
-          <p:nvPr/>
-        </p:nvPicPr>
-        <p:blipFill>
-          <a:blip r:embed="rId3">
-            <a:extLst>
-              <a:ext uri="{28A0092B-C50C-407E-A947-70E740481C1C}">
-                <a14:useLocalDpi xmlns:a14="http://schemas.microsoft.com/office/drawing/2010/main" val="0"/>
-              </a:ext>
-            </a:extLst>
-          </a:blip>
-          <a:stretch>
-            <a:fillRect/>
-          </a:stretch>
-        </p:blipFill>
-        <p:spPr>
-          <a:xfrm>
-            <a:off x="1829405" y="499758"/>
-            <a:ext cx="1376588" cy="941171"/>
-          </a:xfrm>
-          <a:prstGeom prst="rect">
-            <a:avLst/>
-          </a:prstGeom>
-        </p:spPr>
-      </p:pic>
       <p:pic>
         <p:nvPicPr>
           <p:cNvPr id="6" name="Picture 2" descr="Schematic representation of the Gabor filter banks in 5 scales and 8 orientations "/>
@@ -39467,7 +37534,7 @@
         </p:blipFill>
         <p:spPr bwMode="auto">
           <a:xfrm>
-            <a:off x="8660193" y="4931850"/>
+            <a:off x="8526253" y="4191400"/>
             <a:ext cx="3143250" cy="1038225"/>
           </a:xfrm>
           <a:prstGeom prst="rect">
@@ -39660,8 +37727,8 @@
           <p:nvPr/>
         </p:nvSpPr>
         <p:spPr>
-          <a:xfrm rot="2646577">
-            <a:off x="7572596" y="3616403"/>
+          <a:xfrm rot="1467768">
+            <a:off x="7804955" y="3456066"/>
             <a:ext cx="1442597" cy="262970"/>
           </a:xfrm>
           <a:prstGeom prst="rightArrow">
@@ -39706,7 +37773,7 @@
 </p:sld>
 </file>
 
-<file path=ppt/slides/slide9.xml><?xml version="1.0" encoding="utf-8"?>
+<file path=ppt/slides/slide8.xml><?xml version="1.0" encoding="utf-8"?>
 <p:sld xmlns:a="http://schemas.openxmlformats.org/drawingml/2006/main" xmlns:r="http://schemas.openxmlformats.org/officeDocument/2006/relationships" xmlns:p="http://schemas.openxmlformats.org/presentationml/2006/main">
   <p:cSld>
     <p:spTree>
@@ -39891,7 +37958,7 @@
                 </a:solidFill>
               </a:rPr>
               <a:pPr/>
-              <a:t>9</a:t>
+              <a:t>8</a:t>
             </a:fld>
             <a:endParaRPr lang="en-US" dirty="0">
               <a:solidFill>
@@ -39995,8 +38062,8 @@
         </p:blipFill>
         <p:spPr bwMode="auto">
           <a:xfrm>
-            <a:off x="445721" y="2991112"/>
-            <a:ext cx="5967969" cy="1753349"/>
+            <a:off x="2517699" y="1882669"/>
+            <a:ext cx="6811819" cy="2001266"/>
           </a:xfrm>
           <a:prstGeom prst="rect">
             <a:avLst/>
@@ -40036,8 +38103,8 @@
         </p:blipFill>
         <p:spPr bwMode="auto">
           <a:xfrm>
-            <a:off x="7073592" y="2991112"/>
-            <a:ext cx="3936498" cy="1748605"/>
+            <a:off x="3302293" y="4115091"/>
+            <a:ext cx="5587414" cy="2481947"/>
           </a:xfrm>
           <a:prstGeom prst="rect">
             <a:avLst/>
@@ -40058,6 +38125,316 @@
     <p:extLst>
       <p:ext uri="{BB962C8B-B14F-4D97-AF65-F5344CB8AC3E}">
         <p14:creationId xmlns:p14="http://schemas.microsoft.com/office/powerpoint/2010/main" val="3196809179"/>
+      </p:ext>
+    </p:extLst>
+  </p:cSld>
+  <p:clrMapOvr>
+    <a:masterClrMapping/>
+  </p:clrMapOvr>
+</p:sld>
+</file>
+
+<file path=ppt/slides/slide9.xml><?xml version="1.0" encoding="utf-8"?>
+<p:sld xmlns:a="http://schemas.openxmlformats.org/drawingml/2006/main" xmlns:r="http://schemas.openxmlformats.org/officeDocument/2006/relationships" xmlns:p="http://schemas.openxmlformats.org/presentationml/2006/main">
+  <p:cSld>
+    <p:spTree>
+      <p:nvGrpSpPr>
+        <p:cNvPr id="1" name=""/>
+        <p:cNvGrpSpPr/>
+        <p:nvPr/>
+      </p:nvGrpSpPr>
+      <p:grpSpPr>
+        <a:xfrm>
+          <a:off x="0" y="0"/>
+          <a:ext cx="0" cy="0"/>
+          <a:chOff x="0" y="0"/>
+          <a:chExt cx="0" cy="0"/>
+        </a:xfrm>
+      </p:grpSpPr>
+      <p:sp>
+        <p:nvSpPr>
+          <p:cNvPr id="12" name="Title 1">
+            <a:extLst>
+              <a:ext uri="{FF2B5EF4-FFF2-40B4-BE49-F238E27FC236}">
+                <a16:creationId xmlns:a16="http://schemas.microsoft.com/office/drawing/2014/main" id="{05ACE682-1B73-40BF-BA3B-B531FBAF2E9A}"/>
+              </a:ext>
+            </a:extLst>
+          </p:cNvPr>
+          <p:cNvSpPr>
+            <a:spLocks noGrp="1"/>
+          </p:cNvSpPr>
+          <p:nvPr>
+            <p:ph type="title"/>
+          </p:nvPr>
+        </p:nvSpPr>
+        <p:spPr>
+          <a:xfrm>
+            <a:off x="2623396" y="801731"/>
+            <a:ext cx="7190913" cy="1080938"/>
+          </a:xfrm>
+        </p:spPr>
+        <p:txBody>
+          <a:bodyPr>
+            <a:normAutofit fontScale="90000"/>
+          </a:bodyPr>
+          <a:lstStyle/>
+          <a:p>
+            <a:pPr algn="ctr"/>
+            <a:r>
+              <a:rPr lang="en-US" sz="4800" dirty="0"/>
+              <a:t>Classification</a:t>
+            </a:r>
+            <a:br>
+              <a:rPr lang="en-US" sz="4800" dirty="0"/>
+            </a:br>
+            <a:r>
+              <a:rPr lang="en-US" sz="4800" dirty="0"/>
+              <a:t>-binary-</a:t>
+            </a:r>
+          </a:p>
+        </p:txBody>
+      </p:sp>
+      <p:sp>
+        <p:nvSpPr>
+          <p:cNvPr id="8" name="Slide Number Placeholder 5">
+            <a:extLst>
+              <a:ext uri="{FF2B5EF4-FFF2-40B4-BE49-F238E27FC236}">
+                <a16:creationId xmlns:a16="http://schemas.microsoft.com/office/drawing/2014/main" id="{974E51E9-613F-49E1-8A93-AF9AF175FA01}"/>
+              </a:ext>
+            </a:extLst>
+          </p:cNvPr>
+          <p:cNvSpPr txBox="1">
+            <a:spLocks/>
+          </p:cNvSpPr>
+          <p:nvPr/>
+        </p:nvSpPr>
+        <p:spPr bwMode="gray">
+          <a:xfrm>
+            <a:off x="11010090" y="6231913"/>
+            <a:ext cx="779767" cy="365125"/>
+          </a:xfrm>
+          <a:prstGeom prst="rect">
+            <a:avLst/>
+          </a:prstGeom>
+        </p:spPr>
+        <p:txBody>
+          <a:bodyPr vert="horz" lIns="91440" tIns="45720" rIns="91440" bIns="45720" rtlCol="0" anchor="ctr"/>
+          <a:lstStyle>
+            <a:defPPr>
+              <a:defRPr lang="en-US"/>
+            </a:defPPr>
+            <a:lvl1pPr marL="0" algn="r" defTabSz="457200" rtl="0" eaLnBrk="1" latinLnBrk="0" hangingPunct="1">
+              <a:defRPr sz="2000" kern="1200">
+                <a:solidFill>
+                  <a:srgbClr val="FEFFFF"/>
+                </a:solidFill>
+                <a:latin typeface="+mn-lt"/>
+                <a:ea typeface="+mn-ea"/>
+                <a:cs typeface="+mn-cs"/>
+              </a:defRPr>
+            </a:lvl1pPr>
+            <a:lvl2pPr marL="457200" algn="l" defTabSz="457200" rtl="0" eaLnBrk="1" latinLnBrk="0" hangingPunct="1">
+              <a:defRPr sz="1800" kern="1200">
+                <a:solidFill>
+                  <a:schemeClr val="tx1"/>
+                </a:solidFill>
+                <a:latin typeface="+mn-lt"/>
+                <a:ea typeface="+mn-ea"/>
+                <a:cs typeface="+mn-cs"/>
+              </a:defRPr>
+            </a:lvl2pPr>
+            <a:lvl3pPr marL="914400" algn="l" defTabSz="457200" rtl="0" eaLnBrk="1" latinLnBrk="0" hangingPunct="1">
+              <a:defRPr sz="1800" kern="1200">
+                <a:solidFill>
+                  <a:schemeClr val="tx1"/>
+                </a:solidFill>
+                <a:latin typeface="+mn-lt"/>
+                <a:ea typeface="+mn-ea"/>
+                <a:cs typeface="+mn-cs"/>
+              </a:defRPr>
+            </a:lvl3pPr>
+            <a:lvl4pPr marL="1371600" algn="l" defTabSz="457200" rtl="0" eaLnBrk="1" latinLnBrk="0" hangingPunct="1">
+              <a:defRPr sz="1800" kern="1200">
+                <a:solidFill>
+                  <a:schemeClr val="tx1"/>
+                </a:solidFill>
+                <a:latin typeface="+mn-lt"/>
+                <a:ea typeface="+mn-ea"/>
+                <a:cs typeface="+mn-cs"/>
+              </a:defRPr>
+            </a:lvl4pPr>
+            <a:lvl5pPr marL="1828800" algn="l" defTabSz="457200" rtl="0" eaLnBrk="1" latinLnBrk="0" hangingPunct="1">
+              <a:defRPr sz="1800" kern="1200">
+                <a:solidFill>
+                  <a:schemeClr val="tx1"/>
+                </a:solidFill>
+                <a:latin typeface="+mn-lt"/>
+                <a:ea typeface="+mn-ea"/>
+                <a:cs typeface="+mn-cs"/>
+              </a:defRPr>
+            </a:lvl5pPr>
+            <a:lvl6pPr marL="2286000" algn="l" defTabSz="457200" rtl="0" eaLnBrk="1" latinLnBrk="0" hangingPunct="1">
+              <a:defRPr sz="1800" kern="1200">
+                <a:solidFill>
+                  <a:schemeClr val="tx1"/>
+                </a:solidFill>
+                <a:latin typeface="+mn-lt"/>
+                <a:ea typeface="+mn-ea"/>
+                <a:cs typeface="+mn-cs"/>
+              </a:defRPr>
+            </a:lvl6pPr>
+            <a:lvl7pPr marL="2743200" algn="l" defTabSz="457200" rtl="0" eaLnBrk="1" latinLnBrk="0" hangingPunct="1">
+              <a:defRPr sz="1800" kern="1200">
+                <a:solidFill>
+                  <a:schemeClr val="tx1"/>
+                </a:solidFill>
+                <a:latin typeface="+mn-lt"/>
+                <a:ea typeface="+mn-ea"/>
+                <a:cs typeface="+mn-cs"/>
+              </a:defRPr>
+            </a:lvl7pPr>
+            <a:lvl8pPr marL="3200400" algn="l" defTabSz="457200" rtl="0" eaLnBrk="1" latinLnBrk="0" hangingPunct="1">
+              <a:defRPr sz="1800" kern="1200">
+                <a:solidFill>
+                  <a:schemeClr val="tx1"/>
+                </a:solidFill>
+                <a:latin typeface="+mn-lt"/>
+                <a:ea typeface="+mn-ea"/>
+                <a:cs typeface="+mn-cs"/>
+              </a:defRPr>
+            </a:lvl8pPr>
+            <a:lvl9pPr marL="3657600" algn="l" defTabSz="457200" rtl="0" eaLnBrk="1" latinLnBrk="0" hangingPunct="1">
+              <a:defRPr sz="1800" kern="1200">
+                <a:solidFill>
+                  <a:schemeClr val="tx1"/>
+                </a:solidFill>
+                <a:latin typeface="+mn-lt"/>
+                <a:ea typeface="+mn-ea"/>
+                <a:cs typeface="+mn-cs"/>
+              </a:defRPr>
+            </a:lvl9pPr>
+          </a:lstStyle>
+          <a:p>
+            <a:fld id="{19584825-D934-4E20-B0C8-29FEC7CA1AF9}" type="slidenum">
+              <a:rPr lang="en-US" smtClean="0">
+                <a:solidFill>
+                  <a:schemeClr val="tx1"/>
+                </a:solidFill>
+              </a:rPr>
+              <a:pPr/>
+              <a:t>9</a:t>
+            </a:fld>
+            <a:endParaRPr lang="en-US" dirty="0">
+              <a:solidFill>
+                <a:schemeClr val="tx1"/>
+              </a:solidFill>
+            </a:endParaRPr>
+          </a:p>
+        </p:txBody>
+      </p:sp>
+      <p:pic>
+        <p:nvPicPr>
+          <p:cNvPr id="9" name="Picture 8" descr="A picture containing text, clipart&#10;&#10;Description automatically generated">
+            <a:extLst>
+              <a:ext uri="{FF2B5EF4-FFF2-40B4-BE49-F238E27FC236}">
+                <a16:creationId xmlns:a16="http://schemas.microsoft.com/office/drawing/2014/main" id="{942D71B3-CD34-43E5-9D3F-BA2819AE22EA}"/>
+              </a:ext>
+            </a:extLst>
+          </p:cNvPr>
+          <p:cNvPicPr>
+            <a:picLocks noChangeAspect="1"/>
+          </p:cNvPicPr>
+          <p:nvPr/>
+        </p:nvPicPr>
+        <p:blipFill rotWithShape="1">
+          <a:blip r:embed="rId2">
+            <a:extLst>
+              <a:ext uri="{28A0092B-C50C-407E-A947-70E740481C1C}">
+                <a14:useLocalDpi xmlns:a14="http://schemas.microsoft.com/office/drawing/2010/main" val="0"/>
+              </a:ext>
+            </a:extLst>
+          </a:blip>
+          <a:srcRect r="57677"/>
+          <a:stretch/>
+        </p:blipFill>
+        <p:spPr>
+          <a:xfrm>
+            <a:off x="10608300" y="437028"/>
+            <a:ext cx="1428567" cy="1066632"/>
+          </a:xfrm>
+          <a:prstGeom prst="rect">
+            <a:avLst/>
+          </a:prstGeom>
+        </p:spPr>
+      </p:pic>
+      <p:pic>
+        <p:nvPicPr>
+          <p:cNvPr id="13" name="Picture 12" descr="Logo&#10;&#10;Description automatically generated">
+            <a:extLst>
+              <a:ext uri="{FF2B5EF4-FFF2-40B4-BE49-F238E27FC236}">
+                <a16:creationId xmlns:a16="http://schemas.microsoft.com/office/drawing/2014/main" id="{0B34AC09-580D-4C50-930A-7592EF4E9F8E}"/>
+              </a:ext>
+            </a:extLst>
+          </p:cNvPr>
+          <p:cNvPicPr>
+            <a:picLocks noChangeAspect="1"/>
+          </p:cNvPicPr>
+          <p:nvPr/>
+        </p:nvPicPr>
+        <p:blipFill>
+          <a:blip r:embed="rId3">
+            <a:extLst>
+              <a:ext uri="{28A0092B-C50C-407E-A947-70E740481C1C}">
+                <a14:useLocalDpi xmlns:a14="http://schemas.microsoft.com/office/drawing/2010/main" val="0"/>
+              </a:ext>
+            </a:extLst>
+          </a:blip>
+          <a:stretch>
+            <a:fillRect/>
+          </a:stretch>
+        </p:blipFill>
+        <p:spPr>
+          <a:xfrm>
+            <a:off x="1829405" y="499758"/>
+            <a:ext cx="1376588" cy="941171"/>
+          </a:xfrm>
+          <a:prstGeom prst="rect">
+            <a:avLst/>
+          </a:prstGeom>
+        </p:spPr>
+      </p:pic>
+      <p:graphicFrame>
+        <p:nvGraphicFramePr>
+          <p:cNvPr id="10" name="Diagrama 2">
+            <a:extLst>
+              <a:ext uri="{FF2B5EF4-FFF2-40B4-BE49-F238E27FC236}">
+                <a16:creationId xmlns:a16="http://schemas.microsoft.com/office/drawing/2014/main" id="{C2102DC5-0C0B-4BFC-8713-7CDCA7BFBF79}"/>
+              </a:ext>
+            </a:extLst>
+          </p:cNvPr>
+          <p:cNvGraphicFramePr/>
+          <p:nvPr>
+            <p:extLst>
+              <p:ext uri="{D42A27DB-BD31-4B8C-83A1-F6EECF244321}">
+                <p14:modId xmlns:p14="http://schemas.microsoft.com/office/powerpoint/2010/main" val="2692467814"/>
+              </p:ext>
+            </p:extLst>
+          </p:nvPr>
+        </p:nvGraphicFramePr>
+        <p:xfrm>
+          <a:off x="248576" y="2316171"/>
+          <a:ext cx="11788291" cy="4280867"/>
+        </p:xfrm>
+        <a:graphic>
+          <a:graphicData uri="http://schemas.openxmlformats.org/drawingml/2006/diagram">
+            <dgm:relIds xmlns:dgm="http://schemas.openxmlformats.org/drawingml/2006/diagram" xmlns:r="http://schemas.openxmlformats.org/officeDocument/2006/relationships" r:dm="rId4" r:lo="rId5" r:qs="rId6" r:cs="rId7"/>
+          </a:graphicData>
+        </a:graphic>
+      </p:graphicFrame>
+    </p:spTree>
+    <p:extLst>
+      <p:ext uri="{BB962C8B-B14F-4D97-AF65-F5344CB8AC3E}">
+        <p14:creationId xmlns:p14="http://schemas.microsoft.com/office/powerpoint/2010/main" val="1294219608"/>
       </p:ext>
     </p:extLst>
   </p:cSld>

--- a/Presentation_updated.pptx
+++ b/Presentation_updated.pptx
@@ -5,7 +5,7 @@
     <p:sldMasterId id="2147483840" r:id="rId1"/>
   </p:sldMasterIdLst>
   <p:notesMasterIdLst>
-    <p:notesMasterId r:id="rId22"/>
+    <p:notesMasterId r:id="rId23"/>
   </p:notesMasterIdLst>
   <p:sldIdLst>
     <p:sldId id="256" r:id="rId2"/>
@@ -23,11 +23,12 @@
     <p:sldId id="294" r:id="rId14"/>
     <p:sldId id="295" r:id="rId15"/>
     <p:sldId id="288" r:id="rId16"/>
-    <p:sldId id="266" r:id="rId17"/>
-    <p:sldId id="296" r:id="rId18"/>
-    <p:sldId id="297" r:id="rId19"/>
-    <p:sldId id="299" r:id="rId20"/>
-    <p:sldId id="298" r:id="rId21"/>
+    <p:sldId id="300" r:id="rId17"/>
+    <p:sldId id="266" r:id="rId18"/>
+    <p:sldId id="296" r:id="rId19"/>
+    <p:sldId id="297" r:id="rId20"/>
+    <p:sldId id="299" r:id="rId21"/>
+    <p:sldId id="298" r:id="rId22"/>
   </p:sldIdLst>
   <p:sldSz cx="12192000" cy="6858000"/>
   <p:notesSz cx="6858000" cy="9144000"/>
@@ -33422,10 +33423,10 @@
       </p:grpSpPr>
       <p:sp>
         <p:nvSpPr>
-          <p:cNvPr id="2" name="Title 1">
+          <p:cNvPr id="12" name="Title 1">
             <a:extLst>
               <a:ext uri="{FF2B5EF4-FFF2-40B4-BE49-F238E27FC236}">
-                <a16:creationId xmlns:a16="http://schemas.microsoft.com/office/drawing/2014/main" id="{26DD3F61-E450-4FF2-8774-BE97CF695B68}"/>
+                <a16:creationId xmlns:a16="http://schemas.microsoft.com/office/drawing/2014/main" id="{05ACE682-1B73-40BF-BA3B-B531FBAF2E9A}"/>
               </a:ext>
             </a:extLst>
           </p:cNvPr>
@@ -33433,33 +33434,173 @@
             <a:spLocks noGrp="1"/>
           </p:cNvSpPr>
           <p:nvPr>
-            <p:ph type="ctrTitle"/>
+            <p:ph type="title"/>
           </p:nvPr>
         </p:nvSpPr>
         <p:spPr>
           <a:xfrm>
-            <a:off x="1826513" y="1553592"/>
-            <a:ext cx="8915399" cy="1453206"/>
+            <a:off x="3171682" y="1059182"/>
+            <a:ext cx="7190913" cy="1399931"/>
           </a:xfrm>
         </p:spPr>
         <p:txBody>
-          <a:bodyPr/>
+          <a:bodyPr>
+            <a:normAutofit/>
+          </a:bodyPr>
           <a:lstStyle/>
           <a:p>
             <a:pPr algn="ctr"/>
             <a:r>
-              <a:rPr lang="en-US" sz="8800" dirty="0"/>
-              <a:t>THANK YOU!</a:t>
+              <a:rPr lang="en-US" sz="4800" dirty="0"/>
+              <a:t>Project Management</a:t>
             </a:r>
+          </a:p>
+        </p:txBody>
+      </p:sp>
+      <p:sp>
+        <p:nvSpPr>
+          <p:cNvPr id="8" name="Slide Number Placeholder 5">
+            <a:extLst>
+              <a:ext uri="{FF2B5EF4-FFF2-40B4-BE49-F238E27FC236}">
+                <a16:creationId xmlns:a16="http://schemas.microsoft.com/office/drawing/2014/main" id="{974E51E9-613F-49E1-8A93-AF9AF175FA01}"/>
+              </a:ext>
+            </a:extLst>
+          </p:cNvPr>
+          <p:cNvSpPr txBox="1">
+            <a:spLocks/>
+          </p:cNvSpPr>
+          <p:nvPr/>
+        </p:nvSpPr>
+        <p:spPr bwMode="gray">
+          <a:xfrm>
+            <a:off x="11010090" y="6231913"/>
+            <a:ext cx="779767" cy="365125"/>
+          </a:xfrm>
+          <a:prstGeom prst="rect">
+            <a:avLst/>
+          </a:prstGeom>
+        </p:spPr>
+        <p:txBody>
+          <a:bodyPr vert="horz" lIns="91440" tIns="45720" rIns="91440" bIns="45720" rtlCol="0" anchor="ctr"/>
+          <a:lstStyle>
+            <a:defPPr>
+              <a:defRPr lang="en-US"/>
+            </a:defPPr>
+            <a:lvl1pPr marL="0" algn="r" defTabSz="457200" rtl="0" eaLnBrk="1" latinLnBrk="0" hangingPunct="1">
+              <a:defRPr sz="2000" kern="1200">
+                <a:solidFill>
+                  <a:srgbClr val="FEFFFF"/>
+                </a:solidFill>
+                <a:latin typeface="+mn-lt"/>
+                <a:ea typeface="+mn-ea"/>
+                <a:cs typeface="+mn-cs"/>
+              </a:defRPr>
+            </a:lvl1pPr>
+            <a:lvl2pPr marL="457200" algn="l" defTabSz="457200" rtl="0" eaLnBrk="1" latinLnBrk="0" hangingPunct="1">
+              <a:defRPr sz="1800" kern="1200">
+                <a:solidFill>
+                  <a:schemeClr val="tx1"/>
+                </a:solidFill>
+                <a:latin typeface="+mn-lt"/>
+                <a:ea typeface="+mn-ea"/>
+                <a:cs typeface="+mn-cs"/>
+              </a:defRPr>
+            </a:lvl2pPr>
+            <a:lvl3pPr marL="914400" algn="l" defTabSz="457200" rtl="0" eaLnBrk="1" latinLnBrk="0" hangingPunct="1">
+              <a:defRPr sz="1800" kern="1200">
+                <a:solidFill>
+                  <a:schemeClr val="tx1"/>
+                </a:solidFill>
+                <a:latin typeface="+mn-lt"/>
+                <a:ea typeface="+mn-ea"/>
+                <a:cs typeface="+mn-cs"/>
+              </a:defRPr>
+            </a:lvl3pPr>
+            <a:lvl4pPr marL="1371600" algn="l" defTabSz="457200" rtl="0" eaLnBrk="1" latinLnBrk="0" hangingPunct="1">
+              <a:defRPr sz="1800" kern="1200">
+                <a:solidFill>
+                  <a:schemeClr val="tx1"/>
+                </a:solidFill>
+                <a:latin typeface="+mn-lt"/>
+                <a:ea typeface="+mn-ea"/>
+                <a:cs typeface="+mn-cs"/>
+              </a:defRPr>
+            </a:lvl4pPr>
+            <a:lvl5pPr marL="1828800" algn="l" defTabSz="457200" rtl="0" eaLnBrk="1" latinLnBrk="0" hangingPunct="1">
+              <a:defRPr sz="1800" kern="1200">
+                <a:solidFill>
+                  <a:schemeClr val="tx1"/>
+                </a:solidFill>
+                <a:latin typeface="+mn-lt"/>
+                <a:ea typeface="+mn-ea"/>
+                <a:cs typeface="+mn-cs"/>
+              </a:defRPr>
+            </a:lvl5pPr>
+            <a:lvl6pPr marL="2286000" algn="l" defTabSz="457200" rtl="0" eaLnBrk="1" latinLnBrk="0" hangingPunct="1">
+              <a:defRPr sz="1800" kern="1200">
+                <a:solidFill>
+                  <a:schemeClr val="tx1"/>
+                </a:solidFill>
+                <a:latin typeface="+mn-lt"/>
+                <a:ea typeface="+mn-ea"/>
+                <a:cs typeface="+mn-cs"/>
+              </a:defRPr>
+            </a:lvl6pPr>
+            <a:lvl7pPr marL="2743200" algn="l" defTabSz="457200" rtl="0" eaLnBrk="1" latinLnBrk="0" hangingPunct="1">
+              <a:defRPr sz="1800" kern="1200">
+                <a:solidFill>
+                  <a:schemeClr val="tx1"/>
+                </a:solidFill>
+                <a:latin typeface="+mn-lt"/>
+                <a:ea typeface="+mn-ea"/>
+                <a:cs typeface="+mn-cs"/>
+              </a:defRPr>
+            </a:lvl7pPr>
+            <a:lvl8pPr marL="3200400" algn="l" defTabSz="457200" rtl="0" eaLnBrk="1" latinLnBrk="0" hangingPunct="1">
+              <a:defRPr sz="1800" kern="1200">
+                <a:solidFill>
+                  <a:schemeClr val="tx1"/>
+                </a:solidFill>
+                <a:latin typeface="+mn-lt"/>
+                <a:ea typeface="+mn-ea"/>
+                <a:cs typeface="+mn-cs"/>
+              </a:defRPr>
+            </a:lvl8pPr>
+            <a:lvl9pPr marL="3657600" algn="l" defTabSz="457200" rtl="0" eaLnBrk="1" latinLnBrk="0" hangingPunct="1">
+              <a:defRPr sz="1800" kern="1200">
+                <a:solidFill>
+                  <a:schemeClr val="tx1"/>
+                </a:solidFill>
+                <a:latin typeface="+mn-lt"/>
+                <a:ea typeface="+mn-ea"/>
+                <a:cs typeface="+mn-cs"/>
+              </a:defRPr>
+            </a:lvl9pPr>
+          </a:lstStyle>
+          <a:p>
+            <a:fld id="{19584825-D934-4E20-B0C8-29FEC7CA1AF9}" type="slidenum">
+              <a:rPr lang="en-US" smtClean="0">
+                <a:solidFill>
+                  <a:schemeClr val="tx1"/>
+                </a:solidFill>
+              </a:rPr>
+              <a:pPr/>
+              <a:t>16</a:t>
+            </a:fld>
+            <a:endParaRPr lang="en-US" dirty="0">
+              <a:solidFill>
+                <a:schemeClr val="tx1"/>
+              </a:solidFill>
+            </a:endParaRPr>
           </a:p>
         </p:txBody>
       </p:sp>
       <p:pic>
         <p:nvPicPr>
-          <p:cNvPr id="7" name="Picture 6" descr="A picture containing text, clipart&#10;&#10;Description automatically generated">
+          <p:cNvPr id="9" name="Picture 8" descr="A picture containing text, clipart&#10;&#10;Description automatically generated">
             <a:extLst>
               <a:ext uri="{FF2B5EF4-FFF2-40B4-BE49-F238E27FC236}">
-                <a16:creationId xmlns:a16="http://schemas.microsoft.com/office/drawing/2014/main" id="{E7A51F21-F5D0-4233-A9C2-99C28620546F}"/>
+                <a16:creationId xmlns:a16="http://schemas.microsoft.com/office/drawing/2014/main" id="{942D71B3-CD34-43E5-9D3F-BA2819AE22EA}"/>
               </a:ext>
             </a:extLst>
           </p:cNvPr>
@@ -33481,7 +33622,7 @@
         </p:blipFill>
         <p:spPr>
           <a:xfrm>
-            <a:off x="397946" y="170585"/>
+            <a:off x="10608300" y="437028"/>
             <a:ext cx="1428567" cy="1066632"/>
           </a:xfrm>
           <a:prstGeom prst="rect">
@@ -33491,10 +33632,10 @@
       </p:pic>
       <p:pic>
         <p:nvPicPr>
-          <p:cNvPr id="6" name="Picture 5" descr="Logo&#10;&#10;Description automatically generated">
+          <p:cNvPr id="13" name="Picture 12" descr="Logo&#10;&#10;Description automatically generated">
             <a:extLst>
               <a:ext uri="{FF2B5EF4-FFF2-40B4-BE49-F238E27FC236}">
-                <a16:creationId xmlns:a16="http://schemas.microsoft.com/office/drawing/2014/main" id="{675EF008-C68D-4D5B-8BC7-AEE6584ABFB0}"/>
+                <a16:creationId xmlns:a16="http://schemas.microsoft.com/office/drawing/2014/main" id="{0B34AC09-580D-4C50-930A-7592EF4E9F8E}"/>
               </a:ext>
             </a:extLst>
           </p:cNvPr>
@@ -33517,7 +33658,7 @@
         </p:blipFill>
         <p:spPr>
           <a:xfrm>
-            <a:off x="10573910" y="233315"/>
+            <a:off x="1829405" y="499758"/>
             <a:ext cx="1376588" cy="941171"/>
           </a:xfrm>
           <a:prstGeom prst="rect">
@@ -33527,10 +33668,10 @@
       </p:pic>
       <p:pic>
         <p:nvPicPr>
-          <p:cNvPr id="5" name="Picture 13" descr="Icon&#10;&#10;Description automatically generated">
+          <p:cNvPr id="3" name="Picture 2" descr="A picture containing diagram&#10;&#10;Description automatically generated">
             <a:extLst>
               <a:ext uri="{FF2B5EF4-FFF2-40B4-BE49-F238E27FC236}">
-                <a16:creationId xmlns:a16="http://schemas.microsoft.com/office/drawing/2014/main" id="{914F1D4F-30BC-45BB-8EC2-00CC19A18DCC}"/>
+                <a16:creationId xmlns:a16="http://schemas.microsoft.com/office/drawing/2014/main" id="{CD12ABBF-36B5-4D87-9893-8515F6687DB9}"/>
               </a:ext>
             </a:extLst>
           </p:cNvPr>
@@ -33540,7 +33681,7 @@
           <p:nvPr/>
         </p:nvPicPr>
         <p:blipFill>
-          <a:blip r:embed="rId4" cstate="hqprint">
+          <a:blip r:embed="rId4">
             <a:extLst>
               <a:ext uri="{28A0092B-C50C-407E-A947-70E740481C1C}">
                 <a14:useLocalDpi xmlns:a14="http://schemas.microsoft.com/office/drawing/2010/main" val="0"/>
@@ -33553,8 +33694,8 @@
         </p:blipFill>
         <p:spPr>
           <a:xfrm>
-            <a:off x="4412266" y="3595128"/>
-            <a:ext cx="1090453" cy="1090453"/>
+            <a:off x="745723" y="1647736"/>
+            <a:ext cx="2037470" cy="5030291"/>
           </a:xfrm>
           <a:prstGeom prst="rect">
             <a:avLst/>
@@ -33563,10 +33704,10 @@
       </p:pic>
       <p:sp>
         <p:nvSpPr>
-          <p:cNvPr id="8" name="Content Placeholder 3">
+          <p:cNvPr id="10" name="Content Placeholder 3">
             <a:extLst>
               <a:ext uri="{FF2B5EF4-FFF2-40B4-BE49-F238E27FC236}">
-                <a16:creationId xmlns:a16="http://schemas.microsoft.com/office/drawing/2014/main" id="{F5FF3443-C112-4233-941C-F1489FF9B8C3}"/>
+                <a16:creationId xmlns:a16="http://schemas.microsoft.com/office/drawing/2014/main" id="{8944DEE3-5D62-4D21-9C8E-07C1A4BF436E}"/>
               </a:ext>
             </a:extLst>
           </p:cNvPr>
@@ -33577,7 +33718,7 @@
         </p:nvSpPr>
         <p:spPr>
           <a:xfrm>
-            <a:off x="1188430" y="5404794"/>
+            <a:off x="2517699" y="2291934"/>
             <a:ext cx="10191564" cy="1453206"/>
           </a:xfrm>
           <a:prstGeom prst="rect">
@@ -33850,6 +33991,213 @@
       </p:sp>
       <p:pic>
         <p:nvPicPr>
+          <p:cNvPr id="6" name="Picture 5" descr="Diagram&#10;&#10;Description automatically generated">
+            <a:extLst>
+              <a:ext uri="{FF2B5EF4-FFF2-40B4-BE49-F238E27FC236}">
+                <a16:creationId xmlns:a16="http://schemas.microsoft.com/office/drawing/2014/main" id="{BD166E1E-DA92-4203-AD30-78163514CD38}"/>
+              </a:ext>
+            </a:extLst>
+          </p:cNvPr>
+          <p:cNvPicPr>
+            <a:picLocks noChangeAspect="1"/>
+          </p:cNvPicPr>
+          <p:nvPr/>
+        </p:nvPicPr>
+        <p:blipFill>
+          <a:blip r:embed="rId5">
+            <a:extLst>
+              <a:ext uri="{28A0092B-C50C-407E-A947-70E740481C1C}">
+                <a14:useLocalDpi xmlns:a14="http://schemas.microsoft.com/office/drawing/2010/main" val="0"/>
+              </a:ext>
+            </a:extLst>
+          </a:blip>
+          <a:stretch>
+            <a:fillRect/>
+          </a:stretch>
+        </p:blipFill>
+        <p:spPr>
+          <a:xfrm>
+            <a:off x="5507853" y="3489907"/>
+            <a:ext cx="4476750" cy="3286125"/>
+          </a:xfrm>
+          <a:prstGeom prst="rect">
+            <a:avLst/>
+          </a:prstGeom>
+        </p:spPr>
+      </p:pic>
+    </p:spTree>
+    <p:extLst>
+      <p:ext uri="{BB962C8B-B14F-4D97-AF65-F5344CB8AC3E}">
+        <p14:creationId xmlns:p14="http://schemas.microsoft.com/office/powerpoint/2010/main" val="2506095847"/>
+      </p:ext>
+    </p:extLst>
+  </p:cSld>
+  <p:clrMapOvr>
+    <a:masterClrMapping/>
+  </p:clrMapOvr>
+</p:sld>
+</file>
+
+<file path=ppt/slides/slide17.xml><?xml version="1.0" encoding="utf-8"?>
+<p:sld xmlns:a="http://schemas.openxmlformats.org/drawingml/2006/main" xmlns:r="http://schemas.openxmlformats.org/officeDocument/2006/relationships" xmlns:p="http://schemas.openxmlformats.org/presentationml/2006/main">
+  <p:cSld>
+    <p:spTree>
+      <p:nvGrpSpPr>
+        <p:cNvPr id="1" name=""/>
+        <p:cNvGrpSpPr/>
+        <p:nvPr/>
+      </p:nvGrpSpPr>
+      <p:grpSpPr>
+        <a:xfrm>
+          <a:off x="0" y="0"/>
+          <a:ext cx="0" cy="0"/>
+          <a:chOff x="0" y="0"/>
+          <a:chExt cx="0" cy="0"/>
+        </a:xfrm>
+      </p:grpSpPr>
+      <p:sp>
+        <p:nvSpPr>
+          <p:cNvPr id="2" name="Title 1">
+            <a:extLst>
+              <a:ext uri="{FF2B5EF4-FFF2-40B4-BE49-F238E27FC236}">
+                <a16:creationId xmlns:a16="http://schemas.microsoft.com/office/drawing/2014/main" id="{26DD3F61-E450-4FF2-8774-BE97CF695B68}"/>
+              </a:ext>
+            </a:extLst>
+          </p:cNvPr>
+          <p:cNvSpPr>
+            <a:spLocks noGrp="1"/>
+          </p:cNvSpPr>
+          <p:nvPr>
+            <p:ph type="ctrTitle"/>
+          </p:nvPr>
+        </p:nvSpPr>
+        <p:spPr>
+          <a:xfrm>
+            <a:off x="1826513" y="1553592"/>
+            <a:ext cx="8915399" cy="1453206"/>
+          </a:xfrm>
+        </p:spPr>
+        <p:txBody>
+          <a:bodyPr/>
+          <a:lstStyle/>
+          <a:p>
+            <a:pPr algn="ctr"/>
+            <a:r>
+              <a:rPr lang="en-US" sz="8800" dirty="0"/>
+              <a:t>THANK YOU!</a:t>
+            </a:r>
+          </a:p>
+        </p:txBody>
+      </p:sp>
+      <p:pic>
+        <p:nvPicPr>
+          <p:cNvPr id="7" name="Picture 6" descr="A picture containing text, clipart&#10;&#10;Description automatically generated">
+            <a:extLst>
+              <a:ext uri="{FF2B5EF4-FFF2-40B4-BE49-F238E27FC236}">
+                <a16:creationId xmlns:a16="http://schemas.microsoft.com/office/drawing/2014/main" id="{E7A51F21-F5D0-4233-A9C2-99C28620546F}"/>
+              </a:ext>
+            </a:extLst>
+          </p:cNvPr>
+          <p:cNvPicPr>
+            <a:picLocks noChangeAspect="1"/>
+          </p:cNvPicPr>
+          <p:nvPr/>
+        </p:nvPicPr>
+        <p:blipFill rotWithShape="1">
+          <a:blip r:embed="rId2">
+            <a:extLst>
+              <a:ext uri="{28A0092B-C50C-407E-A947-70E740481C1C}">
+                <a14:useLocalDpi xmlns:a14="http://schemas.microsoft.com/office/drawing/2010/main" val="0"/>
+              </a:ext>
+            </a:extLst>
+          </a:blip>
+          <a:srcRect r="57677"/>
+          <a:stretch/>
+        </p:blipFill>
+        <p:spPr>
+          <a:xfrm>
+            <a:off x="397946" y="170585"/>
+            <a:ext cx="1428567" cy="1066632"/>
+          </a:xfrm>
+          <a:prstGeom prst="rect">
+            <a:avLst/>
+          </a:prstGeom>
+        </p:spPr>
+      </p:pic>
+      <p:pic>
+        <p:nvPicPr>
+          <p:cNvPr id="6" name="Picture 5" descr="Logo&#10;&#10;Description automatically generated">
+            <a:extLst>
+              <a:ext uri="{FF2B5EF4-FFF2-40B4-BE49-F238E27FC236}">
+                <a16:creationId xmlns:a16="http://schemas.microsoft.com/office/drawing/2014/main" id="{675EF008-C68D-4D5B-8BC7-AEE6584ABFB0}"/>
+              </a:ext>
+            </a:extLst>
+          </p:cNvPr>
+          <p:cNvPicPr>
+            <a:picLocks noChangeAspect="1"/>
+          </p:cNvPicPr>
+          <p:nvPr/>
+        </p:nvPicPr>
+        <p:blipFill>
+          <a:blip r:embed="rId3">
+            <a:extLst>
+              <a:ext uri="{28A0092B-C50C-407E-A947-70E740481C1C}">
+                <a14:useLocalDpi xmlns:a14="http://schemas.microsoft.com/office/drawing/2010/main" val="0"/>
+              </a:ext>
+            </a:extLst>
+          </a:blip>
+          <a:stretch>
+            <a:fillRect/>
+          </a:stretch>
+        </p:blipFill>
+        <p:spPr>
+          <a:xfrm>
+            <a:off x="10573910" y="233315"/>
+            <a:ext cx="1376588" cy="941171"/>
+          </a:xfrm>
+          <a:prstGeom prst="rect">
+            <a:avLst/>
+          </a:prstGeom>
+        </p:spPr>
+      </p:pic>
+      <p:pic>
+        <p:nvPicPr>
+          <p:cNvPr id="5" name="Picture 13" descr="Icon&#10;&#10;Description automatically generated">
+            <a:extLst>
+              <a:ext uri="{FF2B5EF4-FFF2-40B4-BE49-F238E27FC236}">
+                <a16:creationId xmlns:a16="http://schemas.microsoft.com/office/drawing/2014/main" id="{914F1D4F-30BC-45BB-8EC2-00CC19A18DCC}"/>
+              </a:ext>
+            </a:extLst>
+          </p:cNvPr>
+          <p:cNvPicPr>
+            <a:picLocks noChangeAspect="1"/>
+          </p:cNvPicPr>
+          <p:nvPr/>
+        </p:nvPicPr>
+        <p:blipFill>
+          <a:blip r:embed="rId4" cstate="hqprint">
+            <a:extLst>
+              <a:ext uri="{28A0092B-C50C-407E-A947-70E740481C1C}">
+                <a14:useLocalDpi xmlns:a14="http://schemas.microsoft.com/office/drawing/2010/main" val="0"/>
+              </a:ext>
+            </a:extLst>
+          </a:blip>
+          <a:stretch>
+            <a:fillRect/>
+          </a:stretch>
+        </p:blipFill>
+        <p:spPr>
+          <a:xfrm>
+            <a:off x="4412266" y="3595128"/>
+            <a:ext cx="1090453" cy="1090453"/>
+          </a:xfrm>
+          <a:prstGeom prst="rect">
+            <a:avLst/>
+          </a:prstGeom>
+        </p:spPr>
+      </p:pic>
+      <p:pic>
+        <p:nvPicPr>
           <p:cNvPr id="4" name="Picture 3" descr="Graphical user interface&#10;&#10;Description automatically generated">
             <a:extLst>
               <a:ext uri="{FF2B5EF4-FFF2-40B4-BE49-F238E27FC236}">
@@ -33897,7 +34245,7 @@
 </p:sld>
 </file>
 
-<file path=ppt/slides/slide17.xml><?xml version="1.0" encoding="utf-8"?>
+<file path=ppt/slides/slide18.xml><?xml version="1.0" encoding="utf-8"?>
 <p:sld xmlns:a="http://schemas.openxmlformats.org/drawingml/2006/main" xmlns:r="http://schemas.openxmlformats.org/officeDocument/2006/relationships" xmlns:p="http://schemas.openxmlformats.org/presentationml/2006/main">
   <p:cSld>
     <p:spTree>
@@ -34058,7 +34406,7 @@
 </p:sld>
 </file>
 
-<file path=ppt/slides/slide18.xml><?xml version="1.0" encoding="utf-8"?>
+<file path=ppt/slides/slide19.xml><?xml version="1.0" encoding="utf-8"?>
 <p:sld xmlns:a="http://schemas.openxmlformats.org/drawingml/2006/main" xmlns:r="http://schemas.openxmlformats.org/officeDocument/2006/relationships" xmlns:p="http://schemas.openxmlformats.org/presentationml/2006/main">
   <p:cSld>
     <p:spTree>
@@ -34180,143 +34528,6 @@
     <p:extLst>
       <p:ext uri="{BB962C8B-B14F-4D97-AF65-F5344CB8AC3E}">
         <p14:creationId xmlns:p14="http://schemas.microsoft.com/office/powerpoint/2010/main" val="1057061853"/>
-      </p:ext>
-    </p:extLst>
-  </p:cSld>
-  <p:clrMapOvr>
-    <a:masterClrMapping/>
-  </p:clrMapOvr>
-</p:sld>
-</file>
-
-<file path=ppt/slides/slide19.xml><?xml version="1.0" encoding="utf-8"?>
-<p:sld xmlns:a="http://schemas.openxmlformats.org/drawingml/2006/main" xmlns:r="http://schemas.openxmlformats.org/officeDocument/2006/relationships" xmlns:p="http://schemas.openxmlformats.org/presentationml/2006/main">
-  <p:cSld>
-    <p:spTree>
-      <p:nvGrpSpPr>
-        <p:cNvPr id="1" name=""/>
-        <p:cNvGrpSpPr/>
-        <p:nvPr/>
-      </p:nvGrpSpPr>
-      <p:grpSpPr>
-        <a:xfrm>
-          <a:off x="0" y="0"/>
-          <a:ext cx="0" cy="0"/>
-          <a:chOff x="0" y="0"/>
-          <a:chExt cx="0" cy="0"/>
-        </a:xfrm>
-      </p:grpSpPr>
-      <p:pic>
-        <p:nvPicPr>
-          <p:cNvPr id="7" name="Picture 6" descr="A picture containing text, clipart&#10;&#10;Description automatically generated">
-            <a:extLst>
-              <a:ext uri="{FF2B5EF4-FFF2-40B4-BE49-F238E27FC236}">
-                <a16:creationId xmlns:a16="http://schemas.microsoft.com/office/drawing/2014/main" id="{E7A51F21-F5D0-4233-A9C2-99C28620546F}"/>
-              </a:ext>
-            </a:extLst>
-          </p:cNvPr>
-          <p:cNvPicPr>
-            <a:picLocks noChangeAspect="1"/>
-          </p:cNvPicPr>
-          <p:nvPr/>
-        </p:nvPicPr>
-        <p:blipFill rotWithShape="1">
-          <a:blip r:embed="rId2">
-            <a:extLst>
-              <a:ext uri="{28A0092B-C50C-407E-A947-70E740481C1C}">
-                <a14:useLocalDpi xmlns:a14="http://schemas.microsoft.com/office/drawing/2010/main" val="0"/>
-              </a:ext>
-            </a:extLst>
-          </a:blip>
-          <a:srcRect r="57677"/>
-          <a:stretch/>
-        </p:blipFill>
-        <p:spPr>
-          <a:xfrm>
-            <a:off x="397946" y="170585"/>
-            <a:ext cx="1428567" cy="1066632"/>
-          </a:xfrm>
-          <a:prstGeom prst="rect">
-            <a:avLst/>
-          </a:prstGeom>
-        </p:spPr>
-      </p:pic>
-      <p:pic>
-        <p:nvPicPr>
-          <p:cNvPr id="6" name="Picture 5" descr="Logo&#10;&#10;Description automatically generated">
-            <a:extLst>
-              <a:ext uri="{FF2B5EF4-FFF2-40B4-BE49-F238E27FC236}">
-                <a16:creationId xmlns:a16="http://schemas.microsoft.com/office/drawing/2014/main" id="{675EF008-C68D-4D5B-8BC7-AEE6584ABFB0}"/>
-              </a:ext>
-            </a:extLst>
-          </p:cNvPr>
-          <p:cNvPicPr>
-            <a:picLocks noChangeAspect="1"/>
-          </p:cNvPicPr>
-          <p:nvPr/>
-        </p:nvPicPr>
-        <p:blipFill>
-          <a:blip r:embed="rId3">
-            <a:extLst>
-              <a:ext uri="{28A0092B-C50C-407E-A947-70E740481C1C}">
-                <a14:useLocalDpi xmlns:a14="http://schemas.microsoft.com/office/drawing/2010/main" val="0"/>
-              </a:ext>
-            </a:extLst>
-          </a:blip>
-          <a:stretch>
-            <a:fillRect/>
-          </a:stretch>
-        </p:blipFill>
-        <p:spPr>
-          <a:xfrm>
-            <a:off x="10573910" y="233315"/>
-            <a:ext cx="1376588" cy="941171"/>
-          </a:xfrm>
-          <a:prstGeom prst="rect">
-            <a:avLst/>
-          </a:prstGeom>
-        </p:spPr>
-      </p:pic>
-      <p:pic>
-        <p:nvPicPr>
-          <p:cNvPr id="3" name="Picture 2" descr="Chart, radar chart&#10;&#10;Description automatically generated">
-            <a:extLst>
-              <a:ext uri="{FF2B5EF4-FFF2-40B4-BE49-F238E27FC236}">
-                <a16:creationId xmlns:a16="http://schemas.microsoft.com/office/drawing/2014/main" id="{13359C69-24F6-4122-BA27-088A647B181F}"/>
-              </a:ext>
-            </a:extLst>
-          </p:cNvPr>
-          <p:cNvPicPr>
-            <a:picLocks noChangeAspect="1"/>
-          </p:cNvPicPr>
-          <p:nvPr/>
-        </p:nvPicPr>
-        <p:blipFill>
-          <a:blip r:embed="rId4">
-            <a:extLst>
-              <a:ext uri="{28A0092B-C50C-407E-A947-70E740481C1C}">
-                <a14:useLocalDpi xmlns:a14="http://schemas.microsoft.com/office/drawing/2010/main" val="0"/>
-              </a:ext>
-            </a:extLst>
-          </a:blip>
-          <a:stretch>
-            <a:fillRect/>
-          </a:stretch>
-        </p:blipFill>
-        <p:spPr>
-          <a:xfrm>
-            <a:off x="3107530" y="1367420"/>
-            <a:ext cx="6770356" cy="5077767"/>
-          </a:xfrm>
-          <a:prstGeom prst="rect">
-            <a:avLst/>
-          </a:prstGeom>
-        </p:spPr>
-      </p:pic>
-    </p:spTree>
-    <p:extLst>
-      <p:ext uri="{BB962C8B-B14F-4D97-AF65-F5344CB8AC3E}">
-        <p14:creationId xmlns:p14="http://schemas.microsoft.com/office/powerpoint/2010/main" val="3858505698"/>
       </p:ext>
     </p:extLst>
   </p:cSld>
@@ -34508,6 +34719,143 @@
           <a:chExt cx="0" cy="0"/>
         </a:xfrm>
       </p:grpSpPr>
+      <p:pic>
+        <p:nvPicPr>
+          <p:cNvPr id="7" name="Picture 6" descr="A picture containing text, clipart&#10;&#10;Description automatically generated">
+            <a:extLst>
+              <a:ext uri="{FF2B5EF4-FFF2-40B4-BE49-F238E27FC236}">
+                <a16:creationId xmlns:a16="http://schemas.microsoft.com/office/drawing/2014/main" id="{E7A51F21-F5D0-4233-A9C2-99C28620546F}"/>
+              </a:ext>
+            </a:extLst>
+          </p:cNvPr>
+          <p:cNvPicPr>
+            <a:picLocks noChangeAspect="1"/>
+          </p:cNvPicPr>
+          <p:nvPr/>
+        </p:nvPicPr>
+        <p:blipFill rotWithShape="1">
+          <a:blip r:embed="rId2">
+            <a:extLst>
+              <a:ext uri="{28A0092B-C50C-407E-A947-70E740481C1C}">
+                <a14:useLocalDpi xmlns:a14="http://schemas.microsoft.com/office/drawing/2010/main" val="0"/>
+              </a:ext>
+            </a:extLst>
+          </a:blip>
+          <a:srcRect r="57677"/>
+          <a:stretch/>
+        </p:blipFill>
+        <p:spPr>
+          <a:xfrm>
+            <a:off x="397946" y="170585"/>
+            <a:ext cx="1428567" cy="1066632"/>
+          </a:xfrm>
+          <a:prstGeom prst="rect">
+            <a:avLst/>
+          </a:prstGeom>
+        </p:spPr>
+      </p:pic>
+      <p:pic>
+        <p:nvPicPr>
+          <p:cNvPr id="6" name="Picture 5" descr="Logo&#10;&#10;Description automatically generated">
+            <a:extLst>
+              <a:ext uri="{FF2B5EF4-FFF2-40B4-BE49-F238E27FC236}">
+                <a16:creationId xmlns:a16="http://schemas.microsoft.com/office/drawing/2014/main" id="{675EF008-C68D-4D5B-8BC7-AEE6584ABFB0}"/>
+              </a:ext>
+            </a:extLst>
+          </p:cNvPr>
+          <p:cNvPicPr>
+            <a:picLocks noChangeAspect="1"/>
+          </p:cNvPicPr>
+          <p:nvPr/>
+        </p:nvPicPr>
+        <p:blipFill>
+          <a:blip r:embed="rId3">
+            <a:extLst>
+              <a:ext uri="{28A0092B-C50C-407E-A947-70E740481C1C}">
+                <a14:useLocalDpi xmlns:a14="http://schemas.microsoft.com/office/drawing/2010/main" val="0"/>
+              </a:ext>
+            </a:extLst>
+          </a:blip>
+          <a:stretch>
+            <a:fillRect/>
+          </a:stretch>
+        </p:blipFill>
+        <p:spPr>
+          <a:xfrm>
+            <a:off x="10573910" y="233315"/>
+            <a:ext cx="1376588" cy="941171"/>
+          </a:xfrm>
+          <a:prstGeom prst="rect">
+            <a:avLst/>
+          </a:prstGeom>
+        </p:spPr>
+      </p:pic>
+      <p:pic>
+        <p:nvPicPr>
+          <p:cNvPr id="3" name="Picture 2" descr="Chart, radar chart&#10;&#10;Description automatically generated">
+            <a:extLst>
+              <a:ext uri="{FF2B5EF4-FFF2-40B4-BE49-F238E27FC236}">
+                <a16:creationId xmlns:a16="http://schemas.microsoft.com/office/drawing/2014/main" id="{13359C69-24F6-4122-BA27-088A647B181F}"/>
+              </a:ext>
+            </a:extLst>
+          </p:cNvPr>
+          <p:cNvPicPr>
+            <a:picLocks noChangeAspect="1"/>
+          </p:cNvPicPr>
+          <p:nvPr/>
+        </p:nvPicPr>
+        <p:blipFill>
+          <a:blip r:embed="rId4">
+            <a:extLst>
+              <a:ext uri="{28A0092B-C50C-407E-A947-70E740481C1C}">
+                <a14:useLocalDpi xmlns:a14="http://schemas.microsoft.com/office/drawing/2010/main" val="0"/>
+              </a:ext>
+            </a:extLst>
+          </a:blip>
+          <a:stretch>
+            <a:fillRect/>
+          </a:stretch>
+        </p:blipFill>
+        <p:spPr>
+          <a:xfrm>
+            <a:off x="3107530" y="1367420"/>
+            <a:ext cx="6770356" cy="5077767"/>
+          </a:xfrm>
+          <a:prstGeom prst="rect">
+            <a:avLst/>
+          </a:prstGeom>
+        </p:spPr>
+      </p:pic>
+    </p:spTree>
+    <p:extLst>
+      <p:ext uri="{BB962C8B-B14F-4D97-AF65-F5344CB8AC3E}">
+        <p14:creationId xmlns:p14="http://schemas.microsoft.com/office/powerpoint/2010/main" val="3858505698"/>
+      </p:ext>
+    </p:extLst>
+  </p:cSld>
+  <p:clrMapOvr>
+    <a:masterClrMapping/>
+  </p:clrMapOvr>
+</p:sld>
+</file>
+
+<file path=ppt/slides/slide21.xml><?xml version="1.0" encoding="utf-8"?>
+<p:sld xmlns:a="http://schemas.openxmlformats.org/drawingml/2006/main" xmlns:r="http://schemas.openxmlformats.org/officeDocument/2006/relationships" xmlns:p="http://schemas.openxmlformats.org/presentationml/2006/main">
+  <p:cSld>
+    <p:spTree>
+      <p:nvGrpSpPr>
+        <p:cNvPr id="1" name=""/>
+        <p:cNvGrpSpPr/>
+        <p:nvPr/>
+      </p:nvGrpSpPr>
+      <p:grpSpPr>
+        <a:xfrm>
+          <a:off x="0" y="0"/>
+          <a:ext cx="0" cy="0"/>
+          <a:chOff x="0" y="0"/>
+          <a:chExt cx="0" cy="0"/>
+        </a:xfrm>
+      </p:grpSpPr>
       <p:sp>
         <p:nvSpPr>
           <p:cNvPr id="3" name="Content Placeholder 2">
@@ -34575,7 +34923,7 @@
           <a:p>
             <a:fld id="{19584825-D934-4E20-B0C8-29FEC7CA1AF9}" type="slidenum">
               <a:rPr lang="en-US" smtClean="0"/>
-              <a:t>20</a:t>
+              <a:t>21</a:t>
             </a:fld>
             <a:endParaRPr lang="en-US"/>
           </a:p>
